--- a/niti aayog.pptx
+++ b/niti aayog.pptx
@@ -6,7 +6,7 @@
     <p:sldMasterId id="2147483662" r:id="rId2"/>
   </p:sldMasterIdLst>
   <p:notesMasterIdLst>
-    <p:notesMasterId r:id="rId15"/>
+    <p:notesMasterId r:id="rId17"/>
   </p:notesMasterIdLst>
   <p:sldIdLst>
     <p:sldId id="256" r:id="rId3"/>
@@ -14,37 +14,39 @@
     <p:sldId id="257" r:id="rId5"/>
     <p:sldId id="304" r:id="rId6"/>
     <p:sldId id="313" r:id="rId7"/>
-    <p:sldId id="317" r:id="rId8"/>
-    <p:sldId id="316" r:id="rId9"/>
-    <p:sldId id="258" r:id="rId10"/>
-    <p:sldId id="312" r:id="rId11"/>
-    <p:sldId id="319" r:id="rId12"/>
-    <p:sldId id="307" r:id="rId13"/>
-    <p:sldId id="291" r:id="rId14"/>
+    <p:sldId id="321" r:id="rId8"/>
+    <p:sldId id="317" r:id="rId9"/>
+    <p:sldId id="316" r:id="rId10"/>
+    <p:sldId id="320" r:id="rId11"/>
+    <p:sldId id="258" r:id="rId12"/>
+    <p:sldId id="312" r:id="rId13"/>
+    <p:sldId id="319" r:id="rId14"/>
+    <p:sldId id="307" r:id="rId15"/>
+    <p:sldId id="291" r:id="rId16"/>
   </p:sldIdLst>
   <p:sldSz cx="9144000" cy="5143500" type="screen16x9"/>
   <p:notesSz cx="6858000" cy="9144000"/>
   <p:embeddedFontLst>
     <p:embeddedFont>
       <p:font typeface="Nunito Sans" charset="0"/>
-      <p:regular r:id="rId16"/>
-      <p:bold r:id="rId17"/>
-      <p:italic r:id="rId18"/>
-      <p:boldItalic r:id="rId19"/>
+      <p:regular r:id="rId18"/>
+      <p:bold r:id="rId19"/>
+      <p:italic r:id="rId20"/>
+      <p:boldItalic r:id="rId21"/>
     </p:embeddedFont>
     <p:embeddedFont>
       <p:font typeface="Georgia" pitchFamily="18" charset="0"/>
-      <p:regular r:id="rId20"/>
-      <p:bold r:id="rId21"/>
-      <p:italic r:id="rId22"/>
-      <p:boldItalic r:id="rId23"/>
+      <p:regular r:id="rId22"/>
+      <p:bold r:id="rId23"/>
+      <p:italic r:id="rId24"/>
+      <p:boldItalic r:id="rId25"/>
     </p:embeddedFont>
     <p:embeddedFont>
       <p:font typeface="Calibri" pitchFamily="34" charset="0"/>
-      <p:regular r:id="rId24"/>
-      <p:bold r:id="rId25"/>
-      <p:italic r:id="rId26"/>
-      <p:boldItalic r:id="rId27"/>
+      <p:regular r:id="rId26"/>
+      <p:bold r:id="rId27"/>
+      <p:italic r:id="rId28"/>
+      <p:boldItalic r:id="rId29"/>
     </p:embeddedFont>
   </p:embeddedFontLst>
   <p:defaultTextStyle>
@@ -278,7 +280,7 @@
   </p:defaultTextStyle>
   <p:extLst>
     <p:ext uri="{EFAFB233-063F-42B5-8137-9DF3F51BA10A}">
-      <p15:sldGuideLst xmlns="" xmlns:p15="http://schemas.microsoft.com/office/powerpoint/2012/main"/>
+      <p15:sldGuideLst xmlns:p15="http://schemas.microsoft.com/office/powerpoint/2012/main" xmlns=""/>
     </p:ext>
   </p:extLst>
 </p:presentation>
@@ -1370,21 +1372,21 @@
     </dgm:pt>
   </dgm:ptLst>
   <dgm:cxnLst>
+    <dgm:cxn modelId="{C87AE8CB-E475-4A2A-AA68-FB983048AE9E}" srcId="{512E5645-C5EF-430A-8BF1-4E8C849BDA46}" destId="{3BE4A7D9-E588-463A-A009-3194A0C577BB}" srcOrd="2" destOrd="0" parTransId="{4860B775-60C2-473F-8C16-EF105C12A1D4}" sibTransId="{405D46EC-F069-4D2B-B065-43DB58F909CF}"/>
+    <dgm:cxn modelId="{5D5E8550-59B0-4ADD-B74C-995E04B84252}" type="presOf" srcId="{A47C684C-ED1D-48A1-BF8C-23D4C8C9E4C9}" destId="{99AB8399-AD81-4E4E-B940-70C275D844AA}" srcOrd="0" destOrd="0" presId="urn:microsoft.com/office/officeart/2008/layout/RadialCluster"/>
+    <dgm:cxn modelId="{6B5BC26F-E9D6-4C7D-A062-81AF5559B930}" type="presOf" srcId="{5EEAFCFD-1492-4DBE-B7B2-71ACA8005FBD}" destId="{44148B52-23A4-40F5-8616-0136CE00F51F}" srcOrd="0" destOrd="0" presId="urn:microsoft.com/office/officeart/2008/layout/RadialCluster"/>
+    <dgm:cxn modelId="{27027240-0C91-4DAA-A745-1E25057CD9B3}" type="presOf" srcId="{E56D2D4E-BE20-4FB7-B8C6-713F3712D9BF}" destId="{E6A797E0-8EE9-41A3-9899-125CD86CAE34}" srcOrd="0" destOrd="0" presId="urn:microsoft.com/office/officeart/2008/layout/RadialCluster"/>
+    <dgm:cxn modelId="{290791FC-F34F-4412-9B2E-62CA8D605487}" srcId="{512E5645-C5EF-430A-8BF1-4E8C849BDA46}" destId="{652ED845-19EE-4598-8389-AE44C474A137}" srcOrd="0" destOrd="0" parTransId="{8F31FF4C-8D7C-4FB3-A441-DBD34D29727A}" sibTransId="{E0B78913-E07A-4503-9B94-FCCD374E690B}"/>
+    <dgm:cxn modelId="{F9D3DD05-9607-4965-A6A1-BFF4436A700F}" type="presOf" srcId="{3BE4A7D9-E588-463A-A009-3194A0C577BB}" destId="{E5140865-17C7-4FBE-9777-0D07EB32EB57}" srcOrd="0" destOrd="0" presId="urn:microsoft.com/office/officeart/2008/layout/RadialCluster"/>
+    <dgm:cxn modelId="{5B674271-88DE-4D30-BE41-89519171754F}" type="presOf" srcId="{56377AEC-0D57-44FE-ABC5-65855C89A8DA}" destId="{1D86B607-D35A-4BF9-882C-F81BC3B1232D}" srcOrd="0" destOrd="0" presId="urn:microsoft.com/office/officeart/2008/layout/RadialCluster"/>
+    <dgm:cxn modelId="{3B84C12B-4D3F-4F85-8B49-F26E4C0433E1}" type="presOf" srcId="{512E5645-C5EF-430A-8BF1-4E8C849BDA46}" destId="{296A28C2-222C-418D-9590-65E749265172}" srcOrd="0" destOrd="0" presId="urn:microsoft.com/office/officeart/2008/layout/RadialCluster"/>
+    <dgm:cxn modelId="{162C6022-B3CA-45F2-8004-771C606B7882}" type="presOf" srcId="{8F31FF4C-8D7C-4FB3-A441-DBD34D29727A}" destId="{E4AE0F24-A86E-4833-A9B4-EDBB1FCDF27B}" srcOrd="0" destOrd="0" presId="urn:microsoft.com/office/officeart/2008/layout/RadialCluster"/>
+    <dgm:cxn modelId="{D69C5DAE-7333-49EF-BC46-B333A4D8B548}" type="presOf" srcId="{652ED845-19EE-4598-8389-AE44C474A137}" destId="{B6D05007-5ACE-4BAF-9674-4B591AB9FC6A}" srcOrd="0" destOrd="0" presId="urn:microsoft.com/office/officeart/2008/layout/RadialCluster"/>
     <dgm:cxn modelId="{CEFEC108-8F4E-4E32-9921-59021EAEBAD7}" type="presOf" srcId="{4860B775-60C2-473F-8C16-EF105C12A1D4}" destId="{55154FEA-AB0D-432F-BB82-E8CC84072A0D}" srcOrd="0" destOrd="0" presId="urn:microsoft.com/office/officeart/2008/layout/RadialCluster"/>
-    <dgm:cxn modelId="{F9D3DD05-9607-4965-A6A1-BFF4436A700F}" type="presOf" srcId="{3BE4A7D9-E588-463A-A009-3194A0C577BB}" destId="{E5140865-17C7-4FBE-9777-0D07EB32EB57}" srcOrd="0" destOrd="0" presId="urn:microsoft.com/office/officeart/2008/layout/RadialCluster"/>
     <dgm:cxn modelId="{C5586D30-83AD-49C2-B544-7327869E7414}" type="presOf" srcId="{2BB7E9DD-EEF4-47A0-BCF7-A3F669FEB037}" destId="{A4DE77F0-35E7-4D8C-8611-BA77263AC4E2}" srcOrd="0" destOrd="0" presId="urn:microsoft.com/office/officeart/2008/layout/RadialCluster"/>
-    <dgm:cxn modelId="{3B84C12B-4D3F-4F85-8B49-F26E4C0433E1}" type="presOf" srcId="{512E5645-C5EF-430A-8BF1-4E8C849BDA46}" destId="{296A28C2-222C-418D-9590-65E749265172}" srcOrd="0" destOrd="0" presId="urn:microsoft.com/office/officeart/2008/layout/RadialCluster"/>
+    <dgm:cxn modelId="{6A3F082B-2165-449F-92AC-041B60A8FCBC}" srcId="{A47C684C-ED1D-48A1-BF8C-23D4C8C9E4C9}" destId="{512E5645-C5EF-430A-8BF1-4E8C849BDA46}" srcOrd="0" destOrd="0" parTransId="{107B67A0-2338-44C6-848D-DAE85F6556B5}" sibTransId="{473D3CB8-1A51-4FBF-80DF-98B2DDAE74D4}"/>
     <dgm:cxn modelId="{4E7479B6-50E1-4F18-B920-9A1E0C41E133}" srcId="{512E5645-C5EF-430A-8BF1-4E8C849BDA46}" destId="{E56D2D4E-BE20-4FB7-B8C6-713F3712D9BF}" srcOrd="3" destOrd="0" parTransId="{5EEAFCFD-1492-4DBE-B7B2-71ACA8005FBD}" sibTransId="{7AC58BC7-89A6-45DC-9F9B-33711E98ADC1}"/>
-    <dgm:cxn modelId="{5D5E8550-59B0-4ADD-B74C-995E04B84252}" type="presOf" srcId="{A47C684C-ED1D-48A1-BF8C-23D4C8C9E4C9}" destId="{99AB8399-AD81-4E4E-B940-70C275D844AA}" srcOrd="0" destOrd="0" presId="urn:microsoft.com/office/officeart/2008/layout/RadialCluster"/>
-    <dgm:cxn modelId="{D69C5DAE-7333-49EF-BC46-B333A4D8B548}" type="presOf" srcId="{652ED845-19EE-4598-8389-AE44C474A137}" destId="{B6D05007-5ACE-4BAF-9674-4B591AB9FC6A}" srcOrd="0" destOrd="0" presId="urn:microsoft.com/office/officeart/2008/layout/RadialCluster"/>
-    <dgm:cxn modelId="{27027240-0C91-4DAA-A745-1E25057CD9B3}" type="presOf" srcId="{E56D2D4E-BE20-4FB7-B8C6-713F3712D9BF}" destId="{E6A797E0-8EE9-41A3-9899-125CD86CAE34}" srcOrd="0" destOrd="0" presId="urn:microsoft.com/office/officeart/2008/layout/RadialCluster"/>
-    <dgm:cxn modelId="{6B5BC26F-E9D6-4C7D-A062-81AF5559B930}" type="presOf" srcId="{5EEAFCFD-1492-4DBE-B7B2-71ACA8005FBD}" destId="{44148B52-23A4-40F5-8616-0136CE00F51F}" srcOrd="0" destOrd="0" presId="urn:microsoft.com/office/officeart/2008/layout/RadialCluster"/>
-    <dgm:cxn modelId="{5B674271-88DE-4D30-BE41-89519171754F}" type="presOf" srcId="{56377AEC-0D57-44FE-ABC5-65855C89A8DA}" destId="{1D86B607-D35A-4BF9-882C-F81BC3B1232D}" srcOrd="0" destOrd="0" presId="urn:microsoft.com/office/officeart/2008/layout/RadialCluster"/>
-    <dgm:cxn modelId="{6A3F082B-2165-449F-92AC-041B60A8FCBC}" srcId="{A47C684C-ED1D-48A1-BF8C-23D4C8C9E4C9}" destId="{512E5645-C5EF-430A-8BF1-4E8C849BDA46}" srcOrd="0" destOrd="0" parTransId="{107B67A0-2338-44C6-848D-DAE85F6556B5}" sibTransId="{473D3CB8-1A51-4FBF-80DF-98B2DDAE74D4}"/>
     <dgm:cxn modelId="{2ADC42BC-9E00-4FDC-8964-F02745377502}" srcId="{512E5645-C5EF-430A-8BF1-4E8C849BDA46}" destId="{56377AEC-0D57-44FE-ABC5-65855C89A8DA}" srcOrd="1" destOrd="0" parTransId="{2BB7E9DD-EEF4-47A0-BCF7-A3F669FEB037}" sibTransId="{58B55364-1D91-4B1E-AF6D-4148B26F1B1E}"/>
-    <dgm:cxn modelId="{290791FC-F34F-4412-9B2E-62CA8D605487}" srcId="{512E5645-C5EF-430A-8BF1-4E8C849BDA46}" destId="{652ED845-19EE-4598-8389-AE44C474A137}" srcOrd="0" destOrd="0" parTransId="{8F31FF4C-8D7C-4FB3-A441-DBD34D29727A}" sibTransId="{E0B78913-E07A-4503-9B94-FCCD374E690B}"/>
-    <dgm:cxn modelId="{C87AE8CB-E475-4A2A-AA68-FB983048AE9E}" srcId="{512E5645-C5EF-430A-8BF1-4E8C849BDA46}" destId="{3BE4A7D9-E588-463A-A009-3194A0C577BB}" srcOrd="2" destOrd="0" parTransId="{4860B775-60C2-473F-8C16-EF105C12A1D4}" sibTransId="{405D46EC-F069-4D2B-B065-43DB58F909CF}"/>
-    <dgm:cxn modelId="{162C6022-B3CA-45F2-8004-771C606B7882}" type="presOf" srcId="{8F31FF4C-8D7C-4FB3-A441-DBD34D29727A}" destId="{E4AE0F24-A86E-4833-A9B4-EDBB1FCDF27B}" srcOrd="0" destOrd="0" presId="urn:microsoft.com/office/officeart/2008/layout/RadialCluster"/>
     <dgm:cxn modelId="{55D691BD-EF92-4E82-8319-654A3C4793AE}" type="presParOf" srcId="{99AB8399-AD81-4E4E-B940-70C275D844AA}" destId="{1DED0F61-1BE2-4083-92A2-E165593E0D6F}" srcOrd="0" destOrd="0" presId="urn:microsoft.com/office/officeart/2008/layout/RadialCluster"/>
     <dgm:cxn modelId="{BFE22D37-D13C-418B-94F6-123FA48326DB}" type="presParOf" srcId="{1DED0F61-1BE2-4083-92A2-E165593E0D6F}" destId="{296A28C2-222C-418D-9590-65E749265172}" srcOrd="0" destOrd="0" presId="urn:microsoft.com/office/officeart/2008/layout/RadialCluster"/>
     <dgm:cxn modelId="{BFFECDDE-9F37-4FA5-8231-5027E5F794E2}" type="presParOf" srcId="{1DED0F61-1BE2-4083-92A2-E165593E0D6F}" destId="{E4AE0F24-A86E-4833-A9B4-EDBB1FCDF27B}" srcOrd="1" destOrd="0" presId="urn:microsoft.com/office/officeart/2008/layout/RadialCluster"/>
@@ -6294,8 +6296,8 @@
         </p:nvSpPr>
         <p:spPr>
           <a:xfrm>
-            <a:off x="381175" y="685800"/>
-            <a:ext cx="6096300" cy="3429000"/>
+            <a:off x="381000" y="685800"/>
+            <a:ext cx="6096000" cy="3429000"/>
           </a:xfrm>
           <a:custGeom>
             <a:avLst/>
@@ -7021,6 +7023,224 @@
     </p:spTree>
     <p:extLst>
       <p:ext uri="{BB962C8B-B14F-4D97-AF65-F5344CB8AC3E}">
+        <p14:creationId xmlns:p14="http://schemas.microsoft.com/office/powerpoint/2010/main" val="2153172090"/>
+      </p:ext>
+    </p:extLst>
+  </p:cSld>
+  <p:clrMapOvr>
+    <a:masterClrMapping/>
+  </p:clrMapOvr>
+</p:notes>
+</file>
+
+<file path=ppt/notesSlides/notesSlide12.xml><?xml version="1.0" encoding="utf-8"?>
+<p:notes xmlns:a="http://schemas.openxmlformats.org/drawingml/2006/main" xmlns:r="http://schemas.openxmlformats.org/officeDocument/2006/relationships" xmlns:p="http://schemas.openxmlformats.org/presentationml/2006/main" showMasterSp="0" showMasterPhAnim="0">
+  <p:cSld>
+    <p:spTree>
+      <p:nvGrpSpPr>
+        <p:cNvPr id="1" name="Shape 100"/>
+        <p:cNvGrpSpPr/>
+        <p:nvPr/>
+      </p:nvGrpSpPr>
+      <p:grpSpPr>
+        <a:xfrm>
+          <a:off x="0" y="0"/>
+          <a:ext cx="0" cy="0"/>
+          <a:chOff x="0" y="0"/>
+          <a:chExt cx="0" cy="0"/>
+        </a:xfrm>
+      </p:grpSpPr>
+      <p:sp>
+        <p:nvSpPr>
+          <p:cNvPr id="101" name="Shape 101"/>
+          <p:cNvSpPr>
+            <a:spLocks noGrp="1" noRot="1" noChangeAspect="1"/>
+          </p:cNvSpPr>
+          <p:nvPr>
+            <p:ph type="sldImg" idx="2"/>
+          </p:nvPr>
+        </p:nvSpPr>
+        <p:spPr>
+          <a:xfrm>
+            <a:off x="381000" y="685800"/>
+            <a:ext cx="6096000" cy="3429000"/>
+          </a:xfrm>
+          <a:custGeom>
+            <a:avLst/>
+            <a:gdLst/>
+            <a:ahLst/>
+            <a:cxnLst/>
+            <a:rect l="0" t="0" r="0" b="0"/>
+            <a:pathLst>
+              <a:path w="120000" h="120000" extrusionOk="0">
+                <a:moveTo>
+                  <a:pt x="0" y="0"/>
+                </a:moveTo>
+                <a:lnTo>
+                  <a:pt x="120000" y="0"/>
+                </a:lnTo>
+                <a:lnTo>
+                  <a:pt x="120000" y="120000"/>
+                </a:lnTo>
+                <a:lnTo>
+                  <a:pt x="0" y="120000"/>
+                </a:lnTo>
+                <a:close/>
+              </a:path>
+            </a:pathLst>
+          </a:custGeom>
+        </p:spPr>
+      </p:sp>
+      <p:sp>
+        <p:nvSpPr>
+          <p:cNvPr id="102" name="Shape 102"/>
+          <p:cNvSpPr txBox="1">
+            <a:spLocks noGrp="1"/>
+          </p:cNvSpPr>
+          <p:nvPr>
+            <p:ph type="body" idx="1"/>
+          </p:nvPr>
+        </p:nvSpPr>
+        <p:spPr>
+          <a:xfrm>
+            <a:off x="685800" y="4343400"/>
+            <a:ext cx="5486400" cy="4114800"/>
+          </a:xfrm>
+          <a:prstGeom prst="rect">
+            <a:avLst/>
+          </a:prstGeom>
+        </p:spPr>
+        <p:txBody>
+          <a:bodyPr spcFirstLastPara="1" wrap="square" lIns="91425" tIns="91425" rIns="91425" bIns="91425" anchor="t" anchorCtr="0">
+            <a:noAutofit/>
+          </a:bodyPr>
+          <a:lstStyle/>
+          <a:p>
+            <a:pPr marL="0" lvl="0" indent="0">
+              <a:spcBef>
+                <a:spcPts val="0"/>
+              </a:spcBef>
+              <a:spcAft>
+                <a:spcPts val="0"/>
+              </a:spcAft>
+              <a:buNone/>
+            </a:pPr>
+            <a:endParaRPr dirty="0"/>
+          </a:p>
+        </p:txBody>
+      </p:sp>
+    </p:spTree>
+    <p:extLst>
+      <p:ext uri="{BB962C8B-B14F-4D97-AF65-F5344CB8AC3E}">
+        <p14:creationId xmlns:p14="http://schemas.microsoft.com/office/powerpoint/2010/main" val="2153172090"/>
+      </p:ext>
+    </p:extLst>
+  </p:cSld>
+  <p:clrMapOvr>
+    <a:masterClrMapping/>
+  </p:clrMapOvr>
+</p:notes>
+</file>
+
+<file path=ppt/notesSlides/notesSlide13.xml><?xml version="1.0" encoding="utf-8"?>
+<p:notes xmlns:a="http://schemas.openxmlformats.org/drawingml/2006/main" xmlns:r="http://schemas.openxmlformats.org/officeDocument/2006/relationships" xmlns:p="http://schemas.openxmlformats.org/presentationml/2006/main" showMasterSp="0" showMasterPhAnim="0">
+  <p:cSld>
+    <p:spTree>
+      <p:nvGrpSpPr>
+        <p:cNvPr id="1" name="Shape 100"/>
+        <p:cNvGrpSpPr/>
+        <p:nvPr/>
+      </p:nvGrpSpPr>
+      <p:grpSpPr>
+        <a:xfrm>
+          <a:off x="0" y="0"/>
+          <a:ext cx="0" cy="0"/>
+          <a:chOff x="0" y="0"/>
+          <a:chExt cx="0" cy="0"/>
+        </a:xfrm>
+      </p:grpSpPr>
+      <p:sp>
+        <p:nvSpPr>
+          <p:cNvPr id="101" name="Shape 101"/>
+          <p:cNvSpPr>
+            <a:spLocks noGrp="1" noRot="1" noChangeAspect="1"/>
+          </p:cNvSpPr>
+          <p:nvPr>
+            <p:ph type="sldImg" idx="2"/>
+          </p:nvPr>
+        </p:nvSpPr>
+        <p:spPr>
+          <a:xfrm>
+            <a:off x="381000" y="685800"/>
+            <a:ext cx="6096000" cy="3429000"/>
+          </a:xfrm>
+          <a:custGeom>
+            <a:avLst/>
+            <a:gdLst/>
+            <a:ahLst/>
+            <a:cxnLst/>
+            <a:rect l="0" t="0" r="0" b="0"/>
+            <a:pathLst>
+              <a:path w="120000" h="120000" extrusionOk="0">
+                <a:moveTo>
+                  <a:pt x="0" y="0"/>
+                </a:moveTo>
+                <a:lnTo>
+                  <a:pt x="120000" y="0"/>
+                </a:lnTo>
+                <a:lnTo>
+                  <a:pt x="120000" y="120000"/>
+                </a:lnTo>
+                <a:lnTo>
+                  <a:pt x="0" y="120000"/>
+                </a:lnTo>
+                <a:close/>
+              </a:path>
+            </a:pathLst>
+          </a:custGeom>
+        </p:spPr>
+      </p:sp>
+      <p:sp>
+        <p:nvSpPr>
+          <p:cNvPr id="102" name="Shape 102"/>
+          <p:cNvSpPr txBox="1">
+            <a:spLocks noGrp="1"/>
+          </p:cNvSpPr>
+          <p:nvPr>
+            <p:ph type="body" idx="1"/>
+          </p:nvPr>
+        </p:nvSpPr>
+        <p:spPr>
+          <a:xfrm>
+            <a:off x="685800" y="4343400"/>
+            <a:ext cx="5486400" cy="4114800"/>
+          </a:xfrm>
+          <a:prstGeom prst="rect">
+            <a:avLst/>
+          </a:prstGeom>
+        </p:spPr>
+        <p:txBody>
+          <a:bodyPr spcFirstLastPara="1" wrap="square" lIns="91425" tIns="91425" rIns="91425" bIns="91425" anchor="t" anchorCtr="0">
+            <a:noAutofit/>
+          </a:bodyPr>
+          <a:lstStyle/>
+          <a:p>
+            <a:pPr marL="0" lvl="0" indent="0">
+              <a:spcBef>
+                <a:spcPts val="0"/>
+              </a:spcBef>
+              <a:spcAft>
+                <a:spcPts val="0"/>
+              </a:spcAft>
+              <a:buNone/>
+            </a:pPr>
+            <a:endParaRPr dirty="0"/>
+          </a:p>
+        </p:txBody>
+      </p:sp>
+    </p:spTree>
+    <p:extLst>
+      <p:ext uri="{BB962C8B-B14F-4D97-AF65-F5344CB8AC3E}">
         <p14:creationId xmlns:p14="http://schemas.microsoft.com/office/powerpoint/2010/main" val="3313095754"/>
       </p:ext>
     </p:extLst>
@@ -7031,7 +7251,7 @@
 </p:notes>
 </file>
 
-<file path=ppt/notesSlides/notesSlide12.xml><?xml version="1.0" encoding="utf-8"?>
+<file path=ppt/notesSlides/notesSlide14.xml><?xml version="1.0" encoding="utf-8"?>
 <p:notes xmlns:a="http://schemas.openxmlformats.org/drawingml/2006/main" xmlns:r="http://schemas.openxmlformats.org/officeDocument/2006/relationships" xmlns:p="http://schemas.openxmlformats.org/presentationml/2006/main" showMasterSp="0" showMasterPhAnim="0">
   <p:cSld>
     <p:spTree>
@@ -7784,7 +8004,7 @@
     </p:spTree>
     <p:extLst>
       <p:ext uri="{BB962C8B-B14F-4D97-AF65-F5344CB8AC3E}">
-        <p14:creationId xmlns:p14="http://schemas.microsoft.com/office/powerpoint/2010/main" val="2153172090"/>
+        <p14:creationId xmlns:p14="http://schemas.microsoft.com/office/powerpoint/2010/main" val="3894205300"/>
       </p:ext>
     </p:extLst>
   </p:cSld>
@@ -14615,7 +14835,7 @@
         </p:nvGrpSpPr>
         <p:grpSpPr>
           <a:xfrm>
-            <a:off x="325183" y="2327759"/>
+            <a:off x="325183" y="2327761"/>
             <a:ext cx="549262" cy="487982"/>
             <a:chOff x="5292575" y="3681900"/>
             <a:chExt cx="420150" cy="373275"/>
@@ -15397,7 +15617,7 @@
         </p:nvSpPr>
         <p:spPr>
           <a:xfrm>
-            <a:off x="783719" y="2751746"/>
+            <a:off x="783727" y="2751746"/>
             <a:ext cx="2846741" cy="2227758"/>
           </a:xfrm>
           <a:prstGeom prst="rect">
@@ -15793,31 +16013,22 @@
         </p:nvSpPr>
         <p:spPr>
           <a:xfrm>
-            <a:off x="91944" y="563624"/>
-            <a:ext cx="2485001" cy="817464"/>
+            <a:off x="626633" y="652330"/>
+            <a:ext cx="1534725" cy="580638"/>
           </a:xfrm>
           <a:prstGeom prst="rect">
             <a:avLst/>
           </a:prstGeom>
         </p:spPr>
         <p:txBody>
-          <a:bodyPr spcFirstLastPara="1" wrap="square" lIns="91425" tIns="91425" rIns="91425" bIns="91425" anchor="t" anchorCtr="0">
+          <a:bodyPr spcFirstLastPara="1" wrap="square" lIns="68569" tIns="68569" rIns="68569" bIns="68569" anchor="t" anchorCtr="0">
             <a:noAutofit/>
           </a:bodyPr>
           <a:lstStyle/>
           <a:p>
-            <a:pPr marL="0" lvl="0" indent="0" rtl="0">
-              <a:spcBef>
-                <a:spcPts val="0"/>
-              </a:spcBef>
-              <a:spcAft>
-                <a:spcPts val="0"/>
-              </a:spcAft>
-              <a:buNone/>
-            </a:pPr>
             <a:r>
-              <a:rPr lang="en-IN" b="1" dirty="0" smtClean="0"/>
-              <a:t>Ease of Implementation</a:t>
+              <a:rPr lang="en-IN" b="1" dirty="0"/>
+              <a:t>Business Model</a:t>
             </a:r>
             <a:endParaRPr b="1" dirty="0"/>
           </a:p>
@@ -15835,84 +16046,51 @@
         </p:nvSpPr>
         <p:spPr>
           <a:xfrm>
-            <a:off x="8556784" y="4749851"/>
-            <a:ext cx="548700" cy="393600"/>
+            <a:off x="7560592" y="4749851"/>
+            <a:ext cx="411525" cy="393600"/>
           </a:xfrm>
           <a:prstGeom prst="rect">
             <a:avLst/>
           </a:prstGeom>
         </p:spPr>
         <p:txBody>
-          <a:bodyPr spcFirstLastPara="1" wrap="square" lIns="91425" tIns="91425" rIns="91425" bIns="91425" anchor="ctr" anchorCtr="0">
+          <a:bodyPr spcFirstLastPara="1" wrap="square" lIns="68569" tIns="68569" rIns="68569" bIns="68569" anchor="ctr" anchorCtr="0">
             <a:noAutofit/>
           </a:bodyPr>
           <a:lstStyle/>
           <a:p>
-            <a:pPr marL="0" lvl="0" indent="0">
-              <a:spcBef>
-                <a:spcPts val="0"/>
-              </a:spcBef>
-              <a:spcAft>
-                <a:spcPts val="0"/>
-              </a:spcAft>
-              <a:buNone/>
+            <a:pPr defTabSz="685800">
+              <a:buClrTx/>
             </a:pPr>
             <a:fld id="{00000000-1234-1234-1234-123412341234}" type="slidenum">
-              <a:rPr lang="en"/>
+              <a:rPr lang="en" kern="1200"/>
+              <a:pPr defTabSz="685800">
+                <a:buClrTx/>
+              </a:pPr>
               <a:t>10</a:t>
             </a:fld>
-            <a:endParaRPr dirty="0"/>
+            <a:endParaRPr kern="1200" dirty="0"/>
           </a:p>
         </p:txBody>
       </p:sp>
-      <p:sp>
-        <p:nvSpPr>
-          <p:cNvPr id="3" name="Rectangle 2"/>
-          <p:cNvSpPr/>
-          <p:nvPr/>
-        </p:nvSpPr>
-        <p:spPr>
-          <a:xfrm>
-            <a:off x="3022270" y="611579"/>
-            <a:ext cx="5658592" cy="1579418"/>
-          </a:xfrm>
-          <a:prstGeom prst="rect">
-            <a:avLst/>
-          </a:prstGeom>
-          <a:noFill/>
-          <a:ln>
-            <a:solidFill>
-              <a:schemeClr val="bg1">
-                <a:lumMod val="95000"/>
-              </a:schemeClr>
-            </a:solidFill>
-          </a:ln>
-        </p:spPr>
-        <p:style>
-          <a:lnRef idx="2">
-            <a:schemeClr val="accent1">
-              <a:shade val="50000"/>
-            </a:schemeClr>
-          </a:lnRef>
-          <a:fillRef idx="1">
-            <a:schemeClr val="accent1"/>
-          </a:fillRef>
-          <a:effectRef idx="0">
-            <a:schemeClr val="accent1"/>
-          </a:effectRef>
-          <a:fontRef idx="minor">
-            <a:schemeClr val="lt1"/>
-          </a:fontRef>
-        </p:style>
-        <p:txBody>
-          <a:bodyPr rtlCol="0" anchor="ctr"/>
-          <a:lstStyle/>
-          <a:p>
-            <a:pPr algn="ctr"/>
-            <a:endParaRPr lang="en-IN"/>
-          </a:p>
-        </p:txBody>
-      </p:sp>
+      <p:graphicFrame>
+        <p:nvGraphicFramePr>
+          <p:cNvPr id="3" name="Diagram 2"/>
+          <p:cNvGraphicFramePr/>
+          <p:nvPr>
+            <p:extLst/>
+          </p:nvPr>
+        </p:nvGraphicFramePr>
+        <p:xfrm>
+          <a:off x="3275856" y="195486"/>
+          <a:ext cx="4572000" cy="4698522"/>
+        </p:xfrm>
+        <a:graphic>
+          <a:graphicData uri="http://schemas.openxmlformats.org/drawingml/2006/diagram">
+            <dgm:relIds xmlns:dgm="http://schemas.openxmlformats.org/drawingml/2006/diagram" xmlns:r="http://schemas.openxmlformats.org/officeDocument/2006/relationships" r:dm="rId3" r:lo="rId4" r:qs="rId5" r:cs="rId6"/>
+          </a:graphicData>
+        </a:graphic>
+      </p:graphicFrame>
       <p:sp>
         <p:nvSpPr>
           <p:cNvPr id="4" name="TextBox 3"/>
@@ -15921,8 +16099,8 @@
         </p:nvSpPr>
         <p:spPr>
           <a:xfrm>
-            <a:off x="4792622" y="682653"/>
-            <a:ext cx="2117887" cy="261610"/>
+            <a:off x="5112064" y="688733"/>
+            <a:ext cx="971741" cy="253916"/>
           </a:xfrm>
           <a:prstGeom prst="rect">
             <a:avLst/>
@@ -15935,25 +16113,29 @@
           </a:bodyPr>
           <a:lstStyle/>
           <a:p>
-            <a:pPr algn="ctr"/>
+            <a:pPr defTabSz="685800">
+              <a:buClrTx/>
+            </a:pPr>
             <a:r>
-              <a:rPr lang="en-IN" sz="1100" b="1" dirty="0" smtClean="0"/>
-              <a:t>Infrastructural Requirements</a:t>
+              <a:rPr lang="en-IN" sz="1050" kern="1200" dirty="0">
+                <a:ea typeface="+mn-ea"/>
+                <a:cs typeface="+mn-cs"/>
+              </a:rPr>
+              <a:t>Primary User</a:t>
             </a:r>
-            <a:endParaRPr lang="en-IN" sz="1100" b="1" dirty="0"/>
           </a:p>
         </p:txBody>
       </p:sp>
       <p:sp>
         <p:nvSpPr>
-          <p:cNvPr id="5" name="TextBox 4"/>
+          <p:cNvPr id="8" name="TextBox 7"/>
           <p:cNvSpPr txBox="1"/>
           <p:nvPr/>
         </p:nvSpPr>
         <p:spPr>
           <a:xfrm>
-            <a:off x="3170712" y="1086661"/>
-            <a:ext cx="5304657" cy="900246"/>
+            <a:off x="6894262" y="2996393"/>
+            <a:ext cx="971741" cy="253916"/>
           </a:xfrm>
           <a:prstGeom prst="rect">
             <a:avLst/>
@@ -15966,114 +16148,29 @@
           </a:bodyPr>
           <a:lstStyle/>
           <a:p>
-            <a:pPr marL="171450" indent="-171450">
-              <a:buFont typeface="Arial" pitchFamily="34" charset="0"/>
-              <a:buChar char="•"/>
+            <a:pPr defTabSz="685800">
+              <a:buClrTx/>
             </a:pPr>
             <a:r>
-              <a:rPr lang="en-IN" sz="1050" dirty="0" smtClean="0"/>
-              <a:t>Virtual Machines(VMs) on any cloud service provider(Azure, AWS)</a:t>
+              <a:rPr lang="en-IN" sz="1050" kern="1200" dirty="0">
+                <a:ea typeface="+mn-ea"/>
+                <a:cs typeface="+mn-cs"/>
+              </a:rPr>
+              <a:t>Primary User</a:t>
             </a:r>
-          </a:p>
-          <a:p>
-            <a:pPr marL="171450" indent="-171450">
-              <a:buFont typeface="Arial" pitchFamily="34" charset="0"/>
-              <a:buChar char="•"/>
-            </a:pPr>
-            <a:r>
-              <a:rPr lang="en-IN" sz="1050" dirty="0" smtClean="0"/>
-              <a:t>Mobile phones and desktop </a:t>
-            </a:r>
-            <a:r>
-              <a:rPr lang="en-IN" sz="1050" dirty="0" smtClean="0"/>
-              <a:t>computers</a:t>
-            </a:r>
-          </a:p>
-          <a:p>
-            <a:pPr marL="171450" indent="-171450">
-              <a:buFont typeface="Arial" pitchFamily="34" charset="0"/>
-              <a:buChar char="•"/>
-            </a:pPr>
-            <a:r>
-              <a:rPr lang="en-IN" sz="1050" dirty="0" smtClean="0"/>
-              <a:t>IT enable the hospitals – establish network, hardware including bio-metric module</a:t>
-            </a:r>
-            <a:endParaRPr lang="en-IN" sz="1050" dirty="0" smtClean="0"/>
-          </a:p>
-          <a:p>
-            <a:pPr marL="171450" indent="-171450">
-              <a:buFont typeface="Arial" pitchFamily="34" charset="0"/>
-              <a:buChar char="•"/>
-            </a:pPr>
-            <a:endParaRPr lang="en-IN" sz="1050" dirty="0" smtClean="0"/>
-          </a:p>
-          <a:p>
-            <a:pPr marL="171450" indent="-171450">
-              <a:buFont typeface="Arial" pitchFamily="34" charset="0"/>
-              <a:buChar char="•"/>
-            </a:pPr>
-            <a:endParaRPr lang="en-IN" sz="1050" dirty="0"/>
           </a:p>
         </p:txBody>
       </p:sp>
       <p:sp>
         <p:nvSpPr>
-          <p:cNvPr id="9" name="Rectangle 8"/>
-          <p:cNvSpPr/>
-          <p:nvPr/>
-        </p:nvSpPr>
-        <p:spPr>
-          <a:xfrm>
-            <a:off x="3022270" y="2557475"/>
-            <a:ext cx="5658592" cy="1712027"/>
-          </a:xfrm>
-          <a:prstGeom prst="rect">
-            <a:avLst/>
-          </a:prstGeom>
-          <a:noFill/>
-          <a:ln>
-            <a:solidFill>
-              <a:schemeClr val="bg1">
-                <a:lumMod val="95000"/>
-              </a:schemeClr>
-            </a:solidFill>
-          </a:ln>
-        </p:spPr>
-        <p:style>
-          <a:lnRef idx="2">
-            <a:schemeClr val="accent1">
-              <a:shade val="50000"/>
-            </a:schemeClr>
-          </a:lnRef>
-          <a:fillRef idx="1">
-            <a:schemeClr val="accent1"/>
-          </a:fillRef>
-          <a:effectRef idx="0">
-            <a:schemeClr val="accent1"/>
-          </a:effectRef>
-          <a:fontRef idx="minor">
-            <a:schemeClr val="lt1"/>
-          </a:fontRef>
-        </p:style>
-        <p:txBody>
-          <a:bodyPr rtlCol="0" anchor="ctr"/>
-          <a:lstStyle/>
-          <a:p>
-            <a:pPr algn="ctr"/>
-            <a:endParaRPr lang="en-IN"/>
-          </a:p>
-        </p:txBody>
-      </p:sp>
-      <p:sp>
-        <p:nvSpPr>
-          <p:cNvPr id="10" name="TextBox 9"/>
+          <p:cNvPr id="9" name="TextBox 8"/>
           <p:cNvSpPr txBox="1"/>
           <p:nvPr/>
         </p:nvSpPr>
         <p:spPr>
           <a:xfrm>
-            <a:off x="5316001" y="2628549"/>
-            <a:ext cx="1071127" cy="261610"/>
+            <a:off x="5127450" y="4655975"/>
+            <a:ext cx="1152880" cy="253916"/>
           </a:xfrm>
           <a:prstGeom prst="rect">
             <a:avLst/>
@@ -16086,25 +16183,29 @@
           </a:bodyPr>
           <a:lstStyle/>
           <a:p>
-            <a:pPr algn="ctr"/>
+            <a:pPr defTabSz="685800">
+              <a:buClrTx/>
+            </a:pPr>
             <a:r>
-              <a:rPr lang="en-IN" sz="1100" b="1" dirty="0" smtClean="0"/>
-              <a:t>Stakeholders</a:t>
+              <a:rPr lang="en-IN" sz="1050" kern="1200" dirty="0">
+                <a:ea typeface="+mn-ea"/>
+                <a:cs typeface="+mn-cs"/>
+              </a:rPr>
+              <a:t>Secondary User</a:t>
             </a:r>
-            <a:endParaRPr lang="en-IN" sz="1100" b="1" dirty="0"/>
           </a:p>
         </p:txBody>
       </p:sp>
       <p:sp>
         <p:nvSpPr>
-          <p:cNvPr id="12" name="TextBox 11"/>
+          <p:cNvPr id="10" name="TextBox 9"/>
           <p:cNvSpPr txBox="1"/>
           <p:nvPr/>
         </p:nvSpPr>
         <p:spPr>
           <a:xfrm>
-            <a:off x="3170712" y="3032557"/>
-            <a:ext cx="5463355" cy="1223412"/>
+            <a:off x="3275856" y="3111810"/>
+            <a:ext cx="1152880" cy="253916"/>
           </a:xfrm>
           <a:prstGeom prst="rect">
             <a:avLst/>
@@ -16117,138 +16218,93 @@
           </a:bodyPr>
           <a:lstStyle/>
           <a:p>
-            <a:pPr marL="171450" indent="-171450">
-              <a:buFont typeface="Arial" pitchFamily="34" charset="0"/>
-              <a:buChar char="•"/>
+            <a:pPr defTabSz="685800">
+              <a:buClrTx/>
             </a:pPr>
             <a:r>
-              <a:rPr lang="en-IN" sz="1050" dirty="0" smtClean="0"/>
-              <a:t>Medical records will be accessed over </a:t>
+              <a:rPr lang="en-IN" sz="1050" kern="1200" dirty="0">
+                <a:ea typeface="+mn-ea"/>
+                <a:cs typeface="+mn-cs"/>
+              </a:rPr>
+              <a:t>Secondary User</a:t>
             </a:r>
-            <a:r>
-              <a:rPr lang="en-IN" sz="1050" smtClean="0"/>
-              <a:t>the </a:t>
-            </a:r>
-            <a:r>
-              <a:rPr lang="en-IN" sz="1050" b="1" dirty="0"/>
-              <a:t>I</a:t>
-            </a:r>
-            <a:r>
-              <a:rPr lang="en-IN" sz="1050" b="1" smtClean="0"/>
-              <a:t>nternet</a:t>
-            </a:r>
-            <a:r>
-              <a:rPr lang="en-IN" sz="1050" smtClean="0"/>
-              <a:t> </a:t>
-            </a:r>
-            <a:r>
-              <a:rPr lang="en-IN" sz="1050" dirty="0" smtClean="0"/>
-              <a:t>demanding people to be familiar</a:t>
-            </a:r>
-          </a:p>
-          <a:p>
-            <a:r>
-              <a:rPr lang="en-IN" sz="1050" dirty="0"/>
-              <a:t> </a:t>
-            </a:r>
-            <a:r>
-              <a:rPr lang="en-IN" sz="1050" dirty="0" smtClean="0"/>
-              <a:t>    with internet.</a:t>
-            </a:r>
-          </a:p>
-          <a:p>
-            <a:pPr marL="171450" indent="-171450">
-              <a:buFont typeface="Arial" pitchFamily="34" charset="0"/>
-              <a:buChar char="•"/>
+          </a:p>
+        </p:txBody>
+      </p:sp>
+      <p:sp>
+        <p:nvSpPr>
+          <p:cNvPr id="12" name="TextBox 11"/>
+          <p:cNvSpPr txBox="1"/>
+          <p:nvPr/>
+        </p:nvSpPr>
+        <p:spPr>
+          <a:xfrm>
+            <a:off x="6300192" y="2093100"/>
+            <a:ext cx="1467068" cy="253916"/>
+          </a:xfrm>
+          <a:prstGeom prst="rect">
+            <a:avLst/>
+          </a:prstGeom>
+          <a:noFill/>
+        </p:spPr>
+        <p:txBody>
+          <a:bodyPr wrap="none" rtlCol="0">
+            <a:spAutoFit/>
+          </a:bodyPr>
+          <a:lstStyle/>
+          <a:p>
+            <a:pPr defTabSz="685800">
+              <a:buClrTx/>
             </a:pPr>
             <a:r>
-              <a:rPr lang="en-IN" sz="1050" b="1" dirty="0" smtClean="0"/>
-              <a:t>Blockchain</a:t>
+              <a:rPr lang="en-IN" sz="1050" kern="1200" dirty="0">
+                <a:ea typeface="+mn-ea"/>
+                <a:cs typeface="+mn-cs"/>
+              </a:rPr>
+              <a:t>Pay Subscription Fee</a:t>
             </a:r>
-            <a:r>
-              <a:rPr lang="en-IN" sz="1050" dirty="0" smtClean="0"/>
-              <a:t> being an emerging technology, rigorous </a:t>
-            </a:r>
-            <a:r>
-              <a:rPr lang="en-IN" sz="1050" b="1" dirty="0" smtClean="0"/>
-              <a:t>training</a:t>
-            </a:r>
-            <a:r>
-              <a:rPr lang="en-IN" sz="1050" dirty="0" smtClean="0"/>
-              <a:t> for all actors involved in</a:t>
-            </a:r>
-          </a:p>
-          <a:p>
-            <a:r>
-              <a:rPr lang="en-IN" sz="1050" dirty="0" smtClean="0"/>
-              <a:t>     the system will be a priority.</a:t>
-            </a:r>
-          </a:p>
-          <a:p>
-            <a:pPr marL="171450" indent="-171450">
-              <a:buFont typeface="Arial" pitchFamily="34" charset="0"/>
-              <a:buChar char="•"/>
+          </a:p>
+        </p:txBody>
+      </p:sp>
+      <p:sp>
+        <p:nvSpPr>
+          <p:cNvPr id="13" name="TextBox 12"/>
+          <p:cNvSpPr txBox="1"/>
+          <p:nvPr/>
+        </p:nvSpPr>
+        <p:spPr>
+          <a:xfrm>
+            <a:off x="5706846" y="3597864"/>
+            <a:ext cx="1414170" cy="253916"/>
+          </a:xfrm>
+          <a:prstGeom prst="rect">
+            <a:avLst/>
+          </a:prstGeom>
+          <a:noFill/>
+        </p:spPr>
+        <p:txBody>
+          <a:bodyPr wrap="none" rtlCol="0">
+            <a:spAutoFit/>
+          </a:bodyPr>
+          <a:lstStyle/>
+          <a:p>
+            <a:pPr defTabSz="685800">
+              <a:buClrTx/>
             </a:pPr>
             <a:r>
-              <a:rPr lang="en-IN" sz="1050" dirty="0" smtClean="0"/>
-              <a:t>For hospitals, shifting from their </a:t>
+              <a:rPr lang="en-IN" sz="1050" kern="1200" dirty="0">
+                <a:ea typeface="+mn-ea"/>
+                <a:cs typeface="+mn-cs"/>
+              </a:rPr>
+              <a:t>Pay per use scheme</a:t>
             </a:r>
-            <a:r>
-              <a:rPr lang="en-IN" sz="1050" b="1" dirty="0" smtClean="0"/>
-              <a:t>traditional/current</a:t>
-            </a:r>
-            <a:r>
-              <a:rPr lang="en-IN" sz="1050" dirty="0" smtClean="0"/>
-              <a:t> system to </a:t>
-            </a:r>
-            <a:r>
-              <a:rPr lang="en-IN" sz="1050" b="1" dirty="0" smtClean="0"/>
-              <a:t>blockchain based </a:t>
-            </a:r>
-          </a:p>
-          <a:p>
-            <a:r>
-              <a:rPr lang="en-IN" sz="1050" b="1" dirty="0"/>
-              <a:t> </a:t>
-            </a:r>
-            <a:r>
-              <a:rPr lang="en-IN" sz="1050" b="1" dirty="0" smtClean="0"/>
-              <a:t>    scheme </a:t>
-            </a:r>
-            <a:r>
-              <a:rPr lang="en-IN" sz="1050" dirty="0" smtClean="0"/>
-              <a:t>might be challenging but the </a:t>
-            </a:r>
-            <a:r>
-              <a:rPr lang="en-IN" sz="1050" b="1" dirty="0" smtClean="0"/>
-              <a:t>future</a:t>
-            </a:r>
-            <a:r>
-              <a:rPr lang="en-IN" sz="1050" dirty="0" smtClean="0"/>
-              <a:t> outcome would be </a:t>
-            </a:r>
-            <a:r>
-              <a:rPr lang="en-IN" sz="1050" b="1" dirty="0" smtClean="0"/>
-              <a:t>highly beneficial</a:t>
-            </a:r>
-            <a:r>
-              <a:rPr lang="en-IN" sz="1050" dirty="0" smtClean="0"/>
-              <a:t>.</a:t>
-            </a:r>
-          </a:p>
-          <a:p>
-            <a:pPr marL="171450" indent="-171450">
-              <a:buFont typeface="Arial" pitchFamily="34" charset="0"/>
-              <a:buChar char="•"/>
-            </a:pPr>
-            <a:endParaRPr lang="en-IN" sz="1050" dirty="0" smtClean="0"/>
           </a:p>
         </p:txBody>
       </p:sp>
     </p:spTree>
     <p:extLst>
       <p:ext uri="{BB962C8B-B14F-4D97-AF65-F5344CB8AC3E}">
-        <p14:creationId xmlns:p14="http://schemas.microsoft.com/office/powerpoint/2010/main" val="3992344039"/>
+        <p14:creationId xmlns:p14="http://schemas.microsoft.com/office/powerpoint/2010/main" val="4120903149"/>
       </p:ext>
     </p:extLst>
   </p:cSld>
@@ -16298,7 +16354,7 @@
         <p:spPr>
           <a:xfrm>
             <a:off x="234450" y="575500"/>
-            <a:ext cx="2046300" cy="915370"/>
+            <a:ext cx="2046300" cy="817464"/>
           </a:xfrm>
           <a:prstGeom prst="rect">
             <a:avLst/>
@@ -16310,7 +16366,7 @@
           </a:bodyPr>
           <a:lstStyle/>
           <a:p>
-            <a:pPr marL="0" lvl="0" indent="0" algn="just" rtl="0">
+            <a:pPr marL="0" lvl="0" indent="0" rtl="0">
               <a:spcBef>
                 <a:spcPts val="0"/>
               </a:spcBef>
@@ -16321,7 +16377,7 @@
             </a:pPr>
             <a:r>
               <a:rPr lang="en-IN" b="1" dirty="0"/>
-              <a:t>Architecture Diagram</a:t>
+              <a:t>Relevance in Smart City</a:t>
             </a:r>
             <a:endParaRPr b="1" dirty="0"/>
           </a:p>
@@ -16371,10 +16427,980 @@
       </p:sp>
       <p:sp>
         <p:nvSpPr>
+          <p:cNvPr id="11" name="Shape 114">
+            <a:extLst>
+              <a:ext uri="{FF2B5EF4-FFF2-40B4-BE49-F238E27FC236}">
+                <a16:creationId xmlns:a16="http://schemas.microsoft.com/office/drawing/2014/main" xmlns="" id="{1D3C8554-FECA-4592-9592-A1CD9D928A40}"/>
+              </a:ext>
+            </a:extLst>
+          </p:cNvPr>
+          <p:cNvSpPr txBox="1">
+            <a:spLocks noGrp="1"/>
+          </p:cNvSpPr>
+          <p:nvPr>
+            <p:ph type="body" idx="1"/>
+          </p:nvPr>
+        </p:nvSpPr>
+        <p:spPr>
+          <a:xfrm>
+            <a:off x="2801784" y="225123"/>
+            <a:ext cx="6029350" cy="4731438"/>
+          </a:xfrm>
+          <a:prstGeom prst="rect">
+            <a:avLst/>
+          </a:prstGeom>
+        </p:spPr>
+        <p:txBody>
+          <a:bodyPr spcFirstLastPara="1" wrap="square" lIns="91425" tIns="91425" rIns="91425" bIns="91425" anchor="t" anchorCtr="0">
+            <a:noAutofit/>
+          </a:bodyPr>
+          <a:lstStyle/>
+          <a:p>
+            <a:pPr algn="just"/>
+            <a:r>
+              <a:rPr lang="en-US" i="0" dirty="0">
+                <a:solidFill>
+                  <a:schemeClr val="tx1"/>
+                </a:solidFill>
+                <a:latin typeface="Nunito Sans" panose="020B0604020202020204" charset="0"/>
+              </a:rPr>
+              <a:t>Electronic records allow </a:t>
+            </a:r>
+            <a:r>
+              <a:rPr lang="en-US" b="1" i="0" dirty="0">
+                <a:solidFill>
+                  <a:schemeClr val="tx1"/>
+                </a:solidFill>
+                <a:latin typeface="Nunito Sans" panose="020B0604020202020204" charset="0"/>
+              </a:rPr>
+              <a:t>coordination</a:t>
+            </a:r>
+            <a:r>
+              <a:rPr lang="en-US" i="0" dirty="0">
+                <a:solidFill>
+                  <a:schemeClr val="tx1"/>
+                </a:solidFill>
+                <a:latin typeface="Nunito Sans" panose="020B0604020202020204" charset="0"/>
+              </a:rPr>
+              <a:t> of patient care between clinicians.</a:t>
+            </a:r>
+          </a:p>
+          <a:p>
+            <a:pPr algn="just"/>
+            <a:r>
+              <a:rPr lang="en-US" i="0" dirty="0">
+                <a:solidFill>
+                  <a:schemeClr val="tx1"/>
+                </a:solidFill>
+                <a:latin typeface="Nunito Sans" panose="020B0604020202020204" charset="0"/>
+              </a:rPr>
+              <a:t>They also help control the </a:t>
+            </a:r>
+            <a:r>
+              <a:rPr lang="en-US" b="1" i="0" dirty="0">
+                <a:solidFill>
+                  <a:schemeClr val="tx1"/>
+                </a:solidFill>
+                <a:latin typeface="Nunito Sans" panose="020B0604020202020204" charset="0"/>
+              </a:rPr>
+              <a:t>administrative cost </a:t>
+            </a:r>
+            <a:r>
+              <a:rPr lang="en-US" i="0" dirty="0">
+                <a:solidFill>
+                  <a:schemeClr val="tx1"/>
+                </a:solidFill>
+                <a:latin typeface="Nunito Sans" panose="020B0604020202020204" charset="0"/>
+              </a:rPr>
+              <a:t>of delivering care.</a:t>
+            </a:r>
+          </a:p>
+          <a:p>
+            <a:pPr algn="just"/>
+            <a:r>
+              <a:rPr lang="en-US" i="0" dirty="0">
+                <a:solidFill>
+                  <a:schemeClr val="tx1"/>
+                </a:solidFill>
+                <a:latin typeface="Nunito Sans" panose="020B0604020202020204" charset="0"/>
+              </a:rPr>
+              <a:t>Having uniform standard records on the </a:t>
+            </a:r>
+            <a:r>
+              <a:rPr lang="en-US" b="1" i="0" dirty="0">
+                <a:solidFill>
+                  <a:schemeClr val="tx1"/>
+                </a:solidFill>
+                <a:latin typeface="Nunito Sans" panose="020B0604020202020204" charset="0"/>
+              </a:rPr>
+              <a:t>network</a:t>
+            </a:r>
+            <a:r>
+              <a:rPr lang="en-US" i="0" dirty="0">
+                <a:solidFill>
+                  <a:schemeClr val="tx1"/>
+                </a:solidFill>
+                <a:latin typeface="Nunito Sans" panose="020B0604020202020204" charset="0"/>
+              </a:rPr>
+              <a:t> would ensure interoperability among various </a:t>
+            </a:r>
+            <a:r>
+              <a:rPr lang="en-US" b="1" i="0" dirty="0">
+                <a:solidFill>
+                  <a:schemeClr val="tx1"/>
+                </a:solidFill>
+                <a:latin typeface="Nunito Sans" panose="020B0604020202020204" charset="0"/>
+              </a:rPr>
+              <a:t>healthcare centers </a:t>
+            </a:r>
+            <a:r>
+              <a:rPr lang="en-US" i="0" dirty="0">
+                <a:solidFill>
+                  <a:schemeClr val="tx1"/>
+                </a:solidFill>
+                <a:latin typeface="Nunito Sans" panose="020B0604020202020204" charset="0"/>
+              </a:rPr>
+              <a:t>ensuring </a:t>
+            </a:r>
+            <a:r>
+              <a:rPr lang="en-US" b="1" i="0" dirty="0">
+                <a:solidFill>
+                  <a:schemeClr val="tx1"/>
+                </a:solidFill>
+                <a:latin typeface="Nunito Sans" panose="020B0604020202020204" charset="0"/>
+              </a:rPr>
+              <a:t>robust IT connectivity and </a:t>
+            </a:r>
+            <a:r>
+              <a:rPr lang="en-US" b="1" i="0" dirty="0" smtClean="0">
+                <a:solidFill>
+                  <a:schemeClr val="tx1"/>
+                </a:solidFill>
+                <a:latin typeface="Nunito Sans" panose="020B0604020202020204" charset="0"/>
+              </a:rPr>
+              <a:t>digitization</a:t>
+            </a:r>
+            <a:r>
+              <a:rPr lang="en-US" i="0" dirty="0">
+                <a:solidFill>
+                  <a:schemeClr val="tx1"/>
+                </a:solidFill>
+                <a:latin typeface="Nunito Sans" panose="020B0604020202020204" charset="0"/>
+              </a:rPr>
+              <a:t>.</a:t>
+            </a:r>
+          </a:p>
+          <a:p>
+            <a:pPr algn="just"/>
+            <a:r>
+              <a:rPr lang="en-US" i="0" dirty="0">
+                <a:solidFill>
+                  <a:schemeClr val="tx1"/>
+                </a:solidFill>
+                <a:latin typeface="Nunito Sans" panose="020B0604020202020204" charset="0"/>
+              </a:rPr>
+              <a:t>A system that guarantees </a:t>
+            </a:r>
+            <a:r>
+              <a:rPr lang="en-US" b="1" i="0" dirty="0">
+                <a:solidFill>
+                  <a:schemeClr val="tx1"/>
+                </a:solidFill>
+                <a:latin typeface="Nunito Sans" panose="020B0604020202020204" charset="0"/>
+              </a:rPr>
+              <a:t>security</a:t>
+            </a:r>
+            <a:r>
+              <a:rPr lang="en-US" i="0" dirty="0">
+                <a:solidFill>
+                  <a:schemeClr val="tx1"/>
+                </a:solidFill>
+                <a:latin typeface="Nunito Sans" panose="020B0604020202020204" charset="0"/>
+              </a:rPr>
+              <a:t>, </a:t>
+            </a:r>
+            <a:r>
+              <a:rPr lang="en-US" b="1" i="0" dirty="0">
+                <a:solidFill>
+                  <a:schemeClr val="tx1"/>
+                </a:solidFill>
+                <a:latin typeface="Nunito Sans" panose="020B0604020202020204" charset="0"/>
+              </a:rPr>
+              <a:t>interoperability</a:t>
+            </a:r>
+            <a:r>
+              <a:rPr lang="en-US" i="0" dirty="0">
+                <a:solidFill>
+                  <a:schemeClr val="tx1"/>
+                </a:solidFill>
+                <a:latin typeface="Nunito Sans" panose="020B0604020202020204" charset="0"/>
+              </a:rPr>
+              <a:t> and </a:t>
+            </a:r>
+            <a:r>
+              <a:rPr lang="en-US" b="1" i="0" dirty="0">
+                <a:solidFill>
+                  <a:schemeClr val="tx1"/>
+                </a:solidFill>
+                <a:latin typeface="Nunito Sans" panose="020B0604020202020204" charset="0"/>
+              </a:rPr>
+              <a:t>transparency</a:t>
+            </a:r>
+            <a:r>
+              <a:rPr lang="en-US" i="0" dirty="0">
+                <a:solidFill>
+                  <a:schemeClr val="tx1"/>
+                </a:solidFill>
+                <a:latin typeface="Nunito Sans" panose="020B0604020202020204" charset="0"/>
+              </a:rPr>
+              <a:t> will encourage participation by all </a:t>
+            </a:r>
+            <a:r>
+              <a:rPr lang="en-US" b="1" i="0" dirty="0">
+                <a:solidFill>
+                  <a:schemeClr val="tx1"/>
+                </a:solidFill>
+                <a:latin typeface="Nunito Sans" panose="020B0604020202020204" charset="0"/>
+              </a:rPr>
+              <a:t>stakeholders.</a:t>
+            </a:r>
+          </a:p>
+          <a:p>
+            <a:pPr algn="just"/>
+            <a:r>
+              <a:rPr lang="en-US" i="0" dirty="0">
+                <a:solidFill>
+                  <a:schemeClr val="tx1"/>
+                </a:solidFill>
+                <a:latin typeface="Nunito Sans" panose="020B0604020202020204" charset="0"/>
+              </a:rPr>
+              <a:t>The data can be shared with the patients consent not only for diagnosis but to facilitate </a:t>
+            </a:r>
+            <a:r>
+              <a:rPr lang="en-US" b="1" i="0" dirty="0">
+                <a:solidFill>
+                  <a:schemeClr val="tx1"/>
+                </a:solidFill>
+                <a:latin typeface="Nunito Sans" panose="020B0604020202020204" charset="0"/>
+              </a:rPr>
+              <a:t>research</a:t>
+            </a:r>
+            <a:r>
+              <a:rPr lang="en-US" i="0" dirty="0">
+                <a:solidFill>
+                  <a:schemeClr val="tx1"/>
+                </a:solidFill>
+                <a:latin typeface="Nunito Sans" panose="020B0604020202020204" charset="0"/>
+              </a:rPr>
+              <a:t>.</a:t>
+            </a:r>
+          </a:p>
+          <a:p>
+            <a:pPr algn="just"/>
+            <a:r>
+              <a:rPr lang="en-US" i="0" dirty="0">
+                <a:solidFill>
+                  <a:schemeClr val="tx1"/>
+                </a:solidFill>
+                <a:latin typeface="Nunito Sans" panose="020B0604020202020204" charset="0"/>
+              </a:rPr>
+              <a:t>All of these are essentials in </a:t>
+            </a:r>
+            <a:r>
+              <a:rPr lang="en-US" b="1" i="0" dirty="0">
+                <a:solidFill>
+                  <a:schemeClr val="tx1"/>
+                </a:solidFill>
+                <a:latin typeface="Nunito Sans" panose="020B0604020202020204" charset="0"/>
+              </a:rPr>
+              <a:t>smart healthcare </a:t>
+            </a:r>
+            <a:r>
+              <a:rPr lang="en-US" i="0" dirty="0">
+                <a:solidFill>
+                  <a:schemeClr val="tx1"/>
+                </a:solidFill>
+                <a:latin typeface="Nunito Sans" panose="020B0604020202020204" charset="0"/>
+              </a:rPr>
+              <a:t>and certainly in smart cities that are proactive about enhancing livability for their residents.</a:t>
+            </a:r>
+          </a:p>
+          <a:p>
+            <a:pPr algn="just"/>
+            <a:endParaRPr lang="en-US" i="0" dirty="0">
+              <a:solidFill>
+                <a:schemeClr val="tx1"/>
+              </a:solidFill>
+              <a:latin typeface="Nunito Sans" panose="020B0604020202020204" charset="0"/>
+            </a:endParaRPr>
+          </a:p>
+          <a:p>
+            <a:pPr algn="just">
+              <a:buFont typeface="Arial" panose="020B0604020202020204" pitchFamily="34" charset="0"/>
+              <a:buChar char="•"/>
+            </a:pPr>
+            <a:endParaRPr lang="en-US" i="0" dirty="0">
+              <a:solidFill>
+                <a:schemeClr val="tx1"/>
+              </a:solidFill>
+              <a:latin typeface="Nunito Sans" panose="020B0604020202020204" charset="0"/>
+            </a:endParaRPr>
+          </a:p>
+          <a:p>
+            <a:pPr algn="just">
+              <a:buFont typeface="Arial" panose="020B0604020202020204" pitchFamily="34" charset="0"/>
+              <a:buChar char="•"/>
+            </a:pPr>
+            <a:endParaRPr lang="en-US" i="0" dirty="0">
+              <a:solidFill>
+                <a:schemeClr val="tx1"/>
+              </a:solidFill>
+              <a:latin typeface="Nunito Sans" panose="020B0604020202020204" charset="0"/>
+            </a:endParaRPr>
+          </a:p>
+          <a:p>
+            <a:pPr algn="just">
+              <a:buFont typeface="Arial" panose="020B0604020202020204" pitchFamily="34" charset="0"/>
+              <a:buChar char="•"/>
+            </a:pPr>
+            <a:endParaRPr i="0" dirty="0">
+              <a:solidFill>
+                <a:schemeClr val="tx1"/>
+              </a:solidFill>
+              <a:latin typeface="Nunito Sans" panose="020B0604020202020204" charset="0"/>
+            </a:endParaRPr>
+          </a:p>
+        </p:txBody>
+      </p:sp>
+    </p:spTree>
+    <p:extLst>
+      <p:ext uri="{BB962C8B-B14F-4D97-AF65-F5344CB8AC3E}">
+        <p14:creationId xmlns:p14="http://schemas.microsoft.com/office/powerpoint/2010/main" val="3039291923"/>
+      </p:ext>
+    </p:extLst>
+  </p:cSld>
+  <p:clrMapOvr>
+    <a:masterClrMapping/>
+  </p:clrMapOvr>
+</p:sld>
+</file>
+
+<file path=ppt/slides/slide12.xml><?xml version="1.0" encoding="utf-8"?>
+<p:sld xmlns:a="http://schemas.openxmlformats.org/drawingml/2006/main" xmlns:r="http://schemas.openxmlformats.org/officeDocument/2006/relationships" xmlns:p="http://schemas.openxmlformats.org/presentationml/2006/main">
+  <p:cSld>
+    <p:bg>
+      <p:bgPr>
+        <a:solidFill>
+          <a:schemeClr val="accent1">
+            <a:lumMod val="75000"/>
+          </a:schemeClr>
+        </a:solidFill>
+        <a:effectLst/>
+      </p:bgPr>
+    </p:bg>
+    <p:spTree>
+      <p:nvGrpSpPr>
+        <p:cNvPr id="1" name="Shape 103"/>
+        <p:cNvGrpSpPr/>
+        <p:nvPr/>
+      </p:nvGrpSpPr>
+      <p:grpSpPr>
+        <a:xfrm>
+          <a:off x="0" y="0"/>
+          <a:ext cx="0" cy="0"/>
+          <a:chOff x="0" y="0"/>
+          <a:chExt cx="0" cy="0"/>
+        </a:xfrm>
+      </p:grpSpPr>
+      <p:sp>
+        <p:nvSpPr>
+          <p:cNvPr id="104" name="Shape 104"/>
+          <p:cNvSpPr txBox="1">
+            <a:spLocks noGrp="1"/>
+          </p:cNvSpPr>
+          <p:nvPr>
+            <p:ph type="title"/>
+          </p:nvPr>
+        </p:nvSpPr>
+        <p:spPr>
+          <a:xfrm>
+            <a:off x="91952" y="563624"/>
+            <a:ext cx="2485001" cy="817464"/>
+          </a:xfrm>
+          <a:prstGeom prst="rect">
+            <a:avLst/>
+          </a:prstGeom>
+        </p:spPr>
+        <p:txBody>
+          <a:bodyPr spcFirstLastPara="1" wrap="square" lIns="91425" tIns="91425" rIns="91425" bIns="91425" anchor="t" anchorCtr="0">
+            <a:noAutofit/>
+          </a:bodyPr>
+          <a:lstStyle/>
+          <a:p>
+            <a:pPr marL="0" lvl="0" indent="0" rtl="0">
+              <a:spcBef>
+                <a:spcPts val="0"/>
+              </a:spcBef>
+              <a:spcAft>
+                <a:spcPts val="0"/>
+              </a:spcAft>
+              <a:buNone/>
+            </a:pPr>
+            <a:r>
+              <a:rPr lang="en-IN" b="1" dirty="0" smtClean="0"/>
+              <a:t>Ease of Implementation</a:t>
+            </a:r>
+            <a:endParaRPr b="1" dirty="0"/>
+          </a:p>
+        </p:txBody>
+      </p:sp>
+      <p:sp>
+        <p:nvSpPr>
+          <p:cNvPr id="107" name="Shape 107"/>
+          <p:cNvSpPr txBox="1">
+            <a:spLocks noGrp="1"/>
+          </p:cNvSpPr>
+          <p:nvPr>
+            <p:ph type="sldNum" idx="12"/>
+          </p:nvPr>
+        </p:nvSpPr>
+        <p:spPr>
+          <a:xfrm>
+            <a:off x="8556784" y="4749851"/>
+            <a:ext cx="548700" cy="393600"/>
+          </a:xfrm>
+          <a:prstGeom prst="rect">
+            <a:avLst/>
+          </a:prstGeom>
+        </p:spPr>
+        <p:txBody>
+          <a:bodyPr spcFirstLastPara="1" wrap="square" lIns="91425" tIns="91425" rIns="91425" bIns="91425" anchor="ctr" anchorCtr="0">
+            <a:noAutofit/>
+          </a:bodyPr>
+          <a:lstStyle/>
+          <a:p>
+            <a:pPr marL="0" lvl="0" indent="0">
+              <a:spcBef>
+                <a:spcPts val="0"/>
+              </a:spcBef>
+              <a:spcAft>
+                <a:spcPts val="0"/>
+              </a:spcAft>
+              <a:buNone/>
+            </a:pPr>
+            <a:fld id="{00000000-1234-1234-1234-123412341234}" type="slidenum">
+              <a:rPr lang="en"/>
+              <a:t>12</a:t>
+            </a:fld>
+            <a:endParaRPr dirty="0"/>
+          </a:p>
+        </p:txBody>
+      </p:sp>
+      <p:sp>
+        <p:nvSpPr>
+          <p:cNvPr id="3" name="Rectangle 2"/>
+          <p:cNvSpPr/>
+          <p:nvPr/>
+        </p:nvSpPr>
+        <p:spPr>
+          <a:xfrm>
+            <a:off x="3022270" y="611580"/>
+            <a:ext cx="5658592" cy="1579418"/>
+          </a:xfrm>
+          <a:prstGeom prst="rect">
+            <a:avLst/>
+          </a:prstGeom>
+          <a:noFill/>
+          <a:ln>
+            <a:solidFill>
+              <a:schemeClr val="bg1">
+                <a:lumMod val="95000"/>
+              </a:schemeClr>
+            </a:solidFill>
+          </a:ln>
+        </p:spPr>
+        <p:style>
+          <a:lnRef idx="2">
+            <a:schemeClr val="accent1">
+              <a:shade val="50000"/>
+            </a:schemeClr>
+          </a:lnRef>
+          <a:fillRef idx="1">
+            <a:schemeClr val="accent1"/>
+          </a:fillRef>
+          <a:effectRef idx="0">
+            <a:schemeClr val="accent1"/>
+          </a:effectRef>
+          <a:fontRef idx="minor">
+            <a:schemeClr val="lt1"/>
+          </a:fontRef>
+        </p:style>
+        <p:txBody>
+          <a:bodyPr rtlCol="0" anchor="ctr"/>
+          <a:lstStyle/>
+          <a:p>
+            <a:pPr algn="ctr"/>
+            <a:endParaRPr lang="en-IN"/>
+          </a:p>
+        </p:txBody>
+      </p:sp>
+      <p:sp>
+        <p:nvSpPr>
+          <p:cNvPr id="4" name="TextBox 3"/>
+          <p:cNvSpPr txBox="1"/>
+          <p:nvPr/>
+        </p:nvSpPr>
+        <p:spPr>
+          <a:xfrm>
+            <a:off x="4792627" y="682653"/>
+            <a:ext cx="2117887" cy="261610"/>
+          </a:xfrm>
+          <a:prstGeom prst="rect">
+            <a:avLst/>
+          </a:prstGeom>
+          <a:noFill/>
+        </p:spPr>
+        <p:txBody>
+          <a:bodyPr wrap="none" rtlCol="0">
+            <a:spAutoFit/>
+          </a:bodyPr>
+          <a:lstStyle/>
+          <a:p>
+            <a:pPr algn="ctr"/>
+            <a:r>
+              <a:rPr lang="en-IN" sz="1100" b="1" dirty="0" smtClean="0"/>
+              <a:t>Infrastructural Requirements</a:t>
+            </a:r>
+            <a:endParaRPr lang="en-IN" sz="1100" b="1" dirty="0"/>
+          </a:p>
+        </p:txBody>
+      </p:sp>
+      <p:sp>
+        <p:nvSpPr>
+          <p:cNvPr id="5" name="TextBox 4"/>
+          <p:cNvSpPr txBox="1"/>
+          <p:nvPr/>
+        </p:nvSpPr>
+        <p:spPr>
+          <a:xfrm>
+            <a:off x="3170719" y="1086661"/>
+            <a:ext cx="5229317" cy="900246"/>
+          </a:xfrm>
+          <a:prstGeom prst="rect">
+            <a:avLst/>
+          </a:prstGeom>
+          <a:noFill/>
+        </p:spPr>
+        <p:txBody>
+          <a:bodyPr wrap="none" rtlCol="0">
+            <a:spAutoFit/>
+          </a:bodyPr>
+          <a:lstStyle/>
+          <a:p>
+            <a:pPr marL="171450" indent="-171450">
+              <a:buFont typeface="Arial" pitchFamily="34" charset="0"/>
+              <a:buChar char="•"/>
+            </a:pPr>
+            <a:r>
+              <a:rPr lang="en-IN" sz="1050" dirty="0" smtClean="0"/>
+              <a:t>Virtual Machines(VMs) on any cloud service provider(Azure, AWS)</a:t>
+            </a:r>
+          </a:p>
+          <a:p>
+            <a:pPr marL="171450" indent="-171450">
+              <a:buFont typeface="Arial" pitchFamily="34" charset="0"/>
+              <a:buChar char="•"/>
+            </a:pPr>
+            <a:r>
+              <a:rPr lang="en-IN" sz="1050" dirty="0" smtClean="0"/>
+              <a:t>Mobile phones and desktop computers</a:t>
+            </a:r>
+          </a:p>
+          <a:p>
+            <a:pPr marL="171450" indent="-171450">
+              <a:buFont typeface="Arial" pitchFamily="34" charset="0"/>
+              <a:buChar char="•"/>
+            </a:pPr>
+            <a:r>
+              <a:rPr lang="en-IN" sz="1050" dirty="0" smtClean="0"/>
+              <a:t>IT enable the hospitals – establish network, hardware including bio-metric module</a:t>
+            </a:r>
+          </a:p>
+          <a:p>
+            <a:pPr marL="171450" indent="-171450">
+              <a:buFont typeface="Arial" pitchFamily="34" charset="0"/>
+              <a:buChar char="•"/>
+            </a:pPr>
+            <a:endParaRPr lang="en-IN" sz="1050" dirty="0" smtClean="0"/>
+          </a:p>
+          <a:p>
+            <a:pPr marL="171450" indent="-171450">
+              <a:buFont typeface="Arial" pitchFamily="34" charset="0"/>
+              <a:buChar char="•"/>
+            </a:pPr>
+            <a:endParaRPr lang="en-IN" sz="1050" dirty="0"/>
+          </a:p>
+        </p:txBody>
+      </p:sp>
+      <p:sp>
+        <p:nvSpPr>
+          <p:cNvPr id="9" name="Rectangle 8"/>
+          <p:cNvSpPr/>
+          <p:nvPr/>
+        </p:nvSpPr>
+        <p:spPr>
+          <a:xfrm>
+            <a:off x="3022270" y="2557479"/>
+            <a:ext cx="5658592" cy="1712027"/>
+          </a:xfrm>
+          <a:prstGeom prst="rect">
+            <a:avLst/>
+          </a:prstGeom>
+          <a:noFill/>
+          <a:ln>
+            <a:solidFill>
+              <a:schemeClr val="bg1">
+                <a:lumMod val="95000"/>
+              </a:schemeClr>
+            </a:solidFill>
+          </a:ln>
+        </p:spPr>
+        <p:style>
+          <a:lnRef idx="2">
+            <a:schemeClr val="accent1">
+              <a:shade val="50000"/>
+            </a:schemeClr>
+          </a:lnRef>
+          <a:fillRef idx="1">
+            <a:schemeClr val="accent1"/>
+          </a:fillRef>
+          <a:effectRef idx="0">
+            <a:schemeClr val="accent1"/>
+          </a:effectRef>
+          <a:fontRef idx="minor">
+            <a:schemeClr val="lt1"/>
+          </a:fontRef>
+        </p:style>
+        <p:txBody>
+          <a:bodyPr rtlCol="0" anchor="ctr"/>
+          <a:lstStyle/>
+          <a:p>
+            <a:pPr algn="ctr"/>
+            <a:endParaRPr lang="en-IN"/>
+          </a:p>
+        </p:txBody>
+      </p:sp>
+      <p:sp>
+        <p:nvSpPr>
+          <p:cNvPr id="10" name="TextBox 9"/>
+          <p:cNvSpPr txBox="1"/>
+          <p:nvPr/>
+        </p:nvSpPr>
+        <p:spPr>
+          <a:xfrm>
+            <a:off x="5316002" y="2628549"/>
+            <a:ext cx="1071126" cy="261610"/>
+          </a:xfrm>
+          <a:prstGeom prst="rect">
+            <a:avLst/>
+          </a:prstGeom>
+          <a:noFill/>
+        </p:spPr>
+        <p:txBody>
+          <a:bodyPr wrap="none" rtlCol="0">
+            <a:spAutoFit/>
+          </a:bodyPr>
+          <a:lstStyle/>
+          <a:p>
+            <a:pPr algn="ctr"/>
+            <a:r>
+              <a:rPr lang="en-IN" sz="1100" b="1" dirty="0" smtClean="0"/>
+              <a:t>Stakeholders</a:t>
+            </a:r>
+            <a:endParaRPr lang="en-IN" sz="1100" b="1" dirty="0"/>
+          </a:p>
+        </p:txBody>
+      </p:sp>
+      <p:sp>
+        <p:nvSpPr>
+          <p:cNvPr id="12" name="TextBox 11"/>
+          <p:cNvSpPr txBox="1"/>
+          <p:nvPr/>
+        </p:nvSpPr>
+        <p:spPr>
+          <a:xfrm>
+            <a:off x="3170717" y="3032557"/>
+            <a:ext cx="5463355" cy="1223412"/>
+          </a:xfrm>
+          <a:prstGeom prst="rect">
+            <a:avLst/>
+          </a:prstGeom>
+          <a:noFill/>
+        </p:spPr>
+        <p:txBody>
+          <a:bodyPr wrap="none" rtlCol="0">
+            <a:spAutoFit/>
+          </a:bodyPr>
+          <a:lstStyle/>
+          <a:p>
+            <a:pPr marL="171450" indent="-171450">
+              <a:buFont typeface="Arial" pitchFamily="34" charset="0"/>
+              <a:buChar char="•"/>
+            </a:pPr>
+            <a:r>
+              <a:rPr lang="en-IN" sz="1050" dirty="0" smtClean="0"/>
+              <a:t>Medical records will be accessed over </a:t>
+            </a:r>
+            <a:r>
+              <a:rPr lang="en-IN" sz="1050" smtClean="0"/>
+              <a:t>the </a:t>
+            </a:r>
+            <a:r>
+              <a:rPr lang="en-IN" sz="1050" b="1" dirty="0"/>
+              <a:t>I</a:t>
+            </a:r>
+            <a:r>
+              <a:rPr lang="en-IN" sz="1050" b="1" smtClean="0"/>
+              <a:t>nternet</a:t>
+            </a:r>
+            <a:r>
+              <a:rPr lang="en-IN" sz="1050" smtClean="0"/>
+              <a:t> </a:t>
+            </a:r>
+            <a:r>
+              <a:rPr lang="en-IN" sz="1050" dirty="0" smtClean="0"/>
+              <a:t>demanding people to be familiar</a:t>
+            </a:r>
+          </a:p>
+          <a:p>
+            <a:r>
+              <a:rPr lang="en-IN" sz="1050" dirty="0"/>
+              <a:t> </a:t>
+            </a:r>
+            <a:r>
+              <a:rPr lang="en-IN" sz="1050" dirty="0" smtClean="0"/>
+              <a:t>    with internet.</a:t>
+            </a:r>
+          </a:p>
+          <a:p>
+            <a:pPr marL="171450" indent="-171450">
+              <a:buFont typeface="Arial" pitchFamily="34" charset="0"/>
+              <a:buChar char="•"/>
+            </a:pPr>
+            <a:r>
+              <a:rPr lang="en-IN" sz="1050" b="1" dirty="0" smtClean="0"/>
+              <a:t>Blockchain</a:t>
+            </a:r>
+            <a:r>
+              <a:rPr lang="en-IN" sz="1050" dirty="0" smtClean="0"/>
+              <a:t> being an emerging technology, rigorous </a:t>
+            </a:r>
+            <a:r>
+              <a:rPr lang="en-IN" sz="1050" b="1" dirty="0" smtClean="0"/>
+              <a:t>training</a:t>
+            </a:r>
+            <a:r>
+              <a:rPr lang="en-IN" sz="1050" dirty="0" smtClean="0"/>
+              <a:t> for all actors involved in</a:t>
+            </a:r>
+          </a:p>
+          <a:p>
+            <a:r>
+              <a:rPr lang="en-IN" sz="1050" dirty="0" smtClean="0"/>
+              <a:t>     the system will be a priority.</a:t>
+            </a:r>
+          </a:p>
+          <a:p>
+            <a:pPr marL="171450" indent="-171450">
+              <a:buFont typeface="Arial" pitchFamily="34" charset="0"/>
+              <a:buChar char="•"/>
+            </a:pPr>
+            <a:r>
+              <a:rPr lang="en-IN" sz="1050" dirty="0" smtClean="0"/>
+              <a:t>For hospitals, shifting from their </a:t>
+            </a:r>
+            <a:r>
+              <a:rPr lang="en-IN" sz="1050" b="1" dirty="0" smtClean="0"/>
+              <a:t>traditional/current</a:t>
+            </a:r>
+            <a:r>
+              <a:rPr lang="en-IN" sz="1050" dirty="0" smtClean="0"/>
+              <a:t> system to </a:t>
+            </a:r>
+            <a:r>
+              <a:rPr lang="en-IN" sz="1050" b="1" dirty="0" smtClean="0"/>
+              <a:t>blockchain based </a:t>
+            </a:r>
+          </a:p>
+          <a:p>
+            <a:r>
+              <a:rPr lang="en-IN" sz="1050" b="1" dirty="0"/>
+              <a:t> </a:t>
+            </a:r>
+            <a:r>
+              <a:rPr lang="en-IN" sz="1050" b="1" dirty="0" smtClean="0"/>
+              <a:t>    scheme </a:t>
+            </a:r>
+            <a:r>
+              <a:rPr lang="en-IN" sz="1050" dirty="0" smtClean="0"/>
+              <a:t>might be challenging but the </a:t>
+            </a:r>
+            <a:r>
+              <a:rPr lang="en-IN" sz="1050" b="1" dirty="0" smtClean="0"/>
+              <a:t>future</a:t>
+            </a:r>
+            <a:r>
+              <a:rPr lang="en-IN" sz="1050" dirty="0" smtClean="0"/>
+              <a:t> outcome would be </a:t>
+            </a:r>
+            <a:r>
+              <a:rPr lang="en-IN" sz="1050" b="1" dirty="0" smtClean="0"/>
+              <a:t>highly beneficial</a:t>
+            </a:r>
+            <a:r>
+              <a:rPr lang="en-IN" sz="1050" dirty="0" smtClean="0"/>
+              <a:t>.</a:t>
+            </a:r>
+          </a:p>
+          <a:p>
+            <a:pPr marL="171450" indent="-171450">
+              <a:buFont typeface="Arial" pitchFamily="34" charset="0"/>
+              <a:buChar char="•"/>
+            </a:pPr>
+            <a:endParaRPr lang="en-IN" sz="1050" dirty="0" smtClean="0"/>
+          </a:p>
+        </p:txBody>
+      </p:sp>
+    </p:spTree>
+    <p:extLst>
+      <p:ext uri="{BB962C8B-B14F-4D97-AF65-F5344CB8AC3E}">
+        <p14:creationId xmlns:p14="http://schemas.microsoft.com/office/powerpoint/2010/main" val="3992344039"/>
+      </p:ext>
+    </p:extLst>
+  </p:cSld>
+  <p:clrMapOvr>
+    <a:masterClrMapping/>
+  </p:clrMapOvr>
+</p:sld>
+</file>
+
+<file path=ppt/slides/slide13.xml><?xml version="1.0" encoding="utf-8"?>
+<p:sld xmlns:a="http://schemas.openxmlformats.org/drawingml/2006/main" xmlns:r="http://schemas.openxmlformats.org/officeDocument/2006/relationships" xmlns:p="http://schemas.openxmlformats.org/presentationml/2006/main">
+  <p:cSld>
+    <p:bg>
+      <p:bgPr>
+        <a:solidFill>
+          <a:schemeClr val="accent1">
+            <a:lumMod val="75000"/>
+          </a:schemeClr>
+        </a:solidFill>
+        <a:effectLst/>
+      </p:bgPr>
+    </p:bg>
+    <p:spTree>
+      <p:nvGrpSpPr>
+        <p:cNvPr id="1" name="Shape 103"/>
+        <p:cNvGrpSpPr/>
+        <p:nvPr/>
+      </p:nvGrpSpPr>
+      <p:grpSpPr>
+        <a:xfrm>
+          <a:off x="0" y="0"/>
+          <a:ext cx="0" cy="0"/>
+          <a:chOff x="0" y="0"/>
+          <a:chExt cx="0" cy="0"/>
+        </a:xfrm>
+      </p:grpSpPr>
+      <p:sp>
+        <p:nvSpPr>
+          <p:cNvPr id="104" name="Shape 104"/>
+          <p:cNvSpPr txBox="1">
+            <a:spLocks noGrp="1"/>
+          </p:cNvSpPr>
+          <p:nvPr>
+            <p:ph type="title"/>
+          </p:nvPr>
+        </p:nvSpPr>
+        <p:spPr>
+          <a:xfrm>
+            <a:off x="234450" y="575501"/>
+            <a:ext cx="2046300" cy="915370"/>
+          </a:xfrm>
+          <a:prstGeom prst="rect">
+            <a:avLst/>
+          </a:prstGeom>
+        </p:spPr>
+        <p:txBody>
+          <a:bodyPr spcFirstLastPara="1" wrap="square" lIns="91425" tIns="91425" rIns="91425" bIns="91425" anchor="t" anchorCtr="0">
+            <a:noAutofit/>
+          </a:bodyPr>
+          <a:lstStyle/>
+          <a:p>
+            <a:pPr marL="0" lvl="0" indent="0" algn="just" rtl="0">
+              <a:spcBef>
+                <a:spcPts val="0"/>
+              </a:spcBef>
+              <a:spcAft>
+                <a:spcPts val="0"/>
+              </a:spcAft>
+              <a:buNone/>
+            </a:pPr>
+            <a:r>
+              <a:rPr lang="en-IN" b="1" dirty="0"/>
+              <a:t>Architecture Diagram</a:t>
+            </a:r>
+            <a:endParaRPr b="1" dirty="0"/>
+          </a:p>
+        </p:txBody>
+      </p:sp>
+      <p:sp>
+        <p:nvSpPr>
+          <p:cNvPr id="107" name="Shape 107"/>
+          <p:cNvSpPr txBox="1">
+            <a:spLocks noGrp="1"/>
+          </p:cNvSpPr>
+          <p:nvPr>
+            <p:ph type="sldNum" idx="12"/>
+          </p:nvPr>
+        </p:nvSpPr>
+        <p:spPr>
+          <a:xfrm>
+            <a:off x="8556784" y="4749851"/>
+            <a:ext cx="548700" cy="393600"/>
+          </a:xfrm>
+          <a:prstGeom prst="rect">
+            <a:avLst/>
+          </a:prstGeom>
+        </p:spPr>
+        <p:txBody>
+          <a:bodyPr spcFirstLastPara="1" wrap="square" lIns="91425" tIns="91425" rIns="91425" bIns="91425" anchor="ctr" anchorCtr="0">
+            <a:noAutofit/>
+          </a:bodyPr>
+          <a:lstStyle/>
+          <a:p>
+            <a:pPr marL="0" lvl="0" indent="0">
+              <a:spcBef>
+                <a:spcPts val="0"/>
+              </a:spcBef>
+              <a:spcAft>
+                <a:spcPts val="0"/>
+              </a:spcAft>
+              <a:buNone/>
+            </a:pPr>
+            <a:fld id="{00000000-1234-1234-1234-123412341234}" type="slidenum">
+              <a:rPr lang="en"/>
+              <a:t>13</a:t>
+            </a:fld>
+            <a:endParaRPr dirty="0"/>
+          </a:p>
+        </p:txBody>
+      </p:sp>
+      <p:sp>
+        <p:nvSpPr>
           <p:cNvPr id="4" name="Rectangle: Rounded Corners 3">
             <a:extLst>
               <a:ext uri="{FF2B5EF4-FFF2-40B4-BE49-F238E27FC236}">
-                <a16:creationId xmlns="" xmlns:a16="http://schemas.microsoft.com/office/drawing/2014/main" id="{843BD0C3-32D7-46FB-B2BD-05506C6ED87A}"/>
+                <a16:creationId xmlns:a16="http://schemas.microsoft.com/office/drawing/2014/main" xmlns="" id="{843BD0C3-32D7-46FB-B2BD-05506C6ED87A}"/>
               </a:ext>
             </a:extLst>
           </p:cNvPr>
@@ -16383,7 +17409,7 @@
         </p:nvSpPr>
         <p:spPr>
           <a:xfrm>
-            <a:off x="4555332" y="4241800"/>
+            <a:off x="4555340" y="4241800"/>
             <a:ext cx="1928813" cy="749300"/>
           </a:xfrm>
           <a:prstGeom prst="roundRect">
@@ -16426,7 +17452,7 @@
           <p:cNvPr id="10" name="Picture 9">
             <a:extLst>
               <a:ext uri="{FF2B5EF4-FFF2-40B4-BE49-F238E27FC236}">
-                <a16:creationId xmlns="" xmlns:a16="http://schemas.microsoft.com/office/drawing/2014/main" id="{5607A744-FFC0-4290-81AB-03FCE9C35937}"/>
+                <a16:creationId xmlns:a16="http://schemas.microsoft.com/office/drawing/2014/main" xmlns="" id="{5607A744-FFC0-4290-81AB-03FCE9C35937}"/>
               </a:ext>
             </a:extLst>
           </p:cNvPr>
@@ -16456,7 +17482,7 @@
           <p:cNvPr id="12" name="Picture 11">
             <a:extLst>
               <a:ext uri="{FF2B5EF4-FFF2-40B4-BE49-F238E27FC236}">
-                <a16:creationId xmlns="" xmlns:a16="http://schemas.microsoft.com/office/drawing/2014/main" id="{28BA34AB-C9D2-49FF-992D-B36AB0C11195}"/>
+                <a16:creationId xmlns:a16="http://schemas.microsoft.com/office/drawing/2014/main" xmlns="" id="{28BA34AB-C9D2-49FF-992D-B36AB0C11195}"/>
               </a:ext>
             </a:extLst>
           </p:cNvPr>
@@ -16486,7 +17512,7 @@
           <p:cNvPr id="15" name="Rectangle 14">
             <a:extLst>
               <a:ext uri="{FF2B5EF4-FFF2-40B4-BE49-F238E27FC236}">
-                <a16:creationId xmlns="" xmlns:a16="http://schemas.microsoft.com/office/drawing/2014/main" id="{AFC5DBF7-20C9-4692-ABC4-95D74DC8D8A6}"/>
+                <a16:creationId xmlns:a16="http://schemas.microsoft.com/office/drawing/2014/main" xmlns="" id="{AFC5DBF7-20C9-4692-ABC4-95D74DC8D8A6}"/>
               </a:ext>
             </a:extLst>
           </p:cNvPr>
@@ -16495,7 +17521,7 @@
         </p:nvSpPr>
         <p:spPr>
           <a:xfrm>
-            <a:off x="3736180" y="1971675"/>
+            <a:off x="3736188" y="1971677"/>
             <a:ext cx="3607595" cy="1819275"/>
           </a:xfrm>
           <a:prstGeom prst="rect">
@@ -16537,7 +17563,7 @@
           <p:cNvPr id="16" name="TextBox 15">
             <a:extLst>
               <a:ext uri="{FF2B5EF4-FFF2-40B4-BE49-F238E27FC236}">
-                <a16:creationId xmlns="" xmlns:a16="http://schemas.microsoft.com/office/drawing/2014/main" id="{023A6BF3-5E79-46E6-8082-BC7D49BFE591}"/>
+                <a16:creationId xmlns:a16="http://schemas.microsoft.com/office/drawing/2014/main" xmlns="" id="{023A6BF3-5E79-46E6-8082-BC7D49BFE591}"/>
               </a:ext>
             </a:extLst>
           </p:cNvPr>
@@ -16546,7 +17572,7 @@
         </p:nvSpPr>
         <p:spPr>
           <a:xfrm>
-            <a:off x="4657129" y="1971675"/>
+            <a:off x="4657129" y="1971679"/>
             <a:ext cx="1649016" cy="276999"/>
           </a:xfrm>
           <a:prstGeom prst="rect">
@@ -16575,7 +17601,7 @@
           <p:cNvPr id="17" name="TextBox 16">
             <a:extLst>
               <a:ext uri="{FF2B5EF4-FFF2-40B4-BE49-F238E27FC236}">
-                <a16:creationId xmlns="" xmlns:a16="http://schemas.microsoft.com/office/drawing/2014/main" id="{EED3F5BE-FBC4-4052-B8A3-C98434F32CBB}"/>
+                <a16:creationId xmlns:a16="http://schemas.microsoft.com/office/drawing/2014/main" xmlns="" id="{EED3F5BE-FBC4-4052-B8A3-C98434F32CBB}"/>
               </a:ext>
             </a:extLst>
           </p:cNvPr>
@@ -16644,7 +17670,7 @@
           <p:cNvPr id="18" name="Rectangle 17">
             <a:extLst>
               <a:ext uri="{FF2B5EF4-FFF2-40B4-BE49-F238E27FC236}">
-                <a16:creationId xmlns="" xmlns:a16="http://schemas.microsoft.com/office/drawing/2014/main" id="{0492E675-102A-4C23-A99A-9054E8235FD0}"/>
+                <a16:creationId xmlns:a16="http://schemas.microsoft.com/office/drawing/2014/main" xmlns="" id="{0492E675-102A-4C23-A99A-9054E8235FD0}"/>
               </a:ext>
             </a:extLst>
           </p:cNvPr>
@@ -16698,7 +17724,7 @@
           <p:cNvPr id="22" name="Rectangle 21">
             <a:extLst>
               <a:ext uri="{FF2B5EF4-FFF2-40B4-BE49-F238E27FC236}">
-                <a16:creationId xmlns="" xmlns:a16="http://schemas.microsoft.com/office/drawing/2014/main" id="{D0F90942-A638-4814-881A-6FD114E7B509}"/>
+                <a16:creationId xmlns:a16="http://schemas.microsoft.com/office/drawing/2014/main" xmlns="" id="{D0F90942-A638-4814-881A-6FD114E7B509}"/>
               </a:ext>
             </a:extLst>
           </p:cNvPr>
@@ -16707,7 +17733,7 @@
         </p:nvSpPr>
         <p:spPr>
           <a:xfrm>
-            <a:off x="5153025" y="2676526"/>
+            <a:off x="5153025" y="2676528"/>
             <a:ext cx="781050" cy="968722"/>
           </a:xfrm>
           <a:prstGeom prst="rect">
@@ -16752,7 +17778,7 @@
           <p:cNvPr id="25" name="Rectangle 24">
             <a:extLst>
               <a:ext uri="{FF2B5EF4-FFF2-40B4-BE49-F238E27FC236}">
-                <a16:creationId xmlns="" xmlns:a16="http://schemas.microsoft.com/office/drawing/2014/main" id="{154057BD-2E1A-4B33-A862-1EA3D6EF58C5}"/>
+                <a16:creationId xmlns:a16="http://schemas.microsoft.com/office/drawing/2014/main" xmlns="" id="{154057BD-2E1A-4B33-A862-1EA3D6EF58C5}"/>
               </a:ext>
             </a:extLst>
           </p:cNvPr>
@@ -16814,7 +17840,7 @@
           <p:cNvPr id="26" name="Rectangle 25">
             <a:extLst>
               <a:ext uri="{FF2B5EF4-FFF2-40B4-BE49-F238E27FC236}">
-                <a16:creationId xmlns="" xmlns:a16="http://schemas.microsoft.com/office/drawing/2014/main" id="{BA57485B-FA09-4FC5-82CB-05FDB2129EEB}"/>
+                <a16:creationId xmlns:a16="http://schemas.microsoft.com/office/drawing/2014/main" xmlns="" id="{BA57485B-FA09-4FC5-82CB-05FDB2129EEB}"/>
               </a:ext>
             </a:extLst>
           </p:cNvPr>
@@ -16876,7 +17902,7 @@
           <p:cNvPr id="27" name="Rectangle 26">
             <a:extLst>
               <a:ext uri="{FF2B5EF4-FFF2-40B4-BE49-F238E27FC236}">
-                <a16:creationId xmlns="" xmlns:a16="http://schemas.microsoft.com/office/drawing/2014/main" id="{C59EFCD6-8E4F-4E95-9E3C-470238F3D3B8}"/>
+                <a16:creationId xmlns:a16="http://schemas.microsoft.com/office/drawing/2014/main" xmlns="" id="{C59EFCD6-8E4F-4E95-9E3C-470238F3D3B8}"/>
               </a:ext>
             </a:extLst>
           </p:cNvPr>
@@ -16938,7 +17964,7 @@
           <p:cNvPr id="28" name="Rectangle 27">
             <a:extLst>
               <a:ext uri="{FF2B5EF4-FFF2-40B4-BE49-F238E27FC236}">
-                <a16:creationId xmlns="" xmlns:a16="http://schemas.microsoft.com/office/drawing/2014/main" id="{0CD1F687-ED89-46F6-B285-627337E61F1F}"/>
+                <a16:creationId xmlns:a16="http://schemas.microsoft.com/office/drawing/2014/main" xmlns="" id="{0CD1F687-ED89-46F6-B285-627337E61F1F}"/>
               </a:ext>
             </a:extLst>
           </p:cNvPr>
@@ -16947,7 +17973,7 @@
         </p:nvSpPr>
         <p:spPr>
           <a:xfrm>
-            <a:off x="5229226" y="3335123"/>
+            <a:off x="5229226" y="3335127"/>
             <a:ext cx="619124" cy="273263"/>
           </a:xfrm>
           <a:prstGeom prst="rect">
@@ -17000,7 +18026,7 @@
           <p:cNvPr id="29" name="Rectangle 28">
             <a:extLst>
               <a:ext uri="{FF2B5EF4-FFF2-40B4-BE49-F238E27FC236}">
-                <a16:creationId xmlns="" xmlns:a16="http://schemas.microsoft.com/office/drawing/2014/main" id="{4050DBEE-3D9A-422E-8D5D-6333921F2156}"/>
+                <a16:creationId xmlns:a16="http://schemas.microsoft.com/office/drawing/2014/main" xmlns="" id="{4050DBEE-3D9A-422E-8D5D-6333921F2156}"/>
               </a:ext>
             </a:extLst>
           </p:cNvPr>
@@ -17009,7 +18035,7 @@
         </p:nvSpPr>
         <p:spPr>
           <a:xfrm>
-            <a:off x="5429548" y="2276530"/>
+            <a:off x="5429556" y="2276530"/>
             <a:ext cx="447377" cy="178650"/>
           </a:xfrm>
           <a:prstGeom prst="rect">
@@ -17062,7 +18088,7 @@
           <p:cNvPr id="30" name="Rectangle 29">
             <a:extLst>
               <a:ext uri="{FF2B5EF4-FFF2-40B4-BE49-F238E27FC236}">
-                <a16:creationId xmlns="" xmlns:a16="http://schemas.microsoft.com/office/drawing/2014/main" id="{769F5C51-049B-4184-A473-DEA47407D812}"/>
+                <a16:creationId xmlns:a16="http://schemas.microsoft.com/office/drawing/2014/main" xmlns="" id="{769F5C51-049B-4184-A473-DEA47407D812}"/>
               </a:ext>
             </a:extLst>
           </p:cNvPr>
@@ -17071,7 +18097,7 @@
         </p:nvSpPr>
         <p:spPr>
           <a:xfrm>
-            <a:off x="6560345" y="2276530"/>
+            <a:off x="6560351" y="2276530"/>
             <a:ext cx="447377" cy="178650"/>
           </a:xfrm>
           <a:prstGeom prst="rect">
@@ -17124,7 +18150,7 @@
           <p:cNvPr id="24" name="Straight Arrow Connector 23">
             <a:extLst>
               <a:ext uri="{FF2B5EF4-FFF2-40B4-BE49-F238E27FC236}">
-                <a16:creationId xmlns="" xmlns:a16="http://schemas.microsoft.com/office/drawing/2014/main" id="{087D2D5E-80D5-4472-B184-E924AF4AEAFC}"/>
+                <a16:creationId xmlns:a16="http://schemas.microsoft.com/office/drawing/2014/main" xmlns="" id="{087D2D5E-80D5-4472-B184-E924AF4AEAFC}"/>
               </a:ext>
             </a:extLst>
           </p:cNvPr>
@@ -17169,7 +18195,7 @@
           <p:cNvPr id="97" name="Straight Arrow Connector 96">
             <a:extLst>
               <a:ext uri="{FF2B5EF4-FFF2-40B4-BE49-F238E27FC236}">
-                <a16:creationId xmlns="" xmlns:a16="http://schemas.microsoft.com/office/drawing/2014/main" id="{A2E3D67A-2862-446F-99DF-032FE55BDEBF}"/>
+                <a16:creationId xmlns:a16="http://schemas.microsoft.com/office/drawing/2014/main" xmlns="" id="{A2E3D67A-2862-446F-99DF-032FE55BDEBF}"/>
               </a:ext>
             </a:extLst>
           </p:cNvPr>
@@ -17178,7 +18204,7 @@
         </p:nvCxnSpPr>
         <p:spPr>
           <a:xfrm>
-            <a:off x="5153025" y="2455180"/>
+            <a:off x="5153033" y="2455180"/>
             <a:ext cx="276523" cy="0"/>
           </a:xfrm>
           <a:prstGeom prst="straightConnector1">
@@ -17211,7 +18237,7 @@
           <p:cNvPr id="101" name="Straight Connector 100">
             <a:extLst>
               <a:ext uri="{FF2B5EF4-FFF2-40B4-BE49-F238E27FC236}">
-                <a16:creationId xmlns="" xmlns:a16="http://schemas.microsoft.com/office/drawing/2014/main" id="{E1AD6D70-9486-49D0-B1DA-E3C03AFB6FAD}"/>
+                <a16:creationId xmlns:a16="http://schemas.microsoft.com/office/drawing/2014/main" xmlns="" id="{E1AD6D70-9486-49D0-B1DA-E3C03AFB6FAD}"/>
               </a:ext>
             </a:extLst>
           </p:cNvPr>
@@ -17252,7 +18278,7 @@
           <p:cNvPr id="40" name="Straight Arrow Connector 39">
             <a:extLst>
               <a:ext uri="{FF2B5EF4-FFF2-40B4-BE49-F238E27FC236}">
-                <a16:creationId xmlns="" xmlns:a16="http://schemas.microsoft.com/office/drawing/2014/main" id="{5CD1DF49-69F0-43C0-8BF1-A969BECDB581}"/>
+                <a16:creationId xmlns:a16="http://schemas.microsoft.com/office/drawing/2014/main" xmlns="" id="{5CD1DF49-69F0-43C0-8BF1-A969BECDB581}"/>
               </a:ext>
             </a:extLst>
           </p:cNvPr>
@@ -17297,7 +18323,7 @@
           <p:cNvPr id="42" name="Straight Arrow Connector 41">
             <a:extLst>
               <a:ext uri="{FF2B5EF4-FFF2-40B4-BE49-F238E27FC236}">
-                <a16:creationId xmlns="" xmlns:a16="http://schemas.microsoft.com/office/drawing/2014/main" id="{44FEE1DE-8467-4988-9641-7B5464BB4427}"/>
+                <a16:creationId xmlns:a16="http://schemas.microsoft.com/office/drawing/2014/main" xmlns="" id="{44FEE1DE-8467-4988-9641-7B5464BB4427}"/>
               </a:ext>
             </a:extLst>
           </p:cNvPr>
@@ -17306,7 +18332,7 @@
         </p:nvCxnSpPr>
         <p:spPr>
           <a:xfrm>
-            <a:off x="6283822" y="2443385"/>
+            <a:off x="6283825" y="2443385"/>
             <a:ext cx="276523" cy="0"/>
           </a:xfrm>
           <a:prstGeom prst="straightConnector1">
@@ -17339,7 +18365,7 @@
           <p:cNvPr id="44" name="Straight Connector 43">
             <a:extLst>
               <a:ext uri="{FF2B5EF4-FFF2-40B4-BE49-F238E27FC236}">
-                <a16:creationId xmlns="" xmlns:a16="http://schemas.microsoft.com/office/drawing/2014/main" id="{EE12C0D9-A933-4739-945C-7C5F34FCCB44}"/>
+                <a16:creationId xmlns:a16="http://schemas.microsoft.com/office/drawing/2014/main" xmlns="" id="{EE12C0D9-A933-4739-945C-7C5F34FCCB44}"/>
               </a:ext>
             </a:extLst>
           </p:cNvPr>
@@ -17350,7 +18376,7 @@
         </p:nvCxnSpPr>
         <p:spPr>
           <a:xfrm>
-            <a:off x="6283822" y="2455180"/>
+            <a:off x="6283822" y="2455182"/>
             <a:ext cx="0" cy="143386"/>
           </a:xfrm>
           <a:prstGeom prst="line">
@@ -17382,7 +18408,7 @@
           <p:cNvPr id="50" name="Straight Arrow Connector 49">
             <a:extLst>
               <a:ext uri="{FF2B5EF4-FFF2-40B4-BE49-F238E27FC236}">
-                <a16:creationId xmlns="" xmlns:a16="http://schemas.microsoft.com/office/drawing/2014/main" id="{864D4508-0004-4946-BA02-3CFECBED4007}"/>
+                <a16:creationId xmlns:a16="http://schemas.microsoft.com/office/drawing/2014/main" xmlns="" id="{864D4508-0004-4946-BA02-3CFECBED4007}"/>
               </a:ext>
             </a:extLst>
           </p:cNvPr>
@@ -17426,7 +18452,7 @@
           <p:cNvPr id="55" name="Rectangle 54">
             <a:extLst>
               <a:ext uri="{FF2B5EF4-FFF2-40B4-BE49-F238E27FC236}">
-                <a16:creationId xmlns="" xmlns:a16="http://schemas.microsoft.com/office/drawing/2014/main" id="{48B45BCD-4358-4A27-A201-9C8C2C57A847}"/>
+                <a16:creationId xmlns:a16="http://schemas.microsoft.com/office/drawing/2014/main" xmlns="" id="{48B45BCD-4358-4A27-A201-9C8C2C57A847}"/>
               </a:ext>
             </a:extLst>
           </p:cNvPr>
@@ -17435,7 +18461,7 @@
         </p:nvSpPr>
         <p:spPr>
           <a:xfrm>
-            <a:off x="6136483" y="2609407"/>
+            <a:off x="6136491" y="2609409"/>
             <a:ext cx="971549" cy="1116640"/>
           </a:xfrm>
           <a:prstGeom prst="rect">
@@ -17480,7 +18506,7 @@
           <p:cNvPr id="56" name="Rectangle 55">
             <a:extLst>
               <a:ext uri="{FF2B5EF4-FFF2-40B4-BE49-F238E27FC236}">
-                <a16:creationId xmlns="" xmlns:a16="http://schemas.microsoft.com/office/drawing/2014/main" id="{7AC6E2A8-CF90-4A56-8231-0F44756D7E0E}"/>
+                <a16:creationId xmlns:a16="http://schemas.microsoft.com/office/drawing/2014/main" xmlns="" id="{7AC6E2A8-CF90-4A56-8231-0F44756D7E0E}"/>
               </a:ext>
             </a:extLst>
           </p:cNvPr>
@@ -17489,7 +18515,7 @@
         </p:nvSpPr>
         <p:spPr>
           <a:xfrm>
-            <a:off x="6212683" y="2685955"/>
+            <a:off x="6212683" y="2685957"/>
             <a:ext cx="781050" cy="640042"/>
           </a:xfrm>
           <a:prstGeom prst="rect">
@@ -17534,7 +18560,7 @@
           <p:cNvPr id="57" name="Rectangle 56">
             <a:extLst>
               <a:ext uri="{FF2B5EF4-FFF2-40B4-BE49-F238E27FC236}">
-                <a16:creationId xmlns="" xmlns:a16="http://schemas.microsoft.com/office/drawing/2014/main" id="{AAB3C0DD-DE9D-4FE3-950D-B4A854CCDAF7}"/>
+                <a16:creationId xmlns:a16="http://schemas.microsoft.com/office/drawing/2014/main" xmlns="" id="{AAB3C0DD-DE9D-4FE3-950D-B4A854CCDAF7}"/>
               </a:ext>
             </a:extLst>
           </p:cNvPr>
@@ -17543,7 +18569,7 @@
         </p:nvSpPr>
         <p:spPr>
           <a:xfrm>
-            <a:off x="6272216" y="2763089"/>
+            <a:off x="6272216" y="2763093"/>
             <a:ext cx="652462" cy="242887"/>
           </a:xfrm>
           <a:prstGeom prst="rect">
@@ -17596,7 +18622,7 @@
           <p:cNvPr id="58" name="Rectangle 57">
             <a:extLst>
               <a:ext uri="{FF2B5EF4-FFF2-40B4-BE49-F238E27FC236}">
-                <a16:creationId xmlns="" xmlns:a16="http://schemas.microsoft.com/office/drawing/2014/main" id="{38193A52-B7AC-4BEF-89DC-F578D16C79BE}"/>
+                <a16:creationId xmlns:a16="http://schemas.microsoft.com/office/drawing/2014/main" xmlns="" id="{38193A52-B7AC-4BEF-89DC-F578D16C79BE}"/>
               </a:ext>
             </a:extLst>
           </p:cNvPr>
@@ -17605,7 +18631,7 @@
         </p:nvSpPr>
         <p:spPr>
           <a:xfrm>
-            <a:off x="6272216" y="3044295"/>
+            <a:off x="6272216" y="3044299"/>
             <a:ext cx="652462" cy="242887"/>
           </a:xfrm>
           <a:prstGeom prst="rect">
@@ -17670,7 +18696,7 @@
           <p:cNvPr id="59" name="Picture 42">
             <a:extLst>
               <a:ext uri="{FF2B5EF4-FFF2-40B4-BE49-F238E27FC236}">
-                <a16:creationId xmlns="" xmlns:a16="http://schemas.microsoft.com/office/drawing/2014/main" id="{2F844B0C-CB90-498F-99F2-41A6C6AA21FE}"/>
+                <a16:creationId xmlns:a16="http://schemas.microsoft.com/office/drawing/2014/main" xmlns="" id="{2F844B0C-CB90-498F-99F2-41A6C6AA21FE}"/>
               </a:ext>
             </a:extLst>
           </p:cNvPr>
@@ -17730,7 +18756,7 @@
           <p:cNvPr id="112" name="Picture 111">
             <a:extLst>
               <a:ext uri="{FF2B5EF4-FFF2-40B4-BE49-F238E27FC236}">
-                <a16:creationId xmlns="" xmlns:a16="http://schemas.microsoft.com/office/drawing/2014/main" id="{3554E3BA-44EA-4384-A6BC-6BAEA92A7315}"/>
+                <a16:creationId xmlns:a16="http://schemas.microsoft.com/office/drawing/2014/main" xmlns="" id="{3554E3BA-44EA-4384-A6BC-6BAEA92A7315}"/>
               </a:ext>
             </a:extLst>
           </p:cNvPr>
@@ -17747,7 +18773,7 @@
         </p:blipFill>
         <p:spPr>
           <a:xfrm>
-            <a:off x="8134136" y="494171"/>
+            <a:off x="8134144" y="494175"/>
             <a:ext cx="1015985" cy="1015985"/>
           </a:xfrm>
           <a:prstGeom prst="rect">
@@ -17760,7 +18786,7 @@
           <p:cNvPr id="64" name="Rectangle 63">
             <a:extLst>
               <a:ext uri="{FF2B5EF4-FFF2-40B4-BE49-F238E27FC236}">
-                <a16:creationId xmlns="" xmlns:a16="http://schemas.microsoft.com/office/drawing/2014/main" id="{026A8523-BD90-4E59-9735-AF2B4DD3E265}"/>
+                <a16:creationId xmlns:a16="http://schemas.microsoft.com/office/drawing/2014/main" xmlns="" id="{026A8523-BD90-4E59-9735-AF2B4DD3E265}"/>
               </a:ext>
             </a:extLst>
           </p:cNvPr>
@@ -17769,7 +18795,7 @@
         </p:nvSpPr>
         <p:spPr>
           <a:xfrm>
-            <a:off x="6212683" y="3364315"/>
+            <a:off x="6212683" y="3364319"/>
             <a:ext cx="781050" cy="280931"/>
           </a:xfrm>
           <a:prstGeom prst="rect">
@@ -17814,7 +18840,7 @@
           <p:cNvPr id="66" name="Rectangle 65">
             <a:extLst>
               <a:ext uri="{FF2B5EF4-FFF2-40B4-BE49-F238E27FC236}">
-                <a16:creationId xmlns="" xmlns:a16="http://schemas.microsoft.com/office/drawing/2014/main" id="{2AD70DEF-8638-4ACB-BF8A-B86A41A3423D}"/>
+                <a16:creationId xmlns:a16="http://schemas.microsoft.com/office/drawing/2014/main" xmlns="" id="{2AD70DEF-8638-4ACB-BF8A-B86A41A3423D}"/>
               </a:ext>
             </a:extLst>
           </p:cNvPr>
@@ -17823,7 +18849,7 @@
         </p:nvSpPr>
         <p:spPr>
           <a:xfrm>
-            <a:off x="6269835" y="3387458"/>
+            <a:off x="6269835" y="3387462"/>
             <a:ext cx="652462" cy="242887"/>
           </a:xfrm>
           <a:prstGeom prst="rect">
@@ -17876,7 +18902,7 @@
           <p:cNvPr id="116" name="Picture 115">
             <a:extLst>
               <a:ext uri="{FF2B5EF4-FFF2-40B4-BE49-F238E27FC236}">
-                <a16:creationId xmlns="" xmlns:a16="http://schemas.microsoft.com/office/drawing/2014/main" id="{B1C8D4B3-5CA5-4ECE-84DD-E4907926740A}"/>
+                <a16:creationId xmlns:a16="http://schemas.microsoft.com/office/drawing/2014/main" xmlns="" id="{B1C8D4B3-5CA5-4ECE-84DD-E4907926740A}"/>
               </a:ext>
             </a:extLst>
           </p:cNvPr>
@@ -17893,7 +18919,7 @@
         </p:blipFill>
         <p:spPr>
           <a:xfrm>
-            <a:off x="3538494" y="1736494"/>
+            <a:off x="3538502" y="1736498"/>
             <a:ext cx="1525067" cy="1525067"/>
           </a:xfrm>
           <a:prstGeom prst="rect">
@@ -17906,7 +18932,7 @@
           <p:cNvPr id="72" name="Rectangle 71">
             <a:extLst>
               <a:ext uri="{FF2B5EF4-FFF2-40B4-BE49-F238E27FC236}">
-                <a16:creationId xmlns="" xmlns:a16="http://schemas.microsoft.com/office/drawing/2014/main" id="{01B320DF-E6AB-4F7E-B0FD-3618D5A6A14F}"/>
+                <a16:creationId xmlns:a16="http://schemas.microsoft.com/office/drawing/2014/main" xmlns="" id="{01B320DF-E6AB-4F7E-B0FD-3618D5A6A14F}"/>
               </a:ext>
             </a:extLst>
           </p:cNvPr>
@@ -17915,7 +18941,7 @@
         </p:nvSpPr>
         <p:spPr>
           <a:xfrm>
-            <a:off x="3734989" y="1164834"/>
+            <a:off x="3734997" y="1164838"/>
             <a:ext cx="3607595" cy="355991"/>
           </a:xfrm>
           <a:prstGeom prst="rect">
@@ -17966,7 +18992,7 @@
           <p:cNvPr id="118" name="Arrow: Up-Down 117">
             <a:extLst>
               <a:ext uri="{FF2B5EF4-FFF2-40B4-BE49-F238E27FC236}">
-                <a16:creationId xmlns="" xmlns:a16="http://schemas.microsoft.com/office/drawing/2014/main" id="{F25F6E6C-E50C-4C32-86A1-42F75BD07901}"/>
+                <a16:creationId xmlns:a16="http://schemas.microsoft.com/office/drawing/2014/main" xmlns="" id="{F25F6E6C-E50C-4C32-86A1-42F75BD07901}"/>
               </a:ext>
             </a:extLst>
           </p:cNvPr>
@@ -18012,7 +19038,7 @@
           <p:cNvPr id="74" name="Arrow: Up-Down 73">
             <a:extLst>
               <a:ext uri="{FF2B5EF4-FFF2-40B4-BE49-F238E27FC236}">
-                <a16:creationId xmlns="" xmlns:a16="http://schemas.microsoft.com/office/drawing/2014/main" id="{3A769608-CEE7-43E4-BB41-0AA36412BCCE}"/>
+                <a16:creationId xmlns:a16="http://schemas.microsoft.com/office/drawing/2014/main" xmlns="" id="{3A769608-CEE7-43E4-BB41-0AA36412BCCE}"/>
               </a:ext>
             </a:extLst>
           </p:cNvPr>
@@ -18021,7 +19047,7 @@
         </p:nvSpPr>
         <p:spPr>
           <a:xfrm>
-            <a:off x="5365030" y="1520825"/>
+            <a:off x="5365030" y="1520829"/>
             <a:ext cx="233214" cy="452677"/>
           </a:xfrm>
           <a:prstGeom prst="upDownArrow">
@@ -18058,7 +19084,7 @@
           <p:cNvPr id="75" name="Arrow: Up-Down 74">
             <a:extLst>
               <a:ext uri="{FF2B5EF4-FFF2-40B4-BE49-F238E27FC236}">
-                <a16:creationId xmlns="" xmlns:a16="http://schemas.microsoft.com/office/drawing/2014/main" id="{0C44AF41-EEB6-44F4-8E16-05F60219BD87}"/>
+                <a16:creationId xmlns:a16="http://schemas.microsoft.com/office/drawing/2014/main" xmlns="" id="{0C44AF41-EEB6-44F4-8E16-05F60219BD87}"/>
               </a:ext>
             </a:extLst>
           </p:cNvPr>
@@ -18104,7 +19130,7 @@
           <p:cNvPr id="76" name="Arrow: Up-Down 75">
             <a:extLst>
               <a:ext uri="{FF2B5EF4-FFF2-40B4-BE49-F238E27FC236}">
-                <a16:creationId xmlns="" xmlns:a16="http://schemas.microsoft.com/office/drawing/2014/main" id="{FC51E6FE-D368-4B28-8661-798B762CCB75}"/>
+                <a16:creationId xmlns:a16="http://schemas.microsoft.com/office/drawing/2014/main" xmlns="" id="{FC51E6FE-D368-4B28-8661-798B762CCB75}"/>
               </a:ext>
             </a:extLst>
           </p:cNvPr>
@@ -18113,7 +19139,7 @@
         </p:nvSpPr>
         <p:spPr>
           <a:xfrm>
-            <a:off x="6442438" y="1510156"/>
+            <a:off x="6442438" y="1510160"/>
             <a:ext cx="233214" cy="452677"/>
           </a:xfrm>
           <a:prstGeom prst="upDownArrow">
@@ -18150,7 +19176,7 @@
           <p:cNvPr id="120" name="Picture 119">
             <a:extLst>
               <a:ext uri="{FF2B5EF4-FFF2-40B4-BE49-F238E27FC236}">
-                <a16:creationId xmlns="" xmlns:a16="http://schemas.microsoft.com/office/drawing/2014/main" id="{CCA75F24-AF7B-434D-A086-B7BB355744DF}"/>
+                <a16:creationId xmlns:a16="http://schemas.microsoft.com/office/drawing/2014/main" xmlns="" id="{CCA75F24-AF7B-434D-A086-B7BB355744DF}"/>
               </a:ext>
             </a:extLst>
           </p:cNvPr>
@@ -18167,7 +19193,7 @@
         </p:blipFill>
         <p:spPr>
           <a:xfrm>
-            <a:off x="4555332" y="45495"/>
+            <a:off x="4555332" y="45496"/>
             <a:ext cx="1904136" cy="844167"/>
           </a:xfrm>
           <a:prstGeom prst="rect">
@@ -18180,7 +19206,7 @@
           <p:cNvPr id="79" name="Picture 50">
             <a:extLst>
               <a:ext uri="{FF2B5EF4-FFF2-40B4-BE49-F238E27FC236}">
-                <a16:creationId xmlns="" xmlns:a16="http://schemas.microsoft.com/office/drawing/2014/main" id="{0A4AA348-544D-4A99-933D-85AF7F4035E9}"/>
+                <a16:creationId xmlns:a16="http://schemas.microsoft.com/office/drawing/2014/main" xmlns="" id="{0A4AA348-544D-4A99-933D-85AF7F4035E9}"/>
               </a:ext>
             </a:extLst>
           </p:cNvPr>
@@ -18204,7 +19230,7 @@
         </p:blipFill>
         <p:spPr bwMode="auto">
           <a:xfrm>
-            <a:off x="8186896" y="3948113"/>
+            <a:off x="8186904" y="3948117"/>
             <a:ext cx="739775" cy="739775"/>
           </a:xfrm>
           <a:prstGeom prst="rect">
@@ -18240,7 +19266,7 @@
           <p:cNvPr id="122" name="Picture 121">
             <a:extLst>
               <a:ext uri="{FF2B5EF4-FFF2-40B4-BE49-F238E27FC236}">
-                <a16:creationId xmlns="" xmlns:a16="http://schemas.microsoft.com/office/drawing/2014/main" id="{EEBE87C7-8F9C-42B5-A8B0-FE8340D5F6F6}"/>
+                <a16:creationId xmlns:a16="http://schemas.microsoft.com/office/drawing/2014/main" xmlns="" id="{EEBE87C7-8F9C-42B5-A8B0-FE8340D5F6F6}"/>
               </a:ext>
             </a:extLst>
           </p:cNvPr>
@@ -18257,7 +19283,7 @@
         </p:blipFill>
         <p:spPr>
           <a:xfrm>
-            <a:off x="3802411" y="1194615"/>
+            <a:off x="3802414" y="1194615"/>
             <a:ext cx="531463" cy="288478"/>
           </a:xfrm>
           <a:prstGeom prst="rect">
@@ -18270,7 +19296,7 @@
           <p:cNvPr id="124" name="Picture 123">
             <a:extLst>
               <a:ext uri="{FF2B5EF4-FFF2-40B4-BE49-F238E27FC236}">
-                <a16:creationId xmlns="" xmlns:a16="http://schemas.microsoft.com/office/drawing/2014/main" id="{18678D47-7F89-417D-8364-D478D7CED8DB}"/>
+                <a16:creationId xmlns:a16="http://schemas.microsoft.com/office/drawing/2014/main" xmlns="" id="{18678D47-7F89-417D-8364-D478D7CED8DB}"/>
               </a:ext>
             </a:extLst>
           </p:cNvPr>
@@ -18287,7 +19313,7 @@
         </p:blipFill>
         <p:spPr>
           <a:xfrm>
-            <a:off x="2744108" y="1049745"/>
+            <a:off x="2744116" y="1049745"/>
             <a:ext cx="660821" cy="578218"/>
           </a:xfrm>
           <a:prstGeom prst="rect">
@@ -18300,7 +19326,7 @@
           <p:cNvPr id="84" name="Picture 83">
             <a:extLst>
               <a:ext uri="{FF2B5EF4-FFF2-40B4-BE49-F238E27FC236}">
-                <a16:creationId xmlns="" xmlns:a16="http://schemas.microsoft.com/office/drawing/2014/main" id="{63BA7092-1D0B-4CDC-9783-89C21CF79E81}"/>
+                <a16:creationId xmlns:a16="http://schemas.microsoft.com/office/drawing/2014/main" xmlns="" id="{63BA7092-1D0B-4CDC-9783-89C21CF79E81}"/>
               </a:ext>
             </a:extLst>
           </p:cNvPr>
@@ -18317,7 +19343,7 @@
         </p:blipFill>
         <p:spPr>
           <a:xfrm>
-            <a:off x="7486293" y="1080659"/>
+            <a:off x="7486301" y="1080660"/>
             <a:ext cx="660821" cy="578218"/>
           </a:xfrm>
           <a:prstGeom prst="rect">
@@ -18330,7 +19356,7 @@
           <p:cNvPr id="127" name="TextBox 126">
             <a:extLst>
               <a:ext uri="{FF2B5EF4-FFF2-40B4-BE49-F238E27FC236}">
-                <a16:creationId xmlns="" xmlns:a16="http://schemas.microsoft.com/office/drawing/2014/main" id="{981518DD-AEFF-45B7-8057-DA0E6A9B47C3}"/>
+                <a16:creationId xmlns:a16="http://schemas.microsoft.com/office/drawing/2014/main" xmlns="" id="{981518DD-AEFF-45B7-8057-DA0E6A9B47C3}"/>
               </a:ext>
             </a:extLst>
           </p:cNvPr>
@@ -18339,7 +19365,7 @@
         </p:nvSpPr>
         <p:spPr>
           <a:xfrm>
-            <a:off x="8147368" y="4709033"/>
+            <a:off x="8147376" y="4709033"/>
             <a:ext cx="739775" cy="215444"/>
           </a:xfrm>
           <a:prstGeom prst="rect">
@@ -18368,7 +19394,7 @@
           <p:cNvPr id="88" name="TextBox 87">
             <a:extLst>
               <a:ext uri="{FF2B5EF4-FFF2-40B4-BE49-F238E27FC236}">
-                <a16:creationId xmlns="" xmlns:a16="http://schemas.microsoft.com/office/drawing/2014/main" id="{F00DA144-301C-4694-8642-5D3A8966255E}"/>
+                <a16:creationId xmlns:a16="http://schemas.microsoft.com/office/drawing/2014/main" xmlns="" id="{F00DA144-301C-4694-8642-5D3A8966255E}"/>
               </a:ext>
             </a:extLst>
           </p:cNvPr>
@@ -18377,7 +19403,7 @@
         </p:nvSpPr>
         <p:spPr>
           <a:xfrm>
-            <a:off x="8225895" y="3031233"/>
+            <a:off x="8225903" y="3031233"/>
             <a:ext cx="739775" cy="215444"/>
           </a:xfrm>
           <a:prstGeom prst="rect">
@@ -18406,7 +19432,7 @@
           <p:cNvPr id="89" name="TextBox 88">
             <a:extLst>
               <a:ext uri="{FF2B5EF4-FFF2-40B4-BE49-F238E27FC236}">
-                <a16:creationId xmlns="" xmlns:a16="http://schemas.microsoft.com/office/drawing/2014/main" id="{D46B7FE0-A4F5-4CCF-ABEC-726AB1EA4193}"/>
+                <a16:creationId xmlns:a16="http://schemas.microsoft.com/office/drawing/2014/main" xmlns="" id="{D46B7FE0-A4F5-4CCF-ABEC-726AB1EA4193}"/>
               </a:ext>
             </a:extLst>
           </p:cNvPr>
@@ -18415,7 +19441,7 @@
         </p:nvSpPr>
         <p:spPr>
           <a:xfrm>
-            <a:off x="8328900" y="1420337"/>
+            <a:off x="8328908" y="1420337"/>
             <a:ext cx="739775" cy="215444"/>
           </a:xfrm>
           <a:prstGeom prst="rect">
@@ -18444,7 +19470,7 @@
           <p:cNvPr id="32" name="Arrow: Left 31">
             <a:extLst>
               <a:ext uri="{FF2B5EF4-FFF2-40B4-BE49-F238E27FC236}">
-                <a16:creationId xmlns="" xmlns:a16="http://schemas.microsoft.com/office/drawing/2014/main" id="{DDEAB656-485B-4BC9-B75B-6FB9CFAABCBF}"/>
+                <a16:creationId xmlns:a16="http://schemas.microsoft.com/office/drawing/2014/main" xmlns="" id="{DDEAB656-485B-4BC9-B75B-6FB9CFAABCBF}"/>
               </a:ext>
             </a:extLst>
           </p:cNvPr>
@@ -18453,7 +19479,7 @@
         </p:nvSpPr>
         <p:spPr>
           <a:xfrm>
-            <a:off x="3276599" y="1251493"/>
+            <a:off x="3276607" y="1251497"/>
             <a:ext cx="458389" cy="231599"/>
           </a:xfrm>
           <a:prstGeom prst="leftArrow">
@@ -18490,7 +19516,7 @@
           <p:cNvPr id="33" name="Arrow: Right 32">
             <a:extLst>
               <a:ext uri="{FF2B5EF4-FFF2-40B4-BE49-F238E27FC236}">
-                <a16:creationId xmlns="" xmlns:a16="http://schemas.microsoft.com/office/drawing/2014/main" id="{1750CCE7-C1AB-4B99-90EC-12BE38429399}"/>
+                <a16:creationId xmlns:a16="http://schemas.microsoft.com/office/drawing/2014/main" xmlns="" id="{1750CCE7-C1AB-4B99-90EC-12BE38429399}"/>
               </a:ext>
             </a:extLst>
           </p:cNvPr>
@@ -18499,7 +19525,7 @@
         </p:nvSpPr>
         <p:spPr>
           <a:xfrm>
-            <a:off x="7366124" y="1251493"/>
+            <a:off x="7366131" y="1251493"/>
             <a:ext cx="225301" cy="215444"/>
           </a:xfrm>
           <a:prstGeom prst="rightArrow">
@@ -18536,7 +19562,7 @@
           <p:cNvPr id="39" name="Arrow: Right 38">
             <a:extLst>
               <a:ext uri="{FF2B5EF4-FFF2-40B4-BE49-F238E27FC236}">
-                <a16:creationId xmlns="" xmlns:a16="http://schemas.microsoft.com/office/drawing/2014/main" id="{75E98987-F062-4A77-B0D7-DF1697A0E167}"/>
+                <a16:creationId xmlns:a16="http://schemas.microsoft.com/office/drawing/2014/main" xmlns="" id="{75E98987-F062-4A77-B0D7-DF1697A0E167}"/>
               </a:ext>
             </a:extLst>
           </p:cNvPr>
@@ -18545,7 +19571,7 @@
         </p:nvSpPr>
         <p:spPr>
           <a:xfrm>
-            <a:off x="7940020" y="2676526"/>
+            <a:off x="7940028" y="2676526"/>
             <a:ext cx="271859" cy="204786"/>
           </a:xfrm>
           <a:prstGeom prst="rightArrow">
@@ -18582,7 +19608,7 @@
           <p:cNvPr id="128" name="Arrow: Right 127">
             <a:extLst>
               <a:ext uri="{FF2B5EF4-FFF2-40B4-BE49-F238E27FC236}">
-                <a16:creationId xmlns="" xmlns:a16="http://schemas.microsoft.com/office/drawing/2014/main" id="{4F61E5B2-0F22-4CF9-962A-8AF8369EA0A4}"/>
+                <a16:creationId xmlns:a16="http://schemas.microsoft.com/office/drawing/2014/main" xmlns="" id="{4F61E5B2-0F22-4CF9-962A-8AF8369EA0A4}"/>
               </a:ext>
             </a:extLst>
           </p:cNvPr>
@@ -18591,7 +19617,7 @@
         </p:nvSpPr>
         <p:spPr>
           <a:xfrm>
-            <a:off x="7940020" y="4283778"/>
+            <a:off x="7940028" y="4283782"/>
             <a:ext cx="271859" cy="152399"/>
           </a:xfrm>
           <a:prstGeom prst="rightArrow">
@@ -18628,7 +19654,7 @@
           <p:cNvPr id="130" name="Arrow: Right 129">
             <a:extLst>
               <a:ext uri="{FF2B5EF4-FFF2-40B4-BE49-F238E27FC236}">
-                <a16:creationId xmlns="" xmlns:a16="http://schemas.microsoft.com/office/drawing/2014/main" id="{101BB2C6-0A70-4200-A5E9-40341C9AB832}"/>
+                <a16:creationId xmlns:a16="http://schemas.microsoft.com/office/drawing/2014/main" xmlns="" id="{101BB2C6-0A70-4200-A5E9-40341C9AB832}"/>
               </a:ext>
             </a:extLst>
           </p:cNvPr>
@@ -18637,7 +19663,7 @@
         </p:nvSpPr>
         <p:spPr>
           <a:xfrm>
-            <a:off x="8029004" y="1272078"/>
+            <a:off x="8029012" y="1272079"/>
             <a:ext cx="271859" cy="215444"/>
           </a:xfrm>
           <a:prstGeom prst="rightArrow">
@@ -18674,7 +19700,7 @@
           <p:cNvPr id="46" name="Arrow: Left-Up 45">
             <a:extLst>
               <a:ext uri="{FF2B5EF4-FFF2-40B4-BE49-F238E27FC236}">
-                <a16:creationId xmlns="" xmlns:a16="http://schemas.microsoft.com/office/drawing/2014/main" id="{01E79B17-5381-4839-9A9C-1E3D662CBF69}"/>
+                <a16:creationId xmlns:a16="http://schemas.microsoft.com/office/drawing/2014/main" xmlns="" id="{01E79B17-5381-4839-9A9C-1E3D662CBF69}"/>
               </a:ext>
             </a:extLst>
           </p:cNvPr>
@@ -18683,7 +19709,7 @@
         </p:nvSpPr>
         <p:spPr>
           <a:xfrm>
-            <a:off x="6510670" y="1673990"/>
+            <a:off x="6510670" y="1673994"/>
             <a:ext cx="1521224" cy="3142135"/>
           </a:xfrm>
           <a:prstGeom prst="leftUpArrow">
@@ -18724,7 +19750,7 @@
           <p:cNvPr id="136" name="Arrow: Left-Up 135">
             <a:extLst>
               <a:ext uri="{FF2B5EF4-FFF2-40B4-BE49-F238E27FC236}">
-                <a16:creationId xmlns="" xmlns:a16="http://schemas.microsoft.com/office/drawing/2014/main" id="{770A2473-F18E-4C76-941C-0F5C5F4394B5}"/>
+                <a16:creationId xmlns:a16="http://schemas.microsoft.com/office/drawing/2014/main" xmlns="" id="{770A2473-F18E-4C76-941C-0F5C5F4394B5}"/>
               </a:ext>
             </a:extLst>
           </p:cNvPr>
@@ -18733,7 +19759,7 @@
         </p:nvSpPr>
         <p:spPr>
           <a:xfrm flipH="1">
-            <a:off x="2903557" y="1657744"/>
+            <a:off x="2903557" y="1657748"/>
             <a:ext cx="1627150" cy="3142135"/>
           </a:xfrm>
           <a:prstGeom prst="leftUpArrow">
@@ -18774,7 +19800,7 @@
           <p:cNvPr id="51" name="Arrow: Bent-Up 50">
             <a:extLst>
               <a:ext uri="{FF2B5EF4-FFF2-40B4-BE49-F238E27FC236}">
-                <a16:creationId xmlns="" xmlns:a16="http://schemas.microsoft.com/office/drawing/2014/main" id="{55AB17C6-F741-451F-9CA4-5B5C1BDD9A5A}"/>
+                <a16:creationId xmlns:a16="http://schemas.microsoft.com/office/drawing/2014/main" xmlns="" id="{55AB17C6-F741-451F-9CA4-5B5C1BDD9A5A}"/>
               </a:ext>
             </a:extLst>
           </p:cNvPr>
@@ -18783,7 +19809,7 @@
         </p:nvSpPr>
         <p:spPr>
           <a:xfrm rot="5400000" flipH="1">
-            <a:off x="3454191" y="-130019"/>
+            <a:off x="3454195" y="-130015"/>
             <a:ext cx="622702" cy="1530333"/>
           </a:xfrm>
           <a:prstGeom prst="bentUpArrow">
@@ -18824,7 +19850,7 @@
           <p:cNvPr id="2" name="TextBox 1">
             <a:extLst>
               <a:ext uri="{FF2B5EF4-FFF2-40B4-BE49-F238E27FC236}">
-                <a16:creationId xmlns="" xmlns:a16="http://schemas.microsoft.com/office/drawing/2014/main" id="{C8CCF8C6-DAFA-4BE4-9D03-A21EEB4F4751}"/>
+                <a16:creationId xmlns:a16="http://schemas.microsoft.com/office/drawing/2014/main" xmlns="" id="{C8CCF8C6-DAFA-4BE4-9D03-A21EEB4F4751}"/>
               </a:ext>
             </a:extLst>
           </p:cNvPr>
@@ -18868,7 +19894,7 @@
 </p:sld>
 </file>
 
-<file path=ppt/slides/slide12.xml><?xml version="1.0" encoding="utf-8"?>
+<file path=ppt/slides/slide14.xml><?xml version="1.0" encoding="utf-8"?>
 <p:sld xmlns:a="http://schemas.openxmlformats.org/drawingml/2006/main" xmlns:r="http://schemas.openxmlformats.org/officeDocument/2006/relationships" xmlns:p="http://schemas.openxmlformats.org/presentationml/2006/main">
   <p:cSld>
     <p:bg>
@@ -18903,7 +19929,7 @@
         </p:nvSpPr>
         <p:spPr>
           <a:xfrm>
-            <a:off x="2440040" y="1955424"/>
+            <a:off x="2440040" y="1955426"/>
             <a:ext cx="4205204" cy="950739"/>
           </a:xfrm>
           <a:prstGeom prst="rect">
@@ -19061,7 +20087,7 @@
             </a:pPr>
             <a:fld id="{00000000-1234-1234-1234-123412341234}" type="slidenum">
               <a:rPr lang="en"/>
-              <a:t>12</a:t>
+              <a:t>14</a:t>
             </a:fld>
             <a:endParaRPr dirty="0"/>
           </a:p>
@@ -19267,7 +20293,7 @@
         </p:blipFill>
         <p:spPr bwMode="auto">
           <a:xfrm>
-            <a:off x="3451029" y="1913675"/>
+            <a:off x="3451029" y="1913676"/>
             <a:ext cx="638704" cy="638704"/>
           </a:xfrm>
           <a:prstGeom prst="rect">
@@ -19290,7 +20316,7 @@
           <p:cNvPr id="13" name="Picture 42">
             <a:extLst>
               <a:ext uri="{FF2B5EF4-FFF2-40B4-BE49-F238E27FC236}">
-                <a16:creationId xmlns="" xmlns:a16="http://schemas.microsoft.com/office/drawing/2014/main" id="{72CD0BC3-CBCD-4F08-9EC2-094477A3F00F}"/>
+                <a16:creationId xmlns:a16="http://schemas.microsoft.com/office/drawing/2014/main" xmlns="" id="{72CD0BC3-CBCD-4F08-9EC2-094477A3F00F}"/>
               </a:ext>
             </a:extLst>
           </p:cNvPr>
@@ -19314,7 +20340,7 @@
         </p:blipFill>
         <p:spPr bwMode="auto">
           <a:xfrm>
-            <a:off x="7073812" y="2772088"/>
+            <a:off x="7073812" y="2772090"/>
             <a:ext cx="499274" cy="665698"/>
           </a:xfrm>
           <a:prstGeom prst="rect">
@@ -19399,7 +20425,7 @@
         </p:nvSpPr>
         <p:spPr>
           <a:xfrm>
-            <a:off x="6899866" y="2330409"/>
+            <a:off x="6899874" y="2330409"/>
             <a:ext cx="1115207" cy="338554"/>
           </a:xfrm>
           <a:prstGeom prst="rect">
@@ -19430,7 +20456,6 @@
               <a:rPr lang="en-IN" sz="800" dirty="0"/>
               <a:t>’ has to fill out lengthy forms </a:t>
             </a:r>
-            <a:endParaRPr lang="en-IN" sz="800" dirty="0"/>
           </a:p>
         </p:txBody>
       </p:sp>
@@ -19442,7 +20467,7 @@
         </p:nvSpPr>
         <p:spPr>
           <a:xfrm>
-            <a:off x="7699170" y="2744158"/>
+            <a:off x="7699178" y="2744162"/>
             <a:ext cx="991591" cy="574625"/>
           </a:xfrm>
           <a:prstGeom prst="rect">
@@ -19488,7 +20513,7 @@
         </p:nvSpPr>
         <p:spPr>
           <a:xfrm>
-            <a:off x="7645834" y="2751078"/>
+            <a:off x="7645842" y="2751082"/>
             <a:ext cx="1115207" cy="584775"/>
           </a:xfrm>
           <a:prstGeom prst="rect">
@@ -19519,7 +20544,7 @@
         </p:nvSpPr>
         <p:spPr>
           <a:xfrm>
-            <a:off x="3090425" y="1447093"/>
+            <a:off x="3090425" y="1447095"/>
             <a:ext cx="1134094" cy="431224"/>
           </a:xfrm>
           <a:prstGeom prst="rect">
@@ -19565,7 +20590,7 @@
         </p:nvSpPr>
         <p:spPr>
           <a:xfrm>
-            <a:off x="3109312" y="1431872"/>
+            <a:off x="3109320" y="1431876"/>
             <a:ext cx="1115207" cy="461665"/>
           </a:xfrm>
           <a:prstGeom prst="rect">
@@ -19599,7 +20624,7 @@
         </p:nvCxnSpPr>
         <p:spPr>
           <a:xfrm>
-            <a:off x="4089733" y="2233027"/>
+            <a:off x="4089741" y="2233027"/>
             <a:ext cx="2984079" cy="871910"/>
           </a:xfrm>
           <a:prstGeom prst="straightConnector1">
@@ -19635,7 +20660,7 @@
         </p:nvSpPr>
         <p:spPr>
           <a:xfrm rot="957467">
-            <a:off x="4995355" y="2429663"/>
+            <a:off x="4995355" y="2429664"/>
             <a:ext cx="1460656" cy="215444"/>
           </a:xfrm>
           <a:prstGeom prst="rect">
@@ -19651,11 +20676,7 @@
           <a:p>
             <a:r>
               <a:rPr lang="en-IN" sz="800" b="1" dirty="0" smtClean="0"/>
-              <a:t>Goes to </a:t>
-            </a:r>
-            <a:r>
-              <a:rPr lang="en-IN" sz="800" b="1" dirty="0" smtClean="0"/>
-              <a:t>Sassoon Hospital</a:t>
+              <a:t>Goes to Sassoon Hospital</a:t>
             </a:r>
             <a:endParaRPr lang="en-IN" sz="800" b="1" dirty="0"/>
           </a:p>
@@ -19669,8 +20690,8 @@
         </p:nvSpPr>
         <p:spPr>
           <a:xfrm>
-            <a:off x="3474465" y="2472544"/>
-            <a:ext cx="591830" cy="215444"/>
+            <a:off x="3474472" y="2472544"/>
+            <a:ext cx="591829" cy="215444"/>
           </a:xfrm>
           <a:prstGeom prst="rect">
             <a:avLst/>
@@ -19723,7 +20744,7 @@
         </p:blipFill>
         <p:spPr bwMode="auto">
           <a:xfrm>
-            <a:off x="5444474" y="3922159"/>
+            <a:off x="5444474" y="3922161"/>
             <a:ext cx="685624" cy="685624"/>
           </a:xfrm>
           <a:prstGeom prst="rect">
@@ -19795,7 +20816,7 @@
         </p:nvSpPr>
         <p:spPr>
           <a:xfrm>
-            <a:off x="6109376" y="4264972"/>
+            <a:off x="6109384" y="4264976"/>
             <a:ext cx="1115207" cy="584775"/>
           </a:xfrm>
           <a:prstGeom prst="rect">
@@ -19826,7 +20847,7 @@
         </p:nvSpPr>
         <p:spPr>
           <a:xfrm>
-            <a:off x="5237018" y="4674916"/>
+            <a:off x="5237026" y="4674918"/>
             <a:ext cx="979715" cy="431224"/>
           </a:xfrm>
           <a:prstGeom prst="rect">
@@ -19876,7 +20897,7 @@
         </p:nvSpPr>
         <p:spPr>
           <a:xfrm>
-            <a:off x="5170302" y="4681835"/>
+            <a:off x="5170305" y="4681839"/>
             <a:ext cx="1115207" cy="461665"/>
           </a:xfrm>
           <a:prstGeom prst="rect">
@@ -19907,7 +20928,7 @@
         </p:nvCxnSpPr>
         <p:spPr>
           <a:xfrm>
-            <a:off x="3760937" y="2742768"/>
+            <a:off x="3760945" y="2742772"/>
             <a:ext cx="1591327" cy="1587535"/>
           </a:xfrm>
           <a:prstGeom prst="straightConnector1">
@@ -19943,8 +20964,8 @@
         </p:nvSpPr>
         <p:spPr>
           <a:xfrm>
-            <a:off x="3554403" y="3541890"/>
-            <a:ext cx="1119217" cy="215444"/>
+            <a:off x="3554411" y="3541890"/>
+            <a:ext cx="1090363" cy="215444"/>
           </a:xfrm>
           <a:prstGeom prst="rect">
             <a:avLst/>
@@ -19973,7 +20994,7 @@
         </p:nvSpPr>
         <p:spPr>
           <a:xfrm>
-            <a:off x="2578722" y="1951034"/>
+            <a:off x="2578722" y="1951038"/>
             <a:ext cx="943920" cy="461665"/>
           </a:xfrm>
           <a:prstGeom prst="rect">
@@ -20004,7 +21025,7 @@
         </p:nvSpPr>
         <p:spPr>
           <a:xfrm>
-            <a:off x="2639724" y="1964406"/>
+            <a:off x="2639732" y="1964406"/>
             <a:ext cx="821917" cy="431224"/>
           </a:xfrm>
           <a:prstGeom prst="rect">
@@ -20050,7 +21071,7 @@
         </p:nvSpPr>
         <p:spPr>
           <a:xfrm>
-            <a:off x="7690697" y="3519581"/>
+            <a:off x="7690705" y="3519581"/>
             <a:ext cx="991591" cy="468585"/>
           </a:xfrm>
           <a:prstGeom prst="rect">
@@ -20096,7 +21117,7 @@
         </p:nvSpPr>
         <p:spPr>
           <a:xfrm>
-            <a:off x="7637361" y="3526501"/>
+            <a:off x="7637369" y="3526505"/>
             <a:ext cx="1115207" cy="461665"/>
           </a:xfrm>
           <a:prstGeom prst="rect">
@@ -20127,8 +21148,8 @@
         </p:nvSpPr>
         <p:spPr>
           <a:xfrm>
-            <a:off x="5388710" y="3691327"/>
-            <a:ext cx="678392" cy="215444"/>
+            <a:off x="5388713" y="3691327"/>
+            <a:ext cx="678391" cy="215444"/>
           </a:xfrm>
           <a:prstGeom prst="rect">
             <a:avLst/>
@@ -20166,7 +21187,7 @@
         </p:nvSpPr>
         <p:spPr>
           <a:xfrm>
-            <a:off x="7016314" y="3441410"/>
+            <a:off x="7016321" y="3441410"/>
             <a:ext cx="614271" cy="338554"/>
           </a:xfrm>
           <a:prstGeom prst="rect">
@@ -20213,7 +21234,7 @@
           <p:cNvPr id="31" name="Picture 42">
             <a:extLst>
               <a:ext uri="{FF2B5EF4-FFF2-40B4-BE49-F238E27FC236}">
-                <a16:creationId xmlns="" xmlns:a16="http://schemas.microsoft.com/office/drawing/2014/main" id="{72CD0BC3-CBCD-4F08-9EC2-094477A3F00F}"/>
+                <a16:creationId xmlns:a16="http://schemas.microsoft.com/office/drawing/2014/main" xmlns="" id="{72CD0BC3-CBCD-4F08-9EC2-094477A3F00F}"/>
               </a:ext>
             </a:extLst>
           </p:cNvPr>
@@ -20237,7 +21258,7 @@
         </p:blipFill>
         <p:spPr bwMode="auto">
           <a:xfrm>
-            <a:off x="6854492" y="570016"/>
+            <a:off x="6854492" y="570018"/>
             <a:ext cx="499274" cy="665698"/>
           </a:xfrm>
           <a:prstGeom prst="rect">
@@ -20276,8 +21297,8 @@
         </p:nvSpPr>
         <p:spPr>
           <a:xfrm>
-            <a:off x="6801911" y="1235714"/>
-            <a:ext cx="590226" cy="338554"/>
+            <a:off x="6801918" y="1235714"/>
+            <a:ext cx="590225" cy="338554"/>
           </a:xfrm>
           <a:prstGeom prst="rect">
             <a:avLst/>
@@ -20328,7 +21349,7 @@
         </p:nvCxnSpPr>
         <p:spPr>
           <a:xfrm flipV="1">
-            <a:off x="4089733" y="902865"/>
+            <a:off x="4089741" y="902869"/>
             <a:ext cx="2764759" cy="1163441"/>
           </a:xfrm>
           <a:prstGeom prst="straightConnector1">
@@ -20380,11 +21401,7 @@
           <a:p>
             <a:r>
               <a:rPr lang="en-IN" sz="800" b="1" dirty="0" smtClean="0"/>
-              <a:t>Goes to </a:t>
-            </a:r>
-            <a:r>
-              <a:rPr lang="en-IN" sz="800" b="1" dirty="0" smtClean="0"/>
-              <a:t>KEM Hospital</a:t>
+              <a:t>Goes to KEM Hospital</a:t>
             </a:r>
             <a:endParaRPr lang="en-IN" sz="800" b="1" dirty="0"/>
           </a:p>
@@ -20398,7 +21415,7 @@
         </p:nvSpPr>
         <p:spPr>
           <a:xfrm>
-            <a:off x="6603939" y="47501"/>
+            <a:off x="6603939" y="47505"/>
             <a:ext cx="1134094" cy="507295"/>
           </a:xfrm>
           <a:prstGeom prst="rect">
@@ -20444,7 +21461,7 @@
         </p:nvSpPr>
         <p:spPr>
           <a:xfrm>
-            <a:off x="6590739" y="0"/>
+            <a:off x="6590744" y="4"/>
             <a:ext cx="1115207" cy="584775"/>
           </a:xfrm>
           <a:prstGeom prst="rect">
@@ -20491,7 +21508,7 @@
         </p:nvSpPr>
         <p:spPr>
           <a:xfrm>
-            <a:off x="7514330" y="603557"/>
+            <a:off x="7514338" y="603561"/>
             <a:ext cx="991591" cy="574625"/>
           </a:xfrm>
           <a:prstGeom prst="rect">
@@ -20537,7 +21554,7 @@
         </p:nvSpPr>
         <p:spPr>
           <a:xfrm>
-            <a:off x="7460994" y="610477"/>
+            <a:off x="7461002" y="610481"/>
             <a:ext cx="1115207" cy="584775"/>
           </a:xfrm>
           <a:prstGeom prst="rect">
@@ -20568,7 +21585,7 @@
         </p:nvSpPr>
         <p:spPr>
           <a:xfrm>
-            <a:off x="7488869" y="1319640"/>
+            <a:off x="7488869" y="1319641"/>
             <a:ext cx="1134094" cy="468584"/>
           </a:xfrm>
           <a:prstGeom prst="rect">
@@ -20614,7 +21631,7 @@
         </p:nvSpPr>
         <p:spPr>
           <a:xfrm>
-            <a:off x="7507756" y="1326559"/>
+            <a:off x="7507764" y="1326560"/>
             <a:ext cx="1115207" cy="461665"/>
           </a:xfrm>
           <a:prstGeom prst="rect">
@@ -20705,7 +21722,7 @@
         </p:nvSpPr>
         <p:spPr>
           <a:xfrm>
-            <a:off x="234450" y="575499"/>
+            <a:off x="234450" y="575503"/>
             <a:ext cx="2046300" cy="3827525"/>
           </a:xfrm>
           <a:prstGeom prst="rect">
@@ -20765,7 +21782,7 @@
         </p:nvSpPr>
         <p:spPr>
           <a:xfrm>
-            <a:off x="2771773" y="584373"/>
+            <a:off x="2771779" y="584377"/>
             <a:ext cx="6238875" cy="3974753"/>
           </a:xfrm>
           <a:prstGeom prst="rect">
@@ -20932,7 +21949,7 @@
         </p:nvCxnSpPr>
         <p:spPr>
           <a:xfrm>
-            <a:off x="2771773" y="575499"/>
+            <a:off x="2771779" y="575499"/>
             <a:ext cx="6238875" cy="0"/>
           </a:xfrm>
           <a:prstGeom prst="line">
@@ -20967,7 +21984,7 @@
         </p:nvCxnSpPr>
         <p:spPr>
           <a:xfrm>
-            <a:off x="2771773" y="4084779"/>
+            <a:off x="2771779" y="4084779"/>
             <a:ext cx="6238875" cy="0"/>
           </a:xfrm>
           <a:prstGeom prst="line">
@@ -21171,7 +22188,7 @@
           <p:cNvPr id="11" name="Shape 114">
             <a:extLst>
               <a:ext uri="{FF2B5EF4-FFF2-40B4-BE49-F238E27FC236}">
-                <a16:creationId xmlns="" xmlns:a16="http://schemas.microsoft.com/office/drawing/2014/main" id="{1D3C8554-FECA-4592-9592-A1CD9D928A40}"/>
+                <a16:creationId xmlns:a16="http://schemas.microsoft.com/office/drawing/2014/main" xmlns="" id="{1D3C8554-FECA-4592-9592-A1CD9D928A40}"/>
               </a:ext>
             </a:extLst>
           </p:cNvPr>
@@ -21184,7 +22201,7 @@
         </p:nvSpPr>
         <p:spPr>
           <a:xfrm>
-            <a:off x="2687763" y="975597"/>
+            <a:off x="2687763" y="975601"/>
             <a:ext cx="6029350" cy="2363951"/>
           </a:xfrm>
           <a:prstGeom prst="rect">
@@ -21445,7 +22462,7 @@
           <p:cNvPr id="11" name="Shape 114">
             <a:extLst>
               <a:ext uri="{FF2B5EF4-FFF2-40B4-BE49-F238E27FC236}">
-                <a16:creationId xmlns="" xmlns:a16="http://schemas.microsoft.com/office/drawing/2014/main" id="{1D3C8554-FECA-4592-9592-A1CD9D928A40}"/>
+                <a16:creationId xmlns:a16="http://schemas.microsoft.com/office/drawing/2014/main" xmlns="" id="{1D3C8554-FECA-4592-9592-A1CD9D928A40}"/>
               </a:ext>
             </a:extLst>
           </p:cNvPr>
@@ -21458,7 +22475,7 @@
         </p:nvSpPr>
         <p:spPr>
           <a:xfrm>
-            <a:off x="2801784" y="575500"/>
+            <a:off x="2801784" y="575502"/>
             <a:ext cx="6029350" cy="4261420"/>
           </a:xfrm>
           <a:prstGeom prst="rect">
@@ -21693,6 +22710,797 @@
         </p:nvSpPr>
         <p:spPr>
           <a:xfrm>
+            <a:off x="3067943" y="210067"/>
+            <a:ext cx="3888771" cy="1016949"/>
+          </a:xfrm>
+          <a:prstGeom prst="rect">
+            <a:avLst/>
+          </a:prstGeom>
+          <a:solidFill>
+            <a:schemeClr val="bg1"/>
+          </a:solidFill>
+        </p:spPr>
+        <p:style>
+          <a:lnRef idx="2">
+            <a:schemeClr val="accent1">
+              <a:shade val="50000"/>
+            </a:schemeClr>
+          </a:lnRef>
+          <a:fillRef idx="1">
+            <a:schemeClr val="accent1"/>
+          </a:fillRef>
+          <a:effectRef idx="0">
+            <a:schemeClr val="accent1"/>
+          </a:effectRef>
+          <a:fontRef idx="minor">
+            <a:schemeClr val="lt1"/>
+          </a:fontRef>
+        </p:style>
+        <p:txBody>
+          <a:bodyPr rtlCol="0" anchor="ctr"/>
+          <a:lstStyle/>
+          <a:p>
+            <a:r>
+              <a:rPr lang="en-IN" b="1" dirty="0" smtClean="0">
+                <a:solidFill>
+                  <a:srgbClr val="000000"/>
+                </a:solidFill>
+              </a:rPr>
+              <a:t>Hospitals/Mobile Clinics</a:t>
+            </a:r>
+            <a:endParaRPr lang="en-IN" b="1" dirty="0">
+              <a:solidFill>
+                <a:srgbClr val="000000"/>
+              </a:solidFill>
+            </a:endParaRPr>
+          </a:p>
+          <a:p>
+            <a:pPr marL="171450" indent="-171450">
+              <a:buFont typeface="Arial" pitchFamily="34" charset="0"/>
+              <a:buChar char="•"/>
+            </a:pPr>
+            <a:r>
+              <a:rPr lang="en-US" sz="1100" dirty="0" smtClean="0">
+                <a:solidFill>
+                  <a:srgbClr val="000000"/>
+                </a:solidFill>
+              </a:rPr>
+              <a:t>Track medical history of patient</a:t>
+            </a:r>
+          </a:p>
+          <a:p>
+            <a:pPr marL="171450" indent="-171450">
+              <a:buFont typeface="Arial" pitchFamily="34" charset="0"/>
+              <a:buChar char="•"/>
+            </a:pPr>
+            <a:r>
+              <a:rPr lang="en-US" sz="1100" dirty="0" smtClean="0">
+                <a:solidFill>
+                  <a:srgbClr val="000000"/>
+                </a:solidFill>
+              </a:rPr>
+              <a:t>Achieve structural interoperability</a:t>
+            </a:r>
+          </a:p>
+          <a:p>
+            <a:pPr marL="171450" indent="-171450">
+              <a:buFont typeface="Arial" pitchFamily="34" charset="0"/>
+              <a:buChar char="•"/>
+            </a:pPr>
+            <a:r>
+              <a:rPr lang="en-US" sz="1100" dirty="0" smtClean="0">
+                <a:solidFill>
+                  <a:srgbClr val="000000"/>
+                </a:solidFill>
+              </a:rPr>
+              <a:t>Ease of record access</a:t>
+            </a:r>
+          </a:p>
+          <a:p>
+            <a:pPr marL="171450" indent="-171450">
+              <a:buFont typeface="Arial" pitchFamily="34" charset="0"/>
+              <a:buChar char="•"/>
+            </a:pPr>
+            <a:r>
+              <a:rPr lang="en-US" sz="1100" dirty="0" smtClean="0">
+                <a:solidFill>
+                  <a:srgbClr val="000000"/>
+                </a:solidFill>
+              </a:rPr>
+              <a:t>Real-time record uploading</a:t>
+            </a:r>
+          </a:p>
+          <a:p>
+            <a:pPr marL="171450" indent="-171450">
+              <a:buFont typeface="Arial" pitchFamily="34" charset="0"/>
+              <a:buChar char="•"/>
+            </a:pPr>
+            <a:r>
+              <a:rPr lang="en-US" sz="1100" dirty="0" smtClean="0">
+                <a:solidFill>
+                  <a:srgbClr val="000000"/>
+                </a:solidFill>
+              </a:rPr>
+              <a:t>Improve delivery of services</a:t>
+            </a:r>
+          </a:p>
+        </p:txBody>
+      </p:sp>
+      <p:sp>
+        <p:nvSpPr>
+          <p:cNvPr id="8" name="Rectangle 7">
+            <a:extLst>
+              <a:ext uri="{FF2B5EF4-FFF2-40B4-BE49-F238E27FC236}">
+                <a16:creationId xmlns="" xmlns:a16="http://schemas.microsoft.com/office/drawing/2014/main" id="{587713AA-9CBD-4BD7-A8A4-7B621B110039}"/>
+              </a:ext>
+            </a:extLst>
+          </p:cNvPr>
+          <p:cNvSpPr/>
+          <p:nvPr/>
+        </p:nvSpPr>
+        <p:spPr>
+          <a:xfrm>
+            <a:off x="4427984" y="1395636"/>
+            <a:ext cx="3737464" cy="1016949"/>
+          </a:xfrm>
+          <a:prstGeom prst="rect">
+            <a:avLst/>
+          </a:prstGeom>
+          <a:solidFill>
+            <a:schemeClr val="bg1"/>
+          </a:solidFill>
+        </p:spPr>
+        <p:style>
+          <a:lnRef idx="2">
+            <a:schemeClr val="accent1">
+              <a:shade val="50000"/>
+            </a:schemeClr>
+          </a:lnRef>
+          <a:fillRef idx="1">
+            <a:schemeClr val="accent1"/>
+          </a:fillRef>
+          <a:effectRef idx="0">
+            <a:schemeClr val="accent1"/>
+          </a:effectRef>
+          <a:fontRef idx="minor">
+            <a:schemeClr val="lt1"/>
+          </a:fontRef>
+        </p:style>
+        <p:txBody>
+          <a:bodyPr rtlCol="0" anchor="ctr"/>
+          <a:lstStyle/>
+          <a:p>
+            <a:r>
+              <a:rPr lang="en-IN" b="1" dirty="0" smtClean="0">
+                <a:solidFill>
+                  <a:srgbClr val="000000"/>
+                </a:solidFill>
+              </a:rPr>
+              <a:t>Government</a:t>
+            </a:r>
+          </a:p>
+          <a:p>
+            <a:pPr marL="171450" indent="-171450">
+              <a:buFont typeface="Arial" pitchFamily="34" charset="0"/>
+              <a:buChar char="•"/>
+            </a:pPr>
+            <a:r>
+              <a:rPr lang="en-US" sz="1100" dirty="0" smtClean="0">
+                <a:solidFill>
+                  <a:srgbClr val="000000"/>
+                </a:solidFill>
+              </a:rPr>
+              <a:t>Better management of health records</a:t>
+            </a:r>
+          </a:p>
+          <a:p>
+            <a:pPr marL="171450" indent="-171450">
+              <a:buFont typeface="Arial" pitchFamily="34" charset="0"/>
+              <a:buChar char="•"/>
+            </a:pPr>
+            <a:r>
+              <a:rPr lang="en-US" sz="1100" dirty="0" smtClean="0">
+                <a:solidFill>
+                  <a:srgbClr val="000000"/>
+                </a:solidFill>
+              </a:rPr>
+              <a:t>Economization(cost-reduction)</a:t>
+            </a:r>
+          </a:p>
+          <a:p>
+            <a:pPr marL="171450" indent="-171450">
+              <a:buFont typeface="Arial" pitchFamily="34" charset="0"/>
+              <a:buChar char="•"/>
+            </a:pPr>
+            <a:r>
+              <a:rPr lang="en-US" sz="1100" dirty="0">
+                <a:solidFill>
+                  <a:srgbClr val="000000"/>
+                </a:solidFill>
+              </a:rPr>
+              <a:t>Basis for developing long-term strategy</a:t>
+            </a:r>
+            <a:endParaRPr lang="en-US" sz="1100" dirty="0" smtClean="0">
+              <a:solidFill>
+                <a:srgbClr val="000000"/>
+              </a:solidFill>
+            </a:endParaRPr>
+          </a:p>
+        </p:txBody>
+      </p:sp>
+      <p:pic>
+        <p:nvPicPr>
+          <p:cNvPr id="9" name="Picture 42">
+            <a:extLst>
+              <a:ext uri="{FF2B5EF4-FFF2-40B4-BE49-F238E27FC236}">
+                <a16:creationId xmlns="" xmlns:a16="http://schemas.microsoft.com/office/drawing/2014/main" id="{72CD0BC3-CBCD-4F08-9EC2-094477A3F00F}"/>
+              </a:ext>
+            </a:extLst>
+          </p:cNvPr>
+          <p:cNvPicPr>
+            <a:picLocks noChangeAspect="1" noChangeArrowheads="1"/>
+          </p:cNvPicPr>
+          <p:nvPr/>
+        </p:nvPicPr>
+        <p:blipFill>
+          <a:blip r:embed="rId3">
+            <a:extLst>
+              <a:ext uri="{28A0092B-C50C-407E-A947-70E740481C1C}">
+                <a14:useLocalDpi xmlns:a14="http://schemas.microsoft.com/office/drawing/2010/main" val="0"/>
+              </a:ext>
+            </a:extLst>
+          </a:blip>
+          <a:srcRect/>
+          <a:stretch>
+            <a:fillRect/>
+          </a:stretch>
+        </p:blipFill>
+        <p:spPr bwMode="auto">
+          <a:xfrm>
+            <a:off x="6012160" y="302617"/>
+            <a:ext cx="831850" cy="831850"/>
+          </a:xfrm>
+          <a:prstGeom prst="rect">
+            <a:avLst/>
+          </a:prstGeom>
+          <a:noFill/>
+          <a:ln>
+            <a:noFill/>
+          </a:ln>
+          <a:extLst>
+            <a:ext uri="{909E8E84-426E-40DD-AFC4-6F175D3DCCD1}">
+              <a14:hiddenFill xmlns:a14="http://schemas.microsoft.com/office/drawing/2010/main">
+                <a:solidFill>
+                  <a:srgbClr val="FFFFFF"/>
+                </a:solidFill>
+              </a14:hiddenFill>
+            </a:ext>
+            <a:ext uri="{91240B29-F687-4F45-9708-019B960494DF}">
+              <a14:hiddenLine xmlns:a14="http://schemas.microsoft.com/office/drawing/2010/main" w="9525">
+                <a:solidFill>
+                  <a:srgbClr val="000000"/>
+                </a:solidFill>
+                <a:miter lim="800000"/>
+                <a:headEnd/>
+                <a:tailEnd/>
+              </a14:hiddenLine>
+            </a:ext>
+          </a:extLst>
+        </p:spPr>
+      </p:pic>
+      <p:sp>
+        <p:nvSpPr>
+          <p:cNvPr id="10" name="Rectangle 9">
+            <a:extLst>
+              <a:ext uri="{FF2B5EF4-FFF2-40B4-BE49-F238E27FC236}">
+                <a16:creationId xmlns="" xmlns:a16="http://schemas.microsoft.com/office/drawing/2014/main" id="{A6D7667A-DA73-430E-A281-75520436CCCB}"/>
+              </a:ext>
+            </a:extLst>
+          </p:cNvPr>
+          <p:cNvSpPr/>
+          <p:nvPr/>
+        </p:nvSpPr>
+        <p:spPr>
+          <a:xfrm>
+            <a:off x="3082804" y="2625756"/>
+            <a:ext cx="3873910" cy="1016949"/>
+          </a:xfrm>
+          <a:prstGeom prst="rect">
+            <a:avLst/>
+          </a:prstGeom>
+          <a:noFill/>
+        </p:spPr>
+        <p:style>
+          <a:lnRef idx="2">
+            <a:schemeClr val="accent1">
+              <a:shade val="50000"/>
+            </a:schemeClr>
+          </a:lnRef>
+          <a:fillRef idx="1">
+            <a:schemeClr val="accent1"/>
+          </a:fillRef>
+          <a:effectRef idx="0">
+            <a:schemeClr val="accent1"/>
+          </a:effectRef>
+          <a:fontRef idx="minor">
+            <a:schemeClr val="lt1"/>
+          </a:fontRef>
+        </p:style>
+        <p:txBody>
+          <a:bodyPr rtlCol="0" anchor="ctr"/>
+          <a:lstStyle/>
+          <a:p>
+            <a:r>
+              <a:rPr lang="en-IN" b="1" dirty="0" smtClean="0">
+                <a:solidFill>
+                  <a:srgbClr val="000000"/>
+                </a:solidFill>
+              </a:rPr>
+              <a:t>Citizens</a:t>
+            </a:r>
+          </a:p>
+          <a:p>
+            <a:pPr marL="285750" indent="-285750">
+              <a:buFont typeface="Arial" pitchFamily="34" charset="0"/>
+              <a:buChar char="•"/>
+            </a:pPr>
+            <a:r>
+              <a:rPr lang="en-US" sz="1100" dirty="0" smtClean="0">
+                <a:solidFill>
+                  <a:srgbClr val="000000"/>
+                </a:solidFill>
+              </a:rPr>
+              <a:t>Health records stored securely</a:t>
+            </a:r>
+          </a:p>
+          <a:p>
+            <a:pPr marL="285750" indent="-285750">
+              <a:buFont typeface="Arial" pitchFamily="34" charset="0"/>
+              <a:buChar char="•"/>
+            </a:pPr>
+            <a:r>
+              <a:rPr lang="en-US" sz="1100" dirty="0" smtClean="0">
+                <a:solidFill>
+                  <a:srgbClr val="000000"/>
+                </a:solidFill>
+              </a:rPr>
+              <a:t>Easy to access records</a:t>
+            </a:r>
+          </a:p>
+          <a:p>
+            <a:pPr marL="285750" indent="-285750">
+              <a:buFont typeface="Arial" pitchFamily="34" charset="0"/>
+              <a:buChar char="•"/>
+            </a:pPr>
+            <a:r>
+              <a:rPr lang="en-US" sz="1100" dirty="0" smtClean="0">
+                <a:solidFill>
+                  <a:srgbClr val="000000"/>
+                </a:solidFill>
+              </a:rPr>
+              <a:t>Record portability</a:t>
+            </a:r>
+          </a:p>
+          <a:p>
+            <a:pPr marL="285750" indent="-285750">
+              <a:buFont typeface="Arial" pitchFamily="34" charset="0"/>
+              <a:buChar char="•"/>
+            </a:pPr>
+            <a:r>
+              <a:rPr lang="en-US" sz="1100" dirty="0" smtClean="0">
+                <a:solidFill>
+                  <a:srgbClr val="000000"/>
+                </a:solidFill>
+              </a:rPr>
+              <a:t>Easy to track medical history</a:t>
+            </a:r>
+          </a:p>
+          <a:p>
+            <a:pPr marL="285750" indent="-285750">
+              <a:buFont typeface="Arial" pitchFamily="34" charset="0"/>
+              <a:buChar char="•"/>
+            </a:pPr>
+            <a:r>
+              <a:rPr lang="en-US" sz="1100" dirty="0" smtClean="0">
+                <a:solidFill>
+                  <a:srgbClr val="000000"/>
+                </a:solidFill>
+              </a:rPr>
+              <a:t>Records shared with others to </a:t>
+            </a:r>
+            <a:r>
+              <a:rPr lang="en-US" sz="1100" smtClean="0">
+                <a:solidFill>
+                  <a:srgbClr val="000000"/>
+                </a:solidFill>
+              </a:rPr>
+              <a:t>their discretion</a:t>
+            </a:r>
+            <a:endParaRPr lang="en-US" sz="1100" dirty="0" smtClean="0">
+              <a:solidFill>
+                <a:srgbClr val="000000"/>
+              </a:solidFill>
+            </a:endParaRPr>
+          </a:p>
+        </p:txBody>
+      </p:sp>
+      <p:sp>
+        <p:nvSpPr>
+          <p:cNvPr id="11" name="Shape 104"/>
+          <p:cNvSpPr txBox="1">
+            <a:spLocks noGrp="1"/>
+          </p:cNvSpPr>
+          <p:nvPr>
+            <p:ph type="title"/>
+          </p:nvPr>
+        </p:nvSpPr>
+        <p:spPr>
+          <a:xfrm>
+            <a:off x="234450" y="575500"/>
+            <a:ext cx="2046300" cy="580638"/>
+          </a:xfrm>
+          <a:prstGeom prst="rect">
+            <a:avLst/>
+          </a:prstGeom>
+        </p:spPr>
+        <p:txBody>
+          <a:bodyPr spcFirstLastPara="1" wrap="square" lIns="91425" tIns="91425" rIns="91425" bIns="91425" anchor="t" anchorCtr="0">
+            <a:noAutofit/>
+          </a:bodyPr>
+          <a:lstStyle/>
+          <a:p>
+            <a:pPr marL="0" lvl="0" indent="0" rtl="0">
+              <a:spcBef>
+                <a:spcPts val="0"/>
+              </a:spcBef>
+              <a:spcAft>
+                <a:spcPts val="0"/>
+              </a:spcAft>
+              <a:buNone/>
+            </a:pPr>
+            <a:r>
+              <a:rPr lang="en-IN" b="1" dirty="0"/>
+              <a:t>Help to Beneficiary</a:t>
+            </a:r>
+            <a:endParaRPr b="1" dirty="0"/>
+          </a:p>
+        </p:txBody>
+      </p:sp>
+      <p:sp>
+        <p:nvSpPr>
+          <p:cNvPr id="12" name="Rectangle 11">
+            <a:extLst>
+              <a:ext uri="{FF2B5EF4-FFF2-40B4-BE49-F238E27FC236}">
+                <a16:creationId xmlns="" xmlns:a16="http://schemas.microsoft.com/office/drawing/2014/main" id="{A6D7667A-DA73-430E-A281-75520436CCCB}"/>
+              </a:ext>
+            </a:extLst>
+          </p:cNvPr>
+          <p:cNvSpPr/>
+          <p:nvPr/>
+        </p:nvSpPr>
+        <p:spPr>
+          <a:xfrm>
+            <a:off x="4427986" y="3867894"/>
+            <a:ext cx="3737463" cy="1016949"/>
+          </a:xfrm>
+          <a:prstGeom prst="rect">
+            <a:avLst/>
+          </a:prstGeom>
+          <a:noFill/>
+        </p:spPr>
+        <p:style>
+          <a:lnRef idx="2">
+            <a:schemeClr val="accent1">
+              <a:shade val="50000"/>
+            </a:schemeClr>
+          </a:lnRef>
+          <a:fillRef idx="1">
+            <a:schemeClr val="accent1"/>
+          </a:fillRef>
+          <a:effectRef idx="0">
+            <a:schemeClr val="accent1"/>
+          </a:effectRef>
+          <a:fontRef idx="minor">
+            <a:schemeClr val="lt1"/>
+          </a:fontRef>
+        </p:style>
+        <p:txBody>
+          <a:bodyPr rtlCol="0" anchor="ctr"/>
+          <a:lstStyle/>
+          <a:p>
+            <a:r>
+              <a:rPr lang="en-IN" b="1" dirty="0" smtClean="0">
+                <a:solidFill>
+                  <a:srgbClr val="000000"/>
+                </a:solidFill>
+              </a:rPr>
+              <a:t>Pharmacist</a:t>
+            </a:r>
+          </a:p>
+          <a:p>
+            <a:pPr marL="285750" indent="-285750">
+              <a:buFont typeface="Arial" pitchFamily="34" charset="0"/>
+              <a:buChar char="•"/>
+            </a:pPr>
+            <a:r>
+              <a:rPr lang="en-US" sz="1100" dirty="0" smtClean="0">
+                <a:solidFill>
+                  <a:srgbClr val="000000"/>
+                </a:solidFill>
+              </a:rPr>
+              <a:t>Access to legitimate prescription</a:t>
+            </a:r>
+          </a:p>
+          <a:p>
+            <a:pPr marL="285750" indent="-285750">
+              <a:buFont typeface="Arial" pitchFamily="34" charset="0"/>
+              <a:buChar char="•"/>
+            </a:pPr>
+            <a:r>
+              <a:rPr lang="en-US" sz="1100" dirty="0" smtClean="0">
+                <a:solidFill>
+                  <a:srgbClr val="000000"/>
+                </a:solidFill>
+              </a:rPr>
+              <a:t>Reduce leakage of drugs</a:t>
+            </a:r>
+          </a:p>
+          <a:p>
+            <a:pPr marL="285750" indent="-285750">
+              <a:buFont typeface="Arial" pitchFamily="34" charset="0"/>
+              <a:buChar char="•"/>
+            </a:pPr>
+            <a:r>
+              <a:rPr lang="en-US" sz="1100" dirty="0" smtClean="0">
+                <a:solidFill>
+                  <a:srgbClr val="000000"/>
+                </a:solidFill>
+              </a:rPr>
+              <a:t>Use AI to predict </a:t>
+            </a:r>
+            <a:r>
+              <a:rPr lang="en-US" sz="1100" smtClean="0">
+                <a:solidFill>
+                  <a:srgbClr val="000000"/>
+                </a:solidFill>
+              </a:rPr>
+              <a:t>drug stock</a:t>
+            </a:r>
+            <a:endParaRPr lang="en-US" sz="1100" dirty="0" smtClean="0">
+              <a:solidFill>
+                <a:srgbClr val="000000"/>
+              </a:solidFill>
+            </a:endParaRPr>
+          </a:p>
+          <a:p>
+            <a:pPr marL="285750" indent="-285750">
+              <a:buFont typeface="Arial" pitchFamily="34" charset="0"/>
+              <a:buChar char="•"/>
+            </a:pPr>
+            <a:endParaRPr lang="en-US" sz="1100" dirty="0" smtClean="0">
+              <a:solidFill>
+                <a:srgbClr val="000000"/>
+              </a:solidFill>
+            </a:endParaRPr>
+          </a:p>
+        </p:txBody>
+      </p:sp>
+      <p:pic>
+        <p:nvPicPr>
+          <p:cNvPr id="1026" name="Picture 2" descr="Image result for government png"/>
+          <p:cNvPicPr>
+            <a:picLocks noChangeAspect="1" noChangeArrowheads="1"/>
+          </p:cNvPicPr>
+          <p:nvPr/>
+        </p:nvPicPr>
+        <p:blipFill>
+          <a:blip r:embed="rId4" cstate="print">
+            <a:extLst>
+              <a:ext uri="{28A0092B-C50C-407E-A947-70E740481C1C}">
+                <a14:useLocalDpi xmlns:a14="http://schemas.microsoft.com/office/drawing/2010/main" val="0"/>
+              </a:ext>
+            </a:extLst>
+          </a:blip>
+          <a:srcRect/>
+          <a:stretch>
+            <a:fillRect/>
+          </a:stretch>
+        </p:blipFill>
+        <p:spPr bwMode="auto">
+          <a:xfrm>
+            <a:off x="7308305" y="1488186"/>
+            <a:ext cx="795873" cy="831849"/>
+          </a:xfrm>
+          <a:prstGeom prst="rect">
+            <a:avLst/>
+          </a:prstGeom>
+          <a:noFill/>
+          <a:extLst>
+            <a:ext uri="{909E8E84-426E-40DD-AFC4-6F175D3DCCD1}">
+              <a14:hiddenFill xmlns:a14="http://schemas.microsoft.com/office/drawing/2010/main">
+                <a:solidFill>
+                  <a:srgbClr val="FFFFFF"/>
+                </a:solidFill>
+              </a14:hiddenFill>
+            </a:ext>
+          </a:extLst>
+        </p:spPr>
+      </p:pic>
+      <p:pic>
+        <p:nvPicPr>
+          <p:cNvPr id="1028" name="Picture 4" descr="Image result for citizen png"/>
+          <p:cNvPicPr>
+            <a:picLocks noChangeAspect="1" noChangeArrowheads="1"/>
+          </p:cNvPicPr>
+          <p:nvPr/>
+        </p:nvPicPr>
+        <p:blipFill>
+          <a:blip r:embed="rId5" cstate="print">
+            <a:extLst>
+              <a:ext uri="{28A0092B-C50C-407E-A947-70E740481C1C}">
+                <a14:useLocalDpi xmlns:a14="http://schemas.microsoft.com/office/drawing/2010/main" val="0"/>
+              </a:ext>
+            </a:extLst>
+          </a:blip>
+          <a:srcRect/>
+          <a:stretch>
+            <a:fillRect/>
+          </a:stretch>
+        </p:blipFill>
+        <p:spPr bwMode="auto">
+          <a:xfrm>
+            <a:off x="5906714" y="2787774"/>
+            <a:ext cx="926969" cy="594066"/>
+          </a:xfrm>
+          <a:prstGeom prst="rect">
+            <a:avLst/>
+          </a:prstGeom>
+          <a:noFill/>
+          <a:extLst>
+            <a:ext uri="{909E8E84-426E-40DD-AFC4-6F175D3DCCD1}">
+              <a14:hiddenFill xmlns:a14="http://schemas.microsoft.com/office/drawing/2010/main">
+                <a:solidFill>
+                  <a:srgbClr val="FFFFFF"/>
+                </a:solidFill>
+              </a14:hiddenFill>
+            </a:ext>
+          </a:extLst>
+        </p:spPr>
+      </p:pic>
+      <p:pic>
+        <p:nvPicPr>
+          <p:cNvPr id="1032" name="Picture 8" descr="Related image"/>
+          <p:cNvPicPr>
+            <a:picLocks noChangeAspect="1" noChangeArrowheads="1"/>
+          </p:cNvPicPr>
+          <p:nvPr/>
+        </p:nvPicPr>
+        <p:blipFill>
+          <a:blip r:embed="rId6" cstate="print">
+            <a:extLst>
+              <a:ext uri="{28A0092B-C50C-407E-A947-70E740481C1C}">
+                <a14:useLocalDpi xmlns:a14="http://schemas.microsoft.com/office/drawing/2010/main" val="0"/>
+              </a:ext>
+            </a:extLst>
+          </a:blip>
+          <a:srcRect/>
+          <a:stretch>
+            <a:fillRect/>
+          </a:stretch>
+        </p:blipFill>
+        <p:spPr bwMode="auto">
+          <a:xfrm>
+            <a:off x="7315476" y="4050360"/>
+            <a:ext cx="869356" cy="652017"/>
+          </a:xfrm>
+          <a:prstGeom prst="rect">
+            <a:avLst/>
+          </a:prstGeom>
+          <a:noFill/>
+          <a:extLst>
+            <a:ext uri="{909E8E84-426E-40DD-AFC4-6F175D3DCCD1}">
+              <a14:hiddenFill xmlns:a14="http://schemas.microsoft.com/office/drawing/2010/main">
+                <a:solidFill>
+                  <a:srgbClr val="FFFFFF"/>
+                </a:solidFill>
+              </a14:hiddenFill>
+            </a:ext>
+          </a:extLst>
+        </p:spPr>
+      </p:pic>
+    </p:spTree>
+    <p:extLst>
+      <p:ext uri="{BB962C8B-B14F-4D97-AF65-F5344CB8AC3E}">
+        <p14:creationId xmlns:p14="http://schemas.microsoft.com/office/powerpoint/2010/main" val="1649971516"/>
+      </p:ext>
+    </p:extLst>
+  </p:cSld>
+  <p:clrMapOvr>
+    <a:masterClrMapping/>
+  </p:clrMapOvr>
+</p:sld>
+</file>
+
+<file path=ppt/slides/slide7.xml><?xml version="1.0" encoding="utf-8"?>
+<p:sld xmlns:a="http://schemas.openxmlformats.org/drawingml/2006/main" xmlns:r="http://schemas.openxmlformats.org/officeDocument/2006/relationships" xmlns:p="http://schemas.openxmlformats.org/presentationml/2006/main">
+  <p:cSld>
+    <p:bg>
+      <p:bgPr>
+        <a:solidFill>
+          <a:schemeClr val="accent1">
+            <a:lumMod val="75000"/>
+          </a:schemeClr>
+        </a:solidFill>
+        <a:effectLst/>
+      </p:bgPr>
+    </p:bg>
+    <p:spTree>
+      <p:nvGrpSpPr>
+        <p:cNvPr id="1" name="Shape 103"/>
+        <p:cNvGrpSpPr/>
+        <p:nvPr/>
+      </p:nvGrpSpPr>
+      <p:grpSpPr>
+        <a:xfrm>
+          <a:off x="0" y="0"/>
+          <a:ext cx="0" cy="0"/>
+          <a:chOff x="0" y="0"/>
+          <a:chExt cx="0" cy="0"/>
+        </a:xfrm>
+      </p:grpSpPr>
+      <p:sp>
+        <p:nvSpPr>
+          <p:cNvPr id="107" name="Shape 107"/>
+          <p:cNvSpPr txBox="1">
+            <a:spLocks noGrp="1"/>
+          </p:cNvSpPr>
+          <p:nvPr>
+            <p:ph type="sldNum" idx="12"/>
+          </p:nvPr>
+        </p:nvSpPr>
+        <p:spPr>
+          <a:xfrm>
+            <a:off x="8556784" y="4749851"/>
+            <a:ext cx="548700" cy="393600"/>
+          </a:xfrm>
+          <a:prstGeom prst="rect">
+            <a:avLst/>
+          </a:prstGeom>
+        </p:spPr>
+        <p:txBody>
+          <a:bodyPr spcFirstLastPara="1" wrap="square" lIns="91425" tIns="91425" rIns="91425" bIns="91425" anchor="ctr" anchorCtr="0">
+            <a:noAutofit/>
+          </a:bodyPr>
+          <a:lstStyle/>
+          <a:p>
+            <a:pPr>
+              <a:defRPr/>
+            </a:pPr>
+            <a:fld id="{00000000-1234-1234-1234-123412341234}" type="slidenum">
+              <a:rPr lang="en"/>
+              <a:pPr>
+                <a:defRPr/>
+              </a:pPr>
+              <a:t>7</a:t>
+            </a:fld>
+            <a:endParaRPr dirty="0"/>
+          </a:p>
+        </p:txBody>
+      </p:sp>
+      <p:sp>
+        <p:nvSpPr>
+          <p:cNvPr id="4" name="Rectangle 3">
+            <a:extLst>
+              <a:ext uri="{FF2B5EF4-FFF2-40B4-BE49-F238E27FC236}">
+                <a16:creationId xmlns:a16="http://schemas.microsoft.com/office/drawing/2014/main" xmlns="" id="{73975F41-C02D-4F7A-B534-F50F4D1254D9}"/>
+              </a:ext>
+            </a:extLst>
+          </p:cNvPr>
+          <p:cNvSpPr/>
+          <p:nvPr/>
+        </p:nvSpPr>
+        <p:spPr>
+          <a:xfrm>
             <a:off x="3067940" y="210067"/>
             <a:ext cx="3161944" cy="1016949"/>
           </a:xfrm>
@@ -21746,7 +23554,7 @@
           <p:cNvPr id="8" name="Rectangle 7">
             <a:extLst>
               <a:ext uri="{FF2B5EF4-FFF2-40B4-BE49-F238E27FC236}">
-                <a16:creationId xmlns="" xmlns:a16="http://schemas.microsoft.com/office/drawing/2014/main" id="{587713AA-9CBD-4BD7-A8A4-7B621B110039}"/>
+                <a16:creationId xmlns:a16="http://schemas.microsoft.com/office/drawing/2014/main" xmlns="" id="{587713AA-9CBD-4BD7-A8A4-7B621B110039}"/>
               </a:ext>
             </a:extLst>
           </p:cNvPr>
@@ -21755,7 +23563,7 @@
         </p:nvSpPr>
         <p:spPr>
           <a:xfrm>
-            <a:off x="6457717" y="865817"/>
+            <a:off x="6457725" y="865817"/>
             <a:ext cx="2528021" cy="1016949"/>
           </a:xfrm>
           <a:prstGeom prst="rect">
@@ -21799,7 +23607,7 @@
           <p:cNvPr id="9" name="Picture 42">
             <a:extLst>
               <a:ext uri="{FF2B5EF4-FFF2-40B4-BE49-F238E27FC236}">
-                <a16:creationId xmlns="" xmlns:a16="http://schemas.microsoft.com/office/drawing/2014/main" id="{72CD0BC3-CBCD-4F08-9EC2-094477A3F00F}"/>
+                <a16:creationId xmlns:a16="http://schemas.microsoft.com/office/drawing/2014/main" xmlns="" id="{72CD0BC3-CBCD-4F08-9EC2-094477A3F00F}"/>
               </a:ext>
             </a:extLst>
           </p:cNvPr>
@@ -21859,7 +23667,7 @@
           <p:cNvPr id="10" name="Rectangle 9">
             <a:extLst>
               <a:ext uri="{FF2B5EF4-FFF2-40B4-BE49-F238E27FC236}">
-                <a16:creationId xmlns="" xmlns:a16="http://schemas.microsoft.com/office/drawing/2014/main" id="{A6D7667A-DA73-430E-A281-75520436CCCB}"/>
+                <a16:creationId xmlns:a16="http://schemas.microsoft.com/office/drawing/2014/main" xmlns="" id="{A6D7667A-DA73-430E-A281-75520436CCCB}"/>
               </a:ext>
             </a:extLst>
           </p:cNvPr>
@@ -21868,7 +23676,7 @@
         </p:nvSpPr>
         <p:spPr>
           <a:xfrm>
-            <a:off x="3067940" y="3492168"/>
+            <a:off x="3067944" y="3492170"/>
             <a:ext cx="3147083" cy="1016949"/>
           </a:xfrm>
           <a:prstGeom prst="rect">
@@ -21985,354 +23793,6 @@
     <p:extLst>
       <p:ext uri="{BB962C8B-B14F-4D97-AF65-F5344CB8AC3E}">
         <p14:creationId xmlns:p14="http://schemas.microsoft.com/office/powerpoint/2010/main" val="751069495"/>
-      </p:ext>
-    </p:extLst>
-  </p:cSld>
-  <p:clrMapOvr>
-    <a:masterClrMapping/>
-  </p:clrMapOvr>
-</p:sld>
-</file>
-
-<file path=ppt/slides/slide7.xml><?xml version="1.0" encoding="utf-8"?>
-<p:sld xmlns:a="http://schemas.openxmlformats.org/drawingml/2006/main" xmlns:r="http://schemas.openxmlformats.org/officeDocument/2006/relationships" xmlns:p="http://schemas.openxmlformats.org/presentationml/2006/main">
-  <p:cSld>
-    <p:bg>
-      <p:bgPr>
-        <a:solidFill>
-          <a:schemeClr val="accent1">
-            <a:lumMod val="75000"/>
-          </a:schemeClr>
-        </a:solidFill>
-        <a:effectLst/>
-      </p:bgPr>
-    </p:bg>
-    <p:spTree>
-      <p:nvGrpSpPr>
-        <p:cNvPr id="1" name="Shape 103"/>
-        <p:cNvGrpSpPr/>
-        <p:nvPr/>
-      </p:nvGrpSpPr>
-      <p:grpSpPr>
-        <a:xfrm>
-          <a:off x="0" y="0"/>
-          <a:ext cx="0" cy="0"/>
-          <a:chOff x="0" y="0"/>
-          <a:chExt cx="0" cy="0"/>
-        </a:xfrm>
-      </p:grpSpPr>
-      <p:sp>
-        <p:nvSpPr>
-          <p:cNvPr id="104" name="Shape 104"/>
-          <p:cNvSpPr txBox="1">
-            <a:spLocks noGrp="1"/>
-          </p:cNvSpPr>
-          <p:nvPr>
-            <p:ph type="title"/>
-          </p:nvPr>
-        </p:nvSpPr>
-        <p:spPr>
-          <a:xfrm>
-            <a:off x="541171" y="558409"/>
-            <a:ext cx="1534725" cy="580638"/>
-          </a:xfrm>
-          <a:prstGeom prst="rect">
-            <a:avLst/>
-          </a:prstGeom>
-        </p:spPr>
-        <p:txBody>
-          <a:bodyPr spcFirstLastPara="1" wrap="square" lIns="68569" tIns="68569" rIns="68569" bIns="68569" anchor="t" anchorCtr="0">
-            <a:noAutofit/>
-          </a:bodyPr>
-          <a:lstStyle/>
-          <a:p>
-            <a:r>
-              <a:rPr lang="en-IN" b="1" dirty="0"/>
-              <a:t>Business Model</a:t>
-            </a:r>
-            <a:endParaRPr b="1" dirty="0"/>
-          </a:p>
-        </p:txBody>
-      </p:sp>
-      <p:sp>
-        <p:nvSpPr>
-          <p:cNvPr id="107" name="Shape 107"/>
-          <p:cNvSpPr txBox="1">
-            <a:spLocks noGrp="1"/>
-          </p:cNvSpPr>
-          <p:nvPr>
-            <p:ph type="sldNum" idx="12"/>
-          </p:nvPr>
-        </p:nvSpPr>
-        <p:spPr>
-          <a:xfrm>
-            <a:off x="7560588" y="4749851"/>
-            <a:ext cx="411525" cy="393600"/>
-          </a:xfrm>
-          <a:prstGeom prst="rect">
-            <a:avLst/>
-          </a:prstGeom>
-        </p:spPr>
-        <p:txBody>
-          <a:bodyPr spcFirstLastPara="1" wrap="square" lIns="68569" tIns="68569" rIns="68569" bIns="68569" anchor="ctr" anchorCtr="0">
-            <a:noAutofit/>
-          </a:bodyPr>
-          <a:lstStyle/>
-          <a:p>
-            <a:pPr defTabSz="685800">
-              <a:buClrTx/>
-            </a:pPr>
-            <a:fld id="{00000000-1234-1234-1234-123412341234}" type="slidenum">
-              <a:rPr lang="en" kern="1200"/>
-              <a:pPr defTabSz="685800">
-                <a:buClrTx/>
-              </a:pPr>
-              <a:t>7</a:t>
-            </a:fld>
-            <a:endParaRPr kern="1200" dirty="0"/>
-          </a:p>
-        </p:txBody>
-      </p:sp>
-      <p:sp>
-        <p:nvSpPr>
-          <p:cNvPr id="11" name="Shape 114">
-            <a:extLst>
-              <a:ext uri="{FF2B5EF4-FFF2-40B4-BE49-F238E27FC236}">
-                <a16:creationId xmlns="" xmlns:a16="http://schemas.microsoft.com/office/drawing/2014/main" id="{1D3C8554-FECA-4592-9592-A1CD9D928A40}"/>
-              </a:ext>
-            </a:extLst>
-          </p:cNvPr>
-          <p:cNvSpPr txBox="1">
-            <a:spLocks noGrp="1"/>
-          </p:cNvSpPr>
-          <p:nvPr>
-            <p:ph type="body" idx="1"/>
-          </p:nvPr>
-        </p:nvSpPr>
-        <p:spPr>
-          <a:xfrm>
-            <a:off x="2929031" y="341937"/>
-            <a:ext cx="5673798" cy="4049427"/>
-          </a:xfrm>
-          <a:prstGeom prst="rect">
-            <a:avLst/>
-          </a:prstGeom>
-        </p:spPr>
-        <p:txBody>
-          <a:bodyPr spcFirstLastPara="1" wrap="square" lIns="68569" tIns="68569" rIns="68569" bIns="68569" anchor="t" anchorCtr="0">
-            <a:noAutofit/>
-          </a:bodyPr>
-          <a:lstStyle/>
-          <a:p>
-            <a:pPr algn="just"/>
-            <a:r>
-              <a:rPr lang="en-US" sz="1600" i="0" dirty="0">
-                <a:solidFill>
-                  <a:schemeClr val="tx1"/>
-                </a:solidFill>
-                <a:latin typeface="Nunito Sans" panose="020B0604020202020204" charset="0"/>
-              </a:rPr>
-              <a:t>6-10 months to create and deploy the system.</a:t>
-            </a:r>
-          </a:p>
-          <a:p>
-            <a:pPr algn="just"/>
-            <a:r>
-              <a:rPr lang="en-US" sz="1600" i="0" dirty="0">
-                <a:solidFill>
-                  <a:schemeClr val="tx1"/>
-                </a:solidFill>
-                <a:latin typeface="Nunito Sans" panose="020B0604020202020204" charset="0"/>
-              </a:rPr>
-              <a:t>Development team - 6 members</a:t>
-            </a:r>
-          </a:p>
-          <a:p>
-            <a:pPr algn="just"/>
-            <a:r>
-              <a:rPr lang="en-US" sz="1600" i="0" dirty="0">
-                <a:solidFill>
-                  <a:schemeClr val="tx1"/>
-                </a:solidFill>
-                <a:latin typeface="Nunito Sans" panose="020B0604020202020204" charset="0"/>
-              </a:rPr>
-              <a:t>Development cost -  Salary + Infrastructure = 2 </a:t>
-            </a:r>
-            <a:r>
-              <a:rPr lang="en-US" sz="1600" i="0" dirty="0" err="1">
-                <a:solidFill>
-                  <a:schemeClr val="tx1"/>
-                </a:solidFill>
-                <a:latin typeface="Nunito Sans" panose="020B0604020202020204" charset="0"/>
-              </a:rPr>
-              <a:t>crore</a:t>
-            </a:r>
-            <a:r>
-              <a:rPr lang="en-US" sz="1600" i="0" dirty="0">
-                <a:solidFill>
-                  <a:schemeClr val="tx1"/>
-                </a:solidFill>
-                <a:latin typeface="Nunito Sans" panose="020B0604020202020204" charset="0"/>
-              </a:rPr>
-              <a:t>/</a:t>
-            </a:r>
-            <a:r>
-              <a:rPr lang="en-US" sz="1600" i="0" dirty="0" err="1">
-                <a:solidFill>
-                  <a:schemeClr val="tx1"/>
-                </a:solidFill>
-                <a:latin typeface="Nunito Sans" panose="020B0604020202020204" charset="0"/>
-              </a:rPr>
-              <a:t>yr</a:t>
-            </a:r>
-            <a:endParaRPr lang="en-US" sz="1600" i="0" dirty="0">
-              <a:solidFill>
-                <a:schemeClr val="tx1"/>
-              </a:solidFill>
-              <a:latin typeface="Nunito Sans" panose="020B0604020202020204" charset="0"/>
-            </a:endParaRPr>
-          </a:p>
-          <a:p>
-            <a:pPr algn="just"/>
-            <a:r>
-              <a:rPr lang="en-US" sz="1600" i="0" dirty="0">
-                <a:solidFill>
-                  <a:schemeClr val="tx1"/>
-                </a:solidFill>
-                <a:latin typeface="Nunito Sans" panose="020B0604020202020204" charset="0"/>
-              </a:rPr>
-              <a:t>Initial deployment of the system in Pune City.</a:t>
-            </a:r>
-          </a:p>
-          <a:p>
-            <a:pPr algn="just"/>
-            <a:r>
-              <a:rPr lang="en-US" sz="1600" i="0" dirty="0">
-                <a:solidFill>
-                  <a:schemeClr val="tx1"/>
-                </a:solidFill>
-                <a:latin typeface="Nunito Sans" panose="020B0604020202020204" charset="0"/>
-              </a:rPr>
-              <a:t>At first, only citizens and healthcare centers will be incorporated in the system. </a:t>
-            </a:r>
-          </a:p>
-          <a:p>
-            <a:pPr algn="just"/>
-            <a:r>
-              <a:rPr lang="en-US" sz="1600" i="0" dirty="0">
-                <a:solidFill>
-                  <a:schemeClr val="tx1"/>
-                </a:solidFill>
-                <a:latin typeface="Nunito Sans" panose="020B0604020202020204" charset="0"/>
-              </a:rPr>
-              <a:t>The next 6 months four Tier 1 cities - Mumbai, Nagpur, </a:t>
-            </a:r>
-            <a:r>
-              <a:rPr lang="en-US" sz="1600" i="0" dirty="0" err="1">
-                <a:solidFill>
-                  <a:schemeClr val="tx1"/>
-                </a:solidFill>
-                <a:latin typeface="Nunito Sans" panose="020B0604020202020204" charset="0"/>
-              </a:rPr>
-              <a:t>Surat</a:t>
-            </a:r>
-            <a:r>
-              <a:rPr lang="en-US" sz="1600" i="0" dirty="0">
-                <a:solidFill>
-                  <a:schemeClr val="tx1"/>
-                </a:solidFill>
-                <a:latin typeface="Nunito Sans" panose="020B0604020202020204" charset="0"/>
-              </a:rPr>
-              <a:t> and Ahmedabad will be included in the system.</a:t>
-            </a:r>
-          </a:p>
-          <a:p>
-            <a:pPr algn="just"/>
-            <a:r>
-              <a:rPr lang="en-US" sz="1600" i="0" dirty="0">
-                <a:solidFill>
-                  <a:schemeClr val="tx1"/>
-                </a:solidFill>
-                <a:latin typeface="Nunito Sans" panose="020B0604020202020204" charset="0"/>
-              </a:rPr>
-              <a:t>After successfully implementing in Tier 1 cities, insurance companies may be included in the system.</a:t>
-            </a:r>
-          </a:p>
-          <a:p>
-            <a:pPr algn="just"/>
-            <a:r>
-              <a:rPr lang="en-US" sz="1600" i="0" dirty="0">
-                <a:solidFill>
-                  <a:schemeClr val="tx1"/>
-                </a:solidFill>
-                <a:latin typeface="Nunito Sans" panose="020B0604020202020204" charset="0"/>
-              </a:rPr>
-              <a:t>The healthcare centers &amp; insurance companies have to pay a subscription fee to use the system(yearly basis). </a:t>
-            </a:r>
-          </a:p>
-          <a:p>
-            <a:pPr algn="just"/>
-            <a:r>
-              <a:rPr lang="en-US" sz="1600" i="0" dirty="0">
-                <a:solidFill>
-                  <a:schemeClr val="tx1"/>
-                </a:solidFill>
-                <a:latin typeface="Nunito Sans" panose="020B0604020202020204" charset="0"/>
-              </a:rPr>
-              <a:t>Gradually Tier 2 &amp; 3 cities will be included in the scheme.</a:t>
-            </a:r>
-          </a:p>
-          <a:p>
-            <a:pPr algn="just"/>
-            <a:endParaRPr lang="en-US" sz="1600" i="0" dirty="0">
-              <a:solidFill>
-                <a:schemeClr val="tx1"/>
-              </a:solidFill>
-              <a:latin typeface="Nunito Sans" panose="020B0604020202020204" charset="0"/>
-            </a:endParaRPr>
-          </a:p>
-          <a:p>
-            <a:pPr algn="just">
-              <a:buFont typeface="Arial" panose="020B0604020202020204" pitchFamily="34" charset="0"/>
-              <a:buChar char="•"/>
-            </a:pPr>
-            <a:endParaRPr lang="en-US" sz="1600" i="0" dirty="0">
-              <a:solidFill>
-                <a:schemeClr val="tx1"/>
-              </a:solidFill>
-              <a:latin typeface="Nunito Sans" panose="020B0604020202020204" charset="0"/>
-            </a:endParaRPr>
-          </a:p>
-          <a:p>
-            <a:pPr algn="just">
-              <a:buFont typeface="Arial" panose="020B0604020202020204" pitchFamily="34" charset="0"/>
-              <a:buChar char="•"/>
-            </a:pPr>
-            <a:endParaRPr lang="en-US" sz="1600" i="0" dirty="0">
-              <a:solidFill>
-                <a:schemeClr val="tx1"/>
-              </a:solidFill>
-              <a:latin typeface="Nunito Sans" panose="020B0604020202020204" charset="0"/>
-            </a:endParaRPr>
-          </a:p>
-          <a:p>
-            <a:pPr algn="just">
-              <a:buFont typeface="Arial" panose="020B0604020202020204" pitchFamily="34" charset="0"/>
-              <a:buChar char="•"/>
-            </a:pPr>
-            <a:endParaRPr sz="1600" i="0" dirty="0">
-              <a:solidFill>
-                <a:schemeClr val="tx1"/>
-              </a:solidFill>
-              <a:latin typeface="Nunito Sans" panose="020B0604020202020204" charset="0"/>
-            </a:endParaRPr>
-          </a:p>
-        </p:txBody>
-      </p:sp>
-    </p:spTree>
-    <p:extLst>
-      <p:ext uri="{BB962C8B-B14F-4D97-AF65-F5344CB8AC3E}">
-        <p14:creationId xmlns:p14="http://schemas.microsoft.com/office/powerpoint/2010/main" val="2756599383"/>
       </p:ext>
     </p:extLst>
   </p:cSld>
@@ -22381,7 +23841,7 @@
         </p:nvSpPr>
         <p:spPr>
           <a:xfrm>
-            <a:off x="626629" y="652330"/>
+            <a:off x="541177" y="558409"/>
             <a:ext cx="1534725" cy="580638"/>
           </a:xfrm>
           <a:prstGeom prst="rect">
@@ -22414,7 +23874,7 @@
         </p:nvSpPr>
         <p:spPr>
           <a:xfrm>
-            <a:off x="7560588" y="4749851"/>
+            <a:off x="7560596" y="4749851"/>
             <a:ext cx="411525" cy="393600"/>
           </a:xfrm>
           <a:prstGeom prst="rect">
@@ -22441,238 +23901,246 @@
           </a:p>
         </p:txBody>
       </p:sp>
-      <p:graphicFrame>
-        <p:nvGraphicFramePr>
-          <p:cNvPr id="3" name="Diagram 2"/>
-          <p:cNvGraphicFramePr/>
-          <p:nvPr>
-            <p:extLst/>
-          </p:nvPr>
-        </p:nvGraphicFramePr>
-        <p:xfrm>
-          <a:off x="3275856" y="195486"/>
-          <a:ext cx="4572000" cy="4698522"/>
-        </p:xfrm>
-        <a:graphic>
-          <a:graphicData uri="http://schemas.openxmlformats.org/drawingml/2006/diagram">
-            <dgm:relIds xmlns:dgm="http://schemas.openxmlformats.org/drawingml/2006/diagram" xmlns:r="http://schemas.openxmlformats.org/officeDocument/2006/relationships" r:dm="rId3" r:lo="rId4" r:qs="rId5" r:cs="rId6"/>
-          </a:graphicData>
-        </a:graphic>
-      </p:graphicFrame>
       <p:sp>
         <p:nvSpPr>
-          <p:cNvPr id="4" name="TextBox 3"/>
-          <p:cNvSpPr txBox="1"/>
-          <p:nvPr/>
+          <p:cNvPr id="11" name="Shape 114">
+            <a:extLst>
+              <a:ext uri="{FF2B5EF4-FFF2-40B4-BE49-F238E27FC236}">
+                <a16:creationId xmlns:a16="http://schemas.microsoft.com/office/drawing/2014/main" xmlns="" id="{1D3C8554-FECA-4592-9592-A1CD9D928A40}"/>
+              </a:ext>
+            </a:extLst>
+          </p:cNvPr>
+          <p:cNvSpPr txBox="1">
+            <a:spLocks noGrp="1"/>
+          </p:cNvSpPr>
+          <p:nvPr>
+            <p:ph type="body" idx="1"/>
+          </p:nvPr>
         </p:nvSpPr>
         <p:spPr>
           <a:xfrm>
-            <a:off x="5112060" y="688733"/>
-            <a:ext cx="971741" cy="253916"/>
+            <a:off x="2929031" y="341939"/>
+            <a:ext cx="5673798" cy="4049427"/>
           </a:xfrm>
           <a:prstGeom prst="rect">
             <a:avLst/>
           </a:prstGeom>
-          <a:noFill/>
         </p:spPr>
         <p:txBody>
-          <a:bodyPr wrap="none" rtlCol="0">
-            <a:spAutoFit/>
+          <a:bodyPr spcFirstLastPara="1" wrap="square" lIns="68569" tIns="68569" rIns="68569" bIns="68569" anchor="t" anchorCtr="0">
+            <a:noAutofit/>
           </a:bodyPr>
           <a:lstStyle/>
           <a:p>
-            <a:pPr defTabSz="685800">
-              <a:buClrTx/>
+            <a:pPr algn="just"/>
+            <a:r>
+              <a:rPr lang="en-US" sz="1600" i="0" dirty="0">
+                <a:solidFill>
+                  <a:schemeClr val="tx1"/>
+                </a:solidFill>
+                <a:latin typeface="Nunito Sans" panose="020B0604020202020204" charset="0"/>
+              </a:rPr>
+              <a:t>6-10 months to create and deploy the system.</a:t>
+            </a:r>
+          </a:p>
+          <a:p>
+            <a:pPr algn="just"/>
+            <a:r>
+              <a:rPr lang="en-US" sz="1600" i="0" dirty="0">
+                <a:solidFill>
+                  <a:schemeClr val="tx1"/>
+                </a:solidFill>
+                <a:latin typeface="Nunito Sans" panose="020B0604020202020204" charset="0"/>
+              </a:rPr>
+              <a:t>Development team - 6 members</a:t>
+            </a:r>
+          </a:p>
+          <a:p>
+            <a:pPr algn="just"/>
+            <a:r>
+              <a:rPr lang="en-US" sz="1600" i="0" dirty="0">
+                <a:solidFill>
+                  <a:schemeClr val="tx1"/>
+                </a:solidFill>
+                <a:latin typeface="Nunito Sans" panose="020B0604020202020204" charset="0"/>
+              </a:rPr>
+              <a:t>Development cost -  Salary + Infrastructure = 2 </a:t>
+            </a:r>
+            <a:r>
+              <a:rPr lang="en-US" sz="1600" i="0" dirty="0" err="1">
+                <a:solidFill>
+                  <a:schemeClr val="tx1"/>
+                </a:solidFill>
+                <a:latin typeface="Nunito Sans" panose="020B0604020202020204" charset="0"/>
+              </a:rPr>
+              <a:t>crore</a:t>
+            </a:r>
+            <a:r>
+              <a:rPr lang="en-US" sz="1600" i="0" dirty="0">
+                <a:solidFill>
+                  <a:schemeClr val="tx1"/>
+                </a:solidFill>
+                <a:latin typeface="Nunito Sans" panose="020B0604020202020204" charset="0"/>
+              </a:rPr>
+              <a:t>/</a:t>
+            </a:r>
+            <a:r>
+              <a:rPr lang="en-US" sz="1600" i="0" dirty="0" err="1">
+                <a:solidFill>
+                  <a:schemeClr val="tx1"/>
+                </a:solidFill>
+                <a:latin typeface="Nunito Sans" panose="020B0604020202020204" charset="0"/>
+              </a:rPr>
+              <a:t>yr</a:t>
+            </a:r>
+            <a:endParaRPr lang="en-US" sz="1600" i="0" dirty="0">
+              <a:solidFill>
+                <a:schemeClr val="tx1"/>
+              </a:solidFill>
+              <a:latin typeface="Nunito Sans" panose="020B0604020202020204" charset="0"/>
+            </a:endParaRPr>
+          </a:p>
+          <a:p>
+            <a:pPr algn="just"/>
+            <a:r>
+              <a:rPr lang="en-US" sz="1600" i="0" dirty="0">
+                <a:solidFill>
+                  <a:schemeClr val="tx1"/>
+                </a:solidFill>
+                <a:latin typeface="Nunito Sans" panose="020B0604020202020204" charset="0"/>
+              </a:rPr>
+              <a:t>Initial deployment of the system in Pune City.</a:t>
+            </a:r>
+          </a:p>
+          <a:p>
+            <a:pPr algn="just"/>
+            <a:r>
+              <a:rPr lang="en-US" sz="1600" i="0" dirty="0">
+                <a:solidFill>
+                  <a:schemeClr val="tx1"/>
+                </a:solidFill>
+                <a:latin typeface="Nunito Sans" panose="020B0604020202020204" charset="0"/>
+              </a:rPr>
+              <a:t>At first, only citizens and healthcare centers will be incorporated in the system. </a:t>
+            </a:r>
+          </a:p>
+          <a:p>
+            <a:pPr algn="just"/>
+            <a:r>
+              <a:rPr lang="en-US" sz="1600" i="0" dirty="0">
+                <a:solidFill>
+                  <a:schemeClr val="tx1"/>
+                </a:solidFill>
+                <a:latin typeface="Nunito Sans" panose="020B0604020202020204" charset="0"/>
+              </a:rPr>
+              <a:t>The next 6 months four Tier 1 cities - Mumbai, Nagpur, </a:t>
+            </a:r>
+            <a:r>
+              <a:rPr lang="en-US" sz="1600" i="0" dirty="0" err="1">
+                <a:solidFill>
+                  <a:schemeClr val="tx1"/>
+                </a:solidFill>
+                <a:latin typeface="Nunito Sans" panose="020B0604020202020204" charset="0"/>
+              </a:rPr>
+              <a:t>Surat</a:t>
+            </a:r>
+            <a:r>
+              <a:rPr lang="en-US" sz="1600" i="0" dirty="0">
+                <a:solidFill>
+                  <a:schemeClr val="tx1"/>
+                </a:solidFill>
+                <a:latin typeface="Nunito Sans" panose="020B0604020202020204" charset="0"/>
+              </a:rPr>
+              <a:t> and Ahmedabad will be included in the system.</a:t>
+            </a:r>
+          </a:p>
+          <a:p>
+            <a:pPr algn="just"/>
+            <a:r>
+              <a:rPr lang="en-US" sz="1600" i="0" dirty="0">
+                <a:solidFill>
+                  <a:schemeClr val="tx1"/>
+                </a:solidFill>
+                <a:latin typeface="Nunito Sans" panose="020B0604020202020204" charset="0"/>
+              </a:rPr>
+              <a:t>After successfully implementing in Tier 1 cities, insurance companies may be included in the system.</a:t>
+            </a:r>
+          </a:p>
+          <a:p>
+            <a:pPr algn="just"/>
+            <a:r>
+              <a:rPr lang="en-US" sz="1600" i="0" dirty="0">
+                <a:solidFill>
+                  <a:schemeClr val="tx1"/>
+                </a:solidFill>
+                <a:latin typeface="Nunito Sans" panose="020B0604020202020204" charset="0"/>
+              </a:rPr>
+              <a:t>The healthcare centers &amp; insurance companies have to pay a subscription fee to use the system(yearly basis). </a:t>
+            </a:r>
+          </a:p>
+          <a:p>
+            <a:pPr algn="just"/>
+            <a:r>
+              <a:rPr lang="en-US" sz="1600" i="0" dirty="0">
+                <a:solidFill>
+                  <a:schemeClr val="tx1"/>
+                </a:solidFill>
+                <a:latin typeface="Nunito Sans" panose="020B0604020202020204" charset="0"/>
+              </a:rPr>
+              <a:t>Gradually Tier 2 &amp; 3 cities will be included in the scheme.</a:t>
+            </a:r>
+          </a:p>
+          <a:p>
+            <a:pPr algn="just"/>
+            <a:endParaRPr lang="en-US" sz="1600" i="0" dirty="0">
+              <a:solidFill>
+                <a:schemeClr val="tx1"/>
+              </a:solidFill>
+              <a:latin typeface="Nunito Sans" panose="020B0604020202020204" charset="0"/>
+            </a:endParaRPr>
+          </a:p>
+          <a:p>
+            <a:pPr algn="just">
+              <a:buFont typeface="Arial" panose="020B0604020202020204" pitchFamily="34" charset="0"/>
+              <a:buChar char="•"/>
             </a:pPr>
-            <a:r>
-              <a:rPr lang="en-IN" sz="1050" kern="1200" dirty="0">
-                <a:ea typeface="+mn-ea"/>
-                <a:cs typeface="+mn-cs"/>
-              </a:rPr>
-              <a:t>Primary User</a:t>
-            </a:r>
-          </a:p>
-        </p:txBody>
-      </p:sp>
-      <p:sp>
-        <p:nvSpPr>
-          <p:cNvPr id="8" name="TextBox 7"/>
-          <p:cNvSpPr txBox="1"/>
-          <p:nvPr/>
-        </p:nvSpPr>
-        <p:spPr>
-          <a:xfrm>
-            <a:off x="6894258" y="2996393"/>
-            <a:ext cx="971741" cy="253916"/>
-          </a:xfrm>
-          <a:prstGeom prst="rect">
-            <a:avLst/>
-          </a:prstGeom>
-          <a:noFill/>
-        </p:spPr>
-        <p:txBody>
-          <a:bodyPr wrap="none" rtlCol="0">
-            <a:spAutoFit/>
-          </a:bodyPr>
-          <a:lstStyle/>
-          <a:p>
-            <a:pPr defTabSz="685800">
-              <a:buClrTx/>
+            <a:endParaRPr lang="en-US" sz="1600" i="0" dirty="0">
+              <a:solidFill>
+                <a:schemeClr val="tx1"/>
+              </a:solidFill>
+              <a:latin typeface="Nunito Sans" panose="020B0604020202020204" charset="0"/>
+            </a:endParaRPr>
+          </a:p>
+          <a:p>
+            <a:pPr algn="just">
+              <a:buFont typeface="Arial" panose="020B0604020202020204" pitchFamily="34" charset="0"/>
+              <a:buChar char="•"/>
             </a:pPr>
-            <a:r>
-              <a:rPr lang="en-IN" sz="1050" kern="1200" dirty="0">
-                <a:ea typeface="+mn-ea"/>
-                <a:cs typeface="+mn-cs"/>
-              </a:rPr>
-              <a:t>Primary User</a:t>
-            </a:r>
-          </a:p>
-        </p:txBody>
-      </p:sp>
-      <p:sp>
-        <p:nvSpPr>
-          <p:cNvPr id="9" name="TextBox 8"/>
-          <p:cNvSpPr txBox="1"/>
-          <p:nvPr/>
-        </p:nvSpPr>
-        <p:spPr>
-          <a:xfrm>
-            <a:off x="5127450" y="4655975"/>
-            <a:ext cx="1152880" cy="253916"/>
-          </a:xfrm>
-          <a:prstGeom prst="rect">
-            <a:avLst/>
-          </a:prstGeom>
-          <a:noFill/>
-        </p:spPr>
-        <p:txBody>
-          <a:bodyPr wrap="none" rtlCol="0">
-            <a:spAutoFit/>
-          </a:bodyPr>
-          <a:lstStyle/>
-          <a:p>
-            <a:pPr defTabSz="685800">
-              <a:buClrTx/>
+            <a:endParaRPr lang="en-US" sz="1600" i="0" dirty="0">
+              <a:solidFill>
+                <a:schemeClr val="tx1"/>
+              </a:solidFill>
+              <a:latin typeface="Nunito Sans" panose="020B0604020202020204" charset="0"/>
+            </a:endParaRPr>
+          </a:p>
+          <a:p>
+            <a:pPr algn="just">
+              <a:buFont typeface="Arial" panose="020B0604020202020204" pitchFamily="34" charset="0"/>
+              <a:buChar char="•"/>
             </a:pPr>
-            <a:r>
-              <a:rPr lang="en-IN" sz="1050" kern="1200" dirty="0">
-                <a:ea typeface="+mn-ea"/>
-                <a:cs typeface="+mn-cs"/>
-              </a:rPr>
-              <a:t>Secondary User</a:t>
-            </a:r>
-          </a:p>
-        </p:txBody>
-      </p:sp>
-      <p:sp>
-        <p:nvSpPr>
-          <p:cNvPr id="10" name="TextBox 9"/>
-          <p:cNvSpPr txBox="1"/>
-          <p:nvPr/>
-        </p:nvSpPr>
-        <p:spPr>
-          <a:xfrm>
-            <a:off x="3275856" y="3111810"/>
-            <a:ext cx="1152880" cy="253916"/>
-          </a:xfrm>
-          <a:prstGeom prst="rect">
-            <a:avLst/>
-          </a:prstGeom>
-          <a:noFill/>
-        </p:spPr>
-        <p:txBody>
-          <a:bodyPr wrap="none" rtlCol="0">
-            <a:spAutoFit/>
-          </a:bodyPr>
-          <a:lstStyle/>
-          <a:p>
-            <a:pPr defTabSz="685800">
-              <a:buClrTx/>
-            </a:pPr>
-            <a:r>
-              <a:rPr lang="en-IN" sz="1050" kern="1200" dirty="0">
-                <a:ea typeface="+mn-ea"/>
-                <a:cs typeface="+mn-cs"/>
-              </a:rPr>
-              <a:t>Secondary User</a:t>
-            </a:r>
-          </a:p>
-        </p:txBody>
-      </p:sp>
-      <p:sp>
-        <p:nvSpPr>
-          <p:cNvPr id="12" name="TextBox 11"/>
-          <p:cNvSpPr txBox="1"/>
-          <p:nvPr/>
-        </p:nvSpPr>
-        <p:spPr>
-          <a:xfrm>
-            <a:off x="6300192" y="2093100"/>
-            <a:ext cx="1467068" cy="253916"/>
-          </a:xfrm>
-          <a:prstGeom prst="rect">
-            <a:avLst/>
-          </a:prstGeom>
-          <a:noFill/>
-        </p:spPr>
-        <p:txBody>
-          <a:bodyPr wrap="none" rtlCol="0">
-            <a:spAutoFit/>
-          </a:bodyPr>
-          <a:lstStyle/>
-          <a:p>
-            <a:pPr defTabSz="685800">
-              <a:buClrTx/>
-            </a:pPr>
-            <a:r>
-              <a:rPr lang="en-IN" sz="1050" kern="1200" dirty="0">
-                <a:ea typeface="+mn-ea"/>
-                <a:cs typeface="+mn-cs"/>
-              </a:rPr>
-              <a:t>Pay Subscription Fee</a:t>
-            </a:r>
-          </a:p>
-        </p:txBody>
-      </p:sp>
-      <p:sp>
-        <p:nvSpPr>
-          <p:cNvPr id="13" name="TextBox 12"/>
-          <p:cNvSpPr txBox="1"/>
-          <p:nvPr/>
-        </p:nvSpPr>
-        <p:spPr>
-          <a:xfrm>
-            <a:off x="5706846" y="3597864"/>
-            <a:ext cx="1414170" cy="253916"/>
-          </a:xfrm>
-          <a:prstGeom prst="rect">
-            <a:avLst/>
-          </a:prstGeom>
-          <a:noFill/>
-        </p:spPr>
-        <p:txBody>
-          <a:bodyPr wrap="none" rtlCol="0">
-            <a:spAutoFit/>
-          </a:bodyPr>
-          <a:lstStyle/>
-          <a:p>
-            <a:pPr defTabSz="685800">
-              <a:buClrTx/>
-            </a:pPr>
-            <a:r>
-              <a:rPr lang="en-IN" sz="1050" kern="1200" dirty="0">
-                <a:ea typeface="+mn-ea"/>
-                <a:cs typeface="+mn-cs"/>
-              </a:rPr>
-              <a:t>Pay per use scheme</a:t>
-            </a:r>
+            <a:endParaRPr sz="1600" i="0" dirty="0">
+              <a:solidFill>
+                <a:schemeClr val="tx1"/>
+              </a:solidFill>
+              <a:latin typeface="Nunito Sans" panose="020B0604020202020204" charset="0"/>
+            </a:endParaRPr>
           </a:p>
         </p:txBody>
       </p:sp>
     </p:spTree>
     <p:extLst>
       <p:ext uri="{BB962C8B-B14F-4D97-AF65-F5344CB8AC3E}">
-        <p14:creationId xmlns:p14="http://schemas.microsoft.com/office/powerpoint/2010/main" val="4120903149"/>
+        <p14:creationId xmlns:p14="http://schemas.microsoft.com/office/powerpoint/2010/main" val="2756599383"/>
       </p:ext>
     </p:extLst>
   </p:cSld>
@@ -22722,7 +24190,7 @@
         <p:spPr>
           <a:xfrm>
             <a:off x="234450" y="575500"/>
-            <a:ext cx="2046300" cy="817464"/>
+            <a:ext cx="2046300" cy="580638"/>
           </a:xfrm>
           <a:prstGeom prst="rect">
             <a:avLst/>
@@ -22744,8 +24212,8 @@
               <a:buNone/>
             </a:pPr>
             <a:r>
-              <a:rPr lang="en-IN" b="1" dirty="0"/>
-              <a:t>Relevance in Smart City</a:t>
+              <a:rPr lang="en-IN" b="1" dirty="0" smtClean="0"/>
+              <a:t>Business Model</a:t>
             </a:r>
             <a:endParaRPr b="1" dirty="0"/>
           </a:p>
@@ -22753,389 +24221,1796 @@
       </p:sp>
       <p:sp>
         <p:nvSpPr>
-          <p:cNvPr id="107" name="Shape 107"/>
-          <p:cNvSpPr txBox="1">
-            <a:spLocks noGrp="1"/>
-          </p:cNvSpPr>
-          <p:nvPr>
-            <p:ph type="sldNum" idx="12"/>
-          </p:nvPr>
+          <p:cNvPr id="5" name="Rectangle 4"/>
+          <p:cNvSpPr/>
+          <p:nvPr/>
         </p:nvSpPr>
         <p:spPr>
           <a:xfrm>
-            <a:off x="8556784" y="4749851"/>
-            <a:ext cx="548700" cy="393600"/>
+            <a:off x="2771800" y="932158"/>
+            <a:ext cx="1944216" cy="535364"/>
           </a:xfrm>
           <a:prstGeom prst="rect">
             <a:avLst/>
           </a:prstGeom>
+          <a:noFill/>
+          <a:ln>
+            <a:solidFill>
+              <a:schemeClr val="bg1">
+                <a:lumMod val="85000"/>
+              </a:schemeClr>
+            </a:solidFill>
+          </a:ln>
         </p:spPr>
+        <p:style>
+          <a:lnRef idx="2">
+            <a:schemeClr val="accent1">
+              <a:shade val="50000"/>
+            </a:schemeClr>
+          </a:lnRef>
+          <a:fillRef idx="1">
+            <a:schemeClr val="accent1"/>
+          </a:fillRef>
+          <a:effectRef idx="0">
+            <a:schemeClr val="accent1"/>
+          </a:effectRef>
+          <a:fontRef idx="minor">
+            <a:schemeClr val="lt1"/>
+          </a:fontRef>
+        </p:style>
         <p:txBody>
-          <a:bodyPr spcFirstLastPara="1" wrap="square" lIns="91425" tIns="91425" rIns="91425" bIns="91425" anchor="ctr" anchorCtr="0">
-            <a:noAutofit/>
-          </a:bodyPr>
+          <a:bodyPr rtlCol="0" anchor="ctr"/>
           <a:lstStyle/>
           <a:p>
-            <a:pPr marL="0" lvl="0" indent="0">
-              <a:spcBef>
-                <a:spcPts val="0"/>
-              </a:spcBef>
-              <a:spcAft>
-                <a:spcPts val="0"/>
-              </a:spcAft>
+            <a:pPr algn="ctr">
+              <a:buClrTx/>
+              <a:buFontTx/>
               <a:buNone/>
             </a:pPr>
-            <a:fld id="{00000000-1234-1234-1234-123412341234}" type="slidenum">
-              <a:rPr lang="en"/>
-              <a:t>9</a:t>
-            </a:fld>
-            <a:endParaRPr dirty="0"/>
+            <a:endParaRPr lang="en-IN" sz="1800" kern="1200">
+              <a:solidFill>
+                <a:srgbClr val="FFFFFF"/>
+              </a:solidFill>
+            </a:endParaRPr>
           </a:p>
         </p:txBody>
       </p:sp>
       <p:sp>
         <p:nvSpPr>
-          <p:cNvPr id="11" name="Shape 114">
-            <a:extLst>
-              <a:ext uri="{FF2B5EF4-FFF2-40B4-BE49-F238E27FC236}">
-                <a16:creationId xmlns="" xmlns:a16="http://schemas.microsoft.com/office/drawing/2014/main" id="{1D3C8554-FECA-4592-9592-A1CD9D928A40}"/>
-              </a:ext>
-            </a:extLst>
-          </p:cNvPr>
-          <p:cNvSpPr txBox="1">
-            <a:spLocks noGrp="1"/>
-          </p:cNvSpPr>
-          <p:nvPr>
-            <p:ph type="body" idx="1"/>
-          </p:nvPr>
+          <p:cNvPr id="14" name="Rectangle 13"/>
+          <p:cNvSpPr/>
+          <p:nvPr/>
         </p:nvSpPr>
         <p:spPr>
           <a:xfrm>
-            <a:off x="2801784" y="225123"/>
-            <a:ext cx="6029350" cy="4731438"/>
+            <a:off x="7020272" y="943354"/>
+            <a:ext cx="1944216" cy="524168"/>
           </a:xfrm>
           <a:prstGeom prst="rect">
             <a:avLst/>
           </a:prstGeom>
+          <a:noFill/>
+          <a:ln>
+            <a:solidFill>
+              <a:schemeClr val="bg1">
+                <a:lumMod val="85000"/>
+              </a:schemeClr>
+            </a:solidFill>
+          </a:ln>
+        </p:spPr>
+        <p:style>
+          <a:lnRef idx="2">
+            <a:schemeClr val="accent1">
+              <a:shade val="50000"/>
+            </a:schemeClr>
+          </a:lnRef>
+          <a:fillRef idx="1">
+            <a:schemeClr val="accent1"/>
+          </a:fillRef>
+          <a:effectRef idx="0">
+            <a:schemeClr val="accent1"/>
+          </a:effectRef>
+          <a:fontRef idx="minor">
+            <a:schemeClr val="lt1"/>
+          </a:fontRef>
+        </p:style>
+        <p:txBody>
+          <a:bodyPr rtlCol="0" anchor="ctr"/>
+          <a:lstStyle/>
+          <a:p>
+            <a:pPr algn="ctr">
+              <a:buClrTx/>
+              <a:buFontTx/>
+              <a:buNone/>
+            </a:pPr>
+            <a:endParaRPr lang="en-IN" sz="1800" kern="1200">
+              <a:solidFill>
+                <a:srgbClr val="FFFFFF"/>
+              </a:solidFill>
+            </a:endParaRPr>
+          </a:p>
+        </p:txBody>
+      </p:sp>
+      <p:sp>
+        <p:nvSpPr>
+          <p:cNvPr id="15" name="Rectangle 14"/>
+          <p:cNvSpPr/>
+          <p:nvPr/>
+        </p:nvSpPr>
+        <p:spPr>
+          <a:xfrm>
+            <a:off x="4896036" y="943354"/>
+            <a:ext cx="1944216" cy="524168"/>
+          </a:xfrm>
+          <a:prstGeom prst="rect">
+            <a:avLst/>
+          </a:prstGeom>
+          <a:noFill/>
+          <a:ln>
+            <a:solidFill>
+              <a:schemeClr val="bg1">
+                <a:lumMod val="85000"/>
+              </a:schemeClr>
+            </a:solidFill>
+          </a:ln>
+        </p:spPr>
+        <p:style>
+          <a:lnRef idx="2">
+            <a:schemeClr val="accent1">
+              <a:shade val="50000"/>
+            </a:schemeClr>
+          </a:lnRef>
+          <a:fillRef idx="1">
+            <a:schemeClr val="accent1"/>
+          </a:fillRef>
+          <a:effectRef idx="0">
+            <a:schemeClr val="accent1"/>
+          </a:effectRef>
+          <a:fontRef idx="minor">
+            <a:schemeClr val="lt1"/>
+          </a:fontRef>
+        </p:style>
+        <p:txBody>
+          <a:bodyPr rtlCol="0" anchor="ctr"/>
+          <a:lstStyle/>
+          <a:p>
+            <a:pPr algn="ctr">
+              <a:buClrTx/>
+              <a:buFontTx/>
+              <a:buNone/>
+            </a:pPr>
+            <a:endParaRPr lang="en-IN" sz="1800" kern="1200">
+              <a:solidFill>
+                <a:srgbClr val="FFFFFF"/>
+              </a:solidFill>
+            </a:endParaRPr>
+          </a:p>
+        </p:txBody>
+      </p:sp>
+      <p:sp>
+        <p:nvSpPr>
+          <p:cNvPr id="7" name="TextBox 6"/>
+          <p:cNvSpPr txBox="1"/>
+          <p:nvPr/>
+        </p:nvSpPr>
+        <p:spPr>
+          <a:xfrm>
+            <a:off x="2888192" y="1017401"/>
+            <a:ext cx="1768433" cy="430887"/>
+          </a:xfrm>
+          <a:prstGeom prst="rect">
+            <a:avLst/>
+          </a:prstGeom>
+          <a:noFill/>
         </p:spPr>
         <p:txBody>
-          <a:bodyPr spcFirstLastPara="1" wrap="square" lIns="91425" tIns="91425" rIns="91425" bIns="91425" anchor="t" anchorCtr="0">
-            <a:noAutofit/>
+          <a:bodyPr wrap="none" rtlCol="0">
+            <a:spAutoFit/>
           </a:bodyPr>
           <a:lstStyle/>
           <a:p>
-            <a:pPr algn="just"/>
+            <a:pPr>
+              <a:buClrTx/>
+              <a:buFontTx/>
+              <a:buNone/>
+            </a:pPr>
             <a:r>
-              <a:rPr lang="en-US" i="0" dirty="0">
-                <a:solidFill>
-                  <a:schemeClr val="tx1"/>
-                </a:solidFill>
-                <a:latin typeface="Nunito Sans" panose="020B0604020202020204" charset="0"/>
+              <a:rPr lang="en-IN" sz="1100" kern="1200" dirty="0" smtClean="0">
+                <a:ea typeface="+mn-ea"/>
+                <a:cs typeface="+mn-cs"/>
               </a:rPr>
-              <a:t>Electronic records allow </a:t>
+              <a:t>Blockchain + Hospitals + </a:t>
+            </a:r>
+          </a:p>
+          <a:p>
+            <a:pPr>
+              <a:buClrTx/>
+              <a:buFontTx/>
+              <a:buNone/>
+            </a:pPr>
+            <a:r>
+              <a:rPr lang="en-IN" sz="1100" kern="1200" dirty="0" smtClean="0">
+                <a:ea typeface="+mn-ea"/>
+                <a:cs typeface="+mn-cs"/>
+              </a:rPr>
+              <a:t>Clients</a:t>
+            </a:r>
+            <a:endParaRPr lang="en-IN" sz="1100" kern="1200" dirty="0">
+              <a:ea typeface="+mn-ea"/>
+              <a:cs typeface="+mn-cs"/>
+            </a:endParaRPr>
+          </a:p>
+        </p:txBody>
+      </p:sp>
+      <p:sp>
+        <p:nvSpPr>
+          <p:cNvPr id="37" name="TextBox 36"/>
+          <p:cNvSpPr txBox="1"/>
+          <p:nvPr/>
+        </p:nvSpPr>
+        <p:spPr>
+          <a:xfrm>
+            <a:off x="4966294" y="1017399"/>
+            <a:ext cx="1638590" cy="600164"/>
+          </a:xfrm>
+          <a:prstGeom prst="rect">
+            <a:avLst/>
+          </a:prstGeom>
+          <a:noFill/>
+        </p:spPr>
+        <p:txBody>
+          <a:bodyPr wrap="none" rtlCol="0">
+            <a:spAutoFit/>
+          </a:bodyPr>
+          <a:lstStyle/>
+          <a:p>
+            <a:pPr>
+              <a:buClrTx/>
+              <a:buFontTx/>
+              <a:buNone/>
+            </a:pPr>
+            <a:r>
+              <a:rPr lang="en-IN" sz="1100" kern="1200" dirty="0" smtClean="0">
+                <a:ea typeface="+mn-ea"/>
+                <a:cs typeface="+mn-cs"/>
+              </a:rPr>
+              <a:t>Period : 6 to 10 months</a:t>
+            </a:r>
+          </a:p>
+          <a:p>
+            <a:pPr>
+              <a:buClrTx/>
+              <a:buFontTx/>
+              <a:buNone/>
+            </a:pPr>
+            <a:r>
+              <a:rPr lang="en-IN" sz="1100" kern="1200" dirty="0" smtClean="0">
+                <a:ea typeface="+mn-ea"/>
+                <a:cs typeface="+mn-cs"/>
+              </a:rPr>
+              <a:t>Expenditure : 2cr </a:t>
+            </a:r>
+          </a:p>
+          <a:p>
+            <a:pPr>
+              <a:buClrTx/>
+              <a:buFontTx/>
+              <a:buNone/>
+            </a:pPr>
+            <a:r>
+              <a:rPr lang="en-IN" sz="1100" kern="1200" dirty="0" smtClean="0">
+                <a:ea typeface="+mn-ea"/>
+                <a:cs typeface="+mn-cs"/>
+              </a:rPr>
+              <a:t>Revenue : </a:t>
             </a:r>
             <a:r>
-              <a:rPr lang="en-US" b="1" i="0" dirty="0">
-                <a:solidFill>
-                  <a:schemeClr val="tx1"/>
-                </a:solidFill>
-                <a:latin typeface="Nunito Sans" panose="020B0604020202020204" charset="0"/>
+              <a:rPr lang="en-IN" sz="1100" kern="1200" dirty="0">
+                <a:ea typeface="+mn-ea"/>
+                <a:cs typeface="+mn-cs"/>
               </a:rPr>
-              <a:t>coordination</a:t>
+              <a:t>0</a:t>
+            </a:r>
+          </a:p>
+        </p:txBody>
+      </p:sp>
+      <p:sp>
+        <p:nvSpPr>
+          <p:cNvPr id="38" name="TextBox 37"/>
+          <p:cNvSpPr txBox="1"/>
+          <p:nvPr/>
+        </p:nvSpPr>
+        <p:spPr>
+          <a:xfrm>
+            <a:off x="7231598" y="1017399"/>
+            <a:ext cx="797013" cy="261610"/>
+          </a:xfrm>
+          <a:prstGeom prst="rect">
+            <a:avLst/>
+          </a:prstGeom>
+          <a:noFill/>
+        </p:spPr>
+        <p:txBody>
+          <a:bodyPr wrap="none" rtlCol="0">
+            <a:spAutoFit/>
+          </a:bodyPr>
+          <a:lstStyle/>
+          <a:p>
+            <a:pPr>
+              <a:buClrTx/>
+              <a:buFontTx/>
+              <a:buNone/>
+            </a:pPr>
+            <a:r>
+              <a:rPr lang="en-IN" sz="1100" kern="1200" dirty="0" smtClean="0">
+                <a:ea typeface="+mn-ea"/>
+                <a:cs typeface="+mn-cs"/>
+              </a:rPr>
+              <a:t>Pune City</a:t>
+            </a:r>
+            <a:endParaRPr lang="en-IN" sz="1100" kern="1200" dirty="0">
+              <a:ea typeface="+mn-ea"/>
+              <a:cs typeface="+mn-cs"/>
+            </a:endParaRPr>
+          </a:p>
+        </p:txBody>
+      </p:sp>
+      <p:sp>
+        <p:nvSpPr>
+          <p:cNvPr id="40" name="Rectangle 39"/>
+          <p:cNvSpPr/>
+          <p:nvPr/>
+        </p:nvSpPr>
+        <p:spPr>
+          <a:xfrm>
+            <a:off x="2763620" y="2062966"/>
+            <a:ext cx="1944216" cy="525938"/>
+          </a:xfrm>
+          <a:prstGeom prst="rect">
+            <a:avLst/>
+          </a:prstGeom>
+          <a:noFill/>
+          <a:ln>
+            <a:solidFill>
+              <a:schemeClr val="bg1">
+                <a:lumMod val="85000"/>
+              </a:schemeClr>
+            </a:solidFill>
+          </a:ln>
+        </p:spPr>
+        <p:style>
+          <a:lnRef idx="2">
+            <a:schemeClr val="accent1">
+              <a:shade val="50000"/>
+            </a:schemeClr>
+          </a:lnRef>
+          <a:fillRef idx="1">
+            <a:schemeClr val="accent1"/>
+          </a:fillRef>
+          <a:effectRef idx="0">
+            <a:schemeClr val="accent1"/>
+          </a:effectRef>
+          <a:fontRef idx="minor">
+            <a:schemeClr val="lt1"/>
+          </a:fontRef>
+        </p:style>
+        <p:txBody>
+          <a:bodyPr rtlCol="0" anchor="ctr"/>
+          <a:lstStyle/>
+          <a:p>
+            <a:pPr algn="ctr">
+              <a:buClrTx/>
+              <a:buFontTx/>
+              <a:buNone/>
+            </a:pPr>
+            <a:endParaRPr lang="en-IN" sz="1800" kern="1200">
+              <a:solidFill>
+                <a:srgbClr val="FFFFFF"/>
+              </a:solidFill>
+            </a:endParaRPr>
+          </a:p>
+        </p:txBody>
+      </p:sp>
+      <p:sp>
+        <p:nvSpPr>
+          <p:cNvPr id="41" name="Rectangle 40"/>
+          <p:cNvSpPr/>
+          <p:nvPr/>
+        </p:nvSpPr>
+        <p:spPr>
+          <a:xfrm>
+            <a:off x="7012092" y="2074162"/>
+            <a:ext cx="1944216" cy="514742"/>
+          </a:xfrm>
+          <a:prstGeom prst="rect">
+            <a:avLst/>
+          </a:prstGeom>
+          <a:noFill/>
+          <a:ln>
+            <a:solidFill>
+              <a:schemeClr val="bg1">
+                <a:lumMod val="85000"/>
+              </a:schemeClr>
+            </a:solidFill>
+          </a:ln>
+        </p:spPr>
+        <p:style>
+          <a:lnRef idx="2">
+            <a:schemeClr val="accent1">
+              <a:shade val="50000"/>
+            </a:schemeClr>
+          </a:lnRef>
+          <a:fillRef idx="1">
+            <a:schemeClr val="accent1"/>
+          </a:fillRef>
+          <a:effectRef idx="0">
+            <a:schemeClr val="accent1"/>
+          </a:effectRef>
+          <a:fontRef idx="minor">
+            <a:schemeClr val="lt1"/>
+          </a:fontRef>
+        </p:style>
+        <p:txBody>
+          <a:bodyPr rtlCol="0" anchor="ctr"/>
+          <a:lstStyle/>
+          <a:p>
+            <a:pPr algn="ctr">
+              <a:buClrTx/>
+              <a:buFontTx/>
+              <a:buNone/>
+            </a:pPr>
+            <a:endParaRPr lang="en-IN" sz="1800" kern="1200">
+              <a:solidFill>
+                <a:srgbClr val="FFFFFF"/>
+              </a:solidFill>
+            </a:endParaRPr>
+          </a:p>
+        </p:txBody>
+      </p:sp>
+      <p:sp>
+        <p:nvSpPr>
+          <p:cNvPr id="42" name="Rectangle 41"/>
+          <p:cNvSpPr/>
+          <p:nvPr/>
+        </p:nvSpPr>
+        <p:spPr>
+          <a:xfrm>
+            <a:off x="4887856" y="2074162"/>
+            <a:ext cx="1944216" cy="514742"/>
+          </a:xfrm>
+          <a:prstGeom prst="rect">
+            <a:avLst/>
+          </a:prstGeom>
+          <a:noFill/>
+          <a:ln>
+            <a:solidFill>
+              <a:schemeClr val="bg1">
+                <a:lumMod val="85000"/>
+              </a:schemeClr>
+            </a:solidFill>
+          </a:ln>
+        </p:spPr>
+        <p:style>
+          <a:lnRef idx="2">
+            <a:schemeClr val="accent1">
+              <a:shade val="50000"/>
+            </a:schemeClr>
+          </a:lnRef>
+          <a:fillRef idx="1">
+            <a:schemeClr val="accent1"/>
+          </a:fillRef>
+          <a:effectRef idx="0">
+            <a:schemeClr val="accent1"/>
+          </a:effectRef>
+          <a:fontRef idx="minor">
+            <a:schemeClr val="lt1"/>
+          </a:fontRef>
+        </p:style>
+        <p:txBody>
+          <a:bodyPr rtlCol="0" anchor="ctr"/>
+          <a:lstStyle/>
+          <a:p>
+            <a:pPr algn="ctr">
+              <a:buClrTx/>
+              <a:buFontTx/>
+              <a:buNone/>
+            </a:pPr>
+            <a:endParaRPr lang="en-IN" sz="1800" kern="1200">
+              <a:solidFill>
+                <a:srgbClr val="FFFFFF"/>
+              </a:solidFill>
+            </a:endParaRPr>
+          </a:p>
+        </p:txBody>
+      </p:sp>
+      <p:sp>
+        <p:nvSpPr>
+          <p:cNvPr id="43" name="TextBox 42"/>
+          <p:cNvSpPr txBox="1"/>
+          <p:nvPr/>
+        </p:nvSpPr>
+        <p:spPr>
+          <a:xfrm>
+            <a:off x="2880009" y="2148207"/>
+            <a:ext cx="1327608" cy="261610"/>
+          </a:xfrm>
+          <a:prstGeom prst="rect">
+            <a:avLst/>
+          </a:prstGeom>
+          <a:noFill/>
+        </p:spPr>
+        <p:txBody>
+          <a:bodyPr wrap="none" rtlCol="0">
+            <a:spAutoFit/>
+          </a:bodyPr>
+          <a:lstStyle/>
+          <a:p>
+            <a:pPr>
+              <a:buClrTx/>
+              <a:buFontTx/>
+              <a:buNone/>
+            </a:pPr>
+            <a:r>
+              <a:rPr lang="en-IN" sz="1100" kern="1200" dirty="0" smtClean="0">
+                <a:ea typeface="+mn-ea"/>
+                <a:cs typeface="+mn-cs"/>
+              </a:rPr>
+              <a:t>Product Marketing</a:t>
+            </a:r>
+            <a:endParaRPr lang="en-IN" sz="1100" kern="1200" dirty="0">
+              <a:ea typeface="+mn-ea"/>
+              <a:cs typeface="+mn-cs"/>
+            </a:endParaRPr>
+          </a:p>
+        </p:txBody>
+      </p:sp>
+      <p:sp>
+        <p:nvSpPr>
+          <p:cNvPr id="45" name="TextBox 44"/>
+          <p:cNvSpPr txBox="1"/>
+          <p:nvPr/>
+        </p:nvSpPr>
+        <p:spPr>
+          <a:xfrm>
+            <a:off x="7223418" y="2148207"/>
+            <a:ext cx="1023037" cy="261610"/>
+          </a:xfrm>
+          <a:prstGeom prst="rect">
+            <a:avLst/>
+          </a:prstGeom>
+          <a:noFill/>
+        </p:spPr>
+        <p:txBody>
+          <a:bodyPr wrap="none" rtlCol="0">
+            <a:spAutoFit/>
+          </a:bodyPr>
+          <a:lstStyle/>
+          <a:p>
+            <a:pPr>
+              <a:buClrTx/>
+              <a:buFontTx/>
+              <a:buNone/>
+            </a:pPr>
+            <a:r>
+              <a:rPr lang="en-IN" sz="1100" kern="1200" dirty="0">
+                <a:ea typeface="+mn-ea"/>
+                <a:cs typeface="+mn-cs"/>
+              </a:rPr>
+              <a:t>4</a:t>
             </a:r>
             <a:r>
-              <a:rPr lang="en-US" i="0" dirty="0">
-                <a:solidFill>
-                  <a:schemeClr val="tx1"/>
-                </a:solidFill>
-                <a:latin typeface="Nunito Sans" panose="020B0604020202020204" charset="0"/>
+              <a:rPr lang="en-IN" sz="1100" kern="1200" dirty="0" smtClean="0">
+                <a:ea typeface="+mn-ea"/>
+                <a:cs typeface="+mn-cs"/>
               </a:rPr>
-              <a:t> of patient care between clinicians.</a:t>
+              <a:t> Tier 1 cities</a:t>
             </a:r>
-          </a:p>
-          <a:p>
-            <a:pPr algn="just"/>
+            <a:endParaRPr lang="en-IN" sz="1100" kern="1200" dirty="0">
+              <a:ea typeface="+mn-ea"/>
+              <a:cs typeface="+mn-cs"/>
+            </a:endParaRPr>
+          </a:p>
+        </p:txBody>
+      </p:sp>
+      <p:sp>
+        <p:nvSpPr>
+          <p:cNvPr id="47" name="TextBox 46"/>
+          <p:cNvSpPr txBox="1"/>
+          <p:nvPr/>
+        </p:nvSpPr>
+        <p:spPr>
+          <a:xfrm>
+            <a:off x="4958113" y="2138781"/>
+            <a:ext cx="1516762" cy="600164"/>
+          </a:xfrm>
+          <a:prstGeom prst="rect">
+            <a:avLst/>
+          </a:prstGeom>
+          <a:noFill/>
+        </p:spPr>
+        <p:txBody>
+          <a:bodyPr wrap="none" rtlCol="0">
+            <a:spAutoFit/>
+          </a:bodyPr>
+          <a:lstStyle/>
+          <a:p>
+            <a:pPr>
+              <a:buClrTx/>
+              <a:buFontTx/>
+              <a:buNone/>
+            </a:pPr>
             <a:r>
-              <a:rPr lang="en-US" i="0" dirty="0">
-                <a:solidFill>
-                  <a:schemeClr val="tx1"/>
-                </a:solidFill>
-                <a:latin typeface="Nunito Sans" panose="020B0604020202020204" charset="0"/>
+              <a:rPr lang="en-IN" sz="1100" kern="1200" dirty="0" smtClean="0">
+                <a:ea typeface="+mn-ea"/>
+                <a:cs typeface="+mn-cs"/>
               </a:rPr>
-              <a:t>They also help control the </a:t>
+              <a:t>Period : 1 </a:t>
             </a:r>
             <a:r>
-              <a:rPr lang="en-US" b="1" i="0" dirty="0">
-                <a:solidFill>
-                  <a:schemeClr val="tx1"/>
-                </a:solidFill>
-                <a:latin typeface="Nunito Sans" panose="020B0604020202020204" charset="0"/>
+              <a:rPr lang="en-IN" sz="1100" kern="1200" dirty="0" err="1" smtClean="0">
+                <a:ea typeface="+mn-ea"/>
+                <a:cs typeface="+mn-cs"/>
               </a:rPr>
-              <a:t>administrative cost </a:t>
+              <a:t>yr</a:t>
+            </a:r>
+            <a:endParaRPr lang="en-IN" sz="1100" kern="1200" dirty="0" smtClean="0">
+              <a:ea typeface="+mn-ea"/>
+              <a:cs typeface="+mn-cs"/>
+            </a:endParaRPr>
+          </a:p>
+          <a:p>
+            <a:pPr>
+              <a:buClrTx/>
+              <a:buFontTx/>
+              <a:buNone/>
+            </a:pPr>
+            <a:r>
+              <a:rPr lang="en-IN" sz="1100" kern="1200" dirty="0" smtClean="0">
+                <a:ea typeface="+mn-ea"/>
+                <a:cs typeface="+mn-cs"/>
+              </a:rPr>
+              <a:t>Expenditure : 3.5cr </a:t>
+            </a:r>
+          </a:p>
+          <a:p>
+            <a:pPr>
+              <a:buClrTx/>
+              <a:buFontTx/>
+              <a:buNone/>
+            </a:pPr>
+            <a:r>
+              <a:rPr lang="en-IN" sz="1100" kern="1200" dirty="0" smtClean="0">
+                <a:ea typeface="+mn-ea"/>
+                <a:cs typeface="+mn-cs"/>
+              </a:rPr>
+              <a:t>Revenue : 15-20 </a:t>
             </a:r>
             <a:r>
-              <a:rPr lang="en-US" i="0" dirty="0">
-                <a:solidFill>
-                  <a:schemeClr val="tx1"/>
-                </a:solidFill>
-                <a:latin typeface="Nunito Sans" panose="020B0604020202020204" charset="0"/>
+              <a:rPr lang="en-IN" sz="1100" kern="1200" dirty="0" err="1" smtClean="0">
+                <a:ea typeface="+mn-ea"/>
+                <a:cs typeface="+mn-cs"/>
               </a:rPr>
-              <a:t>of delivering care.</a:t>
+              <a:t>lacs</a:t>
             </a:r>
-          </a:p>
-          <a:p>
-            <a:pPr algn="just"/>
+            <a:endParaRPr lang="en-IN" sz="1100" kern="1200" dirty="0">
+              <a:ea typeface="+mn-ea"/>
+              <a:cs typeface="+mn-cs"/>
+            </a:endParaRPr>
+          </a:p>
+        </p:txBody>
+      </p:sp>
+      <p:sp>
+        <p:nvSpPr>
+          <p:cNvPr id="51" name="Rectangle 50"/>
+          <p:cNvSpPr/>
+          <p:nvPr/>
+        </p:nvSpPr>
+        <p:spPr>
+          <a:xfrm>
+            <a:off x="2773920" y="3226620"/>
+            <a:ext cx="1944216" cy="601752"/>
+          </a:xfrm>
+          <a:prstGeom prst="rect">
+            <a:avLst/>
+          </a:prstGeom>
+          <a:noFill/>
+          <a:ln>
+            <a:solidFill>
+              <a:schemeClr val="bg1">
+                <a:lumMod val="85000"/>
+              </a:schemeClr>
+            </a:solidFill>
+          </a:ln>
+        </p:spPr>
+        <p:style>
+          <a:lnRef idx="2">
+            <a:schemeClr val="accent1">
+              <a:shade val="50000"/>
+            </a:schemeClr>
+          </a:lnRef>
+          <a:fillRef idx="1">
+            <a:schemeClr val="accent1"/>
+          </a:fillRef>
+          <a:effectRef idx="0">
+            <a:schemeClr val="accent1"/>
+          </a:effectRef>
+          <a:fontRef idx="minor">
+            <a:schemeClr val="lt1"/>
+          </a:fontRef>
+        </p:style>
+        <p:txBody>
+          <a:bodyPr rtlCol="0" anchor="ctr"/>
+          <a:lstStyle/>
+          <a:p>
+            <a:pPr algn="ctr">
+              <a:buClrTx/>
+              <a:buFontTx/>
+              <a:buNone/>
+            </a:pPr>
+            <a:endParaRPr lang="en-IN" sz="1800" kern="1200">
+              <a:solidFill>
+                <a:srgbClr val="FFFFFF"/>
+              </a:solidFill>
+            </a:endParaRPr>
+          </a:p>
+        </p:txBody>
+      </p:sp>
+      <p:sp>
+        <p:nvSpPr>
+          <p:cNvPr id="52" name="Rectangle 51"/>
+          <p:cNvSpPr/>
+          <p:nvPr/>
+        </p:nvSpPr>
+        <p:spPr>
+          <a:xfrm>
+            <a:off x="7022392" y="3237816"/>
+            <a:ext cx="1944216" cy="590556"/>
+          </a:xfrm>
+          <a:prstGeom prst="rect">
+            <a:avLst/>
+          </a:prstGeom>
+          <a:noFill/>
+          <a:ln>
+            <a:solidFill>
+              <a:schemeClr val="bg1">
+                <a:lumMod val="85000"/>
+              </a:schemeClr>
+            </a:solidFill>
+          </a:ln>
+        </p:spPr>
+        <p:style>
+          <a:lnRef idx="2">
+            <a:schemeClr val="accent1">
+              <a:shade val="50000"/>
+            </a:schemeClr>
+          </a:lnRef>
+          <a:fillRef idx="1">
+            <a:schemeClr val="accent1"/>
+          </a:fillRef>
+          <a:effectRef idx="0">
+            <a:schemeClr val="accent1"/>
+          </a:effectRef>
+          <a:fontRef idx="minor">
+            <a:schemeClr val="lt1"/>
+          </a:fontRef>
+        </p:style>
+        <p:txBody>
+          <a:bodyPr rtlCol="0" anchor="ctr"/>
+          <a:lstStyle/>
+          <a:p>
+            <a:pPr algn="ctr">
+              <a:buClrTx/>
+              <a:buFontTx/>
+              <a:buNone/>
+            </a:pPr>
+            <a:endParaRPr lang="en-IN" sz="1800" kern="1200">
+              <a:solidFill>
+                <a:srgbClr val="FFFFFF"/>
+              </a:solidFill>
+            </a:endParaRPr>
+          </a:p>
+        </p:txBody>
+      </p:sp>
+      <p:sp>
+        <p:nvSpPr>
+          <p:cNvPr id="53" name="Rectangle 52"/>
+          <p:cNvSpPr/>
+          <p:nvPr/>
+        </p:nvSpPr>
+        <p:spPr>
+          <a:xfrm>
+            <a:off x="4898156" y="3237816"/>
+            <a:ext cx="1944216" cy="590556"/>
+          </a:xfrm>
+          <a:prstGeom prst="rect">
+            <a:avLst/>
+          </a:prstGeom>
+          <a:noFill/>
+          <a:ln>
+            <a:solidFill>
+              <a:schemeClr val="bg1">
+                <a:lumMod val="85000"/>
+              </a:schemeClr>
+            </a:solidFill>
+          </a:ln>
+        </p:spPr>
+        <p:style>
+          <a:lnRef idx="2">
+            <a:schemeClr val="accent1">
+              <a:shade val="50000"/>
+            </a:schemeClr>
+          </a:lnRef>
+          <a:fillRef idx="1">
+            <a:schemeClr val="accent1"/>
+          </a:fillRef>
+          <a:effectRef idx="0">
+            <a:schemeClr val="accent1"/>
+          </a:effectRef>
+          <a:fontRef idx="minor">
+            <a:schemeClr val="lt1"/>
+          </a:fontRef>
+        </p:style>
+        <p:txBody>
+          <a:bodyPr rtlCol="0" anchor="ctr"/>
+          <a:lstStyle/>
+          <a:p>
+            <a:pPr algn="ctr">
+              <a:buClrTx/>
+              <a:buFontTx/>
+              <a:buNone/>
+            </a:pPr>
+            <a:endParaRPr lang="en-IN" sz="1800" kern="1200">
+              <a:solidFill>
+                <a:srgbClr val="FFFFFF"/>
+              </a:solidFill>
+            </a:endParaRPr>
+          </a:p>
+        </p:txBody>
+      </p:sp>
+      <p:sp>
+        <p:nvSpPr>
+          <p:cNvPr id="54" name="TextBox 53"/>
+          <p:cNvSpPr txBox="1"/>
+          <p:nvPr/>
+        </p:nvSpPr>
+        <p:spPr>
+          <a:xfrm>
+            <a:off x="2890309" y="3311862"/>
+            <a:ext cx="1524776" cy="430887"/>
+          </a:xfrm>
+          <a:prstGeom prst="rect">
+            <a:avLst/>
+          </a:prstGeom>
+          <a:noFill/>
+        </p:spPr>
+        <p:txBody>
+          <a:bodyPr wrap="none" rtlCol="0">
+            <a:spAutoFit/>
+          </a:bodyPr>
+          <a:lstStyle/>
+          <a:p>
+            <a:pPr algn="ctr">
+              <a:buClrTx/>
+              <a:buFontTx/>
+              <a:buNone/>
+            </a:pPr>
             <a:r>
-              <a:rPr lang="en-US" i="0" dirty="0">
-                <a:solidFill>
-                  <a:schemeClr val="tx1"/>
-                </a:solidFill>
-                <a:latin typeface="Nunito Sans" panose="020B0604020202020204" charset="0"/>
+              <a:rPr lang="en-IN" sz="1100" kern="1200" dirty="0" smtClean="0">
+                <a:ea typeface="+mn-ea"/>
+                <a:cs typeface="+mn-cs"/>
               </a:rPr>
-              <a:t>Having uniform standard records on the </a:t>
+              <a:t>Product Marketing + </a:t>
+            </a:r>
+          </a:p>
+          <a:p>
+            <a:pPr algn="ctr">
+              <a:buClrTx/>
+              <a:buFontTx/>
+              <a:buNone/>
+            </a:pPr>
+            <a:r>
+              <a:rPr lang="en-IN" sz="1100" kern="1200" dirty="0" smtClean="0">
+                <a:ea typeface="+mn-ea"/>
+                <a:cs typeface="+mn-cs"/>
+              </a:rPr>
+              <a:t>Insurance companies</a:t>
+            </a:r>
+            <a:endParaRPr lang="en-IN" sz="1100" kern="1200" dirty="0">
+              <a:ea typeface="+mn-ea"/>
+              <a:cs typeface="+mn-cs"/>
+            </a:endParaRPr>
+          </a:p>
+        </p:txBody>
+      </p:sp>
+      <p:sp>
+        <p:nvSpPr>
+          <p:cNvPr id="55" name="TextBox 54"/>
+          <p:cNvSpPr txBox="1"/>
+          <p:nvPr/>
+        </p:nvSpPr>
+        <p:spPr>
+          <a:xfrm>
+            <a:off x="7233715" y="3311860"/>
+            <a:ext cx="1140056" cy="261610"/>
+          </a:xfrm>
+          <a:prstGeom prst="rect">
+            <a:avLst/>
+          </a:prstGeom>
+          <a:noFill/>
+        </p:spPr>
+        <p:txBody>
+          <a:bodyPr wrap="none" rtlCol="0">
+            <a:spAutoFit/>
+          </a:bodyPr>
+          <a:lstStyle/>
+          <a:p>
+            <a:pPr>
+              <a:buClrTx/>
+              <a:buFontTx/>
+              <a:buNone/>
+            </a:pPr>
+            <a:r>
+              <a:rPr lang="en-IN" sz="1100" kern="1200" dirty="0" smtClean="0">
+                <a:ea typeface="+mn-ea"/>
+                <a:cs typeface="+mn-cs"/>
+              </a:rPr>
+              <a:t>10 Tier 2 cities </a:t>
+            </a:r>
+          </a:p>
+        </p:txBody>
+      </p:sp>
+      <p:sp>
+        <p:nvSpPr>
+          <p:cNvPr id="56" name="TextBox 55"/>
+          <p:cNvSpPr txBox="1"/>
+          <p:nvPr/>
+        </p:nvSpPr>
+        <p:spPr>
+          <a:xfrm>
+            <a:off x="4968413" y="3302434"/>
+            <a:ext cx="1516762" cy="600164"/>
+          </a:xfrm>
+          <a:prstGeom prst="rect">
+            <a:avLst/>
+          </a:prstGeom>
+          <a:noFill/>
+        </p:spPr>
+        <p:txBody>
+          <a:bodyPr wrap="none" rtlCol="0">
+            <a:spAutoFit/>
+          </a:bodyPr>
+          <a:lstStyle/>
+          <a:p>
+            <a:pPr>
+              <a:buClrTx/>
+              <a:buFontTx/>
+              <a:buNone/>
+            </a:pPr>
+            <a:r>
+              <a:rPr lang="en-IN" sz="1100" kern="1200" dirty="0" smtClean="0">
+                <a:ea typeface="+mn-ea"/>
+                <a:cs typeface="+mn-cs"/>
+              </a:rPr>
+              <a:t>Period : 1 </a:t>
             </a:r>
             <a:r>
-              <a:rPr lang="en-US" b="1" i="0" dirty="0">
-                <a:solidFill>
-                  <a:schemeClr val="tx1"/>
-                </a:solidFill>
-                <a:latin typeface="Nunito Sans" panose="020B0604020202020204" charset="0"/>
+              <a:rPr lang="en-IN" sz="1100" kern="1200" dirty="0" err="1" smtClean="0">
+                <a:ea typeface="+mn-ea"/>
+                <a:cs typeface="+mn-cs"/>
               </a:rPr>
-              <a:t>network</a:t>
+              <a:t>yr</a:t>
+            </a:r>
+            <a:endParaRPr lang="en-IN" sz="1100" kern="1200" dirty="0" smtClean="0">
+              <a:ea typeface="+mn-ea"/>
+              <a:cs typeface="+mn-cs"/>
+            </a:endParaRPr>
+          </a:p>
+          <a:p>
+            <a:pPr>
+              <a:buClrTx/>
+              <a:buFontTx/>
+              <a:buNone/>
+            </a:pPr>
+            <a:r>
+              <a:rPr lang="en-IN" sz="1100" kern="1200" dirty="0" smtClean="0">
+                <a:ea typeface="+mn-ea"/>
+                <a:cs typeface="+mn-cs"/>
+              </a:rPr>
+              <a:t>Expenditure : </a:t>
             </a:r>
             <a:r>
-              <a:rPr lang="en-US" i="0" dirty="0">
-                <a:solidFill>
-                  <a:schemeClr val="tx1"/>
-                </a:solidFill>
-                <a:latin typeface="Nunito Sans" panose="020B0604020202020204" charset="0"/>
+              <a:rPr lang="en-IN" sz="1100" kern="1200" dirty="0">
+                <a:ea typeface="+mn-ea"/>
+                <a:cs typeface="+mn-cs"/>
               </a:rPr>
-              <a:t> would ensure interoperability among various </a:t>
+              <a:t>6</a:t>
             </a:r>
             <a:r>
-              <a:rPr lang="en-US" b="1" i="0" dirty="0">
-                <a:solidFill>
-                  <a:schemeClr val="tx1"/>
-                </a:solidFill>
-                <a:latin typeface="Nunito Sans" panose="020B0604020202020204" charset="0"/>
+              <a:rPr lang="en-IN" sz="1100" kern="1200" dirty="0" smtClean="0">
+                <a:ea typeface="+mn-ea"/>
+                <a:cs typeface="+mn-cs"/>
               </a:rPr>
-              <a:t>healthcare centers </a:t>
+              <a:t>cr </a:t>
+            </a:r>
+          </a:p>
+          <a:p>
+            <a:pPr>
+              <a:buClrTx/>
+              <a:buFontTx/>
+              <a:buNone/>
+            </a:pPr>
+            <a:r>
+              <a:rPr lang="en-IN" sz="1100" kern="1200" dirty="0" smtClean="0">
+                <a:ea typeface="+mn-ea"/>
+                <a:cs typeface="+mn-cs"/>
+              </a:rPr>
+              <a:t>Revenue : 35-40 </a:t>
             </a:r>
             <a:r>
-              <a:rPr lang="en-US" i="0" dirty="0">
-                <a:solidFill>
-                  <a:schemeClr val="tx1"/>
-                </a:solidFill>
-                <a:latin typeface="Nunito Sans" panose="020B0604020202020204" charset="0"/>
+              <a:rPr lang="en-IN" sz="1100" kern="1200" dirty="0" err="1" smtClean="0">
+                <a:ea typeface="+mn-ea"/>
+                <a:cs typeface="+mn-cs"/>
               </a:rPr>
-              <a:t>ensuring </a:t>
+              <a:t>lacs</a:t>
+            </a:r>
+            <a:endParaRPr lang="en-IN" sz="1100" kern="1200" dirty="0">
+              <a:ea typeface="+mn-ea"/>
+              <a:cs typeface="+mn-cs"/>
+            </a:endParaRPr>
+          </a:p>
+        </p:txBody>
+      </p:sp>
+      <p:sp>
+        <p:nvSpPr>
+          <p:cNvPr id="59" name="Rectangle 58"/>
+          <p:cNvSpPr/>
+          <p:nvPr/>
+        </p:nvSpPr>
+        <p:spPr>
+          <a:xfrm>
+            <a:off x="2771800" y="4391446"/>
+            <a:ext cx="1944216" cy="601752"/>
+          </a:xfrm>
+          <a:prstGeom prst="rect">
+            <a:avLst/>
+          </a:prstGeom>
+          <a:noFill/>
+          <a:ln>
+            <a:solidFill>
+              <a:schemeClr val="bg1">
+                <a:lumMod val="85000"/>
+              </a:schemeClr>
+            </a:solidFill>
+          </a:ln>
+        </p:spPr>
+        <p:style>
+          <a:lnRef idx="2">
+            <a:schemeClr val="accent1">
+              <a:shade val="50000"/>
+            </a:schemeClr>
+          </a:lnRef>
+          <a:fillRef idx="1">
+            <a:schemeClr val="accent1"/>
+          </a:fillRef>
+          <a:effectRef idx="0">
+            <a:schemeClr val="accent1"/>
+          </a:effectRef>
+          <a:fontRef idx="minor">
+            <a:schemeClr val="lt1"/>
+          </a:fontRef>
+        </p:style>
+        <p:txBody>
+          <a:bodyPr rtlCol="0" anchor="ctr"/>
+          <a:lstStyle/>
+          <a:p>
+            <a:pPr algn="ctr">
+              <a:buClrTx/>
+              <a:buFontTx/>
+              <a:buNone/>
+            </a:pPr>
+            <a:endParaRPr lang="en-IN" sz="1800" kern="1200">
+              <a:solidFill>
+                <a:srgbClr val="FFFFFF"/>
+              </a:solidFill>
+            </a:endParaRPr>
+          </a:p>
+        </p:txBody>
+      </p:sp>
+      <p:sp>
+        <p:nvSpPr>
+          <p:cNvPr id="60" name="Rectangle 59"/>
+          <p:cNvSpPr/>
+          <p:nvPr/>
+        </p:nvSpPr>
+        <p:spPr>
+          <a:xfrm>
+            <a:off x="7020272" y="4402642"/>
+            <a:ext cx="1944216" cy="590556"/>
+          </a:xfrm>
+          <a:prstGeom prst="rect">
+            <a:avLst/>
+          </a:prstGeom>
+          <a:noFill/>
+          <a:ln>
+            <a:solidFill>
+              <a:schemeClr val="bg1">
+                <a:lumMod val="85000"/>
+              </a:schemeClr>
+            </a:solidFill>
+          </a:ln>
+        </p:spPr>
+        <p:style>
+          <a:lnRef idx="2">
+            <a:schemeClr val="accent1">
+              <a:shade val="50000"/>
+            </a:schemeClr>
+          </a:lnRef>
+          <a:fillRef idx="1">
+            <a:schemeClr val="accent1"/>
+          </a:fillRef>
+          <a:effectRef idx="0">
+            <a:schemeClr val="accent1"/>
+          </a:effectRef>
+          <a:fontRef idx="minor">
+            <a:schemeClr val="lt1"/>
+          </a:fontRef>
+        </p:style>
+        <p:txBody>
+          <a:bodyPr rtlCol="0" anchor="ctr"/>
+          <a:lstStyle/>
+          <a:p>
+            <a:pPr algn="ctr">
+              <a:buClrTx/>
+              <a:buFontTx/>
+              <a:buNone/>
+            </a:pPr>
+            <a:endParaRPr lang="en-IN" sz="1800" kern="1200">
+              <a:solidFill>
+                <a:srgbClr val="FFFFFF"/>
+              </a:solidFill>
+            </a:endParaRPr>
+          </a:p>
+        </p:txBody>
+      </p:sp>
+      <p:sp>
+        <p:nvSpPr>
+          <p:cNvPr id="61" name="Rectangle 60"/>
+          <p:cNvSpPr/>
+          <p:nvPr/>
+        </p:nvSpPr>
+        <p:spPr>
+          <a:xfrm>
+            <a:off x="4896036" y="4402642"/>
+            <a:ext cx="1944216" cy="590556"/>
+          </a:xfrm>
+          <a:prstGeom prst="rect">
+            <a:avLst/>
+          </a:prstGeom>
+          <a:noFill/>
+          <a:ln>
+            <a:solidFill>
+              <a:schemeClr val="bg1">
+                <a:lumMod val="85000"/>
+              </a:schemeClr>
+            </a:solidFill>
+          </a:ln>
+        </p:spPr>
+        <p:style>
+          <a:lnRef idx="2">
+            <a:schemeClr val="accent1">
+              <a:shade val="50000"/>
+            </a:schemeClr>
+          </a:lnRef>
+          <a:fillRef idx="1">
+            <a:schemeClr val="accent1"/>
+          </a:fillRef>
+          <a:effectRef idx="0">
+            <a:schemeClr val="accent1"/>
+          </a:effectRef>
+          <a:fontRef idx="minor">
+            <a:schemeClr val="lt1"/>
+          </a:fontRef>
+        </p:style>
+        <p:txBody>
+          <a:bodyPr rtlCol="0" anchor="ctr"/>
+          <a:lstStyle/>
+          <a:p>
+            <a:pPr algn="ctr">
+              <a:buClrTx/>
+              <a:buFontTx/>
+              <a:buNone/>
+            </a:pPr>
+            <a:endParaRPr lang="en-IN" sz="1800" kern="1200">
+              <a:solidFill>
+                <a:srgbClr val="FFFFFF"/>
+              </a:solidFill>
+            </a:endParaRPr>
+          </a:p>
+        </p:txBody>
+      </p:sp>
+      <p:sp>
+        <p:nvSpPr>
+          <p:cNvPr id="62" name="TextBox 61"/>
+          <p:cNvSpPr txBox="1"/>
+          <p:nvPr/>
+        </p:nvSpPr>
+        <p:spPr>
+          <a:xfrm>
+            <a:off x="2888189" y="4476688"/>
+            <a:ext cx="1486304" cy="430887"/>
+          </a:xfrm>
+          <a:prstGeom prst="rect">
+            <a:avLst/>
+          </a:prstGeom>
+          <a:noFill/>
+        </p:spPr>
+        <p:txBody>
+          <a:bodyPr wrap="none" rtlCol="0">
+            <a:spAutoFit/>
+          </a:bodyPr>
+          <a:lstStyle/>
+          <a:p>
+            <a:pPr algn="ctr">
+              <a:buClrTx/>
+              <a:buFontTx/>
+              <a:buNone/>
+            </a:pPr>
+            <a:r>
+              <a:rPr lang="en-IN" sz="1100" kern="1200" dirty="0" smtClean="0">
+                <a:ea typeface="+mn-ea"/>
+                <a:cs typeface="+mn-cs"/>
+              </a:rPr>
+              <a:t>Product Marketing + </a:t>
+            </a:r>
+          </a:p>
+          <a:p>
+            <a:pPr algn="ctr">
+              <a:buClrTx/>
+              <a:buFontTx/>
+              <a:buNone/>
+            </a:pPr>
+            <a:r>
+              <a:rPr lang="en-IN" sz="1100" kern="1200" dirty="0" smtClean="0">
+                <a:ea typeface="+mn-ea"/>
+                <a:cs typeface="+mn-cs"/>
+              </a:rPr>
+              <a:t>Pharmacists</a:t>
+            </a:r>
+            <a:endParaRPr lang="en-IN" sz="1100" kern="1200" dirty="0">
+              <a:ea typeface="+mn-ea"/>
+              <a:cs typeface="+mn-cs"/>
+            </a:endParaRPr>
+          </a:p>
+        </p:txBody>
+      </p:sp>
+      <p:sp>
+        <p:nvSpPr>
+          <p:cNvPr id="63" name="TextBox 62"/>
+          <p:cNvSpPr txBox="1"/>
+          <p:nvPr/>
+        </p:nvSpPr>
+        <p:spPr>
+          <a:xfrm>
+            <a:off x="7231595" y="4476686"/>
+            <a:ext cx="1140056" cy="261610"/>
+          </a:xfrm>
+          <a:prstGeom prst="rect">
+            <a:avLst/>
+          </a:prstGeom>
+          <a:noFill/>
+        </p:spPr>
+        <p:txBody>
+          <a:bodyPr wrap="none" rtlCol="0">
+            <a:spAutoFit/>
+          </a:bodyPr>
+          <a:lstStyle/>
+          <a:p>
+            <a:pPr>
+              <a:buClrTx/>
+              <a:buFontTx/>
+              <a:buNone/>
+            </a:pPr>
+            <a:r>
+              <a:rPr lang="en-IN" sz="1100" kern="1200" dirty="0" smtClean="0">
+                <a:ea typeface="+mn-ea"/>
+                <a:cs typeface="+mn-cs"/>
+              </a:rPr>
+              <a:t>15 Tier 3 cities </a:t>
+            </a:r>
+          </a:p>
+        </p:txBody>
+      </p:sp>
+      <p:sp>
+        <p:nvSpPr>
+          <p:cNvPr id="64" name="TextBox 63"/>
+          <p:cNvSpPr txBox="1"/>
+          <p:nvPr/>
+        </p:nvSpPr>
+        <p:spPr>
+          <a:xfrm>
+            <a:off x="4966293" y="4467260"/>
+            <a:ext cx="1516762" cy="600164"/>
+          </a:xfrm>
+          <a:prstGeom prst="rect">
+            <a:avLst/>
+          </a:prstGeom>
+          <a:noFill/>
+        </p:spPr>
+        <p:txBody>
+          <a:bodyPr wrap="none" rtlCol="0">
+            <a:spAutoFit/>
+          </a:bodyPr>
+          <a:lstStyle/>
+          <a:p>
+            <a:pPr>
+              <a:buClrTx/>
+              <a:buFontTx/>
+              <a:buNone/>
+            </a:pPr>
+            <a:r>
+              <a:rPr lang="en-IN" sz="1100" kern="1200" dirty="0" smtClean="0">
+                <a:ea typeface="+mn-ea"/>
+                <a:cs typeface="+mn-cs"/>
+              </a:rPr>
+              <a:t>Period : 1.5 </a:t>
             </a:r>
             <a:r>
-              <a:rPr lang="en-US" b="1" i="0" dirty="0">
-                <a:solidFill>
-                  <a:schemeClr val="tx1"/>
-                </a:solidFill>
-                <a:latin typeface="Nunito Sans" panose="020B0604020202020204" charset="0"/>
+              <a:rPr lang="en-IN" sz="1100" kern="1200" dirty="0" err="1" smtClean="0">
+                <a:ea typeface="+mn-ea"/>
+                <a:cs typeface="+mn-cs"/>
               </a:rPr>
-              <a:t>robust IT connectivity and </a:t>
+              <a:t>yrs</a:t>
+            </a:r>
+            <a:endParaRPr lang="en-IN" sz="1100" kern="1200" dirty="0" smtClean="0">
+              <a:ea typeface="+mn-ea"/>
+              <a:cs typeface="+mn-cs"/>
+            </a:endParaRPr>
+          </a:p>
+          <a:p>
+            <a:pPr>
+              <a:buClrTx/>
+              <a:buFontTx/>
+              <a:buNone/>
+            </a:pPr>
+            <a:r>
+              <a:rPr lang="en-IN" sz="1100" kern="1200" dirty="0" smtClean="0">
+                <a:ea typeface="+mn-ea"/>
+                <a:cs typeface="+mn-cs"/>
+              </a:rPr>
+              <a:t>Expenditure : 10cr </a:t>
+            </a:r>
+          </a:p>
+          <a:p>
+            <a:pPr>
+              <a:buClrTx/>
+              <a:buFontTx/>
+              <a:buNone/>
+            </a:pPr>
+            <a:r>
+              <a:rPr lang="en-IN" sz="1100" kern="1200" dirty="0" smtClean="0">
+                <a:ea typeface="+mn-ea"/>
+                <a:cs typeface="+mn-cs"/>
+              </a:rPr>
+              <a:t>Revenue : 60-70 </a:t>
             </a:r>
             <a:r>
-              <a:rPr lang="en-US" b="1" i="0" dirty="0" smtClean="0">
-                <a:solidFill>
-                  <a:schemeClr val="tx1"/>
-                </a:solidFill>
-                <a:latin typeface="Nunito Sans" panose="020B0604020202020204" charset="0"/>
+              <a:rPr lang="en-IN" sz="1100" kern="1200" dirty="0" err="1" smtClean="0">
+                <a:ea typeface="+mn-ea"/>
+                <a:cs typeface="+mn-cs"/>
               </a:rPr>
-              <a:t>digitization</a:t>
+              <a:t>lacs</a:t>
             </a:r>
+            <a:endParaRPr lang="en-IN" sz="1100" kern="1200" dirty="0">
+              <a:ea typeface="+mn-ea"/>
+              <a:cs typeface="+mn-cs"/>
+            </a:endParaRPr>
+          </a:p>
+        </p:txBody>
+      </p:sp>
+      <p:sp>
+        <p:nvSpPr>
+          <p:cNvPr id="4" name="TextBox 3"/>
+          <p:cNvSpPr txBox="1"/>
+          <p:nvPr/>
+        </p:nvSpPr>
+        <p:spPr>
+          <a:xfrm>
+            <a:off x="2763090" y="192704"/>
+            <a:ext cx="2018630" cy="369332"/>
+          </a:xfrm>
+          <a:prstGeom prst="rect">
+            <a:avLst/>
+          </a:prstGeom>
+          <a:noFill/>
+        </p:spPr>
+        <p:txBody>
+          <a:bodyPr wrap="none" rtlCol="0">
+            <a:spAutoFit/>
+          </a:bodyPr>
+          <a:lstStyle/>
+          <a:p>
+            <a:pPr>
+              <a:buClrTx/>
+              <a:buFontTx/>
+              <a:buNone/>
+            </a:pPr>
             <a:r>
-              <a:rPr lang="en-US" i="0" dirty="0">
-                <a:solidFill>
-                  <a:schemeClr val="tx1"/>
-                </a:solidFill>
-                <a:latin typeface="Nunito Sans" panose="020B0604020202020204" charset="0"/>
+              <a:rPr lang="en-IN" sz="1800" kern="1200" dirty="0" smtClean="0">
+                <a:ea typeface="+mn-ea"/>
+                <a:cs typeface="+mn-cs"/>
               </a:rPr>
-              <a:t>.</a:t>
+              <a:t>Technical Aspects</a:t>
             </a:r>
-          </a:p>
-          <a:p>
-            <a:pPr algn="just"/>
+            <a:endParaRPr lang="en-IN" sz="1800" kern="1200" dirty="0">
+              <a:ea typeface="+mn-ea"/>
+              <a:cs typeface="+mn-cs"/>
+            </a:endParaRPr>
+          </a:p>
+        </p:txBody>
+      </p:sp>
+      <p:sp>
+        <p:nvSpPr>
+          <p:cNvPr id="44" name="TextBox 43"/>
+          <p:cNvSpPr txBox="1"/>
+          <p:nvPr/>
+        </p:nvSpPr>
+        <p:spPr>
+          <a:xfrm>
+            <a:off x="4970020" y="192704"/>
+            <a:ext cx="1800493" cy="369332"/>
+          </a:xfrm>
+          <a:prstGeom prst="rect">
+            <a:avLst/>
+          </a:prstGeom>
+          <a:noFill/>
+        </p:spPr>
+        <p:txBody>
+          <a:bodyPr wrap="none" rtlCol="0">
+            <a:spAutoFit/>
+          </a:bodyPr>
+          <a:lstStyle/>
+          <a:p>
+            <a:pPr>
+              <a:buClrTx/>
+              <a:buFontTx/>
+              <a:buNone/>
+            </a:pPr>
             <a:r>
-              <a:rPr lang="en-US" i="0" dirty="0">
-                <a:solidFill>
-                  <a:schemeClr val="tx1"/>
-                </a:solidFill>
-                <a:latin typeface="Nunito Sans" panose="020B0604020202020204" charset="0"/>
+              <a:rPr lang="en-IN" sz="1800" kern="1200" dirty="0" smtClean="0">
+                <a:ea typeface="+mn-ea"/>
+                <a:cs typeface="+mn-cs"/>
               </a:rPr>
-              <a:t>A system that guarantees </a:t>
+              <a:t>Revenue Model</a:t>
             </a:r>
+            <a:endParaRPr lang="en-IN" sz="1800" kern="1200" dirty="0">
+              <a:ea typeface="+mn-ea"/>
+              <a:cs typeface="+mn-cs"/>
+            </a:endParaRPr>
+          </a:p>
+        </p:txBody>
+      </p:sp>
+      <p:sp>
+        <p:nvSpPr>
+          <p:cNvPr id="46" name="TextBox 45"/>
+          <p:cNvSpPr txBox="1"/>
+          <p:nvPr/>
+        </p:nvSpPr>
+        <p:spPr>
+          <a:xfrm>
+            <a:off x="7303730" y="192704"/>
+            <a:ext cx="1197764" cy="369332"/>
+          </a:xfrm>
+          <a:prstGeom prst="rect">
+            <a:avLst/>
+          </a:prstGeom>
+          <a:noFill/>
+        </p:spPr>
+        <p:txBody>
+          <a:bodyPr wrap="none" rtlCol="0">
+            <a:spAutoFit/>
+          </a:bodyPr>
+          <a:lstStyle/>
+          <a:p>
+            <a:pPr>
+              <a:buClrTx/>
+              <a:buFontTx/>
+              <a:buNone/>
+            </a:pPr>
             <a:r>
-              <a:rPr lang="en-US" b="1" i="0" dirty="0">
-                <a:solidFill>
-                  <a:schemeClr val="tx1"/>
-                </a:solidFill>
-                <a:latin typeface="Nunito Sans" panose="020B0604020202020204" charset="0"/>
+              <a:rPr lang="en-IN" sz="1800" kern="1200" dirty="0" smtClean="0">
+                <a:ea typeface="+mn-ea"/>
+                <a:cs typeface="+mn-cs"/>
               </a:rPr>
-              <a:t>security</a:t>
+              <a:t>Marketing</a:t>
             </a:r>
+            <a:endParaRPr lang="en-IN" sz="1800" kern="1200" dirty="0">
+              <a:ea typeface="+mn-ea"/>
+              <a:cs typeface="+mn-cs"/>
+            </a:endParaRPr>
+          </a:p>
+        </p:txBody>
+      </p:sp>
+      <p:cxnSp>
+        <p:nvCxnSpPr>
+          <p:cNvPr id="8" name="Straight Connector 7"/>
+          <p:cNvCxnSpPr/>
+          <p:nvPr/>
+        </p:nvCxnSpPr>
+        <p:spPr>
+          <a:xfrm>
+            <a:off x="2627784" y="519522"/>
+            <a:ext cx="6480720" cy="0"/>
+          </a:xfrm>
+          <a:prstGeom prst="line">
+            <a:avLst/>
+          </a:prstGeom>
+        </p:spPr>
+        <p:style>
+          <a:lnRef idx="1">
+            <a:schemeClr val="accent1"/>
+          </a:lnRef>
+          <a:fillRef idx="0">
+            <a:schemeClr val="accent1"/>
+          </a:fillRef>
+          <a:effectRef idx="0">
+            <a:schemeClr val="accent1"/>
+          </a:effectRef>
+          <a:fontRef idx="minor">
+            <a:schemeClr val="tx1"/>
+          </a:fontRef>
+        </p:style>
+      </p:cxnSp>
+      <p:sp>
+        <p:nvSpPr>
+          <p:cNvPr id="68" name="TextBox 67"/>
+          <p:cNvSpPr txBox="1"/>
+          <p:nvPr/>
+        </p:nvSpPr>
+        <p:spPr>
+          <a:xfrm>
+            <a:off x="2771803" y="701327"/>
+            <a:ext cx="931409" cy="307777"/>
+          </a:xfrm>
+          <a:prstGeom prst="rect">
+            <a:avLst/>
+          </a:prstGeom>
+          <a:noFill/>
+        </p:spPr>
+        <p:txBody>
+          <a:bodyPr wrap="none" rtlCol="0">
+            <a:spAutoFit/>
+          </a:bodyPr>
+          <a:lstStyle/>
+          <a:p>
+            <a:pPr>
+              <a:buClrTx/>
+              <a:buFontTx/>
+              <a:buNone/>
+            </a:pPr>
             <a:r>
-              <a:rPr lang="en-US" i="0" dirty="0">
-                <a:solidFill>
-                  <a:schemeClr val="tx1"/>
-                </a:solidFill>
-                <a:latin typeface="Nunito Sans" panose="020B0604020202020204" charset="0"/>
+              <a:rPr lang="en-IN" kern="1200" dirty="0" smtClean="0">
+                <a:ea typeface="+mn-ea"/>
+                <a:cs typeface="+mn-cs"/>
               </a:rPr>
-              <a:t>, </a:t>
+              <a:t>Version 1</a:t>
             </a:r>
+            <a:endParaRPr lang="en-IN" kern="1200" dirty="0">
+              <a:ea typeface="+mn-ea"/>
+              <a:cs typeface="+mn-cs"/>
+            </a:endParaRPr>
+          </a:p>
+        </p:txBody>
+      </p:sp>
+      <p:cxnSp>
+        <p:nvCxnSpPr>
+          <p:cNvPr id="69" name="Straight Connector 68"/>
+          <p:cNvCxnSpPr/>
+          <p:nvPr/>
+        </p:nvCxnSpPr>
+        <p:spPr>
+          <a:xfrm>
+            <a:off x="2607746" y="1761660"/>
+            <a:ext cx="6480720" cy="0"/>
+          </a:xfrm>
+          <a:prstGeom prst="line">
+            <a:avLst/>
+          </a:prstGeom>
+          <a:ln w="3175"/>
+        </p:spPr>
+        <p:style>
+          <a:lnRef idx="1">
+            <a:schemeClr val="accent1"/>
+          </a:lnRef>
+          <a:fillRef idx="0">
+            <a:schemeClr val="accent1"/>
+          </a:fillRef>
+          <a:effectRef idx="0">
+            <a:schemeClr val="accent1"/>
+          </a:effectRef>
+          <a:fontRef idx="minor">
+            <a:schemeClr val="tx1"/>
+          </a:fontRef>
+        </p:style>
+      </p:cxnSp>
+      <p:sp>
+        <p:nvSpPr>
+          <p:cNvPr id="70" name="TextBox 69"/>
+          <p:cNvSpPr txBox="1"/>
+          <p:nvPr/>
+        </p:nvSpPr>
+        <p:spPr>
+          <a:xfrm>
+            <a:off x="2773922" y="1815667"/>
+            <a:ext cx="931409" cy="307777"/>
+          </a:xfrm>
+          <a:prstGeom prst="rect">
+            <a:avLst/>
+          </a:prstGeom>
+          <a:noFill/>
+        </p:spPr>
+        <p:txBody>
+          <a:bodyPr wrap="none" rtlCol="0">
+            <a:spAutoFit/>
+          </a:bodyPr>
+          <a:lstStyle/>
+          <a:p>
+            <a:pPr>
+              <a:buClrTx/>
+              <a:buFontTx/>
+              <a:buNone/>
+            </a:pPr>
             <a:r>
-              <a:rPr lang="en-US" b="1" i="0" dirty="0">
-                <a:solidFill>
-                  <a:schemeClr val="tx1"/>
-                </a:solidFill>
-                <a:latin typeface="Nunito Sans" panose="020B0604020202020204" charset="0"/>
+              <a:rPr lang="en-IN" kern="1200" dirty="0" smtClean="0">
+                <a:ea typeface="+mn-ea"/>
+                <a:cs typeface="+mn-cs"/>
               </a:rPr>
-              <a:t>interoperability</a:t>
+              <a:t>Version 2</a:t>
             </a:r>
+            <a:endParaRPr lang="en-IN" kern="1200" dirty="0">
+              <a:ea typeface="+mn-ea"/>
+              <a:cs typeface="+mn-cs"/>
+            </a:endParaRPr>
+          </a:p>
+        </p:txBody>
+      </p:sp>
+      <p:cxnSp>
+        <p:nvCxnSpPr>
+          <p:cNvPr id="71" name="Straight Connector 70"/>
+          <p:cNvCxnSpPr/>
+          <p:nvPr/>
+        </p:nvCxnSpPr>
+        <p:spPr>
+          <a:xfrm>
+            <a:off x="2619604" y="2895786"/>
+            <a:ext cx="6480720" cy="0"/>
+          </a:xfrm>
+          <a:prstGeom prst="line">
+            <a:avLst/>
+          </a:prstGeom>
+        </p:spPr>
+        <p:style>
+          <a:lnRef idx="1">
+            <a:schemeClr val="accent1"/>
+          </a:lnRef>
+          <a:fillRef idx="0">
+            <a:schemeClr val="accent1"/>
+          </a:fillRef>
+          <a:effectRef idx="0">
+            <a:schemeClr val="accent1"/>
+          </a:effectRef>
+          <a:fontRef idx="minor">
+            <a:schemeClr val="tx1"/>
+          </a:fontRef>
+        </p:style>
+      </p:cxnSp>
+      <p:sp>
+        <p:nvSpPr>
+          <p:cNvPr id="72" name="TextBox 71"/>
+          <p:cNvSpPr txBox="1"/>
+          <p:nvPr/>
+        </p:nvSpPr>
+        <p:spPr>
+          <a:xfrm>
+            <a:off x="2788686" y="3003799"/>
+            <a:ext cx="931409" cy="307777"/>
+          </a:xfrm>
+          <a:prstGeom prst="rect">
+            <a:avLst/>
+          </a:prstGeom>
+          <a:noFill/>
+        </p:spPr>
+        <p:txBody>
+          <a:bodyPr wrap="none" rtlCol="0">
+            <a:spAutoFit/>
+          </a:bodyPr>
+          <a:lstStyle/>
+          <a:p>
+            <a:pPr>
+              <a:buClrTx/>
+              <a:buFontTx/>
+              <a:buNone/>
+            </a:pPr>
             <a:r>
-              <a:rPr lang="en-US" i="0" dirty="0">
-                <a:solidFill>
-                  <a:schemeClr val="tx1"/>
-                </a:solidFill>
-                <a:latin typeface="Nunito Sans" panose="020B0604020202020204" charset="0"/>
+              <a:rPr lang="en-IN" kern="1200" dirty="0" smtClean="0">
+                <a:ea typeface="+mn-ea"/>
+                <a:cs typeface="+mn-cs"/>
               </a:rPr>
-              <a:t> and </a:t>
+              <a:t>Version 3</a:t>
             </a:r>
+            <a:endParaRPr lang="en-IN" kern="1200" dirty="0">
+              <a:ea typeface="+mn-ea"/>
+              <a:cs typeface="+mn-cs"/>
+            </a:endParaRPr>
+          </a:p>
+        </p:txBody>
+      </p:sp>
+      <p:cxnSp>
+        <p:nvCxnSpPr>
+          <p:cNvPr id="73" name="Straight Connector 72"/>
+          <p:cNvCxnSpPr/>
+          <p:nvPr/>
+        </p:nvCxnSpPr>
+        <p:spPr>
+          <a:xfrm>
+            <a:off x="2607746" y="4029912"/>
+            <a:ext cx="6480720" cy="0"/>
+          </a:xfrm>
+          <a:prstGeom prst="line">
+            <a:avLst/>
+          </a:prstGeom>
+        </p:spPr>
+        <p:style>
+          <a:lnRef idx="1">
+            <a:schemeClr val="accent1"/>
+          </a:lnRef>
+          <a:fillRef idx="0">
+            <a:schemeClr val="accent1"/>
+          </a:fillRef>
+          <a:effectRef idx="0">
+            <a:schemeClr val="accent1"/>
+          </a:effectRef>
+          <a:fontRef idx="minor">
+            <a:schemeClr val="tx1"/>
+          </a:fontRef>
+        </p:style>
+      </p:cxnSp>
+      <p:sp>
+        <p:nvSpPr>
+          <p:cNvPr id="74" name="TextBox 73"/>
+          <p:cNvSpPr txBox="1"/>
+          <p:nvPr/>
+        </p:nvSpPr>
+        <p:spPr>
+          <a:xfrm>
+            <a:off x="2766990" y="4160614"/>
+            <a:ext cx="931409" cy="307777"/>
+          </a:xfrm>
+          <a:prstGeom prst="rect">
+            <a:avLst/>
+          </a:prstGeom>
+          <a:noFill/>
+        </p:spPr>
+        <p:txBody>
+          <a:bodyPr wrap="none" rtlCol="0">
+            <a:spAutoFit/>
+          </a:bodyPr>
+          <a:lstStyle/>
+          <a:p>
+            <a:pPr>
+              <a:buClrTx/>
+              <a:buFontTx/>
+              <a:buNone/>
+            </a:pPr>
             <a:r>
-              <a:rPr lang="en-US" b="1" i="0" dirty="0">
-                <a:solidFill>
-                  <a:schemeClr val="tx1"/>
-                </a:solidFill>
-                <a:latin typeface="Nunito Sans" panose="020B0604020202020204" charset="0"/>
+              <a:rPr lang="en-IN" kern="1200" dirty="0" smtClean="0">
+                <a:ea typeface="+mn-ea"/>
+                <a:cs typeface="+mn-cs"/>
               </a:rPr>
-              <a:t>transparency</a:t>
+              <a:t>Version 4</a:t>
             </a:r>
-            <a:r>
-              <a:rPr lang="en-US" i="0" dirty="0">
-                <a:solidFill>
-                  <a:schemeClr val="tx1"/>
-                </a:solidFill>
-                <a:latin typeface="Nunito Sans" panose="020B0604020202020204" charset="0"/>
-              </a:rPr>
-              <a:t> will encourage participation by all </a:t>
-            </a:r>
-            <a:r>
-              <a:rPr lang="en-US" b="1" i="0" dirty="0">
-                <a:solidFill>
-                  <a:schemeClr val="tx1"/>
-                </a:solidFill>
-                <a:latin typeface="Nunito Sans" panose="020B0604020202020204" charset="0"/>
-              </a:rPr>
-              <a:t>stakeholders.</a:t>
-            </a:r>
-          </a:p>
-          <a:p>
-            <a:pPr algn="just"/>
-            <a:r>
-              <a:rPr lang="en-US" i="0" dirty="0">
-                <a:solidFill>
-                  <a:schemeClr val="tx1"/>
-                </a:solidFill>
-                <a:latin typeface="Nunito Sans" panose="020B0604020202020204" charset="0"/>
-              </a:rPr>
-              <a:t>The data can be shared with the patients consent not only for diagnosis but to facilitate </a:t>
-            </a:r>
-            <a:r>
-              <a:rPr lang="en-US" b="1" i="0" dirty="0">
-                <a:solidFill>
-                  <a:schemeClr val="tx1"/>
-                </a:solidFill>
-                <a:latin typeface="Nunito Sans" panose="020B0604020202020204" charset="0"/>
-              </a:rPr>
-              <a:t>research</a:t>
-            </a:r>
-            <a:r>
-              <a:rPr lang="en-US" i="0" dirty="0">
-                <a:solidFill>
-                  <a:schemeClr val="tx1"/>
-                </a:solidFill>
-                <a:latin typeface="Nunito Sans" panose="020B0604020202020204" charset="0"/>
-              </a:rPr>
-              <a:t>.</a:t>
-            </a:r>
-          </a:p>
-          <a:p>
-            <a:pPr algn="just"/>
-            <a:r>
-              <a:rPr lang="en-US" i="0" dirty="0">
-                <a:solidFill>
-                  <a:schemeClr val="tx1"/>
-                </a:solidFill>
-                <a:latin typeface="Nunito Sans" panose="020B0604020202020204" charset="0"/>
-              </a:rPr>
-              <a:t>All of these are essentials in </a:t>
-            </a:r>
-            <a:r>
-              <a:rPr lang="en-US" b="1" i="0" dirty="0">
-                <a:solidFill>
-                  <a:schemeClr val="tx1"/>
-                </a:solidFill>
-                <a:latin typeface="Nunito Sans" panose="020B0604020202020204" charset="0"/>
-              </a:rPr>
-              <a:t>smart healthcare </a:t>
-            </a:r>
-            <a:r>
-              <a:rPr lang="en-US" i="0" dirty="0">
-                <a:solidFill>
-                  <a:schemeClr val="tx1"/>
-                </a:solidFill>
-                <a:latin typeface="Nunito Sans" panose="020B0604020202020204" charset="0"/>
-              </a:rPr>
-              <a:t>and certainly in smart cities that are proactive about enhancing livability for their residents.</a:t>
-            </a:r>
-          </a:p>
-          <a:p>
-            <a:pPr algn="just"/>
-            <a:endParaRPr lang="en-US" i="0" dirty="0">
-              <a:solidFill>
-                <a:schemeClr val="tx1"/>
-              </a:solidFill>
-              <a:latin typeface="Nunito Sans" panose="020B0604020202020204" charset="0"/>
-            </a:endParaRPr>
-          </a:p>
-          <a:p>
-            <a:pPr algn="just">
-              <a:buFont typeface="Arial" panose="020B0604020202020204" pitchFamily="34" charset="0"/>
-              <a:buChar char="•"/>
-            </a:pPr>
-            <a:endParaRPr lang="en-US" i="0" dirty="0">
-              <a:solidFill>
-                <a:schemeClr val="tx1"/>
-              </a:solidFill>
-              <a:latin typeface="Nunito Sans" panose="020B0604020202020204" charset="0"/>
-            </a:endParaRPr>
-          </a:p>
-          <a:p>
-            <a:pPr algn="just">
-              <a:buFont typeface="Arial" panose="020B0604020202020204" pitchFamily="34" charset="0"/>
-              <a:buChar char="•"/>
-            </a:pPr>
-            <a:endParaRPr lang="en-US" i="0" dirty="0">
-              <a:solidFill>
-                <a:schemeClr val="tx1"/>
-              </a:solidFill>
-              <a:latin typeface="Nunito Sans" panose="020B0604020202020204" charset="0"/>
-            </a:endParaRPr>
-          </a:p>
-          <a:p>
-            <a:pPr algn="just">
-              <a:buFont typeface="Arial" panose="020B0604020202020204" pitchFamily="34" charset="0"/>
-              <a:buChar char="•"/>
-            </a:pPr>
-            <a:endParaRPr i="0" dirty="0">
-              <a:solidFill>
-                <a:schemeClr val="tx1"/>
-              </a:solidFill>
-              <a:latin typeface="Nunito Sans" panose="020B0604020202020204" charset="0"/>
+            <a:endParaRPr lang="en-IN" kern="1200" dirty="0">
+              <a:ea typeface="+mn-ea"/>
+              <a:cs typeface="+mn-cs"/>
             </a:endParaRPr>
           </a:p>
         </p:txBody>
@@ -23143,13 +26018,20 @@
     </p:spTree>
     <p:extLst>
       <p:ext uri="{BB962C8B-B14F-4D97-AF65-F5344CB8AC3E}">
-        <p14:creationId xmlns:p14="http://schemas.microsoft.com/office/powerpoint/2010/main" val="3039291923"/>
+        <p14:creationId xmlns:p14="http://schemas.microsoft.com/office/powerpoint/2010/main" val="2142255268"/>
       </p:ext>
     </p:extLst>
   </p:cSld>
   <p:clrMapOvr>
     <a:masterClrMapping/>
   </p:clrMapOvr>
+  <p:timing>
+    <p:tnLst>
+      <p:par>
+        <p:cTn id="1" dur="indefinite" restart="never" nodeType="tmRoot"/>
+      </p:par>
+    </p:tnLst>
+  </p:timing>
 </p:sld>
 </file>
 

--- a/niti aayog.pptx
+++ b/niti aayog.pptx
@@ -6,7 +6,7 @@
     <p:sldMasterId id="2147483662" r:id="rId2"/>
   </p:sldMasterIdLst>
   <p:notesMasterIdLst>
-    <p:notesMasterId r:id="rId14"/>
+    <p:notesMasterId r:id="rId15"/>
   </p:notesMasterIdLst>
   <p:sldIdLst>
     <p:sldId id="256" r:id="rId3"/>
@@ -17,33 +17,34 @@
     <p:sldId id="316" r:id="rId8"/>
     <p:sldId id="320" r:id="rId9"/>
     <p:sldId id="312" r:id="rId10"/>
-    <p:sldId id="319" r:id="rId11"/>
-    <p:sldId id="307" r:id="rId12"/>
-    <p:sldId id="291" r:id="rId13"/>
+    <p:sldId id="322" r:id="rId11"/>
+    <p:sldId id="319" r:id="rId12"/>
+    <p:sldId id="307" r:id="rId13"/>
+    <p:sldId id="291" r:id="rId14"/>
   </p:sldIdLst>
   <p:sldSz cx="9144000" cy="5143500" type="screen16x9"/>
   <p:notesSz cx="6858000" cy="9144000"/>
   <p:embeddedFontLst>
     <p:embeddedFont>
-      <p:font typeface="Calibri" panose="020F0502020204030204" pitchFamily="34" charset="0"/>
-      <p:regular r:id="rId15"/>
-      <p:bold r:id="rId16"/>
-      <p:italic r:id="rId17"/>
-      <p:boldItalic r:id="rId18"/>
+      <p:font typeface="Georgia" pitchFamily="18" charset="0"/>
+      <p:regular r:id="rId16"/>
+      <p:bold r:id="rId17"/>
+      <p:italic r:id="rId18"/>
+      <p:boldItalic r:id="rId19"/>
     </p:embeddedFont>
     <p:embeddedFont>
-      <p:font typeface="Georgia" panose="02040502050405020303" pitchFamily="18" charset="0"/>
-      <p:regular r:id="rId19"/>
-      <p:bold r:id="rId20"/>
-      <p:italic r:id="rId21"/>
-      <p:boldItalic r:id="rId22"/>
+      <p:font typeface="Nunito Sans" charset="0"/>
+      <p:regular r:id="rId20"/>
+      <p:bold r:id="rId21"/>
+      <p:italic r:id="rId22"/>
+      <p:boldItalic r:id="rId23"/>
     </p:embeddedFont>
     <p:embeddedFont>
-      <p:font typeface="Nunito Sans" panose="020B0604020202020204" charset="0"/>
-      <p:regular r:id="rId23"/>
-      <p:bold r:id="rId24"/>
-      <p:italic r:id="rId25"/>
-      <p:boldItalic r:id="rId26"/>
+      <p:font typeface="Calibri" pitchFamily="34" charset="0"/>
+      <p:regular r:id="rId24"/>
+      <p:bold r:id="rId25"/>
+      <p:italic r:id="rId26"/>
+      <p:boldItalic r:id="rId27"/>
     </p:embeddedFont>
   </p:embeddedFontLst>
   <p:defaultTextStyle>
@@ -277,7 +278,7 @@
   </p:defaultTextStyle>
   <p:extLst>
     <p:ext uri="{EFAFB233-063F-42B5-8137-9DF3F51BA10A}">
-      <p15:sldGuideLst xmlns:p15="http://schemas.microsoft.com/office/powerpoint/2012/main">
+      <p15:sldGuideLst xmlns:p15="http://schemas.microsoft.com/office/powerpoint/2012/main" xmlns="">
         <p15:guide id="1" orient="horz" pos="1620">
           <p15:clr>
             <a:srgbClr val="A4A3A4"/>
@@ -946,6 +947,115 @@
     </p:spTree>
     <p:extLst>
       <p:ext uri="{BB962C8B-B14F-4D97-AF65-F5344CB8AC3E}">
+        <p14:creationId xmlns:p14="http://schemas.microsoft.com/office/powerpoint/2010/main" val="2153172090"/>
+      </p:ext>
+    </p:extLst>
+  </p:cSld>
+  <p:clrMapOvr>
+    <a:masterClrMapping/>
+  </p:clrMapOvr>
+</p:notes>
+</file>
+
+<file path=ppt/notesSlides/notesSlide11.xml><?xml version="1.0" encoding="utf-8"?>
+<p:notes xmlns:a="http://schemas.openxmlformats.org/drawingml/2006/main" xmlns:r="http://schemas.openxmlformats.org/officeDocument/2006/relationships" xmlns:p="http://schemas.openxmlformats.org/presentationml/2006/main" showMasterSp="0" showMasterPhAnim="0">
+  <p:cSld>
+    <p:spTree>
+      <p:nvGrpSpPr>
+        <p:cNvPr id="1" name="Shape 100"/>
+        <p:cNvGrpSpPr/>
+        <p:nvPr/>
+      </p:nvGrpSpPr>
+      <p:grpSpPr>
+        <a:xfrm>
+          <a:off x="0" y="0"/>
+          <a:ext cx="0" cy="0"/>
+          <a:chOff x="0" y="0"/>
+          <a:chExt cx="0" cy="0"/>
+        </a:xfrm>
+      </p:grpSpPr>
+      <p:sp>
+        <p:nvSpPr>
+          <p:cNvPr id="101" name="Shape 101"/>
+          <p:cNvSpPr>
+            <a:spLocks noGrp="1" noRot="1" noChangeAspect="1"/>
+          </p:cNvSpPr>
+          <p:nvPr>
+            <p:ph type="sldImg" idx="2"/>
+          </p:nvPr>
+        </p:nvSpPr>
+        <p:spPr>
+          <a:xfrm>
+            <a:off x="381000" y="685800"/>
+            <a:ext cx="6096000" cy="3429000"/>
+          </a:xfrm>
+          <a:custGeom>
+            <a:avLst/>
+            <a:gdLst/>
+            <a:ahLst/>
+            <a:cxnLst/>
+            <a:rect l="0" t="0" r="0" b="0"/>
+            <a:pathLst>
+              <a:path w="120000" h="120000" extrusionOk="0">
+                <a:moveTo>
+                  <a:pt x="0" y="0"/>
+                </a:moveTo>
+                <a:lnTo>
+                  <a:pt x="120000" y="0"/>
+                </a:lnTo>
+                <a:lnTo>
+                  <a:pt x="120000" y="120000"/>
+                </a:lnTo>
+                <a:lnTo>
+                  <a:pt x="0" y="120000"/>
+                </a:lnTo>
+                <a:close/>
+              </a:path>
+            </a:pathLst>
+          </a:custGeom>
+        </p:spPr>
+      </p:sp>
+      <p:sp>
+        <p:nvSpPr>
+          <p:cNvPr id="102" name="Shape 102"/>
+          <p:cNvSpPr txBox="1">
+            <a:spLocks noGrp="1"/>
+          </p:cNvSpPr>
+          <p:nvPr>
+            <p:ph type="body" idx="1"/>
+          </p:nvPr>
+        </p:nvSpPr>
+        <p:spPr>
+          <a:xfrm>
+            <a:off x="685800" y="4343400"/>
+            <a:ext cx="5486400" cy="4114800"/>
+          </a:xfrm>
+          <a:prstGeom prst="rect">
+            <a:avLst/>
+          </a:prstGeom>
+        </p:spPr>
+        <p:txBody>
+          <a:bodyPr spcFirstLastPara="1" wrap="square" lIns="91425" tIns="91425" rIns="91425" bIns="91425" anchor="t" anchorCtr="0">
+            <a:noAutofit/>
+          </a:bodyPr>
+          <a:lstStyle/>
+          <a:p>
+            <a:pPr marL="0" lvl="0" indent="0">
+              <a:spcBef>
+                <a:spcPts val="0"/>
+              </a:spcBef>
+              <a:spcAft>
+                <a:spcPts val="0"/>
+              </a:spcAft>
+              <a:buNone/>
+            </a:pPr>
+            <a:endParaRPr dirty="0"/>
+          </a:p>
+        </p:txBody>
+      </p:sp>
+    </p:spTree>
+    <p:extLst>
+      <p:ext uri="{BB962C8B-B14F-4D97-AF65-F5344CB8AC3E}">
         <p14:creationId xmlns:p14="http://schemas.microsoft.com/office/powerpoint/2010/main" val="3313095754"/>
       </p:ext>
     </p:extLst>
@@ -956,7 +1066,7 @@
 </p:notes>
 </file>
 
-<file path=ppt/notesSlides/notesSlide11.xml><?xml version="1.0" encoding="utf-8"?>
+<file path=ppt/notesSlides/notesSlide12.xml><?xml version="1.0" encoding="utf-8"?>
 <p:notes xmlns:a="http://schemas.openxmlformats.org/drawingml/2006/main" xmlns:r="http://schemas.openxmlformats.org/officeDocument/2006/relationships" xmlns:p="http://schemas.openxmlformats.org/presentationml/2006/main" showMasterSp="0" showMasterPhAnim="0">
   <p:cSld>
     <p:spTree>
@@ -9718,8 +9828,8 @@
         </p:nvSpPr>
         <p:spPr>
           <a:xfrm>
-            <a:off x="234450" y="575501"/>
-            <a:ext cx="2046300" cy="915370"/>
+            <a:off x="91952" y="563624"/>
+            <a:ext cx="2485001" cy="817464"/>
           </a:xfrm>
           <a:prstGeom prst="rect">
             <a:avLst/>
@@ -9731,7 +9841,7 @@
           </a:bodyPr>
           <a:lstStyle/>
           <a:p>
-            <a:pPr marL="0" lvl="0" indent="0" algn="just" rtl="0">
+            <a:pPr marL="0" lvl="0" indent="0" rtl="0">
               <a:spcBef>
                 <a:spcPts val="0"/>
               </a:spcBef>
@@ -9742,7 +9852,7 @@
             </a:pPr>
             <a:r>
               <a:rPr lang="en-IN" b="1" dirty="0"/>
-              <a:t>Architecture Diagram</a:t>
+              <a:t>Ease of Implementation</a:t>
             </a:r>
             <a:endParaRPr b="1" dirty="0"/>
           </a:p>
@@ -9792,30 +9902,26 @@
       </p:sp>
       <p:sp>
         <p:nvSpPr>
-          <p:cNvPr id="4" name="Rectangle: Rounded Corners 3">
-            <a:extLst>
-              <a:ext uri="{FF2B5EF4-FFF2-40B4-BE49-F238E27FC236}">
-                <a16:creationId xmlns:a16="http://schemas.microsoft.com/office/drawing/2014/main" id="{843BD0C3-32D7-46FB-B2BD-05506C6ED87A}"/>
-              </a:ext>
-            </a:extLst>
-          </p:cNvPr>
+          <p:cNvPr id="3" name="Rectangle 2"/>
           <p:cNvSpPr/>
           <p:nvPr/>
         </p:nvSpPr>
         <p:spPr>
           <a:xfrm>
-            <a:off x="4555340" y="4241800"/>
-            <a:ext cx="1928813" cy="749300"/>
-          </a:xfrm>
-          <a:prstGeom prst="roundRect">
-            <a:avLst/>
-          </a:prstGeom>
-          <a:solidFill>
-            <a:schemeClr val="bg2">
-              <a:lumMod val="20000"/>
-              <a:lumOff val="80000"/>
-            </a:schemeClr>
-          </a:solidFill>
+            <a:off x="3022270" y="611580"/>
+            <a:ext cx="5658592" cy="1579418"/>
+          </a:xfrm>
+          <a:prstGeom prst="rect">
+            <a:avLst/>
+          </a:prstGeom>
+          <a:noFill/>
+          <a:ln>
+            <a:solidFill>
+              <a:schemeClr val="bg1">
+                <a:lumMod val="95000"/>
+              </a:schemeClr>
+            </a:solidFill>
+          </a:ln>
         </p:spPr>
         <p:style>
           <a:lnRef idx="2">
@@ -9842,92 +9948,125 @@
           </a:p>
         </p:txBody>
       </p:sp>
-      <p:pic>
-        <p:nvPicPr>
-          <p:cNvPr id="10" name="Picture 9">
-            <a:extLst>
-              <a:ext uri="{FF2B5EF4-FFF2-40B4-BE49-F238E27FC236}">
-                <a16:creationId xmlns:a16="http://schemas.microsoft.com/office/drawing/2014/main" id="{5607A744-FFC0-4290-81AB-03FCE9C35937}"/>
-              </a:ext>
-            </a:extLst>
-          </p:cNvPr>
-          <p:cNvPicPr>
-            <a:picLocks noChangeAspect="1"/>
-          </p:cNvPicPr>
-          <p:nvPr/>
-        </p:nvPicPr>
-        <p:blipFill>
-          <a:blip r:embed="rId3"/>
-          <a:stretch>
-            <a:fillRect/>
-          </a:stretch>
-        </p:blipFill>
-        <p:spPr>
-          <a:xfrm>
-            <a:off x="4641057" y="4318001"/>
-            <a:ext cx="628650" cy="628650"/>
-          </a:xfrm>
-          <a:prstGeom prst="rect">
-            <a:avLst/>
-          </a:prstGeom>
-        </p:spPr>
-      </p:pic>
-      <p:pic>
-        <p:nvPicPr>
-          <p:cNvPr id="12" name="Picture 11">
-            <a:extLst>
-              <a:ext uri="{FF2B5EF4-FFF2-40B4-BE49-F238E27FC236}">
-                <a16:creationId xmlns:a16="http://schemas.microsoft.com/office/drawing/2014/main" id="{28BA34AB-C9D2-49FF-992D-B36AB0C11195}"/>
-              </a:ext>
-            </a:extLst>
-          </p:cNvPr>
-          <p:cNvPicPr>
-            <a:picLocks noChangeAspect="1"/>
-          </p:cNvPicPr>
-          <p:nvPr/>
-        </p:nvPicPr>
-        <p:blipFill>
-          <a:blip r:embed="rId4"/>
-          <a:stretch>
-            <a:fillRect/>
-          </a:stretch>
-        </p:blipFill>
-        <p:spPr>
-          <a:xfrm>
-            <a:off x="5269707" y="4241800"/>
-            <a:ext cx="1123950" cy="749300"/>
-          </a:xfrm>
-          <a:prstGeom prst="rect">
-            <a:avLst/>
-          </a:prstGeom>
-        </p:spPr>
-      </p:pic>
       <p:sp>
         <p:nvSpPr>
-          <p:cNvPr id="15" name="Rectangle 14">
-            <a:extLst>
-              <a:ext uri="{FF2B5EF4-FFF2-40B4-BE49-F238E27FC236}">
-                <a16:creationId xmlns:a16="http://schemas.microsoft.com/office/drawing/2014/main" id="{AFC5DBF7-20C9-4692-ABC4-95D74DC8D8A6}"/>
-              </a:ext>
-            </a:extLst>
-          </p:cNvPr>
+          <p:cNvPr id="4" name="TextBox 3"/>
+          <p:cNvSpPr txBox="1"/>
+          <p:nvPr/>
+        </p:nvSpPr>
+        <p:spPr>
+          <a:xfrm>
+            <a:off x="4792627" y="682653"/>
+            <a:ext cx="2117887" cy="261610"/>
+          </a:xfrm>
+          <a:prstGeom prst="rect">
+            <a:avLst/>
+          </a:prstGeom>
+          <a:noFill/>
+        </p:spPr>
+        <p:txBody>
+          <a:bodyPr wrap="none" rtlCol="0">
+            <a:spAutoFit/>
+          </a:bodyPr>
+          <a:lstStyle/>
+          <a:p>
+            <a:pPr algn="ctr"/>
+            <a:r>
+              <a:rPr lang="en-IN" sz="1100" b="1" dirty="0"/>
+              <a:t>Infrastructural Requirements</a:t>
+            </a:r>
+          </a:p>
+        </p:txBody>
+      </p:sp>
+      <p:sp>
+        <p:nvSpPr>
+          <p:cNvPr id="5" name="TextBox 4"/>
+          <p:cNvSpPr txBox="1"/>
+          <p:nvPr/>
+        </p:nvSpPr>
+        <p:spPr>
+          <a:xfrm>
+            <a:off x="3170719" y="1086661"/>
+            <a:ext cx="5229317" cy="900246"/>
+          </a:xfrm>
+          <a:prstGeom prst="rect">
+            <a:avLst/>
+          </a:prstGeom>
+          <a:noFill/>
+        </p:spPr>
+        <p:txBody>
+          <a:bodyPr wrap="none" rtlCol="0">
+            <a:spAutoFit/>
+          </a:bodyPr>
+          <a:lstStyle/>
+          <a:p>
+            <a:pPr marL="171450" indent="-171450">
+              <a:buFont typeface="Arial" pitchFamily="34" charset="0"/>
+              <a:buChar char="•"/>
+            </a:pPr>
+            <a:r>
+              <a:rPr lang="en-IN" sz="1050" dirty="0"/>
+              <a:t>Virtual Machines(VMs) on any cloud service provider(Azure, AWS)</a:t>
+            </a:r>
+          </a:p>
+          <a:p>
+            <a:pPr marL="171450" indent="-171450">
+              <a:buFont typeface="Arial" pitchFamily="34" charset="0"/>
+              <a:buChar char="•"/>
+            </a:pPr>
+            <a:r>
+              <a:rPr lang="en-IN" sz="1050" dirty="0"/>
+              <a:t>Mobile phones and desktop computers</a:t>
+            </a:r>
+          </a:p>
+          <a:p>
+            <a:pPr marL="171450" indent="-171450">
+              <a:buFont typeface="Arial" pitchFamily="34" charset="0"/>
+              <a:buChar char="•"/>
+            </a:pPr>
+            <a:r>
+              <a:rPr lang="en-IN" sz="1050" dirty="0"/>
+              <a:t>IT enable the hospitals – establish network, hardware including bio-metric module</a:t>
+            </a:r>
+          </a:p>
+          <a:p>
+            <a:pPr marL="171450" indent="-171450">
+              <a:buFont typeface="Arial" pitchFamily="34" charset="0"/>
+              <a:buChar char="•"/>
+            </a:pPr>
+            <a:endParaRPr lang="en-IN" sz="1050" dirty="0"/>
+          </a:p>
+          <a:p>
+            <a:pPr marL="171450" indent="-171450">
+              <a:buFont typeface="Arial" pitchFamily="34" charset="0"/>
+              <a:buChar char="•"/>
+            </a:pPr>
+            <a:endParaRPr lang="en-IN" sz="1050" dirty="0"/>
+          </a:p>
+        </p:txBody>
+      </p:sp>
+      <p:sp>
+        <p:nvSpPr>
+          <p:cNvPr id="9" name="Rectangle 8"/>
           <p:cNvSpPr/>
           <p:nvPr/>
         </p:nvSpPr>
         <p:spPr>
           <a:xfrm>
-            <a:off x="3736188" y="1971677"/>
-            <a:ext cx="3607595" cy="1819275"/>
+            <a:off x="3022270" y="2557479"/>
+            <a:ext cx="5658592" cy="1712027"/>
           </a:xfrm>
           <a:prstGeom prst="rect">
             <a:avLst/>
           </a:prstGeom>
-          <a:solidFill>
-            <a:schemeClr val="bg2">
-              <a:lumMod val="20000"/>
-              <a:lumOff val="80000"/>
-            </a:schemeClr>
-          </a:solidFill>
+          <a:noFill/>
+          <a:ln>
+            <a:solidFill>
+              <a:schemeClr val="bg1">
+                <a:lumMod val="95000"/>
+              </a:schemeClr>
+            </a:solidFill>
+          </a:ln>
         </p:spPr>
         <p:style>
           <a:lnRef idx="2">
@@ -9949,26 +10088,21 @@
           <a:bodyPr rtlCol="0" anchor="ctr"/>
           <a:lstStyle/>
           <a:p>
-            <a:endParaRPr lang="en-IN" dirty="0"/>
+            <a:pPr algn="ctr"/>
+            <a:endParaRPr lang="en-IN"/>
           </a:p>
         </p:txBody>
       </p:sp>
       <p:sp>
         <p:nvSpPr>
-          <p:cNvPr id="16" name="TextBox 15">
-            <a:extLst>
-              <a:ext uri="{FF2B5EF4-FFF2-40B4-BE49-F238E27FC236}">
-                <a16:creationId xmlns:a16="http://schemas.microsoft.com/office/drawing/2014/main" id="{023A6BF3-5E79-46E6-8082-BC7D49BFE591}"/>
-              </a:ext>
-            </a:extLst>
-          </p:cNvPr>
+          <p:cNvPr id="10" name="TextBox 9"/>
           <p:cNvSpPr txBox="1"/>
           <p:nvPr/>
         </p:nvSpPr>
         <p:spPr>
           <a:xfrm>
-            <a:off x="4657129" y="1971679"/>
-            <a:ext cx="1649016" cy="276999"/>
+            <a:off x="5316002" y="2628549"/>
+            <a:ext cx="1071126" cy="261610"/>
           </a:xfrm>
           <a:prstGeom prst="rect">
             <a:avLst/>
@@ -9976,37 +10110,29 @@
           <a:noFill/>
         </p:spPr>
         <p:txBody>
-          <a:bodyPr wrap="square" rtlCol="0">
+          <a:bodyPr wrap="none" rtlCol="0">
             <a:spAutoFit/>
           </a:bodyPr>
           <a:lstStyle/>
           <a:p>
             <a:pPr algn="ctr"/>
             <a:r>
-              <a:rPr lang="en-IN" sz="1200" b="1" dirty="0">
-                <a:latin typeface="Nunito Sans" panose="020B0604020202020204" charset="0"/>
-              </a:rPr>
-              <a:t>Blockchain Network</a:t>
+              <a:rPr lang="en-IN" sz="1100" b="1" dirty="0"/>
+              <a:t>Stakeholders</a:t>
             </a:r>
           </a:p>
         </p:txBody>
       </p:sp>
       <p:sp>
         <p:nvSpPr>
-          <p:cNvPr id="17" name="TextBox 16">
-            <a:extLst>
-              <a:ext uri="{FF2B5EF4-FFF2-40B4-BE49-F238E27FC236}">
-                <a16:creationId xmlns:a16="http://schemas.microsoft.com/office/drawing/2014/main" id="{EED3F5BE-FBC4-4052-B8A3-C98434F32CBB}"/>
-              </a:ext>
-            </a:extLst>
-          </p:cNvPr>
+          <p:cNvPr id="12" name="TextBox 11"/>
           <p:cNvSpPr txBox="1"/>
           <p:nvPr/>
         </p:nvSpPr>
         <p:spPr>
           <a:xfrm>
-            <a:off x="3736181" y="2937361"/>
-            <a:ext cx="1378746" cy="707886"/>
+            <a:off x="3170717" y="3032557"/>
+            <a:ext cx="5463355" cy="1223412"/>
           </a:xfrm>
           <a:prstGeom prst="rect">
             <a:avLst/>
@@ -10014,58 +10140,261 @@
           <a:noFill/>
         </p:spPr>
         <p:txBody>
-          <a:bodyPr wrap="square" rtlCol="0">
+          <a:bodyPr wrap="none" rtlCol="0">
             <a:spAutoFit/>
           </a:bodyPr>
           <a:lstStyle/>
           <a:p>
-            <a:r>
-              <a:rPr lang="en-IN" sz="800" b="1" dirty="0">
-                <a:latin typeface="Nunito Sans" panose="020B0604020202020204" charset="0"/>
-              </a:rPr>
-              <a:t>DISTRIBUTED LEDGER</a:t>
-            </a:r>
-          </a:p>
-          <a:p>
-            <a:r>
-              <a:rPr lang="en-IN" sz="800" b="1" dirty="0">
-                <a:latin typeface="Nunito Sans" panose="020B0604020202020204" charset="0"/>
-              </a:rPr>
-              <a:t>CRYPTOGRAPHY</a:t>
-            </a:r>
-          </a:p>
-          <a:p>
-            <a:r>
-              <a:rPr lang="en-IN" sz="800" b="1" dirty="0">
-                <a:latin typeface="Nunito Sans" panose="020B0604020202020204" charset="0"/>
-              </a:rPr>
-              <a:t>DATA IMMUTABILITY</a:t>
-            </a:r>
-          </a:p>
-          <a:p>
-            <a:r>
-              <a:rPr lang="en-IN" sz="800" b="1" dirty="0">
-                <a:latin typeface="Nunito Sans" panose="020B0604020202020204" charset="0"/>
-              </a:rPr>
-              <a:t>SMART CONTRACTS</a:t>
-            </a:r>
-          </a:p>
-          <a:p>
-            <a:r>
-              <a:rPr lang="en-IN" sz="800" b="1" dirty="0">
-                <a:latin typeface="Nunito Sans" panose="020B0604020202020204" charset="0"/>
-              </a:rPr>
-              <a:t>PROOF-OF-AUTHORITY</a:t>
-            </a:r>
+            <a:pPr marL="171450" indent="-171450">
+              <a:buFont typeface="Arial" pitchFamily="34" charset="0"/>
+              <a:buChar char="•"/>
+            </a:pPr>
+            <a:r>
+              <a:rPr lang="en-IN" sz="1050" dirty="0"/>
+              <a:t>Medical records will be accessed over </a:t>
+            </a:r>
+            <a:r>
+              <a:rPr lang="en-IN" sz="1050"/>
+              <a:t>the </a:t>
+            </a:r>
+            <a:r>
+              <a:rPr lang="en-IN" sz="1050" b="1" dirty="0"/>
+              <a:t>I</a:t>
+            </a:r>
+            <a:r>
+              <a:rPr lang="en-IN" sz="1050" b="1"/>
+              <a:t>nternet</a:t>
+            </a:r>
+            <a:r>
+              <a:rPr lang="en-IN" sz="1050"/>
+              <a:t> </a:t>
+            </a:r>
+            <a:r>
+              <a:rPr lang="en-IN" sz="1050" dirty="0"/>
+              <a:t>demanding people to be familiar</a:t>
+            </a:r>
+          </a:p>
+          <a:p>
+            <a:r>
+              <a:rPr lang="en-IN" sz="1050" dirty="0"/>
+              <a:t>     with internet.</a:t>
+            </a:r>
+          </a:p>
+          <a:p>
+            <a:pPr marL="171450" indent="-171450">
+              <a:buFont typeface="Arial" pitchFamily="34" charset="0"/>
+              <a:buChar char="•"/>
+            </a:pPr>
+            <a:r>
+              <a:rPr lang="en-IN" sz="1050" b="1" dirty="0"/>
+              <a:t>Blockchain</a:t>
+            </a:r>
+            <a:r>
+              <a:rPr lang="en-IN" sz="1050" dirty="0"/>
+              <a:t> being an emerging technology, rigorous </a:t>
+            </a:r>
+            <a:r>
+              <a:rPr lang="en-IN" sz="1050" b="1" dirty="0"/>
+              <a:t>training</a:t>
+            </a:r>
+            <a:r>
+              <a:rPr lang="en-IN" sz="1050" dirty="0"/>
+              <a:t> for all actors involved in</a:t>
+            </a:r>
+          </a:p>
+          <a:p>
+            <a:r>
+              <a:rPr lang="en-IN" sz="1050" dirty="0"/>
+              <a:t>     the system will be a priority.</a:t>
+            </a:r>
+          </a:p>
+          <a:p>
+            <a:pPr marL="171450" indent="-171450">
+              <a:buFont typeface="Arial" pitchFamily="34" charset="0"/>
+              <a:buChar char="•"/>
+            </a:pPr>
+            <a:r>
+              <a:rPr lang="en-IN" sz="1050" dirty="0"/>
+              <a:t>For hospitals, shifting from their </a:t>
+            </a:r>
+            <a:r>
+              <a:rPr lang="en-IN" sz="1050" b="1" dirty="0"/>
+              <a:t>traditional/current</a:t>
+            </a:r>
+            <a:r>
+              <a:rPr lang="en-IN" sz="1050" dirty="0"/>
+              <a:t> system to </a:t>
+            </a:r>
+            <a:r>
+              <a:rPr lang="en-IN" sz="1050" b="1" dirty="0"/>
+              <a:t>blockchain based </a:t>
+            </a:r>
+          </a:p>
+          <a:p>
+            <a:r>
+              <a:rPr lang="en-IN" sz="1050" b="1" dirty="0"/>
+              <a:t>     scheme </a:t>
+            </a:r>
+            <a:r>
+              <a:rPr lang="en-IN" sz="1050" dirty="0"/>
+              <a:t>might be challenging but the </a:t>
+            </a:r>
+            <a:r>
+              <a:rPr lang="en-IN" sz="1050" b="1" dirty="0"/>
+              <a:t>future</a:t>
+            </a:r>
+            <a:r>
+              <a:rPr lang="en-IN" sz="1050" dirty="0"/>
+              <a:t> outcome would be </a:t>
+            </a:r>
+            <a:r>
+              <a:rPr lang="en-IN" sz="1050" b="1" dirty="0"/>
+              <a:t>highly beneficial</a:t>
+            </a:r>
+            <a:r>
+              <a:rPr lang="en-IN" sz="1050" dirty="0"/>
+              <a:t>.</a:t>
+            </a:r>
+          </a:p>
+          <a:p>
+            <a:pPr marL="171450" indent="-171450">
+              <a:buFont typeface="Arial" pitchFamily="34" charset="0"/>
+              <a:buChar char="•"/>
+            </a:pPr>
+            <a:endParaRPr lang="en-IN" sz="1050" dirty="0"/>
+          </a:p>
+        </p:txBody>
+      </p:sp>
+    </p:spTree>
+    <p:extLst>
+      <p:ext uri="{BB962C8B-B14F-4D97-AF65-F5344CB8AC3E}">
+        <p14:creationId xmlns:p14="http://schemas.microsoft.com/office/powerpoint/2010/main" val="3992344039"/>
+      </p:ext>
+    </p:extLst>
+  </p:cSld>
+  <p:clrMapOvr>
+    <a:masterClrMapping/>
+  </p:clrMapOvr>
+</p:sld>
+</file>
+
+<file path=ppt/slides/slide11.xml><?xml version="1.0" encoding="utf-8"?>
+<p:sld xmlns:a="http://schemas.openxmlformats.org/drawingml/2006/main" xmlns:r="http://schemas.openxmlformats.org/officeDocument/2006/relationships" xmlns:p="http://schemas.openxmlformats.org/presentationml/2006/main">
+  <p:cSld>
+    <p:bg>
+      <p:bgPr>
+        <a:solidFill>
+          <a:schemeClr val="accent1">
+            <a:lumMod val="75000"/>
+          </a:schemeClr>
+        </a:solidFill>
+        <a:effectLst/>
+      </p:bgPr>
+    </p:bg>
+    <p:spTree>
+      <p:nvGrpSpPr>
+        <p:cNvPr id="1" name="Shape 103"/>
+        <p:cNvGrpSpPr/>
+        <p:nvPr/>
+      </p:nvGrpSpPr>
+      <p:grpSpPr>
+        <a:xfrm>
+          <a:off x="0" y="0"/>
+          <a:ext cx="0" cy="0"/>
+          <a:chOff x="0" y="0"/>
+          <a:chExt cx="0" cy="0"/>
+        </a:xfrm>
+      </p:grpSpPr>
+      <p:sp>
+        <p:nvSpPr>
+          <p:cNvPr id="104" name="Shape 104"/>
+          <p:cNvSpPr txBox="1">
+            <a:spLocks noGrp="1"/>
+          </p:cNvSpPr>
+          <p:nvPr>
+            <p:ph type="title"/>
+          </p:nvPr>
+        </p:nvSpPr>
+        <p:spPr>
+          <a:xfrm>
+            <a:off x="234450" y="575501"/>
+            <a:ext cx="2046300" cy="915370"/>
+          </a:xfrm>
+          <a:prstGeom prst="rect">
+            <a:avLst/>
+          </a:prstGeom>
+        </p:spPr>
+        <p:txBody>
+          <a:bodyPr spcFirstLastPara="1" wrap="square" lIns="91425" tIns="91425" rIns="91425" bIns="91425" anchor="t" anchorCtr="0">
+            <a:noAutofit/>
+          </a:bodyPr>
+          <a:lstStyle/>
+          <a:p>
+            <a:pPr marL="0" lvl="0" indent="0" algn="just" rtl="0">
+              <a:spcBef>
+                <a:spcPts val="0"/>
+              </a:spcBef>
+              <a:spcAft>
+                <a:spcPts val="0"/>
+              </a:spcAft>
+              <a:buNone/>
+            </a:pPr>
+            <a:r>
+              <a:rPr lang="en-IN" b="1" dirty="0"/>
+              <a:t>Architecture Diagram</a:t>
+            </a:r>
+            <a:endParaRPr b="1" dirty="0"/>
           </a:p>
         </p:txBody>
       </p:sp>
       <p:sp>
         <p:nvSpPr>
-          <p:cNvPr id="18" name="Rectangle 17">
+          <p:cNvPr id="107" name="Shape 107"/>
+          <p:cNvSpPr txBox="1">
+            <a:spLocks noGrp="1"/>
+          </p:cNvSpPr>
+          <p:nvPr>
+            <p:ph type="sldNum" idx="12"/>
+          </p:nvPr>
+        </p:nvSpPr>
+        <p:spPr>
+          <a:xfrm>
+            <a:off x="8556784" y="4749851"/>
+            <a:ext cx="548700" cy="393600"/>
+          </a:xfrm>
+          <a:prstGeom prst="rect">
+            <a:avLst/>
+          </a:prstGeom>
+        </p:spPr>
+        <p:txBody>
+          <a:bodyPr spcFirstLastPara="1" wrap="square" lIns="91425" tIns="91425" rIns="91425" bIns="91425" anchor="ctr" anchorCtr="0">
+            <a:noAutofit/>
+          </a:bodyPr>
+          <a:lstStyle/>
+          <a:p>
+            <a:pPr marL="0" lvl="0" indent="0">
+              <a:spcBef>
+                <a:spcPts val="0"/>
+              </a:spcBef>
+              <a:spcAft>
+                <a:spcPts val="0"/>
+              </a:spcAft>
+              <a:buNone/>
+            </a:pPr>
+            <a:fld id="{00000000-1234-1234-1234-123412341234}" type="slidenum">
+              <a:rPr lang="en"/>
+              <a:t>11</a:t>
+            </a:fld>
+            <a:endParaRPr dirty="0"/>
+          </a:p>
+        </p:txBody>
+      </p:sp>
+      <p:sp>
+        <p:nvSpPr>
+          <p:cNvPr id="4" name="Rectangle: Rounded Corners 3">
             <a:extLst>
               <a:ext uri="{FF2B5EF4-FFF2-40B4-BE49-F238E27FC236}">
-                <a16:creationId xmlns:a16="http://schemas.microsoft.com/office/drawing/2014/main" id="{0492E675-102A-4C23-A99A-9054E8235FD0}"/>
+                <a16:creationId xmlns:a16="http://schemas.microsoft.com/office/drawing/2014/main" xmlns="" id="{843BD0C3-32D7-46FB-B2BD-05506C6ED87A}"/>
               </a:ext>
             </a:extLst>
           </p:cNvPr>
@@ -10074,20 +10403,18 @@
         </p:nvSpPr>
         <p:spPr>
           <a:xfrm>
-            <a:off x="5076824" y="2600326"/>
-            <a:ext cx="923926" cy="1112664"/>
-          </a:xfrm>
-          <a:prstGeom prst="rect">
+            <a:off x="4555340" y="4241800"/>
+            <a:ext cx="1928813" cy="749300"/>
+          </a:xfrm>
+          <a:prstGeom prst="roundRect">
             <a:avLst/>
           </a:prstGeom>
           <a:solidFill>
-            <a:schemeClr val="bg1"/>
+            <a:schemeClr val="bg2">
+              <a:lumMod val="20000"/>
+              <a:lumOff val="80000"/>
+            </a:schemeClr>
           </a:solidFill>
-          <a:ln w="12700">
-            <a:solidFill>
-              <a:schemeClr val="tx1"/>
-            </a:solidFill>
-          </a:ln>
         </p:spPr>
         <p:style>
           <a:lnRef idx="2">
@@ -10114,12 +10441,72 @@
           </a:p>
         </p:txBody>
       </p:sp>
+      <p:pic>
+        <p:nvPicPr>
+          <p:cNvPr id="10" name="Picture 9">
+            <a:extLst>
+              <a:ext uri="{FF2B5EF4-FFF2-40B4-BE49-F238E27FC236}">
+                <a16:creationId xmlns:a16="http://schemas.microsoft.com/office/drawing/2014/main" xmlns="" id="{5607A744-FFC0-4290-81AB-03FCE9C35937}"/>
+              </a:ext>
+            </a:extLst>
+          </p:cNvPr>
+          <p:cNvPicPr>
+            <a:picLocks noChangeAspect="1"/>
+          </p:cNvPicPr>
+          <p:nvPr/>
+        </p:nvPicPr>
+        <p:blipFill>
+          <a:blip r:embed="rId3"/>
+          <a:stretch>
+            <a:fillRect/>
+          </a:stretch>
+        </p:blipFill>
+        <p:spPr>
+          <a:xfrm>
+            <a:off x="4641057" y="4318001"/>
+            <a:ext cx="628650" cy="628650"/>
+          </a:xfrm>
+          <a:prstGeom prst="rect">
+            <a:avLst/>
+          </a:prstGeom>
+        </p:spPr>
+      </p:pic>
+      <p:pic>
+        <p:nvPicPr>
+          <p:cNvPr id="12" name="Picture 11">
+            <a:extLst>
+              <a:ext uri="{FF2B5EF4-FFF2-40B4-BE49-F238E27FC236}">
+                <a16:creationId xmlns:a16="http://schemas.microsoft.com/office/drawing/2014/main" xmlns="" id="{28BA34AB-C9D2-49FF-992D-B36AB0C11195}"/>
+              </a:ext>
+            </a:extLst>
+          </p:cNvPr>
+          <p:cNvPicPr>
+            <a:picLocks noChangeAspect="1"/>
+          </p:cNvPicPr>
+          <p:nvPr/>
+        </p:nvPicPr>
+        <p:blipFill>
+          <a:blip r:embed="rId4"/>
+          <a:stretch>
+            <a:fillRect/>
+          </a:stretch>
+        </p:blipFill>
+        <p:spPr>
+          <a:xfrm>
+            <a:off x="5269707" y="4241800"/>
+            <a:ext cx="1123950" cy="749300"/>
+          </a:xfrm>
+          <a:prstGeom prst="rect">
+            <a:avLst/>
+          </a:prstGeom>
+        </p:spPr>
+      </p:pic>
       <p:sp>
         <p:nvSpPr>
-          <p:cNvPr id="22" name="Rectangle 21">
+          <p:cNvPr id="15" name="Rectangle 14">
             <a:extLst>
               <a:ext uri="{FF2B5EF4-FFF2-40B4-BE49-F238E27FC236}">
-                <a16:creationId xmlns:a16="http://schemas.microsoft.com/office/drawing/2014/main" id="{D0F90942-A638-4814-881A-6FD114E7B509}"/>
+                <a16:creationId xmlns:a16="http://schemas.microsoft.com/office/drawing/2014/main" xmlns="" id="{AFC5DBF7-20C9-4692-ABC4-95D74DC8D8A6}"/>
               </a:ext>
             </a:extLst>
           </p:cNvPr>
@@ -10128,20 +10515,18 @@
         </p:nvSpPr>
         <p:spPr>
           <a:xfrm>
-            <a:off x="5153025" y="2676528"/>
-            <a:ext cx="781050" cy="968722"/>
+            <a:off x="3736188" y="1971677"/>
+            <a:ext cx="3607595" cy="1819275"/>
           </a:xfrm>
           <a:prstGeom prst="rect">
             <a:avLst/>
           </a:prstGeom>
           <a:solidFill>
-            <a:schemeClr val="bg1"/>
+            <a:schemeClr val="bg2">
+              <a:lumMod val="20000"/>
+              <a:lumOff val="80000"/>
+            </a:schemeClr>
           </a:solidFill>
-          <a:ln>
-            <a:solidFill>
-              <a:schemeClr val="tx1"/>
-            </a:solidFill>
-          </a:ln>
         </p:spPr>
         <p:style>
           <a:lnRef idx="2">
@@ -10163,17 +10548,123 @@
           <a:bodyPr rtlCol="0" anchor="ctr"/>
           <a:lstStyle/>
           <a:p>
-            <a:pPr algn="ctr"/>
-            <a:endParaRPr lang="en-IN"/>
+            <a:endParaRPr lang="en-IN" dirty="0"/>
           </a:p>
         </p:txBody>
       </p:sp>
       <p:sp>
         <p:nvSpPr>
-          <p:cNvPr id="25" name="Rectangle 24">
+          <p:cNvPr id="16" name="TextBox 15">
             <a:extLst>
               <a:ext uri="{FF2B5EF4-FFF2-40B4-BE49-F238E27FC236}">
-                <a16:creationId xmlns:a16="http://schemas.microsoft.com/office/drawing/2014/main" id="{154057BD-2E1A-4B33-A862-1EA3D6EF58C5}"/>
+                <a16:creationId xmlns:a16="http://schemas.microsoft.com/office/drawing/2014/main" xmlns="" id="{023A6BF3-5E79-46E6-8082-BC7D49BFE591}"/>
+              </a:ext>
+            </a:extLst>
+          </p:cNvPr>
+          <p:cNvSpPr txBox="1"/>
+          <p:nvPr/>
+        </p:nvSpPr>
+        <p:spPr>
+          <a:xfrm>
+            <a:off x="4657129" y="1971679"/>
+            <a:ext cx="1649016" cy="276999"/>
+          </a:xfrm>
+          <a:prstGeom prst="rect">
+            <a:avLst/>
+          </a:prstGeom>
+          <a:noFill/>
+        </p:spPr>
+        <p:txBody>
+          <a:bodyPr wrap="square" rtlCol="0">
+            <a:spAutoFit/>
+          </a:bodyPr>
+          <a:lstStyle/>
+          <a:p>
+            <a:pPr algn="ctr"/>
+            <a:r>
+              <a:rPr lang="en-IN" sz="1200" b="1" dirty="0">
+                <a:latin typeface="Nunito Sans" panose="020B0604020202020204" charset="0"/>
+              </a:rPr>
+              <a:t>Blockchain Network</a:t>
+            </a:r>
+          </a:p>
+        </p:txBody>
+      </p:sp>
+      <p:sp>
+        <p:nvSpPr>
+          <p:cNvPr id="17" name="TextBox 16">
+            <a:extLst>
+              <a:ext uri="{FF2B5EF4-FFF2-40B4-BE49-F238E27FC236}">
+                <a16:creationId xmlns:a16="http://schemas.microsoft.com/office/drawing/2014/main" xmlns="" id="{EED3F5BE-FBC4-4052-B8A3-C98434F32CBB}"/>
+              </a:ext>
+            </a:extLst>
+          </p:cNvPr>
+          <p:cNvSpPr txBox="1"/>
+          <p:nvPr/>
+        </p:nvSpPr>
+        <p:spPr>
+          <a:xfrm>
+            <a:off x="3736181" y="2937361"/>
+            <a:ext cx="1378746" cy="707886"/>
+          </a:xfrm>
+          <a:prstGeom prst="rect">
+            <a:avLst/>
+          </a:prstGeom>
+          <a:noFill/>
+        </p:spPr>
+        <p:txBody>
+          <a:bodyPr wrap="square" rtlCol="0">
+            <a:spAutoFit/>
+          </a:bodyPr>
+          <a:lstStyle/>
+          <a:p>
+            <a:r>
+              <a:rPr lang="en-IN" sz="800" b="1" dirty="0">
+                <a:latin typeface="Nunito Sans" panose="020B0604020202020204" charset="0"/>
+              </a:rPr>
+              <a:t>DISTRIBUTED LEDGER</a:t>
+            </a:r>
+          </a:p>
+          <a:p>
+            <a:r>
+              <a:rPr lang="en-IN" sz="800" b="1" dirty="0">
+                <a:latin typeface="Nunito Sans" panose="020B0604020202020204" charset="0"/>
+              </a:rPr>
+              <a:t>CRYPTOGRAPHY</a:t>
+            </a:r>
+          </a:p>
+          <a:p>
+            <a:r>
+              <a:rPr lang="en-IN" sz="800" b="1" dirty="0">
+                <a:latin typeface="Nunito Sans" panose="020B0604020202020204" charset="0"/>
+              </a:rPr>
+              <a:t>DATA IMMUTABILITY</a:t>
+            </a:r>
+          </a:p>
+          <a:p>
+            <a:r>
+              <a:rPr lang="en-IN" sz="800" b="1" dirty="0">
+                <a:latin typeface="Nunito Sans" panose="020B0604020202020204" charset="0"/>
+              </a:rPr>
+              <a:t>SMART CONTRACTS</a:t>
+            </a:r>
+          </a:p>
+          <a:p>
+            <a:r>
+              <a:rPr lang="en-IN" sz="800" b="1" dirty="0">
+                <a:latin typeface="Nunito Sans" panose="020B0604020202020204" charset="0"/>
+              </a:rPr>
+              <a:t>PROOF-OF-AUTHORITY</a:t>
+            </a:r>
+          </a:p>
+        </p:txBody>
+      </p:sp>
+      <p:sp>
+        <p:nvSpPr>
+          <p:cNvPr id="18" name="Rectangle 17">
+            <a:extLst>
+              <a:ext uri="{FF2B5EF4-FFF2-40B4-BE49-F238E27FC236}">
+                <a16:creationId xmlns:a16="http://schemas.microsoft.com/office/drawing/2014/main" xmlns="" id="{0492E675-102A-4C23-A99A-9054E8235FD0}"/>
               </a:ext>
             </a:extLst>
           </p:cNvPr>
@@ -10182,8 +10673,8 @@
         </p:nvSpPr>
         <p:spPr>
           <a:xfrm>
-            <a:off x="5229226" y="2726250"/>
-            <a:ext cx="619124" cy="155062"/>
+            <a:off x="5076824" y="2600326"/>
+            <a:ext cx="923926" cy="1112664"/>
           </a:xfrm>
           <a:prstGeom prst="rect">
             <a:avLst/>
@@ -10218,24 +10709,16 @@
           <a:lstStyle/>
           <a:p>
             <a:pPr algn="ctr"/>
-            <a:r>
-              <a:rPr lang="en-IN" sz="800" dirty="0">
-                <a:solidFill>
-                  <a:schemeClr val="tx1"/>
-                </a:solidFill>
-                <a:latin typeface="Nunito Sans" panose="020B0604020202020204" charset="0"/>
-              </a:rPr>
-              <a:t>UID</a:t>
-            </a:r>
+            <a:endParaRPr lang="en-IN"/>
           </a:p>
         </p:txBody>
       </p:sp>
       <p:sp>
         <p:nvSpPr>
-          <p:cNvPr id="26" name="Rectangle 25">
+          <p:cNvPr id="22" name="Rectangle 21">
             <a:extLst>
               <a:ext uri="{FF2B5EF4-FFF2-40B4-BE49-F238E27FC236}">
-                <a16:creationId xmlns:a16="http://schemas.microsoft.com/office/drawing/2014/main" id="{BA57485B-FA09-4FC5-82CB-05FDB2129EEB}"/>
+                <a16:creationId xmlns:a16="http://schemas.microsoft.com/office/drawing/2014/main" xmlns="" id="{D0F90942-A638-4814-881A-6FD114E7B509}"/>
               </a:ext>
             </a:extLst>
           </p:cNvPr>
@@ -10244,8 +10727,8 @@
         </p:nvSpPr>
         <p:spPr>
           <a:xfrm>
-            <a:off x="5229226" y="2919004"/>
-            <a:ext cx="619124" cy="155062"/>
+            <a:off x="5153025" y="2676528"/>
+            <a:ext cx="781050" cy="968722"/>
           </a:xfrm>
           <a:prstGeom prst="rect">
             <a:avLst/>
@@ -10253,7 +10736,7 @@
           <a:solidFill>
             <a:schemeClr val="bg1"/>
           </a:solidFill>
-          <a:ln w="12700">
+          <a:ln>
             <a:solidFill>
               <a:schemeClr val="tx1"/>
             </a:solidFill>
@@ -10280,24 +10763,16 @@
           <a:lstStyle/>
           <a:p>
             <a:pPr algn="ctr"/>
-            <a:r>
-              <a:rPr lang="en-IN" sz="600" dirty="0">
-                <a:solidFill>
-                  <a:schemeClr val="tx1"/>
-                </a:solidFill>
-                <a:latin typeface="Nunito Sans" panose="020B0604020202020204" charset="0"/>
-              </a:rPr>
-              <a:t>Owners Public Key</a:t>
-            </a:r>
+            <a:endParaRPr lang="en-IN"/>
           </a:p>
         </p:txBody>
       </p:sp>
       <p:sp>
         <p:nvSpPr>
-          <p:cNvPr id="27" name="Rectangle 26">
+          <p:cNvPr id="25" name="Rectangle 24">
             <a:extLst>
               <a:ext uri="{FF2B5EF4-FFF2-40B4-BE49-F238E27FC236}">
-                <a16:creationId xmlns:a16="http://schemas.microsoft.com/office/drawing/2014/main" id="{C59EFCD6-8E4F-4E95-9E3C-470238F3D3B8}"/>
+                <a16:creationId xmlns:a16="http://schemas.microsoft.com/office/drawing/2014/main" xmlns="" id="{154057BD-2E1A-4B33-A862-1EA3D6EF58C5}"/>
               </a:ext>
             </a:extLst>
           </p:cNvPr>
@@ -10306,7 +10781,7 @@
         </p:nvSpPr>
         <p:spPr>
           <a:xfrm>
-            <a:off x="5229226" y="3127064"/>
+            <a:off x="5229226" y="2726250"/>
             <a:ext cx="619124" cy="155062"/>
           </a:xfrm>
           <a:prstGeom prst="rect">
@@ -10343,23 +10818,23 @@
           <a:p>
             <a:pPr algn="ctr"/>
             <a:r>
-              <a:rPr lang="en-IN" sz="600" dirty="0">
+              <a:rPr lang="en-IN" sz="800" dirty="0">
                 <a:solidFill>
                   <a:schemeClr val="tx1"/>
                 </a:solidFill>
                 <a:latin typeface="Nunito Sans" panose="020B0604020202020204" charset="0"/>
               </a:rPr>
-              <a:t>Private key of Uploader</a:t>
+              <a:t>UID</a:t>
             </a:r>
           </a:p>
         </p:txBody>
       </p:sp>
       <p:sp>
         <p:nvSpPr>
-          <p:cNvPr id="28" name="Rectangle 27">
+          <p:cNvPr id="26" name="Rectangle 25">
             <a:extLst>
               <a:ext uri="{FF2B5EF4-FFF2-40B4-BE49-F238E27FC236}">
-                <a16:creationId xmlns:a16="http://schemas.microsoft.com/office/drawing/2014/main" id="{0CD1F687-ED89-46F6-B285-627337E61F1F}"/>
+                <a16:creationId xmlns:a16="http://schemas.microsoft.com/office/drawing/2014/main" xmlns="" id="{BA57485B-FA09-4FC5-82CB-05FDB2129EEB}"/>
               </a:ext>
             </a:extLst>
           </p:cNvPr>
@@ -10368,8 +10843,8 @@
         </p:nvSpPr>
         <p:spPr>
           <a:xfrm>
-            <a:off x="5229226" y="3335127"/>
-            <a:ext cx="619124" cy="273263"/>
+            <a:off x="5229226" y="2919004"/>
+            <a:ext cx="619124" cy="155062"/>
           </a:xfrm>
           <a:prstGeom prst="rect">
             <a:avLst/>
@@ -10411,17 +10886,17 @@
                 </a:solidFill>
                 <a:latin typeface="Nunito Sans" panose="020B0604020202020204" charset="0"/>
               </a:rPr>
-              <a:t>Address of file stored in IPFS</a:t>
+              <a:t>Owners Public Key</a:t>
             </a:r>
           </a:p>
         </p:txBody>
       </p:sp>
       <p:sp>
         <p:nvSpPr>
-          <p:cNvPr id="29" name="Rectangle 28">
+          <p:cNvPr id="27" name="Rectangle 26">
             <a:extLst>
               <a:ext uri="{FF2B5EF4-FFF2-40B4-BE49-F238E27FC236}">
-                <a16:creationId xmlns:a16="http://schemas.microsoft.com/office/drawing/2014/main" id="{4050DBEE-3D9A-422E-8D5D-6333921F2156}"/>
+                <a16:creationId xmlns:a16="http://schemas.microsoft.com/office/drawing/2014/main" xmlns="" id="{C59EFCD6-8E4F-4E95-9E3C-470238F3D3B8}"/>
               </a:ext>
             </a:extLst>
           </p:cNvPr>
@@ -10430,8 +10905,8 @@
         </p:nvSpPr>
         <p:spPr>
           <a:xfrm>
-            <a:off x="5429556" y="2276530"/>
-            <a:ext cx="447377" cy="178650"/>
+            <a:off x="5229226" y="3127064"/>
+            <a:ext cx="619124" cy="155062"/>
           </a:xfrm>
           <a:prstGeom prst="rect">
             <a:avLst/>
@@ -10467,23 +10942,23 @@
           <a:p>
             <a:pPr algn="ctr"/>
             <a:r>
-              <a:rPr lang="en-IN" sz="800" dirty="0">
+              <a:rPr lang="en-IN" sz="600" dirty="0">
                 <a:solidFill>
                   <a:schemeClr val="tx1"/>
                 </a:solidFill>
                 <a:latin typeface="Nunito Sans" panose="020B0604020202020204" charset="0"/>
               </a:rPr>
-              <a:t>Hash</a:t>
+              <a:t>Private key of Uploader</a:t>
             </a:r>
           </a:p>
         </p:txBody>
       </p:sp>
       <p:sp>
         <p:nvSpPr>
-          <p:cNvPr id="30" name="Rectangle 29">
+          <p:cNvPr id="28" name="Rectangle 27">
             <a:extLst>
               <a:ext uri="{FF2B5EF4-FFF2-40B4-BE49-F238E27FC236}">
-                <a16:creationId xmlns:a16="http://schemas.microsoft.com/office/drawing/2014/main" id="{769F5C51-049B-4184-A473-DEA47407D812}"/>
+                <a16:creationId xmlns:a16="http://schemas.microsoft.com/office/drawing/2014/main" xmlns="" id="{0CD1F687-ED89-46F6-B285-627337E61F1F}"/>
               </a:ext>
             </a:extLst>
           </p:cNvPr>
@@ -10492,8 +10967,8 @@
         </p:nvSpPr>
         <p:spPr>
           <a:xfrm>
-            <a:off x="6560351" y="2276530"/>
-            <a:ext cx="447377" cy="178650"/>
+            <a:off x="5229226" y="3335127"/>
+            <a:ext cx="619124" cy="273263"/>
           </a:xfrm>
           <a:prstGeom prst="rect">
             <a:avLst/>
@@ -10529,6 +11004,130 @@
           <a:p>
             <a:pPr algn="ctr"/>
             <a:r>
+              <a:rPr lang="en-IN" sz="600" dirty="0">
+                <a:solidFill>
+                  <a:schemeClr val="tx1"/>
+                </a:solidFill>
+                <a:latin typeface="Nunito Sans" panose="020B0604020202020204" charset="0"/>
+              </a:rPr>
+              <a:t>Address of file stored in IPFS</a:t>
+            </a:r>
+          </a:p>
+        </p:txBody>
+      </p:sp>
+      <p:sp>
+        <p:nvSpPr>
+          <p:cNvPr id="29" name="Rectangle 28">
+            <a:extLst>
+              <a:ext uri="{FF2B5EF4-FFF2-40B4-BE49-F238E27FC236}">
+                <a16:creationId xmlns:a16="http://schemas.microsoft.com/office/drawing/2014/main" xmlns="" id="{4050DBEE-3D9A-422E-8D5D-6333921F2156}"/>
+              </a:ext>
+            </a:extLst>
+          </p:cNvPr>
+          <p:cNvSpPr/>
+          <p:nvPr/>
+        </p:nvSpPr>
+        <p:spPr>
+          <a:xfrm>
+            <a:off x="5429556" y="2276530"/>
+            <a:ext cx="447377" cy="178650"/>
+          </a:xfrm>
+          <a:prstGeom prst="rect">
+            <a:avLst/>
+          </a:prstGeom>
+          <a:solidFill>
+            <a:schemeClr val="bg1"/>
+          </a:solidFill>
+          <a:ln w="12700">
+            <a:solidFill>
+              <a:schemeClr val="tx1"/>
+            </a:solidFill>
+          </a:ln>
+        </p:spPr>
+        <p:style>
+          <a:lnRef idx="2">
+            <a:schemeClr val="accent1">
+              <a:shade val="50000"/>
+            </a:schemeClr>
+          </a:lnRef>
+          <a:fillRef idx="1">
+            <a:schemeClr val="accent1"/>
+          </a:fillRef>
+          <a:effectRef idx="0">
+            <a:schemeClr val="accent1"/>
+          </a:effectRef>
+          <a:fontRef idx="minor">
+            <a:schemeClr val="lt1"/>
+          </a:fontRef>
+        </p:style>
+        <p:txBody>
+          <a:bodyPr rtlCol="0" anchor="ctr"/>
+          <a:lstStyle/>
+          <a:p>
+            <a:pPr algn="ctr"/>
+            <a:r>
+              <a:rPr lang="en-IN" sz="800" dirty="0">
+                <a:solidFill>
+                  <a:schemeClr val="tx1"/>
+                </a:solidFill>
+                <a:latin typeface="Nunito Sans" panose="020B0604020202020204" charset="0"/>
+              </a:rPr>
+              <a:t>Hash</a:t>
+            </a:r>
+          </a:p>
+        </p:txBody>
+      </p:sp>
+      <p:sp>
+        <p:nvSpPr>
+          <p:cNvPr id="30" name="Rectangle 29">
+            <a:extLst>
+              <a:ext uri="{FF2B5EF4-FFF2-40B4-BE49-F238E27FC236}">
+                <a16:creationId xmlns:a16="http://schemas.microsoft.com/office/drawing/2014/main" xmlns="" id="{769F5C51-049B-4184-A473-DEA47407D812}"/>
+              </a:ext>
+            </a:extLst>
+          </p:cNvPr>
+          <p:cNvSpPr/>
+          <p:nvPr/>
+        </p:nvSpPr>
+        <p:spPr>
+          <a:xfrm>
+            <a:off x="6560351" y="2276530"/>
+            <a:ext cx="447377" cy="178650"/>
+          </a:xfrm>
+          <a:prstGeom prst="rect">
+            <a:avLst/>
+          </a:prstGeom>
+          <a:solidFill>
+            <a:schemeClr val="bg1"/>
+          </a:solidFill>
+          <a:ln w="12700">
+            <a:solidFill>
+              <a:schemeClr val="tx1"/>
+            </a:solidFill>
+          </a:ln>
+        </p:spPr>
+        <p:style>
+          <a:lnRef idx="2">
+            <a:schemeClr val="accent1">
+              <a:shade val="50000"/>
+            </a:schemeClr>
+          </a:lnRef>
+          <a:fillRef idx="1">
+            <a:schemeClr val="accent1"/>
+          </a:fillRef>
+          <a:effectRef idx="0">
+            <a:schemeClr val="accent1"/>
+          </a:effectRef>
+          <a:fontRef idx="minor">
+            <a:schemeClr val="lt1"/>
+          </a:fontRef>
+        </p:style>
+        <p:txBody>
+          <a:bodyPr rtlCol="0" anchor="ctr"/>
+          <a:lstStyle/>
+          <a:p>
+            <a:pPr algn="ctr"/>
+            <a:r>
               <a:rPr lang="en-IN" sz="800" dirty="0">
                 <a:solidFill>
                   <a:schemeClr val="tx1"/>
@@ -10545,7 +11144,7 @@
           <p:cNvPr id="24" name="Straight Arrow Connector 23">
             <a:extLst>
               <a:ext uri="{FF2B5EF4-FFF2-40B4-BE49-F238E27FC236}">
-                <a16:creationId xmlns:a16="http://schemas.microsoft.com/office/drawing/2014/main" id="{087D2D5E-80D5-4472-B184-E924AF4AEAFC}"/>
+                <a16:creationId xmlns:a16="http://schemas.microsoft.com/office/drawing/2014/main" xmlns="" id="{087D2D5E-80D5-4472-B184-E924AF4AEAFC}"/>
               </a:ext>
             </a:extLst>
           </p:cNvPr>
@@ -10590,7 +11189,7 @@
           <p:cNvPr id="97" name="Straight Arrow Connector 96">
             <a:extLst>
               <a:ext uri="{FF2B5EF4-FFF2-40B4-BE49-F238E27FC236}">
-                <a16:creationId xmlns:a16="http://schemas.microsoft.com/office/drawing/2014/main" id="{A2E3D67A-2862-446F-99DF-032FE55BDEBF}"/>
+                <a16:creationId xmlns:a16="http://schemas.microsoft.com/office/drawing/2014/main" xmlns="" id="{A2E3D67A-2862-446F-99DF-032FE55BDEBF}"/>
               </a:ext>
             </a:extLst>
           </p:cNvPr>
@@ -10632,7 +11231,7 @@
           <p:cNvPr id="101" name="Straight Connector 100">
             <a:extLst>
               <a:ext uri="{FF2B5EF4-FFF2-40B4-BE49-F238E27FC236}">
-                <a16:creationId xmlns:a16="http://schemas.microsoft.com/office/drawing/2014/main" id="{E1AD6D70-9486-49D0-B1DA-E3C03AFB6FAD}"/>
+                <a16:creationId xmlns:a16="http://schemas.microsoft.com/office/drawing/2014/main" xmlns="" id="{E1AD6D70-9486-49D0-B1DA-E3C03AFB6FAD}"/>
               </a:ext>
             </a:extLst>
           </p:cNvPr>
@@ -10673,7 +11272,7 @@
           <p:cNvPr id="40" name="Straight Arrow Connector 39">
             <a:extLst>
               <a:ext uri="{FF2B5EF4-FFF2-40B4-BE49-F238E27FC236}">
-                <a16:creationId xmlns:a16="http://schemas.microsoft.com/office/drawing/2014/main" id="{5CD1DF49-69F0-43C0-8BF1-A969BECDB581}"/>
+                <a16:creationId xmlns:a16="http://schemas.microsoft.com/office/drawing/2014/main" xmlns="" id="{5CD1DF49-69F0-43C0-8BF1-A969BECDB581}"/>
               </a:ext>
             </a:extLst>
           </p:cNvPr>
@@ -10718,7 +11317,7 @@
           <p:cNvPr id="42" name="Straight Arrow Connector 41">
             <a:extLst>
               <a:ext uri="{FF2B5EF4-FFF2-40B4-BE49-F238E27FC236}">
-                <a16:creationId xmlns:a16="http://schemas.microsoft.com/office/drawing/2014/main" id="{44FEE1DE-8467-4988-9641-7B5464BB4427}"/>
+                <a16:creationId xmlns:a16="http://schemas.microsoft.com/office/drawing/2014/main" xmlns="" id="{44FEE1DE-8467-4988-9641-7B5464BB4427}"/>
               </a:ext>
             </a:extLst>
           </p:cNvPr>
@@ -10760,7 +11359,7 @@
           <p:cNvPr id="44" name="Straight Connector 43">
             <a:extLst>
               <a:ext uri="{FF2B5EF4-FFF2-40B4-BE49-F238E27FC236}">
-                <a16:creationId xmlns:a16="http://schemas.microsoft.com/office/drawing/2014/main" id="{EE12C0D9-A933-4739-945C-7C5F34FCCB44}"/>
+                <a16:creationId xmlns:a16="http://schemas.microsoft.com/office/drawing/2014/main" xmlns="" id="{EE12C0D9-A933-4739-945C-7C5F34FCCB44}"/>
               </a:ext>
             </a:extLst>
           </p:cNvPr>
@@ -10803,7 +11402,7 @@
           <p:cNvPr id="50" name="Straight Arrow Connector 49">
             <a:extLst>
               <a:ext uri="{FF2B5EF4-FFF2-40B4-BE49-F238E27FC236}">
-                <a16:creationId xmlns:a16="http://schemas.microsoft.com/office/drawing/2014/main" id="{864D4508-0004-4946-BA02-3CFECBED4007}"/>
+                <a16:creationId xmlns:a16="http://schemas.microsoft.com/office/drawing/2014/main" xmlns="" id="{864D4508-0004-4946-BA02-3CFECBED4007}"/>
               </a:ext>
             </a:extLst>
           </p:cNvPr>
@@ -10847,7 +11446,7 @@
           <p:cNvPr id="55" name="Rectangle 54">
             <a:extLst>
               <a:ext uri="{FF2B5EF4-FFF2-40B4-BE49-F238E27FC236}">
-                <a16:creationId xmlns:a16="http://schemas.microsoft.com/office/drawing/2014/main" id="{48B45BCD-4358-4A27-A201-9C8C2C57A847}"/>
+                <a16:creationId xmlns:a16="http://schemas.microsoft.com/office/drawing/2014/main" xmlns="" id="{48B45BCD-4358-4A27-A201-9C8C2C57A847}"/>
               </a:ext>
             </a:extLst>
           </p:cNvPr>
@@ -10901,7 +11500,7 @@
           <p:cNvPr id="56" name="Rectangle 55">
             <a:extLst>
               <a:ext uri="{FF2B5EF4-FFF2-40B4-BE49-F238E27FC236}">
-                <a16:creationId xmlns:a16="http://schemas.microsoft.com/office/drawing/2014/main" id="{7AC6E2A8-CF90-4A56-8231-0F44756D7E0E}"/>
+                <a16:creationId xmlns:a16="http://schemas.microsoft.com/office/drawing/2014/main" xmlns="" id="{7AC6E2A8-CF90-4A56-8231-0F44756D7E0E}"/>
               </a:ext>
             </a:extLst>
           </p:cNvPr>
@@ -10955,7 +11554,7 @@
           <p:cNvPr id="57" name="Rectangle 56">
             <a:extLst>
               <a:ext uri="{FF2B5EF4-FFF2-40B4-BE49-F238E27FC236}">
-                <a16:creationId xmlns:a16="http://schemas.microsoft.com/office/drawing/2014/main" id="{AAB3C0DD-DE9D-4FE3-950D-B4A854CCDAF7}"/>
+                <a16:creationId xmlns:a16="http://schemas.microsoft.com/office/drawing/2014/main" xmlns="" id="{AAB3C0DD-DE9D-4FE3-950D-B4A854CCDAF7}"/>
               </a:ext>
             </a:extLst>
           </p:cNvPr>
@@ -11017,7 +11616,7 @@
           <p:cNvPr id="58" name="Rectangle 57">
             <a:extLst>
               <a:ext uri="{FF2B5EF4-FFF2-40B4-BE49-F238E27FC236}">
-                <a16:creationId xmlns:a16="http://schemas.microsoft.com/office/drawing/2014/main" id="{38193A52-B7AC-4BEF-89DC-F578D16C79BE}"/>
+                <a16:creationId xmlns:a16="http://schemas.microsoft.com/office/drawing/2014/main" xmlns="" id="{38193A52-B7AC-4BEF-89DC-F578D16C79BE}"/>
               </a:ext>
             </a:extLst>
           </p:cNvPr>
@@ -11091,7 +11690,7 @@
           <p:cNvPr id="59" name="Picture 42">
             <a:extLst>
               <a:ext uri="{FF2B5EF4-FFF2-40B4-BE49-F238E27FC236}">
-                <a16:creationId xmlns:a16="http://schemas.microsoft.com/office/drawing/2014/main" id="{2F844B0C-CB90-498F-99F2-41A6C6AA21FE}"/>
+                <a16:creationId xmlns:a16="http://schemas.microsoft.com/office/drawing/2014/main" xmlns="" id="{2F844B0C-CB90-498F-99F2-41A6C6AA21FE}"/>
               </a:ext>
             </a:extLst>
           </p:cNvPr>
@@ -11151,7 +11750,7 @@
           <p:cNvPr id="112" name="Picture 111">
             <a:extLst>
               <a:ext uri="{FF2B5EF4-FFF2-40B4-BE49-F238E27FC236}">
-                <a16:creationId xmlns:a16="http://schemas.microsoft.com/office/drawing/2014/main" id="{3554E3BA-44EA-4384-A6BC-6BAEA92A7315}"/>
+                <a16:creationId xmlns:a16="http://schemas.microsoft.com/office/drawing/2014/main" xmlns="" id="{3554E3BA-44EA-4384-A6BC-6BAEA92A7315}"/>
               </a:ext>
             </a:extLst>
           </p:cNvPr>
@@ -11181,7 +11780,7 @@
           <p:cNvPr id="64" name="Rectangle 63">
             <a:extLst>
               <a:ext uri="{FF2B5EF4-FFF2-40B4-BE49-F238E27FC236}">
-                <a16:creationId xmlns:a16="http://schemas.microsoft.com/office/drawing/2014/main" id="{026A8523-BD90-4E59-9735-AF2B4DD3E265}"/>
+                <a16:creationId xmlns:a16="http://schemas.microsoft.com/office/drawing/2014/main" xmlns="" id="{026A8523-BD90-4E59-9735-AF2B4DD3E265}"/>
               </a:ext>
             </a:extLst>
           </p:cNvPr>
@@ -11235,7 +11834,7 @@
           <p:cNvPr id="66" name="Rectangle 65">
             <a:extLst>
               <a:ext uri="{FF2B5EF4-FFF2-40B4-BE49-F238E27FC236}">
-                <a16:creationId xmlns:a16="http://schemas.microsoft.com/office/drawing/2014/main" id="{2AD70DEF-8638-4ACB-BF8A-B86A41A3423D}"/>
+                <a16:creationId xmlns:a16="http://schemas.microsoft.com/office/drawing/2014/main" xmlns="" id="{2AD70DEF-8638-4ACB-BF8A-B86A41A3423D}"/>
               </a:ext>
             </a:extLst>
           </p:cNvPr>
@@ -11297,7 +11896,7 @@
           <p:cNvPr id="116" name="Picture 115">
             <a:extLst>
               <a:ext uri="{FF2B5EF4-FFF2-40B4-BE49-F238E27FC236}">
-                <a16:creationId xmlns:a16="http://schemas.microsoft.com/office/drawing/2014/main" id="{B1C8D4B3-5CA5-4ECE-84DD-E4907926740A}"/>
+                <a16:creationId xmlns:a16="http://schemas.microsoft.com/office/drawing/2014/main" xmlns="" id="{B1C8D4B3-5CA5-4ECE-84DD-E4907926740A}"/>
               </a:ext>
             </a:extLst>
           </p:cNvPr>
@@ -11327,7 +11926,7 @@
           <p:cNvPr id="72" name="Rectangle 71">
             <a:extLst>
               <a:ext uri="{FF2B5EF4-FFF2-40B4-BE49-F238E27FC236}">
-                <a16:creationId xmlns:a16="http://schemas.microsoft.com/office/drawing/2014/main" id="{01B320DF-E6AB-4F7E-B0FD-3618D5A6A14F}"/>
+                <a16:creationId xmlns:a16="http://schemas.microsoft.com/office/drawing/2014/main" xmlns="" id="{01B320DF-E6AB-4F7E-B0FD-3618D5A6A14F}"/>
               </a:ext>
             </a:extLst>
           </p:cNvPr>
@@ -11387,7 +11986,7 @@
           <p:cNvPr id="118" name="Arrow: Up-Down 117">
             <a:extLst>
               <a:ext uri="{FF2B5EF4-FFF2-40B4-BE49-F238E27FC236}">
-                <a16:creationId xmlns:a16="http://schemas.microsoft.com/office/drawing/2014/main" id="{F25F6E6C-E50C-4C32-86A1-42F75BD07901}"/>
+                <a16:creationId xmlns:a16="http://schemas.microsoft.com/office/drawing/2014/main" xmlns="" id="{F25F6E6C-E50C-4C32-86A1-42F75BD07901}"/>
               </a:ext>
             </a:extLst>
           </p:cNvPr>
@@ -11433,7 +12032,7 @@
           <p:cNvPr id="74" name="Arrow: Up-Down 73">
             <a:extLst>
               <a:ext uri="{FF2B5EF4-FFF2-40B4-BE49-F238E27FC236}">
-                <a16:creationId xmlns:a16="http://schemas.microsoft.com/office/drawing/2014/main" id="{3A769608-CEE7-43E4-BB41-0AA36412BCCE}"/>
+                <a16:creationId xmlns:a16="http://schemas.microsoft.com/office/drawing/2014/main" xmlns="" id="{3A769608-CEE7-43E4-BB41-0AA36412BCCE}"/>
               </a:ext>
             </a:extLst>
           </p:cNvPr>
@@ -11479,7 +12078,7 @@
           <p:cNvPr id="75" name="Arrow: Up-Down 74">
             <a:extLst>
               <a:ext uri="{FF2B5EF4-FFF2-40B4-BE49-F238E27FC236}">
-                <a16:creationId xmlns:a16="http://schemas.microsoft.com/office/drawing/2014/main" id="{0C44AF41-EEB6-44F4-8E16-05F60219BD87}"/>
+                <a16:creationId xmlns:a16="http://schemas.microsoft.com/office/drawing/2014/main" xmlns="" id="{0C44AF41-EEB6-44F4-8E16-05F60219BD87}"/>
               </a:ext>
             </a:extLst>
           </p:cNvPr>
@@ -11525,7 +12124,7 @@
           <p:cNvPr id="76" name="Arrow: Up-Down 75">
             <a:extLst>
               <a:ext uri="{FF2B5EF4-FFF2-40B4-BE49-F238E27FC236}">
-                <a16:creationId xmlns:a16="http://schemas.microsoft.com/office/drawing/2014/main" id="{FC51E6FE-D368-4B28-8661-798B762CCB75}"/>
+                <a16:creationId xmlns:a16="http://schemas.microsoft.com/office/drawing/2014/main" xmlns="" id="{FC51E6FE-D368-4B28-8661-798B762CCB75}"/>
               </a:ext>
             </a:extLst>
           </p:cNvPr>
@@ -11571,7 +12170,7 @@
           <p:cNvPr id="120" name="Picture 119">
             <a:extLst>
               <a:ext uri="{FF2B5EF4-FFF2-40B4-BE49-F238E27FC236}">
-                <a16:creationId xmlns:a16="http://schemas.microsoft.com/office/drawing/2014/main" id="{CCA75F24-AF7B-434D-A086-B7BB355744DF}"/>
+                <a16:creationId xmlns:a16="http://schemas.microsoft.com/office/drawing/2014/main" xmlns="" id="{CCA75F24-AF7B-434D-A086-B7BB355744DF}"/>
               </a:ext>
             </a:extLst>
           </p:cNvPr>
@@ -11601,7 +12200,7 @@
           <p:cNvPr id="79" name="Picture 50">
             <a:extLst>
               <a:ext uri="{FF2B5EF4-FFF2-40B4-BE49-F238E27FC236}">
-                <a16:creationId xmlns:a16="http://schemas.microsoft.com/office/drawing/2014/main" id="{0A4AA348-544D-4A99-933D-85AF7F4035E9}"/>
+                <a16:creationId xmlns:a16="http://schemas.microsoft.com/office/drawing/2014/main" xmlns="" id="{0A4AA348-544D-4A99-933D-85AF7F4035E9}"/>
               </a:ext>
             </a:extLst>
           </p:cNvPr>
@@ -11661,7 +12260,7 @@
           <p:cNvPr id="122" name="Picture 121">
             <a:extLst>
               <a:ext uri="{FF2B5EF4-FFF2-40B4-BE49-F238E27FC236}">
-                <a16:creationId xmlns:a16="http://schemas.microsoft.com/office/drawing/2014/main" id="{EEBE87C7-8F9C-42B5-A8B0-FE8340D5F6F6}"/>
+                <a16:creationId xmlns:a16="http://schemas.microsoft.com/office/drawing/2014/main" xmlns="" id="{EEBE87C7-8F9C-42B5-A8B0-FE8340D5F6F6}"/>
               </a:ext>
             </a:extLst>
           </p:cNvPr>
@@ -11691,7 +12290,7 @@
           <p:cNvPr id="124" name="Picture 123">
             <a:extLst>
               <a:ext uri="{FF2B5EF4-FFF2-40B4-BE49-F238E27FC236}">
-                <a16:creationId xmlns:a16="http://schemas.microsoft.com/office/drawing/2014/main" id="{18678D47-7F89-417D-8364-D478D7CED8DB}"/>
+                <a16:creationId xmlns:a16="http://schemas.microsoft.com/office/drawing/2014/main" xmlns="" id="{18678D47-7F89-417D-8364-D478D7CED8DB}"/>
               </a:ext>
             </a:extLst>
           </p:cNvPr>
@@ -11721,7 +12320,7 @@
           <p:cNvPr id="84" name="Picture 83">
             <a:extLst>
               <a:ext uri="{FF2B5EF4-FFF2-40B4-BE49-F238E27FC236}">
-                <a16:creationId xmlns:a16="http://schemas.microsoft.com/office/drawing/2014/main" id="{63BA7092-1D0B-4CDC-9783-89C21CF79E81}"/>
+                <a16:creationId xmlns:a16="http://schemas.microsoft.com/office/drawing/2014/main" xmlns="" id="{63BA7092-1D0B-4CDC-9783-89C21CF79E81}"/>
               </a:ext>
             </a:extLst>
           </p:cNvPr>
@@ -11751,7 +12350,7 @@
           <p:cNvPr id="127" name="TextBox 126">
             <a:extLst>
               <a:ext uri="{FF2B5EF4-FFF2-40B4-BE49-F238E27FC236}">
-                <a16:creationId xmlns:a16="http://schemas.microsoft.com/office/drawing/2014/main" id="{981518DD-AEFF-45B7-8057-DA0E6A9B47C3}"/>
+                <a16:creationId xmlns:a16="http://schemas.microsoft.com/office/drawing/2014/main" xmlns="" id="{981518DD-AEFF-45B7-8057-DA0E6A9B47C3}"/>
               </a:ext>
             </a:extLst>
           </p:cNvPr>
@@ -11789,7 +12388,7 @@
           <p:cNvPr id="88" name="TextBox 87">
             <a:extLst>
               <a:ext uri="{FF2B5EF4-FFF2-40B4-BE49-F238E27FC236}">
-                <a16:creationId xmlns:a16="http://schemas.microsoft.com/office/drawing/2014/main" id="{F00DA144-301C-4694-8642-5D3A8966255E}"/>
+                <a16:creationId xmlns:a16="http://schemas.microsoft.com/office/drawing/2014/main" xmlns="" id="{F00DA144-301C-4694-8642-5D3A8966255E}"/>
               </a:ext>
             </a:extLst>
           </p:cNvPr>
@@ -11827,7 +12426,7 @@
           <p:cNvPr id="89" name="TextBox 88">
             <a:extLst>
               <a:ext uri="{FF2B5EF4-FFF2-40B4-BE49-F238E27FC236}">
-                <a16:creationId xmlns:a16="http://schemas.microsoft.com/office/drawing/2014/main" id="{D46B7FE0-A4F5-4CCF-ABEC-726AB1EA4193}"/>
+                <a16:creationId xmlns:a16="http://schemas.microsoft.com/office/drawing/2014/main" xmlns="" id="{D46B7FE0-A4F5-4CCF-ABEC-726AB1EA4193}"/>
               </a:ext>
             </a:extLst>
           </p:cNvPr>
@@ -11865,7 +12464,7 @@
           <p:cNvPr id="32" name="Arrow: Left 31">
             <a:extLst>
               <a:ext uri="{FF2B5EF4-FFF2-40B4-BE49-F238E27FC236}">
-                <a16:creationId xmlns:a16="http://schemas.microsoft.com/office/drawing/2014/main" id="{DDEAB656-485B-4BC9-B75B-6FB9CFAABCBF}"/>
+                <a16:creationId xmlns:a16="http://schemas.microsoft.com/office/drawing/2014/main" xmlns="" id="{DDEAB656-485B-4BC9-B75B-6FB9CFAABCBF}"/>
               </a:ext>
             </a:extLst>
           </p:cNvPr>
@@ -11911,7 +12510,7 @@
           <p:cNvPr id="33" name="Arrow: Right 32">
             <a:extLst>
               <a:ext uri="{FF2B5EF4-FFF2-40B4-BE49-F238E27FC236}">
-                <a16:creationId xmlns:a16="http://schemas.microsoft.com/office/drawing/2014/main" id="{1750CCE7-C1AB-4B99-90EC-12BE38429399}"/>
+                <a16:creationId xmlns:a16="http://schemas.microsoft.com/office/drawing/2014/main" xmlns="" id="{1750CCE7-C1AB-4B99-90EC-12BE38429399}"/>
               </a:ext>
             </a:extLst>
           </p:cNvPr>
@@ -11957,7 +12556,7 @@
           <p:cNvPr id="39" name="Arrow: Right 38">
             <a:extLst>
               <a:ext uri="{FF2B5EF4-FFF2-40B4-BE49-F238E27FC236}">
-                <a16:creationId xmlns:a16="http://schemas.microsoft.com/office/drawing/2014/main" id="{75E98987-F062-4A77-B0D7-DF1697A0E167}"/>
+                <a16:creationId xmlns:a16="http://schemas.microsoft.com/office/drawing/2014/main" xmlns="" id="{75E98987-F062-4A77-B0D7-DF1697A0E167}"/>
               </a:ext>
             </a:extLst>
           </p:cNvPr>
@@ -12003,7 +12602,7 @@
           <p:cNvPr id="128" name="Arrow: Right 127">
             <a:extLst>
               <a:ext uri="{FF2B5EF4-FFF2-40B4-BE49-F238E27FC236}">
-                <a16:creationId xmlns:a16="http://schemas.microsoft.com/office/drawing/2014/main" id="{4F61E5B2-0F22-4CF9-962A-8AF8369EA0A4}"/>
+                <a16:creationId xmlns:a16="http://schemas.microsoft.com/office/drawing/2014/main" xmlns="" id="{4F61E5B2-0F22-4CF9-962A-8AF8369EA0A4}"/>
               </a:ext>
             </a:extLst>
           </p:cNvPr>
@@ -12049,7 +12648,7 @@
           <p:cNvPr id="130" name="Arrow: Right 129">
             <a:extLst>
               <a:ext uri="{FF2B5EF4-FFF2-40B4-BE49-F238E27FC236}">
-                <a16:creationId xmlns:a16="http://schemas.microsoft.com/office/drawing/2014/main" id="{101BB2C6-0A70-4200-A5E9-40341C9AB832}"/>
+                <a16:creationId xmlns:a16="http://schemas.microsoft.com/office/drawing/2014/main" xmlns="" id="{101BB2C6-0A70-4200-A5E9-40341C9AB832}"/>
               </a:ext>
             </a:extLst>
           </p:cNvPr>
@@ -12095,7 +12694,7 @@
           <p:cNvPr id="46" name="Arrow: Left-Up 45">
             <a:extLst>
               <a:ext uri="{FF2B5EF4-FFF2-40B4-BE49-F238E27FC236}">
-                <a16:creationId xmlns:a16="http://schemas.microsoft.com/office/drawing/2014/main" id="{01E79B17-5381-4839-9A9C-1E3D662CBF69}"/>
+                <a16:creationId xmlns:a16="http://schemas.microsoft.com/office/drawing/2014/main" xmlns="" id="{01E79B17-5381-4839-9A9C-1E3D662CBF69}"/>
               </a:ext>
             </a:extLst>
           </p:cNvPr>
@@ -12145,7 +12744,7 @@
           <p:cNvPr id="136" name="Arrow: Left-Up 135">
             <a:extLst>
               <a:ext uri="{FF2B5EF4-FFF2-40B4-BE49-F238E27FC236}">
-                <a16:creationId xmlns:a16="http://schemas.microsoft.com/office/drawing/2014/main" id="{770A2473-F18E-4C76-941C-0F5C5F4394B5}"/>
+                <a16:creationId xmlns:a16="http://schemas.microsoft.com/office/drawing/2014/main" xmlns="" id="{770A2473-F18E-4C76-941C-0F5C5F4394B5}"/>
               </a:ext>
             </a:extLst>
           </p:cNvPr>
@@ -12195,7 +12794,7 @@
           <p:cNvPr id="51" name="Arrow: Bent-Up 50">
             <a:extLst>
               <a:ext uri="{FF2B5EF4-FFF2-40B4-BE49-F238E27FC236}">
-                <a16:creationId xmlns:a16="http://schemas.microsoft.com/office/drawing/2014/main" id="{55AB17C6-F741-451F-9CA4-5B5C1BDD9A5A}"/>
+                <a16:creationId xmlns:a16="http://schemas.microsoft.com/office/drawing/2014/main" xmlns="" id="{55AB17C6-F741-451F-9CA4-5B5C1BDD9A5A}"/>
               </a:ext>
             </a:extLst>
           </p:cNvPr>
@@ -12245,7 +12844,7 @@
           <p:cNvPr id="2" name="TextBox 1">
             <a:extLst>
               <a:ext uri="{FF2B5EF4-FFF2-40B4-BE49-F238E27FC236}">
-                <a16:creationId xmlns:a16="http://schemas.microsoft.com/office/drawing/2014/main" id="{C8CCF8C6-DAFA-4BE4-9D03-A21EEB4F4751}"/>
+                <a16:creationId xmlns:a16="http://schemas.microsoft.com/office/drawing/2014/main" xmlns="" id="{C8CCF8C6-DAFA-4BE4-9D03-A21EEB4F4751}"/>
               </a:ext>
             </a:extLst>
           </p:cNvPr>
@@ -12289,7 +12888,7 @@
 </p:sld>
 </file>
 
-<file path=ppt/slides/slide11.xml><?xml version="1.0" encoding="utf-8"?>
+<file path=ppt/slides/slide12.xml><?xml version="1.0" encoding="utf-8"?>
 <p:sld xmlns:a="http://schemas.openxmlformats.org/drawingml/2006/main" xmlns:r="http://schemas.openxmlformats.org/officeDocument/2006/relationships" xmlns:p="http://schemas.openxmlformats.org/presentationml/2006/main">
   <p:cSld>
     <p:bg>
@@ -12482,7 +13081,7 @@
             </a:pPr>
             <a:fld id="{00000000-1234-1234-1234-123412341234}" type="slidenum">
               <a:rPr lang="en"/>
-              <a:t>11</a:t>
+              <a:t>12</a:t>
             </a:fld>
             <a:endParaRPr dirty="0"/>
           </a:p>
@@ -12670,7 +13269,7 @@
           <p:cNvPr id="13" name="Picture 42">
             <a:extLst>
               <a:ext uri="{FF2B5EF4-FFF2-40B4-BE49-F238E27FC236}">
-                <a16:creationId xmlns:a16="http://schemas.microsoft.com/office/drawing/2014/main" id="{72CD0BC3-CBCD-4F08-9EC2-094477A3F00F}"/>
+                <a16:creationId xmlns:a16="http://schemas.microsoft.com/office/drawing/2014/main" xmlns="" id="{72CD0BC3-CBCD-4F08-9EC2-094477A3F00F}"/>
               </a:ext>
             </a:extLst>
           </p:cNvPr>
@@ -13570,7 +14169,7 @@
           <p:cNvPr id="31" name="Picture 42">
             <a:extLst>
               <a:ext uri="{FF2B5EF4-FFF2-40B4-BE49-F238E27FC236}">
-                <a16:creationId xmlns:a16="http://schemas.microsoft.com/office/drawing/2014/main" id="{72CD0BC3-CBCD-4F08-9EC2-094477A3F00F}"/>
+                <a16:creationId xmlns:a16="http://schemas.microsoft.com/office/drawing/2014/main" xmlns="" id="{72CD0BC3-CBCD-4F08-9EC2-094477A3F00F}"/>
               </a:ext>
             </a:extLst>
           </p:cNvPr>
@@ -13994,7 +14593,7 @@
           <p:cNvPr id="3" name="Picture 2">
             <a:extLst>
               <a:ext uri="{FF2B5EF4-FFF2-40B4-BE49-F238E27FC236}">
-                <a16:creationId xmlns:a16="http://schemas.microsoft.com/office/drawing/2014/main" id="{5A4D36D6-3FE6-4236-9A69-129345D21CE7}"/>
+                <a16:creationId xmlns:a16="http://schemas.microsoft.com/office/drawing/2014/main" xmlns="" id="{5A4D36D6-3FE6-4236-9A69-129345D21CE7}"/>
               </a:ext>
             </a:extLst>
           </p:cNvPr>
@@ -14101,9 +14700,17 @@
               <a:rPr lang="en-IN" b="1" dirty="0"/>
               <a:t>Statement</a:t>
             </a:r>
+            <a:r>
+              <a:rPr lang="en" b="1" dirty="0"/>
+              <a:t/>
+            </a:r>
             <a:br>
               <a:rPr lang="en" b="1" dirty="0"/>
             </a:br>
+            <a:r>
+              <a:rPr lang="en" b="1" dirty="0"/>
+              <a:t/>
+            </a:r>
             <a:br>
               <a:rPr lang="en" b="1" dirty="0"/>
             </a:br>
@@ -14590,7 +15197,7 @@
           <p:cNvPr id="11" name="Shape 114">
             <a:extLst>
               <a:ext uri="{FF2B5EF4-FFF2-40B4-BE49-F238E27FC236}">
-                <a16:creationId xmlns:a16="http://schemas.microsoft.com/office/drawing/2014/main" id="{1D3C8554-FECA-4592-9592-A1CD9D928A40}"/>
+                <a16:creationId xmlns:a16="http://schemas.microsoft.com/office/drawing/2014/main" xmlns="" id="{1D3C8554-FECA-4592-9592-A1CD9D928A40}"/>
               </a:ext>
             </a:extLst>
           </p:cNvPr>
@@ -14766,7 +15373,7 @@
           <p:cNvPr id="4" name="Rectangle 3">
             <a:extLst>
               <a:ext uri="{FF2B5EF4-FFF2-40B4-BE49-F238E27FC236}">
-                <a16:creationId xmlns:a16="http://schemas.microsoft.com/office/drawing/2014/main" id="{73975F41-C02D-4F7A-B534-F50F4D1254D9}"/>
+                <a16:creationId xmlns:a16="http://schemas.microsoft.com/office/drawing/2014/main" xmlns="" id="{73975F41-C02D-4F7A-B534-F50F4D1254D9}"/>
               </a:ext>
             </a:extLst>
           </p:cNvPr>
@@ -14891,7 +15498,7 @@
           <p:cNvPr id="8" name="Rectangle 7">
             <a:extLst>
               <a:ext uri="{FF2B5EF4-FFF2-40B4-BE49-F238E27FC236}">
-                <a16:creationId xmlns:a16="http://schemas.microsoft.com/office/drawing/2014/main" id="{587713AA-9CBD-4BD7-A8A4-7B621B110039}"/>
+                <a16:creationId xmlns:a16="http://schemas.microsoft.com/office/drawing/2014/main" xmlns="" id="{587713AA-9CBD-4BD7-A8A4-7B621B110039}"/>
               </a:ext>
             </a:extLst>
           </p:cNvPr>
@@ -14988,7 +15595,7 @@
           <p:cNvPr id="9" name="Picture 42">
             <a:extLst>
               <a:ext uri="{FF2B5EF4-FFF2-40B4-BE49-F238E27FC236}">
-                <a16:creationId xmlns:a16="http://schemas.microsoft.com/office/drawing/2014/main" id="{72CD0BC3-CBCD-4F08-9EC2-094477A3F00F}"/>
+                <a16:creationId xmlns:a16="http://schemas.microsoft.com/office/drawing/2014/main" xmlns="" id="{72CD0BC3-CBCD-4F08-9EC2-094477A3F00F}"/>
               </a:ext>
             </a:extLst>
           </p:cNvPr>
@@ -15048,7 +15655,7 @@
           <p:cNvPr id="10" name="Rectangle 9">
             <a:extLst>
               <a:ext uri="{FF2B5EF4-FFF2-40B4-BE49-F238E27FC236}">
-                <a16:creationId xmlns:a16="http://schemas.microsoft.com/office/drawing/2014/main" id="{A6D7667A-DA73-430E-A281-75520436CCCB}"/>
+                <a16:creationId xmlns:a16="http://schemas.microsoft.com/office/drawing/2014/main" xmlns="" id="{A6D7667A-DA73-430E-A281-75520436CCCB}"/>
               </a:ext>
             </a:extLst>
           </p:cNvPr>
@@ -15226,7 +15833,7 @@
           <p:cNvPr id="12" name="Rectangle 11">
             <a:extLst>
               <a:ext uri="{FF2B5EF4-FFF2-40B4-BE49-F238E27FC236}">
-                <a16:creationId xmlns:a16="http://schemas.microsoft.com/office/drawing/2014/main" id="{A6D7667A-DA73-430E-A281-75520436CCCB}"/>
+                <a16:creationId xmlns:a16="http://schemas.microsoft.com/office/drawing/2014/main" xmlns="" id="{A6D7667A-DA73-430E-A281-75520436CCCB}"/>
               </a:ext>
             </a:extLst>
           </p:cNvPr>
@@ -15580,7 +16187,7 @@
           <p:cNvPr id="11" name="Shape 114">
             <a:extLst>
               <a:ext uri="{FF2B5EF4-FFF2-40B4-BE49-F238E27FC236}">
-                <a16:creationId xmlns:a16="http://schemas.microsoft.com/office/drawing/2014/main" id="{1D3C8554-FECA-4592-9592-A1CD9D928A40}"/>
+                <a16:creationId xmlns:a16="http://schemas.microsoft.com/office/drawing/2014/main" xmlns="" id="{1D3C8554-FECA-4592-9592-A1CD9D928A40}"/>
               </a:ext>
             </a:extLst>
           </p:cNvPr>
@@ -17238,7 +17845,7 @@
         <p:spPr>
           <a:xfrm>
             <a:off x="2763090" y="192704"/>
-            <a:ext cx="2018630" cy="369332"/>
+            <a:ext cx="1954381" cy="369332"/>
           </a:xfrm>
           <a:prstGeom prst="rect">
             <a:avLst/>
@@ -17257,12 +17864,16 @@
               <a:buNone/>
             </a:pPr>
             <a:r>
-              <a:rPr lang="en-IN" sz="1800" kern="1200" dirty="0">
+              <a:rPr lang="en-IN" sz="1800" kern="1200" dirty="0" smtClean="0">
                 <a:ea typeface="+mn-ea"/>
                 <a:cs typeface="+mn-cs"/>
               </a:rPr>
-              <a:t>Technical Aspects</a:t>
-            </a:r>
+              <a:t>Product Features</a:t>
+            </a:r>
+            <a:endParaRPr lang="en-IN" sz="1800" kern="1200" dirty="0">
+              <a:ea typeface="+mn-ea"/>
+              <a:cs typeface="+mn-cs"/>
+            </a:endParaRPr>
           </a:p>
         </p:txBody>
       </p:sp>
@@ -17738,7 +18349,7 @@
           <p:cNvPr id="11" name="Shape 114">
             <a:extLst>
               <a:ext uri="{FF2B5EF4-FFF2-40B4-BE49-F238E27FC236}">
-                <a16:creationId xmlns:a16="http://schemas.microsoft.com/office/drawing/2014/main" id="{1D3C8554-FECA-4592-9592-A1CD9D928A40}"/>
+                <a16:creationId xmlns:a16="http://schemas.microsoft.com/office/drawing/2014/main" xmlns="" id="{1D3C8554-FECA-4592-9592-A1CD9D928A40}"/>
               </a:ext>
             </a:extLst>
           </p:cNvPr>
@@ -18081,6 +18692,13 @@
   <p:clrMapOvr>
     <a:masterClrMapping/>
   </p:clrMapOvr>
+  <p:timing>
+    <p:tnLst>
+      <p:par>
+        <p:cTn id="1" dur="indefinite" restart="never" nodeType="tmRoot"/>
+      </p:par>
+    </p:tnLst>
+  </p:timing>
 </p:sld>
 </file>
 
@@ -18123,8 +18741,8 @@
         </p:nvSpPr>
         <p:spPr>
           <a:xfrm>
-            <a:off x="91952" y="563624"/>
-            <a:ext cx="2485001" cy="817464"/>
+            <a:off x="234450" y="575500"/>
+            <a:ext cx="2046300" cy="817464"/>
           </a:xfrm>
           <a:prstGeom prst="rect">
             <a:avLst/>
@@ -18147,7 +18765,7 @@
             </a:pPr>
             <a:r>
               <a:rPr lang="en-IN" b="1" dirty="0"/>
-              <a:t>Ease of Implementation</a:t>
+              <a:t>Relevance in Smart City</a:t>
             </a:r>
             <a:endParaRPr b="1" dirty="0"/>
           </a:p>
@@ -18178,45 +18796,71 @@
           </a:bodyPr>
           <a:lstStyle/>
           <a:p>
-            <a:pPr marL="0" lvl="0" indent="0">
-              <a:spcBef>
-                <a:spcPts val="0"/>
-              </a:spcBef>
-              <a:spcAft>
-                <a:spcPts val="0"/>
-              </a:spcAft>
-              <a:buNone/>
-            </a:pPr>
             <a:fld id="{00000000-1234-1234-1234-123412341234}" type="slidenum">
               <a:rPr lang="en"/>
+              <a:pPr/>
               <a:t>9</a:t>
             </a:fld>
             <a:endParaRPr dirty="0"/>
           </a:p>
         </p:txBody>
       </p:sp>
+      <p:pic>
+        <p:nvPicPr>
+          <p:cNvPr id="1026" name="Picture 2" descr="C:\Users\Shikhar Bhatt\Desktop\NITI\psmc.png"/>
+          <p:cNvPicPr>
+            <a:picLocks noChangeAspect="1" noChangeArrowheads="1"/>
+          </p:cNvPicPr>
+          <p:nvPr/>
+        </p:nvPicPr>
+        <p:blipFill>
+          <a:blip r:embed="rId3">
+            <a:extLst>
+              <a:ext uri="{28A0092B-C50C-407E-A947-70E740481C1C}">
+                <a14:useLocalDpi xmlns:a14="http://schemas.microsoft.com/office/drawing/2010/main" val="0"/>
+              </a:ext>
+            </a:extLst>
+          </a:blip>
+          <a:srcRect/>
+          <a:stretch>
+            <a:fillRect/>
+          </a:stretch>
+        </p:blipFill>
+        <p:spPr bwMode="auto">
+          <a:xfrm>
+            <a:off x="4961411" y="2147191"/>
+            <a:ext cx="1714500" cy="952500"/>
+          </a:xfrm>
+          <a:prstGeom prst="rect">
+            <a:avLst/>
+          </a:prstGeom>
+          <a:noFill/>
+          <a:extLst>
+            <a:ext uri="{909E8E84-426E-40DD-AFC4-6F175D3DCCD1}">
+              <a14:hiddenFill xmlns:a14="http://schemas.microsoft.com/office/drawing/2010/main">
+                <a:solidFill>
+                  <a:srgbClr val="FFFFFF"/>
+                </a:solidFill>
+              </a14:hiddenFill>
+            </a:ext>
+          </a:extLst>
+        </p:spPr>
+      </p:pic>
       <p:sp>
         <p:nvSpPr>
-          <p:cNvPr id="3" name="Rectangle 2"/>
+          <p:cNvPr id="10" name="Rectangle 9"/>
           <p:cNvSpPr/>
           <p:nvPr/>
         </p:nvSpPr>
         <p:spPr>
           <a:xfrm>
-            <a:off x="3022270" y="611580"/>
-            <a:ext cx="5658592" cy="1579418"/>
+            <a:off x="4815196" y="2114039"/>
+            <a:ext cx="2006930" cy="985652"/>
           </a:xfrm>
           <a:prstGeom prst="rect">
             <a:avLst/>
           </a:prstGeom>
           <a:noFill/>
-          <a:ln>
-            <a:solidFill>
-              <a:schemeClr val="bg1">
-                <a:lumMod val="95000"/>
-              </a:schemeClr>
-            </a:solidFill>
-          </a:ln>
         </p:spPr>
         <p:style>
           <a:lnRef idx="2">
@@ -18239,337 +18883,548 @@
           <a:lstStyle/>
           <a:p>
             <a:pPr algn="ctr"/>
-            <a:endParaRPr lang="en-IN"/>
+            <a:endParaRPr lang="en-IN">
+              <a:solidFill>
+                <a:srgbClr val="FFFFFF"/>
+              </a:solidFill>
+            </a:endParaRPr>
           </a:p>
         </p:txBody>
       </p:sp>
-      <p:sp>
-        <p:nvSpPr>
-          <p:cNvPr id="4" name="TextBox 3"/>
-          <p:cNvSpPr txBox="1"/>
+      <p:graphicFrame>
+        <p:nvGraphicFramePr>
+          <p:cNvPr id="5" name="Table 4"/>
+          <p:cNvGraphicFramePr>
+            <a:graphicFrameLocks noGrp="1"/>
+          </p:cNvGraphicFramePr>
+          <p:nvPr>
+            <p:extLst>
+              <p:ext uri="{D42A27DB-BD31-4B8C-83A1-F6EECF244321}">
+                <p14:modId xmlns:p14="http://schemas.microsoft.com/office/powerpoint/2010/main" val="1471796291"/>
+              </p:ext>
+            </p:extLst>
+          </p:nvPr>
+        </p:nvGraphicFramePr>
+        <p:xfrm>
+          <a:off x="2777572" y="370753"/>
+          <a:ext cx="2399735" cy="1132840"/>
+        </p:xfrm>
+        <a:graphic>
+          <a:graphicData uri="http://schemas.openxmlformats.org/drawingml/2006/table">
+            <a:tbl>
+              <a:tblPr firstRow="1" bandRow="1">
+                <a:tableStyleId>{3C2FFA5D-87B4-456A-9821-1D502468CF0F}</a:tableStyleId>
+              </a:tblPr>
+              <a:tblGrid>
+                <a:gridCol w="2399735"/>
+              </a:tblGrid>
+              <a:tr h="370840">
+                <a:tc>
+                  <a:txBody>
+                    <a:bodyPr/>
+                    <a:lstStyle/>
+                    <a:p>
+                      <a:pPr algn="ctr"/>
+                      <a:r>
+                        <a:rPr lang="en-IN" sz="1200" dirty="0" smtClean="0"/>
+                        <a:t>Technology</a:t>
+                      </a:r>
+                      <a:endParaRPr lang="en-IN" dirty="0"/>
+                    </a:p>
+                  </a:txBody>
+                  <a:tcPr/>
+                </a:tc>
+              </a:tr>
+              <a:tr h="370840">
+                <a:tc>
+                  <a:txBody>
+                    <a:bodyPr/>
+                    <a:lstStyle/>
+                    <a:p>
+                      <a:pPr marL="171450" indent="-171450">
+                        <a:buFont typeface="Arial" pitchFamily="34" charset="0"/>
+                        <a:buChar char="•"/>
+                      </a:pPr>
+                      <a:r>
+                        <a:rPr lang="en-IN" sz="1100" dirty="0" smtClean="0"/>
+                        <a:t>Blockchain</a:t>
+                      </a:r>
+                    </a:p>
+                    <a:p>
+                      <a:pPr marL="171450" indent="-171450">
+                        <a:buFont typeface="Arial" pitchFamily="34" charset="0"/>
+                        <a:buChar char="•"/>
+                      </a:pPr>
+                      <a:r>
+                        <a:rPr lang="en-IN" sz="1100" dirty="0" smtClean="0"/>
+                        <a:t>Robust</a:t>
+                      </a:r>
+                      <a:r>
+                        <a:rPr lang="en-IN" sz="1100" baseline="0" dirty="0" smtClean="0"/>
+                        <a:t> IT connectivity</a:t>
+                      </a:r>
+                    </a:p>
+                    <a:p>
+                      <a:pPr marL="171450" indent="-171450">
+                        <a:buFont typeface="Arial" pitchFamily="34" charset="0"/>
+                        <a:buChar char="•"/>
+                      </a:pPr>
+                      <a:r>
+                        <a:rPr lang="en-IN" sz="1100" baseline="0" dirty="0" smtClean="0"/>
+                        <a:t>Digitization</a:t>
+                      </a:r>
+                      <a:endParaRPr lang="en-IN" sz="1100" dirty="0" smtClean="0"/>
+                    </a:p>
+                    <a:p>
+                      <a:pPr marL="171450" indent="-171450">
+                        <a:buFont typeface="Arial" pitchFamily="34" charset="0"/>
+                        <a:buChar char="•"/>
+                      </a:pPr>
+                      <a:endParaRPr lang="en-IN" sz="1100" dirty="0"/>
+                    </a:p>
+                  </a:txBody>
+                  <a:tcPr/>
+                </a:tc>
+              </a:tr>
+            </a:tbl>
+          </a:graphicData>
+        </a:graphic>
+      </p:graphicFrame>
+      <p:graphicFrame>
+        <p:nvGraphicFramePr>
+          <p:cNvPr id="13" name="Table 12"/>
+          <p:cNvGraphicFramePr>
+            <a:graphicFrameLocks noGrp="1"/>
+          </p:cNvGraphicFramePr>
+          <p:nvPr>
+            <p:extLst>
+              <p:ext uri="{D42A27DB-BD31-4B8C-83A1-F6EECF244321}">
+                <p14:modId xmlns:p14="http://schemas.microsoft.com/office/powerpoint/2010/main" val="2432775370"/>
+              </p:ext>
+            </p:extLst>
+          </p:nvPr>
+        </p:nvGraphicFramePr>
+        <p:xfrm>
+          <a:off x="6439465" y="368607"/>
+          <a:ext cx="2399735" cy="1106024"/>
+        </p:xfrm>
+        <a:graphic>
+          <a:graphicData uri="http://schemas.openxmlformats.org/drawingml/2006/table">
+            <a:tbl>
+              <a:tblPr firstRow="1" bandRow="1">
+                <a:tableStyleId>{3C2FFA5D-87B4-456A-9821-1D502468CF0F}</a:tableStyleId>
+              </a:tblPr>
+              <a:tblGrid>
+                <a:gridCol w="2399735"/>
+              </a:tblGrid>
+              <a:tr h="370840">
+                <a:tc>
+                  <a:txBody>
+                    <a:bodyPr/>
+                    <a:lstStyle/>
+                    <a:p>
+                      <a:pPr algn="ctr"/>
+                      <a:r>
+                        <a:rPr lang="en-IN" sz="1200" dirty="0" smtClean="0"/>
+                        <a:t>Efficiency of Service Delivery</a:t>
+                      </a:r>
+                      <a:endParaRPr lang="en-IN" sz="1200" dirty="0"/>
+                    </a:p>
+                  </a:txBody>
+                  <a:tcPr/>
+                </a:tc>
+              </a:tr>
+              <a:tr h="735184">
+                <a:tc>
+                  <a:txBody>
+                    <a:bodyPr/>
+                    <a:lstStyle/>
+                    <a:p>
+                      <a:pPr marL="171450" indent="-171450">
+                        <a:buFont typeface="Arial" pitchFamily="34" charset="0"/>
+                        <a:buChar char="•"/>
+                      </a:pPr>
+                      <a:r>
+                        <a:rPr lang="en-IN" sz="1100" dirty="0" smtClean="0"/>
+                        <a:t>Focus on healthcare-service</a:t>
+                      </a:r>
+                    </a:p>
+                    <a:p>
+                      <a:pPr marL="171450" indent="-171450">
+                        <a:buFont typeface="Arial" pitchFamily="34" charset="0"/>
+                        <a:buChar char="•"/>
+                      </a:pPr>
+                      <a:r>
+                        <a:rPr lang="en-IN" sz="1100" dirty="0" smtClean="0"/>
+                        <a:t>Structural Interoperability </a:t>
+                      </a:r>
+                    </a:p>
+                    <a:p>
+                      <a:pPr marL="171450" indent="-171450">
+                        <a:buFont typeface="Arial" pitchFamily="34" charset="0"/>
+                        <a:buChar char="•"/>
+                      </a:pPr>
+                      <a:r>
+                        <a:rPr lang="en-IN" sz="1100" dirty="0" smtClean="0"/>
+                        <a:t>Co-ordination</a:t>
+                      </a:r>
+                      <a:r>
+                        <a:rPr lang="en-IN" sz="1100" baseline="0" dirty="0" smtClean="0"/>
+                        <a:t> of patient care</a:t>
+                      </a:r>
+                      <a:endParaRPr lang="en-IN" sz="1100" dirty="0"/>
+                    </a:p>
+                  </a:txBody>
+                  <a:tcPr/>
+                </a:tc>
+              </a:tr>
+            </a:tbl>
+          </a:graphicData>
+        </a:graphic>
+      </p:graphicFrame>
+      <p:graphicFrame>
+        <p:nvGraphicFramePr>
+          <p:cNvPr id="16" name="Table 15"/>
+          <p:cNvGraphicFramePr>
+            <a:graphicFrameLocks noGrp="1"/>
+          </p:cNvGraphicFramePr>
+          <p:nvPr>
+            <p:extLst>
+              <p:ext uri="{D42A27DB-BD31-4B8C-83A1-F6EECF244321}">
+                <p14:modId xmlns:p14="http://schemas.microsoft.com/office/powerpoint/2010/main" val="3544627645"/>
+              </p:ext>
+            </p:extLst>
+          </p:nvPr>
+        </p:nvGraphicFramePr>
+        <p:xfrm>
+          <a:off x="2846259" y="3646279"/>
+          <a:ext cx="2399735" cy="1132840"/>
+        </p:xfrm>
+        <a:graphic>
+          <a:graphicData uri="http://schemas.openxmlformats.org/drawingml/2006/table">
+            <a:tbl>
+              <a:tblPr firstRow="1" bandRow="1">
+                <a:tableStyleId>{3C2FFA5D-87B4-456A-9821-1D502468CF0F}</a:tableStyleId>
+              </a:tblPr>
+              <a:tblGrid>
+                <a:gridCol w="2399735"/>
+              </a:tblGrid>
+              <a:tr h="370840">
+                <a:tc>
+                  <a:txBody>
+                    <a:bodyPr/>
+                    <a:lstStyle/>
+                    <a:p>
+                      <a:pPr algn="ctr"/>
+                      <a:r>
+                        <a:rPr lang="en-IN" sz="1200" dirty="0" smtClean="0"/>
+                        <a:t>Cost-Effectiveness</a:t>
+                      </a:r>
+                      <a:endParaRPr lang="en-IN" dirty="0"/>
+                    </a:p>
+                  </a:txBody>
+                  <a:tcPr/>
+                </a:tc>
+              </a:tr>
+              <a:tr h="370840">
+                <a:tc>
+                  <a:txBody>
+                    <a:bodyPr/>
+                    <a:lstStyle/>
+                    <a:p>
+                      <a:pPr marL="171450" indent="-171450">
+                        <a:buFont typeface="Arial" pitchFamily="34" charset="0"/>
+                        <a:buChar char="•"/>
+                      </a:pPr>
+                      <a:r>
+                        <a:rPr lang="en-IN" sz="1100" dirty="0" smtClean="0"/>
+                        <a:t>Reduction in Administrative Cost</a:t>
+                      </a:r>
+                    </a:p>
+                    <a:p>
+                      <a:pPr marL="171450" indent="-171450">
+                        <a:buFont typeface="Arial" pitchFamily="34" charset="0"/>
+                        <a:buChar char="•"/>
+                      </a:pPr>
+                      <a:r>
+                        <a:rPr lang="en-IN" sz="1100" dirty="0" smtClean="0"/>
+                        <a:t>Less medical resources being used</a:t>
+                      </a:r>
+                    </a:p>
+                    <a:p>
+                      <a:pPr marL="171450" indent="-171450">
+                        <a:buFont typeface="Arial" pitchFamily="34" charset="0"/>
+                        <a:buChar char="•"/>
+                      </a:pPr>
+                      <a:r>
+                        <a:rPr lang="en-IN" sz="1100" dirty="0" smtClean="0"/>
+                        <a:t>Less man-power</a:t>
+                      </a:r>
+                      <a:r>
+                        <a:rPr lang="en-IN" sz="1100" baseline="0" dirty="0" smtClean="0"/>
+                        <a:t> required</a:t>
+                      </a:r>
+                      <a:endParaRPr lang="en-IN" sz="1100" dirty="0" smtClean="0"/>
+                    </a:p>
+                  </a:txBody>
+                  <a:tcPr/>
+                </a:tc>
+              </a:tr>
+            </a:tbl>
+          </a:graphicData>
+        </a:graphic>
+      </p:graphicFrame>
+      <p:graphicFrame>
+        <p:nvGraphicFramePr>
+          <p:cNvPr id="17" name="Table 16"/>
+          <p:cNvGraphicFramePr>
+            <a:graphicFrameLocks noGrp="1"/>
+          </p:cNvGraphicFramePr>
+          <p:nvPr>
+            <p:extLst>
+              <p:ext uri="{D42A27DB-BD31-4B8C-83A1-F6EECF244321}">
+                <p14:modId xmlns:p14="http://schemas.microsoft.com/office/powerpoint/2010/main" val="1821642849"/>
+              </p:ext>
+            </p:extLst>
+          </p:nvPr>
+        </p:nvGraphicFramePr>
+        <p:xfrm>
+          <a:off x="6508152" y="3644133"/>
+          <a:ext cx="2399735" cy="1132840"/>
+        </p:xfrm>
+        <a:graphic>
+          <a:graphicData uri="http://schemas.openxmlformats.org/drawingml/2006/table">
+            <a:tbl>
+              <a:tblPr firstRow="1" bandRow="1">
+                <a:tableStyleId>{3C2FFA5D-87B4-456A-9821-1D502468CF0F}</a:tableStyleId>
+              </a:tblPr>
+              <a:tblGrid>
+                <a:gridCol w="2399735"/>
+              </a:tblGrid>
+              <a:tr h="370840">
+                <a:tc>
+                  <a:txBody>
+                    <a:bodyPr/>
+                    <a:lstStyle/>
+                    <a:p>
+                      <a:pPr algn="ctr"/>
+                      <a:r>
+                        <a:rPr lang="en-IN" sz="1200" dirty="0" smtClean="0"/>
+                        <a:t>Future Applications</a:t>
+                      </a:r>
+                      <a:endParaRPr lang="en-IN" sz="1200" dirty="0"/>
+                    </a:p>
+                  </a:txBody>
+                  <a:tcPr/>
+                </a:tc>
+              </a:tr>
+              <a:tr h="370840">
+                <a:tc>
+                  <a:txBody>
+                    <a:bodyPr/>
+                    <a:lstStyle/>
+                    <a:p>
+                      <a:pPr marL="171450" indent="-171450">
+                        <a:buFont typeface="Arial" pitchFamily="34" charset="0"/>
+                        <a:buChar char="•"/>
+                      </a:pPr>
+                      <a:r>
+                        <a:rPr lang="en-IN" sz="1100" dirty="0" smtClean="0"/>
+                        <a:t>Insurance Claims and Processing</a:t>
+                      </a:r>
+                    </a:p>
+                    <a:p>
+                      <a:pPr marL="171450" indent="-171450">
+                        <a:buFont typeface="Arial" pitchFamily="34" charset="0"/>
+                        <a:buChar char="•"/>
+                      </a:pPr>
+                      <a:r>
+                        <a:rPr lang="en-IN" sz="1100" dirty="0" smtClean="0"/>
+                        <a:t>Predicting</a:t>
+                      </a:r>
+                      <a:r>
+                        <a:rPr lang="en-IN" sz="1100" baseline="0" dirty="0" smtClean="0"/>
+                        <a:t> disease pattern using AI</a:t>
+                      </a:r>
+                      <a:endParaRPr lang="en-IN" sz="1100" dirty="0" smtClean="0"/>
+                    </a:p>
+                  </a:txBody>
+                  <a:tcPr/>
+                </a:tc>
+              </a:tr>
+            </a:tbl>
+          </a:graphicData>
+        </a:graphic>
+      </p:graphicFrame>
+      <p:cxnSp>
+        <p:nvCxnSpPr>
+          <p:cNvPr id="11" name="Straight Arrow Connector 10"/>
+          <p:cNvCxnSpPr>
+            <a:stCxn id="5" idx="2"/>
+          </p:cNvCxnSpPr>
           <p:nvPr/>
-        </p:nvSpPr>
-        <p:spPr>
-          <a:xfrm>
-            <a:off x="4792627" y="682653"/>
-            <a:ext cx="2117887" cy="261610"/>
-          </a:xfrm>
-          <a:prstGeom prst="rect">
-            <a:avLst/>
-          </a:prstGeom>
-          <a:noFill/>
-        </p:spPr>
-        <p:txBody>
-          <a:bodyPr wrap="none" rtlCol="0">
-            <a:spAutoFit/>
-          </a:bodyPr>
-          <a:lstStyle/>
-          <a:p>
-            <a:pPr algn="ctr"/>
-            <a:r>
-              <a:rPr lang="en-IN" sz="1100" b="1" dirty="0"/>
-              <a:t>Infrastructural Requirements</a:t>
-            </a:r>
-          </a:p>
-        </p:txBody>
-      </p:sp>
-      <p:sp>
-        <p:nvSpPr>
-          <p:cNvPr id="5" name="TextBox 4"/>
-          <p:cNvSpPr txBox="1"/>
-          <p:nvPr/>
-        </p:nvSpPr>
-        <p:spPr>
-          <a:xfrm>
-            <a:off x="3170719" y="1086661"/>
-            <a:ext cx="5229317" cy="900246"/>
-          </a:xfrm>
-          <a:prstGeom prst="rect">
-            <a:avLst/>
-          </a:prstGeom>
-          <a:noFill/>
-        </p:spPr>
-        <p:txBody>
-          <a:bodyPr wrap="none" rtlCol="0">
-            <a:spAutoFit/>
-          </a:bodyPr>
-          <a:lstStyle/>
-          <a:p>
-            <a:pPr marL="171450" indent="-171450">
-              <a:buFont typeface="Arial" pitchFamily="34" charset="0"/>
-              <a:buChar char="•"/>
-            </a:pPr>
-            <a:r>
-              <a:rPr lang="en-IN" sz="1050" dirty="0"/>
-              <a:t>Virtual Machines(VMs) on any cloud service provider(Azure, AWS)</a:t>
-            </a:r>
-          </a:p>
-          <a:p>
-            <a:pPr marL="171450" indent="-171450">
-              <a:buFont typeface="Arial" pitchFamily="34" charset="0"/>
-              <a:buChar char="•"/>
-            </a:pPr>
-            <a:r>
-              <a:rPr lang="en-IN" sz="1050" dirty="0"/>
-              <a:t>Mobile phones and desktop computers</a:t>
-            </a:r>
-          </a:p>
-          <a:p>
-            <a:pPr marL="171450" indent="-171450">
-              <a:buFont typeface="Arial" pitchFamily="34" charset="0"/>
-              <a:buChar char="•"/>
-            </a:pPr>
-            <a:r>
-              <a:rPr lang="en-IN" sz="1050" dirty="0"/>
-              <a:t>IT enable the hospitals – establish network, hardware including bio-metric module</a:t>
-            </a:r>
-          </a:p>
-          <a:p>
-            <a:pPr marL="171450" indent="-171450">
-              <a:buFont typeface="Arial" pitchFamily="34" charset="0"/>
-              <a:buChar char="•"/>
-            </a:pPr>
-            <a:endParaRPr lang="en-IN" sz="1050" dirty="0"/>
-          </a:p>
-          <a:p>
-            <a:pPr marL="171450" indent="-171450">
-              <a:buFont typeface="Arial" pitchFamily="34" charset="0"/>
-              <a:buChar char="•"/>
-            </a:pPr>
-            <a:endParaRPr lang="en-IN" sz="1050" dirty="0"/>
-          </a:p>
-        </p:txBody>
-      </p:sp>
-      <p:sp>
-        <p:nvSpPr>
-          <p:cNvPr id="9" name="Rectangle 8"/>
-          <p:cNvSpPr/>
-          <p:nvPr/>
-        </p:nvSpPr>
-        <p:spPr>
-          <a:xfrm>
-            <a:off x="3022270" y="2557479"/>
-            <a:ext cx="5658592" cy="1712027"/>
-          </a:xfrm>
-          <a:prstGeom prst="rect">
-            <a:avLst/>
-          </a:prstGeom>
-          <a:noFill/>
-          <a:ln>
+        </p:nvCxnSpPr>
+        <p:spPr>
+          <a:xfrm>
+            <a:off x="3977439" y="1503593"/>
+            <a:ext cx="837757" cy="610446"/>
+          </a:xfrm>
+          <a:prstGeom prst="straightConnector1">
+            <a:avLst/>
+          </a:prstGeom>
+          <a:ln w="25400">
             <a:solidFill>
-              <a:schemeClr val="bg1">
-                <a:lumMod val="95000"/>
-              </a:schemeClr>
+              <a:schemeClr val="tx1"/>
             </a:solidFill>
+            <a:tailEnd type="arrow"/>
           </a:ln>
         </p:spPr>
         <p:style>
-          <a:lnRef idx="2">
-            <a:schemeClr val="accent1">
-              <a:shade val="50000"/>
-            </a:schemeClr>
+          <a:lnRef idx="1">
+            <a:schemeClr val="accent1"/>
           </a:lnRef>
-          <a:fillRef idx="1">
+          <a:fillRef idx="0">
             <a:schemeClr val="accent1"/>
           </a:fillRef>
           <a:effectRef idx="0">
             <a:schemeClr val="accent1"/>
           </a:effectRef>
           <a:fontRef idx="minor">
-            <a:schemeClr val="lt1"/>
+            <a:schemeClr val="tx1"/>
           </a:fontRef>
         </p:style>
-        <p:txBody>
-          <a:bodyPr rtlCol="0" anchor="ctr"/>
-          <a:lstStyle/>
-          <a:p>
-            <a:pPr algn="ctr"/>
-            <a:endParaRPr lang="en-IN"/>
-          </a:p>
-        </p:txBody>
-      </p:sp>
-      <p:sp>
-        <p:nvSpPr>
-          <p:cNvPr id="10" name="TextBox 9"/>
-          <p:cNvSpPr txBox="1"/>
+      </p:cxnSp>
+      <p:cxnSp>
+        <p:nvCxnSpPr>
+          <p:cNvPr id="21" name="Straight Arrow Connector 20"/>
+          <p:cNvCxnSpPr>
+            <a:stCxn id="13" idx="2"/>
+          </p:cNvCxnSpPr>
           <p:nvPr/>
-        </p:nvSpPr>
-        <p:spPr>
-          <a:xfrm>
-            <a:off x="5316002" y="2628549"/>
-            <a:ext cx="1071126" cy="261610"/>
-          </a:xfrm>
-          <a:prstGeom prst="rect">
-            <a:avLst/>
-          </a:prstGeom>
-          <a:noFill/>
-        </p:spPr>
-        <p:txBody>
-          <a:bodyPr wrap="none" rtlCol="0">
-            <a:spAutoFit/>
-          </a:bodyPr>
-          <a:lstStyle/>
-          <a:p>
-            <a:pPr algn="ctr"/>
-            <a:r>
-              <a:rPr lang="en-IN" sz="1100" b="1" dirty="0"/>
-              <a:t>Stakeholders</a:t>
-            </a:r>
-          </a:p>
-        </p:txBody>
-      </p:sp>
-      <p:sp>
-        <p:nvSpPr>
-          <p:cNvPr id="12" name="TextBox 11"/>
-          <p:cNvSpPr txBox="1"/>
+        </p:nvCxnSpPr>
+        <p:spPr>
+          <a:xfrm flipH="1">
+            <a:off x="6822126" y="1474631"/>
+            <a:ext cx="817206" cy="672560"/>
+          </a:xfrm>
+          <a:prstGeom prst="straightConnector1">
+            <a:avLst/>
+          </a:prstGeom>
+          <a:ln w="25400">
+            <a:solidFill>
+              <a:schemeClr val="tx1"/>
+            </a:solidFill>
+            <a:tailEnd type="arrow"/>
+          </a:ln>
+        </p:spPr>
+        <p:style>
+          <a:lnRef idx="1">
+            <a:schemeClr val="accent1"/>
+          </a:lnRef>
+          <a:fillRef idx="0">
+            <a:schemeClr val="accent1"/>
+          </a:fillRef>
+          <a:effectRef idx="0">
+            <a:schemeClr val="accent1"/>
+          </a:effectRef>
+          <a:fontRef idx="minor">
+            <a:schemeClr val="tx1"/>
+          </a:fontRef>
+        </p:style>
+      </p:cxnSp>
+      <p:cxnSp>
+        <p:nvCxnSpPr>
+          <p:cNvPr id="26" name="Straight Arrow Connector 25"/>
+          <p:cNvCxnSpPr>
+            <a:stCxn id="16" idx="0"/>
+          </p:cNvCxnSpPr>
           <p:nvPr/>
-        </p:nvSpPr>
-        <p:spPr>
-          <a:xfrm>
-            <a:off x="3170717" y="3032557"/>
-            <a:ext cx="5463355" cy="1223412"/>
-          </a:xfrm>
-          <a:prstGeom prst="rect">
-            <a:avLst/>
-          </a:prstGeom>
-          <a:noFill/>
-        </p:spPr>
-        <p:txBody>
-          <a:bodyPr wrap="none" rtlCol="0">
-            <a:spAutoFit/>
-          </a:bodyPr>
-          <a:lstStyle/>
-          <a:p>
-            <a:pPr marL="171450" indent="-171450">
-              <a:buFont typeface="Arial" pitchFamily="34" charset="0"/>
-              <a:buChar char="•"/>
-            </a:pPr>
-            <a:r>
-              <a:rPr lang="en-IN" sz="1050" dirty="0"/>
-              <a:t>Medical records will be accessed over </a:t>
-            </a:r>
-            <a:r>
-              <a:rPr lang="en-IN" sz="1050"/>
-              <a:t>the </a:t>
-            </a:r>
-            <a:r>
-              <a:rPr lang="en-IN" sz="1050" b="1" dirty="0"/>
-              <a:t>I</a:t>
-            </a:r>
-            <a:r>
-              <a:rPr lang="en-IN" sz="1050" b="1"/>
-              <a:t>nternet</a:t>
-            </a:r>
-            <a:r>
-              <a:rPr lang="en-IN" sz="1050"/>
-              <a:t> </a:t>
-            </a:r>
-            <a:r>
-              <a:rPr lang="en-IN" sz="1050" dirty="0"/>
-              <a:t>demanding people to be familiar</a:t>
-            </a:r>
-          </a:p>
-          <a:p>
-            <a:r>
-              <a:rPr lang="en-IN" sz="1050" dirty="0"/>
-              <a:t>     with internet.</a:t>
-            </a:r>
-          </a:p>
-          <a:p>
-            <a:pPr marL="171450" indent="-171450">
-              <a:buFont typeface="Arial" pitchFamily="34" charset="0"/>
-              <a:buChar char="•"/>
-            </a:pPr>
-            <a:r>
-              <a:rPr lang="en-IN" sz="1050" b="1" dirty="0"/>
-              <a:t>Blockchain</a:t>
-            </a:r>
-            <a:r>
-              <a:rPr lang="en-IN" sz="1050" dirty="0"/>
-              <a:t> being an emerging technology, rigorous </a:t>
-            </a:r>
-            <a:r>
-              <a:rPr lang="en-IN" sz="1050" b="1" dirty="0"/>
-              <a:t>training</a:t>
-            </a:r>
-            <a:r>
-              <a:rPr lang="en-IN" sz="1050" dirty="0"/>
-              <a:t> for all actors involved in</a:t>
-            </a:r>
-          </a:p>
-          <a:p>
-            <a:r>
-              <a:rPr lang="en-IN" sz="1050" dirty="0"/>
-              <a:t>     the system will be a priority.</a:t>
-            </a:r>
-          </a:p>
-          <a:p>
-            <a:pPr marL="171450" indent="-171450">
-              <a:buFont typeface="Arial" pitchFamily="34" charset="0"/>
-              <a:buChar char="•"/>
-            </a:pPr>
-            <a:r>
-              <a:rPr lang="en-IN" sz="1050" dirty="0"/>
-              <a:t>For hospitals, shifting from their </a:t>
-            </a:r>
-            <a:r>
-              <a:rPr lang="en-IN" sz="1050" b="1" dirty="0"/>
-              <a:t>traditional/current</a:t>
-            </a:r>
-            <a:r>
-              <a:rPr lang="en-IN" sz="1050" dirty="0"/>
-              <a:t> system to </a:t>
-            </a:r>
-            <a:r>
-              <a:rPr lang="en-IN" sz="1050" b="1" dirty="0"/>
-              <a:t>blockchain based </a:t>
-            </a:r>
-          </a:p>
-          <a:p>
-            <a:r>
-              <a:rPr lang="en-IN" sz="1050" b="1" dirty="0"/>
-              <a:t>     scheme </a:t>
-            </a:r>
-            <a:r>
-              <a:rPr lang="en-IN" sz="1050" dirty="0"/>
-              <a:t>might be challenging but the </a:t>
-            </a:r>
-            <a:r>
-              <a:rPr lang="en-IN" sz="1050" b="1" dirty="0"/>
-              <a:t>future</a:t>
-            </a:r>
-            <a:r>
-              <a:rPr lang="en-IN" sz="1050" dirty="0"/>
-              <a:t> outcome would be </a:t>
-            </a:r>
-            <a:r>
-              <a:rPr lang="en-IN" sz="1050" b="1" dirty="0"/>
-              <a:t>highly beneficial</a:t>
-            </a:r>
-            <a:r>
-              <a:rPr lang="en-IN" sz="1050" dirty="0"/>
-              <a:t>.</a:t>
-            </a:r>
-          </a:p>
-          <a:p>
-            <a:pPr marL="171450" indent="-171450">
-              <a:buFont typeface="Arial" pitchFamily="34" charset="0"/>
-              <a:buChar char="•"/>
-            </a:pPr>
-            <a:endParaRPr lang="en-IN" sz="1050" dirty="0"/>
-          </a:p>
-        </p:txBody>
-      </p:sp>
+        </p:nvCxnSpPr>
+        <p:spPr>
+          <a:xfrm flipV="1">
+            <a:off x="4046126" y="3099691"/>
+            <a:ext cx="769070" cy="546588"/>
+          </a:xfrm>
+          <a:prstGeom prst="straightConnector1">
+            <a:avLst/>
+          </a:prstGeom>
+          <a:ln w="25400">
+            <a:solidFill>
+              <a:schemeClr val="tx1"/>
+            </a:solidFill>
+            <a:tailEnd type="arrow"/>
+          </a:ln>
+        </p:spPr>
+        <p:style>
+          <a:lnRef idx="1">
+            <a:schemeClr val="accent1"/>
+          </a:lnRef>
+          <a:fillRef idx="0">
+            <a:schemeClr val="accent1"/>
+          </a:fillRef>
+          <a:effectRef idx="0">
+            <a:schemeClr val="accent1"/>
+          </a:effectRef>
+          <a:fontRef idx="minor">
+            <a:schemeClr val="tx1"/>
+          </a:fontRef>
+        </p:style>
+      </p:cxnSp>
+      <p:cxnSp>
+        <p:nvCxnSpPr>
+          <p:cNvPr id="32" name="Straight Arrow Connector 31"/>
+          <p:cNvCxnSpPr>
+            <a:stCxn id="17" idx="0"/>
+          </p:cNvCxnSpPr>
+          <p:nvPr/>
+        </p:nvCxnSpPr>
+        <p:spPr>
+          <a:xfrm flipH="1" flipV="1">
+            <a:off x="6822126" y="3099691"/>
+            <a:ext cx="885893" cy="544442"/>
+          </a:xfrm>
+          <a:prstGeom prst="straightConnector1">
+            <a:avLst/>
+          </a:prstGeom>
+          <a:ln w="25400">
+            <a:solidFill>
+              <a:schemeClr val="tx1"/>
+            </a:solidFill>
+            <a:tailEnd type="arrow"/>
+          </a:ln>
+        </p:spPr>
+        <p:style>
+          <a:lnRef idx="1">
+            <a:schemeClr val="accent1"/>
+          </a:lnRef>
+          <a:fillRef idx="0">
+            <a:schemeClr val="accent1"/>
+          </a:fillRef>
+          <a:effectRef idx="0">
+            <a:schemeClr val="accent1"/>
+          </a:effectRef>
+          <a:fontRef idx="minor">
+            <a:schemeClr val="tx1"/>
+          </a:fontRef>
+        </p:style>
+      </p:cxnSp>
     </p:spTree>
     <p:extLst>
       <p:ext uri="{BB962C8B-B14F-4D97-AF65-F5344CB8AC3E}">
-        <p14:creationId xmlns:p14="http://schemas.microsoft.com/office/powerpoint/2010/main" val="3992344039"/>
+        <p14:creationId xmlns:p14="http://schemas.microsoft.com/office/powerpoint/2010/main" val="3753748887"/>
       </p:ext>
     </p:extLst>
   </p:cSld>
   <p:clrMapOvr>
     <a:masterClrMapping/>
   </p:clrMapOvr>
+  <p:timing>
+    <p:tnLst>
+      <p:par>
+        <p:cTn id="1" dur="indefinite" restart="never" nodeType="tmRoot"/>
+      </p:par>
+    </p:tnLst>
+  </p:timing>
 </p:sld>
 </file>
 

--- a/niti aayog.pptx
+++ b/niti aayog.pptx
@@ -6,7 +6,7 @@
     <p:sldMasterId id="2147483662" r:id="rId2"/>
   </p:sldMasterIdLst>
   <p:notesMasterIdLst>
-    <p:notesMasterId r:id="rId15"/>
+    <p:notesMasterId r:id="rId16"/>
   </p:notesMasterIdLst>
   <p:sldIdLst>
     <p:sldId id="256" r:id="rId3"/>
@@ -20,31 +20,32 @@
     <p:sldId id="322" r:id="rId11"/>
     <p:sldId id="319" r:id="rId12"/>
     <p:sldId id="307" r:id="rId13"/>
-    <p:sldId id="291" r:id="rId14"/>
+    <p:sldId id="323" r:id="rId14"/>
+    <p:sldId id="291" r:id="rId15"/>
   </p:sldIdLst>
   <p:sldSz cx="9144000" cy="5143500" type="screen16x9"/>
   <p:notesSz cx="6858000" cy="9144000"/>
   <p:embeddedFontLst>
     <p:embeddedFont>
-      <p:font typeface="Georgia" pitchFamily="18" charset="0"/>
-      <p:regular r:id="rId16"/>
-      <p:bold r:id="rId17"/>
-      <p:italic r:id="rId18"/>
-      <p:boldItalic r:id="rId19"/>
+      <p:font typeface="Nunito Sans" charset="0"/>
+      <p:regular r:id="rId17"/>
+      <p:bold r:id="rId18"/>
+      <p:italic r:id="rId19"/>
+      <p:boldItalic r:id="rId20"/>
     </p:embeddedFont>
     <p:embeddedFont>
-      <p:font typeface="Nunito Sans" charset="0"/>
-      <p:regular r:id="rId20"/>
-      <p:bold r:id="rId21"/>
-      <p:italic r:id="rId22"/>
-      <p:boldItalic r:id="rId23"/>
+      <p:font typeface="Georgia" pitchFamily="18" charset="0"/>
+      <p:regular r:id="rId21"/>
+      <p:bold r:id="rId22"/>
+      <p:italic r:id="rId23"/>
+      <p:boldItalic r:id="rId24"/>
     </p:embeddedFont>
     <p:embeddedFont>
       <p:font typeface="Calibri" pitchFamily="34" charset="0"/>
-      <p:regular r:id="rId24"/>
-      <p:bold r:id="rId25"/>
-      <p:italic r:id="rId26"/>
-      <p:boldItalic r:id="rId27"/>
+      <p:regular r:id="rId25"/>
+      <p:bold r:id="rId26"/>
+      <p:italic r:id="rId27"/>
+      <p:boldItalic r:id="rId28"/>
     </p:embeddedFont>
   </p:embeddedFontLst>
   <p:defaultTextStyle>
@@ -278,7 +279,7 @@
   </p:defaultTextStyle>
   <p:extLst>
     <p:ext uri="{EFAFB233-063F-42B5-8137-9DF3F51BA10A}">
-      <p15:sldGuideLst xmlns:p15="http://schemas.microsoft.com/office/powerpoint/2012/main" xmlns="">
+      <p15:sldGuideLst xmlns="" xmlns:p15="http://schemas.microsoft.com/office/powerpoint/2012/main">
         <p15:guide id="1" orient="horz" pos="1620">
           <p15:clr>
             <a:srgbClr val="A4A3A4"/>
@@ -1067,6 +1068,115 @@
 </file>
 
 <file path=ppt/notesSlides/notesSlide12.xml><?xml version="1.0" encoding="utf-8"?>
+<p:notes xmlns:a="http://schemas.openxmlformats.org/drawingml/2006/main" xmlns:r="http://schemas.openxmlformats.org/officeDocument/2006/relationships" xmlns:p="http://schemas.openxmlformats.org/presentationml/2006/main" showMasterSp="0" showMasterPhAnim="0">
+  <p:cSld>
+    <p:spTree>
+      <p:nvGrpSpPr>
+        <p:cNvPr id="1" name="Shape 100"/>
+        <p:cNvGrpSpPr/>
+        <p:nvPr/>
+      </p:nvGrpSpPr>
+      <p:grpSpPr>
+        <a:xfrm>
+          <a:off x="0" y="0"/>
+          <a:ext cx="0" cy="0"/>
+          <a:chOff x="0" y="0"/>
+          <a:chExt cx="0" cy="0"/>
+        </a:xfrm>
+      </p:grpSpPr>
+      <p:sp>
+        <p:nvSpPr>
+          <p:cNvPr id="101" name="Shape 101"/>
+          <p:cNvSpPr>
+            <a:spLocks noGrp="1" noRot="1" noChangeAspect="1"/>
+          </p:cNvSpPr>
+          <p:nvPr>
+            <p:ph type="sldImg" idx="2"/>
+          </p:nvPr>
+        </p:nvSpPr>
+        <p:spPr>
+          <a:xfrm>
+            <a:off x="381000" y="685800"/>
+            <a:ext cx="6096000" cy="3429000"/>
+          </a:xfrm>
+          <a:custGeom>
+            <a:avLst/>
+            <a:gdLst/>
+            <a:ahLst/>
+            <a:cxnLst/>
+            <a:rect l="0" t="0" r="0" b="0"/>
+            <a:pathLst>
+              <a:path w="120000" h="120000" extrusionOk="0">
+                <a:moveTo>
+                  <a:pt x="0" y="0"/>
+                </a:moveTo>
+                <a:lnTo>
+                  <a:pt x="120000" y="0"/>
+                </a:lnTo>
+                <a:lnTo>
+                  <a:pt x="120000" y="120000"/>
+                </a:lnTo>
+                <a:lnTo>
+                  <a:pt x="0" y="120000"/>
+                </a:lnTo>
+                <a:close/>
+              </a:path>
+            </a:pathLst>
+          </a:custGeom>
+        </p:spPr>
+      </p:sp>
+      <p:sp>
+        <p:nvSpPr>
+          <p:cNvPr id="102" name="Shape 102"/>
+          <p:cNvSpPr txBox="1">
+            <a:spLocks noGrp="1"/>
+          </p:cNvSpPr>
+          <p:nvPr>
+            <p:ph type="body" idx="1"/>
+          </p:nvPr>
+        </p:nvSpPr>
+        <p:spPr>
+          <a:xfrm>
+            <a:off x="685800" y="4343400"/>
+            <a:ext cx="5486400" cy="4114800"/>
+          </a:xfrm>
+          <a:prstGeom prst="rect">
+            <a:avLst/>
+          </a:prstGeom>
+        </p:spPr>
+        <p:txBody>
+          <a:bodyPr spcFirstLastPara="1" wrap="square" lIns="91425" tIns="91425" rIns="91425" bIns="91425" anchor="t" anchorCtr="0">
+            <a:noAutofit/>
+          </a:bodyPr>
+          <a:lstStyle/>
+          <a:p>
+            <a:pPr marL="0" lvl="0" indent="0">
+              <a:spcBef>
+                <a:spcPts val="0"/>
+              </a:spcBef>
+              <a:spcAft>
+                <a:spcPts val="0"/>
+              </a:spcAft>
+              <a:buNone/>
+            </a:pPr>
+            <a:endParaRPr dirty="0"/>
+          </a:p>
+        </p:txBody>
+      </p:sp>
+    </p:spTree>
+    <p:extLst>
+      <p:ext uri="{BB962C8B-B14F-4D97-AF65-F5344CB8AC3E}">
+        <p14:creationId xmlns:p14="http://schemas.microsoft.com/office/powerpoint/2010/main" val="3313095754"/>
+      </p:ext>
+    </p:extLst>
+  </p:cSld>
+  <p:clrMapOvr>
+    <a:masterClrMapping/>
+  </p:clrMapOvr>
+</p:notes>
+</file>
+
+<file path=ppt/notesSlides/notesSlide13.xml><?xml version="1.0" encoding="utf-8"?>
 <p:notes xmlns:a="http://schemas.openxmlformats.org/drawingml/2006/main" xmlns:r="http://schemas.openxmlformats.org/officeDocument/2006/relationships" xmlns:p="http://schemas.openxmlformats.org/presentationml/2006/main" showMasterSp="0" showMasterPhAnim="0">
   <p:cSld>
     <p:spTree>
@@ -10026,8 +10136,13 @@
             </a:pPr>
             <a:r>
               <a:rPr lang="en-IN" sz="1050" dirty="0"/>
-              <a:t>IT enable the hospitals – establish network, hardware including bio-metric module</a:t>
-            </a:r>
+              <a:t>IT enable the hospitals – establish network, hardware including bio-metric </a:t>
+            </a:r>
+            <a:r>
+              <a:rPr lang="en-IN" sz="1050" dirty="0" smtClean="0"/>
+              <a:t>module</a:t>
+            </a:r>
+            <a:endParaRPr lang="en-IN" sz="1050" dirty="0"/>
           </a:p>
           <a:p>
             <a:pPr marL="171450" indent="-171450">
@@ -10054,7 +10169,7 @@
         <p:spPr>
           <a:xfrm>
             <a:off x="3022270" y="2557479"/>
-            <a:ext cx="5658592" cy="1712027"/>
+            <a:ext cx="5658592" cy="2394448"/>
           </a:xfrm>
           <a:prstGeom prst="rect">
             <a:avLst/>
@@ -10132,7 +10247,7 @@
         <p:spPr>
           <a:xfrm>
             <a:off x="3170717" y="3032557"/>
-            <a:ext cx="5463355" cy="1223412"/>
+            <a:ext cx="5347939" cy="1708160"/>
           </a:xfrm>
           <a:prstGeom prst="rect">
             <a:avLst/>
@@ -10151,27 +10266,15 @@
             </a:pPr>
             <a:r>
               <a:rPr lang="en-IN" sz="1050" dirty="0"/>
-              <a:t>Medical records will be accessed over </a:t>
-            </a:r>
-            <a:r>
-              <a:rPr lang="en-IN" sz="1050"/>
-              <a:t>the </a:t>
+              <a:t>Medical records will be accessed over the </a:t>
             </a:r>
             <a:r>
               <a:rPr lang="en-IN" sz="1050" b="1" dirty="0"/>
-              <a:t>I</a:t>
-            </a:r>
-            <a:r>
-              <a:rPr lang="en-IN" sz="1050" b="1"/>
-              <a:t>nternet</a:t>
-            </a:r>
-            <a:r>
-              <a:rPr lang="en-IN" sz="1050"/>
-              <a:t> </a:t>
+              <a:t>Internet</a:t>
             </a:r>
             <a:r>
               <a:rPr lang="en-IN" sz="1050" dirty="0"/>
-              <a:t>demanding people to be familiar</a:t>
+              <a:t> demanding people to be familiar</a:t>
             </a:r>
           </a:p>
           <a:p>
@@ -10186,26 +10289,16 @@
               <a:buChar char="•"/>
             </a:pPr>
             <a:r>
-              <a:rPr lang="en-IN" sz="1050" b="1" dirty="0"/>
-              <a:t>Blockchain</a:t>
-            </a:r>
-            <a:r>
-              <a:rPr lang="en-IN" sz="1050" dirty="0"/>
-              <a:t> being an emerging technology, rigorous </a:t>
-            </a:r>
-            <a:r>
-              <a:rPr lang="en-IN" sz="1050" b="1" dirty="0"/>
-              <a:t>training</a:t>
-            </a:r>
-            <a:r>
-              <a:rPr lang="en-IN" sz="1050" dirty="0"/>
-              <a:t> for all actors involved in</a:t>
-            </a:r>
-          </a:p>
-          <a:p>
-            <a:r>
-              <a:rPr lang="en-IN" sz="1050" dirty="0"/>
-              <a:t>     the system will be a priority.</a:t>
+              <a:rPr lang="en-IN" sz="1050" dirty="0" smtClean="0"/>
+              <a:t>People with internet access can avail the services </a:t>
+            </a:r>
+            <a:r>
+              <a:rPr lang="en-IN" sz="1050" b="1" dirty="0" smtClean="0"/>
+              <a:t>using web application</a:t>
+            </a:r>
+            <a:r>
+              <a:rPr lang="en-IN" sz="1050" dirty="0" smtClean="0"/>
+              <a:t>.</a:t>
             </a:r>
           </a:p>
           <a:p>
@@ -10214,8 +10307,41 @@
               <a:buChar char="•"/>
             </a:pPr>
             <a:r>
+              <a:rPr lang="en-IN" sz="1050" dirty="0" smtClean="0"/>
+              <a:t>People without internet access can visit the nearby hospital and avail the service</a:t>
+            </a:r>
+          </a:p>
+          <a:p>
+            <a:r>
               <a:rPr lang="en-IN" sz="1050" dirty="0"/>
-              <a:t>For hospitals, shifting from their </a:t>
+              <a:t> </a:t>
+            </a:r>
+            <a:r>
+              <a:rPr lang="en-IN" sz="1050" dirty="0" smtClean="0"/>
+              <a:t>    (</a:t>
+            </a:r>
+            <a:r>
+              <a:rPr lang="en-IN" sz="1050" b="1" dirty="0" smtClean="0"/>
+              <a:t>using bio-metric authentication</a:t>
+            </a:r>
+            <a:r>
+              <a:rPr lang="en-IN" sz="1050" dirty="0" smtClean="0"/>
+              <a:t>).</a:t>
+            </a:r>
+            <a:endParaRPr lang="en-IN" sz="1050" dirty="0" smtClean="0"/>
+          </a:p>
+          <a:p>
+            <a:pPr marL="171450" indent="-171450">
+              <a:buFont typeface="Arial" pitchFamily="34" charset="0"/>
+              <a:buChar char="•"/>
+            </a:pPr>
+            <a:r>
+              <a:rPr lang="en-IN" sz="1050" dirty="0" smtClean="0"/>
+              <a:t>For </a:t>
+            </a:r>
+            <a:r>
+              <a:rPr lang="en-IN" sz="1050" dirty="0"/>
+              <a:t>hospitals, shifting from their </a:t>
             </a:r>
             <a:r>
               <a:rPr lang="en-IN" sz="1050" b="1" dirty="0"/>
@@ -10252,9 +10378,50 @@
               <a:t>highly beneficial</a:t>
             </a:r>
             <a:r>
-              <a:rPr lang="en-IN" sz="1050" dirty="0"/>
+              <a:rPr lang="en-IN" sz="1050" dirty="0" smtClean="0"/>
               <a:t>.</a:t>
             </a:r>
+          </a:p>
+          <a:p>
+            <a:pPr marL="171450" indent="-171450">
+              <a:buFont typeface="Arial" pitchFamily="34" charset="0"/>
+              <a:buChar char="•"/>
+            </a:pPr>
+            <a:r>
+              <a:rPr lang="en-IN" sz="1050" b="1" dirty="0" smtClean="0"/>
+              <a:t>Partnership</a:t>
+            </a:r>
+            <a:r>
+              <a:rPr lang="en-IN" sz="1050" dirty="0" smtClean="0"/>
+              <a:t> with </a:t>
+            </a:r>
+            <a:r>
+              <a:rPr lang="en-IN" sz="1050" b="1" dirty="0" smtClean="0"/>
+              <a:t>MNCs</a:t>
+            </a:r>
+            <a:r>
+              <a:rPr lang="en-IN" sz="1050" dirty="0" smtClean="0"/>
+              <a:t> for large scale </a:t>
+            </a:r>
+            <a:r>
+              <a:rPr lang="en-IN" sz="1050" b="1" dirty="0" smtClean="0"/>
+              <a:t>deployment</a:t>
+            </a:r>
+            <a:r>
+              <a:rPr lang="en-IN" sz="1050" dirty="0" smtClean="0"/>
+              <a:t> of software as well as </a:t>
+            </a:r>
+            <a:r>
+              <a:rPr lang="en-IN" sz="1050" b="1" dirty="0" smtClean="0"/>
+              <a:t>training</a:t>
+            </a:r>
+            <a:r>
+              <a:rPr lang="en-IN" sz="1050" dirty="0" smtClean="0"/>
+              <a:t>.</a:t>
+            </a:r>
+          </a:p>
+          <a:p>
+            <a:endParaRPr lang="en-IN" sz="1050" dirty="0"/>
           </a:p>
           <a:p>
             <a:pPr marL="171450" indent="-171450">
@@ -10394,7 +10561,7 @@
           <p:cNvPr id="4" name="Rectangle: Rounded Corners 3">
             <a:extLst>
               <a:ext uri="{FF2B5EF4-FFF2-40B4-BE49-F238E27FC236}">
-                <a16:creationId xmlns:a16="http://schemas.microsoft.com/office/drawing/2014/main" xmlns="" id="{843BD0C3-32D7-46FB-B2BD-05506C6ED87A}"/>
+                <a16:creationId xmlns="" xmlns:a16="http://schemas.microsoft.com/office/drawing/2014/main" id="{843BD0C3-32D7-46FB-B2BD-05506C6ED87A}"/>
               </a:ext>
             </a:extLst>
           </p:cNvPr>
@@ -10446,7 +10613,7 @@
           <p:cNvPr id="10" name="Picture 9">
             <a:extLst>
               <a:ext uri="{FF2B5EF4-FFF2-40B4-BE49-F238E27FC236}">
-                <a16:creationId xmlns:a16="http://schemas.microsoft.com/office/drawing/2014/main" xmlns="" id="{5607A744-FFC0-4290-81AB-03FCE9C35937}"/>
+                <a16:creationId xmlns="" xmlns:a16="http://schemas.microsoft.com/office/drawing/2014/main" id="{5607A744-FFC0-4290-81AB-03FCE9C35937}"/>
               </a:ext>
             </a:extLst>
           </p:cNvPr>
@@ -10476,7 +10643,7 @@
           <p:cNvPr id="12" name="Picture 11">
             <a:extLst>
               <a:ext uri="{FF2B5EF4-FFF2-40B4-BE49-F238E27FC236}">
-                <a16:creationId xmlns:a16="http://schemas.microsoft.com/office/drawing/2014/main" xmlns="" id="{28BA34AB-C9D2-49FF-992D-B36AB0C11195}"/>
+                <a16:creationId xmlns="" xmlns:a16="http://schemas.microsoft.com/office/drawing/2014/main" id="{28BA34AB-C9D2-49FF-992D-B36AB0C11195}"/>
               </a:ext>
             </a:extLst>
           </p:cNvPr>
@@ -10506,7 +10673,7 @@
           <p:cNvPr id="15" name="Rectangle 14">
             <a:extLst>
               <a:ext uri="{FF2B5EF4-FFF2-40B4-BE49-F238E27FC236}">
-                <a16:creationId xmlns:a16="http://schemas.microsoft.com/office/drawing/2014/main" xmlns="" id="{AFC5DBF7-20C9-4692-ABC4-95D74DC8D8A6}"/>
+                <a16:creationId xmlns="" xmlns:a16="http://schemas.microsoft.com/office/drawing/2014/main" id="{AFC5DBF7-20C9-4692-ABC4-95D74DC8D8A6}"/>
               </a:ext>
             </a:extLst>
           </p:cNvPr>
@@ -10557,7 +10724,7 @@
           <p:cNvPr id="16" name="TextBox 15">
             <a:extLst>
               <a:ext uri="{FF2B5EF4-FFF2-40B4-BE49-F238E27FC236}">
-                <a16:creationId xmlns:a16="http://schemas.microsoft.com/office/drawing/2014/main" xmlns="" id="{023A6BF3-5E79-46E6-8082-BC7D49BFE591}"/>
+                <a16:creationId xmlns="" xmlns:a16="http://schemas.microsoft.com/office/drawing/2014/main" id="{023A6BF3-5E79-46E6-8082-BC7D49BFE591}"/>
               </a:ext>
             </a:extLst>
           </p:cNvPr>
@@ -10595,7 +10762,7 @@
           <p:cNvPr id="17" name="TextBox 16">
             <a:extLst>
               <a:ext uri="{FF2B5EF4-FFF2-40B4-BE49-F238E27FC236}">
-                <a16:creationId xmlns:a16="http://schemas.microsoft.com/office/drawing/2014/main" xmlns="" id="{EED3F5BE-FBC4-4052-B8A3-C98434F32CBB}"/>
+                <a16:creationId xmlns="" xmlns:a16="http://schemas.microsoft.com/office/drawing/2014/main" id="{EED3F5BE-FBC4-4052-B8A3-C98434F32CBB}"/>
               </a:ext>
             </a:extLst>
           </p:cNvPr>
@@ -10664,7 +10831,7 @@
           <p:cNvPr id="18" name="Rectangle 17">
             <a:extLst>
               <a:ext uri="{FF2B5EF4-FFF2-40B4-BE49-F238E27FC236}">
-                <a16:creationId xmlns:a16="http://schemas.microsoft.com/office/drawing/2014/main" xmlns="" id="{0492E675-102A-4C23-A99A-9054E8235FD0}"/>
+                <a16:creationId xmlns="" xmlns:a16="http://schemas.microsoft.com/office/drawing/2014/main" id="{0492E675-102A-4C23-A99A-9054E8235FD0}"/>
               </a:ext>
             </a:extLst>
           </p:cNvPr>
@@ -10718,7 +10885,7 @@
           <p:cNvPr id="22" name="Rectangle 21">
             <a:extLst>
               <a:ext uri="{FF2B5EF4-FFF2-40B4-BE49-F238E27FC236}">
-                <a16:creationId xmlns:a16="http://schemas.microsoft.com/office/drawing/2014/main" xmlns="" id="{D0F90942-A638-4814-881A-6FD114E7B509}"/>
+                <a16:creationId xmlns="" xmlns:a16="http://schemas.microsoft.com/office/drawing/2014/main" id="{D0F90942-A638-4814-881A-6FD114E7B509}"/>
               </a:ext>
             </a:extLst>
           </p:cNvPr>
@@ -10772,7 +10939,7 @@
           <p:cNvPr id="25" name="Rectangle 24">
             <a:extLst>
               <a:ext uri="{FF2B5EF4-FFF2-40B4-BE49-F238E27FC236}">
-                <a16:creationId xmlns:a16="http://schemas.microsoft.com/office/drawing/2014/main" xmlns="" id="{154057BD-2E1A-4B33-A862-1EA3D6EF58C5}"/>
+                <a16:creationId xmlns="" xmlns:a16="http://schemas.microsoft.com/office/drawing/2014/main" id="{154057BD-2E1A-4B33-A862-1EA3D6EF58C5}"/>
               </a:ext>
             </a:extLst>
           </p:cNvPr>
@@ -10834,7 +11001,7 @@
           <p:cNvPr id="26" name="Rectangle 25">
             <a:extLst>
               <a:ext uri="{FF2B5EF4-FFF2-40B4-BE49-F238E27FC236}">
-                <a16:creationId xmlns:a16="http://schemas.microsoft.com/office/drawing/2014/main" xmlns="" id="{BA57485B-FA09-4FC5-82CB-05FDB2129EEB}"/>
+                <a16:creationId xmlns="" xmlns:a16="http://schemas.microsoft.com/office/drawing/2014/main" id="{BA57485B-FA09-4FC5-82CB-05FDB2129EEB}"/>
               </a:ext>
             </a:extLst>
           </p:cNvPr>
@@ -10896,7 +11063,7 @@
           <p:cNvPr id="27" name="Rectangle 26">
             <a:extLst>
               <a:ext uri="{FF2B5EF4-FFF2-40B4-BE49-F238E27FC236}">
-                <a16:creationId xmlns:a16="http://schemas.microsoft.com/office/drawing/2014/main" xmlns="" id="{C59EFCD6-8E4F-4E95-9E3C-470238F3D3B8}"/>
+                <a16:creationId xmlns="" xmlns:a16="http://schemas.microsoft.com/office/drawing/2014/main" id="{C59EFCD6-8E4F-4E95-9E3C-470238F3D3B8}"/>
               </a:ext>
             </a:extLst>
           </p:cNvPr>
@@ -10958,7 +11125,7 @@
           <p:cNvPr id="28" name="Rectangle 27">
             <a:extLst>
               <a:ext uri="{FF2B5EF4-FFF2-40B4-BE49-F238E27FC236}">
-                <a16:creationId xmlns:a16="http://schemas.microsoft.com/office/drawing/2014/main" xmlns="" id="{0CD1F687-ED89-46F6-B285-627337E61F1F}"/>
+                <a16:creationId xmlns="" xmlns:a16="http://schemas.microsoft.com/office/drawing/2014/main" id="{0CD1F687-ED89-46F6-B285-627337E61F1F}"/>
               </a:ext>
             </a:extLst>
           </p:cNvPr>
@@ -11020,7 +11187,7 @@
           <p:cNvPr id="29" name="Rectangle 28">
             <a:extLst>
               <a:ext uri="{FF2B5EF4-FFF2-40B4-BE49-F238E27FC236}">
-                <a16:creationId xmlns:a16="http://schemas.microsoft.com/office/drawing/2014/main" xmlns="" id="{4050DBEE-3D9A-422E-8D5D-6333921F2156}"/>
+                <a16:creationId xmlns="" xmlns:a16="http://schemas.microsoft.com/office/drawing/2014/main" id="{4050DBEE-3D9A-422E-8D5D-6333921F2156}"/>
               </a:ext>
             </a:extLst>
           </p:cNvPr>
@@ -11082,7 +11249,7 @@
           <p:cNvPr id="30" name="Rectangle 29">
             <a:extLst>
               <a:ext uri="{FF2B5EF4-FFF2-40B4-BE49-F238E27FC236}">
-                <a16:creationId xmlns:a16="http://schemas.microsoft.com/office/drawing/2014/main" xmlns="" id="{769F5C51-049B-4184-A473-DEA47407D812}"/>
+                <a16:creationId xmlns="" xmlns:a16="http://schemas.microsoft.com/office/drawing/2014/main" id="{769F5C51-049B-4184-A473-DEA47407D812}"/>
               </a:ext>
             </a:extLst>
           </p:cNvPr>
@@ -11144,7 +11311,7 @@
           <p:cNvPr id="24" name="Straight Arrow Connector 23">
             <a:extLst>
               <a:ext uri="{FF2B5EF4-FFF2-40B4-BE49-F238E27FC236}">
-                <a16:creationId xmlns:a16="http://schemas.microsoft.com/office/drawing/2014/main" xmlns="" id="{087D2D5E-80D5-4472-B184-E924AF4AEAFC}"/>
+                <a16:creationId xmlns="" xmlns:a16="http://schemas.microsoft.com/office/drawing/2014/main" id="{087D2D5E-80D5-4472-B184-E924AF4AEAFC}"/>
               </a:ext>
             </a:extLst>
           </p:cNvPr>
@@ -11189,7 +11356,7 @@
           <p:cNvPr id="97" name="Straight Arrow Connector 96">
             <a:extLst>
               <a:ext uri="{FF2B5EF4-FFF2-40B4-BE49-F238E27FC236}">
-                <a16:creationId xmlns:a16="http://schemas.microsoft.com/office/drawing/2014/main" xmlns="" id="{A2E3D67A-2862-446F-99DF-032FE55BDEBF}"/>
+                <a16:creationId xmlns="" xmlns:a16="http://schemas.microsoft.com/office/drawing/2014/main" id="{A2E3D67A-2862-446F-99DF-032FE55BDEBF}"/>
               </a:ext>
             </a:extLst>
           </p:cNvPr>
@@ -11231,7 +11398,7 @@
           <p:cNvPr id="101" name="Straight Connector 100">
             <a:extLst>
               <a:ext uri="{FF2B5EF4-FFF2-40B4-BE49-F238E27FC236}">
-                <a16:creationId xmlns:a16="http://schemas.microsoft.com/office/drawing/2014/main" xmlns="" id="{E1AD6D70-9486-49D0-B1DA-E3C03AFB6FAD}"/>
+                <a16:creationId xmlns="" xmlns:a16="http://schemas.microsoft.com/office/drawing/2014/main" id="{E1AD6D70-9486-49D0-B1DA-E3C03AFB6FAD}"/>
               </a:ext>
             </a:extLst>
           </p:cNvPr>
@@ -11272,7 +11439,7 @@
           <p:cNvPr id="40" name="Straight Arrow Connector 39">
             <a:extLst>
               <a:ext uri="{FF2B5EF4-FFF2-40B4-BE49-F238E27FC236}">
-                <a16:creationId xmlns:a16="http://schemas.microsoft.com/office/drawing/2014/main" xmlns="" id="{5CD1DF49-69F0-43C0-8BF1-A969BECDB581}"/>
+                <a16:creationId xmlns="" xmlns:a16="http://schemas.microsoft.com/office/drawing/2014/main" id="{5CD1DF49-69F0-43C0-8BF1-A969BECDB581}"/>
               </a:ext>
             </a:extLst>
           </p:cNvPr>
@@ -11317,7 +11484,7 @@
           <p:cNvPr id="42" name="Straight Arrow Connector 41">
             <a:extLst>
               <a:ext uri="{FF2B5EF4-FFF2-40B4-BE49-F238E27FC236}">
-                <a16:creationId xmlns:a16="http://schemas.microsoft.com/office/drawing/2014/main" xmlns="" id="{44FEE1DE-8467-4988-9641-7B5464BB4427}"/>
+                <a16:creationId xmlns="" xmlns:a16="http://schemas.microsoft.com/office/drawing/2014/main" id="{44FEE1DE-8467-4988-9641-7B5464BB4427}"/>
               </a:ext>
             </a:extLst>
           </p:cNvPr>
@@ -11359,7 +11526,7 @@
           <p:cNvPr id="44" name="Straight Connector 43">
             <a:extLst>
               <a:ext uri="{FF2B5EF4-FFF2-40B4-BE49-F238E27FC236}">
-                <a16:creationId xmlns:a16="http://schemas.microsoft.com/office/drawing/2014/main" xmlns="" id="{EE12C0D9-A933-4739-945C-7C5F34FCCB44}"/>
+                <a16:creationId xmlns="" xmlns:a16="http://schemas.microsoft.com/office/drawing/2014/main" id="{EE12C0D9-A933-4739-945C-7C5F34FCCB44}"/>
               </a:ext>
             </a:extLst>
           </p:cNvPr>
@@ -11402,7 +11569,7 @@
           <p:cNvPr id="50" name="Straight Arrow Connector 49">
             <a:extLst>
               <a:ext uri="{FF2B5EF4-FFF2-40B4-BE49-F238E27FC236}">
-                <a16:creationId xmlns:a16="http://schemas.microsoft.com/office/drawing/2014/main" xmlns="" id="{864D4508-0004-4946-BA02-3CFECBED4007}"/>
+                <a16:creationId xmlns="" xmlns:a16="http://schemas.microsoft.com/office/drawing/2014/main" id="{864D4508-0004-4946-BA02-3CFECBED4007}"/>
               </a:ext>
             </a:extLst>
           </p:cNvPr>
@@ -11446,7 +11613,7 @@
           <p:cNvPr id="55" name="Rectangle 54">
             <a:extLst>
               <a:ext uri="{FF2B5EF4-FFF2-40B4-BE49-F238E27FC236}">
-                <a16:creationId xmlns:a16="http://schemas.microsoft.com/office/drawing/2014/main" xmlns="" id="{48B45BCD-4358-4A27-A201-9C8C2C57A847}"/>
+                <a16:creationId xmlns="" xmlns:a16="http://schemas.microsoft.com/office/drawing/2014/main" id="{48B45BCD-4358-4A27-A201-9C8C2C57A847}"/>
               </a:ext>
             </a:extLst>
           </p:cNvPr>
@@ -11500,7 +11667,7 @@
           <p:cNvPr id="56" name="Rectangle 55">
             <a:extLst>
               <a:ext uri="{FF2B5EF4-FFF2-40B4-BE49-F238E27FC236}">
-                <a16:creationId xmlns:a16="http://schemas.microsoft.com/office/drawing/2014/main" xmlns="" id="{7AC6E2A8-CF90-4A56-8231-0F44756D7E0E}"/>
+                <a16:creationId xmlns="" xmlns:a16="http://schemas.microsoft.com/office/drawing/2014/main" id="{7AC6E2A8-CF90-4A56-8231-0F44756D7E0E}"/>
               </a:ext>
             </a:extLst>
           </p:cNvPr>
@@ -11554,7 +11721,7 @@
           <p:cNvPr id="57" name="Rectangle 56">
             <a:extLst>
               <a:ext uri="{FF2B5EF4-FFF2-40B4-BE49-F238E27FC236}">
-                <a16:creationId xmlns:a16="http://schemas.microsoft.com/office/drawing/2014/main" xmlns="" id="{AAB3C0DD-DE9D-4FE3-950D-B4A854CCDAF7}"/>
+                <a16:creationId xmlns="" xmlns:a16="http://schemas.microsoft.com/office/drawing/2014/main" id="{AAB3C0DD-DE9D-4FE3-950D-B4A854CCDAF7}"/>
               </a:ext>
             </a:extLst>
           </p:cNvPr>
@@ -11616,7 +11783,7 @@
           <p:cNvPr id="58" name="Rectangle 57">
             <a:extLst>
               <a:ext uri="{FF2B5EF4-FFF2-40B4-BE49-F238E27FC236}">
-                <a16:creationId xmlns:a16="http://schemas.microsoft.com/office/drawing/2014/main" xmlns="" id="{38193A52-B7AC-4BEF-89DC-F578D16C79BE}"/>
+                <a16:creationId xmlns="" xmlns:a16="http://schemas.microsoft.com/office/drawing/2014/main" id="{38193A52-B7AC-4BEF-89DC-F578D16C79BE}"/>
               </a:ext>
             </a:extLst>
           </p:cNvPr>
@@ -11690,7 +11857,7 @@
           <p:cNvPr id="59" name="Picture 42">
             <a:extLst>
               <a:ext uri="{FF2B5EF4-FFF2-40B4-BE49-F238E27FC236}">
-                <a16:creationId xmlns:a16="http://schemas.microsoft.com/office/drawing/2014/main" xmlns="" id="{2F844B0C-CB90-498F-99F2-41A6C6AA21FE}"/>
+                <a16:creationId xmlns="" xmlns:a16="http://schemas.microsoft.com/office/drawing/2014/main" id="{2F844B0C-CB90-498F-99F2-41A6C6AA21FE}"/>
               </a:ext>
             </a:extLst>
           </p:cNvPr>
@@ -11750,7 +11917,7 @@
           <p:cNvPr id="112" name="Picture 111">
             <a:extLst>
               <a:ext uri="{FF2B5EF4-FFF2-40B4-BE49-F238E27FC236}">
-                <a16:creationId xmlns:a16="http://schemas.microsoft.com/office/drawing/2014/main" xmlns="" id="{3554E3BA-44EA-4384-A6BC-6BAEA92A7315}"/>
+                <a16:creationId xmlns="" xmlns:a16="http://schemas.microsoft.com/office/drawing/2014/main" id="{3554E3BA-44EA-4384-A6BC-6BAEA92A7315}"/>
               </a:ext>
             </a:extLst>
           </p:cNvPr>
@@ -11780,7 +11947,7 @@
           <p:cNvPr id="64" name="Rectangle 63">
             <a:extLst>
               <a:ext uri="{FF2B5EF4-FFF2-40B4-BE49-F238E27FC236}">
-                <a16:creationId xmlns:a16="http://schemas.microsoft.com/office/drawing/2014/main" xmlns="" id="{026A8523-BD90-4E59-9735-AF2B4DD3E265}"/>
+                <a16:creationId xmlns="" xmlns:a16="http://schemas.microsoft.com/office/drawing/2014/main" id="{026A8523-BD90-4E59-9735-AF2B4DD3E265}"/>
               </a:ext>
             </a:extLst>
           </p:cNvPr>
@@ -11834,7 +12001,7 @@
           <p:cNvPr id="66" name="Rectangle 65">
             <a:extLst>
               <a:ext uri="{FF2B5EF4-FFF2-40B4-BE49-F238E27FC236}">
-                <a16:creationId xmlns:a16="http://schemas.microsoft.com/office/drawing/2014/main" xmlns="" id="{2AD70DEF-8638-4ACB-BF8A-B86A41A3423D}"/>
+                <a16:creationId xmlns="" xmlns:a16="http://schemas.microsoft.com/office/drawing/2014/main" id="{2AD70DEF-8638-4ACB-BF8A-B86A41A3423D}"/>
               </a:ext>
             </a:extLst>
           </p:cNvPr>
@@ -11896,7 +12063,7 @@
           <p:cNvPr id="116" name="Picture 115">
             <a:extLst>
               <a:ext uri="{FF2B5EF4-FFF2-40B4-BE49-F238E27FC236}">
-                <a16:creationId xmlns:a16="http://schemas.microsoft.com/office/drawing/2014/main" xmlns="" id="{B1C8D4B3-5CA5-4ECE-84DD-E4907926740A}"/>
+                <a16:creationId xmlns="" xmlns:a16="http://schemas.microsoft.com/office/drawing/2014/main" id="{B1C8D4B3-5CA5-4ECE-84DD-E4907926740A}"/>
               </a:ext>
             </a:extLst>
           </p:cNvPr>
@@ -11926,7 +12093,7 @@
           <p:cNvPr id="72" name="Rectangle 71">
             <a:extLst>
               <a:ext uri="{FF2B5EF4-FFF2-40B4-BE49-F238E27FC236}">
-                <a16:creationId xmlns:a16="http://schemas.microsoft.com/office/drawing/2014/main" xmlns="" id="{01B320DF-E6AB-4F7E-B0FD-3618D5A6A14F}"/>
+                <a16:creationId xmlns="" xmlns:a16="http://schemas.microsoft.com/office/drawing/2014/main" id="{01B320DF-E6AB-4F7E-B0FD-3618D5A6A14F}"/>
               </a:ext>
             </a:extLst>
           </p:cNvPr>
@@ -11986,7 +12153,7 @@
           <p:cNvPr id="118" name="Arrow: Up-Down 117">
             <a:extLst>
               <a:ext uri="{FF2B5EF4-FFF2-40B4-BE49-F238E27FC236}">
-                <a16:creationId xmlns:a16="http://schemas.microsoft.com/office/drawing/2014/main" xmlns="" id="{F25F6E6C-E50C-4C32-86A1-42F75BD07901}"/>
+                <a16:creationId xmlns="" xmlns:a16="http://schemas.microsoft.com/office/drawing/2014/main" id="{F25F6E6C-E50C-4C32-86A1-42F75BD07901}"/>
               </a:ext>
             </a:extLst>
           </p:cNvPr>
@@ -12032,7 +12199,7 @@
           <p:cNvPr id="74" name="Arrow: Up-Down 73">
             <a:extLst>
               <a:ext uri="{FF2B5EF4-FFF2-40B4-BE49-F238E27FC236}">
-                <a16:creationId xmlns:a16="http://schemas.microsoft.com/office/drawing/2014/main" xmlns="" id="{3A769608-CEE7-43E4-BB41-0AA36412BCCE}"/>
+                <a16:creationId xmlns="" xmlns:a16="http://schemas.microsoft.com/office/drawing/2014/main" id="{3A769608-CEE7-43E4-BB41-0AA36412BCCE}"/>
               </a:ext>
             </a:extLst>
           </p:cNvPr>
@@ -12078,7 +12245,7 @@
           <p:cNvPr id="75" name="Arrow: Up-Down 74">
             <a:extLst>
               <a:ext uri="{FF2B5EF4-FFF2-40B4-BE49-F238E27FC236}">
-                <a16:creationId xmlns:a16="http://schemas.microsoft.com/office/drawing/2014/main" xmlns="" id="{0C44AF41-EEB6-44F4-8E16-05F60219BD87}"/>
+                <a16:creationId xmlns="" xmlns:a16="http://schemas.microsoft.com/office/drawing/2014/main" id="{0C44AF41-EEB6-44F4-8E16-05F60219BD87}"/>
               </a:ext>
             </a:extLst>
           </p:cNvPr>
@@ -12124,7 +12291,7 @@
           <p:cNvPr id="76" name="Arrow: Up-Down 75">
             <a:extLst>
               <a:ext uri="{FF2B5EF4-FFF2-40B4-BE49-F238E27FC236}">
-                <a16:creationId xmlns:a16="http://schemas.microsoft.com/office/drawing/2014/main" xmlns="" id="{FC51E6FE-D368-4B28-8661-798B762CCB75}"/>
+                <a16:creationId xmlns="" xmlns:a16="http://schemas.microsoft.com/office/drawing/2014/main" id="{FC51E6FE-D368-4B28-8661-798B762CCB75}"/>
               </a:ext>
             </a:extLst>
           </p:cNvPr>
@@ -12170,7 +12337,7 @@
           <p:cNvPr id="120" name="Picture 119">
             <a:extLst>
               <a:ext uri="{FF2B5EF4-FFF2-40B4-BE49-F238E27FC236}">
-                <a16:creationId xmlns:a16="http://schemas.microsoft.com/office/drawing/2014/main" xmlns="" id="{CCA75F24-AF7B-434D-A086-B7BB355744DF}"/>
+                <a16:creationId xmlns="" xmlns:a16="http://schemas.microsoft.com/office/drawing/2014/main" id="{CCA75F24-AF7B-434D-A086-B7BB355744DF}"/>
               </a:ext>
             </a:extLst>
           </p:cNvPr>
@@ -12200,7 +12367,7 @@
           <p:cNvPr id="79" name="Picture 50">
             <a:extLst>
               <a:ext uri="{FF2B5EF4-FFF2-40B4-BE49-F238E27FC236}">
-                <a16:creationId xmlns:a16="http://schemas.microsoft.com/office/drawing/2014/main" xmlns="" id="{0A4AA348-544D-4A99-933D-85AF7F4035E9}"/>
+                <a16:creationId xmlns="" xmlns:a16="http://schemas.microsoft.com/office/drawing/2014/main" id="{0A4AA348-544D-4A99-933D-85AF7F4035E9}"/>
               </a:ext>
             </a:extLst>
           </p:cNvPr>
@@ -12260,7 +12427,7 @@
           <p:cNvPr id="122" name="Picture 121">
             <a:extLst>
               <a:ext uri="{FF2B5EF4-FFF2-40B4-BE49-F238E27FC236}">
-                <a16:creationId xmlns:a16="http://schemas.microsoft.com/office/drawing/2014/main" xmlns="" id="{EEBE87C7-8F9C-42B5-A8B0-FE8340D5F6F6}"/>
+                <a16:creationId xmlns="" xmlns:a16="http://schemas.microsoft.com/office/drawing/2014/main" id="{EEBE87C7-8F9C-42B5-A8B0-FE8340D5F6F6}"/>
               </a:ext>
             </a:extLst>
           </p:cNvPr>
@@ -12290,7 +12457,7 @@
           <p:cNvPr id="124" name="Picture 123">
             <a:extLst>
               <a:ext uri="{FF2B5EF4-FFF2-40B4-BE49-F238E27FC236}">
-                <a16:creationId xmlns:a16="http://schemas.microsoft.com/office/drawing/2014/main" xmlns="" id="{18678D47-7F89-417D-8364-D478D7CED8DB}"/>
+                <a16:creationId xmlns="" xmlns:a16="http://schemas.microsoft.com/office/drawing/2014/main" id="{18678D47-7F89-417D-8364-D478D7CED8DB}"/>
               </a:ext>
             </a:extLst>
           </p:cNvPr>
@@ -12320,7 +12487,7 @@
           <p:cNvPr id="84" name="Picture 83">
             <a:extLst>
               <a:ext uri="{FF2B5EF4-FFF2-40B4-BE49-F238E27FC236}">
-                <a16:creationId xmlns:a16="http://schemas.microsoft.com/office/drawing/2014/main" xmlns="" id="{63BA7092-1D0B-4CDC-9783-89C21CF79E81}"/>
+                <a16:creationId xmlns="" xmlns:a16="http://schemas.microsoft.com/office/drawing/2014/main" id="{63BA7092-1D0B-4CDC-9783-89C21CF79E81}"/>
               </a:ext>
             </a:extLst>
           </p:cNvPr>
@@ -12350,7 +12517,7 @@
           <p:cNvPr id="127" name="TextBox 126">
             <a:extLst>
               <a:ext uri="{FF2B5EF4-FFF2-40B4-BE49-F238E27FC236}">
-                <a16:creationId xmlns:a16="http://schemas.microsoft.com/office/drawing/2014/main" xmlns="" id="{981518DD-AEFF-45B7-8057-DA0E6A9B47C3}"/>
+                <a16:creationId xmlns="" xmlns:a16="http://schemas.microsoft.com/office/drawing/2014/main" id="{981518DD-AEFF-45B7-8057-DA0E6A9B47C3}"/>
               </a:ext>
             </a:extLst>
           </p:cNvPr>
@@ -12388,7 +12555,7 @@
           <p:cNvPr id="88" name="TextBox 87">
             <a:extLst>
               <a:ext uri="{FF2B5EF4-FFF2-40B4-BE49-F238E27FC236}">
-                <a16:creationId xmlns:a16="http://schemas.microsoft.com/office/drawing/2014/main" xmlns="" id="{F00DA144-301C-4694-8642-5D3A8966255E}"/>
+                <a16:creationId xmlns="" xmlns:a16="http://schemas.microsoft.com/office/drawing/2014/main" id="{F00DA144-301C-4694-8642-5D3A8966255E}"/>
               </a:ext>
             </a:extLst>
           </p:cNvPr>
@@ -12426,7 +12593,7 @@
           <p:cNvPr id="89" name="TextBox 88">
             <a:extLst>
               <a:ext uri="{FF2B5EF4-FFF2-40B4-BE49-F238E27FC236}">
-                <a16:creationId xmlns:a16="http://schemas.microsoft.com/office/drawing/2014/main" xmlns="" id="{D46B7FE0-A4F5-4CCF-ABEC-726AB1EA4193}"/>
+                <a16:creationId xmlns="" xmlns:a16="http://schemas.microsoft.com/office/drawing/2014/main" id="{D46B7FE0-A4F5-4CCF-ABEC-726AB1EA4193}"/>
               </a:ext>
             </a:extLst>
           </p:cNvPr>
@@ -12464,7 +12631,7 @@
           <p:cNvPr id="32" name="Arrow: Left 31">
             <a:extLst>
               <a:ext uri="{FF2B5EF4-FFF2-40B4-BE49-F238E27FC236}">
-                <a16:creationId xmlns:a16="http://schemas.microsoft.com/office/drawing/2014/main" xmlns="" id="{DDEAB656-485B-4BC9-B75B-6FB9CFAABCBF}"/>
+                <a16:creationId xmlns="" xmlns:a16="http://schemas.microsoft.com/office/drawing/2014/main" id="{DDEAB656-485B-4BC9-B75B-6FB9CFAABCBF}"/>
               </a:ext>
             </a:extLst>
           </p:cNvPr>
@@ -12510,7 +12677,7 @@
           <p:cNvPr id="33" name="Arrow: Right 32">
             <a:extLst>
               <a:ext uri="{FF2B5EF4-FFF2-40B4-BE49-F238E27FC236}">
-                <a16:creationId xmlns:a16="http://schemas.microsoft.com/office/drawing/2014/main" xmlns="" id="{1750CCE7-C1AB-4B99-90EC-12BE38429399}"/>
+                <a16:creationId xmlns="" xmlns:a16="http://schemas.microsoft.com/office/drawing/2014/main" id="{1750CCE7-C1AB-4B99-90EC-12BE38429399}"/>
               </a:ext>
             </a:extLst>
           </p:cNvPr>
@@ -12556,7 +12723,7 @@
           <p:cNvPr id="39" name="Arrow: Right 38">
             <a:extLst>
               <a:ext uri="{FF2B5EF4-FFF2-40B4-BE49-F238E27FC236}">
-                <a16:creationId xmlns:a16="http://schemas.microsoft.com/office/drawing/2014/main" xmlns="" id="{75E98987-F062-4A77-B0D7-DF1697A0E167}"/>
+                <a16:creationId xmlns="" xmlns:a16="http://schemas.microsoft.com/office/drawing/2014/main" id="{75E98987-F062-4A77-B0D7-DF1697A0E167}"/>
               </a:ext>
             </a:extLst>
           </p:cNvPr>
@@ -12602,7 +12769,7 @@
           <p:cNvPr id="128" name="Arrow: Right 127">
             <a:extLst>
               <a:ext uri="{FF2B5EF4-FFF2-40B4-BE49-F238E27FC236}">
-                <a16:creationId xmlns:a16="http://schemas.microsoft.com/office/drawing/2014/main" xmlns="" id="{4F61E5B2-0F22-4CF9-962A-8AF8369EA0A4}"/>
+                <a16:creationId xmlns="" xmlns:a16="http://schemas.microsoft.com/office/drawing/2014/main" id="{4F61E5B2-0F22-4CF9-962A-8AF8369EA0A4}"/>
               </a:ext>
             </a:extLst>
           </p:cNvPr>
@@ -12648,7 +12815,7 @@
           <p:cNvPr id="130" name="Arrow: Right 129">
             <a:extLst>
               <a:ext uri="{FF2B5EF4-FFF2-40B4-BE49-F238E27FC236}">
-                <a16:creationId xmlns:a16="http://schemas.microsoft.com/office/drawing/2014/main" xmlns="" id="{101BB2C6-0A70-4200-A5E9-40341C9AB832}"/>
+                <a16:creationId xmlns="" xmlns:a16="http://schemas.microsoft.com/office/drawing/2014/main" id="{101BB2C6-0A70-4200-A5E9-40341C9AB832}"/>
               </a:ext>
             </a:extLst>
           </p:cNvPr>
@@ -12694,7 +12861,7 @@
           <p:cNvPr id="46" name="Arrow: Left-Up 45">
             <a:extLst>
               <a:ext uri="{FF2B5EF4-FFF2-40B4-BE49-F238E27FC236}">
-                <a16:creationId xmlns:a16="http://schemas.microsoft.com/office/drawing/2014/main" xmlns="" id="{01E79B17-5381-4839-9A9C-1E3D662CBF69}"/>
+                <a16:creationId xmlns="" xmlns:a16="http://schemas.microsoft.com/office/drawing/2014/main" id="{01E79B17-5381-4839-9A9C-1E3D662CBF69}"/>
               </a:ext>
             </a:extLst>
           </p:cNvPr>
@@ -12744,7 +12911,7 @@
           <p:cNvPr id="136" name="Arrow: Left-Up 135">
             <a:extLst>
               <a:ext uri="{FF2B5EF4-FFF2-40B4-BE49-F238E27FC236}">
-                <a16:creationId xmlns:a16="http://schemas.microsoft.com/office/drawing/2014/main" xmlns="" id="{770A2473-F18E-4C76-941C-0F5C5F4394B5}"/>
+                <a16:creationId xmlns="" xmlns:a16="http://schemas.microsoft.com/office/drawing/2014/main" id="{770A2473-F18E-4C76-941C-0F5C5F4394B5}"/>
               </a:ext>
             </a:extLst>
           </p:cNvPr>
@@ -12794,7 +12961,7 @@
           <p:cNvPr id="51" name="Arrow: Bent-Up 50">
             <a:extLst>
               <a:ext uri="{FF2B5EF4-FFF2-40B4-BE49-F238E27FC236}">
-                <a16:creationId xmlns:a16="http://schemas.microsoft.com/office/drawing/2014/main" xmlns="" id="{55AB17C6-F741-451F-9CA4-5B5C1BDD9A5A}"/>
+                <a16:creationId xmlns="" xmlns:a16="http://schemas.microsoft.com/office/drawing/2014/main" id="{55AB17C6-F741-451F-9CA4-5B5C1BDD9A5A}"/>
               </a:ext>
             </a:extLst>
           </p:cNvPr>
@@ -12844,7 +13011,7 @@
           <p:cNvPr id="2" name="TextBox 1">
             <a:extLst>
               <a:ext uri="{FF2B5EF4-FFF2-40B4-BE49-F238E27FC236}">
-                <a16:creationId xmlns:a16="http://schemas.microsoft.com/office/drawing/2014/main" xmlns="" id="{C8CCF8C6-DAFA-4BE4-9D03-A21EEB4F4751}"/>
+                <a16:creationId xmlns="" xmlns:a16="http://schemas.microsoft.com/office/drawing/2014/main" id="{C8CCF8C6-DAFA-4BE4-9D03-A21EEB4F4751}"/>
               </a:ext>
             </a:extLst>
           </p:cNvPr>
@@ -12889,6 +13056,130 @@
 </file>
 
 <file path=ppt/slides/slide12.xml><?xml version="1.0" encoding="utf-8"?>
+<p:sld xmlns:a="http://schemas.openxmlformats.org/drawingml/2006/main" xmlns:r="http://schemas.openxmlformats.org/officeDocument/2006/relationships" xmlns:p="http://schemas.openxmlformats.org/presentationml/2006/main">
+  <p:cSld>
+    <p:bg>
+      <p:bgPr>
+        <a:solidFill>
+          <a:schemeClr val="accent1">
+            <a:lumMod val="75000"/>
+          </a:schemeClr>
+        </a:solidFill>
+        <a:effectLst/>
+      </p:bgPr>
+    </p:bg>
+    <p:spTree>
+      <p:nvGrpSpPr>
+        <p:cNvPr id="1" name="Shape 103"/>
+        <p:cNvGrpSpPr/>
+        <p:nvPr/>
+      </p:nvGrpSpPr>
+      <p:grpSpPr>
+        <a:xfrm>
+          <a:off x="0" y="0"/>
+          <a:ext cx="0" cy="0"/>
+          <a:chOff x="0" y="0"/>
+          <a:chExt cx="0" cy="0"/>
+        </a:xfrm>
+      </p:grpSpPr>
+      <p:sp>
+        <p:nvSpPr>
+          <p:cNvPr id="104" name="Shape 104"/>
+          <p:cNvSpPr txBox="1">
+            <a:spLocks noGrp="1"/>
+          </p:cNvSpPr>
+          <p:nvPr>
+            <p:ph type="title"/>
+          </p:nvPr>
+        </p:nvSpPr>
+        <p:spPr>
+          <a:xfrm>
+            <a:off x="234450" y="575501"/>
+            <a:ext cx="2046300" cy="915370"/>
+          </a:xfrm>
+          <a:prstGeom prst="rect">
+            <a:avLst/>
+          </a:prstGeom>
+        </p:spPr>
+        <p:txBody>
+          <a:bodyPr spcFirstLastPara="1" wrap="square" lIns="91425" tIns="91425" rIns="91425" bIns="91425" anchor="t" anchorCtr="0">
+            <a:noAutofit/>
+          </a:bodyPr>
+          <a:lstStyle/>
+          <a:p>
+            <a:pPr marL="0" lvl="0" indent="0" algn="just" rtl="0">
+              <a:spcBef>
+                <a:spcPts val="0"/>
+              </a:spcBef>
+              <a:spcAft>
+                <a:spcPts val="0"/>
+              </a:spcAft>
+              <a:buNone/>
+            </a:pPr>
+            <a:r>
+              <a:rPr lang="en-IN" b="1" dirty="0"/>
+              <a:t>Architecture Diagram</a:t>
+            </a:r>
+            <a:endParaRPr b="1" dirty="0"/>
+          </a:p>
+        </p:txBody>
+      </p:sp>
+      <p:sp>
+        <p:nvSpPr>
+          <p:cNvPr id="107" name="Shape 107"/>
+          <p:cNvSpPr txBox="1">
+            <a:spLocks noGrp="1"/>
+          </p:cNvSpPr>
+          <p:nvPr>
+            <p:ph type="sldNum" idx="12"/>
+          </p:nvPr>
+        </p:nvSpPr>
+        <p:spPr>
+          <a:xfrm>
+            <a:off x="8556784" y="4749851"/>
+            <a:ext cx="548700" cy="393600"/>
+          </a:xfrm>
+          <a:prstGeom prst="rect">
+            <a:avLst/>
+          </a:prstGeom>
+        </p:spPr>
+        <p:txBody>
+          <a:bodyPr spcFirstLastPara="1" wrap="square" lIns="91425" tIns="91425" rIns="91425" bIns="91425" anchor="ctr" anchorCtr="0">
+            <a:noAutofit/>
+          </a:bodyPr>
+          <a:lstStyle/>
+          <a:p>
+            <a:pPr marL="0" lvl="0" indent="0">
+              <a:spcBef>
+                <a:spcPts val="0"/>
+              </a:spcBef>
+              <a:spcAft>
+                <a:spcPts val="0"/>
+              </a:spcAft>
+              <a:buNone/>
+            </a:pPr>
+            <a:fld id="{00000000-1234-1234-1234-123412341234}" type="slidenum">
+              <a:rPr lang="en"/>
+              <a:t>12</a:t>
+            </a:fld>
+            <a:endParaRPr dirty="0"/>
+          </a:p>
+        </p:txBody>
+      </p:sp>
+    </p:spTree>
+    <p:extLst>
+      <p:ext uri="{BB962C8B-B14F-4D97-AF65-F5344CB8AC3E}">
+        <p14:creationId xmlns:p14="http://schemas.microsoft.com/office/powerpoint/2010/main" val="4005082954"/>
+      </p:ext>
+    </p:extLst>
+  </p:cSld>
+  <p:clrMapOvr>
+    <a:masterClrMapping/>
+  </p:clrMapOvr>
+</p:sld>
+</file>
+
+<file path=ppt/slides/slide13.xml><?xml version="1.0" encoding="utf-8"?>
 <p:sld xmlns:a="http://schemas.openxmlformats.org/drawingml/2006/main" xmlns:r="http://schemas.openxmlformats.org/officeDocument/2006/relationships" xmlns:p="http://schemas.openxmlformats.org/presentationml/2006/main">
   <p:cSld>
     <p:bg>
@@ -13081,7 +13372,7 @@
             </a:pPr>
             <a:fld id="{00000000-1234-1234-1234-123412341234}" type="slidenum">
               <a:rPr lang="en"/>
-              <a:t>12</a:t>
+              <a:t>13</a:t>
             </a:fld>
             <a:endParaRPr dirty="0"/>
           </a:p>
@@ -13269,7 +13560,7 @@
           <p:cNvPr id="13" name="Picture 42">
             <a:extLst>
               <a:ext uri="{FF2B5EF4-FFF2-40B4-BE49-F238E27FC236}">
-                <a16:creationId xmlns:a16="http://schemas.microsoft.com/office/drawing/2014/main" xmlns="" id="{72CD0BC3-CBCD-4F08-9EC2-094477A3F00F}"/>
+                <a16:creationId xmlns="" xmlns:a16="http://schemas.microsoft.com/office/drawing/2014/main" id="{72CD0BC3-CBCD-4F08-9EC2-094477A3F00F}"/>
               </a:ext>
             </a:extLst>
           </p:cNvPr>
@@ -14169,7 +14460,7 @@
           <p:cNvPr id="31" name="Picture 42">
             <a:extLst>
               <a:ext uri="{FF2B5EF4-FFF2-40B4-BE49-F238E27FC236}">
-                <a16:creationId xmlns:a16="http://schemas.microsoft.com/office/drawing/2014/main" xmlns="" id="{72CD0BC3-CBCD-4F08-9EC2-094477A3F00F}"/>
+                <a16:creationId xmlns="" xmlns:a16="http://schemas.microsoft.com/office/drawing/2014/main" id="{72CD0BC3-CBCD-4F08-9EC2-094477A3F00F}"/>
               </a:ext>
             </a:extLst>
           </p:cNvPr>
@@ -14593,7 +14884,7 @@
           <p:cNvPr id="3" name="Picture 2">
             <a:extLst>
               <a:ext uri="{FF2B5EF4-FFF2-40B4-BE49-F238E27FC236}">
-                <a16:creationId xmlns:a16="http://schemas.microsoft.com/office/drawing/2014/main" xmlns="" id="{5A4D36D6-3FE6-4236-9A69-129345D21CE7}"/>
+                <a16:creationId xmlns="" xmlns:a16="http://schemas.microsoft.com/office/drawing/2014/main" id="{5A4D36D6-3FE6-4236-9A69-129345D21CE7}"/>
               </a:ext>
             </a:extLst>
           </p:cNvPr>
@@ -15197,7 +15488,7 @@
           <p:cNvPr id="11" name="Shape 114">
             <a:extLst>
               <a:ext uri="{FF2B5EF4-FFF2-40B4-BE49-F238E27FC236}">
-                <a16:creationId xmlns:a16="http://schemas.microsoft.com/office/drawing/2014/main" xmlns="" id="{1D3C8554-FECA-4592-9592-A1CD9D928A40}"/>
+                <a16:creationId xmlns="" xmlns:a16="http://schemas.microsoft.com/office/drawing/2014/main" id="{1D3C8554-FECA-4592-9592-A1CD9D928A40}"/>
               </a:ext>
             </a:extLst>
           </p:cNvPr>
@@ -15373,7 +15664,7 @@
           <p:cNvPr id="4" name="Rectangle 3">
             <a:extLst>
               <a:ext uri="{FF2B5EF4-FFF2-40B4-BE49-F238E27FC236}">
-                <a16:creationId xmlns:a16="http://schemas.microsoft.com/office/drawing/2014/main" xmlns="" id="{73975F41-C02D-4F7A-B534-F50F4D1254D9}"/>
+                <a16:creationId xmlns="" xmlns:a16="http://schemas.microsoft.com/office/drawing/2014/main" id="{73975F41-C02D-4F7A-B534-F50F4D1254D9}"/>
               </a:ext>
             </a:extLst>
           </p:cNvPr>
@@ -15498,7 +15789,7 @@
           <p:cNvPr id="8" name="Rectangle 7">
             <a:extLst>
               <a:ext uri="{FF2B5EF4-FFF2-40B4-BE49-F238E27FC236}">
-                <a16:creationId xmlns:a16="http://schemas.microsoft.com/office/drawing/2014/main" xmlns="" id="{587713AA-9CBD-4BD7-A8A4-7B621B110039}"/>
+                <a16:creationId xmlns="" xmlns:a16="http://schemas.microsoft.com/office/drawing/2014/main" id="{587713AA-9CBD-4BD7-A8A4-7B621B110039}"/>
               </a:ext>
             </a:extLst>
           </p:cNvPr>
@@ -15595,7 +15886,7 @@
           <p:cNvPr id="9" name="Picture 42">
             <a:extLst>
               <a:ext uri="{FF2B5EF4-FFF2-40B4-BE49-F238E27FC236}">
-                <a16:creationId xmlns:a16="http://schemas.microsoft.com/office/drawing/2014/main" xmlns="" id="{72CD0BC3-CBCD-4F08-9EC2-094477A3F00F}"/>
+                <a16:creationId xmlns="" xmlns:a16="http://schemas.microsoft.com/office/drawing/2014/main" id="{72CD0BC3-CBCD-4F08-9EC2-094477A3F00F}"/>
               </a:ext>
             </a:extLst>
           </p:cNvPr>
@@ -15655,7 +15946,7 @@
           <p:cNvPr id="10" name="Rectangle 9">
             <a:extLst>
               <a:ext uri="{FF2B5EF4-FFF2-40B4-BE49-F238E27FC236}">
-                <a16:creationId xmlns:a16="http://schemas.microsoft.com/office/drawing/2014/main" xmlns="" id="{A6D7667A-DA73-430E-A281-75520436CCCB}"/>
+                <a16:creationId xmlns="" xmlns:a16="http://schemas.microsoft.com/office/drawing/2014/main" id="{A6D7667A-DA73-430E-A281-75520436CCCB}"/>
               </a:ext>
             </a:extLst>
           </p:cNvPr>
@@ -15833,7 +16124,7 @@
           <p:cNvPr id="12" name="Rectangle 11">
             <a:extLst>
               <a:ext uri="{FF2B5EF4-FFF2-40B4-BE49-F238E27FC236}">
-                <a16:creationId xmlns:a16="http://schemas.microsoft.com/office/drawing/2014/main" xmlns="" id="{A6D7667A-DA73-430E-A281-75520436CCCB}"/>
+                <a16:creationId xmlns="" xmlns:a16="http://schemas.microsoft.com/office/drawing/2014/main" id="{A6D7667A-DA73-430E-A281-75520436CCCB}"/>
               </a:ext>
             </a:extLst>
           </p:cNvPr>
@@ -16187,7 +16478,7 @@
           <p:cNvPr id="11" name="Shape 114">
             <a:extLst>
               <a:ext uri="{FF2B5EF4-FFF2-40B4-BE49-F238E27FC236}">
-                <a16:creationId xmlns:a16="http://schemas.microsoft.com/office/drawing/2014/main" xmlns="" id="{1D3C8554-FECA-4592-9592-A1CD9D928A40}"/>
+                <a16:creationId xmlns="" xmlns:a16="http://schemas.microsoft.com/office/drawing/2014/main" id="{1D3C8554-FECA-4592-9592-A1CD9D928A40}"/>
               </a:ext>
             </a:extLst>
           </p:cNvPr>
@@ -16470,7 +16761,7 @@
         </p:nvSpPr>
         <p:spPr>
           <a:xfrm>
-            <a:off x="234450" y="575500"/>
+            <a:off x="224150" y="363755"/>
             <a:ext cx="2046300" cy="580638"/>
           </a:xfrm>
           <a:prstGeom prst="rect">
@@ -16508,7 +16799,7 @@
         </p:nvSpPr>
         <p:spPr>
           <a:xfrm>
-            <a:off x="2771800" y="932158"/>
+            <a:off x="2753320" y="655146"/>
             <a:ext cx="1944216" cy="535364"/>
           </a:xfrm>
           <a:prstGeom prst="rect">
@@ -16564,8 +16855,8 @@
         </p:nvSpPr>
         <p:spPr>
           <a:xfrm>
-            <a:off x="7020272" y="943354"/>
-            <a:ext cx="1944216" cy="524168"/>
+            <a:off x="7001792" y="666342"/>
+            <a:ext cx="1253595" cy="524168"/>
           </a:xfrm>
           <a:prstGeom prst="rect">
             <a:avLst/>
@@ -16620,7 +16911,7 @@
         </p:nvSpPr>
         <p:spPr>
           <a:xfrm>
-            <a:off x="4896036" y="943354"/>
+            <a:off x="4877556" y="666342"/>
             <a:ext cx="1944216" cy="524168"/>
           </a:xfrm>
           <a:prstGeom prst="rect">
@@ -16676,8 +16967,8 @@
         </p:nvSpPr>
         <p:spPr>
           <a:xfrm>
-            <a:off x="2888192" y="1017401"/>
-            <a:ext cx="1768433" cy="430887"/>
+            <a:off x="3009971" y="663578"/>
+            <a:ext cx="1205779" cy="461665"/>
           </a:xfrm>
           <a:prstGeom prst="rect">
             <a:avLst/>
@@ -16690,32 +16981,75 @@
           </a:bodyPr>
           <a:lstStyle/>
           <a:p>
-            <a:pPr>
+            <a:pPr algn="ctr">
               <a:buClrTx/>
               <a:buFontTx/>
               <a:buNone/>
             </a:pPr>
             <a:r>
-              <a:rPr lang="en-IN" sz="1100" kern="1200" dirty="0">
+              <a:rPr lang="en-IN" sz="800" kern="1200" dirty="0" smtClean="0">
                 <a:ea typeface="+mn-ea"/>
                 <a:cs typeface="+mn-cs"/>
               </a:rPr>
-              <a:t>Blockchain + Hospitals + </a:t>
-            </a:r>
-          </a:p>
-          <a:p>
-            <a:pPr>
-              <a:buClrTx/>
-              <a:buFontTx/>
-              <a:buNone/>
-            </a:pPr>
-            <a:r>
-              <a:rPr lang="en-IN" sz="1100" kern="1200" dirty="0">
+              <a:t>Blockchain Network </a:t>
+            </a:r>
+            <a:r>
+              <a:rPr lang="en-IN" sz="800" kern="1200" dirty="0">
                 <a:ea typeface="+mn-ea"/>
                 <a:cs typeface="+mn-cs"/>
               </a:rPr>
-              <a:t>Clients</a:t>
-            </a:r>
+              <a:t>+ </a:t>
+            </a:r>
+            <a:endParaRPr lang="en-IN" sz="800" kern="1200" dirty="0" smtClean="0">
+              <a:ea typeface="+mn-ea"/>
+              <a:cs typeface="+mn-cs"/>
+            </a:endParaRPr>
+          </a:p>
+          <a:p>
+            <a:pPr algn="ctr">
+              <a:buClrTx/>
+              <a:buFontTx/>
+              <a:buNone/>
+            </a:pPr>
+            <a:r>
+              <a:rPr lang="en-IN" sz="800" kern="1200" dirty="0" smtClean="0">
+                <a:ea typeface="+mn-ea"/>
+                <a:cs typeface="+mn-cs"/>
+              </a:rPr>
+              <a:t>Hospitals </a:t>
+            </a:r>
+            <a:r>
+              <a:rPr lang="en-IN" sz="800" kern="1200" dirty="0">
+                <a:ea typeface="+mn-ea"/>
+                <a:cs typeface="+mn-cs"/>
+              </a:rPr>
+              <a:t>+ </a:t>
+            </a:r>
+          </a:p>
+          <a:p>
+            <a:pPr algn="ctr">
+              <a:buClrTx/>
+              <a:buFontTx/>
+              <a:buNone/>
+            </a:pPr>
+            <a:r>
+              <a:rPr lang="en-IN" sz="800" kern="1200" dirty="0" err="1" smtClean="0">
+                <a:ea typeface="+mn-ea"/>
+                <a:cs typeface="+mn-cs"/>
+              </a:rPr>
+              <a:t>Punekars</a:t>
+            </a:r>
+            <a:r>
+              <a:rPr lang="en-IN" sz="800" kern="1200" dirty="0" smtClean="0">
+                <a:ea typeface="+mn-ea"/>
+                <a:cs typeface="+mn-cs"/>
+              </a:rPr>
+              <a:t>(Clients)</a:t>
+            </a:r>
+            <a:endParaRPr lang="en-IN" sz="800" kern="1200" dirty="0">
+              <a:ea typeface="+mn-ea"/>
+              <a:cs typeface="+mn-cs"/>
+            </a:endParaRPr>
           </a:p>
         </p:txBody>
       </p:sp>
@@ -16727,8 +17061,8 @@
         </p:nvSpPr>
         <p:spPr>
           <a:xfrm>
-            <a:off x="4966294" y="1017399"/>
-            <a:ext cx="1638590" cy="600164"/>
+            <a:off x="4951540" y="717305"/>
+            <a:ext cx="1253869" cy="461665"/>
           </a:xfrm>
           <a:prstGeom prst="rect">
             <a:avLst/>
@@ -16747,7 +17081,7 @@
               <a:buNone/>
             </a:pPr>
             <a:r>
-              <a:rPr lang="en-IN" sz="1100" kern="1200" dirty="0">
+              <a:rPr lang="en-IN" sz="800" kern="1200" dirty="0">
                 <a:ea typeface="+mn-ea"/>
                 <a:cs typeface="+mn-cs"/>
               </a:rPr>
@@ -16761,7 +17095,7 @@
               <a:buNone/>
             </a:pPr>
             <a:r>
-              <a:rPr lang="en-IN" sz="1100" kern="1200" dirty="0">
+              <a:rPr lang="en-IN" sz="800" kern="1200" dirty="0">
                 <a:ea typeface="+mn-ea"/>
                 <a:cs typeface="+mn-cs"/>
               </a:rPr>
@@ -16775,7 +17109,7 @@
               <a:buNone/>
             </a:pPr>
             <a:r>
-              <a:rPr lang="en-IN" sz="1100" kern="1200" dirty="0">
+              <a:rPr lang="en-IN" sz="800" kern="1200" dirty="0">
                 <a:ea typeface="+mn-ea"/>
                 <a:cs typeface="+mn-cs"/>
               </a:rPr>
@@ -16792,8 +17126,8 @@
         </p:nvSpPr>
         <p:spPr>
           <a:xfrm>
-            <a:off x="7231598" y="1017399"/>
-            <a:ext cx="797013" cy="261610"/>
+            <a:off x="7297910" y="807412"/>
+            <a:ext cx="684803" cy="230832"/>
           </a:xfrm>
           <a:prstGeom prst="rect">
             <a:avLst/>
@@ -16812,7 +17146,7 @@
               <a:buNone/>
             </a:pPr>
             <a:r>
-              <a:rPr lang="en-IN" sz="1100" kern="1200" dirty="0">
+              <a:rPr lang="en-IN" sz="900" kern="1200" dirty="0">
                 <a:ea typeface="+mn-ea"/>
                 <a:cs typeface="+mn-cs"/>
               </a:rPr>
@@ -16829,7 +17163,7 @@
         </p:nvSpPr>
         <p:spPr>
           <a:xfrm>
-            <a:off x="2763620" y="2062966"/>
+            <a:off x="2745140" y="1593849"/>
             <a:ext cx="1944216" cy="525938"/>
           </a:xfrm>
           <a:prstGeom prst="rect">
@@ -16885,8 +17219,8 @@
         </p:nvSpPr>
         <p:spPr>
           <a:xfrm>
-            <a:off x="7012092" y="2074162"/>
-            <a:ext cx="1944216" cy="514742"/>
+            <a:off x="6993612" y="1605045"/>
+            <a:ext cx="1261775" cy="514742"/>
           </a:xfrm>
           <a:prstGeom prst="rect">
             <a:avLst/>
@@ -16941,7 +17275,7 @@
         </p:nvSpPr>
         <p:spPr>
           <a:xfrm>
-            <a:off x="4887856" y="2074162"/>
+            <a:off x="4869376" y="1605045"/>
             <a:ext cx="1944216" cy="514742"/>
           </a:xfrm>
           <a:prstGeom prst="rect">
@@ -16997,8 +17331,8 @@
         </p:nvSpPr>
         <p:spPr>
           <a:xfrm>
-            <a:off x="2880009" y="2148207"/>
-            <a:ext cx="1327608" cy="261610"/>
+            <a:off x="3073807" y="1679090"/>
+            <a:ext cx="1021433" cy="215444"/>
           </a:xfrm>
           <a:prstGeom prst="rect">
             <a:avLst/>
@@ -17017,7 +17351,7 @@
               <a:buNone/>
             </a:pPr>
             <a:r>
-              <a:rPr lang="en-IN" sz="1100" kern="1200" dirty="0">
+              <a:rPr lang="en-IN" sz="800" kern="1200" dirty="0">
                 <a:ea typeface="+mn-ea"/>
                 <a:cs typeface="+mn-cs"/>
               </a:rPr>
@@ -17034,8 +17368,8 @@
         </p:nvSpPr>
         <p:spPr>
           <a:xfrm>
-            <a:off x="7223418" y="2148207"/>
-            <a:ext cx="1023037" cy="261610"/>
+            <a:off x="7193212" y="1741402"/>
+            <a:ext cx="870751" cy="230832"/>
           </a:xfrm>
           <a:prstGeom prst="rect">
             <a:avLst/>
@@ -17054,7 +17388,7 @@
               <a:buNone/>
             </a:pPr>
             <a:r>
-              <a:rPr lang="en-IN" sz="1100" kern="1200" dirty="0">
+              <a:rPr lang="en-IN" sz="900" kern="1200" dirty="0">
                 <a:ea typeface="+mn-ea"/>
                 <a:cs typeface="+mn-cs"/>
               </a:rPr>
@@ -17071,8 +17405,8 @@
         </p:nvSpPr>
         <p:spPr>
           <a:xfrm>
-            <a:off x="4958113" y="2138781"/>
-            <a:ext cx="1516762" cy="600164"/>
+            <a:off x="4951540" y="1631583"/>
+            <a:ext cx="1160895" cy="461665"/>
           </a:xfrm>
           <a:prstGeom prst="rect">
             <a:avLst/>
@@ -17091,20 +17425,20 @@
               <a:buNone/>
             </a:pPr>
             <a:r>
-              <a:rPr lang="en-IN" sz="1100" kern="1200" dirty="0">
+              <a:rPr lang="en-IN" sz="800" kern="1200" dirty="0">
                 <a:ea typeface="+mn-ea"/>
                 <a:cs typeface="+mn-cs"/>
               </a:rPr>
               <a:t>Period : 1 </a:t>
             </a:r>
             <a:r>
-              <a:rPr lang="en-IN" sz="1100" kern="1200" dirty="0" err="1">
+              <a:rPr lang="en-IN" sz="800" kern="1200" dirty="0" err="1">
                 <a:ea typeface="+mn-ea"/>
                 <a:cs typeface="+mn-cs"/>
               </a:rPr>
               <a:t>yr</a:t>
             </a:r>
-            <a:endParaRPr lang="en-IN" sz="1100" kern="1200" dirty="0">
+            <a:endParaRPr lang="en-IN" sz="800" kern="1200" dirty="0">
               <a:ea typeface="+mn-ea"/>
               <a:cs typeface="+mn-cs"/>
             </a:endParaRPr>
@@ -17116,12 +17450,23 @@
               <a:buNone/>
             </a:pPr>
             <a:r>
-              <a:rPr lang="en-IN" sz="1100" kern="1200" dirty="0">
+              <a:rPr lang="en-IN" sz="800" kern="1200" dirty="0">
                 <a:ea typeface="+mn-ea"/>
                 <a:cs typeface="+mn-cs"/>
               </a:rPr>
-              <a:t>Expenditure : 3.5cr </a:t>
-            </a:r>
+              <a:t>Expenditure : </a:t>
+            </a:r>
+            <a:r>
+              <a:rPr lang="en-IN" sz="800" kern="1200" dirty="0" smtClean="0">
+                <a:ea typeface="+mn-ea"/>
+                <a:cs typeface="+mn-cs"/>
+              </a:rPr>
+              <a:t>3.5cr </a:t>
+            </a:r>
+            <a:endParaRPr lang="en-IN" sz="800" kern="1200" dirty="0">
+              <a:ea typeface="+mn-ea"/>
+              <a:cs typeface="+mn-cs"/>
+            </a:endParaRPr>
           </a:p>
           <a:p>
             <a:pPr>
@@ -17130,20 +17475,27 @@
               <a:buNone/>
             </a:pPr>
             <a:r>
-              <a:rPr lang="en-IN" sz="1100" kern="1200" dirty="0">
+              <a:rPr lang="en-IN" sz="800" kern="1200" dirty="0">
                 <a:ea typeface="+mn-ea"/>
                 <a:cs typeface="+mn-cs"/>
               </a:rPr>
-              <a:t>Revenue : 15-20 </a:t>
-            </a:r>
-            <a:r>
-              <a:rPr lang="en-IN" sz="1100" kern="1200" dirty="0" err="1">
+              <a:t>Revenue : </a:t>
+            </a:r>
+            <a:r>
+              <a:rPr lang="en-IN" sz="800" kern="1200" dirty="0" smtClean="0">
+                <a:ea typeface="+mn-ea"/>
+                <a:cs typeface="+mn-cs"/>
+              </a:rPr>
+              <a:t>15-20 </a:t>
+            </a:r>
+            <a:r>
+              <a:rPr lang="en-IN" sz="800" kern="1200" dirty="0" err="1">
                 <a:ea typeface="+mn-ea"/>
                 <a:cs typeface="+mn-cs"/>
               </a:rPr>
               <a:t>lacs</a:t>
             </a:r>
-            <a:endParaRPr lang="en-IN" sz="1100" kern="1200" dirty="0">
+            <a:endParaRPr lang="en-IN" sz="800" kern="1200" dirty="0">
               <a:ea typeface="+mn-ea"/>
               <a:cs typeface="+mn-cs"/>
             </a:endParaRPr>
@@ -17158,7 +17510,7 @@
         </p:nvSpPr>
         <p:spPr>
           <a:xfrm>
-            <a:off x="2773920" y="3226620"/>
+            <a:off x="2756939" y="2564061"/>
             <a:ext cx="1944216" cy="601752"/>
           </a:xfrm>
           <a:prstGeom prst="rect">
@@ -17214,8 +17566,8 @@
         </p:nvSpPr>
         <p:spPr>
           <a:xfrm>
-            <a:off x="7022392" y="3237816"/>
-            <a:ext cx="1944216" cy="590556"/>
+            <a:off x="7005411" y="2575257"/>
+            <a:ext cx="1251475" cy="590556"/>
           </a:xfrm>
           <a:prstGeom prst="rect">
             <a:avLst/>
@@ -17270,7 +17622,7 @@
         </p:nvSpPr>
         <p:spPr>
           <a:xfrm>
-            <a:off x="4898156" y="3237816"/>
+            <a:off x="4881175" y="2575257"/>
             <a:ext cx="1944216" cy="590556"/>
           </a:xfrm>
           <a:prstGeom prst="rect">
@@ -17326,8 +17678,8 @@
         </p:nvSpPr>
         <p:spPr>
           <a:xfrm>
-            <a:off x="2890309" y="3311862"/>
-            <a:ext cx="1524776" cy="430887"/>
+            <a:off x="3066490" y="2649303"/>
+            <a:ext cx="1138452" cy="338554"/>
           </a:xfrm>
           <a:prstGeom prst="rect">
             <a:avLst/>
@@ -17346,7 +17698,7 @@
               <a:buNone/>
             </a:pPr>
             <a:r>
-              <a:rPr lang="en-IN" sz="1100" kern="1200" dirty="0">
+              <a:rPr lang="en-IN" sz="800" kern="1200" dirty="0">
                 <a:ea typeface="+mn-ea"/>
                 <a:cs typeface="+mn-cs"/>
               </a:rPr>
@@ -17360,11 +17712,8 @@
               <a:buNone/>
             </a:pPr>
             <a:r>
-              <a:rPr lang="en-IN" sz="1100" kern="1200" dirty="0">
-                <a:ea typeface="+mn-ea"/>
-                <a:cs typeface="+mn-cs"/>
-              </a:rPr>
-              <a:t>Insurance companies</a:t>
+              <a:rPr lang="en-IN" sz="800" kern="1200" dirty="0"/>
+              <a:t>Pharmacists</a:t>
             </a:r>
           </a:p>
         </p:txBody>
@@ -17377,8 +17726,8 @@
         </p:nvSpPr>
         <p:spPr>
           <a:xfrm>
-            <a:off x="7233715" y="3311860"/>
-            <a:ext cx="1140056" cy="261610"/>
+            <a:off x="7158344" y="2703164"/>
+            <a:ext cx="966931" cy="230832"/>
           </a:xfrm>
           <a:prstGeom prst="rect">
             <a:avLst/>
@@ -17397,7 +17746,7 @@
               <a:buNone/>
             </a:pPr>
             <a:r>
-              <a:rPr lang="en-IN" sz="1100" kern="1200" dirty="0">
+              <a:rPr lang="en-IN" sz="900" kern="1200" dirty="0">
                 <a:ea typeface="+mn-ea"/>
                 <a:cs typeface="+mn-cs"/>
               </a:rPr>
@@ -17414,8 +17763,8 @@
         </p:nvSpPr>
         <p:spPr>
           <a:xfrm>
-            <a:off x="4968413" y="3302434"/>
-            <a:ext cx="1516762" cy="600164"/>
+            <a:off x="4951432" y="2639875"/>
+            <a:ext cx="1160895" cy="461665"/>
           </a:xfrm>
           <a:prstGeom prst="rect">
             <a:avLst/>
@@ -17434,20 +17783,20 @@
               <a:buNone/>
             </a:pPr>
             <a:r>
-              <a:rPr lang="en-IN" sz="1100" kern="1200" dirty="0">
+              <a:rPr lang="en-IN" sz="800" kern="1200" dirty="0">
                 <a:ea typeface="+mn-ea"/>
                 <a:cs typeface="+mn-cs"/>
               </a:rPr>
               <a:t>Period : 1 </a:t>
             </a:r>
             <a:r>
-              <a:rPr lang="en-IN" sz="1100" kern="1200" dirty="0" err="1">
+              <a:rPr lang="en-IN" sz="800" kern="1200" dirty="0" err="1">
                 <a:ea typeface="+mn-ea"/>
                 <a:cs typeface="+mn-cs"/>
               </a:rPr>
               <a:t>yr</a:t>
             </a:r>
-            <a:endParaRPr lang="en-IN" sz="1100" kern="1200" dirty="0">
+            <a:endParaRPr lang="en-IN" sz="800" kern="1200" dirty="0">
               <a:ea typeface="+mn-ea"/>
               <a:cs typeface="+mn-cs"/>
             </a:endParaRPr>
@@ -17459,12 +17808,23 @@
               <a:buNone/>
             </a:pPr>
             <a:r>
-              <a:rPr lang="en-IN" sz="1100" kern="1200" dirty="0">
+              <a:rPr lang="en-IN" sz="800" kern="1200" dirty="0">
                 <a:ea typeface="+mn-ea"/>
                 <a:cs typeface="+mn-cs"/>
               </a:rPr>
-              <a:t>Expenditure : 6cr </a:t>
-            </a:r>
+              <a:t>Expenditure : </a:t>
+            </a:r>
+            <a:r>
+              <a:rPr lang="en-IN" sz="800" kern="1200" dirty="0" smtClean="0">
+                <a:ea typeface="+mn-ea"/>
+                <a:cs typeface="+mn-cs"/>
+              </a:rPr>
+              <a:t>6cr </a:t>
+            </a:r>
+            <a:endParaRPr lang="en-IN" sz="800" kern="1200" dirty="0">
+              <a:ea typeface="+mn-ea"/>
+              <a:cs typeface="+mn-cs"/>
+            </a:endParaRPr>
           </a:p>
           <a:p>
             <a:pPr>
@@ -17473,20 +17833,20 @@
               <a:buNone/>
             </a:pPr>
             <a:r>
-              <a:rPr lang="en-IN" sz="1100" kern="1200" dirty="0">
+              <a:rPr lang="en-IN" sz="800" kern="1200" dirty="0">
                 <a:ea typeface="+mn-ea"/>
                 <a:cs typeface="+mn-cs"/>
               </a:rPr>
               <a:t>Revenue : 35-40 </a:t>
             </a:r>
             <a:r>
-              <a:rPr lang="en-IN" sz="1100" kern="1200" dirty="0" err="1">
+              <a:rPr lang="en-IN" sz="800" kern="1200" dirty="0" err="1">
                 <a:ea typeface="+mn-ea"/>
                 <a:cs typeface="+mn-cs"/>
               </a:rPr>
               <a:t>lacs</a:t>
             </a:r>
-            <a:endParaRPr lang="en-IN" sz="1100" kern="1200" dirty="0">
+            <a:endParaRPr lang="en-IN" sz="800" kern="1200" dirty="0">
               <a:ea typeface="+mn-ea"/>
               <a:cs typeface="+mn-cs"/>
             </a:endParaRPr>
@@ -17501,7 +17861,7 @@
         </p:nvSpPr>
         <p:spPr>
           <a:xfrm>
-            <a:off x="2771800" y="4391446"/>
+            <a:off x="2776515" y="3577949"/>
             <a:ext cx="1944216" cy="601752"/>
           </a:xfrm>
           <a:prstGeom prst="rect">
@@ -17557,8 +17917,8 @@
         </p:nvSpPr>
         <p:spPr>
           <a:xfrm>
-            <a:off x="7020272" y="4402642"/>
-            <a:ext cx="1944216" cy="590556"/>
+            <a:off x="7024987" y="3589145"/>
+            <a:ext cx="1253595" cy="590556"/>
           </a:xfrm>
           <a:prstGeom prst="rect">
             <a:avLst/>
@@ -17613,7 +17973,7 @@
         </p:nvSpPr>
         <p:spPr>
           <a:xfrm>
-            <a:off x="4896036" y="4402642"/>
+            <a:off x="4900751" y="3589145"/>
             <a:ext cx="1944216" cy="590556"/>
           </a:xfrm>
           <a:prstGeom prst="rect">
@@ -17669,8 +18029,8 @@
         </p:nvSpPr>
         <p:spPr>
           <a:xfrm>
-            <a:off x="2888189" y="4476688"/>
-            <a:ext cx="1486304" cy="430887"/>
+            <a:off x="3053204" y="3663191"/>
+            <a:ext cx="1165704" cy="338554"/>
           </a:xfrm>
           <a:prstGeom prst="rect">
             <a:avLst/>
@@ -17689,12 +18049,16 @@
               <a:buNone/>
             </a:pPr>
             <a:r>
-              <a:rPr lang="en-IN" sz="1100" kern="1200" dirty="0">
+              <a:rPr lang="en-IN" sz="800" kern="1200" dirty="0">
                 <a:ea typeface="+mn-ea"/>
                 <a:cs typeface="+mn-cs"/>
               </a:rPr>
               <a:t>Product Marketing + </a:t>
             </a:r>
+            <a:endParaRPr lang="en-IN" sz="800" kern="1200" dirty="0" smtClean="0">
+              <a:ea typeface="+mn-ea"/>
+              <a:cs typeface="+mn-cs"/>
+            </a:endParaRPr>
           </a:p>
           <a:p>
             <a:pPr algn="ctr">
@@ -17703,12 +18067,16 @@
               <a:buNone/>
             </a:pPr>
             <a:r>
-              <a:rPr lang="en-IN" sz="1100" kern="1200" dirty="0">
+              <a:rPr lang="en-IN" sz="800" kern="1200" dirty="0" smtClean="0">
                 <a:ea typeface="+mn-ea"/>
                 <a:cs typeface="+mn-cs"/>
               </a:rPr>
-              <a:t>Pharmacists</a:t>
-            </a:r>
+              <a:t>Insurance companies</a:t>
+            </a:r>
+            <a:endParaRPr lang="en-IN" sz="800" kern="1200" dirty="0">
+              <a:ea typeface="+mn-ea"/>
+              <a:cs typeface="+mn-cs"/>
+            </a:endParaRPr>
           </a:p>
         </p:txBody>
       </p:sp>
@@ -17720,8 +18088,8 @@
         </p:nvSpPr>
         <p:spPr>
           <a:xfrm>
-            <a:off x="7231595" y="4476686"/>
-            <a:ext cx="1140056" cy="261610"/>
+            <a:off x="7180042" y="3717052"/>
+            <a:ext cx="966931" cy="230832"/>
           </a:xfrm>
           <a:prstGeom prst="rect">
             <a:avLst/>
@@ -17740,7 +18108,7 @@
               <a:buNone/>
             </a:pPr>
             <a:r>
-              <a:rPr lang="en-IN" sz="1100" kern="1200" dirty="0">
+              <a:rPr lang="en-IN" sz="900" kern="1200" dirty="0">
                 <a:ea typeface="+mn-ea"/>
                 <a:cs typeface="+mn-cs"/>
               </a:rPr>
@@ -17757,8 +18125,8 @@
         </p:nvSpPr>
         <p:spPr>
           <a:xfrm>
-            <a:off x="4966293" y="4467260"/>
-            <a:ext cx="1516762" cy="600164"/>
+            <a:off x="4971008" y="3653763"/>
+            <a:ext cx="1160895" cy="461665"/>
           </a:xfrm>
           <a:prstGeom prst="rect">
             <a:avLst/>
@@ -17777,20 +18145,20 @@
               <a:buNone/>
             </a:pPr>
             <a:r>
-              <a:rPr lang="en-IN" sz="1100" kern="1200" dirty="0">
+              <a:rPr lang="en-IN" sz="800" kern="1200" dirty="0">
                 <a:ea typeface="+mn-ea"/>
                 <a:cs typeface="+mn-cs"/>
               </a:rPr>
               <a:t>Period : 1.5 </a:t>
             </a:r>
             <a:r>
-              <a:rPr lang="en-IN" sz="1100" kern="1200" dirty="0" err="1">
+              <a:rPr lang="en-IN" sz="800" kern="1200" dirty="0" err="1">
                 <a:ea typeface="+mn-ea"/>
                 <a:cs typeface="+mn-cs"/>
               </a:rPr>
               <a:t>yrs</a:t>
             </a:r>
-            <a:endParaRPr lang="en-IN" sz="1100" kern="1200" dirty="0">
+            <a:endParaRPr lang="en-IN" sz="800" kern="1200" dirty="0">
               <a:ea typeface="+mn-ea"/>
               <a:cs typeface="+mn-cs"/>
             </a:endParaRPr>
@@ -17802,7 +18170,7 @@
               <a:buNone/>
             </a:pPr>
             <a:r>
-              <a:rPr lang="en-IN" sz="1100" kern="1200" dirty="0">
+              <a:rPr lang="en-IN" sz="800" kern="1200" dirty="0">
                 <a:ea typeface="+mn-ea"/>
                 <a:cs typeface="+mn-cs"/>
               </a:rPr>
@@ -17816,20 +18184,20 @@
               <a:buNone/>
             </a:pPr>
             <a:r>
-              <a:rPr lang="en-IN" sz="1100" kern="1200" dirty="0">
+              <a:rPr lang="en-IN" sz="800" kern="1200" dirty="0">
                 <a:ea typeface="+mn-ea"/>
                 <a:cs typeface="+mn-cs"/>
               </a:rPr>
               <a:t>Revenue : 60-70 </a:t>
             </a:r>
             <a:r>
-              <a:rPr lang="en-IN" sz="1100" kern="1200" dirty="0" err="1">
+              <a:rPr lang="en-IN" sz="800" kern="1200" dirty="0" err="1">
                 <a:ea typeface="+mn-ea"/>
                 <a:cs typeface="+mn-cs"/>
               </a:rPr>
               <a:t>lacs</a:t>
             </a:r>
-            <a:endParaRPr lang="en-IN" sz="1100" kern="1200" dirty="0">
+            <a:endParaRPr lang="en-IN" sz="800" kern="1200" dirty="0">
               <a:ea typeface="+mn-ea"/>
               <a:cs typeface="+mn-cs"/>
             </a:endParaRPr>
@@ -17844,8 +18212,8 @@
         </p:nvSpPr>
         <p:spPr>
           <a:xfrm>
-            <a:off x="2763090" y="192704"/>
-            <a:ext cx="1954381" cy="369332"/>
+            <a:off x="2957310" y="0"/>
+            <a:ext cx="1556836" cy="307777"/>
           </a:xfrm>
           <a:prstGeom prst="rect">
             <a:avLst/>
@@ -17864,13 +18232,13 @@
               <a:buNone/>
             </a:pPr>
             <a:r>
-              <a:rPr lang="en-IN" sz="1800" kern="1200" dirty="0" smtClean="0">
+              <a:rPr lang="en-IN" kern="1200" dirty="0" smtClean="0">
                 <a:ea typeface="+mn-ea"/>
                 <a:cs typeface="+mn-cs"/>
               </a:rPr>
               <a:t>Product Features</a:t>
             </a:r>
-            <a:endParaRPr lang="en-IN" sz="1800" kern="1200" dirty="0">
+            <a:endParaRPr lang="en-IN" kern="1200" dirty="0">
               <a:ea typeface="+mn-ea"/>
               <a:cs typeface="+mn-cs"/>
             </a:endParaRPr>
@@ -17885,8 +18253,8 @@
         </p:nvSpPr>
         <p:spPr>
           <a:xfrm>
-            <a:off x="4970020" y="192704"/>
-            <a:ext cx="1800493" cy="369332"/>
+            <a:off x="5118699" y="-19041"/>
+            <a:ext cx="1438214" cy="307777"/>
           </a:xfrm>
           <a:prstGeom prst="rect">
             <a:avLst/>
@@ -17905,7 +18273,7 @@
               <a:buNone/>
             </a:pPr>
             <a:r>
-              <a:rPr lang="en-IN" sz="1800" kern="1200" dirty="0">
+              <a:rPr lang="en-IN" kern="1200" dirty="0">
                 <a:ea typeface="+mn-ea"/>
                 <a:cs typeface="+mn-cs"/>
               </a:rPr>
@@ -17922,8 +18290,8 @@
         </p:nvSpPr>
         <p:spPr>
           <a:xfrm>
-            <a:off x="7303730" y="192704"/>
-            <a:ext cx="1197764" cy="369332"/>
+            <a:off x="7151700" y="-19042"/>
+            <a:ext cx="970137" cy="307777"/>
           </a:xfrm>
           <a:prstGeom prst="rect">
             <a:avLst/>
@@ -17942,7 +18310,7 @@
               <a:buNone/>
             </a:pPr>
             <a:r>
-              <a:rPr lang="en-IN" sz="1800" kern="1200" dirty="0">
+              <a:rPr lang="en-IN" kern="1200" dirty="0">
                 <a:ea typeface="+mn-ea"/>
                 <a:cs typeface="+mn-cs"/>
               </a:rPr>
@@ -17959,7 +18327,7 @@
         </p:nvCxnSpPr>
         <p:spPr>
           <a:xfrm>
-            <a:off x="2627784" y="519522"/>
+            <a:off x="2617484" y="307777"/>
             <a:ext cx="6480720" cy="0"/>
           </a:xfrm>
           <a:prstGeom prst="line">
@@ -17989,8 +18357,8 @@
         </p:nvSpPr>
         <p:spPr>
           <a:xfrm>
-            <a:off x="2771803" y="701327"/>
-            <a:ext cx="931409" cy="307777"/>
+            <a:off x="2753323" y="389343"/>
+            <a:ext cx="723275" cy="246221"/>
           </a:xfrm>
           <a:prstGeom prst="rect">
             <a:avLst/>
@@ -18009,7 +18377,7 @@
               <a:buNone/>
             </a:pPr>
             <a:r>
-              <a:rPr lang="en-IN" kern="1200" dirty="0">
+              <a:rPr lang="en-IN" sz="1000" kern="1200" dirty="0">
                 <a:ea typeface="+mn-ea"/>
                 <a:cs typeface="+mn-cs"/>
               </a:rPr>
@@ -18026,7 +18394,7 @@
         </p:nvCxnSpPr>
         <p:spPr>
           <a:xfrm>
-            <a:off x="2607746" y="1761660"/>
+            <a:off x="2597446" y="1279459"/>
             <a:ext cx="6480720" cy="0"/>
           </a:xfrm>
           <a:prstGeom prst="line">
@@ -18057,8 +18425,8 @@
         </p:nvSpPr>
         <p:spPr>
           <a:xfrm>
-            <a:off x="2773922" y="1815667"/>
-            <a:ext cx="931409" cy="307777"/>
+            <a:off x="2755442" y="1346550"/>
+            <a:ext cx="723275" cy="246221"/>
           </a:xfrm>
           <a:prstGeom prst="rect">
             <a:avLst/>
@@ -18077,7 +18445,7 @@
               <a:buNone/>
             </a:pPr>
             <a:r>
-              <a:rPr lang="en-IN" kern="1200" dirty="0">
+              <a:rPr lang="en-IN" sz="1000" kern="1200" dirty="0">
                 <a:ea typeface="+mn-ea"/>
                 <a:cs typeface="+mn-cs"/>
               </a:rPr>
@@ -18094,7 +18462,7 @@
         </p:nvCxnSpPr>
         <p:spPr>
           <a:xfrm>
-            <a:off x="2619604" y="2895786"/>
+            <a:off x="2572296" y="2232077"/>
             <a:ext cx="6480720" cy="0"/>
           </a:xfrm>
           <a:prstGeom prst="line">
@@ -18124,8 +18492,8 @@
         </p:nvSpPr>
         <p:spPr>
           <a:xfrm>
-            <a:off x="2788686" y="3003799"/>
-            <a:ext cx="931409" cy="307777"/>
+            <a:off x="2771705" y="2289820"/>
+            <a:ext cx="723275" cy="246221"/>
           </a:xfrm>
           <a:prstGeom prst="rect">
             <a:avLst/>
@@ -18144,7 +18512,7 @@
               <a:buNone/>
             </a:pPr>
             <a:r>
-              <a:rPr lang="en-IN" kern="1200" dirty="0">
+              <a:rPr lang="en-IN" sz="1000" kern="1200" dirty="0">
                 <a:ea typeface="+mn-ea"/>
                 <a:cs typeface="+mn-cs"/>
               </a:rPr>
@@ -18161,7 +18529,7 @@
         </p:nvCxnSpPr>
         <p:spPr>
           <a:xfrm>
-            <a:off x="2607746" y="4029912"/>
+            <a:off x="2572296" y="3257936"/>
             <a:ext cx="6480720" cy="0"/>
           </a:xfrm>
           <a:prstGeom prst="line">
@@ -18191,8 +18559,8 @@
         </p:nvSpPr>
         <p:spPr>
           <a:xfrm>
-            <a:off x="2766990" y="4160614"/>
-            <a:ext cx="931409" cy="307777"/>
+            <a:off x="2771705" y="3347117"/>
+            <a:ext cx="723275" cy="246221"/>
           </a:xfrm>
           <a:prstGeom prst="rect">
             <a:avLst/>
@@ -18211,12 +18579,79 @@
               <a:buNone/>
             </a:pPr>
             <a:r>
-              <a:rPr lang="en-IN" kern="1200" dirty="0">
+              <a:rPr lang="en-IN" sz="1000" kern="1200" dirty="0">
                 <a:ea typeface="+mn-ea"/>
                 <a:cs typeface="+mn-cs"/>
               </a:rPr>
               <a:t>Version 4</a:t>
             </a:r>
+          </a:p>
+        </p:txBody>
+      </p:sp>
+      <p:sp>
+        <p:nvSpPr>
+          <p:cNvPr id="2" name="TextBox 1"/>
+          <p:cNvSpPr txBox="1"/>
+          <p:nvPr/>
+        </p:nvSpPr>
+        <p:spPr>
+          <a:xfrm>
+            <a:off x="2673480" y="4565561"/>
+            <a:ext cx="6194324" cy="577081"/>
+          </a:xfrm>
+          <a:prstGeom prst="rect">
+            <a:avLst/>
+          </a:prstGeom>
+          <a:noFill/>
+        </p:spPr>
+        <p:txBody>
+          <a:bodyPr wrap="none" rtlCol="0">
+            <a:spAutoFit/>
+          </a:bodyPr>
+          <a:lstStyle/>
+          <a:p>
+            <a:r>
+              <a:rPr lang="en-IN" sz="1050" b="1" u="sng" dirty="0" smtClean="0"/>
+              <a:t>Note:</a:t>
+            </a:r>
+            <a:r>
+              <a:rPr lang="en-IN" sz="1050" b="1" dirty="0" smtClean="0"/>
+              <a:t> </a:t>
+            </a:r>
+            <a:r>
+              <a:rPr lang="en-IN" sz="1050" dirty="0" smtClean="0"/>
+              <a:t>For Versions 3&amp;4, partnership </a:t>
+            </a:r>
+            <a:r>
+              <a:rPr lang="en-IN" sz="1050" dirty="0"/>
+              <a:t>with </a:t>
+            </a:r>
+            <a:r>
+              <a:rPr lang="en-IN" sz="1050" dirty="0" smtClean="0"/>
+              <a:t>established IT firms </a:t>
+            </a:r>
+            <a:r>
+              <a:rPr lang="en-IN" sz="1050" dirty="0"/>
+              <a:t>for large scale deployment of software </a:t>
+            </a:r>
+            <a:endParaRPr lang="en-IN" sz="1050" dirty="0" smtClean="0"/>
+          </a:p>
+          <a:p>
+            <a:r>
+              <a:rPr lang="en-IN" sz="1050" dirty="0"/>
+              <a:t> </a:t>
+            </a:r>
+            <a:r>
+              <a:rPr lang="en-IN" sz="1050" dirty="0" smtClean="0"/>
+              <a:t>         as </a:t>
+            </a:r>
+            <a:r>
+              <a:rPr lang="en-IN" sz="1050" dirty="0"/>
+              <a:t>well as training.</a:t>
+            </a:r>
+          </a:p>
+          <a:p>
+            <a:endParaRPr lang="en-IN" sz="1050" dirty="0"/>
           </a:p>
         </p:txBody>
       </p:sp>
@@ -18349,7 +18784,7 @@
           <p:cNvPr id="11" name="Shape 114">
             <a:extLst>
               <a:ext uri="{FF2B5EF4-FFF2-40B4-BE49-F238E27FC236}">
-                <a16:creationId xmlns:a16="http://schemas.microsoft.com/office/drawing/2014/main" xmlns="" id="{1D3C8554-FECA-4592-9592-A1CD9D928A40}"/>
+                <a16:creationId xmlns="" xmlns:a16="http://schemas.microsoft.com/office/drawing/2014/main" id="{1D3C8554-FECA-4592-9592-A1CD9D928A40}"/>
               </a:ext>
             </a:extLst>
           </p:cNvPr>
@@ -18999,14 +19434,14 @@
           <p:nvPr>
             <p:extLst>
               <p:ext uri="{D42A27DB-BD31-4B8C-83A1-F6EECF244321}">
-                <p14:modId xmlns:p14="http://schemas.microsoft.com/office/powerpoint/2010/main" val="2432775370"/>
+                <p14:modId xmlns:p14="http://schemas.microsoft.com/office/powerpoint/2010/main" val="1223582440"/>
               </p:ext>
             </p:extLst>
           </p:nvPr>
         </p:nvGraphicFramePr>
         <p:xfrm>
           <a:off x="6439465" y="368607"/>
-          <a:ext cx="2399735" cy="1106024"/>
+          <a:ext cx="2399735" cy="1132840"/>
         </p:xfrm>
         <a:graphic>
           <a:graphicData uri="http://schemas.openxmlformats.org/drawingml/2006/table">
@@ -19070,7 +19505,21 @@
                       </a:r>
                       <a:r>
                         <a:rPr lang="en-IN" sz="1100" baseline="0" dirty="0" smtClean="0"/>
-                        <a:t> of patient care</a:t>
+                        <a:t> of patient </a:t>
+                      </a:r>
+                      <a:r>
+                        <a:rPr lang="en-IN" sz="1100" baseline="0" dirty="0" smtClean="0"/>
+                        <a:t>care</a:t>
+                      </a:r>
+                    </a:p>
+                    <a:p>
+                      <a:pPr marL="171450" indent="-171450">
+                        <a:buFont typeface="Arial" pitchFamily="34" charset="0"/>
+                        <a:buChar char="•"/>
+                      </a:pPr>
+                      <a:r>
+                        <a:rPr lang="en-IN" sz="1100" baseline="0" dirty="0" smtClean="0"/>
+                        <a:t>Transparency </a:t>
                       </a:r>
                       <a:endParaRPr lang="en-IN" sz="1100" dirty="0"/>
                     </a:p>
@@ -19304,8 +19753,8 @@
         </p:nvCxnSpPr>
         <p:spPr>
           <a:xfrm flipH="1">
-            <a:off x="6822126" y="1474631"/>
-            <a:ext cx="817206" cy="672560"/>
+            <a:off x="6822126" y="1501447"/>
+            <a:ext cx="817206" cy="645744"/>
           </a:xfrm>
           <a:prstGeom prst="straightConnector1">
             <a:avLst/>

--- a/niti aayog.pptx
+++ b/niti aayog.pptx
@@ -27,14 +27,14 @@
   <p:notesSz cx="6858000" cy="9144000"/>
   <p:embeddedFontLst>
     <p:embeddedFont>
-      <p:font typeface="Nunito Sans" charset="0"/>
+      <p:font typeface="Georgia" pitchFamily="18" charset="0"/>
       <p:regular r:id="rId17"/>
       <p:bold r:id="rId18"/>
       <p:italic r:id="rId19"/>
       <p:boldItalic r:id="rId20"/>
     </p:embeddedFont>
     <p:embeddedFont>
-      <p:font typeface="Georgia" pitchFamily="18" charset="0"/>
+      <p:font typeface="Nunito Sans" charset="0"/>
       <p:regular r:id="rId21"/>
       <p:bold r:id="rId22"/>
       <p:italic r:id="rId23"/>
@@ -279,7 +279,7 @@
   </p:defaultTextStyle>
   <p:extLst>
     <p:ext uri="{EFAFB233-063F-42B5-8137-9DF3F51BA10A}">
-      <p15:sldGuideLst xmlns="" xmlns:p15="http://schemas.microsoft.com/office/powerpoint/2012/main">
+      <p15:sldGuideLst xmlns:p15="http://schemas.microsoft.com/office/powerpoint/2012/main" xmlns="">
         <p15:guide id="1" orient="horz" pos="1620">
           <p15:clr>
             <a:srgbClr val="A4A3A4"/>
@@ -10328,7 +10328,6 @@
               <a:rPr lang="en-IN" sz="1050" dirty="0" smtClean="0"/>
               <a:t>).</a:t>
             </a:r>
-            <a:endParaRPr lang="en-IN" sz="1050" dirty="0" smtClean="0"/>
           </a:p>
           <a:p>
             <a:pPr marL="171450" indent="-171450">
@@ -10561,7 +10560,7 @@
           <p:cNvPr id="4" name="Rectangle: Rounded Corners 3">
             <a:extLst>
               <a:ext uri="{FF2B5EF4-FFF2-40B4-BE49-F238E27FC236}">
-                <a16:creationId xmlns="" xmlns:a16="http://schemas.microsoft.com/office/drawing/2014/main" id="{843BD0C3-32D7-46FB-B2BD-05506C6ED87A}"/>
+                <a16:creationId xmlns:a16="http://schemas.microsoft.com/office/drawing/2014/main" xmlns="" id="{843BD0C3-32D7-46FB-B2BD-05506C6ED87A}"/>
               </a:ext>
             </a:extLst>
           </p:cNvPr>
@@ -10613,7 +10612,7 @@
           <p:cNvPr id="10" name="Picture 9">
             <a:extLst>
               <a:ext uri="{FF2B5EF4-FFF2-40B4-BE49-F238E27FC236}">
-                <a16:creationId xmlns="" xmlns:a16="http://schemas.microsoft.com/office/drawing/2014/main" id="{5607A744-FFC0-4290-81AB-03FCE9C35937}"/>
+                <a16:creationId xmlns:a16="http://schemas.microsoft.com/office/drawing/2014/main" xmlns="" id="{5607A744-FFC0-4290-81AB-03FCE9C35937}"/>
               </a:ext>
             </a:extLst>
           </p:cNvPr>
@@ -10643,7 +10642,7 @@
           <p:cNvPr id="12" name="Picture 11">
             <a:extLst>
               <a:ext uri="{FF2B5EF4-FFF2-40B4-BE49-F238E27FC236}">
-                <a16:creationId xmlns="" xmlns:a16="http://schemas.microsoft.com/office/drawing/2014/main" id="{28BA34AB-C9D2-49FF-992D-B36AB0C11195}"/>
+                <a16:creationId xmlns:a16="http://schemas.microsoft.com/office/drawing/2014/main" xmlns="" id="{28BA34AB-C9D2-49FF-992D-B36AB0C11195}"/>
               </a:ext>
             </a:extLst>
           </p:cNvPr>
@@ -10673,7 +10672,7 @@
           <p:cNvPr id="15" name="Rectangle 14">
             <a:extLst>
               <a:ext uri="{FF2B5EF4-FFF2-40B4-BE49-F238E27FC236}">
-                <a16:creationId xmlns="" xmlns:a16="http://schemas.microsoft.com/office/drawing/2014/main" id="{AFC5DBF7-20C9-4692-ABC4-95D74DC8D8A6}"/>
+                <a16:creationId xmlns:a16="http://schemas.microsoft.com/office/drawing/2014/main" xmlns="" id="{AFC5DBF7-20C9-4692-ABC4-95D74DC8D8A6}"/>
               </a:ext>
             </a:extLst>
           </p:cNvPr>
@@ -10724,7 +10723,7 @@
           <p:cNvPr id="16" name="TextBox 15">
             <a:extLst>
               <a:ext uri="{FF2B5EF4-FFF2-40B4-BE49-F238E27FC236}">
-                <a16:creationId xmlns="" xmlns:a16="http://schemas.microsoft.com/office/drawing/2014/main" id="{023A6BF3-5E79-46E6-8082-BC7D49BFE591}"/>
+                <a16:creationId xmlns:a16="http://schemas.microsoft.com/office/drawing/2014/main" xmlns="" id="{023A6BF3-5E79-46E6-8082-BC7D49BFE591}"/>
               </a:ext>
             </a:extLst>
           </p:cNvPr>
@@ -10762,7 +10761,7 @@
           <p:cNvPr id="17" name="TextBox 16">
             <a:extLst>
               <a:ext uri="{FF2B5EF4-FFF2-40B4-BE49-F238E27FC236}">
-                <a16:creationId xmlns="" xmlns:a16="http://schemas.microsoft.com/office/drawing/2014/main" id="{EED3F5BE-FBC4-4052-B8A3-C98434F32CBB}"/>
+                <a16:creationId xmlns:a16="http://schemas.microsoft.com/office/drawing/2014/main" xmlns="" id="{EED3F5BE-FBC4-4052-B8A3-C98434F32CBB}"/>
               </a:ext>
             </a:extLst>
           </p:cNvPr>
@@ -10831,7 +10830,7 @@
           <p:cNvPr id="18" name="Rectangle 17">
             <a:extLst>
               <a:ext uri="{FF2B5EF4-FFF2-40B4-BE49-F238E27FC236}">
-                <a16:creationId xmlns="" xmlns:a16="http://schemas.microsoft.com/office/drawing/2014/main" id="{0492E675-102A-4C23-A99A-9054E8235FD0}"/>
+                <a16:creationId xmlns:a16="http://schemas.microsoft.com/office/drawing/2014/main" xmlns="" id="{0492E675-102A-4C23-A99A-9054E8235FD0}"/>
               </a:ext>
             </a:extLst>
           </p:cNvPr>
@@ -10885,7 +10884,7 @@
           <p:cNvPr id="22" name="Rectangle 21">
             <a:extLst>
               <a:ext uri="{FF2B5EF4-FFF2-40B4-BE49-F238E27FC236}">
-                <a16:creationId xmlns="" xmlns:a16="http://schemas.microsoft.com/office/drawing/2014/main" id="{D0F90942-A638-4814-881A-6FD114E7B509}"/>
+                <a16:creationId xmlns:a16="http://schemas.microsoft.com/office/drawing/2014/main" xmlns="" id="{D0F90942-A638-4814-881A-6FD114E7B509}"/>
               </a:ext>
             </a:extLst>
           </p:cNvPr>
@@ -10939,7 +10938,7 @@
           <p:cNvPr id="25" name="Rectangle 24">
             <a:extLst>
               <a:ext uri="{FF2B5EF4-FFF2-40B4-BE49-F238E27FC236}">
-                <a16:creationId xmlns="" xmlns:a16="http://schemas.microsoft.com/office/drawing/2014/main" id="{154057BD-2E1A-4B33-A862-1EA3D6EF58C5}"/>
+                <a16:creationId xmlns:a16="http://schemas.microsoft.com/office/drawing/2014/main" xmlns="" id="{154057BD-2E1A-4B33-A862-1EA3D6EF58C5}"/>
               </a:ext>
             </a:extLst>
           </p:cNvPr>
@@ -11001,7 +11000,7 @@
           <p:cNvPr id="26" name="Rectangle 25">
             <a:extLst>
               <a:ext uri="{FF2B5EF4-FFF2-40B4-BE49-F238E27FC236}">
-                <a16:creationId xmlns="" xmlns:a16="http://schemas.microsoft.com/office/drawing/2014/main" id="{BA57485B-FA09-4FC5-82CB-05FDB2129EEB}"/>
+                <a16:creationId xmlns:a16="http://schemas.microsoft.com/office/drawing/2014/main" xmlns="" id="{BA57485B-FA09-4FC5-82CB-05FDB2129EEB}"/>
               </a:ext>
             </a:extLst>
           </p:cNvPr>
@@ -11063,7 +11062,7 @@
           <p:cNvPr id="27" name="Rectangle 26">
             <a:extLst>
               <a:ext uri="{FF2B5EF4-FFF2-40B4-BE49-F238E27FC236}">
-                <a16:creationId xmlns="" xmlns:a16="http://schemas.microsoft.com/office/drawing/2014/main" id="{C59EFCD6-8E4F-4E95-9E3C-470238F3D3B8}"/>
+                <a16:creationId xmlns:a16="http://schemas.microsoft.com/office/drawing/2014/main" xmlns="" id="{C59EFCD6-8E4F-4E95-9E3C-470238F3D3B8}"/>
               </a:ext>
             </a:extLst>
           </p:cNvPr>
@@ -11125,7 +11124,7 @@
           <p:cNvPr id="28" name="Rectangle 27">
             <a:extLst>
               <a:ext uri="{FF2B5EF4-FFF2-40B4-BE49-F238E27FC236}">
-                <a16:creationId xmlns="" xmlns:a16="http://schemas.microsoft.com/office/drawing/2014/main" id="{0CD1F687-ED89-46F6-B285-627337E61F1F}"/>
+                <a16:creationId xmlns:a16="http://schemas.microsoft.com/office/drawing/2014/main" xmlns="" id="{0CD1F687-ED89-46F6-B285-627337E61F1F}"/>
               </a:ext>
             </a:extLst>
           </p:cNvPr>
@@ -11187,7 +11186,7 @@
           <p:cNvPr id="29" name="Rectangle 28">
             <a:extLst>
               <a:ext uri="{FF2B5EF4-FFF2-40B4-BE49-F238E27FC236}">
-                <a16:creationId xmlns="" xmlns:a16="http://schemas.microsoft.com/office/drawing/2014/main" id="{4050DBEE-3D9A-422E-8D5D-6333921F2156}"/>
+                <a16:creationId xmlns:a16="http://schemas.microsoft.com/office/drawing/2014/main" xmlns="" id="{4050DBEE-3D9A-422E-8D5D-6333921F2156}"/>
               </a:ext>
             </a:extLst>
           </p:cNvPr>
@@ -11249,7 +11248,7 @@
           <p:cNvPr id="30" name="Rectangle 29">
             <a:extLst>
               <a:ext uri="{FF2B5EF4-FFF2-40B4-BE49-F238E27FC236}">
-                <a16:creationId xmlns="" xmlns:a16="http://schemas.microsoft.com/office/drawing/2014/main" id="{769F5C51-049B-4184-A473-DEA47407D812}"/>
+                <a16:creationId xmlns:a16="http://schemas.microsoft.com/office/drawing/2014/main" xmlns="" id="{769F5C51-049B-4184-A473-DEA47407D812}"/>
               </a:ext>
             </a:extLst>
           </p:cNvPr>
@@ -11311,7 +11310,7 @@
           <p:cNvPr id="24" name="Straight Arrow Connector 23">
             <a:extLst>
               <a:ext uri="{FF2B5EF4-FFF2-40B4-BE49-F238E27FC236}">
-                <a16:creationId xmlns="" xmlns:a16="http://schemas.microsoft.com/office/drawing/2014/main" id="{087D2D5E-80D5-4472-B184-E924AF4AEAFC}"/>
+                <a16:creationId xmlns:a16="http://schemas.microsoft.com/office/drawing/2014/main" xmlns="" id="{087D2D5E-80D5-4472-B184-E924AF4AEAFC}"/>
               </a:ext>
             </a:extLst>
           </p:cNvPr>
@@ -11356,7 +11355,7 @@
           <p:cNvPr id="97" name="Straight Arrow Connector 96">
             <a:extLst>
               <a:ext uri="{FF2B5EF4-FFF2-40B4-BE49-F238E27FC236}">
-                <a16:creationId xmlns="" xmlns:a16="http://schemas.microsoft.com/office/drawing/2014/main" id="{A2E3D67A-2862-446F-99DF-032FE55BDEBF}"/>
+                <a16:creationId xmlns:a16="http://schemas.microsoft.com/office/drawing/2014/main" xmlns="" id="{A2E3D67A-2862-446F-99DF-032FE55BDEBF}"/>
               </a:ext>
             </a:extLst>
           </p:cNvPr>
@@ -11398,7 +11397,7 @@
           <p:cNvPr id="101" name="Straight Connector 100">
             <a:extLst>
               <a:ext uri="{FF2B5EF4-FFF2-40B4-BE49-F238E27FC236}">
-                <a16:creationId xmlns="" xmlns:a16="http://schemas.microsoft.com/office/drawing/2014/main" id="{E1AD6D70-9486-49D0-B1DA-E3C03AFB6FAD}"/>
+                <a16:creationId xmlns:a16="http://schemas.microsoft.com/office/drawing/2014/main" xmlns="" id="{E1AD6D70-9486-49D0-B1DA-E3C03AFB6FAD}"/>
               </a:ext>
             </a:extLst>
           </p:cNvPr>
@@ -11439,7 +11438,7 @@
           <p:cNvPr id="40" name="Straight Arrow Connector 39">
             <a:extLst>
               <a:ext uri="{FF2B5EF4-FFF2-40B4-BE49-F238E27FC236}">
-                <a16:creationId xmlns="" xmlns:a16="http://schemas.microsoft.com/office/drawing/2014/main" id="{5CD1DF49-69F0-43C0-8BF1-A969BECDB581}"/>
+                <a16:creationId xmlns:a16="http://schemas.microsoft.com/office/drawing/2014/main" xmlns="" id="{5CD1DF49-69F0-43C0-8BF1-A969BECDB581}"/>
               </a:ext>
             </a:extLst>
           </p:cNvPr>
@@ -11484,7 +11483,7 @@
           <p:cNvPr id="42" name="Straight Arrow Connector 41">
             <a:extLst>
               <a:ext uri="{FF2B5EF4-FFF2-40B4-BE49-F238E27FC236}">
-                <a16:creationId xmlns="" xmlns:a16="http://schemas.microsoft.com/office/drawing/2014/main" id="{44FEE1DE-8467-4988-9641-7B5464BB4427}"/>
+                <a16:creationId xmlns:a16="http://schemas.microsoft.com/office/drawing/2014/main" xmlns="" id="{44FEE1DE-8467-4988-9641-7B5464BB4427}"/>
               </a:ext>
             </a:extLst>
           </p:cNvPr>
@@ -11526,7 +11525,7 @@
           <p:cNvPr id="44" name="Straight Connector 43">
             <a:extLst>
               <a:ext uri="{FF2B5EF4-FFF2-40B4-BE49-F238E27FC236}">
-                <a16:creationId xmlns="" xmlns:a16="http://schemas.microsoft.com/office/drawing/2014/main" id="{EE12C0D9-A933-4739-945C-7C5F34FCCB44}"/>
+                <a16:creationId xmlns:a16="http://schemas.microsoft.com/office/drawing/2014/main" xmlns="" id="{EE12C0D9-A933-4739-945C-7C5F34FCCB44}"/>
               </a:ext>
             </a:extLst>
           </p:cNvPr>
@@ -11569,7 +11568,7 @@
           <p:cNvPr id="50" name="Straight Arrow Connector 49">
             <a:extLst>
               <a:ext uri="{FF2B5EF4-FFF2-40B4-BE49-F238E27FC236}">
-                <a16:creationId xmlns="" xmlns:a16="http://schemas.microsoft.com/office/drawing/2014/main" id="{864D4508-0004-4946-BA02-3CFECBED4007}"/>
+                <a16:creationId xmlns:a16="http://schemas.microsoft.com/office/drawing/2014/main" xmlns="" id="{864D4508-0004-4946-BA02-3CFECBED4007}"/>
               </a:ext>
             </a:extLst>
           </p:cNvPr>
@@ -11613,7 +11612,7 @@
           <p:cNvPr id="55" name="Rectangle 54">
             <a:extLst>
               <a:ext uri="{FF2B5EF4-FFF2-40B4-BE49-F238E27FC236}">
-                <a16:creationId xmlns="" xmlns:a16="http://schemas.microsoft.com/office/drawing/2014/main" id="{48B45BCD-4358-4A27-A201-9C8C2C57A847}"/>
+                <a16:creationId xmlns:a16="http://schemas.microsoft.com/office/drawing/2014/main" xmlns="" id="{48B45BCD-4358-4A27-A201-9C8C2C57A847}"/>
               </a:ext>
             </a:extLst>
           </p:cNvPr>
@@ -11667,7 +11666,7 @@
           <p:cNvPr id="56" name="Rectangle 55">
             <a:extLst>
               <a:ext uri="{FF2B5EF4-FFF2-40B4-BE49-F238E27FC236}">
-                <a16:creationId xmlns="" xmlns:a16="http://schemas.microsoft.com/office/drawing/2014/main" id="{7AC6E2A8-CF90-4A56-8231-0F44756D7E0E}"/>
+                <a16:creationId xmlns:a16="http://schemas.microsoft.com/office/drawing/2014/main" xmlns="" id="{7AC6E2A8-CF90-4A56-8231-0F44756D7E0E}"/>
               </a:ext>
             </a:extLst>
           </p:cNvPr>
@@ -11721,7 +11720,7 @@
           <p:cNvPr id="57" name="Rectangle 56">
             <a:extLst>
               <a:ext uri="{FF2B5EF4-FFF2-40B4-BE49-F238E27FC236}">
-                <a16:creationId xmlns="" xmlns:a16="http://schemas.microsoft.com/office/drawing/2014/main" id="{AAB3C0DD-DE9D-4FE3-950D-B4A854CCDAF7}"/>
+                <a16:creationId xmlns:a16="http://schemas.microsoft.com/office/drawing/2014/main" xmlns="" id="{AAB3C0DD-DE9D-4FE3-950D-B4A854CCDAF7}"/>
               </a:ext>
             </a:extLst>
           </p:cNvPr>
@@ -11783,7 +11782,7 @@
           <p:cNvPr id="58" name="Rectangle 57">
             <a:extLst>
               <a:ext uri="{FF2B5EF4-FFF2-40B4-BE49-F238E27FC236}">
-                <a16:creationId xmlns="" xmlns:a16="http://schemas.microsoft.com/office/drawing/2014/main" id="{38193A52-B7AC-4BEF-89DC-F578D16C79BE}"/>
+                <a16:creationId xmlns:a16="http://schemas.microsoft.com/office/drawing/2014/main" xmlns="" id="{38193A52-B7AC-4BEF-89DC-F578D16C79BE}"/>
               </a:ext>
             </a:extLst>
           </p:cNvPr>
@@ -11857,7 +11856,7 @@
           <p:cNvPr id="59" name="Picture 42">
             <a:extLst>
               <a:ext uri="{FF2B5EF4-FFF2-40B4-BE49-F238E27FC236}">
-                <a16:creationId xmlns="" xmlns:a16="http://schemas.microsoft.com/office/drawing/2014/main" id="{2F844B0C-CB90-498F-99F2-41A6C6AA21FE}"/>
+                <a16:creationId xmlns:a16="http://schemas.microsoft.com/office/drawing/2014/main" xmlns="" id="{2F844B0C-CB90-498F-99F2-41A6C6AA21FE}"/>
               </a:ext>
             </a:extLst>
           </p:cNvPr>
@@ -11917,7 +11916,7 @@
           <p:cNvPr id="112" name="Picture 111">
             <a:extLst>
               <a:ext uri="{FF2B5EF4-FFF2-40B4-BE49-F238E27FC236}">
-                <a16:creationId xmlns="" xmlns:a16="http://schemas.microsoft.com/office/drawing/2014/main" id="{3554E3BA-44EA-4384-A6BC-6BAEA92A7315}"/>
+                <a16:creationId xmlns:a16="http://schemas.microsoft.com/office/drawing/2014/main" xmlns="" id="{3554E3BA-44EA-4384-A6BC-6BAEA92A7315}"/>
               </a:ext>
             </a:extLst>
           </p:cNvPr>
@@ -11947,7 +11946,7 @@
           <p:cNvPr id="64" name="Rectangle 63">
             <a:extLst>
               <a:ext uri="{FF2B5EF4-FFF2-40B4-BE49-F238E27FC236}">
-                <a16:creationId xmlns="" xmlns:a16="http://schemas.microsoft.com/office/drawing/2014/main" id="{026A8523-BD90-4E59-9735-AF2B4DD3E265}"/>
+                <a16:creationId xmlns:a16="http://schemas.microsoft.com/office/drawing/2014/main" xmlns="" id="{026A8523-BD90-4E59-9735-AF2B4DD3E265}"/>
               </a:ext>
             </a:extLst>
           </p:cNvPr>
@@ -12001,7 +12000,7 @@
           <p:cNvPr id="66" name="Rectangle 65">
             <a:extLst>
               <a:ext uri="{FF2B5EF4-FFF2-40B4-BE49-F238E27FC236}">
-                <a16:creationId xmlns="" xmlns:a16="http://schemas.microsoft.com/office/drawing/2014/main" id="{2AD70DEF-8638-4ACB-BF8A-B86A41A3423D}"/>
+                <a16:creationId xmlns:a16="http://schemas.microsoft.com/office/drawing/2014/main" xmlns="" id="{2AD70DEF-8638-4ACB-BF8A-B86A41A3423D}"/>
               </a:ext>
             </a:extLst>
           </p:cNvPr>
@@ -12063,7 +12062,7 @@
           <p:cNvPr id="116" name="Picture 115">
             <a:extLst>
               <a:ext uri="{FF2B5EF4-FFF2-40B4-BE49-F238E27FC236}">
-                <a16:creationId xmlns="" xmlns:a16="http://schemas.microsoft.com/office/drawing/2014/main" id="{B1C8D4B3-5CA5-4ECE-84DD-E4907926740A}"/>
+                <a16:creationId xmlns:a16="http://schemas.microsoft.com/office/drawing/2014/main" xmlns="" id="{B1C8D4B3-5CA5-4ECE-84DD-E4907926740A}"/>
               </a:ext>
             </a:extLst>
           </p:cNvPr>
@@ -12093,7 +12092,7 @@
           <p:cNvPr id="72" name="Rectangle 71">
             <a:extLst>
               <a:ext uri="{FF2B5EF4-FFF2-40B4-BE49-F238E27FC236}">
-                <a16:creationId xmlns="" xmlns:a16="http://schemas.microsoft.com/office/drawing/2014/main" id="{01B320DF-E6AB-4F7E-B0FD-3618D5A6A14F}"/>
+                <a16:creationId xmlns:a16="http://schemas.microsoft.com/office/drawing/2014/main" xmlns="" id="{01B320DF-E6AB-4F7E-B0FD-3618D5A6A14F}"/>
               </a:ext>
             </a:extLst>
           </p:cNvPr>
@@ -12153,7 +12152,7 @@
           <p:cNvPr id="118" name="Arrow: Up-Down 117">
             <a:extLst>
               <a:ext uri="{FF2B5EF4-FFF2-40B4-BE49-F238E27FC236}">
-                <a16:creationId xmlns="" xmlns:a16="http://schemas.microsoft.com/office/drawing/2014/main" id="{F25F6E6C-E50C-4C32-86A1-42F75BD07901}"/>
+                <a16:creationId xmlns:a16="http://schemas.microsoft.com/office/drawing/2014/main" xmlns="" id="{F25F6E6C-E50C-4C32-86A1-42F75BD07901}"/>
               </a:ext>
             </a:extLst>
           </p:cNvPr>
@@ -12199,7 +12198,7 @@
           <p:cNvPr id="74" name="Arrow: Up-Down 73">
             <a:extLst>
               <a:ext uri="{FF2B5EF4-FFF2-40B4-BE49-F238E27FC236}">
-                <a16:creationId xmlns="" xmlns:a16="http://schemas.microsoft.com/office/drawing/2014/main" id="{3A769608-CEE7-43E4-BB41-0AA36412BCCE}"/>
+                <a16:creationId xmlns:a16="http://schemas.microsoft.com/office/drawing/2014/main" xmlns="" id="{3A769608-CEE7-43E4-BB41-0AA36412BCCE}"/>
               </a:ext>
             </a:extLst>
           </p:cNvPr>
@@ -12245,7 +12244,7 @@
           <p:cNvPr id="75" name="Arrow: Up-Down 74">
             <a:extLst>
               <a:ext uri="{FF2B5EF4-FFF2-40B4-BE49-F238E27FC236}">
-                <a16:creationId xmlns="" xmlns:a16="http://schemas.microsoft.com/office/drawing/2014/main" id="{0C44AF41-EEB6-44F4-8E16-05F60219BD87}"/>
+                <a16:creationId xmlns:a16="http://schemas.microsoft.com/office/drawing/2014/main" xmlns="" id="{0C44AF41-EEB6-44F4-8E16-05F60219BD87}"/>
               </a:ext>
             </a:extLst>
           </p:cNvPr>
@@ -12291,7 +12290,7 @@
           <p:cNvPr id="76" name="Arrow: Up-Down 75">
             <a:extLst>
               <a:ext uri="{FF2B5EF4-FFF2-40B4-BE49-F238E27FC236}">
-                <a16:creationId xmlns="" xmlns:a16="http://schemas.microsoft.com/office/drawing/2014/main" id="{FC51E6FE-D368-4B28-8661-798B762CCB75}"/>
+                <a16:creationId xmlns:a16="http://schemas.microsoft.com/office/drawing/2014/main" xmlns="" id="{FC51E6FE-D368-4B28-8661-798B762CCB75}"/>
               </a:ext>
             </a:extLst>
           </p:cNvPr>
@@ -12337,7 +12336,7 @@
           <p:cNvPr id="120" name="Picture 119">
             <a:extLst>
               <a:ext uri="{FF2B5EF4-FFF2-40B4-BE49-F238E27FC236}">
-                <a16:creationId xmlns="" xmlns:a16="http://schemas.microsoft.com/office/drawing/2014/main" id="{CCA75F24-AF7B-434D-A086-B7BB355744DF}"/>
+                <a16:creationId xmlns:a16="http://schemas.microsoft.com/office/drawing/2014/main" xmlns="" id="{CCA75F24-AF7B-434D-A086-B7BB355744DF}"/>
               </a:ext>
             </a:extLst>
           </p:cNvPr>
@@ -12367,7 +12366,7 @@
           <p:cNvPr id="79" name="Picture 50">
             <a:extLst>
               <a:ext uri="{FF2B5EF4-FFF2-40B4-BE49-F238E27FC236}">
-                <a16:creationId xmlns="" xmlns:a16="http://schemas.microsoft.com/office/drawing/2014/main" id="{0A4AA348-544D-4A99-933D-85AF7F4035E9}"/>
+                <a16:creationId xmlns:a16="http://schemas.microsoft.com/office/drawing/2014/main" xmlns="" id="{0A4AA348-544D-4A99-933D-85AF7F4035E9}"/>
               </a:ext>
             </a:extLst>
           </p:cNvPr>
@@ -12427,7 +12426,7 @@
           <p:cNvPr id="122" name="Picture 121">
             <a:extLst>
               <a:ext uri="{FF2B5EF4-FFF2-40B4-BE49-F238E27FC236}">
-                <a16:creationId xmlns="" xmlns:a16="http://schemas.microsoft.com/office/drawing/2014/main" id="{EEBE87C7-8F9C-42B5-A8B0-FE8340D5F6F6}"/>
+                <a16:creationId xmlns:a16="http://schemas.microsoft.com/office/drawing/2014/main" xmlns="" id="{EEBE87C7-8F9C-42B5-A8B0-FE8340D5F6F6}"/>
               </a:ext>
             </a:extLst>
           </p:cNvPr>
@@ -12457,7 +12456,7 @@
           <p:cNvPr id="124" name="Picture 123">
             <a:extLst>
               <a:ext uri="{FF2B5EF4-FFF2-40B4-BE49-F238E27FC236}">
-                <a16:creationId xmlns="" xmlns:a16="http://schemas.microsoft.com/office/drawing/2014/main" id="{18678D47-7F89-417D-8364-D478D7CED8DB}"/>
+                <a16:creationId xmlns:a16="http://schemas.microsoft.com/office/drawing/2014/main" xmlns="" id="{18678D47-7F89-417D-8364-D478D7CED8DB}"/>
               </a:ext>
             </a:extLst>
           </p:cNvPr>
@@ -12487,7 +12486,7 @@
           <p:cNvPr id="84" name="Picture 83">
             <a:extLst>
               <a:ext uri="{FF2B5EF4-FFF2-40B4-BE49-F238E27FC236}">
-                <a16:creationId xmlns="" xmlns:a16="http://schemas.microsoft.com/office/drawing/2014/main" id="{63BA7092-1D0B-4CDC-9783-89C21CF79E81}"/>
+                <a16:creationId xmlns:a16="http://schemas.microsoft.com/office/drawing/2014/main" xmlns="" id="{63BA7092-1D0B-4CDC-9783-89C21CF79E81}"/>
               </a:ext>
             </a:extLst>
           </p:cNvPr>
@@ -12517,7 +12516,7 @@
           <p:cNvPr id="127" name="TextBox 126">
             <a:extLst>
               <a:ext uri="{FF2B5EF4-FFF2-40B4-BE49-F238E27FC236}">
-                <a16:creationId xmlns="" xmlns:a16="http://schemas.microsoft.com/office/drawing/2014/main" id="{981518DD-AEFF-45B7-8057-DA0E6A9B47C3}"/>
+                <a16:creationId xmlns:a16="http://schemas.microsoft.com/office/drawing/2014/main" xmlns="" id="{981518DD-AEFF-45B7-8057-DA0E6A9B47C3}"/>
               </a:ext>
             </a:extLst>
           </p:cNvPr>
@@ -12555,7 +12554,7 @@
           <p:cNvPr id="88" name="TextBox 87">
             <a:extLst>
               <a:ext uri="{FF2B5EF4-FFF2-40B4-BE49-F238E27FC236}">
-                <a16:creationId xmlns="" xmlns:a16="http://schemas.microsoft.com/office/drawing/2014/main" id="{F00DA144-301C-4694-8642-5D3A8966255E}"/>
+                <a16:creationId xmlns:a16="http://schemas.microsoft.com/office/drawing/2014/main" xmlns="" id="{F00DA144-301C-4694-8642-5D3A8966255E}"/>
               </a:ext>
             </a:extLst>
           </p:cNvPr>
@@ -12593,7 +12592,7 @@
           <p:cNvPr id="89" name="TextBox 88">
             <a:extLst>
               <a:ext uri="{FF2B5EF4-FFF2-40B4-BE49-F238E27FC236}">
-                <a16:creationId xmlns="" xmlns:a16="http://schemas.microsoft.com/office/drawing/2014/main" id="{D46B7FE0-A4F5-4CCF-ABEC-726AB1EA4193}"/>
+                <a16:creationId xmlns:a16="http://schemas.microsoft.com/office/drawing/2014/main" xmlns="" id="{D46B7FE0-A4F5-4CCF-ABEC-726AB1EA4193}"/>
               </a:ext>
             </a:extLst>
           </p:cNvPr>
@@ -12631,7 +12630,7 @@
           <p:cNvPr id="32" name="Arrow: Left 31">
             <a:extLst>
               <a:ext uri="{FF2B5EF4-FFF2-40B4-BE49-F238E27FC236}">
-                <a16:creationId xmlns="" xmlns:a16="http://schemas.microsoft.com/office/drawing/2014/main" id="{DDEAB656-485B-4BC9-B75B-6FB9CFAABCBF}"/>
+                <a16:creationId xmlns:a16="http://schemas.microsoft.com/office/drawing/2014/main" xmlns="" id="{DDEAB656-485B-4BC9-B75B-6FB9CFAABCBF}"/>
               </a:ext>
             </a:extLst>
           </p:cNvPr>
@@ -12677,7 +12676,7 @@
           <p:cNvPr id="33" name="Arrow: Right 32">
             <a:extLst>
               <a:ext uri="{FF2B5EF4-FFF2-40B4-BE49-F238E27FC236}">
-                <a16:creationId xmlns="" xmlns:a16="http://schemas.microsoft.com/office/drawing/2014/main" id="{1750CCE7-C1AB-4B99-90EC-12BE38429399}"/>
+                <a16:creationId xmlns:a16="http://schemas.microsoft.com/office/drawing/2014/main" xmlns="" id="{1750CCE7-C1AB-4B99-90EC-12BE38429399}"/>
               </a:ext>
             </a:extLst>
           </p:cNvPr>
@@ -12723,7 +12722,7 @@
           <p:cNvPr id="39" name="Arrow: Right 38">
             <a:extLst>
               <a:ext uri="{FF2B5EF4-FFF2-40B4-BE49-F238E27FC236}">
-                <a16:creationId xmlns="" xmlns:a16="http://schemas.microsoft.com/office/drawing/2014/main" id="{75E98987-F062-4A77-B0D7-DF1697A0E167}"/>
+                <a16:creationId xmlns:a16="http://schemas.microsoft.com/office/drawing/2014/main" xmlns="" id="{75E98987-F062-4A77-B0D7-DF1697A0E167}"/>
               </a:ext>
             </a:extLst>
           </p:cNvPr>
@@ -12769,7 +12768,7 @@
           <p:cNvPr id="128" name="Arrow: Right 127">
             <a:extLst>
               <a:ext uri="{FF2B5EF4-FFF2-40B4-BE49-F238E27FC236}">
-                <a16:creationId xmlns="" xmlns:a16="http://schemas.microsoft.com/office/drawing/2014/main" id="{4F61E5B2-0F22-4CF9-962A-8AF8369EA0A4}"/>
+                <a16:creationId xmlns:a16="http://schemas.microsoft.com/office/drawing/2014/main" xmlns="" id="{4F61E5B2-0F22-4CF9-962A-8AF8369EA0A4}"/>
               </a:ext>
             </a:extLst>
           </p:cNvPr>
@@ -12815,7 +12814,7 @@
           <p:cNvPr id="130" name="Arrow: Right 129">
             <a:extLst>
               <a:ext uri="{FF2B5EF4-FFF2-40B4-BE49-F238E27FC236}">
-                <a16:creationId xmlns="" xmlns:a16="http://schemas.microsoft.com/office/drawing/2014/main" id="{101BB2C6-0A70-4200-A5E9-40341C9AB832}"/>
+                <a16:creationId xmlns:a16="http://schemas.microsoft.com/office/drawing/2014/main" xmlns="" id="{101BB2C6-0A70-4200-A5E9-40341C9AB832}"/>
               </a:ext>
             </a:extLst>
           </p:cNvPr>
@@ -12861,7 +12860,7 @@
           <p:cNvPr id="46" name="Arrow: Left-Up 45">
             <a:extLst>
               <a:ext uri="{FF2B5EF4-FFF2-40B4-BE49-F238E27FC236}">
-                <a16:creationId xmlns="" xmlns:a16="http://schemas.microsoft.com/office/drawing/2014/main" id="{01E79B17-5381-4839-9A9C-1E3D662CBF69}"/>
+                <a16:creationId xmlns:a16="http://schemas.microsoft.com/office/drawing/2014/main" xmlns="" id="{01E79B17-5381-4839-9A9C-1E3D662CBF69}"/>
               </a:ext>
             </a:extLst>
           </p:cNvPr>
@@ -12911,7 +12910,7 @@
           <p:cNvPr id="136" name="Arrow: Left-Up 135">
             <a:extLst>
               <a:ext uri="{FF2B5EF4-FFF2-40B4-BE49-F238E27FC236}">
-                <a16:creationId xmlns="" xmlns:a16="http://schemas.microsoft.com/office/drawing/2014/main" id="{770A2473-F18E-4C76-941C-0F5C5F4394B5}"/>
+                <a16:creationId xmlns:a16="http://schemas.microsoft.com/office/drawing/2014/main" xmlns="" id="{770A2473-F18E-4C76-941C-0F5C5F4394B5}"/>
               </a:ext>
             </a:extLst>
           </p:cNvPr>
@@ -12961,7 +12960,7 @@
           <p:cNvPr id="51" name="Arrow: Bent-Up 50">
             <a:extLst>
               <a:ext uri="{FF2B5EF4-FFF2-40B4-BE49-F238E27FC236}">
-                <a16:creationId xmlns="" xmlns:a16="http://schemas.microsoft.com/office/drawing/2014/main" id="{55AB17C6-F741-451F-9CA4-5B5C1BDD9A5A}"/>
+                <a16:creationId xmlns:a16="http://schemas.microsoft.com/office/drawing/2014/main" xmlns="" id="{55AB17C6-F741-451F-9CA4-5B5C1BDD9A5A}"/>
               </a:ext>
             </a:extLst>
           </p:cNvPr>
@@ -13011,7 +13010,7 @@
           <p:cNvPr id="2" name="TextBox 1">
             <a:extLst>
               <a:ext uri="{FF2B5EF4-FFF2-40B4-BE49-F238E27FC236}">
-                <a16:creationId xmlns="" xmlns:a16="http://schemas.microsoft.com/office/drawing/2014/main" id="{C8CCF8C6-DAFA-4BE4-9D03-A21EEB4F4751}"/>
+                <a16:creationId xmlns:a16="http://schemas.microsoft.com/office/drawing/2014/main" xmlns="" id="{C8CCF8C6-DAFA-4BE4-9D03-A21EEB4F4751}"/>
               </a:ext>
             </a:extLst>
           </p:cNvPr>
@@ -13166,6 +13165,63 @@
           </a:p>
         </p:txBody>
       </p:sp>
+      <p:graphicFrame>
+        <p:nvGraphicFramePr>
+          <p:cNvPr id="2" name="Object 1"/>
+          <p:cNvGraphicFramePr>
+            <a:graphicFrameLocks noChangeAspect="1"/>
+          </p:cNvGraphicFramePr>
+          <p:nvPr>
+            <p:extLst>
+              <p:ext uri="{D42A27DB-BD31-4B8C-83A1-F6EECF244321}">
+                <p14:modId xmlns:p14="http://schemas.microsoft.com/office/powerpoint/2010/main" val="1280438756"/>
+              </p:ext>
+            </p:extLst>
+          </p:nvPr>
+        </p:nvGraphicFramePr>
+        <p:xfrm>
+          <a:off x="2645603" y="279937"/>
+          <a:ext cx="6027737" cy="4662488"/>
+        </p:xfrm>
+        <a:graphic>
+          <a:graphicData uri="http://schemas.openxmlformats.org/presentationml/2006/ole">
+            <mc:AlternateContent xmlns:mc="http://schemas.openxmlformats.org/markup-compatibility/2006">
+              <mc:Choice xmlns:v="urn:schemas-microsoft-com:vml" Requires="v">
+                <p:oleObj spid="_x0000_s1027" name="Acrobat Document" r:id="rId4" imgW="6027385" imgH="4663156" progId="AcroExch.Document.11">
+                  <p:embed/>
+                </p:oleObj>
+              </mc:Choice>
+              <mc:Fallback>
+                <p:oleObj name="Acrobat Document" r:id="rId4" imgW="6027385" imgH="4663156" progId="AcroExch.Document.11">
+                  <p:embed/>
+                  <p:pic>
+                    <p:nvPicPr>
+                      <p:cNvPr id="0" name=""/>
+                      <p:cNvPicPr/>
+                      <p:nvPr/>
+                    </p:nvPicPr>
+                    <p:blipFill>
+                      <a:blip r:embed="rId5"/>
+                      <a:stretch>
+                        <a:fillRect/>
+                      </a:stretch>
+                    </p:blipFill>
+                    <p:spPr>
+                      <a:xfrm>
+                        <a:off x="2645603" y="279937"/>
+                        <a:ext cx="6027737" cy="4662488"/>
+                      </a:xfrm>
+                      <a:prstGeom prst="rect">
+                        <a:avLst/>
+                      </a:prstGeom>
+                    </p:spPr>
+                  </p:pic>
+                </p:oleObj>
+              </mc:Fallback>
+            </mc:AlternateContent>
+          </a:graphicData>
+        </a:graphic>
+      </p:graphicFrame>
     </p:spTree>
     <p:extLst>
       <p:ext uri="{BB962C8B-B14F-4D97-AF65-F5344CB8AC3E}">
@@ -13560,7 +13616,7 @@
           <p:cNvPr id="13" name="Picture 42">
             <a:extLst>
               <a:ext uri="{FF2B5EF4-FFF2-40B4-BE49-F238E27FC236}">
-                <a16:creationId xmlns="" xmlns:a16="http://schemas.microsoft.com/office/drawing/2014/main" id="{72CD0BC3-CBCD-4F08-9EC2-094477A3F00F}"/>
+                <a16:creationId xmlns:a16="http://schemas.microsoft.com/office/drawing/2014/main" xmlns="" id="{72CD0BC3-CBCD-4F08-9EC2-094477A3F00F}"/>
               </a:ext>
             </a:extLst>
           </p:cNvPr>
@@ -14460,7 +14516,7 @@
           <p:cNvPr id="31" name="Picture 42">
             <a:extLst>
               <a:ext uri="{FF2B5EF4-FFF2-40B4-BE49-F238E27FC236}">
-                <a16:creationId xmlns="" xmlns:a16="http://schemas.microsoft.com/office/drawing/2014/main" id="{72CD0BC3-CBCD-4F08-9EC2-094477A3F00F}"/>
+                <a16:creationId xmlns:a16="http://schemas.microsoft.com/office/drawing/2014/main" xmlns="" id="{72CD0BC3-CBCD-4F08-9EC2-094477A3F00F}"/>
               </a:ext>
             </a:extLst>
           </p:cNvPr>
@@ -14884,7 +14940,7 @@
           <p:cNvPr id="3" name="Picture 2">
             <a:extLst>
               <a:ext uri="{FF2B5EF4-FFF2-40B4-BE49-F238E27FC236}">
-                <a16:creationId xmlns="" xmlns:a16="http://schemas.microsoft.com/office/drawing/2014/main" id="{5A4D36D6-3FE6-4236-9A69-129345D21CE7}"/>
+                <a16:creationId xmlns:a16="http://schemas.microsoft.com/office/drawing/2014/main" xmlns="" id="{5A4D36D6-3FE6-4236-9A69-129345D21CE7}"/>
               </a:ext>
             </a:extLst>
           </p:cNvPr>
@@ -15488,7 +15544,7 @@
           <p:cNvPr id="11" name="Shape 114">
             <a:extLst>
               <a:ext uri="{FF2B5EF4-FFF2-40B4-BE49-F238E27FC236}">
-                <a16:creationId xmlns="" xmlns:a16="http://schemas.microsoft.com/office/drawing/2014/main" id="{1D3C8554-FECA-4592-9592-A1CD9D928A40}"/>
+                <a16:creationId xmlns:a16="http://schemas.microsoft.com/office/drawing/2014/main" xmlns="" id="{1D3C8554-FECA-4592-9592-A1CD9D928A40}"/>
               </a:ext>
             </a:extLst>
           </p:cNvPr>
@@ -15664,7 +15720,7 @@
           <p:cNvPr id="4" name="Rectangle 3">
             <a:extLst>
               <a:ext uri="{FF2B5EF4-FFF2-40B4-BE49-F238E27FC236}">
-                <a16:creationId xmlns="" xmlns:a16="http://schemas.microsoft.com/office/drawing/2014/main" id="{73975F41-C02D-4F7A-B534-F50F4D1254D9}"/>
+                <a16:creationId xmlns:a16="http://schemas.microsoft.com/office/drawing/2014/main" xmlns="" id="{73975F41-C02D-4F7A-B534-F50F4D1254D9}"/>
               </a:ext>
             </a:extLst>
           </p:cNvPr>
@@ -15789,7 +15845,7 @@
           <p:cNvPr id="8" name="Rectangle 7">
             <a:extLst>
               <a:ext uri="{FF2B5EF4-FFF2-40B4-BE49-F238E27FC236}">
-                <a16:creationId xmlns="" xmlns:a16="http://schemas.microsoft.com/office/drawing/2014/main" id="{587713AA-9CBD-4BD7-A8A4-7B621B110039}"/>
+                <a16:creationId xmlns:a16="http://schemas.microsoft.com/office/drawing/2014/main" xmlns="" id="{587713AA-9CBD-4BD7-A8A4-7B621B110039}"/>
               </a:ext>
             </a:extLst>
           </p:cNvPr>
@@ -15886,7 +15942,7 @@
           <p:cNvPr id="9" name="Picture 42">
             <a:extLst>
               <a:ext uri="{FF2B5EF4-FFF2-40B4-BE49-F238E27FC236}">
-                <a16:creationId xmlns="" xmlns:a16="http://schemas.microsoft.com/office/drawing/2014/main" id="{72CD0BC3-CBCD-4F08-9EC2-094477A3F00F}"/>
+                <a16:creationId xmlns:a16="http://schemas.microsoft.com/office/drawing/2014/main" xmlns="" id="{72CD0BC3-CBCD-4F08-9EC2-094477A3F00F}"/>
               </a:ext>
             </a:extLst>
           </p:cNvPr>
@@ -15946,7 +16002,7 @@
           <p:cNvPr id="10" name="Rectangle 9">
             <a:extLst>
               <a:ext uri="{FF2B5EF4-FFF2-40B4-BE49-F238E27FC236}">
-                <a16:creationId xmlns="" xmlns:a16="http://schemas.microsoft.com/office/drawing/2014/main" id="{A6D7667A-DA73-430E-A281-75520436CCCB}"/>
+                <a16:creationId xmlns:a16="http://schemas.microsoft.com/office/drawing/2014/main" xmlns="" id="{A6D7667A-DA73-430E-A281-75520436CCCB}"/>
               </a:ext>
             </a:extLst>
           </p:cNvPr>
@@ -16124,7 +16180,7 @@
           <p:cNvPr id="12" name="Rectangle 11">
             <a:extLst>
               <a:ext uri="{FF2B5EF4-FFF2-40B4-BE49-F238E27FC236}">
-                <a16:creationId xmlns="" xmlns:a16="http://schemas.microsoft.com/office/drawing/2014/main" id="{A6D7667A-DA73-430E-A281-75520436CCCB}"/>
+                <a16:creationId xmlns:a16="http://schemas.microsoft.com/office/drawing/2014/main" xmlns="" id="{A6D7667A-DA73-430E-A281-75520436CCCB}"/>
               </a:ext>
             </a:extLst>
           </p:cNvPr>
@@ -16478,7 +16534,7 @@
           <p:cNvPr id="11" name="Shape 114">
             <a:extLst>
               <a:ext uri="{FF2B5EF4-FFF2-40B4-BE49-F238E27FC236}">
-                <a16:creationId xmlns="" xmlns:a16="http://schemas.microsoft.com/office/drawing/2014/main" id="{1D3C8554-FECA-4592-9592-A1CD9D928A40}"/>
+                <a16:creationId xmlns:a16="http://schemas.microsoft.com/office/drawing/2014/main" xmlns="" id="{1D3C8554-FECA-4592-9592-A1CD9D928A40}"/>
               </a:ext>
             </a:extLst>
           </p:cNvPr>
@@ -18784,7 +18840,7 @@
           <p:cNvPr id="11" name="Shape 114">
             <a:extLst>
               <a:ext uri="{FF2B5EF4-FFF2-40B4-BE49-F238E27FC236}">
-                <a16:creationId xmlns="" xmlns:a16="http://schemas.microsoft.com/office/drawing/2014/main" id="{1D3C8554-FECA-4592-9592-A1CD9D928A40}"/>
+                <a16:creationId xmlns:a16="http://schemas.microsoft.com/office/drawing/2014/main" xmlns="" id="{1D3C8554-FECA-4592-9592-A1CD9D928A40}"/>
               </a:ext>
             </a:extLst>
           </p:cNvPr>
@@ -19505,11 +19561,7 @@
                       </a:r>
                       <a:r>
                         <a:rPr lang="en-IN" sz="1100" baseline="0" dirty="0" smtClean="0"/>
-                        <a:t> of patient </a:t>
-                      </a:r>
-                      <a:r>
-                        <a:rPr lang="en-IN" sz="1100" baseline="0" dirty="0" smtClean="0"/>
-                        <a:t>care</a:t>
+                        <a:t> of patient care</a:t>
                       </a:r>
                     </a:p>
                     <a:p>

--- a/niti aayog.pptx
+++ b/niti aayog.pptx
@@ -6,7 +6,7 @@
     <p:sldMasterId id="2147483662" r:id="rId2"/>
   </p:sldMasterIdLst>
   <p:notesMasterIdLst>
-    <p:notesMasterId r:id="rId16"/>
+    <p:notesMasterId r:id="rId15"/>
   </p:notesMasterIdLst>
   <p:sldIdLst>
     <p:sldId id="256" r:id="rId3"/>
@@ -14,38 +14,37 @@
     <p:sldId id="257" r:id="rId5"/>
     <p:sldId id="304" r:id="rId6"/>
     <p:sldId id="321" r:id="rId7"/>
-    <p:sldId id="316" r:id="rId8"/>
-    <p:sldId id="320" r:id="rId9"/>
+    <p:sldId id="320" r:id="rId8"/>
+    <p:sldId id="316" r:id="rId9"/>
     <p:sldId id="312" r:id="rId10"/>
     <p:sldId id="322" r:id="rId11"/>
     <p:sldId id="319" r:id="rId12"/>
     <p:sldId id="307" r:id="rId13"/>
     <p:sldId id="323" r:id="rId14"/>
-    <p:sldId id="291" r:id="rId15"/>
   </p:sldIdLst>
   <p:sldSz cx="9144000" cy="5143500" type="screen16x9"/>
   <p:notesSz cx="6858000" cy="9144000"/>
   <p:embeddedFontLst>
     <p:embeddedFont>
-      <p:font typeface="Georgia" pitchFamily="18" charset="0"/>
-      <p:regular r:id="rId17"/>
-      <p:bold r:id="rId18"/>
-      <p:italic r:id="rId19"/>
-      <p:boldItalic r:id="rId20"/>
+      <p:font typeface="Calibri" panose="020F0502020204030204" pitchFamily="34" charset="0"/>
+      <p:regular r:id="rId16"/>
+      <p:bold r:id="rId17"/>
+      <p:italic r:id="rId18"/>
+      <p:boldItalic r:id="rId19"/>
     </p:embeddedFont>
     <p:embeddedFont>
-      <p:font typeface="Nunito Sans" charset="0"/>
-      <p:regular r:id="rId21"/>
-      <p:bold r:id="rId22"/>
-      <p:italic r:id="rId23"/>
-      <p:boldItalic r:id="rId24"/>
+      <p:font typeface="Georgia" panose="02040502050405020303" pitchFamily="18" charset="0"/>
+      <p:regular r:id="rId20"/>
+      <p:bold r:id="rId21"/>
+      <p:italic r:id="rId22"/>
+      <p:boldItalic r:id="rId23"/>
     </p:embeddedFont>
     <p:embeddedFont>
-      <p:font typeface="Calibri" pitchFamily="34" charset="0"/>
-      <p:regular r:id="rId25"/>
-      <p:bold r:id="rId26"/>
-      <p:italic r:id="rId27"/>
-      <p:boldItalic r:id="rId28"/>
+      <p:font typeface="Nunito Sans" panose="020B0604020202020204" charset="0"/>
+      <p:regular r:id="rId24"/>
+      <p:bold r:id="rId25"/>
+      <p:italic r:id="rId26"/>
+      <p:boldItalic r:id="rId27"/>
     </p:embeddedFont>
   </p:embeddedFontLst>
   <p:defaultTextStyle>
@@ -278,8 +277,32 @@
     </a:lvl9pPr>
   </p:defaultTextStyle>
   <p:extLst>
+    <p:ext uri="{521415D9-36F7-43E2-AB2F-B90AF26B5E84}">
+      <p14:sectionLst xmlns:p14="http://schemas.microsoft.com/office/powerpoint/2010/main">
+        <p14:section name="Default Section" id="{10E4AFE4-CB01-480B-92FB-AEBBB8EFD71C}">
+          <p14:sldIdLst>
+            <p14:sldId id="256"/>
+          </p14:sldIdLst>
+        </p14:section>
+        <p14:section name="Untitled Section" id="{588B9E89-F263-4401-BC01-C59E44E980EF}">
+          <p14:sldIdLst>
+            <p14:sldId id="318"/>
+            <p14:sldId id="257"/>
+            <p14:sldId id="304"/>
+            <p14:sldId id="321"/>
+            <p14:sldId id="320"/>
+            <p14:sldId id="316"/>
+            <p14:sldId id="312"/>
+            <p14:sldId id="322"/>
+            <p14:sldId id="319"/>
+            <p14:sldId id="307"/>
+            <p14:sldId id="323"/>
+          </p14:sldIdLst>
+        </p14:section>
+      </p14:sectionLst>
+    </p:ext>
     <p:ext uri="{EFAFB233-063F-42B5-8137-9DF3F51BA10A}">
-      <p15:sldGuideLst xmlns:p15="http://schemas.microsoft.com/office/powerpoint/2012/main" xmlns="">
+      <p15:sldGuideLst xmlns:p15="http://schemas.microsoft.com/office/powerpoint/2012/main">
         <p15:guide id="1" orient="horz" pos="1620">
           <p15:clr>
             <a:srgbClr val="A4A3A4"/>
@@ -1176,115 +1199,6 @@
 </p:notes>
 </file>
 
-<file path=ppt/notesSlides/notesSlide13.xml><?xml version="1.0" encoding="utf-8"?>
-<p:notes xmlns:a="http://schemas.openxmlformats.org/drawingml/2006/main" xmlns:r="http://schemas.openxmlformats.org/officeDocument/2006/relationships" xmlns:p="http://schemas.openxmlformats.org/presentationml/2006/main" showMasterSp="0" showMasterPhAnim="0">
-  <p:cSld>
-    <p:spTree>
-      <p:nvGrpSpPr>
-        <p:cNvPr id="1" name="Shape 945"/>
-        <p:cNvGrpSpPr/>
-        <p:nvPr/>
-      </p:nvGrpSpPr>
-      <p:grpSpPr>
-        <a:xfrm>
-          <a:off x="0" y="0"/>
-          <a:ext cx="0" cy="0"/>
-          <a:chOff x="0" y="0"/>
-          <a:chExt cx="0" cy="0"/>
-        </a:xfrm>
-      </p:grpSpPr>
-      <p:sp>
-        <p:nvSpPr>
-          <p:cNvPr id="946" name="Shape 946"/>
-          <p:cNvSpPr>
-            <a:spLocks noGrp="1" noRot="1" noChangeAspect="1"/>
-          </p:cNvSpPr>
-          <p:nvPr>
-            <p:ph type="sldImg" idx="2"/>
-          </p:nvPr>
-        </p:nvSpPr>
-        <p:spPr>
-          <a:xfrm>
-            <a:off x="381000" y="685800"/>
-            <a:ext cx="6096000" cy="3429000"/>
-          </a:xfrm>
-          <a:custGeom>
-            <a:avLst/>
-            <a:gdLst/>
-            <a:ahLst/>
-            <a:cxnLst/>
-            <a:rect l="0" t="0" r="0" b="0"/>
-            <a:pathLst>
-              <a:path w="120000" h="120000" extrusionOk="0">
-                <a:moveTo>
-                  <a:pt x="0" y="0"/>
-                </a:moveTo>
-                <a:lnTo>
-                  <a:pt x="120000" y="0"/>
-                </a:lnTo>
-                <a:lnTo>
-                  <a:pt x="120000" y="120000"/>
-                </a:lnTo>
-                <a:lnTo>
-                  <a:pt x="0" y="120000"/>
-                </a:lnTo>
-                <a:close/>
-              </a:path>
-            </a:pathLst>
-          </a:custGeom>
-        </p:spPr>
-      </p:sp>
-      <p:sp>
-        <p:nvSpPr>
-          <p:cNvPr id="947" name="Shape 947"/>
-          <p:cNvSpPr txBox="1">
-            <a:spLocks noGrp="1"/>
-          </p:cNvSpPr>
-          <p:nvPr>
-            <p:ph type="body" idx="1"/>
-          </p:nvPr>
-        </p:nvSpPr>
-        <p:spPr>
-          <a:xfrm>
-            <a:off x="685800" y="4343400"/>
-            <a:ext cx="5486400" cy="4114800"/>
-          </a:xfrm>
-          <a:prstGeom prst="rect">
-            <a:avLst/>
-          </a:prstGeom>
-        </p:spPr>
-        <p:txBody>
-          <a:bodyPr spcFirstLastPara="1" wrap="square" lIns="91425" tIns="91425" rIns="91425" bIns="91425" anchor="t" anchorCtr="0">
-            <a:noAutofit/>
-          </a:bodyPr>
-          <a:lstStyle/>
-          <a:p>
-            <a:pPr marL="0" lvl="0" indent="0" rtl="0">
-              <a:spcBef>
-                <a:spcPts val="0"/>
-              </a:spcBef>
-              <a:spcAft>
-                <a:spcPts val="0"/>
-              </a:spcAft>
-              <a:buNone/>
-            </a:pPr>
-            <a:endParaRPr dirty="0"/>
-          </a:p>
-        </p:txBody>
-      </p:sp>
-    </p:spTree>
-    <p:extLst>
-      <p:ext uri="{BB962C8B-B14F-4D97-AF65-F5344CB8AC3E}">
-        <p14:creationId xmlns:p14="http://schemas.microsoft.com/office/powerpoint/2010/main" val="1893934430"/>
-      </p:ext>
-    </p:extLst>
-  </p:cSld>
-  <p:clrMapOvr>
-    <a:masterClrMapping/>
-  </p:clrMapOvr>
-</p:notes>
-</file>
-
 <file path=ppt/notesSlides/notesSlide2.xml><?xml version="1.0" encoding="utf-8"?>
 <p:notes xmlns:a="http://schemas.openxmlformats.org/drawingml/2006/main" xmlns:r="http://schemas.openxmlformats.org/officeDocument/2006/relationships" xmlns:p="http://schemas.openxmlformats.org/presentationml/2006/main" showMasterSp="0" showMasterPhAnim="0">
   <p:cSld>
@@ -3878,146 +3792,6 @@
 </file>
 
 <file path=ppt/slideLayouts/slideLayout4.xml><?xml version="1.0" encoding="utf-8"?>
-<p:sldLayout xmlns:a="http://schemas.openxmlformats.org/drawingml/2006/main" xmlns:r="http://schemas.openxmlformats.org/officeDocument/2006/relationships" xmlns:p="http://schemas.openxmlformats.org/presentationml/2006/main" matchingName="Blank" type="blank">
-  <p:cSld name="BLANK">
-    <p:spTree>
-      <p:nvGrpSpPr>
-        <p:cNvPr id="1" name="Shape 85"/>
-        <p:cNvGrpSpPr/>
-        <p:nvPr/>
-      </p:nvGrpSpPr>
-      <p:grpSpPr>
-        <a:xfrm>
-          <a:off x="0" y="0"/>
-          <a:ext cx="0" cy="0"/>
-          <a:chOff x="0" y="0"/>
-          <a:chExt cx="0" cy="0"/>
-        </a:xfrm>
-      </p:grpSpPr>
-      <p:sp>
-        <p:nvSpPr>
-          <p:cNvPr id="86" name="Shape 86"/>
-          <p:cNvSpPr txBox="1">
-            <a:spLocks noGrp="1"/>
-          </p:cNvSpPr>
-          <p:nvPr>
-            <p:ph type="sldNum" idx="12"/>
-          </p:nvPr>
-        </p:nvSpPr>
-        <p:spPr>
-          <a:xfrm>
-            <a:off x="8556784" y="4749851"/>
-            <a:ext cx="548700" cy="393600"/>
-          </a:xfrm>
-          <a:prstGeom prst="rect">
-            <a:avLst/>
-          </a:prstGeom>
-        </p:spPr>
-        <p:txBody>
-          <a:bodyPr spcFirstLastPara="1" wrap="square" lIns="91425" tIns="91425" rIns="91425" bIns="91425" anchor="ctr" anchorCtr="0">
-            <a:noAutofit/>
-          </a:bodyPr>
-          <a:lstStyle>
-            <a:lvl1pPr lvl="0">
-              <a:buNone/>
-              <a:defRPr>
-                <a:solidFill>
-                  <a:srgbClr val="FFFFFF"/>
-                </a:solidFill>
-              </a:defRPr>
-            </a:lvl1pPr>
-            <a:lvl2pPr lvl="1">
-              <a:buNone/>
-              <a:defRPr>
-                <a:solidFill>
-                  <a:srgbClr val="FFFFFF"/>
-                </a:solidFill>
-              </a:defRPr>
-            </a:lvl2pPr>
-            <a:lvl3pPr lvl="2">
-              <a:buNone/>
-              <a:defRPr>
-                <a:solidFill>
-                  <a:srgbClr val="FFFFFF"/>
-                </a:solidFill>
-              </a:defRPr>
-            </a:lvl3pPr>
-            <a:lvl4pPr lvl="3">
-              <a:buNone/>
-              <a:defRPr>
-                <a:solidFill>
-                  <a:srgbClr val="FFFFFF"/>
-                </a:solidFill>
-              </a:defRPr>
-            </a:lvl4pPr>
-            <a:lvl5pPr lvl="4">
-              <a:buNone/>
-              <a:defRPr>
-                <a:solidFill>
-                  <a:srgbClr val="FFFFFF"/>
-                </a:solidFill>
-              </a:defRPr>
-            </a:lvl5pPr>
-            <a:lvl6pPr lvl="5">
-              <a:buNone/>
-              <a:defRPr>
-                <a:solidFill>
-                  <a:srgbClr val="FFFFFF"/>
-                </a:solidFill>
-              </a:defRPr>
-            </a:lvl6pPr>
-            <a:lvl7pPr lvl="6">
-              <a:buNone/>
-              <a:defRPr>
-                <a:solidFill>
-                  <a:srgbClr val="FFFFFF"/>
-                </a:solidFill>
-              </a:defRPr>
-            </a:lvl7pPr>
-            <a:lvl8pPr lvl="7">
-              <a:buNone/>
-              <a:defRPr>
-                <a:solidFill>
-                  <a:srgbClr val="FFFFFF"/>
-                </a:solidFill>
-              </a:defRPr>
-            </a:lvl8pPr>
-            <a:lvl9pPr lvl="8">
-              <a:buNone/>
-              <a:defRPr>
-                <a:solidFill>
-                  <a:srgbClr val="FFFFFF"/>
-                </a:solidFill>
-              </a:defRPr>
-            </a:lvl9pPr>
-          </a:lstStyle>
-          <a:p>
-            <a:pPr marL="0" lvl="0" indent="0">
-              <a:spcBef>
-                <a:spcPts val="0"/>
-              </a:spcBef>
-              <a:spcAft>
-                <a:spcPts val="0"/>
-              </a:spcAft>
-              <a:buNone/>
-            </a:pPr>
-            <a:fld id="{00000000-1234-1234-1234-123412341234}" type="slidenum">
-              <a:rPr lang="en"/>
-              <a:t>‹#›</a:t>
-            </a:fld>
-            <a:endParaRPr dirty="0"/>
-          </a:p>
-        </p:txBody>
-      </p:sp>
-    </p:spTree>
-  </p:cSld>
-  <p:clrMapOvr>
-    <a:masterClrMapping/>
-  </p:clrMapOvr>
-</p:sldLayout>
-</file>
-
-<file path=ppt/slideLayouts/slideLayout5.xml><?xml version="1.0" encoding="utf-8"?>
 <p:sldLayout xmlns:a="http://schemas.openxmlformats.org/drawingml/2006/main" xmlns:r="http://schemas.openxmlformats.org/officeDocument/2006/relationships" xmlns:p="http://schemas.openxmlformats.org/presentationml/2006/main" matchingName="Title" type="title">
   <p:cSld name="Title">
     <p:spTree>
@@ -4339,7 +4113,7 @@
 </p:sldLayout>
 </file>
 
-<file path=ppt/slideLayouts/slideLayout6.xml><?xml version="1.0" encoding="utf-8"?>
+<file path=ppt/slideLayouts/slideLayout5.xml><?xml version="1.0" encoding="utf-8"?>
 <p:sldLayout xmlns:a="http://schemas.openxmlformats.org/drawingml/2006/main" xmlns:r="http://schemas.openxmlformats.org/officeDocument/2006/relationships" xmlns:p="http://schemas.openxmlformats.org/presentationml/2006/main" matchingName="Title + 2 columns with intro text">
   <p:cSld name="Title + 2 columns with intro text">
     <p:spTree>
@@ -5158,7 +4932,7 @@
 </p:sldLayout>
 </file>
 
-<file path=ppt/slideLayouts/slideLayout7.xml><?xml version="1.0" encoding="utf-8"?>
+<file path=ppt/slideLayouts/slideLayout6.xml><?xml version="1.0" encoding="utf-8"?>
 <p:sldLayout xmlns:a="http://schemas.openxmlformats.org/drawingml/2006/main" xmlns:r="http://schemas.openxmlformats.org/officeDocument/2006/relationships" xmlns:p="http://schemas.openxmlformats.org/presentationml/2006/main" matchingName="Title + 2 columns" type="twoColTx">
   <p:cSld name="Title + 2 columns">
     <p:spTree>
@@ -5742,7 +5516,7 @@
 </p:sldLayout>
 </file>
 
-<file path=ppt/slideLayouts/slideLayout8.xml><?xml version="1.0" encoding="utf-8"?>
+<file path=ppt/slideLayouts/slideLayout7.xml><?xml version="1.0" encoding="utf-8"?>
 <p:sldLayout xmlns:a="http://schemas.openxmlformats.org/drawingml/2006/main" xmlns:r="http://schemas.openxmlformats.org/officeDocument/2006/relationships" xmlns:p="http://schemas.openxmlformats.org/presentationml/2006/main" matchingName="Blank" type="blank">
   <p:cSld name="Blank">
     <p:spTree>
@@ -6571,7 +6345,6 @@
     <p:sldLayoutId id="2147483648" r:id="rId1"/>
     <p:sldLayoutId id="2147483654" r:id="rId2"/>
     <p:sldLayoutId id="2147483657" r:id="rId3"/>
-    <p:sldLayoutId id="2147483660" r:id="rId4"/>
   </p:sldLayoutIdLst>
   <p:transition>
     <p:fade thruBlk="1"/>
@@ -8752,786 +8525,6 @@
           </a:p>
         </p:txBody>
       </p:sp>
-      <p:grpSp>
-        <p:nvGrpSpPr>
-          <p:cNvPr id="92" name="Shape 92"/>
-          <p:cNvGrpSpPr/>
-          <p:nvPr/>
-        </p:nvGrpSpPr>
-        <p:grpSpPr>
-          <a:xfrm>
-            <a:off x="325183" y="2147763"/>
-            <a:ext cx="549262" cy="487982"/>
-            <a:chOff x="5292575" y="3681900"/>
-            <a:chExt cx="420150" cy="373275"/>
-          </a:xfrm>
-        </p:grpSpPr>
-        <p:sp>
-          <p:nvSpPr>
-            <p:cNvPr id="93" name="Shape 93"/>
-            <p:cNvSpPr/>
-            <p:nvPr/>
-          </p:nvSpPr>
-          <p:spPr>
-            <a:xfrm>
-              <a:off x="5292575" y="3706875"/>
-              <a:ext cx="420150" cy="266700"/>
-            </a:xfrm>
-            <a:custGeom>
-              <a:avLst/>
-              <a:gdLst/>
-              <a:ahLst/>
-              <a:cxnLst/>
-              <a:rect l="0" t="0" r="0" b="0"/>
-              <a:pathLst>
-                <a:path w="16806" h="10668" fill="none" extrusionOk="0">
-                  <a:moveTo>
-                    <a:pt x="16319" y="0"/>
-                  </a:moveTo>
-                  <a:lnTo>
-                    <a:pt x="488" y="0"/>
-                  </a:lnTo>
-                  <a:lnTo>
-                    <a:pt x="488" y="0"/>
-                  </a:lnTo>
-                  <a:lnTo>
-                    <a:pt x="390" y="0"/>
-                  </a:lnTo>
-                  <a:lnTo>
-                    <a:pt x="293" y="25"/>
-                  </a:lnTo>
-                  <a:lnTo>
-                    <a:pt x="196" y="73"/>
-                  </a:lnTo>
-                  <a:lnTo>
-                    <a:pt x="123" y="146"/>
-                  </a:lnTo>
-                  <a:lnTo>
-                    <a:pt x="74" y="219"/>
-                  </a:lnTo>
-                  <a:lnTo>
-                    <a:pt x="25" y="292"/>
-                  </a:lnTo>
-                  <a:lnTo>
-                    <a:pt x="1" y="390"/>
-                  </a:lnTo>
-                  <a:lnTo>
-                    <a:pt x="1" y="487"/>
-                  </a:lnTo>
-                  <a:lnTo>
-                    <a:pt x="1" y="10181"/>
-                  </a:lnTo>
-                  <a:lnTo>
-                    <a:pt x="1" y="10181"/>
-                  </a:lnTo>
-                  <a:lnTo>
-                    <a:pt x="1" y="10278"/>
-                  </a:lnTo>
-                  <a:lnTo>
-                    <a:pt x="25" y="10375"/>
-                  </a:lnTo>
-                  <a:lnTo>
-                    <a:pt x="74" y="10448"/>
-                  </a:lnTo>
-                  <a:lnTo>
-                    <a:pt x="123" y="10522"/>
-                  </a:lnTo>
-                  <a:lnTo>
-                    <a:pt x="196" y="10570"/>
-                  </a:lnTo>
-                  <a:lnTo>
-                    <a:pt x="293" y="10619"/>
-                  </a:lnTo>
-                  <a:lnTo>
-                    <a:pt x="390" y="10643"/>
-                  </a:lnTo>
-                  <a:lnTo>
-                    <a:pt x="488" y="10668"/>
-                  </a:lnTo>
-                  <a:lnTo>
-                    <a:pt x="16319" y="10668"/>
-                  </a:lnTo>
-                  <a:lnTo>
-                    <a:pt x="16319" y="10668"/>
-                  </a:lnTo>
-                  <a:lnTo>
-                    <a:pt x="16416" y="10643"/>
-                  </a:lnTo>
-                  <a:lnTo>
-                    <a:pt x="16513" y="10619"/>
-                  </a:lnTo>
-                  <a:lnTo>
-                    <a:pt x="16611" y="10570"/>
-                  </a:lnTo>
-                  <a:lnTo>
-                    <a:pt x="16684" y="10522"/>
-                  </a:lnTo>
-                  <a:lnTo>
-                    <a:pt x="16733" y="10448"/>
-                  </a:lnTo>
-                  <a:lnTo>
-                    <a:pt x="16781" y="10375"/>
-                  </a:lnTo>
-                  <a:lnTo>
-                    <a:pt x="16806" y="10278"/>
-                  </a:lnTo>
-                  <a:lnTo>
-                    <a:pt x="16806" y="10181"/>
-                  </a:lnTo>
-                  <a:lnTo>
-                    <a:pt x="16806" y="487"/>
-                  </a:lnTo>
-                  <a:lnTo>
-                    <a:pt x="16806" y="487"/>
-                  </a:lnTo>
-                  <a:lnTo>
-                    <a:pt x="16806" y="390"/>
-                  </a:lnTo>
-                  <a:lnTo>
-                    <a:pt x="16781" y="292"/>
-                  </a:lnTo>
-                  <a:lnTo>
-                    <a:pt x="16733" y="219"/>
-                  </a:lnTo>
-                  <a:lnTo>
-                    <a:pt x="16684" y="146"/>
-                  </a:lnTo>
-                  <a:lnTo>
-                    <a:pt x="16611" y="73"/>
-                  </a:lnTo>
-                  <a:lnTo>
-                    <a:pt x="16513" y="25"/>
-                  </a:lnTo>
-                  <a:lnTo>
-                    <a:pt x="16416" y="0"/>
-                  </a:lnTo>
-                  <a:lnTo>
-                    <a:pt x="16319" y="0"/>
-                  </a:lnTo>
-                  <a:lnTo>
-                    <a:pt x="16319" y="0"/>
-                  </a:lnTo>
-                  <a:close/>
-                </a:path>
-              </a:pathLst>
-            </a:custGeom>
-            <a:noFill/>
-            <a:ln w="12175" cap="rnd" cmpd="sng">
-              <a:solidFill>
-                <a:srgbClr val="CCCCCC"/>
-              </a:solidFill>
-              <a:prstDash val="solid"/>
-              <a:round/>
-              <a:headEnd type="none" w="sm" len="sm"/>
-              <a:tailEnd type="none" w="sm" len="sm"/>
-            </a:ln>
-          </p:spPr>
-          <p:txBody>
-            <a:bodyPr spcFirstLastPara="1" wrap="square" lIns="91425" tIns="91425" rIns="91425" bIns="91425" anchor="ctr" anchorCtr="0">
-              <a:noAutofit/>
-            </a:bodyPr>
-            <a:lstStyle/>
-            <a:p>
-              <a:pPr marL="0" lvl="0" indent="0">
-                <a:spcBef>
-                  <a:spcPts val="0"/>
-                </a:spcBef>
-                <a:spcAft>
-                  <a:spcPts val="0"/>
-                </a:spcAft>
-                <a:buNone/>
-              </a:pPr>
-              <a:endParaRPr dirty="0"/>
-            </a:p>
-          </p:txBody>
-        </p:sp>
-        <p:sp>
-          <p:nvSpPr>
-            <p:cNvPr id="94" name="Shape 94"/>
-            <p:cNvSpPr/>
-            <p:nvPr/>
-          </p:nvSpPr>
-          <p:spPr>
-            <a:xfrm>
-              <a:off x="5490475" y="3681900"/>
-              <a:ext cx="24375" cy="25000"/>
-            </a:xfrm>
-            <a:custGeom>
-              <a:avLst/>
-              <a:gdLst/>
-              <a:ahLst/>
-              <a:cxnLst/>
-              <a:rect l="0" t="0" r="0" b="0"/>
-              <a:pathLst>
-                <a:path w="975" h="1000" fill="none" extrusionOk="0">
-                  <a:moveTo>
-                    <a:pt x="974" y="999"/>
-                  </a:moveTo>
-                  <a:lnTo>
-                    <a:pt x="974" y="488"/>
-                  </a:lnTo>
-                  <a:lnTo>
-                    <a:pt x="974" y="488"/>
-                  </a:lnTo>
-                  <a:lnTo>
-                    <a:pt x="974" y="390"/>
-                  </a:lnTo>
-                  <a:lnTo>
-                    <a:pt x="926" y="293"/>
-                  </a:lnTo>
-                  <a:lnTo>
-                    <a:pt x="901" y="220"/>
-                  </a:lnTo>
-                  <a:lnTo>
-                    <a:pt x="828" y="147"/>
-                  </a:lnTo>
-                  <a:lnTo>
-                    <a:pt x="755" y="74"/>
-                  </a:lnTo>
-                  <a:lnTo>
-                    <a:pt x="682" y="49"/>
-                  </a:lnTo>
-                  <a:lnTo>
-                    <a:pt x="585" y="1"/>
-                  </a:lnTo>
-                  <a:lnTo>
-                    <a:pt x="487" y="1"/>
-                  </a:lnTo>
-                  <a:lnTo>
-                    <a:pt x="487" y="1"/>
-                  </a:lnTo>
-                  <a:lnTo>
-                    <a:pt x="390" y="1"/>
-                  </a:lnTo>
-                  <a:lnTo>
-                    <a:pt x="292" y="49"/>
-                  </a:lnTo>
-                  <a:lnTo>
-                    <a:pt x="219" y="74"/>
-                  </a:lnTo>
-                  <a:lnTo>
-                    <a:pt x="146" y="147"/>
-                  </a:lnTo>
-                  <a:lnTo>
-                    <a:pt x="73" y="220"/>
-                  </a:lnTo>
-                  <a:lnTo>
-                    <a:pt x="49" y="293"/>
-                  </a:lnTo>
-                  <a:lnTo>
-                    <a:pt x="0" y="390"/>
-                  </a:lnTo>
-                  <a:lnTo>
-                    <a:pt x="0" y="488"/>
-                  </a:lnTo>
-                  <a:lnTo>
-                    <a:pt x="0" y="999"/>
-                  </a:lnTo>
-                </a:path>
-              </a:pathLst>
-            </a:custGeom>
-            <a:noFill/>
-            <a:ln w="12175" cap="rnd" cmpd="sng">
-              <a:solidFill>
-                <a:srgbClr val="CCCCCC"/>
-              </a:solidFill>
-              <a:prstDash val="solid"/>
-              <a:round/>
-              <a:headEnd type="none" w="sm" len="sm"/>
-              <a:tailEnd type="none" w="sm" len="sm"/>
-            </a:ln>
-          </p:spPr>
-          <p:txBody>
-            <a:bodyPr spcFirstLastPara="1" wrap="square" lIns="91425" tIns="91425" rIns="91425" bIns="91425" anchor="ctr" anchorCtr="0">
-              <a:noAutofit/>
-            </a:bodyPr>
-            <a:lstStyle/>
-            <a:p>
-              <a:pPr marL="0" lvl="0" indent="0">
-                <a:spcBef>
-                  <a:spcPts val="0"/>
-                </a:spcBef>
-                <a:spcAft>
-                  <a:spcPts val="0"/>
-                </a:spcAft>
-                <a:buNone/>
-              </a:pPr>
-              <a:endParaRPr dirty="0"/>
-            </a:p>
-          </p:txBody>
-        </p:sp>
-        <p:sp>
-          <p:nvSpPr>
-            <p:cNvPr id="95" name="Shape 95"/>
-            <p:cNvSpPr/>
-            <p:nvPr/>
-          </p:nvSpPr>
-          <p:spPr>
-            <a:xfrm>
-              <a:off x="5358350" y="3973550"/>
-              <a:ext cx="60900" cy="81625"/>
-            </a:xfrm>
-            <a:custGeom>
-              <a:avLst/>
-              <a:gdLst/>
-              <a:ahLst/>
-              <a:cxnLst/>
-              <a:rect l="0" t="0" r="0" b="0"/>
-              <a:pathLst>
-                <a:path w="2436" h="3265" fill="none" extrusionOk="0">
-                  <a:moveTo>
-                    <a:pt x="1340" y="1"/>
-                  </a:moveTo>
-                  <a:lnTo>
-                    <a:pt x="49" y="2558"/>
-                  </a:lnTo>
-                  <a:lnTo>
-                    <a:pt x="49" y="2558"/>
-                  </a:lnTo>
-                  <a:lnTo>
-                    <a:pt x="24" y="2631"/>
-                  </a:lnTo>
-                  <a:lnTo>
-                    <a:pt x="0" y="2728"/>
-                  </a:lnTo>
-                  <a:lnTo>
-                    <a:pt x="0" y="2826"/>
-                  </a:lnTo>
-                  <a:lnTo>
-                    <a:pt x="24" y="2923"/>
-                  </a:lnTo>
-                  <a:lnTo>
-                    <a:pt x="73" y="2996"/>
-                  </a:lnTo>
-                  <a:lnTo>
-                    <a:pt x="122" y="3094"/>
-                  </a:lnTo>
-                  <a:lnTo>
-                    <a:pt x="195" y="3142"/>
-                  </a:lnTo>
-                  <a:lnTo>
-                    <a:pt x="268" y="3215"/>
-                  </a:lnTo>
-                  <a:lnTo>
-                    <a:pt x="268" y="3215"/>
-                  </a:lnTo>
-                  <a:lnTo>
-                    <a:pt x="390" y="3240"/>
-                  </a:lnTo>
-                  <a:lnTo>
-                    <a:pt x="487" y="3264"/>
-                  </a:lnTo>
-                  <a:lnTo>
-                    <a:pt x="487" y="3264"/>
-                  </a:lnTo>
-                  <a:lnTo>
-                    <a:pt x="633" y="3240"/>
-                  </a:lnTo>
-                  <a:lnTo>
-                    <a:pt x="755" y="3191"/>
-                  </a:lnTo>
-                  <a:lnTo>
-                    <a:pt x="853" y="3094"/>
-                  </a:lnTo>
-                  <a:lnTo>
-                    <a:pt x="926" y="2996"/>
-                  </a:lnTo>
-                  <a:lnTo>
-                    <a:pt x="2436" y="1"/>
-                  </a:lnTo>
-                </a:path>
-              </a:pathLst>
-            </a:custGeom>
-            <a:noFill/>
-            <a:ln w="12175" cap="rnd" cmpd="sng">
-              <a:solidFill>
-                <a:srgbClr val="CCCCCC"/>
-              </a:solidFill>
-              <a:prstDash val="solid"/>
-              <a:round/>
-              <a:headEnd type="none" w="sm" len="sm"/>
-              <a:tailEnd type="none" w="sm" len="sm"/>
-            </a:ln>
-          </p:spPr>
-          <p:txBody>
-            <a:bodyPr spcFirstLastPara="1" wrap="square" lIns="91425" tIns="91425" rIns="91425" bIns="91425" anchor="ctr" anchorCtr="0">
-              <a:noAutofit/>
-            </a:bodyPr>
-            <a:lstStyle/>
-            <a:p>
-              <a:pPr marL="0" lvl="0" indent="0">
-                <a:spcBef>
-                  <a:spcPts val="0"/>
-                </a:spcBef>
-                <a:spcAft>
-                  <a:spcPts val="0"/>
-                </a:spcAft>
-                <a:buNone/>
-              </a:pPr>
-              <a:endParaRPr dirty="0"/>
-            </a:p>
-          </p:txBody>
-        </p:sp>
-        <p:sp>
-          <p:nvSpPr>
-            <p:cNvPr id="96" name="Shape 96"/>
-            <p:cNvSpPr/>
-            <p:nvPr/>
-          </p:nvSpPr>
-          <p:spPr>
-            <a:xfrm>
-              <a:off x="5586050" y="3973550"/>
-              <a:ext cx="60925" cy="81625"/>
-            </a:xfrm>
-            <a:custGeom>
-              <a:avLst/>
-              <a:gdLst/>
-              <a:ahLst/>
-              <a:cxnLst/>
-              <a:rect l="0" t="0" r="0" b="0"/>
-              <a:pathLst>
-                <a:path w="2437" h="3265" fill="none" extrusionOk="0">
-                  <a:moveTo>
-                    <a:pt x="1" y="1"/>
-                  </a:moveTo>
-                  <a:lnTo>
-                    <a:pt x="1511" y="2996"/>
-                  </a:lnTo>
-                  <a:lnTo>
-                    <a:pt x="1511" y="2996"/>
-                  </a:lnTo>
-                  <a:lnTo>
-                    <a:pt x="1584" y="3094"/>
-                  </a:lnTo>
-                  <a:lnTo>
-                    <a:pt x="1681" y="3191"/>
-                  </a:lnTo>
-                  <a:lnTo>
-                    <a:pt x="1803" y="3240"/>
-                  </a:lnTo>
-                  <a:lnTo>
-                    <a:pt x="1949" y="3264"/>
-                  </a:lnTo>
-                  <a:lnTo>
-                    <a:pt x="1949" y="3264"/>
-                  </a:lnTo>
-                  <a:lnTo>
-                    <a:pt x="2047" y="3240"/>
-                  </a:lnTo>
-                  <a:lnTo>
-                    <a:pt x="2168" y="3215"/>
-                  </a:lnTo>
-                  <a:lnTo>
-                    <a:pt x="2168" y="3215"/>
-                  </a:lnTo>
-                  <a:lnTo>
-                    <a:pt x="2241" y="3142"/>
-                  </a:lnTo>
-                  <a:lnTo>
-                    <a:pt x="2315" y="3094"/>
-                  </a:lnTo>
-                  <a:lnTo>
-                    <a:pt x="2363" y="2996"/>
-                  </a:lnTo>
-                  <a:lnTo>
-                    <a:pt x="2412" y="2923"/>
-                  </a:lnTo>
-                  <a:lnTo>
-                    <a:pt x="2436" y="2826"/>
-                  </a:lnTo>
-                  <a:lnTo>
-                    <a:pt x="2436" y="2728"/>
-                  </a:lnTo>
-                  <a:lnTo>
-                    <a:pt x="2412" y="2631"/>
-                  </a:lnTo>
-                  <a:lnTo>
-                    <a:pt x="2388" y="2558"/>
-                  </a:lnTo>
-                  <a:lnTo>
-                    <a:pt x="1097" y="1"/>
-                  </a:lnTo>
-                </a:path>
-              </a:pathLst>
-            </a:custGeom>
-            <a:noFill/>
-            <a:ln w="12175" cap="rnd" cmpd="sng">
-              <a:solidFill>
-                <a:srgbClr val="CCCCCC"/>
-              </a:solidFill>
-              <a:prstDash val="solid"/>
-              <a:round/>
-              <a:headEnd type="none" w="sm" len="sm"/>
-              <a:tailEnd type="none" w="sm" len="sm"/>
-            </a:ln>
-          </p:spPr>
-          <p:txBody>
-            <a:bodyPr spcFirstLastPara="1" wrap="square" lIns="91425" tIns="91425" rIns="91425" bIns="91425" anchor="ctr" anchorCtr="0">
-              <a:noAutofit/>
-            </a:bodyPr>
-            <a:lstStyle/>
-            <a:p>
-              <a:pPr marL="0" lvl="0" indent="0">
-                <a:spcBef>
-                  <a:spcPts val="0"/>
-                </a:spcBef>
-                <a:spcAft>
-                  <a:spcPts val="0"/>
-                </a:spcAft>
-                <a:buNone/>
-              </a:pPr>
-              <a:endParaRPr dirty="0"/>
-            </a:p>
-          </p:txBody>
-        </p:sp>
-        <p:sp>
-          <p:nvSpPr>
-            <p:cNvPr id="97" name="Shape 97"/>
-            <p:cNvSpPr/>
-            <p:nvPr/>
-          </p:nvSpPr>
-          <p:spPr>
-            <a:xfrm>
-              <a:off x="5316925" y="3731225"/>
-              <a:ext cx="371450" cy="218000"/>
-            </a:xfrm>
-            <a:custGeom>
-              <a:avLst/>
-              <a:gdLst/>
-              <a:ahLst/>
-              <a:cxnLst/>
-              <a:rect l="0" t="0" r="0" b="0"/>
-              <a:pathLst>
-                <a:path w="14858" h="8720" fill="none" extrusionOk="0">
-                  <a:moveTo>
-                    <a:pt x="1" y="0"/>
-                  </a:moveTo>
-                  <a:lnTo>
-                    <a:pt x="1" y="8719"/>
-                  </a:lnTo>
-                  <a:lnTo>
-                    <a:pt x="14857" y="8719"/>
-                  </a:lnTo>
-                  <a:lnTo>
-                    <a:pt x="14857" y="0"/>
-                  </a:lnTo>
-                  <a:lnTo>
-                    <a:pt x="1" y="0"/>
-                  </a:lnTo>
-                  <a:close/>
-                </a:path>
-              </a:pathLst>
-            </a:custGeom>
-            <a:noFill/>
-            <a:ln w="12175" cap="rnd" cmpd="sng">
-              <a:solidFill>
-                <a:srgbClr val="CCCCCC"/>
-              </a:solidFill>
-              <a:prstDash val="solid"/>
-              <a:round/>
-              <a:headEnd type="none" w="sm" len="sm"/>
-              <a:tailEnd type="none" w="sm" len="sm"/>
-            </a:ln>
-          </p:spPr>
-          <p:txBody>
-            <a:bodyPr spcFirstLastPara="1" wrap="square" lIns="91425" tIns="91425" rIns="91425" bIns="91425" anchor="ctr" anchorCtr="0">
-              <a:noAutofit/>
-            </a:bodyPr>
-            <a:lstStyle/>
-            <a:p>
-              <a:pPr marL="0" lvl="0" indent="0">
-                <a:spcBef>
-                  <a:spcPts val="0"/>
-                </a:spcBef>
-                <a:spcAft>
-                  <a:spcPts val="0"/>
-                </a:spcAft>
-                <a:buNone/>
-              </a:pPr>
-              <a:endParaRPr dirty="0"/>
-            </a:p>
-          </p:txBody>
-        </p:sp>
-        <p:sp>
-          <p:nvSpPr>
-            <p:cNvPr id="98" name="Shape 98"/>
-            <p:cNvSpPr/>
-            <p:nvPr/>
-          </p:nvSpPr>
-          <p:spPr>
-            <a:xfrm>
-              <a:off x="5380250" y="3784800"/>
-              <a:ext cx="230200" cy="115725"/>
-            </a:xfrm>
-            <a:custGeom>
-              <a:avLst/>
-              <a:gdLst/>
-              <a:ahLst/>
-              <a:cxnLst/>
-              <a:rect l="0" t="0" r="0" b="0"/>
-              <a:pathLst>
-                <a:path w="9208" h="4629" fill="none" extrusionOk="0">
-                  <a:moveTo>
-                    <a:pt x="9207" y="1"/>
-                  </a:moveTo>
-                  <a:lnTo>
-                    <a:pt x="5213" y="3995"/>
-                  </a:lnTo>
-                  <a:lnTo>
-                    <a:pt x="5213" y="3995"/>
-                  </a:lnTo>
-                  <a:lnTo>
-                    <a:pt x="5140" y="4044"/>
-                  </a:lnTo>
-                  <a:lnTo>
-                    <a:pt x="5067" y="4092"/>
-                  </a:lnTo>
-                  <a:lnTo>
-                    <a:pt x="4969" y="4117"/>
-                  </a:lnTo>
-                  <a:lnTo>
-                    <a:pt x="4872" y="4141"/>
-                  </a:lnTo>
-                  <a:lnTo>
-                    <a:pt x="4774" y="4117"/>
-                  </a:lnTo>
-                  <a:lnTo>
-                    <a:pt x="4677" y="4092"/>
-                  </a:lnTo>
-                  <a:lnTo>
-                    <a:pt x="4604" y="4044"/>
-                  </a:lnTo>
-                  <a:lnTo>
-                    <a:pt x="4531" y="3995"/>
-                  </a:lnTo>
-                  <a:lnTo>
-                    <a:pt x="2582" y="2046"/>
-                  </a:lnTo>
-                  <a:lnTo>
-                    <a:pt x="1" y="4628"/>
-                  </a:lnTo>
-                </a:path>
-              </a:pathLst>
-            </a:custGeom>
-            <a:noFill/>
-            <a:ln w="12175" cap="rnd" cmpd="sng">
-              <a:solidFill>
-                <a:srgbClr val="CCCCCC"/>
-              </a:solidFill>
-              <a:prstDash val="solid"/>
-              <a:round/>
-              <a:headEnd type="none" w="sm" len="sm"/>
-              <a:tailEnd type="none" w="sm" len="sm"/>
-            </a:ln>
-          </p:spPr>
-          <p:txBody>
-            <a:bodyPr spcFirstLastPara="1" wrap="square" lIns="91425" tIns="91425" rIns="91425" bIns="91425" anchor="ctr" anchorCtr="0">
-              <a:noAutofit/>
-            </a:bodyPr>
-            <a:lstStyle/>
-            <a:p>
-              <a:pPr marL="0" lvl="0" indent="0">
-                <a:spcBef>
-                  <a:spcPts val="0"/>
-                </a:spcBef>
-                <a:spcAft>
-                  <a:spcPts val="0"/>
-                </a:spcAft>
-                <a:buNone/>
-              </a:pPr>
-              <a:endParaRPr dirty="0"/>
-            </a:p>
-          </p:txBody>
-        </p:sp>
-        <p:sp>
-          <p:nvSpPr>
-            <p:cNvPr id="99" name="Shape 99"/>
-            <p:cNvSpPr/>
-            <p:nvPr/>
-          </p:nvSpPr>
-          <p:spPr>
-            <a:xfrm>
-              <a:off x="5547700" y="3779925"/>
-              <a:ext cx="68825" cy="68825"/>
-            </a:xfrm>
-            <a:custGeom>
-              <a:avLst/>
-              <a:gdLst/>
-              <a:ahLst/>
-              <a:cxnLst/>
-              <a:rect l="0" t="0" r="0" b="0"/>
-              <a:pathLst>
-                <a:path w="2753" h="2753" fill="none" extrusionOk="0">
-                  <a:moveTo>
-                    <a:pt x="0" y="1"/>
-                  </a:moveTo>
-                  <a:lnTo>
-                    <a:pt x="2265" y="1"/>
-                  </a:lnTo>
-                  <a:lnTo>
-                    <a:pt x="2265" y="1"/>
-                  </a:lnTo>
-                  <a:lnTo>
-                    <a:pt x="2363" y="1"/>
-                  </a:lnTo>
-                  <a:lnTo>
-                    <a:pt x="2460" y="25"/>
-                  </a:lnTo>
-                  <a:lnTo>
-                    <a:pt x="2533" y="74"/>
-                  </a:lnTo>
-                  <a:lnTo>
-                    <a:pt x="2606" y="147"/>
-                  </a:lnTo>
-                  <a:lnTo>
-                    <a:pt x="2680" y="220"/>
-                  </a:lnTo>
-                  <a:lnTo>
-                    <a:pt x="2728" y="293"/>
-                  </a:lnTo>
-                  <a:lnTo>
-                    <a:pt x="2753" y="390"/>
-                  </a:lnTo>
-                  <a:lnTo>
-                    <a:pt x="2753" y="488"/>
-                  </a:lnTo>
-                  <a:lnTo>
-                    <a:pt x="2753" y="2753"/>
-                  </a:lnTo>
-                </a:path>
-              </a:pathLst>
-            </a:custGeom>
-            <a:noFill/>
-            <a:ln w="12175" cap="rnd" cmpd="sng">
-              <a:solidFill>
-                <a:srgbClr val="CCCCCC"/>
-              </a:solidFill>
-              <a:prstDash val="solid"/>
-              <a:round/>
-              <a:headEnd type="none" w="sm" len="sm"/>
-              <a:tailEnd type="none" w="sm" len="sm"/>
-            </a:ln>
-          </p:spPr>
-          <p:txBody>
-            <a:bodyPr spcFirstLastPara="1" wrap="square" lIns="91425" tIns="91425" rIns="91425" bIns="91425" anchor="ctr" anchorCtr="0">
-              <a:noAutofit/>
-            </a:bodyPr>
-            <a:lstStyle/>
-            <a:p>
-              <a:pPr marL="0" lvl="0" indent="0">
-                <a:spcBef>
-                  <a:spcPts val="0"/>
-                </a:spcBef>
-                <a:spcAft>
-                  <a:spcPts val="0"/>
-                </a:spcAft>
-                <a:buNone/>
-              </a:pPr>
-              <a:endParaRPr dirty="0"/>
-            </a:p>
-          </p:txBody>
-        </p:sp>
-      </p:grpSp>
       <p:sp>
         <p:nvSpPr>
           <p:cNvPr id="12" name="Shape 91"/>
@@ -10136,13 +9129,8 @@
             </a:pPr>
             <a:r>
               <a:rPr lang="en-IN" sz="1050" dirty="0"/>
-              <a:t>IT enable the hospitals – establish network, hardware including bio-metric </a:t>
-            </a:r>
-            <a:r>
-              <a:rPr lang="en-IN" sz="1050" dirty="0" smtClean="0"/>
-              <a:t>module</a:t>
-            </a:r>
-            <a:endParaRPr lang="en-IN" sz="1050" dirty="0"/>
+              <a:t>IT enable the hospitals – establish network, hardware including bio-metric module</a:t>
+            </a:r>
           </a:p>
           <a:p>
             <a:pPr marL="171450" indent="-171450">
@@ -10289,15 +9277,15 @@
               <a:buChar char="•"/>
             </a:pPr>
             <a:r>
-              <a:rPr lang="en-IN" sz="1050" dirty="0" smtClean="0"/>
+              <a:rPr lang="en-IN" sz="1050" dirty="0"/>
               <a:t>People with internet access can avail the services </a:t>
             </a:r>
             <a:r>
-              <a:rPr lang="en-IN" sz="1050" b="1" dirty="0" smtClean="0"/>
+              <a:rPr lang="en-IN" sz="1050" b="1" dirty="0"/>
               <a:t>using web application</a:t>
             </a:r>
             <a:r>
-              <a:rPr lang="en-IN" sz="1050" dirty="0" smtClean="0"/>
+              <a:rPr lang="en-IN" sz="1050" dirty="0"/>
               <a:t>.</a:t>
             </a:r>
           </a:p>
@@ -10307,25 +9295,21 @@
               <a:buChar char="•"/>
             </a:pPr>
             <a:r>
-              <a:rPr lang="en-IN" sz="1050" dirty="0" smtClean="0"/>
+              <a:rPr lang="en-IN" sz="1050" dirty="0"/>
               <a:t>People without internet access can visit the nearby hospital and avail the service</a:t>
             </a:r>
           </a:p>
           <a:p>
             <a:r>
               <a:rPr lang="en-IN" sz="1050" dirty="0"/>
-              <a:t> </a:t>
-            </a:r>
-            <a:r>
-              <a:rPr lang="en-IN" sz="1050" dirty="0" smtClean="0"/>
-              <a:t>    (</a:t>
-            </a:r>
-            <a:r>
-              <a:rPr lang="en-IN" sz="1050" b="1" dirty="0" smtClean="0"/>
+              <a:t>     (</a:t>
+            </a:r>
+            <a:r>
+              <a:rPr lang="en-IN" sz="1050" b="1" dirty="0"/>
               <a:t>using bio-metric authentication</a:t>
             </a:r>
             <a:r>
-              <a:rPr lang="en-IN" sz="1050" dirty="0" smtClean="0"/>
+              <a:rPr lang="en-IN" sz="1050" dirty="0"/>
               <a:t>).</a:t>
             </a:r>
           </a:p>
@@ -10335,12 +9319,8 @@
               <a:buChar char="•"/>
             </a:pPr>
             <a:r>
-              <a:rPr lang="en-IN" sz="1050" dirty="0" smtClean="0"/>
-              <a:t>For </a:t>
-            </a:r>
-            <a:r>
               <a:rPr lang="en-IN" sz="1050" dirty="0"/>
-              <a:t>hospitals, shifting from their </a:t>
+              <a:t>For hospitals, shifting from their </a:t>
             </a:r>
             <a:r>
               <a:rPr lang="en-IN" sz="1050" b="1" dirty="0"/>
@@ -10377,7 +9357,7 @@
               <a:t>highly beneficial</a:t>
             </a:r>
             <a:r>
-              <a:rPr lang="en-IN" sz="1050" dirty="0" smtClean="0"/>
+              <a:rPr lang="en-IN" sz="1050" dirty="0"/>
               <a:t>.</a:t>
             </a:r>
           </a:p>
@@ -10387,35 +9367,35 @@
               <a:buChar char="•"/>
             </a:pPr>
             <a:r>
-              <a:rPr lang="en-IN" sz="1050" b="1" dirty="0" smtClean="0"/>
+              <a:rPr lang="en-IN" sz="1050" b="1" dirty="0"/>
               <a:t>Partnership</a:t>
             </a:r>
             <a:r>
-              <a:rPr lang="en-IN" sz="1050" dirty="0" smtClean="0"/>
+              <a:rPr lang="en-IN" sz="1050" dirty="0"/>
               <a:t> with </a:t>
             </a:r>
             <a:r>
-              <a:rPr lang="en-IN" sz="1050" b="1" dirty="0" smtClean="0"/>
+              <a:rPr lang="en-IN" sz="1050" b="1" dirty="0"/>
               <a:t>MNCs</a:t>
             </a:r>
             <a:r>
-              <a:rPr lang="en-IN" sz="1050" dirty="0" smtClean="0"/>
+              <a:rPr lang="en-IN" sz="1050" dirty="0"/>
               <a:t> for large scale </a:t>
             </a:r>
             <a:r>
-              <a:rPr lang="en-IN" sz="1050" b="1" dirty="0" smtClean="0"/>
+              <a:rPr lang="en-IN" sz="1050" b="1" dirty="0"/>
               <a:t>deployment</a:t>
             </a:r>
             <a:r>
-              <a:rPr lang="en-IN" sz="1050" dirty="0" smtClean="0"/>
+              <a:rPr lang="en-IN" sz="1050" dirty="0"/>
               <a:t> of software as well as </a:t>
             </a:r>
             <a:r>
-              <a:rPr lang="en-IN" sz="1050" b="1" dirty="0" smtClean="0"/>
+              <a:rPr lang="en-IN" sz="1050" b="1" dirty="0"/>
               <a:t>training</a:t>
             </a:r>
             <a:r>
-              <a:rPr lang="en-IN" sz="1050" dirty="0" smtClean="0"/>
+              <a:rPr lang="en-IN" sz="1050" dirty="0"/>
               <a:t>.</a:t>
             </a:r>
           </a:p>
@@ -10560,7 +9540,7 @@
           <p:cNvPr id="4" name="Rectangle: Rounded Corners 3">
             <a:extLst>
               <a:ext uri="{FF2B5EF4-FFF2-40B4-BE49-F238E27FC236}">
-                <a16:creationId xmlns:a16="http://schemas.microsoft.com/office/drawing/2014/main" xmlns="" id="{843BD0C3-32D7-46FB-B2BD-05506C6ED87A}"/>
+                <a16:creationId xmlns:a16="http://schemas.microsoft.com/office/drawing/2014/main" id="{843BD0C3-32D7-46FB-B2BD-05506C6ED87A}"/>
               </a:ext>
             </a:extLst>
           </p:cNvPr>
@@ -10612,7 +9592,7 @@
           <p:cNvPr id="10" name="Picture 9">
             <a:extLst>
               <a:ext uri="{FF2B5EF4-FFF2-40B4-BE49-F238E27FC236}">
-                <a16:creationId xmlns:a16="http://schemas.microsoft.com/office/drawing/2014/main" xmlns="" id="{5607A744-FFC0-4290-81AB-03FCE9C35937}"/>
+                <a16:creationId xmlns:a16="http://schemas.microsoft.com/office/drawing/2014/main" id="{5607A744-FFC0-4290-81AB-03FCE9C35937}"/>
               </a:ext>
             </a:extLst>
           </p:cNvPr>
@@ -10642,7 +9622,7 @@
           <p:cNvPr id="12" name="Picture 11">
             <a:extLst>
               <a:ext uri="{FF2B5EF4-FFF2-40B4-BE49-F238E27FC236}">
-                <a16:creationId xmlns:a16="http://schemas.microsoft.com/office/drawing/2014/main" xmlns="" id="{28BA34AB-C9D2-49FF-992D-B36AB0C11195}"/>
+                <a16:creationId xmlns:a16="http://schemas.microsoft.com/office/drawing/2014/main" id="{28BA34AB-C9D2-49FF-992D-B36AB0C11195}"/>
               </a:ext>
             </a:extLst>
           </p:cNvPr>
@@ -10672,7 +9652,7 @@
           <p:cNvPr id="15" name="Rectangle 14">
             <a:extLst>
               <a:ext uri="{FF2B5EF4-FFF2-40B4-BE49-F238E27FC236}">
-                <a16:creationId xmlns:a16="http://schemas.microsoft.com/office/drawing/2014/main" xmlns="" id="{AFC5DBF7-20C9-4692-ABC4-95D74DC8D8A6}"/>
+                <a16:creationId xmlns:a16="http://schemas.microsoft.com/office/drawing/2014/main" id="{AFC5DBF7-20C9-4692-ABC4-95D74DC8D8A6}"/>
               </a:ext>
             </a:extLst>
           </p:cNvPr>
@@ -10723,7 +9703,7 @@
           <p:cNvPr id="16" name="TextBox 15">
             <a:extLst>
               <a:ext uri="{FF2B5EF4-FFF2-40B4-BE49-F238E27FC236}">
-                <a16:creationId xmlns:a16="http://schemas.microsoft.com/office/drawing/2014/main" xmlns="" id="{023A6BF3-5E79-46E6-8082-BC7D49BFE591}"/>
+                <a16:creationId xmlns:a16="http://schemas.microsoft.com/office/drawing/2014/main" id="{023A6BF3-5E79-46E6-8082-BC7D49BFE591}"/>
               </a:ext>
             </a:extLst>
           </p:cNvPr>
@@ -10761,7 +9741,7 @@
           <p:cNvPr id="17" name="TextBox 16">
             <a:extLst>
               <a:ext uri="{FF2B5EF4-FFF2-40B4-BE49-F238E27FC236}">
-                <a16:creationId xmlns:a16="http://schemas.microsoft.com/office/drawing/2014/main" xmlns="" id="{EED3F5BE-FBC4-4052-B8A3-C98434F32CBB}"/>
+                <a16:creationId xmlns:a16="http://schemas.microsoft.com/office/drawing/2014/main" id="{EED3F5BE-FBC4-4052-B8A3-C98434F32CBB}"/>
               </a:ext>
             </a:extLst>
           </p:cNvPr>
@@ -10830,7 +9810,7 @@
           <p:cNvPr id="18" name="Rectangle 17">
             <a:extLst>
               <a:ext uri="{FF2B5EF4-FFF2-40B4-BE49-F238E27FC236}">
-                <a16:creationId xmlns:a16="http://schemas.microsoft.com/office/drawing/2014/main" xmlns="" id="{0492E675-102A-4C23-A99A-9054E8235FD0}"/>
+                <a16:creationId xmlns:a16="http://schemas.microsoft.com/office/drawing/2014/main" id="{0492E675-102A-4C23-A99A-9054E8235FD0}"/>
               </a:ext>
             </a:extLst>
           </p:cNvPr>
@@ -10884,7 +9864,7 @@
           <p:cNvPr id="22" name="Rectangle 21">
             <a:extLst>
               <a:ext uri="{FF2B5EF4-FFF2-40B4-BE49-F238E27FC236}">
-                <a16:creationId xmlns:a16="http://schemas.microsoft.com/office/drawing/2014/main" xmlns="" id="{D0F90942-A638-4814-881A-6FD114E7B509}"/>
+                <a16:creationId xmlns:a16="http://schemas.microsoft.com/office/drawing/2014/main" id="{D0F90942-A638-4814-881A-6FD114E7B509}"/>
               </a:ext>
             </a:extLst>
           </p:cNvPr>
@@ -10938,7 +9918,7 @@
           <p:cNvPr id="25" name="Rectangle 24">
             <a:extLst>
               <a:ext uri="{FF2B5EF4-FFF2-40B4-BE49-F238E27FC236}">
-                <a16:creationId xmlns:a16="http://schemas.microsoft.com/office/drawing/2014/main" xmlns="" id="{154057BD-2E1A-4B33-A862-1EA3D6EF58C5}"/>
+                <a16:creationId xmlns:a16="http://schemas.microsoft.com/office/drawing/2014/main" id="{154057BD-2E1A-4B33-A862-1EA3D6EF58C5}"/>
               </a:ext>
             </a:extLst>
           </p:cNvPr>
@@ -11000,7 +9980,7 @@
           <p:cNvPr id="26" name="Rectangle 25">
             <a:extLst>
               <a:ext uri="{FF2B5EF4-FFF2-40B4-BE49-F238E27FC236}">
-                <a16:creationId xmlns:a16="http://schemas.microsoft.com/office/drawing/2014/main" xmlns="" id="{BA57485B-FA09-4FC5-82CB-05FDB2129EEB}"/>
+                <a16:creationId xmlns:a16="http://schemas.microsoft.com/office/drawing/2014/main" id="{BA57485B-FA09-4FC5-82CB-05FDB2129EEB}"/>
               </a:ext>
             </a:extLst>
           </p:cNvPr>
@@ -11062,7 +10042,7 @@
           <p:cNvPr id="27" name="Rectangle 26">
             <a:extLst>
               <a:ext uri="{FF2B5EF4-FFF2-40B4-BE49-F238E27FC236}">
-                <a16:creationId xmlns:a16="http://schemas.microsoft.com/office/drawing/2014/main" xmlns="" id="{C59EFCD6-8E4F-4E95-9E3C-470238F3D3B8}"/>
+                <a16:creationId xmlns:a16="http://schemas.microsoft.com/office/drawing/2014/main" id="{C59EFCD6-8E4F-4E95-9E3C-470238F3D3B8}"/>
               </a:ext>
             </a:extLst>
           </p:cNvPr>
@@ -11124,7 +10104,7 @@
           <p:cNvPr id="28" name="Rectangle 27">
             <a:extLst>
               <a:ext uri="{FF2B5EF4-FFF2-40B4-BE49-F238E27FC236}">
-                <a16:creationId xmlns:a16="http://schemas.microsoft.com/office/drawing/2014/main" xmlns="" id="{0CD1F687-ED89-46F6-B285-627337E61F1F}"/>
+                <a16:creationId xmlns:a16="http://schemas.microsoft.com/office/drawing/2014/main" id="{0CD1F687-ED89-46F6-B285-627337E61F1F}"/>
               </a:ext>
             </a:extLst>
           </p:cNvPr>
@@ -11186,7 +10166,7 @@
           <p:cNvPr id="29" name="Rectangle 28">
             <a:extLst>
               <a:ext uri="{FF2B5EF4-FFF2-40B4-BE49-F238E27FC236}">
-                <a16:creationId xmlns:a16="http://schemas.microsoft.com/office/drawing/2014/main" xmlns="" id="{4050DBEE-3D9A-422E-8D5D-6333921F2156}"/>
+                <a16:creationId xmlns:a16="http://schemas.microsoft.com/office/drawing/2014/main" id="{4050DBEE-3D9A-422E-8D5D-6333921F2156}"/>
               </a:ext>
             </a:extLst>
           </p:cNvPr>
@@ -11248,7 +10228,7 @@
           <p:cNvPr id="30" name="Rectangle 29">
             <a:extLst>
               <a:ext uri="{FF2B5EF4-FFF2-40B4-BE49-F238E27FC236}">
-                <a16:creationId xmlns:a16="http://schemas.microsoft.com/office/drawing/2014/main" xmlns="" id="{769F5C51-049B-4184-A473-DEA47407D812}"/>
+                <a16:creationId xmlns:a16="http://schemas.microsoft.com/office/drawing/2014/main" id="{769F5C51-049B-4184-A473-DEA47407D812}"/>
               </a:ext>
             </a:extLst>
           </p:cNvPr>
@@ -11310,7 +10290,7 @@
           <p:cNvPr id="24" name="Straight Arrow Connector 23">
             <a:extLst>
               <a:ext uri="{FF2B5EF4-FFF2-40B4-BE49-F238E27FC236}">
-                <a16:creationId xmlns:a16="http://schemas.microsoft.com/office/drawing/2014/main" xmlns="" id="{087D2D5E-80D5-4472-B184-E924AF4AEAFC}"/>
+                <a16:creationId xmlns:a16="http://schemas.microsoft.com/office/drawing/2014/main" id="{087D2D5E-80D5-4472-B184-E924AF4AEAFC}"/>
               </a:ext>
             </a:extLst>
           </p:cNvPr>
@@ -11355,7 +10335,7 @@
           <p:cNvPr id="97" name="Straight Arrow Connector 96">
             <a:extLst>
               <a:ext uri="{FF2B5EF4-FFF2-40B4-BE49-F238E27FC236}">
-                <a16:creationId xmlns:a16="http://schemas.microsoft.com/office/drawing/2014/main" xmlns="" id="{A2E3D67A-2862-446F-99DF-032FE55BDEBF}"/>
+                <a16:creationId xmlns:a16="http://schemas.microsoft.com/office/drawing/2014/main" id="{A2E3D67A-2862-446F-99DF-032FE55BDEBF}"/>
               </a:ext>
             </a:extLst>
           </p:cNvPr>
@@ -11397,7 +10377,7 @@
           <p:cNvPr id="101" name="Straight Connector 100">
             <a:extLst>
               <a:ext uri="{FF2B5EF4-FFF2-40B4-BE49-F238E27FC236}">
-                <a16:creationId xmlns:a16="http://schemas.microsoft.com/office/drawing/2014/main" xmlns="" id="{E1AD6D70-9486-49D0-B1DA-E3C03AFB6FAD}"/>
+                <a16:creationId xmlns:a16="http://schemas.microsoft.com/office/drawing/2014/main" id="{E1AD6D70-9486-49D0-B1DA-E3C03AFB6FAD}"/>
               </a:ext>
             </a:extLst>
           </p:cNvPr>
@@ -11438,7 +10418,7 @@
           <p:cNvPr id="40" name="Straight Arrow Connector 39">
             <a:extLst>
               <a:ext uri="{FF2B5EF4-FFF2-40B4-BE49-F238E27FC236}">
-                <a16:creationId xmlns:a16="http://schemas.microsoft.com/office/drawing/2014/main" xmlns="" id="{5CD1DF49-69F0-43C0-8BF1-A969BECDB581}"/>
+                <a16:creationId xmlns:a16="http://schemas.microsoft.com/office/drawing/2014/main" id="{5CD1DF49-69F0-43C0-8BF1-A969BECDB581}"/>
               </a:ext>
             </a:extLst>
           </p:cNvPr>
@@ -11483,7 +10463,7 @@
           <p:cNvPr id="42" name="Straight Arrow Connector 41">
             <a:extLst>
               <a:ext uri="{FF2B5EF4-FFF2-40B4-BE49-F238E27FC236}">
-                <a16:creationId xmlns:a16="http://schemas.microsoft.com/office/drawing/2014/main" xmlns="" id="{44FEE1DE-8467-4988-9641-7B5464BB4427}"/>
+                <a16:creationId xmlns:a16="http://schemas.microsoft.com/office/drawing/2014/main" id="{44FEE1DE-8467-4988-9641-7B5464BB4427}"/>
               </a:ext>
             </a:extLst>
           </p:cNvPr>
@@ -11525,7 +10505,7 @@
           <p:cNvPr id="44" name="Straight Connector 43">
             <a:extLst>
               <a:ext uri="{FF2B5EF4-FFF2-40B4-BE49-F238E27FC236}">
-                <a16:creationId xmlns:a16="http://schemas.microsoft.com/office/drawing/2014/main" xmlns="" id="{EE12C0D9-A933-4739-945C-7C5F34FCCB44}"/>
+                <a16:creationId xmlns:a16="http://schemas.microsoft.com/office/drawing/2014/main" id="{EE12C0D9-A933-4739-945C-7C5F34FCCB44}"/>
               </a:ext>
             </a:extLst>
           </p:cNvPr>
@@ -11568,7 +10548,7 @@
           <p:cNvPr id="50" name="Straight Arrow Connector 49">
             <a:extLst>
               <a:ext uri="{FF2B5EF4-FFF2-40B4-BE49-F238E27FC236}">
-                <a16:creationId xmlns:a16="http://schemas.microsoft.com/office/drawing/2014/main" xmlns="" id="{864D4508-0004-4946-BA02-3CFECBED4007}"/>
+                <a16:creationId xmlns:a16="http://schemas.microsoft.com/office/drawing/2014/main" id="{864D4508-0004-4946-BA02-3CFECBED4007}"/>
               </a:ext>
             </a:extLst>
           </p:cNvPr>
@@ -11612,7 +10592,7 @@
           <p:cNvPr id="55" name="Rectangle 54">
             <a:extLst>
               <a:ext uri="{FF2B5EF4-FFF2-40B4-BE49-F238E27FC236}">
-                <a16:creationId xmlns:a16="http://schemas.microsoft.com/office/drawing/2014/main" xmlns="" id="{48B45BCD-4358-4A27-A201-9C8C2C57A847}"/>
+                <a16:creationId xmlns:a16="http://schemas.microsoft.com/office/drawing/2014/main" id="{48B45BCD-4358-4A27-A201-9C8C2C57A847}"/>
               </a:ext>
             </a:extLst>
           </p:cNvPr>
@@ -11666,7 +10646,7 @@
           <p:cNvPr id="56" name="Rectangle 55">
             <a:extLst>
               <a:ext uri="{FF2B5EF4-FFF2-40B4-BE49-F238E27FC236}">
-                <a16:creationId xmlns:a16="http://schemas.microsoft.com/office/drawing/2014/main" xmlns="" id="{7AC6E2A8-CF90-4A56-8231-0F44756D7E0E}"/>
+                <a16:creationId xmlns:a16="http://schemas.microsoft.com/office/drawing/2014/main" id="{7AC6E2A8-CF90-4A56-8231-0F44756D7E0E}"/>
               </a:ext>
             </a:extLst>
           </p:cNvPr>
@@ -11720,7 +10700,7 @@
           <p:cNvPr id="57" name="Rectangle 56">
             <a:extLst>
               <a:ext uri="{FF2B5EF4-FFF2-40B4-BE49-F238E27FC236}">
-                <a16:creationId xmlns:a16="http://schemas.microsoft.com/office/drawing/2014/main" xmlns="" id="{AAB3C0DD-DE9D-4FE3-950D-B4A854CCDAF7}"/>
+                <a16:creationId xmlns:a16="http://schemas.microsoft.com/office/drawing/2014/main" id="{AAB3C0DD-DE9D-4FE3-950D-B4A854CCDAF7}"/>
               </a:ext>
             </a:extLst>
           </p:cNvPr>
@@ -11782,7 +10762,7 @@
           <p:cNvPr id="58" name="Rectangle 57">
             <a:extLst>
               <a:ext uri="{FF2B5EF4-FFF2-40B4-BE49-F238E27FC236}">
-                <a16:creationId xmlns:a16="http://schemas.microsoft.com/office/drawing/2014/main" xmlns="" id="{38193A52-B7AC-4BEF-89DC-F578D16C79BE}"/>
+                <a16:creationId xmlns:a16="http://schemas.microsoft.com/office/drawing/2014/main" id="{38193A52-B7AC-4BEF-89DC-F578D16C79BE}"/>
               </a:ext>
             </a:extLst>
           </p:cNvPr>
@@ -11856,7 +10836,7 @@
           <p:cNvPr id="59" name="Picture 42">
             <a:extLst>
               <a:ext uri="{FF2B5EF4-FFF2-40B4-BE49-F238E27FC236}">
-                <a16:creationId xmlns:a16="http://schemas.microsoft.com/office/drawing/2014/main" xmlns="" id="{2F844B0C-CB90-498F-99F2-41A6C6AA21FE}"/>
+                <a16:creationId xmlns:a16="http://schemas.microsoft.com/office/drawing/2014/main" id="{2F844B0C-CB90-498F-99F2-41A6C6AA21FE}"/>
               </a:ext>
             </a:extLst>
           </p:cNvPr>
@@ -11916,7 +10896,7 @@
           <p:cNvPr id="112" name="Picture 111">
             <a:extLst>
               <a:ext uri="{FF2B5EF4-FFF2-40B4-BE49-F238E27FC236}">
-                <a16:creationId xmlns:a16="http://schemas.microsoft.com/office/drawing/2014/main" xmlns="" id="{3554E3BA-44EA-4384-A6BC-6BAEA92A7315}"/>
+                <a16:creationId xmlns:a16="http://schemas.microsoft.com/office/drawing/2014/main" id="{3554E3BA-44EA-4384-A6BC-6BAEA92A7315}"/>
               </a:ext>
             </a:extLst>
           </p:cNvPr>
@@ -11946,7 +10926,7 @@
           <p:cNvPr id="64" name="Rectangle 63">
             <a:extLst>
               <a:ext uri="{FF2B5EF4-FFF2-40B4-BE49-F238E27FC236}">
-                <a16:creationId xmlns:a16="http://schemas.microsoft.com/office/drawing/2014/main" xmlns="" id="{026A8523-BD90-4E59-9735-AF2B4DD3E265}"/>
+                <a16:creationId xmlns:a16="http://schemas.microsoft.com/office/drawing/2014/main" id="{026A8523-BD90-4E59-9735-AF2B4DD3E265}"/>
               </a:ext>
             </a:extLst>
           </p:cNvPr>
@@ -12000,7 +10980,7 @@
           <p:cNvPr id="66" name="Rectangle 65">
             <a:extLst>
               <a:ext uri="{FF2B5EF4-FFF2-40B4-BE49-F238E27FC236}">
-                <a16:creationId xmlns:a16="http://schemas.microsoft.com/office/drawing/2014/main" xmlns="" id="{2AD70DEF-8638-4ACB-BF8A-B86A41A3423D}"/>
+                <a16:creationId xmlns:a16="http://schemas.microsoft.com/office/drawing/2014/main" id="{2AD70DEF-8638-4ACB-BF8A-B86A41A3423D}"/>
               </a:ext>
             </a:extLst>
           </p:cNvPr>
@@ -12062,7 +11042,7 @@
           <p:cNvPr id="116" name="Picture 115">
             <a:extLst>
               <a:ext uri="{FF2B5EF4-FFF2-40B4-BE49-F238E27FC236}">
-                <a16:creationId xmlns:a16="http://schemas.microsoft.com/office/drawing/2014/main" xmlns="" id="{B1C8D4B3-5CA5-4ECE-84DD-E4907926740A}"/>
+                <a16:creationId xmlns:a16="http://schemas.microsoft.com/office/drawing/2014/main" id="{B1C8D4B3-5CA5-4ECE-84DD-E4907926740A}"/>
               </a:ext>
             </a:extLst>
           </p:cNvPr>
@@ -12092,7 +11072,7 @@
           <p:cNvPr id="72" name="Rectangle 71">
             <a:extLst>
               <a:ext uri="{FF2B5EF4-FFF2-40B4-BE49-F238E27FC236}">
-                <a16:creationId xmlns:a16="http://schemas.microsoft.com/office/drawing/2014/main" xmlns="" id="{01B320DF-E6AB-4F7E-B0FD-3618D5A6A14F}"/>
+                <a16:creationId xmlns:a16="http://schemas.microsoft.com/office/drawing/2014/main" id="{01B320DF-E6AB-4F7E-B0FD-3618D5A6A14F}"/>
               </a:ext>
             </a:extLst>
           </p:cNvPr>
@@ -12152,7 +11132,7 @@
           <p:cNvPr id="118" name="Arrow: Up-Down 117">
             <a:extLst>
               <a:ext uri="{FF2B5EF4-FFF2-40B4-BE49-F238E27FC236}">
-                <a16:creationId xmlns:a16="http://schemas.microsoft.com/office/drawing/2014/main" xmlns="" id="{F25F6E6C-E50C-4C32-86A1-42F75BD07901}"/>
+                <a16:creationId xmlns:a16="http://schemas.microsoft.com/office/drawing/2014/main" id="{F25F6E6C-E50C-4C32-86A1-42F75BD07901}"/>
               </a:ext>
             </a:extLst>
           </p:cNvPr>
@@ -12198,7 +11178,7 @@
           <p:cNvPr id="74" name="Arrow: Up-Down 73">
             <a:extLst>
               <a:ext uri="{FF2B5EF4-FFF2-40B4-BE49-F238E27FC236}">
-                <a16:creationId xmlns:a16="http://schemas.microsoft.com/office/drawing/2014/main" xmlns="" id="{3A769608-CEE7-43E4-BB41-0AA36412BCCE}"/>
+                <a16:creationId xmlns:a16="http://schemas.microsoft.com/office/drawing/2014/main" id="{3A769608-CEE7-43E4-BB41-0AA36412BCCE}"/>
               </a:ext>
             </a:extLst>
           </p:cNvPr>
@@ -12244,7 +11224,7 @@
           <p:cNvPr id="75" name="Arrow: Up-Down 74">
             <a:extLst>
               <a:ext uri="{FF2B5EF4-FFF2-40B4-BE49-F238E27FC236}">
-                <a16:creationId xmlns:a16="http://schemas.microsoft.com/office/drawing/2014/main" xmlns="" id="{0C44AF41-EEB6-44F4-8E16-05F60219BD87}"/>
+                <a16:creationId xmlns:a16="http://schemas.microsoft.com/office/drawing/2014/main" id="{0C44AF41-EEB6-44F4-8E16-05F60219BD87}"/>
               </a:ext>
             </a:extLst>
           </p:cNvPr>
@@ -12290,7 +11270,7 @@
           <p:cNvPr id="76" name="Arrow: Up-Down 75">
             <a:extLst>
               <a:ext uri="{FF2B5EF4-FFF2-40B4-BE49-F238E27FC236}">
-                <a16:creationId xmlns:a16="http://schemas.microsoft.com/office/drawing/2014/main" xmlns="" id="{FC51E6FE-D368-4B28-8661-798B762CCB75}"/>
+                <a16:creationId xmlns:a16="http://schemas.microsoft.com/office/drawing/2014/main" id="{FC51E6FE-D368-4B28-8661-798B762CCB75}"/>
               </a:ext>
             </a:extLst>
           </p:cNvPr>
@@ -12336,7 +11316,7 @@
           <p:cNvPr id="120" name="Picture 119">
             <a:extLst>
               <a:ext uri="{FF2B5EF4-FFF2-40B4-BE49-F238E27FC236}">
-                <a16:creationId xmlns:a16="http://schemas.microsoft.com/office/drawing/2014/main" xmlns="" id="{CCA75F24-AF7B-434D-A086-B7BB355744DF}"/>
+                <a16:creationId xmlns:a16="http://schemas.microsoft.com/office/drawing/2014/main" id="{CCA75F24-AF7B-434D-A086-B7BB355744DF}"/>
               </a:ext>
             </a:extLst>
           </p:cNvPr>
@@ -12366,7 +11346,7 @@
           <p:cNvPr id="79" name="Picture 50">
             <a:extLst>
               <a:ext uri="{FF2B5EF4-FFF2-40B4-BE49-F238E27FC236}">
-                <a16:creationId xmlns:a16="http://schemas.microsoft.com/office/drawing/2014/main" xmlns="" id="{0A4AA348-544D-4A99-933D-85AF7F4035E9}"/>
+                <a16:creationId xmlns:a16="http://schemas.microsoft.com/office/drawing/2014/main" id="{0A4AA348-544D-4A99-933D-85AF7F4035E9}"/>
               </a:ext>
             </a:extLst>
           </p:cNvPr>
@@ -12426,7 +11406,7 @@
           <p:cNvPr id="122" name="Picture 121">
             <a:extLst>
               <a:ext uri="{FF2B5EF4-FFF2-40B4-BE49-F238E27FC236}">
-                <a16:creationId xmlns:a16="http://schemas.microsoft.com/office/drawing/2014/main" xmlns="" id="{EEBE87C7-8F9C-42B5-A8B0-FE8340D5F6F6}"/>
+                <a16:creationId xmlns:a16="http://schemas.microsoft.com/office/drawing/2014/main" id="{EEBE87C7-8F9C-42B5-A8B0-FE8340D5F6F6}"/>
               </a:ext>
             </a:extLst>
           </p:cNvPr>
@@ -12456,7 +11436,7 @@
           <p:cNvPr id="124" name="Picture 123">
             <a:extLst>
               <a:ext uri="{FF2B5EF4-FFF2-40B4-BE49-F238E27FC236}">
-                <a16:creationId xmlns:a16="http://schemas.microsoft.com/office/drawing/2014/main" xmlns="" id="{18678D47-7F89-417D-8364-D478D7CED8DB}"/>
+                <a16:creationId xmlns:a16="http://schemas.microsoft.com/office/drawing/2014/main" id="{18678D47-7F89-417D-8364-D478D7CED8DB}"/>
               </a:ext>
             </a:extLst>
           </p:cNvPr>
@@ -12486,7 +11466,7 @@
           <p:cNvPr id="84" name="Picture 83">
             <a:extLst>
               <a:ext uri="{FF2B5EF4-FFF2-40B4-BE49-F238E27FC236}">
-                <a16:creationId xmlns:a16="http://schemas.microsoft.com/office/drawing/2014/main" xmlns="" id="{63BA7092-1D0B-4CDC-9783-89C21CF79E81}"/>
+                <a16:creationId xmlns:a16="http://schemas.microsoft.com/office/drawing/2014/main" id="{63BA7092-1D0B-4CDC-9783-89C21CF79E81}"/>
               </a:ext>
             </a:extLst>
           </p:cNvPr>
@@ -12516,7 +11496,7 @@
           <p:cNvPr id="127" name="TextBox 126">
             <a:extLst>
               <a:ext uri="{FF2B5EF4-FFF2-40B4-BE49-F238E27FC236}">
-                <a16:creationId xmlns:a16="http://schemas.microsoft.com/office/drawing/2014/main" xmlns="" id="{981518DD-AEFF-45B7-8057-DA0E6A9B47C3}"/>
+                <a16:creationId xmlns:a16="http://schemas.microsoft.com/office/drawing/2014/main" id="{981518DD-AEFF-45B7-8057-DA0E6A9B47C3}"/>
               </a:ext>
             </a:extLst>
           </p:cNvPr>
@@ -12554,7 +11534,7 @@
           <p:cNvPr id="88" name="TextBox 87">
             <a:extLst>
               <a:ext uri="{FF2B5EF4-FFF2-40B4-BE49-F238E27FC236}">
-                <a16:creationId xmlns:a16="http://schemas.microsoft.com/office/drawing/2014/main" xmlns="" id="{F00DA144-301C-4694-8642-5D3A8966255E}"/>
+                <a16:creationId xmlns:a16="http://schemas.microsoft.com/office/drawing/2014/main" id="{F00DA144-301C-4694-8642-5D3A8966255E}"/>
               </a:ext>
             </a:extLst>
           </p:cNvPr>
@@ -12592,7 +11572,7 @@
           <p:cNvPr id="89" name="TextBox 88">
             <a:extLst>
               <a:ext uri="{FF2B5EF4-FFF2-40B4-BE49-F238E27FC236}">
-                <a16:creationId xmlns:a16="http://schemas.microsoft.com/office/drawing/2014/main" xmlns="" id="{D46B7FE0-A4F5-4CCF-ABEC-726AB1EA4193}"/>
+                <a16:creationId xmlns:a16="http://schemas.microsoft.com/office/drawing/2014/main" id="{D46B7FE0-A4F5-4CCF-ABEC-726AB1EA4193}"/>
               </a:ext>
             </a:extLst>
           </p:cNvPr>
@@ -12630,7 +11610,7 @@
           <p:cNvPr id="32" name="Arrow: Left 31">
             <a:extLst>
               <a:ext uri="{FF2B5EF4-FFF2-40B4-BE49-F238E27FC236}">
-                <a16:creationId xmlns:a16="http://schemas.microsoft.com/office/drawing/2014/main" xmlns="" id="{DDEAB656-485B-4BC9-B75B-6FB9CFAABCBF}"/>
+                <a16:creationId xmlns:a16="http://schemas.microsoft.com/office/drawing/2014/main" id="{DDEAB656-485B-4BC9-B75B-6FB9CFAABCBF}"/>
               </a:ext>
             </a:extLst>
           </p:cNvPr>
@@ -12676,7 +11656,7 @@
           <p:cNvPr id="33" name="Arrow: Right 32">
             <a:extLst>
               <a:ext uri="{FF2B5EF4-FFF2-40B4-BE49-F238E27FC236}">
-                <a16:creationId xmlns:a16="http://schemas.microsoft.com/office/drawing/2014/main" xmlns="" id="{1750CCE7-C1AB-4B99-90EC-12BE38429399}"/>
+                <a16:creationId xmlns:a16="http://schemas.microsoft.com/office/drawing/2014/main" id="{1750CCE7-C1AB-4B99-90EC-12BE38429399}"/>
               </a:ext>
             </a:extLst>
           </p:cNvPr>
@@ -12722,7 +11702,7 @@
           <p:cNvPr id="39" name="Arrow: Right 38">
             <a:extLst>
               <a:ext uri="{FF2B5EF4-FFF2-40B4-BE49-F238E27FC236}">
-                <a16:creationId xmlns:a16="http://schemas.microsoft.com/office/drawing/2014/main" xmlns="" id="{75E98987-F062-4A77-B0D7-DF1697A0E167}"/>
+                <a16:creationId xmlns:a16="http://schemas.microsoft.com/office/drawing/2014/main" id="{75E98987-F062-4A77-B0D7-DF1697A0E167}"/>
               </a:ext>
             </a:extLst>
           </p:cNvPr>
@@ -12768,7 +11748,7 @@
           <p:cNvPr id="128" name="Arrow: Right 127">
             <a:extLst>
               <a:ext uri="{FF2B5EF4-FFF2-40B4-BE49-F238E27FC236}">
-                <a16:creationId xmlns:a16="http://schemas.microsoft.com/office/drawing/2014/main" xmlns="" id="{4F61E5B2-0F22-4CF9-962A-8AF8369EA0A4}"/>
+                <a16:creationId xmlns:a16="http://schemas.microsoft.com/office/drawing/2014/main" id="{4F61E5B2-0F22-4CF9-962A-8AF8369EA0A4}"/>
               </a:ext>
             </a:extLst>
           </p:cNvPr>
@@ -12814,7 +11794,7 @@
           <p:cNvPr id="130" name="Arrow: Right 129">
             <a:extLst>
               <a:ext uri="{FF2B5EF4-FFF2-40B4-BE49-F238E27FC236}">
-                <a16:creationId xmlns:a16="http://schemas.microsoft.com/office/drawing/2014/main" xmlns="" id="{101BB2C6-0A70-4200-A5E9-40341C9AB832}"/>
+                <a16:creationId xmlns:a16="http://schemas.microsoft.com/office/drawing/2014/main" id="{101BB2C6-0A70-4200-A5E9-40341C9AB832}"/>
               </a:ext>
             </a:extLst>
           </p:cNvPr>
@@ -12860,7 +11840,7 @@
           <p:cNvPr id="46" name="Arrow: Left-Up 45">
             <a:extLst>
               <a:ext uri="{FF2B5EF4-FFF2-40B4-BE49-F238E27FC236}">
-                <a16:creationId xmlns:a16="http://schemas.microsoft.com/office/drawing/2014/main" xmlns="" id="{01E79B17-5381-4839-9A9C-1E3D662CBF69}"/>
+                <a16:creationId xmlns:a16="http://schemas.microsoft.com/office/drawing/2014/main" id="{01E79B17-5381-4839-9A9C-1E3D662CBF69}"/>
               </a:ext>
             </a:extLst>
           </p:cNvPr>
@@ -12910,7 +11890,7 @@
           <p:cNvPr id="136" name="Arrow: Left-Up 135">
             <a:extLst>
               <a:ext uri="{FF2B5EF4-FFF2-40B4-BE49-F238E27FC236}">
-                <a16:creationId xmlns:a16="http://schemas.microsoft.com/office/drawing/2014/main" xmlns="" id="{770A2473-F18E-4C76-941C-0F5C5F4394B5}"/>
+                <a16:creationId xmlns:a16="http://schemas.microsoft.com/office/drawing/2014/main" id="{770A2473-F18E-4C76-941C-0F5C5F4394B5}"/>
               </a:ext>
             </a:extLst>
           </p:cNvPr>
@@ -12960,7 +11940,7 @@
           <p:cNvPr id="51" name="Arrow: Bent-Up 50">
             <a:extLst>
               <a:ext uri="{FF2B5EF4-FFF2-40B4-BE49-F238E27FC236}">
-                <a16:creationId xmlns:a16="http://schemas.microsoft.com/office/drawing/2014/main" xmlns="" id="{55AB17C6-F741-451F-9CA4-5B5C1BDD9A5A}"/>
+                <a16:creationId xmlns:a16="http://schemas.microsoft.com/office/drawing/2014/main" id="{55AB17C6-F741-451F-9CA4-5B5C1BDD9A5A}"/>
               </a:ext>
             </a:extLst>
           </p:cNvPr>
@@ -13010,7 +11990,7 @@
           <p:cNvPr id="2" name="TextBox 1">
             <a:extLst>
               <a:ext uri="{FF2B5EF4-FFF2-40B4-BE49-F238E27FC236}">
-                <a16:creationId xmlns:a16="http://schemas.microsoft.com/office/drawing/2014/main" xmlns="" id="{C8CCF8C6-DAFA-4BE4-9D03-A21EEB4F4751}"/>
+                <a16:creationId xmlns:a16="http://schemas.microsoft.com/office/drawing/2014/main" id="{C8CCF8C6-DAFA-4BE4-9D03-A21EEB4F4751}"/>
               </a:ext>
             </a:extLst>
           </p:cNvPr>
@@ -13187,7 +12167,7 @@
           <a:graphicData uri="http://schemas.openxmlformats.org/presentationml/2006/ole">
             <mc:AlternateContent xmlns:mc="http://schemas.openxmlformats.org/markup-compatibility/2006">
               <mc:Choice xmlns:v="urn:schemas-microsoft-com:vml" Requires="v">
-                <p:oleObj spid="_x0000_s1027" name="Acrobat Document" r:id="rId4" imgW="6027385" imgH="4663156" progId="AcroExch.Document.11">
+                <p:oleObj spid="_x0000_s1050" name="Acrobat Document" r:id="rId4" imgW="6027385" imgH="4663156" progId="AcroExch.Document.11">
                   <p:embed/>
                 </p:oleObj>
               </mc:Choice>
@@ -13235,218 +12215,6 @@
 </p:sld>
 </file>
 
-<file path=ppt/slides/slide13.xml><?xml version="1.0" encoding="utf-8"?>
-<p:sld xmlns:a="http://schemas.openxmlformats.org/drawingml/2006/main" xmlns:r="http://schemas.openxmlformats.org/officeDocument/2006/relationships" xmlns:p="http://schemas.openxmlformats.org/presentationml/2006/main">
-  <p:cSld>
-    <p:bg>
-      <p:bgPr>
-        <a:solidFill>
-          <a:schemeClr val="accent1">
-            <a:lumMod val="75000"/>
-          </a:schemeClr>
-        </a:solidFill>
-        <a:effectLst/>
-      </p:bgPr>
-    </p:bg>
-    <p:spTree>
-      <p:nvGrpSpPr>
-        <p:cNvPr id="1" name="Shape 948"/>
-        <p:cNvGrpSpPr/>
-        <p:nvPr/>
-      </p:nvGrpSpPr>
-      <p:grpSpPr>
-        <a:xfrm>
-          <a:off x="0" y="0"/>
-          <a:ext cx="0" cy="0"/>
-          <a:chOff x="0" y="0"/>
-          <a:chExt cx="0" cy="0"/>
-        </a:xfrm>
-      </p:grpSpPr>
-      <p:sp>
-        <p:nvSpPr>
-          <p:cNvPr id="949" name="Shape 949"/>
-          <p:cNvSpPr txBox="1"/>
-          <p:nvPr/>
-        </p:nvSpPr>
-        <p:spPr>
-          <a:xfrm>
-            <a:off x="2440040" y="1955426"/>
-            <a:ext cx="4205204" cy="950739"/>
-          </a:xfrm>
-          <a:prstGeom prst="rect">
-            <a:avLst/>
-          </a:prstGeom>
-          <a:noFill/>
-          <a:ln>
-            <a:noFill/>
-          </a:ln>
-        </p:spPr>
-        <p:txBody>
-          <a:bodyPr spcFirstLastPara="1" wrap="square" lIns="91425" tIns="91425" rIns="91425" bIns="91425" anchor="t" anchorCtr="0">
-            <a:noAutofit/>
-          </a:bodyPr>
-          <a:lstStyle/>
-          <a:p>
-            <a:pPr marL="0" lvl="0" indent="0" rtl="0">
-              <a:spcBef>
-                <a:spcPts val="0"/>
-              </a:spcBef>
-              <a:spcAft>
-                <a:spcPts val="0"/>
-              </a:spcAft>
-              <a:buClr>
-                <a:schemeClr val="dk1"/>
-              </a:buClr>
-              <a:buSzPts val="1100"/>
-              <a:buFont typeface="Arial"/>
-              <a:buNone/>
-            </a:pPr>
-            <a:r>
-              <a:rPr lang="en-IN" sz="4800" b="1" dirty="0">
-                <a:solidFill>
-                  <a:srgbClr val="FFFFFF"/>
-                </a:solidFill>
-                <a:latin typeface="Nunito Sans"/>
-                <a:ea typeface="Nunito Sans"/>
-                <a:cs typeface="Nunito Sans"/>
-                <a:sym typeface="Nunito Sans"/>
-              </a:rPr>
-              <a:t>THANK YOU</a:t>
-            </a:r>
-            <a:endParaRPr sz="4800" dirty="0">
-              <a:solidFill>
-                <a:srgbClr val="FFFFFF"/>
-              </a:solidFill>
-              <a:latin typeface="Nunito Sans"/>
-              <a:ea typeface="Nunito Sans"/>
-              <a:cs typeface="Nunito Sans"/>
-              <a:sym typeface="Nunito Sans"/>
-            </a:endParaRPr>
-          </a:p>
-          <a:p>
-            <a:pPr marL="0" lvl="0" indent="0" rtl="0">
-              <a:spcBef>
-                <a:spcPts val="0"/>
-              </a:spcBef>
-              <a:spcAft>
-                <a:spcPts val="0"/>
-              </a:spcAft>
-              <a:buNone/>
-            </a:pPr>
-            <a:endParaRPr dirty="0">
-              <a:solidFill>
-                <a:srgbClr val="FFFFFF"/>
-              </a:solidFill>
-              <a:latin typeface="Nunito Sans"/>
-              <a:ea typeface="Nunito Sans"/>
-              <a:cs typeface="Nunito Sans"/>
-              <a:sym typeface="Nunito Sans"/>
-            </a:endParaRPr>
-          </a:p>
-        </p:txBody>
-      </p:sp>
-      <p:sp>
-        <p:nvSpPr>
-          <p:cNvPr id="951" name="Shape 951"/>
-          <p:cNvSpPr txBox="1"/>
-          <p:nvPr/>
-        </p:nvSpPr>
-        <p:spPr>
-          <a:xfrm>
-            <a:off x="6645244" y="1610163"/>
-            <a:ext cx="1440600" cy="1296000"/>
-          </a:xfrm>
-          <a:prstGeom prst="rect">
-            <a:avLst/>
-          </a:prstGeom>
-          <a:noFill/>
-          <a:ln>
-            <a:noFill/>
-          </a:ln>
-        </p:spPr>
-        <p:txBody>
-          <a:bodyPr spcFirstLastPara="1" wrap="square" lIns="91425" tIns="91425" rIns="91425" bIns="91425" anchor="ctr" anchorCtr="0">
-            <a:noAutofit/>
-          </a:bodyPr>
-          <a:lstStyle/>
-          <a:p>
-            <a:pPr marL="0" lvl="0" indent="0" algn="ctr">
-              <a:spcBef>
-                <a:spcPts val="0"/>
-              </a:spcBef>
-              <a:spcAft>
-                <a:spcPts val="0"/>
-              </a:spcAft>
-              <a:buClr>
-                <a:schemeClr val="dk1"/>
-              </a:buClr>
-              <a:buSzPts val="1100"/>
-              <a:buFont typeface="Arial"/>
-              <a:buNone/>
-            </a:pPr>
-            <a:endParaRPr sz="9600" dirty="0">
-              <a:solidFill>
-                <a:srgbClr val="FFFF00"/>
-              </a:solidFill>
-            </a:endParaRPr>
-          </a:p>
-        </p:txBody>
-      </p:sp>
-      <p:sp>
-        <p:nvSpPr>
-          <p:cNvPr id="952" name="Shape 952"/>
-          <p:cNvSpPr txBox="1">
-            <a:spLocks noGrp="1"/>
-          </p:cNvSpPr>
-          <p:nvPr>
-            <p:ph type="sldNum" idx="12"/>
-          </p:nvPr>
-        </p:nvSpPr>
-        <p:spPr>
-          <a:xfrm>
-            <a:off x="8556784" y="4749851"/>
-            <a:ext cx="548700" cy="393600"/>
-          </a:xfrm>
-          <a:prstGeom prst="rect">
-            <a:avLst/>
-          </a:prstGeom>
-        </p:spPr>
-        <p:txBody>
-          <a:bodyPr spcFirstLastPara="1" wrap="square" lIns="91425" tIns="91425" rIns="91425" bIns="91425" anchor="ctr" anchorCtr="0">
-            <a:noAutofit/>
-          </a:bodyPr>
-          <a:lstStyle/>
-          <a:p>
-            <a:pPr marL="0" lvl="0" indent="0">
-              <a:spcBef>
-                <a:spcPts val="0"/>
-              </a:spcBef>
-              <a:spcAft>
-                <a:spcPts val="0"/>
-              </a:spcAft>
-              <a:buNone/>
-            </a:pPr>
-            <a:fld id="{00000000-1234-1234-1234-123412341234}" type="slidenum">
-              <a:rPr lang="en"/>
-              <a:t>13</a:t>
-            </a:fld>
-            <a:endParaRPr dirty="0"/>
-          </a:p>
-        </p:txBody>
-      </p:sp>
-    </p:spTree>
-    <p:extLst>
-      <p:ext uri="{BB962C8B-B14F-4D97-AF65-F5344CB8AC3E}">
-        <p14:creationId xmlns:p14="http://schemas.microsoft.com/office/powerpoint/2010/main" val="2883510905"/>
-      </p:ext>
-    </p:extLst>
-  </p:cSld>
-  <p:clrMapOvr>
-    <a:masterClrMapping/>
-  </p:clrMapOvr>
-</p:sld>
-</file>
-
 <file path=ppt/slides/slide2.xml><?xml version="1.0" encoding="utf-8"?>
 <p:sld xmlns:a="http://schemas.openxmlformats.org/drawingml/2006/main" xmlns:r="http://schemas.openxmlformats.org/officeDocument/2006/relationships" xmlns:p="http://schemas.openxmlformats.org/presentationml/2006/main">
   <p:cSld>
@@ -13616,7 +12384,7 @@
           <p:cNvPr id="13" name="Picture 42">
             <a:extLst>
               <a:ext uri="{FF2B5EF4-FFF2-40B4-BE49-F238E27FC236}">
-                <a16:creationId xmlns:a16="http://schemas.microsoft.com/office/drawing/2014/main" xmlns="" id="{72CD0BC3-CBCD-4F08-9EC2-094477A3F00F}"/>
+                <a16:creationId xmlns:a16="http://schemas.microsoft.com/office/drawing/2014/main" id="{72CD0BC3-CBCD-4F08-9EC2-094477A3F00F}"/>
               </a:ext>
             </a:extLst>
           </p:cNvPr>
@@ -13640,7 +12408,7 @@
         </p:blipFill>
         <p:spPr bwMode="auto">
           <a:xfrm>
-            <a:off x="7073812" y="2772090"/>
+            <a:off x="6945650" y="1978703"/>
             <a:ext cx="499274" cy="665698"/>
           </a:xfrm>
           <a:prstGeom prst="rect">
@@ -13679,8 +12447,8 @@
         </p:nvSpPr>
         <p:spPr>
           <a:xfrm>
-            <a:off x="6880979" y="2323490"/>
-            <a:ext cx="1134094" cy="345474"/>
+            <a:off x="7571574" y="86571"/>
+            <a:ext cx="1182663" cy="345474"/>
           </a:xfrm>
           <a:prstGeom prst="rect">
             <a:avLst/>
@@ -13725,8 +12493,8 @@
         </p:nvSpPr>
         <p:spPr>
           <a:xfrm>
-            <a:off x="6899874" y="2330409"/>
-            <a:ext cx="1115207" cy="338554"/>
+            <a:off x="7609963" y="84610"/>
+            <a:ext cx="1084337" cy="338554"/>
           </a:xfrm>
           <a:prstGeom prst="rect">
             <a:avLst/>
@@ -13767,8 +12535,8 @@
         </p:nvSpPr>
         <p:spPr>
           <a:xfrm>
-            <a:off x="7699178" y="2744162"/>
-            <a:ext cx="991591" cy="574625"/>
+            <a:off x="7579345" y="523995"/>
+            <a:ext cx="1164767" cy="591550"/>
           </a:xfrm>
           <a:prstGeom prst="rect">
             <a:avLst/>
@@ -13813,8 +12581,8 @@
         </p:nvSpPr>
         <p:spPr>
           <a:xfrm>
-            <a:off x="7645842" y="2751082"/>
-            <a:ext cx="1115207" cy="584775"/>
+            <a:off x="7613090" y="529836"/>
+            <a:ext cx="1039043" cy="584775"/>
           </a:xfrm>
           <a:prstGeom prst="rect">
             <a:avLst/>
@@ -13843,8 +12611,8 @@
         </p:nvSpPr>
         <p:spPr>
           <a:xfrm>
-            <a:off x="3090425" y="1447095"/>
-            <a:ext cx="1134094" cy="431224"/>
+            <a:off x="2618008" y="1832151"/>
+            <a:ext cx="976883" cy="431224"/>
           </a:xfrm>
           <a:prstGeom prst="rect">
             <a:avLst/>
@@ -13889,8 +12657,8 @@
         </p:nvSpPr>
         <p:spPr>
           <a:xfrm>
-            <a:off x="3109320" y="1431876"/>
-            <a:ext cx="1115207" cy="461665"/>
+            <a:off x="2610756" y="1837841"/>
+            <a:ext cx="960614" cy="461665"/>
           </a:xfrm>
           <a:prstGeom prst="rect">
             <a:avLst/>
@@ -13916,14 +12684,13 @@
           <p:cNvPr id="15" name="Straight Arrow Connector 14"/>
           <p:cNvCxnSpPr>
             <a:cxnSpLocks/>
-            <a:endCxn id="13" idx="1"/>
           </p:cNvCxnSpPr>
           <p:nvPr/>
         </p:nvCxnSpPr>
         <p:spPr>
           <a:xfrm>
-            <a:off x="4089741" y="2233027"/>
-            <a:ext cx="2984079" cy="871910"/>
+            <a:off x="4191722" y="2275062"/>
+            <a:ext cx="2719377" cy="0"/>
           </a:xfrm>
           <a:prstGeom prst="straightConnector1">
             <a:avLst/>
@@ -13957,9 +12724,9 @@
           <p:nvPr/>
         </p:nvSpPr>
         <p:spPr>
-          <a:xfrm rot="957467">
-            <a:off x="4995355" y="2429664"/>
-            <a:ext cx="1460656" cy="215444"/>
+          <a:xfrm>
+            <a:off x="5285533" y="2040564"/>
+            <a:ext cx="1488113" cy="215444"/>
           </a:xfrm>
           <a:prstGeom prst="rect">
             <a:avLst/>
@@ -13967,7 +12734,7 @@
           <a:noFill/>
         </p:spPr>
         <p:txBody>
-          <a:bodyPr wrap="none" rtlCol="0">
+          <a:bodyPr wrap="square" rtlCol="0">
             <a:spAutoFit/>
           </a:bodyPr>
           <a:lstStyle/>
@@ -13987,7 +12754,7 @@
         </p:nvSpPr>
         <p:spPr>
           <a:xfrm>
-            <a:off x="3474472" y="2472544"/>
+            <a:off x="3599893" y="2478605"/>
             <a:ext cx="591829" cy="215444"/>
           </a:xfrm>
           <a:prstGeom prst="rect">
@@ -14041,7 +12808,7 @@
         </p:blipFill>
         <p:spPr bwMode="auto">
           <a:xfrm>
-            <a:off x="5444474" y="3922161"/>
+            <a:off x="6967416" y="3952632"/>
             <a:ext cx="685624" cy="685624"/>
           </a:xfrm>
           <a:prstGeom prst="rect">
@@ -14067,8 +12834,8 @@
         </p:nvSpPr>
         <p:spPr>
           <a:xfrm>
-            <a:off x="6296606" y="4264971"/>
-            <a:ext cx="783982" cy="566478"/>
+            <a:off x="7613090" y="4015506"/>
+            <a:ext cx="1148930" cy="566478"/>
           </a:xfrm>
           <a:prstGeom prst="rect">
             <a:avLst/>
@@ -14113,7 +12880,7 @@
         </p:nvSpPr>
         <p:spPr>
           <a:xfrm>
-            <a:off x="6109384" y="4264976"/>
+            <a:off x="7613078" y="4024537"/>
             <a:ext cx="1115207" cy="584775"/>
           </a:xfrm>
           <a:prstGeom prst="rect">
@@ -14143,8 +12910,8 @@
         </p:nvSpPr>
         <p:spPr>
           <a:xfrm>
-            <a:off x="5237026" y="4674918"/>
-            <a:ext cx="979715" cy="431224"/>
+            <a:off x="7613078" y="4648991"/>
+            <a:ext cx="1148930" cy="431224"/>
           </a:xfrm>
           <a:prstGeom prst="rect">
             <a:avLst/>
@@ -14193,7 +12960,7 @@
         </p:nvSpPr>
         <p:spPr>
           <a:xfrm>
-            <a:off x="5170305" y="4681839"/>
+            <a:off x="7628906" y="4648991"/>
             <a:ext cx="1115207" cy="461665"/>
           </a:xfrm>
           <a:prstGeom prst="rect">
@@ -14218,13 +12985,15 @@
       <p:cxnSp>
         <p:nvCxnSpPr>
           <p:cNvPr id="39" name="Straight Arrow Connector 38"/>
-          <p:cNvCxnSpPr/>
+          <p:cNvCxnSpPr>
+            <a:cxnSpLocks/>
+          </p:cNvCxnSpPr>
           <p:nvPr/>
         </p:nvCxnSpPr>
         <p:spPr>
           <a:xfrm>
-            <a:off x="3760945" y="2742772"/>
-            <a:ext cx="1591327" cy="1587535"/>
+            <a:off x="5117298" y="4312418"/>
+            <a:ext cx="1872788" cy="0"/>
           </a:xfrm>
           <a:prstGeom prst="straightConnector1">
             <a:avLst/>
@@ -14259,7 +13028,7 @@
         </p:nvSpPr>
         <p:spPr>
           <a:xfrm>
-            <a:off x="3554411" y="3541890"/>
+            <a:off x="5331866" y="4096974"/>
             <a:ext cx="1090363" cy="215444"/>
           </a:xfrm>
           <a:prstGeom prst="rect">
@@ -14288,7 +13057,7 @@
         </p:nvSpPr>
         <p:spPr>
           <a:xfrm>
-            <a:off x="2578722" y="1951038"/>
+            <a:off x="2630982" y="2374472"/>
             <a:ext cx="943920" cy="461665"/>
           </a:xfrm>
           <a:prstGeom prst="rect">
@@ -14318,8 +13087,8 @@
         </p:nvSpPr>
         <p:spPr>
           <a:xfrm>
-            <a:off x="2639732" y="1964406"/>
-            <a:ext cx="821917" cy="431224"/>
+            <a:off x="2625450" y="2387840"/>
+            <a:ext cx="960611" cy="431224"/>
           </a:xfrm>
           <a:prstGeom prst="rect">
             <a:avLst/>
@@ -14364,8 +13133,8 @@
         </p:nvSpPr>
         <p:spPr>
           <a:xfrm>
-            <a:off x="7690705" y="3519581"/>
-            <a:ext cx="991591" cy="468585"/>
+            <a:off x="7580120" y="1229980"/>
+            <a:ext cx="1164767" cy="468585"/>
           </a:xfrm>
           <a:prstGeom prst="rect">
             <a:avLst/>
@@ -14410,7 +13179,7 @@
         </p:nvSpPr>
         <p:spPr>
           <a:xfrm>
-            <a:off x="7637369" y="3526505"/>
+            <a:off x="7565589" y="1242410"/>
             <a:ext cx="1115207" cy="461665"/>
           </a:xfrm>
           <a:prstGeom prst="rect">
@@ -14440,7 +13209,7 @@
         </p:nvSpPr>
         <p:spPr>
           <a:xfrm>
-            <a:off x="5388713" y="3691327"/>
+            <a:off x="6900954" y="4638256"/>
             <a:ext cx="678391" cy="215444"/>
           </a:xfrm>
           <a:prstGeom prst="rect">
@@ -14474,7 +13243,7 @@
         </p:nvSpPr>
         <p:spPr>
           <a:xfrm>
-            <a:off x="7016321" y="3441410"/>
+            <a:off x="6911099" y="2649040"/>
             <a:ext cx="614271" cy="338554"/>
           </a:xfrm>
           <a:prstGeom prst="rect">
@@ -14516,7 +13285,7 @@
           <p:cNvPr id="31" name="Picture 42">
             <a:extLst>
               <a:ext uri="{FF2B5EF4-FFF2-40B4-BE49-F238E27FC236}">
-                <a16:creationId xmlns:a16="http://schemas.microsoft.com/office/drawing/2014/main" xmlns="" id="{72CD0BC3-CBCD-4F08-9EC2-094477A3F00F}"/>
+                <a16:creationId xmlns:a16="http://schemas.microsoft.com/office/drawing/2014/main" id="{72CD0BC3-CBCD-4F08-9EC2-094477A3F00F}"/>
               </a:ext>
             </a:extLst>
           </p:cNvPr>
@@ -14540,7 +13309,7 @@
         </p:blipFill>
         <p:spPr bwMode="auto">
           <a:xfrm>
-            <a:off x="6854492" y="570018"/>
+            <a:off x="6950295" y="218491"/>
             <a:ext cx="499274" cy="665698"/>
           </a:xfrm>
           <a:prstGeom prst="rect">
@@ -14579,7 +13348,7 @@
         </p:nvSpPr>
         <p:spPr>
           <a:xfrm>
-            <a:off x="6801918" y="1235714"/>
+            <a:off x="6902618" y="894599"/>
             <a:ext cx="590225" cy="338554"/>
           </a:xfrm>
           <a:prstGeom prst="rect">
@@ -14620,14 +13389,14 @@
         <p:nvCxnSpPr>
           <p:cNvPr id="33" name="Straight Arrow Connector 32"/>
           <p:cNvCxnSpPr>
-            <a:endCxn id="31" idx="1"/>
+            <a:cxnSpLocks/>
           </p:cNvCxnSpPr>
           <p:nvPr/>
         </p:nvCxnSpPr>
         <p:spPr>
-          <a:xfrm flipV="1">
-            <a:off x="4089741" y="902869"/>
-            <a:ext cx="2764759" cy="1163441"/>
+          <a:xfrm>
+            <a:off x="5113048" y="551340"/>
+            <a:ext cx="1789570" cy="0"/>
           </a:xfrm>
           <a:prstGeom prst="straightConnector1">
             <a:avLst/>
@@ -14661,8 +13430,8 @@
           <p:nvPr/>
         </p:nvSpPr>
         <p:spPr>
-          <a:xfrm rot="20196284">
-            <a:off x="4890507" y="1184003"/>
+          <a:xfrm>
+            <a:off x="5285533" y="630607"/>
             <a:ext cx="1258678" cy="215444"/>
           </a:xfrm>
           <a:prstGeom prst="rect">
@@ -14691,8 +13460,8 @@
         </p:nvSpPr>
         <p:spPr>
           <a:xfrm>
-            <a:off x="6603939" y="47505"/>
-            <a:ext cx="1134094" cy="507295"/>
+            <a:off x="7579345" y="2002176"/>
+            <a:ext cx="1182663" cy="501281"/>
           </a:xfrm>
           <a:prstGeom prst="rect">
             <a:avLst/>
@@ -14737,7 +13506,7 @@
         </p:nvSpPr>
         <p:spPr>
           <a:xfrm>
-            <a:off x="6590744" y="4"/>
+            <a:off x="7609963" y="1952641"/>
             <a:ext cx="1115207" cy="584775"/>
           </a:xfrm>
           <a:prstGeom prst="rect">
@@ -14779,8 +13548,8 @@
         </p:nvSpPr>
         <p:spPr>
           <a:xfrm>
-            <a:off x="7514338" y="603561"/>
-            <a:ext cx="991591" cy="574625"/>
+            <a:off x="7579093" y="3173871"/>
+            <a:ext cx="1165020" cy="584775"/>
           </a:xfrm>
           <a:prstGeom prst="rect">
             <a:avLst/>
@@ -14825,7 +13594,7 @@
         </p:nvSpPr>
         <p:spPr>
           <a:xfrm>
-            <a:off x="7461002" y="610481"/>
+            <a:off x="7613077" y="3198060"/>
             <a:ext cx="1115207" cy="584775"/>
           </a:xfrm>
           <a:prstGeom prst="rect">
@@ -14855,8 +13624,8 @@
         </p:nvSpPr>
         <p:spPr>
           <a:xfrm>
-            <a:off x="7488869" y="1319641"/>
-            <a:ext cx="1134094" cy="468584"/>
+            <a:off x="7579346" y="2617892"/>
+            <a:ext cx="1164766" cy="468584"/>
           </a:xfrm>
           <a:prstGeom prst="rect">
             <a:avLst/>
@@ -14901,8 +13670,8 @@
         </p:nvSpPr>
         <p:spPr>
           <a:xfrm>
-            <a:off x="7507764" y="1326560"/>
-            <a:ext cx="1115207" cy="461665"/>
+            <a:off x="7644430" y="2624811"/>
+            <a:ext cx="1099683" cy="461665"/>
           </a:xfrm>
           <a:prstGeom prst="rect">
             <a:avLst/>
@@ -14940,7 +13709,7 @@
           <p:cNvPr id="3" name="Picture 2">
             <a:extLst>
               <a:ext uri="{FF2B5EF4-FFF2-40B4-BE49-F238E27FC236}">
-                <a16:creationId xmlns:a16="http://schemas.microsoft.com/office/drawing/2014/main" xmlns="" id="{5A4D36D6-3FE6-4236-9A69-129345D21CE7}"/>
+                <a16:creationId xmlns:a16="http://schemas.microsoft.com/office/drawing/2014/main" id="{5A4D36D6-3FE6-4236-9A69-129345D21CE7}"/>
               </a:ext>
             </a:extLst>
           </p:cNvPr>
@@ -14957,7 +13726,7 @@
         </p:blipFill>
         <p:spPr>
           <a:xfrm>
-            <a:off x="3531786" y="1973602"/>
+            <a:off x="3648761" y="1974116"/>
             <a:ext cx="494094" cy="563784"/>
           </a:xfrm>
           <a:prstGeom prst="rect">
@@ -14965,6 +13734,82 @@
           </a:prstGeom>
         </p:spPr>
       </p:pic>
+      <p:cxnSp>
+        <p:nvCxnSpPr>
+          <p:cNvPr id="11" name="Straight Connector 10">
+            <a:extLst>
+              <a:ext uri="{FF2B5EF4-FFF2-40B4-BE49-F238E27FC236}">
+                <a16:creationId xmlns:a16="http://schemas.microsoft.com/office/drawing/2014/main" id="{DC7BCDA2-7195-4637-B8AF-36A16C3DC0BF}"/>
+              </a:ext>
+            </a:extLst>
+          </p:cNvPr>
+          <p:cNvCxnSpPr>
+            <a:cxnSpLocks/>
+          </p:cNvCxnSpPr>
+          <p:nvPr/>
+        </p:nvCxnSpPr>
+        <p:spPr>
+          <a:xfrm>
+            <a:off x="5113048" y="560262"/>
+            <a:ext cx="5884" cy="1714800"/>
+          </a:xfrm>
+          <a:prstGeom prst="line">
+            <a:avLst/>
+          </a:prstGeom>
+        </p:spPr>
+        <p:style>
+          <a:lnRef idx="1">
+            <a:schemeClr val="dk1"/>
+          </a:lnRef>
+          <a:fillRef idx="0">
+            <a:schemeClr val="dk1"/>
+          </a:fillRef>
+          <a:effectRef idx="0">
+            <a:schemeClr val="dk1"/>
+          </a:effectRef>
+          <a:fontRef idx="minor">
+            <a:schemeClr val="tx1"/>
+          </a:fontRef>
+        </p:style>
+      </p:cxnSp>
+      <p:cxnSp>
+        <p:nvCxnSpPr>
+          <p:cNvPr id="55" name="Straight Connector 54">
+            <a:extLst>
+              <a:ext uri="{FF2B5EF4-FFF2-40B4-BE49-F238E27FC236}">
+                <a16:creationId xmlns:a16="http://schemas.microsoft.com/office/drawing/2014/main" id="{95845961-663D-4836-B093-F60FAD75FB62}"/>
+              </a:ext>
+            </a:extLst>
+          </p:cNvPr>
+          <p:cNvCxnSpPr>
+            <a:cxnSpLocks/>
+          </p:cNvCxnSpPr>
+          <p:nvPr/>
+        </p:nvCxnSpPr>
+        <p:spPr>
+          <a:xfrm>
+            <a:off x="5117298" y="2292906"/>
+            <a:ext cx="0" cy="2019512"/>
+          </a:xfrm>
+          <a:prstGeom prst="line">
+            <a:avLst/>
+          </a:prstGeom>
+        </p:spPr>
+        <p:style>
+          <a:lnRef idx="1">
+            <a:schemeClr val="dk1"/>
+          </a:lnRef>
+          <a:fillRef idx="0">
+            <a:schemeClr val="dk1"/>
+          </a:fillRef>
+          <a:effectRef idx="0">
+            <a:schemeClr val="dk1"/>
+          </a:effectRef>
+          <a:fontRef idx="minor">
+            <a:schemeClr val="tx1"/>
+          </a:fontRef>
+        </p:style>
+      </p:cxnSp>
     </p:spTree>
     <p:extLst>
       <p:ext uri="{BB962C8B-B14F-4D97-AF65-F5344CB8AC3E}">
@@ -15047,17 +13892,9 @@
               <a:rPr lang="en-IN" b="1" dirty="0"/>
               <a:t>Statement</a:t>
             </a:r>
-            <a:r>
-              <a:rPr lang="en" b="1" dirty="0"/>
-              <a:t/>
-            </a:r>
             <a:br>
               <a:rPr lang="en" b="1" dirty="0"/>
             </a:br>
-            <a:r>
-              <a:rPr lang="en" b="1" dirty="0"/>
-              <a:t/>
-            </a:r>
             <a:br>
               <a:rPr lang="en" b="1" dirty="0"/>
             </a:br>
@@ -15544,7 +14381,7 @@
           <p:cNvPr id="11" name="Shape 114">
             <a:extLst>
               <a:ext uri="{FF2B5EF4-FFF2-40B4-BE49-F238E27FC236}">
-                <a16:creationId xmlns:a16="http://schemas.microsoft.com/office/drawing/2014/main" xmlns="" id="{1D3C8554-FECA-4592-9592-A1CD9D928A40}"/>
+                <a16:creationId xmlns:a16="http://schemas.microsoft.com/office/drawing/2014/main" id="{1D3C8554-FECA-4592-9592-A1CD9D928A40}"/>
               </a:ext>
             </a:extLst>
           </p:cNvPr>
@@ -15720,7 +14557,7 @@
           <p:cNvPr id="4" name="Rectangle 3">
             <a:extLst>
               <a:ext uri="{FF2B5EF4-FFF2-40B4-BE49-F238E27FC236}">
-                <a16:creationId xmlns:a16="http://schemas.microsoft.com/office/drawing/2014/main" xmlns="" id="{73975F41-C02D-4F7A-B534-F50F4D1254D9}"/>
+                <a16:creationId xmlns:a16="http://schemas.microsoft.com/office/drawing/2014/main" id="{73975F41-C02D-4F7A-B534-F50F4D1254D9}"/>
               </a:ext>
             </a:extLst>
           </p:cNvPr>
@@ -15845,7 +14682,7 @@
           <p:cNvPr id="8" name="Rectangle 7">
             <a:extLst>
               <a:ext uri="{FF2B5EF4-FFF2-40B4-BE49-F238E27FC236}">
-                <a16:creationId xmlns:a16="http://schemas.microsoft.com/office/drawing/2014/main" xmlns="" id="{587713AA-9CBD-4BD7-A8A4-7B621B110039}"/>
+                <a16:creationId xmlns:a16="http://schemas.microsoft.com/office/drawing/2014/main" id="{587713AA-9CBD-4BD7-A8A4-7B621B110039}"/>
               </a:ext>
             </a:extLst>
           </p:cNvPr>
@@ -15942,7 +14779,7 @@
           <p:cNvPr id="9" name="Picture 42">
             <a:extLst>
               <a:ext uri="{FF2B5EF4-FFF2-40B4-BE49-F238E27FC236}">
-                <a16:creationId xmlns:a16="http://schemas.microsoft.com/office/drawing/2014/main" xmlns="" id="{72CD0BC3-CBCD-4F08-9EC2-094477A3F00F}"/>
+                <a16:creationId xmlns:a16="http://schemas.microsoft.com/office/drawing/2014/main" id="{72CD0BC3-CBCD-4F08-9EC2-094477A3F00F}"/>
               </a:ext>
             </a:extLst>
           </p:cNvPr>
@@ -16002,7 +14839,7 @@
           <p:cNvPr id="10" name="Rectangle 9">
             <a:extLst>
               <a:ext uri="{FF2B5EF4-FFF2-40B4-BE49-F238E27FC236}">
-                <a16:creationId xmlns:a16="http://schemas.microsoft.com/office/drawing/2014/main" xmlns="" id="{A6D7667A-DA73-430E-A281-75520436CCCB}"/>
+                <a16:creationId xmlns:a16="http://schemas.microsoft.com/office/drawing/2014/main" id="{A6D7667A-DA73-430E-A281-75520436CCCB}"/>
               </a:ext>
             </a:extLst>
           </p:cNvPr>
@@ -16180,7 +15017,7 @@
           <p:cNvPr id="12" name="Rectangle 11">
             <a:extLst>
               <a:ext uri="{FF2B5EF4-FFF2-40B4-BE49-F238E27FC236}">
-                <a16:creationId xmlns:a16="http://schemas.microsoft.com/office/drawing/2014/main" xmlns="" id="{A6D7667A-DA73-430E-A281-75520436CCCB}"/>
+                <a16:creationId xmlns:a16="http://schemas.microsoft.com/office/drawing/2014/main" id="{A6D7667A-DA73-430E-A281-75520436CCCB}"/>
               </a:ext>
             </a:extLst>
           </p:cNvPr>
@@ -16469,19 +15306,28 @@
         </p:nvSpPr>
         <p:spPr>
           <a:xfrm>
-            <a:off x="541177" y="558409"/>
-            <a:ext cx="1534725" cy="580638"/>
+            <a:off x="224150" y="363755"/>
+            <a:ext cx="2046300" cy="580638"/>
           </a:xfrm>
           <a:prstGeom prst="rect">
             <a:avLst/>
           </a:prstGeom>
         </p:spPr>
         <p:txBody>
-          <a:bodyPr spcFirstLastPara="1" wrap="square" lIns="68569" tIns="68569" rIns="68569" bIns="68569" anchor="t" anchorCtr="0">
+          <a:bodyPr spcFirstLastPara="1" wrap="square" lIns="91425" tIns="91425" rIns="91425" bIns="91425" anchor="t" anchorCtr="0">
             <a:noAutofit/>
           </a:bodyPr>
           <a:lstStyle/>
           <a:p>
+            <a:pPr marL="0" lvl="0" indent="0" rtl="0">
+              <a:spcBef>
+                <a:spcPts val="0"/>
+              </a:spcBef>
+              <a:spcAft>
+                <a:spcPts val="0"/>
+              </a:spcAft>
+              <a:buNone/>
+            </a:pPr>
             <a:r>
               <a:rPr lang="en-IN" b="1" dirty="0"/>
               <a:t>Business Model</a:t>
@@ -16492,283 +15338,1788 @@
       </p:sp>
       <p:sp>
         <p:nvSpPr>
-          <p:cNvPr id="107" name="Shape 107"/>
-          <p:cNvSpPr txBox="1">
-            <a:spLocks noGrp="1"/>
-          </p:cNvSpPr>
-          <p:nvPr>
-            <p:ph type="sldNum" idx="12"/>
-          </p:nvPr>
-        </p:nvSpPr>
-        <p:spPr>
-          <a:xfrm>
-            <a:off x="7560596" y="4749851"/>
-            <a:ext cx="411525" cy="393600"/>
+          <p:cNvPr id="5" name="Rectangle 4"/>
+          <p:cNvSpPr/>
+          <p:nvPr/>
+        </p:nvSpPr>
+        <p:spPr>
+          <a:xfrm>
+            <a:off x="2753320" y="655146"/>
+            <a:ext cx="1944216" cy="535364"/>
           </a:xfrm>
           <a:prstGeom prst="rect">
             <a:avLst/>
           </a:prstGeom>
-        </p:spPr>
+          <a:noFill/>
+          <a:ln>
+            <a:solidFill>
+              <a:schemeClr val="bg1">
+                <a:lumMod val="85000"/>
+              </a:schemeClr>
+            </a:solidFill>
+          </a:ln>
+        </p:spPr>
+        <p:style>
+          <a:lnRef idx="2">
+            <a:schemeClr val="accent1">
+              <a:shade val="50000"/>
+            </a:schemeClr>
+          </a:lnRef>
+          <a:fillRef idx="1">
+            <a:schemeClr val="accent1"/>
+          </a:fillRef>
+          <a:effectRef idx="0">
+            <a:schemeClr val="accent1"/>
+          </a:effectRef>
+          <a:fontRef idx="minor">
+            <a:schemeClr val="lt1"/>
+          </a:fontRef>
+        </p:style>
         <p:txBody>
-          <a:bodyPr spcFirstLastPara="1" wrap="square" lIns="68569" tIns="68569" rIns="68569" bIns="68569" anchor="ctr" anchorCtr="0">
-            <a:noAutofit/>
+          <a:bodyPr rtlCol="0" anchor="ctr"/>
+          <a:lstStyle/>
+          <a:p>
+            <a:pPr algn="ctr">
+              <a:buClrTx/>
+              <a:buFontTx/>
+              <a:buNone/>
+            </a:pPr>
+            <a:endParaRPr lang="en-IN" sz="1800" kern="1200">
+              <a:solidFill>
+                <a:srgbClr val="FFFFFF"/>
+              </a:solidFill>
+            </a:endParaRPr>
+          </a:p>
+        </p:txBody>
+      </p:sp>
+      <p:sp>
+        <p:nvSpPr>
+          <p:cNvPr id="14" name="Rectangle 13"/>
+          <p:cNvSpPr/>
+          <p:nvPr/>
+        </p:nvSpPr>
+        <p:spPr>
+          <a:xfrm>
+            <a:off x="7001792" y="666342"/>
+            <a:ext cx="1253595" cy="524168"/>
+          </a:xfrm>
+          <a:prstGeom prst="rect">
+            <a:avLst/>
+          </a:prstGeom>
+          <a:noFill/>
+          <a:ln>
+            <a:solidFill>
+              <a:schemeClr val="bg1">
+                <a:lumMod val="85000"/>
+              </a:schemeClr>
+            </a:solidFill>
+          </a:ln>
+        </p:spPr>
+        <p:style>
+          <a:lnRef idx="2">
+            <a:schemeClr val="accent1">
+              <a:shade val="50000"/>
+            </a:schemeClr>
+          </a:lnRef>
+          <a:fillRef idx="1">
+            <a:schemeClr val="accent1"/>
+          </a:fillRef>
+          <a:effectRef idx="0">
+            <a:schemeClr val="accent1"/>
+          </a:effectRef>
+          <a:fontRef idx="minor">
+            <a:schemeClr val="lt1"/>
+          </a:fontRef>
+        </p:style>
+        <p:txBody>
+          <a:bodyPr rtlCol="0" anchor="ctr"/>
+          <a:lstStyle/>
+          <a:p>
+            <a:pPr algn="ctr">
+              <a:buClrTx/>
+              <a:buFontTx/>
+              <a:buNone/>
+            </a:pPr>
+            <a:endParaRPr lang="en-IN" sz="1800" kern="1200">
+              <a:solidFill>
+                <a:srgbClr val="FFFFFF"/>
+              </a:solidFill>
+            </a:endParaRPr>
+          </a:p>
+        </p:txBody>
+      </p:sp>
+      <p:sp>
+        <p:nvSpPr>
+          <p:cNvPr id="15" name="Rectangle 14"/>
+          <p:cNvSpPr/>
+          <p:nvPr/>
+        </p:nvSpPr>
+        <p:spPr>
+          <a:xfrm>
+            <a:off x="4877556" y="666342"/>
+            <a:ext cx="1944216" cy="524168"/>
+          </a:xfrm>
+          <a:prstGeom prst="rect">
+            <a:avLst/>
+          </a:prstGeom>
+          <a:noFill/>
+          <a:ln>
+            <a:solidFill>
+              <a:schemeClr val="bg1">
+                <a:lumMod val="85000"/>
+              </a:schemeClr>
+            </a:solidFill>
+          </a:ln>
+        </p:spPr>
+        <p:style>
+          <a:lnRef idx="2">
+            <a:schemeClr val="accent1">
+              <a:shade val="50000"/>
+            </a:schemeClr>
+          </a:lnRef>
+          <a:fillRef idx="1">
+            <a:schemeClr val="accent1"/>
+          </a:fillRef>
+          <a:effectRef idx="0">
+            <a:schemeClr val="accent1"/>
+          </a:effectRef>
+          <a:fontRef idx="minor">
+            <a:schemeClr val="lt1"/>
+          </a:fontRef>
+        </p:style>
+        <p:txBody>
+          <a:bodyPr rtlCol="0" anchor="ctr"/>
+          <a:lstStyle/>
+          <a:p>
+            <a:pPr algn="ctr">
+              <a:buClrTx/>
+              <a:buFontTx/>
+              <a:buNone/>
+            </a:pPr>
+            <a:endParaRPr lang="en-IN" sz="1800" kern="1200">
+              <a:solidFill>
+                <a:srgbClr val="FFFFFF"/>
+              </a:solidFill>
+            </a:endParaRPr>
+          </a:p>
+        </p:txBody>
+      </p:sp>
+      <p:sp>
+        <p:nvSpPr>
+          <p:cNvPr id="7" name="TextBox 6"/>
+          <p:cNvSpPr txBox="1"/>
+          <p:nvPr/>
+        </p:nvSpPr>
+        <p:spPr>
+          <a:xfrm>
+            <a:off x="3009971" y="663578"/>
+            <a:ext cx="1205779" cy="461665"/>
+          </a:xfrm>
+          <a:prstGeom prst="rect">
+            <a:avLst/>
+          </a:prstGeom>
+          <a:noFill/>
+        </p:spPr>
+        <p:txBody>
+          <a:bodyPr wrap="none" rtlCol="0">
+            <a:spAutoFit/>
           </a:bodyPr>
           <a:lstStyle/>
           <a:p>
-            <a:pPr defTabSz="685800">
+            <a:pPr algn="ctr">
               <a:buClrTx/>
+              <a:buFontTx/>
+              <a:buNone/>
             </a:pPr>
-            <a:fld id="{00000000-1234-1234-1234-123412341234}" type="slidenum">
-              <a:rPr lang="en" kern="1200"/>
-              <a:pPr defTabSz="685800">
-                <a:buClrTx/>
-              </a:pPr>
-              <a:t>6</a:t>
-            </a:fld>
-            <a:endParaRPr kern="1200" dirty="0"/>
+            <a:r>
+              <a:rPr lang="en-IN" sz="800" kern="1200" dirty="0">
+                <a:ea typeface="+mn-ea"/>
+                <a:cs typeface="+mn-cs"/>
+              </a:rPr>
+              <a:t>Blockchain Network + </a:t>
+            </a:r>
+          </a:p>
+          <a:p>
+            <a:pPr algn="ctr">
+              <a:buClrTx/>
+              <a:buFontTx/>
+              <a:buNone/>
+            </a:pPr>
+            <a:r>
+              <a:rPr lang="en-IN" sz="800" kern="1200" dirty="0">
+                <a:ea typeface="+mn-ea"/>
+                <a:cs typeface="+mn-cs"/>
+              </a:rPr>
+              <a:t>Hospitals + </a:t>
+            </a:r>
+          </a:p>
+          <a:p>
+            <a:pPr algn="ctr">
+              <a:buClrTx/>
+              <a:buFontTx/>
+              <a:buNone/>
+            </a:pPr>
+            <a:r>
+              <a:rPr lang="en-IN" sz="800" kern="1200" dirty="0" err="1">
+                <a:ea typeface="+mn-ea"/>
+                <a:cs typeface="+mn-cs"/>
+              </a:rPr>
+              <a:t>Punekars</a:t>
+            </a:r>
+            <a:r>
+              <a:rPr lang="en-IN" sz="800" kern="1200" dirty="0">
+                <a:ea typeface="+mn-ea"/>
+                <a:cs typeface="+mn-cs"/>
+              </a:rPr>
+              <a:t>(Clients)</a:t>
+            </a:r>
           </a:p>
         </p:txBody>
       </p:sp>
       <p:sp>
         <p:nvSpPr>
-          <p:cNvPr id="11" name="Shape 114">
-            <a:extLst>
-              <a:ext uri="{FF2B5EF4-FFF2-40B4-BE49-F238E27FC236}">
-                <a16:creationId xmlns:a16="http://schemas.microsoft.com/office/drawing/2014/main" xmlns="" id="{1D3C8554-FECA-4592-9592-A1CD9D928A40}"/>
-              </a:ext>
-            </a:extLst>
-          </p:cNvPr>
-          <p:cNvSpPr txBox="1">
-            <a:spLocks noGrp="1"/>
-          </p:cNvSpPr>
-          <p:nvPr>
-            <p:ph type="body" idx="1"/>
-          </p:nvPr>
-        </p:nvSpPr>
-        <p:spPr>
-          <a:xfrm>
-            <a:off x="2929031" y="341939"/>
-            <a:ext cx="5673798" cy="4049427"/>
+          <p:cNvPr id="37" name="TextBox 36"/>
+          <p:cNvSpPr txBox="1"/>
+          <p:nvPr/>
+        </p:nvSpPr>
+        <p:spPr>
+          <a:xfrm>
+            <a:off x="4951540" y="717305"/>
+            <a:ext cx="1253869" cy="461665"/>
           </a:xfrm>
           <a:prstGeom prst="rect">
             <a:avLst/>
           </a:prstGeom>
+          <a:noFill/>
         </p:spPr>
         <p:txBody>
-          <a:bodyPr spcFirstLastPara="1" wrap="square" lIns="68569" tIns="68569" rIns="68569" bIns="68569" anchor="t" anchorCtr="0">
-            <a:noAutofit/>
+          <a:bodyPr wrap="none" rtlCol="0">
+            <a:spAutoFit/>
           </a:bodyPr>
           <a:lstStyle/>
           <a:p>
-            <a:pPr algn="just"/>
-            <a:r>
-              <a:rPr lang="en-US" sz="1600" i="0" dirty="0">
-                <a:solidFill>
-                  <a:schemeClr val="tx1"/>
-                </a:solidFill>
-                <a:latin typeface="Nunito Sans" panose="020B0604020202020204" charset="0"/>
+            <a:pPr>
+              <a:buClrTx/>
+              <a:buFontTx/>
+              <a:buNone/>
+            </a:pPr>
+            <a:r>
+              <a:rPr lang="en-IN" sz="800" kern="1200" dirty="0">
+                <a:ea typeface="+mn-ea"/>
+                <a:cs typeface="+mn-cs"/>
               </a:rPr>
-              <a:t>6-10 months to create and deploy the system.</a:t>
-            </a:r>
-          </a:p>
-          <a:p>
-            <a:pPr algn="just"/>
-            <a:r>
-              <a:rPr lang="en-US" sz="1600" i="0" dirty="0">
-                <a:solidFill>
-                  <a:schemeClr val="tx1"/>
-                </a:solidFill>
-                <a:latin typeface="Nunito Sans" panose="020B0604020202020204" charset="0"/>
+              <a:t>Period : 6 to 10 months</a:t>
+            </a:r>
+          </a:p>
+          <a:p>
+            <a:pPr>
+              <a:buClrTx/>
+              <a:buFontTx/>
+              <a:buNone/>
+            </a:pPr>
+            <a:r>
+              <a:rPr lang="en-IN" sz="800" kern="1200" dirty="0">
+                <a:ea typeface="+mn-ea"/>
+                <a:cs typeface="+mn-cs"/>
               </a:rPr>
-              <a:t>Development team - 6 members</a:t>
-            </a:r>
-          </a:p>
-          <a:p>
-            <a:pPr algn="just"/>
-            <a:r>
-              <a:rPr lang="en-US" sz="1600" i="0" dirty="0">
-                <a:solidFill>
-                  <a:schemeClr val="tx1"/>
-                </a:solidFill>
-                <a:latin typeface="Nunito Sans" panose="020B0604020202020204" charset="0"/>
+              <a:t>Expenditure : 2cr </a:t>
+            </a:r>
+          </a:p>
+          <a:p>
+            <a:pPr>
+              <a:buClrTx/>
+              <a:buFontTx/>
+              <a:buNone/>
+            </a:pPr>
+            <a:r>
+              <a:rPr lang="en-IN" sz="800" kern="1200" dirty="0">
+                <a:ea typeface="+mn-ea"/>
+                <a:cs typeface="+mn-cs"/>
               </a:rPr>
-              <a:t>Development cost -  Salary + Infrastructure = 2 </a:t>
-            </a:r>
-            <a:r>
-              <a:rPr lang="en-US" sz="1600" i="0" dirty="0" err="1">
-                <a:solidFill>
-                  <a:schemeClr val="tx1"/>
-                </a:solidFill>
-                <a:latin typeface="Nunito Sans" panose="020B0604020202020204" charset="0"/>
+              <a:t>Revenue : 0</a:t>
+            </a:r>
+          </a:p>
+        </p:txBody>
+      </p:sp>
+      <p:sp>
+        <p:nvSpPr>
+          <p:cNvPr id="38" name="TextBox 37"/>
+          <p:cNvSpPr txBox="1"/>
+          <p:nvPr/>
+        </p:nvSpPr>
+        <p:spPr>
+          <a:xfrm>
+            <a:off x="7297910" y="807412"/>
+            <a:ext cx="684803" cy="230832"/>
+          </a:xfrm>
+          <a:prstGeom prst="rect">
+            <a:avLst/>
+          </a:prstGeom>
+          <a:noFill/>
+        </p:spPr>
+        <p:txBody>
+          <a:bodyPr wrap="none" rtlCol="0">
+            <a:spAutoFit/>
+          </a:bodyPr>
+          <a:lstStyle/>
+          <a:p>
+            <a:pPr>
+              <a:buClrTx/>
+              <a:buFontTx/>
+              <a:buNone/>
+            </a:pPr>
+            <a:r>
+              <a:rPr lang="en-IN" sz="900" kern="1200" dirty="0">
+                <a:ea typeface="+mn-ea"/>
+                <a:cs typeface="+mn-cs"/>
               </a:rPr>
-              <a:t>crore</a:t>
-            </a:r>
-            <a:r>
-              <a:rPr lang="en-US" sz="1600" i="0" dirty="0">
-                <a:solidFill>
-                  <a:schemeClr val="tx1"/>
-                </a:solidFill>
-                <a:latin typeface="Nunito Sans" panose="020B0604020202020204" charset="0"/>
+              <a:t>Pune City</a:t>
+            </a:r>
+          </a:p>
+        </p:txBody>
+      </p:sp>
+      <p:sp>
+        <p:nvSpPr>
+          <p:cNvPr id="40" name="Rectangle 39"/>
+          <p:cNvSpPr/>
+          <p:nvPr/>
+        </p:nvSpPr>
+        <p:spPr>
+          <a:xfrm>
+            <a:off x="2745140" y="1593849"/>
+            <a:ext cx="1944216" cy="525938"/>
+          </a:xfrm>
+          <a:prstGeom prst="rect">
+            <a:avLst/>
+          </a:prstGeom>
+          <a:noFill/>
+          <a:ln>
+            <a:solidFill>
+              <a:schemeClr val="bg1">
+                <a:lumMod val="85000"/>
+              </a:schemeClr>
+            </a:solidFill>
+          </a:ln>
+        </p:spPr>
+        <p:style>
+          <a:lnRef idx="2">
+            <a:schemeClr val="accent1">
+              <a:shade val="50000"/>
+            </a:schemeClr>
+          </a:lnRef>
+          <a:fillRef idx="1">
+            <a:schemeClr val="accent1"/>
+          </a:fillRef>
+          <a:effectRef idx="0">
+            <a:schemeClr val="accent1"/>
+          </a:effectRef>
+          <a:fontRef idx="minor">
+            <a:schemeClr val="lt1"/>
+          </a:fontRef>
+        </p:style>
+        <p:txBody>
+          <a:bodyPr rtlCol="0" anchor="ctr"/>
+          <a:lstStyle/>
+          <a:p>
+            <a:pPr algn="ctr">
+              <a:buClrTx/>
+              <a:buFontTx/>
+              <a:buNone/>
+            </a:pPr>
+            <a:endParaRPr lang="en-IN" sz="1800" kern="1200">
+              <a:solidFill>
+                <a:srgbClr val="FFFFFF"/>
+              </a:solidFill>
+            </a:endParaRPr>
+          </a:p>
+        </p:txBody>
+      </p:sp>
+      <p:sp>
+        <p:nvSpPr>
+          <p:cNvPr id="41" name="Rectangle 40"/>
+          <p:cNvSpPr/>
+          <p:nvPr/>
+        </p:nvSpPr>
+        <p:spPr>
+          <a:xfrm>
+            <a:off x="6993612" y="1605045"/>
+            <a:ext cx="1261775" cy="514742"/>
+          </a:xfrm>
+          <a:prstGeom prst="rect">
+            <a:avLst/>
+          </a:prstGeom>
+          <a:noFill/>
+          <a:ln>
+            <a:solidFill>
+              <a:schemeClr val="bg1">
+                <a:lumMod val="85000"/>
+              </a:schemeClr>
+            </a:solidFill>
+          </a:ln>
+        </p:spPr>
+        <p:style>
+          <a:lnRef idx="2">
+            <a:schemeClr val="accent1">
+              <a:shade val="50000"/>
+            </a:schemeClr>
+          </a:lnRef>
+          <a:fillRef idx="1">
+            <a:schemeClr val="accent1"/>
+          </a:fillRef>
+          <a:effectRef idx="0">
+            <a:schemeClr val="accent1"/>
+          </a:effectRef>
+          <a:fontRef idx="minor">
+            <a:schemeClr val="lt1"/>
+          </a:fontRef>
+        </p:style>
+        <p:txBody>
+          <a:bodyPr rtlCol="0" anchor="ctr"/>
+          <a:lstStyle/>
+          <a:p>
+            <a:pPr algn="ctr">
+              <a:buClrTx/>
+              <a:buFontTx/>
+              <a:buNone/>
+            </a:pPr>
+            <a:endParaRPr lang="en-IN" sz="1800" kern="1200">
+              <a:solidFill>
+                <a:srgbClr val="FFFFFF"/>
+              </a:solidFill>
+            </a:endParaRPr>
+          </a:p>
+        </p:txBody>
+      </p:sp>
+      <p:sp>
+        <p:nvSpPr>
+          <p:cNvPr id="42" name="Rectangle 41"/>
+          <p:cNvSpPr/>
+          <p:nvPr/>
+        </p:nvSpPr>
+        <p:spPr>
+          <a:xfrm>
+            <a:off x="4869376" y="1605045"/>
+            <a:ext cx="1944216" cy="514742"/>
+          </a:xfrm>
+          <a:prstGeom prst="rect">
+            <a:avLst/>
+          </a:prstGeom>
+          <a:noFill/>
+          <a:ln>
+            <a:solidFill>
+              <a:schemeClr val="bg1">
+                <a:lumMod val="85000"/>
+              </a:schemeClr>
+            </a:solidFill>
+          </a:ln>
+        </p:spPr>
+        <p:style>
+          <a:lnRef idx="2">
+            <a:schemeClr val="accent1">
+              <a:shade val="50000"/>
+            </a:schemeClr>
+          </a:lnRef>
+          <a:fillRef idx="1">
+            <a:schemeClr val="accent1"/>
+          </a:fillRef>
+          <a:effectRef idx="0">
+            <a:schemeClr val="accent1"/>
+          </a:effectRef>
+          <a:fontRef idx="minor">
+            <a:schemeClr val="lt1"/>
+          </a:fontRef>
+        </p:style>
+        <p:txBody>
+          <a:bodyPr rtlCol="0" anchor="ctr"/>
+          <a:lstStyle/>
+          <a:p>
+            <a:pPr algn="ctr">
+              <a:buClrTx/>
+              <a:buFontTx/>
+              <a:buNone/>
+            </a:pPr>
+            <a:endParaRPr lang="en-IN" sz="1800" kern="1200">
+              <a:solidFill>
+                <a:srgbClr val="FFFFFF"/>
+              </a:solidFill>
+            </a:endParaRPr>
+          </a:p>
+        </p:txBody>
+      </p:sp>
+      <p:sp>
+        <p:nvSpPr>
+          <p:cNvPr id="43" name="TextBox 42"/>
+          <p:cNvSpPr txBox="1"/>
+          <p:nvPr/>
+        </p:nvSpPr>
+        <p:spPr>
+          <a:xfrm>
+            <a:off x="3073807" y="1679090"/>
+            <a:ext cx="1021433" cy="215444"/>
+          </a:xfrm>
+          <a:prstGeom prst="rect">
+            <a:avLst/>
+          </a:prstGeom>
+          <a:noFill/>
+        </p:spPr>
+        <p:txBody>
+          <a:bodyPr wrap="none" rtlCol="0">
+            <a:spAutoFit/>
+          </a:bodyPr>
+          <a:lstStyle/>
+          <a:p>
+            <a:pPr>
+              <a:buClrTx/>
+              <a:buFontTx/>
+              <a:buNone/>
+            </a:pPr>
+            <a:r>
+              <a:rPr lang="en-IN" sz="800" kern="1200" dirty="0">
+                <a:ea typeface="+mn-ea"/>
+                <a:cs typeface="+mn-cs"/>
               </a:rPr>
-              <a:t>/</a:t>
-            </a:r>
-            <a:r>
-              <a:rPr lang="en-US" sz="1600" i="0" dirty="0" err="1">
-                <a:solidFill>
-                  <a:schemeClr val="tx1"/>
-                </a:solidFill>
-                <a:latin typeface="Nunito Sans" panose="020B0604020202020204" charset="0"/>
+              <a:t>Product Marketing</a:t>
+            </a:r>
+          </a:p>
+        </p:txBody>
+      </p:sp>
+      <p:sp>
+        <p:nvSpPr>
+          <p:cNvPr id="45" name="TextBox 44"/>
+          <p:cNvSpPr txBox="1"/>
+          <p:nvPr/>
+        </p:nvSpPr>
+        <p:spPr>
+          <a:xfrm>
+            <a:off x="7193212" y="1741402"/>
+            <a:ext cx="870751" cy="230832"/>
+          </a:xfrm>
+          <a:prstGeom prst="rect">
+            <a:avLst/>
+          </a:prstGeom>
+          <a:noFill/>
+        </p:spPr>
+        <p:txBody>
+          <a:bodyPr wrap="none" rtlCol="0">
+            <a:spAutoFit/>
+          </a:bodyPr>
+          <a:lstStyle/>
+          <a:p>
+            <a:pPr>
+              <a:buClrTx/>
+              <a:buFontTx/>
+              <a:buNone/>
+            </a:pPr>
+            <a:r>
+              <a:rPr lang="en-IN" sz="900" kern="1200" dirty="0">
+                <a:ea typeface="+mn-ea"/>
+                <a:cs typeface="+mn-cs"/>
+              </a:rPr>
+              <a:t>4 Tier 1 cities</a:t>
+            </a:r>
+          </a:p>
+        </p:txBody>
+      </p:sp>
+      <p:sp>
+        <p:nvSpPr>
+          <p:cNvPr id="47" name="TextBox 46"/>
+          <p:cNvSpPr txBox="1"/>
+          <p:nvPr/>
+        </p:nvSpPr>
+        <p:spPr>
+          <a:xfrm>
+            <a:off x="4951540" y="1631583"/>
+            <a:ext cx="1160895" cy="461665"/>
+          </a:xfrm>
+          <a:prstGeom prst="rect">
+            <a:avLst/>
+          </a:prstGeom>
+          <a:noFill/>
+        </p:spPr>
+        <p:txBody>
+          <a:bodyPr wrap="none" rtlCol="0">
+            <a:spAutoFit/>
+          </a:bodyPr>
+          <a:lstStyle/>
+          <a:p>
+            <a:pPr>
+              <a:buClrTx/>
+              <a:buFontTx/>
+              <a:buNone/>
+            </a:pPr>
+            <a:r>
+              <a:rPr lang="en-IN" sz="800" kern="1200" dirty="0">
+                <a:ea typeface="+mn-ea"/>
+                <a:cs typeface="+mn-cs"/>
+              </a:rPr>
+              <a:t>Period : 1 </a:t>
+            </a:r>
+            <a:r>
+              <a:rPr lang="en-IN" sz="800" kern="1200" dirty="0" err="1">
+                <a:ea typeface="+mn-ea"/>
+                <a:cs typeface="+mn-cs"/>
               </a:rPr>
               <a:t>yr</a:t>
             </a:r>
-            <a:endParaRPr lang="en-US" sz="1600" i="0" dirty="0">
+            <a:endParaRPr lang="en-IN" sz="800" kern="1200" dirty="0">
+              <a:ea typeface="+mn-ea"/>
+              <a:cs typeface="+mn-cs"/>
+            </a:endParaRPr>
+          </a:p>
+          <a:p>
+            <a:pPr>
+              <a:buClrTx/>
+              <a:buFontTx/>
+              <a:buNone/>
+            </a:pPr>
+            <a:r>
+              <a:rPr lang="en-IN" sz="800" kern="1200" dirty="0">
+                <a:ea typeface="+mn-ea"/>
+                <a:cs typeface="+mn-cs"/>
+              </a:rPr>
+              <a:t>Expenditure : 3.5cr </a:t>
+            </a:r>
+          </a:p>
+          <a:p>
+            <a:pPr>
+              <a:buClrTx/>
+              <a:buFontTx/>
+              <a:buNone/>
+            </a:pPr>
+            <a:r>
+              <a:rPr lang="en-IN" sz="800" kern="1200" dirty="0">
+                <a:ea typeface="+mn-ea"/>
+                <a:cs typeface="+mn-cs"/>
+              </a:rPr>
+              <a:t>Revenue : 15-20 </a:t>
+            </a:r>
+            <a:r>
+              <a:rPr lang="en-IN" sz="800" kern="1200" dirty="0" err="1">
+                <a:ea typeface="+mn-ea"/>
+                <a:cs typeface="+mn-cs"/>
+              </a:rPr>
+              <a:t>lacs</a:t>
+            </a:r>
+            <a:endParaRPr lang="en-IN" sz="800" kern="1200" dirty="0">
+              <a:ea typeface="+mn-ea"/>
+              <a:cs typeface="+mn-cs"/>
+            </a:endParaRPr>
+          </a:p>
+        </p:txBody>
+      </p:sp>
+      <p:sp>
+        <p:nvSpPr>
+          <p:cNvPr id="51" name="Rectangle 50"/>
+          <p:cNvSpPr/>
+          <p:nvPr/>
+        </p:nvSpPr>
+        <p:spPr>
+          <a:xfrm>
+            <a:off x="2756939" y="2564061"/>
+            <a:ext cx="1944216" cy="601752"/>
+          </a:xfrm>
+          <a:prstGeom prst="rect">
+            <a:avLst/>
+          </a:prstGeom>
+          <a:noFill/>
+          <a:ln>
+            <a:solidFill>
+              <a:schemeClr val="bg1">
+                <a:lumMod val="85000"/>
+              </a:schemeClr>
+            </a:solidFill>
+          </a:ln>
+        </p:spPr>
+        <p:style>
+          <a:lnRef idx="2">
+            <a:schemeClr val="accent1">
+              <a:shade val="50000"/>
+            </a:schemeClr>
+          </a:lnRef>
+          <a:fillRef idx="1">
+            <a:schemeClr val="accent1"/>
+          </a:fillRef>
+          <a:effectRef idx="0">
+            <a:schemeClr val="accent1"/>
+          </a:effectRef>
+          <a:fontRef idx="minor">
+            <a:schemeClr val="lt1"/>
+          </a:fontRef>
+        </p:style>
+        <p:txBody>
+          <a:bodyPr rtlCol="0" anchor="ctr"/>
+          <a:lstStyle/>
+          <a:p>
+            <a:pPr algn="ctr">
+              <a:buClrTx/>
+              <a:buFontTx/>
+              <a:buNone/>
+            </a:pPr>
+            <a:endParaRPr lang="en-IN" sz="1800" kern="1200">
               <a:solidFill>
-                <a:schemeClr val="tx1"/>
+                <a:srgbClr val="FFFFFF"/>
               </a:solidFill>
-              <a:latin typeface="Nunito Sans" panose="020B0604020202020204" charset="0"/>
             </a:endParaRPr>
           </a:p>
-          <a:p>
-            <a:pPr algn="just"/>
-            <a:r>
-              <a:rPr lang="en-US" sz="1600" i="0" dirty="0">
-                <a:solidFill>
-                  <a:schemeClr val="tx1"/>
-                </a:solidFill>
-                <a:latin typeface="Nunito Sans" panose="020B0604020202020204" charset="0"/>
+        </p:txBody>
+      </p:sp>
+      <p:sp>
+        <p:nvSpPr>
+          <p:cNvPr id="52" name="Rectangle 51"/>
+          <p:cNvSpPr/>
+          <p:nvPr/>
+        </p:nvSpPr>
+        <p:spPr>
+          <a:xfrm>
+            <a:off x="7005411" y="2575257"/>
+            <a:ext cx="1251475" cy="590556"/>
+          </a:xfrm>
+          <a:prstGeom prst="rect">
+            <a:avLst/>
+          </a:prstGeom>
+          <a:noFill/>
+          <a:ln>
+            <a:solidFill>
+              <a:schemeClr val="bg1">
+                <a:lumMod val="85000"/>
+              </a:schemeClr>
+            </a:solidFill>
+          </a:ln>
+        </p:spPr>
+        <p:style>
+          <a:lnRef idx="2">
+            <a:schemeClr val="accent1">
+              <a:shade val="50000"/>
+            </a:schemeClr>
+          </a:lnRef>
+          <a:fillRef idx="1">
+            <a:schemeClr val="accent1"/>
+          </a:fillRef>
+          <a:effectRef idx="0">
+            <a:schemeClr val="accent1"/>
+          </a:effectRef>
+          <a:fontRef idx="minor">
+            <a:schemeClr val="lt1"/>
+          </a:fontRef>
+        </p:style>
+        <p:txBody>
+          <a:bodyPr rtlCol="0" anchor="ctr"/>
+          <a:lstStyle/>
+          <a:p>
+            <a:pPr algn="ctr">
+              <a:buClrTx/>
+              <a:buFontTx/>
+              <a:buNone/>
+            </a:pPr>
+            <a:endParaRPr lang="en-IN" sz="1800" kern="1200">
+              <a:solidFill>
+                <a:srgbClr val="FFFFFF"/>
+              </a:solidFill>
+            </a:endParaRPr>
+          </a:p>
+        </p:txBody>
+      </p:sp>
+      <p:sp>
+        <p:nvSpPr>
+          <p:cNvPr id="53" name="Rectangle 52"/>
+          <p:cNvSpPr/>
+          <p:nvPr/>
+        </p:nvSpPr>
+        <p:spPr>
+          <a:xfrm>
+            <a:off x="4881175" y="2575257"/>
+            <a:ext cx="1944216" cy="590556"/>
+          </a:xfrm>
+          <a:prstGeom prst="rect">
+            <a:avLst/>
+          </a:prstGeom>
+          <a:noFill/>
+          <a:ln>
+            <a:solidFill>
+              <a:schemeClr val="bg1">
+                <a:lumMod val="85000"/>
+              </a:schemeClr>
+            </a:solidFill>
+          </a:ln>
+        </p:spPr>
+        <p:style>
+          <a:lnRef idx="2">
+            <a:schemeClr val="accent1">
+              <a:shade val="50000"/>
+            </a:schemeClr>
+          </a:lnRef>
+          <a:fillRef idx="1">
+            <a:schemeClr val="accent1"/>
+          </a:fillRef>
+          <a:effectRef idx="0">
+            <a:schemeClr val="accent1"/>
+          </a:effectRef>
+          <a:fontRef idx="minor">
+            <a:schemeClr val="lt1"/>
+          </a:fontRef>
+        </p:style>
+        <p:txBody>
+          <a:bodyPr rtlCol="0" anchor="ctr"/>
+          <a:lstStyle/>
+          <a:p>
+            <a:pPr algn="ctr">
+              <a:buClrTx/>
+              <a:buFontTx/>
+              <a:buNone/>
+            </a:pPr>
+            <a:endParaRPr lang="en-IN" sz="1800" kern="1200">
+              <a:solidFill>
+                <a:srgbClr val="FFFFFF"/>
+              </a:solidFill>
+            </a:endParaRPr>
+          </a:p>
+        </p:txBody>
+      </p:sp>
+      <p:sp>
+        <p:nvSpPr>
+          <p:cNvPr id="54" name="TextBox 53"/>
+          <p:cNvSpPr txBox="1"/>
+          <p:nvPr/>
+        </p:nvSpPr>
+        <p:spPr>
+          <a:xfrm>
+            <a:off x="3066490" y="2649303"/>
+            <a:ext cx="1138452" cy="338554"/>
+          </a:xfrm>
+          <a:prstGeom prst="rect">
+            <a:avLst/>
+          </a:prstGeom>
+          <a:noFill/>
+        </p:spPr>
+        <p:txBody>
+          <a:bodyPr wrap="none" rtlCol="0">
+            <a:spAutoFit/>
+          </a:bodyPr>
+          <a:lstStyle/>
+          <a:p>
+            <a:pPr algn="ctr">
+              <a:buClrTx/>
+              <a:buFontTx/>
+              <a:buNone/>
+            </a:pPr>
+            <a:r>
+              <a:rPr lang="en-IN" sz="800" kern="1200" dirty="0">
+                <a:ea typeface="+mn-ea"/>
+                <a:cs typeface="+mn-cs"/>
               </a:rPr>
-              <a:t>Initial deployment of the system in Pune City.</a:t>
-            </a:r>
-          </a:p>
-          <a:p>
-            <a:pPr algn="just"/>
-            <a:r>
-              <a:rPr lang="en-US" sz="1600" i="0" dirty="0">
-                <a:solidFill>
-                  <a:schemeClr val="tx1"/>
-                </a:solidFill>
-                <a:latin typeface="Nunito Sans" panose="020B0604020202020204" charset="0"/>
+              <a:t>Product Marketing + </a:t>
+            </a:r>
+          </a:p>
+          <a:p>
+            <a:pPr algn="ctr">
+              <a:buClrTx/>
+              <a:buFontTx/>
+              <a:buNone/>
+            </a:pPr>
+            <a:r>
+              <a:rPr lang="en-IN" sz="800" kern="1200" dirty="0"/>
+              <a:t>Pharmacists</a:t>
+            </a:r>
+          </a:p>
+        </p:txBody>
+      </p:sp>
+      <p:sp>
+        <p:nvSpPr>
+          <p:cNvPr id="55" name="TextBox 54"/>
+          <p:cNvSpPr txBox="1"/>
+          <p:nvPr/>
+        </p:nvSpPr>
+        <p:spPr>
+          <a:xfrm>
+            <a:off x="7158344" y="2703164"/>
+            <a:ext cx="966931" cy="230832"/>
+          </a:xfrm>
+          <a:prstGeom prst="rect">
+            <a:avLst/>
+          </a:prstGeom>
+          <a:noFill/>
+        </p:spPr>
+        <p:txBody>
+          <a:bodyPr wrap="none" rtlCol="0">
+            <a:spAutoFit/>
+          </a:bodyPr>
+          <a:lstStyle/>
+          <a:p>
+            <a:pPr>
+              <a:buClrTx/>
+              <a:buFontTx/>
+              <a:buNone/>
+            </a:pPr>
+            <a:r>
+              <a:rPr lang="en-IN" sz="900" kern="1200" dirty="0">
+                <a:ea typeface="+mn-ea"/>
+                <a:cs typeface="+mn-cs"/>
               </a:rPr>
-              <a:t>At first, only citizens and healthcare centers will be incorporated in the system. </a:t>
-            </a:r>
-          </a:p>
-          <a:p>
-            <a:pPr algn="just"/>
-            <a:r>
-              <a:rPr lang="en-US" sz="1600" i="0" dirty="0">
-                <a:solidFill>
-                  <a:schemeClr val="tx1"/>
-                </a:solidFill>
-                <a:latin typeface="Nunito Sans" panose="020B0604020202020204" charset="0"/>
+              <a:t>10 Tier 2 cities </a:t>
+            </a:r>
+          </a:p>
+        </p:txBody>
+      </p:sp>
+      <p:sp>
+        <p:nvSpPr>
+          <p:cNvPr id="56" name="TextBox 55"/>
+          <p:cNvSpPr txBox="1"/>
+          <p:nvPr/>
+        </p:nvSpPr>
+        <p:spPr>
+          <a:xfrm>
+            <a:off x="4951432" y="2639875"/>
+            <a:ext cx="1160895" cy="461665"/>
+          </a:xfrm>
+          <a:prstGeom prst="rect">
+            <a:avLst/>
+          </a:prstGeom>
+          <a:noFill/>
+        </p:spPr>
+        <p:txBody>
+          <a:bodyPr wrap="none" rtlCol="0">
+            <a:spAutoFit/>
+          </a:bodyPr>
+          <a:lstStyle/>
+          <a:p>
+            <a:pPr>
+              <a:buClrTx/>
+              <a:buFontTx/>
+              <a:buNone/>
+            </a:pPr>
+            <a:r>
+              <a:rPr lang="en-IN" sz="800" kern="1200" dirty="0">
+                <a:ea typeface="+mn-ea"/>
+                <a:cs typeface="+mn-cs"/>
               </a:rPr>
-              <a:t>The next 6 months four Tier 1 cities - Mumbai, Nagpur, </a:t>
-            </a:r>
-            <a:r>
-              <a:rPr lang="en-US" sz="1600" i="0" dirty="0" err="1">
-                <a:solidFill>
-                  <a:schemeClr val="tx1"/>
-                </a:solidFill>
-                <a:latin typeface="Nunito Sans" panose="020B0604020202020204" charset="0"/>
+              <a:t>Period : 1 </a:t>
+            </a:r>
+            <a:r>
+              <a:rPr lang="en-IN" sz="800" kern="1200" dirty="0" err="1">
+                <a:ea typeface="+mn-ea"/>
+                <a:cs typeface="+mn-cs"/>
               </a:rPr>
-              <a:t>Surat</a:t>
-            </a:r>
-            <a:r>
-              <a:rPr lang="en-US" sz="1600" i="0" dirty="0">
-                <a:solidFill>
-                  <a:schemeClr val="tx1"/>
-                </a:solidFill>
-                <a:latin typeface="Nunito Sans" panose="020B0604020202020204" charset="0"/>
+              <a:t>yr</a:t>
+            </a:r>
+            <a:endParaRPr lang="en-IN" sz="800" kern="1200" dirty="0">
+              <a:ea typeface="+mn-ea"/>
+              <a:cs typeface="+mn-cs"/>
+            </a:endParaRPr>
+          </a:p>
+          <a:p>
+            <a:pPr>
+              <a:buClrTx/>
+              <a:buFontTx/>
+              <a:buNone/>
+            </a:pPr>
+            <a:r>
+              <a:rPr lang="en-IN" sz="800" kern="1200" dirty="0">
+                <a:ea typeface="+mn-ea"/>
+                <a:cs typeface="+mn-cs"/>
               </a:rPr>
-              <a:t> and Ahmedabad will be included in the system.</a:t>
-            </a:r>
-          </a:p>
-          <a:p>
-            <a:pPr algn="just"/>
-            <a:r>
-              <a:rPr lang="en-US" sz="1600" i="0" dirty="0">
-                <a:solidFill>
-                  <a:schemeClr val="tx1"/>
-                </a:solidFill>
-                <a:latin typeface="Nunito Sans" panose="020B0604020202020204" charset="0"/>
+              <a:t>Expenditure : 6cr </a:t>
+            </a:r>
+          </a:p>
+          <a:p>
+            <a:pPr>
+              <a:buClrTx/>
+              <a:buFontTx/>
+              <a:buNone/>
+            </a:pPr>
+            <a:r>
+              <a:rPr lang="en-IN" sz="800" kern="1200" dirty="0">
+                <a:ea typeface="+mn-ea"/>
+                <a:cs typeface="+mn-cs"/>
               </a:rPr>
-              <a:t>After successfully implementing in Tier 1 cities, insurance companies may be included in the system.</a:t>
-            </a:r>
-          </a:p>
-          <a:p>
-            <a:pPr algn="just"/>
-            <a:r>
-              <a:rPr lang="en-US" sz="1600" i="0" dirty="0">
-                <a:solidFill>
-                  <a:schemeClr val="tx1"/>
-                </a:solidFill>
-                <a:latin typeface="Nunito Sans" panose="020B0604020202020204" charset="0"/>
+              <a:t>Revenue : 35-40 </a:t>
+            </a:r>
+            <a:r>
+              <a:rPr lang="en-IN" sz="800" kern="1200" dirty="0" err="1">
+                <a:ea typeface="+mn-ea"/>
+                <a:cs typeface="+mn-cs"/>
               </a:rPr>
-              <a:t>The healthcare centers &amp; insurance companies have to pay a subscription fee to use the system(yearly basis). </a:t>
-            </a:r>
-          </a:p>
-          <a:p>
-            <a:pPr algn="just"/>
-            <a:r>
-              <a:rPr lang="en-US" sz="1600" i="0" dirty="0">
-                <a:solidFill>
-                  <a:schemeClr val="tx1"/>
-                </a:solidFill>
-                <a:latin typeface="Nunito Sans" panose="020B0604020202020204" charset="0"/>
+              <a:t>lacs</a:t>
+            </a:r>
+            <a:endParaRPr lang="en-IN" sz="800" kern="1200" dirty="0">
+              <a:ea typeface="+mn-ea"/>
+              <a:cs typeface="+mn-cs"/>
+            </a:endParaRPr>
+          </a:p>
+        </p:txBody>
+      </p:sp>
+      <p:sp>
+        <p:nvSpPr>
+          <p:cNvPr id="59" name="Rectangle 58"/>
+          <p:cNvSpPr/>
+          <p:nvPr/>
+        </p:nvSpPr>
+        <p:spPr>
+          <a:xfrm>
+            <a:off x="2776515" y="3577949"/>
+            <a:ext cx="1944216" cy="601752"/>
+          </a:xfrm>
+          <a:prstGeom prst="rect">
+            <a:avLst/>
+          </a:prstGeom>
+          <a:noFill/>
+          <a:ln>
+            <a:solidFill>
+              <a:schemeClr val="bg1">
+                <a:lumMod val="85000"/>
+              </a:schemeClr>
+            </a:solidFill>
+          </a:ln>
+        </p:spPr>
+        <p:style>
+          <a:lnRef idx="2">
+            <a:schemeClr val="accent1">
+              <a:shade val="50000"/>
+            </a:schemeClr>
+          </a:lnRef>
+          <a:fillRef idx="1">
+            <a:schemeClr val="accent1"/>
+          </a:fillRef>
+          <a:effectRef idx="0">
+            <a:schemeClr val="accent1"/>
+          </a:effectRef>
+          <a:fontRef idx="minor">
+            <a:schemeClr val="lt1"/>
+          </a:fontRef>
+        </p:style>
+        <p:txBody>
+          <a:bodyPr rtlCol="0" anchor="ctr"/>
+          <a:lstStyle/>
+          <a:p>
+            <a:pPr algn="ctr">
+              <a:buClrTx/>
+              <a:buFontTx/>
+              <a:buNone/>
+            </a:pPr>
+            <a:endParaRPr lang="en-IN" sz="1800" kern="1200">
+              <a:solidFill>
+                <a:srgbClr val="FFFFFF"/>
+              </a:solidFill>
+            </a:endParaRPr>
+          </a:p>
+        </p:txBody>
+      </p:sp>
+      <p:sp>
+        <p:nvSpPr>
+          <p:cNvPr id="60" name="Rectangle 59"/>
+          <p:cNvSpPr/>
+          <p:nvPr/>
+        </p:nvSpPr>
+        <p:spPr>
+          <a:xfrm>
+            <a:off x="7024987" y="3589145"/>
+            <a:ext cx="1253595" cy="590556"/>
+          </a:xfrm>
+          <a:prstGeom prst="rect">
+            <a:avLst/>
+          </a:prstGeom>
+          <a:noFill/>
+          <a:ln>
+            <a:solidFill>
+              <a:schemeClr val="bg1">
+                <a:lumMod val="85000"/>
+              </a:schemeClr>
+            </a:solidFill>
+          </a:ln>
+        </p:spPr>
+        <p:style>
+          <a:lnRef idx="2">
+            <a:schemeClr val="accent1">
+              <a:shade val="50000"/>
+            </a:schemeClr>
+          </a:lnRef>
+          <a:fillRef idx="1">
+            <a:schemeClr val="accent1"/>
+          </a:fillRef>
+          <a:effectRef idx="0">
+            <a:schemeClr val="accent1"/>
+          </a:effectRef>
+          <a:fontRef idx="minor">
+            <a:schemeClr val="lt1"/>
+          </a:fontRef>
+        </p:style>
+        <p:txBody>
+          <a:bodyPr rtlCol="0" anchor="ctr"/>
+          <a:lstStyle/>
+          <a:p>
+            <a:pPr algn="ctr">
+              <a:buClrTx/>
+              <a:buFontTx/>
+              <a:buNone/>
+            </a:pPr>
+            <a:endParaRPr lang="en-IN" sz="1800" kern="1200">
+              <a:solidFill>
+                <a:srgbClr val="FFFFFF"/>
+              </a:solidFill>
+            </a:endParaRPr>
+          </a:p>
+        </p:txBody>
+      </p:sp>
+      <p:sp>
+        <p:nvSpPr>
+          <p:cNvPr id="61" name="Rectangle 60"/>
+          <p:cNvSpPr/>
+          <p:nvPr/>
+        </p:nvSpPr>
+        <p:spPr>
+          <a:xfrm>
+            <a:off x="4900751" y="3589145"/>
+            <a:ext cx="1944216" cy="590556"/>
+          </a:xfrm>
+          <a:prstGeom prst="rect">
+            <a:avLst/>
+          </a:prstGeom>
+          <a:noFill/>
+          <a:ln>
+            <a:solidFill>
+              <a:schemeClr val="bg1">
+                <a:lumMod val="85000"/>
+              </a:schemeClr>
+            </a:solidFill>
+          </a:ln>
+        </p:spPr>
+        <p:style>
+          <a:lnRef idx="2">
+            <a:schemeClr val="accent1">
+              <a:shade val="50000"/>
+            </a:schemeClr>
+          </a:lnRef>
+          <a:fillRef idx="1">
+            <a:schemeClr val="accent1"/>
+          </a:fillRef>
+          <a:effectRef idx="0">
+            <a:schemeClr val="accent1"/>
+          </a:effectRef>
+          <a:fontRef idx="minor">
+            <a:schemeClr val="lt1"/>
+          </a:fontRef>
+        </p:style>
+        <p:txBody>
+          <a:bodyPr rtlCol="0" anchor="ctr"/>
+          <a:lstStyle/>
+          <a:p>
+            <a:pPr algn="ctr">
+              <a:buClrTx/>
+              <a:buFontTx/>
+              <a:buNone/>
+            </a:pPr>
+            <a:endParaRPr lang="en-IN" sz="1800" kern="1200">
+              <a:solidFill>
+                <a:srgbClr val="FFFFFF"/>
+              </a:solidFill>
+            </a:endParaRPr>
+          </a:p>
+        </p:txBody>
+      </p:sp>
+      <p:sp>
+        <p:nvSpPr>
+          <p:cNvPr id="62" name="TextBox 61"/>
+          <p:cNvSpPr txBox="1"/>
+          <p:nvPr/>
+        </p:nvSpPr>
+        <p:spPr>
+          <a:xfrm>
+            <a:off x="3053204" y="3663191"/>
+            <a:ext cx="1165704" cy="338554"/>
+          </a:xfrm>
+          <a:prstGeom prst="rect">
+            <a:avLst/>
+          </a:prstGeom>
+          <a:noFill/>
+        </p:spPr>
+        <p:txBody>
+          <a:bodyPr wrap="none" rtlCol="0">
+            <a:spAutoFit/>
+          </a:bodyPr>
+          <a:lstStyle/>
+          <a:p>
+            <a:pPr algn="ctr">
+              <a:buClrTx/>
+              <a:buFontTx/>
+              <a:buNone/>
+            </a:pPr>
+            <a:r>
+              <a:rPr lang="en-IN" sz="800" kern="1200" dirty="0">
+                <a:ea typeface="+mn-ea"/>
+                <a:cs typeface="+mn-cs"/>
               </a:rPr>
-              <a:t>Gradually Tier 2 &amp; 3 cities will be included in the scheme.</a:t>
-            </a:r>
-          </a:p>
-          <a:p>
-            <a:pPr algn="just"/>
-            <a:endParaRPr lang="en-US" sz="1600" i="0" dirty="0">
-              <a:solidFill>
-                <a:schemeClr val="tx1"/>
-              </a:solidFill>
-              <a:latin typeface="Nunito Sans" panose="020B0604020202020204" charset="0"/>
+              <a:t>Product Marketing + </a:t>
+            </a:r>
+          </a:p>
+          <a:p>
+            <a:pPr algn="ctr">
+              <a:buClrTx/>
+              <a:buFontTx/>
+              <a:buNone/>
+            </a:pPr>
+            <a:r>
+              <a:rPr lang="en-IN" sz="800" kern="1200" dirty="0">
+                <a:ea typeface="+mn-ea"/>
+                <a:cs typeface="+mn-cs"/>
+              </a:rPr>
+              <a:t>Insurance companies</a:t>
+            </a:r>
+          </a:p>
+        </p:txBody>
+      </p:sp>
+      <p:sp>
+        <p:nvSpPr>
+          <p:cNvPr id="63" name="TextBox 62"/>
+          <p:cNvSpPr txBox="1"/>
+          <p:nvPr/>
+        </p:nvSpPr>
+        <p:spPr>
+          <a:xfrm>
+            <a:off x="7180042" y="3717052"/>
+            <a:ext cx="966931" cy="230832"/>
+          </a:xfrm>
+          <a:prstGeom prst="rect">
+            <a:avLst/>
+          </a:prstGeom>
+          <a:noFill/>
+        </p:spPr>
+        <p:txBody>
+          <a:bodyPr wrap="none" rtlCol="0">
+            <a:spAutoFit/>
+          </a:bodyPr>
+          <a:lstStyle/>
+          <a:p>
+            <a:pPr>
+              <a:buClrTx/>
+              <a:buFontTx/>
+              <a:buNone/>
+            </a:pPr>
+            <a:r>
+              <a:rPr lang="en-IN" sz="900" kern="1200" dirty="0">
+                <a:ea typeface="+mn-ea"/>
+                <a:cs typeface="+mn-cs"/>
+              </a:rPr>
+              <a:t>15 Tier 3 cities </a:t>
+            </a:r>
+          </a:p>
+        </p:txBody>
+      </p:sp>
+      <p:sp>
+        <p:nvSpPr>
+          <p:cNvPr id="64" name="TextBox 63"/>
+          <p:cNvSpPr txBox="1"/>
+          <p:nvPr/>
+        </p:nvSpPr>
+        <p:spPr>
+          <a:xfrm>
+            <a:off x="4971008" y="3653763"/>
+            <a:ext cx="1160895" cy="461665"/>
+          </a:xfrm>
+          <a:prstGeom prst="rect">
+            <a:avLst/>
+          </a:prstGeom>
+          <a:noFill/>
+        </p:spPr>
+        <p:txBody>
+          <a:bodyPr wrap="none" rtlCol="0">
+            <a:spAutoFit/>
+          </a:bodyPr>
+          <a:lstStyle/>
+          <a:p>
+            <a:pPr>
+              <a:buClrTx/>
+              <a:buFontTx/>
+              <a:buNone/>
+            </a:pPr>
+            <a:r>
+              <a:rPr lang="en-IN" sz="800" kern="1200" dirty="0">
+                <a:ea typeface="+mn-ea"/>
+                <a:cs typeface="+mn-cs"/>
+              </a:rPr>
+              <a:t>Period : 1.5 </a:t>
+            </a:r>
+            <a:r>
+              <a:rPr lang="en-IN" sz="800" kern="1200" dirty="0" err="1">
+                <a:ea typeface="+mn-ea"/>
+                <a:cs typeface="+mn-cs"/>
+              </a:rPr>
+              <a:t>yrs</a:t>
+            </a:r>
+            <a:endParaRPr lang="en-IN" sz="800" kern="1200" dirty="0">
+              <a:ea typeface="+mn-ea"/>
+              <a:cs typeface="+mn-cs"/>
             </a:endParaRPr>
           </a:p>
           <a:p>
-            <a:pPr algn="just">
-              <a:buFont typeface="Arial" panose="020B0604020202020204" pitchFamily="34" charset="0"/>
-              <a:buChar char="•"/>
+            <a:pPr>
+              <a:buClrTx/>
+              <a:buFontTx/>
+              <a:buNone/>
             </a:pPr>
-            <a:endParaRPr lang="en-US" sz="1600" i="0" dirty="0">
-              <a:solidFill>
-                <a:schemeClr val="tx1"/>
-              </a:solidFill>
-              <a:latin typeface="Nunito Sans" panose="020B0604020202020204" charset="0"/>
+            <a:r>
+              <a:rPr lang="en-IN" sz="800" kern="1200" dirty="0">
+                <a:ea typeface="+mn-ea"/>
+                <a:cs typeface="+mn-cs"/>
+              </a:rPr>
+              <a:t>Expenditure : 10cr </a:t>
+            </a:r>
+          </a:p>
+          <a:p>
+            <a:pPr>
+              <a:buClrTx/>
+              <a:buFontTx/>
+              <a:buNone/>
+            </a:pPr>
+            <a:r>
+              <a:rPr lang="en-IN" sz="800" kern="1200" dirty="0">
+                <a:ea typeface="+mn-ea"/>
+                <a:cs typeface="+mn-cs"/>
+              </a:rPr>
+              <a:t>Revenue : 60-70 </a:t>
+            </a:r>
+            <a:r>
+              <a:rPr lang="en-IN" sz="800" kern="1200" dirty="0" err="1">
+                <a:ea typeface="+mn-ea"/>
+                <a:cs typeface="+mn-cs"/>
+              </a:rPr>
+              <a:t>lacs</a:t>
+            </a:r>
+            <a:endParaRPr lang="en-IN" sz="800" kern="1200" dirty="0">
+              <a:ea typeface="+mn-ea"/>
+              <a:cs typeface="+mn-cs"/>
             </a:endParaRPr>
           </a:p>
-          <a:p>
-            <a:pPr algn="just">
-              <a:buFont typeface="Arial" panose="020B0604020202020204" pitchFamily="34" charset="0"/>
-              <a:buChar char="•"/>
+        </p:txBody>
+      </p:sp>
+      <p:sp>
+        <p:nvSpPr>
+          <p:cNvPr id="4" name="TextBox 3"/>
+          <p:cNvSpPr txBox="1"/>
+          <p:nvPr/>
+        </p:nvSpPr>
+        <p:spPr>
+          <a:xfrm>
+            <a:off x="2957310" y="0"/>
+            <a:ext cx="1556836" cy="307777"/>
+          </a:xfrm>
+          <a:prstGeom prst="rect">
+            <a:avLst/>
+          </a:prstGeom>
+          <a:noFill/>
+        </p:spPr>
+        <p:txBody>
+          <a:bodyPr wrap="none" rtlCol="0">
+            <a:spAutoFit/>
+          </a:bodyPr>
+          <a:lstStyle/>
+          <a:p>
+            <a:pPr>
+              <a:buClrTx/>
+              <a:buFontTx/>
+              <a:buNone/>
             </a:pPr>
-            <a:endParaRPr lang="en-US" sz="1600" i="0" dirty="0">
-              <a:solidFill>
-                <a:schemeClr val="tx1"/>
-              </a:solidFill>
-              <a:latin typeface="Nunito Sans" panose="020B0604020202020204" charset="0"/>
-            </a:endParaRPr>
-          </a:p>
-          <a:p>
-            <a:pPr algn="just">
-              <a:buFont typeface="Arial" panose="020B0604020202020204" pitchFamily="34" charset="0"/>
-              <a:buChar char="•"/>
+            <a:r>
+              <a:rPr lang="en-IN" kern="1200" dirty="0">
+                <a:ea typeface="+mn-ea"/>
+                <a:cs typeface="+mn-cs"/>
+              </a:rPr>
+              <a:t>Product Features</a:t>
+            </a:r>
+          </a:p>
+        </p:txBody>
+      </p:sp>
+      <p:sp>
+        <p:nvSpPr>
+          <p:cNvPr id="44" name="TextBox 43"/>
+          <p:cNvSpPr txBox="1"/>
+          <p:nvPr/>
+        </p:nvSpPr>
+        <p:spPr>
+          <a:xfrm>
+            <a:off x="5118699" y="-19041"/>
+            <a:ext cx="1438214" cy="307777"/>
+          </a:xfrm>
+          <a:prstGeom prst="rect">
+            <a:avLst/>
+          </a:prstGeom>
+          <a:noFill/>
+        </p:spPr>
+        <p:txBody>
+          <a:bodyPr wrap="none" rtlCol="0">
+            <a:spAutoFit/>
+          </a:bodyPr>
+          <a:lstStyle/>
+          <a:p>
+            <a:pPr>
+              <a:buClrTx/>
+              <a:buFontTx/>
+              <a:buNone/>
             </a:pPr>
-            <a:endParaRPr sz="1600" i="0" dirty="0">
-              <a:solidFill>
-                <a:schemeClr val="tx1"/>
-              </a:solidFill>
-              <a:latin typeface="Nunito Sans" panose="020B0604020202020204" charset="0"/>
-            </a:endParaRPr>
+            <a:r>
+              <a:rPr lang="en-IN" kern="1200" dirty="0">
+                <a:ea typeface="+mn-ea"/>
+                <a:cs typeface="+mn-cs"/>
+              </a:rPr>
+              <a:t>Revenue Model</a:t>
+            </a:r>
+          </a:p>
+        </p:txBody>
+      </p:sp>
+      <p:sp>
+        <p:nvSpPr>
+          <p:cNvPr id="46" name="TextBox 45"/>
+          <p:cNvSpPr txBox="1"/>
+          <p:nvPr/>
+        </p:nvSpPr>
+        <p:spPr>
+          <a:xfrm>
+            <a:off x="7151700" y="-19042"/>
+            <a:ext cx="970137" cy="307777"/>
+          </a:xfrm>
+          <a:prstGeom prst="rect">
+            <a:avLst/>
+          </a:prstGeom>
+          <a:noFill/>
+        </p:spPr>
+        <p:txBody>
+          <a:bodyPr wrap="none" rtlCol="0">
+            <a:spAutoFit/>
+          </a:bodyPr>
+          <a:lstStyle/>
+          <a:p>
+            <a:pPr>
+              <a:buClrTx/>
+              <a:buFontTx/>
+              <a:buNone/>
+            </a:pPr>
+            <a:r>
+              <a:rPr lang="en-IN" kern="1200" dirty="0">
+                <a:ea typeface="+mn-ea"/>
+                <a:cs typeface="+mn-cs"/>
+              </a:rPr>
+              <a:t>Marketing</a:t>
+            </a:r>
+          </a:p>
+        </p:txBody>
+      </p:sp>
+      <p:cxnSp>
+        <p:nvCxnSpPr>
+          <p:cNvPr id="8" name="Straight Connector 7"/>
+          <p:cNvCxnSpPr/>
+          <p:nvPr/>
+        </p:nvCxnSpPr>
+        <p:spPr>
+          <a:xfrm>
+            <a:off x="2617484" y="307777"/>
+            <a:ext cx="6480720" cy="0"/>
+          </a:xfrm>
+          <a:prstGeom prst="line">
+            <a:avLst/>
+          </a:prstGeom>
+        </p:spPr>
+        <p:style>
+          <a:lnRef idx="1">
+            <a:schemeClr val="accent1"/>
+          </a:lnRef>
+          <a:fillRef idx="0">
+            <a:schemeClr val="accent1"/>
+          </a:fillRef>
+          <a:effectRef idx="0">
+            <a:schemeClr val="accent1"/>
+          </a:effectRef>
+          <a:fontRef idx="minor">
+            <a:schemeClr val="tx1"/>
+          </a:fontRef>
+        </p:style>
+      </p:cxnSp>
+      <p:sp>
+        <p:nvSpPr>
+          <p:cNvPr id="68" name="TextBox 67"/>
+          <p:cNvSpPr txBox="1"/>
+          <p:nvPr/>
+        </p:nvSpPr>
+        <p:spPr>
+          <a:xfrm>
+            <a:off x="2753323" y="389343"/>
+            <a:ext cx="723275" cy="246221"/>
+          </a:xfrm>
+          <a:prstGeom prst="rect">
+            <a:avLst/>
+          </a:prstGeom>
+          <a:noFill/>
+        </p:spPr>
+        <p:txBody>
+          <a:bodyPr wrap="none" rtlCol="0">
+            <a:spAutoFit/>
+          </a:bodyPr>
+          <a:lstStyle/>
+          <a:p>
+            <a:pPr>
+              <a:buClrTx/>
+              <a:buFontTx/>
+              <a:buNone/>
+            </a:pPr>
+            <a:r>
+              <a:rPr lang="en-IN" sz="1000" kern="1200" dirty="0">
+                <a:ea typeface="+mn-ea"/>
+                <a:cs typeface="+mn-cs"/>
+              </a:rPr>
+              <a:t>Version 1</a:t>
+            </a:r>
+          </a:p>
+        </p:txBody>
+      </p:sp>
+      <p:cxnSp>
+        <p:nvCxnSpPr>
+          <p:cNvPr id="69" name="Straight Connector 68"/>
+          <p:cNvCxnSpPr/>
+          <p:nvPr/>
+        </p:nvCxnSpPr>
+        <p:spPr>
+          <a:xfrm>
+            <a:off x="2597446" y="1279459"/>
+            <a:ext cx="6480720" cy="0"/>
+          </a:xfrm>
+          <a:prstGeom prst="line">
+            <a:avLst/>
+          </a:prstGeom>
+          <a:ln w="3175"/>
+        </p:spPr>
+        <p:style>
+          <a:lnRef idx="1">
+            <a:schemeClr val="accent1"/>
+          </a:lnRef>
+          <a:fillRef idx="0">
+            <a:schemeClr val="accent1"/>
+          </a:fillRef>
+          <a:effectRef idx="0">
+            <a:schemeClr val="accent1"/>
+          </a:effectRef>
+          <a:fontRef idx="minor">
+            <a:schemeClr val="tx1"/>
+          </a:fontRef>
+        </p:style>
+      </p:cxnSp>
+      <p:sp>
+        <p:nvSpPr>
+          <p:cNvPr id="70" name="TextBox 69"/>
+          <p:cNvSpPr txBox="1"/>
+          <p:nvPr/>
+        </p:nvSpPr>
+        <p:spPr>
+          <a:xfrm>
+            <a:off x="2755442" y="1346550"/>
+            <a:ext cx="723275" cy="246221"/>
+          </a:xfrm>
+          <a:prstGeom prst="rect">
+            <a:avLst/>
+          </a:prstGeom>
+          <a:noFill/>
+        </p:spPr>
+        <p:txBody>
+          <a:bodyPr wrap="none" rtlCol="0">
+            <a:spAutoFit/>
+          </a:bodyPr>
+          <a:lstStyle/>
+          <a:p>
+            <a:pPr>
+              <a:buClrTx/>
+              <a:buFontTx/>
+              <a:buNone/>
+            </a:pPr>
+            <a:r>
+              <a:rPr lang="en-IN" sz="1000" kern="1200" dirty="0">
+                <a:ea typeface="+mn-ea"/>
+                <a:cs typeface="+mn-cs"/>
+              </a:rPr>
+              <a:t>Version 2</a:t>
+            </a:r>
+          </a:p>
+        </p:txBody>
+      </p:sp>
+      <p:cxnSp>
+        <p:nvCxnSpPr>
+          <p:cNvPr id="71" name="Straight Connector 70"/>
+          <p:cNvCxnSpPr/>
+          <p:nvPr/>
+        </p:nvCxnSpPr>
+        <p:spPr>
+          <a:xfrm>
+            <a:off x="2572296" y="2232077"/>
+            <a:ext cx="6480720" cy="0"/>
+          </a:xfrm>
+          <a:prstGeom prst="line">
+            <a:avLst/>
+          </a:prstGeom>
+        </p:spPr>
+        <p:style>
+          <a:lnRef idx="1">
+            <a:schemeClr val="accent1"/>
+          </a:lnRef>
+          <a:fillRef idx="0">
+            <a:schemeClr val="accent1"/>
+          </a:fillRef>
+          <a:effectRef idx="0">
+            <a:schemeClr val="accent1"/>
+          </a:effectRef>
+          <a:fontRef idx="minor">
+            <a:schemeClr val="tx1"/>
+          </a:fontRef>
+        </p:style>
+      </p:cxnSp>
+      <p:sp>
+        <p:nvSpPr>
+          <p:cNvPr id="72" name="TextBox 71"/>
+          <p:cNvSpPr txBox="1"/>
+          <p:nvPr/>
+        </p:nvSpPr>
+        <p:spPr>
+          <a:xfrm>
+            <a:off x="2771705" y="2289820"/>
+            <a:ext cx="723275" cy="246221"/>
+          </a:xfrm>
+          <a:prstGeom prst="rect">
+            <a:avLst/>
+          </a:prstGeom>
+          <a:noFill/>
+        </p:spPr>
+        <p:txBody>
+          <a:bodyPr wrap="none" rtlCol="0">
+            <a:spAutoFit/>
+          </a:bodyPr>
+          <a:lstStyle/>
+          <a:p>
+            <a:pPr>
+              <a:buClrTx/>
+              <a:buFontTx/>
+              <a:buNone/>
+            </a:pPr>
+            <a:r>
+              <a:rPr lang="en-IN" sz="1000" kern="1200" dirty="0">
+                <a:ea typeface="+mn-ea"/>
+                <a:cs typeface="+mn-cs"/>
+              </a:rPr>
+              <a:t>Version 3</a:t>
+            </a:r>
+          </a:p>
+        </p:txBody>
+      </p:sp>
+      <p:cxnSp>
+        <p:nvCxnSpPr>
+          <p:cNvPr id="73" name="Straight Connector 72"/>
+          <p:cNvCxnSpPr/>
+          <p:nvPr/>
+        </p:nvCxnSpPr>
+        <p:spPr>
+          <a:xfrm>
+            <a:off x="2572296" y="3257936"/>
+            <a:ext cx="6480720" cy="0"/>
+          </a:xfrm>
+          <a:prstGeom prst="line">
+            <a:avLst/>
+          </a:prstGeom>
+        </p:spPr>
+        <p:style>
+          <a:lnRef idx="1">
+            <a:schemeClr val="accent1"/>
+          </a:lnRef>
+          <a:fillRef idx="0">
+            <a:schemeClr val="accent1"/>
+          </a:fillRef>
+          <a:effectRef idx="0">
+            <a:schemeClr val="accent1"/>
+          </a:effectRef>
+          <a:fontRef idx="minor">
+            <a:schemeClr val="tx1"/>
+          </a:fontRef>
+        </p:style>
+      </p:cxnSp>
+      <p:sp>
+        <p:nvSpPr>
+          <p:cNvPr id="74" name="TextBox 73"/>
+          <p:cNvSpPr txBox="1"/>
+          <p:nvPr/>
+        </p:nvSpPr>
+        <p:spPr>
+          <a:xfrm>
+            <a:off x="2771705" y="3347117"/>
+            <a:ext cx="723275" cy="246221"/>
+          </a:xfrm>
+          <a:prstGeom prst="rect">
+            <a:avLst/>
+          </a:prstGeom>
+          <a:noFill/>
+        </p:spPr>
+        <p:txBody>
+          <a:bodyPr wrap="none" rtlCol="0">
+            <a:spAutoFit/>
+          </a:bodyPr>
+          <a:lstStyle/>
+          <a:p>
+            <a:pPr>
+              <a:buClrTx/>
+              <a:buFontTx/>
+              <a:buNone/>
+            </a:pPr>
+            <a:r>
+              <a:rPr lang="en-IN" sz="1000" kern="1200" dirty="0">
+                <a:ea typeface="+mn-ea"/>
+                <a:cs typeface="+mn-cs"/>
+              </a:rPr>
+              <a:t>Version 4</a:t>
+            </a:r>
+          </a:p>
+        </p:txBody>
+      </p:sp>
+      <p:sp>
+        <p:nvSpPr>
+          <p:cNvPr id="2" name="TextBox 1"/>
+          <p:cNvSpPr txBox="1"/>
+          <p:nvPr/>
+        </p:nvSpPr>
+        <p:spPr>
+          <a:xfrm>
+            <a:off x="2673480" y="4565561"/>
+            <a:ext cx="6194324" cy="577081"/>
+          </a:xfrm>
+          <a:prstGeom prst="rect">
+            <a:avLst/>
+          </a:prstGeom>
+          <a:noFill/>
+        </p:spPr>
+        <p:txBody>
+          <a:bodyPr wrap="none" rtlCol="0">
+            <a:spAutoFit/>
+          </a:bodyPr>
+          <a:lstStyle/>
+          <a:p>
+            <a:r>
+              <a:rPr lang="en-IN" sz="1050" b="1" u="sng" dirty="0"/>
+              <a:t>Note:</a:t>
+            </a:r>
+            <a:r>
+              <a:rPr lang="en-IN" sz="1050" b="1" dirty="0"/>
+              <a:t> </a:t>
+            </a:r>
+            <a:r>
+              <a:rPr lang="en-IN" sz="1050" dirty="0"/>
+              <a:t>For Versions 3&amp;4, partnership with established IT firms for large scale deployment of software </a:t>
+            </a:r>
+          </a:p>
+          <a:p>
+            <a:r>
+              <a:rPr lang="en-IN" sz="1050" dirty="0"/>
+              <a:t>          as well as training.</a:t>
+            </a:r>
+          </a:p>
+          <a:p>
+            <a:endParaRPr lang="en-IN" sz="1050" dirty="0"/>
           </a:p>
         </p:txBody>
       </p:sp>
     </p:spTree>
     <p:extLst>
       <p:ext uri="{BB962C8B-B14F-4D97-AF65-F5344CB8AC3E}">
-        <p14:creationId xmlns:p14="http://schemas.microsoft.com/office/powerpoint/2010/main" val="2756599383"/>
+        <p14:creationId xmlns:p14="http://schemas.microsoft.com/office/powerpoint/2010/main" val="2142255268"/>
       </p:ext>
     </p:extLst>
   </p:cSld>
@@ -16817,28 +17168,19 @@
         </p:nvSpPr>
         <p:spPr>
           <a:xfrm>
-            <a:off x="224150" y="363755"/>
-            <a:ext cx="2046300" cy="580638"/>
+            <a:off x="541177" y="558409"/>
+            <a:ext cx="1534725" cy="580638"/>
           </a:xfrm>
           <a:prstGeom prst="rect">
             <a:avLst/>
           </a:prstGeom>
         </p:spPr>
         <p:txBody>
-          <a:bodyPr spcFirstLastPara="1" wrap="square" lIns="91425" tIns="91425" rIns="91425" bIns="91425" anchor="t" anchorCtr="0">
+          <a:bodyPr spcFirstLastPara="1" wrap="square" lIns="68569" tIns="68569" rIns="68569" bIns="68569" anchor="t" anchorCtr="0">
             <a:noAutofit/>
           </a:bodyPr>
           <a:lstStyle/>
           <a:p>
-            <a:pPr marL="0" lvl="0" indent="0" rtl="0">
-              <a:spcBef>
-                <a:spcPts val="0"/>
-              </a:spcBef>
-              <a:spcAft>
-                <a:spcPts val="0"/>
-              </a:spcAft>
-              <a:buNone/>
-            </a:pPr>
             <a:r>
               <a:rPr lang="en-IN" b="1" dirty="0"/>
               <a:t>Business Model</a:t>
@@ -16849,1872 +17191,283 @@
       </p:sp>
       <p:sp>
         <p:nvSpPr>
-          <p:cNvPr id="5" name="Rectangle 4"/>
-          <p:cNvSpPr/>
-          <p:nvPr/>
-        </p:nvSpPr>
-        <p:spPr>
-          <a:xfrm>
-            <a:off x="2753320" y="655146"/>
-            <a:ext cx="1944216" cy="535364"/>
+          <p:cNvPr id="107" name="Shape 107"/>
+          <p:cNvSpPr txBox="1">
+            <a:spLocks noGrp="1"/>
+          </p:cNvSpPr>
+          <p:nvPr>
+            <p:ph type="sldNum" idx="12"/>
+          </p:nvPr>
+        </p:nvSpPr>
+        <p:spPr>
+          <a:xfrm>
+            <a:off x="7560596" y="4749851"/>
+            <a:ext cx="411525" cy="393600"/>
           </a:xfrm>
           <a:prstGeom prst="rect">
             <a:avLst/>
           </a:prstGeom>
-          <a:noFill/>
-          <a:ln>
-            <a:solidFill>
-              <a:schemeClr val="bg1">
-                <a:lumMod val="85000"/>
-              </a:schemeClr>
-            </a:solidFill>
-          </a:ln>
-        </p:spPr>
-        <p:style>
-          <a:lnRef idx="2">
-            <a:schemeClr val="accent1">
-              <a:shade val="50000"/>
-            </a:schemeClr>
-          </a:lnRef>
-          <a:fillRef idx="1">
-            <a:schemeClr val="accent1"/>
-          </a:fillRef>
-          <a:effectRef idx="0">
-            <a:schemeClr val="accent1"/>
-          </a:effectRef>
-          <a:fontRef idx="minor">
-            <a:schemeClr val="lt1"/>
-          </a:fontRef>
-        </p:style>
+        </p:spPr>
         <p:txBody>
-          <a:bodyPr rtlCol="0" anchor="ctr"/>
-          <a:lstStyle/>
-          <a:p>
-            <a:pPr algn="ctr">
-              <a:buClrTx/>
-              <a:buFontTx/>
-              <a:buNone/>
-            </a:pPr>
-            <a:endParaRPr lang="en-IN" sz="1800" kern="1200">
-              <a:solidFill>
-                <a:srgbClr val="FFFFFF"/>
-              </a:solidFill>
-            </a:endParaRPr>
-          </a:p>
-        </p:txBody>
-      </p:sp>
-      <p:sp>
-        <p:nvSpPr>
-          <p:cNvPr id="14" name="Rectangle 13"/>
-          <p:cNvSpPr/>
-          <p:nvPr/>
-        </p:nvSpPr>
-        <p:spPr>
-          <a:xfrm>
-            <a:off x="7001792" y="666342"/>
-            <a:ext cx="1253595" cy="524168"/>
-          </a:xfrm>
-          <a:prstGeom prst="rect">
-            <a:avLst/>
-          </a:prstGeom>
-          <a:noFill/>
-          <a:ln>
-            <a:solidFill>
-              <a:schemeClr val="bg1">
-                <a:lumMod val="85000"/>
-              </a:schemeClr>
-            </a:solidFill>
-          </a:ln>
-        </p:spPr>
-        <p:style>
-          <a:lnRef idx="2">
-            <a:schemeClr val="accent1">
-              <a:shade val="50000"/>
-            </a:schemeClr>
-          </a:lnRef>
-          <a:fillRef idx="1">
-            <a:schemeClr val="accent1"/>
-          </a:fillRef>
-          <a:effectRef idx="0">
-            <a:schemeClr val="accent1"/>
-          </a:effectRef>
-          <a:fontRef idx="minor">
-            <a:schemeClr val="lt1"/>
-          </a:fontRef>
-        </p:style>
-        <p:txBody>
-          <a:bodyPr rtlCol="0" anchor="ctr"/>
-          <a:lstStyle/>
-          <a:p>
-            <a:pPr algn="ctr">
-              <a:buClrTx/>
-              <a:buFontTx/>
-              <a:buNone/>
-            </a:pPr>
-            <a:endParaRPr lang="en-IN" sz="1800" kern="1200">
-              <a:solidFill>
-                <a:srgbClr val="FFFFFF"/>
-              </a:solidFill>
-            </a:endParaRPr>
-          </a:p>
-        </p:txBody>
-      </p:sp>
-      <p:sp>
-        <p:nvSpPr>
-          <p:cNvPr id="15" name="Rectangle 14"/>
-          <p:cNvSpPr/>
-          <p:nvPr/>
-        </p:nvSpPr>
-        <p:spPr>
-          <a:xfrm>
-            <a:off x="4877556" y="666342"/>
-            <a:ext cx="1944216" cy="524168"/>
-          </a:xfrm>
-          <a:prstGeom prst="rect">
-            <a:avLst/>
-          </a:prstGeom>
-          <a:noFill/>
-          <a:ln>
-            <a:solidFill>
-              <a:schemeClr val="bg1">
-                <a:lumMod val="85000"/>
-              </a:schemeClr>
-            </a:solidFill>
-          </a:ln>
-        </p:spPr>
-        <p:style>
-          <a:lnRef idx="2">
-            <a:schemeClr val="accent1">
-              <a:shade val="50000"/>
-            </a:schemeClr>
-          </a:lnRef>
-          <a:fillRef idx="1">
-            <a:schemeClr val="accent1"/>
-          </a:fillRef>
-          <a:effectRef idx="0">
-            <a:schemeClr val="accent1"/>
-          </a:effectRef>
-          <a:fontRef idx="minor">
-            <a:schemeClr val="lt1"/>
-          </a:fontRef>
-        </p:style>
-        <p:txBody>
-          <a:bodyPr rtlCol="0" anchor="ctr"/>
-          <a:lstStyle/>
-          <a:p>
-            <a:pPr algn="ctr">
-              <a:buClrTx/>
-              <a:buFontTx/>
-              <a:buNone/>
-            </a:pPr>
-            <a:endParaRPr lang="en-IN" sz="1800" kern="1200">
-              <a:solidFill>
-                <a:srgbClr val="FFFFFF"/>
-              </a:solidFill>
-            </a:endParaRPr>
-          </a:p>
-        </p:txBody>
-      </p:sp>
-      <p:sp>
-        <p:nvSpPr>
-          <p:cNvPr id="7" name="TextBox 6"/>
-          <p:cNvSpPr txBox="1"/>
-          <p:nvPr/>
-        </p:nvSpPr>
-        <p:spPr>
-          <a:xfrm>
-            <a:off x="3009971" y="663578"/>
-            <a:ext cx="1205779" cy="461665"/>
-          </a:xfrm>
-          <a:prstGeom prst="rect">
-            <a:avLst/>
-          </a:prstGeom>
-          <a:noFill/>
-        </p:spPr>
-        <p:txBody>
-          <a:bodyPr wrap="none" rtlCol="0">
-            <a:spAutoFit/>
+          <a:bodyPr spcFirstLastPara="1" wrap="square" lIns="68569" tIns="68569" rIns="68569" bIns="68569" anchor="ctr" anchorCtr="0">
+            <a:noAutofit/>
           </a:bodyPr>
           <a:lstStyle/>
           <a:p>
-            <a:pPr algn="ctr">
+            <a:pPr defTabSz="685800">
               <a:buClrTx/>
-              <a:buFontTx/>
-              <a:buNone/>
             </a:pPr>
-            <a:r>
-              <a:rPr lang="en-IN" sz="800" kern="1200" dirty="0" smtClean="0">
-                <a:ea typeface="+mn-ea"/>
-                <a:cs typeface="+mn-cs"/>
-              </a:rPr>
-              <a:t>Blockchain Network </a:t>
-            </a:r>
-            <a:r>
-              <a:rPr lang="en-IN" sz="800" kern="1200" dirty="0">
-                <a:ea typeface="+mn-ea"/>
-                <a:cs typeface="+mn-cs"/>
-              </a:rPr>
-              <a:t>+ </a:t>
-            </a:r>
-            <a:endParaRPr lang="en-IN" sz="800" kern="1200" dirty="0" smtClean="0">
-              <a:ea typeface="+mn-ea"/>
-              <a:cs typeface="+mn-cs"/>
-            </a:endParaRPr>
-          </a:p>
-          <a:p>
-            <a:pPr algn="ctr">
-              <a:buClrTx/>
-              <a:buFontTx/>
-              <a:buNone/>
-            </a:pPr>
-            <a:r>
-              <a:rPr lang="en-IN" sz="800" kern="1200" dirty="0" smtClean="0">
-                <a:ea typeface="+mn-ea"/>
-                <a:cs typeface="+mn-cs"/>
-              </a:rPr>
-              <a:t>Hospitals </a:t>
-            </a:r>
-            <a:r>
-              <a:rPr lang="en-IN" sz="800" kern="1200" dirty="0">
-                <a:ea typeface="+mn-ea"/>
-                <a:cs typeface="+mn-cs"/>
-              </a:rPr>
-              <a:t>+ </a:t>
-            </a:r>
-          </a:p>
-          <a:p>
-            <a:pPr algn="ctr">
-              <a:buClrTx/>
-              <a:buFontTx/>
-              <a:buNone/>
-            </a:pPr>
-            <a:r>
-              <a:rPr lang="en-IN" sz="800" kern="1200" dirty="0" err="1" smtClean="0">
-                <a:ea typeface="+mn-ea"/>
-                <a:cs typeface="+mn-cs"/>
-              </a:rPr>
-              <a:t>Punekars</a:t>
-            </a:r>
-            <a:r>
-              <a:rPr lang="en-IN" sz="800" kern="1200" dirty="0" smtClean="0">
-                <a:ea typeface="+mn-ea"/>
-                <a:cs typeface="+mn-cs"/>
-              </a:rPr>
-              <a:t>(Clients)</a:t>
-            </a:r>
-            <a:endParaRPr lang="en-IN" sz="800" kern="1200" dirty="0">
-              <a:ea typeface="+mn-ea"/>
-              <a:cs typeface="+mn-cs"/>
-            </a:endParaRPr>
+            <a:fld id="{00000000-1234-1234-1234-123412341234}" type="slidenum">
+              <a:rPr lang="en" kern="1200"/>
+              <a:pPr defTabSz="685800">
+                <a:buClrTx/>
+              </a:pPr>
+              <a:t>7</a:t>
+            </a:fld>
+            <a:endParaRPr kern="1200" dirty="0"/>
           </a:p>
         </p:txBody>
       </p:sp>
       <p:sp>
         <p:nvSpPr>
-          <p:cNvPr id="37" name="TextBox 36"/>
-          <p:cNvSpPr txBox="1"/>
-          <p:nvPr/>
-        </p:nvSpPr>
-        <p:spPr>
-          <a:xfrm>
-            <a:off x="4951540" y="717305"/>
-            <a:ext cx="1253869" cy="461665"/>
+          <p:cNvPr id="11" name="Shape 114">
+            <a:extLst>
+              <a:ext uri="{FF2B5EF4-FFF2-40B4-BE49-F238E27FC236}">
+                <a16:creationId xmlns:a16="http://schemas.microsoft.com/office/drawing/2014/main" id="{1D3C8554-FECA-4592-9592-A1CD9D928A40}"/>
+              </a:ext>
+            </a:extLst>
+          </p:cNvPr>
+          <p:cNvSpPr txBox="1">
+            <a:spLocks noGrp="1"/>
+          </p:cNvSpPr>
+          <p:nvPr>
+            <p:ph type="body" idx="1"/>
+          </p:nvPr>
+        </p:nvSpPr>
+        <p:spPr>
+          <a:xfrm>
+            <a:off x="2929031" y="341939"/>
+            <a:ext cx="5673798" cy="4049427"/>
           </a:xfrm>
           <a:prstGeom prst="rect">
             <a:avLst/>
           </a:prstGeom>
-          <a:noFill/>
         </p:spPr>
         <p:txBody>
-          <a:bodyPr wrap="none" rtlCol="0">
-            <a:spAutoFit/>
+          <a:bodyPr spcFirstLastPara="1" wrap="square" lIns="68569" tIns="68569" rIns="68569" bIns="68569" anchor="t" anchorCtr="0">
+            <a:noAutofit/>
           </a:bodyPr>
           <a:lstStyle/>
           <a:p>
-            <a:pPr>
-              <a:buClrTx/>
-              <a:buFontTx/>
-              <a:buNone/>
-            </a:pPr>
-            <a:r>
-              <a:rPr lang="en-IN" sz="800" kern="1200" dirty="0">
-                <a:ea typeface="+mn-ea"/>
-                <a:cs typeface="+mn-cs"/>
+            <a:pPr algn="just"/>
+            <a:r>
+              <a:rPr lang="en-US" sz="1600" i="0" dirty="0">
+                <a:solidFill>
+                  <a:schemeClr val="tx1"/>
+                </a:solidFill>
+                <a:latin typeface="Nunito Sans" panose="020B0604020202020204" charset="0"/>
               </a:rPr>
-              <a:t>Period : 6 to 10 months</a:t>
-            </a:r>
-          </a:p>
-          <a:p>
-            <a:pPr>
-              <a:buClrTx/>
-              <a:buFontTx/>
-              <a:buNone/>
-            </a:pPr>
-            <a:r>
-              <a:rPr lang="en-IN" sz="800" kern="1200" dirty="0">
-                <a:ea typeface="+mn-ea"/>
-                <a:cs typeface="+mn-cs"/>
+              <a:t>6-10 months to create and deploy the system.</a:t>
+            </a:r>
+          </a:p>
+          <a:p>
+            <a:pPr algn="just"/>
+            <a:r>
+              <a:rPr lang="en-US" sz="1600" i="0" dirty="0">
+                <a:solidFill>
+                  <a:schemeClr val="tx1"/>
+                </a:solidFill>
+                <a:latin typeface="Nunito Sans" panose="020B0604020202020204" charset="0"/>
               </a:rPr>
-              <a:t>Expenditure : 2cr </a:t>
-            </a:r>
-          </a:p>
-          <a:p>
-            <a:pPr>
-              <a:buClrTx/>
-              <a:buFontTx/>
-              <a:buNone/>
-            </a:pPr>
-            <a:r>
-              <a:rPr lang="en-IN" sz="800" kern="1200" dirty="0">
-                <a:ea typeface="+mn-ea"/>
-                <a:cs typeface="+mn-cs"/>
+              <a:t>Development team - 6 members</a:t>
+            </a:r>
+          </a:p>
+          <a:p>
+            <a:pPr algn="just"/>
+            <a:r>
+              <a:rPr lang="en-US" sz="1600" i="0" dirty="0">
+                <a:solidFill>
+                  <a:schemeClr val="tx1"/>
+                </a:solidFill>
+                <a:latin typeface="Nunito Sans" panose="020B0604020202020204" charset="0"/>
               </a:rPr>
-              <a:t>Revenue : 0</a:t>
-            </a:r>
-          </a:p>
-        </p:txBody>
-      </p:sp>
-      <p:sp>
-        <p:nvSpPr>
-          <p:cNvPr id="38" name="TextBox 37"/>
-          <p:cNvSpPr txBox="1"/>
-          <p:nvPr/>
-        </p:nvSpPr>
-        <p:spPr>
-          <a:xfrm>
-            <a:off x="7297910" y="807412"/>
-            <a:ext cx="684803" cy="230832"/>
-          </a:xfrm>
-          <a:prstGeom prst="rect">
-            <a:avLst/>
-          </a:prstGeom>
-          <a:noFill/>
-        </p:spPr>
-        <p:txBody>
-          <a:bodyPr wrap="none" rtlCol="0">
-            <a:spAutoFit/>
-          </a:bodyPr>
-          <a:lstStyle/>
-          <a:p>
-            <a:pPr>
-              <a:buClrTx/>
-              <a:buFontTx/>
-              <a:buNone/>
-            </a:pPr>
-            <a:r>
-              <a:rPr lang="en-IN" sz="900" kern="1200" dirty="0">
-                <a:ea typeface="+mn-ea"/>
-                <a:cs typeface="+mn-cs"/>
+              <a:t>Development cost -  Salary + Infrastructure = 2 </a:t>
+            </a:r>
+            <a:r>
+              <a:rPr lang="en-US" sz="1600" i="0" dirty="0" err="1">
+                <a:solidFill>
+                  <a:schemeClr val="tx1"/>
+                </a:solidFill>
+                <a:latin typeface="Nunito Sans" panose="020B0604020202020204" charset="0"/>
               </a:rPr>
-              <a:t>Pune City</a:t>
-            </a:r>
-          </a:p>
-        </p:txBody>
-      </p:sp>
-      <p:sp>
-        <p:nvSpPr>
-          <p:cNvPr id="40" name="Rectangle 39"/>
-          <p:cNvSpPr/>
-          <p:nvPr/>
-        </p:nvSpPr>
-        <p:spPr>
-          <a:xfrm>
-            <a:off x="2745140" y="1593849"/>
-            <a:ext cx="1944216" cy="525938"/>
-          </a:xfrm>
-          <a:prstGeom prst="rect">
-            <a:avLst/>
-          </a:prstGeom>
-          <a:noFill/>
-          <a:ln>
-            <a:solidFill>
-              <a:schemeClr val="bg1">
-                <a:lumMod val="85000"/>
-              </a:schemeClr>
-            </a:solidFill>
-          </a:ln>
-        </p:spPr>
-        <p:style>
-          <a:lnRef idx="2">
-            <a:schemeClr val="accent1">
-              <a:shade val="50000"/>
-            </a:schemeClr>
-          </a:lnRef>
-          <a:fillRef idx="1">
-            <a:schemeClr val="accent1"/>
-          </a:fillRef>
-          <a:effectRef idx="0">
-            <a:schemeClr val="accent1"/>
-          </a:effectRef>
-          <a:fontRef idx="minor">
-            <a:schemeClr val="lt1"/>
-          </a:fontRef>
-        </p:style>
-        <p:txBody>
-          <a:bodyPr rtlCol="0" anchor="ctr"/>
-          <a:lstStyle/>
-          <a:p>
-            <a:pPr algn="ctr">
-              <a:buClrTx/>
-              <a:buFontTx/>
-              <a:buNone/>
-            </a:pPr>
-            <a:endParaRPr lang="en-IN" sz="1800" kern="1200">
-              <a:solidFill>
-                <a:srgbClr val="FFFFFF"/>
-              </a:solidFill>
-            </a:endParaRPr>
-          </a:p>
-        </p:txBody>
-      </p:sp>
-      <p:sp>
-        <p:nvSpPr>
-          <p:cNvPr id="41" name="Rectangle 40"/>
-          <p:cNvSpPr/>
-          <p:nvPr/>
-        </p:nvSpPr>
-        <p:spPr>
-          <a:xfrm>
-            <a:off x="6993612" y="1605045"/>
-            <a:ext cx="1261775" cy="514742"/>
-          </a:xfrm>
-          <a:prstGeom prst="rect">
-            <a:avLst/>
-          </a:prstGeom>
-          <a:noFill/>
-          <a:ln>
-            <a:solidFill>
-              <a:schemeClr val="bg1">
-                <a:lumMod val="85000"/>
-              </a:schemeClr>
-            </a:solidFill>
-          </a:ln>
-        </p:spPr>
-        <p:style>
-          <a:lnRef idx="2">
-            <a:schemeClr val="accent1">
-              <a:shade val="50000"/>
-            </a:schemeClr>
-          </a:lnRef>
-          <a:fillRef idx="1">
-            <a:schemeClr val="accent1"/>
-          </a:fillRef>
-          <a:effectRef idx="0">
-            <a:schemeClr val="accent1"/>
-          </a:effectRef>
-          <a:fontRef idx="minor">
-            <a:schemeClr val="lt1"/>
-          </a:fontRef>
-        </p:style>
-        <p:txBody>
-          <a:bodyPr rtlCol="0" anchor="ctr"/>
-          <a:lstStyle/>
-          <a:p>
-            <a:pPr algn="ctr">
-              <a:buClrTx/>
-              <a:buFontTx/>
-              <a:buNone/>
-            </a:pPr>
-            <a:endParaRPr lang="en-IN" sz="1800" kern="1200">
-              <a:solidFill>
-                <a:srgbClr val="FFFFFF"/>
-              </a:solidFill>
-            </a:endParaRPr>
-          </a:p>
-        </p:txBody>
-      </p:sp>
-      <p:sp>
-        <p:nvSpPr>
-          <p:cNvPr id="42" name="Rectangle 41"/>
-          <p:cNvSpPr/>
-          <p:nvPr/>
-        </p:nvSpPr>
-        <p:spPr>
-          <a:xfrm>
-            <a:off x="4869376" y="1605045"/>
-            <a:ext cx="1944216" cy="514742"/>
-          </a:xfrm>
-          <a:prstGeom prst="rect">
-            <a:avLst/>
-          </a:prstGeom>
-          <a:noFill/>
-          <a:ln>
-            <a:solidFill>
-              <a:schemeClr val="bg1">
-                <a:lumMod val="85000"/>
-              </a:schemeClr>
-            </a:solidFill>
-          </a:ln>
-        </p:spPr>
-        <p:style>
-          <a:lnRef idx="2">
-            <a:schemeClr val="accent1">
-              <a:shade val="50000"/>
-            </a:schemeClr>
-          </a:lnRef>
-          <a:fillRef idx="1">
-            <a:schemeClr val="accent1"/>
-          </a:fillRef>
-          <a:effectRef idx="0">
-            <a:schemeClr val="accent1"/>
-          </a:effectRef>
-          <a:fontRef idx="minor">
-            <a:schemeClr val="lt1"/>
-          </a:fontRef>
-        </p:style>
-        <p:txBody>
-          <a:bodyPr rtlCol="0" anchor="ctr"/>
-          <a:lstStyle/>
-          <a:p>
-            <a:pPr algn="ctr">
-              <a:buClrTx/>
-              <a:buFontTx/>
-              <a:buNone/>
-            </a:pPr>
-            <a:endParaRPr lang="en-IN" sz="1800" kern="1200">
-              <a:solidFill>
-                <a:srgbClr val="FFFFFF"/>
-              </a:solidFill>
-            </a:endParaRPr>
-          </a:p>
-        </p:txBody>
-      </p:sp>
-      <p:sp>
-        <p:nvSpPr>
-          <p:cNvPr id="43" name="TextBox 42"/>
-          <p:cNvSpPr txBox="1"/>
-          <p:nvPr/>
-        </p:nvSpPr>
-        <p:spPr>
-          <a:xfrm>
-            <a:off x="3073807" y="1679090"/>
-            <a:ext cx="1021433" cy="215444"/>
-          </a:xfrm>
-          <a:prstGeom prst="rect">
-            <a:avLst/>
-          </a:prstGeom>
-          <a:noFill/>
-        </p:spPr>
-        <p:txBody>
-          <a:bodyPr wrap="none" rtlCol="0">
-            <a:spAutoFit/>
-          </a:bodyPr>
-          <a:lstStyle/>
-          <a:p>
-            <a:pPr>
-              <a:buClrTx/>
-              <a:buFontTx/>
-              <a:buNone/>
-            </a:pPr>
-            <a:r>
-              <a:rPr lang="en-IN" sz="800" kern="1200" dirty="0">
-                <a:ea typeface="+mn-ea"/>
-                <a:cs typeface="+mn-cs"/>
+              <a:t>crore</a:t>
+            </a:r>
+            <a:r>
+              <a:rPr lang="en-US" sz="1600" i="0" dirty="0">
+                <a:solidFill>
+                  <a:schemeClr val="tx1"/>
+                </a:solidFill>
+                <a:latin typeface="Nunito Sans" panose="020B0604020202020204" charset="0"/>
               </a:rPr>
-              <a:t>Product Marketing</a:t>
-            </a:r>
-          </a:p>
-        </p:txBody>
-      </p:sp>
-      <p:sp>
-        <p:nvSpPr>
-          <p:cNvPr id="45" name="TextBox 44"/>
-          <p:cNvSpPr txBox="1"/>
-          <p:nvPr/>
-        </p:nvSpPr>
-        <p:spPr>
-          <a:xfrm>
-            <a:off x="7193212" y="1741402"/>
-            <a:ext cx="870751" cy="230832"/>
-          </a:xfrm>
-          <a:prstGeom prst="rect">
-            <a:avLst/>
-          </a:prstGeom>
-          <a:noFill/>
-        </p:spPr>
-        <p:txBody>
-          <a:bodyPr wrap="none" rtlCol="0">
-            <a:spAutoFit/>
-          </a:bodyPr>
-          <a:lstStyle/>
-          <a:p>
-            <a:pPr>
-              <a:buClrTx/>
-              <a:buFontTx/>
-              <a:buNone/>
-            </a:pPr>
-            <a:r>
-              <a:rPr lang="en-IN" sz="900" kern="1200" dirty="0">
-                <a:ea typeface="+mn-ea"/>
-                <a:cs typeface="+mn-cs"/>
-              </a:rPr>
-              <a:t>4 Tier 1 cities</a:t>
-            </a:r>
-          </a:p>
-        </p:txBody>
-      </p:sp>
-      <p:sp>
-        <p:nvSpPr>
-          <p:cNvPr id="47" name="TextBox 46"/>
-          <p:cNvSpPr txBox="1"/>
-          <p:nvPr/>
-        </p:nvSpPr>
-        <p:spPr>
-          <a:xfrm>
-            <a:off x="4951540" y="1631583"/>
-            <a:ext cx="1160895" cy="461665"/>
-          </a:xfrm>
-          <a:prstGeom prst="rect">
-            <a:avLst/>
-          </a:prstGeom>
-          <a:noFill/>
-        </p:spPr>
-        <p:txBody>
-          <a:bodyPr wrap="none" rtlCol="0">
-            <a:spAutoFit/>
-          </a:bodyPr>
-          <a:lstStyle/>
-          <a:p>
-            <a:pPr>
-              <a:buClrTx/>
-              <a:buFontTx/>
-              <a:buNone/>
-            </a:pPr>
-            <a:r>
-              <a:rPr lang="en-IN" sz="800" kern="1200" dirty="0">
-                <a:ea typeface="+mn-ea"/>
-                <a:cs typeface="+mn-cs"/>
-              </a:rPr>
-              <a:t>Period : 1 </a:t>
-            </a:r>
-            <a:r>
-              <a:rPr lang="en-IN" sz="800" kern="1200" dirty="0" err="1">
-                <a:ea typeface="+mn-ea"/>
-                <a:cs typeface="+mn-cs"/>
+              <a:t>/</a:t>
+            </a:r>
+            <a:r>
+              <a:rPr lang="en-US" sz="1600" i="0" dirty="0" err="1">
+                <a:solidFill>
+                  <a:schemeClr val="tx1"/>
+                </a:solidFill>
+                <a:latin typeface="Nunito Sans" panose="020B0604020202020204" charset="0"/>
               </a:rPr>
               <a:t>yr</a:t>
             </a:r>
-            <a:endParaRPr lang="en-IN" sz="800" kern="1200" dirty="0">
-              <a:ea typeface="+mn-ea"/>
-              <a:cs typeface="+mn-cs"/>
+            <a:endParaRPr lang="en-US" sz="1600" i="0" dirty="0">
+              <a:solidFill>
+                <a:schemeClr val="tx1"/>
+              </a:solidFill>
+              <a:latin typeface="Nunito Sans" panose="020B0604020202020204" charset="0"/>
             </a:endParaRPr>
           </a:p>
           <a:p>
-            <a:pPr>
-              <a:buClrTx/>
-              <a:buFontTx/>
-              <a:buNone/>
+            <a:pPr algn="just"/>
+            <a:r>
+              <a:rPr lang="en-US" sz="1600" i="0" dirty="0">
+                <a:solidFill>
+                  <a:schemeClr val="tx1"/>
+                </a:solidFill>
+                <a:latin typeface="Nunito Sans" panose="020B0604020202020204" charset="0"/>
+              </a:rPr>
+              <a:t>Initial deployment of the system in Pune City.</a:t>
+            </a:r>
+          </a:p>
+          <a:p>
+            <a:pPr algn="just"/>
+            <a:r>
+              <a:rPr lang="en-US" sz="1600" i="0" dirty="0">
+                <a:solidFill>
+                  <a:schemeClr val="tx1"/>
+                </a:solidFill>
+                <a:latin typeface="Nunito Sans" panose="020B0604020202020204" charset="0"/>
+              </a:rPr>
+              <a:t>At first, only citizens and healthcare centers will be incorporated in the system. </a:t>
+            </a:r>
+          </a:p>
+          <a:p>
+            <a:pPr algn="just"/>
+            <a:r>
+              <a:rPr lang="en-US" sz="1600" i="0" dirty="0">
+                <a:solidFill>
+                  <a:schemeClr val="tx1"/>
+                </a:solidFill>
+                <a:latin typeface="Nunito Sans" panose="020B0604020202020204" charset="0"/>
+              </a:rPr>
+              <a:t>The next 6 months four Tier 1 cities - Mumbai, Nagpur, </a:t>
+            </a:r>
+            <a:r>
+              <a:rPr lang="en-US" sz="1600" i="0" dirty="0" err="1">
+                <a:solidFill>
+                  <a:schemeClr val="tx1"/>
+                </a:solidFill>
+                <a:latin typeface="Nunito Sans" panose="020B0604020202020204" charset="0"/>
+              </a:rPr>
+              <a:t>Surat</a:t>
+            </a:r>
+            <a:r>
+              <a:rPr lang="en-US" sz="1600" i="0" dirty="0">
+                <a:solidFill>
+                  <a:schemeClr val="tx1"/>
+                </a:solidFill>
+                <a:latin typeface="Nunito Sans" panose="020B0604020202020204" charset="0"/>
+              </a:rPr>
+              <a:t> and Ahmedabad will be included in the system.</a:t>
+            </a:r>
+          </a:p>
+          <a:p>
+            <a:pPr algn="just"/>
+            <a:r>
+              <a:rPr lang="en-US" sz="1600" i="0" dirty="0">
+                <a:solidFill>
+                  <a:schemeClr val="tx1"/>
+                </a:solidFill>
+                <a:latin typeface="Nunito Sans" panose="020B0604020202020204" charset="0"/>
+              </a:rPr>
+              <a:t>After successfully implementing in Tier 1 cities, insurance companies may be included in the system.</a:t>
+            </a:r>
+          </a:p>
+          <a:p>
+            <a:pPr algn="just"/>
+            <a:r>
+              <a:rPr lang="en-US" sz="1600" i="0" dirty="0">
+                <a:solidFill>
+                  <a:schemeClr val="tx1"/>
+                </a:solidFill>
+                <a:latin typeface="Nunito Sans" panose="020B0604020202020204" charset="0"/>
+              </a:rPr>
+              <a:t>The healthcare centers &amp; insurance companies have to pay a subscription fee to use the system(yearly basis). </a:t>
+            </a:r>
+          </a:p>
+          <a:p>
+            <a:pPr algn="just"/>
+            <a:r>
+              <a:rPr lang="en-US" sz="1600" i="0" dirty="0">
+                <a:solidFill>
+                  <a:schemeClr val="tx1"/>
+                </a:solidFill>
+                <a:latin typeface="Nunito Sans" panose="020B0604020202020204" charset="0"/>
+              </a:rPr>
+              <a:t>Gradually Tier 2 &amp; 3 cities will be included in the scheme.</a:t>
+            </a:r>
+          </a:p>
+          <a:p>
+            <a:pPr algn="just"/>
+            <a:endParaRPr lang="en-US" sz="1600" i="0" dirty="0">
+              <a:solidFill>
+                <a:schemeClr val="tx1"/>
+              </a:solidFill>
+              <a:latin typeface="Nunito Sans" panose="020B0604020202020204" charset="0"/>
+            </a:endParaRPr>
+          </a:p>
+          <a:p>
+            <a:pPr algn="just">
+              <a:buFont typeface="Arial" panose="020B0604020202020204" pitchFamily="34" charset="0"/>
+              <a:buChar char="•"/>
             </a:pPr>
-            <a:r>
-              <a:rPr lang="en-IN" sz="800" kern="1200" dirty="0">
-                <a:ea typeface="+mn-ea"/>
-                <a:cs typeface="+mn-cs"/>
-              </a:rPr>
-              <a:t>Expenditure : </a:t>
-            </a:r>
-            <a:r>
-              <a:rPr lang="en-IN" sz="800" kern="1200" dirty="0" smtClean="0">
-                <a:ea typeface="+mn-ea"/>
-                <a:cs typeface="+mn-cs"/>
-              </a:rPr>
-              <a:t>3.5cr </a:t>
-            </a:r>
-            <a:endParaRPr lang="en-IN" sz="800" kern="1200" dirty="0">
-              <a:ea typeface="+mn-ea"/>
-              <a:cs typeface="+mn-cs"/>
+            <a:endParaRPr lang="en-US" sz="1600" i="0" dirty="0">
+              <a:solidFill>
+                <a:schemeClr val="tx1"/>
+              </a:solidFill>
+              <a:latin typeface="Nunito Sans" panose="020B0604020202020204" charset="0"/>
             </a:endParaRPr>
           </a:p>
           <a:p>
-            <a:pPr>
-              <a:buClrTx/>
-              <a:buFontTx/>
-              <a:buNone/>
+            <a:pPr algn="just">
+              <a:buFont typeface="Arial" panose="020B0604020202020204" pitchFamily="34" charset="0"/>
+              <a:buChar char="•"/>
             </a:pPr>
-            <a:r>
-              <a:rPr lang="en-IN" sz="800" kern="1200" dirty="0">
-                <a:ea typeface="+mn-ea"/>
-                <a:cs typeface="+mn-cs"/>
-              </a:rPr>
-              <a:t>Revenue : </a:t>
-            </a:r>
-            <a:r>
-              <a:rPr lang="en-IN" sz="800" kern="1200" dirty="0" smtClean="0">
-                <a:ea typeface="+mn-ea"/>
-                <a:cs typeface="+mn-cs"/>
-              </a:rPr>
-              <a:t>15-20 </a:t>
-            </a:r>
-            <a:r>
-              <a:rPr lang="en-IN" sz="800" kern="1200" dirty="0" err="1">
-                <a:ea typeface="+mn-ea"/>
-                <a:cs typeface="+mn-cs"/>
-              </a:rPr>
-              <a:t>lacs</a:t>
-            </a:r>
-            <a:endParaRPr lang="en-IN" sz="800" kern="1200" dirty="0">
-              <a:ea typeface="+mn-ea"/>
-              <a:cs typeface="+mn-cs"/>
+            <a:endParaRPr lang="en-US" sz="1600" i="0" dirty="0">
+              <a:solidFill>
+                <a:schemeClr val="tx1"/>
+              </a:solidFill>
+              <a:latin typeface="Nunito Sans" panose="020B0604020202020204" charset="0"/>
             </a:endParaRPr>
           </a:p>
-        </p:txBody>
-      </p:sp>
-      <p:sp>
-        <p:nvSpPr>
-          <p:cNvPr id="51" name="Rectangle 50"/>
-          <p:cNvSpPr/>
-          <p:nvPr/>
-        </p:nvSpPr>
-        <p:spPr>
-          <a:xfrm>
-            <a:off x="2756939" y="2564061"/>
-            <a:ext cx="1944216" cy="601752"/>
-          </a:xfrm>
-          <a:prstGeom prst="rect">
-            <a:avLst/>
-          </a:prstGeom>
-          <a:noFill/>
-          <a:ln>
-            <a:solidFill>
-              <a:schemeClr val="bg1">
-                <a:lumMod val="85000"/>
-              </a:schemeClr>
-            </a:solidFill>
-          </a:ln>
-        </p:spPr>
-        <p:style>
-          <a:lnRef idx="2">
-            <a:schemeClr val="accent1">
-              <a:shade val="50000"/>
-            </a:schemeClr>
-          </a:lnRef>
-          <a:fillRef idx="1">
-            <a:schemeClr val="accent1"/>
-          </a:fillRef>
-          <a:effectRef idx="0">
-            <a:schemeClr val="accent1"/>
-          </a:effectRef>
-          <a:fontRef idx="minor">
-            <a:schemeClr val="lt1"/>
-          </a:fontRef>
-        </p:style>
-        <p:txBody>
-          <a:bodyPr rtlCol="0" anchor="ctr"/>
-          <a:lstStyle/>
-          <a:p>
-            <a:pPr algn="ctr">
-              <a:buClrTx/>
-              <a:buFontTx/>
-              <a:buNone/>
+          <a:p>
+            <a:pPr algn="just">
+              <a:buFont typeface="Arial" panose="020B0604020202020204" pitchFamily="34" charset="0"/>
+              <a:buChar char="•"/>
             </a:pPr>
-            <a:endParaRPr lang="en-IN" sz="1800" kern="1200">
+            <a:endParaRPr sz="1600" i="0" dirty="0">
               <a:solidFill>
-                <a:srgbClr val="FFFFFF"/>
+                <a:schemeClr val="tx1"/>
               </a:solidFill>
+              <a:latin typeface="Nunito Sans" panose="020B0604020202020204" charset="0"/>
             </a:endParaRPr>
-          </a:p>
-        </p:txBody>
-      </p:sp>
-      <p:sp>
-        <p:nvSpPr>
-          <p:cNvPr id="52" name="Rectangle 51"/>
-          <p:cNvSpPr/>
-          <p:nvPr/>
-        </p:nvSpPr>
-        <p:spPr>
-          <a:xfrm>
-            <a:off x="7005411" y="2575257"/>
-            <a:ext cx="1251475" cy="590556"/>
-          </a:xfrm>
-          <a:prstGeom prst="rect">
-            <a:avLst/>
-          </a:prstGeom>
-          <a:noFill/>
-          <a:ln>
-            <a:solidFill>
-              <a:schemeClr val="bg1">
-                <a:lumMod val="85000"/>
-              </a:schemeClr>
-            </a:solidFill>
-          </a:ln>
-        </p:spPr>
-        <p:style>
-          <a:lnRef idx="2">
-            <a:schemeClr val="accent1">
-              <a:shade val="50000"/>
-            </a:schemeClr>
-          </a:lnRef>
-          <a:fillRef idx="1">
-            <a:schemeClr val="accent1"/>
-          </a:fillRef>
-          <a:effectRef idx="0">
-            <a:schemeClr val="accent1"/>
-          </a:effectRef>
-          <a:fontRef idx="minor">
-            <a:schemeClr val="lt1"/>
-          </a:fontRef>
-        </p:style>
-        <p:txBody>
-          <a:bodyPr rtlCol="0" anchor="ctr"/>
-          <a:lstStyle/>
-          <a:p>
-            <a:pPr algn="ctr">
-              <a:buClrTx/>
-              <a:buFontTx/>
-              <a:buNone/>
-            </a:pPr>
-            <a:endParaRPr lang="en-IN" sz="1800" kern="1200">
-              <a:solidFill>
-                <a:srgbClr val="FFFFFF"/>
-              </a:solidFill>
-            </a:endParaRPr>
-          </a:p>
-        </p:txBody>
-      </p:sp>
-      <p:sp>
-        <p:nvSpPr>
-          <p:cNvPr id="53" name="Rectangle 52"/>
-          <p:cNvSpPr/>
-          <p:nvPr/>
-        </p:nvSpPr>
-        <p:spPr>
-          <a:xfrm>
-            <a:off x="4881175" y="2575257"/>
-            <a:ext cx="1944216" cy="590556"/>
-          </a:xfrm>
-          <a:prstGeom prst="rect">
-            <a:avLst/>
-          </a:prstGeom>
-          <a:noFill/>
-          <a:ln>
-            <a:solidFill>
-              <a:schemeClr val="bg1">
-                <a:lumMod val="85000"/>
-              </a:schemeClr>
-            </a:solidFill>
-          </a:ln>
-        </p:spPr>
-        <p:style>
-          <a:lnRef idx="2">
-            <a:schemeClr val="accent1">
-              <a:shade val="50000"/>
-            </a:schemeClr>
-          </a:lnRef>
-          <a:fillRef idx="1">
-            <a:schemeClr val="accent1"/>
-          </a:fillRef>
-          <a:effectRef idx="0">
-            <a:schemeClr val="accent1"/>
-          </a:effectRef>
-          <a:fontRef idx="minor">
-            <a:schemeClr val="lt1"/>
-          </a:fontRef>
-        </p:style>
-        <p:txBody>
-          <a:bodyPr rtlCol="0" anchor="ctr"/>
-          <a:lstStyle/>
-          <a:p>
-            <a:pPr algn="ctr">
-              <a:buClrTx/>
-              <a:buFontTx/>
-              <a:buNone/>
-            </a:pPr>
-            <a:endParaRPr lang="en-IN" sz="1800" kern="1200">
-              <a:solidFill>
-                <a:srgbClr val="FFFFFF"/>
-              </a:solidFill>
-            </a:endParaRPr>
-          </a:p>
-        </p:txBody>
-      </p:sp>
-      <p:sp>
-        <p:nvSpPr>
-          <p:cNvPr id="54" name="TextBox 53"/>
-          <p:cNvSpPr txBox="1"/>
-          <p:nvPr/>
-        </p:nvSpPr>
-        <p:spPr>
-          <a:xfrm>
-            <a:off x="3066490" y="2649303"/>
-            <a:ext cx="1138452" cy="338554"/>
-          </a:xfrm>
-          <a:prstGeom prst="rect">
-            <a:avLst/>
-          </a:prstGeom>
-          <a:noFill/>
-        </p:spPr>
-        <p:txBody>
-          <a:bodyPr wrap="none" rtlCol="0">
-            <a:spAutoFit/>
-          </a:bodyPr>
-          <a:lstStyle/>
-          <a:p>
-            <a:pPr algn="ctr">
-              <a:buClrTx/>
-              <a:buFontTx/>
-              <a:buNone/>
-            </a:pPr>
-            <a:r>
-              <a:rPr lang="en-IN" sz="800" kern="1200" dirty="0">
-                <a:ea typeface="+mn-ea"/>
-                <a:cs typeface="+mn-cs"/>
-              </a:rPr>
-              <a:t>Product Marketing + </a:t>
-            </a:r>
-          </a:p>
-          <a:p>
-            <a:pPr algn="ctr">
-              <a:buClrTx/>
-              <a:buFontTx/>
-              <a:buNone/>
-            </a:pPr>
-            <a:r>
-              <a:rPr lang="en-IN" sz="800" kern="1200" dirty="0"/>
-              <a:t>Pharmacists</a:t>
-            </a:r>
-          </a:p>
-        </p:txBody>
-      </p:sp>
-      <p:sp>
-        <p:nvSpPr>
-          <p:cNvPr id="55" name="TextBox 54"/>
-          <p:cNvSpPr txBox="1"/>
-          <p:nvPr/>
-        </p:nvSpPr>
-        <p:spPr>
-          <a:xfrm>
-            <a:off x="7158344" y="2703164"/>
-            <a:ext cx="966931" cy="230832"/>
-          </a:xfrm>
-          <a:prstGeom prst="rect">
-            <a:avLst/>
-          </a:prstGeom>
-          <a:noFill/>
-        </p:spPr>
-        <p:txBody>
-          <a:bodyPr wrap="none" rtlCol="0">
-            <a:spAutoFit/>
-          </a:bodyPr>
-          <a:lstStyle/>
-          <a:p>
-            <a:pPr>
-              <a:buClrTx/>
-              <a:buFontTx/>
-              <a:buNone/>
-            </a:pPr>
-            <a:r>
-              <a:rPr lang="en-IN" sz="900" kern="1200" dirty="0">
-                <a:ea typeface="+mn-ea"/>
-                <a:cs typeface="+mn-cs"/>
-              </a:rPr>
-              <a:t>10 Tier 2 cities </a:t>
-            </a:r>
-          </a:p>
-        </p:txBody>
-      </p:sp>
-      <p:sp>
-        <p:nvSpPr>
-          <p:cNvPr id="56" name="TextBox 55"/>
-          <p:cNvSpPr txBox="1"/>
-          <p:nvPr/>
-        </p:nvSpPr>
-        <p:spPr>
-          <a:xfrm>
-            <a:off x="4951432" y="2639875"/>
-            <a:ext cx="1160895" cy="461665"/>
-          </a:xfrm>
-          <a:prstGeom prst="rect">
-            <a:avLst/>
-          </a:prstGeom>
-          <a:noFill/>
-        </p:spPr>
-        <p:txBody>
-          <a:bodyPr wrap="none" rtlCol="0">
-            <a:spAutoFit/>
-          </a:bodyPr>
-          <a:lstStyle/>
-          <a:p>
-            <a:pPr>
-              <a:buClrTx/>
-              <a:buFontTx/>
-              <a:buNone/>
-            </a:pPr>
-            <a:r>
-              <a:rPr lang="en-IN" sz="800" kern="1200" dirty="0">
-                <a:ea typeface="+mn-ea"/>
-                <a:cs typeface="+mn-cs"/>
-              </a:rPr>
-              <a:t>Period : 1 </a:t>
-            </a:r>
-            <a:r>
-              <a:rPr lang="en-IN" sz="800" kern="1200" dirty="0" err="1">
-                <a:ea typeface="+mn-ea"/>
-                <a:cs typeface="+mn-cs"/>
-              </a:rPr>
-              <a:t>yr</a:t>
-            </a:r>
-            <a:endParaRPr lang="en-IN" sz="800" kern="1200" dirty="0">
-              <a:ea typeface="+mn-ea"/>
-              <a:cs typeface="+mn-cs"/>
-            </a:endParaRPr>
-          </a:p>
-          <a:p>
-            <a:pPr>
-              <a:buClrTx/>
-              <a:buFontTx/>
-              <a:buNone/>
-            </a:pPr>
-            <a:r>
-              <a:rPr lang="en-IN" sz="800" kern="1200" dirty="0">
-                <a:ea typeface="+mn-ea"/>
-                <a:cs typeface="+mn-cs"/>
-              </a:rPr>
-              <a:t>Expenditure : </a:t>
-            </a:r>
-            <a:r>
-              <a:rPr lang="en-IN" sz="800" kern="1200" dirty="0" smtClean="0">
-                <a:ea typeface="+mn-ea"/>
-                <a:cs typeface="+mn-cs"/>
-              </a:rPr>
-              <a:t>6cr </a:t>
-            </a:r>
-            <a:endParaRPr lang="en-IN" sz="800" kern="1200" dirty="0">
-              <a:ea typeface="+mn-ea"/>
-              <a:cs typeface="+mn-cs"/>
-            </a:endParaRPr>
-          </a:p>
-          <a:p>
-            <a:pPr>
-              <a:buClrTx/>
-              <a:buFontTx/>
-              <a:buNone/>
-            </a:pPr>
-            <a:r>
-              <a:rPr lang="en-IN" sz="800" kern="1200" dirty="0">
-                <a:ea typeface="+mn-ea"/>
-                <a:cs typeface="+mn-cs"/>
-              </a:rPr>
-              <a:t>Revenue : 35-40 </a:t>
-            </a:r>
-            <a:r>
-              <a:rPr lang="en-IN" sz="800" kern="1200" dirty="0" err="1">
-                <a:ea typeface="+mn-ea"/>
-                <a:cs typeface="+mn-cs"/>
-              </a:rPr>
-              <a:t>lacs</a:t>
-            </a:r>
-            <a:endParaRPr lang="en-IN" sz="800" kern="1200" dirty="0">
-              <a:ea typeface="+mn-ea"/>
-              <a:cs typeface="+mn-cs"/>
-            </a:endParaRPr>
-          </a:p>
-        </p:txBody>
-      </p:sp>
-      <p:sp>
-        <p:nvSpPr>
-          <p:cNvPr id="59" name="Rectangle 58"/>
-          <p:cNvSpPr/>
-          <p:nvPr/>
-        </p:nvSpPr>
-        <p:spPr>
-          <a:xfrm>
-            <a:off x="2776515" y="3577949"/>
-            <a:ext cx="1944216" cy="601752"/>
-          </a:xfrm>
-          <a:prstGeom prst="rect">
-            <a:avLst/>
-          </a:prstGeom>
-          <a:noFill/>
-          <a:ln>
-            <a:solidFill>
-              <a:schemeClr val="bg1">
-                <a:lumMod val="85000"/>
-              </a:schemeClr>
-            </a:solidFill>
-          </a:ln>
-        </p:spPr>
-        <p:style>
-          <a:lnRef idx="2">
-            <a:schemeClr val="accent1">
-              <a:shade val="50000"/>
-            </a:schemeClr>
-          </a:lnRef>
-          <a:fillRef idx="1">
-            <a:schemeClr val="accent1"/>
-          </a:fillRef>
-          <a:effectRef idx="0">
-            <a:schemeClr val="accent1"/>
-          </a:effectRef>
-          <a:fontRef idx="minor">
-            <a:schemeClr val="lt1"/>
-          </a:fontRef>
-        </p:style>
-        <p:txBody>
-          <a:bodyPr rtlCol="0" anchor="ctr"/>
-          <a:lstStyle/>
-          <a:p>
-            <a:pPr algn="ctr">
-              <a:buClrTx/>
-              <a:buFontTx/>
-              <a:buNone/>
-            </a:pPr>
-            <a:endParaRPr lang="en-IN" sz="1800" kern="1200">
-              <a:solidFill>
-                <a:srgbClr val="FFFFFF"/>
-              </a:solidFill>
-            </a:endParaRPr>
-          </a:p>
-        </p:txBody>
-      </p:sp>
-      <p:sp>
-        <p:nvSpPr>
-          <p:cNvPr id="60" name="Rectangle 59"/>
-          <p:cNvSpPr/>
-          <p:nvPr/>
-        </p:nvSpPr>
-        <p:spPr>
-          <a:xfrm>
-            <a:off x="7024987" y="3589145"/>
-            <a:ext cx="1253595" cy="590556"/>
-          </a:xfrm>
-          <a:prstGeom prst="rect">
-            <a:avLst/>
-          </a:prstGeom>
-          <a:noFill/>
-          <a:ln>
-            <a:solidFill>
-              <a:schemeClr val="bg1">
-                <a:lumMod val="85000"/>
-              </a:schemeClr>
-            </a:solidFill>
-          </a:ln>
-        </p:spPr>
-        <p:style>
-          <a:lnRef idx="2">
-            <a:schemeClr val="accent1">
-              <a:shade val="50000"/>
-            </a:schemeClr>
-          </a:lnRef>
-          <a:fillRef idx="1">
-            <a:schemeClr val="accent1"/>
-          </a:fillRef>
-          <a:effectRef idx="0">
-            <a:schemeClr val="accent1"/>
-          </a:effectRef>
-          <a:fontRef idx="minor">
-            <a:schemeClr val="lt1"/>
-          </a:fontRef>
-        </p:style>
-        <p:txBody>
-          <a:bodyPr rtlCol="0" anchor="ctr"/>
-          <a:lstStyle/>
-          <a:p>
-            <a:pPr algn="ctr">
-              <a:buClrTx/>
-              <a:buFontTx/>
-              <a:buNone/>
-            </a:pPr>
-            <a:endParaRPr lang="en-IN" sz="1800" kern="1200">
-              <a:solidFill>
-                <a:srgbClr val="FFFFFF"/>
-              </a:solidFill>
-            </a:endParaRPr>
-          </a:p>
-        </p:txBody>
-      </p:sp>
-      <p:sp>
-        <p:nvSpPr>
-          <p:cNvPr id="61" name="Rectangle 60"/>
-          <p:cNvSpPr/>
-          <p:nvPr/>
-        </p:nvSpPr>
-        <p:spPr>
-          <a:xfrm>
-            <a:off x="4900751" y="3589145"/>
-            <a:ext cx="1944216" cy="590556"/>
-          </a:xfrm>
-          <a:prstGeom prst="rect">
-            <a:avLst/>
-          </a:prstGeom>
-          <a:noFill/>
-          <a:ln>
-            <a:solidFill>
-              <a:schemeClr val="bg1">
-                <a:lumMod val="85000"/>
-              </a:schemeClr>
-            </a:solidFill>
-          </a:ln>
-        </p:spPr>
-        <p:style>
-          <a:lnRef idx="2">
-            <a:schemeClr val="accent1">
-              <a:shade val="50000"/>
-            </a:schemeClr>
-          </a:lnRef>
-          <a:fillRef idx="1">
-            <a:schemeClr val="accent1"/>
-          </a:fillRef>
-          <a:effectRef idx="0">
-            <a:schemeClr val="accent1"/>
-          </a:effectRef>
-          <a:fontRef idx="minor">
-            <a:schemeClr val="lt1"/>
-          </a:fontRef>
-        </p:style>
-        <p:txBody>
-          <a:bodyPr rtlCol="0" anchor="ctr"/>
-          <a:lstStyle/>
-          <a:p>
-            <a:pPr algn="ctr">
-              <a:buClrTx/>
-              <a:buFontTx/>
-              <a:buNone/>
-            </a:pPr>
-            <a:endParaRPr lang="en-IN" sz="1800" kern="1200">
-              <a:solidFill>
-                <a:srgbClr val="FFFFFF"/>
-              </a:solidFill>
-            </a:endParaRPr>
-          </a:p>
-        </p:txBody>
-      </p:sp>
-      <p:sp>
-        <p:nvSpPr>
-          <p:cNvPr id="62" name="TextBox 61"/>
-          <p:cNvSpPr txBox="1"/>
-          <p:nvPr/>
-        </p:nvSpPr>
-        <p:spPr>
-          <a:xfrm>
-            <a:off x="3053204" y="3663191"/>
-            <a:ext cx="1165704" cy="338554"/>
-          </a:xfrm>
-          <a:prstGeom prst="rect">
-            <a:avLst/>
-          </a:prstGeom>
-          <a:noFill/>
-        </p:spPr>
-        <p:txBody>
-          <a:bodyPr wrap="none" rtlCol="0">
-            <a:spAutoFit/>
-          </a:bodyPr>
-          <a:lstStyle/>
-          <a:p>
-            <a:pPr algn="ctr">
-              <a:buClrTx/>
-              <a:buFontTx/>
-              <a:buNone/>
-            </a:pPr>
-            <a:r>
-              <a:rPr lang="en-IN" sz="800" kern="1200" dirty="0">
-                <a:ea typeface="+mn-ea"/>
-                <a:cs typeface="+mn-cs"/>
-              </a:rPr>
-              <a:t>Product Marketing + </a:t>
-            </a:r>
-            <a:endParaRPr lang="en-IN" sz="800" kern="1200" dirty="0" smtClean="0">
-              <a:ea typeface="+mn-ea"/>
-              <a:cs typeface="+mn-cs"/>
-            </a:endParaRPr>
-          </a:p>
-          <a:p>
-            <a:pPr algn="ctr">
-              <a:buClrTx/>
-              <a:buFontTx/>
-              <a:buNone/>
-            </a:pPr>
-            <a:r>
-              <a:rPr lang="en-IN" sz="800" kern="1200" dirty="0" smtClean="0">
-                <a:ea typeface="+mn-ea"/>
-                <a:cs typeface="+mn-cs"/>
-              </a:rPr>
-              <a:t>Insurance companies</a:t>
-            </a:r>
-            <a:endParaRPr lang="en-IN" sz="800" kern="1200" dirty="0">
-              <a:ea typeface="+mn-ea"/>
-              <a:cs typeface="+mn-cs"/>
-            </a:endParaRPr>
-          </a:p>
-        </p:txBody>
-      </p:sp>
-      <p:sp>
-        <p:nvSpPr>
-          <p:cNvPr id="63" name="TextBox 62"/>
-          <p:cNvSpPr txBox="1"/>
-          <p:nvPr/>
-        </p:nvSpPr>
-        <p:spPr>
-          <a:xfrm>
-            <a:off x="7180042" y="3717052"/>
-            <a:ext cx="966931" cy="230832"/>
-          </a:xfrm>
-          <a:prstGeom prst="rect">
-            <a:avLst/>
-          </a:prstGeom>
-          <a:noFill/>
-        </p:spPr>
-        <p:txBody>
-          <a:bodyPr wrap="none" rtlCol="0">
-            <a:spAutoFit/>
-          </a:bodyPr>
-          <a:lstStyle/>
-          <a:p>
-            <a:pPr>
-              <a:buClrTx/>
-              <a:buFontTx/>
-              <a:buNone/>
-            </a:pPr>
-            <a:r>
-              <a:rPr lang="en-IN" sz="900" kern="1200" dirty="0">
-                <a:ea typeface="+mn-ea"/>
-                <a:cs typeface="+mn-cs"/>
-              </a:rPr>
-              <a:t>15 Tier 3 cities </a:t>
-            </a:r>
-          </a:p>
-        </p:txBody>
-      </p:sp>
-      <p:sp>
-        <p:nvSpPr>
-          <p:cNvPr id="64" name="TextBox 63"/>
-          <p:cNvSpPr txBox="1"/>
-          <p:nvPr/>
-        </p:nvSpPr>
-        <p:spPr>
-          <a:xfrm>
-            <a:off x="4971008" y="3653763"/>
-            <a:ext cx="1160895" cy="461665"/>
-          </a:xfrm>
-          <a:prstGeom prst="rect">
-            <a:avLst/>
-          </a:prstGeom>
-          <a:noFill/>
-        </p:spPr>
-        <p:txBody>
-          <a:bodyPr wrap="none" rtlCol="0">
-            <a:spAutoFit/>
-          </a:bodyPr>
-          <a:lstStyle/>
-          <a:p>
-            <a:pPr>
-              <a:buClrTx/>
-              <a:buFontTx/>
-              <a:buNone/>
-            </a:pPr>
-            <a:r>
-              <a:rPr lang="en-IN" sz="800" kern="1200" dirty="0">
-                <a:ea typeface="+mn-ea"/>
-                <a:cs typeface="+mn-cs"/>
-              </a:rPr>
-              <a:t>Period : 1.5 </a:t>
-            </a:r>
-            <a:r>
-              <a:rPr lang="en-IN" sz="800" kern="1200" dirty="0" err="1">
-                <a:ea typeface="+mn-ea"/>
-                <a:cs typeface="+mn-cs"/>
-              </a:rPr>
-              <a:t>yrs</a:t>
-            </a:r>
-            <a:endParaRPr lang="en-IN" sz="800" kern="1200" dirty="0">
-              <a:ea typeface="+mn-ea"/>
-              <a:cs typeface="+mn-cs"/>
-            </a:endParaRPr>
-          </a:p>
-          <a:p>
-            <a:pPr>
-              <a:buClrTx/>
-              <a:buFontTx/>
-              <a:buNone/>
-            </a:pPr>
-            <a:r>
-              <a:rPr lang="en-IN" sz="800" kern="1200" dirty="0">
-                <a:ea typeface="+mn-ea"/>
-                <a:cs typeface="+mn-cs"/>
-              </a:rPr>
-              <a:t>Expenditure : 10cr </a:t>
-            </a:r>
-          </a:p>
-          <a:p>
-            <a:pPr>
-              <a:buClrTx/>
-              <a:buFontTx/>
-              <a:buNone/>
-            </a:pPr>
-            <a:r>
-              <a:rPr lang="en-IN" sz="800" kern="1200" dirty="0">
-                <a:ea typeface="+mn-ea"/>
-                <a:cs typeface="+mn-cs"/>
-              </a:rPr>
-              <a:t>Revenue : 60-70 </a:t>
-            </a:r>
-            <a:r>
-              <a:rPr lang="en-IN" sz="800" kern="1200" dirty="0" err="1">
-                <a:ea typeface="+mn-ea"/>
-                <a:cs typeface="+mn-cs"/>
-              </a:rPr>
-              <a:t>lacs</a:t>
-            </a:r>
-            <a:endParaRPr lang="en-IN" sz="800" kern="1200" dirty="0">
-              <a:ea typeface="+mn-ea"/>
-              <a:cs typeface="+mn-cs"/>
-            </a:endParaRPr>
-          </a:p>
-        </p:txBody>
-      </p:sp>
-      <p:sp>
-        <p:nvSpPr>
-          <p:cNvPr id="4" name="TextBox 3"/>
-          <p:cNvSpPr txBox="1"/>
-          <p:nvPr/>
-        </p:nvSpPr>
-        <p:spPr>
-          <a:xfrm>
-            <a:off x="2957310" y="0"/>
-            <a:ext cx="1556836" cy="307777"/>
-          </a:xfrm>
-          <a:prstGeom prst="rect">
-            <a:avLst/>
-          </a:prstGeom>
-          <a:noFill/>
-        </p:spPr>
-        <p:txBody>
-          <a:bodyPr wrap="none" rtlCol="0">
-            <a:spAutoFit/>
-          </a:bodyPr>
-          <a:lstStyle/>
-          <a:p>
-            <a:pPr>
-              <a:buClrTx/>
-              <a:buFontTx/>
-              <a:buNone/>
-            </a:pPr>
-            <a:r>
-              <a:rPr lang="en-IN" kern="1200" dirty="0" smtClean="0">
-                <a:ea typeface="+mn-ea"/>
-                <a:cs typeface="+mn-cs"/>
-              </a:rPr>
-              <a:t>Product Features</a:t>
-            </a:r>
-            <a:endParaRPr lang="en-IN" kern="1200" dirty="0">
-              <a:ea typeface="+mn-ea"/>
-              <a:cs typeface="+mn-cs"/>
-            </a:endParaRPr>
-          </a:p>
-        </p:txBody>
-      </p:sp>
-      <p:sp>
-        <p:nvSpPr>
-          <p:cNvPr id="44" name="TextBox 43"/>
-          <p:cNvSpPr txBox="1"/>
-          <p:nvPr/>
-        </p:nvSpPr>
-        <p:spPr>
-          <a:xfrm>
-            <a:off x="5118699" y="-19041"/>
-            <a:ext cx="1438214" cy="307777"/>
-          </a:xfrm>
-          <a:prstGeom prst="rect">
-            <a:avLst/>
-          </a:prstGeom>
-          <a:noFill/>
-        </p:spPr>
-        <p:txBody>
-          <a:bodyPr wrap="none" rtlCol="0">
-            <a:spAutoFit/>
-          </a:bodyPr>
-          <a:lstStyle/>
-          <a:p>
-            <a:pPr>
-              <a:buClrTx/>
-              <a:buFontTx/>
-              <a:buNone/>
-            </a:pPr>
-            <a:r>
-              <a:rPr lang="en-IN" kern="1200" dirty="0">
-                <a:ea typeface="+mn-ea"/>
-                <a:cs typeface="+mn-cs"/>
-              </a:rPr>
-              <a:t>Revenue Model</a:t>
-            </a:r>
-          </a:p>
-        </p:txBody>
-      </p:sp>
-      <p:sp>
-        <p:nvSpPr>
-          <p:cNvPr id="46" name="TextBox 45"/>
-          <p:cNvSpPr txBox="1"/>
-          <p:nvPr/>
-        </p:nvSpPr>
-        <p:spPr>
-          <a:xfrm>
-            <a:off x="7151700" y="-19042"/>
-            <a:ext cx="970137" cy="307777"/>
-          </a:xfrm>
-          <a:prstGeom prst="rect">
-            <a:avLst/>
-          </a:prstGeom>
-          <a:noFill/>
-        </p:spPr>
-        <p:txBody>
-          <a:bodyPr wrap="none" rtlCol="0">
-            <a:spAutoFit/>
-          </a:bodyPr>
-          <a:lstStyle/>
-          <a:p>
-            <a:pPr>
-              <a:buClrTx/>
-              <a:buFontTx/>
-              <a:buNone/>
-            </a:pPr>
-            <a:r>
-              <a:rPr lang="en-IN" kern="1200" dirty="0">
-                <a:ea typeface="+mn-ea"/>
-                <a:cs typeface="+mn-cs"/>
-              </a:rPr>
-              <a:t>Marketing</a:t>
-            </a:r>
-          </a:p>
-        </p:txBody>
-      </p:sp>
-      <p:cxnSp>
-        <p:nvCxnSpPr>
-          <p:cNvPr id="8" name="Straight Connector 7"/>
-          <p:cNvCxnSpPr/>
-          <p:nvPr/>
-        </p:nvCxnSpPr>
-        <p:spPr>
-          <a:xfrm>
-            <a:off x="2617484" y="307777"/>
-            <a:ext cx="6480720" cy="0"/>
-          </a:xfrm>
-          <a:prstGeom prst="line">
-            <a:avLst/>
-          </a:prstGeom>
-        </p:spPr>
-        <p:style>
-          <a:lnRef idx="1">
-            <a:schemeClr val="accent1"/>
-          </a:lnRef>
-          <a:fillRef idx="0">
-            <a:schemeClr val="accent1"/>
-          </a:fillRef>
-          <a:effectRef idx="0">
-            <a:schemeClr val="accent1"/>
-          </a:effectRef>
-          <a:fontRef idx="minor">
-            <a:schemeClr val="tx1"/>
-          </a:fontRef>
-        </p:style>
-      </p:cxnSp>
-      <p:sp>
-        <p:nvSpPr>
-          <p:cNvPr id="68" name="TextBox 67"/>
-          <p:cNvSpPr txBox="1"/>
-          <p:nvPr/>
-        </p:nvSpPr>
-        <p:spPr>
-          <a:xfrm>
-            <a:off x="2753323" y="389343"/>
-            <a:ext cx="723275" cy="246221"/>
-          </a:xfrm>
-          <a:prstGeom prst="rect">
-            <a:avLst/>
-          </a:prstGeom>
-          <a:noFill/>
-        </p:spPr>
-        <p:txBody>
-          <a:bodyPr wrap="none" rtlCol="0">
-            <a:spAutoFit/>
-          </a:bodyPr>
-          <a:lstStyle/>
-          <a:p>
-            <a:pPr>
-              <a:buClrTx/>
-              <a:buFontTx/>
-              <a:buNone/>
-            </a:pPr>
-            <a:r>
-              <a:rPr lang="en-IN" sz="1000" kern="1200" dirty="0">
-                <a:ea typeface="+mn-ea"/>
-                <a:cs typeface="+mn-cs"/>
-              </a:rPr>
-              <a:t>Version 1</a:t>
-            </a:r>
-          </a:p>
-        </p:txBody>
-      </p:sp>
-      <p:cxnSp>
-        <p:nvCxnSpPr>
-          <p:cNvPr id="69" name="Straight Connector 68"/>
-          <p:cNvCxnSpPr/>
-          <p:nvPr/>
-        </p:nvCxnSpPr>
-        <p:spPr>
-          <a:xfrm>
-            <a:off x="2597446" y="1279459"/>
-            <a:ext cx="6480720" cy="0"/>
-          </a:xfrm>
-          <a:prstGeom prst="line">
-            <a:avLst/>
-          </a:prstGeom>
-          <a:ln w="3175"/>
-        </p:spPr>
-        <p:style>
-          <a:lnRef idx="1">
-            <a:schemeClr val="accent1"/>
-          </a:lnRef>
-          <a:fillRef idx="0">
-            <a:schemeClr val="accent1"/>
-          </a:fillRef>
-          <a:effectRef idx="0">
-            <a:schemeClr val="accent1"/>
-          </a:effectRef>
-          <a:fontRef idx="minor">
-            <a:schemeClr val="tx1"/>
-          </a:fontRef>
-        </p:style>
-      </p:cxnSp>
-      <p:sp>
-        <p:nvSpPr>
-          <p:cNvPr id="70" name="TextBox 69"/>
-          <p:cNvSpPr txBox="1"/>
-          <p:nvPr/>
-        </p:nvSpPr>
-        <p:spPr>
-          <a:xfrm>
-            <a:off x="2755442" y="1346550"/>
-            <a:ext cx="723275" cy="246221"/>
-          </a:xfrm>
-          <a:prstGeom prst="rect">
-            <a:avLst/>
-          </a:prstGeom>
-          <a:noFill/>
-        </p:spPr>
-        <p:txBody>
-          <a:bodyPr wrap="none" rtlCol="0">
-            <a:spAutoFit/>
-          </a:bodyPr>
-          <a:lstStyle/>
-          <a:p>
-            <a:pPr>
-              <a:buClrTx/>
-              <a:buFontTx/>
-              <a:buNone/>
-            </a:pPr>
-            <a:r>
-              <a:rPr lang="en-IN" sz="1000" kern="1200" dirty="0">
-                <a:ea typeface="+mn-ea"/>
-                <a:cs typeface="+mn-cs"/>
-              </a:rPr>
-              <a:t>Version 2</a:t>
-            </a:r>
-          </a:p>
-        </p:txBody>
-      </p:sp>
-      <p:cxnSp>
-        <p:nvCxnSpPr>
-          <p:cNvPr id="71" name="Straight Connector 70"/>
-          <p:cNvCxnSpPr/>
-          <p:nvPr/>
-        </p:nvCxnSpPr>
-        <p:spPr>
-          <a:xfrm>
-            <a:off x="2572296" y="2232077"/>
-            <a:ext cx="6480720" cy="0"/>
-          </a:xfrm>
-          <a:prstGeom prst="line">
-            <a:avLst/>
-          </a:prstGeom>
-        </p:spPr>
-        <p:style>
-          <a:lnRef idx="1">
-            <a:schemeClr val="accent1"/>
-          </a:lnRef>
-          <a:fillRef idx="0">
-            <a:schemeClr val="accent1"/>
-          </a:fillRef>
-          <a:effectRef idx="0">
-            <a:schemeClr val="accent1"/>
-          </a:effectRef>
-          <a:fontRef idx="minor">
-            <a:schemeClr val="tx1"/>
-          </a:fontRef>
-        </p:style>
-      </p:cxnSp>
-      <p:sp>
-        <p:nvSpPr>
-          <p:cNvPr id="72" name="TextBox 71"/>
-          <p:cNvSpPr txBox="1"/>
-          <p:nvPr/>
-        </p:nvSpPr>
-        <p:spPr>
-          <a:xfrm>
-            <a:off x="2771705" y="2289820"/>
-            <a:ext cx="723275" cy="246221"/>
-          </a:xfrm>
-          <a:prstGeom prst="rect">
-            <a:avLst/>
-          </a:prstGeom>
-          <a:noFill/>
-        </p:spPr>
-        <p:txBody>
-          <a:bodyPr wrap="none" rtlCol="0">
-            <a:spAutoFit/>
-          </a:bodyPr>
-          <a:lstStyle/>
-          <a:p>
-            <a:pPr>
-              <a:buClrTx/>
-              <a:buFontTx/>
-              <a:buNone/>
-            </a:pPr>
-            <a:r>
-              <a:rPr lang="en-IN" sz="1000" kern="1200" dirty="0">
-                <a:ea typeface="+mn-ea"/>
-                <a:cs typeface="+mn-cs"/>
-              </a:rPr>
-              <a:t>Version 3</a:t>
-            </a:r>
-          </a:p>
-        </p:txBody>
-      </p:sp>
-      <p:cxnSp>
-        <p:nvCxnSpPr>
-          <p:cNvPr id="73" name="Straight Connector 72"/>
-          <p:cNvCxnSpPr/>
-          <p:nvPr/>
-        </p:nvCxnSpPr>
-        <p:spPr>
-          <a:xfrm>
-            <a:off x="2572296" y="3257936"/>
-            <a:ext cx="6480720" cy="0"/>
-          </a:xfrm>
-          <a:prstGeom prst="line">
-            <a:avLst/>
-          </a:prstGeom>
-        </p:spPr>
-        <p:style>
-          <a:lnRef idx="1">
-            <a:schemeClr val="accent1"/>
-          </a:lnRef>
-          <a:fillRef idx="0">
-            <a:schemeClr val="accent1"/>
-          </a:fillRef>
-          <a:effectRef idx="0">
-            <a:schemeClr val="accent1"/>
-          </a:effectRef>
-          <a:fontRef idx="minor">
-            <a:schemeClr val="tx1"/>
-          </a:fontRef>
-        </p:style>
-      </p:cxnSp>
-      <p:sp>
-        <p:nvSpPr>
-          <p:cNvPr id="74" name="TextBox 73"/>
-          <p:cNvSpPr txBox="1"/>
-          <p:nvPr/>
-        </p:nvSpPr>
-        <p:spPr>
-          <a:xfrm>
-            <a:off x="2771705" y="3347117"/>
-            <a:ext cx="723275" cy="246221"/>
-          </a:xfrm>
-          <a:prstGeom prst="rect">
-            <a:avLst/>
-          </a:prstGeom>
-          <a:noFill/>
-        </p:spPr>
-        <p:txBody>
-          <a:bodyPr wrap="none" rtlCol="0">
-            <a:spAutoFit/>
-          </a:bodyPr>
-          <a:lstStyle/>
-          <a:p>
-            <a:pPr>
-              <a:buClrTx/>
-              <a:buFontTx/>
-              <a:buNone/>
-            </a:pPr>
-            <a:r>
-              <a:rPr lang="en-IN" sz="1000" kern="1200" dirty="0">
-                <a:ea typeface="+mn-ea"/>
-                <a:cs typeface="+mn-cs"/>
-              </a:rPr>
-              <a:t>Version 4</a:t>
-            </a:r>
-          </a:p>
-        </p:txBody>
-      </p:sp>
-      <p:sp>
-        <p:nvSpPr>
-          <p:cNvPr id="2" name="TextBox 1"/>
-          <p:cNvSpPr txBox="1"/>
-          <p:nvPr/>
-        </p:nvSpPr>
-        <p:spPr>
-          <a:xfrm>
-            <a:off x="2673480" y="4565561"/>
-            <a:ext cx="6194324" cy="577081"/>
-          </a:xfrm>
-          <a:prstGeom prst="rect">
-            <a:avLst/>
-          </a:prstGeom>
-          <a:noFill/>
-        </p:spPr>
-        <p:txBody>
-          <a:bodyPr wrap="none" rtlCol="0">
-            <a:spAutoFit/>
-          </a:bodyPr>
-          <a:lstStyle/>
-          <a:p>
-            <a:r>
-              <a:rPr lang="en-IN" sz="1050" b="1" u="sng" dirty="0" smtClean="0"/>
-              <a:t>Note:</a:t>
-            </a:r>
-            <a:r>
-              <a:rPr lang="en-IN" sz="1050" b="1" dirty="0" smtClean="0"/>
-              <a:t> </a:t>
-            </a:r>
-            <a:r>
-              <a:rPr lang="en-IN" sz="1050" dirty="0" smtClean="0"/>
-              <a:t>For Versions 3&amp;4, partnership </a:t>
-            </a:r>
-            <a:r>
-              <a:rPr lang="en-IN" sz="1050" dirty="0"/>
-              <a:t>with </a:t>
-            </a:r>
-            <a:r>
-              <a:rPr lang="en-IN" sz="1050" dirty="0" smtClean="0"/>
-              <a:t>established IT firms </a:t>
-            </a:r>
-            <a:r>
-              <a:rPr lang="en-IN" sz="1050" dirty="0"/>
-              <a:t>for large scale deployment of software </a:t>
-            </a:r>
-            <a:endParaRPr lang="en-IN" sz="1050" dirty="0" smtClean="0"/>
-          </a:p>
-          <a:p>
-            <a:r>
-              <a:rPr lang="en-IN" sz="1050" dirty="0"/>
-              <a:t> </a:t>
-            </a:r>
-            <a:r>
-              <a:rPr lang="en-IN" sz="1050" dirty="0" smtClean="0"/>
-              <a:t>         as </a:t>
-            </a:r>
-            <a:r>
-              <a:rPr lang="en-IN" sz="1050" dirty="0"/>
-              <a:t>well as training.</a:t>
-            </a:r>
-          </a:p>
-          <a:p>
-            <a:endParaRPr lang="en-IN" sz="1050" dirty="0"/>
           </a:p>
         </p:txBody>
       </p:sp>
     </p:spTree>
     <p:extLst>
       <p:ext uri="{BB962C8B-B14F-4D97-AF65-F5344CB8AC3E}">
-        <p14:creationId xmlns:p14="http://schemas.microsoft.com/office/powerpoint/2010/main" val="2142255268"/>
+        <p14:creationId xmlns:p14="http://schemas.microsoft.com/office/powerpoint/2010/main" val="2756599383"/>
       </p:ext>
     </p:extLst>
   </p:cSld>
@@ -18840,7 +17593,7 @@
           <p:cNvPr id="11" name="Shape 114">
             <a:extLst>
               <a:ext uri="{FF2B5EF4-FFF2-40B4-BE49-F238E27FC236}">
-                <a16:creationId xmlns:a16="http://schemas.microsoft.com/office/drawing/2014/main" xmlns="" id="{1D3C8554-FECA-4592-9592-A1CD9D928A40}"/>
+                <a16:creationId xmlns:a16="http://schemas.microsoft.com/office/drawing/2014/main" id="{1D3C8554-FECA-4592-9592-A1CD9D928A40}"/>
               </a:ext>
             </a:extLst>
           </p:cNvPr>
@@ -19183,13 +17936,6 @@
   <p:clrMapOvr>
     <a:masterClrMapping/>
   </p:clrMapOvr>
-  <p:timing>
-    <p:tnLst>
-      <p:par>
-        <p:cTn id="1" dur="indefinite" restart="never" nodeType="tmRoot"/>
-      </p:par>
-    </p:tnLst>
-  </p:timing>
 </p:sld>
 </file>
 
@@ -19407,7 +18153,13 @@
                 <a:tableStyleId>{3C2FFA5D-87B4-456A-9821-1D502468CF0F}</a:tableStyleId>
               </a:tblPr>
               <a:tblGrid>
-                <a:gridCol w="2399735"/>
+                <a:gridCol w="2399735">
+                  <a:extLst>
+                    <a:ext uri="{9D8B030D-6E8A-4147-A177-3AD203B41FA5}">
+                      <a16:colId xmlns:a16="http://schemas.microsoft.com/office/drawing/2014/main" val="20000"/>
+                    </a:ext>
+                  </a:extLst>
+                </a:gridCol>
               </a:tblGrid>
               <a:tr h="370840">
                 <a:tc>
@@ -19417,7 +18169,7 @@
                     <a:p>
                       <a:pPr algn="ctr"/>
                       <a:r>
-                        <a:rPr lang="en-IN" sz="1200" dirty="0" smtClean="0"/>
+                        <a:rPr lang="en-IN" sz="1200" dirty="0"/>
                         <a:t>Technology</a:t>
                       </a:r>
                       <a:endParaRPr lang="en-IN" dirty="0"/>
@@ -19425,6 +18177,11 @@
                   </a:txBody>
                   <a:tcPr/>
                 </a:tc>
+                <a:extLst>
+                  <a:ext uri="{0D108BD9-81ED-4DB2-BD59-A6C34878D82A}">
+                    <a16:rowId xmlns:a16="http://schemas.microsoft.com/office/drawing/2014/main" val="10000"/>
+                  </a:ext>
+                </a:extLst>
               </a:tr>
               <a:tr h="370840">
                 <a:tc>
@@ -19437,7 +18194,7 @@
                         <a:buChar char="•"/>
                       </a:pPr>
                       <a:r>
-                        <a:rPr lang="en-IN" sz="1100" dirty="0" smtClean="0"/>
+                        <a:rPr lang="en-IN" sz="1100" dirty="0"/>
                         <a:t>Blockchain</a:t>
                       </a:r>
                     </a:p>
@@ -19447,11 +18204,11 @@
                         <a:buChar char="•"/>
                       </a:pPr>
                       <a:r>
-                        <a:rPr lang="en-IN" sz="1100" dirty="0" smtClean="0"/>
+                        <a:rPr lang="en-IN" sz="1100" dirty="0"/>
                         <a:t>Robust</a:t>
                       </a:r>
                       <a:r>
-                        <a:rPr lang="en-IN" sz="1100" baseline="0" dirty="0" smtClean="0"/>
+                        <a:rPr lang="en-IN" sz="1100" baseline="0" dirty="0"/>
                         <a:t> IT connectivity</a:t>
                       </a:r>
                     </a:p>
@@ -19461,10 +18218,10 @@
                         <a:buChar char="•"/>
                       </a:pPr>
                       <a:r>
-                        <a:rPr lang="en-IN" sz="1100" baseline="0" dirty="0" smtClean="0"/>
+                        <a:rPr lang="en-IN" sz="1100" baseline="0" dirty="0"/>
                         <a:t>Digitization</a:t>
                       </a:r>
-                      <a:endParaRPr lang="en-IN" sz="1100" dirty="0" smtClean="0"/>
+                      <a:endParaRPr lang="en-IN" sz="1100" dirty="0"/>
                     </a:p>
                     <a:p>
                       <a:pPr marL="171450" indent="-171450">
@@ -19476,6 +18233,11 @@
                   </a:txBody>
                   <a:tcPr/>
                 </a:tc>
+                <a:extLst>
+                  <a:ext uri="{0D108BD9-81ED-4DB2-BD59-A6C34878D82A}">
+                    <a16:rowId xmlns:a16="http://schemas.microsoft.com/office/drawing/2014/main" val="10001"/>
+                  </a:ext>
+                </a:extLst>
               </a:tr>
             </a:tbl>
           </a:graphicData>
@@ -19506,7 +18268,13 @@
                 <a:tableStyleId>{3C2FFA5D-87B4-456A-9821-1D502468CF0F}</a:tableStyleId>
               </a:tblPr>
               <a:tblGrid>
-                <a:gridCol w="2399735"/>
+                <a:gridCol w="2399735">
+                  <a:extLst>
+                    <a:ext uri="{9D8B030D-6E8A-4147-A177-3AD203B41FA5}">
+                      <a16:colId xmlns:a16="http://schemas.microsoft.com/office/drawing/2014/main" val="20000"/>
+                    </a:ext>
+                  </a:extLst>
+                </a:gridCol>
               </a:tblGrid>
               <a:tr h="370840">
                 <a:tc>
@@ -19516,14 +18284,18 @@
                     <a:p>
                       <a:pPr algn="ctr"/>
                       <a:r>
-                        <a:rPr lang="en-IN" sz="1200" dirty="0" smtClean="0"/>
+                        <a:rPr lang="en-IN" sz="1200" dirty="0"/>
                         <a:t>Efficiency of Service Delivery</a:t>
                       </a:r>
-                      <a:endParaRPr lang="en-IN" sz="1200" dirty="0"/>
                     </a:p>
                   </a:txBody>
                   <a:tcPr/>
                 </a:tc>
+                <a:extLst>
+                  <a:ext uri="{0D108BD9-81ED-4DB2-BD59-A6C34878D82A}">
+                    <a16:rowId xmlns:a16="http://schemas.microsoft.com/office/drawing/2014/main" val="10000"/>
+                  </a:ext>
+                </a:extLst>
               </a:tr>
               <a:tr h="735184">
                 <a:tc>
@@ -19536,7 +18308,7 @@
                         <a:buChar char="•"/>
                       </a:pPr>
                       <a:r>
-                        <a:rPr lang="en-IN" sz="1100" dirty="0" smtClean="0"/>
+                        <a:rPr lang="en-IN" sz="1100" dirty="0"/>
                         <a:t>Focus on healthcare-service</a:t>
                       </a:r>
                     </a:p>
@@ -19546,7 +18318,7 @@
                         <a:buChar char="•"/>
                       </a:pPr>
                       <a:r>
-                        <a:rPr lang="en-IN" sz="1100" dirty="0" smtClean="0"/>
+                        <a:rPr lang="en-IN" sz="1100" dirty="0"/>
                         <a:t>Structural Interoperability </a:t>
                       </a:r>
                     </a:p>
@@ -19556,11 +18328,11 @@
                         <a:buChar char="•"/>
                       </a:pPr>
                       <a:r>
-                        <a:rPr lang="en-IN" sz="1100" dirty="0" smtClean="0"/>
+                        <a:rPr lang="en-IN" sz="1100" dirty="0"/>
                         <a:t>Co-ordination</a:t>
                       </a:r>
                       <a:r>
-                        <a:rPr lang="en-IN" sz="1100" baseline="0" dirty="0" smtClean="0"/>
+                        <a:rPr lang="en-IN" sz="1100" baseline="0" dirty="0"/>
                         <a:t> of patient care</a:t>
                       </a:r>
                     </a:p>
@@ -19570,7 +18342,7 @@
                         <a:buChar char="•"/>
                       </a:pPr>
                       <a:r>
-                        <a:rPr lang="en-IN" sz="1100" baseline="0" dirty="0" smtClean="0"/>
+                        <a:rPr lang="en-IN" sz="1100" baseline="0" dirty="0"/>
                         <a:t>Transparency </a:t>
                       </a:r>
                       <a:endParaRPr lang="en-IN" sz="1100" dirty="0"/>
@@ -19578,6 +18350,11 @@
                   </a:txBody>
                   <a:tcPr/>
                 </a:tc>
+                <a:extLst>
+                  <a:ext uri="{0D108BD9-81ED-4DB2-BD59-A6C34878D82A}">
+                    <a16:rowId xmlns:a16="http://schemas.microsoft.com/office/drawing/2014/main" val="10001"/>
+                  </a:ext>
+                </a:extLst>
               </a:tr>
             </a:tbl>
           </a:graphicData>
@@ -19608,7 +18385,13 @@
                 <a:tableStyleId>{3C2FFA5D-87B4-456A-9821-1D502468CF0F}</a:tableStyleId>
               </a:tblPr>
               <a:tblGrid>
-                <a:gridCol w="2399735"/>
+                <a:gridCol w="2399735">
+                  <a:extLst>
+                    <a:ext uri="{9D8B030D-6E8A-4147-A177-3AD203B41FA5}">
+                      <a16:colId xmlns:a16="http://schemas.microsoft.com/office/drawing/2014/main" val="20000"/>
+                    </a:ext>
+                  </a:extLst>
+                </a:gridCol>
               </a:tblGrid>
               <a:tr h="370840">
                 <a:tc>
@@ -19618,7 +18401,7 @@
                     <a:p>
                       <a:pPr algn="ctr"/>
                       <a:r>
-                        <a:rPr lang="en-IN" sz="1200" dirty="0" smtClean="0"/>
+                        <a:rPr lang="en-IN" sz="1200" dirty="0"/>
                         <a:t>Cost-Effectiveness</a:t>
                       </a:r>
                       <a:endParaRPr lang="en-IN" dirty="0"/>
@@ -19626,6 +18409,11 @@
                   </a:txBody>
                   <a:tcPr/>
                 </a:tc>
+                <a:extLst>
+                  <a:ext uri="{0D108BD9-81ED-4DB2-BD59-A6C34878D82A}">
+                    <a16:rowId xmlns:a16="http://schemas.microsoft.com/office/drawing/2014/main" val="10000"/>
+                  </a:ext>
+                </a:extLst>
               </a:tr>
               <a:tr h="370840">
                 <a:tc>
@@ -19638,7 +18426,7 @@
                         <a:buChar char="•"/>
                       </a:pPr>
                       <a:r>
-                        <a:rPr lang="en-IN" sz="1100" dirty="0" smtClean="0"/>
+                        <a:rPr lang="en-IN" sz="1100" dirty="0"/>
                         <a:t>Reduction in Administrative Cost</a:t>
                       </a:r>
                     </a:p>
@@ -19648,7 +18436,7 @@
                         <a:buChar char="•"/>
                       </a:pPr>
                       <a:r>
-                        <a:rPr lang="en-IN" sz="1100" dirty="0" smtClean="0"/>
+                        <a:rPr lang="en-IN" sz="1100" dirty="0"/>
                         <a:t>Less medical resources being used</a:t>
                       </a:r>
                     </a:p>
@@ -19658,18 +18446,23 @@
                         <a:buChar char="•"/>
                       </a:pPr>
                       <a:r>
-                        <a:rPr lang="en-IN" sz="1100" dirty="0" smtClean="0"/>
+                        <a:rPr lang="en-IN" sz="1100" dirty="0"/>
                         <a:t>Less man-power</a:t>
                       </a:r>
                       <a:r>
-                        <a:rPr lang="en-IN" sz="1100" baseline="0" dirty="0" smtClean="0"/>
+                        <a:rPr lang="en-IN" sz="1100" baseline="0" dirty="0"/>
                         <a:t> required</a:t>
                       </a:r>
-                      <a:endParaRPr lang="en-IN" sz="1100" dirty="0" smtClean="0"/>
+                      <a:endParaRPr lang="en-IN" sz="1100" dirty="0"/>
                     </a:p>
                   </a:txBody>
                   <a:tcPr/>
                 </a:tc>
+                <a:extLst>
+                  <a:ext uri="{0D108BD9-81ED-4DB2-BD59-A6C34878D82A}">
+                    <a16:rowId xmlns:a16="http://schemas.microsoft.com/office/drawing/2014/main" val="10001"/>
+                  </a:ext>
+                </a:extLst>
               </a:tr>
             </a:tbl>
           </a:graphicData>
@@ -19700,7 +18493,13 @@
                 <a:tableStyleId>{3C2FFA5D-87B4-456A-9821-1D502468CF0F}</a:tableStyleId>
               </a:tblPr>
               <a:tblGrid>
-                <a:gridCol w="2399735"/>
+                <a:gridCol w="2399735">
+                  <a:extLst>
+                    <a:ext uri="{9D8B030D-6E8A-4147-A177-3AD203B41FA5}">
+                      <a16:colId xmlns:a16="http://schemas.microsoft.com/office/drawing/2014/main" val="20000"/>
+                    </a:ext>
+                  </a:extLst>
+                </a:gridCol>
               </a:tblGrid>
               <a:tr h="370840">
                 <a:tc>
@@ -19710,14 +18509,18 @@
                     <a:p>
                       <a:pPr algn="ctr"/>
                       <a:r>
-                        <a:rPr lang="en-IN" sz="1200" dirty="0" smtClean="0"/>
+                        <a:rPr lang="en-IN" sz="1200" dirty="0"/>
                         <a:t>Future Applications</a:t>
                       </a:r>
-                      <a:endParaRPr lang="en-IN" sz="1200" dirty="0"/>
                     </a:p>
                   </a:txBody>
                   <a:tcPr/>
                 </a:tc>
+                <a:extLst>
+                  <a:ext uri="{0D108BD9-81ED-4DB2-BD59-A6C34878D82A}">
+                    <a16:rowId xmlns:a16="http://schemas.microsoft.com/office/drawing/2014/main" val="10000"/>
+                  </a:ext>
+                </a:extLst>
               </a:tr>
               <a:tr h="370840">
                 <a:tc>
@@ -19730,7 +18533,7 @@
                         <a:buChar char="•"/>
                       </a:pPr>
                       <a:r>
-                        <a:rPr lang="en-IN" sz="1100" dirty="0" smtClean="0"/>
+                        <a:rPr lang="en-IN" sz="1100" dirty="0"/>
                         <a:t>Insurance Claims and Processing</a:t>
                       </a:r>
                     </a:p>
@@ -19740,18 +18543,23 @@
                         <a:buChar char="•"/>
                       </a:pPr>
                       <a:r>
-                        <a:rPr lang="en-IN" sz="1100" dirty="0" smtClean="0"/>
+                        <a:rPr lang="en-IN" sz="1100" dirty="0"/>
                         <a:t>Predicting</a:t>
                       </a:r>
                       <a:r>
-                        <a:rPr lang="en-IN" sz="1100" baseline="0" dirty="0" smtClean="0"/>
+                        <a:rPr lang="en-IN" sz="1100" baseline="0" dirty="0"/>
                         <a:t> disease pattern using AI</a:t>
                       </a:r>
-                      <a:endParaRPr lang="en-IN" sz="1100" dirty="0" smtClean="0"/>
+                      <a:endParaRPr lang="en-IN" sz="1100" dirty="0"/>
                     </a:p>
                   </a:txBody>
                   <a:tcPr/>
                 </a:tc>
+                <a:extLst>
+                  <a:ext uri="{0D108BD9-81ED-4DB2-BD59-A6C34878D82A}">
+                    <a16:rowId xmlns:a16="http://schemas.microsoft.com/office/drawing/2014/main" val="10001"/>
+                  </a:ext>
+                </a:extLst>
               </a:tr>
             </a:tbl>
           </a:graphicData>
@@ -19919,13 +18727,6 @@
   <p:clrMapOvr>
     <a:masterClrMapping/>
   </p:clrMapOvr>
-  <p:timing>
-    <p:tnLst>
-      <p:par>
-        <p:cTn id="1" dur="indefinite" restart="never" nodeType="tmRoot"/>
-      </p:par>
-    </p:tnLst>
-  </p:timing>
 </p:sld>
 </file>
 

--- a/niti aayog.pptx
+++ b/niti aayog.pptx
@@ -12167,7 +12167,7 @@
           <a:graphicData uri="http://schemas.openxmlformats.org/presentationml/2006/ole">
             <mc:AlternateContent xmlns:mc="http://schemas.openxmlformats.org/markup-compatibility/2006">
               <mc:Choice xmlns:v="urn:schemas-microsoft-com:vml" Requires="v">
-                <p:oleObj spid="_x0000_s1050" name="Acrobat Document" r:id="rId4" imgW="6027385" imgH="4663156" progId="AcroExch.Document.11">
+                <p:oleObj spid="_x0000_s1051" name="Acrobat Document" r:id="rId4" imgW="6027385" imgH="4663156" progId="AcroExch.Document.11">
                   <p:embed/>
                 </p:oleObj>
               </mc:Choice>
@@ -12809,7 +12809,7 @@
         <p:spPr bwMode="auto">
           <a:xfrm>
             <a:off x="6967416" y="3952632"/>
-            <a:ext cx="685624" cy="685624"/>
+            <a:ext cx="629350" cy="629350"/>
           </a:xfrm>
           <a:prstGeom prst="rect">
             <a:avLst/>
@@ -12834,8 +12834,8 @@
         </p:nvSpPr>
         <p:spPr>
           <a:xfrm>
-            <a:off x="7613090" y="4015506"/>
-            <a:ext cx="1148930" cy="566478"/>
+            <a:off x="7579093" y="4015506"/>
+            <a:ext cx="1182927" cy="566478"/>
           </a:xfrm>
           <a:prstGeom prst="rect">
             <a:avLst/>
@@ -12880,8 +12880,8 @@
         </p:nvSpPr>
         <p:spPr>
           <a:xfrm>
-            <a:off x="7613078" y="4024537"/>
-            <a:ext cx="1115207" cy="584775"/>
+            <a:off x="7565589" y="4024537"/>
+            <a:ext cx="1162697" cy="584775"/>
           </a:xfrm>
           <a:prstGeom prst="rect">
             <a:avLst/>
@@ -12910,8 +12910,8 @@
         </p:nvSpPr>
         <p:spPr>
           <a:xfrm>
-            <a:off x="7613078" y="4648991"/>
-            <a:ext cx="1148930" cy="431224"/>
+            <a:off x="7579081" y="4648991"/>
+            <a:ext cx="1182927" cy="431224"/>
           </a:xfrm>
           <a:prstGeom prst="rect">
             <a:avLst/>
@@ -12960,8 +12960,8 @@
         </p:nvSpPr>
         <p:spPr>
           <a:xfrm>
-            <a:off x="7628906" y="4648991"/>
-            <a:ext cx="1115207" cy="461665"/>
+            <a:off x="7660257" y="4648991"/>
+            <a:ext cx="1083856" cy="461665"/>
           </a:xfrm>
           <a:prstGeom prst="rect">
             <a:avLst/>

--- a/niti aayog.pptx
+++ b/niti aayog.pptx
@@ -6,7 +6,7 @@
     <p:sldMasterId id="2147483662" r:id="rId2"/>
   </p:sldMasterIdLst>
   <p:notesMasterIdLst>
-    <p:notesMasterId r:id="rId15"/>
+    <p:notesMasterId r:id="rId13"/>
   </p:notesMasterIdLst>
   <p:sldIdLst>
     <p:sldId id="256" r:id="rId3"/>
@@ -16,35 +16,33 @@
     <p:sldId id="321" r:id="rId7"/>
     <p:sldId id="320" r:id="rId8"/>
     <p:sldId id="316" r:id="rId9"/>
-    <p:sldId id="312" r:id="rId10"/>
-    <p:sldId id="322" r:id="rId11"/>
-    <p:sldId id="319" r:id="rId12"/>
-    <p:sldId id="307" r:id="rId13"/>
-    <p:sldId id="323" r:id="rId14"/>
+    <p:sldId id="322" r:id="rId10"/>
+    <p:sldId id="319" r:id="rId11"/>
+    <p:sldId id="323" r:id="rId12"/>
   </p:sldIdLst>
   <p:sldSz cx="9144000" cy="5143500" type="screen16x9"/>
   <p:notesSz cx="6858000" cy="9144000"/>
   <p:embeddedFontLst>
     <p:embeddedFont>
       <p:font typeface="Calibri" panose="020F0502020204030204" pitchFamily="34" charset="0"/>
-      <p:regular r:id="rId16"/>
-      <p:bold r:id="rId17"/>
-      <p:italic r:id="rId18"/>
-      <p:boldItalic r:id="rId19"/>
+      <p:regular r:id="rId14"/>
+      <p:bold r:id="rId15"/>
+      <p:italic r:id="rId16"/>
+      <p:boldItalic r:id="rId17"/>
     </p:embeddedFont>
     <p:embeddedFont>
       <p:font typeface="Georgia" panose="02040502050405020303" pitchFamily="18" charset="0"/>
-      <p:regular r:id="rId20"/>
-      <p:bold r:id="rId21"/>
-      <p:italic r:id="rId22"/>
-      <p:boldItalic r:id="rId23"/>
+      <p:regular r:id="rId18"/>
+      <p:bold r:id="rId19"/>
+      <p:italic r:id="rId20"/>
+      <p:boldItalic r:id="rId21"/>
     </p:embeddedFont>
     <p:embeddedFont>
       <p:font typeface="Nunito Sans" panose="020B0604020202020204" charset="0"/>
-      <p:regular r:id="rId24"/>
-      <p:bold r:id="rId25"/>
-      <p:italic r:id="rId26"/>
-      <p:boldItalic r:id="rId27"/>
+      <p:regular r:id="rId22"/>
+      <p:bold r:id="rId23"/>
+      <p:italic r:id="rId24"/>
+      <p:boldItalic r:id="rId25"/>
     </p:embeddedFont>
   </p:embeddedFontLst>
   <p:defaultTextStyle>
@@ -277,30 +275,6 @@
     </a:lvl9pPr>
   </p:defaultTextStyle>
   <p:extLst>
-    <p:ext uri="{521415D9-36F7-43E2-AB2F-B90AF26B5E84}">
-      <p14:sectionLst xmlns:p14="http://schemas.microsoft.com/office/powerpoint/2010/main">
-        <p14:section name="Default Section" id="{10E4AFE4-CB01-480B-92FB-AEBBB8EFD71C}">
-          <p14:sldIdLst>
-            <p14:sldId id="256"/>
-          </p14:sldIdLst>
-        </p14:section>
-        <p14:section name="Untitled Section" id="{588B9E89-F263-4401-BC01-C59E44E980EF}">
-          <p14:sldIdLst>
-            <p14:sldId id="318"/>
-            <p14:sldId id="257"/>
-            <p14:sldId id="304"/>
-            <p14:sldId id="321"/>
-            <p14:sldId id="320"/>
-            <p14:sldId id="316"/>
-            <p14:sldId id="312"/>
-            <p14:sldId id="322"/>
-            <p14:sldId id="319"/>
-            <p14:sldId id="307"/>
-            <p14:sldId id="323"/>
-          </p14:sldIdLst>
-        </p14:section>
-      </p14:sectionLst>
-    </p:ext>
     <p:ext uri="{EFAFB233-063F-42B5-8137-9DF3F51BA10A}">
       <p15:sldGuideLst xmlns:p15="http://schemas.microsoft.com/office/powerpoint/2012/main">
         <p15:guide id="1" orient="horz" pos="1620">
@@ -873,224 +847,6 @@
 </file>
 
 <file path=ppt/notesSlides/notesSlide10.xml><?xml version="1.0" encoding="utf-8"?>
-<p:notes xmlns:a="http://schemas.openxmlformats.org/drawingml/2006/main" xmlns:r="http://schemas.openxmlformats.org/officeDocument/2006/relationships" xmlns:p="http://schemas.openxmlformats.org/presentationml/2006/main" showMasterSp="0" showMasterPhAnim="0">
-  <p:cSld>
-    <p:spTree>
-      <p:nvGrpSpPr>
-        <p:cNvPr id="1" name="Shape 100"/>
-        <p:cNvGrpSpPr/>
-        <p:nvPr/>
-      </p:nvGrpSpPr>
-      <p:grpSpPr>
-        <a:xfrm>
-          <a:off x="0" y="0"/>
-          <a:ext cx="0" cy="0"/>
-          <a:chOff x="0" y="0"/>
-          <a:chExt cx="0" cy="0"/>
-        </a:xfrm>
-      </p:grpSpPr>
-      <p:sp>
-        <p:nvSpPr>
-          <p:cNvPr id="101" name="Shape 101"/>
-          <p:cNvSpPr>
-            <a:spLocks noGrp="1" noRot="1" noChangeAspect="1"/>
-          </p:cNvSpPr>
-          <p:nvPr>
-            <p:ph type="sldImg" idx="2"/>
-          </p:nvPr>
-        </p:nvSpPr>
-        <p:spPr>
-          <a:xfrm>
-            <a:off x="381000" y="685800"/>
-            <a:ext cx="6096000" cy="3429000"/>
-          </a:xfrm>
-          <a:custGeom>
-            <a:avLst/>
-            <a:gdLst/>
-            <a:ahLst/>
-            <a:cxnLst/>
-            <a:rect l="0" t="0" r="0" b="0"/>
-            <a:pathLst>
-              <a:path w="120000" h="120000" extrusionOk="0">
-                <a:moveTo>
-                  <a:pt x="0" y="0"/>
-                </a:moveTo>
-                <a:lnTo>
-                  <a:pt x="120000" y="0"/>
-                </a:lnTo>
-                <a:lnTo>
-                  <a:pt x="120000" y="120000"/>
-                </a:lnTo>
-                <a:lnTo>
-                  <a:pt x="0" y="120000"/>
-                </a:lnTo>
-                <a:close/>
-              </a:path>
-            </a:pathLst>
-          </a:custGeom>
-        </p:spPr>
-      </p:sp>
-      <p:sp>
-        <p:nvSpPr>
-          <p:cNvPr id="102" name="Shape 102"/>
-          <p:cNvSpPr txBox="1">
-            <a:spLocks noGrp="1"/>
-          </p:cNvSpPr>
-          <p:nvPr>
-            <p:ph type="body" idx="1"/>
-          </p:nvPr>
-        </p:nvSpPr>
-        <p:spPr>
-          <a:xfrm>
-            <a:off x="685800" y="4343400"/>
-            <a:ext cx="5486400" cy="4114800"/>
-          </a:xfrm>
-          <a:prstGeom prst="rect">
-            <a:avLst/>
-          </a:prstGeom>
-        </p:spPr>
-        <p:txBody>
-          <a:bodyPr spcFirstLastPara="1" wrap="square" lIns="91425" tIns="91425" rIns="91425" bIns="91425" anchor="t" anchorCtr="0">
-            <a:noAutofit/>
-          </a:bodyPr>
-          <a:lstStyle/>
-          <a:p>
-            <a:pPr marL="0" lvl="0" indent="0">
-              <a:spcBef>
-                <a:spcPts val="0"/>
-              </a:spcBef>
-              <a:spcAft>
-                <a:spcPts val="0"/>
-              </a:spcAft>
-              <a:buNone/>
-            </a:pPr>
-            <a:endParaRPr dirty="0"/>
-          </a:p>
-        </p:txBody>
-      </p:sp>
-    </p:spTree>
-    <p:extLst>
-      <p:ext uri="{BB962C8B-B14F-4D97-AF65-F5344CB8AC3E}">
-        <p14:creationId xmlns:p14="http://schemas.microsoft.com/office/powerpoint/2010/main" val="2153172090"/>
-      </p:ext>
-    </p:extLst>
-  </p:cSld>
-  <p:clrMapOvr>
-    <a:masterClrMapping/>
-  </p:clrMapOvr>
-</p:notes>
-</file>
-
-<file path=ppt/notesSlides/notesSlide11.xml><?xml version="1.0" encoding="utf-8"?>
-<p:notes xmlns:a="http://schemas.openxmlformats.org/drawingml/2006/main" xmlns:r="http://schemas.openxmlformats.org/officeDocument/2006/relationships" xmlns:p="http://schemas.openxmlformats.org/presentationml/2006/main" showMasterSp="0" showMasterPhAnim="0">
-  <p:cSld>
-    <p:spTree>
-      <p:nvGrpSpPr>
-        <p:cNvPr id="1" name="Shape 100"/>
-        <p:cNvGrpSpPr/>
-        <p:nvPr/>
-      </p:nvGrpSpPr>
-      <p:grpSpPr>
-        <a:xfrm>
-          <a:off x="0" y="0"/>
-          <a:ext cx="0" cy="0"/>
-          <a:chOff x="0" y="0"/>
-          <a:chExt cx="0" cy="0"/>
-        </a:xfrm>
-      </p:grpSpPr>
-      <p:sp>
-        <p:nvSpPr>
-          <p:cNvPr id="101" name="Shape 101"/>
-          <p:cNvSpPr>
-            <a:spLocks noGrp="1" noRot="1" noChangeAspect="1"/>
-          </p:cNvSpPr>
-          <p:nvPr>
-            <p:ph type="sldImg" idx="2"/>
-          </p:nvPr>
-        </p:nvSpPr>
-        <p:spPr>
-          <a:xfrm>
-            <a:off x="381000" y="685800"/>
-            <a:ext cx="6096000" cy="3429000"/>
-          </a:xfrm>
-          <a:custGeom>
-            <a:avLst/>
-            <a:gdLst/>
-            <a:ahLst/>
-            <a:cxnLst/>
-            <a:rect l="0" t="0" r="0" b="0"/>
-            <a:pathLst>
-              <a:path w="120000" h="120000" extrusionOk="0">
-                <a:moveTo>
-                  <a:pt x="0" y="0"/>
-                </a:moveTo>
-                <a:lnTo>
-                  <a:pt x="120000" y="0"/>
-                </a:lnTo>
-                <a:lnTo>
-                  <a:pt x="120000" y="120000"/>
-                </a:lnTo>
-                <a:lnTo>
-                  <a:pt x="0" y="120000"/>
-                </a:lnTo>
-                <a:close/>
-              </a:path>
-            </a:pathLst>
-          </a:custGeom>
-        </p:spPr>
-      </p:sp>
-      <p:sp>
-        <p:nvSpPr>
-          <p:cNvPr id="102" name="Shape 102"/>
-          <p:cNvSpPr txBox="1">
-            <a:spLocks noGrp="1"/>
-          </p:cNvSpPr>
-          <p:nvPr>
-            <p:ph type="body" idx="1"/>
-          </p:nvPr>
-        </p:nvSpPr>
-        <p:spPr>
-          <a:xfrm>
-            <a:off x="685800" y="4343400"/>
-            <a:ext cx="5486400" cy="4114800"/>
-          </a:xfrm>
-          <a:prstGeom prst="rect">
-            <a:avLst/>
-          </a:prstGeom>
-        </p:spPr>
-        <p:txBody>
-          <a:bodyPr spcFirstLastPara="1" wrap="square" lIns="91425" tIns="91425" rIns="91425" bIns="91425" anchor="t" anchorCtr="0">
-            <a:noAutofit/>
-          </a:bodyPr>
-          <a:lstStyle/>
-          <a:p>
-            <a:pPr marL="0" lvl="0" indent="0">
-              <a:spcBef>
-                <a:spcPts val="0"/>
-              </a:spcBef>
-              <a:spcAft>
-                <a:spcPts val="0"/>
-              </a:spcAft>
-              <a:buNone/>
-            </a:pPr>
-            <a:endParaRPr dirty="0"/>
-          </a:p>
-        </p:txBody>
-      </p:sp>
-    </p:spTree>
-    <p:extLst>
-      <p:ext uri="{BB962C8B-B14F-4D97-AF65-F5344CB8AC3E}">
-        <p14:creationId xmlns:p14="http://schemas.microsoft.com/office/powerpoint/2010/main" val="3313095754"/>
-      </p:ext>
-    </p:extLst>
-  </p:cSld>
-  <p:clrMapOvr>
-    <a:masterClrMapping/>
-  </p:clrMapOvr>
-</p:notes>
-</file>
-
-<file path=ppt/notesSlides/notesSlide12.xml><?xml version="1.0" encoding="utf-8"?>
 <p:notes xmlns:a="http://schemas.openxmlformats.org/drawingml/2006/main" xmlns:r="http://schemas.openxmlformats.org/officeDocument/2006/relationships" xmlns:p="http://schemas.openxmlformats.org/presentationml/2006/main" showMasterSp="0" showMasterPhAnim="0">
   <p:cSld>
     <p:spTree>
@@ -8931,8 +8687,8 @@
         </p:nvSpPr>
         <p:spPr>
           <a:xfrm>
-            <a:off x="91952" y="563624"/>
-            <a:ext cx="2485001" cy="817464"/>
+            <a:off x="234450" y="575501"/>
+            <a:ext cx="2046300" cy="915370"/>
           </a:xfrm>
           <a:prstGeom prst="rect">
             <a:avLst/>
@@ -8944,7 +8700,7 @@
           </a:bodyPr>
           <a:lstStyle/>
           <a:p>
-            <a:pPr marL="0" lvl="0" indent="0" rtl="0">
+            <a:pPr marL="0" lvl="0" indent="0" algn="just" rtl="0">
               <a:spcBef>
                 <a:spcPts val="0"/>
               </a:spcBef>
@@ -8955,7 +8711,7 @@
             </a:pPr>
             <a:r>
               <a:rPr lang="en-IN" b="1" dirty="0"/>
-              <a:t>Ease of Implementation</a:t>
+              <a:t>Architecture Diagram</a:t>
             </a:r>
             <a:endParaRPr b="1" dirty="0"/>
           </a:p>
@@ -9003,596 +8759,12 @@
           </a:p>
         </p:txBody>
       </p:sp>
-      <p:sp>
-        <p:nvSpPr>
-          <p:cNvPr id="3" name="Rectangle 2"/>
-          <p:cNvSpPr/>
-          <p:nvPr/>
-        </p:nvSpPr>
-        <p:spPr>
-          <a:xfrm>
-            <a:off x="3022270" y="611580"/>
-            <a:ext cx="5658592" cy="1579418"/>
-          </a:xfrm>
-          <a:prstGeom prst="rect">
-            <a:avLst/>
-          </a:prstGeom>
-          <a:noFill/>
-          <a:ln>
-            <a:solidFill>
-              <a:schemeClr val="bg1">
-                <a:lumMod val="95000"/>
-              </a:schemeClr>
-            </a:solidFill>
-          </a:ln>
-        </p:spPr>
-        <p:style>
-          <a:lnRef idx="2">
-            <a:schemeClr val="accent1">
-              <a:shade val="50000"/>
-            </a:schemeClr>
-          </a:lnRef>
-          <a:fillRef idx="1">
-            <a:schemeClr val="accent1"/>
-          </a:fillRef>
-          <a:effectRef idx="0">
-            <a:schemeClr val="accent1"/>
-          </a:effectRef>
-          <a:fontRef idx="minor">
-            <a:schemeClr val="lt1"/>
-          </a:fontRef>
-        </p:style>
-        <p:txBody>
-          <a:bodyPr rtlCol="0" anchor="ctr"/>
-          <a:lstStyle/>
-          <a:p>
-            <a:pPr algn="ctr"/>
-            <a:endParaRPr lang="en-IN"/>
-          </a:p>
-        </p:txBody>
-      </p:sp>
-      <p:sp>
-        <p:nvSpPr>
-          <p:cNvPr id="4" name="TextBox 3"/>
-          <p:cNvSpPr txBox="1"/>
-          <p:nvPr/>
-        </p:nvSpPr>
-        <p:spPr>
-          <a:xfrm>
-            <a:off x="4792627" y="682653"/>
-            <a:ext cx="2117887" cy="261610"/>
-          </a:xfrm>
-          <a:prstGeom prst="rect">
-            <a:avLst/>
-          </a:prstGeom>
-          <a:noFill/>
-        </p:spPr>
-        <p:txBody>
-          <a:bodyPr wrap="none" rtlCol="0">
-            <a:spAutoFit/>
-          </a:bodyPr>
-          <a:lstStyle/>
-          <a:p>
-            <a:pPr algn="ctr"/>
-            <a:r>
-              <a:rPr lang="en-IN" sz="1100" b="1" dirty="0"/>
-              <a:t>Infrastructural Requirements</a:t>
-            </a:r>
-          </a:p>
-        </p:txBody>
-      </p:sp>
-      <p:sp>
-        <p:nvSpPr>
-          <p:cNvPr id="5" name="TextBox 4"/>
-          <p:cNvSpPr txBox="1"/>
-          <p:nvPr/>
-        </p:nvSpPr>
-        <p:spPr>
-          <a:xfrm>
-            <a:off x="3170719" y="1086661"/>
-            <a:ext cx="5229317" cy="900246"/>
-          </a:xfrm>
-          <a:prstGeom prst="rect">
-            <a:avLst/>
-          </a:prstGeom>
-          <a:noFill/>
-        </p:spPr>
-        <p:txBody>
-          <a:bodyPr wrap="none" rtlCol="0">
-            <a:spAutoFit/>
-          </a:bodyPr>
-          <a:lstStyle/>
-          <a:p>
-            <a:pPr marL="171450" indent="-171450">
-              <a:buFont typeface="Arial" pitchFamily="34" charset="0"/>
-              <a:buChar char="•"/>
-            </a:pPr>
-            <a:r>
-              <a:rPr lang="en-IN" sz="1050" dirty="0"/>
-              <a:t>Virtual Machines(VMs) on any cloud service provider(Azure, AWS)</a:t>
-            </a:r>
-          </a:p>
-          <a:p>
-            <a:pPr marL="171450" indent="-171450">
-              <a:buFont typeface="Arial" pitchFamily="34" charset="0"/>
-              <a:buChar char="•"/>
-            </a:pPr>
-            <a:r>
-              <a:rPr lang="en-IN" sz="1050" dirty="0"/>
-              <a:t>Mobile phones and desktop computers</a:t>
-            </a:r>
-          </a:p>
-          <a:p>
-            <a:pPr marL="171450" indent="-171450">
-              <a:buFont typeface="Arial" pitchFamily="34" charset="0"/>
-              <a:buChar char="•"/>
-            </a:pPr>
-            <a:r>
-              <a:rPr lang="en-IN" sz="1050" dirty="0"/>
-              <a:t>IT enable the hospitals – establish network, hardware including bio-metric module</a:t>
-            </a:r>
-          </a:p>
-          <a:p>
-            <a:pPr marL="171450" indent="-171450">
-              <a:buFont typeface="Arial" pitchFamily="34" charset="0"/>
-              <a:buChar char="•"/>
-            </a:pPr>
-            <a:endParaRPr lang="en-IN" sz="1050" dirty="0"/>
-          </a:p>
-          <a:p>
-            <a:pPr marL="171450" indent="-171450">
-              <a:buFont typeface="Arial" pitchFamily="34" charset="0"/>
-              <a:buChar char="•"/>
-            </a:pPr>
-            <a:endParaRPr lang="en-IN" sz="1050" dirty="0"/>
-          </a:p>
-        </p:txBody>
-      </p:sp>
-      <p:sp>
-        <p:nvSpPr>
-          <p:cNvPr id="9" name="Rectangle 8"/>
-          <p:cNvSpPr/>
-          <p:nvPr/>
-        </p:nvSpPr>
-        <p:spPr>
-          <a:xfrm>
-            <a:off x="3022270" y="2557479"/>
-            <a:ext cx="5658592" cy="2394448"/>
-          </a:xfrm>
-          <a:prstGeom prst="rect">
-            <a:avLst/>
-          </a:prstGeom>
-          <a:noFill/>
-          <a:ln>
-            <a:solidFill>
-              <a:schemeClr val="bg1">
-                <a:lumMod val="95000"/>
-              </a:schemeClr>
-            </a:solidFill>
-          </a:ln>
-        </p:spPr>
-        <p:style>
-          <a:lnRef idx="2">
-            <a:schemeClr val="accent1">
-              <a:shade val="50000"/>
-            </a:schemeClr>
-          </a:lnRef>
-          <a:fillRef idx="1">
-            <a:schemeClr val="accent1"/>
-          </a:fillRef>
-          <a:effectRef idx="0">
-            <a:schemeClr val="accent1"/>
-          </a:effectRef>
-          <a:fontRef idx="minor">
-            <a:schemeClr val="lt1"/>
-          </a:fontRef>
-        </p:style>
-        <p:txBody>
-          <a:bodyPr rtlCol="0" anchor="ctr"/>
-          <a:lstStyle/>
-          <a:p>
-            <a:pPr algn="ctr"/>
-            <a:endParaRPr lang="en-IN"/>
-          </a:p>
-        </p:txBody>
-      </p:sp>
-      <p:sp>
-        <p:nvSpPr>
-          <p:cNvPr id="10" name="TextBox 9"/>
-          <p:cNvSpPr txBox="1"/>
-          <p:nvPr/>
-        </p:nvSpPr>
-        <p:spPr>
-          <a:xfrm>
-            <a:off x="5316002" y="2628549"/>
-            <a:ext cx="1071126" cy="261610"/>
-          </a:xfrm>
-          <a:prstGeom prst="rect">
-            <a:avLst/>
-          </a:prstGeom>
-          <a:noFill/>
-        </p:spPr>
-        <p:txBody>
-          <a:bodyPr wrap="none" rtlCol="0">
-            <a:spAutoFit/>
-          </a:bodyPr>
-          <a:lstStyle/>
-          <a:p>
-            <a:pPr algn="ctr"/>
-            <a:r>
-              <a:rPr lang="en-IN" sz="1100" b="1" dirty="0"/>
-              <a:t>Stakeholders</a:t>
-            </a:r>
-          </a:p>
-        </p:txBody>
-      </p:sp>
-      <p:sp>
-        <p:nvSpPr>
-          <p:cNvPr id="12" name="TextBox 11"/>
-          <p:cNvSpPr txBox="1"/>
-          <p:nvPr/>
-        </p:nvSpPr>
-        <p:spPr>
-          <a:xfrm>
-            <a:off x="3170717" y="3032557"/>
-            <a:ext cx="5347939" cy="1708160"/>
-          </a:xfrm>
-          <a:prstGeom prst="rect">
-            <a:avLst/>
-          </a:prstGeom>
-          <a:noFill/>
-        </p:spPr>
-        <p:txBody>
-          <a:bodyPr wrap="none" rtlCol="0">
-            <a:spAutoFit/>
-          </a:bodyPr>
-          <a:lstStyle/>
-          <a:p>
-            <a:pPr marL="171450" indent="-171450">
-              <a:buFont typeface="Arial" pitchFamily="34" charset="0"/>
-              <a:buChar char="•"/>
-            </a:pPr>
-            <a:r>
-              <a:rPr lang="en-IN" sz="1050" dirty="0"/>
-              <a:t>Medical records will be accessed over the </a:t>
-            </a:r>
-            <a:r>
-              <a:rPr lang="en-IN" sz="1050" b="1" dirty="0"/>
-              <a:t>Internet</a:t>
-            </a:r>
-            <a:r>
-              <a:rPr lang="en-IN" sz="1050" dirty="0"/>
-              <a:t> demanding people to be familiar</a:t>
-            </a:r>
-          </a:p>
-          <a:p>
-            <a:r>
-              <a:rPr lang="en-IN" sz="1050" dirty="0"/>
-              <a:t>     with internet.</a:t>
-            </a:r>
-          </a:p>
-          <a:p>
-            <a:pPr marL="171450" indent="-171450">
-              <a:buFont typeface="Arial" pitchFamily="34" charset="0"/>
-              <a:buChar char="•"/>
-            </a:pPr>
-            <a:r>
-              <a:rPr lang="en-IN" sz="1050" dirty="0"/>
-              <a:t>People with internet access can avail the services </a:t>
-            </a:r>
-            <a:r>
-              <a:rPr lang="en-IN" sz="1050" b="1" dirty="0"/>
-              <a:t>using web application</a:t>
-            </a:r>
-            <a:r>
-              <a:rPr lang="en-IN" sz="1050" dirty="0"/>
-              <a:t>.</a:t>
-            </a:r>
-          </a:p>
-          <a:p>
-            <a:pPr marL="171450" indent="-171450">
-              <a:buFont typeface="Arial" pitchFamily="34" charset="0"/>
-              <a:buChar char="•"/>
-            </a:pPr>
-            <a:r>
-              <a:rPr lang="en-IN" sz="1050" dirty="0"/>
-              <a:t>People without internet access can visit the nearby hospital and avail the service</a:t>
-            </a:r>
-          </a:p>
-          <a:p>
-            <a:r>
-              <a:rPr lang="en-IN" sz="1050" dirty="0"/>
-              <a:t>     (</a:t>
-            </a:r>
-            <a:r>
-              <a:rPr lang="en-IN" sz="1050" b="1" dirty="0"/>
-              <a:t>using bio-metric authentication</a:t>
-            </a:r>
-            <a:r>
-              <a:rPr lang="en-IN" sz="1050" dirty="0"/>
-              <a:t>).</a:t>
-            </a:r>
-          </a:p>
-          <a:p>
-            <a:pPr marL="171450" indent="-171450">
-              <a:buFont typeface="Arial" pitchFamily="34" charset="0"/>
-              <a:buChar char="•"/>
-            </a:pPr>
-            <a:r>
-              <a:rPr lang="en-IN" sz="1050" dirty="0"/>
-              <a:t>For hospitals, shifting from their </a:t>
-            </a:r>
-            <a:r>
-              <a:rPr lang="en-IN" sz="1050" b="1" dirty="0"/>
-              <a:t>traditional/current</a:t>
-            </a:r>
-            <a:r>
-              <a:rPr lang="en-IN" sz="1050" dirty="0"/>
-              <a:t> system to </a:t>
-            </a:r>
-            <a:r>
-              <a:rPr lang="en-IN" sz="1050" b="1" dirty="0"/>
-              <a:t>blockchain based </a:t>
-            </a:r>
-          </a:p>
-          <a:p>
-            <a:r>
-              <a:rPr lang="en-IN" sz="1050" b="1" dirty="0"/>
-              <a:t>     scheme </a:t>
-            </a:r>
-            <a:r>
-              <a:rPr lang="en-IN" sz="1050" dirty="0"/>
-              <a:t>might be challenging but the </a:t>
-            </a:r>
-            <a:r>
-              <a:rPr lang="en-IN" sz="1050" b="1" dirty="0"/>
-              <a:t>future</a:t>
-            </a:r>
-            <a:r>
-              <a:rPr lang="en-IN" sz="1050" dirty="0"/>
-              <a:t> outcome would be </a:t>
-            </a:r>
-            <a:r>
-              <a:rPr lang="en-IN" sz="1050" b="1" dirty="0"/>
-              <a:t>highly beneficial</a:t>
-            </a:r>
-            <a:r>
-              <a:rPr lang="en-IN" sz="1050" dirty="0"/>
-              <a:t>.</a:t>
-            </a:r>
-          </a:p>
-          <a:p>
-            <a:pPr marL="171450" indent="-171450">
-              <a:buFont typeface="Arial" pitchFamily="34" charset="0"/>
-              <a:buChar char="•"/>
-            </a:pPr>
-            <a:r>
-              <a:rPr lang="en-IN" sz="1050" b="1" dirty="0"/>
-              <a:t>Partnership</a:t>
-            </a:r>
-            <a:r>
-              <a:rPr lang="en-IN" sz="1050" dirty="0"/>
-              <a:t> with </a:t>
-            </a:r>
-            <a:r>
-              <a:rPr lang="en-IN" sz="1050" b="1" dirty="0"/>
-              <a:t>MNCs</a:t>
-            </a:r>
-            <a:r>
-              <a:rPr lang="en-IN" sz="1050" dirty="0"/>
-              <a:t> for large scale </a:t>
-            </a:r>
-            <a:r>
-              <a:rPr lang="en-IN" sz="1050" b="1" dirty="0"/>
-              <a:t>deployment</a:t>
-            </a:r>
-            <a:r>
-              <a:rPr lang="en-IN" sz="1050" dirty="0"/>
-              <a:t> of software as well as </a:t>
-            </a:r>
-            <a:r>
-              <a:rPr lang="en-IN" sz="1050" b="1" dirty="0"/>
-              <a:t>training</a:t>
-            </a:r>
-            <a:r>
-              <a:rPr lang="en-IN" sz="1050" dirty="0"/>
-              <a:t>.</a:t>
-            </a:r>
-          </a:p>
-          <a:p>
-            <a:endParaRPr lang="en-IN" sz="1050" dirty="0"/>
-          </a:p>
-          <a:p>
-            <a:pPr marL="171450" indent="-171450">
-              <a:buFont typeface="Arial" pitchFamily="34" charset="0"/>
-              <a:buChar char="•"/>
-            </a:pPr>
-            <a:endParaRPr lang="en-IN" sz="1050" dirty="0"/>
-          </a:p>
-        </p:txBody>
-      </p:sp>
-    </p:spTree>
-    <p:extLst>
-      <p:ext uri="{BB962C8B-B14F-4D97-AF65-F5344CB8AC3E}">
-        <p14:creationId xmlns:p14="http://schemas.microsoft.com/office/powerpoint/2010/main" val="3992344039"/>
-      </p:ext>
-    </p:extLst>
-  </p:cSld>
-  <p:clrMapOvr>
-    <a:masterClrMapping/>
-  </p:clrMapOvr>
-</p:sld>
-</file>
-
-<file path=ppt/slides/slide11.xml><?xml version="1.0" encoding="utf-8"?>
-<p:sld xmlns:a="http://schemas.openxmlformats.org/drawingml/2006/main" xmlns:r="http://schemas.openxmlformats.org/officeDocument/2006/relationships" xmlns:p="http://schemas.openxmlformats.org/presentationml/2006/main">
-  <p:cSld>
-    <p:bg>
-      <p:bgPr>
-        <a:solidFill>
-          <a:schemeClr val="accent1">
-            <a:lumMod val="75000"/>
-          </a:schemeClr>
-        </a:solidFill>
-        <a:effectLst/>
-      </p:bgPr>
-    </p:bg>
-    <p:spTree>
-      <p:nvGrpSpPr>
-        <p:cNvPr id="1" name="Shape 103"/>
-        <p:cNvGrpSpPr/>
-        <p:nvPr/>
-      </p:nvGrpSpPr>
-      <p:grpSpPr>
-        <a:xfrm>
-          <a:off x="0" y="0"/>
-          <a:ext cx="0" cy="0"/>
-          <a:chOff x="0" y="0"/>
-          <a:chExt cx="0" cy="0"/>
-        </a:xfrm>
-      </p:grpSpPr>
-      <p:sp>
-        <p:nvSpPr>
-          <p:cNvPr id="104" name="Shape 104"/>
-          <p:cNvSpPr txBox="1">
-            <a:spLocks noGrp="1"/>
-          </p:cNvSpPr>
-          <p:nvPr>
-            <p:ph type="title"/>
-          </p:nvPr>
-        </p:nvSpPr>
-        <p:spPr>
-          <a:xfrm>
-            <a:off x="234450" y="575501"/>
-            <a:ext cx="2046300" cy="915370"/>
-          </a:xfrm>
-          <a:prstGeom prst="rect">
-            <a:avLst/>
-          </a:prstGeom>
-        </p:spPr>
-        <p:txBody>
-          <a:bodyPr spcFirstLastPara="1" wrap="square" lIns="91425" tIns="91425" rIns="91425" bIns="91425" anchor="t" anchorCtr="0">
-            <a:noAutofit/>
-          </a:bodyPr>
-          <a:lstStyle/>
-          <a:p>
-            <a:pPr marL="0" lvl="0" indent="0" algn="just" rtl="0">
-              <a:spcBef>
-                <a:spcPts val="0"/>
-              </a:spcBef>
-              <a:spcAft>
-                <a:spcPts val="0"/>
-              </a:spcAft>
-              <a:buNone/>
-            </a:pPr>
-            <a:r>
-              <a:rPr lang="en-IN" b="1" dirty="0"/>
-              <a:t>Architecture Diagram</a:t>
-            </a:r>
-            <a:endParaRPr b="1" dirty="0"/>
-          </a:p>
-        </p:txBody>
-      </p:sp>
-      <p:sp>
-        <p:nvSpPr>
-          <p:cNvPr id="107" name="Shape 107"/>
-          <p:cNvSpPr txBox="1">
-            <a:spLocks noGrp="1"/>
-          </p:cNvSpPr>
-          <p:nvPr>
-            <p:ph type="sldNum" idx="12"/>
-          </p:nvPr>
-        </p:nvSpPr>
-        <p:spPr>
-          <a:xfrm>
-            <a:off x="8556784" y="4749851"/>
-            <a:ext cx="548700" cy="393600"/>
-          </a:xfrm>
-          <a:prstGeom prst="rect">
-            <a:avLst/>
-          </a:prstGeom>
-        </p:spPr>
-        <p:txBody>
-          <a:bodyPr spcFirstLastPara="1" wrap="square" lIns="91425" tIns="91425" rIns="91425" bIns="91425" anchor="ctr" anchorCtr="0">
-            <a:noAutofit/>
-          </a:bodyPr>
-          <a:lstStyle/>
-          <a:p>
-            <a:pPr marL="0" lvl="0" indent="0">
-              <a:spcBef>
-                <a:spcPts val="0"/>
-              </a:spcBef>
-              <a:spcAft>
-                <a:spcPts val="0"/>
-              </a:spcAft>
-              <a:buNone/>
-            </a:pPr>
-            <a:fld id="{00000000-1234-1234-1234-123412341234}" type="slidenum">
-              <a:rPr lang="en"/>
-              <a:t>11</a:t>
-            </a:fld>
-            <a:endParaRPr dirty="0"/>
-          </a:p>
-        </p:txBody>
-      </p:sp>
-      <p:sp>
-        <p:nvSpPr>
-          <p:cNvPr id="4" name="Rectangle: Rounded Corners 3">
+      <p:pic>
+        <p:nvPicPr>
+          <p:cNvPr id="8" name="Picture 7">
             <a:extLst>
               <a:ext uri="{FF2B5EF4-FFF2-40B4-BE49-F238E27FC236}">
-                <a16:creationId xmlns:a16="http://schemas.microsoft.com/office/drawing/2014/main" id="{843BD0C3-32D7-46FB-B2BD-05506C6ED87A}"/>
-              </a:ext>
-            </a:extLst>
-          </p:cNvPr>
-          <p:cNvSpPr/>
-          <p:nvPr/>
-        </p:nvSpPr>
-        <p:spPr>
-          <a:xfrm>
-            <a:off x="4555340" y="4241800"/>
-            <a:ext cx="1928813" cy="749300"/>
-          </a:xfrm>
-          <a:prstGeom prst="roundRect">
-            <a:avLst/>
-          </a:prstGeom>
-          <a:solidFill>
-            <a:schemeClr val="bg2">
-              <a:lumMod val="20000"/>
-              <a:lumOff val="80000"/>
-            </a:schemeClr>
-          </a:solidFill>
-        </p:spPr>
-        <p:style>
-          <a:lnRef idx="2">
-            <a:schemeClr val="accent1">
-              <a:shade val="50000"/>
-            </a:schemeClr>
-          </a:lnRef>
-          <a:fillRef idx="1">
-            <a:schemeClr val="accent1"/>
-          </a:fillRef>
-          <a:effectRef idx="0">
-            <a:schemeClr val="accent1"/>
-          </a:effectRef>
-          <a:fontRef idx="minor">
-            <a:schemeClr val="lt1"/>
-          </a:fontRef>
-        </p:style>
-        <p:txBody>
-          <a:bodyPr rtlCol="0" anchor="ctr"/>
-          <a:lstStyle/>
-          <a:p>
-            <a:pPr algn="ctr"/>
-            <a:endParaRPr lang="en-IN"/>
-          </a:p>
-        </p:txBody>
-      </p:sp>
-      <p:pic>
-        <p:nvPicPr>
-          <p:cNvPr id="10" name="Picture 9">
-            <a:extLst>
-              <a:ext uri="{FF2B5EF4-FFF2-40B4-BE49-F238E27FC236}">
-                <a16:creationId xmlns:a16="http://schemas.microsoft.com/office/drawing/2014/main" id="{5607A744-FFC0-4290-81AB-03FCE9C35937}"/>
+                <a16:creationId xmlns:a16="http://schemas.microsoft.com/office/drawing/2014/main" id="{64AD041A-87B0-4E0A-86F0-63196DECE8FF}"/>
               </a:ext>
             </a:extLst>
           </p:cNvPr>
@@ -9609,2599 +8781,14 @@
         </p:blipFill>
         <p:spPr>
           <a:xfrm>
-            <a:off x="4641057" y="4318001"/>
-            <a:ext cx="628650" cy="628650"/>
+            <a:off x="2640649" y="0"/>
+            <a:ext cx="6503351" cy="5076202"/>
           </a:xfrm>
           <a:prstGeom prst="rect">
             <a:avLst/>
           </a:prstGeom>
         </p:spPr>
       </p:pic>
-      <p:pic>
-        <p:nvPicPr>
-          <p:cNvPr id="12" name="Picture 11">
-            <a:extLst>
-              <a:ext uri="{FF2B5EF4-FFF2-40B4-BE49-F238E27FC236}">
-                <a16:creationId xmlns:a16="http://schemas.microsoft.com/office/drawing/2014/main" id="{28BA34AB-C9D2-49FF-992D-B36AB0C11195}"/>
-              </a:ext>
-            </a:extLst>
-          </p:cNvPr>
-          <p:cNvPicPr>
-            <a:picLocks noChangeAspect="1"/>
-          </p:cNvPicPr>
-          <p:nvPr/>
-        </p:nvPicPr>
-        <p:blipFill>
-          <a:blip r:embed="rId4"/>
-          <a:stretch>
-            <a:fillRect/>
-          </a:stretch>
-        </p:blipFill>
-        <p:spPr>
-          <a:xfrm>
-            <a:off x="5269707" y="4241800"/>
-            <a:ext cx="1123950" cy="749300"/>
-          </a:xfrm>
-          <a:prstGeom prst="rect">
-            <a:avLst/>
-          </a:prstGeom>
-        </p:spPr>
-      </p:pic>
-      <p:sp>
-        <p:nvSpPr>
-          <p:cNvPr id="15" name="Rectangle 14">
-            <a:extLst>
-              <a:ext uri="{FF2B5EF4-FFF2-40B4-BE49-F238E27FC236}">
-                <a16:creationId xmlns:a16="http://schemas.microsoft.com/office/drawing/2014/main" id="{AFC5DBF7-20C9-4692-ABC4-95D74DC8D8A6}"/>
-              </a:ext>
-            </a:extLst>
-          </p:cNvPr>
-          <p:cNvSpPr/>
-          <p:nvPr/>
-        </p:nvSpPr>
-        <p:spPr>
-          <a:xfrm>
-            <a:off x="3736188" y="1971677"/>
-            <a:ext cx="3607595" cy="1819275"/>
-          </a:xfrm>
-          <a:prstGeom prst="rect">
-            <a:avLst/>
-          </a:prstGeom>
-          <a:solidFill>
-            <a:schemeClr val="bg2">
-              <a:lumMod val="20000"/>
-              <a:lumOff val="80000"/>
-            </a:schemeClr>
-          </a:solidFill>
-        </p:spPr>
-        <p:style>
-          <a:lnRef idx="2">
-            <a:schemeClr val="accent1">
-              <a:shade val="50000"/>
-            </a:schemeClr>
-          </a:lnRef>
-          <a:fillRef idx="1">
-            <a:schemeClr val="accent1"/>
-          </a:fillRef>
-          <a:effectRef idx="0">
-            <a:schemeClr val="accent1"/>
-          </a:effectRef>
-          <a:fontRef idx="minor">
-            <a:schemeClr val="lt1"/>
-          </a:fontRef>
-        </p:style>
-        <p:txBody>
-          <a:bodyPr rtlCol="0" anchor="ctr"/>
-          <a:lstStyle/>
-          <a:p>
-            <a:endParaRPr lang="en-IN" dirty="0"/>
-          </a:p>
-        </p:txBody>
-      </p:sp>
-      <p:sp>
-        <p:nvSpPr>
-          <p:cNvPr id="16" name="TextBox 15">
-            <a:extLst>
-              <a:ext uri="{FF2B5EF4-FFF2-40B4-BE49-F238E27FC236}">
-                <a16:creationId xmlns:a16="http://schemas.microsoft.com/office/drawing/2014/main" id="{023A6BF3-5E79-46E6-8082-BC7D49BFE591}"/>
-              </a:ext>
-            </a:extLst>
-          </p:cNvPr>
-          <p:cNvSpPr txBox="1"/>
-          <p:nvPr/>
-        </p:nvSpPr>
-        <p:spPr>
-          <a:xfrm>
-            <a:off x="4657129" y="1971679"/>
-            <a:ext cx="1649016" cy="276999"/>
-          </a:xfrm>
-          <a:prstGeom prst="rect">
-            <a:avLst/>
-          </a:prstGeom>
-          <a:noFill/>
-        </p:spPr>
-        <p:txBody>
-          <a:bodyPr wrap="square" rtlCol="0">
-            <a:spAutoFit/>
-          </a:bodyPr>
-          <a:lstStyle/>
-          <a:p>
-            <a:pPr algn="ctr"/>
-            <a:r>
-              <a:rPr lang="en-IN" sz="1200" b="1" dirty="0">
-                <a:latin typeface="Nunito Sans" panose="020B0604020202020204" charset="0"/>
-              </a:rPr>
-              <a:t>Blockchain Network</a:t>
-            </a:r>
-          </a:p>
-        </p:txBody>
-      </p:sp>
-      <p:sp>
-        <p:nvSpPr>
-          <p:cNvPr id="17" name="TextBox 16">
-            <a:extLst>
-              <a:ext uri="{FF2B5EF4-FFF2-40B4-BE49-F238E27FC236}">
-                <a16:creationId xmlns:a16="http://schemas.microsoft.com/office/drawing/2014/main" id="{EED3F5BE-FBC4-4052-B8A3-C98434F32CBB}"/>
-              </a:ext>
-            </a:extLst>
-          </p:cNvPr>
-          <p:cNvSpPr txBox="1"/>
-          <p:nvPr/>
-        </p:nvSpPr>
-        <p:spPr>
-          <a:xfrm>
-            <a:off x="3736181" y="2937361"/>
-            <a:ext cx="1378746" cy="707886"/>
-          </a:xfrm>
-          <a:prstGeom prst="rect">
-            <a:avLst/>
-          </a:prstGeom>
-          <a:noFill/>
-        </p:spPr>
-        <p:txBody>
-          <a:bodyPr wrap="square" rtlCol="0">
-            <a:spAutoFit/>
-          </a:bodyPr>
-          <a:lstStyle/>
-          <a:p>
-            <a:r>
-              <a:rPr lang="en-IN" sz="800" b="1" dirty="0">
-                <a:latin typeface="Nunito Sans" panose="020B0604020202020204" charset="0"/>
-              </a:rPr>
-              <a:t>DISTRIBUTED LEDGER</a:t>
-            </a:r>
-          </a:p>
-          <a:p>
-            <a:r>
-              <a:rPr lang="en-IN" sz="800" b="1" dirty="0">
-                <a:latin typeface="Nunito Sans" panose="020B0604020202020204" charset="0"/>
-              </a:rPr>
-              <a:t>CRYPTOGRAPHY</a:t>
-            </a:r>
-          </a:p>
-          <a:p>
-            <a:r>
-              <a:rPr lang="en-IN" sz="800" b="1" dirty="0">
-                <a:latin typeface="Nunito Sans" panose="020B0604020202020204" charset="0"/>
-              </a:rPr>
-              <a:t>DATA IMMUTABILITY</a:t>
-            </a:r>
-          </a:p>
-          <a:p>
-            <a:r>
-              <a:rPr lang="en-IN" sz="800" b="1" dirty="0">
-                <a:latin typeface="Nunito Sans" panose="020B0604020202020204" charset="0"/>
-              </a:rPr>
-              <a:t>SMART CONTRACTS</a:t>
-            </a:r>
-          </a:p>
-          <a:p>
-            <a:r>
-              <a:rPr lang="en-IN" sz="800" b="1" dirty="0">
-                <a:latin typeface="Nunito Sans" panose="020B0604020202020204" charset="0"/>
-              </a:rPr>
-              <a:t>PROOF-OF-AUTHORITY</a:t>
-            </a:r>
-          </a:p>
-        </p:txBody>
-      </p:sp>
-      <p:sp>
-        <p:nvSpPr>
-          <p:cNvPr id="18" name="Rectangle 17">
-            <a:extLst>
-              <a:ext uri="{FF2B5EF4-FFF2-40B4-BE49-F238E27FC236}">
-                <a16:creationId xmlns:a16="http://schemas.microsoft.com/office/drawing/2014/main" id="{0492E675-102A-4C23-A99A-9054E8235FD0}"/>
-              </a:ext>
-            </a:extLst>
-          </p:cNvPr>
-          <p:cNvSpPr/>
-          <p:nvPr/>
-        </p:nvSpPr>
-        <p:spPr>
-          <a:xfrm>
-            <a:off x="5076824" y="2600326"/>
-            <a:ext cx="923926" cy="1112664"/>
-          </a:xfrm>
-          <a:prstGeom prst="rect">
-            <a:avLst/>
-          </a:prstGeom>
-          <a:solidFill>
-            <a:schemeClr val="bg1"/>
-          </a:solidFill>
-          <a:ln w="12700">
-            <a:solidFill>
-              <a:schemeClr val="tx1"/>
-            </a:solidFill>
-          </a:ln>
-        </p:spPr>
-        <p:style>
-          <a:lnRef idx="2">
-            <a:schemeClr val="accent1">
-              <a:shade val="50000"/>
-            </a:schemeClr>
-          </a:lnRef>
-          <a:fillRef idx="1">
-            <a:schemeClr val="accent1"/>
-          </a:fillRef>
-          <a:effectRef idx="0">
-            <a:schemeClr val="accent1"/>
-          </a:effectRef>
-          <a:fontRef idx="minor">
-            <a:schemeClr val="lt1"/>
-          </a:fontRef>
-        </p:style>
-        <p:txBody>
-          <a:bodyPr rtlCol="0" anchor="ctr"/>
-          <a:lstStyle/>
-          <a:p>
-            <a:pPr algn="ctr"/>
-            <a:endParaRPr lang="en-IN"/>
-          </a:p>
-        </p:txBody>
-      </p:sp>
-      <p:sp>
-        <p:nvSpPr>
-          <p:cNvPr id="22" name="Rectangle 21">
-            <a:extLst>
-              <a:ext uri="{FF2B5EF4-FFF2-40B4-BE49-F238E27FC236}">
-                <a16:creationId xmlns:a16="http://schemas.microsoft.com/office/drawing/2014/main" id="{D0F90942-A638-4814-881A-6FD114E7B509}"/>
-              </a:ext>
-            </a:extLst>
-          </p:cNvPr>
-          <p:cNvSpPr/>
-          <p:nvPr/>
-        </p:nvSpPr>
-        <p:spPr>
-          <a:xfrm>
-            <a:off x="5153025" y="2676528"/>
-            <a:ext cx="781050" cy="968722"/>
-          </a:xfrm>
-          <a:prstGeom prst="rect">
-            <a:avLst/>
-          </a:prstGeom>
-          <a:solidFill>
-            <a:schemeClr val="bg1"/>
-          </a:solidFill>
-          <a:ln>
-            <a:solidFill>
-              <a:schemeClr val="tx1"/>
-            </a:solidFill>
-          </a:ln>
-        </p:spPr>
-        <p:style>
-          <a:lnRef idx="2">
-            <a:schemeClr val="accent1">
-              <a:shade val="50000"/>
-            </a:schemeClr>
-          </a:lnRef>
-          <a:fillRef idx="1">
-            <a:schemeClr val="accent1"/>
-          </a:fillRef>
-          <a:effectRef idx="0">
-            <a:schemeClr val="accent1"/>
-          </a:effectRef>
-          <a:fontRef idx="minor">
-            <a:schemeClr val="lt1"/>
-          </a:fontRef>
-        </p:style>
-        <p:txBody>
-          <a:bodyPr rtlCol="0" anchor="ctr"/>
-          <a:lstStyle/>
-          <a:p>
-            <a:pPr algn="ctr"/>
-            <a:endParaRPr lang="en-IN"/>
-          </a:p>
-        </p:txBody>
-      </p:sp>
-      <p:sp>
-        <p:nvSpPr>
-          <p:cNvPr id="25" name="Rectangle 24">
-            <a:extLst>
-              <a:ext uri="{FF2B5EF4-FFF2-40B4-BE49-F238E27FC236}">
-                <a16:creationId xmlns:a16="http://schemas.microsoft.com/office/drawing/2014/main" id="{154057BD-2E1A-4B33-A862-1EA3D6EF58C5}"/>
-              </a:ext>
-            </a:extLst>
-          </p:cNvPr>
-          <p:cNvSpPr/>
-          <p:nvPr/>
-        </p:nvSpPr>
-        <p:spPr>
-          <a:xfrm>
-            <a:off x="5229226" y="2726250"/>
-            <a:ext cx="619124" cy="155062"/>
-          </a:xfrm>
-          <a:prstGeom prst="rect">
-            <a:avLst/>
-          </a:prstGeom>
-          <a:solidFill>
-            <a:schemeClr val="bg1"/>
-          </a:solidFill>
-          <a:ln w="12700">
-            <a:solidFill>
-              <a:schemeClr val="tx1"/>
-            </a:solidFill>
-          </a:ln>
-        </p:spPr>
-        <p:style>
-          <a:lnRef idx="2">
-            <a:schemeClr val="accent1">
-              <a:shade val="50000"/>
-            </a:schemeClr>
-          </a:lnRef>
-          <a:fillRef idx="1">
-            <a:schemeClr val="accent1"/>
-          </a:fillRef>
-          <a:effectRef idx="0">
-            <a:schemeClr val="accent1"/>
-          </a:effectRef>
-          <a:fontRef idx="minor">
-            <a:schemeClr val="lt1"/>
-          </a:fontRef>
-        </p:style>
-        <p:txBody>
-          <a:bodyPr rtlCol="0" anchor="ctr"/>
-          <a:lstStyle/>
-          <a:p>
-            <a:pPr algn="ctr"/>
-            <a:r>
-              <a:rPr lang="en-IN" sz="800" dirty="0">
-                <a:solidFill>
-                  <a:schemeClr val="tx1"/>
-                </a:solidFill>
-                <a:latin typeface="Nunito Sans" panose="020B0604020202020204" charset="0"/>
-              </a:rPr>
-              <a:t>UID</a:t>
-            </a:r>
-          </a:p>
-        </p:txBody>
-      </p:sp>
-      <p:sp>
-        <p:nvSpPr>
-          <p:cNvPr id="26" name="Rectangle 25">
-            <a:extLst>
-              <a:ext uri="{FF2B5EF4-FFF2-40B4-BE49-F238E27FC236}">
-                <a16:creationId xmlns:a16="http://schemas.microsoft.com/office/drawing/2014/main" id="{BA57485B-FA09-4FC5-82CB-05FDB2129EEB}"/>
-              </a:ext>
-            </a:extLst>
-          </p:cNvPr>
-          <p:cNvSpPr/>
-          <p:nvPr/>
-        </p:nvSpPr>
-        <p:spPr>
-          <a:xfrm>
-            <a:off x="5229226" y="2919004"/>
-            <a:ext cx="619124" cy="155062"/>
-          </a:xfrm>
-          <a:prstGeom prst="rect">
-            <a:avLst/>
-          </a:prstGeom>
-          <a:solidFill>
-            <a:schemeClr val="bg1"/>
-          </a:solidFill>
-          <a:ln w="12700">
-            <a:solidFill>
-              <a:schemeClr val="tx1"/>
-            </a:solidFill>
-          </a:ln>
-        </p:spPr>
-        <p:style>
-          <a:lnRef idx="2">
-            <a:schemeClr val="accent1">
-              <a:shade val="50000"/>
-            </a:schemeClr>
-          </a:lnRef>
-          <a:fillRef idx="1">
-            <a:schemeClr val="accent1"/>
-          </a:fillRef>
-          <a:effectRef idx="0">
-            <a:schemeClr val="accent1"/>
-          </a:effectRef>
-          <a:fontRef idx="minor">
-            <a:schemeClr val="lt1"/>
-          </a:fontRef>
-        </p:style>
-        <p:txBody>
-          <a:bodyPr rtlCol="0" anchor="ctr"/>
-          <a:lstStyle/>
-          <a:p>
-            <a:pPr algn="ctr"/>
-            <a:r>
-              <a:rPr lang="en-IN" sz="600" dirty="0">
-                <a:solidFill>
-                  <a:schemeClr val="tx1"/>
-                </a:solidFill>
-                <a:latin typeface="Nunito Sans" panose="020B0604020202020204" charset="0"/>
-              </a:rPr>
-              <a:t>Owners Public Key</a:t>
-            </a:r>
-          </a:p>
-        </p:txBody>
-      </p:sp>
-      <p:sp>
-        <p:nvSpPr>
-          <p:cNvPr id="27" name="Rectangle 26">
-            <a:extLst>
-              <a:ext uri="{FF2B5EF4-FFF2-40B4-BE49-F238E27FC236}">
-                <a16:creationId xmlns:a16="http://schemas.microsoft.com/office/drawing/2014/main" id="{C59EFCD6-8E4F-4E95-9E3C-470238F3D3B8}"/>
-              </a:ext>
-            </a:extLst>
-          </p:cNvPr>
-          <p:cNvSpPr/>
-          <p:nvPr/>
-        </p:nvSpPr>
-        <p:spPr>
-          <a:xfrm>
-            <a:off x="5229226" y="3127064"/>
-            <a:ext cx="619124" cy="155062"/>
-          </a:xfrm>
-          <a:prstGeom prst="rect">
-            <a:avLst/>
-          </a:prstGeom>
-          <a:solidFill>
-            <a:schemeClr val="bg1"/>
-          </a:solidFill>
-          <a:ln w="12700">
-            <a:solidFill>
-              <a:schemeClr val="tx1"/>
-            </a:solidFill>
-          </a:ln>
-        </p:spPr>
-        <p:style>
-          <a:lnRef idx="2">
-            <a:schemeClr val="accent1">
-              <a:shade val="50000"/>
-            </a:schemeClr>
-          </a:lnRef>
-          <a:fillRef idx="1">
-            <a:schemeClr val="accent1"/>
-          </a:fillRef>
-          <a:effectRef idx="0">
-            <a:schemeClr val="accent1"/>
-          </a:effectRef>
-          <a:fontRef idx="minor">
-            <a:schemeClr val="lt1"/>
-          </a:fontRef>
-        </p:style>
-        <p:txBody>
-          <a:bodyPr rtlCol="0" anchor="ctr"/>
-          <a:lstStyle/>
-          <a:p>
-            <a:pPr algn="ctr"/>
-            <a:r>
-              <a:rPr lang="en-IN" sz="600" dirty="0">
-                <a:solidFill>
-                  <a:schemeClr val="tx1"/>
-                </a:solidFill>
-                <a:latin typeface="Nunito Sans" panose="020B0604020202020204" charset="0"/>
-              </a:rPr>
-              <a:t>Private key of Uploader</a:t>
-            </a:r>
-          </a:p>
-        </p:txBody>
-      </p:sp>
-      <p:sp>
-        <p:nvSpPr>
-          <p:cNvPr id="28" name="Rectangle 27">
-            <a:extLst>
-              <a:ext uri="{FF2B5EF4-FFF2-40B4-BE49-F238E27FC236}">
-                <a16:creationId xmlns:a16="http://schemas.microsoft.com/office/drawing/2014/main" id="{0CD1F687-ED89-46F6-B285-627337E61F1F}"/>
-              </a:ext>
-            </a:extLst>
-          </p:cNvPr>
-          <p:cNvSpPr/>
-          <p:nvPr/>
-        </p:nvSpPr>
-        <p:spPr>
-          <a:xfrm>
-            <a:off x="5229226" y="3335127"/>
-            <a:ext cx="619124" cy="273263"/>
-          </a:xfrm>
-          <a:prstGeom prst="rect">
-            <a:avLst/>
-          </a:prstGeom>
-          <a:solidFill>
-            <a:schemeClr val="bg1"/>
-          </a:solidFill>
-          <a:ln w="12700">
-            <a:solidFill>
-              <a:schemeClr val="tx1"/>
-            </a:solidFill>
-          </a:ln>
-        </p:spPr>
-        <p:style>
-          <a:lnRef idx="2">
-            <a:schemeClr val="accent1">
-              <a:shade val="50000"/>
-            </a:schemeClr>
-          </a:lnRef>
-          <a:fillRef idx="1">
-            <a:schemeClr val="accent1"/>
-          </a:fillRef>
-          <a:effectRef idx="0">
-            <a:schemeClr val="accent1"/>
-          </a:effectRef>
-          <a:fontRef idx="minor">
-            <a:schemeClr val="lt1"/>
-          </a:fontRef>
-        </p:style>
-        <p:txBody>
-          <a:bodyPr rtlCol="0" anchor="ctr"/>
-          <a:lstStyle/>
-          <a:p>
-            <a:pPr algn="ctr"/>
-            <a:r>
-              <a:rPr lang="en-IN" sz="600" dirty="0">
-                <a:solidFill>
-                  <a:schemeClr val="tx1"/>
-                </a:solidFill>
-                <a:latin typeface="Nunito Sans" panose="020B0604020202020204" charset="0"/>
-              </a:rPr>
-              <a:t>Address of file stored in IPFS</a:t>
-            </a:r>
-          </a:p>
-        </p:txBody>
-      </p:sp>
-      <p:sp>
-        <p:nvSpPr>
-          <p:cNvPr id="29" name="Rectangle 28">
-            <a:extLst>
-              <a:ext uri="{FF2B5EF4-FFF2-40B4-BE49-F238E27FC236}">
-                <a16:creationId xmlns:a16="http://schemas.microsoft.com/office/drawing/2014/main" id="{4050DBEE-3D9A-422E-8D5D-6333921F2156}"/>
-              </a:ext>
-            </a:extLst>
-          </p:cNvPr>
-          <p:cNvSpPr/>
-          <p:nvPr/>
-        </p:nvSpPr>
-        <p:spPr>
-          <a:xfrm>
-            <a:off x="5429556" y="2276530"/>
-            <a:ext cx="447377" cy="178650"/>
-          </a:xfrm>
-          <a:prstGeom prst="rect">
-            <a:avLst/>
-          </a:prstGeom>
-          <a:solidFill>
-            <a:schemeClr val="bg1"/>
-          </a:solidFill>
-          <a:ln w="12700">
-            <a:solidFill>
-              <a:schemeClr val="tx1"/>
-            </a:solidFill>
-          </a:ln>
-        </p:spPr>
-        <p:style>
-          <a:lnRef idx="2">
-            <a:schemeClr val="accent1">
-              <a:shade val="50000"/>
-            </a:schemeClr>
-          </a:lnRef>
-          <a:fillRef idx="1">
-            <a:schemeClr val="accent1"/>
-          </a:fillRef>
-          <a:effectRef idx="0">
-            <a:schemeClr val="accent1"/>
-          </a:effectRef>
-          <a:fontRef idx="minor">
-            <a:schemeClr val="lt1"/>
-          </a:fontRef>
-        </p:style>
-        <p:txBody>
-          <a:bodyPr rtlCol="0" anchor="ctr"/>
-          <a:lstStyle/>
-          <a:p>
-            <a:pPr algn="ctr"/>
-            <a:r>
-              <a:rPr lang="en-IN" sz="800" dirty="0">
-                <a:solidFill>
-                  <a:schemeClr val="tx1"/>
-                </a:solidFill>
-                <a:latin typeface="Nunito Sans" panose="020B0604020202020204" charset="0"/>
-              </a:rPr>
-              <a:t>Hash</a:t>
-            </a:r>
-          </a:p>
-        </p:txBody>
-      </p:sp>
-      <p:sp>
-        <p:nvSpPr>
-          <p:cNvPr id="30" name="Rectangle 29">
-            <a:extLst>
-              <a:ext uri="{FF2B5EF4-FFF2-40B4-BE49-F238E27FC236}">
-                <a16:creationId xmlns:a16="http://schemas.microsoft.com/office/drawing/2014/main" id="{769F5C51-049B-4184-A473-DEA47407D812}"/>
-              </a:ext>
-            </a:extLst>
-          </p:cNvPr>
-          <p:cNvSpPr/>
-          <p:nvPr/>
-        </p:nvSpPr>
-        <p:spPr>
-          <a:xfrm>
-            <a:off x="6560351" y="2276530"/>
-            <a:ext cx="447377" cy="178650"/>
-          </a:xfrm>
-          <a:prstGeom prst="rect">
-            <a:avLst/>
-          </a:prstGeom>
-          <a:solidFill>
-            <a:schemeClr val="bg1"/>
-          </a:solidFill>
-          <a:ln w="12700">
-            <a:solidFill>
-              <a:schemeClr val="tx1"/>
-            </a:solidFill>
-          </a:ln>
-        </p:spPr>
-        <p:style>
-          <a:lnRef idx="2">
-            <a:schemeClr val="accent1">
-              <a:shade val="50000"/>
-            </a:schemeClr>
-          </a:lnRef>
-          <a:fillRef idx="1">
-            <a:schemeClr val="accent1"/>
-          </a:fillRef>
-          <a:effectRef idx="0">
-            <a:schemeClr val="accent1"/>
-          </a:effectRef>
-          <a:fontRef idx="minor">
-            <a:schemeClr val="lt1"/>
-          </a:fontRef>
-        </p:style>
-        <p:txBody>
-          <a:bodyPr rtlCol="0" anchor="ctr"/>
-          <a:lstStyle/>
-          <a:p>
-            <a:pPr algn="ctr"/>
-            <a:r>
-              <a:rPr lang="en-IN" sz="800" dirty="0">
-                <a:solidFill>
-                  <a:schemeClr val="tx1"/>
-                </a:solidFill>
-                <a:latin typeface="Nunito Sans" panose="020B0604020202020204" charset="0"/>
-              </a:rPr>
-              <a:t>Hash</a:t>
-            </a:r>
-          </a:p>
-        </p:txBody>
-      </p:sp>
-      <p:cxnSp>
-        <p:nvCxnSpPr>
-          <p:cNvPr id="24" name="Straight Arrow Connector 23">
-            <a:extLst>
-              <a:ext uri="{FF2B5EF4-FFF2-40B4-BE49-F238E27FC236}">
-                <a16:creationId xmlns:a16="http://schemas.microsoft.com/office/drawing/2014/main" id="{087D2D5E-80D5-4472-B184-E924AF4AEAFC}"/>
-              </a:ext>
-            </a:extLst>
-          </p:cNvPr>
-          <p:cNvCxnSpPr>
-            <a:cxnSpLocks/>
-            <a:endCxn id="29" idx="1"/>
-          </p:cNvCxnSpPr>
-          <p:nvPr/>
-        </p:nvCxnSpPr>
-        <p:spPr>
-          <a:xfrm>
-            <a:off x="4953000" y="2365855"/>
-            <a:ext cx="476548" cy="0"/>
-          </a:xfrm>
-          <a:prstGeom prst="straightConnector1">
-            <a:avLst/>
-          </a:prstGeom>
-          <a:ln>
-            <a:solidFill>
-              <a:schemeClr val="tx1"/>
-            </a:solidFill>
-            <a:tailEnd type="triangle"/>
-          </a:ln>
-        </p:spPr>
-        <p:style>
-          <a:lnRef idx="1">
-            <a:schemeClr val="accent1"/>
-          </a:lnRef>
-          <a:fillRef idx="0">
-            <a:schemeClr val="accent1"/>
-          </a:fillRef>
-          <a:effectRef idx="0">
-            <a:schemeClr val="accent1"/>
-          </a:effectRef>
-          <a:fontRef idx="minor">
-            <a:schemeClr val="tx1"/>
-          </a:fontRef>
-        </p:style>
-      </p:cxnSp>
-      <p:cxnSp>
-        <p:nvCxnSpPr>
-          <p:cNvPr id="97" name="Straight Arrow Connector 96">
-            <a:extLst>
-              <a:ext uri="{FF2B5EF4-FFF2-40B4-BE49-F238E27FC236}">
-                <a16:creationId xmlns:a16="http://schemas.microsoft.com/office/drawing/2014/main" id="{A2E3D67A-2862-446F-99DF-032FE55BDEBF}"/>
-              </a:ext>
-            </a:extLst>
-          </p:cNvPr>
-          <p:cNvCxnSpPr/>
-          <p:nvPr/>
-        </p:nvCxnSpPr>
-        <p:spPr>
-          <a:xfrm>
-            <a:off x="5153033" y="2455180"/>
-            <a:ext cx="276523" cy="0"/>
-          </a:xfrm>
-          <a:prstGeom prst="straightConnector1">
-            <a:avLst/>
-          </a:prstGeom>
-          <a:ln>
-            <a:solidFill>
-              <a:schemeClr val="tx1"/>
-            </a:solidFill>
-            <a:tailEnd type="triangle"/>
-          </a:ln>
-        </p:spPr>
-        <p:style>
-          <a:lnRef idx="1">
-            <a:schemeClr val="accent1"/>
-          </a:lnRef>
-          <a:fillRef idx="0">
-            <a:schemeClr val="accent1"/>
-          </a:fillRef>
-          <a:effectRef idx="0">
-            <a:schemeClr val="accent1"/>
-          </a:effectRef>
-          <a:fontRef idx="minor">
-            <a:schemeClr val="tx1"/>
-          </a:fontRef>
-        </p:style>
-      </p:cxnSp>
-      <p:cxnSp>
-        <p:nvCxnSpPr>
-          <p:cNvPr id="101" name="Straight Connector 100">
-            <a:extLst>
-              <a:ext uri="{FF2B5EF4-FFF2-40B4-BE49-F238E27FC236}">
-                <a16:creationId xmlns:a16="http://schemas.microsoft.com/office/drawing/2014/main" id="{E1AD6D70-9486-49D0-B1DA-E3C03AFB6FAD}"/>
-              </a:ext>
-            </a:extLst>
-          </p:cNvPr>
-          <p:cNvCxnSpPr/>
-          <p:nvPr/>
-        </p:nvCxnSpPr>
-        <p:spPr>
-          <a:xfrm>
-            <a:off x="5153025" y="2455180"/>
-            <a:ext cx="0" cy="145146"/>
-          </a:xfrm>
-          <a:prstGeom prst="line">
-            <a:avLst/>
-          </a:prstGeom>
-          <a:ln>
-            <a:solidFill>
-              <a:schemeClr val="tx1"/>
-            </a:solidFill>
-          </a:ln>
-        </p:spPr>
-        <p:style>
-          <a:lnRef idx="1">
-            <a:schemeClr val="accent1"/>
-          </a:lnRef>
-          <a:fillRef idx="0">
-            <a:schemeClr val="accent1"/>
-          </a:fillRef>
-          <a:effectRef idx="0">
-            <a:schemeClr val="accent1"/>
-          </a:effectRef>
-          <a:fontRef idx="minor">
-            <a:schemeClr val="tx1"/>
-          </a:fontRef>
-        </p:style>
-      </p:cxnSp>
-      <p:cxnSp>
-        <p:nvCxnSpPr>
-          <p:cNvPr id="40" name="Straight Arrow Connector 39">
-            <a:extLst>
-              <a:ext uri="{FF2B5EF4-FFF2-40B4-BE49-F238E27FC236}">
-                <a16:creationId xmlns:a16="http://schemas.microsoft.com/office/drawing/2014/main" id="{5CD1DF49-69F0-43C0-8BF1-A969BECDB581}"/>
-              </a:ext>
-            </a:extLst>
-          </p:cNvPr>
-          <p:cNvCxnSpPr>
-            <a:cxnSpLocks/>
-            <a:endCxn id="30" idx="1"/>
-          </p:cNvCxnSpPr>
-          <p:nvPr/>
-        </p:nvCxnSpPr>
-        <p:spPr>
-          <a:xfrm>
-            <a:off x="5876925" y="2365855"/>
-            <a:ext cx="683420" cy="0"/>
-          </a:xfrm>
-          <a:prstGeom prst="straightConnector1">
-            <a:avLst/>
-          </a:prstGeom>
-          <a:ln>
-            <a:solidFill>
-              <a:schemeClr val="tx1"/>
-            </a:solidFill>
-            <a:tailEnd type="triangle"/>
-          </a:ln>
-        </p:spPr>
-        <p:style>
-          <a:lnRef idx="1">
-            <a:schemeClr val="accent1"/>
-          </a:lnRef>
-          <a:fillRef idx="0">
-            <a:schemeClr val="accent1"/>
-          </a:fillRef>
-          <a:effectRef idx="0">
-            <a:schemeClr val="accent1"/>
-          </a:effectRef>
-          <a:fontRef idx="minor">
-            <a:schemeClr val="tx1"/>
-          </a:fontRef>
-        </p:style>
-      </p:cxnSp>
-      <p:cxnSp>
-        <p:nvCxnSpPr>
-          <p:cNvPr id="42" name="Straight Arrow Connector 41">
-            <a:extLst>
-              <a:ext uri="{FF2B5EF4-FFF2-40B4-BE49-F238E27FC236}">
-                <a16:creationId xmlns:a16="http://schemas.microsoft.com/office/drawing/2014/main" id="{44FEE1DE-8467-4988-9641-7B5464BB4427}"/>
-              </a:ext>
-            </a:extLst>
-          </p:cNvPr>
-          <p:cNvCxnSpPr/>
-          <p:nvPr/>
-        </p:nvCxnSpPr>
-        <p:spPr>
-          <a:xfrm>
-            <a:off x="6283825" y="2443385"/>
-            <a:ext cx="276523" cy="0"/>
-          </a:xfrm>
-          <a:prstGeom prst="straightConnector1">
-            <a:avLst/>
-          </a:prstGeom>
-          <a:ln>
-            <a:solidFill>
-              <a:schemeClr val="tx1"/>
-            </a:solidFill>
-            <a:tailEnd type="triangle"/>
-          </a:ln>
-        </p:spPr>
-        <p:style>
-          <a:lnRef idx="1">
-            <a:schemeClr val="accent1"/>
-          </a:lnRef>
-          <a:fillRef idx="0">
-            <a:schemeClr val="accent1"/>
-          </a:fillRef>
-          <a:effectRef idx="0">
-            <a:schemeClr val="accent1"/>
-          </a:effectRef>
-          <a:fontRef idx="minor">
-            <a:schemeClr val="tx1"/>
-          </a:fontRef>
-        </p:style>
-      </p:cxnSp>
-      <p:cxnSp>
-        <p:nvCxnSpPr>
-          <p:cNvPr id="44" name="Straight Connector 43">
-            <a:extLst>
-              <a:ext uri="{FF2B5EF4-FFF2-40B4-BE49-F238E27FC236}">
-                <a16:creationId xmlns:a16="http://schemas.microsoft.com/office/drawing/2014/main" id="{EE12C0D9-A933-4739-945C-7C5F34FCCB44}"/>
-              </a:ext>
-            </a:extLst>
-          </p:cNvPr>
-          <p:cNvCxnSpPr>
-            <a:cxnSpLocks/>
-          </p:cNvCxnSpPr>
-          <p:nvPr/>
-        </p:nvCxnSpPr>
-        <p:spPr>
-          <a:xfrm>
-            <a:off x="6283822" y="2455182"/>
-            <a:ext cx="0" cy="143386"/>
-          </a:xfrm>
-          <a:prstGeom prst="line">
-            <a:avLst/>
-          </a:prstGeom>
-          <a:ln>
-            <a:solidFill>
-              <a:schemeClr val="tx1"/>
-            </a:solidFill>
-          </a:ln>
-        </p:spPr>
-        <p:style>
-          <a:lnRef idx="1">
-            <a:schemeClr val="accent1"/>
-          </a:lnRef>
-          <a:fillRef idx="0">
-            <a:schemeClr val="accent1"/>
-          </a:fillRef>
-          <a:effectRef idx="0">
-            <a:schemeClr val="accent1"/>
-          </a:effectRef>
-          <a:fontRef idx="minor">
-            <a:schemeClr val="tx1"/>
-          </a:fontRef>
-        </p:style>
-      </p:cxnSp>
-      <p:cxnSp>
-        <p:nvCxnSpPr>
-          <p:cNvPr id="50" name="Straight Arrow Connector 49">
-            <a:extLst>
-              <a:ext uri="{FF2B5EF4-FFF2-40B4-BE49-F238E27FC236}">
-                <a16:creationId xmlns:a16="http://schemas.microsoft.com/office/drawing/2014/main" id="{864D4508-0004-4946-BA02-3CFECBED4007}"/>
-              </a:ext>
-            </a:extLst>
-          </p:cNvPr>
-          <p:cNvCxnSpPr>
-            <a:cxnSpLocks/>
-          </p:cNvCxnSpPr>
-          <p:nvPr/>
-        </p:nvCxnSpPr>
-        <p:spPr>
-          <a:xfrm>
-            <a:off x="7007722" y="2340935"/>
-            <a:ext cx="269378" cy="0"/>
-          </a:xfrm>
-          <a:prstGeom prst="straightConnector1">
-            <a:avLst/>
-          </a:prstGeom>
-          <a:ln>
-            <a:solidFill>
-              <a:schemeClr val="tx1"/>
-            </a:solidFill>
-            <a:tailEnd type="triangle"/>
-          </a:ln>
-        </p:spPr>
-        <p:style>
-          <a:lnRef idx="1">
-            <a:schemeClr val="accent1"/>
-          </a:lnRef>
-          <a:fillRef idx="0">
-            <a:schemeClr val="accent1"/>
-          </a:fillRef>
-          <a:effectRef idx="0">
-            <a:schemeClr val="accent1"/>
-          </a:effectRef>
-          <a:fontRef idx="minor">
-            <a:schemeClr val="tx1"/>
-          </a:fontRef>
-        </p:style>
-      </p:cxnSp>
-      <p:sp>
-        <p:nvSpPr>
-          <p:cNvPr id="55" name="Rectangle 54">
-            <a:extLst>
-              <a:ext uri="{FF2B5EF4-FFF2-40B4-BE49-F238E27FC236}">
-                <a16:creationId xmlns:a16="http://schemas.microsoft.com/office/drawing/2014/main" id="{48B45BCD-4358-4A27-A201-9C8C2C57A847}"/>
-              </a:ext>
-            </a:extLst>
-          </p:cNvPr>
-          <p:cNvSpPr/>
-          <p:nvPr/>
-        </p:nvSpPr>
-        <p:spPr>
-          <a:xfrm>
-            <a:off x="6136491" y="2609409"/>
-            <a:ext cx="971549" cy="1116640"/>
-          </a:xfrm>
-          <a:prstGeom prst="rect">
-            <a:avLst/>
-          </a:prstGeom>
-          <a:solidFill>
-            <a:schemeClr val="bg1"/>
-          </a:solidFill>
-          <a:ln w="12700">
-            <a:solidFill>
-              <a:schemeClr val="tx1"/>
-            </a:solidFill>
-          </a:ln>
-        </p:spPr>
-        <p:style>
-          <a:lnRef idx="2">
-            <a:schemeClr val="accent1">
-              <a:shade val="50000"/>
-            </a:schemeClr>
-          </a:lnRef>
-          <a:fillRef idx="1">
-            <a:schemeClr val="accent1"/>
-          </a:fillRef>
-          <a:effectRef idx="0">
-            <a:schemeClr val="accent1"/>
-          </a:effectRef>
-          <a:fontRef idx="minor">
-            <a:schemeClr val="lt1"/>
-          </a:fontRef>
-        </p:style>
-        <p:txBody>
-          <a:bodyPr rtlCol="0" anchor="ctr"/>
-          <a:lstStyle/>
-          <a:p>
-            <a:pPr algn="ctr"/>
-            <a:endParaRPr lang="en-IN"/>
-          </a:p>
-        </p:txBody>
-      </p:sp>
-      <p:sp>
-        <p:nvSpPr>
-          <p:cNvPr id="56" name="Rectangle 55">
-            <a:extLst>
-              <a:ext uri="{FF2B5EF4-FFF2-40B4-BE49-F238E27FC236}">
-                <a16:creationId xmlns:a16="http://schemas.microsoft.com/office/drawing/2014/main" id="{7AC6E2A8-CF90-4A56-8231-0F44756D7E0E}"/>
-              </a:ext>
-            </a:extLst>
-          </p:cNvPr>
-          <p:cNvSpPr/>
-          <p:nvPr/>
-        </p:nvSpPr>
-        <p:spPr>
-          <a:xfrm>
-            <a:off x="6212683" y="2685957"/>
-            <a:ext cx="781050" cy="640042"/>
-          </a:xfrm>
-          <a:prstGeom prst="rect">
-            <a:avLst/>
-          </a:prstGeom>
-          <a:solidFill>
-            <a:schemeClr val="bg1"/>
-          </a:solidFill>
-          <a:ln>
-            <a:solidFill>
-              <a:schemeClr val="tx1"/>
-            </a:solidFill>
-          </a:ln>
-        </p:spPr>
-        <p:style>
-          <a:lnRef idx="2">
-            <a:schemeClr val="accent1">
-              <a:shade val="50000"/>
-            </a:schemeClr>
-          </a:lnRef>
-          <a:fillRef idx="1">
-            <a:schemeClr val="accent1"/>
-          </a:fillRef>
-          <a:effectRef idx="0">
-            <a:schemeClr val="accent1"/>
-          </a:effectRef>
-          <a:fontRef idx="minor">
-            <a:schemeClr val="lt1"/>
-          </a:fontRef>
-        </p:style>
-        <p:txBody>
-          <a:bodyPr rtlCol="0" anchor="ctr"/>
-          <a:lstStyle/>
-          <a:p>
-            <a:pPr algn="ctr"/>
-            <a:endParaRPr lang="en-IN"/>
-          </a:p>
-        </p:txBody>
-      </p:sp>
-      <p:sp>
-        <p:nvSpPr>
-          <p:cNvPr id="57" name="Rectangle 56">
-            <a:extLst>
-              <a:ext uri="{FF2B5EF4-FFF2-40B4-BE49-F238E27FC236}">
-                <a16:creationId xmlns:a16="http://schemas.microsoft.com/office/drawing/2014/main" id="{AAB3C0DD-DE9D-4FE3-950D-B4A854CCDAF7}"/>
-              </a:ext>
-            </a:extLst>
-          </p:cNvPr>
-          <p:cNvSpPr/>
-          <p:nvPr/>
-        </p:nvSpPr>
-        <p:spPr>
-          <a:xfrm>
-            <a:off x="6272216" y="2763093"/>
-            <a:ext cx="652462" cy="242887"/>
-          </a:xfrm>
-          <a:prstGeom prst="rect">
-            <a:avLst/>
-          </a:prstGeom>
-          <a:solidFill>
-            <a:schemeClr val="bg1"/>
-          </a:solidFill>
-          <a:ln w="12700">
-            <a:solidFill>
-              <a:schemeClr val="tx1"/>
-            </a:solidFill>
-          </a:ln>
-        </p:spPr>
-        <p:style>
-          <a:lnRef idx="2">
-            <a:schemeClr val="accent1">
-              <a:shade val="50000"/>
-            </a:schemeClr>
-          </a:lnRef>
-          <a:fillRef idx="1">
-            <a:schemeClr val="accent1"/>
-          </a:fillRef>
-          <a:effectRef idx="0">
-            <a:schemeClr val="accent1"/>
-          </a:effectRef>
-          <a:fontRef idx="minor">
-            <a:schemeClr val="lt1"/>
-          </a:fontRef>
-        </p:style>
-        <p:txBody>
-          <a:bodyPr rtlCol="0" anchor="ctr"/>
-          <a:lstStyle/>
-          <a:p>
-            <a:pPr algn="ctr"/>
-            <a:r>
-              <a:rPr lang="en-IN" sz="600" dirty="0">
-                <a:solidFill>
-                  <a:schemeClr val="tx1"/>
-                </a:solidFill>
-                <a:latin typeface="Nunito Sans" panose="020B0604020202020204" charset="0"/>
-              </a:rPr>
-              <a:t>Request from public key</a:t>
-            </a:r>
-          </a:p>
-        </p:txBody>
-      </p:sp>
-      <p:sp>
-        <p:nvSpPr>
-          <p:cNvPr id="58" name="Rectangle 57">
-            <a:extLst>
-              <a:ext uri="{FF2B5EF4-FFF2-40B4-BE49-F238E27FC236}">
-                <a16:creationId xmlns:a16="http://schemas.microsoft.com/office/drawing/2014/main" id="{38193A52-B7AC-4BEF-89DC-F578D16C79BE}"/>
-              </a:ext>
-            </a:extLst>
-          </p:cNvPr>
-          <p:cNvSpPr/>
-          <p:nvPr/>
-        </p:nvSpPr>
-        <p:spPr>
-          <a:xfrm>
-            <a:off x="6272216" y="3044299"/>
-            <a:ext cx="652462" cy="242887"/>
-          </a:xfrm>
-          <a:prstGeom prst="rect">
-            <a:avLst/>
-          </a:prstGeom>
-          <a:solidFill>
-            <a:schemeClr val="bg1"/>
-          </a:solidFill>
-          <a:ln w="12700">
-            <a:solidFill>
-              <a:schemeClr val="tx1"/>
-            </a:solidFill>
-          </a:ln>
-        </p:spPr>
-        <p:style>
-          <a:lnRef idx="2">
-            <a:schemeClr val="accent1">
-              <a:shade val="50000"/>
-            </a:schemeClr>
-          </a:lnRef>
-          <a:fillRef idx="1">
-            <a:schemeClr val="accent1"/>
-          </a:fillRef>
-          <a:effectRef idx="0">
-            <a:schemeClr val="accent1"/>
-          </a:effectRef>
-          <a:fontRef idx="minor">
-            <a:schemeClr val="lt1"/>
-          </a:fontRef>
-        </p:style>
-        <p:txBody>
-          <a:bodyPr rtlCol="0" anchor="ctr"/>
-          <a:lstStyle/>
-          <a:p>
-            <a:pPr algn="ctr"/>
-            <a:r>
-              <a:rPr lang="en-IN" sz="600" dirty="0">
-                <a:solidFill>
-                  <a:schemeClr val="tx1"/>
-                </a:solidFill>
-                <a:latin typeface="Nunito Sans" panose="020B0604020202020204" charset="0"/>
-              </a:rPr>
-              <a:t>Request to</a:t>
-            </a:r>
-          </a:p>
-          <a:p>
-            <a:pPr algn="ctr"/>
-            <a:r>
-              <a:rPr lang="en-IN" sz="600" dirty="0">
-                <a:solidFill>
-                  <a:schemeClr val="tx1"/>
-                </a:solidFill>
-                <a:latin typeface="Nunito Sans" panose="020B0604020202020204" charset="0"/>
-              </a:rPr>
-              <a:t> public key</a:t>
-            </a:r>
-          </a:p>
-        </p:txBody>
-      </p:sp>
-      <p:pic>
-        <p:nvPicPr>
-          <p:cNvPr id="59" name="Picture 42">
-            <a:extLst>
-              <a:ext uri="{FF2B5EF4-FFF2-40B4-BE49-F238E27FC236}">
-                <a16:creationId xmlns:a16="http://schemas.microsoft.com/office/drawing/2014/main" id="{2F844B0C-CB90-498F-99F2-41A6C6AA21FE}"/>
-              </a:ext>
-            </a:extLst>
-          </p:cNvPr>
-          <p:cNvPicPr>
-            <a:picLocks noChangeAspect="1" noChangeArrowheads="1"/>
-          </p:cNvPicPr>
-          <p:nvPr/>
-        </p:nvPicPr>
-        <p:blipFill>
-          <a:blip r:embed="rId5">
-            <a:extLst>
-              <a:ext uri="{28A0092B-C50C-407E-A947-70E740481C1C}">
-                <a14:useLocalDpi xmlns:a14="http://schemas.microsoft.com/office/drawing/2010/main" val="0"/>
-              </a:ext>
-            </a:extLst>
-          </a:blip>
-          <a:srcRect/>
-          <a:stretch>
-            <a:fillRect/>
-          </a:stretch>
-        </p:blipFill>
-        <p:spPr bwMode="auto">
-          <a:xfrm>
-            <a:off x="8160012" y="2142324"/>
-            <a:ext cx="831850" cy="831850"/>
-          </a:xfrm>
-          <a:prstGeom prst="rect">
-            <a:avLst/>
-          </a:prstGeom>
-          <a:noFill/>
-          <a:ln>
-            <a:noFill/>
-          </a:ln>
-          <a:extLst>
-            <a:ext uri="{909E8E84-426E-40DD-AFC4-6F175D3DCCD1}">
-              <a14:hiddenFill xmlns:a14="http://schemas.microsoft.com/office/drawing/2010/main">
-                <a:solidFill>
-                  <a:srgbClr val="FFFFFF"/>
-                </a:solidFill>
-              </a14:hiddenFill>
-            </a:ext>
-            <a:ext uri="{91240B29-F687-4F45-9708-019B960494DF}">
-              <a14:hiddenLine xmlns:a14="http://schemas.microsoft.com/office/drawing/2010/main" w="9525">
-                <a:solidFill>
-                  <a:srgbClr val="000000"/>
-                </a:solidFill>
-                <a:miter lim="800000"/>
-                <a:headEnd/>
-                <a:tailEnd/>
-              </a14:hiddenLine>
-            </a:ext>
-          </a:extLst>
-        </p:spPr>
-      </p:pic>
-      <p:pic>
-        <p:nvPicPr>
-          <p:cNvPr id="112" name="Picture 111">
-            <a:extLst>
-              <a:ext uri="{FF2B5EF4-FFF2-40B4-BE49-F238E27FC236}">
-                <a16:creationId xmlns:a16="http://schemas.microsoft.com/office/drawing/2014/main" id="{3554E3BA-44EA-4384-A6BC-6BAEA92A7315}"/>
-              </a:ext>
-            </a:extLst>
-          </p:cNvPr>
-          <p:cNvPicPr>
-            <a:picLocks noChangeAspect="1"/>
-          </p:cNvPicPr>
-          <p:nvPr/>
-        </p:nvPicPr>
-        <p:blipFill>
-          <a:blip r:embed="rId6"/>
-          <a:stretch>
-            <a:fillRect/>
-          </a:stretch>
-        </p:blipFill>
-        <p:spPr>
-          <a:xfrm>
-            <a:off x="8134144" y="494175"/>
-            <a:ext cx="1015985" cy="1015985"/>
-          </a:xfrm>
-          <a:prstGeom prst="rect">
-            <a:avLst/>
-          </a:prstGeom>
-        </p:spPr>
-      </p:pic>
-      <p:sp>
-        <p:nvSpPr>
-          <p:cNvPr id="64" name="Rectangle 63">
-            <a:extLst>
-              <a:ext uri="{FF2B5EF4-FFF2-40B4-BE49-F238E27FC236}">
-                <a16:creationId xmlns:a16="http://schemas.microsoft.com/office/drawing/2014/main" id="{026A8523-BD90-4E59-9735-AF2B4DD3E265}"/>
-              </a:ext>
-            </a:extLst>
-          </p:cNvPr>
-          <p:cNvSpPr/>
-          <p:nvPr/>
-        </p:nvSpPr>
-        <p:spPr>
-          <a:xfrm>
-            <a:off x="6212683" y="3364319"/>
-            <a:ext cx="781050" cy="280931"/>
-          </a:xfrm>
-          <a:prstGeom prst="rect">
-            <a:avLst/>
-          </a:prstGeom>
-          <a:solidFill>
-            <a:schemeClr val="bg1"/>
-          </a:solidFill>
-          <a:ln>
-            <a:solidFill>
-              <a:schemeClr val="tx1"/>
-            </a:solidFill>
-          </a:ln>
-        </p:spPr>
-        <p:style>
-          <a:lnRef idx="2">
-            <a:schemeClr val="accent1">
-              <a:shade val="50000"/>
-            </a:schemeClr>
-          </a:lnRef>
-          <a:fillRef idx="1">
-            <a:schemeClr val="accent1"/>
-          </a:fillRef>
-          <a:effectRef idx="0">
-            <a:schemeClr val="accent1"/>
-          </a:effectRef>
-          <a:fontRef idx="minor">
-            <a:schemeClr val="lt1"/>
-          </a:fontRef>
-        </p:style>
-        <p:txBody>
-          <a:bodyPr rtlCol="0" anchor="ctr"/>
-          <a:lstStyle/>
-          <a:p>
-            <a:pPr algn="ctr"/>
-            <a:endParaRPr lang="en-IN"/>
-          </a:p>
-        </p:txBody>
-      </p:sp>
-      <p:sp>
-        <p:nvSpPr>
-          <p:cNvPr id="66" name="Rectangle 65">
-            <a:extLst>
-              <a:ext uri="{FF2B5EF4-FFF2-40B4-BE49-F238E27FC236}">
-                <a16:creationId xmlns:a16="http://schemas.microsoft.com/office/drawing/2014/main" id="{2AD70DEF-8638-4ACB-BF8A-B86A41A3423D}"/>
-              </a:ext>
-            </a:extLst>
-          </p:cNvPr>
-          <p:cNvSpPr/>
-          <p:nvPr/>
-        </p:nvSpPr>
-        <p:spPr>
-          <a:xfrm>
-            <a:off x="6269835" y="3387462"/>
-            <a:ext cx="652462" cy="242887"/>
-          </a:xfrm>
-          <a:prstGeom prst="rect">
-            <a:avLst/>
-          </a:prstGeom>
-          <a:solidFill>
-            <a:schemeClr val="bg1"/>
-          </a:solidFill>
-          <a:ln w="12700">
-            <a:solidFill>
-              <a:schemeClr val="tx1"/>
-            </a:solidFill>
-          </a:ln>
-        </p:spPr>
-        <p:style>
-          <a:lnRef idx="2">
-            <a:schemeClr val="accent1">
-              <a:shade val="50000"/>
-            </a:schemeClr>
-          </a:lnRef>
-          <a:fillRef idx="1">
-            <a:schemeClr val="accent1"/>
-          </a:fillRef>
-          <a:effectRef idx="0">
-            <a:schemeClr val="accent1"/>
-          </a:effectRef>
-          <a:fontRef idx="minor">
-            <a:schemeClr val="lt1"/>
-          </a:fontRef>
-        </p:style>
-        <p:txBody>
-          <a:bodyPr rtlCol="0" anchor="ctr"/>
-          <a:lstStyle/>
-          <a:p>
-            <a:pPr algn="ctr"/>
-            <a:r>
-              <a:rPr lang="en-IN" sz="600" dirty="0">
-                <a:solidFill>
-                  <a:schemeClr val="tx1"/>
-                </a:solidFill>
-                <a:latin typeface="Nunito Sans" panose="020B0604020202020204" charset="0"/>
-              </a:rPr>
-              <a:t>Access grant transaction</a:t>
-            </a:r>
-          </a:p>
-        </p:txBody>
-      </p:sp>
-      <p:pic>
-        <p:nvPicPr>
-          <p:cNvPr id="116" name="Picture 115">
-            <a:extLst>
-              <a:ext uri="{FF2B5EF4-FFF2-40B4-BE49-F238E27FC236}">
-                <a16:creationId xmlns:a16="http://schemas.microsoft.com/office/drawing/2014/main" id="{B1C8D4B3-5CA5-4ECE-84DD-E4907926740A}"/>
-              </a:ext>
-            </a:extLst>
-          </p:cNvPr>
-          <p:cNvPicPr>
-            <a:picLocks noChangeAspect="1"/>
-          </p:cNvPicPr>
-          <p:nvPr/>
-        </p:nvPicPr>
-        <p:blipFill>
-          <a:blip r:embed="rId7"/>
-          <a:stretch>
-            <a:fillRect/>
-          </a:stretch>
-        </p:blipFill>
-        <p:spPr>
-          <a:xfrm>
-            <a:off x="3538502" y="1736498"/>
-            <a:ext cx="1525067" cy="1525067"/>
-          </a:xfrm>
-          <a:prstGeom prst="rect">
-            <a:avLst/>
-          </a:prstGeom>
-        </p:spPr>
-      </p:pic>
-      <p:sp>
-        <p:nvSpPr>
-          <p:cNvPr id="72" name="Rectangle 71">
-            <a:extLst>
-              <a:ext uri="{FF2B5EF4-FFF2-40B4-BE49-F238E27FC236}">
-                <a16:creationId xmlns:a16="http://schemas.microsoft.com/office/drawing/2014/main" id="{01B320DF-E6AB-4F7E-B0FD-3618D5A6A14F}"/>
-              </a:ext>
-            </a:extLst>
-          </p:cNvPr>
-          <p:cNvSpPr/>
-          <p:nvPr/>
-        </p:nvSpPr>
-        <p:spPr>
-          <a:xfrm>
-            <a:off x="3734997" y="1164838"/>
-            <a:ext cx="3607595" cy="355991"/>
-          </a:xfrm>
-          <a:prstGeom prst="rect">
-            <a:avLst/>
-          </a:prstGeom>
-          <a:solidFill>
-            <a:schemeClr val="bg2">
-              <a:lumMod val="20000"/>
-              <a:lumOff val="80000"/>
-            </a:schemeClr>
-          </a:solidFill>
-        </p:spPr>
-        <p:style>
-          <a:lnRef idx="2">
-            <a:schemeClr val="accent1">
-              <a:shade val="50000"/>
-            </a:schemeClr>
-          </a:lnRef>
-          <a:fillRef idx="1">
-            <a:schemeClr val="accent1"/>
-          </a:fillRef>
-          <a:effectRef idx="0">
-            <a:schemeClr val="accent1"/>
-          </a:effectRef>
-          <a:fontRef idx="minor">
-            <a:schemeClr val="lt1"/>
-          </a:fontRef>
-        </p:style>
-        <p:txBody>
-          <a:bodyPr rtlCol="0" anchor="ctr"/>
-          <a:lstStyle/>
-          <a:p>
-            <a:pPr algn="just"/>
-            <a:r>
-              <a:rPr lang="en-IN" sz="1100" b="1" dirty="0">
-                <a:solidFill>
-                  <a:schemeClr val="tx1"/>
-                </a:solidFill>
-                <a:latin typeface="Nunito Sans" panose="020B0604020202020204" charset="0"/>
-              </a:rPr>
-              <a:t>                Blockchain Access Layer - web3.js (APIs)</a:t>
-            </a:r>
-          </a:p>
-        </p:txBody>
-      </p:sp>
-      <p:sp>
-        <p:nvSpPr>
-          <p:cNvPr id="118" name="Arrow: Up-Down 117">
-            <a:extLst>
-              <a:ext uri="{FF2B5EF4-FFF2-40B4-BE49-F238E27FC236}">
-                <a16:creationId xmlns:a16="http://schemas.microsoft.com/office/drawing/2014/main" id="{F25F6E6C-E50C-4C32-86A1-42F75BD07901}"/>
-              </a:ext>
-            </a:extLst>
-          </p:cNvPr>
-          <p:cNvSpPr/>
-          <p:nvPr/>
-        </p:nvSpPr>
-        <p:spPr>
-          <a:xfrm>
-            <a:off x="5407893" y="3790950"/>
-            <a:ext cx="233214" cy="450850"/>
-          </a:xfrm>
-          <a:prstGeom prst="upDownArrow">
-            <a:avLst/>
-          </a:prstGeom>
-        </p:spPr>
-        <p:style>
-          <a:lnRef idx="2">
-            <a:schemeClr val="accent1">
-              <a:shade val="50000"/>
-            </a:schemeClr>
-          </a:lnRef>
-          <a:fillRef idx="1">
-            <a:schemeClr val="accent1"/>
-          </a:fillRef>
-          <a:effectRef idx="0">
-            <a:schemeClr val="accent1"/>
-          </a:effectRef>
-          <a:fontRef idx="minor">
-            <a:schemeClr val="lt1"/>
-          </a:fontRef>
-        </p:style>
-        <p:txBody>
-          <a:bodyPr rtlCol="0" anchor="ctr"/>
-          <a:lstStyle/>
-          <a:p>
-            <a:pPr algn="ctr"/>
-            <a:endParaRPr lang="en-IN"/>
-          </a:p>
-        </p:txBody>
-      </p:sp>
-      <p:sp>
-        <p:nvSpPr>
-          <p:cNvPr id="74" name="Arrow: Up-Down 73">
-            <a:extLst>
-              <a:ext uri="{FF2B5EF4-FFF2-40B4-BE49-F238E27FC236}">
-                <a16:creationId xmlns:a16="http://schemas.microsoft.com/office/drawing/2014/main" id="{3A769608-CEE7-43E4-BB41-0AA36412BCCE}"/>
-              </a:ext>
-            </a:extLst>
-          </p:cNvPr>
-          <p:cNvSpPr/>
-          <p:nvPr/>
-        </p:nvSpPr>
-        <p:spPr>
-          <a:xfrm>
-            <a:off x="5365030" y="1520829"/>
-            <a:ext cx="233214" cy="452677"/>
-          </a:xfrm>
-          <a:prstGeom prst="upDownArrow">
-            <a:avLst/>
-          </a:prstGeom>
-        </p:spPr>
-        <p:style>
-          <a:lnRef idx="2">
-            <a:schemeClr val="accent1">
-              <a:shade val="50000"/>
-            </a:schemeClr>
-          </a:lnRef>
-          <a:fillRef idx="1">
-            <a:schemeClr val="accent1"/>
-          </a:fillRef>
-          <a:effectRef idx="0">
-            <a:schemeClr val="accent1"/>
-          </a:effectRef>
-          <a:fontRef idx="minor">
-            <a:schemeClr val="lt1"/>
-          </a:fontRef>
-        </p:style>
-        <p:txBody>
-          <a:bodyPr rtlCol="0" anchor="ctr"/>
-          <a:lstStyle/>
-          <a:p>
-            <a:pPr algn="ctr"/>
-            <a:endParaRPr lang="en-IN"/>
-          </a:p>
-        </p:txBody>
-      </p:sp>
-      <p:sp>
-        <p:nvSpPr>
-          <p:cNvPr id="75" name="Arrow: Up-Down 74">
-            <a:extLst>
-              <a:ext uri="{FF2B5EF4-FFF2-40B4-BE49-F238E27FC236}">
-                <a16:creationId xmlns:a16="http://schemas.microsoft.com/office/drawing/2014/main" id="{0C44AF41-EEB6-44F4-8E16-05F60219BD87}"/>
-              </a:ext>
-            </a:extLst>
-          </p:cNvPr>
-          <p:cNvSpPr/>
-          <p:nvPr/>
-        </p:nvSpPr>
-        <p:spPr>
-          <a:xfrm>
-            <a:off x="4219239" y="1524000"/>
-            <a:ext cx="233214" cy="431800"/>
-          </a:xfrm>
-          <a:prstGeom prst="upDownArrow">
-            <a:avLst/>
-          </a:prstGeom>
-        </p:spPr>
-        <p:style>
-          <a:lnRef idx="2">
-            <a:schemeClr val="accent1">
-              <a:shade val="50000"/>
-            </a:schemeClr>
-          </a:lnRef>
-          <a:fillRef idx="1">
-            <a:schemeClr val="accent1"/>
-          </a:fillRef>
-          <a:effectRef idx="0">
-            <a:schemeClr val="accent1"/>
-          </a:effectRef>
-          <a:fontRef idx="minor">
-            <a:schemeClr val="lt1"/>
-          </a:fontRef>
-        </p:style>
-        <p:txBody>
-          <a:bodyPr rtlCol="0" anchor="ctr"/>
-          <a:lstStyle/>
-          <a:p>
-            <a:pPr algn="ctr"/>
-            <a:endParaRPr lang="en-IN"/>
-          </a:p>
-        </p:txBody>
-      </p:sp>
-      <p:sp>
-        <p:nvSpPr>
-          <p:cNvPr id="76" name="Arrow: Up-Down 75">
-            <a:extLst>
-              <a:ext uri="{FF2B5EF4-FFF2-40B4-BE49-F238E27FC236}">
-                <a16:creationId xmlns:a16="http://schemas.microsoft.com/office/drawing/2014/main" id="{FC51E6FE-D368-4B28-8661-798B762CCB75}"/>
-              </a:ext>
-            </a:extLst>
-          </p:cNvPr>
-          <p:cNvSpPr/>
-          <p:nvPr/>
-        </p:nvSpPr>
-        <p:spPr>
-          <a:xfrm>
-            <a:off x="6442438" y="1510160"/>
-            <a:ext cx="233214" cy="452677"/>
-          </a:xfrm>
-          <a:prstGeom prst="upDownArrow">
-            <a:avLst/>
-          </a:prstGeom>
-        </p:spPr>
-        <p:style>
-          <a:lnRef idx="2">
-            <a:schemeClr val="accent1">
-              <a:shade val="50000"/>
-            </a:schemeClr>
-          </a:lnRef>
-          <a:fillRef idx="1">
-            <a:schemeClr val="accent1"/>
-          </a:fillRef>
-          <a:effectRef idx="0">
-            <a:schemeClr val="accent1"/>
-          </a:effectRef>
-          <a:fontRef idx="minor">
-            <a:schemeClr val="lt1"/>
-          </a:fontRef>
-        </p:style>
-        <p:txBody>
-          <a:bodyPr rtlCol="0" anchor="ctr"/>
-          <a:lstStyle/>
-          <a:p>
-            <a:pPr algn="ctr"/>
-            <a:endParaRPr lang="en-IN"/>
-          </a:p>
-        </p:txBody>
-      </p:sp>
-      <p:pic>
-        <p:nvPicPr>
-          <p:cNvPr id="120" name="Picture 119">
-            <a:extLst>
-              <a:ext uri="{FF2B5EF4-FFF2-40B4-BE49-F238E27FC236}">
-                <a16:creationId xmlns:a16="http://schemas.microsoft.com/office/drawing/2014/main" id="{CCA75F24-AF7B-434D-A086-B7BB355744DF}"/>
-              </a:ext>
-            </a:extLst>
-          </p:cNvPr>
-          <p:cNvPicPr>
-            <a:picLocks noChangeAspect="1"/>
-          </p:cNvPicPr>
-          <p:nvPr/>
-        </p:nvPicPr>
-        <p:blipFill>
-          <a:blip r:embed="rId8"/>
-          <a:stretch>
-            <a:fillRect/>
-          </a:stretch>
-        </p:blipFill>
-        <p:spPr>
-          <a:xfrm>
-            <a:off x="4555332" y="45496"/>
-            <a:ext cx="1904136" cy="844167"/>
-          </a:xfrm>
-          <a:prstGeom prst="rect">
-            <a:avLst/>
-          </a:prstGeom>
-        </p:spPr>
-      </p:pic>
-      <p:pic>
-        <p:nvPicPr>
-          <p:cNvPr id="79" name="Picture 50">
-            <a:extLst>
-              <a:ext uri="{FF2B5EF4-FFF2-40B4-BE49-F238E27FC236}">
-                <a16:creationId xmlns:a16="http://schemas.microsoft.com/office/drawing/2014/main" id="{0A4AA348-544D-4A99-933D-85AF7F4035E9}"/>
-              </a:ext>
-            </a:extLst>
-          </p:cNvPr>
-          <p:cNvPicPr>
-            <a:picLocks noChangeAspect="1" noChangeArrowheads="1"/>
-          </p:cNvPicPr>
-          <p:nvPr/>
-        </p:nvPicPr>
-        <p:blipFill>
-          <a:blip r:embed="rId9">
-            <a:extLst>
-              <a:ext uri="{28A0092B-C50C-407E-A947-70E740481C1C}">
-                <a14:useLocalDpi xmlns:a14="http://schemas.microsoft.com/office/drawing/2010/main" val="0"/>
-              </a:ext>
-            </a:extLst>
-          </a:blip>
-          <a:srcRect/>
-          <a:stretch>
-            <a:fillRect/>
-          </a:stretch>
-        </p:blipFill>
-        <p:spPr bwMode="auto">
-          <a:xfrm>
-            <a:off x="8186904" y="3948117"/>
-            <a:ext cx="739775" cy="739775"/>
-          </a:xfrm>
-          <a:prstGeom prst="rect">
-            <a:avLst/>
-          </a:prstGeom>
-          <a:noFill/>
-          <a:ln>
-            <a:noFill/>
-          </a:ln>
-          <a:extLst>
-            <a:ext uri="{909E8E84-426E-40DD-AFC4-6F175D3DCCD1}">
-              <a14:hiddenFill xmlns:a14="http://schemas.microsoft.com/office/drawing/2010/main">
-                <a:solidFill>
-                  <a:srgbClr val="FFFFFF"/>
-                </a:solidFill>
-              </a14:hiddenFill>
-            </a:ext>
-            <a:ext uri="{91240B29-F687-4F45-9708-019B960494DF}">
-              <a14:hiddenLine xmlns:a14="http://schemas.microsoft.com/office/drawing/2010/main" w="9525">
-                <a:solidFill>
-                  <a:srgbClr val="000000"/>
-                </a:solidFill>
-                <a:miter lim="800000"/>
-                <a:headEnd/>
-                <a:tailEnd/>
-              </a14:hiddenLine>
-            </a:ext>
-          </a:extLst>
-        </p:spPr>
-      </p:pic>
-      <p:pic>
-        <p:nvPicPr>
-          <p:cNvPr id="122" name="Picture 121">
-            <a:extLst>
-              <a:ext uri="{FF2B5EF4-FFF2-40B4-BE49-F238E27FC236}">
-                <a16:creationId xmlns:a16="http://schemas.microsoft.com/office/drawing/2014/main" id="{EEBE87C7-8F9C-42B5-A8B0-FE8340D5F6F6}"/>
-              </a:ext>
-            </a:extLst>
-          </p:cNvPr>
-          <p:cNvPicPr>
-            <a:picLocks noChangeAspect="1"/>
-          </p:cNvPicPr>
-          <p:nvPr/>
-        </p:nvPicPr>
-        <p:blipFill>
-          <a:blip r:embed="rId10"/>
-          <a:stretch>
-            <a:fillRect/>
-          </a:stretch>
-        </p:blipFill>
-        <p:spPr>
-          <a:xfrm>
-            <a:off x="3802414" y="1194615"/>
-            <a:ext cx="531463" cy="288478"/>
-          </a:xfrm>
-          <a:prstGeom prst="rect">
-            <a:avLst/>
-          </a:prstGeom>
-        </p:spPr>
-      </p:pic>
-      <p:pic>
-        <p:nvPicPr>
-          <p:cNvPr id="124" name="Picture 123">
-            <a:extLst>
-              <a:ext uri="{FF2B5EF4-FFF2-40B4-BE49-F238E27FC236}">
-                <a16:creationId xmlns:a16="http://schemas.microsoft.com/office/drawing/2014/main" id="{18678D47-7F89-417D-8364-D478D7CED8DB}"/>
-              </a:ext>
-            </a:extLst>
-          </p:cNvPr>
-          <p:cNvPicPr>
-            <a:picLocks noChangeAspect="1"/>
-          </p:cNvPicPr>
-          <p:nvPr/>
-        </p:nvPicPr>
-        <p:blipFill>
-          <a:blip r:embed="rId11"/>
-          <a:stretch>
-            <a:fillRect/>
-          </a:stretch>
-        </p:blipFill>
-        <p:spPr>
-          <a:xfrm>
-            <a:off x="2744116" y="1049745"/>
-            <a:ext cx="660821" cy="578218"/>
-          </a:xfrm>
-          <a:prstGeom prst="rect">
-            <a:avLst/>
-          </a:prstGeom>
-        </p:spPr>
-      </p:pic>
-      <p:pic>
-        <p:nvPicPr>
-          <p:cNvPr id="84" name="Picture 83">
-            <a:extLst>
-              <a:ext uri="{FF2B5EF4-FFF2-40B4-BE49-F238E27FC236}">
-                <a16:creationId xmlns:a16="http://schemas.microsoft.com/office/drawing/2014/main" id="{63BA7092-1D0B-4CDC-9783-89C21CF79E81}"/>
-              </a:ext>
-            </a:extLst>
-          </p:cNvPr>
-          <p:cNvPicPr>
-            <a:picLocks noChangeAspect="1"/>
-          </p:cNvPicPr>
-          <p:nvPr/>
-        </p:nvPicPr>
-        <p:blipFill>
-          <a:blip r:embed="rId11"/>
-          <a:stretch>
-            <a:fillRect/>
-          </a:stretch>
-        </p:blipFill>
-        <p:spPr>
-          <a:xfrm>
-            <a:off x="7486301" y="1080660"/>
-            <a:ext cx="660821" cy="578218"/>
-          </a:xfrm>
-          <a:prstGeom prst="rect">
-            <a:avLst/>
-          </a:prstGeom>
-        </p:spPr>
-      </p:pic>
-      <p:sp>
-        <p:nvSpPr>
-          <p:cNvPr id="127" name="TextBox 126">
-            <a:extLst>
-              <a:ext uri="{FF2B5EF4-FFF2-40B4-BE49-F238E27FC236}">
-                <a16:creationId xmlns:a16="http://schemas.microsoft.com/office/drawing/2014/main" id="{981518DD-AEFF-45B7-8057-DA0E6A9B47C3}"/>
-              </a:ext>
-            </a:extLst>
-          </p:cNvPr>
-          <p:cNvSpPr txBox="1"/>
-          <p:nvPr/>
-        </p:nvSpPr>
-        <p:spPr>
-          <a:xfrm>
-            <a:off x="8147376" y="4709033"/>
-            <a:ext cx="739775" cy="215444"/>
-          </a:xfrm>
-          <a:prstGeom prst="rect">
-            <a:avLst/>
-          </a:prstGeom>
-          <a:noFill/>
-        </p:spPr>
-        <p:txBody>
-          <a:bodyPr wrap="square" rtlCol="0">
-            <a:spAutoFit/>
-          </a:bodyPr>
-          <a:lstStyle/>
-          <a:p>
-            <a:pPr algn="ctr"/>
-            <a:r>
-              <a:rPr lang="en-IN" sz="800" dirty="0">
-                <a:latin typeface="Nunito Sans" panose="020B0604020202020204" charset="0"/>
-              </a:rPr>
-              <a:t>Municipality</a:t>
-            </a:r>
-          </a:p>
-        </p:txBody>
-      </p:sp>
-      <p:sp>
-        <p:nvSpPr>
-          <p:cNvPr id="88" name="TextBox 87">
-            <a:extLst>
-              <a:ext uri="{FF2B5EF4-FFF2-40B4-BE49-F238E27FC236}">
-                <a16:creationId xmlns:a16="http://schemas.microsoft.com/office/drawing/2014/main" id="{F00DA144-301C-4694-8642-5D3A8966255E}"/>
-              </a:ext>
-            </a:extLst>
-          </p:cNvPr>
-          <p:cNvSpPr txBox="1"/>
-          <p:nvPr/>
-        </p:nvSpPr>
-        <p:spPr>
-          <a:xfrm>
-            <a:off x="8225903" y="3031233"/>
-            <a:ext cx="739775" cy="215444"/>
-          </a:xfrm>
-          <a:prstGeom prst="rect">
-            <a:avLst/>
-          </a:prstGeom>
-          <a:noFill/>
-        </p:spPr>
-        <p:txBody>
-          <a:bodyPr wrap="square" rtlCol="0">
-            <a:spAutoFit/>
-          </a:bodyPr>
-          <a:lstStyle/>
-          <a:p>
-            <a:pPr algn="ctr"/>
-            <a:r>
-              <a:rPr lang="en-IN" sz="800" dirty="0">
-                <a:latin typeface="Nunito Sans" panose="020B0604020202020204" charset="0"/>
-              </a:rPr>
-              <a:t>Hospital</a:t>
-            </a:r>
-          </a:p>
-        </p:txBody>
-      </p:sp>
-      <p:sp>
-        <p:nvSpPr>
-          <p:cNvPr id="89" name="TextBox 88">
-            <a:extLst>
-              <a:ext uri="{FF2B5EF4-FFF2-40B4-BE49-F238E27FC236}">
-                <a16:creationId xmlns:a16="http://schemas.microsoft.com/office/drawing/2014/main" id="{D46B7FE0-A4F5-4CCF-ABEC-726AB1EA4193}"/>
-              </a:ext>
-            </a:extLst>
-          </p:cNvPr>
-          <p:cNvSpPr txBox="1"/>
-          <p:nvPr/>
-        </p:nvSpPr>
-        <p:spPr>
-          <a:xfrm>
-            <a:off x="8328908" y="1420337"/>
-            <a:ext cx="739775" cy="215444"/>
-          </a:xfrm>
-          <a:prstGeom prst="rect">
-            <a:avLst/>
-          </a:prstGeom>
-          <a:noFill/>
-        </p:spPr>
-        <p:txBody>
-          <a:bodyPr wrap="square" rtlCol="0">
-            <a:spAutoFit/>
-          </a:bodyPr>
-          <a:lstStyle/>
-          <a:p>
-            <a:pPr algn="ctr"/>
-            <a:r>
-              <a:rPr lang="en-IN" sz="800" dirty="0">
-                <a:latin typeface="Nunito Sans" panose="020B0604020202020204" charset="0"/>
-              </a:rPr>
-              <a:t>Patients</a:t>
-            </a:r>
-          </a:p>
-        </p:txBody>
-      </p:sp>
-      <p:sp>
-        <p:nvSpPr>
-          <p:cNvPr id="32" name="Arrow: Left 31">
-            <a:extLst>
-              <a:ext uri="{FF2B5EF4-FFF2-40B4-BE49-F238E27FC236}">
-                <a16:creationId xmlns:a16="http://schemas.microsoft.com/office/drawing/2014/main" id="{DDEAB656-485B-4BC9-B75B-6FB9CFAABCBF}"/>
-              </a:ext>
-            </a:extLst>
-          </p:cNvPr>
-          <p:cNvSpPr/>
-          <p:nvPr/>
-        </p:nvSpPr>
-        <p:spPr>
-          <a:xfrm>
-            <a:off x="3276607" y="1251497"/>
-            <a:ext cx="458389" cy="231599"/>
-          </a:xfrm>
-          <a:prstGeom prst="leftArrow">
-            <a:avLst/>
-          </a:prstGeom>
-        </p:spPr>
-        <p:style>
-          <a:lnRef idx="2">
-            <a:schemeClr val="accent1">
-              <a:shade val="50000"/>
-            </a:schemeClr>
-          </a:lnRef>
-          <a:fillRef idx="1">
-            <a:schemeClr val="accent1"/>
-          </a:fillRef>
-          <a:effectRef idx="0">
-            <a:schemeClr val="accent1"/>
-          </a:effectRef>
-          <a:fontRef idx="minor">
-            <a:schemeClr val="lt1"/>
-          </a:fontRef>
-        </p:style>
-        <p:txBody>
-          <a:bodyPr rtlCol="0" anchor="ctr"/>
-          <a:lstStyle/>
-          <a:p>
-            <a:pPr algn="ctr"/>
-            <a:endParaRPr lang="en-IN"/>
-          </a:p>
-        </p:txBody>
-      </p:sp>
-      <p:sp>
-        <p:nvSpPr>
-          <p:cNvPr id="33" name="Arrow: Right 32">
-            <a:extLst>
-              <a:ext uri="{FF2B5EF4-FFF2-40B4-BE49-F238E27FC236}">
-                <a16:creationId xmlns:a16="http://schemas.microsoft.com/office/drawing/2014/main" id="{1750CCE7-C1AB-4B99-90EC-12BE38429399}"/>
-              </a:ext>
-            </a:extLst>
-          </p:cNvPr>
-          <p:cNvSpPr/>
-          <p:nvPr/>
-        </p:nvSpPr>
-        <p:spPr>
-          <a:xfrm>
-            <a:off x="7366131" y="1251493"/>
-            <a:ext cx="225301" cy="215444"/>
-          </a:xfrm>
-          <a:prstGeom prst="rightArrow">
-            <a:avLst/>
-          </a:prstGeom>
-        </p:spPr>
-        <p:style>
-          <a:lnRef idx="2">
-            <a:schemeClr val="accent1">
-              <a:shade val="50000"/>
-            </a:schemeClr>
-          </a:lnRef>
-          <a:fillRef idx="1">
-            <a:schemeClr val="accent1"/>
-          </a:fillRef>
-          <a:effectRef idx="0">
-            <a:schemeClr val="accent1"/>
-          </a:effectRef>
-          <a:fontRef idx="minor">
-            <a:schemeClr val="lt1"/>
-          </a:fontRef>
-        </p:style>
-        <p:txBody>
-          <a:bodyPr rtlCol="0" anchor="ctr"/>
-          <a:lstStyle/>
-          <a:p>
-            <a:pPr algn="ctr"/>
-            <a:endParaRPr lang="en-IN"/>
-          </a:p>
-        </p:txBody>
-      </p:sp>
-      <p:sp>
-        <p:nvSpPr>
-          <p:cNvPr id="39" name="Arrow: Right 38">
-            <a:extLst>
-              <a:ext uri="{FF2B5EF4-FFF2-40B4-BE49-F238E27FC236}">
-                <a16:creationId xmlns:a16="http://schemas.microsoft.com/office/drawing/2014/main" id="{75E98987-F062-4A77-B0D7-DF1697A0E167}"/>
-              </a:ext>
-            </a:extLst>
-          </p:cNvPr>
-          <p:cNvSpPr/>
-          <p:nvPr/>
-        </p:nvSpPr>
-        <p:spPr>
-          <a:xfrm>
-            <a:off x="7940028" y="2676526"/>
-            <a:ext cx="271859" cy="204786"/>
-          </a:xfrm>
-          <a:prstGeom prst="rightArrow">
-            <a:avLst/>
-          </a:prstGeom>
-        </p:spPr>
-        <p:style>
-          <a:lnRef idx="2">
-            <a:schemeClr val="accent1">
-              <a:shade val="50000"/>
-            </a:schemeClr>
-          </a:lnRef>
-          <a:fillRef idx="1">
-            <a:schemeClr val="accent1"/>
-          </a:fillRef>
-          <a:effectRef idx="0">
-            <a:schemeClr val="accent1"/>
-          </a:effectRef>
-          <a:fontRef idx="minor">
-            <a:schemeClr val="lt1"/>
-          </a:fontRef>
-        </p:style>
-        <p:txBody>
-          <a:bodyPr rtlCol="0" anchor="ctr"/>
-          <a:lstStyle/>
-          <a:p>
-            <a:pPr algn="ctr"/>
-            <a:endParaRPr lang="en-IN"/>
-          </a:p>
-        </p:txBody>
-      </p:sp>
-      <p:sp>
-        <p:nvSpPr>
-          <p:cNvPr id="128" name="Arrow: Right 127">
-            <a:extLst>
-              <a:ext uri="{FF2B5EF4-FFF2-40B4-BE49-F238E27FC236}">
-                <a16:creationId xmlns:a16="http://schemas.microsoft.com/office/drawing/2014/main" id="{4F61E5B2-0F22-4CF9-962A-8AF8369EA0A4}"/>
-              </a:ext>
-            </a:extLst>
-          </p:cNvPr>
-          <p:cNvSpPr/>
-          <p:nvPr/>
-        </p:nvSpPr>
-        <p:spPr>
-          <a:xfrm>
-            <a:off x="7940028" y="4283782"/>
-            <a:ext cx="271859" cy="152399"/>
-          </a:xfrm>
-          <a:prstGeom prst="rightArrow">
-            <a:avLst/>
-          </a:prstGeom>
-        </p:spPr>
-        <p:style>
-          <a:lnRef idx="2">
-            <a:schemeClr val="accent1">
-              <a:shade val="50000"/>
-            </a:schemeClr>
-          </a:lnRef>
-          <a:fillRef idx="1">
-            <a:schemeClr val="accent1"/>
-          </a:fillRef>
-          <a:effectRef idx="0">
-            <a:schemeClr val="accent1"/>
-          </a:effectRef>
-          <a:fontRef idx="minor">
-            <a:schemeClr val="lt1"/>
-          </a:fontRef>
-        </p:style>
-        <p:txBody>
-          <a:bodyPr rtlCol="0" anchor="ctr"/>
-          <a:lstStyle/>
-          <a:p>
-            <a:pPr algn="ctr"/>
-            <a:endParaRPr lang="en-IN"/>
-          </a:p>
-        </p:txBody>
-      </p:sp>
-      <p:sp>
-        <p:nvSpPr>
-          <p:cNvPr id="130" name="Arrow: Right 129">
-            <a:extLst>
-              <a:ext uri="{FF2B5EF4-FFF2-40B4-BE49-F238E27FC236}">
-                <a16:creationId xmlns:a16="http://schemas.microsoft.com/office/drawing/2014/main" id="{101BB2C6-0A70-4200-A5E9-40341C9AB832}"/>
-              </a:ext>
-            </a:extLst>
-          </p:cNvPr>
-          <p:cNvSpPr/>
-          <p:nvPr/>
-        </p:nvSpPr>
-        <p:spPr>
-          <a:xfrm>
-            <a:off x="8029012" y="1272079"/>
-            <a:ext cx="271859" cy="215444"/>
-          </a:xfrm>
-          <a:prstGeom prst="rightArrow">
-            <a:avLst/>
-          </a:prstGeom>
-        </p:spPr>
-        <p:style>
-          <a:lnRef idx="2">
-            <a:schemeClr val="accent1">
-              <a:shade val="50000"/>
-            </a:schemeClr>
-          </a:lnRef>
-          <a:fillRef idx="1">
-            <a:schemeClr val="accent1"/>
-          </a:fillRef>
-          <a:effectRef idx="0">
-            <a:schemeClr val="accent1"/>
-          </a:effectRef>
-          <a:fontRef idx="minor">
-            <a:schemeClr val="lt1"/>
-          </a:fontRef>
-        </p:style>
-        <p:txBody>
-          <a:bodyPr rtlCol="0" anchor="ctr"/>
-          <a:lstStyle/>
-          <a:p>
-            <a:pPr algn="ctr"/>
-            <a:endParaRPr lang="en-IN"/>
-          </a:p>
-        </p:txBody>
-      </p:sp>
-      <p:sp>
-        <p:nvSpPr>
-          <p:cNvPr id="46" name="Arrow: Left-Up 45">
-            <a:extLst>
-              <a:ext uri="{FF2B5EF4-FFF2-40B4-BE49-F238E27FC236}">
-                <a16:creationId xmlns:a16="http://schemas.microsoft.com/office/drawing/2014/main" id="{01E79B17-5381-4839-9A9C-1E3D662CBF69}"/>
-              </a:ext>
-            </a:extLst>
-          </p:cNvPr>
-          <p:cNvSpPr/>
-          <p:nvPr/>
-        </p:nvSpPr>
-        <p:spPr>
-          <a:xfrm>
-            <a:off x="6510670" y="1673994"/>
-            <a:ext cx="1521224" cy="3142135"/>
-          </a:xfrm>
-          <a:prstGeom prst="leftUpArrow">
-            <a:avLst>
-              <a:gd name="adj1" fmla="val 6509"/>
-              <a:gd name="adj2" fmla="val 11132"/>
-              <a:gd name="adj3" fmla="val 11284"/>
-            </a:avLst>
-          </a:prstGeom>
-        </p:spPr>
-        <p:style>
-          <a:lnRef idx="2">
-            <a:schemeClr val="accent1">
-              <a:shade val="50000"/>
-            </a:schemeClr>
-          </a:lnRef>
-          <a:fillRef idx="1">
-            <a:schemeClr val="accent1"/>
-          </a:fillRef>
-          <a:effectRef idx="0">
-            <a:schemeClr val="accent1"/>
-          </a:effectRef>
-          <a:fontRef idx="minor">
-            <a:schemeClr val="lt1"/>
-          </a:fontRef>
-        </p:style>
-        <p:txBody>
-          <a:bodyPr rtlCol="0" anchor="ctr"/>
-          <a:lstStyle/>
-          <a:p>
-            <a:pPr algn="ctr"/>
-            <a:endParaRPr lang="en-IN"/>
-          </a:p>
-        </p:txBody>
-      </p:sp>
-      <p:sp>
-        <p:nvSpPr>
-          <p:cNvPr id="136" name="Arrow: Left-Up 135">
-            <a:extLst>
-              <a:ext uri="{FF2B5EF4-FFF2-40B4-BE49-F238E27FC236}">
-                <a16:creationId xmlns:a16="http://schemas.microsoft.com/office/drawing/2014/main" id="{770A2473-F18E-4C76-941C-0F5C5F4394B5}"/>
-              </a:ext>
-            </a:extLst>
-          </p:cNvPr>
-          <p:cNvSpPr/>
-          <p:nvPr/>
-        </p:nvSpPr>
-        <p:spPr>
-          <a:xfrm flipH="1">
-            <a:off x="2903557" y="1657748"/>
-            <a:ext cx="1627150" cy="3142135"/>
-          </a:xfrm>
-          <a:prstGeom prst="leftUpArrow">
-            <a:avLst>
-              <a:gd name="adj1" fmla="val 6509"/>
-              <a:gd name="adj2" fmla="val 11132"/>
-              <a:gd name="adj3" fmla="val 11284"/>
-            </a:avLst>
-          </a:prstGeom>
-        </p:spPr>
-        <p:style>
-          <a:lnRef idx="2">
-            <a:schemeClr val="accent1">
-              <a:shade val="50000"/>
-            </a:schemeClr>
-          </a:lnRef>
-          <a:fillRef idx="1">
-            <a:schemeClr val="accent1"/>
-          </a:fillRef>
-          <a:effectRef idx="0">
-            <a:schemeClr val="accent1"/>
-          </a:effectRef>
-          <a:fontRef idx="minor">
-            <a:schemeClr val="lt1"/>
-          </a:fontRef>
-        </p:style>
-        <p:txBody>
-          <a:bodyPr rtlCol="0" anchor="ctr"/>
-          <a:lstStyle/>
-          <a:p>
-            <a:pPr algn="ctr"/>
-            <a:endParaRPr lang="en-IN"/>
-          </a:p>
-        </p:txBody>
-      </p:sp>
-      <p:sp>
-        <p:nvSpPr>
-          <p:cNvPr id="51" name="Arrow: Bent-Up 50">
-            <a:extLst>
-              <a:ext uri="{FF2B5EF4-FFF2-40B4-BE49-F238E27FC236}">
-                <a16:creationId xmlns:a16="http://schemas.microsoft.com/office/drawing/2014/main" id="{55AB17C6-F741-451F-9CA4-5B5C1BDD9A5A}"/>
-              </a:ext>
-            </a:extLst>
-          </p:cNvPr>
-          <p:cNvSpPr/>
-          <p:nvPr/>
-        </p:nvSpPr>
-        <p:spPr>
-          <a:xfrm rot="5400000" flipH="1">
-            <a:off x="3454195" y="-130015"/>
-            <a:ext cx="622702" cy="1530333"/>
-          </a:xfrm>
-          <a:prstGeom prst="bentUpArrow">
-            <a:avLst>
-              <a:gd name="adj1" fmla="val 18881"/>
-              <a:gd name="adj2" fmla="val 25000"/>
-              <a:gd name="adj3" fmla="val 25000"/>
-            </a:avLst>
-          </a:prstGeom>
-        </p:spPr>
-        <p:style>
-          <a:lnRef idx="2">
-            <a:schemeClr val="accent1">
-              <a:shade val="50000"/>
-            </a:schemeClr>
-          </a:lnRef>
-          <a:fillRef idx="1">
-            <a:schemeClr val="accent1"/>
-          </a:fillRef>
-          <a:effectRef idx="0">
-            <a:schemeClr val="accent1"/>
-          </a:effectRef>
-          <a:fontRef idx="minor">
-            <a:schemeClr val="lt1"/>
-          </a:fontRef>
-        </p:style>
-        <p:txBody>
-          <a:bodyPr rtlCol="0" anchor="ctr"/>
-          <a:lstStyle/>
-          <a:p>
-            <a:pPr algn="ctr"/>
-            <a:endParaRPr lang="en-IN"/>
-          </a:p>
-        </p:txBody>
-      </p:sp>
-      <p:sp>
-        <p:nvSpPr>
-          <p:cNvPr id="2" name="TextBox 1">
-            <a:extLst>
-              <a:ext uri="{FF2B5EF4-FFF2-40B4-BE49-F238E27FC236}">
-                <a16:creationId xmlns:a16="http://schemas.microsoft.com/office/drawing/2014/main" id="{C8CCF8C6-DAFA-4BE4-9D03-A21EEB4F4751}"/>
-              </a:ext>
-            </a:extLst>
-          </p:cNvPr>
-          <p:cNvSpPr txBox="1"/>
-          <p:nvPr/>
-        </p:nvSpPr>
-        <p:spPr>
-          <a:xfrm>
-            <a:off x="4660157" y="894441"/>
-            <a:ext cx="1625104" cy="215444"/>
-          </a:xfrm>
-          <a:prstGeom prst="rect">
-            <a:avLst/>
-          </a:prstGeom>
-          <a:noFill/>
-        </p:spPr>
-        <p:txBody>
-          <a:bodyPr wrap="square" rtlCol="0">
-            <a:spAutoFit/>
-          </a:bodyPr>
-          <a:lstStyle/>
-          <a:p>
-            <a:pPr algn="ctr"/>
-            <a:r>
-              <a:rPr lang="en-IN" sz="800" dirty="0"/>
-              <a:t>Insurance Companies</a:t>
-            </a:r>
-          </a:p>
-        </p:txBody>
-      </p:sp>
-    </p:spTree>
-    <p:extLst>
-      <p:ext uri="{BB962C8B-B14F-4D97-AF65-F5344CB8AC3E}">
-        <p14:creationId xmlns:p14="http://schemas.microsoft.com/office/powerpoint/2010/main" val="4074402649"/>
-      </p:ext>
-    </p:extLst>
-  </p:cSld>
-  <p:clrMapOvr>
-    <a:masterClrMapping/>
-  </p:clrMapOvr>
-</p:sld>
-</file>
-
-<file path=ppt/slides/slide12.xml><?xml version="1.0" encoding="utf-8"?>
-<p:sld xmlns:a="http://schemas.openxmlformats.org/drawingml/2006/main" xmlns:r="http://schemas.openxmlformats.org/officeDocument/2006/relationships" xmlns:p="http://schemas.openxmlformats.org/presentationml/2006/main">
-  <p:cSld>
-    <p:bg>
-      <p:bgPr>
-        <a:solidFill>
-          <a:schemeClr val="accent1">
-            <a:lumMod val="75000"/>
-          </a:schemeClr>
-        </a:solidFill>
-        <a:effectLst/>
-      </p:bgPr>
-    </p:bg>
-    <p:spTree>
-      <p:nvGrpSpPr>
-        <p:cNvPr id="1" name="Shape 103"/>
-        <p:cNvGrpSpPr/>
-        <p:nvPr/>
-      </p:nvGrpSpPr>
-      <p:grpSpPr>
-        <a:xfrm>
-          <a:off x="0" y="0"/>
-          <a:ext cx="0" cy="0"/>
-          <a:chOff x="0" y="0"/>
-          <a:chExt cx="0" cy="0"/>
-        </a:xfrm>
-      </p:grpSpPr>
-      <p:sp>
-        <p:nvSpPr>
-          <p:cNvPr id="104" name="Shape 104"/>
-          <p:cNvSpPr txBox="1">
-            <a:spLocks noGrp="1"/>
-          </p:cNvSpPr>
-          <p:nvPr>
-            <p:ph type="title"/>
-          </p:nvPr>
-        </p:nvSpPr>
-        <p:spPr>
-          <a:xfrm>
-            <a:off x="234450" y="575501"/>
-            <a:ext cx="2046300" cy="915370"/>
-          </a:xfrm>
-          <a:prstGeom prst="rect">
-            <a:avLst/>
-          </a:prstGeom>
-        </p:spPr>
-        <p:txBody>
-          <a:bodyPr spcFirstLastPara="1" wrap="square" lIns="91425" tIns="91425" rIns="91425" bIns="91425" anchor="t" anchorCtr="0">
-            <a:noAutofit/>
-          </a:bodyPr>
-          <a:lstStyle/>
-          <a:p>
-            <a:pPr marL="0" lvl="0" indent="0" algn="just" rtl="0">
-              <a:spcBef>
-                <a:spcPts val="0"/>
-              </a:spcBef>
-              <a:spcAft>
-                <a:spcPts val="0"/>
-              </a:spcAft>
-              <a:buNone/>
-            </a:pPr>
-            <a:r>
-              <a:rPr lang="en-IN" b="1" dirty="0"/>
-              <a:t>Architecture Diagram</a:t>
-            </a:r>
-            <a:endParaRPr b="1" dirty="0"/>
-          </a:p>
-        </p:txBody>
-      </p:sp>
-      <p:sp>
-        <p:nvSpPr>
-          <p:cNvPr id="107" name="Shape 107"/>
-          <p:cNvSpPr txBox="1">
-            <a:spLocks noGrp="1"/>
-          </p:cNvSpPr>
-          <p:nvPr>
-            <p:ph type="sldNum" idx="12"/>
-          </p:nvPr>
-        </p:nvSpPr>
-        <p:spPr>
-          <a:xfrm>
-            <a:off x="8556784" y="4749851"/>
-            <a:ext cx="548700" cy="393600"/>
-          </a:xfrm>
-          <a:prstGeom prst="rect">
-            <a:avLst/>
-          </a:prstGeom>
-        </p:spPr>
-        <p:txBody>
-          <a:bodyPr spcFirstLastPara="1" wrap="square" lIns="91425" tIns="91425" rIns="91425" bIns="91425" anchor="ctr" anchorCtr="0">
-            <a:noAutofit/>
-          </a:bodyPr>
-          <a:lstStyle/>
-          <a:p>
-            <a:pPr marL="0" lvl="0" indent="0">
-              <a:spcBef>
-                <a:spcPts val="0"/>
-              </a:spcBef>
-              <a:spcAft>
-                <a:spcPts val="0"/>
-              </a:spcAft>
-              <a:buNone/>
-            </a:pPr>
-            <a:fld id="{00000000-1234-1234-1234-123412341234}" type="slidenum">
-              <a:rPr lang="en"/>
-              <a:t>12</a:t>
-            </a:fld>
-            <a:endParaRPr dirty="0"/>
-          </a:p>
-        </p:txBody>
-      </p:sp>
-      <p:graphicFrame>
-        <p:nvGraphicFramePr>
-          <p:cNvPr id="2" name="Object 1"/>
-          <p:cNvGraphicFramePr>
-            <a:graphicFrameLocks noChangeAspect="1"/>
-          </p:cNvGraphicFramePr>
-          <p:nvPr>
-            <p:extLst>
-              <p:ext uri="{D42A27DB-BD31-4B8C-83A1-F6EECF244321}">
-                <p14:modId xmlns:p14="http://schemas.microsoft.com/office/powerpoint/2010/main" val="1280438756"/>
-              </p:ext>
-            </p:extLst>
-          </p:nvPr>
-        </p:nvGraphicFramePr>
-        <p:xfrm>
-          <a:off x="2645603" y="279937"/>
-          <a:ext cx="6027737" cy="4662488"/>
-        </p:xfrm>
-        <a:graphic>
-          <a:graphicData uri="http://schemas.openxmlformats.org/presentationml/2006/ole">
-            <mc:AlternateContent xmlns:mc="http://schemas.openxmlformats.org/markup-compatibility/2006">
-              <mc:Choice xmlns:v="urn:schemas-microsoft-com:vml" Requires="v">
-                <p:oleObj spid="_x0000_s1051" name="Acrobat Document" r:id="rId4" imgW="6027385" imgH="4663156" progId="AcroExch.Document.11">
-                  <p:embed/>
-                </p:oleObj>
-              </mc:Choice>
-              <mc:Fallback>
-                <p:oleObj name="Acrobat Document" r:id="rId4" imgW="6027385" imgH="4663156" progId="AcroExch.Document.11">
-                  <p:embed/>
-                  <p:pic>
-                    <p:nvPicPr>
-                      <p:cNvPr id="0" name=""/>
-                      <p:cNvPicPr/>
-                      <p:nvPr/>
-                    </p:nvPicPr>
-                    <p:blipFill>
-                      <a:blip r:embed="rId5"/>
-                      <a:stretch>
-                        <a:fillRect/>
-                      </a:stretch>
-                    </p:blipFill>
-                    <p:spPr>
-                      <a:xfrm>
-                        <a:off x="2645603" y="279937"/>
-                        <a:ext cx="6027737" cy="4662488"/>
-                      </a:xfrm>
-                      <a:prstGeom prst="rect">
-                        <a:avLst/>
-                      </a:prstGeom>
-                    </p:spPr>
-                  </p:pic>
-                </p:oleObj>
-              </mc:Fallback>
-            </mc:AlternateContent>
-          </a:graphicData>
-        </a:graphic>
-      </p:graphicFrame>
     </p:spTree>
     <p:extLst>
       <p:ext uri="{BB962C8B-B14F-4D97-AF65-F5344CB8AC3E}">
@@ -15636,7 +12223,7 @@
                 <a:ea typeface="+mn-ea"/>
                 <a:cs typeface="+mn-cs"/>
               </a:rPr>
-              <a:t>Revenue : 0</a:t>
+              <a:t>Revenue : Nil</a:t>
             </a:r>
           </a:p>
         </p:txBody>
@@ -17571,472 +14158,10 @@
           </a:bodyPr>
           <a:lstStyle/>
           <a:p>
-            <a:pPr marL="0" lvl="0" indent="0">
-              <a:spcBef>
-                <a:spcPts val="0"/>
-              </a:spcBef>
-              <a:spcAft>
-                <a:spcPts val="0"/>
-              </a:spcAft>
-              <a:buNone/>
-            </a:pPr>
-            <a:fld id="{00000000-1234-1234-1234-123412341234}" type="slidenum">
-              <a:rPr lang="en"/>
-              <a:t>8</a:t>
-            </a:fld>
-            <a:endParaRPr dirty="0"/>
-          </a:p>
-        </p:txBody>
-      </p:sp>
-      <p:sp>
-        <p:nvSpPr>
-          <p:cNvPr id="11" name="Shape 114">
-            <a:extLst>
-              <a:ext uri="{FF2B5EF4-FFF2-40B4-BE49-F238E27FC236}">
-                <a16:creationId xmlns:a16="http://schemas.microsoft.com/office/drawing/2014/main" id="{1D3C8554-FECA-4592-9592-A1CD9D928A40}"/>
-              </a:ext>
-            </a:extLst>
-          </p:cNvPr>
-          <p:cNvSpPr txBox="1">
-            <a:spLocks noGrp="1"/>
-          </p:cNvSpPr>
-          <p:nvPr>
-            <p:ph type="body" idx="1"/>
-          </p:nvPr>
-        </p:nvSpPr>
-        <p:spPr>
-          <a:xfrm>
-            <a:off x="2801784" y="225123"/>
-            <a:ext cx="6029350" cy="4731438"/>
-          </a:xfrm>
-          <a:prstGeom prst="rect">
-            <a:avLst/>
-          </a:prstGeom>
-        </p:spPr>
-        <p:txBody>
-          <a:bodyPr spcFirstLastPara="1" wrap="square" lIns="91425" tIns="91425" rIns="91425" bIns="91425" anchor="t" anchorCtr="0">
-            <a:noAutofit/>
-          </a:bodyPr>
-          <a:lstStyle/>
-          <a:p>
-            <a:pPr algn="just"/>
-            <a:r>
-              <a:rPr lang="en-US" i="0" dirty="0">
-                <a:solidFill>
-                  <a:schemeClr val="tx1"/>
-                </a:solidFill>
-                <a:latin typeface="Nunito Sans" panose="020B0604020202020204" charset="0"/>
-              </a:rPr>
-              <a:t>Electronic records allow </a:t>
-            </a:r>
-            <a:r>
-              <a:rPr lang="en-US" b="1" i="0" dirty="0">
-                <a:solidFill>
-                  <a:schemeClr val="tx1"/>
-                </a:solidFill>
-                <a:latin typeface="Nunito Sans" panose="020B0604020202020204" charset="0"/>
-              </a:rPr>
-              <a:t>coordination</a:t>
-            </a:r>
-            <a:r>
-              <a:rPr lang="en-US" i="0" dirty="0">
-                <a:solidFill>
-                  <a:schemeClr val="tx1"/>
-                </a:solidFill>
-                <a:latin typeface="Nunito Sans" panose="020B0604020202020204" charset="0"/>
-              </a:rPr>
-              <a:t> of patient care between clinicians.</a:t>
-            </a:r>
-          </a:p>
-          <a:p>
-            <a:pPr algn="just"/>
-            <a:r>
-              <a:rPr lang="en-US" i="0" dirty="0">
-                <a:solidFill>
-                  <a:schemeClr val="tx1"/>
-                </a:solidFill>
-                <a:latin typeface="Nunito Sans" panose="020B0604020202020204" charset="0"/>
-              </a:rPr>
-              <a:t>They also help control the </a:t>
-            </a:r>
-            <a:r>
-              <a:rPr lang="en-US" b="1" i="0" dirty="0">
-                <a:solidFill>
-                  <a:schemeClr val="tx1"/>
-                </a:solidFill>
-                <a:latin typeface="Nunito Sans" panose="020B0604020202020204" charset="0"/>
-              </a:rPr>
-              <a:t>administrative cost </a:t>
-            </a:r>
-            <a:r>
-              <a:rPr lang="en-US" i="0" dirty="0">
-                <a:solidFill>
-                  <a:schemeClr val="tx1"/>
-                </a:solidFill>
-                <a:latin typeface="Nunito Sans" panose="020B0604020202020204" charset="0"/>
-              </a:rPr>
-              <a:t>of delivering care.</a:t>
-            </a:r>
-          </a:p>
-          <a:p>
-            <a:pPr algn="just"/>
-            <a:r>
-              <a:rPr lang="en-US" i="0" dirty="0">
-                <a:solidFill>
-                  <a:schemeClr val="tx1"/>
-                </a:solidFill>
-                <a:latin typeface="Nunito Sans" panose="020B0604020202020204" charset="0"/>
-              </a:rPr>
-              <a:t>Having uniform standard records on the </a:t>
-            </a:r>
-            <a:r>
-              <a:rPr lang="en-US" b="1" i="0" dirty="0">
-                <a:solidFill>
-                  <a:schemeClr val="tx1"/>
-                </a:solidFill>
-                <a:latin typeface="Nunito Sans" panose="020B0604020202020204" charset="0"/>
-              </a:rPr>
-              <a:t>network</a:t>
-            </a:r>
-            <a:r>
-              <a:rPr lang="en-US" i="0" dirty="0">
-                <a:solidFill>
-                  <a:schemeClr val="tx1"/>
-                </a:solidFill>
-                <a:latin typeface="Nunito Sans" panose="020B0604020202020204" charset="0"/>
-              </a:rPr>
-              <a:t> would ensure interoperability among various </a:t>
-            </a:r>
-            <a:r>
-              <a:rPr lang="en-US" b="1" i="0" dirty="0">
-                <a:solidFill>
-                  <a:schemeClr val="tx1"/>
-                </a:solidFill>
-                <a:latin typeface="Nunito Sans" panose="020B0604020202020204" charset="0"/>
-              </a:rPr>
-              <a:t>healthcare centers </a:t>
-            </a:r>
-            <a:r>
-              <a:rPr lang="en-US" i="0" dirty="0">
-                <a:solidFill>
-                  <a:schemeClr val="tx1"/>
-                </a:solidFill>
-                <a:latin typeface="Nunito Sans" panose="020B0604020202020204" charset="0"/>
-              </a:rPr>
-              <a:t>ensuring </a:t>
-            </a:r>
-            <a:r>
-              <a:rPr lang="en-US" b="1" i="0" dirty="0">
-                <a:solidFill>
-                  <a:schemeClr val="tx1"/>
-                </a:solidFill>
-                <a:latin typeface="Nunito Sans" panose="020B0604020202020204" charset="0"/>
-              </a:rPr>
-              <a:t>robust IT connectivity and digitization</a:t>
-            </a:r>
-            <a:r>
-              <a:rPr lang="en-US" i="0" dirty="0">
-                <a:solidFill>
-                  <a:schemeClr val="tx1"/>
-                </a:solidFill>
-                <a:latin typeface="Nunito Sans" panose="020B0604020202020204" charset="0"/>
-              </a:rPr>
-              <a:t>.</a:t>
-            </a:r>
-          </a:p>
-          <a:p>
-            <a:pPr algn="just"/>
-            <a:r>
-              <a:rPr lang="en-US" i="0" dirty="0">
-                <a:solidFill>
-                  <a:schemeClr val="tx1"/>
-                </a:solidFill>
-                <a:latin typeface="Nunito Sans" panose="020B0604020202020204" charset="0"/>
-              </a:rPr>
-              <a:t>A system that guarantees </a:t>
-            </a:r>
-            <a:r>
-              <a:rPr lang="en-US" b="1" i="0" dirty="0">
-                <a:solidFill>
-                  <a:schemeClr val="tx1"/>
-                </a:solidFill>
-                <a:latin typeface="Nunito Sans" panose="020B0604020202020204" charset="0"/>
-              </a:rPr>
-              <a:t>security</a:t>
-            </a:r>
-            <a:r>
-              <a:rPr lang="en-US" i="0" dirty="0">
-                <a:solidFill>
-                  <a:schemeClr val="tx1"/>
-                </a:solidFill>
-                <a:latin typeface="Nunito Sans" panose="020B0604020202020204" charset="0"/>
-              </a:rPr>
-              <a:t>, </a:t>
-            </a:r>
-            <a:r>
-              <a:rPr lang="en-US" b="1" i="0" dirty="0">
-                <a:solidFill>
-                  <a:schemeClr val="tx1"/>
-                </a:solidFill>
-                <a:latin typeface="Nunito Sans" panose="020B0604020202020204" charset="0"/>
-              </a:rPr>
-              <a:t>interoperability</a:t>
-            </a:r>
-            <a:r>
-              <a:rPr lang="en-US" i="0" dirty="0">
-                <a:solidFill>
-                  <a:schemeClr val="tx1"/>
-                </a:solidFill>
-                <a:latin typeface="Nunito Sans" panose="020B0604020202020204" charset="0"/>
-              </a:rPr>
-              <a:t> and </a:t>
-            </a:r>
-            <a:r>
-              <a:rPr lang="en-US" b="1" i="0" dirty="0">
-                <a:solidFill>
-                  <a:schemeClr val="tx1"/>
-                </a:solidFill>
-                <a:latin typeface="Nunito Sans" panose="020B0604020202020204" charset="0"/>
-              </a:rPr>
-              <a:t>transparency</a:t>
-            </a:r>
-            <a:r>
-              <a:rPr lang="en-US" i="0" dirty="0">
-                <a:solidFill>
-                  <a:schemeClr val="tx1"/>
-                </a:solidFill>
-                <a:latin typeface="Nunito Sans" panose="020B0604020202020204" charset="0"/>
-              </a:rPr>
-              <a:t> will encourage participation by all </a:t>
-            </a:r>
-            <a:r>
-              <a:rPr lang="en-US" b="1" i="0" dirty="0">
-                <a:solidFill>
-                  <a:schemeClr val="tx1"/>
-                </a:solidFill>
-                <a:latin typeface="Nunito Sans" panose="020B0604020202020204" charset="0"/>
-              </a:rPr>
-              <a:t>stakeholders.</a:t>
-            </a:r>
-          </a:p>
-          <a:p>
-            <a:pPr algn="just"/>
-            <a:r>
-              <a:rPr lang="en-US" i="0" dirty="0">
-                <a:solidFill>
-                  <a:schemeClr val="tx1"/>
-                </a:solidFill>
-                <a:latin typeface="Nunito Sans" panose="020B0604020202020204" charset="0"/>
-              </a:rPr>
-              <a:t>The data can be shared with the patients consent not only for diagnosis but to facilitate </a:t>
-            </a:r>
-            <a:r>
-              <a:rPr lang="en-US" b="1" i="0" dirty="0">
-                <a:solidFill>
-                  <a:schemeClr val="tx1"/>
-                </a:solidFill>
-                <a:latin typeface="Nunito Sans" panose="020B0604020202020204" charset="0"/>
-              </a:rPr>
-              <a:t>research</a:t>
-            </a:r>
-            <a:r>
-              <a:rPr lang="en-US" i="0" dirty="0">
-                <a:solidFill>
-                  <a:schemeClr val="tx1"/>
-                </a:solidFill>
-                <a:latin typeface="Nunito Sans" panose="020B0604020202020204" charset="0"/>
-              </a:rPr>
-              <a:t>.</a:t>
-            </a:r>
-          </a:p>
-          <a:p>
-            <a:pPr algn="just"/>
-            <a:r>
-              <a:rPr lang="en-US" i="0" dirty="0">
-                <a:solidFill>
-                  <a:schemeClr val="tx1"/>
-                </a:solidFill>
-                <a:latin typeface="Nunito Sans" panose="020B0604020202020204" charset="0"/>
-              </a:rPr>
-              <a:t>All of these are essentials in </a:t>
-            </a:r>
-            <a:r>
-              <a:rPr lang="en-US" b="1" i="0" dirty="0">
-                <a:solidFill>
-                  <a:schemeClr val="tx1"/>
-                </a:solidFill>
-                <a:latin typeface="Nunito Sans" panose="020B0604020202020204" charset="0"/>
-              </a:rPr>
-              <a:t>smart healthcare </a:t>
-            </a:r>
-            <a:r>
-              <a:rPr lang="en-US" i="0" dirty="0">
-                <a:solidFill>
-                  <a:schemeClr val="tx1"/>
-                </a:solidFill>
-                <a:latin typeface="Nunito Sans" panose="020B0604020202020204" charset="0"/>
-              </a:rPr>
-              <a:t>and certainly in smart cities that are proactive about enhancing livability for their residents.</a:t>
-            </a:r>
-          </a:p>
-          <a:p>
-            <a:pPr algn="just"/>
-            <a:endParaRPr lang="en-US" i="0" dirty="0">
-              <a:solidFill>
-                <a:schemeClr val="tx1"/>
-              </a:solidFill>
-              <a:latin typeface="Nunito Sans" panose="020B0604020202020204" charset="0"/>
-            </a:endParaRPr>
-          </a:p>
-          <a:p>
-            <a:pPr algn="just">
-              <a:buFont typeface="Arial" panose="020B0604020202020204" pitchFamily="34" charset="0"/>
-              <a:buChar char="•"/>
-            </a:pPr>
-            <a:endParaRPr lang="en-US" i="0" dirty="0">
-              <a:solidFill>
-                <a:schemeClr val="tx1"/>
-              </a:solidFill>
-              <a:latin typeface="Nunito Sans" panose="020B0604020202020204" charset="0"/>
-            </a:endParaRPr>
-          </a:p>
-          <a:p>
-            <a:pPr algn="just">
-              <a:buFont typeface="Arial" panose="020B0604020202020204" pitchFamily="34" charset="0"/>
-              <a:buChar char="•"/>
-            </a:pPr>
-            <a:endParaRPr lang="en-US" i="0" dirty="0">
-              <a:solidFill>
-                <a:schemeClr val="tx1"/>
-              </a:solidFill>
-              <a:latin typeface="Nunito Sans" panose="020B0604020202020204" charset="0"/>
-            </a:endParaRPr>
-          </a:p>
-          <a:p>
-            <a:pPr algn="just">
-              <a:buFont typeface="Arial" panose="020B0604020202020204" pitchFamily="34" charset="0"/>
-              <a:buChar char="•"/>
-            </a:pPr>
-            <a:endParaRPr i="0" dirty="0">
-              <a:solidFill>
-                <a:schemeClr val="tx1"/>
-              </a:solidFill>
-              <a:latin typeface="Nunito Sans" panose="020B0604020202020204" charset="0"/>
-            </a:endParaRPr>
-          </a:p>
-        </p:txBody>
-      </p:sp>
-    </p:spTree>
-    <p:extLst>
-      <p:ext uri="{BB962C8B-B14F-4D97-AF65-F5344CB8AC3E}">
-        <p14:creationId xmlns:p14="http://schemas.microsoft.com/office/powerpoint/2010/main" val="3039291923"/>
-      </p:ext>
-    </p:extLst>
-  </p:cSld>
-  <p:clrMapOvr>
-    <a:masterClrMapping/>
-  </p:clrMapOvr>
-</p:sld>
-</file>
-
-<file path=ppt/slides/slide9.xml><?xml version="1.0" encoding="utf-8"?>
-<p:sld xmlns:a="http://schemas.openxmlformats.org/drawingml/2006/main" xmlns:r="http://schemas.openxmlformats.org/officeDocument/2006/relationships" xmlns:p="http://schemas.openxmlformats.org/presentationml/2006/main">
-  <p:cSld>
-    <p:bg>
-      <p:bgPr>
-        <a:solidFill>
-          <a:schemeClr val="accent1">
-            <a:lumMod val="75000"/>
-          </a:schemeClr>
-        </a:solidFill>
-        <a:effectLst/>
-      </p:bgPr>
-    </p:bg>
-    <p:spTree>
-      <p:nvGrpSpPr>
-        <p:cNvPr id="1" name="Shape 103"/>
-        <p:cNvGrpSpPr/>
-        <p:nvPr/>
-      </p:nvGrpSpPr>
-      <p:grpSpPr>
-        <a:xfrm>
-          <a:off x="0" y="0"/>
-          <a:ext cx="0" cy="0"/>
-          <a:chOff x="0" y="0"/>
-          <a:chExt cx="0" cy="0"/>
-        </a:xfrm>
-      </p:grpSpPr>
-      <p:sp>
-        <p:nvSpPr>
-          <p:cNvPr id="104" name="Shape 104"/>
-          <p:cNvSpPr txBox="1">
-            <a:spLocks noGrp="1"/>
-          </p:cNvSpPr>
-          <p:nvPr>
-            <p:ph type="title"/>
-          </p:nvPr>
-        </p:nvSpPr>
-        <p:spPr>
-          <a:xfrm>
-            <a:off x="234450" y="575500"/>
-            <a:ext cx="2046300" cy="817464"/>
-          </a:xfrm>
-          <a:prstGeom prst="rect">
-            <a:avLst/>
-          </a:prstGeom>
-        </p:spPr>
-        <p:txBody>
-          <a:bodyPr spcFirstLastPara="1" wrap="square" lIns="91425" tIns="91425" rIns="91425" bIns="91425" anchor="t" anchorCtr="0">
-            <a:noAutofit/>
-          </a:bodyPr>
-          <a:lstStyle/>
-          <a:p>
-            <a:pPr marL="0" lvl="0" indent="0" rtl="0">
-              <a:spcBef>
-                <a:spcPts val="0"/>
-              </a:spcBef>
-              <a:spcAft>
-                <a:spcPts val="0"/>
-              </a:spcAft>
-              <a:buNone/>
-            </a:pPr>
-            <a:r>
-              <a:rPr lang="en-IN" b="1" dirty="0"/>
-              <a:t>Relevance in Smart City</a:t>
-            </a:r>
-            <a:endParaRPr b="1" dirty="0"/>
-          </a:p>
-        </p:txBody>
-      </p:sp>
-      <p:sp>
-        <p:nvSpPr>
-          <p:cNvPr id="107" name="Shape 107"/>
-          <p:cNvSpPr txBox="1">
-            <a:spLocks noGrp="1"/>
-          </p:cNvSpPr>
-          <p:nvPr>
-            <p:ph type="sldNum" idx="12"/>
-          </p:nvPr>
-        </p:nvSpPr>
-        <p:spPr>
-          <a:xfrm>
-            <a:off x="8556784" y="4749851"/>
-            <a:ext cx="548700" cy="393600"/>
-          </a:xfrm>
-          <a:prstGeom prst="rect">
-            <a:avLst/>
-          </a:prstGeom>
-        </p:spPr>
-        <p:txBody>
-          <a:bodyPr spcFirstLastPara="1" wrap="square" lIns="91425" tIns="91425" rIns="91425" bIns="91425" anchor="ctr" anchorCtr="0">
-            <a:noAutofit/>
-          </a:bodyPr>
-          <a:lstStyle/>
-          <a:p>
             <a:fld id="{00000000-1234-1234-1234-123412341234}" type="slidenum">
               <a:rPr lang="en"/>
               <a:pPr/>
-              <a:t>9</a:t>
+              <a:t>8</a:t>
             </a:fld>
             <a:endParaRPr dirty="0"/>
           </a:p>
@@ -18065,8 +14190,8 @@
         </p:blipFill>
         <p:spPr bwMode="auto">
           <a:xfrm>
-            <a:off x="4961411" y="2147191"/>
-            <a:ext cx="1714500" cy="952500"/>
+            <a:off x="4896740" y="2147191"/>
+            <a:ext cx="1837346" cy="952500"/>
           </a:xfrm>
           <a:prstGeom prst="rect">
             <a:avLst/>
@@ -18721,6 +14846,538 @@
     <p:extLst>
       <p:ext uri="{BB962C8B-B14F-4D97-AF65-F5344CB8AC3E}">
         <p14:creationId xmlns:p14="http://schemas.microsoft.com/office/powerpoint/2010/main" val="3753748887"/>
+      </p:ext>
+    </p:extLst>
+  </p:cSld>
+  <p:clrMapOvr>
+    <a:masterClrMapping/>
+  </p:clrMapOvr>
+</p:sld>
+</file>
+
+<file path=ppt/slides/slide9.xml><?xml version="1.0" encoding="utf-8"?>
+<p:sld xmlns:a="http://schemas.openxmlformats.org/drawingml/2006/main" xmlns:r="http://schemas.openxmlformats.org/officeDocument/2006/relationships" xmlns:p="http://schemas.openxmlformats.org/presentationml/2006/main">
+  <p:cSld>
+    <p:bg>
+      <p:bgPr>
+        <a:solidFill>
+          <a:schemeClr val="accent1">
+            <a:lumMod val="75000"/>
+          </a:schemeClr>
+        </a:solidFill>
+        <a:effectLst/>
+      </p:bgPr>
+    </p:bg>
+    <p:spTree>
+      <p:nvGrpSpPr>
+        <p:cNvPr id="1" name="Shape 103"/>
+        <p:cNvGrpSpPr/>
+        <p:nvPr/>
+      </p:nvGrpSpPr>
+      <p:grpSpPr>
+        <a:xfrm>
+          <a:off x="0" y="0"/>
+          <a:ext cx="0" cy="0"/>
+          <a:chOff x="0" y="0"/>
+          <a:chExt cx="0" cy="0"/>
+        </a:xfrm>
+      </p:grpSpPr>
+      <p:sp>
+        <p:nvSpPr>
+          <p:cNvPr id="104" name="Shape 104"/>
+          <p:cNvSpPr txBox="1">
+            <a:spLocks noGrp="1"/>
+          </p:cNvSpPr>
+          <p:nvPr>
+            <p:ph type="title"/>
+          </p:nvPr>
+        </p:nvSpPr>
+        <p:spPr>
+          <a:xfrm>
+            <a:off x="91952" y="563624"/>
+            <a:ext cx="2485001" cy="817464"/>
+          </a:xfrm>
+          <a:prstGeom prst="rect">
+            <a:avLst/>
+          </a:prstGeom>
+        </p:spPr>
+        <p:txBody>
+          <a:bodyPr spcFirstLastPara="1" wrap="square" lIns="91425" tIns="91425" rIns="91425" bIns="91425" anchor="t" anchorCtr="0">
+            <a:noAutofit/>
+          </a:bodyPr>
+          <a:lstStyle/>
+          <a:p>
+            <a:pPr marL="0" lvl="0" indent="0" rtl="0">
+              <a:spcBef>
+                <a:spcPts val="0"/>
+              </a:spcBef>
+              <a:spcAft>
+                <a:spcPts val="0"/>
+              </a:spcAft>
+              <a:buNone/>
+            </a:pPr>
+            <a:r>
+              <a:rPr lang="en-IN" b="1" dirty="0"/>
+              <a:t>Ease of Implementation</a:t>
+            </a:r>
+            <a:endParaRPr b="1" dirty="0"/>
+          </a:p>
+        </p:txBody>
+      </p:sp>
+      <p:sp>
+        <p:nvSpPr>
+          <p:cNvPr id="107" name="Shape 107"/>
+          <p:cNvSpPr txBox="1">
+            <a:spLocks noGrp="1"/>
+          </p:cNvSpPr>
+          <p:nvPr>
+            <p:ph type="sldNum" idx="12"/>
+          </p:nvPr>
+        </p:nvSpPr>
+        <p:spPr>
+          <a:xfrm>
+            <a:off x="8556784" y="4749851"/>
+            <a:ext cx="548700" cy="393600"/>
+          </a:xfrm>
+          <a:prstGeom prst="rect">
+            <a:avLst/>
+          </a:prstGeom>
+        </p:spPr>
+        <p:txBody>
+          <a:bodyPr spcFirstLastPara="1" wrap="square" lIns="91425" tIns="91425" rIns="91425" bIns="91425" anchor="ctr" anchorCtr="0">
+            <a:noAutofit/>
+          </a:bodyPr>
+          <a:lstStyle/>
+          <a:p>
+            <a:pPr marL="0" lvl="0" indent="0">
+              <a:spcBef>
+                <a:spcPts val="0"/>
+              </a:spcBef>
+              <a:spcAft>
+                <a:spcPts val="0"/>
+              </a:spcAft>
+              <a:buNone/>
+            </a:pPr>
+            <a:fld id="{00000000-1234-1234-1234-123412341234}" type="slidenum">
+              <a:rPr lang="en"/>
+              <a:t>9</a:t>
+            </a:fld>
+            <a:endParaRPr dirty="0"/>
+          </a:p>
+        </p:txBody>
+      </p:sp>
+      <p:sp>
+        <p:nvSpPr>
+          <p:cNvPr id="3" name="Rectangle 2"/>
+          <p:cNvSpPr/>
+          <p:nvPr/>
+        </p:nvSpPr>
+        <p:spPr>
+          <a:xfrm>
+            <a:off x="3022270" y="611580"/>
+            <a:ext cx="5658592" cy="1579418"/>
+          </a:xfrm>
+          <a:prstGeom prst="rect">
+            <a:avLst/>
+          </a:prstGeom>
+          <a:noFill/>
+          <a:ln>
+            <a:solidFill>
+              <a:schemeClr val="bg1">
+                <a:lumMod val="95000"/>
+              </a:schemeClr>
+            </a:solidFill>
+          </a:ln>
+        </p:spPr>
+        <p:style>
+          <a:lnRef idx="2">
+            <a:schemeClr val="accent1">
+              <a:shade val="50000"/>
+            </a:schemeClr>
+          </a:lnRef>
+          <a:fillRef idx="1">
+            <a:schemeClr val="accent1"/>
+          </a:fillRef>
+          <a:effectRef idx="0">
+            <a:schemeClr val="accent1"/>
+          </a:effectRef>
+          <a:fontRef idx="minor">
+            <a:schemeClr val="lt1"/>
+          </a:fontRef>
+        </p:style>
+        <p:txBody>
+          <a:bodyPr rtlCol="0" anchor="ctr"/>
+          <a:lstStyle/>
+          <a:p>
+            <a:pPr algn="ctr"/>
+            <a:endParaRPr lang="en-IN"/>
+          </a:p>
+        </p:txBody>
+      </p:sp>
+      <p:sp>
+        <p:nvSpPr>
+          <p:cNvPr id="4" name="TextBox 3"/>
+          <p:cNvSpPr txBox="1"/>
+          <p:nvPr/>
+        </p:nvSpPr>
+        <p:spPr>
+          <a:xfrm>
+            <a:off x="4792627" y="682653"/>
+            <a:ext cx="2117887" cy="261610"/>
+          </a:xfrm>
+          <a:prstGeom prst="rect">
+            <a:avLst/>
+          </a:prstGeom>
+          <a:noFill/>
+        </p:spPr>
+        <p:txBody>
+          <a:bodyPr wrap="none" rtlCol="0">
+            <a:spAutoFit/>
+          </a:bodyPr>
+          <a:lstStyle/>
+          <a:p>
+            <a:pPr algn="ctr"/>
+            <a:r>
+              <a:rPr lang="en-IN" sz="1100" b="1" dirty="0"/>
+              <a:t>Infrastructural Requirements</a:t>
+            </a:r>
+          </a:p>
+        </p:txBody>
+      </p:sp>
+      <p:sp>
+        <p:nvSpPr>
+          <p:cNvPr id="5" name="TextBox 4"/>
+          <p:cNvSpPr txBox="1"/>
+          <p:nvPr/>
+        </p:nvSpPr>
+        <p:spPr>
+          <a:xfrm>
+            <a:off x="3170719" y="1086661"/>
+            <a:ext cx="5229317" cy="900246"/>
+          </a:xfrm>
+          <a:prstGeom prst="rect">
+            <a:avLst/>
+          </a:prstGeom>
+          <a:noFill/>
+        </p:spPr>
+        <p:txBody>
+          <a:bodyPr wrap="none" rtlCol="0">
+            <a:spAutoFit/>
+          </a:bodyPr>
+          <a:lstStyle/>
+          <a:p>
+            <a:pPr marL="171450" indent="-171450">
+              <a:buFont typeface="Arial" pitchFamily="34" charset="0"/>
+              <a:buChar char="•"/>
+            </a:pPr>
+            <a:r>
+              <a:rPr lang="en-IN" sz="1050" dirty="0"/>
+              <a:t>Virtual Machines(VMs) on any cloud service provider(Azure, AWS)</a:t>
+            </a:r>
+          </a:p>
+          <a:p>
+            <a:pPr marL="171450" indent="-171450">
+              <a:buFont typeface="Arial" pitchFamily="34" charset="0"/>
+              <a:buChar char="•"/>
+            </a:pPr>
+            <a:r>
+              <a:rPr lang="en-IN" sz="1050" dirty="0"/>
+              <a:t>Mobile phones and desktop computers</a:t>
+            </a:r>
+          </a:p>
+          <a:p>
+            <a:pPr marL="171450" indent="-171450">
+              <a:buFont typeface="Arial" pitchFamily="34" charset="0"/>
+              <a:buChar char="•"/>
+            </a:pPr>
+            <a:r>
+              <a:rPr lang="en-IN" sz="1050" dirty="0"/>
+              <a:t>IT enable the hospitals – establish network, hardware including bio-metric module</a:t>
+            </a:r>
+          </a:p>
+          <a:p>
+            <a:pPr marL="171450" indent="-171450">
+              <a:buFont typeface="Arial" pitchFamily="34" charset="0"/>
+              <a:buChar char="•"/>
+            </a:pPr>
+            <a:endParaRPr lang="en-IN" sz="1050" dirty="0"/>
+          </a:p>
+          <a:p>
+            <a:pPr marL="171450" indent="-171450">
+              <a:buFont typeface="Arial" pitchFamily="34" charset="0"/>
+              <a:buChar char="•"/>
+            </a:pPr>
+            <a:endParaRPr lang="en-IN" sz="1050" dirty="0"/>
+          </a:p>
+        </p:txBody>
+      </p:sp>
+      <p:sp>
+        <p:nvSpPr>
+          <p:cNvPr id="9" name="Rectangle 8"/>
+          <p:cNvSpPr/>
+          <p:nvPr/>
+        </p:nvSpPr>
+        <p:spPr>
+          <a:xfrm>
+            <a:off x="3022270" y="2557479"/>
+            <a:ext cx="5658592" cy="2394448"/>
+          </a:xfrm>
+          <a:prstGeom prst="rect">
+            <a:avLst/>
+          </a:prstGeom>
+          <a:noFill/>
+          <a:ln>
+            <a:solidFill>
+              <a:schemeClr val="bg1">
+                <a:lumMod val="95000"/>
+              </a:schemeClr>
+            </a:solidFill>
+          </a:ln>
+        </p:spPr>
+        <p:style>
+          <a:lnRef idx="2">
+            <a:schemeClr val="accent1">
+              <a:shade val="50000"/>
+            </a:schemeClr>
+          </a:lnRef>
+          <a:fillRef idx="1">
+            <a:schemeClr val="accent1"/>
+          </a:fillRef>
+          <a:effectRef idx="0">
+            <a:schemeClr val="accent1"/>
+          </a:effectRef>
+          <a:fontRef idx="minor">
+            <a:schemeClr val="lt1"/>
+          </a:fontRef>
+        </p:style>
+        <p:txBody>
+          <a:bodyPr rtlCol="0" anchor="ctr"/>
+          <a:lstStyle/>
+          <a:p>
+            <a:pPr algn="ctr"/>
+            <a:endParaRPr lang="en-IN"/>
+          </a:p>
+        </p:txBody>
+      </p:sp>
+      <p:sp>
+        <p:nvSpPr>
+          <p:cNvPr id="10" name="TextBox 9"/>
+          <p:cNvSpPr txBox="1"/>
+          <p:nvPr/>
+        </p:nvSpPr>
+        <p:spPr>
+          <a:xfrm>
+            <a:off x="5316002" y="2628549"/>
+            <a:ext cx="1071126" cy="261610"/>
+          </a:xfrm>
+          <a:prstGeom prst="rect">
+            <a:avLst/>
+          </a:prstGeom>
+          <a:noFill/>
+        </p:spPr>
+        <p:txBody>
+          <a:bodyPr wrap="none" rtlCol="0">
+            <a:spAutoFit/>
+          </a:bodyPr>
+          <a:lstStyle/>
+          <a:p>
+            <a:pPr algn="ctr"/>
+            <a:r>
+              <a:rPr lang="en-IN" sz="1100" b="1" dirty="0"/>
+              <a:t>Stakeholders</a:t>
+            </a:r>
+          </a:p>
+        </p:txBody>
+      </p:sp>
+      <p:sp>
+        <p:nvSpPr>
+          <p:cNvPr id="12" name="TextBox 11"/>
+          <p:cNvSpPr txBox="1"/>
+          <p:nvPr/>
+        </p:nvSpPr>
+        <p:spPr>
+          <a:xfrm>
+            <a:off x="3170717" y="3032557"/>
+            <a:ext cx="5347939" cy="1708160"/>
+          </a:xfrm>
+          <a:prstGeom prst="rect">
+            <a:avLst/>
+          </a:prstGeom>
+          <a:noFill/>
+        </p:spPr>
+        <p:txBody>
+          <a:bodyPr wrap="none" rtlCol="0">
+            <a:spAutoFit/>
+          </a:bodyPr>
+          <a:lstStyle/>
+          <a:p>
+            <a:pPr marL="171450" indent="-171450">
+              <a:buFont typeface="Arial" pitchFamily="34" charset="0"/>
+              <a:buChar char="•"/>
+            </a:pPr>
+            <a:r>
+              <a:rPr lang="en-IN" sz="1050" dirty="0"/>
+              <a:t>Medical records will be accessed over the </a:t>
+            </a:r>
+            <a:r>
+              <a:rPr lang="en-IN" sz="1050" b="1" dirty="0"/>
+              <a:t>Internet</a:t>
+            </a:r>
+            <a:r>
+              <a:rPr lang="en-IN" sz="1050" dirty="0"/>
+              <a:t> demanding people to be familiar</a:t>
+            </a:r>
+          </a:p>
+          <a:p>
+            <a:r>
+              <a:rPr lang="en-IN" sz="1050" dirty="0"/>
+              <a:t>     with internet.</a:t>
+            </a:r>
+          </a:p>
+          <a:p>
+            <a:pPr marL="171450" indent="-171450">
+              <a:buFont typeface="Arial" pitchFamily="34" charset="0"/>
+              <a:buChar char="•"/>
+            </a:pPr>
+            <a:r>
+              <a:rPr lang="en-IN" sz="1050" dirty="0"/>
+              <a:t>People with internet access can avail the services </a:t>
+            </a:r>
+            <a:r>
+              <a:rPr lang="en-IN" sz="1050" b="1" dirty="0"/>
+              <a:t>using web application</a:t>
+            </a:r>
+            <a:r>
+              <a:rPr lang="en-IN" sz="1050" dirty="0"/>
+              <a:t>.</a:t>
+            </a:r>
+          </a:p>
+          <a:p>
+            <a:pPr marL="171450" indent="-171450">
+              <a:buFont typeface="Arial" pitchFamily="34" charset="0"/>
+              <a:buChar char="•"/>
+            </a:pPr>
+            <a:r>
+              <a:rPr lang="en-IN" sz="1050" dirty="0"/>
+              <a:t>People without internet access can visit the nearby hospital and avail the service</a:t>
+            </a:r>
+          </a:p>
+          <a:p>
+            <a:r>
+              <a:rPr lang="en-IN" sz="1050" dirty="0"/>
+              <a:t>     (</a:t>
+            </a:r>
+            <a:r>
+              <a:rPr lang="en-IN" sz="1050" b="1" dirty="0"/>
+              <a:t>using bio-metric authentication</a:t>
+            </a:r>
+            <a:r>
+              <a:rPr lang="en-IN" sz="1050" dirty="0"/>
+              <a:t>).</a:t>
+            </a:r>
+          </a:p>
+          <a:p>
+            <a:pPr marL="171450" indent="-171450">
+              <a:buFont typeface="Arial" pitchFamily="34" charset="0"/>
+              <a:buChar char="•"/>
+            </a:pPr>
+            <a:r>
+              <a:rPr lang="en-IN" sz="1050" dirty="0"/>
+              <a:t>For hospitals, shifting from their </a:t>
+            </a:r>
+            <a:r>
+              <a:rPr lang="en-IN" sz="1050" b="1" dirty="0"/>
+              <a:t>traditional/current</a:t>
+            </a:r>
+            <a:r>
+              <a:rPr lang="en-IN" sz="1050" dirty="0"/>
+              <a:t> system to </a:t>
+            </a:r>
+            <a:r>
+              <a:rPr lang="en-IN" sz="1050" b="1" dirty="0"/>
+              <a:t>blockchain based </a:t>
+            </a:r>
+          </a:p>
+          <a:p>
+            <a:r>
+              <a:rPr lang="en-IN" sz="1050" b="1" dirty="0"/>
+              <a:t>     scheme </a:t>
+            </a:r>
+            <a:r>
+              <a:rPr lang="en-IN" sz="1050" dirty="0"/>
+              <a:t>might be challenging but the </a:t>
+            </a:r>
+            <a:r>
+              <a:rPr lang="en-IN" sz="1050" b="1" dirty="0"/>
+              <a:t>future</a:t>
+            </a:r>
+            <a:r>
+              <a:rPr lang="en-IN" sz="1050" dirty="0"/>
+              <a:t> outcome would be </a:t>
+            </a:r>
+            <a:r>
+              <a:rPr lang="en-IN" sz="1050" b="1" dirty="0"/>
+              <a:t>highly beneficial</a:t>
+            </a:r>
+            <a:r>
+              <a:rPr lang="en-IN" sz="1050" dirty="0"/>
+              <a:t>.</a:t>
+            </a:r>
+          </a:p>
+          <a:p>
+            <a:pPr marL="171450" indent="-171450">
+              <a:buFont typeface="Arial" pitchFamily="34" charset="0"/>
+              <a:buChar char="•"/>
+            </a:pPr>
+            <a:r>
+              <a:rPr lang="en-IN" sz="1050" b="1" dirty="0"/>
+              <a:t>Partnership</a:t>
+            </a:r>
+            <a:r>
+              <a:rPr lang="en-IN" sz="1050" dirty="0"/>
+              <a:t> with </a:t>
+            </a:r>
+            <a:r>
+              <a:rPr lang="en-IN" sz="1050" b="1" dirty="0"/>
+              <a:t>MNCs</a:t>
+            </a:r>
+            <a:r>
+              <a:rPr lang="en-IN" sz="1050" dirty="0"/>
+              <a:t> for large scale </a:t>
+            </a:r>
+            <a:r>
+              <a:rPr lang="en-IN" sz="1050" b="1" dirty="0"/>
+              <a:t>deployment</a:t>
+            </a:r>
+            <a:r>
+              <a:rPr lang="en-IN" sz="1050" dirty="0"/>
+              <a:t> of software as well as </a:t>
+            </a:r>
+            <a:r>
+              <a:rPr lang="en-IN" sz="1050" b="1" dirty="0"/>
+              <a:t>training</a:t>
+            </a:r>
+            <a:r>
+              <a:rPr lang="en-IN" sz="1050" dirty="0"/>
+              <a:t>.</a:t>
+            </a:r>
+          </a:p>
+          <a:p>
+            <a:endParaRPr lang="en-IN" sz="1050" dirty="0"/>
+          </a:p>
+          <a:p>
+            <a:pPr marL="171450" indent="-171450">
+              <a:buFont typeface="Arial" pitchFamily="34" charset="0"/>
+              <a:buChar char="•"/>
+            </a:pPr>
+            <a:endParaRPr lang="en-IN" sz="1050" dirty="0"/>
+          </a:p>
+        </p:txBody>
+      </p:sp>
+    </p:spTree>
+    <p:extLst>
+      <p:ext uri="{BB962C8B-B14F-4D97-AF65-F5344CB8AC3E}">
+        <p14:creationId xmlns:p14="http://schemas.microsoft.com/office/powerpoint/2010/main" val="3992344039"/>
       </p:ext>
     </p:extLst>
   </p:cSld>

--- a/niti aayog.pptx
+++ b/niti aayog.pptx
@@ -3,7 +3,7 @@
 <p:presentation xmlns:a="http://schemas.openxmlformats.org/drawingml/2006/main" xmlns:r="http://schemas.openxmlformats.org/officeDocument/2006/relationships" xmlns:p="http://schemas.openxmlformats.org/presentationml/2006/main" showSpecialPlsOnTitleSld="0" strictFirstAndLastChars="0" embedTrueTypeFonts="1" saveSubsetFonts="1" autoCompressPictures="0">
   <p:sldMasterIdLst>
     <p:sldMasterId id="2147483661" r:id="rId1"/>
-    <p:sldMasterId id="2147483662" r:id="rId2"/>
+    <p:sldMasterId id="2147483667" r:id="rId2"/>
   </p:sldMasterIdLst>
   <p:notesMasterIdLst>
     <p:notesMasterId r:id="rId13"/>
@@ -12,11 +12,11 @@
     <p:sldId id="256" r:id="rId3"/>
     <p:sldId id="318" r:id="rId4"/>
     <p:sldId id="257" r:id="rId5"/>
-    <p:sldId id="304" r:id="rId6"/>
+    <p:sldId id="322" r:id="rId6"/>
     <p:sldId id="321" r:id="rId7"/>
-    <p:sldId id="320" r:id="rId8"/>
-    <p:sldId id="316" r:id="rId9"/>
-    <p:sldId id="322" r:id="rId10"/>
+    <p:sldId id="327" r:id="rId8"/>
+    <p:sldId id="325" r:id="rId9"/>
+    <p:sldId id="320" r:id="rId10"/>
     <p:sldId id="319" r:id="rId11"/>
     <p:sldId id="323" r:id="rId12"/>
   </p:sldIdLst>
@@ -1272,7 +1272,7 @@
     </p:spTree>
     <p:extLst>
       <p:ext uri="{BB962C8B-B14F-4D97-AF65-F5344CB8AC3E}">
-        <p14:creationId xmlns:p14="http://schemas.microsoft.com/office/powerpoint/2010/main" val="1577207507"/>
+        <p14:creationId xmlns:p14="http://schemas.microsoft.com/office/powerpoint/2010/main" val="2153172090"/>
       </p:ext>
     </p:extLst>
   </p:cSld>
@@ -1490,7 +1490,7 @@
     </p:spTree>
     <p:extLst>
       <p:ext uri="{BB962C8B-B14F-4D97-AF65-F5344CB8AC3E}">
-        <p14:creationId xmlns:p14="http://schemas.microsoft.com/office/powerpoint/2010/main" val="2153172090"/>
+        <p14:creationId xmlns:p14="http://schemas.microsoft.com/office/powerpoint/2010/main" val="1341308572"/>
       </p:ext>
     </p:extLst>
   </p:cSld>
@@ -1599,7 +1599,7 @@
     </p:spTree>
     <p:extLst>
       <p:ext uri="{BB962C8B-B14F-4D97-AF65-F5344CB8AC3E}">
-        <p14:creationId xmlns:p14="http://schemas.microsoft.com/office/powerpoint/2010/main" val="2153172090"/>
+        <p14:creationId xmlns:p14="http://schemas.microsoft.com/office/powerpoint/2010/main" val="3565353043"/>
       </p:ext>
     </p:extLst>
   </p:cSld>
@@ -3586,25 +3586,21 @@
           </a:ln>
         </p:spPr>
         <p:txBody>
-          <a:bodyPr spcFirstLastPara="1" wrap="square" lIns="68569" tIns="68569" rIns="68569" bIns="68569" anchor="ctr" anchorCtr="0">
+          <a:bodyPr spcFirstLastPara="1" wrap="square" lIns="91425" tIns="91425" rIns="91425" bIns="91425" anchor="ctr" anchorCtr="0">
             <a:noAutofit/>
           </a:bodyPr>
           <a:lstStyle/>
           <a:p>
-            <a:pPr>
-              <a:buClr>
-                <a:srgbClr val="000000"/>
-              </a:buClr>
-              <a:buFont typeface="Arial"/>
+            <a:pPr marL="0" lvl="0" indent="0">
+              <a:spcBef>
+                <a:spcPts val="0"/>
+              </a:spcBef>
+              <a:spcAft>
+                <a:spcPts val="0"/>
+              </a:spcAft>
               <a:buNone/>
             </a:pPr>
-            <a:endParaRPr sz="1050" kern="0" dirty="0">
-              <a:solidFill>
-                <a:srgbClr val="000000"/>
-              </a:solidFill>
-              <a:cs typeface="Arial"/>
-              <a:sym typeface="Arial"/>
-            </a:endParaRPr>
+            <a:endParaRPr sz="1800" dirty="0"/>
           </a:p>
         </p:txBody>
       </p:sp>
@@ -3642,7 +3638,7 @@
               </a:buClr>
               <a:buSzPts val="3000"/>
               <a:buNone/>
-              <a:defRPr sz="2250" b="1">
+              <a:defRPr sz="3000" b="1">
                 <a:solidFill>
                   <a:srgbClr val="F67031"/>
                 </a:solidFill>
@@ -3660,7 +3656,7 @@
               </a:buClr>
               <a:buSzPts val="3000"/>
               <a:buNone/>
-              <a:defRPr sz="2250" b="1">
+              <a:defRPr sz="3000" b="1">
                 <a:solidFill>
                   <a:srgbClr val="F67031"/>
                 </a:solidFill>
@@ -3678,7 +3674,7 @@
               </a:buClr>
               <a:buSzPts val="3000"/>
               <a:buNone/>
-              <a:defRPr sz="2250" b="1">
+              <a:defRPr sz="3000" b="1">
                 <a:solidFill>
                   <a:srgbClr val="F67031"/>
                 </a:solidFill>
@@ -3696,7 +3692,7 @@
               </a:buClr>
               <a:buSzPts val="3000"/>
               <a:buNone/>
-              <a:defRPr sz="2250" b="1">
+              <a:defRPr sz="3000" b="1">
                 <a:solidFill>
                   <a:srgbClr val="F67031"/>
                 </a:solidFill>
@@ -3714,7 +3710,7 @@
               </a:buClr>
               <a:buSzPts val="3000"/>
               <a:buNone/>
-              <a:defRPr sz="2250" b="1">
+              <a:defRPr sz="3000" b="1">
                 <a:solidFill>
                   <a:srgbClr val="F67031"/>
                 </a:solidFill>
@@ -3732,7 +3728,7 @@
               </a:buClr>
               <a:buSzPts val="3000"/>
               <a:buNone/>
-              <a:defRPr sz="2250" b="1">
+              <a:defRPr sz="3000" b="1">
                 <a:solidFill>
                   <a:srgbClr val="F67031"/>
                 </a:solidFill>
@@ -3750,7 +3746,7 @@
               </a:buClr>
               <a:buSzPts val="3000"/>
               <a:buNone/>
-              <a:defRPr sz="2250" b="1">
+              <a:defRPr sz="3000" b="1">
                 <a:solidFill>
                   <a:srgbClr val="F67031"/>
                 </a:solidFill>
@@ -3768,7 +3764,7 @@
               </a:buClr>
               <a:buSzPts val="3000"/>
               <a:buNone/>
-              <a:defRPr sz="2250" b="1">
+              <a:defRPr sz="3000" b="1">
                 <a:solidFill>
                   <a:srgbClr val="F67031"/>
                 </a:solidFill>
@@ -3786,7 +3782,7 @@
               </a:buClr>
               <a:buSzPts val="3000"/>
               <a:buNone/>
-              <a:defRPr sz="2250" b="1">
+              <a:defRPr sz="3000" b="1">
                 <a:solidFill>
                   <a:srgbClr val="F67031"/>
                 </a:solidFill>
@@ -3832,19 +3828,21 @@
           </a:ln>
         </p:spPr>
         <p:txBody>
-          <a:bodyPr spcFirstLastPara="1" wrap="square" lIns="68569" tIns="34275" rIns="68569" bIns="34275" anchor="ctr" anchorCtr="0">
+          <a:bodyPr spcFirstLastPara="1" wrap="square" lIns="91425" tIns="45700" rIns="91425" bIns="45700" anchor="ctr" anchorCtr="0">
             <a:noAutofit/>
           </a:bodyPr>
           <a:lstStyle/>
           <a:p>
-            <a:pPr algn="ctr">
-              <a:buClr>
-                <a:srgbClr val="000000"/>
-              </a:buClr>
-              <a:buFont typeface="Arial"/>
+            <a:pPr marL="0" marR="0" lvl="0" indent="0" algn="ctr" rtl="0">
+              <a:spcBef>
+                <a:spcPts val="0"/>
+              </a:spcBef>
+              <a:spcAft>
+                <a:spcPts val="0"/>
+              </a:spcAft>
               <a:buNone/>
             </a:pPr>
-            <a:endParaRPr sz="1050" kern="0" dirty="0">
+            <a:endParaRPr sz="1800" dirty="0">
               <a:solidFill>
                 <a:srgbClr val="FFFFFF"/>
               </a:solidFill>
@@ -3859,7 +3857,7 @@
     </p:spTree>
     <p:extLst>
       <p:ext uri="{BB962C8B-B14F-4D97-AF65-F5344CB8AC3E}">
-        <p14:creationId xmlns:p14="http://schemas.microsoft.com/office/powerpoint/2010/main" val="2091220786"/>
+        <p14:creationId xmlns:p14="http://schemas.microsoft.com/office/powerpoint/2010/main" val="4229035518"/>
       </p:ext>
     </p:extLst>
   </p:cSld>
@@ -3920,19 +3918,21 @@
           </a:ln>
         </p:spPr>
         <p:txBody>
-          <a:bodyPr spcFirstLastPara="1" wrap="square" lIns="68569" tIns="34275" rIns="68569" bIns="34275" anchor="ctr" anchorCtr="0">
+          <a:bodyPr spcFirstLastPara="1" wrap="square" lIns="91425" tIns="45700" rIns="91425" bIns="45700" anchor="ctr" anchorCtr="0">
             <a:noAutofit/>
           </a:bodyPr>
           <a:lstStyle/>
           <a:p>
-            <a:pPr algn="ctr">
-              <a:buClr>
-                <a:srgbClr val="000000"/>
-              </a:buClr>
-              <a:buFont typeface="Arial"/>
+            <a:pPr marL="0" marR="0" lvl="0" indent="0" algn="ctr" rtl="0">
+              <a:spcBef>
+                <a:spcPts val="0"/>
+              </a:spcBef>
+              <a:spcAft>
+                <a:spcPts val="0"/>
+              </a:spcAft>
               <a:buNone/>
             </a:pPr>
-            <a:endParaRPr sz="1050" kern="0" dirty="0">
+            <a:endParaRPr sz="1800" dirty="0">
               <a:solidFill>
                 <a:srgbClr val="FFFFFF"/>
               </a:solidFill>
@@ -3966,25 +3966,21 @@
           </a:ln>
         </p:spPr>
         <p:txBody>
-          <a:bodyPr spcFirstLastPara="1" wrap="square" lIns="68569" tIns="68569" rIns="68569" bIns="68569" anchor="ctr" anchorCtr="0">
+          <a:bodyPr spcFirstLastPara="1" wrap="square" lIns="91425" tIns="91425" rIns="91425" bIns="91425" anchor="ctr" anchorCtr="0">
             <a:noAutofit/>
           </a:bodyPr>
           <a:lstStyle/>
           <a:p>
-            <a:pPr>
-              <a:buClr>
-                <a:srgbClr val="000000"/>
-              </a:buClr>
-              <a:buFont typeface="Arial"/>
+            <a:pPr marL="0" lvl="0" indent="0">
+              <a:spcBef>
+                <a:spcPts val="0"/>
+              </a:spcBef>
+              <a:spcAft>
+                <a:spcPts val="0"/>
+              </a:spcAft>
               <a:buNone/>
             </a:pPr>
-            <a:endParaRPr sz="1050" kern="0" dirty="0">
-              <a:solidFill>
-                <a:srgbClr val="000000"/>
-              </a:solidFill>
-              <a:cs typeface="Arial"/>
-              <a:sym typeface="Arial"/>
-            </a:endParaRPr>
+            <a:endParaRPr sz="1800" dirty="0"/>
           </a:p>
         </p:txBody>
       </p:sp>
@@ -4137,9 +4133,9 @@
         <p:txBody>
           <a:bodyPr spcFirstLastPara="1" wrap="square" lIns="91425" tIns="91425" rIns="91425" bIns="91425" anchor="t" anchorCtr="0"/>
           <a:lstStyle>
-            <a:lvl1pPr marL="342900" lvl="0" indent="-247650" rtl="0">
-              <a:spcBef>
-                <a:spcPts val="450"/>
+            <a:lvl1pPr marL="457189" lvl="0" indent="-330192" rtl="0">
+              <a:spcBef>
+                <a:spcPts val="600"/>
               </a:spcBef>
               <a:spcAft>
                 <a:spcPts val="0"/>
@@ -4150,7 +4146,7 @@
               <a:buSzPts val="1600"/>
               <a:buFont typeface="Georgia"/>
               <a:buChar char="▪"/>
-              <a:defRPr sz="1200" i="1">
+              <a:defRPr sz="1600" i="1">
                 <a:solidFill>
                   <a:srgbClr val="F67031"/>
                 </a:solidFill>
@@ -4160,7 +4156,7 @@
                 <a:sym typeface="Georgia"/>
               </a:defRPr>
             </a:lvl1pPr>
-            <a:lvl2pPr marL="685800" lvl="1" indent="-247650" rtl="0">
+            <a:lvl2pPr marL="914378" lvl="1" indent="-330192" rtl="0">
               <a:spcBef>
                 <a:spcPts val="0"/>
               </a:spcBef>
@@ -4173,7 +4169,7 @@
               <a:buSzPts val="1600"/>
               <a:buFont typeface="Georgia"/>
               <a:buChar char="-"/>
-              <a:defRPr sz="1200" i="1">
+              <a:defRPr sz="1600" i="1">
                 <a:solidFill>
                   <a:srgbClr val="F67031"/>
                 </a:solidFill>
@@ -4183,7 +4179,7 @@
                 <a:sym typeface="Georgia"/>
               </a:defRPr>
             </a:lvl2pPr>
-            <a:lvl3pPr marL="1028700" lvl="2" indent="-247650" rtl="0">
+            <a:lvl3pPr marL="1371566" lvl="2" indent="-330192" rtl="0">
               <a:spcBef>
                 <a:spcPts val="0"/>
               </a:spcBef>
@@ -4196,7 +4192,7 @@
               <a:buSzPts val="1600"/>
               <a:buFont typeface="Georgia"/>
               <a:buChar char="-"/>
-              <a:defRPr sz="1200" i="1">
+              <a:defRPr sz="1600" i="1">
                 <a:solidFill>
                   <a:srgbClr val="F67031"/>
                 </a:solidFill>
@@ -4206,7 +4202,7 @@
                 <a:sym typeface="Georgia"/>
               </a:defRPr>
             </a:lvl3pPr>
-            <a:lvl4pPr marL="1371600" lvl="3" indent="-247650" rtl="0">
+            <a:lvl4pPr marL="1828754" lvl="3" indent="-330192" rtl="0">
               <a:spcBef>
                 <a:spcPts val="0"/>
               </a:spcBef>
@@ -4219,7 +4215,7 @@
               <a:buSzPts val="1600"/>
               <a:buFont typeface="Georgia"/>
               <a:buChar char="-"/>
-              <a:defRPr sz="1200" i="1">
+              <a:defRPr sz="1600" i="1">
                 <a:solidFill>
                   <a:srgbClr val="F67031"/>
                 </a:solidFill>
@@ -4229,7 +4225,7 @@
                 <a:sym typeface="Georgia"/>
               </a:defRPr>
             </a:lvl4pPr>
-            <a:lvl5pPr marL="1714500" lvl="4" indent="-247650" rtl="0">
+            <a:lvl5pPr marL="2285943" lvl="4" indent="-330192" rtl="0">
               <a:spcBef>
                 <a:spcPts val="0"/>
               </a:spcBef>
@@ -4242,7 +4238,7 @@
               <a:buSzPts val="1600"/>
               <a:buFont typeface="Georgia"/>
               <a:buChar char="-"/>
-              <a:defRPr sz="1200" i="1">
+              <a:defRPr sz="1600" i="1">
                 <a:solidFill>
                   <a:srgbClr val="F67031"/>
                 </a:solidFill>
@@ -4252,7 +4248,7 @@
                 <a:sym typeface="Georgia"/>
               </a:defRPr>
             </a:lvl5pPr>
-            <a:lvl6pPr marL="2057400" lvl="5" indent="-247650" rtl="0">
+            <a:lvl6pPr marL="2743132" lvl="5" indent="-330192" rtl="0">
               <a:spcBef>
                 <a:spcPts val="0"/>
               </a:spcBef>
@@ -4265,7 +4261,7 @@
               <a:buSzPts val="1600"/>
               <a:buFont typeface="Georgia"/>
               <a:buChar char="-"/>
-              <a:defRPr sz="1200" i="1">
+              <a:defRPr sz="1600" i="1">
                 <a:solidFill>
                   <a:srgbClr val="F67031"/>
                 </a:solidFill>
@@ -4275,7 +4271,7 @@
                 <a:sym typeface="Georgia"/>
               </a:defRPr>
             </a:lvl6pPr>
-            <a:lvl7pPr marL="2400300" lvl="6" indent="-247650" rtl="0">
+            <a:lvl7pPr marL="3200320" lvl="6" indent="-330192" rtl="0">
               <a:spcBef>
                 <a:spcPts val="0"/>
               </a:spcBef>
@@ -4288,7 +4284,7 @@
               <a:buSzPts val="1600"/>
               <a:buFont typeface="Georgia"/>
               <a:buChar char="-"/>
-              <a:defRPr sz="1200" i="1">
+              <a:defRPr sz="1600" i="1">
                 <a:solidFill>
                   <a:srgbClr val="F67031"/>
                 </a:solidFill>
@@ -4298,7 +4294,7 @@
                 <a:sym typeface="Georgia"/>
               </a:defRPr>
             </a:lvl7pPr>
-            <a:lvl8pPr marL="2743200" lvl="7" indent="-247650" rtl="0">
+            <a:lvl8pPr marL="3657509" lvl="7" indent="-330192" rtl="0">
               <a:spcBef>
                 <a:spcPts val="0"/>
               </a:spcBef>
@@ -4311,7 +4307,7 @@
               <a:buSzPts val="1600"/>
               <a:buFont typeface="Georgia"/>
               <a:buChar char="-"/>
-              <a:defRPr sz="1200" i="1">
+              <a:defRPr sz="1600" i="1">
                 <a:solidFill>
                   <a:srgbClr val="F67031"/>
                 </a:solidFill>
@@ -4321,7 +4317,7 @@
                 <a:sym typeface="Georgia"/>
               </a:defRPr>
             </a:lvl8pPr>
-            <a:lvl9pPr marL="3086100" lvl="8" indent="-247650" rtl="0">
+            <a:lvl9pPr marL="4114697" lvl="8" indent="-330192" rtl="0">
               <a:spcBef>
                 <a:spcPts val="0"/>
               </a:spcBef>
@@ -4334,7 +4330,7 @@
               <a:buSzPts val="1600"/>
               <a:buFont typeface="Georgia"/>
               <a:buChar char="-"/>
-              <a:defRPr sz="1200" i="1">
+              <a:defRPr sz="1600" i="1">
                 <a:solidFill>
                   <a:srgbClr val="F67031"/>
                 </a:solidFill>
@@ -4413,11 +4409,11 @@
           </a:lstStyle>
           <a:p>
             <a:fld id="{00000000-1234-1234-1234-123412341234}" type="slidenum">
-              <a:rPr lang="en"/>
+              <a:rPr lang="en" smtClean="0"/>
               <a:pPr/>
               <a:t>‹#›</a:t>
             </a:fld>
-            <a:endParaRPr dirty="0"/>
+            <a:endParaRPr lang="en" dirty="0"/>
           </a:p>
         </p:txBody>
       </p:sp>
@@ -4443,18 +4439,18 @@
         <p:txBody>
           <a:bodyPr spcFirstLastPara="1" wrap="square" lIns="91425" tIns="91425" rIns="91425" bIns="91425" anchor="t" anchorCtr="0"/>
           <a:lstStyle>
-            <a:lvl1pPr marL="342900" lvl="0" indent="-223838" rtl="0">
-              <a:spcBef>
-                <a:spcPts val="450"/>
+            <a:lvl1pPr marL="457189" lvl="0" indent="-298442" rtl="0">
+              <a:spcBef>
+                <a:spcPts val="600"/>
               </a:spcBef>
               <a:spcAft>
                 <a:spcPts val="0"/>
               </a:spcAft>
               <a:buSzPts val="1100"/>
               <a:buChar char="▪"/>
-              <a:defRPr sz="825"/>
+              <a:defRPr sz="1100"/>
             </a:lvl1pPr>
-            <a:lvl2pPr marL="685800" lvl="1" indent="-223838" rtl="0">
+            <a:lvl2pPr marL="914378" lvl="1" indent="-298442" rtl="0">
               <a:spcBef>
                 <a:spcPts val="0"/>
               </a:spcBef>
@@ -4463,9 +4459,9 @@
               </a:spcAft>
               <a:buSzPts val="1100"/>
               <a:buChar char="-"/>
-              <a:defRPr sz="825"/>
+              <a:defRPr sz="1100"/>
             </a:lvl2pPr>
-            <a:lvl3pPr marL="1028700" lvl="2" indent="-223838" rtl="0">
+            <a:lvl3pPr marL="1371566" lvl="2" indent="-298442" rtl="0">
               <a:spcBef>
                 <a:spcPts val="0"/>
               </a:spcBef>
@@ -4474,9 +4470,9 @@
               </a:spcAft>
               <a:buSzPts val="1100"/>
               <a:buChar char="-"/>
-              <a:defRPr sz="825"/>
+              <a:defRPr sz="1100"/>
             </a:lvl3pPr>
-            <a:lvl4pPr marL="1371600" lvl="3" indent="-223838" rtl="0">
+            <a:lvl4pPr marL="1828754" lvl="3" indent="-298442" rtl="0">
               <a:spcBef>
                 <a:spcPts val="0"/>
               </a:spcBef>
@@ -4485,9 +4481,9 @@
               </a:spcAft>
               <a:buSzPts val="1100"/>
               <a:buChar char="-"/>
-              <a:defRPr sz="825"/>
+              <a:defRPr sz="1100"/>
             </a:lvl4pPr>
-            <a:lvl5pPr marL="1714500" lvl="4" indent="-223838" rtl="0">
+            <a:lvl5pPr marL="2285943" lvl="4" indent="-298442" rtl="0">
               <a:spcBef>
                 <a:spcPts val="0"/>
               </a:spcBef>
@@ -4496,9 +4492,9 @@
               </a:spcAft>
               <a:buSzPts val="1100"/>
               <a:buChar char="-"/>
-              <a:defRPr sz="825"/>
+              <a:defRPr sz="1100"/>
             </a:lvl5pPr>
-            <a:lvl6pPr marL="2057400" lvl="5" indent="-223838" rtl="0">
+            <a:lvl6pPr marL="2743132" lvl="5" indent="-298442" rtl="0">
               <a:spcBef>
                 <a:spcPts val="0"/>
               </a:spcBef>
@@ -4507,9 +4503,9 @@
               </a:spcAft>
               <a:buSzPts val="1100"/>
               <a:buChar char="-"/>
-              <a:defRPr sz="825"/>
+              <a:defRPr sz="1100"/>
             </a:lvl6pPr>
-            <a:lvl7pPr marL="2400300" lvl="6" indent="-223838" rtl="0">
+            <a:lvl7pPr marL="3200320" lvl="6" indent="-298442" rtl="0">
               <a:spcBef>
                 <a:spcPts val="0"/>
               </a:spcBef>
@@ -4518,9 +4514,9 @@
               </a:spcAft>
               <a:buSzPts val="1100"/>
               <a:buChar char="-"/>
-              <a:defRPr sz="825"/>
+              <a:defRPr sz="1100"/>
             </a:lvl7pPr>
-            <a:lvl8pPr marL="2743200" lvl="7" indent="-223838" rtl="0">
+            <a:lvl8pPr marL="3657509" lvl="7" indent="-298442" rtl="0">
               <a:spcBef>
                 <a:spcPts val="0"/>
               </a:spcBef>
@@ -4529,9 +4525,9 @@
               </a:spcAft>
               <a:buSzPts val="1100"/>
               <a:buChar char="-"/>
-              <a:defRPr sz="825"/>
+              <a:defRPr sz="1100"/>
             </a:lvl8pPr>
-            <a:lvl9pPr marL="3086100" lvl="8" indent="-223838" rtl="0">
+            <a:lvl9pPr marL="4114697" lvl="8" indent="-298442" rtl="0">
               <a:spcBef>
                 <a:spcPts val="0"/>
               </a:spcBef>
@@ -4540,7 +4536,7 @@
               </a:spcAft>
               <a:buSzPts val="1100"/>
               <a:buChar char="-"/>
-              <a:defRPr sz="825"/>
+              <a:defRPr sz="1100"/>
             </a:lvl9pPr>
           </a:lstStyle>
           <a:p>
@@ -4570,18 +4566,18 @@
         <p:txBody>
           <a:bodyPr spcFirstLastPara="1" wrap="square" lIns="91425" tIns="91425" rIns="91425" bIns="91425" anchor="t" anchorCtr="0"/>
           <a:lstStyle>
-            <a:lvl1pPr marL="342900" lvl="0" indent="-223838" rtl="0">
-              <a:spcBef>
-                <a:spcPts val="450"/>
+            <a:lvl1pPr marL="457189" lvl="0" indent="-298442" rtl="0">
+              <a:spcBef>
+                <a:spcPts val="600"/>
               </a:spcBef>
               <a:spcAft>
                 <a:spcPts val="0"/>
               </a:spcAft>
               <a:buSzPts val="1100"/>
               <a:buChar char="▪"/>
-              <a:defRPr sz="825"/>
+              <a:defRPr sz="1100"/>
             </a:lvl1pPr>
-            <a:lvl2pPr marL="685800" lvl="1" indent="-223838" rtl="0">
+            <a:lvl2pPr marL="914378" lvl="1" indent="-298442" rtl="0">
               <a:spcBef>
                 <a:spcPts val="0"/>
               </a:spcBef>
@@ -4590,9 +4586,9 @@
               </a:spcAft>
               <a:buSzPts val="1100"/>
               <a:buChar char="-"/>
-              <a:defRPr sz="825"/>
+              <a:defRPr sz="1100"/>
             </a:lvl2pPr>
-            <a:lvl3pPr marL="1028700" lvl="2" indent="-223838" rtl="0">
+            <a:lvl3pPr marL="1371566" lvl="2" indent="-298442" rtl="0">
               <a:spcBef>
                 <a:spcPts val="0"/>
               </a:spcBef>
@@ -4601,9 +4597,9 @@
               </a:spcAft>
               <a:buSzPts val="1100"/>
               <a:buChar char="-"/>
-              <a:defRPr sz="825"/>
+              <a:defRPr sz="1100"/>
             </a:lvl3pPr>
-            <a:lvl4pPr marL="1371600" lvl="3" indent="-223838" rtl="0">
+            <a:lvl4pPr marL="1828754" lvl="3" indent="-298442" rtl="0">
               <a:spcBef>
                 <a:spcPts val="0"/>
               </a:spcBef>
@@ -4612,9 +4608,9 @@
               </a:spcAft>
               <a:buSzPts val="1100"/>
               <a:buChar char="-"/>
-              <a:defRPr sz="825"/>
+              <a:defRPr sz="1100"/>
             </a:lvl4pPr>
-            <a:lvl5pPr marL="1714500" lvl="4" indent="-223838" rtl="0">
+            <a:lvl5pPr marL="2285943" lvl="4" indent="-298442" rtl="0">
               <a:spcBef>
                 <a:spcPts val="0"/>
               </a:spcBef>
@@ -4623,9 +4619,9 @@
               </a:spcAft>
               <a:buSzPts val="1100"/>
               <a:buChar char="-"/>
-              <a:defRPr sz="825"/>
+              <a:defRPr sz="1100"/>
             </a:lvl5pPr>
-            <a:lvl6pPr marL="2057400" lvl="5" indent="-223838" rtl="0">
+            <a:lvl6pPr marL="2743132" lvl="5" indent="-298442" rtl="0">
               <a:spcBef>
                 <a:spcPts val="0"/>
               </a:spcBef>
@@ -4634,9 +4630,9 @@
               </a:spcAft>
               <a:buSzPts val="1100"/>
               <a:buChar char="-"/>
-              <a:defRPr sz="825"/>
+              <a:defRPr sz="1100"/>
             </a:lvl6pPr>
-            <a:lvl7pPr marL="2400300" lvl="6" indent="-223838" rtl="0">
+            <a:lvl7pPr marL="3200320" lvl="6" indent="-298442" rtl="0">
               <a:spcBef>
                 <a:spcPts val="0"/>
               </a:spcBef>
@@ -4645,9 +4641,9 @@
               </a:spcAft>
               <a:buSzPts val="1100"/>
               <a:buChar char="-"/>
-              <a:defRPr sz="825"/>
+              <a:defRPr sz="1100"/>
             </a:lvl7pPr>
-            <a:lvl8pPr marL="2743200" lvl="7" indent="-223838" rtl="0">
+            <a:lvl8pPr marL="3657509" lvl="7" indent="-298442" rtl="0">
               <a:spcBef>
                 <a:spcPts val="0"/>
               </a:spcBef>
@@ -4656,9 +4652,9 @@
               </a:spcAft>
               <a:buSzPts val="1100"/>
               <a:buChar char="-"/>
-              <a:defRPr sz="825"/>
+              <a:defRPr sz="1100"/>
             </a:lvl8pPr>
-            <a:lvl9pPr marL="3086100" lvl="8" indent="-223838" rtl="0">
+            <a:lvl9pPr marL="4114697" lvl="8" indent="-298442" rtl="0">
               <a:spcBef>
                 <a:spcPts val="0"/>
               </a:spcBef>
@@ -4667,7 +4663,7 @@
               </a:spcAft>
               <a:buSzPts val="1100"/>
               <a:buChar char="-"/>
-              <a:defRPr sz="825"/>
+              <a:defRPr sz="1100"/>
             </a:lvl9pPr>
           </a:lstStyle>
           <a:p>
@@ -4678,7 +4674,7 @@
     </p:spTree>
     <p:extLst>
       <p:ext uri="{BB962C8B-B14F-4D97-AF65-F5344CB8AC3E}">
-        <p14:creationId xmlns:p14="http://schemas.microsoft.com/office/powerpoint/2010/main" val="2541540546"/>
+        <p14:creationId xmlns:p14="http://schemas.microsoft.com/office/powerpoint/2010/main" val="1410809325"/>
       </p:ext>
     </p:extLst>
   </p:cSld>
@@ -4739,19 +4735,21 @@
           </a:ln>
         </p:spPr>
         <p:txBody>
-          <a:bodyPr spcFirstLastPara="1" wrap="square" lIns="68569" tIns="34275" rIns="68569" bIns="34275" anchor="ctr" anchorCtr="0">
+          <a:bodyPr spcFirstLastPara="1" wrap="square" lIns="91425" tIns="45700" rIns="91425" bIns="45700" anchor="ctr" anchorCtr="0">
             <a:noAutofit/>
           </a:bodyPr>
           <a:lstStyle/>
           <a:p>
-            <a:pPr algn="ctr">
-              <a:buClr>
-                <a:srgbClr val="000000"/>
-              </a:buClr>
-              <a:buFont typeface="Arial"/>
+            <a:pPr marL="0" marR="0" lvl="0" indent="0" algn="ctr" rtl="0">
+              <a:spcBef>
+                <a:spcPts val="0"/>
+              </a:spcBef>
+              <a:spcAft>
+                <a:spcPts val="0"/>
+              </a:spcAft>
               <a:buNone/>
             </a:pPr>
-            <a:endParaRPr sz="1050" kern="0" dirty="0">
+            <a:endParaRPr sz="1800" dirty="0">
               <a:solidFill>
                 <a:srgbClr val="FFFFFF"/>
               </a:solidFill>
@@ -4785,25 +4783,21 @@
           </a:ln>
         </p:spPr>
         <p:txBody>
-          <a:bodyPr spcFirstLastPara="1" wrap="square" lIns="68569" tIns="68569" rIns="68569" bIns="68569" anchor="ctr" anchorCtr="0">
+          <a:bodyPr spcFirstLastPara="1" wrap="square" lIns="91425" tIns="91425" rIns="91425" bIns="91425" anchor="ctr" anchorCtr="0">
             <a:noAutofit/>
           </a:bodyPr>
           <a:lstStyle/>
           <a:p>
-            <a:pPr>
-              <a:buClr>
-                <a:srgbClr val="000000"/>
-              </a:buClr>
-              <a:buFont typeface="Arial"/>
+            <a:pPr marL="0" lvl="0" indent="0">
+              <a:spcBef>
+                <a:spcPts val="0"/>
+              </a:spcBef>
+              <a:spcAft>
+                <a:spcPts val="0"/>
+              </a:spcAft>
               <a:buNone/>
             </a:pPr>
-            <a:endParaRPr sz="1050" kern="0" dirty="0">
-              <a:solidFill>
-                <a:srgbClr val="000000"/>
-              </a:solidFill>
-              <a:cs typeface="Arial"/>
-              <a:sym typeface="Arial"/>
-            </a:endParaRPr>
+            <a:endParaRPr sz="1800" dirty="0"/>
           </a:p>
         </p:txBody>
       </p:sp>
@@ -4956,18 +4950,18 @@
         <p:txBody>
           <a:bodyPr spcFirstLastPara="1" wrap="square" lIns="91425" tIns="91425" rIns="91425" bIns="91425" anchor="t" anchorCtr="0"/>
           <a:lstStyle>
-            <a:lvl1pPr marL="342900" lvl="0" indent="-223838">
-              <a:spcBef>
-                <a:spcPts val="450"/>
+            <a:lvl1pPr marL="457189" lvl="0" indent="-298442">
+              <a:spcBef>
+                <a:spcPts val="600"/>
               </a:spcBef>
               <a:spcAft>
                 <a:spcPts val="0"/>
               </a:spcAft>
               <a:buSzPts val="1100"/>
               <a:buChar char="▪"/>
-              <a:defRPr sz="825"/>
+              <a:defRPr sz="1100"/>
             </a:lvl1pPr>
-            <a:lvl2pPr marL="685800" lvl="1" indent="-223838">
+            <a:lvl2pPr marL="914378" lvl="1" indent="-298442">
               <a:spcBef>
                 <a:spcPts val="0"/>
               </a:spcBef>
@@ -4976,9 +4970,9 @@
               </a:spcAft>
               <a:buSzPts val="1100"/>
               <a:buChar char="-"/>
-              <a:defRPr sz="825"/>
+              <a:defRPr sz="1100"/>
             </a:lvl2pPr>
-            <a:lvl3pPr marL="1028700" lvl="2" indent="-223838">
+            <a:lvl3pPr marL="1371566" lvl="2" indent="-298442">
               <a:spcBef>
                 <a:spcPts val="0"/>
               </a:spcBef>
@@ -4987,9 +4981,9 @@
               </a:spcAft>
               <a:buSzPts val="1100"/>
               <a:buChar char="-"/>
-              <a:defRPr sz="825"/>
+              <a:defRPr sz="1100"/>
             </a:lvl3pPr>
-            <a:lvl4pPr marL="1371600" lvl="3" indent="-223838">
+            <a:lvl4pPr marL="1828754" lvl="3" indent="-298442">
               <a:spcBef>
                 <a:spcPts val="0"/>
               </a:spcBef>
@@ -4998,9 +4992,9 @@
               </a:spcAft>
               <a:buSzPts val="1100"/>
               <a:buChar char="-"/>
-              <a:defRPr sz="825"/>
+              <a:defRPr sz="1100"/>
             </a:lvl4pPr>
-            <a:lvl5pPr marL="1714500" lvl="4" indent="-223838">
+            <a:lvl5pPr marL="2285943" lvl="4" indent="-298442">
               <a:spcBef>
                 <a:spcPts val="0"/>
               </a:spcBef>
@@ -5009,9 +5003,9 @@
               </a:spcAft>
               <a:buSzPts val="1100"/>
               <a:buChar char="-"/>
-              <a:defRPr sz="825"/>
+              <a:defRPr sz="1100"/>
             </a:lvl5pPr>
-            <a:lvl6pPr marL="2057400" lvl="5" indent="-223838">
+            <a:lvl6pPr marL="2743132" lvl="5" indent="-298442">
               <a:spcBef>
                 <a:spcPts val="0"/>
               </a:spcBef>
@@ -5020,9 +5014,9 @@
               </a:spcAft>
               <a:buSzPts val="1100"/>
               <a:buChar char="-"/>
-              <a:defRPr sz="825"/>
+              <a:defRPr sz="1100"/>
             </a:lvl6pPr>
-            <a:lvl7pPr marL="2400300" lvl="6" indent="-223838">
+            <a:lvl7pPr marL="3200320" lvl="6" indent="-298442">
               <a:spcBef>
                 <a:spcPts val="0"/>
               </a:spcBef>
@@ -5031,9 +5025,9 @@
               </a:spcAft>
               <a:buSzPts val="1100"/>
               <a:buChar char="-"/>
-              <a:defRPr sz="825"/>
+              <a:defRPr sz="1100"/>
             </a:lvl7pPr>
-            <a:lvl8pPr marL="2743200" lvl="7" indent="-223838">
+            <a:lvl8pPr marL="3657509" lvl="7" indent="-298442">
               <a:spcBef>
                 <a:spcPts val="0"/>
               </a:spcBef>
@@ -5042,9 +5036,9 @@
               </a:spcAft>
               <a:buSzPts val="1100"/>
               <a:buChar char="-"/>
-              <a:defRPr sz="825"/>
+              <a:defRPr sz="1100"/>
             </a:lvl8pPr>
-            <a:lvl9pPr marL="3086100" lvl="8" indent="-223838">
+            <a:lvl9pPr marL="4114697" lvl="8" indent="-298442">
               <a:spcBef>
                 <a:spcPts val="0"/>
               </a:spcBef>
@@ -5053,7 +5047,7 @@
               </a:spcAft>
               <a:buSzPts val="1100"/>
               <a:buChar char="-"/>
-              <a:defRPr sz="825"/>
+              <a:defRPr sz="1100"/>
             </a:lvl9pPr>
           </a:lstStyle>
           <a:p>
@@ -5083,18 +5077,18 @@
         <p:txBody>
           <a:bodyPr spcFirstLastPara="1" wrap="square" lIns="91425" tIns="91425" rIns="91425" bIns="91425" anchor="t" anchorCtr="0"/>
           <a:lstStyle>
-            <a:lvl1pPr marL="342900" lvl="0" indent="-223838">
-              <a:spcBef>
-                <a:spcPts val="450"/>
+            <a:lvl1pPr marL="457189" lvl="0" indent="-298442">
+              <a:spcBef>
+                <a:spcPts val="600"/>
               </a:spcBef>
               <a:spcAft>
                 <a:spcPts val="0"/>
               </a:spcAft>
               <a:buSzPts val="1100"/>
               <a:buChar char="▪"/>
-              <a:defRPr sz="825"/>
+              <a:defRPr sz="1100"/>
             </a:lvl1pPr>
-            <a:lvl2pPr marL="685800" lvl="1" indent="-223838">
+            <a:lvl2pPr marL="914378" lvl="1" indent="-298442">
               <a:spcBef>
                 <a:spcPts val="0"/>
               </a:spcBef>
@@ -5103,9 +5097,9 @@
               </a:spcAft>
               <a:buSzPts val="1100"/>
               <a:buChar char="-"/>
-              <a:defRPr sz="825"/>
+              <a:defRPr sz="1100"/>
             </a:lvl2pPr>
-            <a:lvl3pPr marL="1028700" lvl="2" indent="-223838">
+            <a:lvl3pPr marL="1371566" lvl="2" indent="-298442">
               <a:spcBef>
                 <a:spcPts val="0"/>
               </a:spcBef>
@@ -5114,9 +5108,9 @@
               </a:spcAft>
               <a:buSzPts val="1100"/>
               <a:buChar char="-"/>
-              <a:defRPr sz="825"/>
+              <a:defRPr sz="1100"/>
             </a:lvl3pPr>
-            <a:lvl4pPr marL="1371600" lvl="3" indent="-223838">
+            <a:lvl4pPr marL="1828754" lvl="3" indent="-298442">
               <a:spcBef>
                 <a:spcPts val="0"/>
               </a:spcBef>
@@ -5125,9 +5119,9 @@
               </a:spcAft>
               <a:buSzPts val="1100"/>
               <a:buChar char="-"/>
-              <a:defRPr sz="825"/>
+              <a:defRPr sz="1100"/>
             </a:lvl4pPr>
-            <a:lvl5pPr marL="1714500" lvl="4" indent="-223838">
+            <a:lvl5pPr marL="2285943" lvl="4" indent="-298442">
               <a:spcBef>
                 <a:spcPts val="0"/>
               </a:spcBef>
@@ -5136,9 +5130,9 @@
               </a:spcAft>
               <a:buSzPts val="1100"/>
               <a:buChar char="-"/>
-              <a:defRPr sz="825"/>
+              <a:defRPr sz="1100"/>
             </a:lvl5pPr>
-            <a:lvl6pPr marL="2057400" lvl="5" indent="-223838">
+            <a:lvl6pPr marL="2743132" lvl="5" indent="-298442">
               <a:spcBef>
                 <a:spcPts val="0"/>
               </a:spcBef>
@@ -5147,9 +5141,9 @@
               </a:spcAft>
               <a:buSzPts val="1100"/>
               <a:buChar char="-"/>
-              <a:defRPr sz="825"/>
+              <a:defRPr sz="1100"/>
             </a:lvl6pPr>
-            <a:lvl7pPr marL="2400300" lvl="6" indent="-223838">
+            <a:lvl7pPr marL="3200320" lvl="6" indent="-298442">
               <a:spcBef>
                 <a:spcPts val="0"/>
               </a:spcBef>
@@ -5158,9 +5152,9 @@
               </a:spcAft>
               <a:buSzPts val="1100"/>
               <a:buChar char="-"/>
-              <a:defRPr sz="825"/>
+              <a:defRPr sz="1100"/>
             </a:lvl7pPr>
-            <a:lvl8pPr marL="2743200" lvl="7" indent="-223838">
+            <a:lvl8pPr marL="3657509" lvl="7" indent="-298442">
               <a:spcBef>
                 <a:spcPts val="0"/>
               </a:spcBef>
@@ -5169,9 +5163,9 @@
               </a:spcAft>
               <a:buSzPts val="1100"/>
               <a:buChar char="-"/>
-              <a:defRPr sz="825"/>
+              <a:defRPr sz="1100"/>
             </a:lvl8pPr>
-            <a:lvl9pPr marL="3086100" lvl="8" indent="-223838">
+            <a:lvl9pPr marL="4114697" lvl="8" indent="-298442">
               <a:spcBef>
                 <a:spcPts val="0"/>
               </a:spcBef>
@@ -5180,7 +5174,7 @@
               </a:spcAft>
               <a:buSzPts val="1100"/>
               <a:buChar char="-"/>
-              <a:defRPr sz="825"/>
+              <a:defRPr sz="1100"/>
             </a:lvl9pPr>
           </a:lstStyle>
           <a:p>
@@ -5251,155 +5245,18 @@
           </a:lstStyle>
           <a:p>
             <a:fld id="{00000000-1234-1234-1234-123412341234}" type="slidenum">
-              <a:rPr lang="en"/>
+              <a:rPr lang="en" smtClean="0"/>
               <a:pPr/>
               <a:t>‹#›</a:t>
             </a:fld>
-            <a:endParaRPr dirty="0"/>
+            <a:endParaRPr lang="en" dirty="0"/>
           </a:p>
         </p:txBody>
       </p:sp>
     </p:spTree>
     <p:extLst>
       <p:ext uri="{BB962C8B-B14F-4D97-AF65-F5344CB8AC3E}">
-        <p14:creationId xmlns:p14="http://schemas.microsoft.com/office/powerpoint/2010/main" val="2943601770"/>
-      </p:ext>
-    </p:extLst>
-  </p:cSld>
-  <p:clrMapOvr>
-    <a:masterClrMapping/>
-  </p:clrMapOvr>
-</p:sldLayout>
-</file>
-
-<file path=ppt/slideLayouts/slideLayout7.xml><?xml version="1.0" encoding="utf-8"?>
-<p:sldLayout xmlns:a="http://schemas.openxmlformats.org/drawingml/2006/main" xmlns:r="http://schemas.openxmlformats.org/officeDocument/2006/relationships" xmlns:p="http://schemas.openxmlformats.org/presentationml/2006/main" matchingName="Blank" type="blank">
-  <p:cSld name="Blank">
-    <p:spTree>
-      <p:nvGrpSpPr>
-        <p:cNvPr id="1" name="Shape 85"/>
-        <p:cNvGrpSpPr/>
-        <p:nvPr/>
-      </p:nvGrpSpPr>
-      <p:grpSpPr>
-        <a:xfrm>
-          <a:off x="0" y="0"/>
-          <a:ext cx="0" cy="0"/>
-          <a:chOff x="0" y="0"/>
-          <a:chExt cx="0" cy="0"/>
-        </a:xfrm>
-      </p:grpSpPr>
-      <p:sp>
-        <p:nvSpPr>
-          <p:cNvPr id="86" name="Shape 86"/>
-          <p:cNvSpPr txBox="1">
-            <a:spLocks noGrp="1"/>
-          </p:cNvSpPr>
-          <p:nvPr>
-            <p:ph type="sldNum" idx="12"/>
-          </p:nvPr>
-        </p:nvSpPr>
-        <p:spPr>
-          <a:xfrm>
-            <a:off x="8556784" y="4749851"/>
-            <a:ext cx="548700" cy="393600"/>
-          </a:xfrm>
-          <a:prstGeom prst="rect">
-            <a:avLst/>
-          </a:prstGeom>
-        </p:spPr>
-        <p:txBody>
-          <a:bodyPr spcFirstLastPara="1" wrap="square" lIns="91425" tIns="91425" rIns="91425" bIns="91425" anchor="ctr" anchorCtr="0">
-            <a:noAutofit/>
-          </a:bodyPr>
-          <a:lstStyle>
-            <a:lvl1pPr lvl="0">
-              <a:buNone/>
-              <a:defRPr>
-                <a:solidFill>
-                  <a:srgbClr val="FFFFFF"/>
-                </a:solidFill>
-              </a:defRPr>
-            </a:lvl1pPr>
-            <a:lvl2pPr lvl="1">
-              <a:buNone/>
-              <a:defRPr>
-                <a:solidFill>
-                  <a:srgbClr val="FFFFFF"/>
-                </a:solidFill>
-              </a:defRPr>
-            </a:lvl2pPr>
-            <a:lvl3pPr lvl="2">
-              <a:buNone/>
-              <a:defRPr>
-                <a:solidFill>
-                  <a:srgbClr val="FFFFFF"/>
-                </a:solidFill>
-              </a:defRPr>
-            </a:lvl3pPr>
-            <a:lvl4pPr lvl="3">
-              <a:buNone/>
-              <a:defRPr>
-                <a:solidFill>
-                  <a:srgbClr val="FFFFFF"/>
-                </a:solidFill>
-              </a:defRPr>
-            </a:lvl4pPr>
-            <a:lvl5pPr lvl="4">
-              <a:buNone/>
-              <a:defRPr>
-                <a:solidFill>
-                  <a:srgbClr val="FFFFFF"/>
-                </a:solidFill>
-              </a:defRPr>
-            </a:lvl5pPr>
-            <a:lvl6pPr lvl="5">
-              <a:buNone/>
-              <a:defRPr>
-                <a:solidFill>
-                  <a:srgbClr val="FFFFFF"/>
-                </a:solidFill>
-              </a:defRPr>
-            </a:lvl6pPr>
-            <a:lvl7pPr lvl="6">
-              <a:buNone/>
-              <a:defRPr>
-                <a:solidFill>
-                  <a:srgbClr val="FFFFFF"/>
-                </a:solidFill>
-              </a:defRPr>
-            </a:lvl7pPr>
-            <a:lvl8pPr lvl="7">
-              <a:buNone/>
-              <a:defRPr>
-                <a:solidFill>
-                  <a:srgbClr val="FFFFFF"/>
-                </a:solidFill>
-              </a:defRPr>
-            </a:lvl8pPr>
-            <a:lvl9pPr lvl="8">
-              <a:buNone/>
-              <a:defRPr>
-                <a:solidFill>
-                  <a:srgbClr val="FFFFFF"/>
-                </a:solidFill>
-              </a:defRPr>
-            </a:lvl9pPr>
-          </a:lstStyle>
-          <a:p>
-            <a:fld id="{00000000-1234-1234-1234-123412341234}" type="slidenum">
-              <a:rPr lang="en"/>
-              <a:pPr/>
-              <a:t>‹#›</a:t>
-            </a:fld>
-            <a:endParaRPr dirty="0"/>
-          </a:p>
-        </p:txBody>
-      </p:sp>
-    </p:spTree>
-    <p:extLst>
-      <p:ext uri="{BB962C8B-B14F-4D97-AF65-F5344CB8AC3E}">
-        <p14:creationId xmlns:p14="http://schemas.microsoft.com/office/powerpoint/2010/main" val="2191360044"/>
+        <p14:creationId xmlns:p14="http://schemas.microsoft.com/office/powerpoint/2010/main" val="2843540378"/>
       </p:ext>
     </p:extLst>
   </p:cSld>
@@ -7358,7 +7215,7 @@
           <a:lstStyle>
             <a:lvl1pPr lvl="0" algn="r">
               <a:buNone/>
-              <a:defRPr sz="750">
+              <a:defRPr sz="1000">
                 <a:solidFill>
                   <a:srgbClr val="CCCCCC"/>
                 </a:solidFill>
@@ -7370,7 +7227,7 @@
             </a:lvl1pPr>
             <a:lvl2pPr lvl="1" algn="r">
               <a:buNone/>
-              <a:defRPr sz="750">
+              <a:defRPr sz="1000">
                 <a:solidFill>
                   <a:srgbClr val="CCCCCC"/>
                 </a:solidFill>
@@ -7382,7 +7239,7 @@
             </a:lvl2pPr>
             <a:lvl3pPr lvl="2" algn="r">
               <a:buNone/>
-              <a:defRPr sz="750">
+              <a:defRPr sz="1000">
                 <a:solidFill>
                   <a:srgbClr val="CCCCCC"/>
                 </a:solidFill>
@@ -7394,7 +7251,7 @@
             </a:lvl3pPr>
             <a:lvl4pPr lvl="3" algn="r">
               <a:buNone/>
-              <a:defRPr sz="750">
+              <a:defRPr sz="1000">
                 <a:solidFill>
                   <a:srgbClr val="CCCCCC"/>
                 </a:solidFill>
@@ -7406,7 +7263,7 @@
             </a:lvl4pPr>
             <a:lvl5pPr lvl="4" algn="r">
               <a:buNone/>
-              <a:defRPr sz="750">
+              <a:defRPr sz="1000">
                 <a:solidFill>
                   <a:srgbClr val="CCCCCC"/>
                 </a:solidFill>
@@ -7418,7 +7275,7 @@
             </a:lvl5pPr>
             <a:lvl6pPr lvl="5" algn="r">
               <a:buNone/>
-              <a:defRPr sz="750">
+              <a:defRPr sz="1000">
                 <a:solidFill>
                   <a:srgbClr val="CCCCCC"/>
                 </a:solidFill>
@@ -7430,7 +7287,7 @@
             </a:lvl6pPr>
             <a:lvl7pPr lvl="6" algn="r">
               <a:buNone/>
-              <a:defRPr sz="750">
+              <a:defRPr sz="1000">
                 <a:solidFill>
                   <a:srgbClr val="CCCCCC"/>
                 </a:solidFill>
@@ -7442,7 +7299,7 @@
             </a:lvl7pPr>
             <a:lvl8pPr lvl="7" algn="r">
               <a:buNone/>
-              <a:defRPr sz="750">
+              <a:defRPr sz="1000">
                 <a:solidFill>
                   <a:srgbClr val="CCCCCC"/>
                 </a:solidFill>
@@ -7454,7 +7311,7 @@
             </a:lvl8pPr>
             <a:lvl9pPr lvl="8" algn="r">
               <a:buNone/>
-              <a:defRPr sz="750">
+              <a:defRPr sz="1000">
                 <a:solidFill>
                   <a:srgbClr val="CCCCCC"/>
                 </a:solidFill>
@@ -7466,41 +7323,27 @@
             </a:lvl9pPr>
           </a:lstStyle>
           <a:p>
-            <a:pPr>
-              <a:buClr>
-                <a:srgbClr val="000000"/>
-              </a:buClr>
-              <a:buFont typeface="Arial"/>
-              <a:buNone/>
-            </a:pPr>
             <a:fld id="{00000000-1234-1234-1234-123412341234}" type="slidenum">
-              <a:rPr lang="en" kern="0"/>
-              <a:pPr>
-                <a:buClr>
-                  <a:srgbClr val="000000"/>
-                </a:buClr>
-                <a:buFont typeface="Arial"/>
-                <a:buNone/>
-              </a:pPr>
+              <a:rPr lang="en" smtClean="0"/>
+              <a:pPr/>
               <a:t>‹#›</a:t>
             </a:fld>
-            <a:endParaRPr kern="0" dirty="0"/>
+            <a:endParaRPr lang="en" dirty="0"/>
           </a:p>
         </p:txBody>
       </p:sp>
     </p:spTree>
     <p:extLst>
       <p:ext uri="{BB962C8B-B14F-4D97-AF65-F5344CB8AC3E}">
-        <p14:creationId xmlns:p14="http://schemas.microsoft.com/office/powerpoint/2010/main" val="3933024453"/>
+        <p14:creationId xmlns:p14="http://schemas.microsoft.com/office/powerpoint/2010/main" val="3657944199"/>
       </p:ext>
     </p:extLst>
   </p:cSld>
   <p:clrMap bg1="lt1" tx1="dk1" bg2="dk2" tx2="lt2" accent1="accent1" accent2="accent2" accent3="accent3" accent4="accent4" accent5="accent5" accent6="accent6" hlink="hlink" folHlink="folHlink"/>
   <p:sldLayoutIdLst>
-    <p:sldLayoutId id="2147483663" r:id="rId1"/>
-    <p:sldLayoutId id="2147483664" r:id="rId2"/>
-    <p:sldLayoutId id="2147483665" r:id="rId3"/>
-    <p:sldLayoutId id="2147483666" r:id="rId4"/>
+    <p:sldLayoutId id="2147483668" r:id="rId1"/>
+    <p:sldLayoutId id="2147483669" r:id="rId2"/>
+    <p:sldLayoutId id="2147483670" r:id="rId3"/>
   </p:sldLayoutIdLst>
   <p:transition>
     <p:fade thruBlk="1"/>
@@ -7533,7 +7376,7 @@
           <a:srgbClr val="000000"/>
         </a:buClr>
         <a:buFont typeface="Arial"/>
-        <a:defRPr sz="1050" b="0" i="0" u="none" strike="noStrike" cap="none">
+        <a:defRPr sz="1400" b="0" i="0" u="none" strike="noStrike" cap="none">
           <a:solidFill>
             <a:srgbClr val="000000"/>
           </a:solidFill>
@@ -7557,7 +7400,7 @@
           <a:srgbClr val="000000"/>
         </a:buClr>
         <a:buFont typeface="Arial"/>
-        <a:defRPr sz="1050" b="0" i="0" u="none" strike="noStrike" cap="none">
+        <a:defRPr sz="1400" b="0" i="0" u="none" strike="noStrike" cap="none">
           <a:solidFill>
             <a:srgbClr val="000000"/>
           </a:solidFill>
@@ -7581,7 +7424,7 @@
           <a:srgbClr val="000000"/>
         </a:buClr>
         <a:buFont typeface="Arial"/>
-        <a:defRPr sz="1050" b="0" i="0" u="none" strike="noStrike" cap="none">
+        <a:defRPr sz="1400" b="0" i="0" u="none" strike="noStrike" cap="none">
           <a:solidFill>
             <a:srgbClr val="000000"/>
           </a:solidFill>
@@ -7605,7 +7448,7 @@
           <a:srgbClr val="000000"/>
         </a:buClr>
         <a:buFont typeface="Arial"/>
-        <a:defRPr sz="1050" b="0" i="0" u="none" strike="noStrike" cap="none">
+        <a:defRPr sz="1400" b="0" i="0" u="none" strike="noStrike" cap="none">
           <a:solidFill>
             <a:srgbClr val="000000"/>
           </a:solidFill>
@@ -7629,7 +7472,7 @@
           <a:srgbClr val="000000"/>
         </a:buClr>
         <a:buFont typeface="Arial"/>
-        <a:defRPr sz="1050" b="0" i="0" u="none" strike="noStrike" cap="none">
+        <a:defRPr sz="1400" b="0" i="0" u="none" strike="noStrike" cap="none">
           <a:solidFill>
             <a:srgbClr val="000000"/>
           </a:solidFill>
@@ -7653,7 +7496,7 @@
           <a:srgbClr val="000000"/>
         </a:buClr>
         <a:buFont typeface="Arial"/>
-        <a:defRPr sz="1050" b="0" i="0" u="none" strike="noStrike" cap="none">
+        <a:defRPr sz="1400" b="0" i="0" u="none" strike="noStrike" cap="none">
           <a:solidFill>
             <a:srgbClr val="000000"/>
           </a:solidFill>
@@ -7677,7 +7520,7 @@
           <a:srgbClr val="000000"/>
         </a:buClr>
         <a:buFont typeface="Arial"/>
-        <a:defRPr sz="1050" b="0" i="0" u="none" strike="noStrike" cap="none">
+        <a:defRPr sz="1400" b="0" i="0" u="none" strike="noStrike" cap="none">
           <a:solidFill>
             <a:srgbClr val="000000"/>
           </a:solidFill>
@@ -7701,7 +7544,7 @@
           <a:srgbClr val="000000"/>
         </a:buClr>
         <a:buFont typeface="Arial"/>
-        <a:defRPr sz="1050" b="0" i="0" u="none" strike="noStrike" cap="none">
+        <a:defRPr sz="1400" b="0" i="0" u="none" strike="noStrike" cap="none">
           <a:solidFill>
             <a:srgbClr val="000000"/>
           </a:solidFill>
@@ -7725,7 +7568,7 @@
           <a:srgbClr val="000000"/>
         </a:buClr>
         <a:buFont typeface="Arial"/>
-        <a:defRPr sz="1050" b="0" i="0" u="none" strike="noStrike" cap="none">
+        <a:defRPr sz="1400" b="0" i="0" u="none" strike="noStrike" cap="none">
           <a:solidFill>
             <a:srgbClr val="000000"/>
           </a:solidFill>
@@ -7762,7 +7605,7 @@
           <a:srgbClr val="000000"/>
         </a:buClr>
         <a:buFont typeface="Arial"/>
-        <a:defRPr sz="1050" b="0" i="0" u="none" strike="noStrike" cap="none">
+        <a:defRPr sz="1400" b="0" i="0" u="none" strike="noStrike" cap="none">
           <a:solidFill>
             <a:srgbClr val="000000"/>
           </a:solidFill>
@@ -7786,7 +7629,7 @@
           <a:srgbClr val="000000"/>
         </a:buClr>
         <a:buFont typeface="Arial"/>
-        <a:defRPr sz="1050" b="0" i="0" u="none" strike="noStrike" cap="none">
+        <a:defRPr sz="1400" b="0" i="0" u="none" strike="noStrike" cap="none">
           <a:solidFill>
             <a:srgbClr val="000000"/>
           </a:solidFill>
@@ -7810,7 +7653,7 @@
           <a:srgbClr val="000000"/>
         </a:buClr>
         <a:buFont typeface="Arial"/>
-        <a:defRPr sz="1050" b="0" i="0" u="none" strike="noStrike" cap="none">
+        <a:defRPr sz="1400" b="0" i="0" u="none" strike="noStrike" cap="none">
           <a:solidFill>
             <a:srgbClr val="000000"/>
           </a:solidFill>
@@ -7834,7 +7677,7 @@
           <a:srgbClr val="000000"/>
         </a:buClr>
         <a:buFont typeface="Arial"/>
-        <a:defRPr sz="1050" b="0" i="0" u="none" strike="noStrike" cap="none">
+        <a:defRPr sz="1400" b="0" i="0" u="none" strike="noStrike" cap="none">
           <a:solidFill>
             <a:srgbClr val="000000"/>
           </a:solidFill>
@@ -7858,7 +7701,7 @@
           <a:srgbClr val="000000"/>
         </a:buClr>
         <a:buFont typeface="Arial"/>
-        <a:defRPr sz="1050" b="0" i="0" u="none" strike="noStrike" cap="none">
+        <a:defRPr sz="1400" b="0" i="0" u="none" strike="noStrike" cap="none">
           <a:solidFill>
             <a:srgbClr val="000000"/>
           </a:solidFill>
@@ -7882,7 +7725,7 @@
           <a:srgbClr val="000000"/>
         </a:buClr>
         <a:buFont typeface="Arial"/>
-        <a:defRPr sz="1050" b="0" i="0" u="none" strike="noStrike" cap="none">
+        <a:defRPr sz="1400" b="0" i="0" u="none" strike="noStrike" cap="none">
           <a:solidFill>
             <a:srgbClr val="000000"/>
           </a:solidFill>
@@ -7906,7 +7749,7 @@
           <a:srgbClr val="000000"/>
         </a:buClr>
         <a:buFont typeface="Arial"/>
-        <a:defRPr sz="1050" b="0" i="0" u="none" strike="noStrike" cap="none">
+        <a:defRPr sz="1400" b="0" i="0" u="none" strike="noStrike" cap="none">
           <a:solidFill>
             <a:srgbClr val="000000"/>
           </a:solidFill>
@@ -7930,7 +7773,7 @@
           <a:srgbClr val="000000"/>
         </a:buClr>
         <a:buFont typeface="Arial"/>
-        <a:defRPr sz="1050" b="0" i="0" u="none" strike="noStrike" cap="none">
+        <a:defRPr sz="1400" b="0" i="0" u="none" strike="noStrike" cap="none">
           <a:solidFill>
             <a:srgbClr val="000000"/>
           </a:solidFill>
@@ -7954,7 +7797,7 @@
           <a:srgbClr val="000000"/>
         </a:buClr>
         <a:buFont typeface="Arial"/>
-        <a:defRPr sz="1050" b="0" i="0" u="none" strike="noStrike" cap="none">
+        <a:defRPr sz="1400" b="0" i="0" u="none" strike="noStrike" cap="none">
           <a:solidFill>
             <a:srgbClr val="000000"/>
           </a:solidFill>
@@ -7991,7 +7834,7 @@
           <a:srgbClr val="000000"/>
         </a:buClr>
         <a:buFont typeface="Arial"/>
-        <a:defRPr sz="1050" b="0" i="0" u="none" strike="noStrike" cap="none">
+        <a:defRPr sz="1400" b="0" i="0" u="none" strike="noStrike" cap="none">
           <a:solidFill>
             <a:srgbClr val="000000"/>
           </a:solidFill>
@@ -8015,7 +7858,7 @@
           <a:srgbClr val="000000"/>
         </a:buClr>
         <a:buFont typeface="Arial"/>
-        <a:defRPr sz="1050" b="0" i="0" u="none" strike="noStrike" cap="none">
+        <a:defRPr sz="1400" b="0" i="0" u="none" strike="noStrike" cap="none">
           <a:solidFill>
             <a:srgbClr val="000000"/>
           </a:solidFill>
@@ -8039,7 +7882,7 @@
           <a:srgbClr val="000000"/>
         </a:buClr>
         <a:buFont typeface="Arial"/>
-        <a:defRPr sz="1050" b="0" i="0" u="none" strike="noStrike" cap="none">
+        <a:defRPr sz="1400" b="0" i="0" u="none" strike="noStrike" cap="none">
           <a:solidFill>
             <a:srgbClr val="000000"/>
           </a:solidFill>
@@ -8063,7 +7906,7 @@
           <a:srgbClr val="000000"/>
         </a:buClr>
         <a:buFont typeface="Arial"/>
-        <a:defRPr sz="1050" b="0" i="0" u="none" strike="noStrike" cap="none">
+        <a:defRPr sz="1400" b="0" i="0" u="none" strike="noStrike" cap="none">
           <a:solidFill>
             <a:srgbClr val="000000"/>
           </a:solidFill>
@@ -8087,7 +7930,7 @@
           <a:srgbClr val="000000"/>
         </a:buClr>
         <a:buFont typeface="Arial"/>
-        <a:defRPr sz="1050" b="0" i="0" u="none" strike="noStrike" cap="none">
+        <a:defRPr sz="1400" b="0" i="0" u="none" strike="noStrike" cap="none">
           <a:solidFill>
             <a:srgbClr val="000000"/>
           </a:solidFill>
@@ -8111,7 +7954,7 @@
           <a:srgbClr val="000000"/>
         </a:buClr>
         <a:buFont typeface="Arial"/>
-        <a:defRPr sz="1050" b="0" i="0" u="none" strike="noStrike" cap="none">
+        <a:defRPr sz="1400" b="0" i="0" u="none" strike="noStrike" cap="none">
           <a:solidFill>
             <a:srgbClr val="000000"/>
           </a:solidFill>
@@ -8135,7 +7978,7 @@
           <a:srgbClr val="000000"/>
         </a:buClr>
         <a:buFont typeface="Arial"/>
-        <a:defRPr sz="1050" b="0" i="0" u="none" strike="noStrike" cap="none">
+        <a:defRPr sz="1400" b="0" i="0" u="none" strike="noStrike" cap="none">
           <a:solidFill>
             <a:srgbClr val="000000"/>
           </a:solidFill>
@@ -8159,7 +8002,7 @@
           <a:srgbClr val="000000"/>
         </a:buClr>
         <a:buFont typeface="Arial"/>
-        <a:defRPr sz="1050" b="0" i="0" u="none" strike="noStrike" cap="none">
+        <a:defRPr sz="1400" b="0" i="0" u="none" strike="noStrike" cap="none">
           <a:solidFill>
             <a:srgbClr val="000000"/>
           </a:solidFill>
@@ -8183,7 +8026,7 @@
           <a:srgbClr val="000000"/>
         </a:buClr>
         <a:buFont typeface="Arial"/>
-        <a:defRPr sz="1050" b="0" i="0" u="none" strike="noStrike" cap="none">
+        <a:defRPr sz="1400" b="0" i="0" u="none" strike="noStrike" cap="none">
           <a:solidFill>
             <a:srgbClr val="000000"/>
           </a:solidFill>
@@ -8761,10 +8604,10 @@
       </p:sp>
       <p:pic>
         <p:nvPicPr>
-          <p:cNvPr id="8" name="Picture 7">
+          <p:cNvPr id="3" name="Picture 2">
             <a:extLst>
               <a:ext uri="{FF2B5EF4-FFF2-40B4-BE49-F238E27FC236}">
-                <a16:creationId xmlns:a16="http://schemas.microsoft.com/office/drawing/2014/main" id="{64AD041A-87B0-4E0A-86F0-63196DECE8FF}"/>
+                <a16:creationId xmlns:a16="http://schemas.microsoft.com/office/drawing/2014/main" id="{D1D8FA15-9E23-4C04-9DF2-581A6BDF5AFE}"/>
               </a:ext>
             </a:extLst>
           </p:cNvPr>
@@ -8781,8 +8624,8 @@
         </p:blipFill>
         <p:spPr>
           <a:xfrm>
-            <a:off x="2640649" y="0"/>
-            <a:ext cx="6503351" cy="5076202"/>
+            <a:off x="2640649" y="59821"/>
+            <a:ext cx="6401259" cy="4990744"/>
           </a:xfrm>
           <a:prstGeom prst="rect">
             <a:avLst/>
@@ -10839,7 +10682,7 @@
         <p:spPr>
           <a:xfrm>
             <a:off x="234450" y="575500"/>
-            <a:ext cx="2046300" cy="580638"/>
+            <a:ext cx="2046300" cy="817464"/>
           </a:xfrm>
           <a:prstGeom prst="rect">
             <a:avLst/>
@@ -10862,7 +10705,7 @@
             </a:pPr>
             <a:r>
               <a:rPr lang="en-IN" b="1" dirty="0"/>
-              <a:t>Beneficiaries</a:t>
+              <a:t>Relevance in Smart City</a:t>
             </a:r>
             <a:endParaRPr b="1" dirty="0"/>
           </a:p>
@@ -10893,3275 +10736,10 @@
           </a:bodyPr>
           <a:lstStyle/>
           <a:p>
-            <a:pPr marL="0" marR="0" lvl="0" indent="0" algn="r" defTabSz="914400" rtl="0" eaLnBrk="1" fontAlgn="auto" latinLnBrk="0" hangingPunct="1">
-              <a:lnSpc>
-                <a:spcPct val="100000"/>
-              </a:lnSpc>
-              <a:spcBef>
-                <a:spcPts val="0"/>
-              </a:spcBef>
-              <a:spcAft>
-                <a:spcPts val="0"/>
-              </a:spcAft>
-              <a:buClr>
-                <a:srgbClr val="000000"/>
-              </a:buClr>
-              <a:buSzTx/>
-              <a:buFont typeface="Arial"/>
-              <a:buNone/>
-              <a:tabLst/>
-              <a:defRPr/>
-            </a:pPr>
-            <a:fld id="{00000000-1234-1234-1234-123412341234}" type="slidenum">
-              <a:rPr kumimoji="0" lang="en" sz="1000" b="0" i="0" u="none" strike="noStrike" kern="0" cap="none" spc="0" normalizeH="0" baseline="0" noProof="0">
-                <a:ln>
-                  <a:noFill/>
-                </a:ln>
-                <a:solidFill>
-                  <a:srgbClr val="CCCCCC"/>
-                </a:solidFill>
-                <a:effectLst/>
-                <a:uLnTx/>
-                <a:uFillTx/>
-                <a:latin typeface="Nunito Sans"/>
-                <a:sym typeface="Nunito Sans"/>
-              </a:rPr>
-              <a:pPr marL="0" marR="0" lvl="0" indent="0" algn="r" defTabSz="914400" rtl="0" eaLnBrk="1" fontAlgn="auto" latinLnBrk="0" hangingPunct="1">
-                <a:lnSpc>
-                  <a:spcPct val="100000"/>
-                </a:lnSpc>
-                <a:spcBef>
-                  <a:spcPts val="0"/>
-                </a:spcBef>
-                <a:spcAft>
-                  <a:spcPts val="0"/>
-                </a:spcAft>
-                <a:buClr>
-                  <a:srgbClr val="000000"/>
-                </a:buClr>
-                <a:buSzTx/>
-                <a:buFont typeface="Arial"/>
-                <a:buNone/>
-                <a:tabLst/>
-                <a:defRPr/>
-              </a:pPr>
-              <a:t>4</a:t>
-            </a:fld>
-            <a:endParaRPr kumimoji="0" sz="1000" b="0" i="0" u="none" strike="noStrike" kern="0" cap="none" spc="0" normalizeH="0" baseline="0" noProof="0" dirty="0">
-              <a:ln>
-                <a:noFill/>
-              </a:ln>
-              <a:solidFill>
-                <a:srgbClr val="CCCCCC"/>
-              </a:solidFill>
-              <a:effectLst/>
-              <a:uLnTx/>
-              <a:uFillTx/>
-              <a:latin typeface="Nunito Sans"/>
-              <a:sym typeface="Nunito Sans"/>
-            </a:endParaRPr>
-          </a:p>
-        </p:txBody>
-      </p:sp>
-      <p:sp>
-        <p:nvSpPr>
-          <p:cNvPr id="11" name="Shape 114">
-            <a:extLst>
-              <a:ext uri="{FF2B5EF4-FFF2-40B4-BE49-F238E27FC236}">
-                <a16:creationId xmlns:a16="http://schemas.microsoft.com/office/drawing/2014/main" id="{1D3C8554-FECA-4592-9592-A1CD9D928A40}"/>
-              </a:ext>
-            </a:extLst>
-          </p:cNvPr>
-          <p:cNvSpPr txBox="1">
-            <a:spLocks noGrp="1"/>
-          </p:cNvSpPr>
-          <p:nvPr>
-            <p:ph type="body" idx="1"/>
-          </p:nvPr>
-        </p:nvSpPr>
-        <p:spPr>
-          <a:xfrm>
-            <a:off x="2687763" y="975601"/>
-            <a:ext cx="6029350" cy="2363951"/>
-          </a:xfrm>
-          <a:prstGeom prst="rect">
-            <a:avLst/>
-          </a:prstGeom>
-        </p:spPr>
-        <p:txBody>
-          <a:bodyPr spcFirstLastPara="1" wrap="square" lIns="91425" tIns="91425" rIns="91425" bIns="91425" anchor="t" anchorCtr="0">
-            <a:noAutofit/>
-          </a:bodyPr>
-          <a:lstStyle/>
-          <a:p>
-            <a:pPr algn="just"/>
-            <a:r>
-              <a:rPr lang="en-US" i="0" dirty="0">
-                <a:solidFill>
-                  <a:schemeClr val="tx1"/>
-                </a:solidFill>
-                <a:latin typeface="Nunito Sans" panose="020B0604020202020204" charset="0"/>
-                <a:cs typeface="Times New Roman" panose="02020603050405020304" pitchFamily="18" charset="0"/>
-              </a:rPr>
-              <a:t>Citizens</a:t>
-            </a:r>
-          </a:p>
-          <a:p>
-            <a:pPr algn="just"/>
-            <a:r>
-              <a:rPr lang="en-US" i="0" dirty="0">
-                <a:solidFill>
-                  <a:schemeClr val="tx1"/>
-                </a:solidFill>
-                <a:latin typeface="Nunito Sans" panose="020B0604020202020204" charset="0"/>
-                <a:cs typeface="Times New Roman" panose="02020603050405020304" pitchFamily="18" charset="0"/>
-              </a:rPr>
-              <a:t>Healthcare Centers</a:t>
-            </a:r>
-          </a:p>
-          <a:p>
-            <a:pPr algn="just"/>
-            <a:r>
-              <a:rPr lang="en-US" i="0" dirty="0">
-                <a:solidFill>
-                  <a:schemeClr val="tx1"/>
-                </a:solidFill>
-                <a:latin typeface="Nunito Sans" panose="020B0604020202020204" charset="0"/>
-                <a:cs typeface="Times New Roman" panose="02020603050405020304" pitchFamily="18" charset="0"/>
-              </a:rPr>
-              <a:t>Insurance Providers</a:t>
-            </a:r>
-          </a:p>
-          <a:p>
-            <a:pPr algn="just"/>
-            <a:r>
-              <a:rPr lang="en-US" i="0" dirty="0">
-                <a:solidFill>
-                  <a:schemeClr val="tx1"/>
-                </a:solidFill>
-                <a:latin typeface="Nunito Sans" panose="020B0604020202020204" charset="0"/>
-                <a:cs typeface="Times New Roman" panose="02020603050405020304" pitchFamily="18" charset="0"/>
-              </a:rPr>
-              <a:t>Government</a:t>
-            </a:r>
-          </a:p>
-          <a:p>
-            <a:pPr algn="just"/>
-            <a:r>
-              <a:rPr lang="en-US" i="0" dirty="0">
-                <a:solidFill>
-                  <a:schemeClr val="tx1"/>
-                </a:solidFill>
-                <a:latin typeface="Nunito Sans" panose="020B0604020202020204" charset="0"/>
-                <a:cs typeface="Times New Roman" panose="02020603050405020304" pitchFamily="18" charset="0"/>
-              </a:rPr>
-              <a:t>Pharmacist</a:t>
-            </a:r>
-          </a:p>
-        </p:txBody>
-      </p:sp>
-    </p:spTree>
-    <p:extLst>
-      <p:ext uri="{BB962C8B-B14F-4D97-AF65-F5344CB8AC3E}">
-        <p14:creationId xmlns:p14="http://schemas.microsoft.com/office/powerpoint/2010/main" val="1005223877"/>
-      </p:ext>
-    </p:extLst>
-  </p:cSld>
-  <p:clrMapOvr>
-    <a:masterClrMapping/>
-  </p:clrMapOvr>
-</p:sld>
-</file>
-
-<file path=ppt/slides/slide5.xml><?xml version="1.0" encoding="utf-8"?>
-<p:sld xmlns:a="http://schemas.openxmlformats.org/drawingml/2006/main" xmlns:r="http://schemas.openxmlformats.org/officeDocument/2006/relationships" xmlns:p="http://schemas.openxmlformats.org/presentationml/2006/main">
-  <p:cSld>
-    <p:bg>
-      <p:bgPr>
-        <a:solidFill>
-          <a:schemeClr val="accent1">
-            <a:lumMod val="75000"/>
-          </a:schemeClr>
-        </a:solidFill>
-        <a:effectLst/>
-      </p:bgPr>
-    </p:bg>
-    <p:spTree>
-      <p:nvGrpSpPr>
-        <p:cNvPr id="1" name="Shape 103"/>
-        <p:cNvGrpSpPr/>
-        <p:nvPr/>
-      </p:nvGrpSpPr>
-      <p:grpSpPr>
-        <a:xfrm>
-          <a:off x="0" y="0"/>
-          <a:ext cx="0" cy="0"/>
-          <a:chOff x="0" y="0"/>
-          <a:chExt cx="0" cy="0"/>
-        </a:xfrm>
-      </p:grpSpPr>
-      <p:sp>
-        <p:nvSpPr>
-          <p:cNvPr id="107" name="Shape 107"/>
-          <p:cNvSpPr txBox="1">
-            <a:spLocks noGrp="1"/>
-          </p:cNvSpPr>
-          <p:nvPr>
-            <p:ph type="sldNum" idx="12"/>
-          </p:nvPr>
-        </p:nvSpPr>
-        <p:spPr>
-          <a:xfrm>
-            <a:off x="8556784" y="4749851"/>
-            <a:ext cx="548700" cy="393600"/>
-          </a:xfrm>
-          <a:prstGeom prst="rect">
-            <a:avLst/>
-          </a:prstGeom>
-        </p:spPr>
-        <p:txBody>
-          <a:bodyPr spcFirstLastPara="1" wrap="square" lIns="91425" tIns="91425" rIns="91425" bIns="91425" anchor="ctr" anchorCtr="0">
-            <a:noAutofit/>
-          </a:bodyPr>
-          <a:lstStyle/>
-          <a:p>
-            <a:pPr>
-              <a:defRPr/>
-            </a:pPr>
-            <a:fld id="{00000000-1234-1234-1234-123412341234}" type="slidenum">
-              <a:rPr lang="en"/>
-              <a:pPr>
-                <a:defRPr/>
-              </a:pPr>
-              <a:t>5</a:t>
-            </a:fld>
-            <a:endParaRPr dirty="0"/>
-          </a:p>
-        </p:txBody>
-      </p:sp>
-      <p:sp>
-        <p:nvSpPr>
-          <p:cNvPr id="4" name="Rectangle 3">
-            <a:extLst>
-              <a:ext uri="{FF2B5EF4-FFF2-40B4-BE49-F238E27FC236}">
-                <a16:creationId xmlns:a16="http://schemas.microsoft.com/office/drawing/2014/main" id="{73975F41-C02D-4F7A-B534-F50F4D1254D9}"/>
-              </a:ext>
-            </a:extLst>
-          </p:cNvPr>
-          <p:cNvSpPr/>
-          <p:nvPr/>
-        </p:nvSpPr>
-        <p:spPr>
-          <a:xfrm>
-            <a:off x="3067943" y="210067"/>
-            <a:ext cx="3888771" cy="1100210"/>
-          </a:xfrm>
-          <a:prstGeom prst="rect">
-            <a:avLst/>
-          </a:prstGeom>
-          <a:solidFill>
-            <a:schemeClr val="bg1"/>
-          </a:solidFill>
-        </p:spPr>
-        <p:style>
-          <a:lnRef idx="2">
-            <a:schemeClr val="accent1">
-              <a:shade val="50000"/>
-            </a:schemeClr>
-          </a:lnRef>
-          <a:fillRef idx="1">
-            <a:schemeClr val="accent1"/>
-          </a:fillRef>
-          <a:effectRef idx="0">
-            <a:schemeClr val="accent1"/>
-          </a:effectRef>
-          <a:fontRef idx="minor">
-            <a:schemeClr val="lt1"/>
-          </a:fontRef>
-        </p:style>
-        <p:txBody>
-          <a:bodyPr rtlCol="0" anchor="ctr"/>
-          <a:lstStyle/>
-          <a:p>
-            <a:r>
-              <a:rPr lang="en-IN" b="1" dirty="0">
-                <a:solidFill>
-                  <a:srgbClr val="000000"/>
-                </a:solidFill>
-              </a:rPr>
-              <a:t>Hospitals/Mobile Clinics</a:t>
-            </a:r>
-          </a:p>
-          <a:p>
-            <a:pPr marL="171450" indent="-171450">
-              <a:buFont typeface="Arial" pitchFamily="34" charset="0"/>
-              <a:buChar char="•"/>
-            </a:pPr>
-            <a:r>
-              <a:rPr lang="en-US" sz="1100" dirty="0">
-                <a:solidFill>
-                  <a:srgbClr val="000000"/>
-                </a:solidFill>
-              </a:rPr>
-              <a:t>Track medical history of patient</a:t>
-            </a:r>
-          </a:p>
-          <a:p>
-            <a:pPr marL="171450" indent="-171450">
-              <a:buFont typeface="Arial" pitchFamily="34" charset="0"/>
-              <a:buChar char="•"/>
-            </a:pPr>
-            <a:r>
-              <a:rPr lang="en-US" sz="1100" dirty="0">
-                <a:solidFill>
-                  <a:srgbClr val="000000"/>
-                </a:solidFill>
-              </a:rPr>
-              <a:t>Achieve structural interoperability</a:t>
-            </a:r>
-          </a:p>
-          <a:p>
-            <a:pPr marL="171450" indent="-171450">
-              <a:buFont typeface="Arial" pitchFamily="34" charset="0"/>
-              <a:buChar char="•"/>
-            </a:pPr>
-            <a:r>
-              <a:rPr lang="en-US" sz="1100" dirty="0">
-                <a:solidFill>
-                  <a:srgbClr val="000000"/>
-                </a:solidFill>
-              </a:rPr>
-              <a:t>Ease of record access</a:t>
-            </a:r>
-          </a:p>
-          <a:p>
-            <a:pPr marL="171450" indent="-171450">
-              <a:buFont typeface="Arial" pitchFamily="34" charset="0"/>
-              <a:buChar char="•"/>
-            </a:pPr>
-            <a:r>
-              <a:rPr lang="en-US" sz="1100" dirty="0">
-                <a:solidFill>
-                  <a:srgbClr val="000000"/>
-                </a:solidFill>
-              </a:rPr>
-              <a:t>Real-time record uploading</a:t>
-            </a:r>
-          </a:p>
-          <a:p>
-            <a:pPr marL="171450" indent="-171450">
-              <a:buFont typeface="Arial" pitchFamily="34" charset="0"/>
-              <a:buChar char="•"/>
-            </a:pPr>
-            <a:r>
-              <a:rPr lang="en-US" sz="1100" dirty="0">
-                <a:solidFill>
-                  <a:srgbClr val="000000"/>
-                </a:solidFill>
-              </a:rPr>
-              <a:t>Improve delivery of services</a:t>
-            </a:r>
-          </a:p>
-        </p:txBody>
-      </p:sp>
-      <p:sp>
-        <p:nvSpPr>
-          <p:cNvPr id="8" name="Rectangle 7">
-            <a:extLst>
-              <a:ext uri="{FF2B5EF4-FFF2-40B4-BE49-F238E27FC236}">
-                <a16:creationId xmlns:a16="http://schemas.microsoft.com/office/drawing/2014/main" id="{587713AA-9CBD-4BD7-A8A4-7B621B110039}"/>
-              </a:ext>
-            </a:extLst>
-          </p:cNvPr>
-          <p:cNvSpPr/>
-          <p:nvPr/>
-        </p:nvSpPr>
-        <p:spPr>
-          <a:xfrm>
-            <a:off x="4427985" y="1432997"/>
-            <a:ext cx="3737464" cy="1016949"/>
-          </a:xfrm>
-          <a:prstGeom prst="rect">
-            <a:avLst/>
-          </a:prstGeom>
-          <a:solidFill>
-            <a:schemeClr val="bg1"/>
-          </a:solidFill>
-        </p:spPr>
-        <p:style>
-          <a:lnRef idx="2">
-            <a:schemeClr val="accent1">
-              <a:shade val="50000"/>
-            </a:schemeClr>
-          </a:lnRef>
-          <a:fillRef idx="1">
-            <a:schemeClr val="accent1"/>
-          </a:fillRef>
-          <a:effectRef idx="0">
-            <a:schemeClr val="accent1"/>
-          </a:effectRef>
-          <a:fontRef idx="minor">
-            <a:schemeClr val="lt1"/>
-          </a:fontRef>
-        </p:style>
-        <p:txBody>
-          <a:bodyPr rtlCol="0" anchor="ctr"/>
-          <a:lstStyle/>
-          <a:p>
-            <a:r>
-              <a:rPr lang="en-IN" b="1" dirty="0">
-                <a:solidFill>
-                  <a:srgbClr val="000000"/>
-                </a:solidFill>
-              </a:rPr>
-              <a:t>Government</a:t>
-            </a:r>
-          </a:p>
-          <a:p>
-            <a:pPr marL="171450" indent="-171450">
-              <a:buFont typeface="Arial" pitchFamily="34" charset="0"/>
-              <a:buChar char="•"/>
-            </a:pPr>
-            <a:r>
-              <a:rPr lang="en-US" sz="1100" dirty="0">
-                <a:solidFill>
-                  <a:srgbClr val="000000"/>
-                </a:solidFill>
-              </a:rPr>
-              <a:t>Better management of health records</a:t>
-            </a:r>
-          </a:p>
-          <a:p>
-            <a:pPr marL="171450" indent="-171450">
-              <a:buFont typeface="Arial" pitchFamily="34" charset="0"/>
-              <a:buChar char="•"/>
-            </a:pPr>
-            <a:r>
-              <a:rPr lang="en-US" sz="1100" dirty="0">
-                <a:solidFill>
-                  <a:srgbClr val="000000"/>
-                </a:solidFill>
-              </a:rPr>
-              <a:t>Economization(cost-reduction)</a:t>
-            </a:r>
-          </a:p>
-          <a:p>
-            <a:pPr marL="171450" indent="-171450">
-              <a:buFont typeface="Arial" pitchFamily="34" charset="0"/>
-              <a:buChar char="•"/>
-            </a:pPr>
-            <a:r>
-              <a:rPr lang="en-US" sz="1100" dirty="0">
-                <a:solidFill>
-                  <a:srgbClr val="000000"/>
-                </a:solidFill>
-              </a:rPr>
-              <a:t>Basis for developing long-term strategy</a:t>
-            </a:r>
-          </a:p>
-        </p:txBody>
-      </p:sp>
-      <p:pic>
-        <p:nvPicPr>
-          <p:cNvPr id="9" name="Picture 42">
-            <a:extLst>
-              <a:ext uri="{FF2B5EF4-FFF2-40B4-BE49-F238E27FC236}">
-                <a16:creationId xmlns:a16="http://schemas.microsoft.com/office/drawing/2014/main" id="{72CD0BC3-CBCD-4F08-9EC2-094477A3F00F}"/>
-              </a:ext>
-            </a:extLst>
-          </p:cNvPr>
-          <p:cNvPicPr>
-            <a:picLocks noChangeAspect="1" noChangeArrowheads="1"/>
-          </p:cNvPicPr>
-          <p:nvPr/>
-        </p:nvPicPr>
-        <p:blipFill>
-          <a:blip r:embed="rId3">
-            <a:extLst>
-              <a:ext uri="{28A0092B-C50C-407E-A947-70E740481C1C}">
-                <a14:useLocalDpi xmlns:a14="http://schemas.microsoft.com/office/drawing/2010/main" val="0"/>
-              </a:ext>
-            </a:extLst>
-          </a:blip>
-          <a:srcRect/>
-          <a:stretch>
-            <a:fillRect/>
-          </a:stretch>
-        </p:blipFill>
-        <p:spPr bwMode="auto">
-          <a:xfrm>
-            <a:off x="6012160" y="302617"/>
-            <a:ext cx="831850" cy="831850"/>
-          </a:xfrm>
-          <a:prstGeom prst="rect">
-            <a:avLst/>
-          </a:prstGeom>
-          <a:noFill/>
-          <a:ln>
-            <a:noFill/>
-          </a:ln>
-          <a:extLst>
-            <a:ext uri="{909E8E84-426E-40DD-AFC4-6F175D3DCCD1}">
-              <a14:hiddenFill xmlns:a14="http://schemas.microsoft.com/office/drawing/2010/main">
-                <a:solidFill>
-                  <a:srgbClr val="FFFFFF"/>
-                </a:solidFill>
-              </a14:hiddenFill>
-            </a:ext>
-            <a:ext uri="{91240B29-F687-4F45-9708-019B960494DF}">
-              <a14:hiddenLine xmlns:a14="http://schemas.microsoft.com/office/drawing/2010/main" w="9525">
-                <a:solidFill>
-                  <a:srgbClr val="000000"/>
-                </a:solidFill>
-                <a:miter lim="800000"/>
-                <a:headEnd/>
-                <a:tailEnd/>
-              </a14:hiddenLine>
-            </a:ext>
-          </a:extLst>
-        </p:spPr>
-      </p:pic>
-      <p:sp>
-        <p:nvSpPr>
-          <p:cNvPr id="10" name="Rectangle 9">
-            <a:extLst>
-              <a:ext uri="{FF2B5EF4-FFF2-40B4-BE49-F238E27FC236}">
-                <a16:creationId xmlns:a16="http://schemas.microsoft.com/office/drawing/2014/main" id="{A6D7667A-DA73-430E-A281-75520436CCCB}"/>
-              </a:ext>
-            </a:extLst>
-          </p:cNvPr>
-          <p:cNvSpPr/>
-          <p:nvPr/>
-        </p:nvSpPr>
-        <p:spPr>
-          <a:xfrm>
-            <a:off x="3082804" y="2625756"/>
-            <a:ext cx="3873910" cy="1100210"/>
-          </a:xfrm>
-          <a:prstGeom prst="rect">
-            <a:avLst/>
-          </a:prstGeom>
-          <a:noFill/>
-        </p:spPr>
-        <p:style>
-          <a:lnRef idx="2">
-            <a:schemeClr val="accent1">
-              <a:shade val="50000"/>
-            </a:schemeClr>
-          </a:lnRef>
-          <a:fillRef idx="1">
-            <a:schemeClr val="accent1"/>
-          </a:fillRef>
-          <a:effectRef idx="0">
-            <a:schemeClr val="accent1"/>
-          </a:effectRef>
-          <a:fontRef idx="minor">
-            <a:schemeClr val="lt1"/>
-          </a:fontRef>
-        </p:style>
-        <p:txBody>
-          <a:bodyPr rtlCol="0" anchor="ctr"/>
-          <a:lstStyle/>
-          <a:p>
-            <a:r>
-              <a:rPr lang="en-IN" b="1" dirty="0">
-                <a:solidFill>
-                  <a:srgbClr val="000000"/>
-                </a:solidFill>
-              </a:rPr>
-              <a:t>Citizens</a:t>
-            </a:r>
-          </a:p>
-          <a:p>
-            <a:pPr marL="285750" indent="-285750">
-              <a:buFont typeface="Arial" pitchFamily="34" charset="0"/>
-              <a:buChar char="•"/>
-            </a:pPr>
-            <a:r>
-              <a:rPr lang="en-US" sz="1100" dirty="0">
-                <a:solidFill>
-                  <a:srgbClr val="000000"/>
-                </a:solidFill>
-              </a:rPr>
-              <a:t>Health records stored securely</a:t>
-            </a:r>
-          </a:p>
-          <a:p>
-            <a:pPr marL="285750" indent="-285750">
-              <a:buFont typeface="Arial" pitchFamily="34" charset="0"/>
-              <a:buChar char="•"/>
-            </a:pPr>
-            <a:r>
-              <a:rPr lang="en-US" sz="1100" dirty="0">
-                <a:solidFill>
-                  <a:srgbClr val="000000"/>
-                </a:solidFill>
-              </a:rPr>
-              <a:t>Easy to access records</a:t>
-            </a:r>
-          </a:p>
-          <a:p>
-            <a:pPr marL="285750" indent="-285750">
-              <a:buFont typeface="Arial" pitchFamily="34" charset="0"/>
-              <a:buChar char="•"/>
-            </a:pPr>
-            <a:r>
-              <a:rPr lang="en-US" sz="1100" dirty="0">
-                <a:solidFill>
-                  <a:srgbClr val="000000"/>
-                </a:solidFill>
-              </a:rPr>
-              <a:t>Record portability</a:t>
-            </a:r>
-          </a:p>
-          <a:p>
-            <a:pPr marL="285750" indent="-285750">
-              <a:buFont typeface="Arial" pitchFamily="34" charset="0"/>
-              <a:buChar char="•"/>
-            </a:pPr>
-            <a:r>
-              <a:rPr lang="en-US" sz="1100" dirty="0">
-                <a:solidFill>
-                  <a:srgbClr val="000000"/>
-                </a:solidFill>
-              </a:rPr>
-              <a:t>Easy to track medical history</a:t>
-            </a:r>
-          </a:p>
-          <a:p>
-            <a:pPr marL="285750" indent="-285750">
-              <a:buFont typeface="Arial" pitchFamily="34" charset="0"/>
-              <a:buChar char="•"/>
-            </a:pPr>
-            <a:r>
-              <a:rPr lang="en-US" sz="1100" dirty="0">
-                <a:solidFill>
-                  <a:srgbClr val="000000"/>
-                </a:solidFill>
-              </a:rPr>
-              <a:t>Records shared with others to </a:t>
-            </a:r>
-            <a:r>
-              <a:rPr lang="en-US" sz="1100">
-                <a:solidFill>
-                  <a:srgbClr val="000000"/>
-                </a:solidFill>
-              </a:rPr>
-              <a:t>their discretion</a:t>
-            </a:r>
-            <a:endParaRPr lang="en-US" sz="1100" dirty="0">
-              <a:solidFill>
-                <a:srgbClr val="000000"/>
-              </a:solidFill>
-            </a:endParaRPr>
-          </a:p>
-        </p:txBody>
-      </p:sp>
-      <p:sp>
-        <p:nvSpPr>
-          <p:cNvPr id="11" name="Shape 104"/>
-          <p:cNvSpPr txBox="1">
-            <a:spLocks noGrp="1"/>
-          </p:cNvSpPr>
-          <p:nvPr>
-            <p:ph type="title"/>
-          </p:nvPr>
-        </p:nvSpPr>
-        <p:spPr>
-          <a:xfrm>
-            <a:off x="234450" y="575500"/>
-            <a:ext cx="2046300" cy="580638"/>
-          </a:xfrm>
-          <a:prstGeom prst="rect">
-            <a:avLst/>
-          </a:prstGeom>
-        </p:spPr>
-        <p:txBody>
-          <a:bodyPr spcFirstLastPara="1" wrap="square" lIns="91425" tIns="91425" rIns="91425" bIns="91425" anchor="t" anchorCtr="0">
-            <a:noAutofit/>
-          </a:bodyPr>
-          <a:lstStyle/>
-          <a:p>
-            <a:pPr marL="0" lvl="0" indent="0" rtl="0">
-              <a:spcBef>
-                <a:spcPts val="0"/>
-              </a:spcBef>
-              <a:spcAft>
-                <a:spcPts val="0"/>
-              </a:spcAft>
-              <a:buNone/>
-            </a:pPr>
-            <a:r>
-              <a:rPr lang="en-IN" b="1" dirty="0"/>
-              <a:t>Help to Beneficiary</a:t>
-            </a:r>
-            <a:endParaRPr b="1" dirty="0"/>
-          </a:p>
-        </p:txBody>
-      </p:sp>
-      <p:sp>
-        <p:nvSpPr>
-          <p:cNvPr id="12" name="Rectangle 11">
-            <a:extLst>
-              <a:ext uri="{FF2B5EF4-FFF2-40B4-BE49-F238E27FC236}">
-                <a16:creationId xmlns:a16="http://schemas.microsoft.com/office/drawing/2014/main" id="{A6D7667A-DA73-430E-A281-75520436CCCB}"/>
-              </a:ext>
-            </a:extLst>
-          </p:cNvPr>
-          <p:cNvSpPr/>
-          <p:nvPr/>
-        </p:nvSpPr>
-        <p:spPr>
-          <a:xfrm>
-            <a:off x="4427986" y="3867894"/>
-            <a:ext cx="3737463" cy="1016949"/>
-          </a:xfrm>
-          <a:prstGeom prst="rect">
-            <a:avLst/>
-          </a:prstGeom>
-          <a:noFill/>
-        </p:spPr>
-        <p:style>
-          <a:lnRef idx="2">
-            <a:schemeClr val="accent1">
-              <a:shade val="50000"/>
-            </a:schemeClr>
-          </a:lnRef>
-          <a:fillRef idx="1">
-            <a:schemeClr val="accent1"/>
-          </a:fillRef>
-          <a:effectRef idx="0">
-            <a:schemeClr val="accent1"/>
-          </a:effectRef>
-          <a:fontRef idx="minor">
-            <a:schemeClr val="lt1"/>
-          </a:fontRef>
-        </p:style>
-        <p:txBody>
-          <a:bodyPr rtlCol="0" anchor="ctr"/>
-          <a:lstStyle/>
-          <a:p>
-            <a:r>
-              <a:rPr lang="en-IN" b="1" dirty="0">
-                <a:solidFill>
-                  <a:srgbClr val="000000"/>
-                </a:solidFill>
-              </a:rPr>
-              <a:t>Pharmacist</a:t>
-            </a:r>
-          </a:p>
-          <a:p>
-            <a:pPr marL="285750" indent="-285750">
-              <a:buFont typeface="Arial" pitchFamily="34" charset="0"/>
-              <a:buChar char="•"/>
-            </a:pPr>
-            <a:r>
-              <a:rPr lang="en-US" sz="1100" dirty="0">
-                <a:solidFill>
-                  <a:srgbClr val="000000"/>
-                </a:solidFill>
-              </a:rPr>
-              <a:t>Access to legitimate prescription</a:t>
-            </a:r>
-          </a:p>
-          <a:p>
-            <a:pPr marL="285750" indent="-285750">
-              <a:buFont typeface="Arial" pitchFamily="34" charset="0"/>
-              <a:buChar char="•"/>
-            </a:pPr>
-            <a:r>
-              <a:rPr lang="en-US" sz="1100" dirty="0">
-                <a:solidFill>
-                  <a:srgbClr val="000000"/>
-                </a:solidFill>
-              </a:rPr>
-              <a:t>Reduce leakage of drugs</a:t>
-            </a:r>
-          </a:p>
-          <a:p>
-            <a:pPr marL="285750" indent="-285750">
-              <a:buFont typeface="Arial" pitchFamily="34" charset="0"/>
-              <a:buChar char="•"/>
-            </a:pPr>
-            <a:r>
-              <a:rPr lang="en-US" sz="1100" dirty="0">
-                <a:solidFill>
-                  <a:srgbClr val="000000"/>
-                </a:solidFill>
-              </a:rPr>
-              <a:t>Use AI to predict </a:t>
-            </a:r>
-            <a:r>
-              <a:rPr lang="en-US" sz="1100">
-                <a:solidFill>
-                  <a:srgbClr val="000000"/>
-                </a:solidFill>
-              </a:rPr>
-              <a:t>drug stock</a:t>
-            </a:r>
-            <a:endParaRPr lang="en-US" sz="1100" dirty="0">
-              <a:solidFill>
-                <a:srgbClr val="000000"/>
-              </a:solidFill>
-            </a:endParaRPr>
-          </a:p>
-          <a:p>
-            <a:pPr marL="285750" indent="-285750">
-              <a:buFont typeface="Arial" pitchFamily="34" charset="0"/>
-              <a:buChar char="•"/>
-            </a:pPr>
-            <a:endParaRPr lang="en-US" sz="1100" dirty="0">
-              <a:solidFill>
-                <a:srgbClr val="000000"/>
-              </a:solidFill>
-            </a:endParaRPr>
-          </a:p>
-        </p:txBody>
-      </p:sp>
-      <p:pic>
-        <p:nvPicPr>
-          <p:cNvPr id="1026" name="Picture 2" descr="Image result for government png"/>
-          <p:cNvPicPr>
-            <a:picLocks noChangeAspect="1" noChangeArrowheads="1"/>
-          </p:cNvPicPr>
-          <p:nvPr/>
-        </p:nvPicPr>
-        <p:blipFill>
-          <a:blip r:embed="rId4" cstate="print">
-            <a:extLst>
-              <a:ext uri="{28A0092B-C50C-407E-A947-70E740481C1C}">
-                <a14:useLocalDpi xmlns:a14="http://schemas.microsoft.com/office/drawing/2010/main" val="0"/>
-              </a:ext>
-            </a:extLst>
-          </a:blip>
-          <a:srcRect/>
-          <a:stretch>
-            <a:fillRect/>
-          </a:stretch>
-        </p:blipFill>
-        <p:spPr bwMode="auto">
-          <a:xfrm>
-            <a:off x="7308305" y="1488186"/>
-            <a:ext cx="795873" cy="831849"/>
-          </a:xfrm>
-          <a:prstGeom prst="rect">
-            <a:avLst/>
-          </a:prstGeom>
-          <a:noFill/>
-          <a:extLst>
-            <a:ext uri="{909E8E84-426E-40DD-AFC4-6F175D3DCCD1}">
-              <a14:hiddenFill xmlns:a14="http://schemas.microsoft.com/office/drawing/2010/main">
-                <a:solidFill>
-                  <a:srgbClr val="FFFFFF"/>
-                </a:solidFill>
-              </a14:hiddenFill>
-            </a:ext>
-          </a:extLst>
-        </p:spPr>
-      </p:pic>
-      <p:pic>
-        <p:nvPicPr>
-          <p:cNvPr id="1028" name="Picture 4" descr="Image result for citizen png"/>
-          <p:cNvPicPr>
-            <a:picLocks noChangeAspect="1" noChangeArrowheads="1"/>
-          </p:cNvPicPr>
-          <p:nvPr/>
-        </p:nvPicPr>
-        <p:blipFill>
-          <a:blip r:embed="rId5" cstate="print">
-            <a:extLst>
-              <a:ext uri="{28A0092B-C50C-407E-A947-70E740481C1C}">
-                <a14:useLocalDpi xmlns:a14="http://schemas.microsoft.com/office/drawing/2010/main" val="0"/>
-              </a:ext>
-            </a:extLst>
-          </a:blip>
-          <a:srcRect/>
-          <a:stretch>
-            <a:fillRect/>
-          </a:stretch>
-        </p:blipFill>
-        <p:spPr bwMode="auto">
-          <a:xfrm>
-            <a:off x="5876464" y="2787774"/>
-            <a:ext cx="957219" cy="707456"/>
-          </a:xfrm>
-          <a:prstGeom prst="rect">
-            <a:avLst/>
-          </a:prstGeom>
-          <a:noFill/>
-          <a:extLst>
-            <a:ext uri="{909E8E84-426E-40DD-AFC4-6F175D3DCCD1}">
-              <a14:hiddenFill xmlns:a14="http://schemas.microsoft.com/office/drawing/2010/main">
-                <a:solidFill>
-                  <a:srgbClr val="FFFFFF"/>
-                </a:solidFill>
-              </a14:hiddenFill>
-            </a:ext>
-          </a:extLst>
-        </p:spPr>
-      </p:pic>
-      <p:pic>
-        <p:nvPicPr>
-          <p:cNvPr id="1032" name="Picture 8" descr="Related image"/>
-          <p:cNvPicPr>
-            <a:picLocks noChangeAspect="1" noChangeArrowheads="1"/>
-          </p:cNvPicPr>
-          <p:nvPr/>
-        </p:nvPicPr>
-        <p:blipFill>
-          <a:blip r:embed="rId6" cstate="print">
-            <a:extLst>
-              <a:ext uri="{28A0092B-C50C-407E-A947-70E740481C1C}">
-                <a14:useLocalDpi xmlns:a14="http://schemas.microsoft.com/office/drawing/2010/main" val="0"/>
-              </a:ext>
-            </a:extLst>
-          </a:blip>
-          <a:srcRect/>
-          <a:stretch>
-            <a:fillRect/>
-          </a:stretch>
-        </p:blipFill>
-        <p:spPr bwMode="auto">
-          <a:xfrm>
-            <a:off x="7315476" y="4050360"/>
-            <a:ext cx="869356" cy="652017"/>
-          </a:xfrm>
-          <a:prstGeom prst="rect">
-            <a:avLst/>
-          </a:prstGeom>
-          <a:noFill/>
-          <a:extLst>
-            <a:ext uri="{909E8E84-426E-40DD-AFC4-6F175D3DCCD1}">
-              <a14:hiddenFill xmlns:a14="http://schemas.microsoft.com/office/drawing/2010/main">
-                <a:solidFill>
-                  <a:srgbClr val="FFFFFF"/>
-                </a:solidFill>
-              </a14:hiddenFill>
-            </a:ext>
-          </a:extLst>
-        </p:spPr>
-      </p:pic>
-    </p:spTree>
-    <p:extLst>
-      <p:ext uri="{BB962C8B-B14F-4D97-AF65-F5344CB8AC3E}">
-        <p14:creationId xmlns:p14="http://schemas.microsoft.com/office/powerpoint/2010/main" val="1649971516"/>
-      </p:ext>
-    </p:extLst>
-  </p:cSld>
-  <p:clrMapOvr>
-    <a:masterClrMapping/>
-  </p:clrMapOvr>
-</p:sld>
-</file>
-
-<file path=ppt/slides/slide6.xml><?xml version="1.0" encoding="utf-8"?>
-<p:sld xmlns:a="http://schemas.openxmlformats.org/drawingml/2006/main" xmlns:r="http://schemas.openxmlformats.org/officeDocument/2006/relationships" xmlns:p="http://schemas.openxmlformats.org/presentationml/2006/main">
-  <p:cSld>
-    <p:bg>
-      <p:bgPr>
-        <a:solidFill>
-          <a:schemeClr val="accent1">
-            <a:lumMod val="75000"/>
-          </a:schemeClr>
-        </a:solidFill>
-        <a:effectLst/>
-      </p:bgPr>
-    </p:bg>
-    <p:spTree>
-      <p:nvGrpSpPr>
-        <p:cNvPr id="1" name="Shape 103"/>
-        <p:cNvGrpSpPr/>
-        <p:nvPr/>
-      </p:nvGrpSpPr>
-      <p:grpSpPr>
-        <a:xfrm>
-          <a:off x="0" y="0"/>
-          <a:ext cx="0" cy="0"/>
-          <a:chOff x="0" y="0"/>
-          <a:chExt cx="0" cy="0"/>
-        </a:xfrm>
-      </p:grpSpPr>
-      <p:sp>
-        <p:nvSpPr>
-          <p:cNvPr id="104" name="Shape 104"/>
-          <p:cNvSpPr txBox="1">
-            <a:spLocks noGrp="1"/>
-          </p:cNvSpPr>
-          <p:nvPr>
-            <p:ph type="title"/>
-          </p:nvPr>
-        </p:nvSpPr>
-        <p:spPr>
-          <a:xfrm>
-            <a:off x="224150" y="363755"/>
-            <a:ext cx="2046300" cy="580638"/>
-          </a:xfrm>
-          <a:prstGeom prst="rect">
-            <a:avLst/>
-          </a:prstGeom>
-        </p:spPr>
-        <p:txBody>
-          <a:bodyPr spcFirstLastPara="1" wrap="square" lIns="91425" tIns="91425" rIns="91425" bIns="91425" anchor="t" anchorCtr="0">
-            <a:noAutofit/>
-          </a:bodyPr>
-          <a:lstStyle/>
-          <a:p>
-            <a:pPr marL="0" lvl="0" indent="0" rtl="0">
-              <a:spcBef>
-                <a:spcPts val="0"/>
-              </a:spcBef>
-              <a:spcAft>
-                <a:spcPts val="0"/>
-              </a:spcAft>
-              <a:buNone/>
-            </a:pPr>
-            <a:r>
-              <a:rPr lang="en-IN" b="1" dirty="0"/>
-              <a:t>Business Model</a:t>
-            </a:r>
-            <a:endParaRPr b="1" dirty="0"/>
-          </a:p>
-        </p:txBody>
-      </p:sp>
-      <p:sp>
-        <p:nvSpPr>
-          <p:cNvPr id="5" name="Rectangle 4"/>
-          <p:cNvSpPr/>
-          <p:nvPr/>
-        </p:nvSpPr>
-        <p:spPr>
-          <a:xfrm>
-            <a:off x="2753320" y="655146"/>
-            <a:ext cx="1944216" cy="535364"/>
-          </a:xfrm>
-          <a:prstGeom prst="rect">
-            <a:avLst/>
-          </a:prstGeom>
-          <a:noFill/>
-          <a:ln>
-            <a:solidFill>
-              <a:schemeClr val="bg1">
-                <a:lumMod val="85000"/>
-              </a:schemeClr>
-            </a:solidFill>
-          </a:ln>
-        </p:spPr>
-        <p:style>
-          <a:lnRef idx="2">
-            <a:schemeClr val="accent1">
-              <a:shade val="50000"/>
-            </a:schemeClr>
-          </a:lnRef>
-          <a:fillRef idx="1">
-            <a:schemeClr val="accent1"/>
-          </a:fillRef>
-          <a:effectRef idx="0">
-            <a:schemeClr val="accent1"/>
-          </a:effectRef>
-          <a:fontRef idx="minor">
-            <a:schemeClr val="lt1"/>
-          </a:fontRef>
-        </p:style>
-        <p:txBody>
-          <a:bodyPr rtlCol="0" anchor="ctr"/>
-          <a:lstStyle/>
-          <a:p>
-            <a:pPr algn="ctr">
-              <a:buClrTx/>
-              <a:buFontTx/>
-              <a:buNone/>
-            </a:pPr>
-            <a:endParaRPr lang="en-IN" sz="1800" kern="1200">
-              <a:solidFill>
-                <a:srgbClr val="FFFFFF"/>
-              </a:solidFill>
-            </a:endParaRPr>
-          </a:p>
-        </p:txBody>
-      </p:sp>
-      <p:sp>
-        <p:nvSpPr>
-          <p:cNvPr id="14" name="Rectangle 13"/>
-          <p:cNvSpPr/>
-          <p:nvPr/>
-        </p:nvSpPr>
-        <p:spPr>
-          <a:xfrm>
-            <a:off x="7001792" y="666342"/>
-            <a:ext cx="1253595" cy="524168"/>
-          </a:xfrm>
-          <a:prstGeom prst="rect">
-            <a:avLst/>
-          </a:prstGeom>
-          <a:noFill/>
-          <a:ln>
-            <a:solidFill>
-              <a:schemeClr val="bg1">
-                <a:lumMod val="85000"/>
-              </a:schemeClr>
-            </a:solidFill>
-          </a:ln>
-        </p:spPr>
-        <p:style>
-          <a:lnRef idx="2">
-            <a:schemeClr val="accent1">
-              <a:shade val="50000"/>
-            </a:schemeClr>
-          </a:lnRef>
-          <a:fillRef idx="1">
-            <a:schemeClr val="accent1"/>
-          </a:fillRef>
-          <a:effectRef idx="0">
-            <a:schemeClr val="accent1"/>
-          </a:effectRef>
-          <a:fontRef idx="minor">
-            <a:schemeClr val="lt1"/>
-          </a:fontRef>
-        </p:style>
-        <p:txBody>
-          <a:bodyPr rtlCol="0" anchor="ctr"/>
-          <a:lstStyle/>
-          <a:p>
-            <a:pPr algn="ctr">
-              <a:buClrTx/>
-              <a:buFontTx/>
-              <a:buNone/>
-            </a:pPr>
-            <a:endParaRPr lang="en-IN" sz="1800" kern="1200">
-              <a:solidFill>
-                <a:srgbClr val="FFFFFF"/>
-              </a:solidFill>
-            </a:endParaRPr>
-          </a:p>
-        </p:txBody>
-      </p:sp>
-      <p:sp>
-        <p:nvSpPr>
-          <p:cNvPr id="15" name="Rectangle 14"/>
-          <p:cNvSpPr/>
-          <p:nvPr/>
-        </p:nvSpPr>
-        <p:spPr>
-          <a:xfrm>
-            <a:off x="4877556" y="666342"/>
-            <a:ext cx="1944216" cy="524168"/>
-          </a:xfrm>
-          <a:prstGeom prst="rect">
-            <a:avLst/>
-          </a:prstGeom>
-          <a:noFill/>
-          <a:ln>
-            <a:solidFill>
-              <a:schemeClr val="bg1">
-                <a:lumMod val="85000"/>
-              </a:schemeClr>
-            </a:solidFill>
-          </a:ln>
-        </p:spPr>
-        <p:style>
-          <a:lnRef idx="2">
-            <a:schemeClr val="accent1">
-              <a:shade val="50000"/>
-            </a:schemeClr>
-          </a:lnRef>
-          <a:fillRef idx="1">
-            <a:schemeClr val="accent1"/>
-          </a:fillRef>
-          <a:effectRef idx="0">
-            <a:schemeClr val="accent1"/>
-          </a:effectRef>
-          <a:fontRef idx="minor">
-            <a:schemeClr val="lt1"/>
-          </a:fontRef>
-        </p:style>
-        <p:txBody>
-          <a:bodyPr rtlCol="0" anchor="ctr"/>
-          <a:lstStyle/>
-          <a:p>
-            <a:pPr algn="ctr">
-              <a:buClrTx/>
-              <a:buFontTx/>
-              <a:buNone/>
-            </a:pPr>
-            <a:endParaRPr lang="en-IN" sz="1800" kern="1200">
-              <a:solidFill>
-                <a:srgbClr val="FFFFFF"/>
-              </a:solidFill>
-            </a:endParaRPr>
-          </a:p>
-        </p:txBody>
-      </p:sp>
-      <p:sp>
-        <p:nvSpPr>
-          <p:cNvPr id="7" name="TextBox 6"/>
-          <p:cNvSpPr txBox="1"/>
-          <p:nvPr/>
-        </p:nvSpPr>
-        <p:spPr>
-          <a:xfrm>
-            <a:off x="3009971" y="663578"/>
-            <a:ext cx="1205779" cy="461665"/>
-          </a:xfrm>
-          <a:prstGeom prst="rect">
-            <a:avLst/>
-          </a:prstGeom>
-          <a:noFill/>
-        </p:spPr>
-        <p:txBody>
-          <a:bodyPr wrap="none" rtlCol="0">
-            <a:spAutoFit/>
-          </a:bodyPr>
-          <a:lstStyle/>
-          <a:p>
-            <a:pPr algn="ctr">
-              <a:buClrTx/>
-              <a:buFontTx/>
-              <a:buNone/>
-            </a:pPr>
-            <a:r>
-              <a:rPr lang="en-IN" sz="800" kern="1200" dirty="0">
-                <a:ea typeface="+mn-ea"/>
-                <a:cs typeface="+mn-cs"/>
-              </a:rPr>
-              <a:t>Blockchain Network + </a:t>
-            </a:r>
-          </a:p>
-          <a:p>
-            <a:pPr algn="ctr">
-              <a:buClrTx/>
-              <a:buFontTx/>
-              <a:buNone/>
-            </a:pPr>
-            <a:r>
-              <a:rPr lang="en-IN" sz="800" kern="1200" dirty="0">
-                <a:ea typeface="+mn-ea"/>
-                <a:cs typeface="+mn-cs"/>
-              </a:rPr>
-              <a:t>Hospitals + </a:t>
-            </a:r>
-          </a:p>
-          <a:p>
-            <a:pPr algn="ctr">
-              <a:buClrTx/>
-              <a:buFontTx/>
-              <a:buNone/>
-            </a:pPr>
-            <a:r>
-              <a:rPr lang="en-IN" sz="800" kern="1200" dirty="0" err="1">
-                <a:ea typeface="+mn-ea"/>
-                <a:cs typeface="+mn-cs"/>
-              </a:rPr>
-              <a:t>Punekars</a:t>
-            </a:r>
-            <a:r>
-              <a:rPr lang="en-IN" sz="800" kern="1200" dirty="0">
-                <a:ea typeface="+mn-ea"/>
-                <a:cs typeface="+mn-cs"/>
-              </a:rPr>
-              <a:t>(Clients)</a:t>
-            </a:r>
-          </a:p>
-        </p:txBody>
-      </p:sp>
-      <p:sp>
-        <p:nvSpPr>
-          <p:cNvPr id="37" name="TextBox 36"/>
-          <p:cNvSpPr txBox="1"/>
-          <p:nvPr/>
-        </p:nvSpPr>
-        <p:spPr>
-          <a:xfrm>
-            <a:off x="4951540" y="717305"/>
-            <a:ext cx="1253869" cy="461665"/>
-          </a:xfrm>
-          <a:prstGeom prst="rect">
-            <a:avLst/>
-          </a:prstGeom>
-          <a:noFill/>
-        </p:spPr>
-        <p:txBody>
-          <a:bodyPr wrap="none" rtlCol="0">
-            <a:spAutoFit/>
-          </a:bodyPr>
-          <a:lstStyle/>
-          <a:p>
-            <a:pPr>
-              <a:buClrTx/>
-              <a:buFontTx/>
-              <a:buNone/>
-            </a:pPr>
-            <a:r>
-              <a:rPr lang="en-IN" sz="800" kern="1200" dirty="0">
-                <a:ea typeface="+mn-ea"/>
-                <a:cs typeface="+mn-cs"/>
-              </a:rPr>
-              <a:t>Period : 6 to 10 months</a:t>
-            </a:r>
-          </a:p>
-          <a:p>
-            <a:pPr>
-              <a:buClrTx/>
-              <a:buFontTx/>
-              <a:buNone/>
-            </a:pPr>
-            <a:r>
-              <a:rPr lang="en-IN" sz="800" kern="1200" dirty="0">
-                <a:ea typeface="+mn-ea"/>
-                <a:cs typeface="+mn-cs"/>
-              </a:rPr>
-              <a:t>Expenditure : 2cr </a:t>
-            </a:r>
-          </a:p>
-          <a:p>
-            <a:pPr>
-              <a:buClrTx/>
-              <a:buFontTx/>
-              <a:buNone/>
-            </a:pPr>
-            <a:r>
-              <a:rPr lang="en-IN" sz="800" kern="1200" dirty="0">
-                <a:ea typeface="+mn-ea"/>
-                <a:cs typeface="+mn-cs"/>
-              </a:rPr>
-              <a:t>Revenue : Nil</a:t>
-            </a:r>
-          </a:p>
-        </p:txBody>
-      </p:sp>
-      <p:sp>
-        <p:nvSpPr>
-          <p:cNvPr id="38" name="TextBox 37"/>
-          <p:cNvSpPr txBox="1"/>
-          <p:nvPr/>
-        </p:nvSpPr>
-        <p:spPr>
-          <a:xfrm>
-            <a:off x="7297910" y="807412"/>
-            <a:ext cx="684803" cy="230832"/>
-          </a:xfrm>
-          <a:prstGeom prst="rect">
-            <a:avLst/>
-          </a:prstGeom>
-          <a:noFill/>
-        </p:spPr>
-        <p:txBody>
-          <a:bodyPr wrap="none" rtlCol="0">
-            <a:spAutoFit/>
-          </a:bodyPr>
-          <a:lstStyle/>
-          <a:p>
-            <a:pPr>
-              <a:buClrTx/>
-              <a:buFontTx/>
-              <a:buNone/>
-            </a:pPr>
-            <a:r>
-              <a:rPr lang="en-IN" sz="900" kern="1200" dirty="0">
-                <a:ea typeface="+mn-ea"/>
-                <a:cs typeface="+mn-cs"/>
-              </a:rPr>
-              <a:t>Pune City</a:t>
-            </a:r>
-          </a:p>
-        </p:txBody>
-      </p:sp>
-      <p:sp>
-        <p:nvSpPr>
-          <p:cNvPr id="40" name="Rectangle 39"/>
-          <p:cNvSpPr/>
-          <p:nvPr/>
-        </p:nvSpPr>
-        <p:spPr>
-          <a:xfrm>
-            <a:off x="2745140" y="1593849"/>
-            <a:ext cx="1944216" cy="525938"/>
-          </a:xfrm>
-          <a:prstGeom prst="rect">
-            <a:avLst/>
-          </a:prstGeom>
-          <a:noFill/>
-          <a:ln>
-            <a:solidFill>
-              <a:schemeClr val="bg1">
-                <a:lumMod val="85000"/>
-              </a:schemeClr>
-            </a:solidFill>
-          </a:ln>
-        </p:spPr>
-        <p:style>
-          <a:lnRef idx="2">
-            <a:schemeClr val="accent1">
-              <a:shade val="50000"/>
-            </a:schemeClr>
-          </a:lnRef>
-          <a:fillRef idx="1">
-            <a:schemeClr val="accent1"/>
-          </a:fillRef>
-          <a:effectRef idx="0">
-            <a:schemeClr val="accent1"/>
-          </a:effectRef>
-          <a:fontRef idx="minor">
-            <a:schemeClr val="lt1"/>
-          </a:fontRef>
-        </p:style>
-        <p:txBody>
-          <a:bodyPr rtlCol="0" anchor="ctr"/>
-          <a:lstStyle/>
-          <a:p>
-            <a:pPr algn="ctr">
-              <a:buClrTx/>
-              <a:buFontTx/>
-              <a:buNone/>
-            </a:pPr>
-            <a:endParaRPr lang="en-IN" sz="1800" kern="1200">
-              <a:solidFill>
-                <a:srgbClr val="FFFFFF"/>
-              </a:solidFill>
-            </a:endParaRPr>
-          </a:p>
-        </p:txBody>
-      </p:sp>
-      <p:sp>
-        <p:nvSpPr>
-          <p:cNvPr id="41" name="Rectangle 40"/>
-          <p:cNvSpPr/>
-          <p:nvPr/>
-        </p:nvSpPr>
-        <p:spPr>
-          <a:xfrm>
-            <a:off x="6993612" y="1605045"/>
-            <a:ext cx="1261775" cy="514742"/>
-          </a:xfrm>
-          <a:prstGeom prst="rect">
-            <a:avLst/>
-          </a:prstGeom>
-          <a:noFill/>
-          <a:ln>
-            <a:solidFill>
-              <a:schemeClr val="bg1">
-                <a:lumMod val="85000"/>
-              </a:schemeClr>
-            </a:solidFill>
-          </a:ln>
-        </p:spPr>
-        <p:style>
-          <a:lnRef idx="2">
-            <a:schemeClr val="accent1">
-              <a:shade val="50000"/>
-            </a:schemeClr>
-          </a:lnRef>
-          <a:fillRef idx="1">
-            <a:schemeClr val="accent1"/>
-          </a:fillRef>
-          <a:effectRef idx="0">
-            <a:schemeClr val="accent1"/>
-          </a:effectRef>
-          <a:fontRef idx="minor">
-            <a:schemeClr val="lt1"/>
-          </a:fontRef>
-        </p:style>
-        <p:txBody>
-          <a:bodyPr rtlCol="0" anchor="ctr"/>
-          <a:lstStyle/>
-          <a:p>
-            <a:pPr algn="ctr">
-              <a:buClrTx/>
-              <a:buFontTx/>
-              <a:buNone/>
-            </a:pPr>
-            <a:endParaRPr lang="en-IN" sz="1800" kern="1200">
-              <a:solidFill>
-                <a:srgbClr val="FFFFFF"/>
-              </a:solidFill>
-            </a:endParaRPr>
-          </a:p>
-        </p:txBody>
-      </p:sp>
-      <p:sp>
-        <p:nvSpPr>
-          <p:cNvPr id="42" name="Rectangle 41"/>
-          <p:cNvSpPr/>
-          <p:nvPr/>
-        </p:nvSpPr>
-        <p:spPr>
-          <a:xfrm>
-            <a:off x="4869376" y="1605045"/>
-            <a:ext cx="1944216" cy="514742"/>
-          </a:xfrm>
-          <a:prstGeom prst="rect">
-            <a:avLst/>
-          </a:prstGeom>
-          <a:noFill/>
-          <a:ln>
-            <a:solidFill>
-              <a:schemeClr val="bg1">
-                <a:lumMod val="85000"/>
-              </a:schemeClr>
-            </a:solidFill>
-          </a:ln>
-        </p:spPr>
-        <p:style>
-          <a:lnRef idx="2">
-            <a:schemeClr val="accent1">
-              <a:shade val="50000"/>
-            </a:schemeClr>
-          </a:lnRef>
-          <a:fillRef idx="1">
-            <a:schemeClr val="accent1"/>
-          </a:fillRef>
-          <a:effectRef idx="0">
-            <a:schemeClr val="accent1"/>
-          </a:effectRef>
-          <a:fontRef idx="minor">
-            <a:schemeClr val="lt1"/>
-          </a:fontRef>
-        </p:style>
-        <p:txBody>
-          <a:bodyPr rtlCol="0" anchor="ctr"/>
-          <a:lstStyle/>
-          <a:p>
-            <a:pPr algn="ctr">
-              <a:buClrTx/>
-              <a:buFontTx/>
-              <a:buNone/>
-            </a:pPr>
-            <a:endParaRPr lang="en-IN" sz="1800" kern="1200">
-              <a:solidFill>
-                <a:srgbClr val="FFFFFF"/>
-              </a:solidFill>
-            </a:endParaRPr>
-          </a:p>
-        </p:txBody>
-      </p:sp>
-      <p:sp>
-        <p:nvSpPr>
-          <p:cNvPr id="43" name="TextBox 42"/>
-          <p:cNvSpPr txBox="1"/>
-          <p:nvPr/>
-        </p:nvSpPr>
-        <p:spPr>
-          <a:xfrm>
-            <a:off x="3073807" y="1679090"/>
-            <a:ext cx="1021433" cy="215444"/>
-          </a:xfrm>
-          <a:prstGeom prst="rect">
-            <a:avLst/>
-          </a:prstGeom>
-          <a:noFill/>
-        </p:spPr>
-        <p:txBody>
-          <a:bodyPr wrap="none" rtlCol="0">
-            <a:spAutoFit/>
-          </a:bodyPr>
-          <a:lstStyle/>
-          <a:p>
-            <a:pPr>
-              <a:buClrTx/>
-              <a:buFontTx/>
-              <a:buNone/>
-            </a:pPr>
-            <a:r>
-              <a:rPr lang="en-IN" sz="800" kern="1200" dirty="0">
-                <a:ea typeface="+mn-ea"/>
-                <a:cs typeface="+mn-cs"/>
-              </a:rPr>
-              <a:t>Product Marketing</a:t>
-            </a:r>
-          </a:p>
-        </p:txBody>
-      </p:sp>
-      <p:sp>
-        <p:nvSpPr>
-          <p:cNvPr id="45" name="TextBox 44"/>
-          <p:cNvSpPr txBox="1"/>
-          <p:nvPr/>
-        </p:nvSpPr>
-        <p:spPr>
-          <a:xfrm>
-            <a:off x="7193212" y="1741402"/>
-            <a:ext cx="870751" cy="230832"/>
-          </a:xfrm>
-          <a:prstGeom prst="rect">
-            <a:avLst/>
-          </a:prstGeom>
-          <a:noFill/>
-        </p:spPr>
-        <p:txBody>
-          <a:bodyPr wrap="none" rtlCol="0">
-            <a:spAutoFit/>
-          </a:bodyPr>
-          <a:lstStyle/>
-          <a:p>
-            <a:pPr>
-              <a:buClrTx/>
-              <a:buFontTx/>
-              <a:buNone/>
-            </a:pPr>
-            <a:r>
-              <a:rPr lang="en-IN" sz="900" kern="1200" dirty="0">
-                <a:ea typeface="+mn-ea"/>
-                <a:cs typeface="+mn-cs"/>
-              </a:rPr>
-              <a:t>4 Tier 1 cities</a:t>
-            </a:r>
-          </a:p>
-        </p:txBody>
-      </p:sp>
-      <p:sp>
-        <p:nvSpPr>
-          <p:cNvPr id="47" name="TextBox 46"/>
-          <p:cNvSpPr txBox="1"/>
-          <p:nvPr/>
-        </p:nvSpPr>
-        <p:spPr>
-          <a:xfrm>
-            <a:off x="4951540" y="1631583"/>
-            <a:ext cx="1160895" cy="461665"/>
-          </a:xfrm>
-          <a:prstGeom prst="rect">
-            <a:avLst/>
-          </a:prstGeom>
-          <a:noFill/>
-        </p:spPr>
-        <p:txBody>
-          <a:bodyPr wrap="none" rtlCol="0">
-            <a:spAutoFit/>
-          </a:bodyPr>
-          <a:lstStyle/>
-          <a:p>
-            <a:pPr>
-              <a:buClrTx/>
-              <a:buFontTx/>
-              <a:buNone/>
-            </a:pPr>
-            <a:r>
-              <a:rPr lang="en-IN" sz="800" kern="1200" dirty="0">
-                <a:ea typeface="+mn-ea"/>
-                <a:cs typeface="+mn-cs"/>
-              </a:rPr>
-              <a:t>Period : 1 </a:t>
-            </a:r>
-            <a:r>
-              <a:rPr lang="en-IN" sz="800" kern="1200" dirty="0" err="1">
-                <a:ea typeface="+mn-ea"/>
-                <a:cs typeface="+mn-cs"/>
-              </a:rPr>
-              <a:t>yr</a:t>
-            </a:r>
-            <a:endParaRPr lang="en-IN" sz="800" kern="1200" dirty="0">
-              <a:ea typeface="+mn-ea"/>
-              <a:cs typeface="+mn-cs"/>
-            </a:endParaRPr>
-          </a:p>
-          <a:p>
-            <a:pPr>
-              <a:buClrTx/>
-              <a:buFontTx/>
-              <a:buNone/>
-            </a:pPr>
-            <a:r>
-              <a:rPr lang="en-IN" sz="800" kern="1200" dirty="0">
-                <a:ea typeface="+mn-ea"/>
-                <a:cs typeface="+mn-cs"/>
-              </a:rPr>
-              <a:t>Expenditure : 3.5cr </a:t>
-            </a:r>
-          </a:p>
-          <a:p>
-            <a:pPr>
-              <a:buClrTx/>
-              <a:buFontTx/>
-              <a:buNone/>
-            </a:pPr>
-            <a:r>
-              <a:rPr lang="en-IN" sz="800" kern="1200" dirty="0">
-                <a:ea typeface="+mn-ea"/>
-                <a:cs typeface="+mn-cs"/>
-              </a:rPr>
-              <a:t>Revenue : 15-20 </a:t>
-            </a:r>
-            <a:r>
-              <a:rPr lang="en-IN" sz="800" kern="1200" dirty="0" err="1">
-                <a:ea typeface="+mn-ea"/>
-                <a:cs typeface="+mn-cs"/>
-              </a:rPr>
-              <a:t>lacs</a:t>
-            </a:r>
-            <a:endParaRPr lang="en-IN" sz="800" kern="1200" dirty="0">
-              <a:ea typeface="+mn-ea"/>
-              <a:cs typeface="+mn-cs"/>
-            </a:endParaRPr>
-          </a:p>
-        </p:txBody>
-      </p:sp>
-      <p:sp>
-        <p:nvSpPr>
-          <p:cNvPr id="51" name="Rectangle 50"/>
-          <p:cNvSpPr/>
-          <p:nvPr/>
-        </p:nvSpPr>
-        <p:spPr>
-          <a:xfrm>
-            <a:off x="2756939" y="2564061"/>
-            <a:ext cx="1944216" cy="601752"/>
-          </a:xfrm>
-          <a:prstGeom prst="rect">
-            <a:avLst/>
-          </a:prstGeom>
-          <a:noFill/>
-          <a:ln>
-            <a:solidFill>
-              <a:schemeClr val="bg1">
-                <a:lumMod val="85000"/>
-              </a:schemeClr>
-            </a:solidFill>
-          </a:ln>
-        </p:spPr>
-        <p:style>
-          <a:lnRef idx="2">
-            <a:schemeClr val="accent1">
-              <a:shade val="50000"/>
-            </a:schemeClr>
-          </a:lnRef>
-          <a:fillRef idx="1">
-            <a:schemeClr val="accent1"/>
-          </a:fillRef>
-          <a:effectRef idx="0">
-            <a:schemeClr val="accent1"/>
-          </a:effectRef>
-          <a:fontRef idx="minor">
-            <a:schemeClr val="lt1"/>
-          </a:fontRef>
-        </p:style>
-        <p:txBody>
-          <a:bodyPr rtlCol="0" anchor="ctr"/>
-          <a:lstStyle/>
-          <a:p>
-            <a:pPr algn="ctr">
-              <a:buClrTx/>
-              <a:buFontTx/>
-              <a:buNone/>
-            </a:pPr>
-            <a:endParaRPr lang="en-IN" sz="1800" kern="1200">
-              <a:solidFill>
-                <a:srgbClr val="FFFFFF"/>
-              </a:solidFill>
-            </a:endParaRPr>
-          </a:p>
-        </p:txBody>
-      </p:sp>
-      <p:sp>
-        <p:nvSpPr>
-          <p:cNvPr id="52" name="Rectangle 51"/>
-          <p:cNvSpPr/>
-          <p:nvPr/>
-        </p:nvSpPr>
-        <p:spPr>
-          <a:xfrm>
-            <a:off x="7005411" y="2575257"/>
-            <a:ext cx="1251475" cy="590556"/>
-          </a:xfrm>
-          <a:prstGeom prst="rect">
-            <a:avLst/>
-          </a:prstGeom>
-          <a:noFill/>
-          <a:ln>
-            <a:solidFill>
-              <a:schemeClr val="bg1">
-                <a:lumMod val="85000"/>
-              </a:schemeClr>
-            </a:solidFill>
-          </a:ln>
-        </p:spPr>
-        <p:style>
-          <a:lnRef idx="2">
-            <a:schemeClr val="accent1">
-              <a:shade val="50000"/>
-            </a:schemeClr>
-          </a:lnRef>
-          <a:fillRef idx="1">
-            <a:schemeClr val="accent1"/>
-          </a:fillRef>
-          <a:effectRef idx="0">
-            <a:schemeClr val="accent1"/>
-          </a:effectRef>
-          <a:fontRef idx="minor">
-            <a:schemeClr val="lt1"/>
-          </a:fontRef>
-        </p:style>
-        <p:txBody>
-          <a:bodyPr rtlCol="0" anchor="ctr"/>
-          <a:lstStyle/>
-          <a:p>
-            <a:pPr algn="ctr">
-              <a:buClrTx/>
-              <a:buFontTx/>
-              <a:buNone/>
-            </a:pPr>
-            <a:endParaRPr lang="en-IN" sz="1800" kern="1200">
-              <a:solidFill>
-                <a:srgbClr val="FFFFFF"/>
-              </a:solidFill>
-            </a:endParaRPr>
-          </a:p>
-        </p:txBody>
-      </p:sp>
-      <p:sp>
-        <p:nvSpPr>
-          <p:cNvPr id="53" name="Rectangle 52"/>
-          <p:cNvSpPr/>
-          <p:nvPr/>
-        </p:nvSpPr>
-        <p:spPr>
-          <a:xfrm>
-            <a:off x="4881175" y="2575257"/>
-            <a:ext cx="1944216" cy="590556"/>
-          </a:xfrm>
-          <a:prstGeom prst="rect">
-            <a:avLst/>
-          </a:prstGeom>
-          <a:noFill/>
-          <a:ln>
-            <a:solidFill>
-              <a:schemeClr val="bg1">
-                <a:lumMod val="85000"/>
-              </a:schemeClr>
-            </a:solidFill>
-          </a:ln>
-        </p:spPr>
-        <p:style>
-          <a:lnRef idx="2">
-            <a:schemeClr val="accent1">
-              <a:shade val="50000"/>
-            </a:schemeClr>
-          </a:lnRef>
-          <a:fillRef idx="1">
-            <a:schemeClr val="accent1"/>
-          </a:fillRef>
-          <a:effectRef idx="0">
-            <a:schemeClr val="accent1"/>
-          </a:effectRef>
-          <a:fontRef idx="minor">
-            <a:schemeClr val="lt1"/>
-          </a:fontRef>
-        </p:style>
-        <p:txBody>
-          <a:bodyPr rtlCol="0" anchor="ctr"/>
-          <a:lstStyle/>
-          <a:p>
-            <a:pPr algn="ctr">
-              <a:buClrTx/>
-              <a:buFontTx/>
-              <a:buNone/>
-            </a:pPr>
-            <a:endParaRPr lang="en-IN" sz="1800" kern="1200">
-              <a:solidFill>
-                <a:srgbClr val="FFFFFF"/>
-              </a:solidFill>
-            </a:endParaRPr>
-          </a:p>
-        </p:txBody>
-      </p:sp>
-      <p:sp>
-        <p:nvSpPr>
-          <p:cNvPr id="54" name="TextBox 53"/>
-          <p:cNvSpPr txBox="1"/>
-          <p:nvPr/>
-        </p:nvSpPr>
-        <p:spPr>
-          <a:xfrm>
-            <a:off x="3066490" y="2649303"/>
-            <a:ext cx="1138452" cy="338554"/>
-          </a:xfrm>
-          <a:prstGeom prst="rect">
-            <a:avLst/>
-          </a:prstGeom>
-          <a:noFill/>
-        </p:spPr>
-        <p:txBody>
-          <a:bodyPr wrap="none" rtlCol="0">
-            <a:spAutoFit/>
-          </a:bodyPr>
-          <a:lstStyle/>
-          <a:p>
-            <a:pPr algn="ctr">
-              <a:buClrTx/>
-              <a:buFontTx/>
-              <a:buNone/>
-            </a:pPr>
-            <a:r>
-              <a:rPr lang="en-IN" sz="800" kern="1200" dirty="0">
-                <a:ea typeface="+mn-ea"/>
-                <a:cs typeface="+mn-cs"/>
-              </a:rPr>
-              <a:t>Product Marketing + </a:t>
-            </a:r>
-          </a:p>
-          <a:p>
-            <a:pPr algn="ctr">
-              <a:buClrTx/>
-              <a:buFontTx/>
-              <a:buNone/>
-            </a:pPr>
-            <a:r>
-              <a:rPr lang="en-IN" sz="800" kern="1200" dirty="0"/>
-              <a:t>Pharmacists</a:t>
-            </a:r>
-          </a:p>
-        </p:txBody>
-      </p:sp>
-      <p:sp>
-        <p:nvSpPr>
-          <p:cNvPr id="55" name="TextBox 54"/>
-          <p:cNvSpPr txBox="1"/>
-          <p:nvPr/>
-        </p:nvSpPr>
-        <p:spPr>
-          <a:xfrm>
-            <a:off x="7158344" y="2703164"/>
-            <a:ext cx="966931" cy="230832"/>
-          </a:xfrm>
-          <a:prstGeom prst="rect">
-            <a:avLst/>
-          </a:prstGeom>
-          <a:noFill/>
-        </p:spPr>
-        <p:txBody>
-          <a:bodyPr wrap="none" rtlCol="0">
-            <a:spAutoFit/>
-          </a:bodyPr>
-          <a:lstStyle/>
-          <a:p>
-            <a:pPr>
-              <a:buClrTx/>
-              <a:buFontTx/>
-              <a:buNone/>
-            </a:pPr>
-            <a:r>
-              <a:rPr lang="en-IN" sz="900" kern="1200" dirty="0">
-                <a:ea typeface="+mn-ea"/>
-                <a:cs typeface="+mn-cs"/>
-              </a:rPr>
-              <a:t>10 Tier 2 cities </a:t>
-            </a:r>
-          </a:p>
-        </p:txBody>
-      </p:sp>
-      <p:sp>
-        <p:nvSpPr>
-          <p:cNvPr id="56" name="TextBox 55"/>
-          <p:cNvSpPr txBox="1"/>
-          <p:nvPr/>
-        </p:nvSpPr>
-        <p:spPr>
-          <a:xfrm>
-            <a:off x="4951432" y="2639875"/>
-            <a:ext cx="1160895" cy="461665"/>
-          </a:xfrm>
-          <a:prstGeom prst="rect">
-            <a:avLst/>
-          </a:prstGeom>
-          <a:noFill/>
-        </p:spPr>
-        <p:txBody>
-          <a:bodyPr wrap="none" rtlCol="0">
-            <a:spAutoFit/>
-          </a:bodyPr>
-          <a:lstStyle/>
-          <a:p>
-            <a:pPr>
-              <a:buClrTx/>
-              <a:buFontTx/>
-              <a:buNone/>
-            </a:pPr>
-            <a:r>
-              <a:rPr lang="en-IN" sz="800" kern="1200" dirty="0">
-                <a:ea typeface="+mn-ea"/>
-                <a:cs typeface="+mn-cs"/>
-              </a:rPr>
-              <a:t>Period : 1 </a:t>
-            </a:r>
-            <a:r>
-              <a:rPr lang="en-IN" sz="800" kern="1200" dirty="0" err="1">
-                <a:ea typeface="+mn-ea"/>
-                <a:cs typeface="+mn-cs"/>
-              </a:rPr>
-              <a:t>yr</a:t>
-            </a:r>
-            <a:endParaRPr lang="en-IN" sz="800" kern="1200" dirty="0">
-              <a:ea typeface="+mn-ea"/>
-              <a:cs typeface="+mn-cs"/>
-            </a:endParaRPr>
-          </a:p>
-          <a:p>
-            <a:pPr>
-              <a:buClrTx/>
-              <a:buFontTx/>
-              <a:buNone/>
-            </a:pPr>
-            <a:r>
-              <a:rPr lang="en-IN" sz="800" kern="1200" dirty="0">
-                <a:ea typeface="+mn-ea"/>
-                <a:cs typeface="+mn-cs"/>
-              </a:rPr>
-              <a:t>Expenditure : 6cr </a:t>
-            </a:r>
-          </a:p>
-          <a:p>
-            <a:pPr>
-              <a:buClrTx/>
-              <a:buFontTx/>
-              <a:buNone/>
-            </a:pPr>
-            <a:r>
-              <a:rPr lang="en-IN" sz="800" kern="1200" dirty="0">
-                <a:ea typeface="+mn-ea"/>
-                <a:cs typeface="+mn-cs"/>
-              </a:rPr>
-              <a:t>Revenue : 35-40 </a:t>
-            </a:r>
-            <a:r>
-              <a:rPr lang="en-IN" sz="800" kern="1200" dirty="0" err="1">
-                <a:ea typeface="+mn-ea"/>
-                <a:cs typeface="+mn-cs"/>
-              </a:rPr>
-              <a:t>lacs</a:t>
-            </a:r>
-            <a:endParaRPr lang="en-IN" sz="800" kern="1200" dirty="0">
-              <a:ea typeface="+mn-ea"/>
-              <a:cs typeface="+mn-cs"/>
-            </a:endParaRPr>
-          </a:p>
-        </p:txBody>
-      </p:sp>
-      <p:sp>
-        <p:nvSpPr>
-          <p:cNvPr id="59" name="Rectangle 58"/>
-          <p:cNvSpPr/>
-          <p:nvPr/>
-        </p:nvSpPr>
-        <p:spPr>
-          <a:xfrm>
-            <a:off x="2776515" y="3577949"/>
-            <a:ext cx="1944216" cy="601752"/>
-          </a:xfrm>
-          <a:prstGeom prst="rect">
-            <a:avLst/>
-          </a:prstGeom>
-          <a:noFill/>
-          <a:ln>
-            <a:solidFill>
-              <a:schemeClr val="bg1">
-                <a:lumMod val="85000"/>
-              </a:schemeClr>
-            </a:solidFill>
-          </a:ln>
-        </p:spPr>
-        <p:style>
-          <a:lnRef idx="2">
-            <a:schemeClr val="accent1">
-              <a:shade val="50000"/>
-            </a:schemeClr>
-          </a:lnRef>
-          <a:fillRef idx="1">
-            <a:schemeClr val="accent1"/>
-          </a:fillRef>
-          <a:effectRef idx="0">
-            <a:schemeClr val="accent1"/>
-          </a:effectRef>
-          <a:fontRef idx="minor">
-            <a:schemeClr val="lt1"/>
-          </a:fontRef>
-        </p:style>
-        <p:txBody>
-          <a:bodyPr rtlCol="0" anchor="ctr"/>
-          <a:lstStyle/>
-          <a:p>
-            <a:pPr algn="ctr">
-              <a:buClrTx/>
-              <a:buFontTx/>
-              <a:buNone/>
-            </a:pPr>
-            <a:endParaRPr lang="en-IN" sz="1800" kern="1200">
-              <a:solidFill>
-                <a:srgbClr val="FFFFFF"/>
-              </a:solidFill>
-            </a:endParaRPr>
-          </a:p>
-        </p:txBody>
-      </p:sp>
-      <p:sp>
-        <p:nvSpPr>
-          <p:cNvPr id="60" name="Rectangle 59"/>
-          <p:cNvSpPr/>
-          <p:nvPr/>
-        </p:nvSpPr>
-        <p:spPr>
-          <a:xfrm>
-            <a:off x="7024987" y="3589145"/>
-            <a:ext cx="1253595" cy="590556"/>
-          </a:xfrm>
-          <a:prstGeom prst="rect">
-            <a:avLst/>
-          </a:prstGeom>
-          <a:noFill/>
-          <a:ln>
-            <a:solidFill>
-              <a:schemeClr val="bg1">
-                <a:lumMod val="85000"/>
-              </a:schemeClr>
-            </a:solidFill>
-          </a:ln>
-        </p:spPr>
-        <p:style>
-          <a:lnRef idx="2">
-            <a:schemeClr val="accent1">
-              <a:shade val="50000"/>
-            </a:schemeClr>
-          </a:lnRef>
-          <a:fillRef idx="1">
-            <a:schemeClr val="accent1"/>
-          </a:fillRef>
-          <a:effectRef idx="0">
-            <a:schemeClr val="accent1"/>
-          </a:effectRef>
-          <a:fontRef idx="minor">
-            <a:schemeClr val="lt1"/>
-          </a:fontRef>
-        </p:style>
-        <p:txBody>
-          <a:bodyPr rtlCol="0" anchor="ctr"/>
-          <a:lstStyle/>
-          <a:p>
-            <a:pPr algn="ctr">
-              <a:buClrTx/>
-              <a:buFontTx/>
-              <a:buNone/>
-            </a:pPr>
-            <a:endParaRPr lang="en-IN" sz="1800" kern="1200">
-              <a:solidFill>
-                <a:srgbClr val="FFFFFF"/>
-              </a:solidFill>
-            </a:endParaRPr>
-          </a:p>
-        </p:txBody>
-      </p:sp>
-      <p:sp>
-        <p:nvSpPr>
-          <p:cNvPr id="61" name="Rectangle 60"/>
-          <p:cNvSpPr/>
-          <p:nvPr/>
-        </p:nvSpPr>
-        <p:spPr>
-          <a:xfrm>
-            <a:off x="4900751" y="3589145"/>
-            <a:ext cx="1944216" cy="590556"/>
-          </a:xfrm>
-          <a:prstGeom prst="rect">
-            <a:avLst/>
-          </a:prstGeom>
-          <a:noFill/>
-          <a:ln>
-            <a:solidFill>
-              <a:schemeClr val="bg1">
-                <a:lumMod val="85000"/>
-              </a:schemeClr>
-            </a:solidFill>
-          </a:ln>
-        </p:spPr>
-        <p:style>
-          <a:lnRef idx="2">
-            <a:schemeClr val="accent1">
-              <a:shade val="50000"/>
-            </a:schemeClr>
-          </a:lnRef>
-          <a:fillRef idx="1">
-            <a:schemeClr val="accent1"/>
-          </a:fillRef>
-          <a:effectRef idx="0">
-            <a:schemeClr val="accent1"/>
-          </a:effectRef>
-          <a:fontRef idx="minor">
-            <a:schemeClr val="lt1"/>
-          </a:fontRef>
-        </p:style>
-        <p:txBody>
-          <a:bodyPr rtlCol="0" anchor="ctr"/>
-          <a:lstStyle/>
-          <a:p>
-            <a:pPr algn="ctr">
-              <a:buClrTx/>
-              <a:buFontTx/>
-              <a:buNone/>
-            </a:pPr>
-            <a:endParaRPr lang="en-IN" sz="1800" kern="1200">
-              <a:solidFill>
-                <a:srgbClr val="FFFFFF"/>
-              </a:solidFill>
-            </a:endParaRPr>
-          </a:p>
-        </p:txBody>
-      </p:sp>
-      <p:sp>
-        <p:nvSpPr>
-          <p:cNvPr id="62" name="TextBox 61"/>
-          <p:cNvSpPr txBox="1"/>
-          <p:nvPr/>
-        </p:nvSpPr>
-        <p:spPr>
-          <a:xfrm>
-            <a:off x="3053204" y="3663191"/>
-            <a:ext cx="1165704" cy="338554"/>
-          </a:xfrm>
-          <a:prstGeom prst="rect">
-            <a:avLst/>
-          </a:prstGeom>
-          <a:noFill/>
-        </p:spPr>
-        <p:txBody>
-          <a:bodyPr wrap="none" rtlCol="0">
-            <a:spAutoFit/>
-          </a:bodyPr>
-          <a:lstStyle/>
-          <a:p>
-            <a:pPr algn="ctr">
-              <a:buClrTx/>
-              <a:buFontTx/>
-              <a:buNone/>
-            </a:pPr>
-            <a:r>
-              <a:rPr lang="en-IN" sz="800" kern="1200" dirty="0">
-                <a:ea typeface="+mn-ea"/>
-                <a:cs typeface="+mn-cs"/>
-              </a:rPr>
-              <a:t>Product Marketing + </a:t>
-            </a:r>
-          </a:p>
-          <a:p>
-            <a:pPr algn="ctr">
-              <a:buClrTx/>
-              <a:buFontTx/>
-              <a:buNone/>
-            </a:pPr>
-            <a:r>
-              <a:rPr lang="en-IN" sz="800" kern="1200" dirty="0">
-                <a:ea typeface="+mn-ea"/>
-                <a:cs typeface="+mn-cs"/>
-              </a:rPr>
-              <a:t>Insurance companies</a:t>
-            </a:r>
-          </a:p>
-        </p:txBody>
-      </p:sp>
-      <p:sp>
-        <p:nvSpPr>
-          <p:cNvPr id="63" name="TextBox 62"/>
-          <p:cNvSpPr txBox="1"/>
-          <p:nvPr/>
-        </p:nvSpPr>
-        <p:spPr>
-          <a:xfrm>
-            <a:off x="7180042" y="3717052"/>
-            <a:ext cx="966931" cy="230832"/>
-          </a:xfrm>
-          <a:prstGeom prst="rect">
-            <a:avLst/>
-          </a:prstGeom>
-          <a:noFill/>
-        </p:spPr>
-        <p:txBody>
-          <a:bodyPr wrap="none" rtlCol="0">
-            <a:spAutoFit/>
-          </a:bodyPr>
-          <a:lstStyle/>
-          <a:p>
-            <a:pPr>
-              <a:buClrTx/>
-              <a:buFontTx/>
-              <a:buNone/>
-            </a:pPr>
-            <a:r>
-              <a:rPr lang="en-IN" sz="900" kern="1200" dirty="0">
-                <a:ea typeface="+mn-ea"/>
-                <a:cs typeface="+mn-cs"/>
-              </a:rPr>
-              <a:t>15 Tier 3 cities </a:t>
-            </a:r>
-          </a:p>
-        </p:txBody>
-      </p:sp>
-      <p:sp>
-        <p:nvSpPr>
-          <p:cNvPr id="64" name="TextBox 63"/>
-          <p:cNvSpPr txBox="1"/>
-          <p:nvPr/>
-        </p:nvSpPr>
-        <p:spPr>
-          <a:xfrm>
-            <a:off x="4971008" y="3653763"/>
-            <a:ext cx="1160895" cy="461665"/>
-          </a:xfrm>
-          <a:prstGeom prst="rect">
-            <a:avLst/>
-          </a:prstGeom>
-          <a:noFill/>
-        </p:spPr>
-        <p:txBody>
-          <a:bodyPr wrap="none" rtlCol="0">
-            <a:spAutoFit/>
-          </a:bodyPr>
-          <a:lstStyle/>
-          <a:p>
-            <a:pPr>
-              <a:buClrTx/>
-              <a:buFontTx/>
-              <a:buNone/>
-            </a:pPr>
-            <a:r>
-              <a:rPr lang="en-IN" sz="800" kern="1200" dirty="0">
-                <a:ea typeface="+mn-ea"/>
-                <a:cs typeface="+mn-cs"/>
-              </a:rPr>
-              <a:t>Period : 1.5 </a:t>
-            </a:r>
-            <a:r>
-              <a:rPr lang="en-IN" sz="800" kern="1200" dirty="0" err="1">
-                <a:ea typeface="+mn-ea"/>
-                <a:cs typeface="+mn-cs"/>
-              </a:rPr>
-              <a:t>yrs</a:t>
-            </a:r>
-            <a:endParaRPr lang="en-IN" sz="800" kern="1200" dirty="0">
-              <a:ea typeface="+mn-ea"/>
-              <a:cs typeface="+mn-cs"/>
-            </a:endParaRPr>
-          </a:p>
-          <a:p>
-            <a:pPr>
-              <a:buClrTx/>
-              <a:buFontTx/>
-              <a:buNone/>
-            </a:pPr>
-            <a:r>
-              <a:rPr lang="en-IN" sz="800" kern="1200" dirty="0">
-                <a:ea typeface="+mn-ea"/>
-                <a:cs typeface="+mn-cs"/>
-              </a:rPr>
-              <a:t>Expenditure : 10cr </a:t>
-            </a:r>
-          </a:p>
-          <a:p>
-            <a:pPr>
-              <a:buClrTx/>
-              <a:buFontTx/>
-              <a:buNone/>
-            </a:pPr>
-            <a:r>
-              <a:rPr lang="en-IN" sz="800" kern="1200" dirty="0">
-                <a:ea typeface="+mn-ea"/>
-                <a:cs typeface="+mn-cs"/>
-              </a:rPr>
-              <a:t>Revenue : 60-70 </a:t>
-            </a:r>
-            <a:r>
-              <a:rPr lang="en-IN" sz="800" kern="1200" dirty="0" err="1">
-                <a:ea typeface="+mn-ea"/>
-                <a:cs typeface="+mn-cs"/>
-              </a:rPr>
-              <a:t>lacs</a:t>
-            </a:r>
-            <a:endParaRPr lang="en-IN" sz="800" kern="1200" dirty="0">
-              <a:ea typeface="+mn-ea"/>
-              <a:cs typeface="+mn-cs"/>
-            </a:endParaRPr>
-          </a:p>
-        </p:txBody>
-      </p:sp>
-      <p:sp>
-        <p:nvSpPr>
-          <p:cNvPr id="4" name="TextBox 3"/>
-          <p:cNvSpPr txBox="1"/>
-          <p:nvPr/>
-        </p:nvSpPr>
-        <p:spPr>
-          <a:xfrm>
-            <a:off x="2957310" y="0"/>
-            <a:ext cx="1556836" cy="307777"/>
-          </a:xfrm>
-          <a:prstGeom prst="rect">
-            <a:avLst/>
-          </a:prstGeom>
-          <a:noFill/>
-        </p:spPr>
-        <p:txBody>
-          <a:bodyPr wrap="none" rtlCol="0">
-            <a:spAutoFit/>
-          </a:bodyPr>
-          <a:lstStyle/>
-          <a:p>
-            <a:pPr>
-              <a:buClrTx/>
-              <a:buFontTx/>
-              <a:buNone/>
-            </a:pPr>
-            <a:r>
-              <a:rPr lang="en-IN" kern="1200" dirty="0">
-                <a:ea typeface="+mn-ea"/>
-                <a:cs typeface="+mn-cs"/>
-              </a:rPr>
-              <a:t>Product Features</a:t>
-            </a:r>
-          </a:p>
-        </p:txBody>
-      </p:sp>
-      <p:sp>
-        <p:nvSpPr>
-          <p:cNvPr id="44" name="TextBox 43"/>
-          <p:cNvSpPr txBox="1"/>
-          <p:nvPr/>
-        </p:nvSpPr>
-        <p:spPr>
-          <a:xfrm>
-            <a:off x="5118699" y="-19041"/>
-            <a:ext cx="1438214" cy="307777"/>
-          </a:xfrm>
-          <a:prstGeom prst="rect">
-            <a:avLst/>
-          </a:prstGeom>
-          <a:noFill/>
-        </p:spPr>
-        <p:txBody>
-          <a:bodyPr wrap="none" rtlCol="0">
-            <a:spAutoFit/>
-          </a:bodyPr>
-          <a:lstStyle/>
-          <a:p>
-            <a:pPr>
-              <a:buClrTx/>
-              <a:buFontTx/>
-              <a:buNone/>
-            </a:pPr>
-            <a:r>
-              <a:rPr lang="en-IN" kern="1200" dirty="0">
-                <a:ea typeface="+mn-ea"/>
-                <a:cs typeface="+mn-cs"/>
-              </a:rPr>
-              <a:t>Revenue Model</a:t>
-            </a:r>
-          </a:p>
-        </p:txBody>
-      </p:sp>
-      <p:sp>
-        <p:nvSpPr>
-          <p:cNvPr id="46" name="TextBox 45"/>
-          <p:cNvSpPr txBox="1"/>
-          <p:nvPr/>
-        </p:nvSpPr>
-        <p:spPr>
-          <a:xfrm>
-            <a:off x="7151700" y="-19042"/>
-            <a:ext cx="970137" cy="307777"/>
-          </a:xfrm>
-          <a:prstGeom prst="rect">
-            <a:avLst/>
-          </a:prstGeom>
-          <a:noFill/>
-        </p:spPr>
-        <p:txBody>
-          <a:bodyPr wrap="none" rtlCol="0">
-            <a:spAutoFit/>
-          </a:bodyPr>
-          <a:lstStyle/>
-          <a:p>
-            <a:pPr>
-              <a:buClrTx/>
-              <a:buFontTx/>
-              <a:buNone/>
-            </a:pPr>
-            <a:r>
-              <a:rPr lang="en-IN" kern="1200" dirty="0">
-                <a:ea typeface="+mn-ea"/>
-                <a:cs typeface="+mn-cs"/>
-              </a:rPr>
-              <a:t>Marketing</a:t>
-            </a:r>
-          </a:p>
-        </p:txBody>
-      </p:sp>
-      <p:cxnSp>
-        <p:nvCxnSpPr>
-          <p:cNvPr id="8" name="Straight Connector 7"/>
-          <p:cNvCxnSpPr/>
-          <p:nvPr/>
-        </p:nvCxnSpPr>
-        <p:spPr>
-          <a:xfrm>
-            <a:off x="2617484" y="307777"/>
-            <a:ext cx="6480720" cy="0"/>
-          </a:xfrm>
-          <a:prstGeom prst="line">
-            <a:avLst/>
-          </a:prstGeom>
-        </p:spPr>
-        <p:style>
-          <a:lnRef idx="1">
-            <a:schemeClr val="accent1"/>
-          </a:lnRef>
-          <a:fillRef idx="0">
-            <a:schemeClr val="accent1"/>
-          </a:fillRef>
-          <a:effectRef idx="0">
-            <a:schemeClr val="accent1"/>
-          </a:effectRef>
-          <a:fontRef idx="minor">
-            <a:schemeClr val="tx1"/>
-          </a:fontRef>
-        </p:style>
-      </p:cxnSp>
-      <p:sp>
-        <p:nvSpPr>
-          <p:cNvPr id="68" name="TextBox 67"/>
-          <p:cNvSpPr txBox="1"/>
-          <p:nvPr/>
-        </p:nvSpPr>
-        <p:spPr>
-          <a:xfrm>
-            <a:off x="2753323" y="389343"/>
-            <a:ext cx="723275" cy="246221"/>
-          </a:xfrm>
-          <a:prstGeom prst="rect">
-            <a:avLst/>
-          </a:prstGeom>
-          <a:noFill/>
-        </p:spPr>
-        <p:txBody>
-          <a:bodyPr wrap="none" rtlCol="0">
-            <a:spAutoFit/>
-          </a:bodyPr>
-          <a:lstStyle/>
-          <a:p>
-            <a:pPr>
-              <a:buClrTx/>
-              <a:buFontTx/>
-              <a:buNone/>
-            </a:pPr>
-            <a:r>
-              <a:rPr lang="en-IN" sz="1000" kern="1200" dirty="0">
-                <a:ea typeface="+mn-ea"/>
-                <a:cs typeface="+mn-cs"/>
-              </a:rPr>
-              <a:t>Version 1</a:t>
-            </a:r>
-          </a:p>
-        </p:txBody>
-      </p:sp>
-      <p:cxnSp>
-        <p:nvCxnSpPr>
-          <p:cNvPr id="69" name="Straight Connector 68"/>
-          <p:cNvCxnSpPr/>
-          <p:nvPr/>
-        </p:nvCxnSpPr>
-        <p:spPr>
-          <a:xfrm>
-            <a:off x="2597446" y="1279459"/>
-            <a:ext cx="6480720" cy="0"/>
-          </a:xfrm>
-          <a:prstGeom prst="line">
-            <a:avLst/>
-          </a:prstGeom>
-          <a:ln w="3175"/>
-        </p:spPr>
-        <p:style>
-          <a:lnRef idx="1">
-            <a:schemeClr val="accent1"/>
-          </a:lnRef>
-          <a:fillRef idx="0">
-            <a:schemeClr val="accent1"/>
-          </a:fillRef>
-          <a:effectRef idx="0">
-            <a:schemeClr val="accent1"/>
-          </a:effectRef>
-          <a:fontRef idx="minor">
-            <a:schemeClr val="tx1"/>
-          </a:fontRef>
-        </p:style>
-      </p:cxnSp>
-      <p:sp>
-        <p:nvSpPr>
-          <p:cNvPr id="70" name="TextBox 69"/>
-          <p:cNvSpPr txBox="1"/>
-          <p:nvPr/>
-        </p:nvSpPr>
-        <p:spPr>
-          <a:xfrm>
-            <a:off x="2755442" y="1346550"/>
-            <a:ext cx="723275" cy="246221"/>
-          </a:xfrm>
-          <a:prstGeom prst="rect">
-            <a:avLst/>
-          </a:prstGeom>
-          <a:noFill/>
-        </p:spPr>
-        <p:txBody>
-          <a:bodyPr wrap="none" rtlCol="0">
-            <a:spAutoFit/>
-          </a:bodyPr>
-          <a:lstStyle/>
-          <a:p>
-            <a:pPr>
-              <a:buClrTx/>
-              <a:buFontTx/>
-              <a:buNone/>
-            </a:pPr>
-            <a:r>
-              <a:rPr lang="en-IN" sz="1000" kern="1200" dirty="0">
-                <a:ea typeface="+mn-ea"/>
-                <a:cs typeface="+mn-cs"/>
-              </a:rPr>
-              <a:t>Version 2</a:t>
-            </a:r>
-          </a:p>
-        </p:txBody>
-      </p:sp>
-      <p:cxnSp>
-        <p:nvCxnSpPr>
-          <p:cNvPr id="71" name="Straight Connector 70"/>
-          <p:cNvCxnSpPr/>
-          <p:nvPr/>
-        </p:nvCxnSpPr>
-        <p:spPr>
-          <a:xfrm>
-            <a:off x="2572296" y="2232077"/>
-            <a:ext cx="6480720" cy="0"/>
-          </a:xfrm>
-          <a:prstGeom prst="line">
-            <a:avLst/>
-          </a:prstGeom>
-        </p:spPr>
-        <p:style>
-          <a:lnRef idx="1">
-            <a:schemeClr val="accent1"/>
-          </a:lnRef>
-          <a:fillRef idx="0">
-            <a:schemeClr val="accent1"/>
-          </a:fillRef>
-          <a:effectRef idx="0">
-            <a:schemeClr val="accent1"/>
-          </a:effectRef>
-          <a:fontRef idx="minor">
-            <a:schemeClr val="tx1"/>
-          </a:fontRef>
-        </p:style>
-      </p:cxnSp>
-      <p:sp>
-        <p:nvSpPr>
-          <p:cNvPr id="72" name="TextBox 71"/>
-          <p:cNvSpPr txBox="1"/>
-          <p:nvPr/>
-        </p:nvSpPr>
-        <p:spPr>
-          <a:xfrm>
-            <a:off x="2771705" y="2289820"/>
-            <a:ext cx="723275" cy="246221"/>
-          </a:xfrm>
-          <a:prstGeom prst="rect">
-            <a:avLst/>
-          </a:prstGeom>
-          <a:noFill/>
-        </p:spPr>
-        <p:txBody>
-          <a:bodyPr wrap="none" rtlCol="0">
-            <a:spAutoFit/>
-          </a:bodyPr>
-          <a:lstStyle/>
-          <a:p>
-            <a:pPr>
-              <a:buClrTx/>
-              <a:buFontTx/>
-              <a:buNone/>
-            </a:pPr>
-            <a:r>
-              <a:rPr lang="en-IN" sz="1000" kern="1200" dirty="0">
-                <a:ea typeface="+mn-ea"/>
-                <a:cs typeface="+mn-cs"/>
-              </a:rPr>
-              <a:t>Version 3</a:t>
-            </a:r>
-          </a:p>
-        </p:txBody>
-      </p:sp>
-      <p:cxnSp>
-        <p:nvCxnSpPr>
-          <p:cNvPr id="73" name="Straight Connector 72"/>
-          <p:cNvCxnSpPr/>
-          <p:nvPr/>
-        </p:nvCxnSpPr>
-        <p:spPr>
-          <a:xfrm>
-            <a:off x="2572296" y="3257936"/>
-            <a:ext cx="6480720" cy="0"/>
-          </a:xfrm>
-          <a:prstGeom prst="line">
-            <a:avLst/>
-          </a:prstGeom>
-        </p:spPr>
-        <p:style>
-          <a:lnRef idx="1">
-            <a:schemeClr val="accent1"/>
-          </a:lnRef>
-          <a:fillRef idx="0">
-            <a:schemeClr val="accent1"/>
-          </a:fillRef>
-          <a:effectRef idx="0">
-            <a:schemeClr val="accent1"/>
-          </a:effectRef>
-          <a:fontRef idx="minor">
-            <a:schemeClr val="tx1"/>
-          </a:fontRef>
-        </p:style>
-      </p:cxnSp>
-      <p:sp>
-        <p:nvSpPr>
-          <p:cNvPr id="74" name="TextBox 73"/>
-          <p:cNvSpPr txBox="1"/>
-          <p:nvPr/>
-        </p:nvSpPr>
-        <p:spPr>
-          <a:xfrm>
-            <a:off x="2771705" y="3347117"/>
-            <a:ext cx="723275" cy="246221"/>
-          </a:xfrm>
-          <a:prstGeom prst="rect">
-            <a:avLst/>
-          </a:prstGeom>
-          <a:noFill/>
-        </p:spPr>
-        <p:txBody>
-          <a:bodyPr wrap="none" rtlCol="0">
-            <a:spAutoFit/>
-          </a:bodyPr>
-          <a:lstStyle/>
-          <a:p>
-            <a:pPr>
-              <a:buClrTx/>
-              <a:buFontTx/>
-              <a:buNone/>
-            </a:pPr>
-            <a:r>
-              <a:rPr lang="en-IN" sz="1000" kern="1200" dirty="0">
-                <a:ea typeface="+mn-ea"/>
-                <a:cs typeface="+mn-cs"/>
-              </a:rPr>
-              <a:t>Version 4</a:t>
-            </a:r>
-          </a:p>
-        </p:txBody>
-      </p:sp>
-      <p:sp>
-        <p:nvSpPr>
-          <p:cNvPr id="2" name="TextBox 1"/>
-          <p:cNvSpPr txBox="1"/>
-          <p:nvPr/>
-        </p:nvSpPr>
-        <p:spPr>
-          <a:xfrm>
-            <a:off x="2673480" y="4565561"/>
-            <a:ext cx="6194324" cy="577081"/>
-          </a:xfrm>
-          <a:prstGeom prst="rect">
-            <a:avLst/>
-          </a:prstGeom>
-          <a:noFill/>
-        </p:spPr>
-        <p:txBody>
-          <a:bodyPr wrap="none" rtlCol="0">
-            <a:spAutoFit/>
-          </a:bodyPr>
-          <a:lstStyle/>
-          <a:p>
-            <a:r>
-              <a:rPr lang="en-IN" sz="1050" b="1" u="sng" dirty="0"/>
-              <a:t>Note:</a:t>
-            </a:r>
-            <a:r>
-              <a:rPr lang="en-IN" sz="1050" b="1" dirty="0"/>
-              <a:t> </a:t>
-            </a:r>
-            <a:r>
-              <a:rPr lang="en-IN" sz="1050" dirty="0"/>
-              <a:t>For Versions 3&amp;4, partnership with established IT firms for large scale deployment of software </a:t>
-            </a:r>
-          </a:p>
-          <a:p>
-            <a:r>
-              <a:rPr lang="en-IN" sz="1050" dirty="0"/>
-              <a:t>          as well as training.</a:t>
-            </a:r>
-          </a:p>
-          <a:p>
-            <a:endParaRPr lang="en-IN" sz="1050" dirty="0"/>
-          </a:p>
-        </p:txBody>
-      </p:sp>
-    </p:spTree>
-    <p:extLst>
-      <p:ext uri="{BB962C8B-B14F-4D97-AF65-F5344CB8AC3E}">
-        <p14:creationId xmlns:p14="http://schemas.microsoft.com/office/powerpoint/2010/main" val="2142255268"/>
-      </p:ext>
-    </p:extLst>
-  </p:cSld>
-  <p:clrMapOvr>
-    <a:masterClrMapping/>
-  </p:clrMapOvr>
-</p:sld>
-</file>
-
-<file path=ppt/slides/slide7.xml><?xml version="1.0" encoding="utf-8"?>
-<p:sld xmlns:a="http://schemas.openxmlformats.org/drawingml/2006/main" xmlns:r="http://schemas.openxmlformats.org/officeDocument/2006/relationships" xmlns:p="http://schemas.openxmlformats.org/presentationml/2006/main">
-  <p:cSld>
-    <p:bg>
-      <p:bgPr>
-        <a:solidFill>
-          <a:schemeClr val="accent1">
-            <a:lumMod val="75000"/>
-          </a:schemeClr>
-        </a:solidFill>
-        <a:effectLst/>
-      </p:bgPr>
-    </p:bg>
-    <p:spTree>
-      <p:nvGrpSpPr>
-        <p:cNvPr id="1" name="Shape 103"/>
-        <p:cNvGrpSpPr/>
-        <p:nvPr/>
-      </p:nvGrpSpPr>
-      <p:grpSpPr>
-        <a:xfrm>
-          <a:off x="0" y="0"/>
-          <a:ext cx="0" cy="0"/>
-          <a:chOff x="0" y="0"/>
-          <a:chExt cx="0" cy="0"/>
-        </a:xfrm>
-      </p:grpSpPr>
-      <p:sp>
-        <p:nvSpPr>
-          <p:cNvPr id="104" name="Shape 104"/>
-          <p:cNvSpPr txBox="1">
-            <a:spLocks noGrp="1"/>
-          </p:cNvSpPr>
-          <p:nvPr>
-            <p:ph type="title"/>
-          </p:nvPr>
-        </p:nvSpPr>
-        <p:spPr>
-          <a:xfrm>
-            <a:off x="541177" y="558409"/>
-            <a:ext cx="1534725" cy="580638"/>
-          </a:xfrm>
-          <a:prstGeom prst="rect">
-            <a:avLst/>
-          </a:prstGeom>
-        </p:spPr>
-        <p:txBody>
-          <a:bodyPr spcFirstLastPara="1" wrap="square" lIns="68569" tIns="68569" rIns="68569" bIns="68569" anchor="t" anchorCtr="0">
-            <a:noAutofit/>
-          </a:bodyPr>
-          <a:lstStyle/>
-          <a:p>
-            <a:r>
-              <a:rPr lang="en-IN" b="1" dirty="0"/>
-              <a:t>Business Model</a:t>
-            </a:r>
-            <a:endParaRPr b="1" dirty="0"/>
-          </a:p>
-        </p:txBody>
-      </p:sp>
-      <p:sp>
-        <p:nvSpPr>
-          <p:cNvPr id="107" name="Shape 107"/>
-          <p:cNvSpPr txBox="1">
-            <a:spLocks noGrp="1"/>
-          </p:cNvSpPr>
-          <p:nvPr>
-            <p:ph type="sldNum" idx="12"/>
-          </p:nvPr>
-        </p:nvSpPr>
-        <p:spPr>
-          <a:xfrm>
-            <a:off x="7560596" y="4749851"/>
-            <a:ext cx="411525" cy="393600"/>
-          </a:xfrm>
-          <a:prstGeom prst="rect">
-            <a:avLst/>
-          </a:prstGeom>
-        </p:spPr>
-        <p:txBody>
-          <a:bodyPr spcFirstLastPara="1" wrap="square" lIns="68569" tIns="68569" rIns="68569" bIns="68569" anchor="ctr" anchorCtr="0">
-            <a:noAutofit/>
-          </a:bodyPr>
-          <a:lstStyle/>
-          <a:p>
-            <a:pPr defTabSz="685800">
-              <a:buClrTx/>
-            </a:pPr>
-            <a:fld id="{00000000-1234-1234-1234-123412341234}" type="slidenum">
-              <a:rPr lang="en" kern="1200"/>
-              <a:pPr defTabSz="685800">
-                <a:buClrTx/>
-              </a:pPr>
-              <a:t>7</a:t>
-            </a:fld>
-            <a:endParaRPr kern="1200" dirty="0"/>
-          </a:p>
-        </p:txBody>
-      </p:sp>
-      <p:sp>
-        <p:nvSpPr>
-          <p:cNvPr id="11" name="Shape 114">
-            <a:extLst>
-              <a:ext uri="{FF2B5EF4-FFF2-40B4-BE49-F238E27FC236}">
-                <a16:creationId xmlns:a16="http://schemas.microsoft.com/office/drawing/2014/main" id="{1D3C8554-FECA-4592-9592-A1CD9D928A40}"/>
-              </a:ext>
-            </a:extLst>
-          </p:cNvPr>
-          <p:cNvSpPr txBox="1">
-            <a:spLocks noGrp="1"/>
-          </p:cNvSpPr>
-          <p:nvPr>
-            <p:ph type="body" idx="1"/>
-          </p:nvPr>
-        </p:nvSpPr>
-        <p:spPr>
-          <a:xfrm>
-            <a:off x="2929031" y="341939"/>
-            <a:ext cx="5673798" cy="4049427"/>
-          </a:xfrm>
-          <a:prstGeom prst="rect">
-            <a:avLst/>
-          </a:prstGeom>
-        </p:spPr>
-        <p:txBody>
-          <a:bodyPr spcFirstLastPara="1" wrap="square" lIns="68569" tIns="68569" rIns="68569" bIns="68569" anchor="t" anchorCtr="0">
-            <a:noAutofit/>
-          </a:bodyPr>
-          <a:lstStyle/>
-          <a:p>
-            <a:pPr algn="just"/>
-            <a:r>
-              <a:rPr lang="en-US" sz="1600" i="0" dirty="0">
-                <a:solidFill>
-                  <a:schemeClr val="tx1"/>
-                </a:solidFill>
-                <a:latin typeface="Nunito Sans" panose="020B0604020202020204" charset="0"/>
-              </a:rPr>
-              <a:t>6-10 months to create and deploy the system.</a:t>
-            </a:r>
-          </a:p>
-          <a:p>
-            <a:pPr algn="just"/>
-            <a:r>
-              <a:rPr lang="en-US" sz="1600" i="0" dirty="0">
-                <a:solidFill>
-                  <a:schemeClr val="tx1"/>
-                </a:solidFill>
-                <a:latin typeface="Nunito Sans" panose="020B0604020202020204" charset="0"/>
-              </a:rPr>
-              <a:t>Development team - 6 members</a:t>
-            </a:r>
-          </a:p>
-          <a:p>
-            <a:pPr algn="just"/>
-            <a:r>
-              <a:rPr lang="en-US" sz="1600" i="0" dirty="0">
-                <a:solidFill>
-                  <a:schemeClr val="tx1"/>
-                </a:solidFill>
-                <a:latin typeface="Nunito Sans" panose="020B0604020202020204" charset="0"/>
-              </a:rPr>
-              <a:t>Development cost -  Salary + Infrastructure = 2 </a:t>
-            </a:r>
-            <a:r>
-              <a:rPr lang="en-US" sz="1600" i="0" dirty="0" err="1">
-                <a:solidFill>
-                  <a:schemeClr val="tx1"/>
-                </a:solidFill>
-                <a:latin typeface="Nunito Sans" panose="020B0604020202020204" charset="0"/>
-              </a:rPr>
-              <a:t>crore</a:t>
-            </a:r>
-            <a:r>
-              <a:rPr lang="en-US" sz="1600" i="0" dirty="0">
-                <a:solidFill>
-                  <a:schemeClr val="tx1"/>
-                </a:solidFill>
-                <a:latin typeface="Nunito Sans" panose="020B0604020202020204" charset="0"/>
-              </a:rPr>
-              <a:t>/</a:t>
-            </a:r>
-            <a:r>
-              <a:rPr lang="en-US" sz="1600" i="0" dirty="0" err="1">
-                <a:solidFill>
-                  <a:schemeClr val="tx1"/>
-                </a:solidFill>
-                <a:latin typeface="Nunito Sans" panose="020B0604020202020204" charset="0"/>
-              </a:rPr>
-              <a:t>yr</a:t>
-            </a:r>
-            <a:endParaRPr lang="en-US" sz="1600" i="0" dirty="0">
-              <a:solidFill>
-                <a:schemeClr val="tx1"/>
-              </a:solidFill>
-              <a:latin typeface="Nunito Sans" panose="020B0604020202020204" charset="0"/>
-            </a:endParaRPr>
-          </a:p>
-          <a:p>
-            <a:pPr algn="just"/>
-            <a:r>
-              <a:rPr lang="en-US" sz="1600" i="0" dirty="0">
-                <a:solidFill>
-                  <a:schemeClr val="tx1"/>
-                </a:solidFill>
-                <a:latin typeface="Nunito Sans" panose="020B0604020202020204" charset="0"/>
-              </a:rPr>
-              <a:t>Initial deployment of the system in Pune City.</a:t>
-            </a:r>
-          </a:p>
-          <a:p>
-            <a:pPr algn="just"/>
-            <a:r>
-              <a:rPr lang="en-US" sz="1600" i="0" dirty="0">
-                <a:solidFill>
-                  <a:schemeClr val="tx1"/>
-                </a:solidFill>
-                <a:latin typeface="Nunito Sans" panose="020B0604020202020204" charset="0"/>
-              </a:rPr>
-              <a:t>At first, only citizens and healthcare centers will be incorporated in the system. </a:t>
-            </a:r>
-          </a:p>
-          <a:p>
-            <a:pPr algn="just"/>
-            <a:r>
-              <a:rPr lang="en-US" sz="1600" i="0" dirty="0">
-                <a:solidFill>
-                  <a:schemeClr val="tx1"/>
-                </a:solidFill>
-                <a:latin typeface="Nunito Sans" panose="020B0604020202020204" charset="0"/>
-              </a:rPr>
-              <a:t>The next 6 months four Tier 1 cities - Mumbai, Nagpur, </a:t>
-            </a:r>
-            <a:r>
-              <a:rPr lang="en-US" sz="1600" i="0" dirty="0" err="1">
-                <a:solidFill>
-                  <a:schemeClr val="tx1"/>
-                </a:solidFill>
-                <a:latin typeface="Nunito Sans" panose="020B0604020202020204" charset="0"/>
-              </a:rPr>
-              <a:t>Surat</a:t>
-            </a:r>
-            <a:r>
-              <a:rPr lang="en-US" sz="1600" i="0" dirty="0">
-                <a:solidFill>
-                  <a:schemeClr val="tx1"/>
-                </a:solidFill>
-                <a:latin typeface="Nunito Sans" panose="020B0604020202020204" charset="0"/>
-              </a:rPr>
-              <a:t> and Ahmedabad will be included in the system.</a:t>
-            </a:r>
-          </a:p>
-          <a:p>
-            <a:pPr algn="just"/>
-            <a:r>
-              <a:rPr lang="en-US" sz="1600" i="0" dirty="0">
-                <a:solidFill>
-                  <a:schemeClr val="tx1"/>
-                </a:solidFill>
-                <a:latin typeface="Nunito Sans" panose="020B0604020202020204" charset="0"/>
-              </a:rPr>
-              <a:t>After successfully implementing in Tier 1 cities, insurance companies may be included in the system.</a:t>
-            </a:r>
-          </a:p>
-          <a:p>
-            <a:pPr algn="just"/>
-            <a:r>
-              <a:rPr lang="en-US" sz="1600" i="0" dirty="0">
-                <a:solidFill>
-                  <a:schemeClr val="tx1"/>
-                </a:solidFill>
-                <a:latin typeface="Nunito Sans" panose="020B0604020202020204" charset="0"/>
-              </a:rPr>
-              <a:t>The healthcare centers &amp; insurance companies have to pay a subscription fee to use the system(yearly basis). </a:t>
-            </a:r>
-          </a:p>
-          <a:p>
-            <a:pPr algn="just"/>
-            <a:r>
-              <a:rPr lang="en-US" sz="1600" i="0" dirty="0">
-                <a:solidFill>
-                  <a:schemeClr val="tx1"/>
-                </a:solidFill>
-                <a:latin typeface="Nunito Sans" panose="020B0604020202020204" charset="0"/>
-              </a:rPr>
-              <a:t>Gradually Tier 2 &amp; 3 cities will be included in the scheme.</a:t>
-            </a:r>
-          </a:p>
-          <a:p>
-            <a:pPr algn="just"/>
-            <a:endParaRPr lang="en-US" sz="1600" i="0" dirty="0">
-              <a:solidFill>
-                <a:schemeClr val="tx1"/>
-              </a:solidFill>
-              <a:latin typeface="Nunito Sans" panose="020B0604020202020204" charset="0"/>
-            </a:endParaRPr>
-          </a:p>
-          <a:p>
-            <a:pPr algn="just">
-              <a:buFont typeface="Arial" panose="020B0604020202020204" pitchFamily="34" charset="0"/>
-              <a:buChar char="•"/>
-            </a:pPr>
-            <a:endParaRPr lang="en-US" sz="1600" i="0" dirty="0">
-              <a:solidFill>
-                <a:schemeClr val="tx1"/>
-              </a:solidFill>
-              <a:latin typeface="Nunito Sans" panose="020B0604020202020204" charset="0"/>
-            </a:endParaRPr>
-          </a:p>
-          <a:p>
-            <a:pPr algn="just">
-              <a:buFont typeface="Arial" panose="020B0604020202020204" pitchFamily="34" charset="0"/>
-              <a:buChar char="•"/>
-            </a:pPr>
-            <a:endParaRPr lang="en-US" sz="1600" i="0" dirty="0">
-              <a:solidFill>
-                <a:schemeClr val="tx1"/>
-              </a:solidFill>
-              <a:latin typeface="Nunito Sans" panose="020B0604020202020204" charset="0"/>
-            </a:endParaRPr>
-          </a:p>
-          <a:p>
-            <a:pPr algn="just">
-              <a:buFont typeface="Arial" panose="020B0604020202020204" pitchFamily="34" charset="0"/>
-              <a:buChar char="•"/>
-            </a:pPr>
-            <a:endParaRPr sz="1600" i="0" dirty="0">
-              <a:solidFill>
-                <a:schemeClr val="tx1"/>
-              </a:solidFill>
-              <a:latin typeface="Nunito Sans" panose="020B0604020202020204" charset="0"/>
-            </a:endParaRPr>
-          </a:p>
-        </p:txBody>
-      </p:sp>
-    </p:spTree>
-    <p:extLst>
-      <p:ext uri="{BB962C8B-B14F-4D97-AF65-F5344CB8AC3E}">
-        <p14:creationId xmlns:p14="http://schemas.microsoft.com/office/powerpoint/2010/main" val="2756599383"/>
-      </p:ext>
-    </p:extLst>
-  </p:cSld>
-  <p:clrMapOvr>
-    <a:masterClrMapping/>
-  </p:clrMapOvr>
-</p:sld>
-</file>
-
-<file path=ppt/slides/slide8.xml><?xml version="1.0" encoding="utf-8"?>
-<p:sld xmlns:a="http://schemas.openxmlformats.org/drawingml/2006/main" xmlns:r="http://schemas.openxmlformats.org/officeDocument/2006/relationships" xmlns:p="http://schemas.openxmlformats.org/presentationml/2006/main">
-  <p:cSld>
-    <p:bg>
-      <p:bgPr>
-        <a:solidFill>
-          <a:schemeClr val="accent1">
-            <a:lumMod val="75000"/>
-          </a:schemeClr>
-        </a:solidFill>
-        <a:effectLst/>
-      </p:bgPr>
-    </p:bg>
-    <p:spTree>
-      <p:nvGrpSpPr>
-        <p:cNvPr id="1" name="Shape 103"/>
-        <p:cNvGrpSpPr/>
-        <p:nvPr/>
-      </p:nvGrpSpPr>
-      <p:grpSpPr>
-        <a:xfrm>
-          <a:off x="0" y="0"/>
-          <a:ext cx="0" cy="0"/>
-          <a:chOff x="0" y="0"/>
-          <a:chExt cx="0" cy="0"/>
-        </a:xfrm>
-      </p:grpSpPr>
-      <p:sp>
-        <p:nvSpPr>
-          <p:cNvPr id="104" name="Shape 104"/>
-          <p:cNvSpPr txBox="1">
-            <a:spLocks noGrp="1"/>
-          </p:cNvSpPr>
-          <p:nvPr>
-            <p:ph type="title"/>
-          </p:nvPr>
-        </p:nvSpPr>
-        <p:spPr>
-          <a:xfrm>
-            <a:off x="234450" y="575500"/>
-            <a:ext cx="2046300" cy="817464"/>
-          </a:xfrm>
-          <a:prstGeom prst="rect">
-            <a:avLst/>
-          </a:prstGeom>
-        </p:spPr>
-        <p:txBody>
-          <a:bodyPr spcFirstLastPara="1" wrap="square" lIns="91425" tIns="91425" rIns="91425" bIns="91425" anchor="t" anchorCtr="0">
-            <a:noAutofit/>
-          </a:bodyPr>
-          <a:lstStyle/>
-          <a:p>
-            <a:pPr marL="0" lvl="0" indent="0" rtl="0">
-              <a:spcBef>
-                <a:spcPts val="0"/>
-              </a:spcBef>
-              <a:spcAft>
-                <a:spcPts val="0"/>
-              </a:spcAft>
-              <a:buNone/>
-            </a:pPr>
-            <a:r>
-              <a:rPr lang="en-IN" b="1" dirty="0"/>
-              <a:t>Relevance in Smart City</a:t>
-            </a:r>
-            <a:endParaRPr b="1" dirty="0"/>
-          </a:p>
-        </p:txBody>
-      </p:sp>
-      <p:sp>
-        <p:nvSpPr>
-          <p:cNvPr id="107" name="Shape 107"/>
-          <p:cNvSpPr txBox="1">
-            <a:spLocks noGrp="1"/>
-          </p:cNvSpPr>
-          <p:nvPr>
-            <p:ph type="sldNum" idx="12"/>
-          </p:nvPr>
-        </p:nvSpPr>
-        <p:spPr>
-          <a:xfrm>
-            <a:off x="8556784" y="4749851"/>
-            <a:ext cx="548700" cy="393600"/>
-          </a:xfrm>
-          <a:prstGeom prst="rect">
-            <a:avLst/>
-          </a:prstGeom>
-        </p:spPr>
-        <p:txBody>
-          <a:bodyPr spcFirstLastPara="1" wrap="square" lIns="91425" tIns="91425" rIns="91425" bIns="91425" anchor="ctr" anchorCtr="0">
-            <a:noAutofit/>
-          </a:bodyPr>
-          <a:lstStyle/>
-          <a:p>
             <a:fld id="{00000000-1234-1234-1234-123412341234}" type="slidenum">
               <a:rPr lang="en"/>
               <a:pPr/>
-              <a:t>8</a:t>
+              <a:t>4</a:t>
             </a:fld>
             <a:endParaRPr dirty="0"/>
           </a:p>
@@ -14855,6 +11433,3865 @@
 </p:sld>
 </file>
 
+<file path=ppt/slides/slide5.xml><?xml version="1.0" encoding="utf-8"?>
+<p:sld xmlns:a="http://schemas.openxmlformats.org/drawingml/2006/main" xmlns:r="http://schemas.openxmlformats.org/officeDocument/2006/relationships" xmlns:p="http://schemas.openxmlformats.org/presentationml/2006/main">
+  <p:cSld>
+    <p:bg>
+      <p:bgPr>
+        <a:solidFill>
+          <a:schemeClr val="accent1">
+            <a:lumMod val="75000"/>
+          </a:schemeClr>
+        </a:solidFill>
+        <a:effectLst/>
+      </p:bgPr>
+    </p:bg>
+    <p:spTree>
+      <p:nvGrpSpPr>
+        <p:cNvPr id="1" name="Shape 103"/>
+        <p:cNvGrpSpPr/>
+        <p:nvPr/>
+      </p:nvGrpSpPr>
+      <p:grpSpPr>
+        <a:xfrm>
+          <a:off x="0" y="0"/>
+          <a:ext cx="0" cy="0"/>
+          <a:chOff x="0" y="0"/>
+          <a:chExt cx="0" cy="0"/>
+        </a:xfrm>
+      </p:grpSpPr>
+      <p:sp>
+        <p:nvSpPr>
+          <p:cNvPr id="107" name="Shape 107"/>
+          <p:cNvSpPr txBox="1">
+            <a:spLocks noGrp="1"/>
+          </p:cNvSpPr>
+          <p:nvPr>
+            <p:ph type="sldNum" idx="12"/>
+          </p:nvPr>
+        </p:nvSpPr>
+        <p:spPr>
+          <a:xfrm>
+            <a:off x="8556784" y="4749851"/>
+            <a:ext cx="548700" cy="393600"/>
+          </a:xfrm>
+          <a:prstGeom prst="rect">
+            <a:avLst/>
+          </a:prstGeom>
+        </p:spPr>
+        <p:txBody>
+          <a:bodyPr spcFirstLastPara="1" wrap="square" lIns="91425" tIns="91425" rIns="91425" bIns="91425" anchor="ctr" anchorCtr="0">
+            <a:noAutofit/>
+          </a:bodyPr>
+          <a:lstStyle/>
+          <a:p>
+            <a:pPr>
+              <a:defRPr/>
+            </a:pPr>
+            <a:fld id="{00000000-1234-1234-1234-123412341234}" type="slidenum">
+              <a:rPr lang="en"/>
+              <a:pPr>
+                <a:defRPr/>
+              </a:pPr>
+              <a:t>5</a:t>
+            </a:fld>
+            <a:endParaRPr dirty="0"/>
+          </a:p>
+        </p:txBody>
+      </p:sp>
+      <p:sp>
+        <p:nvSpPr>
+          <p:cNvPr id="4" name="Rectangle 3">
+            <a:extLst>
+              <a:ext uri="{FF2B5EF4-FFF2-40B4-BE49-F238E27FC236}">
+                <a16:creationId xmlns:a16="http://schemas.microsoft.com/office/drawing/2014/main" id="{73975F41-C02D-4F7A-B534-F50F4D1254D9}"/>
+              </a:ext>
+            </a:extLst>
+          </p:cNvPr>
+          <p:cNvSpPr/>
+          <p:nvPr/>
+        </p:nvSpPr>
+        <p:spPr>
+          <a:xfrm>
+            <a:off x="3067943" y="210067"/>
+            <a:ext cx="3888771" cy="1100210"/>
+          </a:xfrm>
+          <a:prstGeom prst="rect">
+            <a:avLst/>
+          </a:prstGeom>
+          <a:solidFill>
+            <a:schemeClr val="bg1"/>
+          </a:solidFill>
+        </p:spPr>
+        <p:style>
+          <a:lnRef idx="2">
+            <a:schemeClr val="accent1">
+              <a:shade val="50000"/>
+            </a:schemeClr>
+          </a:lnRef>
+          <a:fillRef idx="1">
+            <a:schemeClr val="accent1"/>
+          </a:fillRef>
+          <a:effectRef idx="0">
+            <a:schemeClr val="accent1"/>
+          </a:effectRef>
+          <a:fontRef idx="minor">
+            <a:schemeClr val="lt1"/>
+          </a:fontRef>
+        </p:style>
+        <p:txBody>
+          <a:bodyPr rtlCol="0" anchor="ctr"/>
+          <a:lstStyle/>
+          <a:p>
+            <a:r>
+              <a:rPr lang="en-IN" b="1" dirty="0">
+                <a:solidFill>
+                  <a:srgbClr val="000000"/>
+                </a:solidFill>
+              </a:rPr>
+              <a:t>Hospitals/Mobile Clinics</a:t>
+            </a:r>
+          </a:p>
+          <a:p>
+            <a:pPr marL="171450" indent="-171450">
+              <a:buFont typeface="Arial" pitchFamily="34" charset="0"/>
+              <a:buChar char="•"/>
+            </a:pPr>
+            <a:r>
+              <a:rPr lang="en-US" sz="1100" dirty="0">
+                <a:solidFill>
+                  <a:srgbClr val="000000"/>
+                </a:solidFill>
+              </a:rPr>
+              <a:t>Track medical history of patient</a:t>
+            </a:r>
+          </a:p>
+          <a:p>
+            <a:pPr marL="171450" indent="-171450">
+              <a:buFont typeface="Arial" pitchFamily="34" charset="0"/>
+              <a:buChar char="•"/>
+            </a:pPr>
+            <a:r>
+              <a:rPr lang="en-US" sz="1100" dirty="0">
+                <a:solidFill>
+                  <a:srgbClr val="000000"/>
+                </a:solidFill>
+              </a:rPr>
+              <a:t>Achieve structural interoperability</a:t>
+            </a:r>
+          </a:p>
+          <a:p>
+            <a:pPr marL="171450" indent="-171450">
+              <a:buFont typeface="Arial" pitchFamily="34" charset="0"/>
+              <a:buChar char="•"/>
+            </a:pPr>
+            <a:r>
+              <a:rPr lang="en-US" sz="1100" dirty="0">
+                <a:solidFill>
+                  <a:srgbClr val="000000"/>
+                </a:solidFill>
+              </a:rPr>
+              <a:t>Ease of record access</a:t>
+            </a:r>
+          </a:p>
+          <a:p>
+            <a:pPr marL="171450" indent="-171450">
+              <a:buFont typeface="Arial" pitchFamily="34" charset="0"/>
+              <a:buChar char="•"/>
+            </a:pPr>
+            <a:r>
+              <a:rPr lang="en-US" sz="1100" dirty="0">
+                <a:solidFill>
+                  <a:srgbClr val="000000"/>
+                </a:solidFill>
+              </a:rPr>
+              <a:t>Real-time record uploading</a:t>
+            </a:r>
+          </a:p>
+          <a:p>
+            <a:pPr marL="171450" indent="-171450">
+              <a:buFont typeface="Arial" pitchFamily="34" charset="0"/>
+              <a:buChar char="•"/>
+            </a:pPr>
+            <a:r>
+              <a:rPr lang="en-US" sz="1100" dirty="0">
+                <a:solidFill>
+                  <a:srgbClr val="000000"/>
+                </a:solidFill>
+              </a:rPr>
+              <a:t>Improve delivery of services</a:t>
+            </a:r>
+          </a:p>
+        </p:txBody>
+      </p:sp>
+      <p:sp>
+        <p:nvSpPr>
+          <p:cNvPr id="8" name="Rectangle 7">
+            <a:extLst>
+              <a:ext uri="{FF2B5EF4-FFF2-40B4-BE49-F238E27FC236}">
+                <a16:creationId xmlns:a16="http://schemas.microsoft.com/office/drawing/2014/main" id="{587713AA-9CBD-4BD7-A8A4-7B621B110039}"/>
+              </a:ext>
+            </a:extLst>
+          </p:cNvPr>
+          <p:cNvSpPr/>
+          <p:nvPr/>
+        </p:nvSpPr>
+        <p:spPr>
+          <a:xfrm>
+            <a:off x="4427985" y="1432997"/>
+            <a:ext cx="3737464" cy="1016949"/>
+          </a:xfrm>
+          <a:prstGeom prst="rect">
+            <a:avLst/>
+          </a:prstGeom>
+          <a:solidFill>
+            <a:schemeClr val="bg1"/>
+          </a:solidFill>
+        </p:spPr>
+        <p:style>
+          <a:lnRef idx="2">
+            <a:schemeClr val="accent1">
+              <a:shade val="50000"/>
+            </a:schemeClr>
+          </a:lnRef>
+          <a:fillRef idx="1">
+            <a:schemeClr val="accent1"/>
+          </a:fillRef>
+          <a:effectRef idx="0">
+            <a:schemeClr val="accent1"/>
+          </a:effectRef>
+          <a:fontRef idx="minor">
+            <a:schemeClr val="lt1"/>
+          </a:fontRef>
+        </p:style>
+        <p:txBody>
+          <a:bodyPr rtlCol="0" anchor="ctr"/>
+          <a:lstStyle/>
+          <a:p>
+            <a:r>
+              <a:rPr lang="en-IN" b="1" dirty="0">
+                <a:solidFill>
+                  <a:srgbClr val="000000"/>
+                </a:solidFill>
+              </a:rPr>
+              <a:t>Government</a:t>
+            </a:r>
+          </a:p>
+          <a:p>
+            <a:pPr marL="171450" indent="-171450">
+              <a:buFont typeface="Arial" pitchFamily="34" charset="0"/>
+              <a:buChar char="•"/>
+            </a:pPr>
+            <a:r>
+              <a:rPr lang="en-US" sz="1100" dirty="0">
+                <a:solidFill>
+                  <a:srgbClr val="000000"/>
+                </a:solidFill>
+              </a:rPr>
+              <a:t>Better management of health records</a:t>
+            </a:r>
+          </a:p>
+          <a:p>
+            <a:pPr marL="171450" indent="-171450">
+              <a:buFont typeface="Arial" pitchFamily="34" charset="0"/>
+              <a:buChar char="•"/>
+            </a:pPr>
+            <a:r>
+              <a:rPr lang="en-US" sz="1100" dirty="0">
+                <a:solidFill>
+                  <a:srgbClr val="000000"/>
+                </a:solidFill>
+              </a:rPr>
+              <a:t>Economization(cost-reduction)</a:t>
+            </a:r>
+          </a:p>
+          <a:p>
+            <a:pPr marL="171450" indent="-171450">
+              <a:buFont typeface="Arial" pitchFamily="34" charset="0"/>
+              <a:buChar char="•"/>
+            </a:pPr>
+            <a:r>
+              <a:rPr lang="en-US" sz="1100" dirty="0">
+                <a:solidFill>
+                  <a:srgbClr val="000000"/>
+                </a:solidFill>
+              </a:rPr>
+              <a:t>Basis for developing long-term strategy</a:t>
+            </a:r>
+          </a:p>
+        </p:txBody>
+      </p:sp>
+      <p:pic>
+        <p:nvPicPr>
+          <p:cNvPr id="9" name="Picture 42">
+            <a:extLst>
+              <a:ext uri="{FF2B5EF4-FFF2-40B4-BE49-F238E27FC236}">
+                <a16:creationId xmlns:a16="http://schemas.microsoft.com/office/drawing/2014/main" id="{72CD0BC3-CBCD-4F08-9EC2-094477A3F00F}"/>
+              </a:ext>
+            </a:extLst>
+          </p:cNvPr>
+          <p:cNvPicPr>
+            <a:picLocks noChangeAspect="1" noChangeArrowheads="1"/>
+          </p:cNvPicPr>
+          <p:nvPr/>
+        </p:nvPicPr>
+        <p:blipFill>
+          <a:blip r:embed="rId3">
+            <a:extLst>
+              <a:ext uri="{28A0092B-C50C-407E-A947-70E740481C1C}">
+                <a14:useLocalDpi xmlns:a14="http://schemas.microsoft.com/office/drawing/2010/main" val="0"/>
+              </a:ext>
+            </a:extLst>
+          </a:blip>
+          <a:srcRect/>
+          <a:stretch>
+            <a:fillRect/>
+          </a:stretch>
+        </p:blipFill>
+        <p:spPr bwMode="auto">
+          <a:xfrm>
+            <a:off x="6012160" y="302617"/>
+            <a:ext cx="831850" cy="831850"/>
+          </a:xfrm>
+          <a:prstGeom prst="rect">
+            <a:avLst/>
+          </a:prstGeom>
+          <a:noFill/>
+          <a:ln>
+            <a:noFill/>
+          </a:ln>
+          <a:extLst>
+            <a:ext uri="{909E8E84-426E-40DD-AFC4-6F175D3DCCD1}">
+              <a14:hiddenFill xmlns:a14="http://schemas.microsoft.com/office/drawing/2010/main">
+                <a:solidFill>
+                  <a:srgbClr val="FFFFFF"/>
+                </a:solidFill>
+              </a14:hiddenFill>
+            </a:ext>
+            <a:ext uri="{91240B29-F687-4F45-9708-019B960494DF}">
+              <a14:hiddenLine xmlns:a14="http://schemas.microsoft.com/office/drawing/2010/main" w="9525">
+                <a:solidFill>
+                  <a:srgbClr val="000000"/>
+                </a:solidFill>
+                <a:miter lim="800000"/>
+                <a:headEnd/>
+                <a:tailEnd/>
+              </a14:hiddenLine>
+            </a:ext>
+          </a:extLst>
+        </p:spPr>
+      </p:pic>
+      <p:sp>
+        <p:nvSpPr>
+          <p:cNvPr id="10" name="Rectangle 9">
+            <a:extLst>
+              <a:ext uri="{FF2B5EF4-FFF2-40B4-BE49-F238E27FC236}">
+                <a16:creationId xmlns:a16="http://schemas.microsoft.com/office/drawing/2014/main" id="{A6D7667A-DA73-430E-A281-75520436CCCB}"/>
+              </a:ext>
+            </a:extLst>
+          </p:cNvPr>
+          <p:cNvSpPr/>
+          <p:nvPr/>
+        </p:nvSpPr>
+        <p:spPr>
+          <a:xfrm>
+            <a:off x="3082804" y="2625756"/>
+            <a:ext cx="3873910" cy="1100210"/>
+          </a:xfrm>
+          <a:prstGeom prst="rect">
+            <a:avLst/>
+          </a:prstGeom>
+          <a:noFill/>
+        </p:spPr>
+        <p:style>
+          <a:lnRef idx="2">
+            <a:schemeClr val="accent1">
+              <a:shade val="50000"/>
+            </a:schemeClr>
+          </a:lnRef>
+          <a:fillRef idx="1">
+            <a:schemeClr val="accent1"/>
+          </a:fillRef>
+          <a:effectRef idx="0">
+            <a:schemeClr val="accent1"/>
+          </a:effectRef>
+          <a:fontRef idx="minor">
+            <a:schemeClr val="lt1"/>
+          </a:fontRef>
+        </p:style>
+        <p:txBody>
+          <a:bodyPr rtlCol="0" anchor="ctr"/>
+          <a:lstStyle/>
+          <a:p>
+            <a:r>
+              <a:rPr lang="en-IN" b="1" dirty="0">
+                <a:solidFill>
+                  <a:srgbClr val="000000"/>
+                </a:solidFill>
+              </a:rPr>
+              <a:t>Citizens</a:t>
+            </a:r>
+          </a:p>
+          <a:p>
+            <a:pPr marL="285750" indent="-285750">
+              <a:buFont typeface="Arial" pitchFamily="34" charset="0"/>
+              <a:buChar char="•"/>
+            </a:pPr>
+            <a:r>
+              <a:rPr lang="en-US" sz="1100" dirty="0">
+                <a:solidFill>
+                  <a:srgbClr val="000000"/>
+                </a:solidFill>
+              </a:rPr>
+              <a:t>Health records stored securely</a:t>
+            </a:r>
+          </a:p>
+          <a:p>
+            <a:pPr marL="285750" indent="-285750">
+              <a:buFont typeface="Arial" pitchFamily="34" charset="0"/>
+              <a:buChar char="•"/>
+            </a:pPr>
+            <a:r>
+              <a:rPr lang="en-US" sz="1100" dirty="0">
+                <a:solidFill>
+                  <a:srgbClr val="000000"/>
+                </a:solidFill>
+              </a:rPr>
+              <a:t>Easy to access records</a:t>
+            </a:r>
+          </a:p>
+          <a:p>
+            <a:pPr marL="285750" indent="-285750">
+              <a:buFont typeface="Arial" pitchFamily="34" charset="0"/>
+              <a:buChar char="•"/>
+            </a:pPr>
+            <a:r>
+              <a:rPr lang="en-US" sz="1100" dirty="0">
+                <a:solidFill>
+                  <a:srgbClr val="000000"/>
+                </a:solidFill>
+              </a:rPr>
+              <a:t>Record portability</a:t>
+            </a:r>
+          </a:p>
+          <a:p>
+            <a:pPr marL="285750" indent="-285750">
+              <a:buFont typeface="Arial" pitchFamily="34" charset="0"/>
+              <a:buChar char="•"/>
+            </a:pPr>
+            <a:r>
+              <a:rPr lang="en-US" sz="1100" dirty="0">
+                <a:solidFill>
+                  <a:srgbClr val="000000"/>
+                </a:solidFill>
+              </a:rPr>
+              <a:t>Easy to track medical history</a:t>
+            </a:r>
+          </a:p>
+          <a:p>
+            <a:pPr marL="285750" indent="-285750">
+              <a:buFont typeface="Arial" pitchFamily="34" charset="0"/>
+              <a:buChar char="•"/>
+            </a:pPr>
+            <a:r>
+              <a:rPr lang="en-US" sz="1100" dirty="0">
+                <a:solidFill>
+                  <a:srgbClr val="000000"/>
+                </a:solidFill>
+              </a:rPr>
+              <a:t>Records shared with others to </a:t>
+            </a:r>
+            <a:r>
+              <a:rPr lang="en-US" sz="1100">
+                <a:solidFill>
+                  <a:srgbClr val="000000"/>
+                </a:solidFill>
+              </a:rPr>
+              <a:t>their discretion</a:t>
+            </a:r>
+            <a:endParaRPr lang="en-US" sz="1100" dirty="0">
+              <a:solidFill>
+                <a:srgbClr val="000000"/>
+              </a:solidFill>
+            </a:endParaRPr>
+          </a:p>
+        </p:txBody>
+      </p:sp>
+      <p:sp>
+        <p:nvSpPr>
+          <p:cNvPr id="11" name="Shape 104"/>
+          <p:cNvSpPr txBox="1">
+            <a:spLocks noGrp="1"/>
+          </p:cNvSpPr>
+          <p:nvPr>
+            <p:ph type="title"/>
+          </p:nvPr>
+        </p:nvSpPr>
+        <p:spPr>
+          <a:xfrm>
+            <a:off x="234450" y="575500"/>
+            <a:ext cx="2046300" cy="580638"/>
+          </a:xfrm>
+          <a:prstGeom prst="rect">
+            <a:avLst/>
+          </a:prstGeom>
+        </p:spPr>
+        <p:txBody>
+          <a:bodyPr spcFirstLastPara="1" wrap="square" lIns="91425" tIns="91425" rIns="91425" bIns="91425" anchor="t" anchorCtr="0">
+            <a:noAutofit/>
+          </a:bodyPr>
+          <a:lstStyle/>
+          <a:p>
+            <a:pPr marL="0" lvl="0" indent="0" rtl="0">
+              <a:spcBef>
+                <a:spcPts val="0"/>
+              </a:spcBef>
+              <a:spcAft>
+                <a:spcPts val="0"/>
+              </a:spcAft>
+              <a:buNone/>
+            </a:pPr>
+            <a:r>
+              <a:rPr lang="en-IN" b="1" dirty="0"/>
+              <a:t>Beneficiaries</a:t>
+            </a:r>
+            <a:endParaRPr b="1" dirty="0"/>
+          </a:p>
+        </p:txBody>
+      </p:sp>
+      <p:sp>
+        <p:nvSpPr>
+          <p:cNvPr id="12" name="Rectangle 11">
+            <a:extLst>
+              <a:ext uri="{FF2B5EF4-FFF2-40B4-BE49-F238E27FC236}">
+                <a16:creationId xmlns:a16="http://schemas.microsoft.com/office/drawing/2014/main" id="{A6D7667A-DA73-430E-A281-75520436CCCB}"/>
+              </a:ext>
+            </a:extLst>
+          </p:cNvPr>
+          <p:cNvSpPr/>
+          <p:nvPr/>
+        </p:nvSpPr>
+        <p:spPr>
+          <a:xfrm>
+            <a:off x="4427986" y="3867894"/>
+            <a:ext cx="3737463" cy="1016949"/>
+          </a:xfrm>
+          <a:prstGeom prst="rect">
+            <a:avLst/>
+          </a:prstGeom>
+          <a:noFill/>
+        </p:spPr>
+        <p:style>
+          <a:lnRef idx="2">
+            <a:schemeClr val="accent1">
+              <a:shade val="50000"/>
+            </a:schemeClr>
+          </a:lnRef>
+          <a:fillRef idx="1">
+            <a:schemeClr val="accent1"/>
+          </a:fillRef>
+          <a:effectRef idx="0">
+            <a:schemeClr val="accent1"/>
+          </a:effectRef>
+          <a:fontRef idx="minor">
+            <a:schemeClr val="lt1"/>
+          </a:fontRef>
+        </p:style>
+        <p:txBody>
+          <a:bodyPr rtlCol="0" anchor="ctr"/>
+          <a:lstStyle/>
+          <a:p>
+            <a:r>
+              <a:rPr lang="en-IN" b="1" dirty="0">
+                <a:solidFill>
+                  <a:srgbClr val="000000"/>
+                </a:solidFill>
+              </a:rPr>
+              <a:t>Pharmacist</a:t>
+            </a:r>
+          </a:p>
+          <a:p>
+            <a:pPr marL="285750" indent="-285750">
+              <a:buFont typeface="Arial" pitchFamily="34" charset="0"/>
+              <a:buChar char="•"/>
+            </a:pPr>
+            <a:r>
+              <a:rPr lang="en-US" sz="1100" dirty="0">
+                <a:solidFill>
+                  <a:srgbClr val="000000"/>
+                </a:solidFill>
+              </a:rPr>
+              <a:t>Access to legitimate prescription</a:t>
+            </a:r>
+          </a:p>
+          <a:p>
+            <a:pPr marL="285750" indent="-285750">
+              <a:buFont typeface="Arial" pitchFamily="34" charset="0"/>
+              <a:buChar char="•"/>
+            </a:pPr>
+            <a:r>
+              <a:rPr lang="en-US" sz="1100" dirty="0">
+                <a:solidFill>
+                  <a:srgbClr val="000000"/>
+                </a:solidFill>
+              </a:rPr>
+              <a:t>Reduce leakage of drugs</a:t>
+            </a:r>
+          </a:p>
+          <a:p>
+            <a:pPr marL="285750" indent="-285750">
+              <a:buFont typeface="Arial" pitchFamily="34" charset="0"/>
+              <a:buChar char="•"/>
+            </a:pPr>
+            <a:r>
+              <a:rPr lang="en-US" sz="1100" dirty="0">
+                <a:solidFill>
+                  <a:srgbClr val="000000"/>
+                </a:solidFill>
+              </a:rPr>
+              <a:t>Use AI to predict </a:t>
+            </a:r>
+            <a:r>
+              <a:rPr lang="en-US" sz="1100">
+                <a:solidFill>
+                  <a:srgbClr val="000000"/>
+                </a:solidFill>
+              </a:rPr>
+              <a:t>drug stock</a:t>
+            </a:r>
+            <a:endParaRPr lang="en-US" sz="1100" dirty="0">
+              <a:solidFill>
+                <a:srgbClr val="000000"/>
+              </a:solidFill>
+            </a:endParaRPr>
+          </a:p>
+          <a:p>
+            <a:pPr marL="285750" indent="-285750">
+              <a:buFont typeface="Arial" pitchFamily="34" charset="0"/>
+              <a:buChar char="•"/>
+            </a:pPr>
+            <a:endParaRPr lang="en-US" sz="1100" dirty="0">
+              <a:solidFill>
+                <a:srgbClr val="000000"/>
+              </a:solidFill>
+            </a:endParaRPr>
+          </a:p>
+        </p:txBody>
+      </p:sp>
+      <p:pic>
+        <p:nvPicPr>
+          <p:cNvPr id="1026" name="Picture 2" descr="Image result for government png"/>
+          <p:cNvPicPr>
+            <a:picLocks noChangeAspect="1" noChangeArrowheads="1"/>
+          </p:cNvPicPr>
+          <p:nvPr/>
+        </p:nvPicPr>
+        <p:blipFill>
+          <a:blip r:embed="rId4" cstate="print">
+            <a:extLst>
+              <a:ext uri="{28A0092B-C50C-407E-A947-70E740481C1C}">
+                <a14:useLocalDpi xmlns:a14="http://schemas.microsoft.com/office/drawing/2010/main" val="0"/>
+              </a:ext>
+            </a:extLst>
+          </a:blip>
+          <a:srcRect/>
+          <a:stretch>
+            <a:fillRect/>
+          </a:stretch>
+        </p:blipFill>
+        <p:spPr bwMode="auto">
+          <a:xfrm>
+            <a:off x="7308305" y="1488186"/>
+            <a:ext cx="795873" cy="831849"/>
+          </a:xfrm>
+          <a:prstGeom prst="rect">
+            <a:avLst/>
+          </a:prstGeom>
+          <a:noFill/>
+          <a:extLst>
+            <a:ext uri="{909E8E84-426E-40DD-AFC4-6F175D3DCCD1}">
+              <a14:hiddenFill xmlns:a14="http://schemas.microsoft.com/office/drawing/2010/main">
+                <a:solidFill>
+                  <a:srgbClr val="FFFFFF"/>
+                </a:solidFill>
+              </a14:hiddenFill>
+            </a:ext>
+          </a:extLst>
+        </p:spPr>
+      </p:pic>
+      <p:pic>
+        <p:nvPicPr>
+          <p:cNvPr id="1028" name="Picture 4" descr="Image result for citizen png"/>
+          <p:cNvPicPr>
+            <a:picLocks noChangeAspect="1" noChangeArrowheads="1"/>
+          </p:cNvPicPr>
+          <p:nvPr/>
+        </p:nvPicPr>
+        <p:blipFill>
+          <a:blip r:embed="rId5" cstate="print">
+            <a:extLst>
+              <a:ext uri="{28A0092B-C50C-407E-A947-70E740481C1C}">
+                <a14:useLocalDpi xmlns:a14="http://schemas.microsoft.com/office/drawing/2010/main" val="0"/>
+              </a:ext>
+            </a:extLst>
+          </a:blip>
+          <a:srcRect/>
+          <a:stretch>
+            <a:fillRect/>
+          </a:stretch>
+        </p:blipFill>
+        <p:spPr bwMode="auto">
+          <a:xfrm>
+            <a:off x="5876464" y="2787774"/>
+            <a:ext cx="957219" cy="707456"/>
+          </a:xfrm>
+          <a:prstGeom prst="rect">
+            <a:avLst/>
+          </a:prstGeom>
+          <a:noFill/>
+          <a:extLst>
+            <a:ext uri="{909E8E84-426E-40DD-AFC4-6F175D3DCCD1}">
+              <a14:hiddenFill xmlns:a14="http://schemas.microsoft.com/office/drawing/2010/main">
+                <a:solidFill>
+                  <a:srgbClr val="FFFFFF"/>
+                </a:solidFill>
+              </a14:hiddenFill>
+            </a:ext>
+          </a:extLst>
+        </p:spPr>
+      </p:pic>
+      <p:pic>
+        <p:nvPicPr>
+          <p:cNvPr id="1032" name="Picture 8" descr="Related image"/>
+          <p:cNvPicPr>
+            <a:picLocks noChangeAspect="1" noChangeArrowheads="1"/>
+          </p:cNvPicPr>
+          <p:nvPr/>
+        </p:nvPicPr>
+        <p:blipFill>
+          <a:blip r:embed="rId6" cstate="print">
+            <a:extLst>
+              <a:ext uri="{28A0092B-C50C-407E-A947-70E740481C1C}">
+                <a14:useLocalDpi xmlns:a14="http://schemas.microsoft.com/office/drawing/2010/main" val="0"/>
+              </a:ext>
+            </a:extLst>
+          </a:blip>
+          <a:srcRect/>
+          <a:stretch>
+            <a:fillRect/>
+          </a:stretch>
+        </p:blipFill>
+        <p:spPr bwMode="auto">
+          <a:xfrm>
+            <a:off x="7315476" y="4050360"/>
+            <a:ext cx="869356" cy="652017"/>
+          </a:xfrm>
+          <a:prstGeom prst="rect">
+            <a:avLst/>
+          </a:prstGeom>
+          <a:noFill/>
+          <a:extLst>
+            <a:ext uri="{909E8E84-426E-40DD-AFC4-6F175D3DCCD1}">
+              <a14:hiddenFill xmlns:a14="http://schemas.microsoft.com/office/drawing/2010/main">
+                <a:solidFill>
+                  <a:srgbClr val="FFFFFF"/>
+                </a:solidFill>
+              </a14:hiddenFill>
+            </a:ext>
+          </a:extLst>
+        </p:spPr>
+      </p:pic>
+    </p:spTree>
+    <p:extLst>
+      <p:ext uri="{BB962C8B-B14F-4D97-AF65-F5344CB8AC3E}">
+        <p14:creationId xmlns:p14="http://schemas.microsoft.com/office/powerpoint/2010/main" val="1649971516"/>
+      </p:ext>
+    </p:extLst>
+  </p:cSld>
+  <p:clrMapOvr>
+    <a:masterClrMapping/>
+  </p:clrMapOvr>
+</p:sld>
+</file>
+
+<file path=ppt/slides/slide6.xml><?xml version="1.0" encoding="utf-8"?>
+<p:sld xmlns:a="http://schemas.openxmlformats.org/drawingml/2006/main" xmlns:r="http://schemas.openxmlformats.org/officeDocument/2006/relationships" xmlns:p="http://schemas.openxmlformats.org/presentationml/2006/main">
+  <p:cSld>
+    <p:bg>
+      <p:bgPr>
+        <a:solidFill>
+          <a:schemeClr val="accent1">
+            <a:lumMod val="75000"/>
+          </a:schemeClr>
+        </a:solidFill>
+        <a:effectLst/>
+      </p:bgPr>
+    </p:bg>
+    <p:spTree>
+      <p:nvGrpSpPr>
+        <p:cNvPr id="1" name="Shape 103"/>
+        <p:cNvGrpSpPr/>
+        <p:nvPr/>
+      </p:nvGrpSpPr>
+      <p:grpSpPr>
+        <a:xfrm>
+          <a:off x="0" y="0"/>
+          <a:ext cx="0" cy="0"/>
+          <a:chOff x="0" y="0"/>
+          <a:chExt cx="0" cy="0"/>
+        </a:xfrm>
+      </p:grpSpPr>
+      <p:sp>
+        <p:nvSpPr>
+          <p:cNvPr id="107" name="Shape 107"/>
+          <p:cNvSpPr txBox="1">
+            <a:spLocks noGrp="1"/>
+          </p:cNvSpPr>
+          <p:nvPr>
+            <p:ph type="sldNum" idx="12"/>
+          </p:nvPr>
+        </p:nvSpPr>
+        <p:spPr>
+          <a:xfrm>
+            <a:off x="8556784" y="4749851"/>
+            <a:ext cx="548700" cy="393600"/>
+          </a:xfrm>
+          <a:prstGeom prst="rect">
+            <a:avLst/>
+          </a:prstGeom>
+        </p:spPr>
+        <p:txBody>
+          <a:bodyPr spcFirstLastPara="1" wrap="square" lIns="91425" tIns="91425" rIns="91425" bIns="91425" anchor="ctr" anchorCtr="0">
+            <a:noAutofit/>
+          </a:bodyPr>
+          <a:lstStyle/>
+          <a:p>
+            <a:pPr marL="0" marR="0" lvl="0" indent="0" algn="r" defTabSz="914378" rtl="0" eaLnBrk="1" fontAlgn="auto" latinLnBrk="0" hangingPunct="1">
+              <a:lnSpc>
+                <a:spcPct val="100000"/>
+              </a:lnSpc>
+              <a:spcBef>
+                <a:spcPts val="0"/>
+              </a:spcBef>
+              <a:spcAft>
+                <a:spcPts val="0"/>
+              </a:spcAft>
+              <a:buClr>
+                <a:srgbClr val="000000"/>
+              </a:buClr>
+              <a:buSzTx/>
+              <a:buFont typeface="Arial"/>
+              <a:buNone/>
+              <a:tabLst/>
+              <a:defRPr/>
+            </a:pPr>
+            <a:fld id="{00000000-1234-1234-1234-123412341234}" type="slidenum">
+              <a:rPr kumimoji="0" lang="en" sz="1000" b="0" i="0" u="none" strike="noStrike" kern="0" cap="none" spc="0" normalizeH="0" baseline="0" noProof="0">
+                <a:ln>
+                  <a:noFill/>
+                </a:ln>
+                <a:solidFill>
+                  <a:srgbClr val="CCCCCC"/>
+                </a:solidFill>
+                <a:effectLst/>
+                <a:uLnTx/>
+                <a:uFillTx/>
+                <a:latin typeface="Nunito Sans"/>
+                <a:sym typeface="Nunito Sans"/>
+              </a:rPr>
+              <a:pPr marL="0" marR="0" lvl="0" indent="0" algn="r" defTabSz="914378" rtl="0" eaLnBrk="1" fontAlgn="auto" latinLnBrk="0" hangingPunct="1">
+                <a:lnSpc>
+                  <a:spcPct val="100000"/>
+                </a:lnSpc>
+                <a:spcBef>
+                  <a:spcPts val="0"/>
+                </a:spcBef>
+                <a:spcAft>
+                  <a:spcPts val="0"/>
+                </a:spcAft>
+                <a:buClr>
+                  <a:srgbClr val="000000"/>
+                </a:buClr>
+                <a:buSzTx/>
+                <a:buFont typeface="Arial"/>
+                <a:buNone/>
+                <a:tabLst/>
+                <a:defRPr/>
+              </a:pPr>
+              <a:t>6</a:t>
+            </a:fld>
+            <a:endParaRPr kumimoji="0" sz="1000" b="0" i="0" u="none" strike="noStrike" kern="0" cap="none" spc="0" normalizeH="0" baseline="0" noProof="0" dirty="0">
+              <a:ln>
+                <a:noFill/>
+              </a:ln>
+              <a:solidFill>
+                <a:srgbClr val="CCCCCC"/>
+              </a:solidFill>
+              <a:effectLst/>
+              <a:uLnTx/>
+              <a:uFillTx/>
+              <a:latin typeface="Nunito Sans"/>
+              <a:sym typeface="Nunito Sans"/>
+            </a:endParaRPr>
+          </a:p>
+        </p:txBody>
+      </p:sp>
+      <p:sp>
+        <p:nvSpPr>
+          <p:cNvPr id="4" name="Rectangle 3">
+            <a:extLst>
+              <a:ext uri="{FF2B5EF4-FFF2-40B4-BE49-F238E27FC236}">
+                <a16:creationId xmlns:a16="http://schemas.microsoft.com/office/drawing/2014/main" id="{73975F41-C02D-4F7A-B534-F50F4D1254D9}"/>
+              </a:ext>
+            </a:extLst>
+          </p:cNvPr>
+          <p:cNvSpPr/>
+          <p:nvPr/>
+        </p:nvSpPr>
+        <p:spPr>
+          <a:xfrm>
+            <a:off x="2944835" y="286781"/>
+            <a:ext cx="3888771" cy="1361661"/>
+          </a:xfrm>
+          <a:prstGeom prst="rect">
+            <a:avLst/>
+          </a:prstGeom>
+          <a:solidFill>
+            <a:schemeClr val="bg1"/>
+          </a:solidFill>
+        </p:spPr>
+        <p:style>
+          <a:lnRef idx="2">
+            <a:schemeClr val="accent1">
+              <a:shade val="50000"/>
+            </a:schemeClr>
+          </a:lnRef>
+          <a:fillRef idx="1">
+            <a:schemeClr val="accent1"/>
+          </a:fillRef>
+          <a:effectRef idx="0">
+            <a:schemeClr val="accent1"/>
+          </a:effectRef>
+          <a:fontRef idx="minor">
+            <a:schemeClr val="lt1"/>
+          </a:fontRef>
+        </p:style>
+        <p:txBody>
+          <a:bodyPr rtlCol="0" anchor="ctr"/>
+          <a:lstStyle/>
+          <a:p>
+            <a:pPr marL="0" marR="0" lvl="0" indent="0" algn="l" defTabSz="914378" rtl="0" eaLnBrk="1" fontAlgn="auto" latinLnBrk="0" hangingPunct="1">
+              <a:lnSpc>
+                <a:spcPct val="100000"/>
+              </a:lnSpc>
+              <a:spcBef>
+                <a:spcPts val="0"/>
+              </a:spcBef>
+              <a:spcAft>
+                <a:spcPts val="0"/>
+              </a:spcAft>
+              <a:buClr>
+                <a:srgbClr val="000000"/>
+              </a:buClr>
+              <a:buSzTx/>
+              <a:buFont typeface="Arial"/>
+              <a:buNone/>
+              <a:tabLst/>
+              <a:defRPr/>
+            </a:pPr>
+            <a:r>
+              <a:rPr kumimoji="0" lang="en-IN" sz="1400" b="1" i="0" u="none" strike="noStrike" kern="0" cap="none" spc="0" normalizeH="0" baseline="0" noProof="0" dirty="0">
+                <a:ln>
+                  <a:noFill/>
+                </a:ln>
+                <a:solidFill>
+                  <a:srgbClr val="000000"/>
+                </a:solidFill>
+                <a:effectLst/>
+                <a:uLnTx/>
+                <a:uFillTx/>
+                <a:latin typeface="Arial"/>
+                <a:ea typeface="+mn-ea"/>
+                <a:cs typeface="+mn-cs"/>
+                <a:sym typeface="Arial"/>
+              </a:rPr>
+              <a:t>Faster Delivery of Service</a:t>
+            </a:r>
+          </a:p>
+          <a:p>
+            <a:pPr marL="0" marR="0" lvl="0" indent="0" algn="l" defTabSz="914378" rtl="0" eaLnBrk="1" fontAlgn="auto" latinLnBrk="0" hangingPunct="1">
+              <a:lnSpc>
+                <a:spcPct val="100000"/>
+              </a:lnSpc>
+              <a:spcBef>
+                <a:spcPts val="0"/>
+              </a:spcBef>
+              <a:spcAft>
+                <a:spcPts val="0"/>
+              </a:spcAft>
+              <a:buClr>
+                <a:srgbClr val="000000"/>
+              </a:buClr>
+              <a:buSzTx/>
+              <a:buFont typeface="Arial"/>
+              <a:buNone/>
+              <a:tabLst/>
+              <a:defRPr/>
+            </a:pPr>
+            <a:r>
+              <a:rPr kumimoji="0" lang="en-IN" sz="1100" b="0" i="0" u="none" strike="noStrike" kern="0" cap="none" spc="0" normalizeH="0" baseline="0" noProof="0" dirty="0">
+                <a:ln>
+                  <a:noFill/>
+                </a:ln>
+                <a:solidFill>
+                  <a:srgbClr val="000000"/>
+                </a:solidFill>
+                <a:effectLst/>
+                <a:uLnTx/>
+                <a:uFillTx/>
+                <a:latin typeface="Arial"/>
+                <a:ea typeface="+mn-ea"/>
+                <a:cs typeface="+mn-cs"/>
+                <a:sym typeface="Arial"/>
+              </a:rPr>
+              <a:t>Even if records exist digital form ,changes need to be made in official registries, patients need not appear in person to do so as smart contract will establish trust between the doctor and the patient.</a:t>
+            </a:r>
+          </a:p>
+          <a:p>
+            <a:pPr marL="0" marR="0" lvl="0" indent="0" algn="l" defTabSz="914378" rtl="0" eaLnBrk="1" fontAlgn="auto" latinLnBrk="0" hangingPunct="1">
+              <a:lnSpc>
+                <a:spcPct val="100000"/>
+              </a:lnSpc>
+              <a:spcBef>
+                <a:spcPts val="0"/>
+              </a:spcBef>
+              <a:spcAft>
+                <a:spcPts val="0"/>
+              </a:spcAft>
+              <a:buClr>
+                <a:srgbClr val="000000"/>
+              </a:buClr>
+              <a:buSzTx/>
+              <a:buFont typeface="Arial"/>
+              <a:buNone/>
+              <a:tabLst/>
+              <a:defRPr/>
+            </a:pPr>
+            <a:r>
+              <a:rPr kumimoji="0" lang="en-IN" sz="1100" b="1" i="0" u="none" strike="noStrike" kern="0" cap="none" spc="0" normalizeH="0" baseline="0" noProof="0" dirty="0">
+                <a:ln>
+                  <a:noFill/>
+                </a:ln>
+                <a:solidFill>
+                  <a:srgbClr val="000000"/>
+                </a:solidFill>
+                <a:effectLst/>
+                <a:uLnTx/>
+                <a:uFillTx/>
+                <a:latin typeface="Arial"/>
+                <a:ea typeface="+mn-ea"/>
+                <a:cs typeface="+mn-cs"/>
+                <a:sym typeface="Arial"/>
+              </a:rPr>
+              <a:t>Impact Metric - </a:t>
+            </a:r>
+            <a:r>
+              <a:rPr kumimoji="0" lang="en-IN" sz="1100" b="0" i="0" u="none" strike="noStrike" kern="0" cap="none" spc="0" normalizeH="0" baseline="0" noProof="0" dirty="0">
+                <a:ln>
+                  <a:noFill/>
+                </a:ln>
+                <a:solidFill>
+                  <a:srgbClr val="000000"/>
+                </a:solidFill>
+                <a:effectLst/>
+                <a:uLnTx/>
+                <a:uFillTx/>
+                <a:latin typeface="Arial"/>
+                <a:ea typeface="+mn-ea"/>
+                <a:cs typeface="+mn-cs"/>
+                <a:sym typeface="Arial"/>
+              </a:rPr>
+              <a:t>Feedback from patients</a:t>
+            </a:r>
+            <a:endParaRPr kumimoji="0" lang="en-US" sz="1100" b="0" i="0" u="none" strike="noStrike" kern="0" cap="none" spc="0" normalizeH="0" baseline="0" noProof="0" dirty="0">
+              <a:ln>
+                <a:noFill/>
+              </a:ln>
+              <a:solidFill>
+                <a:srgbClr val="000000"/>
+              </a:solidFill>
+              <a:effectLst/>
+              <a:uLnTx/>
+              <a:uFillTx/>
+              <a:latin typeface="Arial"/>
+              <a:ea typeface="+mn-ea"/>
+              <a:cs typeface="+mn-cs"/>
+              <a:sym typeface="Arial"/>
+            </a:endParaRPr>
+          </a:p>
+        </p:txBody>
+      </p:sp>
+      <p:sp>
+        <p:nvSpPr>
+          <p:cNvPr id="8" name="Rectangle 7">
+            <a:extLst>
+              <a:ext uri="{FF2B5EF4-FFF2-40B4-BE49-F238E27FC236}">
+                <a16:creationId xmlns:a16="http://schemas.microsoft.com/office/drawing/2014/main" id="{587713AA-9CBD-4BD7-A8A4-7B621B110039}"/>
+              </a:ext>
+            </a:extLst>
+          </p:cNvPr>
+          <p:cNvSpPr/>
+          <p:nvPr/>
+        </p:nvSpPr>
+        <p:spPr>
+          <a:xfrm>
+            <a:off x="5235738" y="1758499"/>
+            <a:ext cx="3737464" cy="1805288"/>
+          </a:xfrm>
+          <a:prstGeom prst="rect">
+            <a:avLst/>
+          </a:prstGeom>
+          <a:solidFill>
+            <a:schemeClr val="bg1"/>
+          </a:solidFill>
+        </p:spPr>
+        <p:style>
+          <a:lnRef idx="2">
+            <a:schemeClr val="accent1">
+              <a:shade val="50000"/>
+            </a:schemeClr>
+          </a:lnRef>
+          <a:fillRef idx="1">
+            <a:schemeClr val="accent1"/>
+          </a:fillRef>
+          <a:effectRef idx="0">
+            <a:schemeClr val="accent1"/>
+          </a:effectRef>
+          <a:fontRef idx="minor">
+            <a:schemeClr val="lt1"/>
+          </a:fontRef>
+        </p:style>
+        <p:txBody>
+          <a:bodyPr rtlCol="0" anchor="ctr"/>
+          <a:lstStyle/>
+          <a:p>
+            <a:pPr marL="0" marR="0" lvl="0" indent="0" algn="l" defTabSz="914378" rtl="0" eaLnBrk="1" fontAlgn="auto" latinLnBrk="0" hangingPunct="1">
+              <a:lnSpc>
+                <a:spcPct val="100000"/>
+              </a:lnSpc>
+              <a:spcBef>
+                <a:spcPts val="0"/>
+              </a:spcBef>
+              <a:spcAft>
+                <a:spcPts val="0"/>
+              </a:spcAft>
+              <a:buClr>
+                <a:srgbClr val="000000"/>
+              </a:buClr>
+              <a:buSzTx/>
+              <a:buFont typeface="Arial"/>
+              <a:buNone/>
+              <a:tabLst/>
+              <a:defRPr/>
+            </a:pPr>
+            <a:r>
+              <a:rPr kumimoji="0" lang="en-IN" sz="1400" b="1" i="0" u="none" strike="noStrike" kern="0" cap="none" spc="0" normalizeH="0" baseline="0" noProof="0" dirty="0">
+                <a:ln>
+                  <a:noFill/>
+                </a:ln>
+                <a:solidFill>
+                  <a:srgbClr val="000000"/>
+                </a:solidFill>
+                <a:effectLst/>
+                <a:uLnTx/>
+                <a:uFillTx/>
+                <a:latin typeface="Arial"/>
+                <a:ea typeface="+mn-ea"/>
+                <a:cs typeface="+mn-cs"/>
+                <a:sym typeface="Arial"/>
+              </a:rPr>
+              <a:t>Information Exchangeability</a:t>
+            </a:r>
+          </a:p>
+          <a:p>
+            <a:pPr marL="0" marR="0" lvl="0" indent="0" algn="l" defTabSz="914378" rtl="0" eaLnBrk="1" fontAlgn="auto" latinLnBrk="0" hangingPunct="1">
+              <a:lnSpc>
+                <a:spcPct val="100000"/>
+              </a:lnSpc>
+              <a:spcBef>
+                <a:spcPts val="0"/>
+              </a:spcBef>
+              <a:spcAft>
+                <a:spcPts val="0"/>
+              </a:spcAft>
+              <a:buClr>
+                <a:srgbClr val="000000"/>
+              </a:buClr>
+              <a:buSzTx/>
+              <a:buFont typeface="Arial"/>
+              <a:buNone/>
+              <a:tabLst/>
+              <a:defRPr/>
+            </a:pPr>
+            <a:r>
+              <a:rPr kumimoji="0" lang="en-IN" sz="1100" b="0" i="0" u="none" strike="noStrike" kern="0" cap="none" spc="0" normalizeH="0" baseline="0" noProof="0" dirty="0">
+                <a:ln>
+                  <a:noFill/>
+                </a:ln>
+                <a:solidFill>
+                  <a:srgbClr val="000000"/>
+                </a:solidFill>
+                <a:effectLst/>
+                <a:uLnTx/>
+                <a:uFillTx/>
+                <a:latin typeface="Arial"/>
+                <a:ea typeface="+mn-ea"/>
+                <a:cs typeface="+mn-cs"/>
+                <a:sym typeface="Arial"/>
+              </a:rPr>
+              <a:t>Individual hospitals tend to build their own silos of data and information-management protocols, which preclude other parts of the departments or agencies from using them. Information will be shared in a universal format which will minimize the efforts required for collecting and interpreting information. </a:t>
+            </a:r>
+          </a:p>
+          <a:p>
+            <a:pPr marL="0" marR="0" lvl="0" indent="0" algn="l" defTabSz="914378" rtl="0" eaLnBrk="1" fontAlgn="auto" latinLnBrk="0" hangingPunct="1">
+              <a:lnSpc>
+                <a:spcPct val="100000"/>
+              </a:lnSpc>
+              <a:spcBef>
+                <a:spcPts val="0"/>
+              </a:spcBef>
+              <a:spcAft>
+                <a:spcPts val="0"/>
+              </a:spcAft>
+              <a:buClr>
+                <a:srgbClr val="000000"/>
+              </a:buClr>
+              <a:buSzTx/>
+              <a:buFont typeface="Arial"/>
+              <a:buNone/>
+              <a:tabLst/>
+              <a:defRPr/>
+            </a:pPr>
+            <a:r>
+              <a:rPr kumimoji="0" lang="en-IN" sz="1100" b="1" i="0" u="none" strike="noStrike" kern="0" cap="none" spc="0" normalizeH="0" baseline="0" noProof="0" dirty="0">
+                <a:ln>
+                  <a:noFill/>
+                </a:ln>
+                <a:solidFill>
+                  <a:srgbClr val="000000"/>
+                </a:solidFill>
+                <a:effectLst/>
+                <a:uLnTx/>
+                <a:uFillTx/>
+                <a:latin typeface="Arial"/>
+                <a:ea typeface="+mn-ea"/>
+                <a:cs typeface="+mn-cs"/>
+                <a:sym typeface="Arial"/>
+              </a:rPr>
+              <a:t>Impact metric - </a:t>
+            </a:r>
+            <a:r>
+              <a:rPr kumimoji="0" lang="en-IN" sz="1100" b="0" i="0" u="none" strike="noStrike" kern="0" cap="none" spc="0" normalizeH="0" baseline="0" noProof="0" dirty="0">
+                <a:ln>
+                  <a:noFill/>
+                </a:ln>
+                <a:solidFill>
+                  <a:srgbClr val="000000"/>
+                </a:solidFill>
+                <a:effectLst/>
+                <a:uLnTx/>
+                <a:uFillTx/>
+                <a:latin typeface="Arial"/>
+                <a:ea typeface="+mn-ea"/>
+                <a:cs typeface="+mn-cs"/>
+                <a:sym typeface="Arial"/>
+              </a:rPr>
+              <a:t>Ease of creation of service, sharing data decision making .</a:t>
+            </a:r>
+            <a:endParaRPr kumimoji="0" lang="en-US" sz="1100" b="0" i="0" u="none" strike="noStrike" kern="0" cap="none" spc="0" normalizeH="0" baseline="0" noProof="0" dirty="0">
+              <a:ln>
+                <a:noFill/>
+              </a:ln>
+              <a:solidFill>
+                <a:srgbClr val="000000"/>
+              </a:solidFill>
+              <a:effectLst/>
+              <a:uLnTx/>
+              <a:uFillTx/>
+              <a:latin typeface="Arial"/>
+              <a:ea typeface="+mn-ea"/>
+              <a:cs typeface="+mn-cs"/>
+              <a:sym typeface="Arial"/>
+            </a:endParaRPr>
+          </a:p>
+        </p:txBody>
+      </p:sp>
+      <p:sp>
+        <p:nvSpPr>
+          <p:cNvPr id="10" name="Rectangle 9">
+            <a:extLst>
+              <a:ext uri="{FF2B5EF4-FFF2-40B4-BE49-F238E27FC236}">
+                <a16:creationId xmlns:a16="http://schemas.microsoft.com/office/drawing/2014/main" id="{A6D7667A-DA73-430E-A281-75520436CCCB}"/>
+              </a:ext>
+            </a:extLst>
+          </p:cNvPr>
+          <p:cNvSpPr/>
+          <p:nvPr/>
+        </p:nvSpPr>
+        <p:spPr>
+          <a:xfrm>
+            <a:off x="2959697" y="3673846"/>
+            <a:ext cx="3873910" cy="1361661"/>
+          </a:xfrm>
+          <a:prstGeom prst="rect">
+            <a:avLst/>
+          </a:prstGeom>
+          <a:noFill/>
+        </p:spPr>
+        <p:style>
+          <a:lnRef idx="2">
+            <a:schemeClr val="accent1">
+              <a:shade val="50000"/>
+            </a:schemeClr>
+          </a:lnRef>
+          <a:fillRef idx="1">
+            <a:schemeClr val="accent1"/>
+          </a:fillRef>
+          <a:effectRef idx="0">
+            <a:schemeClr val="accent1"/>
+          </a:effectRef>
+          <a:fontRef idx="minor">
+            <a:schemeClr val="lt1"/>
+          </a:fontRef>
+        </p:style>
+        <p:txBody>
+          <a:bodyPr rtlCol="0" anchor="ctr"/>
+          <a:lstStyle/>
+          <a:p>
+            <a:pPr marL="0" marR="0" lvl="0" indent="0" algn="l" defTabSz="914378" rtl="0" eaLnBrk="1" fontAlgn="auto" latinLnBrk="0" hangingPunct="1">
+              <a:lnSpc>
+                <a:spcPct val="100000"/>
+              </a:lnSpc>
+              <a:spcBef>
+                <a:spcPts val="0"/>
+              </a:spcBef>
+              <a:spcAft>
+                <a:spcPts val="0"/>
+              </a:spcAft>
+              <a:buClr>
+                <a:srgbClr val="000000"/>
+              </a:buClr>
+              <a:buSzTx/>
+              <a:buFont typeface="Arial"/>
+              <a:buNone/>
+              <a:tabLst/>
+              <a:defRPr/>
+            </a:pPr>
+            <a:r>
+              <a:rPr kumimoji="0" lang="en-IN" sz="1400" b="1" i="0" u="none" strike="noStrike" kern="0" cap="none" spc="0" normalizeH="0" baseline="0" noProof="0" dirty="0">
+                <a:ln>
+                  <a:noFill/>
+                </a:ln>
+                <a:solidFill>
+                  <a:srgbClr val="000000"/>
+                </a:solidFill>
+                <a:effectLst/>
+                <a:uLnTx/>
+                <a:uFillTx/>
+                <a:latin typeface="Arial"/>
+                <a:ea typeface="+mn-ea"/>
+                <a:cs typeface="+mn-cs"/>
+                <a:sym typeface="Arial"/>
+              </a:rPr>
+              <a:t>Security and Control over Data</a:t>
+            </a:r>
+          </a:p>
+          <a:p>
+            <a:pPr marL="0" marR="0" lvl="0" indent="0" algn="l" defTabSz="914378" rtl="0" eaLnBrk="1" fontAlgn="auto" latinLnBrk="0" hangingPunct="1">
+              <a:lnSpc>
+                <a:spcPct val="100000"/>
+              </a:lnSpc>
+              <a:spcBef>
+                <a:spcPts val="0"/>
+              </a:spcBef>
+              <a:spcAft>
+                <a:spcPts val="0"/>
+              </a:spcAft>
+              <a:buClr>
+                <a:srgbClr val="000000"/>
+              </a:buClr>
+              <a:buSzTx/>
+              <a:buFont typeface="Arial"/>
+              <a:buNone/>
+              <a:tabLst/>
+              <a:defRPr/>
+            </a:pPr>
+            <a:r>
+              <a:rPr kumimoji="0" lang="en-IN" sz="1100" b="0" i="0" u="none" strike="noStrike" kern="0" cap="none" spc="0" normalizeH="0" baseline="0" noProof="0" dirty="0">
+                <a:ln>
+                  <a:noFill/>
+                </a:ln>
+                <a:solidFill>
+                  <a:srgbClr val="000000"/>
+                </a:solidFill>
+                <a:effectLst/>
+                <a:uLnTx/>
+                <a:uFillTx/>
+                <a:latin typeface="Arial"/>
+                <a:ea typeface="+mn-ea"/>
+                <a:cs typeface="+mn-cs"/>
+                <a:sym typeface="Arial"/>
+              </a:rPr>
+              <a:t>The use of blockchain ledgers greatly reduces the risk of unauthorized access (through strong encryption) data manipulation (through tamperproof audit trails) that can happen in records stored in digital form.</a:t>
+            </a:r>
+          </a:p>
+          <a:p>
+            <a:pPr marL="0" marR="0" lvl="0" indent="0" algn="l" defTabSz="914378" rtl="0" eaLnBrk="1" fontAlgn="auto" latinLnBrk="0" hangingPunct="1">
+              <a:lnSpc>
+                <a:spcPct val="100000"/>
+              </a:lnSpc>
+              <a:spcBef>
+                <a:spcPts val="0"/>
+              </a:spcBef>
+              <a:spcAft>
+                <a:spcPts val="0"/>
+              </a:spcAft>
+              <a:buClr>
+                <a:srgbClr val="000000"/>
+              </a:buClr>
+              <a:buSzTx/>
+              <a:buFont typeface="Arial"/>
+              <a:buNone/>
+              <a:tabLst/>
+              <a:defRPr/>
+            </a:pPr>
+            <a:r>
+              <a:rPr kumimoji="0" lang="en-IN" sz="1100" b="1" i="0" u="none" strike="noStrike" kern="0" cap="none" spc="0" normalizeH="0" baseline="0" noProof="0" dirty="0">
+                <a:ln>
+                  <a:noFill/>
+                </a:ln>
+                <a:solidFill>
+                  <a:srgbClr val="000000"/>
+                </a:solidFill>
+                <a:effectLst/>
+                <a:uLnTx/>
+                <a:uFillTx/>
+                <a:latin typeface="Arial"/>
+                <a:ea typeface="+mn-ea"/>
+                <a:cs typeface="+mn-cs"/>
+                <a:sym typeface="Arial"/>
+              </a:rPr>
+              <a:t>Impact metric</a:t>
+            </a:r>
+            <a:r>
+              <a:rPr kumimoji="0" lang="en-IN" sz="1100" b="0" i="0" u="none" strike="noStrike" kern="0" cap="none" spc="0" normalizeH="0" baseline="0" noProof="0" dirty="0">
+                <a:ln>
+                  <a:noFill/>
+                </a:ln>
+                <a:solidFill>
+                  <a:srgbClr val="000000"/>
+                </a:solidFill>
+                <a:effectLst/>
+                <a:uLnTx/>
+                <a:uFillTx/>
+                <a:latin typeface="Arial"/>
+                <a:ea typeface="+mn-ea"/>
+                <a:cs typeface="+mn-cs"/>
+                <a:sym typeface="Arial"/>
+              </a:rPr>
+              <a:t> - Cases of fraud reported by patients</a:t>
+            </a:r>
+            <a:endParaRPr kumimoji="0" lang="en-US" sz="1100" b="0" i="0" u="none" strike="noStrike" kern="0" cap="none" spc="0" normalizeH="0" baseline="0" noProof="0" dirty="0">
+              <a:ln>
+                <a:noFill/>
+              </a:ln>
+              <a:solidFill>
+                <a:srgbClr val="000000"/>
+              </a:solidFill>
+              <a:effectLst/>
+              <a:uLnTx/>
+              <a:uFillTx/>
+              <a:latin typeface="Arial"/>
+              <a:ea typeface="+mn-ea"/>
+              <a:cs typeface="+mn-cs"/>
+              <a:sym typeface="Arial"/>
+            </a:endParaRPr>
+          </a:p>
+        </p:txBody>
+      </p:sp>
+      <p:sp>
+        <p:nvSpPr>
+          <p:cNvPr id="11" name="Shape 104"/>
+          <p:cNvSpPr txBox="1">
+            <a:spLocks noGrp="1"/>
+          </p:cNvSpPr>
+          <p:nvPr>
+            <p:ph type="title"/>
+          </p:nvPr>
+        </p:nvSpPr>
+        <p:spPr>
+          <a:xfrm>
+            <a:off x="234450" y="575500"/>
+            <a:ext cx="2046300" cy="580638"/>
+          </a:xfrm>
+          <a:prstGeom prst="rect">
+            <a:avLst/>
+          </a:prstGeom>
+        </p:spPr>
+        <p:txBody>
+          <a:bodyPr spcFirstLastPara="1" wrap="square" lIns="91425" tIns="91425" rIns="91425" bIns="91425" anchor="t" anchorCtr="0">
+            <a:noAutofit/>
+          </a:bodyPr>
+          <a:lstStyle/>
+          <a:p>
+            <a:r>
+              <a:rPr lang="en-IN" b="1" dirty="0"/>
+              <a:t>Potential </a:t>
+            </a:r>
+            <a:br>
+              <a:rPr lang="en-IN" b="1" dirty="0"/>
+            </a:br>
+            <a:r>
+              <a:rPr lang="en-IN" b="1" dirty="0"/>
+              <a:t>Impact</a:t>
+            </a:r>
+            <a:endParaRPr b="1" dirty="0"/>
+          </a:p>
+        </p:txBody>
+      </p:sp>
+    </p:spTree>
+    <p:extLst>
+      <p:ext uri="{BB962C8B-B14F-4D97-AF65-F5344CB8AC3E}">
+        <p14:creationId xmlns:p14="http://schemas.microsoft.com/office/powerpoint/2010/main" val="1105287610"/>
+      </p:ext>
+    </p:extLst>
+  </p:cSld>
+  <p:clrMapOvr>
+    <a:masterClrMapping/>
+  </p:clrMapOvr>
+</p:sld>
+</file>
+
+<file path=ppt/slides/slide7.xml><?xml version="1.0" encoding="utf-8"?>
+<p:sld xmlns:a="http://schemas.openxmlformats.org/drawingml/2006/main" xmlns:r="http://schemas.openxmlformats.org/officeDocument/2006/relationships" xmlns:p="http://schemas.openxmlformats.org/presentationml/2006/main">
+  <p:cSld>
+    <p:bg>
+      <p:bgPr>
+        <a:solidFill>
+          <a:schemeClr val="accent1">
+            <a:lumMod val="75000"/>
+          </a:schemeClr>
+        </a:solidFill>
+        <a:effectLst/>
+      </p:bgPr>
+    </p:bg>
+    <p:spTree>
+      <p:nvGrpSpPr>
+        <p:cNvPr id="1" name="Shape 103"/>
+        <p:cNvGrpSpPr/>
+        <p:nvPr/>
+      </p:nvGrpSpPr>
+      <p:grpSpPr>
+        <a:xfrm>
+          <a:off x="0" y="0"/>
+          <a:ext cx="0" cy="0"/>
+          <a:chOff x="0" y="0"/>
+          <a:chExt cx="0" cy="0"/>
+        </a:xfrm>
+      </p:grpSpPr>
+      <p:sp>
+        <p:nvSpPr>
+          <p:cNvPr id="104" name="Shape 104"/>
+          <p:cNvSpPr txBox="1">
+            <a:spLocks noGrp="1"/>
+          </p:cNvSpPr>
+          <p:nvPr>
+            <p:ph type="title"/>
+          </p:nvPr>
+        </p:nvSpPr>
+        <p:spPr>
+          <a:xfrm>
+            <a:off x="234450" y="575500"/>
+            <a:ext cx="2046300" cy="817464"/>
+          </a:xfrm>
+          <a:prstGeom prst="rect">
+            <a:avLst/>
+          </a:prstGeom>
+        </p:spPr>
+        <p:txBody>
+          <a:bodyPr spcFirstLastPara="1" wrap="square" lIns="91425" tIns="91425" rIns="91425" bIns="91425" anchor="t" anchorCtr="0">
+            <a:noAutofit/>
+          </a:bodyPr>
+          <a:lstStyle/>
+          <a:p>
+            <a:pPr marL="0" lvl="0" indent="0" rtl="0">
+              <a:spcBef>
+                <a:spcPts val="0"/>
+              </a:spcBef>
+              <a:spcAft>
+                <a:spcPts val="0"/>
+              </a:spcAft>
+              <a:buNone/>
+            </a:pPr>
+            <a:r>
+              <a:rPr lang="en-US" b="1" dirty="0"/>
+              <a:t>Potential </a:t>
+            </a:r>
+            <a:br>
+              <a:rPr lang="en-US" b="1" dirty="0"/>
+            </a:br>
+            <a:r>
+              <a:rPr lang="en-US" b="1" dirty="0"/>
+              <a:t>Impact</a:t>
+            </a:r>
+            <a:endParaRPr b="1" dirty="0"/>
+          </a:p>
+        </p:txBody>
+      </p:sp>
+      <p:sp>
+        <p:nvSpPr>
+          <p:cNvPr id="107" name="Shape 107"/>
+          <p:cNvSpPr txBox="1">
+            <a:spLocks noGrp="1"/>
+          </p:cNvSpPr>
+          <p:nvPr>
+            <p:ph type="sldNum" idx="12"/>
+          </p:nvPr>
+        </p:nvSpPr>
+        <p:spPr>
+          <a:xfrm>
+            <a:off x="8556784" y="4749851"/>
+            <a:ext cx="548700" cy="393600"/>
+          </a:xfrm>
+          <a:prstGeom prst="rect">
+            <a:avLst/>
+          </a:prstGeom>
+        </p:spPr>
+        <p:txBody>
+          <a:bodyPr spcFirstLastPara="1" wrap="square" lIns="91425" tIns="91425" rIns="91425" bIns="91425" anchor="ctr" anchorCtr="0">
+            <a:noAutofit/>
+          </a:bodyPr>
+          <a:lstStyle/>
+          <a:p>
+            <a:pPr marL="0" marR="0" lvl="0" indent="0" algn="r" defTabSz="914400" rtl="0" eaLnBrk="1" fontAlgn="auto" latinLnBrk="0" hangingPunct="1">
+              <a:lnSpc>
+                <a:spcPct val="100000"/>
+              </a:lnSpc>
+              <a:spcBef>
+                <a:spcPts val="0"/>
+              </a:spcBef>
+              <a:spcAft>
+                <a:spcPts val="0"/>
+              </a:spcAft>
+              <a:buClr>
+                <a:srgbClr val="000000"/>
+              </a:buClr>
+              <a:buSzTx/>
+              <a:buFont typeface="Arial"/>
+              <a:buNone/>
+              <a:tabLst/>
+              <a:defRPr/>
+            </a:pPr>
+            <a:fld id="{00000000-1234-1234-1234-123412341234}" type="slidenum">
+              <a:rPr kumimoji="0" lang="en" sz="1000" b="0" i="0" u="none" strike="noStrike" kern="0" cap="none" spc="0" normalizeH="0" baseline="0" noProof="0">
+                <a:ln>
+                  <a:noFill/>
+                </a:ln>
+                <a:solidFill>
+                  <a:srgbClr val="CCCCCC"/>
+                </a:solidFill>
+                <a:effectLst/>
+                <a:uLnTx/>
+                <a:uFillTx/>
+                <a:latin typeface="Nunito Sans"/>
+                <a:sym typeface="Nunito Sans"/>
+              </a:rPr>
+              <a:pPr marL="0" marR="0" lvl="0" indent="0" algn="r" defTabSz="914400" rtl="0" eaLnBrk="1" fontAlgn="auto" latinLnBrk="0" hangingPunct="1">
+                <a:lnSpc>
+                  <a:spcPct val="100000"/>
+                </a:lnSpc>
+                <a:spcBef>
+                  <a:spcPts val="0"/>
+                </a:spcBef>
+                <a:spcAft>
+                  <a:spcPts val="0"/>
+                </a:spcAft>
+                <a:buClr>
+                  <a:srgbClr val="000000"/>
+                </a:buClr>
+                <a:buSzTx/>
+                <a:buFont typeface="Arial"/>
+                <a:buNone/>
+                <a:tabLst/>
+                <a:defRPr/>
+              </a:pPr>
+              <a:t>7</a:t>
+            </a:fld>
+            <a:endParaRPr kumimoji="0" sz="1000" b="0" i="0" u="none" strike="noStrike" kern="0" cap="none" spc="0" normalizeH="0" baseline="0" noProof="0" dirty="0">
+              <a:ln>
+                <a:noFill/>
+              </a:ln>
+              <a:solidFill>
+                <a:srgbClr val="CCCCCC"/>
+              </a:solidFill>
+              <a:effectLst/>
+              <a:uLnTx/>
+              <a:uFillTx/>
+              <a:latin typeface="Nunito Sans"/>
+              <a:sym typeface="Nunito Sans"/>
+            </a:endParaRPr>
+          </a:p>
+        </p:txBody>
+      </p:sp>
+      <p:pic>
+        <p:nvPicPr>
+          <p:cNvPr id="3" name="Picture 2">
+            <a:extLst>
+              <a:ext uri="{FF2B5EF4-FFF2-40B4-BE49-F238E27FC236}">
+                <a16:creationId xmlns:a16="http://schemas.microsoft.com/office/drawing/2014/main" id="{C3C48C5D-FAEB-4256-8607-1D43EB7C0026}"/>
+              </a:ext>
+            </a:extLst>
+          </p:cNvPr>
+          <p:cNvPicPr>
+            <a:picLocks noChangeAspect="1"/>
+          </p:cNvPicPr>
+          <p:nvPr/>
+        </p:nvPicPr>
+        <p:blipFill>
+          <a:blip r:embed="rId3"/>
+          <a:stretch>
+            <a:fillRect/>
+          </a:stretch>
+        </p:blipFill>
+        <p:spPr>
+          <a:xfrm>
+            <a:off x="2733259" y="177512"/>
+            <a:ext cx="2924265" cy="2145770"/>
+          </a:xfrm>
+          <a:prstGeom prst="rect">
+            <a:avLst/>
+          </a:prstGeom>
+        </p:spPr>
+      </p:pic>
+      <p:sp>
+        <p:nvSpPr>
+          <p:cNvPr id="6" name="Rectangle 5">
+            <a:extLst>
+              <a:ext uri="{FF2B5EF4-FFF2-40B4-BE49-F238E27FC236}">
+                <a16:creationId xmlns:a16="http://schemas.microsoft.com/office/drawing/2014/main" id="{A4167771-AB2F-41FA-B259-297518A6C117}"/>
+              </a:ext>
+            </a:extLst>
+          </p:cNvPr>
+          <p:cNvSpPr/>
+          <p:nvPr/>
+        </p:nvSpPr>
+        <p:spPr>
+          <a:xfrm>
+            <a:off x="2630308" y="2323282"/>
+            <a:ext cx="6679096" cy="461665"/>
+          </a:xfrm>
+          <a:prstGeom prst="rect">
+            <a:avLst/>
+          </a:prstGeom>
+        </p:spPr>
+        <p:txBody>
+          <a:bodyPr wrap="square">
+            <a:spAutoFit/>
+          </a:bodyPr>
+          <a:lstStyle/>
+          <a:p>
+            <a:pPr marL="0" marR="0" lvl="0" indent="0" algn="l" defTabSz="914400" rtl="0" eaLnBrk="1" fontAlgn="auto" latinLnBrk="0" hangingPunct="1">
+              <a:lnSpc>
+                <a:spcPct val="100000"/>
+              </a:lnSpc>
+              <a:spcBef>
+                <a:spcPts val="0"/>
+              </a:spcBef>
+              <a:spcAft>
+                <a:spcPts val="0"/>
+              </a:spcAft>
+              <a:buClr>
+                <a:srgbClr val="000000"/>
+              </a:buClr>
+              <a:buSzTx/>
+              <a:buFont typeface="Arial"/>
+              <a:buNone/>
+              <a:tabLst/>
+              <a:defRPr/>
+            </a:pPr>
+            <a:r>
+              <a:rPr kumimoji="0" lang="en-IN" sz="1200" b="0" i="0" u="none" strike="noStrike" kern="0" cap="none" spc="0" normalizeH="0" baseline="0" noProof="0" dirty="0">
+                <a:ln>
+                  <a:noFill/>
+                </a:ln>
+                <a:solidFill>
+                  <a:srgbClr val="000000"/>
+                </a:solidFill>
+                <a:effectLst/>
+                <a:uLnTx/>
+                <a:uFillTx/>
+                <a:latin typeface="Arial"/>
+                <a:cs typeface="Arial"/>
+                <a:sym typeface="Arial"/>
+              </a:rPr>
+              <a:t>The different indicators given below highlight ways in which Maharashtra is</a:t>
+            </a:r>
+          </a:p>
+          <a:p>
+            <a:pPr marL="0" marR="0" lvl="0" indent="0" algn="l" defTabSz="914400" rtl="0" eaLnBrk="1" fontAlgn="auto" latinLnBrk="0" hangingPunct="1">
+              <a:lnSpc>
+                <a:spcPct val="100000"/>
+              </a:lnSpc>
+              <a:spcBef>
+                <a:spcPts val="0"/>
+              </a:spcBef>
+              <a:spcAft>
+                <a:spcPts val="0"/>
+              </a:spcAft>
+              <a:buClr>
+                <a:srgbClr val="000000"/>
+              </a:buClr>
+              <a:buSzTx/>
+              <a:buFont typeface="Arial"/>
+              <a:buNone/>
+              <a:tabLst/>
+              <a:defRPr/>
+            </a:pPr>
+            <a:r>
+              <a:rPr kumimoji="0" lang="en-IN" sz="1200" b="0" i="0" u="none" strike="noStrike" kern="0" cap="none" spc="0" normalizeH="0" baseline="0" noProof="0" dirty="0">
+                <a:ln>
+                  <a:noFill/>
+                </a:ln>
+                <a:solidFill>
+                  <a:srgbClr val="000000"/>
+                </a:solidFill>
+                <a:effectLst/>
+                <a:uLnTx/>
+                <a:uFillTx/>
+                <a:latin typeface="Arial"/>
+                <a:cs typeface="Arial"/>
+                <a:sym typeface="Arial"/>
+              </a:rPr>
+              <a:t> falling short of taking adequate care of its people</a:t>
+            </a:r>
+          </a:p>
+        </p:txBody>
+      </p:sp>
+      <p:pic>
+        <p:nvPicPr>
+          <p:cNvPr id="8" name="Picture 7">
+            <a:extLst>
+              <a:ext uri="{FF2B5EF4-FFF2-40B4-BE49-F238E27FC236}">
+                <a16:creationId xmlns:a16="http://schemas.microsoft.com/office/drawing/2014/main" id="{A972815C-1751-4639-BA02-F10F2BBD3DB7}"/>
+              </a:ext>
+            </a:extLst>
+          </p:cNvPr>
+          <p:cNvPicPr>
+            <a:picLocks noChangeAspect="1"/>
+          </p:cNvPicPr>
+          <p:nvPr/>
+        </p:nvPicPr>
+        <p:blipFill>
+          <a:blip r:embed="rId4"/>
+          <a:stretch>
+            <a:fillRect/>
+          </a:stretch>
+        </p:blipFill>
+        <p:spPr>
+          <a:xfrm>
+            <a:off x="2877054" y="2863636"/>
+            <a:ext cx="2995158" cy="2067081"/>
+          </a:xfrm>
+          <a:prstGeom prst="rect">
+            <a:avLst/>
+          </a:prstGeom>
+        </p:spPr>
+      </p:pic>
+      <p:pic>
+        <p:nvPicPr>
+          <p:cNvPr id="12" name="Picture 11">
+            <a:extLst>
+              <a:ext uri="{FF2B5EF4-FFF2-40B4-BE49-F238E27FC236}">
+                <a16:creationId xmlns:a16="http://schemas.microsoft.com/office/drawing/2014/main" id="{FF710ECC-FA56-494F-A845-549B89803A2A}"/>
+              </a:ext>
+            </a:extLst>
+          </p:cNvPr>
+          <p:cNvPicPr>
+            <a:picLocks noChangeAspect="1"/>
+          </p:cNvPicPr>
+          <p:nvPr/>
+        </p:nvPicPr>
+        <p:blipFill>
+          <a:blip r:embed="rId5"/>
+          <a:stretch>
+            <a:fillRect/>
+          </a:stretch>
+        </p:blipFill>
+        <p:spPr>
+          <a:xfrm>
+            <a:off x="6182798" y="2795540"/>
+            <a:ext cx="2732602" cy="2203272"/>
+          </a:xfrm>
+          <a:prstGeom prst="rect">
+            <a:avLst/>
+          </a:prstGeom>
+        </p:spPr>
+      </p:pic>
+      <p:sp>
+        <p:nvSpPr>
+          <p:cNvPr id="22" name="Rectangle 21">
+            <a:extLst>
+              <a:ext uri="{FF2B5EF4-FFF2-40B4-BE49-F238E27FC236}">
+                <a16:creationId xmlns:a16="http://schemas.microsoft.com/office/drawing/2014/main" id="{B080A266-50F9-4293-B35D-77EF1DCEA111}"/>
+              </a:ext>
+            </a:extLst>
+          </p:cNvPr>
+          <p:cNvSpPr/>
+          <p:nvPr/>
+        </p:nvSpPr>
+        <p:spPr>
+          <a:xfrm>
+            <a:off x="5969856" y="1096509"/>
+            <a:ext cx="3158486" cy="307777"/>
+          </a:xfrm>
+          <a:prstGeom prst="rect">
+            <a:avLst/>
+          </a:prstGeom>
+        </p:spPr>
+        <p:txBody>
+          <a:bodyPr wrap="square">
+            <a:spAutoFit/>
+          </a:bodyPr>
+          <a:lstStyle/>
+          <a:p>
+            <a:pPr marL="0" marR="0" lvl="0" indent="0" algn="l" defTabSz="914400" rtl="0" eaLnBrk="1" fontAlgn="auto" latinLnBrk="0" hangingPunct="1">
+              <a:lnSpc>
+                <a:spcPct val="100000"/>
+              </a:lnSpc>
+              <a:spcBef>
+                <a:spcPts val="0"/>
+              </a:spcBef>
+              <a:spcAft>
+                <a:spcPts val="0"/>
+              </a:spcAft>
+              <a:buClr>
+                <a:srgbClr val="000000"/>
+              </a:buClr>
+              <a:buSzTx/>
+              <a:buFont typeface="Arial"/>
+              <a:buNone/>
+              <a:tabLst/>
+              <a:defRPr/>
+            </a:pPr>
+            <a:r>
+              <a:rPr kumimoji="0" lang="en-US" sz="1400" b="0" i="0" u="none" strike="noStrike" kern="0" cap="none" spc="0" normalizeH="0" baseline="0" noProof="0" dirty="0">
+                <a:ln>
+                  <a:noFill/>
+                </a:ln>
+                <a:solidFill>
+                  <a:srgbClr val="FF0000"/>
+                </a:solidFill>
+                <a:effectLst/>
+                <a:uLnTx/>
+                <a:uFillTx/>
+                <a:latin typeface="Arial"/>
+                <a:cs typeface="Arial"/>
+                <a:sym typeface="Arial"/>
+              </a:rPr>
+              <a:t>Maharashtra’s Health Budget  </a:t>
+            </a:r>
+            <a:endParaRPr kumimoji="0" lang="en-IN" sz="1400" b="0" i="0" u="none" strike="noStrike" kern="0" cap="none" spc="0" normalizeH="0" baseline="0" noProof="0" dirty="0">
+              <a:ln>
+                <a:noFill/>
+              </a:ln>
+              <a:solidFill>
+                <a:srgbClr val="FF0000"/>
+              </a:solidFill>
+              <a:effectLst/>
+              <a:uLnTx/>
+              <a:uFillTx/>
+              <a:latin typeface="Arial"/>
+              <a:cs typeface="Arial"/>
+              <a:sym typeface="Arial"/>
+            </a:endParaRPr>
+          </a:p>
+        </p:txBody>
+      </p:sp>
+    </p:spTree>
+    <p:extLst>
+      <p:ext uri="{BB962C8B-B14F-4D97-AF65-F5344CB8AC3E}">
+        <p14:creationId xmlns:p14="http://schemas.microsoft.com/office/powerpoint/2010/main" val="3161222419"/>
+      </p:ext>
+    </p:extLst>
+  </p:cSld>
+  <p:clrMapOvr>
+    <a:masterClrMapping/>
+  </p:clrMapOvr>
+</p:sld>
+</file>
+
+<file path=ppt/slides/slide8.xml><?xml version="1.0" encoding="utf-8"?>
+<p:sld xmlns:a="http://schemas.openxmlformats.org/drawingml/2006/main" xmlns:r="http://schemas.openxmlformats.org/officeDocument/2006/relationships" xmlns:p="http://schemas.openxmlformats.org/presentationml/2006/main">
+  <p:cSld>
+    <p:bg>
+      <p:bgPr>
+        <a:solidFill>
+          <a:schemeClr val="accent1">
+            <a:lumMod val="75000"/>
+          </a:schemeClr>
+        </a:solidFill>
+        <a:effectLst/>
+      </p:bgPr>
+    </p:bg>
+    <p:spTree>
+      <p:nvGrpSpPr>
+        <p:cNvPr id="1" name="Shape 103"/>
+        <p:cNvGrpSpPr/>
+        <p:nvPr/>
+      </p:nvGrpSpPr>
+      <p:grpSpPr>
+        <a:xfrm>
+          <a:off x="0" y="0"/>
+          <a:ext cx="0" cy="0"/>
+          <a:chOff x="0" y="0"/>
+          <a:chExt cx="0" cy="0"/>
+        </a:xfrm>
+      </p:grpSpPr>
+      <p:sp>
+        <p:nvSpPr>
+          <p:cNvPr id="104" name="Shape 104"/>
+          <p:cNvSpPr txBox="1">
+            <a:spLocks noGrp="1"/>
+          </p:cNvSpPr>
+          <p:nvPr>
+            <p:ph type="title"/>
+          </p:nvPr>
+        </p:nvSpPr>
+        <p:spPr>
+          <a:xfrm>
+            <a:off x="224150" y="363755"/>
+            <a:ext cx="2046300" cy="580638"/>
+          </a:xfrm>
+          <a:prstGeom prst="rect">
+            <a:avLst/>
+          </a:prstGeom>
+        </p:spPr>
+        <p:txBody>
+          <a:bodyPr spcFirstLastPara="1" wrap="square" lIns="91425" tIns="91425" rIns="91425" bIns="91425" anchor="t" anchorCtr="0">
+            <a:noAutofit/>
+          </a:bodyPr>
+          <a:lstStyle/>
+          <a:p>
+            <a:pPr marL="0" lvl="0" indent="0" rtl="0">
+              <a:spcBef>
+                <a:spcPts val="0"/>
+              </a:spcBef>
+              <a:spcAft>
+                <a:spcPts val="0"/>
+              </a:spcAft>
+              <a:buNone/>
+            </a:pPr>
+            <a:r>
+              <a:rPr lang="en-IN" b="1" dirty="0"/>
+              <a:t>Business Model</a:t>
+            </a:r>
+            <a:endParaRPr b="1" dirty="0"/>
+          </a:p>
+        </p:txBody>
+      </p:sp>
+      <p:sp>
+        <p:nvSpPr>
+          <p:cNvPr id="5" name="Rectangle 4"/>
+          <p:cNvSpPr/>
+          <p:nvPr/>
+        </p:nvSpPr>
+        <p:spPr>
+          <a:xfrm>
+            <a:off x="2753320" y="655146"/>
+            <a:ext cx="1944216" cy="535364"/>
+          </a:xfrm>
+          <a:prstGeom prst="rect">
+            <a:avLst/>
+          </a:prstGeom>
+          <a:noFill/>
+          <a:ln>
+            <a:solidFill>
+              <a:schemeClr val="bg1">
+                <a:lumMod val="85000"/>
+              </a:schemeClr>
+            </a:solidFill>
+          </a:ln>
+        </p:spPr>
+        <p:style>
+          <a:lnRef idx="2">
+            <a:schemeClr val="accent1">
+              <a:shade val="50000"/>
+            </a:schemeClr>
+          </a:lnRef>
+          <a:fillRef idx="1">
+            <a:schemeClr val="accent1"/>
+          </a:fillRef>
+          <a:effectRef idx="0">
+            <a:schemeClr val="accent1"/>
+          </a:effectRef>
+          <a:fontRef idx="minor">
+            <a:schemeClr val="lt1"/>
+          </a:fontRef>
+        </p:style>
+        <p:txBody>
+          <a:bodyPr rtlCol="0" anchor="ctr"/>
+          <a:lstStyle/>
+          <a:p>
+            <a:pPr algn="ctr">
+              <a:buClrTx/>
+              <a:buFontTx/>
+              <a:buNone/>
+            </a:pPr>
+            <a:endParaRPr lang="en-IN" sz="1800" kern="1200">
+              <a:solidFill>
+                <a:srgbClr val="FFFFFF"/>
+              </a:solidFill>
+            </a:endParaRPr>
+          </a:p>
+        </p:txBody>
+      </p:sp>
+      <p:sp>
+        <p:nvSpPr>
+          <p:cNvPr id="14" name="Rectangle 13"/>
+          <p:cNvSpPr/>
+          <p:nvPr/>
+        </p:nvSpPr>
+        <p:spPr>
+          <a:xfrm>
+            <a:off x="7001792" y="666342"/>
+            <a:ext cx="1253595" cy="524168"/>
+          </a:xfrm>
+          <a:prstGeom prst="rect">
+            <a:avLst/>
+          </a:prstGeom>
+          <a:noFill/>
+          <a:ln>
+            <a:solidFill>
+              <a:schemeClr val="bg1">
+                <a:lumMod val="85000"/>
+              </a:schemeClr>
+            </a:solidFill>
+          </a:ln>
+        </p:spPr>
+        <p:style>
+          <a:lnRef idx="2">
+            <a:schemeClr val="accent1">
+              <a:shade val="50000"/>
+            </a:schemeClr>
+          </a:lnRef>
+          <a:fillRef idx="1">
+            <a:schemeClr val="accent1"/>
+          </a:fillRef>
+          <a:effectRef idx="0">
+            <a:schemeClr val="accent1"/>
+          </a:effectRef>
+          <a:fontRef idx="minor">
+            <a:schemeClr val="lt1"/>
+          </a:fontRef>
+        </p:style>
+        <p:txBody>
+          <a:bodyPr rtlCol="0" anchor="ctr"/>
+          <a:lstStyle/>
+          <a:p>
+            <a:pPr algn="ctr">
+              <a:buClrTx/>
+              <a:buFontTx/>
+              <a:buNone/>
+            </a:pPr>
+            <a:endParaRPr lang="en-IN" sz="1800" kern="1200">
+              <a:solidFill>
+                <a:srgbClr val="FFFFFF"/>
+              </a:solidFill>
+            </a:endParaRPr>
+          </a:p>
+        </p:txBody>
+      </p:sp>
+      <p:sp>
+        <p:nvSpPr>
+          <p:cNvPr id="15" name="Rectangle 14"/>
+          <p:cNvSpPr/>
+          <p:nvPr/>
+        </p:nvSpPr>
+        <p:spPr>
+          <a:xfrm>
+            <a:off x="4877556" y="666342"/>
+            <a:ext cx="1944216" cy="524168"/>
+          </a:xfrm>
+          <a:prstGeom prst="rect">
+            <a:avLst/>
+          </a:prstGeom>
+          <a:noFill/>
+          <a:ln>
+            <a:solidFill>
+              <a:schemeClr val="bg1">
+                <a:lumMod val="85000"/>
+              </a:schemeClr>
+            </a:solidFill>
+          </a:ln>
+        </p:spPr>
+        <p:style>
+          <a:lnRef idx="2">
+            <a:schemeClr val="accent1">
+              <a:shade val="50000"/>
+            </a:schemeClr>
+          </a:lnRef>
+          <a:fillRef idx="1">
+            <a:schemeClr val="accent1"/>
+          </a:fillRef>
+          <a:effectRef idx="0">
+            <a:schemeClr val="accent1"/>
+          </a:effectRef>
+          <a:fontRef idx="minor">
+            <a:schemeClr val="lt1"/>
+          </a:fontRef>
+        </p:style>
+        <p:txBody>
+          <a:bodyPr rtlCol="0" anchor="ctr"/>
+          <a:lstStyle/>
+          <a:p>
+            <a:pPr algn="ctr">
+              <a:buClrTx/>
+              <a:buFontTx/>
+              <a:buNone/>
+            </a:pPr>
+            <a:endParaRPr lang="en-IN" sz="1800" kern="1200">
+              <a:solidFill>
+                <a:srgbClr val="FFFFFF"/>
+              </a:solidFill>
+            </a:endParaRPr>
+          </a:p>
+        </p:txBody>
+      </p:sp>
+      <p:sp>
+        <p:nvSpPr>
+          <p:cNvPr id="7" name="TextBox 6"/>
+          <p:cNvSpPr txBox="1"/>
+          <p:nvPr/>
+        </p:nvSpPr>
+        <p:spPr>
+          <a:xfrm>
+            <a:off x="2845665" y="663578"/>
+            <a:ext cx="1534394" cy="461665"/>
+          </a:xfrm>
+          <a:prstGeom prst="rect">
+            <a:avLst/>
+          </a:prstGeom>
+          <a:noFill/>
+        </p:spPr>
+        <p:txBody>
+          <a:bodyPr wrap="none" rtlCol="0">
+            <a:spAutoFit/>
+          </a:bodyPr>
+          <a:lstStyle/>
+          <a:p>
+            <a:pPr algn="ctr">
+              <a:buClrTx/>
+              <a:buFontTx/>
+              <a:buNone/>
+            </a:pPr>
+            <a:r>
+              <a:rPr lang="en-IN" sz="800" kern="1200" dirty="0">
+                <a:ea typeface="+mn-ea"/>
+                <a:cs typeface="+mn-cs"/>
+              </a:rPr>
+              <a:t>Set up Blockchain Network + </a:t>
+            </a:r>
+          </a:p>
+          <a:p>
+            <a:pPr algn="ctr">
+              <a:buClrTx/>
+              <a:buFontTx/>
+              <a:buNone/>
+            </a:pPr>
+            <a:r>
+              <a:rPr lang="en-IN" sz="800" kern="1200" dirty="0">
+                <a:ea typeface="+mn-ea"/>
+                <a:cs typeface="+mn-cs"/>
+              </a:rPr>
+              <a:t>Hospitals + </a:t>
+            </a:r>
+          </a:p>
+          <a:p>
+            <a:pPr algn="ctr">
+              <a:buClrTx/>
+              <a:buFontTx/>
+              <a:buNone/>
+            </a:pPr>
+            <a:r>
+              <a:rPr lang="en-IN" sz="800" kern="1200" dirty="0" err="1">
+                <a:ea typeface="+mn-ea"/>
+                <a:cs typeface="+mn-cs"/>
+              </a:rPr>
+              <a:t>Punekars</a:t>
+            </a:r>
+            <a:r>
+              <a:rPr lang="en-IN" sz="800" kern="1200" dirty="0">
+                <a:ea typeface="+mn-ea"/>
+                <a:cs typeface="+mn-cs"/>
+              </a:rPr>
+              <a:t>(Clients)</a:t>
+            </a:r>
+          </a:p>
+        </p:txBody>
+      </p:sp>
+      <p:sp>
+        <p:nvSpPr>
+          <p:cNvPr id="37" name="TextBox 36"/>
+          <p:cNvSpPr txBox="1"/>
+          <p:nvPr/>
+        </p:nvSpPr>
+        <p:spPr>
+          <a:xfrm>
+            <a:off x="4951540" y="717305"/>
+            <a:ext cx="1253869" cy="461665"/>
+          </a:xfrm>
+          <a:prstGeom prst="rect">
+            <a:avLst/>
+          </a:prstGeom>
+          <a:noFill/>
+        </p:spPr>
+        <p:txBody>
+          <a:bodyPr wrap="none" rtlCol="0">
+            <a:spAutoFit/>
+          </a:bodyPr>
+          <a:lstStyle/>
+          <a:p>
+            <a:pPr>
+              <a:buClrTx/>
+              <a:buFontTx/>
+              <a:buNone/>
+            </a:pPr>
+            <a:r>
+              <a:rPr lang="en-IN" sz="800" kern="1200" dirty="0">
+                <a:ea typeface="+mn-ea"/>
+                <a:cs typeface="+mn-cs"/>
+              </a:rPr>
+              <a:t>Period : 6 to 10 months</a:t>
+            </a:r>
+          </a:p>
+          <a:p>
+            <a:pPr>
+              <a:buClrTx/>
+              <a:buFontTx/>
+              <a:buNone/>
+            </a:pPr>
+            <a:r>
+              <a:rPr lang="en-IN" sz="800" kern="1200" dirty="0">
+                <a:ea typeface="+mn-ea"/>
+                <a:cs typeface="+mn-cs"/>
+              </a:rPr>
+              <a:t>Expenditure : 2cr </a:t>
+            </a:r>
+          </a:p>
+          <a:p>
+            <a:pPr>
+              <a:buClrTx/>
+              <a:buFontTx/>
+              <a:buNone/>
+            </a:pPr>
+            <a:r>
+              <a:rPr lang="en-IN" sz="800" kern="1200" dirty="0">
+                <a:ea typeface="+mn-ea"/>
+                <a:cs typeface="+mn-cs"/>
+              </a:rPr>
+              <a:t>Revenue : Nil</a:t>
+            </a:r>
+          </a:p>
+        </p:txBody>
+      </p:sp>
+      <p:sp>
+        <p:nvSpPr>
+          <p:cNvPr id="38" name="TextBox 37"/>
+          <p:cNvSpPr txBox="1"/>
+          <p:nvPr/>
+        </p:nvSpPr>
+        <p:spPr>
+          <a:xfrm>
+            <a:off x="7297910" y="807412"/>
+            <a:ext cx="684803" cy="230832"/>
+          </a:xfrm>
+          <a:prstGeom prst="rect">
+            <a:avLst/>
+          </a:prstGeom>
+          <a:noFill/>
+        </p:spPr>
+        <p:txBody>
+          <a:bodyPr wrap="none" rtlCol="0">
+            <a:spAutoFit/>
+          </a:bodyPr>
+          <a:lstStyle/>
+          <a:p>
+            <a:pPr>
+              <a:buClrTx/>
+              <a:buFontTx/>
+              <a:buNone/>
+            </a:pPr>
+            <a:r>
+              <a:rPr lang="en-IN" sz="900" kern="1200" dirty="0">
+                <a:ea typeface="+mn-ea"/>
+                <a:cs typeface="+mn-cs"/>
+              </a:rPr>
+              <a:t>Pune City</a:t>
+            </a:r>
+          </a:p>
+        </p:txBody>
+      </p:sp>
+      <p:sp>
+        <p:nvSpPr>
+          <p:cNvPr id="40" name="Rectangle 39"/>
+          <p:cNvSpPr/>
+          <p:nvPr/>
+        </p:nvSpPr>
+        <p:spPr>
+          <a:xfrm>
+            <a:off x="2745140" y="1593849"/>
+            <a:ext cx="1944216" cy="525938"/>
+          </a:xfrm>
+          <a:prstGeom prst="rect">
+            <a:avLst/>
+          </a:prstGeom>
+          <a:noFill/>
+          <a:ln>
+            <a:solidFill>
+              <a:schemeClr val="bg1">
+                <a:lumMod val="85000"/>
+              </a:schemeClr>
+            </a:solidFill>
+          </a:ln>
+        </p:spPr>
+        <p:style>
+          <a:lnRef idx="2">
+            <a:schemeClr val="accent1">
+              <a:shade val="50000"/>
+            </a:schemeClr>
+          </a:lnRef>
+          <a:fillRef idx="1">
+            <a:schemeClr val="accent1"/>
+          </a:fillRef>
+          <a:effectRef idx="0">
+            <a:schemeClr val="accent1"/>
+          </a:effectRef>
+          <a:fontRef idx="minor">
+            <a:schemeClr val="lt1"/>
+          </a:fontRef>
+        </p:style>
+        <p:txBody>
+          <a:bodyPr rtlCol="0" anchor="ctr"/>
+          <a:lstStyle/>
+          <a:p>
+            <a:pPr algn="ctr">
+              <a:buClrTx/>
+              <a:buFontTx/>
+              <a:buNone/>
+            </a:pPr>
+            <a:endParaRPr lang="en-IN" sz="1800" kern="1200">
+              <a:solidFill>
+                <a:srgbClr val="FFFFFF"/>
+              </a:solidFill>
+            </a:endParaRPr>
+          </a:p>
+        </p:txBody>
+      </p:sp>
+      <p:sp>
+        <p:nvSpPr>
+          <p:cNvPr id="41" name="Rectangle 40"/>
+          <p:cNvSpPr/>
+          <p:nvPr/>
+        </p:nvSpPr>
+        <p:spPr>
+          <a:xfrm>
+            <a:off x="6993612" y="1605045"/>
+            <a:ext cx="1261775" cy="514742"/>
+          </a:xfrm>
+          <a:prstGeom prst="rect">
+            <a:avLst/>
+          </a:prstGeom>
+          <a:noFill/>
+          <a:ln>
+            <a:solidFill>
+              <a:schemeClr val="bg1">
+                <a:lumMod val="85000"/>
+              </a:schemeClr>
+            </a:solidFill>
+          </a:ln>
+        </p:spPr>
+        <p:style>
+          <a:lnRef idx="2">
+            <a:schemeClr val="accent1">
+              <a:shade val="50000"/>
+            </a:schemeClr>
+          </a:lnRef>
+          <a:fillRef idx="1">
+            <a:schemeClr val="accent1"/>
+          </a:fillRef>
+          <a:effectRef idx="0">
+            <a:schemeClr val="accent1"/>
+          </a:effectRef>
+          <a:fontRef idx="minor">
+            <a:schemeClr val="lt1"/>
+          </a:fontRef>
+        </p:style>
+        <p:txBody>
+          <a:bodyPr rtlCol="0" anchor="ctr"/>
+          <a:lstStyle/>
+          <a:p>
+            <a:pPr algn="ctr">
+              <a:buClrTx/>
+              <a:buFontTx/>
+              <a:buNone/>
+            </a:pPr>
+            <a:endParaRPr lang="en-IN" sz="1800" kern="1200">
+              <a:solidFill>
+                <a:srgbClr val="FFFFFF"/>
+              </a:solidFill>
+            </a:endParaRPr>
+          </a:p>
+        </p:txBody>
+      </p:sp>
+      <p:sp>
+        <p:nvSpPr>
+          <p:cNvPr id="42" name="Rectangle 41"/>
+          <p:cNvSpPr/>
+          <p:nvPr/>
+        </p:nvSpPr>
+        <p:spPr>
+          <a:xfrm>
+            <a:off x="4869376" y="1605045"/>
+            <a:ext cx="1944216" cy="514742"/>
+          </a:xfrm>
+          <a:prstGeom prst="rect">
+            <a:avLst/>
+          </a:prstGeom>
+          <a:noFill/>
+          <a:ln>
+            <a:solidFill>
+              <a:schemeClr val="bg1">
+                <a:lumMod val="85000"/>
+              </a:schemeClr>
+            </a:solidFill>
+          </a:ln>
+        </p:spPr>
+        <p:style>
+          <a:lnRef idx="2">
+            <a:schemeClr val="accent1">
+              <a:shade val="50000"/>
+            </a:schemeClr>
+          </a:lnRef>
+          <a:fillRef idx="1">
+            <a:schemeClr val="accent1"/>
+          </a:fillRef>
+          <a:effectRef idx="0">
+            <a:schemeClr val="accent1"/>
+          </a:effectRef>
+          <a:fontRef idx="minor">
+            <a:schemeClr val="lt1"/>
+          </a:fontRef>
+        </p:style>
+        <p:txBody>
+          <a:bodyPr rtlCol="0" anchor="ctr"/>
+          <a:lstStyle/>
+          <a:p>
+            <a:pPr algn="ctr">
+              <a:buClrTx/>
+              <a:buFontTx/>
+              <a:buNone/>
+            </a:pPr>
+            <a:endParaRPr lang="en-IN" sz="1800" kern="1200">
+              <a:solidFill>
+                <a:srgbClr val="FFFFFF"/>
+              </a:solidFill>
+            </a:endParaRPr>
+          </a:p>
+        </p:txBody>
+      </p:sp>
+      <p:sp>
+        <p:nvSpPr>
+          <p:cNvPr id="43" name="TextBox 42"/>
+          <p:cNvSpPr txBox="1"/>
+          <p:nvPr/>
+        </p:nvSpPr>
+        <p:spPr>
+          <a:xfrm>
+            <a:off x="3073807" y="1679090"/>
+            <a:ext cx="1021433" cy="215444"/>
+          </a:xfrm>
+          <a:prstGeom prst="rect">
+            <a:avLst/>
+          </a:prstGeom>
+          <a:noFill/>
+        </p:spPr>
+        <p:txBody>
+          <a:bodyPr wrap="none" rtlCol="0">
+            <a:spAutoFit/>
+          </a:bodyPr>
+          <a:lstStyle/>
+          <a:p>
+            <a:pPr>
+              <a:buClrTx/>
+              <a:buFontTx/>
+              <a:buNone/>
+            </a:pPr>
+            <a:r>
+              <a:rPr lang="en-IN" sz="800" kern="1200" dirty="0">
+                <a:ea typeface="+mn-ea"/>
+                <a:cs typeface="+mn-cs"/>
+              </a:rPr>
+              <a:t>Product Marketing</a:t>
+            </a:r>
+          </a:p>
+        </p:txBody>
+      </p:sp>
+      <p:sp>
+        <p:nvSpPr>
+          <p:cNvPr id="45" name="TextBox 44"/>
+          <p:cNvSpPr txBox="1"/>
+          <p:nvPr/>
+        </p:nvSpPr>
+        <p:spPr>
+          <a:xfrm>
+            <a:off x="7193212" y="1741402"/>
+            <a:ext cx="870751" cy="230832"/>
+          </a:xfrm>
+          <a:prstGeom prst="rect">
+            <a:avLst/>
+          </a:prstGeom>
+          <a:noFill/>
+        </p:spPr>
+        <p:txBody>
+          <a:bodyPr wrap="none" rtlCol="0">
+            <a:spAutoFit/>
+          </a:bodyPr>
+          <a:lstStyle/>
+          <a:p>
+            <a:pPr>
+              <a:buClrTx/>
+              <a:buFontTx/>
+              <a:buNone/>
+            </a:pPr>
+            <a:r>
+              <a:rPr lang="en-IN" sz="900" kern="1200" dirty="0">
+                <a:ea typeface="+mn-ea"/>
+                <a:cs typeface="+mn-cs"/>
+              </a:rPr>
+              <a:t>4 Tier 1 cities</a:t>
+            </a:r>
+          </a:p>
+        </p:txBody>
+      </p:sp>
+      <p:sp>
+        <p:nvSpPr>
+          <p:cNvPr id="47" name="TextBox 46"/>
+          <p:cNvSpPr txBox="1"/>
+          <p:nvPr/>
+        </p:nvSpPr>
+        <p:spPr>
+          <a:xfrm>
+            <a:off x="4951540" y="1631583"/>
+            <a:ext cx="1160895" cy="461665"/>
+          </a:xfrm>
+          <a:prstGeom prst="rect">
+            <a:avLst/>
+          </a:prstGeom>
+          <a:noFill/>
+        </p:spPr>
+        <p:txBody>
+          <a:bodyPr wrap="none" rtlCol="0">
+            <a:spAutoFit/>
+          </a:bodyPr>
+          <a:lstStyle/>
+          <a:p>
+            <a:pPr>
+              <a:buClrTx/>
+              <a:buFontTx/>
+              <a:buNone/>
+            </a:pPr>
+            <a:r>
+              <a:rPr lang="en-IN" sz="800" kern="1200" dirty="0">
+                <a:ea typeface="+mn-ea"/>
+                <a:cs typeface="+mn-cs"/>
+              </a:rPr>
+              <a:t>Period : 1 </a:t>
+            </a:r>
+            <a:r>
+              <a:rPr lang="en-IN" sz="800" kern="1200" dirty="0" err="1">
+                <a:ea typeface="+mn-ea"/>
+                <a:cs typeface="+mn-cs"/>
+              </a:rPr>
+              <a:t>yr</a:t>
+            </a:r>
+            <a:endParaRPr lang="en-IN" sz="800" kern="1200" dirty="0">
+              <a:ea typeface="+mn-ea"/>
+              <a:cs typeface="+mn-cs"/>
+            </a:endParaRPr>
+          </a:p>
+          <a:p>
+            <a:pPr>
+              <a:buClrTx/>
+              <a:buFontTx/>
+              <a:buNone/>
+            </a:pPr>
+            <a:r>
+              <a:rPr lang="en-IN" sz="800" kern="1200" dirty="0">
+                <a:ea typeface="+mn-ea"/>
+                <a:cs typeface="+mn-cs"/>
+              </a:rPr>
+              <a:t>Expenditure : 3.5cr </a:t>
+            </a:r>
+          </a:p>
+          <a:p>
+            <a:pPr>
+              <a:buClrTx/>
+              <a:buFontTx/>
+              <a:buNone/>
+            </a:pPr>
+            <a:r>
+              <a:rPr lang="en-IN" sz="800" kern="1200" dirty="0">
+                <a:ea typeface="+mn-ea"/>
+                <a:cs typeface="+mn-cs"/>
+              </a:rPr>
+              <a:t>Revenue : 15-20 </a:t>
+            </a:r>
+            <a:r>
+              <a:rPr lang="en-IN" sz="800" kern="1200" dirty="0" err="1">
+                <a:ea typeface="+mn-ea"/>
+                <a:cs typeface="+mn-cs"/>
+              </a:rPr>
+              <a:t>lacs</a:t>
+            </a:r>
+            <a:endParaRPr lang="en-IN" sz="800" kern="1200" dirty="0">
+              <a:ea typeface="+mn-ea"/>
+              <a:cs typeface="+mn-cs"/>
+            </a:endParaRPr>
+          </a:p>
+        </p:txBody>
+      </p:sp>
+      <p:sp>
+        <p:nvSpPr>
+          <p:cNvPr id="51" name="Rectangle 50"/>
+          <p:cNvSpPr/>
+          <p:nvPr/>
+        </p:nvSpPr>
+        <p:spPr>
+          <a:xfrm>
+            <a:off x="2756939" y="2564061"/>
+            <a:ext cx="1944216" cy="601752"/>
+          </a:xfrm>
+          <a:prstGeom prst="rect">
+            <a:avLst/>
+          </a:prstGeom>
+          <a:noFill/>
+          <a:ln>
+            <a:solidFill>
+              <a:schemeClr val="bg1">
+                <a:lumMod val="85000"/>
+              </a:schemeClr>
+            </a:solidFill>
+          </a:ln>
+        </p:spPr>
+        <p:style>
+          <a:lnRef idx="2">
+            <a:schemeClr val="accent1">
+              <a:shade val="50000"/>
+            </a:schemeClr>
+          </a:lnRef>
+          <a:fillRef idx="1">
+            <a:schemeClr val="accent1"/>
+          </a:fillRef>
+          <a:effectRef idx="0">
+            <a:schemeClr val="accent1"/>
+          </a:effectRef>
+          <a:fontRef idx="minor">
+            <a:schemeClr val="lt1"/>
+          </a:fontRef>
+        </p:style>
+        <p:txBody>
+          <a:bodyPr rtlCol="0" anchor="ctr"/>
+          <a:lstStyle/>
+          <a:p>
+            <a:pPr algn="ctr">
+              <a:buClrTx/>
+              <a:buFontTx/>
+              <a:buNone/>
+            </a:pPr>
+            <a:endParaRPr lang="en-IN" sz="1800" kern="1200">
+              <a:solidFill>
+                <a:srgbClr val="FFFFFF"/>
+              </a:solidFill>
+            </a:endParaRPr>
+          </a:p>
+        </p:txBody>
+      </p:sp>
+      <p:sp>
+        <p:nvSpPr>
+          <p:cNvPr id="52" name="Rectangle 51"/>
+          <p:cNvSpPr/>
+          <p:nvPr/>
+        </p:nvSpPr>
+        <p:spPr>
+          <a:xfrm>
+            <a:off x="7005411" y="2575257"/>
+            <a:ext cx="1251475" cy="590556"/>
+          </a:xfrm>
+          <a:prstGeom prst="rect">
+            <a:avLst/>
+          </a:prstGeom>
+          <a:noFill/>
+          <a:ln>
+            <a:solidFill>
+              <a:schemeClr val="bg1">
+                <a:lumMod val="85000"/>
+              </a:schemeClr>
+            </a:solidFill>
+          </a:ln>
+        </p:spPr>
+        <p:style>
+          <a:lnRef idx="2">
+            <a:schemeClr val="accent1">
+              <a:shade val="50000"/>
+            </a:schemeClr>
+          </a:lnRef>
+          <a:fillRef idx="1">
+            <a:schemeClr val="accent1"/>
+          </a:fillRef>
+          <a:effectRef idx="0">
+            <a:schemeClr val="accent1"/>
+          </a:effectRef>
+          <a:fontRef idx="minor">
+            <a:schemeClr val="lt1"/>
+          </a:fontRef>
+        </p:style>
+        <p:txBody>
+          <a:bodyPr rtlCol="0" anchor="ctr"/>
+          <a:lstStyle/>
+          <a:p>
+            <a:pPr algn="ctr">
+              <a:buClrTx/>
+              <a:buFontTx/>
+              <a:buNone/>
+            </a:pPr>
+            <a:endParaRPr lang="en-IN" sz="1800" kern="1200">
+              <a:solidFill>
+                <a:srgbClr val="FFFFFF"/>
+              </a:solidFill>
+            </a:endParaRPr>
+          </a:p>
+        </p:txBody>
+      </p:sp>
+      <p:sp>
+        <p:nvSpPr>
+          <p:cNvPr id="53" name="Rectangle 52"/>
+          <p:cNvSpPr/>
+          <p:nvPr/>
+        </p:nvSpPr>
+        <p:spPr>
+          <a:xfrm>
+            <a:off x="4881175" y="2575257"/>
+            <a:ext cx="1944216" cy="590556"/>
+          </a:xfrm>
+          <a:prstGeom prst="rect">
+            <a:avLst/>
+          </a:prstGeom>
+          <a:noFill/>
+          <a:ln>
+            <a:solidFill>
+              <a:schemeClr val="bg1">
+                <a:lumMod val="85000"/>
+              </a:schemeClr>
+            </a:solidFill>
+          </a:ln>
+        </p:spPr>
+        <p:style>
+          <a:lnRef idx="2">
+            <a:schemeClr val="accent1">
+              <a:shade val="50000"/>
+            </a:schemeClr>
+          </a:lnRef>
+          <a:fillRef idx="1">
+            <a:schemeClr val="accent1"/>
+          </a:fillRef>
+          <a:effectRef idx="0">
+            <a:schemeClr val="accent1"/>
+          </a:effectRef>
+          <a:fontRef idx="minor">
+            <a:schemeClr val="lt1"/>
+          </a:fontRef>
+        </p:style>
+        <p:txBody>
+          <a:bodyPr rtlCol="0" anchor="ctr"/>
+          <a:lstStyle/>
+          <a:p>
+            <a:pPr algn="ctr">
+              <a:buClrTx/>
+              <a:buFontTx/>
+              <a:buNone/>
+            </a:pPr>
+            <a:endParaRPr lang="en-IN" sz="1800" kern="1200">
+              <a:solidFill>
+                <a:srgbClr val="FFFFFF"/>
+              </a:solidFill>
+            </a:endParaRPr>
+          </a:p>
+        </p:txBody>
+      </p:sp>
+      <p:sp>
+        <p:nvSpPr>
+          <p:cNvPr id="54" name="TextBox 53"/>
+          <p:cNvSpPr txBox="1"/>
+          <p:nvPr/>
+        </p:nvSpPr>
+        <p:spPr>
+          <a:xfrm>
+            <a:off x="3066490" y="2649303"/>
+            <a:ext cx="1138452" cy="338554"/>
+          </a:xfrm>
+          <a:prstGeom prst="rect">
+            <a:avLst/>
+          </a:prstGeom>
+          <a:noFill/>
+        </p:spPr>
+        <p:txBody>
+          <a:bodyPr wrap="none" rtlCol="0">
+            <a:spAutoFit/>
+          </a:bodyPr>
+          <a:lstStyle/>
+          <a:p>
+            <a:pPr algn="ctr">
+              <a:buClrTx/>
+              <a:buFontTx/>
+              <a:buNone/>
+            </a:pPr>
+            <a:r>
+              <a:rPr lang="en-IN" sz="800" kern="1200" dirty="0">
+                <a:ea typeface="+mn-ea"/>
+                <a:cs typeface="+mn-cs"/>
+              </a:rPr>
+              <a:t>Product Marketing + </a:t>
+            </a:r>
+          </a:p>
+          <a:p>
+            <a:pPr algn="ctr">
+              <a:buClrTx/>
+              <a:buFontTx/>
+              <a:buNone/>
+            </a:pPr>
+            <a:r>
+              <a:rPr lang="en-IN" sz="800" kern="1200" dirty="0"/>
+              <a:t>Pharmacists</a:t>
+            </a:r>
+          </a:p>
+        </p:txBody>
+      </p:sp>
+      <p:sp>
+        <p:nvSpPr>
+          <p:cNvPr id="55" name="TextBox 54"/>
+          <p:cNvSpPr txBox="1"/>
+          <p:nvPr/>
+        </p:nvSpPr>
+        <p:spPr>
+          <a:xfrm>
+            <a:off x="7158344" y="2703164"/>
+            <a:ext cx="966931" cy="230832"/>
+          </a:xfrm>
+          <a:prstGeom prst="rect">
+            <a:avLst/>
+          </a:prstGeom>
+          <a:noFill/>
+        </p:spPr>
+        <p:txBody>
+          <a:bodyPr wrap="none" rtlCol="0">
+            <a:spAutoFit/>
+          </a:bodyPr>
+          <a:lstStyle/>
+          <a:p>
+            <a:pPr>
+              <a:buClrTx/>
+              <a:buFontTx/>
+              <a:buNone/>
+            </a:pPr>
+            <a:r>
+              <a:rPr lang="en-IN" sz="900" kern="1200" dirty="0">
+                <a:ea typeface="+mn-ea"/>
+                <a:cs typeface="+mn-cs"/>
+              </a:rPr>
+              <a:t>10 Tier 2 cities </a:t>
+            </a:r>
+          </a:p>
+        </p:txBody>
+      </p:sp>
+      <p:sp>
+        <p:nvSpPr>
+          <p:cNvPr id="56" name="TextBox 55"/>
+          <p:cNvSpPr txBox="1"/>
+          <p:nvPr/>
+        </p:nvSpPr>
+        <p:spPr>
+          <a:xfrm>
+            <a:off x="4951432" y="2639875"/>
+            <a:ext cx="1160895" cy="461665"/>
+          </a:xfrm>
+          <a:prstGeom prst="rect">
+            <a:avLst/>
+          </a:prstGeom>
+          <a:noFill/>
+        </p:spPr>
+        <p:txBody>
+          <a:bodyPr wrap="none" rtlCol="0">
+            <a:spAutoFit/>
+          </a:bodyPr>
+          <a:lstStyle/>
+          <a:p>
+            <a:pPr>
+              <a:buClrTx/>
+              <a:buFontTx/>
+              <a:buNone/>
+            </a:pPr>
+            <a:r>
+              <a:rPr lang="en-IN" sz="800" kern="1200" dirty="0">
+                <a:ea typeface="+mn-ea"/>
+                <a:cs typeface="+mn-cs"/>
+              </a:rPr>
+              <a:t>Period : 1 </a:t>
+            </a:r>
+            <a:r>
+              <a:rPr lang="en-IN" sz="800" kern="1200" dirty="0" err="1">
+                <a:ea typeface="+mn-ea"/>
+                <a:cs typeface="+mn-cs"/>
+              </a:rPr>
+              <a:t>yr</a:t>
+            </a:r>
+            <a:endParaRPr lang="en-IN" sz="800" kern="1200" dirty="0">
+              <a:ea typeface="+mn-ea"/>
+              <a:cs typeface="+mn-cs"/>
+            </a:endParaRPr>
+          </a:p>
+          <a:p>
+            <a:pPr>
+              <a:buClrTx/>
+              <a:buFontTx/>
+              <a:buNone/>
+            </a:pPr>
+            <a:r>
+              <a:rPr lang="en-IN" sz="800" kern="1200" dirty="0">
+                <a:ea typeface="+mn-ea"/>
+                <a:cs typeface="+mn-cs"/>
+              </a:rPr>
+              <a:t>Expenditure : 6cr </a:t>
+            </a:r>
+          </a:p>
+          <a:p>
+            <a:pPr>
+              <a:buClrTx/>
+              <a:buFontTx/>
+              <a:buNone/>
+            </a:pPr>
+            <a:r>
+              <a:rPr lang="en-IN" sz="800" kern="1200" dirty="0">
+                <a:ea typeface="+mn-ea"/>
+                <a:cs typeface="+mn-cs"/>
+              </a:rPr>
+              <a:t>Revenue : 35-40 </a:t>
+            </a:r>
+            <a:r>
+              <a:rPr lang="en-IN" sz="800" kern="1200" dirty="0" err="1">
+                <a:ea typeface="+mn-ea"/>
+                <a:cs typeface="+mn-cs"/>
+              </a:rPr>
+              <a:t>lacs</a:t>
+            </a:r>
+            <a:endParaRPr lang="en-IN" sz="800" kern="1200" dirty="0">
+              <a:ea typeface="+mn-ea"/>
+              <a:cs typeface="+mn-cs"/>
+            </a:endParaRPr>
+          </a:p>
+        </p:txBody>
+      </p:sp>
+      <p:sp>
+        <p:nvSpPr>
+          <p:cNvPr id="59" name="Rectangle 58"/>
+          <p:cNvSpPr/>
+          <p:nvPr/>
+        </p:nvSpPr>
+        <p:spPr>
+          <a:xfrm>
+            <a:off x="2776515" y="3577949"/>
+            <a:ext cx="1944216" cy="601752"/>
+          </a:xfrm>
+          <a:prstGeom prst="rect">
+            <a:avLst/>
+          </a:prstGeom>
+          <a:noFill/>
+          <a:ln>
+            <a:solidFill>
+              <a:schemeClr val="bg1">
+                <a:lumMod val="85000"/>
+              </a:schemeClr>
+            </a:solidFill>
+          </a:ln>
+        </p:spPr>
+        <p:style>
+          <a:lnRef idx="2">
+            <a:schemeClr val="accent1">
+              <a:shade val="50000"/>
+            </a:schemeClr>
+          </a:lnRef>
+          <a:fillRef idx="1">
+            <a:schemeClr val="accent1"/>
+          </a:fillRef>
+          <a:effectRef idx="0">
+            <a:schemeClr val="accent1"/>
+          </a:effectRef>
+          <a:fontRef idx="minor">
+            <a:schemeClr val="lt1"/>
+          </a:fontRef>
+        </p:style>
+        <p:txBody>
+          <a:bodyPr rtlCol="0" anchor="ctr"/>
+          <a:lstStyle/>
+          <a:p>
+            <a:pPr algn="ctr">
+              <a:buClrTx/>
+              <a:buFontTx/>
+              <a:buNone/>
+            </a:pPr>
+            <a:endParaRPr lang="en-IN" sz="1800" kern="1200">
+              <a:solidFill>
+                <a:srgbClr val="FFFFFF"/>
+              </a:solidFill>
+            </a:endParaRPr>
+          </a:p>
+        </p:txBody>
+      </p:sp>
+      <p:sp>
+        <p:nvSpPr>
+          <p:cNvPr id="60" name="Rectangle 59"/>
+          <p:cNvSpPr/>
+          <p:nvPr/>
+        </p:nvSpPr>
+        <p:spPr>
+          <a:xfrm>
+            <a:off x="7024987" y="3589145"/>
+            <a:ext cx="1253595" cy="590556"/>
+          </a:xfrm>
+          <a:prstGeom prst="rect">
+            <a:avLst/>
+          </a:prstGeom>
+          <a:noFill/>
+          <a:ln>
+            <a:solidFill>
+              <a:schemeClr val="bg1">
+                <a:lumMod val="85000"/>
+              </a:schemeClr>
+            </a:solidFill>
+          </a:ln>
+        </p:spPr>
+        <p:style>
+          <a:lnRef idx="2">
+            <a:schemeClr val="accent1">
+              <a:shade val="50000"/>
+            </a:schemeClr>
+          </a:lnRef>
+          <a:fillRef idx="1">
+            <a:schemeClr val="accent1"/>
+          </a:fillRef>
+          <a:effectRef idx="0">
+            <a:schemeClr val="accent1"/>
+          </a:effectRef>
+          <a:fontRef idx="minor">
+            <a:schemeClr val="lt1"/>
+          </a:fontRef>
+        </p:style>
+        <p:txBody>
+          <a:bodyPr rtlCol="0" anchor="ctr"/>
+          <a:lstStyle/>
+          <a:p>
+            <a:pPr algn="ctr">
+              <a:buClrTx/>
+              <a:buFontTx/>
+              <a:buNone/>
+            </a:pPr>
+            <a:endParaRPr lang="en-IN" sz="1800" kern="1200">
+              <a:solidFill>
+                <a:srgbClr val="FFFFFF"/>
+              </a:solidFill>
+            </a:endParaRPr>
+          </a:p>
+        </p:txBody>
+      </p:sp>
+      <p:sp>
+        <p:nvSpPr>
+          <p:cNvPr id="61" name="Rectangle 60"/>
+          <p:cNvSpPr/>
+          <p:nvPr/>
+        </p:nvSpPr>
+        <p:spPr>
+          <a:xfrm>
+            <a:off x="4900751" y="3589145"/>
+            <a:ext cx="1944216" cy="590556"/>
+          </a:xfrm>
+          <a:prstGeom prst="rect">
+            <a:avLst/>
+          </a:prstGeom>
+          <a:noFill/>
+          <a:ln>
+            <a:solidFill>
+              <a:schemeClr val="bg1">
+                <a:lumMod val="85000"/>
+              </a:schemeClr>
+            </a:solidFill>
+          </a:ln>
+        </p:spPr>
+        <p:style>
+          <a:lnRef idx="2">
+            <a:schemeClr val="accent1">
+              <a:shade val="50000"/>
+            </a:schemeClr>
+          </a:lnRef>
+          <a:fillRef idx="1">
+            <a:schemeClr val="accent1"/>
+          </a:fillRef>
+          <a:effectRef idx="0">
+            <a:schemeClr val="accent1"/>
+          </a:effectRef>
+          <a:fontRef idx="minor">
+            <a:schemeClr val="lt1"/>
+          </a:fontRef>
+        </p:style>
+        <p:txBody>
+          <a:bodyPr rtlCol="0" anchor="ctr"/>
+          <a:lstStyle/>
+          <a:p>
+            <a:pPr algn="ctr">
+              <a:buClrTx/>
+              <a:buFontTx/>
+              <a:buNone/>
+            </a:pPr>
+            <a:endParaRPr lang="en-IN" sz="1800" kern="1200">
+              <a:solidFill>
+                <a:srgbClr val="FFFFFF"/>
+              </a:solidFill>
+            </a:endParaRPr>
+          </a:p>
+        </p:txBody>
+      </p:sp>
+      <p:sp>
+        <p:nvSpPr>
+          <p:cNvPr id="62" name="TextBox 61"/>
+          <p:cNvSpPr txBox="1"/>
+          <p:nvPr/>
+        </p:nvSpPr>
+        <p:spPr>
+          <a:xfrm>
+            <a:off x="3053204" y="3663191"/>
+            <a:ext cx="1165704" cy="338554"/>
+          </a:xfrm>
+          <a:prstGeom prst="rect">
+            <a:avLst/>
+          </a:prstGeom>
+          <a:noFill/>
+        </p:spPr>
+        <p:txBody>
+          <a:bodyPr wrap="none" rtlCol="0">
+            <a:spAutoFit/>
+          </a:bodyPr>
+          <a:lstStyle/>
+          <a:p>
+            <a:pPr algn="ctr">
+              <a:buClrTx/>
+              <a:buFontTx/>
+              <a:buNone/>
+            </a:pPr>
+            <a:r>
+              <a:rPr lang="en-IN" sz="800" kern="1200" dirty="0">
+                <a:ea typeface="+mn-ea"/>
+                <a:cs typeface="+mn-cs"/>
+              </a:rPr>
+              <a:t>Product Marketing + </a:t>
+            </a:r>
+          </a:p>
+          <a:p>
+            <a:pPr algn="ctr">
+              <a:buClrTx/>
+              <a:buFontTx/>
+              <a:buNone/>
+            </a:pPr>
+            <a:r>
+              <a:rPr lang="en-IN" sz="800" kern="1200" dirty="0">
+                <a:ea typeface="+mn-ea"/>
+                <a:cs typeface="+mn-cs"/>
+              </a:rPr>
+              <a:t>Insurance companies</a:t>
+            </a:r>
+          </a:p>
+        </p:txBody>
+      </p:sp>
+      <p:sp>
+        <p:nvSpPr>
+          <p:cNvPr id="63" name="TextBox 62"/>
+          <p:cNvSpPr txBox="1"/>
+          <p:nvPr/>
+        </p:nvSpPr>
+        <p:spPr>
+          <a:xfrm>
+            <a:off x="7180042" y="3717052"/>
+            <a:ext cx="966931" cy="230832"/>
+          </a:xfrm>
+          <a:prstGeom prst="rect">
+            <a:avLst/>
+          </a:prstGeom>
+          <a:noFill/>
+        </p:spPr>
+        <p:txBody>
+          <a:bodyPr wrap="none" rtlCol="0">
+            <a:spAutoFit/>
+          </a:bodyPr>
+          <a:lstStyle/>
+          <a:p>
+            <a:pPr>
+              <a:buClrTx/>
+              <a:buFontTx/>
+              <a:buNone/>
+            </a:pPr>
+            <a:r>
+              <a:rPr lang="en-IN" sz="900" kern="1200" dirty="0">
+                <a:ea typeface="+mn-ea"/>
+                <a:cs typeface="+mn-cs"/>
+              </a:rPr>
+              <a:t>15 Tier 3 cities </a:t>
+            </a:r>
+          </a:p>
+        </p:txBody>
+      </p:sp>
+      <p:sp>
+        <p:nvSpPr>
+          <p:cNvPr id="64" name="TextBox 63"/>
+          <p:cNvSpPr txBox="1"/>
+          <p:nvPr/>
+        </p:nvSpPr>
+        <p:spPr>
+          <a:xfrm>
+            <a:off x="4971008" y="3653763"/>
+            <a:ext cx="1160895" cy="461665"/>
+          </a:xfrm>
+          <a:prstGeom prst="rect">
+            <a:avLst/>
+          </a:prstGeom>
+          <a:noFill/>
+        </p:spPr>
+        <p:txBody>
+          <a:bodyPr wrap="none" rtlCol="0">
+            <a:spAutoFit/>
+          </a:bodyPr>
+          <a:lstStyle/>
+          <a:p>
+            <a:pPr>
+              <a:buClrTx/>
+              <a:buFontTx/>
+              <a:buNone/>
+            </a:pPr>
+            <a:r>
+              <a:rPr lang="en-IN" sz="800" kern="1200" dirty="0">
+                <a:ea typeface="+mn-ea"/>
+                <a:cs typeface="+mn-cs"/>
+              </a:rPr>
+              <a:t>Period : 1.5 </a:t>
+            </a:r>
+            <a:r>
+              <a:rPr lang="en-IN" sz="800" kern="1200" dirty="0" err="1">
+                <a:ea typeface="+mn-ea"/>
+                <a:cs typeface="+mn-cs"/>
+              </a:rPr>
+              <a:t>yrs</a:t>
+            </a:r>
+            <a:endParaRPr lang="en-IN" sz="800" kern="1200" dirty="0">
+              <a:ea typeface="+mn-ea"/>
+              <a:cs typeface="+mn-cs"/>
+            </a:endParaRPr>
+          </a:p>
+          <a:p>
+            <a:pPr>
+              <a:buClrTx/>
+              <a:buFontTx/>
+              <a:buNone/>
+            </a:pPr>
+            <a:r>
+              <a:rPr lang="en-IN" sz="800" kern="1200" dirty="0">
+                <a:ea typeface="+mn-ea"/>
+                <a:cs typeface="+mn-cs"/>
+              </a:rPr>
+              <a:t>Expenditure : 10cr </a:t>
+            </a:r>
+          </a:p>
+          <a:p>
+            <a:pPr>
+              <a:buClrTx/>
+              <a:buFontTx/>
+              <a:buNone/>
+            </a:pPr>
+            <a:r>
+              <a:rPr lang="en-IN" sz="800" kern="1200" dirty="0">
+                <a:ea typeface="+mn-ea"/>
+                <a:cs typeface="+mn-cs"/>
+              </a:rPr>
+              <a:t>Revenue : 60-70 </a:t>
+            </a:r>
+            <a:r>
+              <a:rPr lang="en-IN" sz="800" kern="1200" dirty="0" err="1">
+                <a:ea typeface="+mn-ea"/>
+                <a:cs typeface="+mn-cs"/>
+              </a:rPr>
+              <a:t>lacs</a:t>
+            </a:r>
+            <a:endParaRPr lang="en-IN" sz="800" kern="1200" dirty="0">
+              <a:ea typeface="+mn-ea"/>
+              <a:cs typeface="+mn-cs"/>
+            </a:endParaRPr>
+          </a:p>
+        </p:txBody>
+      </p:sp>
+      <p:sp>
+        <p:nvSpPr>
+          <p:cNvPr id="4" name="TextBox 3"/>
+          <p:cNvSpPr txBox="1"/>
+          <p:nvPr/>
+        </p:nvSpPr>
+        <p:spPr>
+          <a:xfrm>
+            <a:off x="2957310" y="0"/>
+            <a:ext cx="1556836" cy="307777"/>
+          </a:xfrm>
+          <a:prstGeom prst="rect">
+            <a:avLst/>
+          </a:prstGeom>
+          <a:noFill/>
+        </p:spPr>
+        <p:txBody>
+          <a:bodyPr wrap="none" rtlCol="0">
+            <a:spAutoFit/>
+          </a:bodyPr>
+          <a:lstStyle/>
+          <a:p>
+            <a:pPr>
+              <a:buClrTx/>
+              <a:buFontTx/>
+              <a:buNone/>
+            </a:pPr>
+            <a:r>
+              <a:rPr lang="en-IN" kern="1200" dirty="0">
+                <a:ea typeface="+mn-ea"/>
+                <a:cs typeface="+mn-cs"/>
+              </a:rPr>
+              <a:t>Product Features</a:t>
+            </a:r>
+          </a:p>
+        </p:txBody>
+      </p:sp>
+      <p:sp>
+        <p:nvSpPr>
+          <p:cNvPr id="44" name="TextBox 43"/>
+          <p:cNvSpPr txBox="1"/>
+          <p:nvPr/>
+        </p:nvSpPr>
+        <p:spPr>
+          <a:xfrm>
+            <a:off x="5118699" y="-19041"/>
+            <a:ext cx="1438214" cy="307777"/>
+          </a:xfrm>
+          <a:prstGeom prst="rect">
+            <a:avLst/>
+          </a:prstGeom>
+          <a:noFill/>
+        </p:spPr>
+        <p:txBody>
+          <a:bodyPr wrap="none" rtlCol="0">
+            <a:spAutoFit/>
+          </a:bodyPr>
+          <a:lstStyle/>
+          <a:p>
+            <a:pPr>
+              <a:buClrTx/>
+              <a:buFontTx/>
+              <a:buNone/>
+            </a:pPr>
+            <a:r>
+              <a:rPr lang="en-IN" kern="1200" dirty="0">
+                <a:ea typeface="+mn-ea"/>
+                <a:cs typeface="+mn-cs"/>
+              </a:rPr>
+              <a:t>Revenue Model</a:t>
+            </a:r>
+          </a:p>
+        </p:txBody>
+      </p:sp>
+      <p:sp>
+        <p:nvSpPr>
+          <p:cNvPr id="46" name="TextBox 45"/>
+          <p:cNvSpPr txBox="1"/>
+          <p:nvPr/>
+        </p:nvSpPr>
+        <p:spPr>
+          <a:xfrm>
+            <a:off x="7151700" y="-19042"/>
+            <a:ext cx="970137" cy="307777"/>
+          </a:xfrm>
+          <a:prstGeom prst="rect">
+            <a:avLst/>
+          </a:prstGeom>
+          <a:noFill/>
+        </p:spPr>
+        <p:txBody>
+          <a:bodyPr wrap="none" rtlCol="0">
+            <a:spAutoFit/>
+          </a:bodyPr>
+          <a:lstStyle/>
+          <a:p>
+            <a:pPr>
+              <a:buClrTx/>
+              <a:buFontTx/>
+              <a:buNone/>
+            </a:pPr>
+            <a:r>
+              <a:rPr lang="en-IN" kern="1200" dirty="0">
+                <a:ea typeface="+mn-ea"/>
+                <a:cs typeface="+mn-cs"/>
+              </a:rPr>
+              <a:t>Marketing</a:t>
+            </a:r>
+          </a:p>
+        </p:txBody>
+      </p:sp>
+      <p:cxnSp>
+        <p:nvCxnSpPr>
+          <p:cNvPr id="8" name="Straight Connector 7"/>
+          <p:cNvCxnSpPr/>
+          <p:nvPr/>
+        </p:nvCxnSpPr>
+        <p:spPr>
+          <a:xfrm>
+            <a:off x="2617484" y="307777"/>
+            <a:ext cx="6480720" cy="0"/>
+          </a:xfrm>
+          <a:prstGeom prst="line">
+            <a:avLst/>
+          </a:prstGeom>
+        </p:spPr>
+        <p:style>
+          <a:lnRef idx="1">
+            <a:schemeClr val="accent1"/>
+          </a:lnRef>
+          <a:fillRef idx="0">
+            <a:schemeClr val="accent1"/>
+          </a:fillRef>
+          <a:effectRef idx="0">
+            <a:schemeClr val="accent1"/>
+          </a:effectRef>
+          <a:fontRef idx="minor">
+            <a:schemeClr val="tx1"/>
+          </a:fontRef>
+        </p:style>
+      </p:cxnSp>
+      <p:sp>
+        <p:nvSpPr>
+          <p:cNvPr id="68" name="TextBox 67"/>
+          <p:cNvSpPr txBox="1"/>
+          <p:nvPr/>
+        </p:nvSpPr>
+        <p:spPr>
+          <a:xfrm>
+            <a:off x="2753323" y="389343"/>
+            <a:ext cx="723275" cy="246221"/>
+          </a:xfrm>
+          <a:prstGeom prst="rect">
+            <a:avLst/>
+          </a:prstGeom>
+          <a:noFill/>
+        </p:spPr>
+        <p:txBody>
+          <a:bodyPr wrap="none" rtlCol="0">
+            <a:spAutoFit/>
+          </a:bodyPr>
+          <a:lstStyle/>
+          <a:p>
+            <a:pPr>
+              <a:buClrTx/>
+              <a:buFontTx/>
+              <a:buNone/>
+            </a:pPr>
+            <a:r>
+              <a:rPr lang="en-IN" sz="1000" kern="1200" dirty="0">
+                <a:ea typeface="+mn-ea"/>
+                <a:cs typeface="+mn-cs"/>
+              </a:rPr>
+              <a:t>Version 1</a:t>
+            </a:r>
+          </a:p>
+        </p:txBody>
+      </p:sp>
+      <p:cxnSp>
+        <p:nvCxnSpPr>
+          <p:cNvPr id="69" name="Straight Connector 68"/>
+          <p:cNvCxnSpPr/>
+          <p:nvPr/>
+        </p:nvCxnSpPr>
+        <p:spPr>
+          <a:xfrm>
+            <a:off x="2597446" y="1279459"/>
+            <a:ext cx="6480720" cy="0"/>
+          </a:xfrm>
+          <a:prstGeom prst="line">
+            <a:avLst/>
+          </a:prstGeom>
+          <a:ln w="3175"/>
+        </p:spPr>
+        <p:style>
+          <a:lnRef idx="1">
+            <a:schemeClr val="accent1"/>
+          </a:lnRef>
+          <a:fillRef idx="0">
+            <a:schemeClr val="accent1"/>
+          </a:fillRef>
+          <a:effectRef idx="0">
+            <a:schemeClr val="accent1"/>
+          </a:effectRef>
+          <a:fontRef idx="minor">
+            <a:schemeClr val="tx1"/>
+          </a:fontRef>
+        </p:style>
+      </p:cxnSp>
+      <p:sp>
+        <p:nvSpPr>
+          <p:cNvPr id="70" name="TextBox 69"/>
+          <p:cNvSpPr txBox="1"/>
+          <p:nvPr/>
+        </p:nvSpPr>
+        <p:spPr>
+          <a:xfrm>
+            <a:off x="2755442" y="1346550"/>
+            <a:ext cx="723275" cy="246221"/>
+          </a:xfrm>
+          <a:prstGeom prst="rect">
+            <a:avLst/>
+          </a:prstGeom>
+          <a:noFill/>
+        </p:spPr>
+        <p:txBody>
+          <a:bodyPr wrap="none" rtlCol="0">
+            <a:spAutoFit/>
+          </a:bodyPr>
+          <a:lstStyle/>
+          <a:p>
+            <a:pPr>
+              <a:buClrTx/>
+              <a:buFontTx/>
+              <a:buNone/>
+            </a:pPr>
+            <a:r>
+              <a:rPr lang="en-IN" sz="1000" kern="1200" dirty="0">
+                <a:ea typeface="+mn-ea"/>
+                <a:cs typeface="+mn-cs"/>
+              </a:rPr>
+              <a:t>Version 2</a:t>
+            </a:r>
+          </a:p>
+        </p:txBody>
+      </p:sp>
+      <p:cxnSp>
+        <p:nvCxnSpPr>
+          <p:cNvPr id="71" name="Straight Connector 70"/>
+          <p:cNvCxnSpPr/>
+          <p:nvPr/>
+        </p:nvCxnSpPr>
+        <p:spPr>
+          <a:xfrm>
+            <a:off x="2572296" y="2232077"/>
+            <a:ext cx="6480720" cy="0"/>
+          </a:xfrm>
+          <a:prstGeom prst="line">
+            <a:avLst/>
+          </a:prstGeom>
+        </p:spPr>
+        <p:style>
+          <a:lnRef idx="1">
+            <a:schemeClr val="accent1"/>
+          </a:lnRef>
+          <a:fillRef idx="0">
+            <a:schemeClr val="accent1"/>
+          </a:fillRef>
+          <a:effectRef idx="0">
+            <a:schemeClr val="accent1"/>
+          </a:effectRef>
+          <a:fontRef idx="minor">
+            <a:schemeClr val="tx1"/>
+          </a:fontRef>
+        </p:style>
+      </p:cxnSp>
+      <p:sp>
+        <p:nvSpPr>
+          <p:cNvPr id="72" name="TextBox 71"/>
+          <p:cNvSpPr txBox="1"/>
+          <p:nvPr/>
+        </p:nvSpPr>
+        <p:spPr>
+          <a:xfrm>
+            <a:off x="2771705" y="2289820"/>
+            <a:ext cx="723275" cy="246221"/>
+          </a:xfrm>
+          <a:prstGeom prst="rect">
+            <a:avLst/>
+          </a:prstGeom>
+          <a:noFill/>
+        </p:spPr>
+        <p:txBody>
+          <a:bodyPr wrap="none" rtlCol="0">
+            <a:spAutoFit/>
+          </a:bodyPr>
+          <a:lstStyle/>
+          <a:p>
+            <a:pPr>
+              <a:buClrTx/>
+              <a:buFontTx/>
+              <a:buNone/>
+            </a:pPr>
+            <a:r>
+              <a:rPr lang="en-IN" sz="1000" kern="1200" dirty="0">
+                <a:ea typeface="+mn-ea"/>
+                <a:cs typeface="+mn-cs"/>
+              </a:rPr>
+              <a:t>Version 3</a:t>
+            </a:r>
+          </a:p>
+        </p:txBody>
+      </p:sp>
+      <p:cxnSp>
+        <p:nvCxnSpPr>
+          <p:cNvPr id="73" name="Straight Connector 72"/>
+          <p:cNvCxnSpPr/>
+          <p:nvPr/>
+        </p:nvCxnSpPr>
+        <p:spPr>
+          <a:xfrm>
+            <a:off x="2572296" y="3257936"/>
+            <a:ext cx="6480720" cy="0"/>
+          </a:xfrm>
+          <a:prstGeom prst="line">
+            <a:avLst/>
+          </a:prstGeom>
+        </p:spPr>
+        <p:style>
+          <a:lnRef idx="1">
+            <a:schemeClr val="accent1"/>
+          </a:lnRef>
+          <a:fillRef idx="0">
+            <a:schemeClr val="accent1"/>
+          </a:fillRef>
+          <a:effectRef idx="0">
+            <a:schemeClr val="accent1"/>
+          </a:effectRef>
+          <a:fontRef idx="minor">
+            <a:schemeClr val="tx1"/>
+          </a:fontRef>
+        </p:style>
+      </p:cxnSp>
+      <p:sp>
+        <p:nvSpPr>
+          <p:cNvPr id="74" name="TextBox 73"/>
+          <p:cNvSpPr txBox="1"/>
+          <p:nvPr/>
+        </p:nvSpPr>
+        <p:spPr>
+          <a:xfrm>
+            <a:off x="2771705" y="3347117"/>
+            <a:ext cx="723275" cy="246221"/>
+          </a:xfrm>
+          <a:prstGeom prst="rect">
+            <a:avLst/>
+          </a:prstGeom>
+          <a:noFill/>
+        </p:spPr>
+        <p:txBody>
+          <a:bodyPr wrap="none" rtlCol="0">
+            <a:spAutoFit/>
+          </a:bodyPr>
+          <a:lstStyle/>
+          <a:p>
+            <a:pPr>
+              <a:buClrTx/>
+              <a:buFontTx/>
+              <a:buNone/>
+            </a:pPr>
+            <a:r>
+              <a:rPr lang="en-IN" sz="1000" kern="1200" dirty="0">
+                <a:ea typeface="+mn-ea"/>
+                <a:cs typeface="+mn-cs"/>
+              </a:rPr>
+              <a:t>Version 4</a:t>
+            </a:r>
+          </a:p>
+        </p:txBody>
+      </p:sp>
+      <p:sp>
+        <p:nvSpPr>
+          <p:cNvPr id="2" name="TextBox 1"/>
+          <p:cNvSpPr txBox="1"/>
+          <p:nvPr/>
+        </p:nvSpPr>
+        <p:spPr>
+          <a:xfrm>
+            <a:off x="2673480" y="4565561"/>
+            <a:ext cx="6194324" cy="577081"/>
+          </a:xfrm>
+          <a:prstGeom prst="rect">
+            <a:avLst/>
+          </a:prstGeom>
+          <a:noFill/>
+        </p:spPr>
+        <p:txBody>
+          <a:bodyPr wrap="none" rtlCol="0">
+            <a:spAutoFit/>
+          </a:bodyPr>
+          <a:lstStyle/>
+          <a:p>
+            <a:r>
+              <a:rPr lang="en-IN" sz="1050" b="1" u="sng" dirty="0"/>
+              <a:t>Note:</a:t>
+            </a:r>
+            <a:r>
+              <a:rPr lang="en-IN" sz="1050" b="1" dirty="0"/>
+              <a:t> </a:t>
+            </a:r>
+            <a:r>
+              <a:rPr lang="en-IN" sz="1050" dirty="0"/>
+              <a:t>For Versions 3&amp;4, partnership with established IT firms for large scale deployment of software </a:t>
+            </a:r>
+          </a:p>
+          <a:p>
+            <a:r>
+              <a:rPr lang="en-IN" sz="1050" dirty="0"/>
+              <a:t>          as well as training.</a:t>
+            </a:r>
+          </a:p>
+          <a:p>
+            <a:endParaRPr lang="en-IN" sz="1050" dirty="0"/>
+          </a:p>
+        </p:txBody>
+      </p:sp>
+    </p:spTree>
+    <p:extLst>
+      <p:ext uri="{BB962C8B-B14F-4D97-AF65-F5344CB8AC3E}">
+        <p14:creationId xmlns:p14="http://schemas.microsoft.com/office/powerpoint/2010/main" val="2142255268"/>
+      </p:ext>
+    </p:extLst>
+  </p:cSld>
+  <p:clrMapOvr>
+    <a:masterClrMapping/>
+  </p:clrMapOvr>
+</p:sld>
+</file>
+
 <file path=ppt/slides/slide9.xml><?xml version="1.0" encoding="utf-8"?>
 <p:sld xmlns:a="http://schemas.openxmlformats.org/drawingml/2006/main" xmlns:r="http://schemas.openxmlformats.org/officeDocument/2006/relationships" xmlns:p="http://schemas.openxmlformats.org/presentationml/2006/main">
   <p:cSld>
@@ -15082,7 +15519,7 @@
             </a:pPr>
             <a:r>
               <a:rPr lang="en-IN" sz="1050" dirty="0"/>
-              <a:t>Mobile phones and desktop computers</a:t>
+              <a:t>Mobile phones and desktop computers with internet connectivity.</a:t>
             </a:r>
           </a:p>
           <a:p>
@@ -15669,7 +16106,7 @@
 </file>
 
 <file path=ppt/theme/theme2.xml><?xml version="1.0" encoding="utf-8"?>
-<a:theme xmlns:a="http://schemas.openxmlformats.org/drawingml/2006/main" name="1_Ulysses template">
+<a:theme xmlns:a="http://schemas.openxmlformats.org/drawingml/2006/main" name="2_Ulysses template">
   <a:themeElements>
     <a:clrScheme name="Custom 347">
       <a:dk1>

--- a/niti aayog.pptx
+++ b/niti aayog.pptx
@@ -6,43 +6,44 @@
     <p:sldMasterId id="2147483667" r:id="rId2"/>
   </p:sldMasterIdLst>
   <p:notesMasterIdLst>
-    <p:notesMasterId r:id="rId13"/>
+    <p:notesMasterId r:id="rId14"/>
   </p:notesMasterIdLst>
   <p:sldIdLst>
     <p:sldId id="256" r:id="rId3"/>
     <p:sldId id="318" r:id="rId4"/>
     <p:sldId id="257" r:id="rId5"/>
-    <p:sldId id="322" r:id="rId6"/>
+    <p:sldId id="304" r:id="rId6"/>
     <p:sldId id="321" r:id="rId7"/>
-    <p:sldId id="327" r:id="rId8"/>
-    <p:sldId id="325" r:id="rId9"/>
-    <p:sldId id="320" r:id="rId10"/>
-    <p:sldId id="319" r:id="rId11"/>
-    <p:sldId id="323" r:id="rId12"/>
+    <p:sldId id="322" r:id="rId8"/>
+    <p:sldId id="327" r:id="rId9"/>
+    <p:sldId id="325" r:id="rId10"/>
+    <p:sldId id="320" r:id="rId11"/>
+    <p:sldId id="319" r:id="rId12"/>
+    <p:sldId id="323" r:id="rId13"/>
   </p:sldIdLst>
   <p:sldSz cx="9144000" cy="5143500" type="screen16x9"/>
   <p:notesSz cx="6858000" cy="9144000"/>
   <p:embeddedFontLst>
     <p:embeddedFont>
       <p:font typeface="Calibri" panose="020F0502020204030204" pitchFamily="34" charset="0"/>
-      <p:regular r:id="rId14"/>
-      <p:bold r:id="rId15"/>
-      <p:italic r:id="rId16"/>
-      <p:boldItalic r:id="rId17"/>
+      <p:regular r:id="rId15"/>
+      <p:bold r:id="rId16"/>
+      <p:italic r:id="rId17"/>
+      <p:boldItalic r:id="rId18"/>
     </p:embeddedFont>
     <p:embeddedFont>
       <p:font typeface="Georgia" panose="02040502050405020303" pitchFamily="18" charset="0"/>
-      <p:regular r:id="rId18"/>
-      <p:bold r:id="rId19"/>
-      <p:italic r:id="rId20"/>
-      <p:boldItalic r:id="rId21"/>
+      <p:regular r:id="rId19"/>
+      <p:bold r:id="rId20"/>
+      <p:italic r:id="rId21"/>
+      <p:boldItalic r:id="rId22"/>
     </p:embeddedFont>
     <p:embeddedFont>
       <p:font typeface="Nunito Sans" panose="020B0604020202020204" charset="0"/>
-      <p:regular r:id="rId22"/>
-      <p:bold r:id="rId23"/>
-      <p:italic r:id="rId24"/>
-      <p:boldItalic r:id="rId25"/>
+      <p:regular r:id="rId23"/>
+      <p:bold r:id="rId24"/>
+      <p:italic r:id="rId25"/>
+      <p:boldItalic r:id="rId26"/>
     </p:embeddedFont>
   </p:embeddedFontLst>
   <p:defaultTextStyle>
@@ -945,6 +946,115 @@
     </p:spTree>
     <p:extLst>
       <p:ext uri="{BB962C8B-B14F-4D97-AF65-F5344CB8AC3E}">
+        <p14:creationId xmlns:p14="http://schemas.microsoft.com/office/powerpoint/2010/main" val="2153172090"/>
+      </p:ext>
+    </p:extLst>
+  </p:cSld>
+  <p:clrMapOvr>
+    <a:masterClrMapping/>
+  </p:clrMapOvr>
+</p:notes>
+</file>
+
+<file path=ppt/notesSlides/notesSlide11.xml><?xml version="1.0" encoding="utf-8"?>
+<p:notes xmlns:a="http://schemas.openxmlformats.org/drawingml/2006/main" xmlns:r="http://schemas.openxmlformats.org/officeDocument/2006/relationships" xmlns:p="http://schemas.openxmlformats.org/presentationml/2006/main" showMasterSp="0" showMasterPhAnim="0">
+  <p:cSld>
+    <p:spTree>
+      <p:nvGrpSpPr>
+        <p:cNvPr id="1" name="Shape 100"/>
+        <p:cNvGrpSpPr/>
+        <p:nvPr/>
+      </p:nvGrpSpPr>
+      <p:grpSpPr>
+        <a:xfrm>
+          <a:off x="0" y="0"/>
+          <a:ext cx="0" cy="0"/>
+          <a:chOff x="0" y="0"/>
+          <a:chExt cx="0" cy="0"/>
+        </a:xfrm>
+      </p:grpSpPr>
+      <p:sp>
+        <p:nvSpPr>
+          <p:cNvPr id="101" name="Shape 101"/>
+          <p:cNvSpPr>
+            <a:spLocks noGrp="1" noRot="1" noChangeAspect="1"/>
+          </p:cNvSpPr>
+          <p:nvPr>
+            <p:ph type="sldImg" idx="2"/>
+          </p:nvPr>
+        </p:nvSpPr>
+        <p:spPr>
+          <a:xfrm>
+            <a:off x="381000" y="685800"/>
+            <a:ext cx="6096000" cy="3429000"/>
+          </a:xfrm>
+          <a:custGeom>
+            <a:avLst/>
+            <a:gdLst/>
+            <a:ahLst/>
+            <a:cxnLst/>
+            <a:rect l="0" t="0" r="0" b="0"/>
+            <a:pathLst>
+              <a:path w="120000" h="120000" extrusionOk="0">
+                <a:moveTo>
+                  <a:pt x="0" y="0"/>
+                </a:moveTo>
+                <a:lnTo>
+                  <a:pt x="120000" y="0"/>
+                </a:lnTo>
+                <a:lnTo>
+                  <a:pt x="120000" y="120000"/>
+                </a:lnTo>
+                <a:lnTo>
+                  <a:pt x="0" y="120000"/>
+                </a:lnTo>
+                <a:close/>
+              </a:path>
+            </a:pathLst>
+          </a:custGeom>
+        </p:spPr>
+      </p:sp>
+      <p:sp>
+        <p:nvSpPr>
+          <p:cNvPr id="102" name="Shape 102"/>
+          <p:cNvSpPr txBox="1">
+            <a:spLocks noGrp="1"/>
+          </p:cNvSpPr>
+          <p:nvPr>
+            <p:ph type="body" idx="1"/>
+          </p:nvPr>
+        </p:nvSpPr>
+        <p:spPr>
+          <a:xfrm>
+            <a:off x="685800" y="4343400"/>
+            <a:ext cx="5486400" cy="4114800"/>
+          </a:xfrm>
+          <a:prstGeom prst="rect">
+            <a:avLst/>
+          </a:prstGeom>
+        </p:spPr>
+        <p:txBody>
+          <a:bodyPr spcFirstLastPara="1" wrap="square" lIns="91425" tIns="91425" rIns="91425" bIns="91425" anchor="t" anchorCtr="0">
+            <a:noAutofit/>
+          </a:bodyPr>
+          <a:lstStyle/>
+          <a:p>
+            <a:pPr marL="0" lvl="0" indent="0">
+              <a:spcBef>
+                <a:spcPts val="0"/>
+              </a:spcBef>
+              <a:spcAft>
+                <a:spcPts val="0"/>
+              </a:spcAft>
+              <a:buNone/>
+            </a:pPr>
+            <a:endParaRPr dirty="0"/>
+          </a:p>
+        </p:txBody>
+      </p:sp>
+    </p:spTree>
+    <p:extLst>
+      <p:ext uri="{BB962C8B-B14F-4D97-AF65-F5344CB8AC3E}">
         <p14:creationId xmlns:p14="http://schemas.microsoft.com/office/powerpoint/2010/main" val="3313095754"/>
       </p:ext>
     </p:extLst>
@@ -1272,7 +1382,7 @@
     </p:spTree>
     <p:extLst>
       <p:ext uri="{BB962C8B-B14F-4D97-AF65-F5344CB8AC3E}">
-        <p14:creationId xmlns:p14="http://schemas.microsoft.com/office/powerpoint/2010/main" val="2153172090"/>
+        <p14:creationId xmlns:p14="http://schemas.microsoft.com/office/powerpoint/2010/main" val="1577207507"/>
       </p:ext>
     </p:extLst>
   </p:cSld>
@@ -1490,7 +1600,7 @@
     </p:spTree>
     <p:extLst>
       <p:ext uri="{BB962C8B-B14F-4D97-AF65-F5344CB8AC3E}">
-        <p14:creationId xmlns:p14="http://schemas.microsoft.com/office/powerpoint/2010/main" val="1341308572"/>
+        <p14:creationId xmlns:p14="http://schemas.microsoft.com/office/powerpoint/2010/main" val="2153172090"/>
       </p:ext>
     </p:extLst>
   </p:cSld>
@@ -1599,7 +1709,7 @@
     </p:spTree>
     <p:extLst>
       <p:ext uri="{BB962C8B-B14F-4D97-AF65-F5344CB8AC3E}">
-        <p14:creationId xmlns:p14="http://schemas.microsoft.com/office/powerpoint/2010/main" val="3565353043"/>
+        <p14:creationId xmlns:p14="http://schemas.microsoft.com/office/powerpoint/2010/main" val="1341308572"/>
       </p:ext>
     </p:extLst>
   </p:cSld>
@@ -1708,7 +1818,7 @@
     </p:spTree>
     <p:extLst>
       <p:ext uri="{BB962C8B-B14F-4D97-AF65-F5344CB8AC3E}">
-        <p14:creationId xmlns:p14="http://schemas.microsoft.com/office/powerpoint/2010/main" val="2153172090"/>
+        <p14:creationId xmlns:p14="http://schemas.microsoft.com/office/powerpoint/2010/main" val="3565353043"/>
       </p:ext>
     </p:extLst>
   </p:cSld>
@@ -8530,8 +8640,8 @@
         </p:nvSpPr>
         <p:spPr>
           <a:xfrm>
-            <a:off x="234450" y="575501"/>
-            <a:ext cx="2046300" cy="915370"/>
+            <a:off x="91952" y="563624"/>
+            <a:ext cx="2485001" cy="817464"/>
           </a:xfrm>
           <a:prstGeom prst="rect">
             <a:avLst/>
@@ -8543,7 +8653,7 @@
           </a:bodyPr>
           <a:lstStyle/>
           <a:p>
-            <a:pPr marL="0" lvl="0" indent="0" algn="just" rtl="0">
+            <a:pPr marL="0" lvl="0" indent="0" rtl="0">
               <a:spcBef>
                 <a:spcPts val="0"/>
               </a:spcBef>
@@ -8554,7 +8664,7 @@
             </a:pPr>
             <a:r>
               <a:rPr lang="en-IN" b="1" dirty="0"/>
-              <a:t>Architecture Diagram</a:t>
+              <a:t>Ease of Implementation</a:t>
             </a:r>
             <a:endParaRPr b="1" dirty="0"/>
           </a:p>
@@ -8597,6 +8707,538 @@
             <a:fld id="{00000000-1234-1234-1234-123412341234}" type="slidenum">
               <a:rPr lang="en"/>
               <a:t>10</a:t>
+            </a:fld>
+            <a:endParaRPr dirty="0"/>
+          </a:p>
+        </p:txBody>
+      </p:sp>
+      <p:sp>
+        <p:nvSpPr>
+          <p:cNvPr id="3" name="Rectangle 2"/>
+          <p:cNvSpPr/>
+          <p:nvPr/>
+        </p:nvSpPr>
+        <p:spPr>
+          <a:xfrm>
+            <a:off x="3022270" y="611580"/>
+            <a:ext cx="5658592" cy="1579418"/>
+          </a:xfrm>
+          <a:prstGeom prst="rect">
+            <a:avLst/>
+          </a:prstGeom>
+          <a:noFill/>
+          <a:ln>
+            <a:solidFill>
+              <a:schemeClr val="bg1">
+                <a:lumMod val="95000"/>
+              </a:schemeClr>
+            </a:solidFill>
+          </a:ln>
+        </p:spPr>
+        <p:style>
+          <a:lnRef idx="2">
+            <a:schemeClr val="accent1">
+              <a:shade val="50000"/>
+            </a:schemeClr>
+          </a:lnRef>
+          <a:fillRef idx="1">
+            <a:schemeClr val="accent1"/>
+          </a:fillRef>
+          <a:effectRef idx="0">
+            <a:schemeClr val="accent1"/>
+          </a:effectRef>
+          <a:fontRef idx="minor">
+            <a:schemeClr val="lt1"/>
+          </a:fontRef>
+        </p:style>
+        <p:txBody>
+          <a:bodyPr rtlCol="0" anchor="ctr"/>
+          <a:lstStyle/>
+          <a:p>
+            <a:pPr algn="ctr"/>
+            <a:endParaRPr lang="en-IN"/>
+          </a:p>
+        </p:txBody>
+      </p:sp>
+      <p:sp>
+        <p:nvSpPr>
+          <p:cNvPr id="4" name="TextBox 3"/>
+          <p:cNvSpPr txBox="1"/>
+          <p:nvPr/>
+        </p:nvSpPr>
+        <p:spPr>
+          <a:xfrm>
+            <a:off x="4792627" y="682653"/>
+            <a:ext cx="2117887" cy="261610"/>
+          </a:xfrm>
+          <a:prstGeom prst="rect">
+            <a:avLst/>
+          </a:prstGeom>
+          <a:noFill/>
+        </p:spPr>
+        <p:txBody>
+          <a:bodyPr wrap="none" rtlCol="0">
+            <a:spAutoFit/>
+          </a:bodyPr>
+          <a:lstStyle/>
+          <a:p>
+            <a:pPr algn="ctr"/>
+            <a:r>
+              <a:rPr lang="en-IN" sz="1100" b="1" dirty="0"/>
+              <a:t>Infrastructural Requirements</a:t>
+            </a:r>
+          </a:p>
+        </p:txBody>
+      </p:sp>
+      <p:sp>
+        <p:nvSpPr>
+          <p:cNvPr id="5" name="TextBox 4"/>
+          <p:cNvSpPr txBox="1"/>
+          <p:nvPr/>
+        </p:nvSpPr>
+        <p:spPr>
+          <a:xfrm>
+            <a:off x="3170719" y="1086661"/>
+            <a:ext cx="5229317" cy="900246"/>
+          </a:xfrm>
+          <a:prstGeom prst="rect">
+            <a:avLst/>
+          </a:prstGeom>
+          <a:noFill/>
+        </p:spPr>
+        <p:txBody>
+          <a:bodyPr wrap="none" rtlCol="0">
+            <a:spAutoFit/>
+          </a:bodyPr>
+          <a:lstStyle/>
+          <a:p>
+            <a:pPr marL="171450" indent="-171450">
+              <a:buFont typeface="Arial" pitchFamily="34" charset="0"/>
+              <a:buChar char="•"/>
+            </a:pPr>
+            <a:r>
+              <a:rPr lang="en-IN" sz="1050" dirty="0"/>
+              <a:t>Virtual Machines(VMs) on any cloud service provider(Azure, AWS)</a:t>
+            </a:r>
+          </a:p>
+          <a:p>
+            <a:pPr marL="171450" indent="-171450">
+              <a:buFont typeface="Arial" pitchFamily="34" charset="0"/>
+              <a:buChar char="•"/>
+            </a:pPr>
+            <a:r>
+              <a:rPr lang="en-IN" sz="1050" dirty="0"/>
+              <a:t>Mobile phones and desktop computers with internet connectivity.</a:t>
+            </a:r>
+          </a:p>
+          <a:p>
+            <a:pPr marL="171450" indent="-171450">
+              <a:buFont typeface="Arial" pitchFamily="34" charset="0"/>
+              <a:buChar char="•"/>
+            </a:pPr>
+            <a:r>
+              <a:rPr lang="en-IN" sz="1050" dirty="0"/>
+              <a:t>IT enable the hospitals – establish network, hardware including bio-metric module</a:t>
+            </a:r>
+          </a:p>
+          <a:p>
+            <a:pPr marL="171450" indent="-171450">
+              <a:buFont typeface="Arial" pitchFamily="34" charset="0"/>
+              <a:buChar char="•"/>
+            </a:pPr>
+            <a:endParaRPr lang="en-IN" sz="1050" dirty="0"/>
+          </a:p>
+          <a:p>
+            <a:pPr marL="171450" indent="-171450">
+              <a:buFont typeface="Arial" pitchFamily="34" charset="0"/>
+              <a:buChar char="•"/>
+            </a:pPr>
+            <a:endParaRPr lang="en-IN" sz="1050" dirty="0"/>
+          </a:p>
+        </p:txBody>
+      </p:sp>
+      <p:sp>
+        <p:nvSpPr>
+          <p:cNvPr id="9" name="Rectangle 8"/>
+          <p:cNvSpPr/>
+          <p:nvPr/>
+        </p:nvSpPr>
+        <p:spPr>
+          <a:xfrm>
+            <a:off x="3022270" y="2557479"/>
+            <a:ext cx="5658592" cy="2394448"/>
+          </a:xfrm>
+          <a:prstGeom prst="rect">
+            <a:avLst/>
+          </a:prstGeom>
+          <a:noFill/>
+          <a:ln>
+            <a:solidFill>
+              <a:schemeClr val="bg1">
+                <a:lumMod val="95000"/>
+              </a:schemeClr>
+            </a:solidFill>
+          </a:ln>
+        </p:spPr>
+        <p:style>
+          <a:lnRef idx="2">
+            <a:schemeClr val="accent1">
+              <a:shade val="50000"/>
+            </a:schemeClr>
+          </a:lnRef>
+          <a:fillRef idx="1">
+            <a:schemeClr val="accent1"/>
+          </a:fillRef>
+          <a:effectRef idx="0">
+            <a:schemeClr val="accent1"/>
+          </a:effectRef>
+          <a:fontRef idx="minor">
+            <a:schemeClr val="lt1"/>
+          </a:fontRef>
+        </p:style>
+        <p:txBody>
+          <a:bodyPr rtlCol="0" anchor="ctr"/>
+          <a:lstStyle/>
+          <a:p>
+            <a:pPr algn="ctr"/>
+            <a:endParaRPr lang="en-IN"/>
+          </a:p>
+        </p:txBody>
+      </p:sp>
+      <p:sp>
+        <p:nvSpPr>
+          <p:cNvPr id="10" name="TextBox 9"/>
+          <p:cNvSpPr txBox="1"/>
+          <p:nvPr/>
+        </p:nvSpPr>
+        <p:spPr>
+          <a:xfrm>
+            <a:off x="5316002" y="2628549"/>
+            <a:ext cx="1071126" cy="261610"/>
+          </a:xfrm>
+          <a:prstGeom prst="rect">
+            <a:avLst/>
+          </a:prstGeom>
+          <a:noFill/>
+        </p:spPr>
+        <p:txBody>
+          <a:bodyPr wrap="none" rtlCol="0">
+            <a:spAutoFit/>
+          </a:bodyPr>
+          <a:lstStyle/>
+          <a:p>
+            <a:pPr algn="ctr"/>
+            <a:r>
+              <a:rPr lang="en-IN" sz="1100" b="1" dirty="0"/>
+              <a:t>Stakeholders</a:t>
+            </a:r>
+          </a:p>
+        </p:txBody>
+      </p:sp>
+      <p:sp>
+        <p:nvSpPr>
+          <p:cNvPr id="12" name="TextBox 11"/>
+          <p:cNvSpPr txBox="1"/>
+          <p:nvPr/>
+        </p:nvSpPr>
+        <p:spPr>
+          <a:xfrm>
+            <a:off x="3170717" y="3032557"/>
+            <a:ext cx="5347939" cy="1708160"/>
+          </a:xfrm>
+          <a:prstGeom prst="rect">
+            <a:avLst/>
+          </a:prstGeom>
+          <a:noFill/>
+        </p:spPr>
+        <p:txBody>
+          <a:bodyPr wrap="none" rtlCol="0">
+            <a:spAutoFit/>
+          </a:bodyPr>
+          <a:lstStyle/>
+          <a:p>
+            <a:pPr marL="171450" indent="-171450">
+              <a:buFont typeface="Arial" pitchFamily="34" charset="0"/>
+              <a:buChar char="•"/>
+            </a:pPr>
+            <a:r>
+              <a:rPr lang="en-IN" sz="1050" dirty="0"/>
+              <a:t>Medical records will be accessed over the </a:t>
+            </a:r>
+            <a:r>
+              <a:rPr lang="en-IN" sz="1050" b="1" dirty="0"/>
+              <a:t>Internet</a:t>
+            </a:r>
+            <a:r>
+              <a:rPr lang="en-IN" sz="1050" dirty="0"/>
+              <a:t> demanding people to be familiar</a:t>
+            </a:r>
+          </a:p>
+          <a:p>
+            <a:r>
+              <a:rPr lang="en-IN" sz="1050" dirty="0"/>
+              <a:t>     with internet.</a:t>
+            </a:r>
+          </a:p>
+          <a:p>
+            <a:pPr marL="171450" indent="-171450">
+              <a:buFont typeface="Arial" pitchFamily="34" charset="0"/>
+              <a:buChar char="•"/>
+            </a:pPr>
+            <a:r>
+              <a:rPr lang="en-IN" sz="1050" dirty="0"/>
+              <a:t>People with internet access can avail the services </a:t>
+            </a:r>
+            <a:r>
+              <a:rPr lang="en-IN" sz="1050" b="1" dirty="0"/>
+              <a:t>using web application</a:t>
+            </a:r>
+            <a:r>
+              <a:rPr lang="en-IN" sz="1050" dirty="0"/>
+              <a:t>.</a:t>
+            </a:r>
+          </a:p>
+          <a:p>
+            <a:pPr marL="171450" indent="-171450">
+              <a:buFont typeface="Arial" pitchFamily="34" charset="0"/>
+              <a:buChar char="•"/>
+            </a:pPr>
+            <a:r>
+              <a:rPr lang="en-IN" sz="1050" dirty="0"/>
+              <a:t>People without internet access can visit the nearby hospital and avail the service</a:t>
+            </a:r>
+          </a:p>
+          <a:p>
+            <a:r>
+              <a:rPr lang="en-IN" sz="1050" dirty="0"/>
+              <a:t>     (</a:t>
+            </a:r>
+            <a:r>
+              <a:rPr lang="en-IN" sz="1050" b="1" dirty="0"/>
+              <a:t>using bio-metric authentication</a:t>
+            </a:r>
+            <a:r>
+              <a:rPr lang="en-IN" sz="1050" dirty="0"/>
+              <a:t>).</a:t>
+            </a:r>
+          </a:p>
+          <a:p>
+            <a:pPr marL="171450" indent="-171450">
+              <a:buFont typeface="Arial" pitchFamily="34" charset="0"/>
+              <a:buChar char="•"/>
+            </a:pPr>
+            <a:r>
+              <a:rPr lang="en-IN" sz="1050" dirty="0"/>
+              <a:t>For hospitals, shifting from their </a:t>
+            </a:r>
+            <a:r>
+              <a:rPr lang="en-IN" sz="1050" b="1" dirty="0"/>
+              <a:t>traditional/current</a:t>
+            </a:r>
+            <a:r>
+              <a:rPr lang="en-IN" sz="1050" dirty="0"/>
+              <a:t> system to </a:t>
+            </a:r>
+            <a:r>
+              <a:rPr lang="en-IN" sz="1050" b="1" dirty="0"/>
+              <a:t>blockchain based </a:t>
+            </a:r>
+          </a:p>
+          <a:p>
+            <a:r>
+              <a:rPr lang="en-IN" sz="1050" b="1" dirty="0"/>
+              <a:t>     scheme </a:t>
+            </a:r>
+            <a:r>
+              <a:rPr lang="en-IN" sz="1050" dirty="0"/>
+              <a:t>might be challenging but the </a:t>
+            </a:r>
+            <a:r>
+              <a:rPr lang="en-IN" sz="1050" b="1" dirty="0"/>
+              <a:t>future</a:t>
+            </a:r>
+            <a:r>
+              <a:rPr lang="en-IN" sz="1050" dirty="0"/>
+              <a:t> outcome would be </a:t>
+            </a:r>
+            <a:r>
+              <a:rPr lang="en-IN" sz="1050" b="1" dirty="0"/>
+              <a:t>highly beneficial</a:t>
+            </a:r>
+            <a:r>
+              <a:rPr lang="en-IN" sz="1050" dirty="0"/>
+              <a:t>.</a:t>
+            </a:r>
+          </a:p>
+          <a:p>
+            <a:pPr marL="171450" indent="-171450">
+              <a:buFont typeface="Arial" pitchFamily="34" charset="0"/>
+              <a:buChar char="•"/>
+            </a:pPr>
+            <a:r>
+              <a:rPr lang="en-IN" sz="1050" b="1" dirty="0"/>
+              <a:t>Partnership</a:t>
+            </a:r>
+            <a:r>
+              <a:rPr lang="en-IN" sz="1050" dirty="0"/>
+              <a:t> with </a:t>
+            </a:r>
+            <a:r>
+              <a:rPr lang="en-IN" sz="1050" b="1" dirty="0"/>
+              <a:t>MNCs</a:t>
+            </a:r>
+            <a:r>
+              <a:rPr lang="en-IN" sz="1050" dirty="0"/>
+              <a:t> for large scale </a:t>
+            </a:r>
+            <a:r>
+              <a:rPr lang="en-IN" sz="1050" b="1" dirty="0"/>
+              <a:t>deployment</a:t>
+            </a:r>
+            <a:r>
+              <a:rPr lang="en-IN" sz="1050" dirty="0"/>
+              <a:t> of software as well as </a:t>
+            </a:r>
+            <a:r>
+              <a:rPr lang="en-IN" sz="1050" b="1" dirty="0"/>
+              <a:t>training</a:t>
+            </a:r>
+            <a:r>
+              <a:rPr lang="en-IN" sz="1050" dirty="0"/>
+              <a:t>.</a:t>
+            </a:r>
+          </a:p>
+          <a:p>
+            <a:endParaRPr lang="en-IN" sz="1050" dirty="0"/>
+          </a:p>
+          <a:p>
+            <a:pPr marL="171450" indent="-171450">
+              <a:buFont typeface="Arial" pitchFamily="34" charset="0"/>
+              <a:buChar char="•"/>
+            </a:pPr>
+            <a:endParaRPr lang="en-IN" sz="1050" dirty="0"/>
+          </a:p>
+        </p:txBody>
+      </p:sp>
+    </p:spTree>
+    <p:extLst>
+      <p:ext uri="{BB962C8B-B14F-4D97-AF65-F5344CB8AC3E}">
+        <p14:creationId xmlns:p14="http://schemas.microsoft.com/office/powerpoint/2010/main" val="3992344039"/>
+      </p:ext>
+    </p:extLst>
+  </p:cSld>
+  <p:clrMapOvr>
+    <a:masterClrMapping/>
+  </p:clrMapOvr>
+</p:sld>
+</file>
+
+<file path=ppt/slides/slide11.xml><?xml version="1.0" encoding="utf-8"?>
+<p:sld xmlns:a="http://schemas.openxmlformats.org/drawingml/2006/main" xmlns:r="http://schemas.openxmlformats.org/officeDocument/2006/relationships" xmlns:p="http://schemas.openxmlformats.org/presentationml/2006/main">
+  <p:cSld>
+    <p:bg>
+      <p:bgPr>
+        <a:solidFill>
+          <a:schemeClr val="accent1">
+            <a:lumMod val="75000"/>
+          </a:schemeClr>
+        </a:solidFill>
+        <a:effectLst/>
+      </p:bgPr>
+    </p:bg>
+    <p:spTree>
+      <p:nvGrpSpPr>
+        <p:cNvPr id="1" name="Shape 103"/>
+        <p:cNvGrpSpPr/>
+        <p:nvPr/>
+      </p:nvGrpSpPr>
+      <p:grpSpPr>
+        <a:xfrm>
+          <a:off x="0" y="0"/>
+          <a:ext cx="0" cy="0"/>
+          <a:chOff x="0" y="0"/>
+          <a:chExt cx="0" cy="0"/>
+        </a:xfrm>
+      </p:grpSpPr>
+      <p:sp>
+        <p:nvSpPr>
+          <p:cNvPr id="104" name="Shape 104"/>
+          <p:cNvSpPr txBox="1">
+            <a:spLocks noGrp="1"/>
+          </p:cNvSpPr>
+          <p:nvPr>
+            <p:ph type="title"/>
+          </p:nvPr>
+        </p:nvSpPr>
+        <p:spPr>
+          <a:xfrm>
+            <a:off x="234450" y="575501"/>
+            <a:ext cx="2046300" cy="915370"/>
+          </a:xfrm>
+          <a:prstGeom prst="rect">
+            <a:avLst/>
+          </a:prstGeom>
+        </p:spPr>
+        <p:txBody>
+          <a:bodyPr spcFirstLastPara="1" wrap="square" lIns="91425" tIns="91425" rIns="91425" bIns="91425" anchor="t" anchorCtr="0">
+            <a:noAutofit/>
+          </a:bodyPr>
+          <a:lstStyle/>
+          <a:p>
+            <a:pPr marL="0" lvl="0" indent="0" algn="just" rtl="0">
+              <a:spcBef>
+                <a:spcPts val="0"/>
+              </a:spcBef>
+              <a:spcAft>
+                <a:spcPts val="0"/>
+              </a:spcAft>
+              <a:buNone/>
+            </a:pPr>
+            <a:r>
+              <a:rPr lang="en-IN" b="1" dirty="0"/>
+              <a:t>Architecture Diagram</a:t>
+            </a:r>
+            <a:endParaRPr b="1" dirty="0"/>
+          </a:p>
+        </p:txBody>
+      </p:sp>
+      <p:sp>
+        <p:nvSpPr>
+          <p:cNvPr id="107" name="Shape 107"/>
+          <p:cNvSpPr txBox="1">
+            <a:spLocks noGrp="1"/>
+          </p:cNvSpPr>
+          <p:nvPr>
+            <p:ph type="sldNum" idx="12"/>
+          </p:nvPr>
+        </p:nvSpPr>
+        <p:spPr>
+          <a:xfrm>
+            <a:off x="8556784" y="4749851"/>
+            <a:ext cx="548700" cy="393600"/>
+          </a:xfrm>
+          <a:prstGeom prst="rect">
+            <a:avLst/>
+          </a:prstGeom>
+        </p:spPr>
+        <p:txBody>
+          <a:bodyPr spcFirstLastPara="1" wrap="square" lIns="91425" tIns="91425" rIns="91425" bIns="91425" anchor="ctr" anchorCtr="0">
+            <a:noAutofit/>
+          </a:bodyPr>
+          <a:lstStyle/>
+          <a:p>
+            <a:pPr marL="0" lvl="0" indent="0">
+              <a:spcBef>
+                <a:spcPts val="0"/>
+              </a:spcBef>
+              <a:spcAft>
+                <a:spcPts val="0"/>
+              </a:spcAft>
+              <a:buNone/>
+            </a:pPr>
+            <a:fld id="{00000000-1234-1234-1234-123412341234}" type="slidenum">
+              <a:rPr lang="en"/>
+              <a:t>11</a:t>
             </a:fld>
             <a:endParaRPr dirty="0"/>
           </a:p>
@@ -10418,47 +11060,7 @@
                   </a:schemeClr>
                 </a:solidFill>
               </a:rPr>
-              <a:t>Lack of an EHR system results in reduced interoperability between departments of the </a:t>
-            </a:r>
-            <a:r>
-              <a:rPr lang="en-IN">
-                <a:solidFill>
-                  <a:schemeClr val="accent1">
-                    <a:lumMod val="75000"/>
-                  </a:schemeClr>
-                </a:solidFill>
-              </a:rPr>
-              <a:t>same hospital </a:t>
-            </a:r>
-            <a:r>
-              <a:rPr lang="en-IN" dirty="0">
-                <a:solidFill>
-                  <a:schemeClr val="accent1">
-                    <a:lumMod val="75000"/>
-                  </a:schemeClr>
-                </a:solidFill>
-              </a:rPr>
-              <a:t>as well as </a:t>
-            </a:r>
-            <a:r>
-              <a:rPr lang="en-IN">
-                <a:solidFill>
-                  <a:schemeClr val="accent1">
-                    <a:lumMod val="75000"/>
-                  </a:schemeClr>
-                </a:solidFill>
-              </a:rPr>
-              <a:t>other hospitals </a:t>
-            </a:r>
-            <a:r>
-              <a:rPr lang="en-IN" dirty="0">
-                <a:solidFill>
-                  <a:schemeClr val="accent1">
-                    <a:lumMod val="75000"/>
-                  </a:schemeClr>
-                </a:solidFill>
-              </a:rPr>
-              <a:t>which leads to the same problems mentioned above.</a:t>
+              <a:t>Lack of an EHR system results in reduced interoperability between departments of the same hospital as well as other hospitals which leads to the same problems mentioned above.</a:t>
             </a:r>
           </a:p>
           <a:p>
@@ -10682,7 +11284,7 @@
         <p:spPr>
           <a:xfrm>
             <a:off x="234450" y="575500"/>
-            <a:ext cx="2046300" cy="817464"/>
+            <a:ext cx="2046300" cy="580638"/>
           </a:xfrm>
           <a:prstGeom prst="rect">
             <a:avLst/>
@@ -10704,8 +11306,8 @@
               <a:buNone/>
             </a:pPr>
             <a:r>
-              <a:rPr lang="en-IN" b="1" dirty="0"/>
-              <a:t>Relevance in Smart City</a:t>
+              <a:rPr lang="en-US" b="1" dirty="0"/>
+              <a:t>Solution Overview</a:t>
             </a:r>
             <a:endParaRPr b="1" dirty="0"/>
           </a:p>
@@ -10736,10 +11338,1155 @@
           </a:bodyPr>
           <a:lstStyle/>
           <a:p>
+            <a:pPr marL="0" marR="0" lvl="0" indent="0" algn="r" defTabSz="914400" rtl="0" eaLnBrk="1" fontAlgn="auto" latinLnBrk="0" hangingPunct="1">
+              <a:lnSpc>
+                <a:spcPct val="100000"/>
+              </a:lnSpc>
+              <a:spcBef>
+                <a:spcPts val="0"/>
+              </a:spcBef>
+              <a:spcAft>
+                <a:spcPts val="0"/>
+              </a:spcAft>
+              <a:buClr>
+                <a:srgbClr val="000000"/>
+              </a:buClr>
+              <a:buSzTx/>
+              <a:buFont typeface="Arial"/>
+              <a:buNone/>
+              <a:tabLst/>
+              <a:defRPr/>
+            </a:pPr>
+            <a:fld id="{00000000-1234-1234-1234-123412341234}" type="slidenum">
+              <a:rPr kumimoji="0" lang="en" sz="1000" b="0" i="0" u="none" strike="noStrike" kern="0" cap="none" spc="0" normalizeH="0" baseline="0" noProof="0">
+                <a:ln>
+                  <a:noFill/>
+                </a:ln>
+                <a:solidFill>
+                  <a:srgbClr val="CCCCCC"/>
+                </a:solidFill>
+                <a:effectLst/>
+                <a:uLnTx/>
+                <a:uFillTx/>
+                <a:latin typeface="Nunito Sans"/>
+                <a:sym typeface="Nunito Sans"/>
+              </a:rPr>
+              <a:pPr marL="0" marR="0" lvl="0" indent="0" algn="r" defTabSz="914400" rtl="0" eaLnBrk="1" fontAlgn="auto" latinLnBrk="0" hangingPunct="1">
+                <a:lnSpc>
+                  <a:spcPct val="100000"/>
+                </a:lnSpc>
+                <a:spcBef>
+                  <a:spcPts val="0"/>
+                </a:spcBef>
+                <a:spcAft>
+                  <a:spcPts val="0"/>
+                </a:spcAft>
+                <a:buClr>
+                  <a:srgbClr val="000000"/>
+                </a:buClr>
+                <a:buSzTx/>
+                <a:buFont typeface="Arial"/>
+                <a:buNone/>
+                <a:tabLst/>
+                <a:defRPr/>
+              </a:pPr>
+              <a:t>4</a:t>
+            </a:fld>
+            <a:endParaRPr kumimoji="0" sz="1000" b="0" i="0" u="none" strike="noStrike" kern="0" cap="none" spc="0" normalizeH="0" baseline="0" noProof="0" dirty="0">
+              <a:ln>
+                <a:noFill/>
+              </a:ln>
+              <a:solidFill>
+                <a:srgbClr val="CCCCCC"/>
+              </a:solidFill>
+              <a:effectLst/>
+              <a:uLnTx/>
+              <a:uFillTx/>
+              <a:latin typeface="Nunito Sans"/>
+              <a:sym typeface="Nunito Sans"/>
+            </a:endParaRPr>
+          </a:p>
+        </p:txBody>
+      </p:sp>
+      <p:sp>
+        <p:nvSpPr>
+          <p:cNvPr id="11" name="Shape 114">
+            <a:extLst>
+              <a:ext uri="{FF2B5EF4-FFF2-40B4-BE49-F238E27FC236}">
+                <a16:creationId xmlns:a16="http://schemas.microsoft.com/office/drawing/2014/main" id="{1D3C8554-FECA-4592-9592-A1CD9D928A40}"/>
+              </a:ext>
+            </a:extLst>
+          </p:cNvPr>
+          <p:cNvSpPr txBox="1">
+            <a:spLocks noGrp="1"/>
+          </p:cNvSpPr>
+          <p:nvPr>
+            <p:ph type="body" idx="1"/>
+          </p:nvPr>
+        </p:nvSpPr>
+        <p:spPr>
+          <a:xfrm>
+            <a:off x="2679403" y="195424"/>
+            <a:ext cx="6029350" cy="4453487"/>
+          </a:xfrm>
+          <a:prstGeom prst="rect">
+            <a:avLst/>
+          </a:prstGeom>
+        </p:spPr>
+        <p:txBody>
+          <a:bodyPr spcFirstLastPara="1" wrap="square" lIns="91425" tIns="91425" rIns="91425" bIns="91425" anchor="t" anchorCtr="0">
+            <a:noAutofit/>
+          </a:bodyPr>
+          <a:lstStyle/>
+          <a:p>
+            <a:r>
+              <a:rPr lang="en-IN" sz="1100" i="0" dirty="0">
+                <a:solidFill>
+                  <a:schemeClr val="tx1"/>
+                </a:solidFill>
+                <a:latin typeface="Nunito Sans" panose="020B0604020202020204" charset="0"/>
+                <a:ea typeface="Calibri" panose="020F0502020204030204" pitchFamily="34" charset="0"/>
+                <a:cs typeface="Times New Roman" panose="02020603050405020304" pitchFamily="18" charset="0"/>
+              </a:rPr>
+              <a:t>The system we propose makes it possible to store medical records on a public blockchain that cannot be manipulated unless patients give permission explicitly.</a:t>
+            </a:r>
+            <a:endParaRPr lang="en-US" sz="1100" i="0" dirty="0">
+              <a:solidFill>
+                <a:schemeClr val="tx1"/>
+              </a:solidFill>
+              <a:latin typeface="Nunito Sans" panose="020B0604020202020204" charset="0"/>
+              <a:cs typeface="Times New Roman" panose="02020603050405020304" pitchFamily="18" charset="0"/>
+            </a:endParaRPr>
+          </a:p>
+          <a:p>
+            <a:pPr algn="just"/>
+            <a:r>
+              <a:rPr lang="en-IN" sz="1100" i="0" dirty="0">
+                <a:solidFill>
+                  <a:schemeClr val="tx1"/>
+                </a:solidFill>
+                <a:latin typeface="Nunito Sans" panose="020B0604020202020204" charset="0"/>
+              </a:rPr>
+              <a:t>Everyone on the network — the patients, the doctors, the insurance companies, the pharmacists first establishes  identity</a:t>
+            </a:r>
+            <a:endParaRPr lang="en-US" sz="1100" i="0" dirty="0">
+              <a:solidFill>
+                <a:schemeClr val="tx1"/>
+              </a:solidFill>
+              <a:latin typeface="Nunito Sans" panose="020B0604020202020204" charset="0"/>
+              <a:cs typeface="Times New Roman" panose="02020603050405020304" pitchFamily="18" charset="0"/>
+            </a:endParaRPr>
+          </a:p>
+          <a:p>
+            <a:pPr algn="just"/>
+            <a:r>
+              <a:rPr lang="en-IN" sz="1100" i="0" dirty="0">
+                <a:solidFill>
+                  <a:schemeClr val="tx1"/>
+                </a:solidFill>
+                <a:latin typeface="Nunito Sans" panose="020B0604020202020204" charset="0"/>
+                <a:ea typeface="Calibri" panose="020F0502020204030204" pitchFamily="34" charset="0"/>
+              </a:rPr>
+              <a:t>Whenever the patient goes to a hospital he provides authentication.</a:t>
+            </a:r>
+            <a:endParaRPr lang="en-US" sz="1100" i="0" dirty="0">
+              <a:solidFill>
+                <a:schemeClr val="tx1"/>
+              </a:solidFill>
+              <a:latin typeface="Nunito Sans" panose="020B0604020202020204" charset="0"/>
+              <a:cs typeface="Times New Roman" panose="02020603050405020304" pitchFamily="18" charset="0"/>
+            </a:endParaRPr>
+          </a:p>
+          <a:p>
+            <a:pPr algn="just"/>
+            <a:r>
+              <a:rPr lang="en-IN" sz="1100" i="0" dirty="0">
+                <a:solidFill>
+                  <a:schemeClr val="tx1"/>
+                </a:solidFill>
+                <a:latin typeface="Nunito Sans" panose="020B0604020202020204" charset="0"/>
+              </a:rPr>
+              <a:t>After check up, medical records are uploaded on the network . Records are encrypted using the public key of the patient before uploading.</a:t>
+            </a:r>
+          </a:p>
+          <a:p>
+            <a:pPr algn="just"/>
+            <a:r>
+              <a:rPr lang="en-IN" sz="1100" i="0" dirty="0">
+                <a:solidFill>
+                  <a:schemeClr val="tx1"/>
+                </a:solidFill>
+                <a:latin typeface="Nunito Sans" panose="020B0604020202020204" charset="0"/>
+              </a:rPr>
+              <a:t>The network would be running as a Proof of Authority (</a:t>
+            </a:r>
+            <a:r>
+              <a:rPr lang="en-IN" sz="1100" i="0" dirty="0" err="1">
+                <a:solidFill>
+                  <a:schemeClr val="tx1"/>
+                </a:solidFill>
+                <a:latin typeface="Nunito Sans" panose="020B0604020202020204" charset="0"/>
+              </a:rPr>
+              <a:t>PoA</a:t>
+            </a:r>
+            <a:r>
+              <a:rPr lang="en-IN" sz="1100" i="0" dirty="0">
+                <a:solidFill>
+                  <a:schemeClr val="tx1"/>
+                </a:solidFill>
+                <a:latin typeface="Nunito Sans" panose="020B0604020202020204" charset="0"/>
+              </a:rPr>
+              <a:t>) chain. It uses a set of “authorities” - nodes that are explicitly allowed to create new blocks and secure the blockchain. The chain has to be signed off by the majority of authorities, in which case it becomes a part of the permanent record. All hospitals in the system would act as authorities</a:t>
+            </a:r>
+          </a:p>
+          <a:p>
+            <a:pPr algn="just"/>
+            <a:r>
+              <a:rPr lang="en-IN" sz="1100" i="0" dirty="0">
+                <a:solidFill>
+                  <a:schemeClr val="tx1"/>
+                </a:solidFill>
+                <a:latin typeface="Nunito Sans" panose="020B0604020202020204" charset="0"/>
+              </a:rPr>
+              <a:t>Every request to access records and every request granted are recorded as transactions in the blockchain network.</a:t>
+            </a:r>
+          </a:p>
+          <a:p>
+            <a:pPr algn="just"/>
+            <a:r>
+              <a:rPr lang="en-IN" sz="1100" i="0" dirty="0">
+                <a:solidFill>
+                  <a:schemeClr val="tx1"/>
+                </a:solidFill>
+                <a:latin typeface="Nunito Sans" panose="020B0604020202020204" charset="0"/>
+              </a:rPr>
+              <a:t>Due to large data, network may be overloaded .So the records are stored on a decentralized file system IPFS which ensures that there is no single point of failure and redundancy.</a:t>
+            </a:r>
+          </a:p>
+          <a:p>
+            <a:r>
+              <a:rPr lang="en-IN" sz="1100" i="0" dirty="0">
+                <a:solidFill>
+                  <a:schemeClr val="tx1"/>
+                </a:solidFill>
+                <a:latin typeface="Nunito Sans" panose="020B0604020202020204" charset="0"/>
+              </a:rPr>
+              <a:t>Having a system leads to cutting down on costs, labour and a staff that can focus on improving the quality of service offered and help improve the state of healthcare in India</a:t>
+            </a:r>
+          </a:p>
+          <a:p>
+            <a:pPr algn="just"/>
+            <a:endParaRPr lang="en-US" sz="1100" i="0" dirty="0">
+              <a:solidFill>
+                <a:schemeClr val="tx1"/>
+              </a:solidFill>
+              <a:cs typeface="Times New Roman" panose="02020603050405020304" pitchFamily="18" charset="0"/>
+            </a:endParaRPr>
+          </a:p>
+          <a:p>
+            <a:pPr algn="just"/>
+            <a:endParaRPr lang="en-US" sz="1100" i="0" dirty="0">
+              <a:solidFill>
+                <a:schemeClr val="tx1"/>
+              </a:solidFill>
+              <a:latin typeface="Nunito Sans" panose="020B0604020202020204" charset="0"/>
+              <a:cs typeface="Times New Roman" panose="02020603050405020304" pitchFamily="18" charset="0"/>
+            </a:endParaRPr>
+          </a:p>
+        </p:txBody>
+      </p:sp>
+    </p:spTree>
+    <p:extLst>
+      <p:ext uri="{BB962C8B-B14F-4D97-AF65-F5344CB8AC3E}">
+        <p14:creationId xmlns:p14="http://schemas.microsoft.com/office/powerpoint/2010/main" val="1005223877"/>
+      </p:ext>
+    </p:extLst>
+  </p:cSld>
+  <p:clrMapOvr>
+    <a:masterClrMapping/>
+  </p:clrMapOvr>
+</p:sld>
+</file>
+
+<file path=ppt/slides/slide5.xml><?xml version="1.0" encoding="utf-8"?>
+<p:sld xmlns:a="http://schemas.openxmlformats.org/drawingml/2006/main" xmlns:r="http://schemas.openxmlformats.org/officeDocument/2006/relationships" xmlns:p="http://schemas.openxmlformats.org/presentationml/2006/main">
+  <p:cSld>
+    <p:bg>
+      <p:bgPr>
+        <a:solidFill>
+          <a:schemeClr val="accent1">
+            <a:lumMod val="75000"/>
+          </a:schemeClr>
+        </a:solidFill>
+        <a:effectLst/>
+      </p:bgPr>
+    </p:bg>
+    <p:spTree>
+      <p:nvGrpSpPr>
+        <p:cNvPr id="1" name="Shape 103"/>
+        <p:cNvGrpSpPr/>
+        <p:nvPr/>
+      </p:nvGrpSpPr>
+      <p:grpSpPr>
+        <a:xfrm>
+          <a:off x="0" y="0"/>
+          <a:ext cx="0" cy="0"/>
+          <a:chOff x="0" y="0"/>
+          <a:chExt cx="0" cy="0"/>
+        </a:xfrm>
+      </p:grpSpPr>
+      <p:sp>
+        <p:nvSpPr>
+          <p:cNvPr id="107" name="Shape 107"/>
+          <p:cNvSpPr txBox="1">
+            <a:spLocks noGrp="1"/>
+          </p:cNvSpPr>
+          <p:nvPr>
+            <p:ph type="sldNum" idx="12"/>
+          </p:nvPr>
+        </p:nvSpPr>
+        <p:spPr>
+          <a:xfrm>
+            <a:off x="8556784" y="4749851"/>
+            <a:ext cx="548700" cy="393600"/>
+          </a:xfrm>
+          <a:prstGeom prst="rect">
+            <a:avLst/>
+          </a:prstGeom>
+        </p:spPr>
+        <p:txBody>
+          <a:bodyPr spcFirstLastPara="1" wrap="square" lIns="91425" tIns="91425" rIns="91425" bIns="91425" anchor="ctr" anchorCtr="0">
+            <a:noAutofit/>
+          </a:bodyPr>
+          <a:lstStyle/>
+          <a:p>
+            <a:pPr>
+              <a:defRPr/>
+            </a:pPr>
+            <a:fld id="{00000000-1234-1234-1234-123412341234}" type="slidenum">
+              <a:rPr lang="en"/>
+              <a:pPr>
+                <a:defRPr/>
+              </a:pPr>
+              <a:t>5</a:t>
+            </a:fld>
+            <a:endParaRPr dirty="0"/>
+          </a:p>
+        </p:txBody>
+      </p:sp>
+      <p:sp>
+        <p:nvSpPr>
+          <p:cNvPr id="4" name="Rectangle 3">
+            <a:extLst>
+              <a:ext uri="{FF2B5EF4-FFF2-40B4-BE49-F238E27FC236}">
+                <a16:creationId xmlns:a16="http://schemas.microsoft.com/office/drawing/2014/main" id="{73975F41-C02D-4F7A-B534-F50F4D1254D9}"/>
+              </a:ext>
+            </a:extLst>
+          </p:cNvPr>
+          <p:cNvSpPr/>
+          <p:nvPr/>
+        </p:nvSpPr>
+        <p:spPr>
+          <a:xfrm>
+            <a:off x="3067943" y="210067"/>
+            <a:ext cx="3888771" cy="1100210"/>
+          </a:xfrm>
+          <a:prstGeom prst="rect">
+            <a:avLst/>
+          </a:prstGeom>
+          <a:solidFill>
+            <a:schemeClr val="bg1"/>
+          </a:solidFill>
+        </p:spPr>
+        <p:style>
+          <a:lnRef idx="2">
+            <a:schemeClr val="accent1">
+              <a:shade val="50000"/>
+            </a:schemeClr>
+          </a:lnRef>
+          <a:fillRef idx="1">
+            <a:schemeClr val="accent1"/>
+          </a:fillRef>
+          <a:effectRef idx="0">
+            <a:schemeClr val="accent1"/>
+          </a:effectRef>
+          <a:fontRef idx="minor">
+            <a:schemeClr val="lt1"/>
+          </a:fontRef>
+        </p:style>
+        <p:txBody>
+          <a:bodyPr rtlCol="0" anchor="ctr"/>
+          <a:lstStyle/>
+          <a:p>
+            <a:r>
+              <a:rPr lang="en-IN" b="1" dirty="0">
+                <a:solidFill>
+                  <a:srgbClr val="000000"/>
+                </a:solidFill>
+              </a:rPr>
+              <a:t>Hospitals/Mobile Clinics</a:t>
+            </a:r>
+          </a:p>
+          <a:p>
+            <a:pPr marL="171450" indent="-171450">
+              <a:buFont typeface="Arial" pitchFamily="34" charset="0"/>
+              <a:buChar char="•"/>
+            </a:pPr>
+            <a:r>
+              <a:rPr lang="en-US" sz="1100" dirty="0">
+                <a:solidFill>
+                  <a:srgbClr val="000000"/>
+                </a:solidFill>
+              </a:rPr>
+              <a:t>Track medical history of patient</a:t>
+            </a:r>
+          </a:p>
+          <a:p>
+            <a:pPr marL="171450" indent="-171450">
+              <a:buFont typeface="Arial" pitchFamily="34" charset="0"/>
+              <a:buChar char="•"/>
+            </a:pPr>
+            <a:r>
+              <a:rPr lang="en-US" sz="1100" dirty="0">
+                <a:solidFill>
+                  <a:srgbClr val="000000"/>
+                </a:solidFill>
+              </a:rPr>
+              <a:t>Achieve structural interoperability</a:t>
+            </a:r>
+          </a:p>
+          <a:p>
+            <a:pPr marL="171450" indent="-171450">
+              <a:buFont typeface="Arial" pitchFamily="34" charset="0"/>
+              <a:buChar char="•"/>
+            </a:pPr>
+            <a:r>
+              <a:rPr lang="en-US" sz="1100" dirty="0">
+                <a:solidFill>
+                  <a:srgbClr val="000000"/>
+                </a:solidFill>
+              </a:rPr>
+              <a:t>Ease of record access</a:t>
+            </a:r>
+          </a:p>
+          <a:p>
+            <a:pPr marL="171450" indent="-171450">
+              <a:buFont typeface="Arial" pitchFamily="34" charset="0"/>
+              <a:buChar char="•"/>
+            </a:pPr>
+            <a:r>
+              <a:rPr lang="en-US" sz="1100" dirty="0">
+                <a:solidFill>
+                  <a:srgbClr val="000000"/>
+                </a:solidFill>
+              </a:rPr>
+              <a:t>Real-time record uploading</a:t>
+            </a:r>
+          </a:p>
+          <a:p>
+            <a:pPr marL="171450" indent="-171450">
+              <a:buFont typeface="Arial" pitchFamily="34" charset="0"/>
+              <a:buChar char="•"/>
+            </a:pPr>
+            <a:r>
+              <a:rPr lang="en-US" sz="1100" dirty="0">
+                <a:solidFill>
+                  <a:srgbClr val="000000"/>
+                </a:solidFill>
+              </a:rPr>
+              <a:t>Improve delivery of services</a:t>
+            </a:r>
+          </a:p>
+        </p:txBody>
+      </p:sp>
+      <p:sp>
+        <p:nvSpPr>
+          <p:cNvPr id="8" name="Rectangle 7">
+            <a:extLst>
+              <a:ext uri="{FF2B5EF4-FFF2-40B4-BE49-F238E27FC236}">
+                <a16:creationId xmlns:a16="http://schemas.microsoft.com/office/drawing/2014/main" id="{587713AA-9CBD-4BD7-A8A4-7B621B110039}"/>
+              </a:ext>
+            </a:extLst>
+          </p:cNvPr>
+          <p:cNvSpPr/>
+          <p:nvPr/>
+        </p:nvSpPr>
+        <p:spPr>
+          <a:xfrm>
+            <a:off x="4427985" y="1432997"/>
+            <a:ext cx="3737464" cy="1016949"/>
+          </a:xfrm>
+          <a:prstGeom prst="rect">
+            <a:avLst/>
+          </a:prstGeom>
+          <a:solidFill>
+            <a:schemeClr val="bg1"/>
+          </a:solidFill>
+        </p:spPr>
+        <p:style>
+          <a:lnRef idx="2">
+            <a:schemeClr val="accent1">
+              <a:shade val="50000"/>
+            </a:schemeClr>
+          </a:lnRef>
+          <a:fillRef idx="1">
+            <a:schemeClr val="accent1"/>
+          </a:fillRef>
+          <a:effectRef idx="0">
+            <a:schemeClr val="accent1"/>
+          </a:effectRef>
+          <a:fontRef idx="minor">
+            <a:schemeClr val="lt1"/>
+          </a:fontRef>
+        </p:style>
+        <p:txBody>
+          <a:bodyPr rtlCol="0" anchor="ctr"/>
+          <a:lstStyle/>
+          <a:p>
+            <a:r>
+              <a:rPr lang="en-IN" b="1" dirty="0">
+                <a:solidFill>
+                  <a:srgbClr val="000000"/>
+                </a:solidFill>
+              </a:rPr>
+              <a:t>Government</a:t>
+            </a:r>
+          </a:p>
+          <a:p>
+            <a:pPr marL="171450" indent="-171450">
+              <a:buFont typeface="Arial" pitchFamily="34" charset="0"/>
+              <a:buChar char="•"/>
+            </a:pPr>
+            <a:r>
+              <a:rPr lang="en-US" sz="1100" dirty="0">
+                <a:solidFill>
+                  <a:srgbClr val="000000"/>
+                </a:solidFill>
+              </a:rPr>
+              <a:t>Better management of health records</a:t>
+            </a:r>
+          </a:p>
+          <a:p>
+            <a:pPr marL="171450" indent="-171450">
+              <a:buFont typeface="Arial" pitchFamily="34" charset="0"/>
+              <a:buChar char="•"/>
+            </a:pPr>
+            <a:r>
+              <a:rPr lang="en-US" sz="1100" dirty="0">
+                <a:solidFill>
+                  <a:srgbClr val="000000"/>
+                </a:solidFill>
+              </a:rPr>
+              <a:t>Economization(cost-reduction)</a:t>
+            </a:r>
+          </a:p>
+          <a:p>
+            <a:pPr marL="171450" indent="-171450">
+              <a:buFont typeface="Arial" pitchFamily="34" charset="0"/>
+              <a:buChar char="•"/>
+            </a:pPr>
+            <a:r>
+              <a:rPr lang="en-US" sz="1100" dirty="0">
+                <a:solidFill>
+                  <a:srgbClr val="000000"/>
+                </a:solidFill>
+              </a:rPr>
+              <a:t>Basis for developing long-term strategy</a:t>
+            </a:r>
+          </a:p>
+        </p:txBody>
+      </p:sp>
+      <p:pic>
+        <p:nvPicPr>
+          <p:cNvPr id="9" name="Picture 42">
+            <a:extLst>
+              <a:ext uri="{FF2B5EF4-FFF2-40B4-BE49-F238E27FC236}">
+                <a16:creationId xmlns:a16="http://schemas.microsoft.com/office/drawing/2014/main" id="{72CD0BC3-CBCD-4F08-9EC2-094477A3F00F}"/>
+              </a:ext>
+            </a:extLst>
+          </p:cNvPr>
+          <p:cNvPicPr>
+            <a:picLocks noChangeAspect="1" noChangeArrowheads="1"/>
+          </p:cNvPicPr>
+          <p:nvPr/>
+        </p:nvPicPr>
+        <p:blipFill>
+          <a:blip r:embed="rId3">
+            <a:extLst>
+              <a:ext uri="{28A0092B-C50C-407E-A947-70E740481C1C}">
+                <a14:useLocalDpi xmlns:a14="http://schemas.microsoft.com/office/drawing/2010/main" val="0"/>
+              </a:ext>
+            </a:extLst>
+          </a:blip>
+          <a:srcRect/>
+          <a:stretch>
+            <a:fillRect/>
+          </a:stretch>
+        </p:blipFill>
+        <p:spPr bwMode="auto">
+          <a:xfrm>
+            <a:off x="6012160" y="302617"/>
+            <a:ext cx="831850" cy="831850"/>
+          </a:xfrm>
+          <a:prstGeom prst="rect">
+            <a:avLst/>
+          </a:prstGeom>
+          <a:noFill/>
+          <a:ln>
+            <a:noFill/>
+          </a:ln>
+          <a:extLst>
+            <a:ext uri="{909E8E84-426E-40DD-AFC4-6F175D3DCCD1}">
+              <a14:hiddenFill xmlns:a14="http://schemas.microsoft.com/office/drawing/2010/main">
+                <a:solidFill>
+                  <a:srgbClr val="FFFFFF"/>
+                </a:solidFill>
+              </a14:hiddenFill>
+            </a:ext>
+            <a:ext uri="{91240B29-F687-4F45-9708-019B960494DF}">
+              <a14:hiddenLine xmlns:a14="http://schemas.microsoft.com/office/drawing/2010/main" w="9525">
+                <a:solidFill>
+                  <a:srgbClr val="000000"/>
+                </a:solidFill>
+                <a:miter lim="800000"/>
+                <a:headEnd/>
+                <a:tailEnd/>
+              </a14:hiddenLine>
+            </a:ext>
+          </a:extLst>
+        </p:spPr>
+      </p:pic>
+      <p:sp>
+        <p:nvSpPr>
+          <p:cNvPr id="10" name="Rectangle 9">
+            <a:extLst>
+              <a:ext uri="{FF2B5EF4-FFF2-40B4-BE49-F238E27FC236}">
+                <a16:creationId xmlns:a16="http://schemas.microsoft.com/office/drawing/2014/main" id="{A6D7667A-DA73-430E-A281-75520436CCCB}"/>
+              </a:ext>
+            </a:extLst>
+          </p:cNvPr>
+          <p:cNvSpPr/>
+          <p:nvPr/>
+        </p:nvSpPr>
+        <p:spPr>
+          <a:xfrm>
+            <a:off x="3082804" y="2625756"/>
+            <a:ext cx="3873910" cy="1100210"/>
+          </a:xfrm>
+          <a:prstGeom prst="rect">
+            <a:avLst/>
+          </a:prstGeom>
+          <a:noFill/>
+        </p:spPr>
+        <p:style>
+          <a:lnRef idx="2">
+            <a:schemeClr val="accent1">
+              <a:shade val="50000"/>
+            </a:schemeClr>
+          </a:lnRef>
+          <a:fillRef idx="1">
+            <a:schemeClr val="accent1"/>
+          </a:fillRef>
+          <a:effectRef idx="0">
+            <a:schemeClr val="accent1"/>
+          </a:effectRef>
+          <a:fontRef idx="minor">
+            <a:schemeClr val="lt1"/>
+          </a:fontRef>
+        </p:style>
+        <p:txBody>
+          <a:bodyPr rtlCol="0" anchor="ctr"/>
+          <a:lstStyle/>
+          <a:p>
+            <a:r>
+              <a:rPr lang="en-IN" b="1" dirty="0">
+                <a:solidFill>
+                  <a:srgbClr val="000000"/>
+                </a:solidFill>
+              </a:rPr>
+              <a:t>Citizens</a:t>
+            </a:r>
+          </a:p>
+          <a:p>
+            <a:pPr marL="285750" indent="-285750">
+              <a:buFont typeface="Arial" pitchFamily="34" charset="0"/>
+              <a:buChar char="•"/>
+            </a:pPr>
+            <a:r>
+              <a:rPr lang="en-US" sz="1100" dirty="0">
+                <a:solidFill>
+                  <a:srgbClr val="000000"/>
+                </a:solidFill>
+              </a:rPr>
+              <a:t>Health records stored securely</a:t>
+            </a:r>
+          </a:p>
+          <a:p>
+            <a:pPr marL="285750" indent="-285750">
+              <a:buFont typeface="Arial" pitchFamily="34" charset="0"/>
+              <a:buChar char="•"/>
+            </a:pPr>
+            <a:r>
+              <a:rPr lang="en-US" sz="1100" dirty="0">
+                <a:solidFill>
+                  <a:srgbClr val="000000"/>
+                </a:solidFill>
+              </a:rPr>
+              <a:t>Easy to access records</a:t>
+            </a:r>
+          </a:p>
+          <a:p>
+            <a:pPr marL="285750" indent="-285750">
+              <a:buFont typeface="Arial" pitchFamily="34" charset="0"/>
+              <a:buChar char="•"/>
+            </a:pPr>
+            <a:r>
+              <a:rPr lang="en-US" sz="1100" dirty="0">
+                <a:solidFill>
+                  <a:srgbClr val="000000"/>
+                </a:solidFill>
+              </a:rPr>
+              <a:t>Record portability</a:t>
+            </a:r>
+          </a:p>
+          <a:p>
+            <a:pPr marL="285750" indent="-285750">
+              <a:buFont typeface="Arial" pitchFamily="34" charset="0"/>
+              <a:buChar char="•"/>
+            </a:pPr>
+            <a:r>
+              <a:rPr lang="en-US" sz="1100" dirty="0">
+                <a:solidFill>
+                  <a:srgbClr val="000000"/>
+                </a:solidFill>
+              </a:rPr>
+              <a:t>Easy to track medical history</a:t>
+            </a:r>
+          </a:p>
+          <a:p>
+            <a:pPr marL="285750" indent="-285750">
+              <a:buFont typeface="Arial" pitchFamily="34" charset="0"/>
+              <a:buChar char="•"/>
+            </a:pPr>
+            <a:r>
+              <a:rPr lang="en-US" sz="1100" dirty="0">
+                <a:solidFill>
+                  <a:srgbClr val="000000"/>
+                </a:solidFill>
+              </a:rPr>
+              <a:t>Records shared with others to </a:t>
+            </a:r>
+            <a:r>
+              <a:rPr lang="en-US" sz="1100">
+                <a:solidFill>
+                  <a:srgbClr val="000000"/>
+                </a:solidFill>
+              </a:rPr>
+              <a:t>their discretion</a:t>
+            </a:r>
+            <a:endParaRPr lang="en-US" sz="1100" dirty="0">
+              <a:solidFill>
+                <a:srgbClr val="000000"/>
+              </a:solidFill>
+            </a:endParaRPr>
+          </a:p>
+        </p:txBody>
+      </p:sp>
+      <p:sp>
+        <p:nvSpPr>
+          <p:cNvPr id="11" name="Shape 104"/>
+          <p:cNvSpPr txBox="1">
+            <a:spLocks noGrp="1"/>
+          </p:cNvSpPr>
+          <p:nvPr>
+            <p:ph type="title"/>
+          </p:nvPr>
+        </p:nvSpPr>
+        <p:spPr>
+          <a:xfrm>
+            <a:off x="234450" y="575500"/>
+            <a:ext cx="2046300" cy="580638"/>
+          </a:xfrm>
+          <a:prstGeom prst="rect">
+            <a:avLst/>
+          </a:prstGeom>
+        </p:spPr>
+        <p:txBody>
+          <a:bodyPr spcFirstLastPara="1" wrap="square" lIns="91425" tIns="91425" rIns="91425" bIns="91425" anchor="t" anchorCtr="0">
+            <a:noAutofit/>
+          </a:bodyPr>
+          <a:lstStyle/>
+          <a:p>
+            <a:pPr marL="0" lvl="0" indent="0" rtl="0">
+              <a:spcBef>
+                <a:spcPts val="0"/>
+              </a:spcBef>
+              <a:spcAft>
+                <a:spcPts val="0"/>
+              </a:spcAft>
+              <a:buNone/>
+            </a:pPr>
+            <a:r>
+              <a:rPr lang="en-IN" b="1" dirty="0"/>
+              <a:t>Beneficiaries</a:t>
+            </a:r>
+            <a:endParaRPr b="1" dirty="0"/>
+          </a:p>
+        </p:txBody>
+      </p:sp>
+      <p:sp>
+        <p:nvSpPr>
+          <p:cNvPr id="12" name="Rectangle 11">
+            <a:extLst>
+              <a:ext uri="{FF2B5EF4-FFF2-40B4-BE49-F238E27FC236}">
+                <a16:creationId xmlns:a16="http://schemas.microsoft.com/office/drawing/2014/main" id="{A6D7667A-DA73-430E-A281-75520436CCCB}"/>
+              </a:ext>
+            </a:extLst>
+          </p:cNvPr>
+          <p:cNvSpPr/>
+          <p:nvPr/>
+        </p:nvSpPr>
+        <p:spPr>
+          <a:xfrm>
+            <a:off x="4427986" y="3867894"/>
+            <a:ext cx="3737463" cy="1016949"/>
+          </a:xfrm>
+          <a:prstGeom prst="rect">
+            <a:avLst/>
+          </a:prstGeom>
+          <a:noFill/>
+        </p:spPr>
+        <p:style>
+          <a:lnRef idx="2">
+            <a:schemeClr val="accent1">
+              <a:shade val="50000"/>
+            </a:schemeClr>
+          </a:lnRef>
+          <a:fillRef idx="1">
+            <a:schemeClr val="accent1"/>
+          </a:fillRef>
+          <a:effectRef idx="0">
+            <a:schemeClr val="accent1"/>
+          </a:effectRef>
+          <a:fontRef idx="minor">
+            <a:schemeClr val="lt1"/>
+          </a:fontRef>
+        </p:style>
+        <p:txBody>
+          <a:bodyPr rtlCol="0" anchor="ctr"/>
+          <a:lstStyle/>
+          <a:p>
+            <a:r>
+              <a:rPr lang="en-IN" b="1" dirty="0">
+                <a:solidFill>
+                  <a:srgbClr val="000000"/>
+                </a:solidFill>
+              </a:rPr>
+              <a:t>Pharmacist</a:t>
+            </a:r>
+          </a:p>
+          <a:p>
+            <a:pPr marL="285750" indent="-285750">
+              <a:buFont typeface="Arial" pitchFamily="34" charset="0"/>
+              <a:buChar char="•"/>
+            </a:pPr>
+            <a:r>
+              <a:rPr lang="en-US" sz="1100" dirty="0">
+                <a:solidFill>
+                  <a:srgbClr val="000000"/>
+                </a:solidFill>
+              </a:rPr>
+              <a:t>Access to legitimate prescription</a:t>
+            </a:r>
+          </a:p>
+          <a:p>
+            <a:pPr marL="285750" indent="-285750">
+              <a:buFont typeface="Arial" pitchFamily="34" charset="0"/>
+              <a:buChar char="•"/>
+            </a:pPr>
+            <a:r>
+              <a:rPr lang="en-US" sz="1100" dirty="0">
+                <a:solidFill>
+                  <a:srgbClr val="000000"/>
+                </a:solidFill>
+              </a:rPr>
+              <a:t>Reduce leakage of drugs</a:t>
+            </a:r>
+          </a:p>
+          <a:p>
+            <a:pPr marL="285750" indent="-285750">
+              <a:buFont typeface="Arial" pitchFamily="34" charset="0"/>
+              <a:buChar char="•"/>
+            </a:pPr>
+            <a:r>
+              <a:rPr lang="en-US" sz="1100" dirty="0">
+                <a:solidFill>
+                  <a:srgbClr val="000000"/>
+                </a:solidFill>
+              </a:rPr>
+              <a:t>Use AI to predict </a:t>
+            </a:r>
+            <a:r>
+              <a:rPr lang="en-US" sz="1100">
+                <a:solidFill>
+                  <a:srgbClr val="000000"/>
+                </a:solidFill>
+              </a:rPr>
+              <a:t>drug stock</a:t>
+            </a:r>
+            <a:endParaRPr lang="en-US" sz="1100" dirty="0">
+              <a:solidFill>
+                <a:srgbClr val="000000"/>
+              </a:solidFill>
+            </a:endParaRPr>
+          </a:p>
+          <a:p>
+            <a:pPr marL="285750" indent="-285750">
+              <a:buFont typeface="Arial" pitchFamily="34" charset="0"/>
+              <a:buChar char="•"/>
+            </a:pPr>
+            <a:endParaRPr lang="en-US" sz="1100" dirty="0">
+              <a:solidFill>
+                <a:srgbClr val="000000"/>
+              </a:solidFill>
+            </a:endParaRPr>
+          </a:p>
+        </p:txBody>
+      </p:sp>
+      <p:pic>
+        <p:nvPicPr>
+          <p:cNvPr id="1026" name="Picture 2" descr="Image result for government png"/>
+          <p:cNvPicPr>
+            <a:picLocks noChangeAspect="1" noChangeArrowheads="1"/>
+          </p:cNvPicPr>
+          <p:nvPr/>
+        </p:nvPicPr>
+        <p:blipFill>
+          <a:blip r:embed="rId4" cstate="print">
+            <a:extLst>
+              <a:ext uri="{28A0092B-C50C-407E-A947-70E740481C1C}">
+                <a14:useLocalDpi xmlns:a14="http://schemas.microsoft.com/office/drawing/2010/main" val="0"/>
+              </a:ext>
+            </a:extLst>
+          </a:blip>
+          <a:srcRect/>
+          <a:stretch>
+            <a:fillRect/>
+          </a:stretch>
+        </p:blipFill>
+        <p:spPr bwMode="auto">
+          <a:xfrm>
+            <a:off x="7308305" y="1488186"/>
+            <a:ext cx="795873" cy="831849"/>
+          </a:xfrm>
+          <a:prstGeom prst="rect">
+            <a:avLst/>
+          </a:prstGeom>
+          <a:noFill/>
+          <a:extLst>
+            <a:ext uri="{909E8E84-426E-40DD-AFC4-6F175D3DCCD1}">
+              <a14:hiddenFill xmlns:a14="http://schemas.microsoft.com/office/drawing/2010/main">
+                <a:solidFill>
+                  <a:srgbClr val="FFFFFF"/>
+                </a:solidFill>
+              </a14:hiddenFill>
+            </a:ext>
+          </a:extLst>
+        </p:spPr>
+      </p:pic>
+      <p:pic>
+        <p:nvPicPr>
+          <p:cNvPr id="1028" name="Picture 4" descr="Image result for citizen png"/>
+          <p:cNvPicPr>
+            <a:picLocks noChangeAspect="1" noChangeArrowheads="1"/>
+          </p:cNvPicPr>
+          <p:nvPr/>
+        </p:nvPicPr>
+        <p:blipFill>
+          <a:blip r:embed="rId5" cstate="print">
+            <a:extLst>
+              <a:ext uri="{28A0092B-C50C-407E-A947-70E740481C1C}">
+                <a14:useLocalDpi xmlns:a14="http://schemas.microsoft.com/office/drawing/2010/main" val="0"/>
+              </a:ext>
+            </a:extLst>
+          </a:blip>
+          <a:srcRect/>
+          <a:stretch>
+            <a:fillRect/>
+          </a:stretch>
+        </p:blipFill>
+        <p:spPr bwMode="auto">
+          <a:xfrm>
+            <a:off x="5876464" y="2787774"/>
+            <a:ext cx="957219" cy="707456"/>
+          </a:xfrm>
+          <a:prstGeom prst="rect">
+            <a:avLst/>
+          </a:prstGeom>
+          <a:noFill/>
+          <a:extLst>
+            <a:ext uri="{909E8E84-426E-40DD-AFC4-6F175D3DCCD1}">
+              <a14:hiddenFill xmlns:a14="http://schemas.microsoft.com/office/drawing/2010/main">
+                <a:solidFill>
+                  <a:srgbClr val="FFFFFF"/>
+                </a:solidFill>
+              </a14:hiddenFill>
+            </a:ext>
+          </a:extLst>
+        </p:spPr>
+      </p:pic>
+      <p:pic>
+        <p:nvPicPr>
+          <p:cNvPr id="1032" name="Picture 8" descr="Related image"/>
+          <p:cNvPicPr>
+            <a:picLocks noChangeAspect="1" noChangeArrowheads="1"/>
+          </p:cNvPicPr>
+          <p:nvPr/>
+        </p:nvPicPr>
+        <p:blipFill>
+          <a:blip r:embed="rId6" cstate="print">
+            <a:extLst>
+              <a:ext uri="{28A0092B-C50C-407E-A947-70E740481C1C}">
+                <a14:useLocalDpi xmlns:a14="http://schemas.microsoft.com/office/drawing/2010/main" val="0"/>
+              </a:ext>
+            </a:extLst>
+          </a:blip>
+          <a:srcRect/>
+          <a:stretch>
+            <a:fillRect/>
+          </a:stretch>
+        </p:blipFill>
+        <p:spPr bwMode="auto">
+          <a:xfrm>
+            <a:off x="7315476" y="4050360"/>
+            <a:ext cx="869356" cy="652017"/>
+          </a:xfrm>
+          <a:prstGeom prst="rect">
+            <a:avLst/>
+          </a:prstGeom>
+          <a:noFill/>
+          <a:extLst>
+            <a:ext uri="{909E8E84-426E-40DD-AFC4-6F175D3DCCD1}">
+              <a14:hiddenFill xmlns:a14="http://schemas.microsoft.com/office/drawing/2010/main">
+                <a:solidFill>
+                  <a:srgbClr val="FFFFFF"/>
+                </a:solidFill>
+              </a14:hiddenFill>
+            </a:ext>
+          </a:extLst>
+        </p:spPr>
+      </p:pic>
+    </p:spTree>
+    <p:extLst>
+      <p:ext uri="{BB962C8B-B14F-4D97-AF65-F5344CB8AC3E}">
+        <p14:creationId xmlns:p14="http://schemas.microsoft.com/office/powerpoint/2010/main" val="1649971516"/>
+      </p:ext>
+    </p:extLst>
+  </p:cSld>
+  <p:clrMapOvr>
+    <a:masterClrMapping/>
+  </p:clrMapOvr>
+</p:sld>
+</file>
+
+<file path=ppt/slides/slide6.xml><?xml version="1.0" encoding="utf-8"?>
+<p:sld xmlns:a="http://schemas.openxmlformats.org/drawingml/2006/main" xmlns:r="http://schemas.openxmlformats.org/officeDocument/2006/relationships" xmlns:p="http://schemas.openxmlformats.org/presentationml/2006/main">
+  <p:cSld>
+    <p:bg>
+      <p:bgPr>
+        <a:solidFill>
+          <a:schemeClr val="accent1">
+            <a:lumMod val="75000"/>
+          </a:schemeClr>
+        </a:solidFill>
+        <a:effectLst/>
+      </p:bgPr>
+    </p:bg>
+    <p:spTree>
+      <p:nvGrpSpPr>
+        <p:cNvPr id="1" name="Shape 103"/>
+        <p:cNvGrpSpPr/>
+        <p:nvPr/>
+      </p:nvGrpSpPr>
+      <p:grpSpPr>
+        <a:xfrm>
+          <a:off x="0" y="0"/>
+          <a:ext cx="0" cy="0"/>
+          <a:chOff x="0" y="0"/>
+          <a:chExt cx="0" cy="0"/>
+        </a:xfrm>
+      </p:grpSpPr>
+      <p:sp>
+        <p:nvSpPr>
+          <p:cNvPr id="104" name="Shape 104"/>
+          <p:cNvSpPr txBox="1">
+            <a:spLocks noGrp="1"/>
+          </p:cNvSpPr>
+          <p:nvPr>
+            <p:ph type="title"/>
+          </p:nvPr>
+        </p:nvSpPr>
+        <p:spPr>
+          <a:xfrm>
+            <a:off x="234450" y="575500"/>
+            <a:ext cx="2046300" cy="817464"/>
+          </a:xfrm>
+          <a:prstGeom prst="rect">
+            <a:avLst/>
+          </a:prstGeom>
+        </p:spPr>
+        <p:txBody>
+          <a:bodyPr spcFirstLastPara="1" wrap="square" lIns="91425" tIns="91425" rIns="91425" bIns="91425" anchor="t" anchorCtr="0">
+            <a:noAutofit/>
+          </a:bodyPr>
+          <a:lstStyle/>
+          <a:p>
+            <a:pPr marL="0" lvl="0" indent="0" rtl="0">
+              <a:spcBef>
+                <a:spcPts val="0"/>
+              </a:spcBef>
+              <a:spcAft>
+                <a:spcPts val="0"/>
+              </a:spcAft>
+              <a:buNone/>
+            </a:pPr>
+            <a:r>
+              <a:rPr lang="en-IN" b="1" dirty="0"/>
+              <a:t>Relevance in Smart City</a:t>
+            </a:r>
+            <a:endParaRPr b="1" dirty="0"/>
+          </a:p>
+        </p:txBody>
+      </p:sp>
+      <p:sp>
+        <p:nvSpPr>
+          <p:cNvPr id="107" name="Shape 107"/>
+          <p:cNvSpPr txBox="1">
+            <a:spLocks noGrp="1"/>
+          </p:cNvSpPr>
+          <p:nvPr>
+            <p:ph type="sldNum" idx="12"/>
+          </p:nvPr>
+        </p:nvSpPr>
+        <p:spPr>
+          <a:xfrm>
+            <a:off x="8556784" y="4749851"/>
+            <a:ext cx="548700" cy="393600"/>
+          </a:xfrm>
+          <a:prstGeom prst="rect">
+            <a:avLst/>
+          </a:prstGeom>
+        </p:spPr>
+        <p:txBody>
+          <a:bodyPr spcFirstLastPara="1" wrap="square" lIns="91425" tIns="91425" rIns="91425" bIns="91425" anchor="ctr" anchorCtr="0">
+            <a:noAutofit/>
+          </a:bodyPr>
+          <a:lstStyle/>
+          <a:p>
             <a:fld id="{00000000-1234-1234-1234-123412341234}" type="slidenum">
               <a:rPr lang="en"/>
               <a:pPr/>
-              <a:t>4</a:t>
+              <a:t>6</a:t>
             </a:fld>
             <a:endParaRPr dirty="0"/>
           </a:p>
@@ -11433,7 +13180,7 @@
 </p:sld>
 </file>
 
-<file path=ppt/slides/slide5.xml><?xml version="1.0" encoding="utf-8"?>
+<file path=ppt/slides/slide7.xml><?xml version="1.0" encoding="utf-8"?>
 <p:sld xmlns:a="http://schemas.openxmlformats.org/drawingml/2006/main" xmlns:r="http://schemas.openxmlformats.org/officeDocument/2006/relationships" xmlns:p="http://schemas.openxmlformats.org/presentationml/2006/main">
   <p:cSld>
     <p:bg>
@@ -11485,787 +13232,6 @@
           </a:bodyPr>
           <a:lstStyle/>
           <a:p>
-            <a:pPr>
-              <a:defRPr/>
-            </a:pPr>
-            <a:fld id="{00000000-1234-1234-1234-123412341234}" type="slidenum">
-              <a:rPr lang="en"/>
-              <a:pPr>
-                <a:defRPr/>
-              </a:pPr>
-              <a:t>5</a:t>
-            </a:fld>
-            <a:endParaRPr dirty="0"/>
-          </a:p>
-        </p:txBody>
-      </p:sp>
-      <p:sp>
-        <p:nvSpPr>
-          <p:cNvPr id="4" name="Rectangle 3">
-            <a:extLst>
-              <a:ext uri="{FF2B5EF4-FFF2-40B4-BE49-F238E27FC236}">
-                <a16:creationId xmlns:a16="http://schemas.microsoft.com/office/drawing/2014/main" id="{73975F41-C02D-4F7A-B534-F50F4D1254D9}"/>
-              </a:ext>
-            </a:extLst>
-          </p:cNvPr>
-          <p:cNvSpPr/>
-          <p:nvPr/>
-        </p:nvSpPr>
-        <p:spPr>
-          <a:xfrm>
-            <a:off x="3067943" y="210067"/>
-            <a:ext cx="3888771" cy="1100210"/>
-          </a:xfrm>
-          <a:prstGeom prst="rect">
-            <a:avLst/>
-          </a:prstGeom>
-          <a:solidFill>
-            <a:schemeClr val="bg1"/>
-          </a:solidFill>
-        </p:spPr>
-        <p:style>
-          <a:lnRef idx="2">
-            <a:schemeClr val="accent1">
-              <a:shade val="50000"/>
-            </a:schemeClr>
-          </a:lnRef>
-          <a:fillRef idx="1">
-            <a:schemeClr val="accent1"/>
-          </a:fillRef>
-          <a:effectRef idx="0">
-            <a:schemeClr val="accent1"/>
-          </a:effectRef>
-          <a:fontRef idx="minor">
-            <a:schemeClr val="lt1"/>
-          </a:fontRef>
-        </p:style>
-        <p:txBody>
-          <a:bodyPr rtlCol="0" anchor="ctr"/>
-          <a:lstStyle/>
-          <a:p>
-            <a:r>
-              <a:rPr lang="en-IN" b="1" dirty="0">
-                <a:solidFill>
-                  <a:srgbClr val="000000"/>
-                </a:solidFill>
-              </a:rPr>
-              <a:t>Hospitals/Mobile Clinics</a:t>
-            </a:r>
-          </a:p>
-          <a:p>
-            <a:pPr marL="171450" indent="-171450">
-              <a:buFont typeface="Arial" pitchFamily="34" charset="0"/>
-              <a:buChar char="•"/>
-            </a:pPr>
-            <a:r>
-              <a:rPr lang="en-US" sz="1100" dirty="0">
-                <a:solidFill>
-                  <a:srgbClr val="000000"/>
-                </a:solidFill>
-              </a:rPr>
-              <a:t>Track medical history of patient</a:t>
-            </a:r>
-          </a:p>
-          <a:p>
-            <a:pPr marL="171450" indent="-171450">
-              <a:buFont typeface="Arial" pitchFamily="34" charset="0"/>
-              <a:buChar char="•"/>
-            </a:pPr>
-            <a:r>
-              <a:rPr lang="en-US" sz="1100" dirty="0">
-                <a:solidFill>
-                  <a:srgbClr val="000000"/>
-                </a:solidFill>
-              </a:rPr>
-              <a:t>Achieve structural interoperability</a:t>
-            </a:r>
-          </a:p>
-          <a:p>
-            <a:pPr marL="171450" indent="-171450">
-              <a:buFont typeface="Arial" pitchFamily="34" charset="0"/>
-              <a:buChar char="•"/>
-            </a:pPr>
-            <a:r>
-              <a:rPr lang="en-US" sz="1100" dirty="0">
-                <a:solidFill>
-                  <a:srgbClr val="000000"/>
-                </a:solidFill>
-              </a:rPr>
-              <a:t>Ease of record access</a:t>
-            </a:r>
-          </a:p>
-          <a:p>
-            <a:pPr marL="171450" indent="-171450">
-              <a:buFont typeface="Arial" pitchFamily="34" charset="0"/>
-              <a:buChar char="•"/>
-            </a:pPr>
-            <a:r>
-              <a:rPr lang="en-US" sz="1100" dirty="0">
-                <a:solidFill>
-                  <a:srgbClr val="000000"/>
-                </a:solidFill>
-              </a:rPr>
-              <a:t>Real-time record uploading</a:t>
-            </a:r>
-          </a:p>
-          <a:p>
-            <a:pPr marL="171450" indent="-171450">
-              <a:buFont typeface="Arial" pitchFamily="34" charset="0"/>
-              <a:buChar char="•"/>
-            </a:pPr>
-            <a:r>
-              <a:rPr lang="en-US" sz="1100" dirty="0">
-                <a:solidFill>
-                  <a:srgbClr val="000000"/>
-                </a:solidFill>
-              </a:rPr>
-              <a:t>Improve delivery of services</a:t>
-            </a:r>
-          </a:p>
-        </p:txBody>
-      </p:sp>
-      <p:sp>
-        <p:nvSpPr>
-          <p:cNvPr id="8" name="Rectangle 7">
-            <a:extLst>
-              <a:ext uri="{FF2B5EF4-FFF2-40B4-BE49-F238E27FC236}">
-                <a16:creationId xmlns:a16="http://schemas.microsoft.com/office/drawing/2014/main" id="{587713AA-9CBD-4BD7-A8A4-7B621B110039}"/>
-              </a:ext>
-            </a:extLst>
-          </p:cNvPr>
-          <p:cNvSpPr/>
-          <p:nvPr/>
-        </p:nvSpPr>
-        <p:spPr>
-          <a:xfrm>
-            <a:off x="4427985" y="1432997"/>
-            <a:ext cx="3737464" cy="1016949"/>
-          </a:xfrm>
-          <a:prstGeom prst="rect">
-            <a:avLst/>
-          </a:prstGeom>
-          <a:solidFill>
-            <a:schemeClr val="bg1"/>
-          </a:solidFill>
-        </p:spPr>
-        <p:style>
-          <a:lnRef idx="2">
-            <a:schemeClr val="accent1">
-              <a:shade val="50000"/>
-            </a:schemeClr>
-          </a:lnRef>
-          <a:fillRef idx="1">
-            <a:schemeClr val="accent1"/>
-          </a:fillRef>
-          <a:effectRef idx="0">
-            <a:schemeClr val="accent1"/>
-          </a:effectRef>
-          <a:fontRef idx="minor">
-            <a:schemeClr val="lt1"/>
-          </a:fontRef>
-        </p:style>
-        <p:txBody>
-          <a:bodyPr rtlCol="0" anchor="ctr"/>
-          <a:lstStyle/>
-          <a:p>
-            <a:r>
-              <a:rPr lang="en-IN" b="1" dirty="0">
-                <a:solidFill>
-                  <a:srgbClr val="000000"/>
-                </a:solidFill>
-              </a:rPr>
-              <a:t>Government</a:t>
-            </a:r>
-          </a:p>
-          <a:p>
-            <a:pPr marL="171450" indent="-171450">
-              <a:buFont typeface="Arial" pitchFamily="34" charset="0"/>
-              <a:buChar char="•"/>
-            </a:pPr>
-            <a:r>
-              <a:rPr lang="en-US" sz="1100" dirty="0">
-                <a:solidFill>
-                  <a:srgbClr val="000000"/>
-                </a:solidFill>
-              </a:rPr>
-              <a:t>Better management of health records</a:t>
-            </a:r>
-          </a:p>
-          <a:p>
-            <a:pPr marL="171450" indent="-171450">
-              <a:buFont typeface="Arial" pitchFamily="34" charset="0"/>
-              <a:buChar char="•"/>
-            </a:pPr>
-            <a:r>
-              <a:rPr lang="en-US" sz="1100" dirty="0">
-                <a:solidFill>
-                  <a:srgbClr val="000000"/>
-                </a:solidFill>
-              </a:rPr>
-              <a:t>Economization(cost-reduction)</a:t>
-            </a:r>
-          </a:p>
-          <a:p>
-            <a:pPr marL="171450" indent="-171450">
-              <a:buFont typeface="Arial" pitchFamily="34" charset="0"/>
-              <a:buChar char="•"/>
-            </a:pPr>
-            <a:r>
-              <a:rPr lang="en-US" sz="1100" dirty="0">
-                <a:solidFill>
-                  <a:srgbClr val="000000"/>
-                </a:solidFill>
-              </a:rPr>
-              <a:t>Basis for developing long-term strategy</a:t>
-            </a:r>
-          </a:p>
-        </p:txBody>
-      </p:sp>
-      <p:pic>
-        <p:nvPicPr>
-          <p:cNvPr id="9" name="Picture 42">
-            <a:extLst>
-              <a:ext uri="{FF2B5EF4-FFF2-40B4-BE49-F238E27FC236}">
-                <a16:creationId xmlns:a16="http://schemas.microsoft.com/office/drawing/2014/main" id="{72CD0BC3-CBCD-4F08-9EC2-094477A3F00F}"/>
-              </a:ext>
-            </a:extLst>
-          </p:cNvPr>
-          <p:cNvPicPr>
-            <a:picLocks noChangeAspect="1" noChangeArrowheads="1"/>
-          </p:cNvPicPr>
-          <p:nvPr/>
-        </p:nvPicPr>
-        <p:blipFill>
-          <a:blip r:embed="rId3">
-            <a:extLst>
-              <a:ext uri="{28A0092B-C50C-407E-A947-70E740481C1C}">
-                <a14:useLocalDpi xmlns:a14="http://schemas.microsoft.com/office/drawing/2010/main" val="0"/>
-              </a:ext>
-            </a:extLst>
-          </a:blip>
-          <a:srcRect/>
-          <a:stretch>
-            <a:fillRect/>
-          </a:stretch>
-        </p:blipFill>
-        <p:spPr bwMode="auto">
-          <a:xfrm>
-            <a:off x="6012160" y="302617"/>
-            <a:ext cx="831850" cy="831850"/>
-          </a:xfrm>
-          <a:prstGeom prst="rect">
-            <a:avLst/>
-          </a:prstGeom>
-          <a:noFill/>
-          <a:ln>
-            <a:noFill/>
-          </a:ln>
-          <a:extLst>
-            <a:ext uri="{909E8E84-426E-40DD-AFC4-6F175D3DCCD1}">
-              <a14:hiddenFill xmlns:a14="http://schemas.microsoft.com/office/drawing/2010/main">
-                <a:solidFill>
-                  <a:srgbClr val="FFFFFF"/>
-                </a:solidFill>
-              </a14:hiddenFill>
-            </a:ext>
-            <a:ext uri="{91240B29-F687-4F45-9708-019B960494DF}">
-              <a14:hiddenLine xmlns:a14="http://schemas.microsoft.com/office/drawing/2010/main" w="9525">
-                <a:solidFill>
-                  <a:srgbClr val="000000"/>
-                </a:solidFill>
-                <a:miter lim="800000"/>
-                <a:headEnd/>
-                <a:tailEnd/>
-              </a14:hiddenLine>
-            </a:ext>
-          </a:extLst>
-        </p:spPr>
-      </p:pic>
-      <p:sp>
-        <p:nvSpPr>
-          <p:cNvPr id="10" name="Rectangle 9">
-            <a:extLst>
-              <a:ext uri="{FF2B5EF4-FFF2-40B4-BE49-F238E27FC236}">
-                <a16:creationId xmlns:a16="http://schemas.microsoft.com/office/drawing/2014/main" id="{A6D7667A-DA73-430E-A281-75520436CCCB}"/>
-              </a:ext>
-            </a:extLst>
-          </p:cNvPr>
-          <p:cNvSpPr/>
-          <p:nvPr/>
-        </p:nvSpPr>
-        <p:spPr>
-          <a:xfrm>
-            <a:off x="3082804" y="2625756"/>
-            <a:ext cx="3873910" cy="1100210"/>
-          </a:xfrm>
-          <a:prstGeom prst="rect">
-            <a:avLst/>
-          </a:prstGeom>
-          <a:noFill/>
-        </p:spPr>
-        <p:style>
-          <a:lnRef idx="2">
-            <a:schemeClr val="accent1">
-              <a:shade val="50000"/>
-            </a:schemeClr>
-          </a:lnRef>
-          <a:fillRef idx="1">
-            <a:schemeClr val="accent1"/>
-          </a:fillRef>
-          <a:effectRef idx="0">
-            <a:schemeClr val="accent1"/>
-          </a:effectRef>
-          <a:fontRef idx="minor">
-            <a:schemeClr val="lt1"/>
-          </a:fontRef>
-        </p:style>
-        <p:txBody>
-          <a:bodyPr rtlCol="0" anchor="ctr"/>
-          <a:lstStyle/>
-          <a:p>
-            <a:r>
-              <a:rPr lang="en-IN" b="1" dirty="0">
-                <a:solidFill>
-                  <a:srgbClr val="000000"/>
-                </a:solidFill>
-              </a:rPr>
-              <a:t>Citizens</a:t>
-            </a:r>
-          </a:p>
-          <a:p>
-            <a:pPr marL="285750" indent="-285750">
-              <a:buFont typeface="Arial" pitchFamily="34" charset="0"/>
-              <a:buChar char="•"/>
-            </a:pPr>
-            <a:r>
-              <a:rPr lang="en-US" sz="1100" dirty="0">
-                <a:solidFill>
-                  <a:srgbClr val="000000"/>
-                </a:solidFill>
-              </a:rPr>
-              <a:t>Health records stored securely</a:t>
-            </a:r>
-          </a:p>
-          <a:p>
-            <a:pPr marL="285750" indent="-285750">
-              <a:buFont typeface="Arial" pitchFamily="34" charset="0"/>
-              <a:buChar char="•"/>
-            </a:pPr>
-            <a:r>
-              <a:rPr lang="en-US" sz="1100" dirty="0">
-                <a:solidFill>
-                  <a:srgbClr val="000000"/>
-                </a:solidFill>
-              </a:rPr>
-              <a:t>Easy to access records</a:t>
-            </a:r>
-          </a:p>
-          <a:p>
-            <a:pPr marL="285750" indent="-285750">
-              <a:buFont typeface="Arial" pitchFamily="34" charset="0"/>
-              <a:buChar char="•"/>
-            </a:pPr>
-            <a:r>
-              <a:rPr lang="en-US" sz="1100" dirty="0">
-                <a:solidFill>
-                  <a:srgbClr val="000000"/>
-                </a:solidFill>
-              </a:rPr>
-              <a:t>Record portability</a:t>
-            </a:r>
-          </a:p>
-          <a:p>
-            <a:pPr marL="285750" indent="-285750">
-              <a:buFont typeface="Arial" pitchFamily="34" charset="0"/>
-              <a:buChar char="•"/>
-            </a:pPr>
-            <a:r>
-              <a:rPr lang="en-US" sz="1100" dirty="0">
-                <a:solidFill>
-                  <a:srgbClr val="000000"/>
-                </a:solidFill>
-              </a:rPr>
-              <a:t>Easy to track medical history</a:t>
-            </a:r>
-          </a:p>
-          <a:p>
-            <a:pPr marL="285750" indent="-285750">
-              <a:buFont typeface="Arial" pitchFamily="34" charset="0"/>
-              <a:buChar char="•"/>
-            </a:pPr>
-            <a:r>
-              <a:rPr lang="en-US" sz="1100" dirty="0">
-                <a:solidFill>
-                  <a:srgbClr val="000000"/>
-                </a:solidFill>
-              </a:rPr>
-              <a:t>Records shared with others to </a:t>
-            </a:r>
-            <a:r>
-              <a:rPr lang="en-US" sz="1100">
-                <a:solidFill>
-                  <a:srgbClr val="000000"/>
-                </a:solidFill>
-              </a:rPr>
-              <a:t>their discretion</a:t>
-            </a:r>
-            <a:endParaRPr lang="en-US" sz="1100" dirty="0">
-              <a:solidFill>
-                <a:srgbClr val="000000"/>
-              </a:solidFill>
-            </a:endParaRPr>
-          </a:p>
-        </p:txBody>
-      </p:sp>
-      <p:sp>
-        <p:nvSpPr>
-          <p:cNvPr id="11" name="Shape 104"/>
-          <p:cNvSpPr txBox="1">
-            <a:spLocks noGrp="1"/>
-          </p:cNvSpPr>
-          <p:nvPr>
-            <p:ph type="title"/>
-          </p:nvPr>
-        </p:nvSpPr>
-        <p:spPr>
-          <a:xfrm>
-            <a:off x="234450" y="575500"/>
-            <a:ext cx="2046300" cy="580638"/>
-          </a:xfrm>
-          <a:prstGeom prst="rect">
-            <a:avLst/>
-          </a:prstGeom>
-        </p:spPr>
-        <p:txBody>
-          <a:bodyPr spcFirstLastPara="1" wrap="square" lIns="91425" tIns="91425" rIns="91425" bIns="91425" anchor="t" anchorCtr="0">
-            <a:noAutofit/>
-          </a:bodyPr>
-          <a:lstStyle/>
-          <a:p>
-            <a:pPr marL="0" lvl="0" indent="0" rtl="0">
-              <a:spcBef>
-                <a:spcPts val="0"/>
-              </a:spcBef>
-              <a:spcAft>
-                <a:spcPts val="0"/>
-              </a:spcAft>
-              <a:buNone/>
-            </a:pPr>
-            <a:r>
-              <a:rPr lang="en-IN" b="1" dirty="0"/>
-              <a:t>Beneficiaries</a:t>
-            </a:r>
-            <a:endParaRPr b="1" dirty="0"/>
-          </a:p>
-        </p:txBody>
-      </p:sp>
-      <p:sp>
-        <p:nvSpPr>
-          <p:cNvPr id="12" name="Rectangle 11">
-            <a:extLst>
-              <a:ext uri="{FF2B5EF4-FFF2-40B4-BE49-F238E27FC236}">
-                <a16:creationId xmlns:a16="http://schemas.microsoft.com/office/drawing/2014/main" id="{A6D7667A-DA73-430E-A281-75520436CCCB}"/>
-              </a:ext>
-            </a:extLst>
-          </p:cNvPr>
-          <p:cNvSpPr/>
-          <p:nvPr/>
-        </p:nvSpPr>
-        <p:spPr>
-          <a:xfrm>
-            <a:off x="4427986" y="3867894"/>
-            <a:ext cx="3737463" cy="1016949"/>
-          </a:xfrm>
-          <a:prstGeom prst="rect">
-            <a:avLst/>
-          </a:prstGeom>
-          <a:noFill/>
-        </p:spPr>
-        <p:style>
-          <a:lnRef idx="2">
-            <a:schemeClr val="accent1">
-              <a:shade val="50000"/>
-            </a:schemeClr>
-          </a:lnRef>
-          <a:fillRef idx="1">
-            <a:schemeClr val="accent1"/>
-          </a:fillRef>
-          <a:effectRef idx="0">
-            <a:schemeClr val="accent1"/>
-          </a:effectRef>
-          <a:fontRef idx="minor">
-            <a:schemeClr val="lt1"/>
-          </a:fontRef>
-        </p:style>
-        <p:txBody>
-          <a:bodyPr rtlCol="0" anchor="ctr"/>
-          <a:lstStyle/>
-          <a:p>
-            <a:r>
-              <a:rPr lang="en-IN" b="1" dirty="0">
-                <a:solidFill>
-                  <a:srgbClr val="000000"/>
-                </a:solidFill>
-              </a:rPr>
-              <a:t>Pharmacist</a:t>
-            </a:r>
-          </a:p>
-          <a:p>
-            <a:pPr marL="285750" indent="-285750">
-              <a:buFont typeface="Arial" pitchFamily="34" charset="0"/>
-              <a:buChar char="•"/>
-            </a:pPr>
-            <a:r>
-              <a:rPr lang="en-US" sz="1100" dirty="0">
-                <a:solidFill>
-                  <a:srgbClr val="000000"/>
-                </a:solidFill>
-              </a:rPr>
-              <a:t>Access to legitimate prescription</a:t>
-            </a:r>
-          </a:p>
-          <a:p>
-            <a:pPr marL="285750" indent="-285750">
-              <a:buFont typeface="Arial" pitchFamily="34" charset="0"/>
-              <a:buChar char="•"/>
-            </a:pPr>
-            <a:r>
-              <a:rPr lang="en-US" sz="1100" dirty="0">
-                <a:solidFill>
-                  <a:srgbClr val="000000"/>
-                </a:solidFill>
-              </a:rPr>
-              <a:t>Reduce leakage of drugs</a:t>
-            </a:r>
-          </a:p>
-          <a:p>
-            <a:pPr marL="285750" indent="-285750">
-              <a:buFont typeface="Arial" pitchFamily="34" charset="0"/>
-              <a:buChar char="•"/>
-            </a:pPr>
-            <a:r>
-              <a:rPr lang="en-US" sz="1100" dirty="0">
-                <a:solidFill>
-                  <a:srgbClr val="000000"/>
-                </a:solidFill>
-              </a:rPr>
-              <a:t>Use AI to predict </a:t>
-            </a:r>
-            <a:r>
-              <a:rPr lang="en-US" sz="1100">
-                <a:solidFill>
-                  <a:srgbClr val="000000"/>
-                </a:solidFill>
-              </a:rPr>
-              <a:t>drug stock</a:t>
-            </a:r>
-            <a:endParaRPr lang="en-US" sz="1100" dirty="0">
-              <a:solidFill>
-                <a:srgbClr val="000000"/>
-              </a:solidFill>
-            </a:endParaRPr>
-          </a:p>
-          <a:p>
-            <a:pPr marL="285750" indent="-285750">
-              <a:buFont typeface="Arial" pitchFamily="34" charset="0"/>
-              <a:buChar char="•"/>
-            </a:pPr>
-            <a:endParaRPr lang="en-US" sz="1100" dirty="0">
-              <a:solidFill>
-                <a:srgbClr val="000000"/>
-              </a:solidFill>
-            </a:endParaRPr>
-          </a:p>
-        </p:txBody>
-      </p:sp>
-      <p:pic>
-        <p:nvPicPr>
-          <p:cNvPr id="1026" name="Picture 2" descr="Image result for government png"/>
-          <p:cNvPicPr>
-            <a:picLocks noChangeAspect="1" noChangeArrowheads="1"/>
-          </p:cNvPicPr>
-          <p:nvPr/>
-        </p:nvPicPr>
-        <p:blipFill>
-          <a:blip r:embed="rId4" cstate="print">
-            <a:extLst>
-              <a:ext uri="{28A0092B-C50C-407E-A947-70E740481C1C}">
-                <a14:useLocalDpi xmlns:a14="http://schemas.microsoft.com/office/drawing/2010/main" val="0"/>
-              </a:ext>
-            </a:extLst>
-          </a:blip>
-          <a:srcRect/>
-          <a:stretch>
-            <a:fillRect/>
-          </a:stretch>
-        </p:blipFill>
-        <p:spPr bwMode="auto">
-          <a:xfrm>
-            <a:off x="7308305" y="1488186"/>
-            <a:ext cx="795873" cy="831849"/>
-          </a:xfrm>
-          <a:prstGeom prst="rect">
-            <a:avLst/>
-          </a:prstGeom>
-          <a:noFill/>
-          <a:extLst>
-            <a:ext uri="{909E8E84-426E-40DD-AFC4-6F175D3DCCD1}">
-              <a14:hiddenFill xmlns:a14="http://schemas.microsoft.com/office/drawing/2010/main">
-                <a:solidFill>
-                  <a:srgbClr val="FFFFFF"/>
-                </a:solidFill>
-              </a14:hiddenFill>
-            </a:ext>
-          </a:extLst>
-        </p:spPr>
-      </p:pic>
-      <p:pic>
-        <p:nvPicPr>
-          <p:cNvPr id="1028" name="Picture 4" descr="Image result for citizen png"/>
-          <p:cNvPicPr>
-            <a:picLocks noChangeAspect="1" noChangeArrowheads="1"/>
-          </p:cNvPicPr>
-          <p:nvPr/>
-        </p:nvPicPr>
-        <p:blipFill>
-          <a:blip r:embed="rId5" cstate="print">
-            <a:extLst>
-              <a:ext uri="{28A0092B-C50C-407E-A947-70E740481C1C}">
-                <a14:useLocalDpi xmlns:a14="http://schemas.microsoft.com/office/drawing/2010/main" val="0"/>
-              </a:ext>
-            </a:extLst>
-          </a:blip>
-          <a:srcRect/>
-          <a:stretch>
-            <a:fillRect/>
-          </a:stretch>
-        </p:blipFill>
-        <p:spPr bwMode="auto">
-          <a:xfrm>
-            <a:off x="5876464" y="2787774"/>
-            <a:ext cx="957219" cy="707456"/>
-          </a:xfrm>
-          <a:prstGeom prst="rect">
-            <a:avLst/>
-          </a:prstGeom>
-          <a:noFill/>
-          <a:extLst>
-            <a:ext uri="{909E8E84-426E-40DD-AFC4-6F175D3DCCD1}">
-              <a14:hiddenFill xmlns:a14="http://schemas.microsoft.com/office/drawing/2010/main">
-                <a:solidFill>
-                  <a:srgbClr val="FFFFFF"/>
-                </a:solidFill>
-              </a14:hiddenFill>
-            </a:ext>
-          </a:extLst>
-        </p:spPr>
-      </p:pic>
-      <p:pic>
-        <p:nvPicPr>
-          <p:cNvPr id="1032" name="Picture 8" descr="Related image"/>
-          <p:cNvPicPr>
-            <a:picLocks noChangeAspect="1" noChangeArrowheads="1"/>
-          </p:cNvPicPr>
-          <p:nvPr/>
-        </p:nvPicPr>
-        <p:blipFill>
-          <a:blip r:embed="rId6" cstate="print">
-            <a:extLst>
-              <a:ext uri="{28A0092B-C50C-407E-A947-70E740481C1C}">
-                <a14:useLocalDpi xmlns:a14="http://schemas.microsoft.com/office/drawing/2010/main" val="0"/>
-              </a:ext>
-            </a:extLst>
-          </a:blip>
-          <a:srcRect/>
-          <a:stretch>
-            <a:fillRect/>
-          </a:stretch>
-        </p:blipFill>
-        <p:spPr bwMode="auto">
-          <a:xfrm>
-            <a:off x="7315476" y="4050360"/>
-            <a:ext cx="869356" cy="652017"/>
-          </a:xfrm>
-          <a:prstGeom prst="rect">
-            <a:avLst/>
-          </a:prstGeom>
-          <a:noFill/>
-          <a:extLst>
-            <a:ext uri="{909E8E84-426E-40DD-AFC4-6F175D3DCCD1}">
-              <a14:hiddenFill xmlns:a14="http://schemas.microsoft.com/office/drawing/2010/main">
-                <a:solidFill>
-                  <a:srgbClr val="FFFFFF"/>
-                </a:solidFill>
-              </a14:hiddenFill>
-            </a:ext>
-          </a:extLst>
-        </p:spPr>
-      </p:pic>
-    </p:spTree>
-    <p:extLst>
-      <p:ext uri="{BB962C8B-B14F-4D97-AF65-F5344CB8AC3E}">
-        <p14:creationId xmlns:p14="http://schemas.microsoft.com/office/powerpoint/2010/main" val="1649971516"/>
-      </p:ext>
-    </p:extLst>
-  </p:cSld>
-  <p:clrMapOvr>
-    <a:masterClrMapping/>
-  </p:clrMapOvr>
-</p:sld>
-</file>
-
-<file path=ppt/slides/slide6.xml><?xml version="1.0" encoding="utf-8"?>
-<p:sld xmlns:a="http://schemas.openxmlformats.org/drawingml/2006/main" xmlns:r="http://schemas.openxmlformats.org/officeDocument/2006/relationships" xmlns:p="http://schemas.openxmlformats.org/presentationml/2006/main">
-  <p:cSld>
-    <p:bg>
-      <p:bgPr>
-        <a:solidFill>
-          <a:schemeClr val="accent1">
-            <a:lumMod val="75000"/>
-          </a:schemeClr>
-        </a:solidFill>
-        <a:effectLst/>
-      </p:bgPr>
-    </p:bg>
-    <p:spTree>
-      <p:nvGrpSpPr>
-        <p:cNvPr id="1" name="Shape 103"/>
-        <p:cNvGrpSpPr/>
-        <p:nvPr/>
-      </p:nvGrpSpPr>
-      <p:grpSpPr>
-        <a:xfrm>
-          <a:off x="0" y="0"/>
-          <a:ext cx="0" cy="0"/>
-          <a:chOff x="0" y="0"/>
-          <a:chExt cx="0" cy="0"/>
-        </a:xfrm>
-      </p:grpSpPr>
-      <p:sp>
-        <p:nvSpPr>
-          <p:cNvPr id="107" name="Shape 107"/>
-          <p:cNvSpPr txBox="1">
-            <a:spLocks noGrp="1"/>
-          </p:cNvSpPr>
-          <p:nvPr>
-            <p:ph type="sldNum" idx="12"/>
-          </p:nvPr>
-        </p:nvSpPr>
-        <p:spPr>
-          <a:xfrm>
-            <a:off x="8556784" y="4749851"/>
-            <a:ext cx="548700" cy="393600"/>
-          </a:xfrm>
-          <a:prstGeom prst="rect">
-            <a:avLst/>
-          </a:prstGeom>
-        </p:spPr>
-        <p:txBody>
-          <a:bodyPr spcFirstLastPara="1" wrap="square" lIns="91425" tIns="91425" rIns="91425" bIns="91425" anchor="ctr" anchorCtr="0">
-            <a:noAutofit/>
-          </a:bodyPr>
-          <a:lstStyle/>
-          <a:p>
             <a:pPr marL="0" marR="0" lvl="0" indent="0" algn="r" defTabSz="914378" rtl="0" eaLnBrk="1" fontAlgn="auto" latinLnBrk="0" hangingPunct="1">
               <a:lnSpc>
                 <a:spcPct val="100000"/>
@@ -12300,813 +13266,6 @@
                 <a:sym typeface="Nunito Sans"/>
               </a:rPr>
               <a:pPr marL="0" marR="0" lvl="0" indent="0" algn="r" defTabSz="914378" rtl="0" eaLnBrk="1" fontAlgn="auto" latinLnBrk="0" hangingPunct="1">
-                <a:lnSpc>
-                  <a:spcPct val="100000"/>
-                </a:lnSpc>
-                <a:spcBef>
-                  <a:spcPts val="0"/>
-                </a:spcBef>
-                <a:spcAft>
-                  <a:spcPts val="0"/>
-                </a:spcAft>
-                <a:buClr>
-                  <a:srgbClr val="000000"/>
-                </a:buClr>
-                <a:buSzTx/>
-                <a:buFont typeface="Arial"/>
-                <a:buNone/>
-                <a:tabLst/>
-                <a:defRPr/>
-              </a:pPr>
-              <a:t>6</a:t>
-            </a:fld>
-            <a:endParaRPr kumimoji="0" sz="1000" b="0" i="0" u="none" strike="noStrike" kern="0" cap="none" spc="0" normalizeH="0" baseline="0" noProof="0" dirty="0">
-              <a:ln>
-                <a:noFill/>
-              </a:ln>
-              <a:solidFill>
-                <a:srgbClr val="CCCCCC"/>
-              </a:solidFill>
-              <a:effectLst/>
-              <a:uLnTx/>
-              <a:uFillTx/>
-              <a:latin typeface="Nunito Sans"/>
-              <a:sym typeface="Nunito Sans"/>
-            </a:endParaRPr>
-          </a:p>
-        </p:txBody>
-      </p:sp>
-      <p:sp>
-        <p:nvSpPr>
-          <p:cNvPr id="4" name="Rectangle 3">
-            <a:extLst>
-              <a:ext uri="{FF2B5EF4-FFF2-40B4-BE49-F238E27FC236}">
-                <a16:creationId xmlns:a16="http://schemas.microsoft.com/office/drawing/2014/main" id="{73975F41-C02D-4F7A-B534-F50F4D1254D9}"/>
-              </a:ext>
-            </a:extLst>
-          </p:cNvPr>
-          <p:cNvSpPr/>
-          <p:nvPr/>
-        </p:nvSpPr>
-        <p:spPr>
-          <a:xfrm>
-            <a:off x="2944835" y="286781"/>
-            <a:ext cx="3888771" cy="1361661"/>
-          </a:xfrm>
-          <a:prstGeom prst="rect">
-            <a:avLst/>
-          </a:prstGeom>
-          <a:solidFill>
-            <a:schemeClr val="bg1"/>
-          </a:solidFill>
-        </p:spPr>
-        <p:style>
-          <a:lnRef idx="2">
-            <a:schemeClr val="accent1">
-              <a:shade val="50000"/>
-            </a:schemeClr>
-          </a:lnRef>
-          <a:fillRef idx="1">
-            <a:schemeClr val="accent1"/>
-          </a:fillRef>
-          <a:effectRef idx="0">
-            <a:schemeClr val="accent1"/>
-          </a:effectRef>
-          <a:fontRef idx="minor">
-            <a:schemeClr val="lt1"/>
-          </a:fontRef>
-        </p:style>
-        <p:txBody>
-          <a:bodyPr rtlCol="0" anchor="ctr"/>
-          <a:lstStyle/>
-          <a:p>
-            <a:pPr marL="0" marR="0" lvl="0" indent="0" algn="l" defTabSz="914378" rtl="0" eaLnBrk="1" fontAlgn="auto" latinLnBrk="0" hangingPunct="1">
-              <a:lnSpc>
-                <a:spcPct val="100000"/>
-              </a:lnSpc>
-              <a:spcBef>
-                <a:spcPts val="0"/>
-              </a:spcBef>
-              <a:spcAft>
-                <a:spcPts val="0"/>
-              </a:spcAft>
-              <a:buClr>
-                <a:srgbClr val="000000"/>
-              </a:buClr>
-              <a:buSzTx/>
-              <a:buFont typeface="Arial"/>
-              <a:buNone/>
-              <a:tabLst/>
-              <a:defRPr/>
-            </a:pPr>
-            <a:r>
-              <a:rPr kumimoji="0" lang="en-IN" sz="1400" b="1" i="0" u="none" strike="noStrike" kern="0" cap="none" spc="0" normalizeH="0" baseline="0" noProof="0" dirty="0">
-                <a:ln>
-                  <a:noFill/>
-                </a:ln>
-                <a:solidFill>
-                  <a:srgbClr val="000000"/>
-                </a:solidFill>
-                <a:effectLst/>
-                <a:uLnTx/>
-                <a:uFillTx/>
-                <a:latin typeface="Arial"/>
-                <a:ea typeface="+mn-ea"/>
-                <a:cs typeface="+mn-cs"/>
-                <a:sym typeface="Arial"/>
-              </a:rPr>
-              <a:t>Faster Delivery of Service</a:t>
-            </a:r>
-          </a:p>
-          <a:p>
-            <a:pPr marL="0" marR="0" lvl="0" indent="0" algn="l" defTabSz="914378" rtl="0" eaLnBrk="1" fontAlgn="auto" latinLnBrk="0" hangingPunct="1">
-              <a:lnSpc>
-                <a:spcPct val="100000"/>
-              </a:lnSpc>
-              <a:spcBef>
-                <a:spcPts val="0"/>
-              </a:spcBef>
-              <a:spcAft>
-                <a:spcPts val="0"/>
-              </a:spcAft>
-              <a:buClr>
-                <a:srgbClr val="000000"/>
-              </a:buClr>
-              <a:buSzTx/>
-              <a:buFont typeface="Arial"/>
-              <a:buNone/>
-              <a:tabLst/>
-              <a:defRPr/>
-            </a:pPr>
-            <a:r>
-              <a:rPr kumimoji="0" lang="en-IN" sz="1100" b="0" i="0" u="none" strike="noStrike" kern="0" cap="none" spc="0" normalizeH="0" baseline="0" noProof="0" dirty="0">
-                <a:ln>
-                  <a:noFill/>
-                </a:ln>
-                <a:solidFill>
-                  <a:srgbClr val="000000"/>
-                </a:solidFill>
-                <a:effectLst/>
-                <a:uLnTx/>
-                <a:uFillTx/>
-                <a:latin typeface="Arial"/>
-                <a:ea typeface="+mn-ea"/>
-                <a:cs typeface="+mn-cs"/>
-                <a:sym typeface="Arial"/>
-              </a:rPr>
-              <a:t>Even if records exist digital form ,changes need to be made in official registries, patients need not appear in person to do so as smart contract will establish trust between the doctor and the patient.</a:t>
-            </a:r>
-          </a:p>
-          <a:p>
-            <a:pPr marL="0" marR="0" lvl="0" indent="0" algn="l" defTabSz="914378" rtl="0" eaLnBrk="1" fontAlgn="auto" latinLnBrk="0" hangingPunct="1">
-              <a:lnSpc>
-                <a:spcPct val="100000"/>
-              </a:lnSpc>
-              <a:spcBef>
-                <a:spcPts val="0"/>
-              </a:spcBef>
-              <a:spcAft>
-                <a:spcPts val="0"/>
-              </a:spcAft>
-              <a:buClr>
-                <a:srgbClr val="000000"/>
-              </a:buClr>
-              <a:buSzTx/>
-              <a:buFont typeface="Arial"/>
-              <a:buNone/>
-              <a:tabLst/>
-              <a:defRPr/>
-            </a:pPr>
-            <a:r>
-              <a:rPr kumimoji="0" lang="en-IN" sz="1100" b="1" i="0" u="none" strike="noStrike" kern="0" cap="none" spc="0" normalizeH="0" baseline="0" noProof="0" dirty="0">
-                <a:ln>
-                  <a:noFill/>
-                </a:ln>
-                <a:solidFill>
-                  <a:srgbClr val="000000"/>
-                </a:solidFill>
-                <a:effectLst/>
-                <a:uLnTx/>
-                <a:uFillTx/>
-                <a:latin typeface="Arial"/>
-                <a:ea typeface="+mn-ea"/>
-                <a:cs typeface="+mn-cs"/>
-                <a:sym typeface="Arial"/>
-              </a:rPr>
-              <a:t>Impact Metric - </a:t>
-            </a:r>
-            <a:r>
-              <a:rPr kumimoji="0" lang="en-IN" sz="1100" b="0" i="0" u="none" strike="noStrike" kern="0" cap="none" spc="0" normalizeH="0" baseline="0" noProof="0" dirty="0">
-                <a:ln>
-                  <a:noFill/>
-                </a:ln>
-                <a:solidFill>
-                  <a:srgbClr val="000000"/>
-                </a:solidFill>
-                <a:effectLst/>
-                <a:uLnTx/>
-                <a:uFillTx/>
-                <a:latin typeface="Arial"/>
-                <a:ea typeface="+mn-ea"/>
-                <a:cs typeface="+mn-cs"/>
-                <a:sym typeface="Arial"/>
-              </a:rPr>
-              <a:t>Feedback from patients</a:t>
-            </a:r>
-            <a:endParaRPr kumimoji="0" lang="en-US" sz="1100" b="0" i="0" u="none" strike="noStrike" kern="0" cap="none" spc="0" normalizeH="0" baseline="0" noProof="0" dirty="0">
-              <a:ln>
-                <a:noFill/>
-              </a:ln>
-              <a:solidFill>
-                <a:srgbClr val="000000"/>
-              </a:solidFill>
-              <a:effectLst/>
-              <a:uLnTx/>
-              <a:uFillTx/>
-              <a:latin typeface="Arial"/>
-              <a:ea typeface="+mn-ea"/>
-              <a:cs typeface="+mn-cs"/>
-              <a:sym typeface="Arial"/>
-            </a:endParaRPr>
-          </a:p>
-        </p:txBody>
-      </p:sp>
-      <p:sp>
-        <p:nvSpPr>
-          <p:cNvPr id="8" name="Rectangle 7">
-            <a:extLst>
-              <a:ext uri="{FF2B5EF4-FFF2-40B4-BE49-F238E27FC236}">
-                <a16:creationId xmlns:a16="http://schemas.microsoft.com/office/drawing/2014/main" id="{587713AA-9CBD-4BD7-A8A4-7B621B110039}"/>
-              </a:ext>
-            </a:extLst>
-          </p:cNvPr>
-          <p:cNvSpPr/>
-          <p:nvPr/>
-        </p:nvSpPr>
-        <p:spPr>
-          <a:xfrm>
-            <a:off x="5235738" y="1758499"/>
-            <a:ext cx="3737464" cy="1805288"/>
-          </a:xfrm>
-          <a:prstGeom prst="rect">
-            <a:avLst/>
-          </a:prstGeom>
-          <a:solidFill>
-            <a:schemeClr val="bg1"/>
-          </a:solidFill>
-        </p:spPr>
-        <p:style>
-          <a:lnRef idx="2">
-            <a:schemeClr val="accent1">
-              <a:shade val="50000"/>
-            </a:schemeClr>
-          </a:lnRef>
-          <a:fillRef idx="1">
-            <a:schemeClr val="accent1"/>
-          </a:fillRef>
-          <a:effectRef idx="0">
-            <a:schemeClr val="accent1"/>
-          </a:effectRef>
-          <a:fontRef idx="minor">
-            <a:schemeClr val="lt1"/>
-          </a:fontRef>
-        </p:style>
-        <p:txBody>
-          <a:bodyPr rtlCol="0" anchor="ctr"/>
-          <a:lstStyle/>
-          <a:p>
-            <a:pPr marL="0" marR="0" lvl="0" indent="0" algn="l" defTabSz="914378" rtl="0" eaLnBrk="1" fontAlgn="auto" latinLnBrk="0" hangingPunct="1">
-              <a:lnSpc>
-                <a:spcPct val="100000"/>
-              </a:lnSpc>
-              <a:spcBef>
-                <a:spcPts val="0"/>
-              </a:spcBef>
-              <a:spcAft>
-                <a:spcPts val="0"/>
-              </a:spcAft>
-              <a:buClr>
-                <a:srgbClr val="000000"/>
-              </a:buClr>
-              <a:buSzTx/>
-              <a:buFont typeface="Arial"/>
-              <a:buNone/>
-              <a:tabLst/>
-              <a:defRPr/>
-            </a:pPr>
-            <a:r>
-              <a:rPr kumimoji="0" lang="en-IN" sz="1400" b="1" i="0" u="none" strike="noStrike" kern="0" cap="none" spc="0" normalizeH="0" baseline="0" noProof="0" dirty="0">
-                <a:ln>
-                  <a:noFill/>
-                </a:ln>
-                <a:solidFill>
-                  <a:srgbClr val="000000"/>
-                </a:solidFill>
-                <a:effectLst/>
-                <a:uLnTx/>
-                <a:uFillTx/>
-                <a:latin typeface="Arial"/>
-                <a:ea typeface="+mn-ea"/>
-                <a:cs typeface="+mn-cs"/>
-                <a:sym typeface="Arial"/>
-              </a:rPr>
-              <a:t>Information Exchangeability</a:t>
-            </a:r>
-          </a:p>
-          <a:p>
-            <a:pPr marL="0" marR="0" lvl="0" indent="0" algn="l" defTabSz="914378" rtl="0" eaLnBrk="1" fontAlgn="auto" latinLnBrk="0" hangingPunct="1">
-              <a:lnSpc>
-                <a:spcPct val="100000"/>
-              </a:lnSpc>
-              <a:spcBef>
-                <a:spcPts val="0"/>
-              </a:spcBef>
-              <a:spcAft>
-                <a:spcPts val="0"/>
-              </a:spcAft>
-              <a:buClr>
-                <a:srgbClr val="000000"/>
-              </a:buClr>
-              <a:buSzTx/>
-              <a:buFont typeface="Arial"/>
-              <a:buNone/>
-              <a:tabLst/>
-              <a:defRPr/>
-            </a:pPr>
-            <a:r>
-              <a:rPr kumimoji="0" lang="en-IN" sz="1100" b="0" i="0" u="none" strike="noStrike" kern="0" cap="none" spc="0" normalizeH="0" baseline="0" noProof="0" dirty="0">
-                <a:ln>
-                  <a:noFill/>
-                </a:ln>
-                <a:solidFill>
-                  <a:srgbClr val="000000"/>
-                </a:solidFill>
-                <a:effectLst/>
-                <a:uLnTx/>
-                <a:uFillTx/>
-                <a:latin typeface="Arial"/>
-                <a:ea typeface="+mn-ea"/>
-                <a:cs typeface="+mn-cs"/>
-                <a:sym typeface="Arial"/>
-              </a:rPr>
-              <a:t>Individual hospitals tend to build their own silos of data and information-management protocols, which preclude other parts of the departments or agencies from using them. Information will be shared in a universal format which will minimize the efforts required for collecting and interpreting information. </a:t>
-            </a:r>
-          </a:p>
-          <a:p>
-            <a:pPr marL="0" marR="0" lvl="0" indent="0" algn="l" defTabSz="914378" rtl="0" eaLnBrk="1" fontAlgn="auto" latinLnBrk="0" hangingPunct="1">
-              <a:lnSpc>
-                <a:spcPct val="100000"/>
-              </a:lnSpc>
-              <a:spcBef>
-                <a:spcPts val="0"/>
-              </a:spcBef>
-              <a:spcAft>
-                <a:spcPts val="0"/>
-              </a:spcAft>
-              <a:buClr>
-                <a:srgbClr val="000000"/>
-              </a:buClr>
-              <a:buSzTx/>
-              <a:buFont typeface="Arial"/>
-              <a:buNone/>
-              <a:tabLst/>
-              <a:defRPr/>
-            </a:pPr>
-            <a:r>
-              <a:rPr kumimoji="0" lang="en-IN" sz="1100" b="1" i="0" u="none" strike="noStrike" kern="0" cap="none" spc="0" normalizeH="0" baseline="0" noProof="0" dirty="0">
-                <a:ln>
-                  <a:noFill/>
-                </a:ln>
-                <a:solidFill>
-                  <a:srgbClr val="000000"/>
-                </a:solidFill>
-                <a:effectLst/>
-                <a:uLnTx/>
-                <a:uFillTx/>
-                <a:latin typeface="Arial"/>
-                <a:ea typeface="+mn-ea"/>
-                <a:cs typeface="+mn-cs"/>
-                <a:sym typeface="Arial"/>
-              </a:rPr>
-              <a:t>Impact metric - </a:t>
-            </a:r>
-            <a:r>
-              <a:rPr kumimoji="0" lang="en-IN" sz="1100" b="0" i="0" u="none" strike="noStrike" kern="0" cap="none" spc="0" normalizeH="0" baseline="0" noProof="0" dirty="0">
-                <a:ln>
-                  <a:noFill/>
-                </a:ln>
-                <a:solidFill>
-                  <a:srgbClr val="000000"/>
-                </a:solidFill>
-                <a:effectLst/>
-                <a:uLnTx/>
-                <a:uFillTx/>
-                <a:latin typeface="Arial"/>
-                <a:ea typeface="+mn-ea"/>
-                <a:cs typeface="+mn-cs"/>
-                <a:sym typeface="Arial"/>
-              </a:rPr>
-              <a:t>Ease of creation of service, sharing data decision making .</a:t>
-            </a:r>
-            <a:endParaRPr kumimoji="0" lang="en-US" sz="1100" b="0" i="0" u="none" strike="noStrike" kern="0" cap="none" spc="0" normalizeH="0" baseline="0" noProof="0" dirty="0">
-              <a:ln>
-                <a:noFill/>
-              </a:ln>
-              <a:solidFill>
-                <a:srgbClr val="000000"/>
-              </a:solidFill>
-              <a:effectLst/>
-              <a:uLnTx/>
-              <a:uFillTx/>
-              <a:latin typeface="Arial"/>
-              <a:ea typeface="+mn-ea"/>
-              <a:cs typeface="+mn-cs"/>
-              <a:sym typeface="Arial"/>
-            </a:endParaRPr>
-          </a:p>
-        </p:txBody>
-      </p:sp>
-      <p:sp>
-        <p:nvSpPr>
-          <p:cNvPr id="10" name="Rectangle 9">
-            <a:extLst>
-              <a:ext uri="{FF2B5EF4-FFF2-40B4-BE49-F238E27FC236}">
-                <a16:creationId xmlns:a16="http://schemas.microsoft.com/office/drawing/2014/main" id="{A6D7667A-DA73-430E-A281-75520436CCCB}"/>
-              </a:ext>
-            </a:extLst>
-          </p:cNvPr>
-          <p:cNvSpPr/>
-          <p:nvPr/>
-        </p:nvSpPr>
-        <p:spPr>
-          <a:xfrm>
-            <a:off x="2959697" y="3673846"/>
-            <a:ext cx="3873910" cy="1361661"/>
-          </a:xfrm>
-          <a:prstGeom prst="rect">
-            <a:avLst/>
-          </a:prstGeom>
-          <a:noFill/>
-        </p:spPr>
-        <p:style>
-          <a:lnRef idx="2">
-            <a:schemeClr val="accent1">
-              <a:shade val="50000"/>
-            </a:schemeClr>
-          </a:lnRef>
-          <a:fillRef idx="1">
-            <a:schemeClr val="accent1"/>
-          </a:fillRef>
-          <a:effectRef idx="0">
-            <a:schemeClr val="accent1"/>
-          </a:effectRef>
-          <a:fontRef idx="minor">
-            <a:schemeClr val="lt1"/>
-          </a:fontRef>
-        </p:style>
-        <p:txBody>
-          <a:bodyPr rtlCol="0" anchor="ctr"/>
-          <a:lstStyle/>
-          <a:p>
-            <a:pPr marL="0" marR="0" lvl="0" indent="0" algn="l" defTabSz="914378" rtl="0" eaLnBrk="1" fontAlgn="auto" latinLnBrk="0" hangingPunct="1">
-              <a:lnSpc>
-                <a:spcPct val="100000"/>
-              </a:lnSpc>
-              <a:spcBef>
-                <a:spcPts val="0"/>
-              </a:spcBef>
-              <a:spcAft>
-                <a:spcPts val="0"/>
-              </a:spcAft>
-              <a:buClr>
-                <a:srgbClr val="000000"/>
-              </a:buClr>
-              <a:buSzTx/>
-              <a:buFont typeface="Arial"/>
-              <a:buNone/>
-              <a:tabLst/>
-              <a:defRPr/>
-            </a:pPr>
-            <a:r>
-              <a:rPr kumimoji="0" lang="en-IN" sz="1400" b="1" i="0" u="none" strike="noStrike" kern="0" cap="none" spc="0" normalizeH="0" baseline="0" noProof="0" dirty="0">
-                <a:ln>
-                  <a:noFill/>
-                </a:ln>
-                <a:solidFill>
-                  <a:srgbClr val="000000"/>
-                </a:solidFill>
-                <a:effectLst/>
-                <a:uLnTx/>
-                <a:uFillTx/>
-                <a:latin typeface="Arial"/>
-                <a:ea typeface="+mn-ea"/>
-                <a:cs typeface="+mn-cs"/>
-                <a:sym typeface="Arial"/>
-              </a:rPr>
-              <a:t>Security and Control over Data</a:t>
-            </a:r>
-          </a:p>
-          <a:p>
-            <a:pPr marL="0" marR="0" lvl="0" indent="0" algn="l" defTabSz="914378" rtl="0" eaLnBrk="1" fontAlgn="auto" latinLnBrk="0" hangingPunct="1">
-              <a:lnSpc>
-                <a:spcPct val="100000"/>
-              </a:lnSpc>
-              <a:spcBef>
-                <a:spcPts val="0"/>
-              </a:spcBef>
-              <a:spcAft>
-                <a:spcPts val="0"/>
-              </a:spcAft>
-              <a:buClr>
-                <a:srgbClr val="000000"/>
-              </a:buClr>
-              <a:buSzTx/>
-              <a:buFont typeface="Arial"/>
-              <a:buNone/>
-              <a:tabLst/>
-              <a:defRPr/>
-            </a:pPr>
-            <a:r>
-              <a:rPr kumimoji="0" lang="en-IN" sz="1100" b="0" i="0" u="none" strike="noStrike" kern="0" cap="none" spc="0" normalizeH="0" baseline="0" noProof="0" dirty="0">
-                <a:ln>
-                  <a:noFill/>
-                </a:ln>
-                <a:solidFill>
-                  <a:srgbClr val="000000"/>
-                </a:solidFill>
-                <a:effectLst/>
-                <a:uLnTx/>
-                <a:uFillTx/>
-                <a:latin typeface="Arial"/>
-                <a:ea typeface="+mn-ea"/>
-                <a:cs typeface="+mn-cs"/>
-                <a:sym typeface="Arial"/>
-              </a:rPr>
-              <a:t>The use of blockchain ledgers greatly reduces the risk of unauthorized access (through strong encryption) data manipulation (through tamperproof audit trails) that can happen in records stored in digital form.</a:t>
-            </a:r>
-          </a:p>
-          <a:p>
-            <a:pPr marL="0" marR="0" lvl="0" indent="0" algn="l" defTabSz="914378" rtl="0" eaLnBrk="1" fontAlgn="auto" latinLnBrk="0" hangingPunct="1">
-              <a:lnSpc>
-                <a:spcPct val="100000"/>
-              </a:lnSpc>
-              <a:spcBef>
-                <a:spcPts val="0"/>
-              </a:spcBef>
-              <a:spcAft>
-                <a:spcPts val="0"/>
-              </a:spcAft>
-              <a:buClr>
-                <a:srgbClr val="000000"/>
-              </a:buClr>
-              <a:buSzTx/>
-              <a:buFont typeface="Arial"/>
-              <a:buNone/>
-              <a:tabLst/>
-              <a:defRPr/>
-            </a:pPr>
-            <a:r>
-              <a:rPr kumimoji="0" lang="en-IN" sz="1100" b="1" i="0" u="none" strike="noStrike" kern="0" cap="none" spc="0" normalizeH="0" baseline="0" noProof="0" dirty="0">
-                <a:ln>
-                  <a:noFill/>
-                </a:ln>
-                <a:solidFill>
-                  <a:srgbClr val="000000"/>
-                </a:solidFill>
-                <a:effectLst/>
-                <a:uLnTx/>
-                <a:uFillTx/>
-                <a:latin typeface="Arial"/>
-                <a:ea typeface="+mn-ea"/>
-                <a:cs typeface="+mn-cs"/>
-                <a:sym typeface="Arial"/>
-              </a:rPr>
-              <a:t>Impact metric</a:t>
-            </a:r>
-            <a:r>
-              <a:rPr kumimoji="0" lang="en-IN" sz="1100" b="0" i="0" u="none" strike="noStrike" kern="0" cap="none" spc="0" normalizeH="0" baseline="0" noProof="0" dirty="0">
-                <a:ln>
-                  <a:noFill/>
-                </a:ln>
-                <a:solidFill>
-                  <a:srgbClr val="000000"/>
-                </a:solidFill>
-                <a:effectLst/>
-                <a:uLnTx/>
-                <a:uFillTx/>
-                <a:latin typeface="Arial"/>
-                <a:ea typeface="+mn-ea"/>
-                <a:cs typeface="+mn-cs"/>
-                <a:sym typeface="Arial"/>
-              </a:rPr>
-              <a:t> - Cases of fraud reported by patients</a:t>
-            </a:r>
-            <a:endParaRPr kumimoji="0" lang="en-US" sz="1100" b="0" i="0" u="none" strike="noStrike" kern="0" cap="none" spc="0" normalizeH="0" baseline="0" noProof="0" dirty="0">
-              <a:ln>
-                <a:noFill/>
-              </a:ln>
-              <a:solidFill>
-                <a:srgbClr val="000000"/>
-              </a:solidFill>
-              <a:effectLst/>
-              <a:uLnTx/>
-              <a:uFillTx/>
-              <a:latin typeface="Arial"/>
-              <a:ea typeface="+mn-ea"/>
-              <a:cs typeface="+mn-cs"/>
-              <a:sym typeface="Arial"/>
-            </a:endParaRPr>
-          </a:p>
-        </p:txBody>
-      </p:sp>
-      <p:sp>
-        <p:nvSpPr>
-          <p:cNvPr id="11" name="Shape 104"/>
-          <p:cNvSpPr txBox="1">
-            <a:spLocks noGrp="1"/>
-          </p:cNvSpPr>
-          <p:nvPr>
-            <p:ph type="title"/>
-          </p:nvPr>
-        </p:nvSpPr>
-        <p:spPr>
-          <a:xfrm>
-            <a:off x="234450" y="575500"/>
-            <a:ext cx="2046300" cy="580638"/>
-          </a:xfrm>
-          <a:prstGeom prst="rect">
-            <a:avLst/>
-          </a:prstGeom>
-        </p:spPr>
-        <p:txBody>
-          <a:bodyPr spcFirstLastPara="1" wrap="square" lIns="91425" tIns="91425" rIns="91425" bIns="91425" anchor="t" anchorCtr="0">
-            <a:noAutofit/>
-          </a:bodyPr>
-          <a:lstStyle/>
-          <a:p>
-            <a:r>
-              <a:rPr lang="en-IN" b="1" dirty="0"/>
-              <a:t>Potential </a:t>
-            </a:r>
-            <a:br>
-              <a:rPr lang="en-IN" b="1" dirty="0"/>
-            </a:br>
-            <a:r>
-              <a:rPr lang="en-IN" b="1" dirty="0"/>
-              <a:t>Impact</a:t>
-            </a:r>
-            <a:endParaRPr b="1" dirty="0"/>
-          </a:p>
-        </p:txBody>
-      </p:sp>
-    </p:spTree>
-    <p:extLst>
-      <p:ext uri="{BB962C8B-B14F-4D97-AF65-F5344CB8AC3E}">
-        <p14:creationId xmlns:p14="http://schemas.microsoft.com/office/powerpoint/2010/main" val="1105287610"/>
-      </p:ext>
-    </p:extLst>
-  </p:cSld>
-  <p:clrMapOvr>
-    <a:masterClrMapping/>
-  </p:clrMapOvr>
-</p:sld>
-</file>
-
-<file path=ppt/slides/slide7.xml><?xml version="1.0" encoding="utf-8"?>
-<p:sld xmlns:a="http://schemas.openxmlformats.org/drawingml/2006/main" xmlns:r="http://schemas.openxmlformats.org/officeDocument/2006/relationships" xmlns:p="http://schemas.openxmlformats.org/presentationml/2006/main">
-  <p:cSld>
-    <p:bg>
-      <p:bgPr>
-        <a:solidFill>
-          <a:schemeClr val="accent1">
-            <a:lumMod val="75000"/>
-          </a:schemeClr>
-        </a:solidFill>
-        <a:effectLst/>
-      </p:bgPr>
-    </p:bg>
-    <p:spTree>
-      <p:nvGrpSpPr>
-        <p:cNvPr id="1" name="Shape 103"/>
-        <p:cNvGrpSpPr/>
-        <p:nvPr/>
-      </p:nvGrpSpPr>
-      <p:grpSpPr>
-        <a:xfrm>
-          <a:off x="0" y="0"/>
-          <a:ext cx="0" cy="0"/>
-          <a:chOff x="0" y="0"/>
-          <a:chExt cx="0" cy="0"/>
-        </a:xfrm>
-      </p:grpSpPr>
-      <p:sp>
-        <p:nvSpPr>
-          <p:cNvPr id="104" name="Shape 104"/>
-          <p:cNvSpPr txBox="1">
-            <a:spLocks noGrp="1"/>
-          </p:cNvSpPr>
-          <p:nvPr>
-            <p:ph type="title"/>
-          </p:nvPr>
-        </p:nvSpPr>
-        <p:spPr>
-          <a:xfrm>
-            <a:off x="234450" y="575500"/>
-            <a:ext cx="2046300" cy="817464"/>
-          </a:xfrm>
-          <a:prstGeom prst="rect">
-            <a:avLst/>
-          </a:prstGeom>
-        </p:spPr>
-        <p:txBody>
-          <a:bodyPr spcFirstLastPara="1" wrap="square" lIns="91425" tIns="91425" rIns="91425" bIns="91425" anchor="t" anchorCtr="0">
-            <a:noAutofit/>
-          </a:bodyPr>
-          <a:lstStyle/>
-          <a:p>
-            <a:pPr marL="0" lvl="0" indent="0" rtl="0">
-              <a:spcBef>
-                <a:spcPts val="0"/>
-              </a:spcBef>
-              <a:spcAft>
-                <a:spcPts val="0"/>
-              </a:spcAft>
-              <a:buNone/>
-            </a:pPr>
-            <a:r>
-              <a:rPr lang="en-US" b="1" dirty="0"/>
-              <a:t>Potential </a:t>
-            </a:r>
-            <a:br>
-              <a:rPr lang="en-US" b="1" dirty="0"/>
-            </a:br>
-            <a:r>
-              <a:rPr lang="en-US" b="1" dirty="0"/>
-              <a:t>Impact</a:t>
-            </a:r>
-            <a:endParaRPr b="1" dirty="0"/>
-          </a:p>
-        </p:txBody>
-      </p:sp>
-      <p:sp>
-        <p:nvSpPr>
-          <p:cNvPr id="107" name="Shape 107"/>
-          <p:cNvSpPr txBox="1">
-            <a:spLocks noGrp="1"/>
-          </p:cNvSpPr>
-          <p:nvPr>
-            <p:ph type="sldNum" idx="12"/>
-          </p:nvPr>
-        </p:nvSpPr>
-        <p:spPr>
-          <a:xfrm>
-            <a:off x="8556784" y="4749851"/>
-            <a:ext cx="548700" cy="393600"/>
-          </a:xfrm>
-          <a:prstGeom prst="rect">
-            <a:avLst/>
-          </a:prstGeom>
-        </p:spPr>
-        <p:txBody>
-          <a:bodyPr spcFirstLastPara="1" wrap="square" lIns="91425" tIns="91425" rIns="91425" bIns="91425" anchor="ctr" anchorCtr="0">
-            <a:noAutofit/>
-          </a:bodyPr>
-          <a:lstStyle/>
-          <a:p>
-            <a:pPr marL="0" marR="0" lvl="0" indent="0" algn="r" defTabSz="914400" rtl="0" eaLnBrk="1" fontAlgn="auto" latinLnBrk="0" hangingPunct="1">
-              <a:lnSpc>
-                <a:spcPct val="100000"/>
-              </a:lnSpc>
-              <a:spcBef>
-                <a:spcPts val="0"/>
-              </a:spcBef>
-              <a:spcAft>
-                <a:spcPts val="0"/>
-              </a:spcAft>
-              <a:buClr>
-                <a:srgbClr val="000000"/>
-              </a:buClr>
-              <a:buSzTx/>
-              <a:buFont typeface="Arial"/>
-              <a:buNone/>
-              <a:tabLst/>
-              <a:defRPr/>
-            </a:pPr>
-            <a:fld id="{00000000-1234-1234-1234-123412341234}" type="slidenum">
-              <a:rPr kumimoji="0" lang="en" sz="1000" b="0" i="0" u="none" strike="noStrike" kern="0" cap="none" spc="0" normalizeH="0" baseline="0" noProof="0">
-                <a:ln>
-                  <a:noFill/>
-                </a:ln>
-                <a:solidFill>
-                  <a:srgbClr val="CCCCCC"/>
-                </a:solidFill>
-                <a:effectLst/>
-                <a:uLnTx/>
-                <a:uFillTx/>
-                <a:latin typeface="Nunito Sans"/>
-                <a:sym typeface="Nunito Sans"/>
-              </a:rPr>
-              <a:pPr marL="0" marR="0" lvl="0" indent="0" algn="r" defTabSz="914400" rtl="0" eaLnBrk="1" fontAlgn="auto" latinLnBrk="0" hangingPunct="1">
                 <a:lnSpc>
                   <a:spcPct val="100000"/>
                 </a:lnSpc>
@@ -13143,42 +13302,12 @@
           </a:p>
         </p:txBody>
       </p:sp>
-      <p:pic>
-        <p:nvPicPr>
-          <p:cNvPr id="3" name="Picture 2">
+      <p:sp>
+        <p:nvSpPr>
+          <p:cNvPr id="4" name="Rectangle 3">
             <a:extLst>
               <a:ext uri="{FF2B5EF4-FFF2-40B4-BE49-F238E27FC236}">
-                <a16:creationId xmlns:a16="http://schemas.microsoft.com/office/drawing/2014/main" id="{C3C48C5D-FAEB-4256-8607-1D43EB7C0026}"/>
-              </a:ext>
-            </a:extLst>
-          </p:cNvPr>
-          <p:cNvPicPr>
-            <a:picLocks noChangeAspect="1"/>
-          </p:cNvPicPr>
-          <p:nvPr/>
-        </p:nvPicPr>
-        <p:blipFill>
-          <a:blip r:embed="rId3"/>
-          <a:stretch>
-            <a:fillRect/>
-          </a:stretch>
-        </p:blipFill>
-        <p:spPr>
-          <a:xfrm>
-            <a:off x="2733259" y="177512"/>
-            <a:ext cx="2924265" cy="2145770"/>
-          </a:xfrm>
-          <a:prstGeom prst="rect">
-            <a:avLst/>
-          </a:prstGeom>
-        </p:spPr>
-      </p:pic>
-      <p:sp>
-        <p:nvSpPr>
-          <p:cNvPr id="6" name="Rectangle 5">
-            <a:extLst>
-              <a:ext uri="{FF2B5EF4-FFF2-40B4-BE49-F238E27FC236}">
-                <a16:creationId xmlns:a16="http://schemas.microsoft.com/office/drawing/2014/main" id="{A4167771-AB2F-41FA-B259-297518A6C117}"/>
+                <a16:creationId xmlns:a16="http://schemas.microsoft.com/office/drawing/2014/main" id="{73975F41-C02D-4F7A-B534-F50F4D1254D9}"/>
               </a:ext>
             </a:extLst>
           </p:cNvPr>
@@ -13187,20 +13316,37 @@
         </p:nvSpPr>
         <p:spPr>
           <a:xfrm>
-            <a:off x="2630308" y="2323282"/>
-            <a:ext cx="6679096" cy="461665"/>
+            <a:off x="2944835" y="286781"/>
+            <a:ext cx="3888771" cy="1361661"/>
           </a:xfrm>
           <a:prstGeom prst="rect">
             <a:avLst/>
           </a:prstGeom>
-        </p:spPr>
+          <a:solidFill>
+            <a:schemeClr val="bg1"/>
+          </a:solidFill>
+        </p:spPr>
+        <p:style>
+          <a:lnRef idx="2">
+            <a:schemeClr val="accent1">
+              <a:shade val="50000"/>
+            </a:schemeClr>
+          </a:lnRef>
+          <a:fillRef idx="1">
+            <a:schemeClr val="accent1"/>
+          </a:fillRef>
+          <a:effectRef idx="0">
+            <a:schemeClr val="accent1"/>
+          </a:effectRef>
+          <a:fontRef idx="minor">
+            <a:schemeClr val="lt1"/>
+          </a:fontRef>
+        </p:style>
         <p:txBody>
-          <a:bodyPr wrap="square">
-            <a:spAutoFit/>
-          </a:bodyPr>
+          <a:bodyPr rtlCol="0" anchor="ctr"/>
           <a:lstStyle/>
           <a:p>
-            <a:pPr marL="0" marR="0" lvl="0" indent="0" algn="l" defTabSz="914400" rtl="0" eaLnBrk="1" fontAlgn="auto" latinLnBrk="0" hangingPunct="1">
+            <a:pPr marL="0" marR="0" lvl="0" indent="0" algn="l" defTabSz="914378" rtl="0" eaLnBrk="1" fontAlgn="auto" latinLnBrk="0" hangingPunct="1">
               <a:lnSpc>
                 <a:spcPct val="100000"/>
               </a:lnSpc>
@@ -13220,7 +13366,7 @@
               <a:defRPr/>
             </a:pPr>
             <a:r>
-              <a:rPr kumimoji="0" lang="en-IN" sz="1200" b="0" i="0" u="none" strike="noStrike" kern="0" cap="none" spc="0" normalizeH="0" baseline="0" noProof="0" dirty="0">
+              <a:rPr kumimoji="0" lang="en-IN" sz="1400" b="1" i="0" u="none" strike="noStrike" kern="0" cap="none" spc="0" normalizeH="0" baseline="0" noProof="0" dirty="0">
                 <a:ln>
                   <a:noFill/>
                 </a:ln>
@@ -13231,14 +13377,15 @@
                 <a:uLnTx/>
                 <a:uFillTx/>
                 <a:latin typeface="Arial"/>
-                <a:cs typeface="Arial"/>
+                <a:ea typeface="+mn-ea"/>
+                <a:cs typeface="+mn-cs"/>
                 <a:sym typeface="Arial"/>
               </a:rPr>
-              <a:t>The different indicators given below highlight ways in which Maharashtra is</a:t>
-            </a:r>
-          </a:p>
-          <a:p>
-            <a:pPr marL="0" marR="0" lvl="0" indent="0" algn="l" defTabSz="914400" rtl="0" eaLnBrk="1" fontAlgn="auto" latinLnBrk="0" hangingPunct="1">
+              <a:t>Faster Delivery of Service</a:t>
+            </a:r>
+          </a:p>
+          <a:p>
+            <a:pPr marL="0" marR="0" lvl="0" indent="0" algn="l" defTabSz="914378" rtl="0" eaLnBrk="1" fontAlgn="auto" latinLnBrk="0" hangingPunct="1">
               <a:lnSpc>
                 <a:spcPct val="100000"/>
               </a:lnSpc>
@@ -13258,7 +13405,7 @@
               <a:defRPr/>
             </a:pPr>
             <a:r>
-              <a:rPr kumimoji="0" lang="en-IN" sz="1200" b="0" i="0" u="none" strike="noStrike" kern="0" cap="none" spc="0" normalizeH="0" baseline="0" noProof="0" dirty="0">
+              <a:rPr kumimoji="0" lang="en-IN" sz="1100" b="0" i="0" u="none" strike="noStrike" kern="0" cap="none" spc="0" normalizeH="0" baseline="0" noProof="0" dirty="0">
                 <a:ln>
                   <a:noFill/>
                 </a:ln>
@@ -13269,80 +13416,93 @@
                 <a:uLnTx/>
                 <a:uFillTx/>
                 <a:latin typeface="Arial"/>
-                <a:cs typeface="Arial"/>
+                <a:ea typeface="+mn-ea"/>
+                <a:cs typeface="+mn-cs"/>
                 <a:sym typeface="Arial"/>
               </a:rPr>
-              <a:t> falling short of taking adequate care of its people</a:t>
-            </a:r>
+              <a:t>Even if records exist digital form ,changes need to be made in official registries, patients need not appear in person to do so as smart contract will establish trust between the doctor and the patient.</a:t>
+            </a:r>
+          </a:p>
+          <a:p>
+            <a:pPr marL="0" marR="0" lvl="0" indent="0" algn="l" defTabSz="914378" rtl="0" eaLnBrk="1" fontAlgn="auto" latinLnBrk="0" hangingPunct="1">
+              <a:lnSpc>
+                <a:spcPct val="100000"/>
+              </a:lnSpc>
+              <a:spcBef>
+                <a:spcPts val="0"/>
+              </a:spcBef>
+              <a:spcAft>
+                <a:spcPts val="0"/>
+              </a:spcAft>
+              <a:buClr>
+                <a:srgbClr val="000000"/>
+              </a:buClr>
+              <a:buSzTx/>
+              <a:buFont typeface="Arial"/>
+              <a:buNone/>
+              <a:tabLst/>
+              <a:defRPr/>
+            </a:pPr>
+            <a:r>
+              <a:rPr kumimoji="0" lang="en-IN" sz="1100" b="1" i="0" u="none" strike="noStrike" kern="0" cap="none" spc="0" normalizeH="0" baseline="0" noProof="0" dirty="0">
+                <a:ln>
+                  <a:noFill/>
+                </a:ln>
+                <a:solidFill>
+                  <a:srgbClr val="000000"/>
+                </a:solidFill>
+                <a:effectLst/>
+                <a:uLnTx/>
+                <a:uFillTx/>
+                <a:latin typeface="Arial"/>
+                <a:ea typeface="+mn-ea"/>
+                <a:cs typeface="+mn-cs"/>
+                <a:sym typeface="Arial"/>
+              </a:rPr>
+              <a:t>Impact Metric - </a:t>
+            </a:r>
+            <a:r>
+              <a:rPr kumimoji="0" lang="en-IN" sz="1100" b="0" i="0" u="none" strike="noStrike" kern="0" cap="none" spc="0" normalizeH="0" baseline="0" noProof="0" dirty="0">
+                <a:ln>
+                  <a:noFill/>
+                </a:ln>
+                <a:solidFill>
+                  <a:srgbClr val="000000"/>
+                </a:solidFill>
+                <a:effectLst/>
+                <a:uLnTx/>
+                <a:uFillTx/>
+                <a:latin typeface="Arial"/>
+                <a:ea typeface="+mn-ea"/>
+                <a:cs typeface="+mn-cs"/>
+                <a:sym typeface="Arial"/>
+              </a:rPr>
+              <a:t>Feedback from patients</a:t>
+            </a:r>
+            <a:endParaRPr kumimoji="0" lang="en-US" sz="1100" b="0" i="0" u="none" strike="noStrike" kern="0" cap="none" spc="0" normalizeH="0" baseline="0" noProof="0" dirty="0">
+              <a:ln>
+                <a:noFill/>
+              </a:ln>
+              <a:solidFill>
+                <a:srgbClr val="000000"/>
+              </a:solidFill>
+              <a:effectLst/>
+              <a:uLnTx/>
+              <a:uFillTx/>
+              <a:latin typeface="Arial"/>
+              <a:ea typeface="+mn-ea"/>
+              <a:cs typeface="+mn-cs"/>
+              <a:sym typeface="Arial"/>
+            </a:endParaRPr>
           </a:p>
         </p:txBody>
       </p:sp>
-      <p:pic>
-        <p:nvPicPr>
-          <p:cNvPr id="8" name="Picture 7">
+      <p:sp>
+        <p:nvSpPr>
+          <p:cNvPr id="8" name="Rectangle 7">
             <a:extLst>
               <a:ext uri="{FF2B5EF4-FFF2-40B4-BE49-F238E27FC236}">
-                <a16:creationId xmlns:a16="http://schemas.microsoft.com/office/drawing/2014/main" id="{A972815C-1751-4639-BA02-F10F2BBD3DB7}"/>
-              </a:ext>
-            </a:extLst>
-          </p:cNvPr>
-          <p:cNvPicPr>
-            <a:picLocks noChangeAspect="1"/>
-          </p:cNvPicPr>
-          <p:nvPr/>
-        </p:nvPicPr>
-        <p:blipFill>
-          <a:blip r:embed="rId4"/>
-          <a:stretch>
-            <a:fillRect/>
-          </a:stretch>
-        </p:blipFill>
-        <p:spPr>
-          <a:xfrm>
-            <a:off x="2877054" y="2863636"/>
-            <a:ext cx="2995158" cy="2067081"/>
-          </a:xfrm>
-          <a:prstGeom prst="rect">
-            <a:avLst/>
-          </a:prstGeom>
-        </p:spPr>
-      </p:pic>
-      <p:pic>
-        <p:nvPicPr>
-          <p:cNvPr id="12" name="Picture 11">
-            <a:extLst>
-              <a:ext uri="{FF2B5EF4-FFF2-40B4-BE49-F238E27FC236}">
-                <a16:creationId xmlns:a16="http://schemas.microsoft.com/office/drawing/2014/main" id="{FF710ECC-FA56-494F-A845-549B89803A2A}"/>
-              </a:ext>
-            </a:extLst>
-          </p:cNvPr>
-          <p:cNvPicPr>
-            <a:picLocks noChangeAspect="1"/>
-          </p:cNvPicPr>
-          <p:nvPr/>
-        </p:nvPicPr>
-        <p:blipFill>
-          <a:blip r:embed="rId5"/>
-          <a:stretch>
-            <a:fillRect/>
-          </a:stretch>
-        </p:blipFill>
-        <p:spPr>
-          <a:xfrm>
-            <a:off x="6182798" y="2795540"/>
-            <a:ext cx="2732602" cy="2203272"/>
-          </a:xfrm>
-          <a:prstGeom prst="rect">
-            <a:avLst/>
-          </a:prstGeom>
-        </p:spPr>
-      </p:pic>
-      <p:sp>
-        <p:nvSpPr>
-          <p:cNvPr id="22" name="Rectangle 21">
-            <a:extLst>
-              <a:ext uri="{FF2B5EF4-FFF2-40B4-BE49-F238E27FC236}">
-                <a16:creationId xmlns:a16="http://schemas.microsoft.com/office/drawing/2014/main" id="{B080A266-50F9-4293-B35D-77EF1DCEA111}"/>
+                <a16:creationId xmlns:a16="http://schemas.microsoft.com/office/drawing/2014/main" id="{587713AA-9CBD-4BD7-A8A4-7B621B110039}"/>
               </a:ext>
             </a:extLst>
           </p:cNvPr>
@@ -13351,20 +13511,37 @@
         </p:nvSpPr>
         <p:spPr>
           <a:xfrm>
-            <a:off x="5969856" y="1096509"/>
-            <a:ext cx="3158486" cy="307777"/>
+            <a:off x="5235738" y="1758499"/>
+            <a:ext cx="3737464" cy="1805288"/>
           </a:xfrm>
           <a:prstGeom prst="rect">
             <a:avLst/>
           </a:prstGeom>
-        </p:spPr>
+          <a:solidFill>
+            <a:schemeClr val="bg1"/>
+          </a:solidFill>
+        </p:spPr>
+        <p:style>
+          <a:lnRef idx="2">
+            <a:schemeClr val="accent1">
+              <a:shade val="50000"/>
+            </a:schemeClr>
+          </a:lnRef>
+          <a:fillRef idx="1">
+            <a:schemeClr val="accent1"/>
+          </a:fillRef>
+          <a:effectRef idx="0">
+            <a:schemeClr val="accent1"/>
+          </a:effectRef>
+          <a:fontRef idx="minor">
+            <a:schemeClr val="lt1"/>
+          </a:fontRef>
+        </p:style>
         <p:txBody>
-          <a:bodyPr wrap="square">
-            <a:spAutoFit/>
-          </a:bodyPr>
+          <a:bodyPr rtlCol="0" anchor="ctr"/>
           <a:lstStyle/>
           <a:p>
-            <a:pPr marL="0" marR="0" lvl="0" indent="0" algn="l" defTabSz="914400" rtl="0" eaLnBrk="1" fontAlgn="auto" latinLnBrk="0" hangingPunct="1">
+            <a:pPr marL="0" marR="0" lvl="0" indent="0" algn="l" defTabSz="914378" rtl="0" eaLnBrk="1" fontAlgn="auto" latinLnBrk="0" hangingPunct="1">
               <a:lnSpc>
                 <a:spcPct val="100000"/>
               </a:lnSpc>
@@ -13384,43 +13561,374 @@
               <a:defRPr/>
             </a:pPr>
             <a:r>
-              <a:rPr kumimoji="0" lang="en-US" sz="1400" b="0" i="0" u="none" strike="noStrike" kern="0" cap="none" spc="0" normalizeH="0" baseline="0" noProof="0" dirty="0">
+              <a:rPr kumimoji="0" lang="en-IN" sz="1400" b="1" i="0" u="none" strike="noStrike" kern="0" cap="none" spc="0" normalizeH="0" baseline="0" noProof="0" dirty="0">
                 <a:ln>
                   <a:noFill/>
                 </a:ln>
                 <a:solidFill>
-                  <a:srgbClr val="FF0000"/>
+                  <a:srgbClr val="000000"/>
                 </a:solidFill>
                 <a:effectLst/>
                 <a:uLnTx/>
                 <a:uFillTx/>
                 <a:latin typeface="Arial"/>
-                <a:cs typeface="Arial"/>
+                <a:ea typeface="+mn-ea"/>
+                <a:cs typeface="+mn-cs"/>
                 <a:sym typeface="Arial"/>
               </a:rPr>
-              <a:t>Maharashtra’s Health Budget  </a:t>
-            </a:r>
-            <a:endParaRPr kumimoji="0" lang="en-IN" sz="1400" b="0" i="0" u="none" strike="noStrike" kern="0" cap="none" spc="0" normalizeH="0" baseline="0" noProof="0" dirty="0">
+              <a:t>Information Exchangeability</a:t>
+            </a:r>
+          </a:p>
+          <a:p>
+            <a:pPr marL="0" marR="0" lvl="0" indent="0" algn="l" defTabSz="914378" rtl="0" eaLnBrk="1" fontAlgn="auto" latinLnBrk="0" hangingPunct="1">
+              <a:lnSpc>
+                <a:spcPct val="100000"/>
+              </a:lnSpc>
+              <a:spcBef>
+                <a:spcPts val="0"/>
+              </a:spcBef>
+              <a:spcAft>
+                <a:spcPts val="0"/>
+              </a:spcAft>
+              <a:buClr>
+                <a:srgbClr val="000000"/>
+              </a:buClr>
+              <a:buSzTx/>
+              <a:buFont typeface="Arial"/>
+              <a:buNone/>
+              <a:tabLst/>
+              <a:defRPr/>
+            </a:pPr>
+            <a:r>
+              <a:rPr kumimoji="0" lang="en-IN" sz="1100" b="0" i="0" u="none" strike="noStrike" kern="0" cap="none" spc="0" normalizeH="0" baseline="0" noProof="0" dirty="0">
+                <a:ln>
+                  <a:noFill/>
+                </a:ln>
+                <a:solidFill>
+                  <a:srgbClr val="000000"/>
+                </a:solidFill>
+                <a:effectLst/>
+                <a:uLnTx/>
+                <a:uFillTx/>
+                <a:latin typeface="Arial"/>
+                <a:ea typeface="+mn-ea"/>
+                <a:cs typeface="+mn-cs"/>
+                <a:sym typeface="Arial"/>
+              </a:rPr>
+              <a:t>Individual hospitals tend to build their own silos of data and information-management protocols, which preclude other parts of the departments or agencies from using them. Information will be shared in a universal format which will minimize the efforts required for collecting and interpreting information. </a:t>
+            </a:r>
+          </a:p>
+          <a:p>
+            <a:pPr marL="0" marR="0" lvl="0" indent="0" algn="l" defTabSz="914378" rtl="0" eaLnBrk="1" fontAlgn="auto" latinLnBrk="0" hangingPunct="1">
+              <a:lnSpc>
+                <a:spcPct val="100000"/>
+              </a:lnSpc>
+              <a:spcBef>
+                <a:spcPts val="0"/>
+              </a:spcBef>
+              <a:spcAft>
+                <a:spcPts val="0"/>
+              </a:spcAft>
+              <a:buClr>
+                <a:srgbClr val="000000"/>
+              </a:buClr>
+              <a:buSzTx/>
+              <a:buFont typeface="Arial"/>
+              <a:buNone/>
+              <a:tabLst/>
+              <a:defRPr/>
+            </a:pPr>
+            <a:r>
+              <a:rPr kumimoji="0" lang="en-IN" sz="1100" b="1" i="0" u="none" strike="noStrike" kern="0" cap="none" spc="0" normalizeH="0" baseline="0" noProof="0" dirty="0">
+                <a:ln>
+                  <a:noFill/>
+                </a:ln>
+                <a:solidFill>
+                  <a:srgbClr val="000000"/>
+                </a:solidFill>
+                <a:effectLst/>
+                <a:uLnTx/>
+                <a:uFillTx/>
+                <a:latin typeface="Arial"/>
+                <a:ea typeface="+mn-ea"/>
+                <a:cs typeface="+mn-cs"/>
+                <a:sym typeface="Arial"/>
+              </a:rPr>
+              <a:t>Impact metric - </a:t>
+            </a:r>
+            <a:r>
+              <a:rPr kumimoji="0" lang="en-IN" sz="1100" b="0" i="0" u="none" strike="noStrike" kern="0" cap="none" spc="0" normalizeH="0" baseline="0" noProof="0" dirty="0">
+                <a:ln>
+                  <a:noFill/>
+                </a:ln>
+                <a:solidFill>
+                  <a:srgbClr val="000000"/>
+                </a:solidFill>
+                <a:effectLst/>
+                <a:uLnTx/>
+                <a:uFillTx/>
+                <a:latin typeface="Arial"/>
+                <a:ea typeface="+mn-ea"/>
+                <a:cs typeface="+mn-cs"/>
+                <a:sym typeface="Arial"/>
+              </a:rPr>
+              <a:t>Ease of creation of service, sharing data decision making .</a:t>
+            </a:r>
+            <a:endParaRPr kumimoji="0" lang="en-US" sz="1100" b="0" i="0" u="none" strike="noStrike" kern="0" cap="none" spc="0" normalizeH="0" baseline="0" noProof="0" dirty="0">
               <a:ln>
                 <a:noFill/>
               </a:ln>
               <a:solidFill>
-                <a:srgbClr val="FF0000"/>
+                <a:srgbClr val="000000"/>
               </a:solidFill>
               <a:effectLst/>
               <a:uLnTx/>
               <a:uFillTx/>
               <a:latin typeface="Arial"/>
-              <a:cs typeface="Arial"/>
+              <a:ea typeface="+mn-ea"/>
+              <a:cs typeface="+mn-cs"/>
               <a:sym typeface="Arial"/>
             </a:endParaRPr>
+          </a:p>
+        </p:txBody>
+      </p:sp>
+      <p:sp>
+        <p:nvSpPr>
+          <p:cNvPr id="10" name="Rectangle 9">
+            <a:extLst>
+              <a:ext uri="{FF2B5EF4-FFF2-40B4-BE49-F238E27FC236}">
+                <a16:creationId xmlns:a16="http://schemas.microsoft.com/office/drawing/2014/main" id="{A6D7667A-DA73-430E-A281-75520436CCCB}"/>
+              </a:ext>
+            </a:extLst>
+          </p:cNvPr>
+          <p:cNvSpPr/>
+          <p:nvPr/>
+        </p:nvSpPr>
+        <p:spPr>
+          <a:xfrm>
+            <a:off x="2959697" y="3673846"/>
+            <a:ext cx="3873910" cy="1361661"/>
+          </a:xfrm>
+          <a:prstGeom prst="rect">
+            <a:avLst/>
+          </a:prstGeom>
+          <a:noFill/>
+        </p:spPr>
+        <p:style>
+          <a:lnRef idx="2">
+            <a:schemeClr val="accent1">
+              <a:shade val="50000"/>
+            </a:schemeClr>
+          </a:lnRef>
+          <a:fillRef idx="1">
+            <a:schemeClr val="accent1"/>
+          </a:fillRef>
+          <a:effectRef idx="0">
+            <a:schemeClr val="accent1"/>
+          </a:effectRef>
+          <a:fontRef idx="minor">
+            <a:schemeClr val="lt1"/>
+          </a:fontRef>
+        </p:style>
+        <p:txBody>
+          <a:bodyPr rtlCol="0" anchor="ctr"/>
+          <a:lstStyle/>
+          <a:p>
+            <a:pPr marL="0" marR="0" lvl="0" indent="0" algn="l" defTabSz="914378" rtl="0" eaLnBrk="1" fontAlgn="auto" latinLnBrk="0" hangingPunct="1">
+              <a:lnSpc>
+                <a:spcPct val="100000"/>
+              </a:lnSpc>
+              <a:spcBef>
+                <a:spcPts val="0"/>
+              </a:spcBef>
+              <a:spcAft>
+                <a:spcPts val="0"/>
+              </a:spcAft>
+              <a:buClr>
+                <a:srgbClr val="000000"/>
+              </a:buClr>
+              <a:buSzTx/>
+              <a:buFont typeface="Arial"/>
+              <a:buNone/>
+              <a:tabLst/>
+              <a:defRPr/>
+            </a:pPr>
+            <a:r>
+              <a:rPr kumimoji="0" lang="en-IN" sz="1400" b="1" i="0" u="none" strike="noStrike" kern="0" cap="none" spc="0" normalizeH="0" baseline="0" noProof="0" dirty="0">
+                <a:ln>
+                  <a:noFill/>
+                </a:ln>
+                <a:solidFill>
+                  <a:srgbClr val="000000"/>
+                </a:solidFill>
+                <a:effectLst/>
+                <a:uLnTx/>
+                <a:uFillTx/>
+                <a:latin typeface="Arial"/>
+                <a:ea typeface="+mn-ea"/>
+                <a:cs typeface="+mn-cs"/>
+                <a:sym typeface="Arial"/>
+              </a:rPr>
+              <a:t>Security and Control over Data</a:t>
+            </a:r>
+          </a:p>
+          <a:p>
+            <a:pPr marL="0" marR="0" lvl="0" indent="0" algn="l" defTabSz="914378" rtl="0" eaLnBrk="1" fontAlgn="auto" latinLnBrk="0" hangingPunct="1">
+              <a:lnSpc>
+                <a:spcPct val="100000"/>
+              </a:lnSpc>
+              <a:spcBef>
+                <a:spcPts val="0"/>
+              </a:spcBef>
+              <a:spcAft>
+                <a:spcPts val="0"/>
+              </a:spcAft>
+              <a:buClr>
+                <a:srgbClr val="000000"/>
+              </a:buClr>
+              <a:buSzTx/>
+              <a:buFont typeface="Arial"/>
+              <a:buNone/>
+              <a:tabLst/>
+              <a:defRPr/>
+            </a:pPr>
+            <a:r>
+              <a:rPr kumimoji="0" lang="en-IN" sz="1100" b="0" i="0" u="none" strike="noStrike" kern="0" cap="none" spc="0" normalizeH="0" baseline="0" noProof="0" dirty="0">
+                <a:ln>
+                  <a:noFill/>
+                </a:ln>
+                <a:solidFill>
+                  <a:srgbClr val="000000"/>
+                </a:solidFill>
+                <a:effectLst/>
+                <a:uLnTx/>
+                <a:uFillTx/>
+                <a:latin typeface="Arial"/>
+                <a:ea typeface="+mn-ea"/>
+                <a:cs typeface="+mn-cs"/>
+                <a:sym typeface="Arial"/>
+              </a:rPr>
+              <a:t>The use of blockchain ledgers greatly reduces the risk of unauthorized access (through strong encryption) data manipulation (through tamperproof audit trails) that can happen in records stored in digital form.</a:t>
+            </a:r>
+          </a:p>
+          <a:p>
+            <a:pPr marL="0" marR="0" lvl="0" indent="0" algn="l" defTabSz="914378" rtl="0" eaLnBrk="1" fontAlgn="auto" latinLnBrk="0" hangingPunct="1">
+              <a:lnSpc>
+                <a:spcPct val="100000"/>
+              </a:lnSpc>
+              <a:spcBef>
+                <a:spcPts val="0"/>
+              </a:spcBef>
+              <a:spcAft>
+                <a:spcPts val="0"/>
+              </a:spcAft>
+              <a:buClr>
+                <a:srgbClr val="000000"/>
+              </a:buClr>
+              <a:buSzTx/>
+              <a:buFont typeface="Arial"/>
+              <a:buNone/>
+              <a:tabLst/>
+              <a:defRPr/>
+            </a:pPr>
+            <a:r>
+              <a:rPr kumimoji="0" lang="en-IN" sz="1100" b="1" i="0" u="none" strike="noStrike" kern="0" cap="none" spc="0" normalizeH="0" baseline="0" noProof="0" dirty="0">
+                <a:ln>
+                  <a:noFill/>
+                </a:ln>
+                <a:solidFill>
+                  <a:srgbClr val="000000"/>
+                </a:solidFill>
+                <a:effectLst/>
+                <a:uLnTx/>
+                <a:uFillTx/>
+                <a:latin typeface="Arial"/>
+                <a:ea typeface="+mn-ea"/>
+                <a:cs typeface="+mn-cs"/>
+                <a:sym typeface="Arial"/>
+              </a:rPr>
+              <a:t>Impact metric</a:t>
+            </a:r>
+            <a:r>
+              <a:rPr kumimoji="0" lang="en-IN" sz="1100" b="0" i="0" u="none" strike="noStrike" kern="0" cap="none" spc="0" normalizeH="0" baseline="0" noProof="0" dirty="0">
+                <a:ln>
+                  <a:noFill/>
+                </a:ln>
+                <a:solidFill>
+                  <a:srgbClr val="000000"/>
+                </a:solidFill>
+                <a:effectLst/>
+                <a:uLnTx/>
+                <a:uFillTx/>
+                <a:latin typeface="Arial"/>
+                <a:ea typeface="+mn-ea"/>
+                <a:cs typeface="+mn-cs"/>
+                <a:sym typeface="Arial"/>
+              </a:rPr>
+              <a:t> - Cases of fraud reported by patients</a:t>
+            </a:r>
+            <a:endParaRPr kumimoji="0" lang="en-US" sz="1100" b="0" i="0" u="none" strike="noStrike" kern="0" cap="none" spc="0" normalizeH="0" baseline="0" noProof="0" dirty="0">
+              <a:ln>
+                <a:noFill/>
+              </a:ln>
+              <a:solidFill>
+                <a:srgbClr val="000000"/>
+              </a:solidFill>
+              <a:effectLst/>
+              <a:uLnTx/>
+              <a:uFillTx/>
+              <a:latin typeface="Arial"/>
+              <a:ea typeface="+mn-ea"/>
+              <a:cs typeface="+mn-cs"/>
+              <a:sym typeface="Arial"/>
+            </a:endParaRPr>
+          </a:p>
+        </p:txBody>
+      </p:sp>
+      <p:sp>
+        <p:nvSpPr>
+          <p:cNvPr id="11" name="Shape 104"/>
+          <p:cNvSpPr txBox="1">
+            <a:spLocks noGrp="1"/>
+          </p:cNvSpPr>
+          <p:nvPr>
+            <p:ph type="title"/>
+          </p:nvPr>
+        </p:nvSpPr>
+        <p:spPr>
+          <a:xfrm>
+            <a:off x="234450" y="575500"/>
+            <a:ext cx="2046300" cy="580638"/>
+          </a:xfrm>
+          <a:prstGeom prst="rect">
+            <a:avLst/>
+          </a:prstGeom>
+        </p:spPr>
+        <p:txBody>
+          <a:bodyPr spcFirstLastPara="1" wrap="square" lIns="91425" tIns="91425" rIns="91425" bIns="91425" anchor="t" anchorCtr="0">
+            <a:noAutofit/>
+          </a:bodyPr>
+          <a:lstStyle/>
+          <a:p>
+            <a:r>
+              <a:rPr lang="en-IN" b="1" dirty="0"/>
+              <a:t>Potential </a:t>
+            </a:r>
+            <a:br>
+              <a:rPr lang="en-IN" b="1" dirty="0"/>
+            </a:br>
+            <a:r>
+              <a:rPr lang="en-IN" b="1" dirty="0"/>
+              <a:t>Impact</a:t>
+            </a:r>
+            <a:endParaRPr b="1" dirty="0"/>
           </a:p>
         </p:txBody>
       </p:sp>
     </p:spTree>
     <p:extLst>
       <p:ext uri="{BB962C8B-B14F-4D97-AF65-F5344CB8AC3E}">
-        <p14:creationId xmlns:p14="http://schemas.microsoft.com/office/powerpoint/2010/main" val="3161222419"/>
+        <p14:creationId xmlns:p14="http://schemas.microsoft.com/office/powerpoint/2010/main" val="1105287610"/>
       </p:ext>
     </p:extLst>
   </p:cSld>
@@ -13469,8 +13977,8 @@
         </p:nvSpPr>
         <p:spPr>
           <a:xfrm>
-            <a:off x="224150" y="363755"/>
-            <a:ext cx="2046300" cy="580638"/>
+            <a:off x="234450" y="575500"/>
+            <a:ext cx="2046300" cy="817464"/>
           </a:xfrm>
           <a:prstGeom prst="rect">
             <a:avLst/>
@@ -13492,8 +14000,15 @@
               <a:buNone/>
             </a:pPr>
             <a:r>
-              <a:rPr lang="en-IN" b="1" dirty="0"/>
-              <a:t>Business Model</a:t>
+              <a:rPr lang="en-US" b="1" dirty="0"/>
+              <a:t>Potential </a:t>
+            </a:r>
+            <a:br>
+              <a:rPr lang="en-US" b="1" dirty="0"/>
+            </a:br>
+            <a:r>
+              <a:rPr lang="en-US" b="1" dirty="0"/>
+              <a:t>Impact</a:t>
             </a:r>
             <a:endParaRPr b="1" dirty="0"/>
           </a:p>
@@ -13501,1788 +14016,377 @@
       </p:sp>
       <p:sp>
         <p:nvSpPr>
-          <p:cNvPr id="5" name="Rectangle 4"/>
+          <p:cNvPr id="107" name="Shape 107"/>
+          <p:cNvSpPr txBox="1">
+            <a:spLocks noGrp="1"/>
+          </p:cNvSpPr>
+          <p:nvPr>
+            <p:ph type="sldNum" idx="12"/>
+          </p:nvPr>
+        </p:nvSpPr>
+        <p:spPr>
+          <a:xfrm>
+            <a:off x="8556784" y="4749851"/>
+            <a:ext cx="548700" cy="393600"/>
+          </a:xfrm>
+          <a:prstGeom prst="rect">
+            <a:avLst/>
+          </a:prstGeom>
+        </p:spPr>
+        <p:txBody>
+          <a:bodyPr spcFirstLastPara="1" wrap="square" lIns="91425" tIns="91425" rIns="91425" bIns="91425" anchor="ctr" anchorCtr="0">
+            <a:noAutofit/>
+          </a:bodyPr>
+          <a:lstStyle/>
+          <a:p>
+            <a:pPr marL="0" marR="0" lvl="0" indent="0" algn="r" defTabSz="914400" rtl="0" eaLnBrk="1" fontAlgn="auto" latinLnBrk="0" hangingPunct="1">
+              <a:lnSpc>
+                <a:spcPct val="100000"/>
+              </a:lnSpc>
+              <a:spcBef>
+                <a:spcPts val="0"/>
+              </a:spcBef>
+              <a:spcAft>
+                <a:spcPts val="0"/>
+              </a:spcAft>
+              <a:buClr>
+                <a:srgbClr val="000000"/>
+              </a:buClr>
+              <a:buSzTx/>
+              <a:buFont typeface="Arial"/>
+              <a:buNone/>
+              <a:tabLst/>
+              <a:defRPr/>
+            </a:pPr>
+            <a:fld id="{00000000-1234-1234-1234-123412341234}" type="slidenum">
+              <a:rPr kumimoji="0" lang="en" sz="1000" b="0" i="0" u="none" strike="noStrike" kern="0" cap="none" spc="0" normalizeH="0" baseline="0" noProof="0">
+                <a:ln>
+                  <a:noFill/>
+                </a:ln>
+                <a:solidFill>
+                  <a:srgbClr val="CCCCCC"/>
+                </a:solidFill>
+                <a:effectLst/>
+                <a:uLnTx/>
+                <a:uFillTx/>
+                <a:latin typeface="Nunito Sans"/>
+                <a:sym typeface="Nunito Sans"/>
+              </a:rPr>
+              <a:pPr marL="0" marR="0" lvl="0" indent="0" algn="r" defTabSz="914400" rtl="0" eaLnBrk="1" fontAlgn="auto" latinLnBrk="0" hangingPunct="1">
+                <a:lnSpc>
+                  <a:spcPct val="100000"/>
+                </a:lnSpc>
+                <a:spcBef>
+                  <a:spcPts val="0"/>
+                </a:spcBef>
+                <a:spcAft>
+                  <a:spcPts val="0"/>
+                </a:spcAft>
+                <a:buClr>
+                  <a:srgbClr val="000000"/>
+                </a:buClr>
+                <a:buSzTx/>
+                <a:buFont typeface="Arial"/>
+                <a:buNone/>
+                <a:tabLst/>
+                <a:defRPr/>
+              </a:pPr>
+              <a:t>8</a:t>
+            </a:fld>
+            <a:endParaRPr kumimoji="0" sz="1000" b="0" i="0" u="none" strike="noStrike" kern="0" cap="none" spc="0" normalizeH="0" baseline="0" noProof="0" dirty="0">
+              <a:ln>
+                <a:noFill/>
+              </a:ln>
+              <a:solidFill>
+                <a:srgbClr val="CCCCCC"/>
+              </a:solidFill>
+              <a:effectLst/>
+              <a:uLnTx/>
+              <a:uFillTx/>
+              <a:latin typeface="Nunito Sans"/>
+              <a:sym typeface="Nunito Sans"/>
+            </a:endParaRPr>
+          </a:p>
+        </p:txBody>
+      </p:sp>
+      <p:pic>
+        <p:nvPicPr>
+          <p:cNvPr id="3" name="Picture 2">
+            <a:extLst>
+              <a:ext uri="{FF2B5EF4-FFF2-40B4-BE49-F238E27FC236}">
+                <a16:creationId xmlns:a16="http://schemas.microsoft.com/office/drawing/2014/main" id="{C3C48C5D-FAEB-4256-8607-1D43EB7C0026}"/>
+              </a:ext>
+            </a:extLst>
+          </p:cNvPr>
+          <p:cNvPicPr>
+            <a:picLocks noChangeAspect="1"/>
+          </p:cNvPicPr>
+          <p:nvPr/>
+        </p:nvPicPr>
+        <p:blipFill>
+          <a:blip r:embed="rId3"/>
+          <a:stretch>
+            <a:fillRect/>
+          </a:stretch>
+        </p:blipFill>
+        <p:spPr>
+          <a:xfrm>
+            <a:off x="2733259" y="177512"/>
+            <a:ext cx="2924265" cy="2145770"/>
+          </a:xfrm>
+          <a:prstGeom prst="rect">
+            <a:avLst/>
+          </a:prstGeom>
+        </p:spPr>
+      </p:pic>
+      <p:sp>
+        <p:nvSpPr>
+          <p:cNvPr id="6" name="Rectangle 5">
+            <a:extLst>
+              <a:ext uri="{FF2B5EF4-FFF2-40B4-BE49-F238E27FC236}">
+                <a16:creationId xmlns:a16="http://schemas.microsoft.com/office/drawing/2014/main" id="{A4167771-AB2F-41FA-B259-297518A6C117}"/>
+              </a:ext>
+            </a:extLst>
+          </p:cNvPr>
           <p:cNvSpPr/>
           <p:nvPr/>
         </p:nvSpPr>
         <p:spPr>
           <a:xfrm>
-            <a:off x="2753320" y="655146"/>
-            <a:ext cx="1944216" cy="535364"/>
+            <a:off x="2630308" y="2323282"/>
+            <a:ext cx="6679096" cy="461665"/>
           </a:xfrm>
           <a:prstGeom prst="rect">
             <a:avLst/>
           </a:prstGeom>
-          <a:noFill/>
-          <a:ln>
-            <a:solidFill>
-              <a:schemeClr val="bg1">
-                <a:lumMod val="85000"/>
-              </a:schemeClr>
-            </a:solidFill>
-          </a:ln>
-        </p:spPr>
-        <p:style>
-          <a:lnRef idx="2">
-            <a:schemeClr val="accent1">
-              <a:shade val="50000"/>
-            </a:schemeClr>
-          </a:lnRef>
-          <a:fillRef idx="1">
-            <a:schemeClr val="accent1"/>
-          </a:fillRef>
-          <a:effectRef idx="0">
-            <a:schemeClr val="accent1"/>
-          </a:effectRef>
-          <a:fontRef idx="minor">
-            <a:schemeClr val="lt1"/>
-          </a:fontRef>
-        </p:style>
+        </p:spPr>
         <p:txBody>
-          <a:bodyPr rtlCol="0" anchor="ctr"/>
+          <a:bodyPr wrap="square">
+            <a:spAutoFit/>
+          </a:bodyPr>
           <a:lstStyle/>
           <a:p>
-            <a:pPr algn="ctr">
-              <a:buClrTx/>
-              <a:buFontTx/>
-              <a:buNone/>
+            <a:pPr marL="0" marR="0" lvl="0" indent="0" algn="l" defTabSz="914400" rtl="0" eaLnBrk="1" fontAlgn="auto" latinLnBrk="0" hangingPunct="1">
+              <a:lnSpc>
+                <a:spcPct val="100000"/>
+              </a:lnSpc>
+              <a:spcBef>
+                <a:spcPts val="0"/>
+              </a:spcBef>
+              <a:spcAft>
+                <a:spcPts val="0"/>
+              </a:spcAft>
+              <a:buClr>
+                <a:srgbClr val="000000"/>
+              </a:buClr>
+              <a:buSzTx/>
+              <a:buFont typeface="Arial"/>
+              <a:buNone/>
+              <a:tabLst/>
+              <a:defRPr/>
             </a:pPr>
-            <a:endParaRPr lang="en-IN" sz="1800" kern="1200">
-              <a:solidFill>
-                <a:srgbClr val="FFFFFF"/>
-              </a:solidFill>
-            </a:endParaRPr>
+            <a:r>
+              <a:rPr kumimoji="0" lang="en-IN" sz="1200" b="0" i="0" u="none" strike="noStrike" kern="0" cap="none" spc="0" normalizeH="0" baseline="0" noProof="0" dirty="0">
+                <a:ln>
+                  <a:noFill/>
+                </a:ln>
+                <a:solidFill>
+                  <a:srgbClr val="000000"/>
+                </a:solidFill>
+                <a:effectLst/>
+                <a:uLnTx/>
+                <a:uFillTx/>
+                <a:latin typeface="Arial"/>
+                <a:cs typeface="Arial"/>
+                <a:sym typeface="Arial"/>
+              </a:rPr>
+              <a:t>The different indicators given below highlight ways in which Maharashtra is</a:t>
+            </a:r>
+          </a:p>
+          <a:p>
+            <a:pPr marL="0" marR="0" lvl="0" indent="0" algn="l" defTabSz="914400" rtl="0" eaLnBrk="1" fontAlgn="auto" latinLnBrk="0" hangingPunct="1">
+              <a:lnSpc>
+                <a:spcPct val="100000"/>
+              </a:lnSpc>
+              <a:spcBef>
+                <a:spcPts val="0"/>
+              </a:spcBef>
+              <a:spcAft>
+                <a:spcPts val="0"/>
+              </a:spcAft>
+              <a:buClr>
+                <a:srgbClr val="000000"/>
+              </a:buClr>
+              <a:buSzTx/>
+              <a:buFont typeface="Arial"/>
+              <a:buNone/>
+              <a:tabLst/>
+              <a:defRPr/>
+            </a:pPr>
+            <a:r>
+              <a:rPr kumimoji="0" lang="en-IN" sz="1200" b="0" i="0" u="none" strike="noStrike" kern="0" cap="none" spc="0" normalizeH="0" baseline="0" noProof="0" dirty="0">
+                <a:ln>
+                  <a:noFill/>
+                </a:ln>
+                <a:solidFill>
+                  <a:srgbClr val="000000"/>
+                </a:solidFill>
+                <a:effectLst/>
+                <a:uLnTx/>
+                <a:uFillTx/>
+                <a:latin typeface="Arial"/>
+                <a:cs typeface="Arial"/>
+                <a:sym typeface="Arial"/>
+              </a:rPr>
+              <a:t> falling short of taking adequate care of its people</a:t>
+            </a:r>
           </a:p>
         </p:txBody>
       </p:sp>
+      <p:pic>
+        <p:nvPicPr>
+          <p:cNvPr id="8" name="Picture 7">
+            <a:extLst>
+              <a:ext uri="{FF2B5EF4-FFF2-40B4-BE49-F238E27FC236}">
+                <a16:creationId xmlns:a16="http://schemas.microsoft.com/office/drawing/2014/main" id="{A972815C-1751-4639-BA02-F10F2BBD3DB7}"/>
+              </a:ext>
+            </a:extLst>
+          </p:cNvPr>
+          <p:cNvPicPr>
+            <a:picLocks noChangeAspect="1"/>
+          </p:cNvPicPr>
+          <p:nvPr/>
+        </p:nvPicPr>
+        <p:blipFill>
+          <a:blip r:embed="rId4"/>
+          <a:stretch>
+            <a:fillRect/>
+          </a:stretch>
+        </p:blipFill>
+        <p:spPr>
+          <a:xfrm>
+            <a:off x="2877054" y="2863636"/>
+            <a:ext cx="2995158" cy="2067081"/>
+          </a:xfrm>
+          <a:prstGeom prst="rect">
+            <a:avLst/>
+          </a:prstGeom>
+        </p:spPr>
+      </p:pic>
+      <p:pic>
+        <p:nvPicPr>
+          <p:cNvPr id="12" name="Picture 11">
+            <a:extLst>
+              <a:ext uri="{FF2B5EF4-FFF2-40B4-BE49-F238E27FC236}">
+                <a16:creationId xmlns:a16="http://schemas.microsoft.com/office/drawing/2014/main" id="{FF710ECC-FA56-494F-A845-549B89803A2A}"/>
+              </a:ext>
+            </a:extLst>
+          </p:cNvPr>
+          <p:cNvPicPr>
+            <a:picLocks noChangeAspect="1"/>
+          </p:cNvPicPr>
+          <p:nvPr/>
+        </p:nvPicPr>
+        <p:blipFill>
+          <a:blip r:embed="rId5"/>
+          <a:stretch>
+            <a:fillRect/>
+          </a:stretch>
+        </p:blipFill>
+        <p:spPr>
+          <a:xfrm>
+            <a:off x="6182798" y="2795540"/>
+            <a:ext cx="2732602" cy="2203272"/>
+          </a:xfrm>
+          <a:prstGeom prst="rect">
+            <a:avLst/>
+          </a:prstGeom>
+        </p:spPr>
+      </p:pic>
       <p:sp>
         <p:nvSpPr>
-          <p:cNvPr id="14" name="Rectangle 13"/>
+          <p:cNvPr id="22" name="Rectangle 21">
+            <a:extLst>
+              <a:ext uri="{FF2B5EF4-FFF2-40B4-BE49-F238E27FC236}">
+                <a16:creationId xmlns:a16="http://schemas.microsoft.com/office/drawing/2014/main" id="{B080A266-50F9-4293-B35D-77EF1DCEA111}"/>
+              </a:ext>
+            </a:extLst>
+          </p:cNvPr>
           <p:cNvSpPr/>
           <p:nvPr/>
         </p:nvSpPr>
         <p:spPr>
           <a:xfrm>
-            <a:off x="7001792" y="666342"/>
-            <a:ext cx="1253595" cy="524168"/>
+            <a:off x="5969856" y="1096509"/>
+            <a:ext cx="3158486" cy="307777"/>
           </a:xfrm>
           <a:prstGeom prst="rect">
             <a:avLst/>
           </a:prstGeom>
-          <a:noFill/>
-          <a:ln>
-            <a:solidFill>
-              <a:schemeClr val="bg1">
-                <a:lumMod val="85000"/>
-              </a:schemeClr>
-            </a:solidFill>
-          </a:ln>
-        </p:spPr>
-        <p:style>
-          <a:lnRef idx="2">
-            <a:schemeClr val="accent1">
-              <a:shade val="50000"/>
-            </a:schemeClr>
-          </a:lnRef>
-          <a:fillRef idx="1">
-            <a:schemeClr val="accent1"/>
-          </a:fillRef>
-          <a:effectRef idx="0">
-            <a:schemeClr val="accent1"/>
-          </a:effectRef>
-          <a:fontRef idx="minor">
-            <a:schemeClr val="lt1"/>
-          </a:fontRef>
-        </p:style>
+        </p:spPr>
         <p:txBody>
-          <a:bodyPr rtlCol="0" anchor="ctr"/>
-          <a:lstStyle/>
-          <a:p>
-            <a:pPr algn="ctr">
-              <a:buClrTx/>
-              <a:buFontTx/>
-              <a:buNone/>
-            </a:pPr>
-            <a:endParaRPr lang="en-IN" sz="1800" kern="1200">
-              <a:solidFill>
-                <a:srgbClr val="FFFFFF"/>
-              </a:solidFill>
-            </a:endParaRPr>
-          </a:p>
-        </p:txBody>
-      </p:sp>
-      <p:sp>
-        <p:nvSpPr>
-          <p:cNvPr id="15" name="Rectangle 14"/>
-          <p:cNvSpPr/>
-          <p:nvPr/>
-        </p:nvSpPr>
-        <p:spPr>
-          <a:xfrm>
-            <a:off x="4877556" y="666342"/>
-            <a:ext cx="1944216" cy="524168"/>
-          </a:xfrm>
-          <a:prstGeom prst="rect">
-            <a:avLst/>
-          </a:prstGeom>
-          <a:noFill/>
-          <a:ln>
-            <a:solidFill>
-              <a:schemeClr val="bg1">
-                <a:lumMod val="85000"/>
-              </a:schemeClr>
-            </a:solidFill>
-          </a:ln>
-        </p:spPr>
-        <p:style>
-          <a:lnRef idx="2">
-            <a:schemeClr val="accent1">
-              <a:shade val="50000"/>
-            </a:schemeClr>
-          </a:lnRef>
-          <a:fillRef idx="1">
-            <a:schemeClr val="accent1"/>
-          </a:fillRef>
-          <a:effectRef idx="0">
-            <a:schemeClr val="accent1"/>
-          </a:effectRef>
-          <a:fontRef idx="minor">
-            <a:schemeClr val="lt1"/>
-          </a:fontRef>
-        </p:style>
-        <p:txBody>
-          <a:bodyPr rtlCol="0" anchor="ctr"/>
-          <a:lstStyle/>
-          <a:p>
-            <a:pPr algn="ctr">
-              <a:buClrTx/>
-              <a:buFontTx/>
-              <a:buNone/>
-            </a:pPr>
-            <a:endParaRPr lang="en-IN" sz="1800" kern="1200">
-              <a:solidFill>
-                <a:srgbClr val="FFFFFF"/>
-              </a:solidFill>
-            </a:endParaRPr>
-          </a:p>
-        </p:txBody>
-      </p:sp>
-      <p:sp>
-        <p:nvSpPr>
-          <p:cNvPr id="7" name="TextBox 6"/>
-          <p:cNvSpPr txBox="1"/>
-          <p:nvPr/>
-        </p:nvSpPr>
-        <p:spPr>
-          <a:xfrm>
-            <a:off x="2845665" y="663578"/>
-            <a:ext cx="1534394" cy="461665"/>
-          </a:xfrm>
-          <a:prstGeom prst="rect">
-            <a:avLst/>
-          </a:prstGeom>
-          <a:noFill/>
-        </p:spPr>
-        <p:txBody>
-          <a:bodyPr wrap="none" rtlCol="0">
+          <a:bodyPr wrap="square">
             <a:spAutoFit/>
           </a:bodyPr>
           <a:lstStyle/>
           <a:p>
-            <a:pPr algn="ctr">
-              <a:buClrTx/>
-              <a:buFontTx/>
-              <a:buNone/>
+            <a:pPr marL="0" marR="0" lvl="0" indent="0" algn="l" defTabSz="914400" rtl="0" eaLnBrk="1" fontAlgn="auto" latinLnBrk="0" hangingPunct="1">
+              <a:lnSpc>
+                <a:spcPct val="100000"/>
+              </a:lnSpc>
+              <a:spcBef>
+                <a:spcPts val="0"/>
+              </a:spcBef>
+              <a:spcAft>
+                <a:spcPts val="0"/>
+              </a:spcAft>
+              <a:buClr>
+                <a:srgbClr val="000000"/>
+              </a:buClr>
+              <a:buSzTx/>
+              <a:buFont typeface="Arial"/>
+              <a:buNone/>
+              <a:tabLst/>
+              <a:defRPr/>
             </a:pPr>
             <a:r>
-              <a:rPr lang="en-IN" sz="800" kern="1200" dirty="0">
-                <a:ea typeface="+mn-ea"/>
-                <a:cs typeface="+mn-cs"/>
+              <a:rPr kumimoji="0" lang="en-US" sz="1400" b="0" i="0" u="none" strike="noStrike" kern="0" cap="none" spc="0" normalizeH="0" baseline="0" noProof="0" dirty="0">
+                <a:ln>
+                  <a:noFill/>
+                </a:ln>
+                <a:solidFill>
+                  <a:srgbClr val="FF0000"/>
+                </a:solidFill>
+                <a:effectLst/>
+                <a:uLnTx/>
+                <a:uFillTx/>
+                <a:latin typeface="Arial"/>
+                <a:cs typeface="Arial"/>
+                <a:sym typeface="Arial"/>
               </a:rPr>
-              <a:t>Set up Blockchain Network + </a:t>
-            </a:r>
-          </a:p>
-          <a:p>
-            <a:pPr algn="ctr">
-              <a:buClrTx/>
-              <a:buFontTx/>
-              <a:buNone/>
-            </a:pPr>
-            <a:r>
-              <a:rPr lang="en-IN" sz="800" kern="1200" dirty="0">
-                <a:ea typeface="+mn-ea"/>
-                <a:cs typeface="+mn-cs"/>
-              </a:rPr>
-              <a:t>Hospitals + </a:t>
-            </a:r>
-          </a:p>
-          <a:p>
-            <a:pPr algn="ctr">
-              <a:buClrTx/>
-              <a:buFontTx/>
-              <a:buNone/>
-            </a:pPr>
-            <a:r>
-              <a:rPr lang="en-IN" sz="800" kern="1200" dirty="0" err="1">
-                <a:ea typeface="+mn-ea"/>
-                <a:cs typeface="+mn-cs"/>
-              </a:rPr>
-              <a:t>Punekars</a:t>
-            </a:r>
-            <a:r>
-              <a:rPr lang="en-IN" sz="800" kern="1200" dirty="0">
-                <a:ea typeface="+mn-ea"/>
-                <a:cs typeface="+mn-cs"/>
-              </a:rPr>
-              <a:t>(Clients)</a:t>
-            </a:r>
-          </a:p>
-        </p:txBody>
-      </p:sp>
-      <p:sp>
-        <p:nvSpPr>
-          <p:cNvPr id="37" name="TextBox 36"/>
-          <p:cNvSpPr txBox="1"/>
-          <p:nvPr/>
-        </p:nvSpPr>
-        <p:spPr>
-          <a:xfrm>
-            <a:off x="4951540" y="717305"/>
-            <a:ext cx="1253869" cy="461665"/>
-          </a:xfrm>
-          <a:prstGeom prst="rect">
-            <a:avLst/>
-          </a:prstGeom>
-          <a:noFill/>
-        </p:spPr>
-        <p:txBody>
-          <a:bodyPr wrap="none" rtlCol="0">
-            <a:spAutoFit/>
-          </a:bodyPr>
-          <a:lstStyle/>
-          <a:p>
-            <a:pPr>
-              <a:buClrTx/>
-              <a:buFontTx/>
-              <a:buNone/>
-            </a:pPr>
-            <a:r>
-              <a:rPr lang="en-IN" sz="800" kern="1200" dirty="0">
-                <a:ea typeface="+mn-ea"/>
-                <a:cs typeface="+mn-cs"/>
-              </a:rPr>
-              <a:t>Period : 6 to 10 months</a:t>
-            </a:r>
-          </a:p>
-          <a:p>
-            <a:pPr>
-              <a:buClrTx/>
-              <a:buFontTx/>
-              <a:buNone/>
-            </a:pPr>
-            <a:r>
-              <a:rPr lang="en-IN" sz="800" kern="1200" dirty="0">
-                <a:ea typeface="+mn-ea"/>
-                <a:cs typeface="+mn-cs"/>
-              </a:rPr>
-              <a:t>Expenditure : 2cr </a:t>
-            </a:r>
-          </a:p>
-          <a:p>
-            <a:pPr>
-              <a:buClrTx/>
-              <a:buFontTx/>
-              <a:buNone/>
-            </a:pPr>
-            <a:r>
-              <a:rPr lang="en-IN" sz="800" kern="1200" dirty="0">
-                <a:ea typeface="+mn-ea"/>
-                <a:cs typeface="+mn-cs"/>
-              </a:rPr>
-              <a:t>Revenue : Nil</a:t>
-            </a:r>
-          </a:p>
-        </p:txBody>
-      </p:sp>
-      <p:sp>
-        <p:nvSpPr>
-          <p:cNvPr id="38" name="TextBox 37"/>
-          <p:cNvSpPr txBox="1"/>
-          <p:nvPr/>
-        </p:nvSpPr>
-        <p:spPr>
-          <a:xfrm>
-            <a:off x="7297910" y="807412"/>
-            <a:ext cx="684803" cy="230832"/>
-          </a:xfrm>
-          <a:prstGeom prst="rect">
-            <a:avLst/>
-          </a:prstGeom>
-          <a:noFill/>
-        </p:spPr>
-        <p:txBody>
-          <a:bodyPr wrap="none" rtlCol="0">
-            <a:spAutoFit/>
-          </a:bodyPr>
-          <a:lstStyle/>
-          <a:p>
-            <a:pPr>
-              <a:buClrTx/>
-              <a:buFontTx/>
-              <a:buNone/>
-            </a:pPr>
-            <a:r>
-              <a:rPr lang="en-IN" sz="900" kern="1200" dirty="0">
-                <a:ea typeface="+mn-ea"/>
-                <a:cs typeface="+mn-cs"/>
-              </a:rPr>
-              <a:t>Pune City</a:t>
-            </a:r>
-          </a:p>
-        </p:txBody>
-      </p:sp>
-      <p:sp>
-        <p:nvSpPr>
-          <p:cNvPr id="40" name="Rectangle 39"/>
-          <p:cNvSpPr/>
-          <p:nvPr/>
-        </p:nvSpPr>
-        <p:spPr>
-          <a:xfrm>
-            <a:off x="2745140" y="1593849"/>
-            <a:ext cx="1944216" cy="525938"/>
-          </a:xfrm>
-          <a:prstGeom prst="rect">
-            <a:avLst/>
-          </a:prstGeom>
-          <a:noFill/>
-          <a:ln>
-            <a:solidFill>
-              <a:schemeClr val="bg1">
-                <a:lumMod val="85000"/>
-              </a:schemeClr>
-            </a:solidFill>
-          </a:ln>
-        </p:spPr>
-        <p:style>
-          <a:lnRef idx="2">
-            <a:schemeClr val="accent1">
-              <a:shade val="50000"/>
-            </a:schemeClr>
-          </a:lnRef>
-          <a:fillRef idx="1">
-            <a:schemeClr val="accent1"/>
-          </a:fillRef>
-          <a:effectRef idx="0">
-            <a:schemeClr val="accent1"/>
-          </a:effectRef>
-          <a:fontRef idx="minor">
-            <a:schemeClr val="lt1"/>
-          </a:fontRef>
-        </p:style>
-        <p:txBody>
-          <a:bodyPr rtlCol="0" anchor="ctr"/>
-          <a:lstStyle/>
-          <a:p>
-            <a:pPr algn="ctr">
-              <a:buClrTx/>
-              <a:buFontTx/>
-              <a:buNone/>
-            </a:pPr>
-            <a:endParaRPr lang="en-IN" sz="1800" kern="1200">
+              <a:t>Maharashtra’s Health Budget  </a:t>
+            </a:r>
+            <a:endParaRPr kumimoji="0" lang="en-IN" sz="1400" b="0" i="0" u="none" strike="noStrike" kern="0" cap="none" spc="0" normalizeH="0" baseline="0" noProof="0" dirty="0">
+              <a:ln>
+                <a:noFill/>
+              </a:ln>
               <a:solidFill>
-                <a:srgbClr val="FFFFFF"/>
+                <a:srgbClr val="FF0000"/>
               </a:solidFill>
+              <a:effectLst/>
+              <a:uLnTx/>
+              <a:uFillTx/>
+              <a:latin typeface="Arial"/>
+              <a:cs typeface="Arial"/>
+              <a:sym typeface="Arial"/>
             </a:endParaRPr>
-          </a:p>
-        </p:txBody>
-      </p:sp>
-      <p:sp>
-        <p:nvSpPr>
-          <p:cNvPr id="41" name="Rectangle 40"/>
-          <p:cNvSpPr/>
-          <p:nvPr/>
-        </p:nvSpPr>
-        <p:spPr>
-          <a:xfrm>
-            <a:off x="6993612" y="1605045"/>
-            <a:ext cx="1261775" cy="514742"/>
-          </a:xfrm>
-          <a:prstGeom prst="rect">
-            <a:avLst/>
-          </a:prstGeom>
-          <a:noFill/>
-          <a:ln>
-            <a:solidFill>
-              <a:schemeClr val="bg1">
-                <a:lumMod val="85000"/>
-              </a:schemeClr>
-            </a:solidFill>
-          </a:ln>
-        </p:spPr>
-        <p:style>
-          <a:lnRef idx="2">
-            <a:schemeClr val="accent1">
-              <a:shade val="50000"/>
-            </a:schemeClr>
-          </a:lnRef>
-          <a:fillRef idx="1">
-            <a:schemeClr val="accent1"/>
-          </a:fillRef>
-          <a:effectRef idx="0">
-            <a:schemeClr val="accent1"/>
-          </a:effectRef>
-          <a:fontRef idx="minor">
-            <a:schemeClr val="lt1"/>
-          </a:fontRef>
-        </p:style>
-        <p:txBody>
-          <a:bodyPr rtlCol="0" anchor="ctr"/>
-          <a:lstStyle/>
-          <a:p>
-            <a:pPr algn="ctr">
-              <a:buClrTx/>
-              <a:buFontTx/>
-              <a:buNone/>
-            </a:pPr>
-            <a:endParaRPr lang="en-IN" sz="1800" kern="1200">
-              <a:solidFill>
-                <a:srgbClr val="FFFFFF"/>
-              </a:solidFill>
-            </a:endParaRPr>
-          </a:p>
-        </p:txBody>
-      </p:sp>
-      <p:sp>
-        <p:nvSpPr>
-          <p:cNvPr id="42" name="Rectangle 41"/>
-          <p:cNvSpPr/>
-          <p:nvPr/>
-        </p:nvSpPr>
-        <p:spPr>
-          <a:xfrm>
-            <a:off x="4869376" y="1605045"/>
-            <a:ext cx="1944216" cy="514742"/>
-          </a:xfrm>
-          <a:prstGeom prst="rect">
-            <a:avLst/>
-          </a:prstGeom>
-          <a:noFill/>
-          <a:ln>
-            <a:solidFill>
-              <a:schemeClr val="bg1">
-                <a:lumMod val="85000"/>
-              </a:schemeClr>
-            </a:solidFill>
-          </a:ln>
-        </p:spPr>
-        <p:style>
-          <a:lnRef idx="2">
-            <a:schemeClr val="accent1">
-              <a:shade val="50000"/>
-            </a:schemeClr>
-          </a:lnRef>
-          <a:fillRef idx="1">
-            <a:schemeClr val="accent1"/>
-          </a:fillRef>
-          <a:effectRef idx="0">
-            <a:schemeClr val="accent1"/>
-          </a:effectRef>
-          <a:fontRef idx="minor">
-            <a:schemeClr val="lt1"/>
-          </a:fontRef>
-        </p:style>
-        <p:txBody>
-          <a:bodyPr rtlCol="0" anchor="ctr"/>
-          <a:lstStyle/>
-          <a:p>
-            <a:pPr algn="ctr">
-              <a:buClrTx/>
-              <a:buFontTx/>
-              <a:buNone/>
-            </a:pPr>
-            <a:endParaRPr lang="en-IN" sz="1800" kern="1200">
-              <a:solidFill>
-                <a:srgbClr val="FFFFFF"/>
-              </a:solidFill>
-            </a:endParaRPr>
-          </a:p>
-        </p:txBody>
-      </p:sp>
-      <p:sp>
-        <p:nvSpPr>
-          <p:cNvPr id="43" name="TextBox 42"/>
-          <p:cNvSpPr txBox="1"/>
-          <p:nvPr/>
-        </p:nvSpPr>
-        <p:spPr>
-          <a:xfrm>
-            <a:off x="3073807" y="1679090"/>
-            <a:ext cx="1021433" cy="215444"/>
-          </a:xfrm>
-          <a:prstGeom prst="rect">
-            <a:avLst/>
-          </a:prstGeom>
-          <a:noFill/>
-        </p:spPr>
-        <p:txBody>
-          <a:bodyPr wrap="none" rtlCol="0">
-            <a:spAutoFit/>
-          </a:bodyPr>
-          <a:lstStyle/>
-          <a:p>
-            <a:pPr>
-              <a:buClrTx/>
-              <a:buFontTx/>
-              <a:buNone/>
-            </a:pPr>
-            <a:r>
-              <a:rPr lang="en-IN" sz="800" kern="1200" dirty="0">
-                <a:ea typeface="+mn-ea"/>
-                <a:cs typeface="+mn-cs"/>
-              </a:rPr>
-              <a:t>Product Marketing</a:t>
-            </a:r>
-          </a:p>
-        </p:txBody>
-      </p:sp>
-      <p:sp>
-        <p:nvSpPr>
-          <p:cNvPr id="45" name="TextBox 44"/>
-          <p:cNvSpPr txBox="1"/>
-          <p:nvPr/>
-        </p:nvSpPr>
-        <p:spPr>
-          <a:xfrm>
-            <a:off x="7193212" y="1741402"/>
-            <a:ext cx="870751" cy="230832"/>
-          </a:xfrm>
-          <a:prstGeom prst="rect">
-            <a:avLst/>
-          </a:prstGeom>
-          <a:noFill/>
-        </p:spPr>
-        <p:txBody>
-          <a:bodyPr wrap="none" rtlCol="0">
-            <a:spAutoFit/>
-          </a:bodyPr>
-          <a:lstStyle/>
-          <a:p>
-            <a:pPr>
-              <a:buClrTx/>
-              <a:buFontTx/>
-              <a:buNone/>
-            </a:pPr>
-            <a:r>
-              <a:rPr lang="en-IN" sz="900" kern="1200" dirty="0">
-                <a:ea typeface="+mn-ea"/>
-                <a:cs typeface="+mn-cs"/>
-              </a:rPr>
-              <a:t>4 Tier 1 cities</a:t>
-            </a:r>
-          </a:p>
-        </p:txBody>
-      </p:sp>
-      <p:sp>
-        <p:nvSpPr>
-          <p:cNvPr id="47" name="TextBox 46"/>
-          <p:cNvSpPr txBox="1"/>
-          <p:nvPr/>
-        </p:nvSpPr>
-        <p:spPr>
-          <a:xfrm>
-            <a:off x="4951540" y="1631583"/>
-            <a:ext cx="1160895" cy="461665"/>
-          </a:xfrm>
-          <a:prstGeom prst="rect">
-            <a:avLst/>
-          </a:prstGeom>
-          <a:noFill/>
-        </p:spPr>
-        <p:txBody>
-          <a:bodyPr wrap="none" rtlCol="0">
-            <a:spAutoFit/>
-          </a:bodyPr>
-          <a:lstStyle/>
-          <a:p>
-            <a:pPr>
-              <a:buClrTx/>
-              <a:buFontTx/>
-              <a:buNone/>
-            </a:pPr>
-            <a:r>
-              <a:rPr lang="en-IN" sz="800" kern="1200" dirty="0">
-                <a:ea typeface="+mn-ea"/>
-                <a:cs typeface="+mn-cs"/>
-              </a:rPr>
-              <a:t>Period : 1 </a:t>
-            </a:r>
-            <a:r>
-              <a:rPr lang="en-IN" sz="800" kern="1200" dirty="0" err="1">
-                <a:ea typeface="+mn-ea"/>
-                <a:cs typeface="+mn-cs"/>
-              </a:rPr>
-              <a:t>yr</a:t>
-            </a:r>
-            <a:endParaRPr lang="en-IN" sz="800" kern="1200" dirty="0">
-              <a:ea typeface="+mn-ea"/>
-              <a:cs typeface="+mn-cs"/>
-            </a:endParaRPr>
-          </a:p>
-          <a:p>
-            <a:pPr>
-              <a:buClrTx/>
-              <a:buFontTx/>
-              <a:buNone/>
-            </a:pPr>
-            <a:r>
-              <a:rPr lang="en-IN" sz="800" kern="1200" dirty="0">
-                <a:ea typeface="+mn-ea"/>
-                <a:cs typeface="+mn-cs"/>
-              </a:rPr>
-              <a:t>Expenditure : 3.5cr </a:t>
-            </a:r>
-          </a:p>
-          <a:p>
-            <a:pPr>
-              <a:buClrTx/>
-              <a:buFontTx/>
-              <a:buNone/>
-            </a:pPr>
-            <a:r>
-              <a:rPr lang="en-IN" sz="800" kern="1200" dirty="0">
-                <a:ea typeface="+mn-ea"/>
-                <a:cs typeface="+mn-cs"/>
-              </a:rPr>
-              <a:t>Revenue : 15-20 </a:t>
-            </a:r>
-            <a:r>
-              <a:rPr lang="en-IN" sz="800" kern="1200" dirty="0" err="1">
-                <a:ea typeface="+mn-ea"/>
-                <a:cs typeface="+mn-cs"/>
-              </a:rPr>
-              <a:t>lacs</a:t>
-            </a:r>
-            <a:endParaRPr lang="en-IN" sz="800" kern="1200" dirty="0">
-              <a:ea typeface="+mn-ea"/>
-              <a:cs typeface="+mn-cs"/>
-            </a:endParaRPr>
-          </a:p>
-        </p:txBody>
-      </p:sp>
-      <p:sp>
-        <p:nvSpPr>
-          <p:cNvPr id="51" name="Rectangle 50"/>
-          <p:cNvSpPr/>
-          <p:nvPr/>
-        </p:nvSpPr>
-        <p:spPr>
-          <a:xfrm>
-            <a:off x="2756939" y="2564061"/>
-            <a:ext cx="1944216" cy="601752"/>
-          </a:xfrm>
-          <a:prstGeom prst="rect">
-            <a:avLst/>
-          </a:prstGeom>
-          <a:noFill/>
-          <a:ln>
-            <a:solidFill>
-              <a:schemeClr val="bg1">
-                <a:lumMod val="85000"/>
-              </a:schemeClr>
-            </a:solidFill>
-          </a:ln>
-        </p:spPr>
-        <p:style>
-          <a:lnRef idx="2">
-            <a:schemeClr val="accent1">
-              <a:shade val="50000"/>
-            </a:schemeClr>
-          </a:lnRef>
-          <a:fillRef idx="1">
-            <a:schemeClr val="accent1"/>
-          </a:fillRef>
-          <a:effectRef idx="0">
-            <a:schemeClr val="accent1"/>
-          </a:effectRef>
-          <a:fontRef idx="minor">
-            <a:schemeClr val="lt1"/>
-          </a:fontRef>
-        </p:style>
-        <p:txBody>
-          <a:bodyPr rtlCol="0" anchor="ctr"/>
-          <a:lstStyle/>
-          <a:p>
-            <a:pPr algn="ctr">
-              <a:buClrTx/>
-              <a:buFontTx/>
-              <a:buNone/>
-            </a:pPr>
-            <a:endParaRPr lang="en-IN" sz="1800" kern="1200">
-              <a:solidFill>
-                <a:srgbClr val="FFFFFF"/>
-              </a:solidFill>
-            </a:endParaRPr>
-          </a:p>
-        </p:txBody>
-      </p:sp>
-      <p:sp>
-        <p:nvSpPr>
-          <p:cNvPr id="52" name="Rectangle 51"/>
-          <p:cNvSpPr/>
-          <p:nvPr/>
-        </p:nvSpPr>
-        <p:spPr>
-          <a:xfrm>
-            <a:off x="7005411" y="2575257"/>
-            <a:ext cx="1251475" cy="590556"/>
-          </a:xfrm>
-          <a:prstGeom prst="rect">
-            <a:avLst/>
-          </a:prstGeom>
-          <a:noFill/>
-          <a:ln>
-            <a:solidFill>
-              <a:schemeClr val="bg1">
-                <a:lumMod val="85000"/>
-              </a:schemeClr>
-            </a:solidFill>
-          </a:ln>
-        </p:spPr>
-        <p:style>
-          <a:lnRef idx="2">
-            <a:schemeClr val="accent1">
-              <a:shade val="50000"/>
-            </a:schemeClr>
-          </a:lnRef>
-          <a:fillRef idx="1">
-            <a:schemeClr val="accent1"/>
-          </a:fillRef>
-          <a:effectRef idx="0">
-            <a:schemeClr val="accent1"/>
-          </a:effectRef>
-          <a:fontRef idx="minor">
-            <a:schemeClr val="lt1"/>
-          </a:fontRef>
-        </p:style>
-        <p:txBody>
-          <a:bodyPr rtlCol="0" anchor="ctr"/>
-          <a:lstStyle/>
-          <a:p>
-            <a:pPr algn="ctr">
-              <a:buClrTx/>
-              <a:buFontTx/>
-              <a:buNone/>
-            </a:pPr>
-            <a:endParaRPr lang="en-IN" sz="1800" kern="1200">
-              <a:solidFill>
-                <a:srgbClr val="FFFFFF"/>
-              </a:solidFill>
-            </a:endParaRPr>
-          </a:p>
-        </p:txBody>
-      </p:sp>
-      <p:sp>
-        <p:nvSpPr>
-          <p:cNvPr id="53" name="Rectangle 52"/>
-          <p:cNvSpPr/>
-          <p:nvPr/>
-        </p:nvSpPr>
-        <p:spPr>
-          <a:xfrm>
-            <a:off x="4881175" y="2575257"/>
-            <a:ext cx="1944216" cy="590556"/>
-          </a:xfrm>
-          <a:prstGeom prst="rect">
-            <a:avLst/>
-          </a:prstGeom>
-          <a:noFill/>
-          <a:ln>
-            <a:solidFill>
-              <a:schemeClr val="bg1">
-                <a:lumMod val="85000"/>
-              </a:schemeClr>
-            </a:solidFill>
-          </a:ln>
-        </p:spPr>
-        <p:style>
-          <a:lnRef idx="2">
-            <a:schemeClr val="accent1">
-              <a:shade val="50000"/>
-            </a:schemeClr>
-          </a:lnRef>
-          <a:fillRef idx="1">
-            <a:schemeClr val="accent1"/>
-          </a:fillRef>
-          <a:effectRef idx="0">
-            <a:schemeClr val="accent1"/>
-          </a:effectRef>
-          <a:fontRef idx="minor">
-            <a:schemeClr val="lt1"/>
-          </a:fontRef>
-        </p:style>
-        <p:txBody>
-          <a:bodyPr rtlCol="0" anchor="ctr"/>
-          <a:lstStyle/>
-          <a:p>
-            <a:pPr algn="ctr">
-              <a:buClrTx/>
-              <a:buFontTx/>
-              <a:buNone/>
-            </a:pPr>
-            <a:endParaRPr lang="en-IN" sz="1800" kern="1200">
-              <a:solidFill>
-                <a:srgbClr val="FFFFFF"/>
-              </a:solidFill>
-            </a:endParaRPr>
-          </a:p>
-        </p:txBody>
-      </p:sp>
-      <p:sp>
-        <p:nvSpPr>
-          <p:cNvPr id="54" name="TextBox 53"/>
-          <p:cNvSpPr txBox="1"/>
-          <p:nvPr/>
-        </p:nvSpPr>
-        <p:spPr>
-          <a:xfrm>
-            <a:off x="3066490" y="2649303"/>
-            <a:ext cx="1138452" cy="338554"/>
-          </a:xfrm>
-          <a:prstGeom prst="rect">
-            <a:avLst/>
-          </a:prstGeom>
-          <a:noFill/>
-        </p:spPr>
-        <p:txBody>
-          <a:bodyPr wrap="none" rtlCol="0">
-            <a:spAutoFit/>
-          </a:bodyPr>
-          <a:lstStyle/>
-          <a:p>
-            <a:pPr algn="ctr">
-              <a:buClrTx/>
-              <a:buFontTx/>
-              <a:buNone/>
-            </a:pPr>
-            <a:r>
-              <a:rPr lang="en-IN" sz="800" kern="1200" dirty="0">
-                <a:ea typeface="+mn-ea"/>
-                <a:cs typeface="+mn-cs"/>
-              </a:rPr>
-              <a:t>Product Marketing + </a:t>
-            </a:r>
-          </a:p>
-          <a:p>
-            <a:pPr algn="ctr">
-              <a:buClrTx/>
-              <a:buFontTx/>
-              <a:buNone/>
-            </a:pPr>
-            <a:r>
-              <a:rPr lang="en-IN" sz="800" kern="1200" dirty="0"/>
-              <a:t>Pharmacists</a:t>
-            </a:r>
-          </a:p>
-        </p:txBody>
-      </p:sp>
-      <p:sp>
-        <p:nvSpPr>
-          <p:cNvPr id="55" name="TextBox 54"/>
-          <p:cNvSpPr txBox="1"/>
-          <p:nvPr/>
-        </p:nvSpPr>
-        <p:spPr>
-          <a:xfrm>
-            <a:off x="7158344" y="2703164"/>
-            <a:ext cx="966931" cy="230832"/>
-          </a:xfrm>
-          <a:prstGeom prst="rect">
-            <a:avLst/>
-          </a:prstGeom>
-          <a:noFill/>
-        </p:spPr>
-        <p:txBody>
-          <a:bodyPr wrap="none" rtlCol="0">
-            <a:spAutoFit/>
-          </a:bodyPr>
-          <a:lstStyle/>
-          <a:p>
-            <a:pPr>
-              <a:buClrTx/>
-              <a:buFontTx/>
-              <a:buNone/>
-            </a:pPr>
-            <a:r>
-              <a:rPr lang="en-IN" sz="900" kern="1200" dirty="0">
-                <a:ea typeface="+mn-ea"/>
-                <a:cs typeface="+mn-cs"/>
-              </a:rPr>
-              <a:t>10 Tier 2 cities </a:t>
-            </a:r>
-          </a:p>
-        </p:txBody>
-      </p:sp>
-      <p:sp>
-        <p:nvSpPr>
-          <p:cNvPr id="56" name="TextBox 55"/>
-          <p:cNvSpPr txBox="1"/>
-          <p:nvPr/>
-        </p:nvSpPr>
-        <p:spPr>
-          <a:xfrm>
-            <a:off x="4951432" y="2639875"/>
-            <a:ext cx="1160895" cy="461665"/>
-          </a:xfrm>
-          <a:prstGeom prst="rect">
-            <a:avLst/>
-          </a:prstGeom>
-          <a:noFill/>
-        </p:spPr>
-        <p:txBody>
-          <a:bodyPr wrap="none" rtlCol="0">
-            <a:spAutoFit/>
-          </a:bodyPr>
-          <a:lstStyle/>
-          <a:p>
-            <a:pPr>
-              <a:buClrTx/>
-              <a:buFontTx/>
-              <a:buNone/>
-            </a:pPr>
-            <a:r>
-              <a:rPr lang="en-IN" sz="800" kern="1200" dirty="0">
-                <a:ea typeface="+mn-ea"/>
-                <a:cs typeface="+mn-cs"/>
-              </a:rPr>
-              <a:t>Period : 1 </a:t>
-            </a:r>
-            <a:r>
-              <a:rPr lang="en-IN" sz="800" kern="1200" dirty="0" err="1">
-                <a:ea typeface="+mn-ea"/>
-                <a:cs typeface="+mn-cs"/>
-              </a:rPr>
-              <a:t>yr</a:t>
-            </a:r>
-            <a:endParaRPr lang="en-IN" sz="800" kern="1200" dirty="0">
-              <a:ea typeface="+mn-ea"/>
-              <a:cs typeface="+mn-cs"/>
-            </a:endParaRPr>
-          </a:p>
-          <a:p>
-            <a:pPr>
-              <a:buClrTx/>
-              <a:buFontTx/>
-              <a:buNone/>
-            </a:pPr>
-            <a:r>
-              <a:rPr lang="en-IN" sz="800" kern="1200" dirty="0">
-                <a:ea typeface="+mn-ea"/>
-                <a:cs typeface="+mn-cs"/>
-              </a:rPr>
-              <a:t>Expenditure : 6cr </a:t>
-            </a:r>
-          </a:p>
-          <a:p>
-            <a:pPr>
-              <a:buClrTx/>
-              <a:buFontTx/>
-              <a:buNone/>
-            </a:pPr>
-            <a:r>
-              <a:rPr lang="en-IN" sz="800" kern="1200" dirty="0">
-                <a:ea typeface="+mn-ea"/>
-                <a:cs typeface="+mn-cs"/>
-              </a:rPr>
-              <a:t>Revenue : 35-40 </a:t>
-            </a:r>
-            <a:r>
-              <a:rPr lang="en-IN" sz="800" kern="1200" dirty="0" err="1">
-                <a:ea typeface="+mn-ea"/>
-                <a:cs typeface="+mn-cs"/>
-              </a:rPr>
-              <a:t>lacs</a:t>
-            </a:r>
-            <a:endParaRPr lang="en-IN" sz="800" kern="1200" dirty="0">
-              <a:ea typeface="+mn-ea"/>
-              <a:cs typeface="+mn-cs"/>
-            </a:endParaRPr>
-          </a:p>
-        </p:txBody>
-      </p:sp>
-      <p:sp>
-        <p:nvSpPr>
-          <p:cNvPr id="59" name="Rectangle 58"/>
-          <p:cNvSpPr/>
-          <p:nvPr/>
-        </p:nvSpPr>
-        <p:spPr>
-          <a:xfrm>
-            <a:off x="2776515" y="3577949"/>
-            <a:ext cx="1944216" cy="601752"/>
-          </a:xfrm>
-          <a:prstGeom prst="rect">
-            <a:avLst/>
-          </a:prstGeom>
-          <a:noFill/>
-          <a:ln>
-            <a:solidFill>
-              <a:schemeClr val="bg1">
-                <a:lumMod val="85000"/>
-              </a:schemeClr>
-            </a:solidFill>
-          </a:ln>
-        </p:spPr>
-        <p:style>
-          <a:lnRef idx="2">
-            <a:schemeClr val="accent1">
-              <a:shade val="50000"/>
-            </a:schemeClr>
-          </a:lnRef>
-          <a:fillRef idx="1">
-            <a:schemeClr val="accent1"/>
-          </a:fillRef>
-          <a:effectRef idx="0">
-            <a:schemeClr val="accent1"/>
-          </a:effectRef>
-          <a:fontRef idx="minor">
-            <a:schemeClr val="lt1"/>
-          </a:fontRef>
-        </p:style>
-        <p:txBody>
-          <a:bodyPr rtlCol="0" anchor="ctr"/>
-          <a:lstStyle/>
-          <a:p>
-            <a:pPr algn="ctr">
-              <a:buClrTx/>
-              <a:buFontTx/>
-              <a:buNone/>
-            </a:pPr>
-            <a:endParaRPr lang="en-IN" sz="1800" kern="1200">
-              <a:solidFill>
-                <a:srgbClr val="FFFFFF"/>
-              </a:solidFill>
-            </a:endParaRPr>
-          </a:p>
-        </p:txBody>
-      </p:sp>
-      <p:sp>
-        <p:nvSpPr>
-          <p:cNvPr id="60" name="Rectangle 59"/>
-          <p:cNvSpPr/>
-          <p:nvPr/>
-        </p:nvSpPr>
-        <p:spPr>
-          <a:xfrm>
-            <a:off x="7024987" y="3589145"/>
-            <a:ext cx="1253595" cy="590556"/>
-          </a:xfrm>
-          <a:prstGeom prst="rect">
-            <a:avLst/>
-          </a:prstGeom>
-          <a:noFill/>
-          <a:ln>
-            <a:solidFill>
-              <a:schemeClr val="bg1">
-                <a:lumMod val="85000"/>
-              </a:schemeClr>
-            </a:solidFill>
-          </a:ln>
-        </p:spPr>
-        <p:style>
-          <a:lnRef idx="2">
-            <a:schemeClr val="accent1">
-              <a:shade val="50000"/>
-            </a:schemeClr>
-          </a:lnRef>
-          <a:fillRef idx="1">
-            <a:schemeClr val="accent1"/>
-          </a:fillRef>
-          <a:effectRef idx="0">
-            <a:schemeClr val="accent1"/>
-          </a:effectRef>
-          <a:fontRef idx="minor">
-            <a:schemeClr val="lt1"/>
-          </a:fontRef>
-        </p:style>
-        <p:txBody>
-          <a:bodyPr rtlCol="0" anchor="ctr"/>
-          <a:lstStyle/>
-          <a:p>
-            <a:pPr algn="ctr">
-              <a:buClrTx/>
-              <a:buFontTx/>
-              <a:buNone/>
-            </a:pPr>
-            <a:endParaRPr lang="en-IN" sz="1800" kern="1200">
-              <a:solidFill>
-                <a:srgbClr val="FFFFFF"/>
-              </a:solidFill>
-            </a:endParaRPr>
-          </a:p>
-        </p:txBody>
-      </p:sp>
-      <p:sp>
-        <p:nvSpPr>
-          <p:cNvPr id="61" name="Rectangle 60"/>
-          <p:cNvSpPr/>
-          <p:nvPr/>
-        </p:nvSpPr>
-        <p:spPr>
-          <a:xfrm>
-            <a:off x="4900751" y="3589145"/>
-            <a:ext cx="1944216" cy="590556"/>
-          </a:xfrm>
-          <a:prstGeom prst="rect">
-            <a:avLst/>
-          </a:prstGeom>
-          <a:noFill/>
-          <a:ln>
-            <a:solidFill>
-              <a:schemeClr val="bg1">
-                <a:lumMod val="85000"/>
-              </a:schemeClr>
-            </a:solidFill>
-          </a:ln>
-        </p:spPr>
-        <p:style>
-          <a:lnRef idx="2">
-            <a:schemeClr val="accent1">
-              <a:shade val="50000"/>
-            </a:schemeClr>
-          </a:lnRef>
-          <a:fillRef idx="1">
-            <a:schemeClr val="accent1"/>
-          </a:fillRef>
-          <a:effectRef idx="0">
-            <a:schemeClr val="accent1"/>
-          </a:effectRef>
-          <a:fontRef idx="minor">
-            <a:schemeClr val="lt1"/>
-          </a:fontRef>
-        </p:style>
-        <p:txBody>
-          <a:bodyPr rtlCol="0" anchor="ctr"/>
-          <a:lstStyle/>
-          <a:p>
-            <a:pPr algn="ctr">
-              <a:buClrTx/>
-              <a:buFontTx/>
-              <a:buNone/>
-            </a:pPr>
-            <a:endParaRPr lang="en-IN" sz="1800" kern="1200">
-              <a:solidFill>
-                <a:srgbClr val="FFFFFF"/>
-              </a:solidFill>
-            </a:endParaRPr>
-          </a:p>
-        </p:txBody>
-      </p:sp>
-      <p:sp>
-        <p:nvSpPr>
-          <p:cNvPr id="62" name="TextBox 61"/>
-          <p:cNvSpPr txBox="1"/>
-          <p:nvPr/>
-        </p:nvSpPr>
-        <p:spPr>
-          <a:xfrm>
-            <a:off x="3053204" y="3663191"/>
-            <a:ext cx="1165704" cy="338554"/>
-          </a:xfrm>
-          <a:prstGeom prst="rect">
-            <a:avLst/>
-          </a:prstGeom>
-          <a:noFill/>
-        </p:spPr>
-        <p:txBody>
-          <a:bodyPr wrap="none" rtlCol="0">
-            <a:spAutoFit/>
-          </a:bodyPr>
-          <a:lstStyle/>
-          <a:p>
-            <a:pPr algn="ctr">
-              <a:buClrTx/>
-              <a:buFontTx/>
-              <a:buNone/>
-            </a:pPr>
-            <a:r>
-              <a:rPr lang="en-IN" sz="800" kern="1200" dirty="0">
-                <a:ea typeface="+mn-ea"/>
-                <a:cs typeface="+mn-cs"/>
-              </a:rPr>
-              <a:t>Product Marketing + </a:t>
-            </a:r>
-          </a:p>
-          <a:p>
-            <a:pPr algn="ctr">
-              <a:buClrTx/>
-              <a:buFontTx/>
-              <a:buNone/>
-            </a:pPr>
-            <a:r>
-              <a:rPr lang="en-IN" sz="800" kern="1200" dirty="0">
-                <a:ea typeface="+mn-ea"/>
-                <a:cs typeface="+mn-cs"/>
-              </a:rPr>
-              <a:t>Insurance companies</a:t>
-            </a:r>
-          </a:p>
-        </p:txBody>
-      </p:sp>
-      <p:sp>
-        <p:nvSpPr>
-          <p:cNvPr id="63" name="TextBox 62"/>
-          <p:cNvSpPr txBox="1"/>
-          <p:nvPr/>
-        </p:nvSpPr>
-        <p:spPr>
-          <a:xfrm>
-            <a:off x="7180042" y="3717052"/>
-            <a:ext cx="966931" cy="230832"/>
-          </a:xfrm>
-          <a:prstGeom prst="rect">
-            <a:avLst/>
-          </a:prstGeom>
-          <a:noFill/>
-        </p:spPr>
-        <p:txBody>
-          <a:bodyPr wrap="none" rtlCol="0">
-            <a:spAutoFit/>
-          </a:bodyPr>
-          <a:lstStyle/>
-          <a:p>
-            <a:pPr>
-              <a:buClrTx/>
-              <a:buFontTx/>
-              <a:buNone/>
-            </a:pPr>
-            <a:r>
-              <a:rPr lang="en-IN" sz="900" kern="1200" dirty="0">
-                <a:ea typeface="+mn-ea"/>
-                <a:cs typeface="+mn-cs"/>
-              </a:rPr>
-              <a:t>15 Tier 3 cities </a:t>
-            </a:r>
-          </a:p>
-        </p:txBody>
-      </p:sp>
-      <p:sp>
-        <p:nvSpPr>
-          <p:cNvPr id="64" name="TextBox 63"/>
-          <p:cNvSpPr txBox="1"/>
-          <p:nvPr/>
-        </p:nvSpPr>
-        <p:spPr>
-          <a:xfrm>
-            <a:off x="4971008" y="3653763"/>
-            <a:ext cx="1160895" cy="461665"/>
-          </a:xfrm>
-          <a:prstGeom prst="rect">
-            <a:avLst/>
-          </a:prstGeom>
-          <a:noFill/>
-        </p:spPr>
-        <p:txBody>
-          <a:bodyPr wrap="none" rtlCol="0">
-            <a:spAutoFit/>
-          </a:bodyPr>
-          <a:lstStyle/>
-          <a:p>
-            <a:pPr>
-              <a:buClrTx/>
-              <a:buFontTx/>
-              <a:buNone/>
-            </a:pPr>
-            <a:r>
-              <a:rPr lang="en-IN" sz="800" kern="1200" dirty="0">
-                <a:ea typeface="+mn-ea"/>
-                <a:cs typeface="+mn-cs"/>
-              </a:rPr>
-              <a:t>Period : 1.5 </a:t>
-            </a:r>
-            <a:r>
-              <a:rPr lang="en-IN" sz="800" kern="1200" dirty="0" err="1">
-                <a:ea typeface="+mn-ea"/>
-                <a:cs typeface="+mn-cs"/>
-              </a:rPr>
-              <a:t>yrs</a:t>
-            </a:r>
-            <a:endParaRPr lang="en-IN" sz="800" kern="1200" dirty="0">
-              <a:ea typeface="+mn-ea"/>
-              <a:cs typeface="+mn-cs"/>
-            </a:endParaRPr>
-          </a:p>
-          <a:p>
-            <a:pPr>
-              <a:buClrTx/>
-              <a:buFontTx/>
-              <a:buNone/>
-            </a:pPr>
-            <a:r>
-              <a:rPr lang="en-IN" sz="800" kern="1200" dirty="0">
-                <a:ea typeface="+mn-ea"/>
-                <a:cs typeface="+mn-cs"/>
-              </a:rPr>
-              <a:t>Expenditure : 10cr </a:t>
-            </a:r>
-          </a:p>
-          <a:p>
-            <a:pPr>
-              <a:buClrTx/>
-              <a:buFontTx/>
-              <a:buNone/>
-            </a:pPr>
-            <a:r>
-              <a:rPr lang="en-IN" sz="800" kern="1200" dirty="0">
-                <a:ea typeface="+mn-ea"/>
-                <a:cs typeface="+mn-cs"/>
-              </a:rPr>
-              <a:t>Revenue : 60-70 </a:t>
-            </a:r>
-            <a:r>
-              <a:rPr lang="en-IN" sz="800" kern="1200" dirty="0" err="1">
-                <a:ea typeface="+mn-ea"/>
-                <a:cs typeface="+mn-cs"/>
-              </a:rPr>
-              <a:t>lacs</a:t>
-            </a:r>
-            <a:endParaRPr lang="en-IN" sz="800" kern="1200" dirty="0">
-              <a:ea typeface="+mn-ea"/>
-              <a:cs typeface="+mn-cs"/>
-            </a:endParaRPr>
-          </a:p>
-        </p:txBody>
-      </p:sp>
-      <p:sp>
-        <p:nvSpPr>
-          <p:cNvPr id="4" name="TextBox 3"/>
-          <p:cNvSpPr txBox="1"/>
-          <p:nvPr/>
-        </p:nvSpPr>
-        <p:spPr>
-          <a:xfrm>
-            <a:off x="2957310" y="0"/>
-            <a:ext cx="1556836" cy="307777"/>
-          </a:xfrm>
-          <a:prstGeom prst="rect">
-            <a:avLst/>
-          </a:prstGeom>
-          <a:noFill/>
-        </p:spPr>
-        <p:txBody>
-          <a:bodyPr wrap="none" rtlCol="0">
-            <a:spAutoFit/>
-          </a:bodyPr>
-          <a:lstStyle/>
-          <a:p>
-            <a:pPr>
-              <a:buClrTx/>
-              <a:buFontTx/>
-              <a:buNone/>
-            </a:pPr>
-            <a:r>
-              <a:rPr lang="en-IN" kern="1200" dirty="0">
-                <a:ea typeface="+mn-ea"/>
-                <a:cs typeface="+mn-cs"/>
-              </a:rPr>
-              <a:t>Product Features</a:t>
-            </a:r>
-          </a:p>
-        </p:txBody>
-      </p:sp>
-      <p:sp>
-        <p:nvSpPr>
-          <p:cNvPr id="44" name="TextBox 43"/>
-          <p:cNvSpPr txBox="1"/>
-          <p:nvPr/>
-        </p:nvSpPr>
-        <p:spPr>
-          <a:xfrm>
-            <a:off x="5118699" y="-19041"/>
-            <a:ext cx="1438214" cy="307777"/>
-          </a:xfrm>
-          <a:prstGeom prst="rect">
-            <a:avLst/>
-          </a:prstGeom>
-          <a:noFill/>
-        </p:spPr>
-        <p:txBody>
-          <a:bodyPr wrap="none" rtlCol="0">
-            <a:spAutoFit/>
-          </a:bodyPr>
-          <a:lstStyle/>
-          <a:p>
-            <a:pPr>
-              <a:buClrTx/>
-              <a:buFontTx/>
-              <a:buNone/>
-            </a:pPr>
-            <a:r>
-              <a:rPr lang="en-IN" kern="1200" dirty="0">
-                <a:ea typeface="+mn-ea"/>
-                <a:cs typeface="+mn-cs"/>
-              </a:rPr>
-              <a:t>Revenue Model</a:t>
-            </a:r>
-          </a:p>
-        </p:txBody>
-      </p:sp>
-      <p:sp>
-        <p:nvSpPr>
-          <p:cNvPr id="46" name="TextBox 45"/>
-          <p:cNvSpPr txBox="1"/>
-          <p:nvPr/>
-        </p:nvSpPr>
-        <p:spPr>
-          <a:xfrm>
-            <a:off x="7151700" y="-19042"/>
-            <a:ext cx="970137" cy="307777"/>
-          </a:xfrm>
-          <a:prstGeom prst="rect">
-            <a:avLst/>
-          </a:prstGeom>
-          <a:noFill/>
-        </p:spPr>
-        <p:txBody>
-          <a:bodyPr wrap="none" rtlCol="0">
-            <a:spAutoFit/>
-          </a:bodyPr>
-          <a:lstStyle/>
-          <a:p>
-            <a:pPr>
-              <a:buClrTx/>
-              <a:buFontTx/>
-              <a:buNone/>
-            </a:pPr>
-            <a:r>
-              <a:rPr lang="en-IN" kern="1200" dirty="0">
-                <a:ea typeface="+mn-ea"/>
-                <a:cs typeface="+mn-cs"/>
-              </a:rPr>
-              <a:t>Marketing</a:t>
-            </a:r>
-          </a:p>
-        </p:txBody>
-      </p:sp>
-      <p:cxnSp>
-        <p:nvCxnSpPr>
-          <p:cNvPr id="8" name="Straight Connector 7"/>
-          <p:cNvCxnSpPr/>
-          <p:nvPr/>
-        </p:nvCxnSpPr>
-        <p:spPr>
-          <a:xfrm>
-            <a:off x="2617484" y="307777"/>
-            <a:ext cx="6480720" cy="0"/>
-          </a:xfrm>
-          <a:prstGeom prst="line">
-            <a:avLst/>
-          </a:prstGeom>
-        </p:spPr>
-        <p:style>
-          <a:lnRef idx="1">
-            <a:schemeClr val="accent1"/>
-          </a:lnRef>
-          <a:fillRef idx="0">
-            <a:schemeClr val="accent1"/>
-          </a:fillRef>
-          <a:effectRef idx="0">
-            <a:schemeClr val="accent1"/>
-          </a:effectRef>
-          <a:fontRef idx="minor">
-            <a:schemeClr val="tx1"/>
-          </a:fontRef>
-        </p:style>
-      </p:cxnSp>
-      <p:sp>
-        <p:nvSpPr>
-          <p:cNvPr id="68" name="TextBox 67"/>
-          <p:cNvSpPr txBox="1"/>
-          <p:nvPr/>
-        </p:nvSpPr>
-        <p:spPr>
-          <a:xfrm>
-            <a:off x="2753323" y="389343"/>
-            <a:ext cx="723275" cy="246221"/>
-          </a:xfrm>
-          <a:prstGeom prst="rect">
-            <a:avLst/>
-          </a:prstGeom>
-          <a:noFill/>
-        </p:spPr>
-        <p:txBody>
-          <a:bodyPr wrap="none" rtlCol="0">
-            <a:spAutoFit/>
-          </a:bodyPr>
-          <a:lstStyle/>
-          <a:p>
-            <a:pPr>
-              <a:buClrTx/>
-              <a:buFontTx/>
-              <a:buNone/>
-            </a:pPr>
-            <a:r>
-              <a:rPr lang="en-IN" sz="1000" kern="1200" dirty="0">
-                <a:ea typeface="+mn-ea"/>
-                <a:cs typeface="+mn-cs"/>
-              </a:rPr>
-              <a:t>Version 1</a:t>
-            </a:r>
-          </a:p>
-        </p:txBody>
-      </p:sp>
-      <p:cxnSp>
-        <p:nvCxnSpPr>
-          <p:cNvPr id="69" name="Straight Connector 68"/>
-          <p:cNvCxnSpPr/>
-          <p:nvPr/>
-        </p:nvCxnSpPr>
-        <p:spPr>
-          <a:xfrm>
-            <a:off x="2597446" y="1279459"/>
-            <a:ext cx="6480720" cy="0"/>
-          </a:xfrm>
-          <a:prstGeom prst="line">
-            <a:avLst/>
-          </a:prstGeom>
-          <a:ln w="3175"/>
-        </p:spPr>
-        <p:style>
-          <a:lnRef idx="1">
-            <a:schemeClr val="accent1"/>
-          </a:lnRef>
-          <a:fillRef idx="0">
-            <a:schemeClr val="accent1"/>
-          </a:fillRef>
-          <a:effectRef idx="0">
-            <a:schemeClr val="accent1"/>
-          </a:effectRef>
-          <a:fontRef idx="minor">
-            <a:schemeClr val="tx1"/>
-          </a:fontRef>
-        </p:style>
-      </p:cxnSp>
-      <p:sp>
-        <p:nvSpPr>
-          <p:cNvPr id="70" name="TextBox 69"/>
-          <p:cNvSpPr txBox="1"/>
-          <p:nvPr/>
-        </p:nvSpPr>
-        <p:spPr>
-          <a:xfrm>
-            <a:off x="2755442" y="1346550"/>
-            <a:ext cx="723275" cy="246221"/>
-          </a:xfrm>
-          <a:prstGeom prst="rect">
-            <a:avLst/>
-          </a:prstGeom>
-          <a:noFill/>
-        </p:spPr>
-        <p:txBody>
-          <a:bodyPr wrap="none" rtlCol="0">
-            <a:spAutoFit/>
-          </a:bodyPr>
-          <a:lstStyle/>
-          <a:p>
-            <a:pPr>
-              <a:buClrTx/>
-              <a:buFontTx/>
-              <a:buNone/>
-            </a:pPr>
-            <a:r>
-              <a:rPr lang="en-IN" sz="1000" kern="1200" dirty="0">
-                <a:ea typeface="+mn-ea"/>
-                <a:cs typeface="+mn-cs"/>
-              </a:rPr>
-              <a:t>Version 2</a:t>
-            </a:r>
-          </a:p>
-        </p:txBody>
-      </p:sp>
-      <p:cxnSp>
-        <p:nvCxnSpPr>
-          <p:cNvPr id="71" name="Straight Connector 70"/>
-          <p:cNvCxnSpPr/>
-          <p:nvPr/>
-        </p:nvCxnSpPr>
-        <p:spPr>
-          <a:xfrm>
-            <a:off x="2572296" y="2232077"/>
-            <a:ext cx="6480720" cy="0"/>
-          </a:xfrm>
-          <a:prstGeom prst="line">
-            <a:avLst/>
-          </a:prstGeom>
-        </p:spPr>
-        <p:style>
-          <a:lnRef idx="1">
-            <a:schemeClr val="accent1"/>
-          </a:lnRef>
-          <a:fillRef idx="0">
-            <a:schemeClr val="accent1"/>
-          </a:fillRef>
-          <a:effectRef idx="0">
-            <a:schemeClr val="accent1"/>
-          </a:effectRef>
-          <a:fontRef idx="minor">
-            <a:schemeClr val="tx1"/>
-          </a:fontRef>
-        </p:style>
-      </p:cxnSp>
-      <p:sp>
-        <p:nvSpPr>
-          <p:cNvPr id="72" name="TextBox 71"/>
-          <p:cNvSpPr txBox="1"/>
-          <p:nvPr/>
-        </p:nvSpPr>
-        <p:spPr>
-          <a:xfrm>
-            <a:off x="2771705" y="2289820"/>
-            <a:ext cx="723275" cy="246221"/>
-          </a:xfrm>
-          <a:prstGeom prst="rect">
-            <a:avLst/>
-          </a:prstGeom>
-          <a:noFill/>
-        </p:spPr>
-        <p:txBody>
-          <a:bodyPr wrap="none" rtlCol="0">
-            <a:spAutoFit/>
-          </a:bodyPr>
-          <a:lstStyle/>
-          <a:p>
-            <a:pPr>
-              <a:buClrTx/>
-              <a:buFontTx/>
-              <a:buNone/>
-            </a:pPr>
-            <a:r>
-              <a:rPr lang="en-IN" sz="1000" kern="1200" dirty="0">
-                <a:ea typeface="+mn-ea"/>
-                <a:cs typeface="+mn-cs"/>
-              </a:rPr>
-              <a:t>Version 3</a:t>
-            </a:r>
-          </a:p>
-        </p:txBody>
-      </p:sp>
-      <p:cxnSp>
-        <p:nvCxnSpPr>
-          <p:cNvPr id="73" name="Straight Connector 72"/>
-          <p:cNvCxnSpPr/>
-          <p:nvPr/>
-        </p:nvCxnSpPr>
-        <p:spPr>
-          <a:xfrm>
-            <a:off x="2572296" y="3257936"/>
-            <a:ext cx="6480720" cy="0"/>
-          </a:xfrm>
-          <a:prstGeom prst="line">
-            <a:avLst/>
-          </a:prstGeom>
-        </p:spPr>
-        <p:style>
-          <a:lnRef idx="1">
-            <a:schemeClr val="accent1"/>
-          </a:lnRef>
-          <a:fillRef idx="0">
-            <a:schemeClr val="accent1"/>
-          </a:fillRef>
-          <a:effectRef idx="0">
-            <a:schemeClr val="accent1"/>
-          </a:effectRef>
-          <a:fontRef idx="minor">
-            <a:schemeClr val="tx1"/>
-          </a:fontRef>
-        </p:style>
-      </p:cxnSp>
-      <p:sp>
-        <p:nvSpPr>
-          <p:cNvPr id="74" name="TextBox 73"/>
-          <p:cNvSpPr txBox="1"/>
-          <p:nvPr/>
-        </p:nvSpPr>
-        <p:spPr>
-          <a:xfrm>
-            <a:off x="2771705" y="3347117"/>
-            <a:ext cx="723275" cy="246221"/>
-          </a:xfrm>
-          <a:prstGeom prst="rect">
-            <a:avLst/>
-          </a:prstGeom>
-          <a:noFill/>
-        </p:spPr>
-        <p:txBody>
-          <a:bodyPr wrap="none" rtlCol="0">
-            <a:spAutoFit/>
-          </a:bodyPr>
-          <a:lstStyle/>
-          <a:p>
-            <a:pPr>
-              <a:buClrTx/>
-              <a:buFontTx/>
-              <a:buNone/>
-            </a:pPr>
-            <a:r>
-              <a:rPr lang="en-IN" sz="1000" kern="1200" dirty="0">
-                <a:ea typeface="+mn-ea"/>
-                <a:cs typeface="+mn-cs"/>
-              </a:rPr>
-              <a:t>Version 4</a:t>
-            </a:r>
-          </a:p>
-        </p:txBody>
-      </p:sp>
-      <p:sp>
-        <p:nvSpPr>
-          <p:cNvPr id="2" name="TextBox 1"/>
-          <p:cNvSpPr txBox="1"/>
-          <p:nvPr/>
-        </p:nvSpPr>
-        <p:spPr>
-          <a:xfrm>
-            <a:off x="2673480" y="4565561"/>
-            <a:ext cx="6194324" cy="577081"/>
-          </a:xfrm>
-          <a:prstGeom prst="rect">
-            <a:avLst/>
-          </a:prstGeom>
-          <a:noFill/>
-        </p:spPr>
-        <p:txBody>
-          <a:bodyPr wrap="none" rtlCol="0">
-            <a:spAutoFit/>
-          </a:bodyPr>
-          <a:lstStyle/>
-          <a:p>
-            <a:r>
-              <a:rPr lang="en-IN" sz="1050" b="1" u="sng" dirty="0"/>
-              <a:t>Note:</a:t>
-            </a:r>
-            <a:r>
-              <a:rPr lang="en-IN" sz="1050" b="1" dirty="0"/>
-              <a:t> </a:t>
-            </a:r>
-            <a:r>
-              <a:rPr lang="en-IN" sz="1050" dirty="0"/>
-              <a:t>For Versions 3&amp;4, partnership with established IT firms for large scale deployment of software </a:t>
-            </a:r>
-          </a:p>
-          <a:p>
-            <a:r>
-              <a:rPr lang="en-IN" sz="1050" dirty="0"/>
-              <a:t>          as well as training.</a:t>
-            </a:r>
-          </a:p>
-          <a:p>
-            <a:endParaRPr lang="en-IN" sz="1050" dirty="0"/>
           </a:p>
         </p:txBody>
       </p:sp>
     </p:spTree>
     <p:extLst>
       <p:ext uri="{BB962C8B-B14F-4D97-AF65-F5344CB8AC3E}">
-        <p14:creationId xmlns:p14="http://schemas.microsoft.com/office/powerpoint/2010/main" val="2142255268"/>
+        <p14:creationId xmlns:p14="http://schemas.microsoft.com/office/powerpoint/2010/main" val="3161222419"/>
       </p:ext>
     </p:extLst>
   </p:cSld>
@@ -15331,8 +14435,8 @@
         </p:nvSpPr>
         <p:spPr>
           <a:xfrm>
-            <a:off x="91952" y="563624"/>
-            <a:ext cx="2485001" cy="817464"/>
+            <a:off x="224150" y="363755"/>
+            <a:ext cx="2046300" cy="580638"/>
           </a:xfrm>
           <a:prstGeom prst="rect">
             <a:avLst/>
@@ -15355,7 +14459,7 @@
             </a:pPr>
             <a:r>
               <a:rPr lang="en-IN" b="1" dirty="0"/>
-              <a:t>Ease of Implementation</a:t>
+              <a:t>Business Model</a:t>
             </a:r>
             <a:endParaRPr b="1" dirty="0"/>
           </a:p>
@@ -15363,56 +14467,14 @@
       </p:sp>
       <p:sp>
         <p:nvSpPr>
-          <p:cNvPr id="107" name="Shape 107"/>
-          <p:cNvSpPr txBox="1">
-            <a:spLocks noGrp="1"/>
-          </p:cNvSpPr>
-          <p:nvPr>
-            <p:ph type="sldNum" idx="12"/>
-          </p:nvPr>
-        </p:nvSpPr>
-        <p:spPr>
-          <a:xfrm>
-            <a:off x="8556784" y="4749851"/>
-            <a:ext cx="548700" cy="393600"/>
-          </a:xfrm>
-          <a:prstGeom prst="rect">
-            <a:avLst/>
-          </a:prstGeom>
-        </p:spPr>
-        <p:txBody>
-          <a:bodyPr spcFirstLastPara="1" wrap="square" lIns="91425" tIns="91425" rIns="91425" bIns="91425" anchor="ctr" anchorCtr="0">
-            <a:noAutofit/>
-          </a:bodyPr>
-          <a:lstStyle/>
-          <a:p>
-            <a:pPr marL="0" lvl="0" indent="0">
-              <a:spcBef>
-                <a:spcPts val="0"/>
-              </a:spcBef>
-              <a:spcAft>
-                <a:spcPts val="0"/>
-              </a:spcAft>
-              <a:buNone/>
-            </a:pPr>
-            <a:fld id="{00000000-1234-1234-1234-123412341234}" type="slidenum">
-              <a:rPr lang="en"/>
-              <a:t>9</a:t>
-            </a:fld>
-            <a:endParaRPr dirty="0"/>
-          </a:p>
-        </p:txBody>
-      </p:sp>
-      <p:sp>
-        <p:nvSpPr>
-          <p:cNvPr id="3" name="Rectangle 2"/>
+          <p:cNvPr id="5" name="Rectangle 4"/>
           <p:cNvSpPr/>
           <p:nvPr/>
         </p:nvSpPr>
         <p:spPr>
           <a:xfrm>
-            <a:off x="3022270" y="611580"/>
-            <a:ext cx="5658592" cy="1579418"/>
+            <a:off x="2753320" y="655146"/>
+            <a:ext cx="1944216" cy="535364"/>
           </a:xfrm>
           <a:prstGeom prst="rect">
             <a:avLst/>
@@ -15421,7 +14483,7 @@
           <a:ln>
             <a:solidFill>
               <a:schemeClr val="bg1">
-                <a:lumMod val="95000"/>
+                <a:lumMod val="85000"/>
               </a:schemeClr>
             </a:solidFill>
           </a:ln>
@@ -15446,118 +14508,29 @@
           <a:bodyPr rtlCol="0" anchor="ctr"/>
           <a:lstStyle/>
           <a:p>
-            <a:pPr algn="ctr"/>
-            <a:endParaRPr lang="en-IN"/>
+            <a:pPr algn="ctr">
+              <a:buClrTx/>
+              <a:buFontTx/>
+              <a:buNone/>
+            </a:pPr>
+            <a:endParaRPr lang="en-IN" sz="1800" kern="1200">
+              <a:solidFill>
+                <a:srgbClr val="FFFFFF"/>
+              </a:solidFill>
+            </a:endParaRPr>
           </a:p>
         </p:txBody>
       </p:sp>
       <p:sp>
         <p:nvSpPr>
-          <p:cNvPr id="4" name="TextBox 3"/>
-          <p:cNvSpPr txBox="1"/>
-          <p:nvPr/>
-        </p:nvSpPr>
-        <p:spPr>
-          <a:xfrm>
-            <a:off x="4792627" y="682653"/>
-            <a:ext cx="2117887" cy="261610"/>
-          </a:xfrm>
-          <a:prstGeom prst="rect">
-            <a:avLst/>
-          </a:prstGeom>
-          <a:noFill/>
-        </p:spPr>
-        <p:txBody>
-          <a:bodyPr wrap="none" rtlCol="0">
-            <a:spAutoFit/>
-          </a:bodyPr>
-          <a:lstStyle/>
-          <a:p>
-            <a:pPr algn="ctr"/>
-            <a:r>
-              <a:rPr lang="en-IN" sz="1100" b="1" dirty="0"/>
-              <a:t>Infrastructural Requirements</a:t>
-            </a:r>
-          </a:p>
-        </p:txBody>
-      </p:sp>
-      <p:sp>
-        <p:nvSpPr>
-          <p:cNvPr id="5" name="TextBox 4"/>
-          <p:cNvSpPr txBox="1"/>
-          <p:nvPr/>
-        </p:nvSpPr>
-        <p:spPr>
-          <a:xfrm>
-            <a:off x="3170719" y="1086661"/>
-            <a:ext cx="5229317" cy="900246"/>
-          </a:xfrm>
-          <a:prstGeom prst="rect">
-            <a:avLst/>
-          </a:prstGeom>
-          <a:noFill/>
-        </p:spPr>
-        <p:txBody>
-          <a:bodyPr wrap="none" rtlCol="0">
-            <a:spAutoFit/>
-          </a:bodyPr>
-          <a:lstStyle/>
-          <a:p>
-            <a:pPr marL="171450" indent="-171450">
-              <a:buFont typeface="Arial" pitchFamily="34" charset="0"/>
-              <a:buChar char="•"/>
-            </a:pPr>
-            <a:r>
-              <a:rPr lang="en-IN" sz="1050" dirty="0"/>
-              <a:t>Virtual Machines(VMs) on any cloud service provider(Azure, AWS)</a:t>
-            </a:r>
-          </a:p>
-          <a:p>
-            <a:pPr marL="171450" indent="-171450">
-              <a:buFont typeface="Arial" pitchFamily="34" charset="0"/>
-              <a:buChar char="•"/>
-            </a:pPr>
-            <a:r>
-              <a:rPr lang="en-IN" sz="1050" dirty="0"/>
-              <a:t>Mobile phones and desktop computers with internet connectivity.</a:t>
-            </a:r>
-          </a:p>
-          <a:p>
-            <a:pPr marL="171450" indent="-171450">
-              <a:buFont typeface="Arial" pitchFamily="34" charset="0"/>
-              <a:buChar char="•"/>
-            </a:pPr>
-            <a:r>
-              <a:rPr lang="en-IN" sz="1050" dirty="0"/>
-              <a:t>IT enable the hospitals – establish network, hardware including bio-metric module</a:t>
-            </a:r>
-          </a:p>
-          <a:p>
-            <a:pPr marL="171450" indent="-171450">
-              <a:buFont typeface="Arial" pitchFamily="34" charset="0"/>
-              <a:buChar char="•"/>
-            </a:pPr>
-            <a:endParaRPr lang="en-IN" sz="1050" dirty="0"/>
-          </a:p>
-          <a:p>
-            <a:pPr marL="171450" indent="-171450">
-              <a:buFont typeface="Arial" pitchFamily="34" charset="0"/>
-              <a:buChar char="•"/>
-            </a:pPr>
-            <a:endParaRPr lang="en-IN" sz="1050" dirty="0"/>
-          </a:p>
-        </p:txBody>
-      </p:sp>
-      <p:sp>
-        <p:nvSpPr>
-          <p:cNvPr id="9" name="Rectangle 8"/>
+          <p:cNvPr id="14" name="Rectangle 13"/>
           <p:cNvSpPr/>
           <p:nvPr/>
         </p:nvSpPr>
         <p:spPr>
           <a:xfrm>
-            <a:off x="3022270" y="2557479"/>
-            <a:ext cx="5658592" cy="2394448"/>
+            <a:off x="7001792" y="666342"/>
+            <a:ext cx="1253595" cy="524168"/>
           </a:xfrm>
           <a:prstGeom prst="rect">
             <a:avLst/>
@@ -15566,7 +14539,7 @@
           <a:ln>
             <a:solidFill>
               <a:schemeClr val="bg1">
-                <a:lumMod val="95000"/>
+                <a:lumMod val="85000"/>
               </a:schemeClr>
             </a:solidFill>
           </a:ln>
@@ -15591,21 +14564,85 @@
           <a:bodyPr rtlCol="0" anchor="ctr"/>
           <a:lstStyle/>
           <a:p>
-            <a:pPr algn="ctr"/>
-            <a:endParaRPr lang="en-IN"/>
+            <a:pPr algn="ctr">
+              <a:buClrTx/>
+              <a:buFontTx/>
+              <a:buNone/>
+            </a:pPr>
+            <a:endParaRPr lang="en-IN" sz="1800" kern="1200">
+              <a:solidFill>
+                <a:srgbClr val="FFFFFF"/>
+              </a:solidFill>
+            </a:endParaRPr>
           </a:p>
         </p:txBody>
       </p:sp>
       <p:sp>
         <p:nvSpPr>
-          <p:cNvPr id="10" name="TextBox 9"/>
+          <p:cNvPr id="15" name="Rectangle 14"/>
+          <p:cNvSpPr/>
+          <p:nvPr/>
+        </p:nvSpPr>
+        <p:spPr>
+          <a:xfrm>
+            <a:off x="4877556" y="666342"/>
+            <a:ext cx="1944216" cy="524168"/>
+          </a:xfrm>
+          <a:prstGeom prst="rect">
+            <a:avLst/>
+          </a:prstGeom>
+          <a:noFill/>
+          <a:ln>
+            <a:solidFill>
+              <a:schemeClr val="bg1">
+                <a:lumMod val="85000"/>
+              </a:schemeClr>
+            </a:solidFill>
+          </a:ln>
+        </p:spPr>
+        <p:style>
+          <a:lnRef idx="2">
+            <a:schemeClr val="accent1">
+              <a:shade val="50000"/>
+            </a:schemeClr>
+          </a:lnRef>
+          <a:fillRef idx="1">
+            <a:schemeClr val="accent1"/>
+          </a:fillRef>
+          <a:effectRef idx="0">
+            <a:schemeClr val="accent1"/>
+          </a:effectRef>
+          <a:fontRef idx="minor">
+            <a:schemeClr val="lt1"/>
+          </a:fontRef>
+        </p:style>
+        <p:txBody>
+          <a:bodyPr rtlCol="0" anchor="ctr"/>
+          <a:lstStyle/>
+          <a:p>
+            <a:pPr algn="ctr">
+              <a:buClrTx/>
+              <a:buFontTx/>
+              <a:buNone/>
+            </a:pPr>
+            <a:endParaRPr lang="en-IN" sz="1800" kern="1200">
+              <a:solidFill>
+                <a:srgbClr val="FFFFFF"/>
+              </a:solidFill>
+            </a:endParaRPr>
+          </a:p>
+        </p:txBody>
+      </p:sp>
+      <p:sp>
+        <p:nvSpPr>
+          <p:cNvPr id="7" name="TextBox 6"/>
           <p:cNvSpPr txBox="1"/>
           <p:nvPr/>
         </p:nvSpPr>
         <p:spPr>
           <a:xfrm>
-            <a:off x="5316002" y="2628549"/>
-            <a:ext cx="1071126" cy="261610"/>
+            <a:off x="2845665" y="663578"/>
+            <a:ext cx="1534394" cy="461665"/>
           </a:xfrm>
           <a:prstGeom prst="rect">
             <a:avLst/>
@@ -15618,24 +14655,66 @@
           </a:bodyPr>
           <a:lstStyle/>
           <a:p>
-            <a:pPr algn="ctr"/>
-            <a:r>
-              <a:rPr lang="en-IN" sz="1100" b="1" dirty="0"/>
-              <a:t>Stakeholders</a:t>
+            <a:pPr algn="ctr">
+              <a:buClrTx/>
+              <a:buFontTx/>
+              <a:buNone/>
+            </a:pPr>
+            <a:r>
+              <a:rPr lang="en-IN" sz="800" kern="1200" dirty="0">
+                <a:ea typeface="+mn-ea"/>
+                <a:cs typeface="+mn-cs"/>
+              </a:rPr>
+              <a:t>Set up Blockchain Network + </a:t>
+            </a:r>
+          </a:p>
+          <a:p>
+            <a:pPr algn="ctr">
+              <a:buClrTx/>
+              <a:buFontTx/>
+              <a:buNone/>
+            </a:pPr>
+            <a:r>
+              <a:rPr lang="en-IN" sz="800" kern="1200" dirty="0">
+                <a:ea typeface="+mn-ea"/>
+                <a:cs typeface="+mn-cs"/>
+              </a:rPr>
+              <a:t>Hospitals + </a:t>
+            </a:r>
+          </a:p>
+          <a:p>
+            <a:pPr algn="ctr">
+              <a:buClrTx/>
+              <a:buFontTx/>
+              <a:buNone/>
+            </a:pPr>
+            <a:r>
+              <a:rPr lang="en-IN" sz="800" kern="1200" dirty="0" err="1">
+                <a:ea typeface="+mn-ea"/>
+                <a:cs typeface="+mn-cs"/>
+              </a:rPr>
+              <a:t>Punekars</a:t>
+            </a:r>
+            <a:r>
+              <a:rPr lang="en-IN" sz="800" kern="1200" dirty="0">
+                <a:ea typeface="+mn-ea"/>
+                <a:cs typeface="+mn-cs"/>
+              </a:rPr>
+              <a:t>(Clients)</a:t>
             </a:r>
           </a:p>
         </p:txBody>
       </p:sp>
       <p:sp>
         <p:nvSpPr>
-          <p:cNvPr id="12" name="TextBox 11"/>
+          <p:cNvPr id="37" name="TextBox 36"/>
           <p:cNvSpPr txBox="1"/>
           <p:nvPr/>
         </p:nvSpPr>
         <p:spPr>
           <a:xfrm>
-            <a:off x="3170717" y="3032557"/>
-            <a:ext cx="5347939" cy="1708160"/>
+            <a:off x="4951540" y="717305"/>
+            <a:ext cx="1253869" cy="461665"/>
           </a:xfrm>
           <a:prstGeom prst="rect">
             <a:avLst/>
@@ -15648,165 +14727,1520 @@
           </a:bodyPr>
           <a:lstStyle/>
           <a:p>
-            <a:pPr marL="171450" indent="-171450">
-              <a:buFont typeface="Arial" pitchFamily="34" charset="0"/>
-              <a:buChar char="•"/>
+            <a:pPr>
+              <a:buClrTx/>
+              <a:buFontTx/>
+              <a:buNone/>
             </a:pPr>
             <a:r>
+              <a:rPr lang="en-IN" sz="800" kern="1200" dirty="0">
+                <a:ea typeface="+mn-ea"/>
+                <a:cs typeface="+mn-cs"/>
+              </a:rPr>
+              <a:t>Period : 6 to 10 months</a:t>
+            </a:r>
+          </a:p>
+          <a:p>
+            <a:pPr>
+              <a:buClrTx/>
+              <a:buFontTx/>
+              <a:buNone/>
+            </a:pPr>
+            <a:r>
+              <a:rPr lang="en-IN" sz="800" kern="1200" dirty="0">
+                <a:ea typeface="+mn-ea"/>
+                <a:cs typeface="+mn-cs"/>
+              </a:rPr>
+              <a:t>Expenditure : 2cr </a:t>
+            </a:r>
+          </a:p>
+          <a:p>
+            <a:pPr>
+              <a:buClrTx/>
+              <a:buFontTx/>
+              <a:buNone/>
+            </a:pPr>
+            <a:r>
+              <a:rPr lang="en-IN" sz="800" kern="1200" dirty="0">
+                <a:ea typeface="+mn-ea"/>
+                <a:cs typeface="+mn-cs"/>
+              </a:rPr>
+              <a:t>Revenue : Nil</a:t>
+            </a:r>
+          </a:p>
+        </p:txBody>
+      </p:sp>
+      <p:sp>
+        <p:nvSpPr>
+          <p:cNvPr id="38" name="TextBox 37"/>
+          <p:cNvSpPr txBox="1"/>
+          <p:nvPr/>
+        </p:nvSpPr>
+        <p:spPr>
+          <a:xfrm>
+            <a:off x="7297910" y="807412"/>
+            <a:ext cx="684803" cy="230832"/>
+          </a:xfrm>
+          <a:prstGeom prst="rect">
+            <a:avLst/>
+          </a:prstGeom>
+          <a:noFill/>
+        </p:spPr>
+        <p:txBody>
+          <a:bodyPr wrap="none" rtlCol="0">
+            <a:spAutoFit/>
+          </a:bodyPr>
+          <a:lstStyle/>
+          <a:p>
+            <a:pPr>
+              <a:buClrTx/>
+              <a:buFontTx/>
+              <a:buNone/>
+            </a:pPr>
+            <a:r>
+              <a:rPr lang="en-IN" sz="900" kern="1200" dirty="0">
+                <a:ea typeface="+mn-ea"/>
+                <a:cs typeface="+mn-cs"/>
+              </a:rPr>
+              <a:t>Pune City</a:t>
+            </a:r>
+          </a:p>
+        </p:txBody>
+      </p:sp>
+      <p:sp>
+        <p:nvSpPr>
+          <p:cNvPr id="40" name="Rectangle 39"/>
+          <p:cNvSpPr/>
+          <p:nvPr/>
+        </p:nvSpPr>
+        <p:spPr>
+          <a:xfrm>
+            <a:off x="2745140" y="1593849"/>
+            <a:ext cx="1944216" cy="525938"/>
+          </a:xfrm>
+          <a:prstGeom prst="rect">
+            <a:avLst/>
+          </a:prstGeom>
+          <a:noFill/>
+          <a:ln>
+            <a:solidFill>
+              <a:schemeClr val="bg1">
+                <a:lumMod val="85000"/>
+              </a:schemeClr>
+            </a:solidFill>
+          </a:ln>
+        </p:spPr>
+        <p:style>
+          <a:lnRef idx="2">
+            <a:schemeClr val="accent1">
+              <a:shade val="50000"/>
+            </a:schemeClr>
+          </a:lnRef>
+          <a:fillRef idx="1">
+            <a:schemeClr val="accent1"/>
+          </a:fillRef>
+          <a:effectRef idx="0">
+            <a:schemeClr val="accent1"/>
+          </a:effectRef>
+          <a:fontRef idx="minor">
+            <a:schemeClr val="lt1"/>
+          </a:fontRef>
+        </p:style>
+        <p:txBody>
+          <a:bodyPr rtlCol="0" anchor="ctr"/>
+          <a:lstStyle/>
+          <a:p>
+            <a:pPr algn="ctr">
+              <a:buClrTx/>
+              <a:buFontTx/>
+              <a:buNone/>
+            </a:pPr>
+            <a:endParaRPr lang="en-IN" sz="1800" kern="1200">
+              <a:solidFill>
+                <a:srgbClr val="FFFFFF"/>
+              </a:solidFill>
+            </a:endParaRPr>
+          </a:p>
+        </p:txBody>
+      </p:sp>
+      <p:sp>
+        <p:nvSpPr>
+          <p:cNvPr id="41" name="Rectangle 40"/>
+          <p:cNvSpPr/>
+          <p:nvPr/>
+        </p:nvSpPr>
+        <p:spPr>
+          <a:xfrm>
+            <a:off x="6993612" y="1605045"/>
+            <a:ext cx="1261775" cy="514742"/>
+          </a:xfrm>
+          <a:prstGeom prst="rect">
+            <a:avLst/>
+          </a:prstGeom>
+          <a:noFill/>
+          <a:ln>
+            <a:solidFill>
+              <a:schemeClr val="bg1">
+                <a:lumMod val="85000"/>
+              </a:schemeClr>
+            </a:solidFill>
+          </a:ln>
+        </p:spPr>
+        <p:style>
+          <a:lnRef idx="2">
+            <a:schemeClr val="accent1">
+              <a:shade val="50000"/>
+            </a:schemeClr>
+          </a:lnRef>
+          <a:fillRef idx="1">
+            <a:schemeClr val="accent1"/>
+          </a:fillRef>
+          <a:effectRef idx="0">
+            <a:schemeClr val="accent1"/>
+          </a:effectRef>
+          <a:fontRef idx="minor">
+            <a:schemeClr val="lt1"/>
+          </a:fontRef>
+        </p:style>
+        <p:txBody>
+          <a:bodyPr rtlCol="0" anchor="ctr"/>
+          <a:lstStyle/>
+          <a:p>
+            <a:pPr algn="ctr">
+              <a:buClrTx/>
+              <a:buFontTx/>
+              <a:buNone/>
+            </a:pPr>
+            <a:endParaRPr lang="en-IN" sz="1800" kern="1200">
+              <a:solidFill>
+                <a:srgbClr val="FFFFFF"/>
+              </a:solidFill>
+            </a:endParaRPr>
+          </a:p>
+        </p:txBody>
+      </p:sp>
+      <p:sp>
+        <p:nvSpPr>
+          <p:cNvPr id="42" name="Rectangle 41"/>
+          <p:cNvSpPr/>
+          <p:nvPr/>
+        </p:nvSpPr>
+        <p:spPr>
+          <a:xfrm>
+            <a:off x="4869376" y="1605045"/>
+            <a:ext cx="1944216" cy="514742"/>
+          </a:xfrm>
+          <a:prstGeom prst="rect">
+            <a:avLst/>
+          </a:prstGeom>
+          <a:noFill/>
+          <a:ln>
+            <a:solidFill>
+              <a:schemeClr val="bg1">
+                <a:lumMod val="85000"/>
+              </a:schemeClr>
+            </a:solidFill>
+          </a:ln>
+        </p:spPr>
+        <p:style>
+          <a:lnRef idx="2">
+            <a:schemeClr val="accent1">
+              <a:shade val="50000"/>
+            </a:schemeClr>
+          </a:lnRef>
+          <a:fillRef idx="1">
+            <a:schemeClr val="accent1"/>
+          </a:fillRef>
+          <a:effectRef idx="0">
+            <a:schemeClr val="accent1"/>
+          </a:effectRef>
+          <a:fontRef idx="minor">
+            <a:schemeClr val="lt1"/>
+          </a:fontRef>
+        </p:style>
+        <p:txBody>
+          <a:bodyPr rtlCol="0" anchor="ctr"/>
+          <a:lstStyle/>
+          <a:p>
+            <a:pPr algn="ctr">
+              <a:buClrTx/>
+              <a:buFontTx/>
+              <a:buNone/>
+            </a:pPr>
+            <a:endParaRPr lang="en-IN" sz="1800" kern="1200">
+              <a:solidFill>
+                <a:srgbClr val="FFFFFF"/>
+              </a:solidFill>
+            </a:endParaRPr>
+          </a:p>
+        </p:txBody>
+      </p:sp>
+      <p:sp>
+        <p:nvSpPr>
+          <p:cNvPr id="43" name="TextBox 42"/>
+          <p:cNvSpPr txBox="1"/>
+          <p:nvPr/>
+        </p:nvSpPr>
+        <p:spPr>
+          <a:xfrm>
+            <a:off x="3073807" y="1679090"/>
+            <a:ext cx="1021433" cy="215444"/>
+          </a:xfrm>
+          <a:prstGeom prst="rect">
+            <a:avLst/>
+          </a:prstGeom>
+          <a:noFill/>
+        </p:spPr>
+        <p:txBody>
+          <a:bodyPr wrap="none" rtlCol="0">
+            <a:spAutoFit/>
+          </a:bodyPr>
+          <a:lstStyle/>
+          <a:p>
+            <a:pPr>
+              <a:buClrTx/>
+              <a:buFontTx/>
+              <a:buNone/>
+            </a:pPr>
+            <a:r>
+              <a:rPr lang="en-IN" sz="800" kern="1200" dirty="0">
+                <a:ea typeface="+mn-ea"/>
+                <a:cs typeface="+mn-cs"/>
+              </a:rPr>
+              <a:t>Product Marketing</a:t>
+            </a:r>
+          </a:p>
+        </p:txBody>
+      </p:sp>
+      <p:sp>
+        <p:nvSpPr>
+          <p:cNvPr id="45" name="TextBox 44"/>
+          <p:cNvSpPr txBox="1"/>
+          <p:nvPr/>
+        </p:nvSpPr>
+        <p:spPr>
+          <a:xfrm>
+            <a:off x="7193212" y="1741402"/>
+            <a:ext cx="870751" cy="230832"/>
+          </a:xfrm>
+          <a:prstGeom prst="rect">
+            <a:avLst/>
+          </a:prstGeom>
+          <a:noFill/>
+        </p:spPr>
+        <p:txBody>
+          <a:bodyPr wrap="none" rtlCol="0">
+            <a:spAutoFit/>
+          </a:bodyPr>
+          <a:lstStyle/>
+          <a:p>
+            <a:pPr>
+              <a:buClrTx/>
+              <a:buFontTx/>
+              <a:buNone/>
+            </a:pPr>
+            <a:r>
+              <a:rPr lang="en-IN" sz="900" kern="1200" dirty="0">
+                <a:ea typeface="+mn-ea"/>
+                <a:cs typeface="+mn-cs"/>
+              </a:rPr>
+              <a:t>4 Tier 1 cities</a:t>
+            </a:r>
+          </a:p>
+        </p:txBody>
+      </p:sp>
+      <p:sp>
+        <p:nvSpPr>
+          <p:cNvPr id="47" name="TextBox 46"/>
+          <p:cNvSpPr txBox="1"/>
+          <p:nvPr/>
+        </p:nvSpPr>
+        <p:spPr>
+          <a:xfrm>
+            <a:off x="4951540" y="1631583"/>
+            <a:ext cx="1160895" cy="461665"/>
+          </a:xfrm>
+          <a:prstGeom prst="rect">
+            <a:avLst/>
+          </a:prstGeom>
+          <a:noFill/>
+        </p:spPr>
+        <p:txBody>
+          <a:bodyPr wrap="none" rtlCol="0">
+            <a:spAutoFit/>
+          </a:bodyPr>
+          <a:lstStyle/>
+          <a:p>
+            <a:pPr>
+              <a:buClrTx/>
+              <a:buFontTx/>
+              <a:buNone/>
+            </a:pPr>
+            <a:r>
+              <a:rPr lang="en-IN" sz="800" kern="1200" dirty="0">
+                <a:ea typeface="+mn-ea"/>
+                <a:cs typeface="+mn-cs"/>
+              </a:rPr>
+              <a:t>Period : 1 </a:t>
+            </a:r>
+            <a:r>
+              <a:rPr lang="en-IN" sz="800" kern="1200" dirty="0" err="1">
+                <a:ea typeface="+mn-ea"/>
+                <a:cs typeface="+mn-cs"/>
+              </a:rPr>
+              <a:t>yr</a:t>
+            </a:r>
+            <a:endParaRPr lang="en-IN" sz="800" kern="1200" dirty="0">
+              <a:ea typeface="+mn-ea"/>
+              <a:cs typeface="+mn-cs"/>
+            </a:endParaRPr>
+          </a:p>
+          <a:p>
+            <a:pPr>
+              <a:buClrTx/>
+              <a:buFontTx/>
+              <a:buNone/>
+            </a:pPr>
+            <a:r>
+              <a:rPr lang="en-IN" sz="800" kern="1200" dirty="0">
+                <a:ea typeface="+mn-ea"/>
+                <a:cs typeface="+mn-cs"/>
+              </a:rPr>
+              <a:t>Expenditure : 3.5cr </a:t>
+            </a:r>
+          </a:p>
+          <a:p>
+            <a:pPr>
+              <a:buClrTx/>
+              <a:buFontTx/>
+              <a:buNone/>
+            </a:pPr>
+            <a:r>
+              <a:rPr lang="en-IN" sz="800" kern="1200" dirty="0">
+                <a:ea typeface="+mn-ea"/>
+                <a:cs typeface="+mn-cs"/>
+              </a:rPr>
+              <a:t>Revenue : 15-20 </a:t>
+            </a:r>
+            <a:r>
+              <a:rPr lang="en-IN" sz="800" kern="1200" dirty="0" err="1">
+                <a:ea typeface="+mn-ea"/>
+                <a:cs typeface="+mn-cs"/>
+              </a:rPr>
+              <a:t>lacs</a:t>
+            </a:r>
+            <a:endParaRPr lang="en-IN" sz="800" kern="1200" dirty="0">
+              <a:ea typeface="+mn-ea"/>
+              <a:cs typeface="+mn-cs"/>
+            </a:endParaRPr>
+          </a:p>
+        </p:txBody>
+      </p:sp>
+      <p:sp>
+        <p:nvSpPr>
+          <p:cNvPr id="51" name="Rectangle 50"/>
+          <p:cNvSpPr/>
+          <p:nvPr/>
+        </p:nvSpPr>
+        <p:spPr>
+          <a:xfrm>
+            <a:off x="2756939" y="2564061"/>
+            <a:ext cx="1944216" cy="601752"/>
+          </a:xfrm>
+          <a:prstGeom prst="rect">
+            <a:avLst/>
+          </a:prstGeom>
+          <a:noFill/>
+          <a:ln>
+            <a:solidFill>
+              <a:schemeClr val="bg1">
+                <a:lumMod val="85000"/>
+              </a:schemeClr>
+            </a:solidFill>
+          </a:ln>
+        </p:spPr>
+        <p:style>
+          <a:lnRef idx="2">
+            <a:schemeClr val="accent1">
+              <a:shade val="50000"/>
+            </a:schemeClr>
+          </a:lnRef>
+          <a:fillRef idx="1">
+            <a:schemeClr val="accent1"/>
+          </a:fillRef>
+          <a:effectRef idx="0">
+            <a:schemeClr val="accent1"/>
+          </a:effectRef>
+          <a:fontRef idx="minor">
+            <a:schemeClr val="lt1"/>
+          </a:fontRef>
+        </p:style>
+        <p:txBody>
+          <a:bodyPr rtlCol="0" anchor="ctr"/>
+          <a:lstStyle/>
+          <a:p>
+            <a:pPr algn="ctr">
+              <a:buClrTx/>
+              <a:buFontTx/>
+              <a:buNone/>
+            </a:pPr>
+            <a:endParaRPr lang="en-IN" sz="1800" kern="1200">
+              <a:solidFill>
+                <a:srgbClr val="FFFFFF"/>
+              </a:solidFill>
+            </a:endParaRPr>
+          </a:p>
+        </p:txBody>
+      </p:sp>
+      <p:sp>
+        <p:nvSpPr>
+          <p:cNvPr id="52" name="Rectangle 51"/>
+          <p:cNvSpPr/>
+          <p:nvPr/>
+        </p:nvSpPr>
+        <p:spPr>
+          <a:xfrm>
+            <a:off x="7005411" y="2575257"/>
+            <a:ext cx="1251475" cy="590556"/>
+          </a:xfrm>
+          <a:prstGeom prst="rect">
+            <a:avLst/>
+          </a:prstGeom>
+          <a:noFill/>
+          <a:ln>
+            <a:solidFill>
+              <a:schemeClr val="bg1">
+                <a:lumMod val="85000"/>
+              </a:schemeClr>
+            </a:solidFill>
+          </a:ln>
+        </p:spPr>
+        <p:style>
+          <a:lnRef idx="2">
+            <a:schemeClr val="accent1">
+              <a:shade val="50000"/>
+            </a:schemeClr>
+          </a:lnRef>
+          <a:fillRef idx="1">
+            <a:schemeClr val="accent1"/>
+          </a:fillRef>
+          <a:effectRef idx="0">
+            <a:schemeClr val="accent1"/>
+          </a:effectRef>
+          <a:fontRef idx="minor">
+            <a:schemeClr val="lt1"/>
+          </a:fontRef>
+        </p:style>
+        <p:txBody>
+          <a:bodyPr rtlCol="0" anchor="ctr"/>
+          <a:lstStyle/>
+          <a:p>
+            <a:pPr algn="ctr">
+              <a:buClrTx/>
+              <a:buFontTx/>
+              <a:buNone/>
+            </a:pPr>
+            <a:endParaRPr lang="en-IN" sz="1800" kern="1200">
+              <a:solidFill>
+                <a:srgbClr val="FFFFFF"/>
+              </a:solidFill>
+            </a:endParaRPr>
+          </a:p>
+        </p:txBody>
+      </p:sp>
+      <p:sp>
+        <p:nvSpPr>
+          <p:cNvPr id="53" name="Rectangle 52"/>
+          <p:cNvSpPr/>
+          <p:nvPr/>
+        </p:nvSpPr>
+        <p:spPr>
+          <a:xfrm>
+            <a:off x="4881175" y="2575257"/>
+            <a:ext cx="1944216" cy="590556"/>
+          </a:xfrm>
+          <a:prstGeom prst="rect">
+            <a:avLst/>
+          </a:prstGeom>
+          <a:noFill/>
+          <a:ln>
+            <a:solidFill>
+              <a:schemeClr val="bg1">
+                <a:lumMod val="85000"/>
+              </a:schemeClr>
+            </a:solidFill>
+          </a:ln>
+        </p:spPr>
+        <p:style>
+          <a:lnRef idx="2">
+            <a:schemeClr val="accent1">
+              <a:shade val="50000"/>
+            </a:schemeClr>
+          </a:lnRef>
+          <a:fillRef idx="1">
+            <a:schemeClr val="accent1"/>
+          </a:fillRef>
+          <a:effectRef idx="0">
+            <a:schemeClr val="accent1"/>
+          </a:effectRef>
+          <a:fontRef idx="minor">
+            <a:schemeClr val="lt1"/>
+          </a:fontRef>
+        </p:style>
+        <p:txBody>
+          <a:bodyPr rtlCol="0" anchor="ctr"/>
+          <a:lstStyle/>
+          <a:p>
+            <a:pPr algn="ctr">
+              <a:buClrTx/>
+              <a:buFontTx/>
+              <a:buNone/>
+            </a:pPr>
+            <a:endParaRPr lang="en-IN" sz="1800" kern="1200">
+              <a:solidFill>
+                <a:srgbClr val="FFFFFF"/>
+              </a:solidFill>
+            </a:endParaRPr>
+          </a:p>
+        </p:txBody>
+      </p:sp>
+      <p:sp>
+        <p:nvSpPr>
+          <p:cNvPr id="54" name="TextBox 53"/>
+          <p:cNvSpPr txBox="1"/>
+          <p:nvPr/>
+        </p:nvSpPr>
+        <p:spPr>
+          <a:xfrm>
+            <a:off x="3066490" y="2649303"/>
+            <a:ext cx="1138452" cy="338554"/>
+          </a:xfrm>
+          <a:prstGeom prst="rect">
+            <a:avLst/>
+          </a:prstGeom>
+          <a:noFill/>
+        </p:spPr>
+        <p:txBody>
+          <a:bodyPr wrap="none" rtlCol="0">
+            <a:spAutoFit/>
+          </a:bodyPr>
+          <a:lstStyle/>
+          <a:p>
+            <a:pPr algn="ctr">
+              <a:buClrTx/>
+              <a:buFontTx/>
+              <a:buNone/>
+            </a:pPr>
+            <a:r>
+              <a:rPr lang="en-IN" sz="800" kern="1200" dirty="0">
+                <a:ea typeface="+mn-ea"/>
+                <a:cs typeface="+mn-cs"/>
+              </a:rPr>
+              <a:t>Product Marketing + </a:t>
+            </a:r>
+          </a:p>
+          <a:p>
+            <a:pPr algn="ctr">
+              <a:buClrTx/>
+              <a:buFontTx/>
+              <a:buNone/>
+            </a:pPr>
+            <a:r>
+              <a:rPr lang="en-IN" sz="800" kern="1200" dirty="0"/>
+              <a:t>Pharmacists</a:t>
+            </a:r>
+          </a:p>
+        </p:txBody>
+      </p:sp>
+      <p:sp>
+        <p:nvSpPr>
+          <p:cNvPr id="55" name="TextBox 54"/>
+          <p:cNvSpPr txBox="1"/>
+          <p:nvPr/>
+        </p:nvSpPr>
+        <p:spPr>
+          <a:xfrm>
+            <a:off x="7158344" y="2703164"/>
+            <a:ext cx="966931" cy="230832"/>
+          </a:xfrm>
+          <a:prstGeom prst="rect">
+            <a:avLst/>
+          </a:prstGeom>
+          <a:noFill/>
+        </p:spPr>
+        <p:txBody>
+          <a:bodyPr wrap="none" rtlCol="0">
+            <a:spAutoFit/>
+          </a:bodyPr>
+          <a:lstStyle/>
+          <a:p>
+            <a:pPr>
+              <a:buClrTx/>
+              <a:buFontTx/>
+              <a:buNone/>
+            </a:pPr>
+            <a:r>
+              <a:rPr lang="en-IN" sz="900" kern="1200" dirty="0">
+                <a:ea typeface="+mn-ea"/>
+                <a:cs typeface="+mn-cs"/>
+              </a:rPr>
+              <a:t>10 Tier 2 cities </a:t>
+            </a:r>
+          </a:p>
+        </p:txBody>
+      </p:sp>
+      <p:sp>
+        <p:nvSpPr>
+          <p:cNvPr id="56" name="TextBox 55"/>
+          <p:cNvSpPr txBox="1"/>
+          <p:nvPr/>
+        </p:nvSpPr>
+        <p:spPr>
+          <a:xfrm>
+            <a:off x="4951432" y="2639875"/>
+            <a:ext cx="1160895" cy="461665"/>
+          </a:xfrm>
+          <a:prstGeom prst="rect">
+            <a:avLst/>
+          </a:prstGeom>
+          <a:noFill/>
+        </p:spPr>
+        <p:txBody>
+          <a:bodyPr wrap="none" rtlCol="0">
+            <a:spAutoFit/>
+          </a:bodyPr>
+          <a:lstStyle/>
+          <a:p>
+            <a:pPr>
+              <a:buClrTx/>
+              <a:buFontTx/>
+              <a:buNone/>
+            </a:pPr>
+            <a:r>
+              <a:rPr lang="en-IN" sz="800" kern="1200" dirty="0">
+                <a:ea typeface="+mn-ea"/>
+                <a:cs typeface="+mn-cs"/>
+              </a:rPr>
+              <a:t>Period : 1 </a:t>
+            </a:r>
+            <a:r>
+              <a:rPr lang="en-IN" sz="800" kern="1200" dirty="0" err="1">
+                <a:ea typeface="+mn-ea"/>
+                <a:cs typeface="+mn-cs"/>
+              </a:rPr>
+              <a:t>yr</a:t>
+            </a:r>
+            <a:endParaRPr lang="en-IN" sz="800" kern="1200" dirty="0">
+              <a:ea typeface="+mn-ea"/>
+              <a:cs typeface="+mn-cs"/>
+            </a:endParaRPr>
+          </a:p>
+          <a:p>
+            <a:pPr>
+              <a:buClrTx/>
+              <a:buFontTx/>
+              <a:buNone/>
+            </a:pPr>
+            <a:r>
+              <a:rPr lang="en-IN" sz="800" kern="1200" dirty="0">
+                <a:ea typeface="+mn-ea"/>
+                <a:cs typeface="+mn-cs"/>
+              </a:rPr>
+              <a:t>Expenditure : 6cr </a:t>
+            </a:r>
+          </a:p>
+          <a:p>
+            <a:pPr>
+              <a:buClrTx/>
+              <a:buFontTx/>
+              <a:buNone/>
+            </a:pPr>
+            <a:r>
+              <a:rPr lang="en-IN" sz="800" kern="1200" dirty="0">
+                <a:ea typeface="+mn-ea"/>
+                <a:cs typeface="+mn-cs"/>
+              </a:rPr>
+              <a:t>Revenue : 35-40 </a:t>
+            </a:r>
+            <a:r>
+              <a:rPr lang="en-IN" sz="800" kern="1200" dirty="0" err="1">
+                <a:ea typeface="+mn-ea"/>
+                <a:cs typeface="+mn-cs"/>
+              </a:rPr>
+              <a:t>lacs</a:t>
+            </a:r>
+            <a:endParaRPr lang="en-IN" sz="800" kern="1200" dirty="0">
+              <a:ea typeface="+mn-ea"/>
+              <a:cs typeface="+mn-cs"/>
+            </a:endParaRPr>
+          </a:p>
+        </p:txBody>
+      </p:sp>
+      <p:sp>
+        <p:nvSpPr>
+          <p:cNvPr id="59" name="Rectangle 58"/>
+          <p:cNvSpPr/>
+          <p:nvPr/>
+        </p:nvSpPr>
+        <p:spPr>
+          <a:xfrm>
+            <a:off x="2776515" y="3577949"/>
+            <a:ext cx="1944216" cy="601752"/>
+          </a:xfrm>
+          <a:prstGeom prst="rect">
+            <a:avLst/>
+          </a:prstGeom>
+          <a:noFill/>
+          <a:ln>
+            <a:solidFill>
+              <a:schemeClr val="bg1">
+                <a:lumMod val="85000"/>
+              </a:schemeClr>
+            </a:solidFill>
+          </a:ln>
+        </p:spPr>
+        <p:style>
+          <a:lnRef idx="2">
+            <a:schemeClr val="accent1">
+              <a:shade val="50000"/>
+            </a:schemeClr>
+          </a:lnRef>
+          <a:fillRef idx="1">
+            <a:schemeClr val="accent1"/>
+          </a:fillRef>
+          <a:effectRef idx="0">
+            <a:schemeClr val="accent1"/>
+          </a:effectRef>
+          <a:fontRef idx="minor">
+            <a:schemeClr val="lt1"/>
+          </a:fontRef>
+        </p:style>
+        <p:txBody>
+          <a:bodyPr rtlCol="0" anchor="ctr"/>
+          <a:lstStyle/>
+          <a:p>
+            <a:pPr algn="ctr">
+              <a:buClrTx/>
+              <a:buFontTx/>
+              <a:buNone/>
+            </a:pPr>
+            <a:endParaRPr lang="en-IN" sz="1800" kern="1200">
+              <a:solidFill>
+                <a:srgbClr val="FFFFFF"/>
+              </a:solidFill>
+            </a:endParaRPr>
+          </a:p>
+        </p:txBody>
+      </p:sp>
+      <p:sp>
+        <p:nvSpPr>
+          <p:cNvPr id="60" name="Rectangle 59"/>
+          <p:cNvSpPr/>
+          <p:nvPr/>
+        </p:nvSpPr>
+        <p:spPr>
+          <a:xfrm>
+            <a:off x="7024987" y="3589145"/>
+            <a:ext cx="1253595" cy="590556"/>
+          </a:xfrm>
+          <a:prstGeom prst="rect">
+            <a:avLst/>
+          </a:prstGeom>
+          <a:noFill/>
+          <a:ln>
+            <a:solidFill>
+              <a:schemeClr val="bg1">
+                <a:lumMod val="85000"/>
+              </a:schemeClr>
+            </a:solidFill>
+          </a:ln>
+        </p:spPr>
+        <p:style>
+          <a:lnRef idx="2">
+            <a:schemeClr val="accent1">
+              <a:shade val="50000"/>
+            </a:schemeClr>
+          </a:lnRef>
+          <a:fillRef idx="1">
+            <a:schemeClr val="accent1"/>
+          </a:fillRef>
+          <a:effectRef idx="0">
+            <a:schemeClr val="accent1"/>
+          </a:effectRef>
+          <a:fontRef idx="minor">
+            <a:schemeClr val="lt1"/>
+          </a:fontRef>
+        </p:style>
+        <p:txBody>
+          <a:bodyPr rtlCol="0" anchor="ctr"/>
+          <a:lstStyle/>
+          <a:p>
+            <a:pPr algn="ctr">
+              <a:buClrTx/>
+              <a:buFontTx/>
+              <a:buNone/>
+            </a:pPr>
+            <a:endParaRPr lang="en-IN" sz="1800" kern="1200">
+              <a:solidFill>
+                <a:srgbClr val="FFFFFF"/>
+              </a:solidFill>
+            </a:endParaRPr>
+          </a:p>
+        </p:txBody>
+      </p:sp>
+      <p:sp>
+        <p:nvSpPr>
+          <p:cNvPr id="61" name="Rectangle 60"/>
+          <p:cNvSpPr/>
+          <p:nvPr/>
+        </p:nvSpPr>
+        <p:spPr>
+          <a:xfrm>
+            <a:off x="4900751" y="3589145"/>
+            <a:ext cx="1944216" cy="590556"/>
+          </a:xfrm>
+          <a:prstGeom prst="rect">
+            <a:avLst/>
+          </a:prstGeom>
+          <a:noFill/>
+          <a:ln>
+            <a:solidFill>
+              <a:schemeClr val="bg1">
+                <a:lumMod val="85000"/>
+              </a:schemeClr>
+            </a:solidFill>
+          </a:ln>
+        </p:spPr>
+        <p:style>
+          <a:lnRef idx="2">
+            <a:schemeClr val="accent1">
+              <a:shade val="50000"/>
+            </a:schemeClr>
+          </a:lnRef>
+          <a:fillRef idx="1">
+            <a:schemeClr val="accent1"/>
+          </a:fillRef>
+          <a:effectRef idx="0">
+            <a:schemeClr val="accent1"/>
+          </a:effectRef>
+          <a:fontRef idx="minor">
+            <a:schemeClr val="lt1"/>
+          </a:fontRef>
+        </p:style>
+        <p:txBody>
+          <a:bodyPr rtlCol="0" anchor="ctr"/>
+          <a:lstStyle/>
+          <a:p>
+            <a:pPr algn="ctr">
+              <a:buClrTx/>
+              <a:buFontTx/>
+              <a:buNone/>
+            </a:pPr>
+            <a:endParaRPr lang="en-IN" sz="1800" kern="1200">
+              <a:solidFill>
+                <a:srgbClr val="FFFFFF"/>
+              </a:solidFill>
+            </a:endParaRPr>
+          </a:p>
+        </p:txBody>
+      </p:sp>
+      <p:sp>
+        <p:nvSpPr>
+          <p:cNvPr id="62" name="TextBox 61"/>
+          <p:cNvSpPr txBox="1"/>
+          <p:nvPr/>
+        </p:nvSpPr>
+        <p:spPr>
+          <a:xfrm>
+            <a:off x="3053204" y="3663191"/>
+            <a:ext cx="1165704" cy="338554"/>
+          </a:xfrm>
+          <a:prstGeom prst="rect">
+            <a:avLst/>
+          </a:prstGeom>
+          <a:noFill/>
+        </p:spPr>
+        <p:txBody>
+          <a:bodyPr wrap="none" rtlCol="0">
+            <a:spAutoFit/>
+          </a:bodyPr>
+          <a:lstStyle/>
+          <a:p>
+            <a:pPr algn="ctr">
+              <a:buClrTx/>
+              <a:buFontTx/>
+              <a:buNone/>
+            </a:pPr>
+            <a:r>
+              <a:rPr lang="en-IN" sz="800" kern="1200" dirty="0">
+                <a:ea typeface="+mn-ea"/>
+                <a:cs typeface="+mn-cs"/>
+              </a:rPr>
+              <a:t>Product Marketing + </a:t>
+            </a:r>
+          </a:p>
+          <a:p>
+            <a:pPr algn="ctr">
+              <a:buClrTx/>
+              <a:buFontTx/>
+              <a:buNone/>
+            </a:pPr>
+            <a:r>
+              <a:rPr lang="en-IN" sz="800" kern="1200" dirty="0">
+                <a:ea typeface="+mn-ea"/>
+                <a:cs typeface="+mn-cs"/>
+              </a:rPr>
+              <a:t>Insurance companies</a:t>
+            </a:r>
+          </a:p>
+        </p:txBody>
+      </p:sp>
+      <p:sp>
+        <p:nvSpPr>
+          <p:cNvPr id="63" name="TextBox 62"/>
+          <p:cNvSpPr txBox="1"/>
+          <p:nvPr/>
+        </p:nvSpPr>
+        <p:spPr>
+          <a:xfrm>
+            <a:off x="7180042" y="3717052"/>
+            <a:ext cx="966931" cy="230832"/>
+          </a:xfrm>
+          <a:prstGeom prst="rect">
+            <a:avLst/>
+          </a:prstGeom>
+          <a:noFill/>
+        </p:spPr>
+        <p:txBody>
+          <a:bodyPr wrap="none" rtlCol="0">
+            <a:spAutoFit/>
+          </a:bodyPr>
+          <a:lstStyle/>
+          <a:p>
+            <a:pPr>
+              <a:buClrTx/>
+              <a:buFontTx/>
+              <a:buNone/>
+            </a:pPr>
+            <a:r>
+              <a:rPr lang="en-IN" sz="900" kern="1200" dirty="0">
+                <a:ea typeface="+mn-ea"/>
+                <a:cs typeface="+mn-cs"/>
+              </a:rPr>
+              <a:t>15 Tier 3 cities </a:t>
+            </a:r>
+          </a:p>
+        </p:txBody>
+      </p:sp>
+      <p:sp>
+        <p:nvSpPr>
+          <p:cNvPr id="64" name="TextBox 63"/>
+          <p:cNvSpPr txBox="1"/>
+          <p:nvPr/>
+        </p:nvSpPr>
+        <p:spPr>
+          <a:xfrm>
+            <a:off x="4971008" y="3653763"/>
+            <a:ext cx="1160895" cy="461665"/>
+          </a:xfrm>
+          <a:prstGeom prst="rect">
+            <a:avLst/>
+          </a:prstGeom>
+          <a:noFill/>
+        </p:spPr>
+        <p:txBody>
+          <a:bodyPr wrap="none" rtlCol="0">
+            <a:spAutoFit/>
+          </a:bodyPr>
+          <a:lstStyle/>
+          <a:p>
+            <a:pPr>
+              <a:buClrTx/>
+              <a:buFontTx/>
+              <a:buNone/>
+            </a:pPr>
+            <a:r>
+              <a:rPr lang="en-IN" sz="800" kern="1200" dirty="0">
+                <a:ea typeface="+mn-ea"/>
+                <a:cs typeface="+mn-cs"/>
+              </a:rPr>
+              <a:t>Period : 1.5 </a:t>
+            </a:r>
+            <a:r>
+              <a:rPr lang="en-IN" sz="800" kern="1200" dirty="0" err="1">
+                <a:ea typeface="+mn-ea"/>
+                <a:cs typeface="+mn-cs"/>
+              </a:rPr>
+              <a:t>yrs</a:t>
+            </a:r>
+            <a:endParaRPr lang="en-IN" sz="800" kern="1200" dirty="0">
+              <a:ea typeface="+mn-ea"/>
+              <a:cs typeface="+mn-cs"/>
+            </a:endParaRPr>
+          </a:p>
+          <a:p>
+            <a:pPr>
+              <a:buClrTx/>
+              <a:buFontTx/>
+              <a:buNone/>
+            </a:pPr>
+            <a:r>
+              <a:rPr lang="en-IN" sz="800" kern="1200" dirty="0">
+                <a:ea typeface="+mn-ea"/>
+                <a:cs typeface="+mn-cs"/>
+              </a:rPr>
+              <a:t>Expenditure : 10cr </a:t>
+            </a:r>
+          </a:p>
+          <a:p>
+            <a:pPr>
+              <a:buClrTx/>
+              <a:buFontTx/>
+              <a:buNone/>
+            </a:pPr>
+            <a:r>
+              <a:rPr lang="en-IN" sz="800" kern="1200" dirty="0">
+                <a:ea typeface="+mn-ea"/>
+                <a:cs typeface="+mn-cs"/>
+              </a:rPr>
+              <a:t>Revenue : 60-70 </a:t>
+            </a:r>
+            <a:r>
+              <a:rPr lang="en-IN" sz="800" kern="1200" dirty="0" err="1">
+                <a:ea typeface="+mn-ea"/>
+                <a:cs typeface="+mn-cs"/>
+              </a:rPr>
+              <a:t>lacs</a:t>
+            </a:r>
+            <a:endParaRPr lang="en-IN" sz="800" kern="1200" dirty="0">
+              <a:ea typeface="+mn-ea"/>
+              <a:cs typeface="+mn-cs"/>
+            </a:endParaRPr>
+          </a:p>
+        </p:txBody>
+      </p:sp>
+      <p:sp>
+        <p:nvSpPr>
+          <p:cNvPr id="4" name="TextBox 3"/>
+          <p:cNvSpPr txBox="1"/>
+          <p:nvPr/>
+        </p:nvSpPr>
+        <p:spPr>
+          <a:xfrm>
+            <a:off x="2957310" y="0"/>
+            <a:ext cx="1556836" cy="307777"/>
+          </a:xfrm>
+          <a:prstGeom prst="rect">
+            <a:avLst/>
+          </a:prstGeom>
+          <a:noFill/>
+        </p:spPr>
+        <p:txBody>
+          <a:bodyPr wrap="none" rtlCol="0">
+            <a:spAutoFit/>
+          </a:bodyPr>
+          <a:lstStyle/>
+          <a:p>
+            <a:pPr>
+              <a:buClrTx/>
+              <a:buFontTx/>
+              <a:buNone/>
+            </a:pPr>
+            <a:r>
+              <a:rPr lang="en-IN" kern="1200" dirty="0">
+                <a:ea typeface="+mn-ea"/>
+                <a:cs typeface="+mn-cs"/>
+              </a:rPr>
+              <a:t>Product Features</a:t>
+            </a:r>
+          </a:p>
+        </p:txBody>
+      </p:sp>
+      <p:sp>
+        <p:nvSpPr>
+          <p:cNvPr id="44" name="TextBox 43"/>
+          <p:cNvSpPr txBox="1"/>
+          <p:nvPr/>
+        </p:nvSpPr>
+        <p:spPr>
+          <a:xfrm>
+            <a:off x="5118699" y="-19041"/>
+            <a:ext cx="1438214" cy="307777"/>
+          </a:xfrm>
+          <a:prstGeom prst="rect">
+            <a:avLst/>
+          </a:prstGeom>
+          <a:noFill/>
+        </p:spPr>
+        <p:txBody>
+          <a:bodyPr wrap="none" rtlCol="0">
+            <a:spAutoFit/>
+          </a:bodyPr>
+          <a:lstStyle/>
+          <a:p>
+            <a:pPr>
+              <a:buClrTx/>
+              <a:buFontTx/>
+              <a:buNone/>
+            </a:pPr>
+            <a:r>
+              <a:rPr lang="en-IN" kern="1200" dirty="0">
+                <a:ea typeface="+mn-ea"/>
+                <a:cs typeface="+mn-cs"/>
+              </a:rPr>
+              <a:t>Revenue Model</a:t>
+            </a:r>
+          </a:p>
+        </p:txBody>
+      </p:sp>
+      <p:sp>
+        <p:nvSpPr>
+          <p:cNvPr id="46" name="TextBox 45"/>
+          <p:cNvSpPr txBox="1"/>
+          <p:nvPr/>
+        </p:nvSpPr>
+        <p:spPr>
+          <a:xfrm>
+            <a:off x="7151700" y="-19042"/>
+            <a:ext cx="970137" cy="307777"/>
+          </a:xfrm>
+          <a:prstGeom prst="rect">
+            <a:avLst/>
+          </a:prstGeom>
+          <a:noFill/>
+        </p:spPr>
+        <p:txBody>
+          <a:bodyPr wrap="none" rtlCol="0">
+            <a:spAutoFit/>
+          </a:bodyPr>
+          <a:lstStyle/>
+          <a:p>
+            <a:pPr>
+              <a:buClrTx/>
+              <a:buFontTx/>
+              <a:buNone/>
+            </a:pPr>
+            <a:r>
+              <a:rPr lang="en-IN" kern="1200" dirty="0">
+                <a:ea typeface="+mn-ea"/>
+                <a:cs typeface="+mn-cs"/>
+              </a:rPr>
+              <a:t>Marketing</a:t>
+            </a:r>
+          </a:p>
+        </p:txBody>
+      </p:sp>
+      <p:cxnSp>
+        <p:nvCxnSpPr>
+          <p:cNvPr id="8" name="Straight Connector 7"/>
+          <p:cNvCxnSpPr/>
+          <p:nvPr/>
+        </p:nvCxnSpPr>
+        <p:spPr>
+          <a:xfrm>
+            <a:off x="2617484" y="307777"/>
+            <a:ext cx="6480720" cy="0"/>
+          </a:xfrm>
+          <a:prstGeom prst="line">
+            <a:avLst/>
+          </a:prstGeom>
+        </p:spPr>
+        <p:style>
+          <a:lnRef idx="1">
+            <a:schemeClr val="accent1"/>
+          </a:lnRef>
+          <a:fillRef idx="0">
+            <a:schemeClr val="accent1"/>
+          </a:fillRef>
+          <a:effectRef idx="0">
+            <a:schemeClr val="accent1"/>
+          </a:effectRef>
+          <a:fontRef idx="minor">
+            <a:schemeClr val="tx1"/>
+          </a:fontRef>
+        </p:style>
+      </p:cxnSp>
+      <p:sp>
+        <p:nvSpPr>
+          <p:cNvPr id="68" name="TextBox 67"/>
+          <p:cNvSpPr txBox="1"/>
+          <p:nvPr/>
+        </p:nvSpPr>
+        <p:spPr>
+          <a:xfrm>
+            <a:off x="2753323" y="389343"/>
+            <a:ext cx="723275" cy="246221"/>
+          </a:xfrm>
+          <a:prstGeom prst="rect">
+            <a:avLst/>
+          </a:prstGeom>
+          <a:noFill/>
+        </p:spPr>
+        <p:txBody>
+          <a:bodyPr wrap="none" rtlCol="0">
+            <a:spAutoFit/>
+          </a:bodyPr>
+          <a:lstStyle/>
+          <a:p>
+            <a:pPr>
+              <a:buClrTx/>
+              <a:buFontTx/>
+              <a:buNone/>
+            </a:pPr>
+            <a:r>
+              <a:rPr lang="en-IN" sz="1000" kern="1200" dirty="0">
+                <a:ea typeface="+mn-ea"/>
+                <a:cs typeface="+mn-cs"/>
+              </a:rPr>
+              <a:t>Version 1</a:t>
+            </a:r>
+          </a:p>
+        </p:txBody>
+      </p:sp>
+      <p:cxnSp>
+        <p:nvCxnSpPr>
+          <p:cNvPr id="69" name="Straight Connector 68"/>
+          <p:cNvCxnSpPr/>
+          <p:nvPr/>
+        </p:nvCxnSpPr>
+        <p:spPr>
+          <a:xfrm>
+            <a:off x="2597446" y="1279459"/>
+            <a:ext cx="6480720" cy="0"/>
+          </a:xfrm>
+          <a:prstGeom prst="line">
+            <a:avLst/>
+          </a:prstGeom>
+          <a:ln w="3175"/>
+        </p:spPr>
+        <p:style>
+          <a:lnRef idx="1">
+            <a:schemeClr val="accent1"/>
+          </a:lnRef>
+          <a:fillRef idx="0">
+            <a:schemeClr val="accent1"/>
+          </a:fillRef>
+          <a:effectRef idx="0">
+            <a:schemeClr val="accent1"/>
+          </a:effectRef>
+          <a:fontRef idx="minor">
+            <a:schemeClr val="tx1"/>
+          </a:fontRef>
+        </p:style>
+      </p:cxnSp>
+      <p:sp>
+        <p:nvSpPr>
+          <p:cNvPr id="70" name="TextBox 69"/>
+          <p:cNvSpPr txBox="1"/>
+          <p:nvPr/>
+        </p:nvSpPr>
+        <p:spPr>
+          <a:xfrm>
+            <a:off x="2755442" y="1346550"/>
+            <a:ext cx="723275" cy="246221"/>
+          </a:xfrm>
+          <a:prstGeom prst="rect">
+            <a:avLst/>
+          </a:prstGeom>
+          <a:noFill/>
+        </p:spPr>
+        <p:txBody>
+          <a:bodyPr wrap="none" rtlCol="0">
+            <a:spAutoFit/>
+          </a:bodyPr>
+          <a:lstStyle/>
+          <a:p>
+            <a:pPr>
+              <a:buClrTx/>
+              <a:buFontTx/>
+              <a:buNone/>
+            </a:pPr>
+            <a:r>
+              <a:rPr lang="en-IN" sz="1000" kern="1200" dirty="0">
+                <a:ea typeface="+mn-ea"/>
+                <a:cs typeface="+mn-cs"/>
+              </a:rPr>
+              <a:t>Version 2</a:t>
+            </a:r>
+          </a:p>
+        </p:txBody>
+      </p:sp>
+      <p:cxnSp>
+        <p:nvCxnSpPr>
+          <p:cNvPr id="71" name="Straight Connector 70"/>
+          <p:cNvCxnSpPr/>
+          <p:nvPr/>
+        </p:nvCxnSpPr>
+        <p:spPr>
+          <a:xfrm>
+            <a:off x="2572296" y="2232077"/>
+            <a:ext cx="6480720" cy="0"/>
+          </a:xfrm>
+          <a:prstGeom prst="line">
+            <a:avLst/>
+          </a:prstGeom>
+        </p:spPr>
+        <p:style>
+          <a:lnRef idx="1">
+            <a:schemeClr val="accent1"/>
+          </a:lnRef>
+          <a:fillRef idx="0">
+            <a:schemeClr val="accent1"/>
+          </a:fillRef>
+          <a:effectRef idx="0">
+            <a:schemeClr val="accent1"/>
+          </a:effectRef>
+          <a:fontRef idx="minor">
+            <a:schemeClr val="tx1"/>
+          </a:fontRef>
+        </p:style>
+      </p:cxnSp>
+      <p:sp>
+        <p:nvSpPr>
+          <p:cNvPr id="72" name="TextBox 71"/>
+          <p:cNvSpPr txBox="1"/>
+          <p:nvPr/>
+        </p:nvSpPr>
+        <p:spPr>
+          <a:xfrm>
+            <a:off x="2771705" y="2289820"/>
+            <a:ext cx="723275" cy="246221"/>
+          </a:xfrm>
+          <a:prstGeom prst="rect">
+            <a:avLst/>
+          </a:prstGeom>
+          <a:noFill/>
+        </p:spPr>
+        <p:txBody>
+          <a:bodyPr wrap="none" rtlCol="0">
+            <a:spAutoFit/>
+          </a:bodyPr>
+          <a:lstStyle/>
+          <a:p>
+            <a:pPr>
+              <a:buClrTx/>
+              <a:buFontTx/>
+              <a:buNone/>
+            </a:pPr>
+            <a:r>
+              <a:rPr lang="en-IN" sz="1000" kern="1200" dirty="0">
+                <a:ea typeface="+mn-ea"/>
+                <a:cs typeface="+mn-cs"/>
+              </a:rPr>
+              <a:t>Version 3</a:t>
+            </a:r>
+          </a:p>
+        </p:txBody>
+      </p:sp>
+      <p:cxnSp>
+        <p:nvCxnSpPr>
+          <p:cNvPr id="73" name="Straight Connector 72"/>
+          <p:cNvCxnSpPr/>
+          <p:nvPr/>
+        </p:nvCxnSpPr>
+        <p:spPr>
+          <a:xfrm>
+            <a:off x="2572296" y="3257936"/>
+            <a:ext cx="6480720" cy="0"/>
+          </a:xfrm>
+          <a:prstGeom prst="line">
+            <a:avLst/>
+          </a:prstGeom>
+        </p:spPr>
+        <p:style>
+          <a:lnRef idx="1">
+            <a:schemeClr val="accent1"/>
+          </a:lnRef>
+          <a:fillRef idx="0">
+            <a:schemeClr val="accent1"/>
+          </a:fillRef>
+          <a:effectRef idx="0">
+            <a:schemeClr val="accent1"/>
+          </a:effectRef>
+          <a:fontRef idx="minor">
+            <a:schemeClr val="tx1"/>
+          </a:fontRef>
+        </p:style>
+      </p:cxnSp>
+      <p:sp>
+        <p:nvSpPr>
+          <p:cNvPr id="74" name="TextBox 73"/>
+          <p:cNvSpPr txBox="1"/>
+          <p:nvPr/>
+        </p:nvSpPr>
+        <p:spPr>
+          <a:xfrm>
+            <a:off x="2771705" y="3347117"/>
+            <a:ext cx="723275" cy="246221"/>
+          </a:xfrm>
+          <a:prstGeom prst="rect">
+            <a:avLst/>
+          </a:prstGeom>
+          <a:noFill/>
+        </p:spPr>
+        <p:txBody>
+          <a:bodyPr wrap="none" rtlCol="0">
+            <a:spAutoFit/>
+          </a:bodyPr>
+          <a:lstStyle/>
+          <a:p>
+            <a:pPr>
+              <a:buClrTx/>
+              <a:buFontTx/>
+              <a:buNone/>
+            </a:pPr>
+            <a:r>
+              <a:rPr lang="en-IN" sz="1000" kern="1200" dirty="0">
+                <a:ea typeface="+mn-ea"/>
+                <a:cs typeface="+mn-cs"/>
+              </a:rPr>
+              <a:t>Version 4</a:t>
+            </a:r>
+          </a:p>
+        </p:txBody>
+      </p:sp>
+      <p:sp>
+        <p:nvSpPr>
+          <p:cNvPr id="2" name="TextBox 1"/>
+          <p:cNvSpPr txBox="1"/>
+          <p:nvPr/>
+        </p:nvSpPr>
+        <p:spPr>
+          <a:xfrm>
+            <a:off x="2673480" y="4565561"/>
+            <a:ext cx="6194324" cy="577081"/>
+          </a:xfrm>
+          <a:prstGeom prst="rect">
+            <a:avLst/>
+          </a:prstGeom>
+          <a:noFill/>
+        </p:spPr>
+        <p:txBody>
+          <a:bodyPr wrap="none" rtlCol="0">
+            <a:spAutoFit/>
+          </a:bodyPr>
+          <a:lstStyle/>
+          <a:p>
+            <a:r>
+              <a:rPr lang="en-IN" sz="1050" b="1" u="sng" dirty="0"/>
+              <a:t>Note:</a:t>
+            </a:r>
+            <a:r>
+              <a:rPr lang="en-IN" sz="1050" b="1" dirty="0"/>
+              <a:t> </a:t>
+            </a:r>
+            <a:r>
               <a:rPr lang="en-IN" sz="1050" dirty="0"/>
-              <a:t>Medical records will be accessed over the </a:t>
-            </a:r>
-            <a:r>
-              <a:rPr lang="en-IN" sz="1050" b="1" dirty="0"/>
-              <a:t>Internet</a:t>
-            </a:r>
+              <a:t>For Versions 3&amp;4, partnership with established IT firms for large scale deployment of software </a:t>
+            </a:r>
+          </a:p>
+          <a:p>
             <a:r>
               <a:rPr lang="en-IN" sz="1050" dirty="0"/>
-              <a:t> demanding people to be familiar</a:t>
-            </a:r>
-          </a:p>
-          <a:p>
-            <a:r>
-              <a:rPr lang="en-IN" sz="1050" dirty="0"/>
-              <a:t>     with internet.</a:t>
-            </a:r>
-          </a:p>
-          <a:p>
-            <a:pPr marL="171450" indent="-171450">
-              <a:buFont typeface="Arial" pitchFamily="34" charset="0"/>
-              <a:buChar char="•"/>
-            </a:pPr>
-            <a:r>
-              <a:rPr lang="en-IN" sz="1050" dirty="0"/>
-              <a:t>People with internet access can avail the services </a:t>
-            </a:r>
-            <a:r>
-              <a:rPr lang="en-IN" sz="1050" b="1" dirty="0"/>
-              <a:t>using web application</a:t>
-            </a:r>
-            <a:r>
-              <a:rPr lang="en-IN" sz="1050" dirty="0"/>
-              <a:t>.</a:t>
-            </a:r>
-          </a:p>
-          <a:p>
-            <a:pPr marL="171450" indent="-171450">
-              <a:buFont typeface="Arial" pitchFamily="34" charset="0"/>
-              <a:buChar char="•"/>
-            </a:pPr>
-            <a:r>
-              <a:rPr lang="en-IN" sz="1050" dirty="0"/>
-              <a:t>People without internet access can visit the nearby hospital and avail the service</a:t>
-            </a:r>
-          </a:p>
-          <a:p>
-            <a:r>
-              <a:rPr lang="en-IN" sz="1050" dirty="0"/>
-              <a:t>     (</a:t>
-            </a:r>
-            <a:r>
-              <a:rPr lang="en-IN" sz="1050" b="1" dirty="0"/>
-              <a:t>using bio-metric authentication</a:t>
-            </a:r>
-            <a:r>
-              <a:rPr lang="en-IN" sz="1050" dirty="0"/>
-              <a:t>).</a:t>
-            </a:r>
-          </a:p>
-          <a:p>
-            <a:pPr marL="171450" indent="-171450">
-              <a:buFont typeface="Arial" pitchFamily="34" charset="0"/>
-              <a:buChar char="•"/>
-            </a:pPr>
-            <a:r>
-              <a:rPr lang="en-IN" sz="1050" dirty="0"/>
-              <a:t>For hospitals, shifting from their </a:t>
-            </a:r>
-            <a:r>
-              <a:rPr lang="en-IN" sz="1050" b="1" dirty="0"/>
-              <a:t>traditional/current</a:t>
-            </a:r>
-            <a:r>
-              <a:rPr lang="en-IN" sz="1050" dirty="0"/>
-              <a:t> system to </a:t>
-            </a:r>
-            <a:r>
-              <a:rPr lang="en-IN" sz="1050" b="1" dirty="0"/>
-              <a:t>blockchain based </a:t>
-            </a:r>
-          </a:p>
-          <a:p>
-            <a:r>
-              <a:rPr lang="en-IN" sz="1050" b="1" dirty="0"/>
-              <a:t>     scheme </a:t>
-            </a:r>
-            <a:r>
-              <a:rPr lang="en-IN" sz="1050" dirty="0"/>
-              <a:t>might be challenging but the </a:t>
-            </a:r>
-            <a:r>
-              <a:rPr lang="en-IN" sz="1050" b="1" dirty="0"/>
-              <a:t>future</a:t>
-            </a:r>
-            <a:r>
-              <a:rPr lang="en-IN" sz="1050" dirty="0"/>
-              <a:t> outcome would be </a:t>
-            </a:r>
-            <a:r>
-              <a:rPr lang="en-IN" sz="1050" b="1" dirty="0"/>
-              <a:t>highly beneficial</a:t>
-            </a:r>
-            <a:r>
-              <a:rPr lang="en-IN" sz="1050" dirty="0"/>
-              <a:t>.</a:t>
-            </a:r>
-          </a:p>
-          <a:p>
-            <a:pPr marL="171450" indent="-171450">
-              <a:buFont typeface="Arial" pitchFamily="34" charset="0"/>
-              <a:buChar char="•"/>
-            </a:pPr>
-            <a:r>
-              <a:rPr lang="en-IN" sz="1050" b="1" dirty="0"/>
-              <a:t>Partnership</a:t>
-            </a:r>
-            <a:r>
-              <a:rPr lang="en-IN" sz="1050" dirty="0"/>
-              <a:t> with </a:t>
-            </a:r>
-            <a:r>
-              <a:rPr lang="en-IN" sz="1050" b="1" dirty="0"/>
-              <a:t>MNCs</a:t>
-            </a:r>
-            <a:r>
-              <a:rPr lang="en-IN" sz="1050" dirty="0"/>
-              <a:t> for large scale </a:t>
-            </a:r>
-            <a:r>
-              <a:rPr lang="en-IN" sz="1050" b="1" dirty="0"/>
-              <a:t>deployment</a:t>
-            </a:r>
-            <a:r>
-              <a:rPr lang="en-IN" sz="1050" dirty="0"/>
-              <a:t> of software as well as </a:t>
-            </a:r>
-            <a:r>
-              <a:rPr lang="en-IN" sz="1050" b="1" dirty="0"/>
-              <a:t>training</a:t>
-            </a:r>
-            <a:r>
-              <a:rPr lang="en-IN" sz="1050" dirty="0"/>
-              <a:t>.</a:t>
-            </a:r>
-          </a:p>
-          <a:p>
-            <a:endParaRPr lang="en-IN" sz="1050" dirty="0"/>
-          </a:p>
-          <a:p>
-            <a:pPr marL="171450" indent="-171450">
-              <a:buFont typeface="Arial" pitchFamily="34" charset="0"/>
-              <a:buChar char="•"/>
-            </a:pPr>
+              <a:t>          as well as training.</a:t>
+            </a:r>
+          </a:p>
+          <a:p>
             <a:endParaRPr lang="en-IN" sz="1050" dirty="0"/>
           </a:p>
         </p:txBody>
@@ -15814,7 +16248,7 @@
     </p:spTree>
     <p:extLst>
       <p:ext uri="{BB962C8B-B14F-4D97-AF65-F5344CB8AC3E}">
-        <p14:creationId xmlns:p14="http://schemas.microsoft.com/office/powerpoint/2010/main" val="3992344039"/>
+        <p14:creationId xmlns:p14="http://schemas.microsoft.com/office/powerpoint/2010/main" val="2142255268"/>
       </p:ext>
     </p:extLst>
   </p:cSld>
